--- a/documentations/learning-go.pptx
+++ b/documentations/learning-go.pptx
@@ -23,8 +23,9 @@
     <p:sldId id="273" r:id="rId17"/>
     <p:sldId id="274" r:id="rId18"/>
     <p:sldId id="275" r:id="rId19"/>
-    <p:sldId id="262" r:id="rId20"/>
-    <p:sldId id="267" r:id="rId21"/>
+    <p:sldId id="276" r:id="rId20"/>
+    <p:sldId id="262" r:id="rId21"/>
+    <p:sldId id="267" r:id="rId22"/>
   </p:sldIdLst>
   <p:sldSz cx="12192000" cy="6858000"/>
   <p:notesSz cx="6858000" cy="9144000"/>
@@ -8861,305 +8862,42 @@
           <a:p>
             <a:r>
               <a:rPr lang="fr-FR" dirty="0" smtClean="0"/>
-              <a:t>Déclaration des variables</a:t>
+              <a:t>Hello, Go!</a:t>
             </a:r>
             <a:endParaRPr lang="fr-FR" dirty="0"/>
           </a:p>
         </p:txBody>
       </p:sp>
-      <p:sp>
-        <p:nvSpPr>
-          <p:cNvPr id="3" name="Espace réservé du contenu 2"/>
-          <p:cNvSpPr>
-            <a:spLocks noGrp="1"/>
-          </p:cNvSpPr>
+      <p:pic>
+        <p:nvPicPr>
+          <p:cNvPr id="7" name="Espace réservé du contenu 6"/>
+          <p:cNvPicPr>
+            <a:picLocks noGrp="1" noChangeAspect="1"/>
+          </p:cNvPicPr>
           <p:nvPr>
             <p:ph idx="1"/>
           </p:nvPr>
-        </p:nvSpPr>
-        <p:spPr/>
-        <p:txBody>
-          <a:bodyPr anchor="ctr"/>
-          <a:lstStyle/>
-          <a:p>
-            <a:r>
-              <a:rPr lang="fr-FR" dirty="0" smtClean="0"/>
-              <a:t>Mot-clé : </a:t>
-            </a:r>
-            <a:r>
-              <a:rPr lang="fr-FR" b="1" dirty="0" smtClean="0">
-                <a:solidFill>
-                  <a:schemeClr val="accent6"/>
-                </a:solidFill>
-              </a:rPr>
-              <a:t>var </a:t>
-            </a:r>
-            <a:r>
-              <a:rPr lang="fr-FR" dirty="0" smtClean="0">
-                <a:solidFill>
-                  <a:schemeClr val="tx1"/>
-                </a:solidFill>
-              </a:rPr>
-              <a:t>(optionnel mais bonne pratique)</a:t>
-            </a:r>
-            <a:endParaRPr lang="fr-FR" b="1" dirty="0" smtClean="0">
-              <a:solidFill>
-                <a:schemeClr val="accent6"/>
-              </a:solidFill>
-            </a:endParaRPr>
-          </a:p>
-          <a:p>
-            <a:r>
-              <a:rPr lang="fr-FR" dirty="0" smtClean="0"/>
-              <a:t>Déclarations possibles :</a:t>
-            </a:r>
-          </a:p>
-          <a:p>
-            <a:pPr lvl="1"/>
-            <a:r>
-              <a:rPr lang="fr-FR" b="1" dirty="0" smtClean="0">
-                <a:solidFill>
-                  <a:schemeClr val="accent6"/>
-                </a:solidFill>
-              </a:rPr>
-              <a:t>var</a:t>
-            </a:r>
-            <a:r>
-              <a:rPr lang="fr-FR" dirty="0" smtClean="0"/>
-              <a:t> </a:t>
-            </a:r>
-            <a:r>
-              <a:rPr lang="fr-FR" i="1" dirty="0" smtClean="0"/>
-              <a:t>&lt;nomDeVariable&gt; &lt;type&gt;</a:t>
-            </a:r>
-          </a:p>
-          <a:p>
-            <a:pPr lvl="1"/>
-            <a:r>
-              <a:rPr lang="fr-FR" b="1" dirty="0">
-                <a:solidFill>
-                  <a:schemeClr val="accent6"/>
-                </a:solidFill>
-              </a:rPr>
-              <a:t>var</a:t>
-            </a:r>
-            <a:r>
-              <a:rPr lang="fr-FR" dirty="0"/>
-              <a:t> </a:t>
-            </a:r>
-            <a:r>
-              <a:rPr lang="fr-FR" i="1" dirty="0"/>
-              <a:t>&lt;nomDeVariable&gt; &lt;type</a:t>
-            </a:r>
-            <a:r>
-              <a:rPr lang="fr-FR" i="1" dirty="0" smtClean="0"/>
-              <a:t>&gt;</a:t>
-            </a:r>
-            <a:r>
-              <a:rPr lang="fr-FR" dirty="0" smtClean="0"/>
-              <a:t> </a:t>
-            </a:r>
-            <a:r>
-              <a:rPr lang="fr-FR" b="1" dirty="0" smtClean="0">
-                <a:solidFill>
-                  <a:schemeClr val="accent6"/>
-                </a:solidFill>
-              </a:rPr>
-              <a:t>=</a:t>
-            </a:r>
-            <a:r>
-              <a:rPr lang="fr-FR" dirty="0" smtClean="0"/>
-              <a:t> </a:t>
-            </a:r>
-            <a:r>
-              <a:rPr lang="fr-FR" i="1" dirty="0" smtClean="0"/>
-              <a:t>&lt;valeur&gt;</a:t>
-            </a:r>
-          </a:p>
-          <a:p>
-            <a:pPr lvl="1"/>
-            <a:r>
-              <a:rPr lang="fr-FR" i="1" dirty="0" smtClean="0"/>
-              <a:t>&lt;</a:t>
-            </a:r>
-            <a:r>
-              <a:rPr lang="fr-FR" i="1" dirty="0"/>
-              <a:t>nomDeVariable&gt; </a:t>
-            </a:r>
-            <a:r>
-              <a:rPr lang="fr-FR" b="1" dirty="0" smtClean="0">
-                <a:solidFill>
-                  <a:schemeClr val="accent6"/>
-                </a:solidFill>
-              </a:rPr>
-              <a:t>:=</a:t>
-            </a:r>
-            <a:r>
-              <a:rPr lang="fr-FR" dirty="0" smtClean="0"/>
-              <a:t> </a:t>
-            </a:r>
-            <a:r>
-              <a:rPr lang="fr-FR" i="1" dirty="0" smtClean="0"/>
-              <a:t>&lt;valeur&gt; </a:t>
-            </a:r>
-            <a:r>
-              <a:rPr lang="fr-FR" i="1" dirty="0" smtClean="0">
-                <a:solidFill>
-                  <a:schemeClr val="accent1">
-                    <a:lumMod val="40000"/>
-                    <a:lumOff val="60000"/>
-                  </a:schemeClr>
-                </a:solidFill>
-              </a:rPr>
-              <a:t>(le type de la variable dépend de la valeur)</a:t>
-            </a:r>
-          </a:p>
-          <a:p>
-            <a:r>
-              <a:rPr lang="fr-FR" dirty="0" smtClean="0"/>
-              <a:t>Exemples :</a:t>
-            </a:r>
-          </a:p>
-          <a:p>
-            <a:pPr lvl="1"/>
-            <a:r>
-              <a:rPr lang="fr-FR" b="1" dirty="0" smtClean="0">
-                <a:solidFill>
-                  <a:schemeClr val="accent6"/>
-                </a:solidFill>
-              </a:rPr>
-              <a:t>var</a:t>
-            </a:r>
-            <a:r>
-              <a:rPr lang="fr-FR" dirty="0" smtClean="0"/>
-              <a:t> </a:t>
-            </a:r>
-            <a:r>
-              <a:rPr lang="fr-FR" i="1" dirty="0" smtClean="0"/>
-              <a:t>a</a:t>
-            </a:r>
-            <a:r>
-              <a:rPr lang="fr-FR" dirty="0" smtClean="0"/>
-              <a:t> </a:t>
-            </a:r>
-            <a:r>
-              <a:rPr lang="fr-FR" b="1" dirty="0" smtClean="0">
-                <a:solidFill>
-                  <a:schemeClr val="accent6"/>
-                </a:solidFill>
-              </a:rPr>
-              <a:t>int8</a:t>
-            </a:r>
-          </a:p>
-          <a:p>
-            <a:pPr lvl="1"/>
-            <a:r>
-              <a:rPr lang="fr-FR" b="1" dirty="0">
-                <a:solidFill>
-                  <a:schemeClr val="accent6"/>
-                </a:solidFill>
-              </a:rPr>
-              <a:t>var</a:t>
-            </a:r>
-            <a:r>
-              <a:rPr lang="fr-FR" dirty="0"/>
-              <a:t> </a:t>
-            </a:r>
-            <a:r>
-              <a:rPr lang="fr-FR" i="1" dirty="0" smtClean="0"/>
-              <a:t>b</a:t>
-            </a:r>
-            <a:r>
-              <a:rPr lang="fr-FR" dirty="0" smtClean="0"/>
-              <a:t> </a:t>
-            </a:r>
-            <a:r>
-              <a:rPr lang="fr-FR" b="1" dirty="0" smtClean="0">
-                <a:solidFill>
-                  <a:schemeClr val="accent6"/>
-                </a:solidFill>
-              </a:rPr>
-              <a:t>string</a:t>
-            </a:r>
-            <a:r>
-              <a:rPr lang="fr-FR" b="1" dirty="0">
-                <a:solidFill>
-                  <a:schemeClr val="accent6"/>
-                </a:solidFill>
-              </a:rPr>
-              <a:t> </a:t>
-            </a:r>
-            <a:r>
-              <a:rPr lang="fr-FR" b="1" dirty="0" smtClean="0">
-                <a:solidFill>
-                  <a:schemeClr val="accent6"/>
-                </a:solidFill>
-              </a:rPr>
-              <a:t>= ″</a:t>
-            </a:r>
-            <a:r>
-              <a:rPr lang="fr-FR" b="1" dirty="0" smtClean="0">
-                <a:solidFill>
-                  <a:schemeClr val="tx1"/>
-                </a:solidFill>
-              </a:rPr>
-              <a:t>A string of caracters</a:t>
-            </a:r>
-            <a:r>
-              <a:rPr lang="fr-FR" b="1" dirty="0">
-                <a:solidFill>
-                  <a:schemeClr val="tx1"/>
-                </a:solidFill>
-              </a:rPr>
-              <a:t> </a:t>
-            </a:r>
-            <a:r>
-              <a:rPr lang="fr-FR" b="1" dirty="0">
-                <a:solidFill>
-                  <a:schemeClr val="accent6"/>
-                </a:solidFill>
-              </a:rPr>
-              <a:t>″</a:t>
-            </a:r>
-          </a:p>
-          <a:p>
-            <a:pPr lvl="1"/>
-            <a:r>
-              <a:rPr lang="fr-FR" i="1" dirty="0"/>
-              <a:t>c</a:t>
-            </a:r>
-            <a:r>
-              <a:rPr lang="fr-FR" dirty="0" smtClean="0"/>
-              <a:t> </a:t>
-            </a:r>
-            <a:r>
-              <a:rPr lang="fr-FR" b="1" dirty="0" smtClean="0">
-                <a:solidFill>
-                  <a:schemeClr val="accent6"/>
-                </a:solidFill>
-              </a:rPr>
-              <a:t>:=</a:t>
-            </a:r>
-            <a:r>
-              <a:rPr lang="fr-FR" dirty="0" smtClean="0"/>
-              <a:t> </a:t>
-            </a:r>
-            <a:r>
-              <a:rPr lang="fr-FR" i="1" dirty="0" smtClean="0"/>
-              <a:t>112</a:t>
-            </a:r>
-            <a:endParaRPr lang="fr-FR" b="1" i="1" dirty="0">
-              <a:solidFill>
-                <a:schemeClr val="accent6"/>
-              </a:solidFill>
-            </a:endParaRPr>
-          </a:p>
-        </p:txBody>
-      </p:sp>
+        </p:nvPicPr>
+        <p:blipFill>
+          <a:blip r:embed="rId2"/>
+          <a:stretch>
+            <a:fillRect/>
+          </a:stretch>
+        </p:blipFill>
+        <p:spPr>
+          <a:xfrm>
+            <a:off x="2592925" y="1905000"/>
+            <a:ext cx="3714750" cy="2276475"/>
+          </a:xfrm>
+          <a:prstGeom prst="rect">
+            <a:avLst/>
+          </a:prstGeom>
+        </p:spPr>
+      </p:pic>
     </p:spTree>
     <p:extLst>
       <p:ext uri="{BB962C8B-B14F-4D97-AF65-F5344CB8AC3E}">
-        <p14:creationId xmlns:p14="http://schemas.microsoft.com/office/powerpoint/2010/main" val="714360546"/>
+        <p14:creationId xmlns:p14="http://schemas.microsoft.com/office/powerpoint/2010/main" val="2084393260"/>
       </p:ext>
     </p:extLst>
   </p:cSld>
@@ -9324,6 +9062,355 @@
 </file>
 
 <file path=ppt/slides/slide20.xml><?xml version="1.0" encoding="utf-8"?>
+<p:sld xmlns:a="http://schemas.openxmlformats.org/drawingml/2006/main" xmlns:r="http://schemas.openxmlformats.org/officeDocument/2006/relationships" xmlns:p="http://schemas.openxmlformats.org/presentationml/2006/main">
+  <p:cSld>
+    <p:spTree>
+      <p:nvGrpSpPr>
+        <p:cNvPr id="1" name=""/>
+        <p:cNvGrpSpPr/>
+        <p:nvPr/>
+      </p:nvGrpSpPr>
+      <p:grpSpPr>
+        <a:xfrm>
+          <a:off x="0" y="0"/>
+          <a:ext cx="0" cy="0"/>
+          <a:chOff x="0" y="0"/>
+          <a:chExt cx="0" cy="0"/>
+        </a:xfrm>
+      </p:grpSpPr>
+      <p:sp>
+        <p:nvSpPr>
+          <p:cNvPr id="2" name="Titre 1"/>
+          <p:cNvSpPr>
+            <a:spLocks noGrp="1"/>
+          </p:cNvSpPr>
+          <p:nvPr>
+            <p:ph type="title"/>
+          </p:nvPr>
+        </p:nvSpPr>
+        <p:spPr/>
+        <p:txBody>
+          <a:bodyPr/>
+          <a:lstStyle/>
+          <a:p>
+            <a:r>
+              <a:rPr lang="fr-FR" dirty="0" smtClean="0"/>
+              <a:t>Déclaration des variables</a:t>
+            </a:r>
+            <a:endParaRPr lang="fr-FR" dirty="0"/>
+          </a:p>
+        </p:txBody>
+      </p:sp>
+      <p:sp>
+        <p:nvSpPr>
+          <p:cNvPr id="3" name="Espace réservé du contenu 2"/>
+          <p:cNvSpPr>
+            <a:spLocks noGrp="1"/>
+          </p:cNvSpPr>
+          <p:nvPr>
+            <p:ph idx="1"/>
+          </p:nvPr>
+        </p:nvSpPr>
+        <p:spPr/>
+        <p:txBody>
+          <a:bodyPr anchor="ctr"/>
+          <a:lstStyle/>
+          <a:p>
+            <a:r>
+              <a:rPr lang="fr-FR" dirty="0" smtClean="0"/>
+              <a:t>Mot-clé : </a:t>
+            </a:r>
+            <a:r>
+              <a:rPr lang="fr-FR" b="1" dirty="0" smtClean="0">
+                <a:solidFill>
+                  <a:schemeClr val="accent6"/>
+                </a:solidFill>
+              </a:rPr>
+              <a:t>var </a:t>
+            </a:r>
+            <a:r>
+              <a:rPr lang="fr-FR" dirty="0" smtClean="0">
+                <a:solidFill>
+                  <a:schemeClr val="tx1"/>
+                </a:solidFill>
+              </a:rPr>
+              <a:t>(optionnel mais bonne pratique)</a:t>
+            </a:r>
+            <a:endParaRPr lang="fr-FR" b="1" dirty="0" smtClean="0">
+              <a:solidFill>
+                <a:schemeClr val="accent6"/>
+              </a:solidFill>
+            </a:endParaRPr>
+          </a:p>
+          <a:p>
+            <a:r>
+              <a:rPr lang="fr-FR" dirty="0" smtClean="0"/>
+              <a:t>Déclarations possibles :</a:t>
+            </a:r>
+          </a:p>
+          <a:p>
+            <a:pPr lvl="1"/>
+            <a:r>
+              <a:rPr lang="fr-FR" b="1" dirty="0" smtClean="0">
+                <a:solidFill>
+                  <a:schemeClr val="accent6"/>
+                </a:solidFill>
+              </a:rPr>
+              <a:t>var</a:t>
+            </a:r>
+            <a:r>
+              <a:rPr lang="fr-FR" dirty="0" smtClean="0"/>
+              <a:t> </a:t>
+            </a:r>
+            <a:r>
+              <a:rPr lang="fr-FR" i="1" dirty="0" smtClean="0"/>
+              <a:t>&lt;nomDeVariable&gt; &lt;type&gt;</a:t>
+            </a:r>
+          </a:p>
+          <a:p>
+            <a:pPr lvl="1"/>
+            <a:r>
+              <a:rPr lang="fr-FR" b="1" dirty="0">
+                <a:solidFill>
+                  <a:schemeClr val="accent6"/>
+                </a:solidFill>
+              </a:rPr>
+              <a:t>var</a:t>
+            </a:r>
+            <a:r>
+              <a:rPr lang="fr-FR" dirty="0"/>
+              <a:t> </a:t>
+            </a:r>
+            <a:r>
+              <a:rPr lang="fr-FR" i="1" dirty="0"/>
+              <a:t>&lt;nomDeVariable&gt; &lt;type</a:t>
+            </a:r>
+            <a:r>
+              <a:rPr lang="fr-FR" i="1" dirty="0" smtClean="0"/>
+              <a:t>&gt;</a:t>
+            </a:r>
+            <a:r>
+              <a:rPr lang="fr-FR" dirty="0" smtClean="0"/>
+              <a:t> </a:t>
+            </a:r>
+            <a:r>
+              <a:rPr lang="fr-FR" b="1" dirty="0" smtClean="0">
+                <a:solidFill>
+                  <a:schemeClr val="accent6"/>
+                </a:solidFill>
+              </a:rPr>
+              <a:t>=</a:t>
+            </a:r>
+            <a:r>
+              <a:rPr lang="fr-FR" dirty="0" smtClean="0"/>
+              <a:t> </a:t>
+            </a:r>
+            <a:r>
+              <a:rPr lang="fr-FR" i="1" dirty="0" smtClean="0"/>
+              <a:t>&lt;valeur&gt;</a:t>
+            </a:r>
+          </a:p>
+          <a:p>
+            <a:pPr lvl="1"/>
+            <a:r>
+              <a:rPr lang="fr-FR" i="1" dirty="0" smtClean="0"/>
+              <a:t>&lt;</a:t>
+            </a:r>
+            <a:r>
+              <a:rPr lang="fr-FR" i="1" dirty="0"/>
+              <a:t>nomDeVariable&gt; </a:t>
+            </a:r>
+            <a:r>
+              <a:rPr lang="fr-FR" b="1" dirty="0" smtClean="0">
+                <a:solidFill>
+                  <a:schemeClr val="accent6"/>
+                </a:solidFill>
+              </a:rPr>
+              <a:t>:=</a:t>
+            </a:r>
+            <a:r>
+              <a:rPr lang="fr-FR" dirty="0" smtClean="0"/>
+              <a:t> </a:t>
+            </a:r>
+            <a:r>
+              <a:rPr lang="fr-FR" i="1" dirty="0" smtClean="0"/>
+              <a:t>&lt;valeur&gt; </a:t>
+            </a:r>
+            <a:r>
+              <a:rPr lang="fr-FR" i="1" dirty="0" smtClean="0">
+                <a:solidFill>
+                  <a:schemeClr val="accent1">
+                    <a:lumMod val="40000"/>
+                    <a:lumOff val="60000"/>
+                  </a:schemeClr>
+                </a:solidFill>
+              </a:rPr>
+              <a:t>(le type de la variable dépend de la valeur)</a:t>
+            </a:r>
+          </a:p>
+          <a:p>
+            <a:r>
+              <a:rPr lang="fr-FR" dirty="0" smtClean="0"/>
+              <a:t>Exemples :</a:t>
+            </a:r>
+          </a:p>
+          <a:p>
+            <a:pPr lvl="1"/>
+            <a:r>
+              <a:rPr lang="fr-FR" b="1" dirty="0" smtClean="0">
+                <a:solidFill>
+                  <a:schemeClr val="accent6"/>
+                </a:solidFill>
+              </a:rPr>
+              <a:t>var</a:t>
+            </a:r>
+            <a:r>
+              <a:rPr lang="fr-FR" dirty="0" smtClean="0"/>
+              <a:t> </a:t>
+            </a:r>
+            <a:r>
+              <a:rPr lang="fr-FR" i="1" dirty="0" smtClean="0"/>
+              <a:t>a</a:t>
+            </a:r>
+            <a:r>
+              <a:rPr lang="fr-FR" dirty="0" smtClean="0"/>
+              <a:t> </a:t>
+            </a:r>
+            <a:r>
+              <a:rPr lang="fr-FR" b="1" dirty="0" smtClean="0">
+                <a:solidFill>
+                  <a:schemeClr val="accent6"/>
+                </a:solidFill>
+              </a:rPr>
+              <a:t>int8</a:t>
+            </a:r>
+          </a:p>
+          <a:p>
+            <a:pPr lvl="1"/>
+            <a:r>
+              <a:rPr lang="fr-FR" b="1" dirty="0">
+                <a:solidFill>
+                  <a:schemeClr val="accent6"/>
+                </a:solidFill>
+              </a:rPr>
+              <a:t>var</a:t>
+            </a:r>
+            <a:r>
+              <a:rPr lang="fr-FR" dirty="0"/>
+              <a:t> </a:t>
+            </a:r>
+            <a:r>
+              <a:rPr lang="fr-FR" i="1" dirty="0" smtClean="0"/>
+              <a:t>b</a:t>
+            </a:r>
+            <a:r>
+              <a:rPr lang="fr-FR" dirty="0" smtClean="0"/>
+              <a:t> </a:t>
+            </a:r>
+            <a:r>
+              <a:rPr lang="fr-FR" b="1" dirty="0" smtClean="0">
+                <a:solidFill>
+                  <a:schemeClr val="accent6"/>
+                </a:solidFill>
+              </a:rPr>
+              <a:t>string</a:t>
+            </a:r>
+            <a:r>
+              <a:rPr lang="fr-FR" b="1" dirty="0">
+                <a:solidFill>
+                  <a:schemeClr val="accent6"/>
+                </a:solidFill>
+              </a:rPr>
+              <a:t> </a:t>
+            </a:r>
+            <a:r>
+              <a:rPr lang="fr-FR" b="1" dirty="0" smtClean="0">
+                <a:solidFill>
+                  <a:schemeClr val="accent6"/>
+                </a:solidFill>
+              </a:rPr>
+              <a:t>= ″</a:t>
+            </a:r>
+            <a:r>
+              <a:rPr lang="fr-FR" b="1" dirty="0" smtClean="0">
+                <a:solidFill>
+                  <a:schemeClr val="tx1"/>
+                </a:solidFill>
+              </a:rPr>
+              <a:t>A string of caracters</a:t>
+            </a:r>
+            <a:r>
+              <a:rPr lang="fr-FR" b="1" dirty="0">
+                <a:solidFill>
+                  <a:schemeClr val="tx1"/>
+                </a:solidFill>
+              </a:rPr>
+              <a:t> </a:t>
+            </a:r>
+            <a:r>
+              <a:rPr lang="fr-FR" b="1" dirty="0">
+                <a:solidFill>
+                  <a:schemeClr val="accent6"/>
+                </a:solidFill>
+              </a:rPr>
+              <a:t>″</a:t>
+            </a:r>
+          </a:p>
+          <a:p>
+            <a:pPr lvl="1"/>
+            <a:r>
+              <a:rPr lang="fr-FR" i="1" dirty="0"/>
+              <a:t>c</a:t>
+            </a:r>
+            <a:r>
+              <a:rPr lang="fr-FR" dirty="0" smtClean="0"/>
+              <a:t> </a:t>
+            </a:r>
+            <a:r>
+              <a:rPr lang="fr-FR" b="1" dirty="0" smtClean="0">
+                <a:solidFill>
+                  <a:schemeClr val="accent6"/>
+                </a:solidFill>
+              </a:rPr>
+              <a:t>:=</a:t>
+            </a:r>
+            <a:r>
+              <a:rPr lang="fr-FR" dirty="0" smtClean="0"/>
+              <a:t> </a:t>
+            </a:r>
+            <a:r>
+              <a:rPr lang="fr-FR" i="1" dirty="0" smtClean="0"/>
+              <a:t>112</a:t>
+            </a:r>
+            <a:endParaRPr lang="fr-FR" b="1" i="1" dirty="0">
+              <a:solidFill>
+                <a:schemeClr val="accent6"/>
+              </a:solidFill>
+            </a:endParaRPr>
+          </a:p>
+        </p:txBody>
+      </p:sp>
+    </p:spTree>
+    <p:extLst>
+      <p:ext uri="{BB962C8B-B14F-4D97-AF65-F5344CB8AC3E}">
+        <p14:creationId xmlns:p14="http://schemas.microsoft.com/office/powerpoint/2010/main" val="714360546"/>
+      </p:ext>
+    </p:extLst>
+  </p:cSld>
+  <p:clrMapOvr>
+    <a:masterClrMapping/>
+  </p:clrMapOvr>
+  <p:timing>
+    <p:tnLst>
+      <p:par>
+        <p:cTn id="1" dur="indefinite" restart="never" nodeType="tmRoot"/>
+      </p:par>
+    </p:tnLst>
+  </p:timing>
+</p:sld>
+</file>
+
+<file path=ppt/slides/slide21.xml><?xml version="1.0" encoding="utf-8"?>
 <p:sld xmlns:a="http://schemas.openxmlformats.org/drawingml/2006/main" xmlns:r="http://schemas.openxmlformats.org/officeDocument/2006/relationships" xmlns:p="http://schemas.openxmlformats.org/presentationml/2006/main">
   <p:cSld>
     <p:spTree>

--- a/documentations/learning-go.pptx
+++ b/documentations/learning-go.pptx
@@ -24,8 +24,9 @@
     <p:sldId id="274" r:id="rId18"/>
     <p:sldId id="275" r:id="rId19"/>
     <p:sldId id="276" r:id="rId20"/>
-    <p:sldId id="262" r:id="rId21"/>
-    <p:sldId id="267" r:id="rId22"/>
+    <p:sldId id="277" r:id="rId21"/>
+    <p:sldId id="262" r:id="rId22"/>
+    <p:sldId id="267" r:id="rId23"/>
   </p:sldIdLst>
   <p:sldSz cx="12192000" cy="6858000"/>
   <p:notesSz cx="6858000" cy="9144000"/>
@@ -8886,8 +8887,8 @@
         </p:blipFill>
         <p:spPr>
           <a:xfrm>
-            <a:off x="2592925" y="1905000"/>
-            <a:ext cx="3714750" cy="2276475"/>
+            <a:off x="3837263" y="2219068"/>
+            <a:ext cx="5572125" cy="3414713"/>
           </a:xfrm>
           <a:prstGeom prst="rect">
             <a:avLst/>
@@ -9095,305 +9096,291 @@
           <a:p>
             <a:r>
               <a:rPr lang="fr-FR" dirty="0" smtClean="0"/>
-              <a:t>Déclaration des variables</a:t>
+              <a:t>Hello, Go!</a:t>
             </a:r>
             <a:endParaRPr lang="fr-FR" dirty="0"/>
           </a:p>
         </p:txBody>
       </p:sp>
-      <p:sp>
-        <p:nvSpPr>
-          <p:cNvPr id="3" name="Espace réservé du contenu 2"/>
-          <p:cNvSpPr>
-            <a:spLocks noGrp="1"/>
-          </p:cNvSpPr>
+      <p:pic>
+        <p:nvPicPr>
+          <p:cNvPr id="7" name="Espace réservé du contenu 6"/>
+          <p:cNvPicPr>
+            <a:picLocks noGrp="1" noChangeAspect="1"/>
+          </p:cNvPicPr>
           <p:nvPr>
             <p:ph idx="1"/>
           </p:nvPr>
-        </p:nvSpPr>
-        <p:spPr/>
-        <p:txBody>
-          <a:bodyPr anchor="ctr"/>
-          <a:lstStyle/>
-          <a:p>
-            <a:r>
-              <a:rPr lang="fr-FR" dirty="0" smtClean="0"/>
-              <a:t>Mot-clé : </a:t>
-            </a:r>
-            <a:r>
-              <a:rPr lang="fr-FR" b="1" dirty="0" smtClean="0">
+        </p:nvPicPr>
+        <p:blipFill>
+          <a:blip r:embed="rId2"/>
+          <a:stretch>
+            <a:fillRect/>
+          </a:stretch>
+        </p:blipFill>
+        <p:spPr>
+          <a:xfrm>
+            <a:off x="8305014" y="305426"/>
+            <a:ext cx="3714750" cy="2276475"/>
+          </a:xfrm>
+          <a:prstGeom prst="rect">
+            <a:avLst/>
+          </a:prstGeom>
+        </p:spPr>
+      </p:pic>
+      <p:sp>
+        <p:nvSpPr>
+          <p:cNvPr id="4" name="Espace réservé du contenu 2"/>
+          <p:cNvSpPr txBox="1">
+            <a:spLocks/>
+          </p:cNvSpPr>
+          <p:nvPr/>
+        </p:nvSpPr>
+        <p:spPr>
+          <a:xfrm>
+            <a:off x="688157" y="2667786"/>
+            <a:ext cx="11331607" cy="3243436"/>
+          </a:xfrm>
+          <a:prstGeom prst="rect">
+            <a:avLst/>
+          </a:prstGeom>
+        </p:spPr>
+        <p:txBody>
+          <a:bodyPr vert="horz" lIns="91440" tIns="45720" rIns="91440" bIns="45720" rtlCol="0" anchor="ctr">
+            <a:normAutofit/>
+          </a:bodyPr>
+          <a:lstStyle>
+            <a:lvl1pPr marL="342900" indent="-342900" algn="l" defTabSz="457200" rtl="0" eaLnBrk="1" latinLnBrk="0" hangingPunct="1">
+              <a:spcBef>
+                <a:spcPts val="1000"/>
+              </a:spcBef>
+              <a:spcAft>
+                <a:spcPts val="0"/>
+              </a:spcAft>
+              <a:buClr>
+                <a:schemeClr val="accent1"/>
+              </a:buClr>
+              <a:buFont typeface="Wingdings 3" charset="2"/>
+              <a:buChar char=""/>
+              <a:defRPr sz="1800" kern="1200">
                 <a:solidFill>
-                  <a:schemeClr val="accent6"/>
-                </a:solidFill>
-              </a:rPr>
-              <a:t>var </a:t>
-            </a:r>
-            <a:r>
-              <a:rPr lang="fr-FR" dirty="0" smtClean="0">
-                <a:solidFill>
-                  <a:schemeClr val="tx1"/>
-                </a:solidFill>
-              </a:rPr>
-              <a:t>(optionnel mais bonne pratique)</a:t>
-            </a:r>
-            <a:endParaRPr lang="fr-FR" b="1" dirty="0" smtClean="0">
-              <a:solidFill>
-                <a:schemeClr val="accent6"/>
-              </a:solidFill>
-            </a:endParaRPr>
-          </a:p>
-          <a:p>
-            <a:r>
-              <a:rPr lang="fr-FR" dirty="0" smtClean="0"/>
-              <a:t>Déclarations possibles :</a:t>
-            </a:r>
-          </a:p>
-          <a:p>
-            <a:pPr lvl="1"/>
-            <a:r>
-              <a:rPr lang="fr-FR" b="1" dirty="0" smtClean="0">
-                <a:solidFill>
-                  <a:schemeClr val="accent6"/>
-                </a:solidFill>
-              </a:rPr>
-              <a:t>var</a:t>
-            </a:r>
-            <a:r>
-              <a:rPr lang="fr-FR" dirty="0" smtClean="0"/>
-              <a:t> </a:t>
-            </a:r>
-            <a:r>
-              <a:rPr lang="fr-FR" i="1" dirty="0" smtClean="0"/>
-              <a:t>&lt;nomDeVariable&gt; &lt;type&gt;</a:t>
-            </a:r>
-          </a:p>
-          <a:p>
-            <a:pPr lvl="1"/>
-            <a:r>
-              <a:rPr lang="fr-FR" b="1" dirty="0">
-                <a:solidFill>
-                  <a:schemeClr val="accent6"/>
-                </a:solidFill>
-              </a:rPr>
-              <a:t>var</a:t>
-            </a:r>
-            <a:r>
-              <a:rPr lang="fr-FR" dirty="0"/>
-              <a:t> </a:t>
-            </a:r>
-            <a:r>
-              <a:rPr lang="fr-FR" i="1" dirty="0"/>
-              <a:t>&lt;nomDeVariable&gt; &lt;type</a:t>
-            </a:r>
-            <a:r>
-              <a:rPr lang="fr-FR" i="1" dirty="0" smtClean="0"/>
-              <a:t>&gt;</a:t>
-            </a:r>
-            <a:r>
-              <a:rPr lang="fr-FR" dirty="0" smtClean="0"/>
-              <a:t> </a:t>
-            </a:r>
-            <a:r>
-              <a:rPr lang="fr-FR" b="1" dirty="0" smtClean="0">
-                <a:solidFill>
-                  <a:schemeClr val="accent6"/>
-                </a:solidFill>
-              </a:rPr>
-              <a:t>=</a:t>
-            </a:r>
-            <a:r>
-              <a:rPr lang="fr-FR" dirty="0" smtClean="0"/>
-              <a:t> </a:t>
-            </a:r>
-            <a:r>
-              <a:rPr lang="fr-FR" i="1" dirty="0" smtClean="0"/>
-              <a:t>&lt;valeur&gt;</a:t>
-            </a:r>
-          </a:p>
-          <a:p>
-            <a:pPr lvl="1"/>
-            <a:r>
-              <a:rPr lang="fr-FR" i="1" dirty="0" smtClean="0"/>
-              <a:t>&lt;</a:t>
-            </a:r>
-            <a:r>
-              <a:rPr lang="fr-FR" i="1" dirty="0"/>
-              <a:t>nomDeVariable&gt; </a:t>
-            </a:r>
-            <a:r>
-              <a:rPr lang="fr-FR" b="1" dirty="0" smtClean="0">
-                <a:solidFill>
-                  <a:schemeClr val="accent6"/>
-                </a:solidFill>
-              </a:rPr>
-              <a:t>:=</a:t>
-            </a:r>
-            <a:r>
-              <a:rPr lang="fr-FR" dirty="0" smtClean="0"/>
-              <a:t> </a:t>
-            </a:r>
-            <a:r>
-              <a:rPr lang="fr-FR" i="1" dirty="0" smtClean="0"/>
-              <a:t>&lt;valeur&gt; </a:t>
-            </a:r>
-            <a:r>
-              <a:rPr lang="fr-FR" i="1" dirty="0" smtClean="0">
-                <a:solidFill>
-                  <a:schemeClr val="accent1">
-                    <a:lumMod val="40000"/>
-                    <a:lumOff val="60000"/>
+                  <a:schemeClr val="tx1">
+                    <a:lumMod val="75000"/>
+                    <a:lumOff val="25000"/>
                   </a:schemeClr>
                 </a:solidFill>
-              </a:rPr>
-              <a:t>(le type de la variable dépend de la valeur)</a:t>
-            </a:r>
-          </a:p>
-          <a:p>
+                <a:latin typeface="+mn-lt"/>
+                <a:ea typeface="+mn-ea"/>
+                <a:cs typeface="+mn-cs"/>
+              </a:defRPr>
+            </a:lvl1pPr>
+            <a:lvl2pPr marL="742950" indent="-285750" algn="l" defTabSz="457200" rtl="0" eaLnBrk="1" latinLnBrk="0" hangingPunct="1">
+              <a:spcBef>
+                <a:spcPts val="1000"/>
+              </a:spcBef>
+              <a:spcAft>
+                <a:spcPts val="0"/>
+              </a:spcAft>
+              <a:buClr>
+                <a:schemeClr val="accent1"/>
+              </a:buClr>
+              <a:buFont typeface="Wingdings 3" charset="2"/>
+              <a:buChar char=""/>
+              <a:defRPr sz="1600" kern="1200">
+                <a:solidFill>
+                  <a:schemeClr val="tx1">
+                    <a:lumMod val="75000"/>
+                    <a:lumOff val="25000"/>
+                  </a:schemeClr>
+                </a:solidFill>
+                <a:latin typeface="+mn-lt"/>
+                <a:ea typeface="+mn-ea"/>
+                <a:cs typeface="+mn-cs"/>
+              </a:defRPr>
+            </a:lvl2pPr>
+            <a:lvl3pPr marL="1143000" indent="-228600" algn="l" defTabSz="457200" rtl="0" eaLnBrk="1" latinLnBrk="0" hangingPunct="1">
+              <a:spcBef>
+                <a:spcPts val="1000"/>
+              </a:spcBef>
+              <a:spcAft>
+                <a:spcPts val="0"/>
+              </a:spcAft>
+              <a:buClr>
+                <a:schemeClr val="accent1"/>
+              </a:buClr>
+              <a:buFont typeface="Wingdings 3" charset="2"/>
+              <a:buChar char=""/>
+              <a:defRPr sz="1400" kern="1200">
+                <a:solidFill>
+                  <a:schemeClr val="tx1">
+                    <a:lumMod val="75000"/>
+                    <a:lumOff val="25000"/>
+                  </a:schemeClr>
+                </a:solidFill>
+                <a:latin typeface="+mn-lt"/>
+                <a:ea typeface="+mn-ea"/>
+                <a:cs typeface="+mn-cs"/>
+              </a:defRPr>
+            </a:lvl3pPr>
+            <a:lvl4pPr marL="1600200" indent="-228600" algn="l" defTabSz="457200" rtl="0" eaLnBrk="1" latinLnBrk="0" hangingPunct="1">
+              <a:spcBef>
+                <a:spcPts val="1000"/>
+              </a:spcBef>
+              <a:spcAft>
+                <a:spcPts val="0"/>
+              </a:spcAft>
+              <a:buClr>
+                <a:schemeClr val="accent1"/>
+              </a:buClr>
+              <a:buFont typeface="Wingdings 3" charset="2"/>
+              <a:buChar char=""/>
+              <a:defRPr sz="1200" kern="1200">
+                <a:solidFill>
+                  <a:schemeClr val="tx1">
+                    <a:lumMod val="75000"/>
+                    <a:lumOff val="25000"/>
+                  </a:schemeClr>
+                </a:solidFill>
+                <a:latin typeface="+mn-lt"/>
+                <a:ea typeface="+mn-ea"/>
+                <a:cs typeface="+mn-cs"/>
+              </a:defRPr>
+            </a:lvl4pPr>
+            <a:lvl5pPr marL="2057400" indent="-228600" algn="l" defTabSz="457200" rtl="0" eaLnBrk="1" latinLnBrk="0" hangingPunct="1">
+              <a:spcBef>
+                <a:spcPts val="1000"/>
+              </a:spcBef>
+              <a:spcAft>
+                <a:spcPts val="0"/>
+              </a:spcAft>
+              <a:buClr>
+                <a:schemeClr val="accent1"/>
+              </a:buClr>
+              <a:buFont typeface="Wingdings 3" charset="2"/>
+              <a:buChar char=""/>
+              <a:defRPr sz="1200" kern="1200">
+                <a:solidFill>
+                  <a:schemeClr val="tx1">
+                    <a:lumMod val="75000"/>
+                    <a:lumOff val="25000"/>
+                  </a:schemeClr>
+                </a:solidFill>
+                <a:latin typeface="+mn-lt"/>
+                <a:ea typeface="+mn-ea"/>
+                <a:cs typeface="+mn-cs"/>
+              </a:defRPr>
+            </a:lvl5pPr>
+            <a:lvl6pPr marL="2514600" indent="-228600" algn="l" defTabSz="457200" rtl="0" eaLnBrk="1" latinLnBrk="0" hangingPunct="1">
+              <a:spcBef>
+                <a:spcPts val="1000"/>
+              </a:spcBef>
+              <a:spcAft>
+                <a:spcPts val="0"/>
+              </a:spcAft>
+              <a:buClr>
+                <a:schemeClr val="accent1"/>
+              </a:buClr>
+              <a:buFont typeface="Wingdings 3" charset="2"/>
+              <a:buChar char=""/>
+              <a:defRPr sz="1200" kern="1200">
+                <a:solidFill>
+                  <a:schemeClr val="tx1">
+                    <a:lumMod val="75000"/>
+                    <a:lumOff val="25000"/>
+                  </a:schemeClr>
+                </a:solidFill>
+                <a:latin typeface="+mn-lt"/>
+                <a:ea typeface="+mn-ea"/>
+                <a:cs typeface="+mn-cs"/>
+              </a:defRPr>
+            </a:lvl6pPr>
+            <a:lvl7pPr marL="2971800" indent="-228600" algn="l" defTabSz="457200" rtl="0" eaLnBrk="1" latinLnBrk="0" hangingPunct="1">
+              <a:spcBef>
+                <a:spcPts val="1000"/>
+              </a:spcBef>
+              <a:spcAft>
+                <a:spcPts val="0"/>
+              </a:spcAft>
+              <a:buClr>
+                <a:schemeClr val="accent1"/>
+              </a:buClr>
+              <a:buFont typeface="Wingdings 3" charset="2"/>
+              <a:buChar char=""/>
+              <a:defRPr sz="1200" kern="1200">
+                <a:solidFill>
+                  <a:schemeClr val="tx1">
+                    <a:lumMod val="75000"/>
+                    <a:lumOff val="25000"/>
+                  </a:schemeClr>
+                </a:solidFill>
+                <a:latin typeface="+mn-lt"/>
+                <a:ea typeface="+mn-ea"/>
+                <a:cs typeface="+mn-cs"/>
+              </a:defRPr>
+            </a:lvl7pPr>
+            <a:lvl8pPr marL="3429000" indent="-228600" algn="l" defTabSz="457200" rtl="0" eaLnBrk="1" latinLnBrk="0" hangingPunct="1">
+              <a:spcBef>
+                <a:spcPts val="1000"/>
+              </a:spcBef>
+              <a:spcAft>
+                <a:spcPts val="0"/>
+              </a:spcAft>
+              <a:buClr>
+                <a:schemeClr val="accent1"/>
+              </a:buClr>
+              <a:buFont typeface="Wingdings 3" charset="2"/>
+              <a:buChar char=""/>
+              <a:defRPr sz="1200" kern="1200">
+                <a:solidFill>
+                  <a:schemeClr val="tx1">
+                    <a:lumMod val="75000"/>
+                    <a:lumOff val="25000"/>
+                  </a:schemeClr>
+                </a:solidFill>
+                <a:latin typeface="+mn-lt"/>
+                <a:ea typeface="+mn-ea"/>
+                <a:cs typeface="+mn-cs"/>
+              </a:defRPr>
+            </a:lvl8pPr>
+            <a:lvl9pPr marL="3886200" indent="-228600" algn="l" defTabSz="457200" rtl="0" eaLnBrk="1" latinLnBrk="0" hangingPunct="1">
+              <a:spcBef>
+                <a:spcPts val="1000"/>
+              </a:spcBef>
+              <a:spcAft>
+                <a:spcPts val="0"/>
+              </a:spcAft>
+              <a:buClr>
+                <a:schemeClr val="accent1"/>
+              </a:buClr>
+              <a:buFont typeface="Wingdings 3" charset="2"/>
+              <a:buChar char=""/>
+              <a:defRPr sz="1200" kern="1200">
+                <a:solidFill>
+                  <a:schemeClr val="tx1">
+                    <a:lumMod val="75000"/>
+                    <a:lumOff val="25000"/>
+                  </a:schemeClr>
+                </a:solidFill>
+                <a:latin typeface="+mn-lt"/>
+                <a:ea typeface="+mn-ea"/>
+                <a:cs typeface="+mn-cs"/>
+              </a:defRPr>
+            </a:lvl9pPr>
+          </a:lstStyle>
+          <a:p>
+            <a:pPr algn="just"/>
             <a:r>
               <a:rPr lang="fr-FR" dirty="0" smtClean="0"/>
-              <a:t>Exemples :</a:t>
-            </a:r>
-          </a:p>
-          <a:p>
-            <a:pPr lvl="1"/>
-            <a:r>
-              <a:rPr lang="fr-FR" b="1" dirty="0" smtClean="0">
-                <a:solidFill>
-                  <a:schemeClr val="accent6"/>
-                </a:solidFill>
-              </a:rPr>
-              <a:t>var</a:t>
-            </a:r>
-            <a:r>
-              <a:rPr lang="fr-FR" dirty="0" smtClean="0"/>
-              <a:t> </a:t>
-            </a:r>
-            <a:r>
-              <a:rPr lang="fr-FR" i="1" dirty="0" smtClean="0"/>
-              <a:t>a</a:t>
-            </a:r>
-            <a:r>
-              <a:rPr lang="fr-FR" dirty="0" smtClean="0"/>
-              <a:t> </a:t>
-            </a:r>
-            <a:r>
-              <a:rPr lang="fr-FR" b="1" dirty="0" smtClean="0">
-                <a:solidFill>
-                  <a:schemeClr val="accent6"/>
-                </a:solidFill>
-              </a:rPr>
-              <a:t>int8</a:t>
-            </a:r>
-          </a:p>
-          <a:p>
-            <a:pPr lvl="1"/>
-            <a:r>
-              <a:rPr lang="fr-FR" b="1" dirty="0">
-                <a:solidFill>
-                  <a:schemeClr val="accent6"/>
-                </a:solidFill>
-              </a:rPr>
-              <a:t>var</a:t>
-            </a:r>
-            <a:r>
-              <a:rPr lang="fr-FR" dirty="0"/>
-              <a:t> </a:t>
-            </a:r>
-            <a:r>
-              <a:rPr lang="fr-FR" i="1" dirty="0" smtClean="0"/>
-              <a:t>b</a:t>
-            </a:r>
-            <a:r>
-              <a:rPr lang="fr-FR" dirty="0" smtClean="0"/>
-              <a:t> </a:t>
-            </a:r>
-            <a:r>
-              <a:rPr lang="fr-FR" b="1" dirty="0" smtClean="0">
-                <a:solidFill>
-                  <a:schemeClr val="accent6"/>
-                </a:solidFill>
-              </a:rPr>
-              <a:t>string</a:t>
-            </a:r>
-            <a:r>
-              <a:rPr lang="fr-FR" b="1" dirty="0">
-                <a:solidFill>
-                  <a:schemeClr val="accent6"/>
-                </a:solidFill>
-              </a:rPr>
-              <a:t> </a:t>
-            </a:r>
-            <a:r>
-              <a:rPr lang="fr-FR" b="1" dirty="0" smtClean="0">
-                <a:solidFill>
-                  <a:schemeClr val="accent6"/>
-                </a:solidFill>
-              </a:rPr>
-              <a:t>= ″</a:t>
-            </a:r>
-            <a:r>
-              <a:rPr lang="fr-FR" b="1" dirty="0" smtClean="0">
-                <a:solidFill>
-                  <a:schemeClr val="tx1"/>
-                </a:solidFill>
-              </a:rPr>
-              <a:t>A string of caracters</a:t>
-            </a:r>
-            <a:r>
-              <a:rPr lang="fr-FR" b="1" dirty="0">
-                <a:solidFill>
-                  <a:schemeClr val="tx1"/>
-                </a:solidFill>
-              </a:rPr>
-              <a:t> </a:t>
-            </a:r>
-            <a:r>
-              <a:rPr lang="fr-FR" b="1" dirty="0">
-                <a:solidFill>
-                  <a:schemeClr val="accent6"/>
-                </a:solidFill>
-              </a:rPr>
-              <a:t>″</a:t>
-            </a:r>
-          </a:p>
-          <a:p>
-            <a:pPr lvl="1"/>
-            <a:r>
-              <a:rPr lang="fr-FR" i="1" dirty="0"/>
-              <a:t>c</a:t>
-            </a:r>
-            <a:r>
-              <a:rPr lang="fr-FR" dirty="0" smtClean="0"/>
-              <a:t> </a:t>
-            </a:r>
-            <a:r>
-              <a:rPr lang="fr-FR" b="1" dirty="0" smtClean="0">
-                <a:solidFill>
-                  <a:schemeClr val="accent6"/>
-                </a:solidFill>
-              </a:rPr>
-              <a:t>:=</a:t>
-            </a:r>
-            <a:r>
-              <a:rPr lang="fr-FR" dirty="0" smtClean="0"/>
-              <a:t> </a:t>
-            </a:r>
-            <a:r>
-              <a:rPr lang="fr-FR" i="1" dirty="0" smtClean="0"/>
-              <a:t>112</a:t>
-            </a:r>
-            <a:endParaRPr lang="fr-FR" b="1" i="1" dirty="0">
-              <a:solidFill>
-                <a:schemeClr val="accent6"/>
-              </a:solidFill>
-            </a:endParaRPr>
+              <a:t>L'import d'un package se fait par son chemin d'importation et peut préciser soit une bibliothèque standard, soit également des packages tiers installés dans des dépôts de sources distants (actuellement supporté : dépôt sous svn, git, mercurial et bazaar)</a:t>
+            </a:r>
+            <a:endParaRPr lang="fr-FR" dirty="0" smtClean="0"/>
           </a:p>
         </p:txBody>
       </p:sp>
     </p:spTree>
     <p:extLst>
       <p:ext uri="{BB962C8B-B14F-4D97-AF65-F5344CB8AC3E}">
-        <p14:creationId xmlns:p14="http://schemas.microsoft.com/office/powerpoint/2010/main" val="714360546"/>
+        <p14:creationId xmlns:p14="http://schemas.microsoft.com/office/powerpoint/2010/main" val="157265064"/>
       </p:ext>
     </p:extLst>
   </p:cSld>
@@ -9444,6 +9431,355 @@
           <a:p>
             <a:r>
               <a:rPr lang="fr-FR" dirty="0" smtClean="0"/>
+              <a:t>Déclaration des variables</a:t>
+            </a:r>
+            <a:endParaRPr lang="fr-FR" dirty="0"/>
+          </a:p>
+        </p:txBody>
+      </p:sp>
+      <p:sp>
+        <p:nvSpPr>
+          <p:cNvPr id="3" name="Espace réservé du contenu 2"/>
+          <p:cNvSpPr>
+            <a:spLocks noGrp="1"/>
+          </p:cNvSpPr>
+          <p:nvPr>
+            <p:ph idx="1"/>
+          </p:nvPr>
+        </p:nvSpPr>
+        <p:spPr/>
+        <p:txBody>
+          <a:bodyPr anchor="ctr"/>
+          <a:lstStyle/>
+          <a:p>
+            <a:r>
+              <a:rPr lang="fr-FR" dirty="0" smtClean="0"/>
+              <a:t>Mot-clé : </a:t>
+            </a:r>
+            <a:r>
+              <a:rPr lang="fr-FR" b="1" dirty="0" smtClean="0">
+                <a:solidFill>
+                  <a:schemeClr val="accent6"/>
+                </a:solidFill>
+              </a:rPr>
+              <a:t>var </a:t>
+            </a:r>
+            <a:r>
+              <a:rPr lang="fr-FR" dirty="0" smtClean="0">
+                <a:solidFill>
+                  <a:schemeClr val="tx1"/>
+                </a:solidFill>
+              </a:rPr>
+              <a:t>(optionnel mais bonne pratique)</a:t>
+            </a:r>
+            <a:endParaRPr lang="fr-FR" b="1" dirty="0" smtClean="0">
+              <a:solidFill>
+                <a:schemeClr val="accent6"/>
+              </a:solidFill>
+            </a:endParaRPr>
+          </a:p>
+          <a:p>
+            <a:r>
+              <a:rPr lang="fr-FR" dirty="0" smtClean="0"/>
+              <a:t>Déclarations possibles :</a:t>
+            </a:r>
+          </a:p>
+          <a:p>
+            <a:pPr lvl="1"/>
+            <a:r>
+              <a:rPr lang="fr-FR" b="1" dirty="0" smtClean="0">
+                <a:solidFill>
+                  <a:schemeClr val="accent6"/>
+                </a:solidFill>
+              </a:rPr>
+              <a:t>var</a:t>
+            </a:r>
+            <a:r>
+              <a:rPr lang="fr-FR" dirty="0" smtClean="0"/>
+              <a:t> </a:t>
+            </a:r>
+            <a:r>
+              <a:rPr lang="fr-FR" i="1" dirty="0" smtClean="0"/>
+              <a:t>&lt;nomDeVariable&gt; &lt;type&gt;</a:t>
+            </a:r>
+          </a:p>
+          <a:p>
+            <a:pPr lvl="1"/>
+            <a:r>
+              <a:rPr lang="fr-FR" b="1" dirty="0">
+                <a:solidFill>
+                  <a:schemeClr val="accent6"/>
+                </a:solidFill>
+              </a:rPr>
+              <a:t>var</a:t>
+            </a:r>
+            <a:r>
+              <a:rPr lang="fr-FR" dirty="0"/>
+              <a:t> </a:t>
+            </a:r>
+            <a:r>
+              <a:rPr lang="fr-FR" i="1" dirty="0"/>
+              <a:t>&lt;nomDeVariable&gt; &lt;type</a:t>
+            </a:r>
+            <a:r>
+              <a:rPr lang="fr-FR" i="1" dirty="0" smtClean="0"/>
+              <a:t>&gt;</a:t>
+            </a:r>
+            <a:r>
+              <a:rPr lang="fr-FR" dirty="0" smtClean="0"/>
+              <a:t> </a:t>
+            </a:r>
+            <a:r>
+              <a:rPr lang="fr-FR" b="1" dirty="0" smtClean="0">
+                <a:solidFill>
+                  <a:schemeClr val="accent6"/>
+                </a:solidFill>
+              </a:rPr>
+              <a:t>=</a:t>
+            </a:r>
+            <a:r>
+              <a:rPr lang="fr-FR" dirty="0" smtClean="0"/>
+              <a:t> </a:t>
+            </a:r>
+            <a:r>
+              <a:rPr lang="fr-FR" i="1" dirty="0" smtClean="0"/>
+              <a:t>&lt;valeur&gt;</a:t>
+            </a:r>
+          </a:p>
+          <a:p>
+            <a:pPr lvl="1"/>
+            <a:r>
+              <a:rPr lang="fr-FR" i="1" dirty="0" smtClean="0"/>
+              <a:t>&lt;</a:t>
+            </a:r>
+            <a:r>
+              <a:rPr lang="fr-FR" i="1" dirty="0"/>
+              <a:t>nomDeVariable&gt; </a:t>
+            </a:r>
+            <a:r>
+              <a:rPr lang="fr-FR" b="1" dirty="0" smtClean="0">
+                <a:solidFill>
+                  <a:schemeClr val="accent6"/>
+                </a:solidFill>
+              </a:rPr>
+              <a:t>:=</a:t>
+            </a:r>
+            <a:r>
+              <a:rPr lang="fr-FR" dirty="0" smtClean="0"/>
+              <a:t> </a:t>
+            </a:r>
+            <a:r>
+              <a:rPr lang="fr-FR" i="1" dirty="0" smtClean="0"/>
+              <a:t>&lt;valeur&gt; </a:t>
+            </a:r>
+            <a:r>
+              <a:rPr lang="fr-FR" i="1" dirty="0" smtClean="0">
+                <a:solidFill>
+                  <a:schemeClr val="accent1">
+                    <a:lumMod val="40000"/>
+                    <a:lumOff val="60000"/>
+                  </a:schemeClr>
+                </a:solidFill>
+              </a:rPr>
+              <a:t>(le type de la variable dépend de la valeur)</a:t>
+            </a:r>
+          </a:p>
+          <a:p>
+            <a:r>
+              <a:rPr lang="fr-FR" dirty="0" smtClean="0"/>
+              <a:t>Exemples :</a:t>
+            </a:r>
+          </a:p>
+          <a:p>
+            <a:pPr lvl="1"/>
+            <a:r>
+              <a:rPr lang="fr-FR" b="1" dirty="0" smtClean="0">
+                <a:solidFill>
+                  <a:schemeClr val="accent6"/>
+                </a:solidFill>
+              </a:rPr>
+              <a:t>var</a:t>
+            </a:r>
+            <a:r>
+              <a:rPr lang="fr-FR" dirty="0" smtClean="0"/>
+              <a:t> </a:t>
+            </a:r>
+            <a:r>
+              <a:rPr lang="fr-FR" i="1" dirty="0" smtClean="0"/>
+              <a:t>a</a:t>
+            </a:r>
+            <a:r>
+              <a:rPr lang="fr-FR" dirty="0" smtClean="0"/>
+              <a:t> </a:t>
+            </a:r>
+            <a:r>
+              <a:rPr lang="fr-FR" b="1" dirty="0" smtClean="0">
+                <a:solidFill>
+                  <a:schemeClr val="accent6"/>
+                </a:solidFill>
+              </a:rPr>
+              <a:t>int8</a:t>
+            </a:r>
+          </a:p>
+          <a:p>
+            <a:pPr lvl="1"/>
+            <a:r>
+              <a:rPr lang="fr-FR" b="1" dirty="0">
+                <a:solidFill>
+                  <a:schemeClr val="accent6"/>
+                </a:solidFill>
+              </a:rPr>
+              <a:t>var</a:t>
+            </a:r>
+            <a:r>
+              <a:rPr lang="fr-FR" dirty="0"/>
+              <a:t> </a:t>
+            </a:r>
+            <a:r>
+              <a:rPr lang="fr-FR" i="1" dirty="0" smtClean="0"/>
+              <a:t>b</a:t>
+            </a:r>
+            <a:r>
+              <a:rPr lang="fr-FR" dirty="0" smtClean="0"/>
+              <a:t> </a:t>
+            </a:r>
+            <a:r>
+              <a:rPr lang="fr-FR" b="1" dirty="0" smtClean="0">
+                <a:solidFill>
+                  <a:schemeClr val="accent6"/>
+                </a:solidFill>
+              </a:rPr>
+              <a:t>string</a:t>
+            </a:r>
+            <a:r>
+              <a:rPr lang="fr-FR" b="1" dirty="0">
+                <a:solidFill>
+                  <a:schemeClr val="accent6"/>
+                </a:solidFill>
+              </a:rPr>
+              <a:t> </a:t>
+            </a:r>
+            <a:r>
+              <a:rPr lang="fr-FR" b="1" dirty="0" smtClean="0">
+                <a:solidFill>
+                  <a:schemeClr val="accent6"/>
+                </a:solidFill>
+              </a:rPr>
+              <a:t>= ″</a:t>
+            </a:r>
+            <a:r>
+              <a:rPr lang="fr-FR" b="1" dirty="0" smtClean="0">
+                <a:solidFill>
+                  <a:schemeClr val="tx1"/>
+                </a:solidFill>
+              </a:rPr>
+              <a:t>A string of caracters</a:t>
+            </a:r>
+            <a:r>
+              <a:rPr lang="fr-FR" b="1" dirty="0">
+                <a:solidFill>
+                  <a:schemeClr val="tx1"/>
+                </a:solidFill>
+              </a:rPr>
+              <a:t> </a:t>
+            </a:r>
+            <a:r>
+              <a:rPr lang="fr-FR" b="1" dirty="0">
+                <a:solidFill>
+                  <a:schemeClr val="accent6"/>
+                </a:solidFill>
+              </a:rPr>
+              <a:t>″</a:t>
+            </a:r>
+          </a:p>
+          <a:p>
+            <a:pPr lvl="1"/>
+            <a:r>
+              <a:rPr lang="fr-FR" i="1" dirty="0"/>
+              <a:t>c</a:t>
+            </a:r>
+            <a:r>
+              <a:rPr lang="fr-FR" dirty="0" smtClean="0"/>
+              <a:t> </a:t>
+            </a:r>
+            <a:r>
+              <a:rPr lang="fr-FR" b="1" dirty="0" smtClean="0">
+                <a:solidFill>
+                  <a:schemeClr val="accent6"/>
+                </a:solidFill>
+              </a:rPr>
+              <a:t>:=</a:t>
+            </a:r>
+            <a:r>
+              <a:rPr lang="fr-FR" dirty="0" smtClean="0"/>
+              <a:t> </a:t>
+            </a:r>
+            <a:r>
+              <a:rPr lang="fr-FR" i="1" dirty="0" smtClean="0"/>
+              <a:t>112</a:t>
+            </a:r>
+            <a:endParaRPr lang="fr-FR" b="1" i="1" dirty="0">
+              <a:solidFill>
+                <a:schemeClr val="accent6"/>
+              </a:solidFill>
+            </a:endParaRPr>
+          </a:p>
+        </p:txBody>
+      </p:sp>
+    </p:spTree>
+    <p:extLst>
+      <p:ext uri="{BB962C8B-B14F-4D97-AF65-F5344CB8AC3E}">
+        <p14:creationId xmlns:p14="http://schemas.microsoft.com/office/powerpoint/2010/main" val="714360546"/>
+      </p:ext>
+    </p:extLst>
+  </p:cSld>
+  <p:clrMapOvr>
+    <a:masterClrMapping/>
+  </p:clrMapOvr>
+  <p:timing>
+    <p:tnLst>
+      <p:par>
+        <p:cTn id="1" dur="indefinite" restart="never" nodeType="tmRoot"/>
+      </p:par>
+    </p:tnLst>
+  </p:timing>
+</p:sld>
+</file>
+
+<file path=ppt/slides/slide22.xml><?xml version="1.0" encoding="utf-8"?>
+<p:sld xmlns:a="http://schemas.openxmlformats.org/drawingml/2006/main" xmlns:r="http://schemas.openxmlformats.org/officeDocument/2006/relationships" xmlns:p="http://schemas.openxmlformats.org/presentationml/2006/main">
+  <p:cSld>
+    <p:spTree>
+      <p:nvGrpSpPr>
+        <p:cNvPr id="1" name=""/>
+        <p:cNvGrpSpPr/>
+        <p:nvPr/>
+      </p:nvGrpSpPr>
+      <p:grpSpPr>
+        <a:xfrm>
+          <a:off x="0" y="0"/>
+          <a:ext cx="0" cy="0"/>
+          <a:chOff x="0" y="0"/>
+          <a:chExt cx="0" cy="0"/>
+        </a:xfrm>
+      </p:grpSpPr>
+      <p:sp>
+        <p:nvSpPr>
+          <p:cNvPr id="2" name="Titre 1"/>
+          <p:cNvSpPr>
+            <a:spLocks noGrp="1"/>
+          </p:cNvSpPr>
+          <p:nvPr>
+            <p:ph type="title"/>
+          </p:nvPr>
+        </p:nvSpPr>
+        <p:spPr/>
+        <p:txBody>
+          <a:bodyPr/>
+          <a:lstStyle/>
+          <a:p>
+            <a:r>
+              <a:rPr lang="fr-FR" dirty="0" smtClean="0"/>
               <a:t>Références</a:t>
             </a:r>
             <a:endParaRPr lang="fr-FR" dirty="0"/>
@@ -9510,6 +9846,13 @@
   <p:clrMapOvr>
     <a:masterClrMapping/>
   </p:clrMapOvr>
+  <p:timing>
+    <p:tnLst>
+      <p:par>
+        <p:cTn id="1" dur="indefinite" restart="never" nodeType="tmRoot"/>
+      </p:par>
+    </p:tnLst>
+  </p:timing>
 </p:sld>
 </file>
 

--- a/documentations/learning-go.pptx
+++ b/documentations/learning-go.pptx
@@ -9373,7 +9373,6 @@
               <a:rPr lang="fr-FR" dirty="0" smtClean="0"/>
               <a:t>L'import d'un package se fait par son chemin d'importation et peut préciser soit une bibliothèque standard, soit également des packages tiers installés dans des dépôts de sources distants (actuellement supporté : dépôt sous svn, git, mercurial et bazaar)</a:t>
             </a:r>
-            <a:endParaRPr lang="fr-FR" dirty="0" smtClean="0"/>
           </a:p>
         </p:txBody>
       </p:sp>
@@ -9831,8 +9830,23 @@
             </a:r>
             <a:r>
               <a:rPr lang="fr-FR" dirty="0"/>
-              <a:t>https://fr.wikipedia.org/wiki/Go_(langage)</a:t>
-            </a:r>
+              <a:t>https://fr.wikipedia.org/wiki/Go_(langage</a:t>
+            </a:r>
+            <a:r>
+              <a:rPr lang="fr-FR" dirty="0" smtClean="0"/>
+              <a:t>)</a:t>
+            </a:r>
+          </a:p>
+          <a:p>
+            <a:r>
+              <a:rPr lang="fr-FR" dirty="0" smtClean="0"/>
+              <a:t>The Go Programming Language : Donovan, </a:t>
+            </a:r>
+            <a:r>
+              <a:rPr lang="fr-FR" dirty="0" err="1" smtClean="0"/>
+              <a:t>Kernigan</a:t>
+            </a:r>
+            <a:endParaRPr lang="fr-FR" dirty="0"/>
           </a:p>
         </p:txBody>
       </p:sp>

--- a/documentations/learning-go.pptx
+++ b/documentations/learning-go.pptx
@@ -1,9 +1,12 @@
 
 <file path=ppt/presentation.xml><?xml version="1.0" encoding="utf-8"?>
-<p:presentation xmlns:a="http://schemas.openxmlformats.org/drawingml/2006/main" xmlns:r="http://schemas.openxmlformats.org/officeDocument/2006/relationships" xmlns:p="http://schemas.openxmlformats.org/presentationml/2006/main" autoCompressPictures="0">
+<p:presentation xmlns:a="http://schemas.openxmlformats.org/drawingml/2006/main" xmlns:r="http://schemas.openxmlformats.org/officeDocument/2006/relationships" xmlns:p="http://schemas.openxmlformats.org/presentationml/2006/main" showSpecialPlsOnTitleSld="0" autoCompressPictures="0">
   <p:sldMasterIdLst>
     <p:sldMasterId id="2147483648" r:id="rId1"/>
   </p:sldMasterIdLst>
+  <p:notesMasterIdLst>
+    <p:notesMasterId r:id="rId29"/>
+  </p:notesMasterIdLst>
   <p:sldIdLst>
     <p:sldId id="256" r:id="rId2"/>
     <p:sldId id="257" r:id="rId3"/>
@@ -23,10 +26,15 @@
     <p:sldId id="273" r:id="rId17"/>
     <p:sldId id="274" r:id="rId18"/>
     <p:sldId id="275" r:id="rId19"/>
-    <p:sldId id="276" r:id="rId20"/>
-    <p:sldId id="277" r:id="rId21"/>
-    <p:sldId id="262" r:id="rId22"/>
-    <p:sldId id="267" r:id="rId23"/>
+    <p:sldId id="279" r:id="rId20"/>
+    <p:sldId id="276" r:id="rId21"/>
+    <p:sldId id="277" r:id="rId22"/>
+    <p:sldId id="280" r:id="rId23"/>
+    <p:sldId id="278" r:id="rId24"/>
+    <p:sldId id="282" r:id="rId25"/>
+    <p:sldId id="281" r:id="rId26"/>
+    <p:sldId id="262" r:id="rId27"/>
+    <p:sldId id="267" r:id="rId28"/>
   </p:sldIdLst>
   <p:sldSz cx="12192000" cy="6858000"/>
   <p:notesSz cx="6858000" cy="9144000"/>
@@ -133,6 +141,356 @@
 </p:presentation>
 </file>
 
+<file path=ppt/notesMasters/notesMaster1.xml><?xml version="1.0" encoding="utf-8"?>
+<p:notesMaster xmlns:a="http://schemas.openxmlformats.org/drawingml/2006/main" xmlns:r="http://schemas.openxmlformats.org/officeDocument/2006/relationships" xmlns:p="http://schemas.openxmlformats.org/presentationml/2006/main">
+  <p:cSld>
+    <p:bg>
+      <p:bgRef idx="1001">
+        <a:schemeClr val="bg1"/>
+      </p:bgRef>
+    </p:bg>
+    <p:spTree>
+      <p:nvGrpSpPr>
+        <p:cNvPr id="1" name=""/>
+        <p:cNvGrpSpPr/>
+        <p:nvPr/>
+      </p:nvGrpSpPr>
+      <p:grpSpPr>
+        <a:xfrm>
+          <a:off x="0" y="0"/>
+          <a:ext cx="0" cy="0"/>
+          <a:chOff x="0" y="0"/>
+          <a:chExt cx="0" cy="0"/>
+        </a:xfrm>
+      </p:grpSpPr>
+      <p:sp>
+        <p:nvSpPr>
+          <p:cNvPr id="2" name="Espace réservé de l'en-tête 1"/>
+          <p:cNvSpPr>
+            <a:spLocks noGrp="1"/>
+          </p:cNvSpPr>
+          <p:nvPr>
+            <p:ph type="hdr" sz="quarter"/>
+          </p:nvPr>
+        </p:nvSpPr>
+        <p:spPr>
+          <a:xfrm>
+            <a:off x="0" y="0"/>
+            <a:ext cx="2971800" cy="458788"/>
+          </a:xfrm>
+          <a:prstGeom prst="rect">
+            <a:avLst/>
+          </a:prstGeom>
+        </p:spPr>
+        <p:txBody>
+          <a:bodyPr vert="horz" lIns="91440" tIns="45720" rIns="91440" bIns="45720" rtlCol="0"/>
+          <a:lstStyle>
+            <a:lvl1pPr algn="l">
+              <a:defRPr sz="1200"/>
+            </a:lvl1pPr>
+          </a:lstStyle>
+          <a:p>
+            <a:endParaRPr lang="fr-FR"/>
+          </a:p>
+        </p:txBody>
+      </p:sp>
+      <p:sp>
+        <p:nvSpPr>
+          <p:cNvPr id="3" name="Espace réservé de la date 2"/>
+          <p:cNvSpPr>
+            <a:spLocks noGrp="1"/>
+          </p:cNvSpPr>
+          <p:nvPr>
+            <p:ph type="dt" idx="1"/>
+          </p:nvPr>
+        </p:nvSpPr>
+        <p:spPr>
+          <a:xfrm>
+            <a:off x="3884613" y="0"/>
+            <a:ext cx="2971800" cy="458788"/>
+          </a:xfrm>
+          <a:prstGeom prst="rect">
+            <a:avLst/>
+          </a:prstGeom>
+        </p:spPr>
+        <p:txBody>
+          <a:bodyPr vert="horz" lIns="91440" tIns="45720" rIns="91440" bIns="45720" rtlCol="0"/>
+          <a:lstStyle>
+            <a:lvl1pPr algn="r">
+              <a:defRPr sz="1200"/>
+            </a:lvl1pPr>
+          </a:lstStyle>
+          <a:p>
+            <a:fld id="{ADCD2C08-3C00-4791-9388-3FB9A56F87F8}" type="datetimeFigureOut">
+              <a:rPr lang="fr-FR" smtClean="0"/>
+              <a:t>30/12/2017</a:t>
+            </a:fld>
+            <a:endParaRPr lang="fr-FR"/>
+          </a:p>
+        </p:txBody>
+      </p:sp>
+      <p:sp>
+        <p:nvSpPr>
+          <p:cNvPr id="4" name="Espace réservé de l'image des diapositives 3"/>
+          <p:cNvSpPr>
+            <a:spLocks noGrp="1" noRot="1" noChangeAspect="1"/>
+          </p:cNvSpPr>
+          <p:nvPr>
+            <p:ph type="sldImg" idx="2"/>
+          </p:nvPr>
+        </p:nvSpPr>
+        <p:spPr>
+          <a:xfrm>
+            <a:off x="685800" y="1143000"/>
+            <a:ext cx="5486400" cy="3086100"/>
+          </a:xfrm>
+          <a:prstGeom prst="rect">
+            <a:avLst/>
+          </a:prstGeom>
+          <a:noFill/>
+          <a:ln w="12700">
+            <a:solidFill>
+              <a:prstClr val="black"/>
+            </a:solidFill>
+          </a:ln>
+        </p:spPr>
+        <p:txBody>
+          <a:bodyPr vert="horz" lIns="91440" tIns="45720" rIns="91440" bIns="45720" rtlCol="0" anchor="ctr"/>
+          <a:lstStyle/>
+          <a:p>
+            <a:endParaRPr lang="fr-FR"/>
+          </a:p>
+        </p:txBody>
+      </p:sp>
+      <p:sp>
+        <p:nvSpPr>
+          <p:cNvPr id="5" name="Espace réservé des commentaires 4"/>
+          <p:cNvSpPr>
+            <a:spLocks noGrp="1"/>
+          </p:cNvSpPr>
+          <p:nvPr>
+            <p:ph type="body" sz="quarter" idx="3"/>
+          </p:nvPr>
+        </p:nvSpPr>
+        <p:spPr>
+          <a:xfrm>
+            <a:off x="685800" y="4400550"/>
+            <a:ext cx="5486400" cy="3600450"/>
+          </a:xfrm>
+          <a:prstGeom prst="rect">
+            <a:avLst/>
+          </a:prstGeom>
+        </p:spPr>
+        <p:txBody>
+          <a:bodyPr vert="horz" lIns="91440" tIns="45720" rIns="91440" bIns="45720" rtlCol="0"/>
+          <a:lstStyle/>
+          <a:p>
+            <a:pPr lvl="0"/>
+            <a:r>
+              <a:rPr lang="fr-FR" smtClean="0"/>
+              <a:t>Modifiez les styles du texte du masque</a:t>
+            </a:r>
+          </a:p>
+          <a:p>
+            <a:pPr lvl="1"/>
+            <a:r>
+              <a:rPr lang="fr-FR" smtClean="0"/>
+              <a:t>Deuxième niveau</a:t>
+            </a:r>
+          </a:p>
+          <a:p>
+            <a:pPr lvl="2"/>
+            <a:r>
+              <a:rPr lang="fr-FR" smtClean="0"/>
+              <a:t>Troisième niveau</a:t>
+            </a:r>
+          </a:p>
+          <a:p>
+            <a:pPr lvl="3"/>
+            <a:r>
+              <a:rPr lang="fr-FR" smtClean="0"/>
+              <a:t>Quatrième niveau</a:t>
+            </a:r>
+          </a:p>
+          <a:p>
+            <a:pPr lvl="4"/>
+            <a:r>
+              <a:rPr lang="fr-FR" smtClean="0"/>
+              <a:t>Cinquième niveau</a:t>
+            </a:r>
+            <a:endParaRPr lang="fr-FR"/>
+          </a:p>
+        </p:txBody>
+      </p:sp>
+      <p:sp>
+        <p:nvSpPr>
+          <p:cNvPr id="6" name="Espace réservé du pied de page 5"/>
+          <p:cNvSpPr>
+            <a:spLocks noGrp="1"/>
+          </p:cNvSpPr>
+          <p:nvPr>
+            <p:ph type="ftr" sz="quarter" idx="4"/>
+          </p:nvPr>
+        </p:nvSpPr>
+        <p:spPr>
+          <a:xfrm>
+            <a:off x="0" y="8685213"/>
+            <a:ext cx="2971800" cy="458787"/>
+          </a:xfrm>
+          <a:prstGeom prst="rect">
+            <a:avLst/>
+          </a:prstGeom>
+        </p:spPr>
+        <p:txBody>
+          <a:bodyPr vert="horz" lIns="91440" tIns="45720" rIns="91440" bIns="45720" rtlCol="0" anchor="b"/>
+          <a:lstStyle>
+            <a:lvl1pPr algn="l">
+              <a:defRPr sz="1200"/>
+            </a:lvl1pPr>
+          </a:lstStyle>
+          <a:p>
+            <a:endParaRPr lang="fr-FR"/>
+          </a:p>
+        </p:txBody>
+      </p:sp>
+      <p:sp>
+        <p:nvSpPr>
+          <p:cNvPr id="7" name="Espace réservé du numéro de diapositive 6"/>
+          <p:cNvSpPr>
+            <a:spLocks noGrp="1"/>
+          </p:cNvSpPr>
+          <p:nvPr>
+            <p:ph type="sldNum" sz="quarter" idx="5"/>
+          </p:nvPr>
+        </p:nvSpPr>
+        <p:spPr>
+          <a:xfrm>
+            <a:off x="3884613" y="8685213"/>
+            <a:ext cx="2971800" cy="458787"/>
+          </a:xfrm>
+          <a:prstGeom prst="rect">
+            <a:avLst/>
+          </a:prstGeom>
+        </p:spPr>
+        <p:txBody>
+          <a:bodyPr vert="horz" lIns="91440" tIns="45720" rIns="91440" bIns="45720" rtlCol="0" anchor="b"/>
+          <a:lstStyle>
+            <a:lvl1pPr algn="r">
+              <a:defRPr sz="1200"/>
+            </a:lvl1pPr>
+          </a:lstStyle>
+          <a:p>
+            <a:fld id="{58BEE673-8D3B-4BBD-97EB-7004EF7CF6EF}" type="slidenum">
+              <a:rPr lang="fr-FR" smtClean="0"/>
+              <a:t>‹N°›</a:t>
+            </a:fld>
+            <a:endParaRPr lang="fr-FR"/>
+          </a:p>
+        </p:txBody>
+      </p:sp>
+    </p:spTree>
+    <p:extLst>
+      <p:ext uri="{BB962C8B-B14F-4D97-AF65-F5344CB8AC3E}">
+        <p14:creationId xmlns:p14="http://schemas.microsoft.com/office/powerpoint/2010/main" val="554868158"/>
+      </p:ext>
+    </p:extLst>
+  </p:cSld>
+  <p:clrMap bg1="lt1" tx1="dk1" bg2="lt2" tx2="dk2" accent1="accent1" accent2="accent2" accent3="accent3" accent4="accent4" accent5="accent5" accent6="accent6" hlink="hlink" folHlink="folHlink"/>
+  <p:notesStyle>
+    <a:lvl1pPr marL="0" algn="l" defTabSz="914400" rtl="0" eaLnBrk="1" latinLnBrk="0" hangingPunct="1">
+      <a:defRPr sz="1200" kern="1200">
+        <a:solidFill>
+          <a:schemeClr val="tx1"/>
+        </a:solidFill>
+        <a:latin typeface="+mn-lt"/>
+        <a:ea typeface="+mn-ea"/>
+        <a:cs typeface="+mn-cs"/>
+      </a:defRPr>
+    </a:lvl1pPr>
+    <a:lvl2pPr marL="457200" algn="l" defTabSz="914400" rtl="0" eaLnBrk="1" latinLnBrk="0" hangingPunct="1">
+      <a:defRPr sz="1200" kern="1200">
+        <a:solidFill>
+          <a:schemeClr val="tx1"/>
+        </a:solidFill>
+        <a:latin typeface="+mn-lt"/>
+        <a:ea typeface="+mn-ea"/>
+        <a:cs typeface="+mn-cs"/>
+      </a:defRPr>
+    </a:lvl2pPr>
+    <a:lvl3pPr marL="914400" algn="l" defTabSz="914400" rtl="0" eaLnBrk="1" latinLnBrk="0" hangingPunct="1">
+      <a:defRPr sz="1200" kern="1200">
+        <a:solidFill>
+          <a:schemeClr val="tx1"/>
+        </a:solidFill>
+        <a:latin typeface="+mn-lt"/>
+        <a:ea typeface="+mn-ea"/>
+        <a:cs typeface="+mn-cs"/>
+      </a:defRPr>
+    </a:lvl3pPr>
+    <a:lvl4pPr marL="1371600" algn="l" defTabSz="914400" rtl="0" eaLnBrk="1" latinLnBrk="0" hangingPunct="1">
+      <a:defRPr sz="1200" kern="1200">
+        <a:solidFill>
+          <a:schemeClr val="tx1"/>
+        </a:solidFill>
+        <a:latin typeface="+mn-lt"/>
+        <a:ea typeface="+mn-ea"/>
+        <a:cs typeface="+mn-cs"/>
+      </a:defRPr>
+    </a:lvl4pPr>
+    <a:lvl5pPr marL="1828800" algn="l" defTabSz="914400" rtl="0" eaLnBrk="1" latinLnBrk="0" hangingPunct="1">
+      <a:defRPr sz="1200" kern="1200">
+        <a:solidFill>
+          <a:schemeClr val="tx1"/>
+        </a:solidFill>
+        <a:latin typeface="+mn-lt"/>
+        <a:ea typeface="+mn-ea"/>
+        <a:cs typeface="+mn-cs"/>
+      </a:defRPr>
+    </a:lvl5pPr>
+    <a:lvl6pPr marL="2286000" algn="l" defTabSz="914400" rtl="0" eaLnBrk="1" latinLnBrk="0" hangingPunct="1">
+      <a:defRPr sz="1200" kern="1200">
+        <a:solidFill>
+          <a:schemeClr val="tx1"/>
+        </a:solidFill>
+        <a:latin typeface="+mn-lt"/>
+        <a:ea typeface="+mn-ea"/>
+        <a:cs typeface="+mn-cs"/>
+      </a:defRPr>
+    </a:lvl6pPr>
+    <a:lvl7pPr marL="2743200" algn="l" defTabSz="914400" rtl="0" eaLnBrk="1" latinLnBrk="0" hangingPunct="1">
+      <a:defRPr sz="1200" kern="1200">
+        <a:solidFill>
+          <a:schemeClr val="tx1"/>
+        </a:solidFill>
+        <a:latin typeface="+mn-lt"/>
+        <a:ea typeface="+mn-ea"/>
+        <a:cs typeface="+mn-cs"/>
+      </a:defRPr>
+    </a:lvl7pPr>
+    <a:lvl8pPr marL="3200400" algn="l" defTabSz="914400" rtl="0" eaLnBrk="1" latinLnBrk="0" hangingPunct="1">
+      <a:defRPr sz="1200" kern="1200">
+        <a:solidFill>
+          <a:schemeClr val="tx1"/>
+        </a:solidFill>
+        <a:latin typeface="+mn-lt"/>
+        <a:ea typeface="+mn-ea"/>
+        <a:cs typeface="+mn-cs"/>
+      </a:defRPr>
+    </a:lvl8pPr>
+    <a:lvl9pPr marL="3657600" algn="l" defTabSz="914400" rtl="0" eaLnBrk="1" latinLnBrk="0" hangingPunct="1">
+      <a:defRPr sz="1200" kern="1200">
+        <a:solidFill>
+          <a:schemeClr val="tx1"/>
+        </a:solidFill>
+        <a:latin typeface="+mn-lt"/>
+        <a:ea typeface="+mn-ea"/>
+        <a:cs typeface="+mn-cs"/>
+      </a:defRPr>
+    </a:lvl9pPr>
+  </p:notesStyle>
+</p:notesMaster>
+</file>
+
 <file path=ppt/slideLayouts/slideLayout1.xml><?xml version="1.0" encoding="utf-8"?>
 <p:sldLayout xmlns:a="http://schemas.openxmlformats.org/drawingml/2006/main" xmlns:r="http://schemas.openxmlformats.org/officeDocument/2006/relationships" xmlns:p="http://schemas.openxmlformats.org/presentationml/2006/main" type="title" preserve="1">
   <p:cSld name="Diapositive de titre">
@@ -319,9 +677,8 @@
           <a:bodyPr/>
           <a:lstStyle/>
           <a:p>
-            <a:fld id="{B61BEF0D-F0BB-DE4B-95CE-6DB70DBA9567}" type="datetimeFigureOut">
-              <a:rPr lang="en-US" dirty="0"/>
-              <a:pPr/>
+            <a:fld id="{3032B84C-0C6F-4FEE-A435-567DC6016AA3}" type="datetime1">
+              <a:rPr lang="en-US" smtClean="0"/>
               <a:t>12/30/2017</a:t>
             </a:fld>
             <a:endParaRPr lang="en-US" dirty="0"/>
@@ -654,9 +1011,8 @@
           <a:bodyPr/>
           <a:lstStyle/>
           <a:p>
-            <a:fld id="{B61BEF0D-F0BB-DE4B-95CE-6DB70DBA9567}" type="datetimeFigureOut">
-              <a:rPr lang="en-US" dirty="0"/>
-              <a:pPr/>
+            <a:fld id="{DAB10936-7F46-4E84-9D9C-2197F0EE2105}" type="datetime1">
+              <a:rPr lang="en-US" smtClean="0"/>
               <a:t>12/30/2017</a:t>
             </a:fld>
             <a:endParaRPr lang="en-US" dirty="0"/>
@@ -1052,9 +1408,8 @@
           <a:bodyPr/>
           <a:lstStyle/>
           <a:p>
-            <a:fld id="{B61BEF0D-F0BB-DE4B-95CE-6DB70DBA9567}" type="datetimeFigureOut">
-              <a:rPr lang="en-US" dirty="0"/>
-              <a:pPr/>
+            <a:fld id="{44C00F8F-B142-4D14-AD3A-2A51E3EA2BF8}" type="datetime1">
+              <a:rPr lang="en-US" smtClean="0"/>
               <a:t>12/30/2017</a:t>
             </a:fld>
             <a:endParaRPr lang="en-US" dirty="0"/>
@@ -1385,9 +1740,8 @@
           <a:bodyPr/>
           <a:lstStyle/>
           <a:p>
-            <a:fld id="{B61BEF0D-F0BB-DE4B-95CE-6DB70DBA9567}" type="datetimeFigureOut">
-              <a:rPr lang="en-US" dirty="0"/>
-              <a:pPr/>
+            <a:fld id="{B78E52C0-624E-4FAE-A4B0-6E29A10BEB4F}" type="datetime1">
+              <a:rPr lang="en-US" smtClean="0"/>
               <a:t>12/30/2017</a:t>
             </a:fld>
             <a:endParaRPr lang="en-US" dirty="0"/>
@@ -1702,9 +2056,8 @@
           <a:bodyPr/>
           <a:lstStyle/>
           <a:p>
-            <a:fld id="{B61BEF0D-F0BB-DE4B-95CE-6DB70DBA9567}" type="datetimeFigureOut">
-              <a:rPr lang="en-US" dirty="0"/>
-              <a:pPr/>
+            <a:fld id="{DB78231D-F226-45DF-9669-F1BF795640EB}" type="datetime1">
+              <a:rPr lang="en-US" smtClean="0"/>
               <a:t>12/30/2017</a:t>
             </a:fld>
             <a:endParaRPr lang="en-US" dirty="0"/>
@@ -2095,9 +2448,8 @@
           <a:bodyPr/>
           <a:lstStyle/>
           <a:p>
-            <a:fld id="{B61BEF0D-F0BB-DE4B-95CE-6DB70DBA9567}" type="datetimeFigureOut">
-              <a:rPr lang="en-US" dirty="0"/>
-              <a:pPr/>
+            <a:fld id="{CB819A94-7443-4207-8A6B-F8C691E3142F}" type="datetime1">
+              <a:rPr lang="en-US" smtClean="0"/>
               <a:t>12/30/2017</a:t>
             </a:fld>
             <a:endParaRPr lang="en-US" dirty="0"/>
@@ -2349,9 +2701,8 @@
           <a:bodyPr/>
           <a:lstStyle/>
           <a:p>
-            <a:fld id="{B61BEF0D-F0BB-DE4B-95CE-6DB70DBA9567}" type="datetimeFigureOut">
-              <a:rPr lang="en-US" dirty="0"/>
-              <a:pPr/>
+            <a:fld id="{67D95873-D052-47A6-AD02-0AD1A59B976D}" type="datetime1">
+              <a:rPr lang="en-US" smtClean="0"/>
               <a:t>12/30/2017</a:t>
             </a:fld>
             <a:endParaRPr lang="en-US" dirty="0"/>
@@ -2608,9 +2959,8 @@
           <a:bodyPr/>
           <a:lstStyle/>
           <a:p>
-            <a:fld id="{B61BEF0D-F0BB-DE4B-95CE-6DB70DBA9567}" type="datetimeFigureOut">
-              <a:rPr lang="en-US" dirty="0"/>
-              <a:pPr/>
+            <a:fld id="{919BACF9-B727-41C7-869A-391609C9FC57}" type="datetime1">
+              <a:rPr lang="en-US" smtClean="0"/>
               <a:t>12/30/2017</a:t>
             </a:fld>
             <a:endParaRPr lang="en-US" dirty="0"/>
@@ -2867,9 +3217,8 @@
           <a:bodyPr/>
           <a:lstStyle/>
           <a:p>
-            <a:fld id="{B61BEF0D-F0BB-DE4B-95CE-6DB70DBA9567}" type="datetimeFigureOut">
-              <a:rPr lang="en-US" dirty="0"/>
-              <a:pPr/>
+            <a:fld id="{AFABB761-46B1-499E-8EAC-90290121C7E3}" type="datetime1">
+              <a:rPr lang="en-US" smtClean="0"/>
               <a:t>12/30/2017</a:t>
             </a:fld>
             <a:endParaRPr lang="en-US" dirty="0"/>
@@ -2976,30 +3325,6 @@
             <a:noFill/>
           </a:ln>
         </p:spPr>
-      </p:sp>
-      <p:sp>
-        <p:nvSpPr>
-          <p:cNvPr id="6" name="Slide Number Placeholder 5"/>
-          <p:cNvSpPr>
-            <a:spLocks noGrp="1"/>
-          </p:cNvSpPr>
-          <p:nvPr>
-            <p:ph type="sldNum" sz="quarter" idx="12"/>
-          </p:nvPr>
-        </p:nvSpPr>
-        <p:spPr/>
-        <p:txBody>
-          <a:bodyPr/>
-          <a:lstStyle/>
-          <a:p>
-            <a:fld id="{D57F1E4F-1CFF-5643-939E-217C01CDF565}" type="slidenum">
-              <a:rPr lang="en-US" dirty="0"/>
-              <a:pPr/>
-              <a:t>‹N°›</a:t>
-            </a:fld>
-            <a:endParaRPr lang="en-US" dirty="0"/>
-          </a:p>
-        </p:txBody>
       </p:sp>
     </p:spTree>
   </p:cSld>
@@ -3193,9 +3518,8 @@
           <a:bodyPr/>
           <a:lstStyle/>
           <a:p>
-            <a:fld id="{B61BEF0D-F0BB-DE4B-95CE-6DB70DBA9567}" type="datetimeFigureOut">
-              <a:rPr lang="en-US" dirty="0"/>
-              <a:pPr/>
+            <a:fld id="{BDC87CC9-D479-498E-AC84-BC0B69667EA7}" type="datetime1">
+              <a:rPr lang="en-US" smtClean="0"/>
               <a:t>12/30/2017</a:t>
             </a:fld>
             <a:endParaRPr lang="en-US" dirty="0"/>
@@ -3220,88 +3544,6 @@
             <a:endParaRPr lang="en-US" dirty="0"/>
           </a:p>
         </p:txBody>
-      </p:sp>
-      <p:sp>
-        <p:nvSpPr>
-          <p:cNvPr id="9" name="Freeform 11"/>
-          <p:cNvSpPr/>
-          <p:nvPr/>
-        </p:nvSpPr>
-        <p:spPr bwMode="auto">
-          <a:xfrm flipV="1">
-            <a:off x="-4189" y="3178175"/>
-            <a:ext cx="1588527" cy="507297"/>
-          </a:xfrm>
-          <a:custGeom>
-            <a:avLst/>
-            <a:gdLst/>
-            <a:ahLst/>
-            <a:cxnLst/>
-            <a:rect l="l" t="t" r="r" b="b"/>
-            <a:pathLst>
-              <a:path w="9248" h="10000">
-                <a:moveTo>
-                  <a:pt x="9248" y="4701"/>
-                </a:moveTo>
-                <a:lnTo>
-                  <a:pt x="7915" y="188"/>
-                </a:lnTo>
-                <a:cubicBezTo>
-                  <a:pt x="7906" y="156"/>
-                  <a:pt x="7895" y="126"/>
-                  <a:pt x="7886" y="94"/>
-                </a:cubicBezTo>
-                <a:cubicBezTo>
-                  <a:pt x="7859" y="0"/>
-                  <a:pt x="7831" y="0"/>
-                  <a:pt x="7803" y="0"/>
-                </a:cubicBezTo>
-                <a:lnTo>
-                  <a:pt x="7275" y="0"/>
-                </a:lnTo>
-                <a:lnTo>
-                  <a:pt x="0" y="70"/>
-                </a:lnTo>
-                <a:cubicBezTo>
-                  <a:pt x="8" y="3380"/>
-                  <a:pt x="17" y="6690"/>
-                  <a:pt x="25" y="10000"/>
-                </a:cubicBezTo>
-                <a:lnTo>
-                  <a:pt x="7275" y="9966"/>
-                </a:lnTo>
-                <a:lnTo>
-                  <a:pt x="7803" y="9966"/>
-                </a:lnTo>
-                <a:cubicBezTo>
-                  <a:pt x="7831" y="9966"/>
-                  <a:pt x="7859" y="9872"/>
-                  <a:pt x="7886" y="9872"/>
-                </a:cubicBezTo>
-                <a:cubicBezTo>
-                  <a:pt x="7886" y="9778"/>
-                  <a:pt x="7915" y="9778"/>
-                  <a:pt x="7915" y="9778"/>
-                </a:cubicBezTo>
-                <a:lnTo>
-                  <a:pt x="9248" y="5265"/>
-                </a:lnTo>
-                <a:cubicBezTo>
-                  <a:pt x="9303" y="5077"/>
-                  <a:pt x="9303" y="4889"/>
-                  <a:pt x="9248" y="4701"/>
-                </a:cubicBezTo>
-                <a:close/>
-              </a:path>
-            </a:pathLst>
-          </a:custGeom>
-          <a:solidFill>
-            <a:schemeClr val="accent1"/>
-          </a:solidFill>
-          <a:ln>
-            <a:noFill/>
-          </a:ln>
-        </p:spPr>
       </p:sp>
       <p:sp>
         <p:nvSpPr>
@@ -3321,13 +3563,14 @@
         </p:spPr>
         <p:txBody>
           <a:bodyPr/>
-          <a:lstStyle/>
-          <a:p>
-            <a:fld id="{D57F1E4F-1CFF-5643-939E-217C01CDF565}" type="slidenum">
-              <a:rPr lang="en-US" dirty="0"/>
-              <a:pPr/>
-              <a:t>‹N°›</a:t>
-            </a:fld>
+          <a:lstStyle>
+            <a:lvl1pPr marL="457200" indent="-457200">
+              <a:buFont typeface="+mj-lt"/>
+              <a:buAutoNum type="arabicPeriod"/>
+              <a:defRPr/>
+            </a:lvl1pPr>
+          </a:lstStyle>
+          <a:p>
             <a:endParaRPr lang="en-US" dirty="0"/>
           </a:p>
         </p:txBody>
@@ -3513,9 +3756,8 @@
           <a:bodyPr/>
           <a:lstStyle/>
           <a:p>
-            <a:fld id="{B61BEF0D-F0BB-DE4B-95CE-6DB70DBA9567}" type="datetimeFigureOut">
-              <a:rPr lang="en-US" dirty="0"/>
-              <a:pPr/>
+            <a:fld id="{D5CECE5E-017D-4D7D-863D-A253BD353750}" type="datetime1">
+              <a:rPr lang="en-US" smtClean="0"/>
               <a:t>12/30/2017</a:t>
             </a:fld>
             <a:endParaRPr lang="en-US" dirty="0"/>
@@ -3967,9 +4209,8 @@
           <a:bodyPr/>
           <a:lstStyle/>
           <a:p>
-            <a:fld id="{B61BEF0D-F0BB-DE4B-95CE-6DB70DBA9567}" type="datetimeFigureOut">
-              <a:rPr lang="en-US" dirty="0"/>
-              <a:pPr/>
+            <a:fld id="{9F18A03C-314A-4F06-B760-F20B5FED1D3F}" type="datetime1">
+              <a:rPr lang="en-US" smtClean="0"/>
               <a:t>12/30/2017</a:t>
             </a:fld>
             <a:endParaRPr lang="en-US" dirty="0"/>
@@ -4169,9 +4410,8 @@
           <a:bodyPr/>
           <a:lstStyle/>
           <a:p>
-            <a:fld id="{B61BEF0D-F0BB-DE4B-95CE-6DB70DBA9567}" type="datetimeFigureOut">
-              <a:rPr lang="en-US" dirty="0"/>
-              <a:pPr/>
+            <a:fld id="{BD191738-FFD6-4860-8529-524859D0AAD5}" type="datetime1">
+              <a:rPr lang="en-US" smtClean="0"/>
               <a:t>12/30/2017</a:t>
             </a:fld>
             <a:endParaRPr lang="en-US" dirty="0"/>
@@ -4343,9 +4583,8 @@
           <a:bodyPr/>
           <a:lstStyle/>
           <a:p>
-            <a:fld id="{B61BEF0D-F0BB-DE4B-95CE-6DB70DBA9567}" type="datetimeFigureOut">
-              <a:rPr lang="en-US" dirty="0"/>
-              <a:pPr/>
+            <a:fld id="{87C445FA-DBB4-45A6-AF36-646BBDEFE7B8}" type="datetime1">
+              <a:rPr lang="en-US" smtClean="0"/>
               <a:t>12/30/2017</a:t>
             </a:fld>
             <a:endParaRPr lang="en-US" dirty="0"/>
@@ -4673,9 +4912,8 @@
           <a:bodyPr/>
           <a:lstStyle/>
           <a:p>
-            <a:fld id="{B61BEF0D-F0BB-DE4B-95CE-6DB70DBA9567}" type="datetimeFigureOut">
-              <a:rPr lang="en-US" dirty="0"/>
-              <a:pPr/>
+            <a:fld id="{3CCB4C9D-9F99-4603-AFDB-5A1EF738629A}" type="datetime1">
+              <a:rPr lang="en-US" smtClean="0"/>
               <a:t>12/30/2017</a:t>
             </a:fld>
             <a:endParaRPr lang="en-US" dirty="0"/>
@@ -5015,9 +5253,8 @@
           <a:bodyPr/>
           <a:lstStyle/>
           <a:p>
-            <a:fld id="{B61BEF0D-F0BB-DE4B-95CE-6DB70DBA9567}" type="datetimeFigureOut">
-              <a:rPr lang="en-US" dirty="0"/>
-              <a:pPr/>
+            <a:fld id="{DD689B9E-37D7-48EE-AC3B-85D1F5E65693}" type="datetime1">
+              <a:rPr lang="en-US" smtClean="0"/>
               <a:t>12/30/2017</a:t>
             </a:fld>
             <a:endParaRPr lang="en-US" dirty="0"/>
@@ -7129,9 +7366,8 @@
             </a:lvl1pPr>
           </a:lstStyle>
           <a:p>
-            <a:fld id="{B61BEF0D-F0BB-DE4B-95CE-6DB70DBA9567}" type="datetimeFigureOut">
-              <a:rPr lang="en-US" dirty="0"/>
-              <a:pPr/>
+            <a:fld id="{E743FBA0-816E-44C2-9FC4-949B5131156F}" type="datetime1">
+              <a:rPr lang="en-US" smtClean="0"/>
               <a:t>12/30/2017</a:t>
             </a:fld>
             <a:endParaRPr lang="en-US" dirty="0"/>
@@ -7236,6 +7472,7 @@
     <p:sldLayoutId id="2147483658" r:id="rId15"/>
     <p:sldLayoutId id="2147483659" r:id="rId16"/>
   </p:sldLayoutIdLst>
+  <p:hf hdr="0" ftr="0" dt="0"/>
   <p:txStyles>
     <p:titleStyle>
       <a:lvl1pPr algn="l" defTabSz="457200" rtl="0" eaLnBrk="1" latinLnBrk="0" hangingPunct="1">
@@ -8067,7 +8304,22 @@
             <a:pPr algn="just"/>
             <a:r>
               <a:rPr lang="fr-FR" dirty="0"/>
-              <a:t>La compatibilité des types composés est fondée sur les propriétés plutôt que sur le nom. C'est-à-dire que deux types composés seront équivalents si leurs propriétés sont équivalentes : même nom pour la propriété et équivalence de type. C'est le typage </a:t>
+              <a:t>La compatibilité des types composés est fondée sur les propriétés plutôt que sur le nom. C'est-à-dire que deux types composés seront équivalents si leurs propriétés sont équivalentes : même nom pour la propriété et équivalence de </a:t>
+            </a:r>
+            <a:r>
+              <a:rPr lang="fr-FR" dirty="0" smtClean="0"/>
+              <a:t>type</a:t>
+            </a:r>
+          </a:p>
+          <a:p>
+            <a:pPr algn="just"/>
+            <a:r>
+              <a:rPr lang="fr-FR" dirty="0" smtClean="0"/>
+              <a:t>C'est </a:t>
+            </a:r>
+            <a:r>
+              <a:rPr lang="fr-FR" dirty="0"/>
+              <a:t>le typage </a:t>
             </a:r>
             <a:r>
               <a:rPr lang="fr-FR" dirty="0" smtClean="0"/>
@@ -8863,6 +9115,284 @@
           <a:p>
             <a:r>
               <a:rPr lang="fr-FR" dirty="0" smtClean="0"/>
+              <a:t>Golang</a:t>
+            </a:r>
+            <a:endParaRPr lang="fr-FR" dirty="0"/>
+          </a:p>
+        </p:txBody>
+      </p:sp>
+      <p:sp>
+        <p:nvSpPr>
+          <p:cNvPr id="5" name="Espace réservé du contenu 4"/>
+          <p:cNvSpPr>
+            <a:spLocks noGrp="1"/>
+          </p:cNvSpPr>
+          <p:nvPr>
+            <p:ph idx="1"/>
+          </p:nvPr>
+        </p:nvSpPr>
+        <p:spPr/>
+        <p:txBody>
+          <a:bodyPr/>
+          <a:lstStyle/>
+          <a:p>
+            <a:r>
+              <a:rPr lang="fr-FR" dirty="0" smtClean="0"/>
+              <a:t>Welcome to</a:t>
+            </a:r>
+            <a:endParaRPr lang="fr-FR" dirty="0"/>
+          </a:p>
+        </p:txBody>
+      </p:sp>
+      <p:pic>
+        <p:nvPicPr>
+          <p:cNvPr id="6" name="Image 5"/>
+          <p:cNvPicPr>
+            <a:picLocks noChangeAspect="1"/>
+          </p:cNvPicPr>
+          <p:nvPr/>
+        </p:nvPicPr>
+        <p:blipFill>
+          <a:blip r:embed="rId2"/>
+          <a:stretch>
+            <a:fillRect/>
+          </a:stretch>
+        </p:blipFill>
+        <p:spPr>
+          <a:xfrm>
+            <a:off x="4107926" y="2804411"/>
+            <a:ext cx="4328064" cy="2722245"/>
+          </a:xfrm>
+          <a:prstGeom prst="ellipse">
+            <a:avLst/>
+          </a:prstGeom>
+          <a:ln w="63500" cap="rnd">
+            <a:solidFill>
+              <a:srgbClr val="333333"/>
+            </a:solidFill>
+          </a:ln>
+          <a:effectLst>
+            <a:outerShdw blurRad="381000" dist="292100" dir="5400000" sx="-80000" sy="-18000" rotWithShape="0">
+              <a:srgbClr val="000000">
+                <a:alpha val="22000"/>
+              </a:srgbClr>
+            </a:outerShdw>
+          </a:effectLst>
+          <a:scene3d>
+            <a:camera prst="orthographicFront"/>
+            <a:lightRig rig="contrasting" dir="t">
+              <a:rot lat="0" lon="0" rev="3000000"/>
+            </a:lightRig>
+          </a:scene3d>
+          <a:sp3d contourW="7620">
+            <a:bevelT w="95250" h="31750"/>
+            <a:contourClr>
+              <a:srgbClr val="333333"/>
+            </a:contourClr>
+          </a:sp3d>
+        </p:spPr>
+      </p:pic>
+    </p:spTree>
+    <p:extLst>
+      <p:ext uri="{BB962C8B-B14F-4D97-AF65-F5344CB8AC3E}">
+        <p14:creationId xmlns:p14="http://schemas.microsoft.com/office/powerpoint/2010/main" val="3919888392"/>
+      </p:ext>
+    </p:extLst>
+  </p:cSld>
+  <p:clrMapOvr>
+    <a:masterClrMapping/>
+  </p:clrMapOvr>
+  <p:timing>
+    <p:tnLst>
+      <p:par>
+        <p:cTn id="1" dur="indefinite" restart="never" nodeType="tmRoot"/>
+      </p:par>
+    </p:tnLst>
+  </p:timing>
+</p:sld>
+</file>
+
+<file path=ppt/slides/slide2.xml><?xml version="1.0" encoding="utf-8"?>
+<p:sld xmlns:a="http://schemas.openxmlformats.org/drawingml/2006/main" xmlns:r="http://schemas.openxmlformats.org/officeDocument/2006/relationships" xmlns:p="http://schemas.openxmlformats.org/presentationml/2006/main">
+  <p:cSld>
+    <p:spTree>
+      <p:nvGrpSpPr>
+        <p:cNvPr id="1" name=""/>
+        <p:cNvGrpSpPr/>
+        <p:nvPr/>
+      </p:nvGrpSpPr>
+      <p:grpSpPr>
+        <a:xfrm>
+          <a:off x="0" y="0"/>
+          <a:ext cx="0" cy="0"/>
+          <a:chOff x="0" y="0"/>
+          <a:chExt cx="0" cy="0"/>
+        </a:xfrm>
+      </p:grpSpPr>
+      <p:sp>
+        <p:nvSpPr>
+          <p:cNvPr id="2" name="Titre 1"/>
+          <p:cNvSpPr>
+            <a:spLocks noGrp="1"/>
+          </p:cNvSpPr>
+          <p:nvPr>
+            <p:ph type="title"/>
+          </p:nvPr>
+        </p:nvSpPr>
+        <p:spPr/>
+        <p:txBody>
+          <a:bodyPr/>
+          <a:lstStyle/>
+          <a:p>
+            <a:r>
+              <a:rPr lang="fr-FR" dirty="0" smtClean="0"/>
+              <a:t>Pourquoi croire en Go ?</a:t>
+            </a:r>
+            <a:endParaRPr lang="fr-FR" dirty="0"/>
+          </a:p>
+        </p:txBody>
+      </p:sp>
+      <p:sp>
+        <p:nvSpPr>
+          <p:cNvPr id="3" name="Espace réservé du contenu 2"/>
+          <p:cNvSpPr>
+            <a:spLocks noGrp="1"/>
+          </p:cNvSpPr>
+          <p:nvPr>
+            <p:ph idx="1"/>
+          </p:nvPr>
+        </p:nvSpPr>
+        <p:spPr/>
+        <p:txBody>
+          <a:bodyPr anchor="ctr">
+            <a:normAutofit/>
+          </a:bodyPr>
+          <a:lstStyle/>
+          <a:p>
+            <a:pPr algn="just"/>
+            <a:r>
+              <a:rPr lang="fr-FR" sz="1500" dirty="0"/>
+              <a:t>En 2009, Google dévoile un langage de programmation dont le début de la conception remonte à </a:t>
+            </a:r>
+            <a:r>
+              <a:rPr lang="fr-FR" sz="1500" dirty="0" smtClean="0"/>
+              <a:t>2007</a:t>
+            </a:r>
+          </a:p>
+          <a:p>
+            <a:pPr algn="just"/>
+            <a:r>
+              <a:rPr lang="fr-FR" sz="1500" dirty="0"/>
+              <a:t>À la tête de ce projet, Robert Griesemer, Rob Pike, et Ken Thompson, qui continue d’innover sans relâche à 73 ans, après nous avoir déjà </a:t>
+            </a:r>
+            <a:r>
+              <a:rPr lang="fr-FR" sz="1500" dirty="0" smtClean="0"/>
+              <a:t>tant offert</a:t>
+            </a:r>
+          </a:p>
+          <a:p>
+            <a:pPr algn="just"/>
+            <a:r>
+              <a:rPr lang="fr-FR" sz="1500" dirty="0"/>
+              <a:t>Malheureusement, si la nouvelle fait grand bruit, peu de projets adoptent ce nouveau venu, nommé </a:t>
+            </a:r>
+            <a:r>
+              <a:rPr lang="fr-FR" sz="1500" b="1" dirty="0"/>
+              <a:t>Go</a:t>
+            </a:r>
+            <a:r>
+              <a:rPr lang="fr-FR" sz="1500" dirty="0"/>
+              <a:t> mais plus souvent désigné par </a:t>
+            </a:r>
+            <a:r>
+              <a:rPr lang="fr-FR" sz="1500" b="1" dirty="0"/>
+              <a:t>Golang</a:t>
+            </a:r>
+            <a:r>
+              <a:rPr lang="fr-FR" sz="1500" dirty="0"/>
+              <a:t>, pour éviter toute </a:t>
+            </a:r>
+            <a:r>
+              <a:rPr lang="fr-FR" sz="1500" dirty="0" smtClean="0"/>
+              <a:t>confusion</a:t>
+            </a:r>
+            <a:endParaRPr lang="fr-FR" sz="1500" dirty="0"/>
+          </a:p>
+          <a:p>
+            <a:pPr algn="just"/>
+            <a:r>
+              <a:rPr lang="fr-FR" sz="1500" dirty="0"/>
+              <a:t>Sept ans après ses débuts officiels, je crois plus que jamais que Golang apporte des solutions aux problématiques actuelles</a:t>
+            </a:r>
+            <a:r>
+              <a:rPr lang="fr-FR" sz="1500" dirty="0" smtClean="0"/>
+              <a:t>.</a:t>
+            </a:r>
+          </a:p>
+          <a:p>
+            <a:pPr algn="just"/>
+            <a:r>
+              <a:rPr lang="fr-FR" sz="1500" dirty="0" smtClean="0"/>
+              <a:t>Voici pourquoi</a:t>
+            </a:r>
+            <a:endParaRPr lang="fr-FR" sz="1500" dirty="0"/>
+          </a:p>
+        </p:txBody>
+      </p:sp>
+    </p:spTree>
+    <p:extLst>
+      <p:ext uri="{BB962C8B-B14F-4D97-AF65-F5344CB8AC3E}">
+        <p14:creationId xmlns:p14="http://schemas.microsoft.com/office/powerpoint/2010/main" val="662758842"/>
+      </p:ext>
+    </p:extLst>
+  </p:cSld>
+  <p:clrMapOvr>
+    <a:masterClrMapping/>
+  </p:clrMapOvr>
+  <p:timing>
+    <p:tnLst>
+      <p:par>
+        <p:cTn id="1" dur="indefinite" restart="never" nodeType="tmRoot"/>
+      </p:par>
+    </p:tnLst>
+  </p:timing>
+</p:sld>
+</file>
+
+<file path=ppt/slides/slide20.xml><?xml version="1.0" encoding="utf-8"?>
+<p:sld xmlns:a="http://schemas.openxmlformats.org/drawingml/2006/main" xmlns:r="http://schemas.openxmlformats.org/officeDocument/2006/relationships" xmlns:p="http://schemas.openxmlformats.org/presentationml/2006/main">
+  <p:cSld>
+    <p:spTree>
+      <p:nvGrpSpPr>
+        <p:cNvPr id="1" name=""/>
+        <p:cNvGrpSpPr/>
+        <p:nvPr/>
+      </p:nvGrpSpPr>
+      <p:grpSpPr>
+        <a:xfrm>
+          <a:off x="0" y="0"/>
+          <a:ext cx="0" cy="0"/>
+          <a:chOff x="0" y="0"/>
+          <a:chExt cx="0" cy="0"/>
+        </a:xfrm>
+      </p:grpSpPr>
+      <p:sp>
+        <p:nvSpPr>
+          <p:cNvPr id="2" name="Titre 1"/>
+          <p:cNvSpPr>
+            <a:spLocks noGrp="1"/>
+          </p:cNvSpPr>
+          <p:nvPr>
+            <p:ph type="title"/>
+          </p:nvPr>
+        </p:nvSpPr>
+        <p:spPr/>
+        <p:txBody>
+          <a:bodyPr/>
+          <a:lstStyle/>
+          <a:p>
+            <a:r>
+              <a:rPr lang="fr-FR" dirty="0" smtClean="0"/>
               <a:t>Hello, Go!</a:t>
             </a:r>
             <a:endParaRPr lang="fr-FR" dirty="0"/>
@@ -8915,7 +9445,7 @@
 </p:sld>
 </file>
 
-<file path=ppt/slides/slide2.xml><?xml version="1.0" encoding="utf-8"?>
+<file path=ppt/slides/slide21.xml><?xml version="1.0" encoding="utf-8"?>
 <p:sld xmlns:a="http://schemas.openxmlformats.org/drawingml/2006/main" xmlns:r="http://schemas.openxmlformats.org/officeDocument/2006/relationships" xmlns:p="http://schemas.openxmlformats.org/presentationml/2006/main">
   <p:cSld>
     <p:spTree>
@@ -8949,153 +9479,6 @@
           <a:p>
             <a:r>
               <a:rPr lang="fr-FR" dirty="0" smtClean="0"/>
-              <a:t>Pourquoi croire en Go ?</a:t>
-            </a:r>
-            <a:endParaRPr lang="fr-FR" dirty="0"/>
-          </a:p>
-        </p:txBody>
-      </p:sp>
-      <p:sp>
-        <p:nvSpPr>
-          <p:cNvPr id="3" name="Espace réservé du contenu 2"/>
-          <p:cNvSpPr>
-            <a:spLocks noGrp="1"/>
-          </p:cNvSpPr>
-          <p:nvPr>
-            <p:ph idx="1"/>
-          </p:nvPr>
-        </p:nvSpPr>
-        <p:spPr/>
-        <p:txBody>
-          <a:bodyPr anchor="ctr">
-            <a:normAutofit/>
-          </a:bodyPr>
-          <a:lstStyle/>
-          <a:p>
-            <a:pPr algn="just"/>
-            <a:r>
-              <a:rPr lang="fr-FR" sz="1500" dirty="0"/>
-              <a:t>En 2009, Google dévoile un langage de programmation dont le début de la conception remonte à </a:t>
-            </a:r>
-            <a:r>
-              <a:rPr lang="fr-FR" sz="1500" dirty="0" smtClean="0"/>
-              <a:t>2007</a:t>
-            </a:r>
-          </a:p>
-          <a:p>
-            <a:pPr algn="just"/>
-            <a:r>
-              <a:rPr lang="fr-FR" sz="1500" dirty="0"/>
-              <a:t>À la tête de ce projet, Robert Griesemer, Rob Pike, et Ken Thompson, qui continue d’innover sans relâche à 73 ans, après nous avoir déjà </a:t>
-            </a:r>
-            <a:r>
-              <a:rPr lang="fr-FR" sz="1500" dirty="0" smtClean="0"/>
-              <a:t>tant offert</a:t>
-            </a:r>
-          </a:p>
-          <a:p>
-            <a:pPr algn="just"/>
-            <a:r>
-              <a:rPr lang="fr-FR" sz="1500" dirty="0"/>
-              <a:t>Malheureusement, si la nouvelle fait grand bruit, peu de projets adoptent ce nouveau venu, nommé </a:t>
-            </a:r>
-            <a:r>
-              <a:rPr lang="fr-FR" sz="1500" b="1" dirty="0"/>
-              <a:t>Go</a:t>
-            </a:r>
-            <a:r>
-              <a:rPr lang="fr-FR" sz="1500" dirty="0"/>
-              <a:t> mais plus souvent désigné par </a:t>
-            </a:r>
-            <a:r>
-              <a:rPr lang="fr-FR" sz="1500" b="1" dirty="0"/>
-              <a:t>Golang</a:t>
-            </a:r>
-            <a:r>
-              <a:rPr lang="fr-FR" sz="1500" dirty="0"/>
-              <a:t>, pour éviter toute </a:t>
-            </a:r>
-            <a:r>
-              <a:rPr lang="fr-FR" sz="1500" dirty="0" smtClean="0"/>
-              <a:t>confusion</a:t>
-            </a:r>
-            <a:endParaRPr lang="fr-FR" sz="1500" dirty="0"/>
-          </a:p>
-          <a:p>
-            <a:pPr algn="just"/>
-            <a:r>
-              <a:rPr lang="fr-FR" sz="1500" dirty="0"/>
-              <a:t>Sept ans après ses débuts officiels, je crois plus que jamais que Golang apporte des solutions aux problématiques actuelles</a:t>
-            </a:r>
-            <a:r>
-              <a:rPr lang="fr-FR" sz="1500" dirty="0" smtClean="0"/>
-              <a:t>.</a:t>
-            </a:r>
-          </a:p>
-          <a:p>
-            <a:pPr algn="just"/>
-            <a:r>
-              <a:rPr lang="fr-FR" sz="1500" dirty="0" smtClean="0"/>
-              <a:t>Voici pourquoi</a:t>
-            </a:r>
-            <a:endParaRPr lang="fr-FR" sz="1500" dirty="0"/>
-          </a:p>
-        </p:txBody>
-      </p:sp>
-    </p:spTree>
-    <p:extLst>
-      <p:ext uri="{BB962C8B-B14F-4D97-AF65-F5344CB8AC3E}">
-        <p14:creationId xmlns:p14="http://schemas.microsoft.com/office/powerpoint/2010/main" val="662758842"/>
-      </p:ext>
-    </p:extLst>
-  </p:cSld>
-  <p:clrMapOvr>
-    <a:masterClrMapping/>
-  </p:clrMapOvr>
-  <p:timing>
-    <p:tnLst>
-      <p:par>
-        <p:cTn id="1" dur="indefinite" restart="never" nodeType="tmRoot"/>
-      </p:par>
-    </p:tnLst>
-  </p:timing>
-</p:sld>
-</file>
-
-<file path=ppt/slides/slide20.xml><?xml version="1.0" encoding="utf-8"?>
-<p:sld xmlns:a="http://schemas.openxmlformats.org/drawingml/2006/main" xmlns:r="http://schemas.openxmlformats.org/officeDocument/2006/relationships" xmlns:p="http://schemas.openxmlformats.org/presentationml/2006/main">
-  <p:cSld>
-    <p:spTree>
-      <p:nvGrpSpPr>
-        <p:cNvPr id="1" name=""/>
-        <p:cNvGrpSpPr/>
-        <p:nvPr/>
-      </p:nvGrpSpPr>
-      <p:grpSpPr>
-        <a:xfrm>
-          <a:off x="0" y="0"/>
-          <a:ext cx="0" cy="0"/>
-          <a:chOff x="0" y="0"/>
-          <a:chExt cx="0" cy="0"/>
-        </a:xfrm>
-      </p:grpSpPr>
-      <p:sp>
-        <p:nvSpPr>
-          <p:cNvPr id="2" name="Titre 1"/>
-          <p:cNvSpPr>
-            <a:spLocks noGrp="1"/>
-          </p:cNvSpPr>
-          <p:nvPr>
-            <p:ph type="title"/>
-          </p:nvPr>
-        </p:nvSpPr>
-        <p:spPr/>
-        <p:txBody>
-          <a:bodyPr/>
-          <a:lstStyle/>
-          <a:p>
-            <a:r>
-              <a:rPr lang="fr-FR" dirty="0" smtClean="0"/>
               <a:t>Hello, Go!</a:t>
             </a:r>
             <a:endParaRPr lang="fr-FR" dirty="0"/>
@@ -9120,8 +9503,8 @@
         </p:blipFill>
         <p:spPr>
           <a:xfrm>
-            <a:off x="8305014" y="305426"/>
-            <a:ext cx="3714750" cy="2276475"/>
+            <a:off x="8668449" y="326283"/>
+            <a:ext cx="2836163" cy="1738059"/>
           </a:xfrm>
           <a:prstGeom prst="rect">
             <a:avLst/>
@@ -9138,8 +9521,8 @@
         </p:nvSpPr>
         <p:spPr>
           <a:xfrm>
-            <a:off x="688157" y="2667786"/>
-            <a:ext cx="11331607" cy="3243436"/>
+            <a:off x="1669774" y="2223684"/>
+            <a:ext cx="9834838" cy="4200970"/>
           </a:xfrm>
           <a:prstGeom prst="rect">
             <a:avLst/>
@@ -9371,7 +9754,105 @@
             <a:pPr algn="just"/>
             <a:r>
               <a:rPr lang="fr-FR" dirty="0" smtClean="0"/>
-              <a:t>L'import d'un package se fait par son chemin d'importation et peut préciser soit une bibliothèque standard, soit également des packages tiers installés dans des dépôts de sources distants (actuellement supporté : dépôt sous svn, git, mercurial et bazaar)</a:t>
+              <a:t>Tous les programmes Go commencent par une déclaration de package</a:t>
+            </a:r>
+          </a:p>
+          <a:p>
+            <a:pPr algn="just"/>
+            <a:r>
+              <a:rPr lang="fr-FR" dirty="0" smtClean="0"/>
+              <a:t>Deux types de programmes : </a:t>
+            </a:r>
+            <a:r>
+              <a:rPr lang="fr-FR" b="1" i="1" dirty="0" smtClean="0"/>
+              <a:t>exécutables</a:t>
+            </a:r>
+            <a:r>
+              <a:rPr lang="fr-FR" dirty="0" smtClean="0"/>
+              <a:t> ou </a:t>
+            </a:r>
+            <a:r>
+              <a:rPr lang="fr-FR" b="1" i="1" dirty="0" smtClean="0"/>
+              <a:t>bibliothèques</a:t>
+            </a:r>
+          </a:p>
+          <a:p>
+            <a:pPr algn="just"/>
+            <a:r>
+              <a:rPr lang="fr-FR" b="1" i="1" dirty="0" smtClean="0"/>
+              <a:t>import</a:t>
+            </a:r>
+            <a:r>
+              <a:rPr lang="fr-FR" dirty="0" smtClean="0"/>
+              <a:t> permet d'inclure le code provenant d'un autre package</a:t>
+            </a:r>
+          </a:p>
+          <a:p>
+            <a:pPr algn="just"/>
+            <a:r>
+              <a:rPr lang="fr-FR" dirty="0" smtClean="0"/>
+              <a:t>Les lignes commençant par </a:t>
+            </a:r>
+            <a:r>
+              <a:rPr lang="fr-FR" b="1" i="1" dirty="0" smtClean="0"/>
+              <a:t>//</a:t>
+            </a:r>
+            <a:r>
+              <a:rPr lang="fr-FR" dirty="0" smtClean="0"/>
+              <a:t> sont de commentaires sur une ligne</a:t>
+            </a:r>
+          </a:p>
+          <a:p>
+            <a:pPr marL="457200" lvl="1" indent="0" algn="just">
+              <a:buNone/>
+            </a:pPr>
+            <a:r>
+              <a:rPr lang="fr-FR" b="1" dirty="0" smtClean="0"/>
+              <a:t>// One line comment</a:t>
+            </a:r>
+            <a:endParaRPr lang="fr-FR" b="1" dirty="0" smtClean="0"/>
+          </a:p>
+          <a:p>
+            <a:pPr algn="just"/>
+            <a:r>
+              <a:rPr lang="fr-FR" dirty="0" smtClean="0"/>
+              <a:t>Les commentaires multi lignes sont matérialisés par </a:t>
+            </a:r>
+            <a:r>
+              <a:rPr lang="fr-FR" b="1" i="1" dirty="0" smtClean="0"/>
+              <a:t>/* */</a:t>
+            </a:r>
+          </a:p>
+          <a:p>
+            <a:pPr marL="457200" lvl="1" indent="0" algn="just">
+              <a:buNone/>
+            </a:pPr>
+            <a:r>
+              <a:rPr lang="fr-FR" b="1" i="1" dirty="0" smtClean="0"/>
+              <a:t>/*</a:t>
+            </a:r>
+          </a:p>
+          <a:p>
+            <a:pPr marL="457200" lvl="1" indent="0" algn="just">
+              <a:buNone/>
+            </a:pPr>
+            <a:r>
+              <a:rPr lang="fr-FR" b="1" i="1" dirty="0"/>
+              <a:t> </a:t>
+            </a:r>
+            <a:r>
+              <a:rPr lang="fr-FR" b="1" i="1" dirty="0" smtClean="0"/>
+              <a:t>Block comment</a:t>
+            </a:r>
+            <a:endParaRPr lang="fr-FR" b="1" i="1" dirty="0" smtClean="0"/>
+          </a:p>
+          <a:p>
+            <a:pPr marL="457200" lvl="1" indent="0" algn="just">
+              <a:buNone/>
+            </a:pPr>
+            <a:r>
+              <a:rPr lang="fr-FR" b="1" i="1" dirty="0" smtClean="0"/>
+              <a:t> */</a:t>
             </a:r>
           </a:p>
         </p:txBody>
@@ -9380,355 +9861,6 @@
     <p:extLst>
       <p:ext uri="{BB962C8B-B14F-4D97-AF65-F5344CB8AC3E}">
         <p14:creationId xmlns:p14="http://schemas.microsoft.com/office/powerpoint/2010/main" val="157265064"/>
-      </p:ext>
-    </p:extLst>
-  </p:cSld>
-  <p:clrMapOvr>
-    <a:masterClrMapping/>
-  </p:clrMapOvr>
-  <p:timing>
-    <p:tnLst>
-      <p:par>
-        <p:cTn id="1" dur="indefinite" restart="never" nodeType="tmRoot"/>
-      </p:par>
-    </p:tnLst>
-  </p:timing>
-</p:sld>
-</file>
-
-<file path=ppt/slides/slide21.xml><?xml version="1.0" encoding="utf-8"?>
-<p:sld xmlns:a="http://schemas.openxmlformats.org/drawingml/2006/main" xmlns:r="http://schemas.openxmlformats.org/officeDocument/2006/relationships" xmlns:p="http://schemas.openxmlformats.org/presentationml/2006/main">
-  <p:cSld>
-    <p:spTree>
-      <p:nvGrpSpPr>
-        <p:cNvPr id="1" name=""/>
-        <p:cNvGrpSpPr/>
-        <p:nvPr/>
-      </p:nvGrpSpPr>
-      <p:grpSpPr>
-        <a:xfrm>
-          <a:off x="0" y="0"/>
-          <a:ext cx="0" cy="0"/>
-          <a:chOff x="0" y="0"/>
-          <a:chExt cx="0" cy="0"/>
-        </a:xfrm>
-      </p:grpSpPr>
-      <p:sp>
-        <p:nvSpPr>
-          <p:cNvPr id="2" name="Titre 1"/>
-          <p:cNvSpPr>
-            <a:spLocks noGrp="1"/>
-          </p:cNvSpPr>
-          <p:nvPr>
-            <p:ph type="title"/>
-          </p:nvPr>
-        </p:nvSpPr>
-        <p:spPr/>
-        <p:txBody>
-          <a:bodyPr/>
-          <a:lstStyle/>
-          <a:p>
-            <a:r>
-              <a:rPr lang="fr-FR" dirty="0" smtClean="0"/>
-              <a:t>Déclaration des variables</a:t>
-            </a:r>
-            <a:endParaRPr lang="fr-FR" dirty="0"/>
-          </a:p>
-        </p:txBody>
-      </p:sp>
-      <p:sp>
-        <p:nvSpPr>
-          <p:cNvPr id="3" name="Espace réservé du contenu 2"/>
-          <p:cNvSpPr>
-            <a:spLocks noGrp="1"/>
-          </p:cNvSpPr>
-          <p:nvPr>
-            <p:ph idx="1"/>
-          </p:nvPr>
-        </p:nvSpPr>
-        <p:spPr/>
-        <p:txBody>
-          <a:bodyPr anchor="ctr"/>
-          <a:lstStyle/>
-          <a:p>
-            <a:r>
-              <a:rPr lang="fr-FR" dirty="0" smtClean="0"/>
-              <a:t>Mot-clé : </a:t>
-            </a:r>
-            <a:r>
-              <a:rPr lang="fr-FR" b="1" dirty="0" smtClean="0">
-                <a:solidFill>
-                  <a:schemeClr val="accent6"/>
-                </a:solidFill>
-              </a:rPr>
-              <a:t>var </a:t>
-            </a:r>
-            <a:r>
-              <a:rPr lang="fr-FR" dirty="0" smtClean="0">
-                <a:solidFill>
-                  <a:schemeClr val="tx1"/>
-                </a:solidFill>
-              </a:rPr>
-              <a:t>(optionnel mais bonne pratique)</a:t>
-            </a:r>
-            <a:endParaRPr lang="fr-FR" b="1" dirty="0" smtClean="0">
-              <a:solidFill>
-                <a:schemeClr val="accent6"/>
-              </a:solidFill>
-            </a:endParaRPr>
-          </a:p>
-          <a:p>
-            <a:r>
-              <a:rPr lang="fr-FR" dirty="0" smtClean="0"/>
-              <a:t>Déclarations possibles :</a:t>
-            </a:r>
-          </a:p>
-          <a:p>
-            <a:pPr lvl="1"/>
-            <a:r>
-              <a:rPr lang="fr-FR" b="1" dirty="0" smtClean="0">
-                <a:solidFill>
-                  <a:schemeClr val="accent6"/>
-                </a:solidFill>
-              </a:rPr>
-              <a:t>var</a:t>
-            </a:r>
-            <a:r>
-              <a:rPr lang="fr-FR" dirty="0" smtClean="0"/>
-              <a:t> </a:t>
-            </a:r>
-            <a:r>
-              <a:rPr lang="fr-FR" i="1" dirty="0" smtClean="0"/>
-              <a:t>&lt;nomDeVariable&gt; &lt;type&gt;</a:t>
-            </a:r>
-          </a:p>
-          <a:p>
-            <a:pPr lvl="1"/>
-            <a:r>
-              <a:rPr lang="fr-FR" b="1" dirty="0">
-                <a:solidFill>
-                  <a:schemeClr val="accent6"/>
-                </a:solidFill>
-              </a:rPr>
-              <a:t>var</a:t>
-            </a:r>
-            <a:r>
-              <a:rPr lang="fr-FR" dirty="0"/>
-              <a:t> </a:t>
-            </a:r>
-            <a:r>
-              <a:rPr lang="fr-FR" i="1" dirty="0"/>
-              <a:t>&lt;nomDeVariable&gt; &lt;type</a:t>
-            </a:r>
-            <a:r>
-              <a:rPr lang="fr-FR" i="1" dirty="0" smtClean="0"/>
-              <a:t>&gt;</a:t>
-            </a:r>
-            <a:r>
-              <a:rPr lang="fr-FR" dirty="0" smtClean="0"/>
-              <a:t> </a:t>
-            </a:r>
-            <a:r>
-              <a:rPr lang="fr-FR" b="1" dirty="0" smtClean="0">
-                <a:solidFill>
-                  <a:schemeClr val="accent6"/>
-                </a:solidFill>
-              </a:rPr>
-              <a:t>=</a:t>
-            </a:r>
-            <a:r>
-              <a:rPr lang="fr-FR" dirty="0" smtClean="0"/>
-              <a:t> </a:t>
-            </a:r>
-            <a:r>
-              <a:rPr lang="fr-FR" i="1" dirty="0" smtClean="0"/>
-              <a:t>&lt;valeur&gt;</a:t>
-            </a:r>
-          </a:p>
-          <a:p>
-            <a:pPr lvl="1"/>
-            <a:r>
-              <a:rPr lang="fr-FR" i="1" dirty="0" smtClean="0"/>
-              <a:t>&lt;</a:t>
-            </a:r>
-            <a:r>
-              <a:rPr lang="fr-FR" i="1" dirty="0"/>
-              <a:t>nomDeVariable&gt; </a:t>
-            </a:r>
-            <a:r>
-              <a:rPr lang="fr-FR" b="1" dirty="0" smtClean="0">
-                <a:solidFill>
-                  <a:schemeClr val="accent6"/>
-                </a:solidFill>
-              </a:rPr>
-              <a:t>:=</a:t>
-            </a:r>
-            <a:r>
-              <a:rPr lang="fr-FR" dirty="0" smtClean="0"/>
-              <a:t> </a:t>
-            </a:r>
-            <a:r>
-              <a:rPr lang="fr-FR" i="1" dirty="0" smtClean="0"/>
-              <a:t>&lt;valeur&gt; </a:t>
-            </a:r>
-            <a:r>
-              <a:rPr lang="fr-FR" i="1" dirty="0" smtClean="0">
-                <a:solidFill>
-                  <a:schemeClr val="accent1">
-                    <a:lumMod val="40000"/>
-                    <a:lumOff val="60000"/>
-                  </a:schemeClr>
-                </a:solidFill>
-              </a:rPr>
-              <a:t>(le type de la variable dépend de la valeur)</a:t>
-            </a:r>
-          </a:p>
-          <a:p>
-            <a:r>
-              <a:rPr lang="fr-FR" dirty="0" smtClean="0"/>
-              <a:t>Exemples :</a:t>
-            </a:r>
-          </a:p>
-          <a:p>
-            <a:pPr lvl="1"/>
-            <a:r>
-              <a:rPr lang="fr-FR" b="1" dirty="0" smtClean="0">
-                <a:solidFill>
-                  <a:schemeClr val="accent6"/>
-                </a:solidFill>
-              </a:rPr>
-              <a:t>var</a:t>
-            </a:r>
-            <a:r>
-              <a:rPr lang="fr-FR" dirty="0" smtClean="0"/>
-              <a:t> </a:t>
-            </a:r>
-            <a:r>
-              <a:rPr lang="fr-FR" i="1" dirty="0" smtClean="0"/>
-              <a:t>a</a:t>
-            </a:r>
-            <a:r>
-              <a:rPr lang="fr-FR" dirty="0" smtClean="0"/>
-              <a:t> </a:t>
-            </a:r>
-            <a:r>
-              <a:rPr lang="fr-FR" b="1" dirty="0" smtClean="0">
-                <a:solidFill>
-                  <a:schemeClr val="accent6"/>
-                </a:solidFill>
-              </a:rPr>
-              <a:t>int8</a:t>
-            </a:r>
-          </a:p>
-          <a:p>
-            <a:pPr lvl="1"/>
-            <a:r>
-              <a:rPr lang="fr-FR" b="1" dirty="0">
-                <a:solidFill>
-                  <a:schemeClr val="accent6"/>
-                </a:solidFill>
-              </a:rPr>
-              <a:t>var</a:t>
-            </a:r>
-            <a:r>
-              <a:rPr lang="fr-FR" dirty="0"/>
-              <a:t> </a:t>
-            </a:r>
-            <a:r>
-              <a:rPr lang="fr-FR" i="1" dirty="0" smtClean="0"/>
-              <a:t>b</a:t>
-            </a:r>
-            <a:r>
-              <a:rPr lang="fr-FR" dirty="0" smtClean="0"/>
-              <a:t> </a:t>
-            </a:r>
-            <a:r>
-              <a:rPr lang="fr-FR" b="1" dirty="0" smtClean="0">
-                <a:solidFill>
-                  <a:schemeClr val="accent6"/>
-                </a:solidFill>
-              </a:rPr>
-              <a:t>string</a:t>
-            </a:r>
-            <a:r>
-              <a:rPr lang="fr-FR" b="1" dirty="0">
-                <a:solidFill>
-                  <a:schemeClr val="accent6"/>
-                </a:solidFill>
-              </a:rPr>
-              <a:t> </a:t>
-            </a:r>
-            <a:r>
-              <a:rPr lang="fr-FR" b="1" dirty="0" smtClean="0">
-                <a:solidFill>
-                  <a:schemeClr val="accent6"/>
-                </a:solidFill>
-              </a:rPr>
-              <a:t>= ″</a:t>
-            </a:r>
-            <a:r>
-              <a:rPr lang="fr-FR" b="1" dirty="0" smtClean="0">
-                <a:solidFill>
-                  <a:schemeClr val="tx1"/>
-                </a:solidFill>
-              </a:rPr>
-              <a:t>A string of caracters</a:t>
-            </a:r>
-            <a:r>
-              <a:rPr lang="fr-FR" b="1" dirty="0">
-                <a:solidFill>
-                  <a:schemeClr val="tx1"/>
-                </a:solidFill>
-              </a:rPr>
-              <a:t> </a:t>
-            </a:r>
-            <a:r>
-              <a:rPr lang="fr-FR" b="1" dirty="0">
-                <a:solidFill>
-                  <a:schemeClr val="accent6"/>
-                </a:solidFill>
-              </a:rPr>
-              <a:t>″</a:t>
-            </a:r>
-          </a:p>
-          <a:p>
-            <a:pPr lvl="1"/>
-            <a:r>
-              <a:rPr lang="fr-FR" i="1" dirty="0"/>
-              <a:t>c</a:t>
-            </a:r>
-            <a:r>
-              <a:rPr lang="fr-FR" dirty="0" smtClean="0"/>
-              <a:t> </a:t>
-            </a:r>
-            <a:r>
-              <a:rPr lang="fr-FR" b="1" dirty="0" smtClean="0">
-                <a:solidFill>
-                  <a:schemeClr val="accent6"/>
-                </a:solidFill>
-              </a:rPr>
-              <a:t>:=</a:t>
-            </a:r>
-            <a:r>
-              <a:rPr lang="fr-FR" dirty="0" smtClean="0"/>
-              <a:t> </a:t>
-            </a:r>
-            <a:r>
-              <a:rPr lang="fr-FR" i="1" dirty="0" smtClean="0"/>
-              <a:t>112</a:t>
-            </a:r>
-            <a:endParaRPr lang="fr-FR" b="1" i="1" dirty="0">
-              <a:solidFill>
-                <a:schemeClr val="accent6"/>
-              </a:solidFill>
-            </a:endParaRPr>
-          </a:p>
-        </p:txBody>
-      </p:sp>
-    </p:spTree>
-    <p:extLst>
-      <p:ext uri="{BB962C8B-B14F-4D97-AF65-F5344CB8AC3E}">
-        <p14:creationId xmlns:p14="http://schemas.microsoft.com/office/powerpoint/2010/main" val="714360546"/>
       </p:ext>
     </p:extLst>
   </p:cSld>
@@ -9779,7 +9911,934 @@
           <a:p>
             <a:r>
               <a:rPr lang="fr-FR" dirty="0" smtClean="0"/>
-              <a:t>Références</a:t>
+              <a:t>Hello, Go!</a:t>
+            </a:r>
+            <a:endParaRPr lang="fr-FR" dirty="0"/>
+          </a:p>
+        </p:txBody>
+      </p:sp>
+      <p:pic>
+        <p:nvPicPr>
+          <p:cNvPr id="7" name="Espace réservé du contenu 6"/>
+          <p:cNvPicPr>
+            <a:picLocks noGrp="1" noChangeAspect="1"/>
+          </p:cNvPicPr>
+          <p:nvPr>
+            <p:ph idx="1"/>
+          </p:nvPr>
+        </p:nvPicPr>
+        <p:blipFill>
+          <a:blip r:embed="rId2"/>
+          <a:stretch>
+            <a:fillRect/>
+          </a:stretch>
+        </p:blipFill>
+        <p:spPr>
+          <a:xfrm>
+            <a:off x="8668449" y="326283"/>
+            <a:ext cx="2836163" cy="1738059"/>
+          </a:xfrm>
+          <a:prstGeom prst="rect">
+            <a:avLst/>
+          </a:prstGeom>
+        </p:spPr>
+      </p:pic>
+      <p:sp>
+        <p:nvSpPr>
+          <p:cNvPr id="4" name="Espace réservé du contenu 2"/>
+          <p:cNvSpPr txBox="1">
+            <a:spLocks/>
+          </p:cNvSpPr>
+          <p:nvPr/>
+        </p:nvSpPr>
+        <p:spPr>
+          <a:xfrm>
+            <a:off x="1669774" y="2223684"/>
+            <a:ext cx="9834838" cy="4200970"/>
+          </a:xfrm>
+          <a:prstGeom prst="rect">
+            <a:avLst/>
+          </a:prstGeom>
+        </p:spPr>
+        <p:txBody>
+          <a:bodyPr vert="horz" lIns="91440" tIns="45720" rIns="91440" bIns="45720" rtlCol="0" anchor="ctr">
+            <a:normAutofit/>
+          </a:bodyPr>
+          <a:lstStyle>
+            <a:lvl1pPr marL="342900" indent="-342900" algn="l" defTabSz="457200" rtl="0" eaLnBrk="1" latinLnBrk="0" hangingPunct="1">
+              <a:spcBef>
+                <a:spcPts val="1000"/>
+              </a:spcBef>
+              <a:spcAft>
+                <a:spcPts val="0"/>
+              </a:spcAft>
+              <a:buClr>
+                <a:schemeClr val="accent1"/>
+              </a:buClr>
+              <a:buFont typeface="Wingdings 3" charset="2"/>
+              <a:buChar char=""/>
+              <a:defRPr sz="1800" kern="1200">
+                <a:solidFill>
+                  <a:schemeClr val="tx1">
+                    <a:lumMod val="75000"/>
+                    <a:lumOff val="25000"/>
+                  </a:schemeClr>
+                </a:solidFill>
+                <a:latin typeface="+mn-lt"/>
+                <a:ea typeface="+mn-ea"/>
+                <a:cs typeface="+mn-cs"/>
+              </a:defRPr>
+            </a:lvl1pPr>
+            <a:lvl2pPr marL="742950" indent="-285750" algn="l" defTabSz="457200" rtl="0" eaLnBrk="1" latinLnBrk="0" hangingPunct="1">
+              <a:spcBef>
+                <a:spcPts val="1000"/>
+              </a:spcBef>
+              <a:spcAft>
+                <a:spcPts val="0"/>
+              </a:spcAft>
+              <a:buClr>
+                <a:schemeClr val="accent1"/>
+              </a:buClr>
+              <a:buFont typeface="Wingdings 3" charset="2"/>
+              <a:buChar char=""/>
+              <a:defRPr sz="1600" kern="1200">
+                <a:solidFill>
+                  <a:schemeClr val="tx1">
+                    <a:lumMod val="75000"/>
+                    <a:lumOff val="25000"/>
+                  </a:schemeClr>
+                </a:solidFill>
+                <a:latin typeface="+mn-lt"/>
+                <a:ea typeface="+mn-ea"/>
+                <a:cs typeface="+mn-cs"/>
+              </a:defRPr>
+            </a:lvl2pPr>
+            <a:lvl3pPr marL="1143000" indent="-228600" algn="l" defTabSz="457200" rtl="0" eaLnBrk="1" latinLnBrk="0" hangingPunct="1">
+              <a:spcBef>
+                <a:spcPts val="1000"/>
+              </a:spcBef>
+              <a:spcAft>
+                <a:spcPts val="0"/>
+              </a:spcAft>
+              <a:buClr>
+                <a:schemeClr val="accent1"/>
+              </a:buClr>
+              <a:buFont typeface="Wingdings 3" charset="2"/>
+              <a:buChar char=""/>
+              <a:defRPr sz="1400" kern="1200">
+                <a:solidFill>
+                  <a:schemeClr val="tx1">
+                    <a:lumMod val="75000"/>
+                    <a:lumOff val="25000"/>
+                  </a:schemeClr>
+                </a:solidFill>
+                <a:latin typeface="+mn-lt"/>
+                <a:ea typeface="+mn-ea"/>
+                <a:cs typeface="+mn-cs"/>
+              </a:defRPr>
+            </a:lvl3pPr>
+            <a:lvl4pPr marL="1600200" indent="-228600" algn="l" defTabSz="457200" rtl="0" eaLnBrk="1" latinLnBrk="0" hangingPunct="1">
+              <a:spcBef>
+                <a:spcPts val="1000"/>
+              </a:spcBef>
+              <a:spcAft>
+                <a:spcPts val="0"/>
+              </a:spcAft>
+              <a:buClr>
+                <a:schemeClr val="accent1"/>
+              </a:buClr>
+              <a:buFont typeface="Wingdings 3" charset="2"/>
+              <a:buChar char=""/>
+              <a:defRPr sz="1200" kern="1200">
+                <a:solidFill>
+                  <a:schemeClr val="tx1">
+                    <a:lumMod val="75000"/>
+                    <a:lumOff val="25000"/>
+                  </a:schemeClr>
+                </a:solidFill>
+                <a:latin typeface="+mn-lt"/>
+                <a:ea typeface="+mn-ea"/>
+                <a:cs typeface="+mn-cs"/>
+              </a:defRPr>
+            </a:lvl4pPr>
+            <a:lvl5pPr marL="2057400" indent="-228600" algn="l" defTabSz="457200" rtl="0" eaLnBrk="1" latinLnBrk="0" hangingPunct="1">
+              <a:spcBef>
+                <a:spcPts val="1000"/>
+              </a:spcBef>
+              <a:spcAft>
+                <a:spcPts val="0"/>
+              </a:spcAft>
+              <a:buClr>
+                <a:schemeClr val="accent1"/>
+              </a:buClr>
+              <a:buFont typeface="Wingdings 3" charset="2"/>
+              <a:buChar char=""/>
+              <a:defRPr sz="1200" kern="1200">
+                <a:solidFill>
+                  <a:schemeClr val="tx1">
+                    <a:lumMod val="75000"/>
+                    <a:lumOff val="25000"/>
+                  </a:schemeClr>
+                </a:solidFill>
+                <a:latin typeface="+mn-lt"/>
+                <a:ea typeface="+mn-ea"/>
+                <a:cs typeface="+mn-cs"/>
+              </a:defRPr>
+            </a:lvl5pPr>
+            <a:lvl6pPr marL="2514600" indent="-228600" algn="l" defTabSz="457200" rtl="0" eaLnBrk="1" latinLnBrk="0" hangingPunct="1">
+              <a:spcBef>
+                <a:spcPts val="1000"/>
+              </a:spcBef>
+              <a:spcAft>
+                <a:spcPts val="0"/>
+              </a:spcAft>
+              <a:buClr>
+                <a:schemeClr val="accent1"/>
+              </a:buClr>
+              <a:buFont typeface="Wingdings 3" charset="2"/>
+              <a:buChar char=""/>
+              <a:defRPr sz="1200" kern="1200">
+                <a:solidFill>
+                  <a:schemeClr val="tx1">
+                    <a:lumMod val="75000"/>
+                    <a:lumOff val="25000"/>
+                  </a:schemeClr>
+                </a:solidFill>
+                <a:latin typeface="+mn-lt"/>
+                <a:ea typeface="+mn-ea"/>
+                <a:cs typeface="+mn-cs"/>
+              </a:defRPr>
+            </a:lvl6pPr>
+            <a:lvl7pPr marL="2971800" indent="-228600" algn="l" defTabSz="457200" rtl="0" eaLnBrk="1" latinLnBrk="0" hangingPunct="1">
+              <a:spcBef>
+                <a:spcPts val="1000"/>
+              </a:spcBef>
+              <a:spcAft>
+                <a:spcPts val="0"/>
+              </a:spcAft>
+              <a:buClr>
+                <a:schemeClr val="accent1"/>
+              </a:buClr>
+              <a:buFont typeface="Wingdings 3" charset="2"/>
+              <a:buChar char=""/>
+              <a:defRPr sz="1200" kern="1200">
+                <a:solidFill>
+                  <a:schemeClr val="tx1">
+                    <a:lumMod val="75000"/>
+                    <a:lumOff val="25000"/>
+                  </a:schemeClr>
+                </a:solidFill>
+                <a:latin typeface="+mn-lt"/>
+                <a:ea typeface="+mn-ea"/>
+                <a:cs typeface="+mn-cs"/>
+              </a:defRPr>
+            </a:lvl7pPr>
+            <a:lvl8pPr marL="3429000" indent="-228600" algn="l" defTabSz="457200" rtl="0" eaLnBrk="1" latinLnBrk="0" hangingPunct="1">
+              <a:spcBef>
+                <a:spcPts val="1000"/>
+              </a:spcBef>
+              <a:spcAft>
+                <a:spcPts val="0"/>
+              </a:spcAft>
+              <a:buClr>
+                <a:schemeClr val="accent1"/>
+              </a:buClr>
+              <a:buFont typeface="Wingdings 3" charset="2"/>
+              <a:buChar char=""/>
+              <a:defRPr sz="1200" kern="1200">
+                <a:solidFill>
+                  <a:schemeClr val="tx1">
+                    <a:lumMod val="75000"/>
+                    <a:lumOff val="25000"/>
+                  </a:schemeClr>
+                </a:solidFill>
+                <a:latin typeface="+mn-lt"/>
+                <a:ea typeface="+mn-ea"/>
+                <a:cs typeface="+mn-cs"/>
+              </a:defRPr>
+            </a:lvl8pPr>
+            <a:lvl9pPr marL="3886200" indent="-228600" algn="l" defTabSz="457200" rtl="0" eaLnBrk="1" latinLnBrk="0" hangingPunct="1">
+              <a:spcBef>
+                <a:spcPts val="1000"/>
+              </a:spcBef>
+              <a:spcAft>
+                <a:spcPts val="0"/>
+              </a:spcAft>
+              <a:buClr>
+                <a:schemeClr val="accent1"/>
+              </a:buClr>
+              <a:buFont typeface="Wingdings 3" charset="2"/>
+              <a:buChar char=""/>
+              <a:defRPr sz="1200" kern="1200">
+                <a:solidFill>
+                  <a:schemeClr val="tx1">
+                    <a:lumMod val="75000"/>
+                    <a:lumOff val="25000"/>
+                  </a:schemeClr>
+                </a:solidFill>
+                <a:latin typeface="+mn-lt"/>
+                <a:ea typeface="+mn-ea"/>
+                <a:cs typeface="+mn-cs"/>
+              </a:defRPr>
+            </a:lvl9pPr>
+          </a:lstStyle>
+          <a:p>
+            <a:pPr algn="just"/>
+            <a:r>
+              <a:rPr lang="fr-FR" dirty="0" smtClean="0"/>
+              <a:t>Tous les exécutables ont la déclaration </a:t>
+            </a:r>
+            <a:r>
+              <a:rPr lang="fr-FR" b="1" i="1" dirty="0" smtClean="0">
+                <a:solidFill>
+                  <a:schemeClr val="accent6"/>
+                </a:solidFill>
+              </a:rPr>
+              <a:t>package main</a:t>
+            </a:r>
+          </a:p>
+          <a:p>
+            <a:pPr algn="just"/>
+            <a:r>
+              <a:rPr lang="fr-FR" dirty="0" smtClean="0"/>
+              <a:t>La fonction </a:t>
+            </a:r>
+            <a:r>
+              <a:rPr lang="fr-FR" b="1" i="1" dirty="0" smtClean="0">
+                <a:solidFill>
+                  <a:schemeClr val="accent6"/>
+                </a:solidFill>
+              </a:rPr>
+              <a:t>main</a:t>
+            </a:r>
+            <a:r>
+              <a:rPr lang="fr-FR" dirty="0" smtClean="0">
+                <a:solidFill>
+                  <a:schemeClr val="accent6"/>
+                </a:solidFill>
+              </a:rPr>
+              <a:t> </a:t>
+            </a:r>
+            <a:r>
+              <a:rPr lang="fr-FR" dirty="0" smtClean="0"/>
+              <a:t>est le point d'entrée de tous les exécutables</a:t>
+            </a:r>
+          </a:p>
+          <a:p>
+            <a:pPr algn="just"/>
+            <a:r>
+              <a:rPr lang="fr-FR" dirty="0" smtClean="0"/>
+              <a:t>Les fonctions importées sont préfixées du nom du package d'origine :</a:t>
+            </a:r>
+          </a:p>
+          <a:p>
+            <a:pPr lvl="1" algn="just"/>
+            <a:r>
+              <a:rPr lang="fr-FR" b="1" i="1" dirty="0" smtClean="0">
+                <a:solidFill>
+                  <a:schemeClr val="accent6"/>
+                </a:solidFill>
+              </a:rPr>
+              <a:t>fmt.Println(…)</a:t>
+            </a:r>
+          </a:p>
+        </p:txBody>
+      </p:sp>
+    </p:spTree>
+    <p:extLst>
+      <p:ext uri="{BB962C8B-B14F-4D97-AF65-F5344CB8AC3E}">
+        <p14:creationId xmlns:p14="http://schemas.microsoft.com/office/powerpoint/2010/main" val="333781698"/>
+      </p:ext>
+    </p:extLst>
+  </p:cSld>
+  <p:clrMapOvr>
+    <a:masterClrMapping/>
+  </p:clrMapOvr>
+  <p:timing>
+    <p:tnLst>
+      <p:par>
+        <p:cTn id="1" dur="indefinite" restart="never" nodeType="tmRoot"/>
+      </p:par>
+    </p:tnLst>
+  </p:timing>
+</p:sld>
+</file>
+
+<file path=ppt/slides/slide23.xml><?xml version="1.0" encoding="utf-8"?>
+<p:sld xmlns:a="http://schemas.openxmlformats.org/drawingml/2006/main" xmlns:r="http://schemas.openxmlformats.org/officeDocument/2006/relationships" xmlns:p="http://schemas.openxmlformats.org/presentationml/2006/main">
+  <p:cSld>
+    <p:spTree>
+      <p:nvGrpSpPr>
+        <p:cNvPr id="1" name=""/>
+        <p:cNvGrpSpPr/>
+        <p:nvPr/>
+      </p:nvGrpSpPr>
+      <p:grpSpPr>
+        <a:xfrm>
+          <a:off x="0" y="0"/>
+          <a:ext cx="0" cy="0"/>
+          <a:chOff x="0" y="0"/>
+          <a:chExt cx="0" cy="0"/>
+        </a:xfrm>
+      </p:grpSpPr>
+      <p:sp>
+        <p:nvSpPr>
+          <p:cNvPr id="2" name="Titre 1"/>
+          <p:cNvSpPr>
+            <a:spLocks noGrp="1"/>
+          </p:cNvSpPr>
+          <p:nvPr>
+            <p:ph type="title"/>
+          </p:nvPr>
+        </p:nvSpPr>
+        <p:spPr/>
+        <p:txBody>
+          <a:bodyPr/>
+          <a:lstStyle/>
+          <a:p>
+            <a:r>
+              <a:rPr lang="fr-FR" dirty="0" smtClean="0"/>
+              <a:t>Types de base</a:t>
+            </a:r>
+            <a:endParaRPr lang="fr-FR" dirty="0"/>
+          </a:p>
+        </p:txBody>
+      </p:sp>
+      <p:sp>
+        <p:nvSpPr>
+          <p:cNvPr id="3" name="Espace réservé du contenu 2"/>
+          <p:cNvSpPr>
+            <a:spLocks noGrp="1"/>
+          </p:cNvSpPr>
+          <p:nvPr>
+            <p:ph idx="1"/>
+          </p:nvPr>
+        </p:nvSpPr>
+        <p:spPr/>
+        <p:txBody>
+          <a:bodyPr>
+            <a:normAutofit fontScale="92500" lnSpcReduction="10000"/>
+          </a:bodyPr>
+          <a:lstStyle/>
+          <a:p>
+            <a:r>
+              <a:rPr lang="fr-FR" dirty="0" smtClean="0"/>
+              <a:t>Strings</a:t>
+            </a:r>
+          </a:p>
+          <a:p>
+            <a:pPr lvl="1"/>
+            <a:r>
+              <a:rPr lang="fr-FR" dirty="0" smtClean="0"/>
+              <a:t>string</a:t>
+            </a:r>
+          </a:p>
+          <a:p>
+            <a:r>
+              <a:rPr lang="fr-FR" dirty="0" smtClean="0"/>
+              <a:t>Integers</a:t>
+            </a:r>
+          </a:p>
+          <a:p>
+            <a:pPr lvl="1"/>
+            <a:r>
+              <a:rPr lang="fr-FR" dirty="0"/>
+              <a:t>i</a:t>
+            </a:r>
+            <a:r>
+              <a:rPr lang="fr-FR" dirty="0" smtClean="0"/>
+              <a:t>nt8, unint8, int16, uint16, int32, uint32, int64, uint64</a:t>
+            </a:r>
+          </a:p>
+          <a:p>
+            <a:r>
+              <a:rPr lang="fr-FR" dirty="0" smtClean="0"/>
+              <a:t>Floats</a:t>
+            </a:r>
+          </a:p>
+          <a:p>
+            <a:pPr lvl="1"/>
+            <a:r>
+              <a:rPr lang="fr-FR" dirty="0" smtClean="0"/>
+              <a:t>float32, float64</a:t>
+            </a:r>
+          </a:p>
+          <a:p>
+            <a:r>
+              <a:rPr lang="fr-FR" dirty="0" smtClean="0"/>
+              <a:t>Booleans</a:t>
+            </a:r>
+          </a:p>
+          <a:p>
+            <a:pPr lvl="1"/>
+            <a:r>
+              <a:rPr lang="fr-FR" dirty="0" smtClean="0"/>
+              <a:t>true</a:t>
+            </a:r>
+          </a:p>
+          <a:p>
+            <a:pPr lvl="1"/>
+            <a:r>
+              <a:rPr lang="fr-FR" dirty="0" smtClean="0"/>
+              <a:t>false</a:t>
+            </a:r>
+          </a:p>
+          <a:p>
+            <a:r>
+              <a:rPr lang="fr-FR" dirty="0" smtClean="0"/>
+              <a:t>Complex</a:t>
+            </a:r>
+          </a:p>
+          <a:p>
+            <a:pPr lvl="1"/>
+            <a:r>
+              <a:rPr lang="fr-FR" dirty="0" smtClean="0"/>
+              <a:t>complex</a:t>
+            </a:r>
+          </a:p>
+        </p:txBody>
+      </p:sp>
+    </p:spTree>
+    <p:extLst>
+      <p:ext uri="{BB962C8B-B14F-4D97-AF65-F5344CB8AC3E}">
+        <p14:creationId xmlns:p14="http://schemas.microsoft.com/office/powerpoint/2010/main" val="1280288814"/>
+      </p:ext>
+    </p:extLst>
+  </p:cSld>
+  <p:clrMapOvr>
+    <a:masterClrMapping/>
+  </p:clrMapOvr>
+  <p:timing>
+    <p:tnLst>
+      <p:par>
+        <p:cTn id="1" dur="indefinite" restart="never" nodeType="tmRoot"/>
+      </p:par>
+    </p:tnLst>
+  </p:timing>
+</p:sld>
+</file>
+
+<file path=ppt/slides/slide24.xml><?xml version="1.0" encoding="utf-8"?>
+<p:sld xmlns:a="http://schemas.openxmlformats.org/drawingml/2006/main" xmlns:r="http://schemas.openxmlformats.org/officeDocument/2006/relationships" xmlns:p="http://schemas.openxmlformats.org/presentationml/2006/main">
+  <p:cSld>
+    <p:spTree>
+      <p:nvGrpSpPr>
+        <p:cNvPr id="1" name=""/>
+        <p:cNvGrpSpPr/>
+        <p:nvPr/>
+      </p:nvGrpSpPr>
+      <p:grpSpPr>
+        <a:xfrm>
+          <a:off x="0" y="0"/>
+          <a:ext cx="0" cy="0"/>
+          <a:chOff x="0" y="0"/>
+          <a:chExt cx="0" cy="0"/>
+        </a:xfrm>
+      </p:grpSpPr>
+      <p:sp>
+        <p:nvSpPr>
+          <p:cNvPr id="2" name="Titre 1"/>
+          <p:cNvSpPr>
+            <a:spLocks noGrp="1"/>
+          </p:cNvSpPr>
+          <p:nvPr>
+            <p:ph type="title"/>
+          </p:nvPr>
+        </p:nvSpPr>
+        <p:spPr/>
+        <p:txBody>
+          <a:bodyPr/>
+          <a:lstStyle/>
+          <a:p>
+            <a:r>
+              <a:rPr lang="fr-FR" dirty="0" smtClean="0"/>
+              <a:t>Strings</a:t>
+            </a:r>
+            <a:endParaRPr lang="fr-FR" dirty="0"/>
+          </a:p>
+        </p:txBody>
+      </p:sp>
+      <p:sp>
+        <p:nvSpPr>
+          <p:cNvPr id="3" name="Espace réservé du contenu 2"/>
+          <p:cNvSpPr>
+            <a:spLocks noGrp="1"/>
+          </p:cNvSpPr>
+          <p:nvPr>
+            <p:ph idx="1"/>
+          </p:nvPr>
+        </p:nvSpPr>
+        <p:spPr/>
+        <p:txBody>
+          <a:bodyPr anchor="ctr">
+            <a:normAutofit/>
+          </a:bodyPr>
+          <a:lstStyle/>
+          <a:p>
+            <a:r>
+              <a:rPr lang="fr-FR" dirty="0" smtClean="0"/>
+              <a:t>Une chaine de caractères est délimitée par :</a:t>
+            </a:r>
+          </a:p>
+          <a:p>
+            <a:pPr lvl="1"/>
+            <a:r>
+              <a:rPr lang="fr-FR" dirty="0" smtClean="0"/>
+              <a:t>Soit </a:t>
+            </a:r>
+            <a:r>
+              <a:rPr lang="fr-FR" b="1" i="1" dirty="0" smtClean="0">
+                <a:solidFill>
+                  <a:schemeClr val="accent6"/>
+                </a:solidFill>
+              </a:rPr>
+              <a:t>" "</a:t>
+            </a:r>
+            <a:r>
+              <a:rPr lang="fr-FR" dirty="0" smtClean="0"/>
+              <a:t> pour une chaine contenant des caractères d'échappement</a:t>
+            </a:r>
+          </a:p>
+          <a:p>
+            <a:pPr lvl="2"/>
+            <a:r>
+              <a:rPr lang="fr-FR" b="1" i="1" dirty="0" smtClean="0">
+                <a:solidFill>
+                  <a:schemeClr val="accent6"/>
+                </a:solidFill>
+              </a:rPr>
+              <a:t>"Ceci est une chaine de caractères"</a:t>
+            </a:r>
+          </a:p>
+          <a:p>
+            <a:pPr lvl="1"/>
+            <a:r>
+              <a:rPr lang="fr-FR" dirty="0" smtClean="0"/>
+              <a:t>Soit </a:t>
+            </a:r>
+            <a:r>
+              <a:rPr lang="fr-FR" b="1" i="1" dirty="0" smtClean="0">
+                <a:solidFill>
+                  <a:schemeClr val="accent6"/>
+                </a:solidFill>
+              </a:rPr>
+              <a:t>` `</a:t>
+            </a:r>
+          </a:p>
+          <a:p>
+            <a:pPr lvl="2"/>
+            <a:r>
+              <a:rPr lang="fr-FR" b="1" i="1" dirty="0" smtClean="0">
+                <a:solidFill>
+                  <a:schemeClr val="accent6"/>
+                </a:solidFill>
+              </a:rPr>
+              <a:t>`Ma chaine de caractères contient des ""  et des '' `</a:t>
+            </a:r>
+          </a:p>
+          <a:p>
+            <a:r>
+              <a:rPr lang="fr-FR" dirty="0" smtClean="0">
+                <a:solidFill>
+                  <a:schemeClr val="tx1"/>
+                </a:solidFill>
+              </a:rPr>
+              <a:t>Des opérations sont possibles sur les chaines de caractères :</a:t>
+            </a:r>
+          </a:p>
+          <a:p>
+            <a:pPr lvl="1"/>
+            <a:r>
+              <a:rPr lang="fr-FR" b="1" i="1" dirty="0" smtClean="0">
+                <a:solidFill>
+                  <a:schemeClr val="accent6"/>
+                </a:solidFill>
+              </a:rPr>
+              <a:t>len("Hello, Go!") </a:t>
+            </a:r>
+            <a:r>
+              <a:rPr lang="fr-FR" dirty="0" smtClean="0">
+                <a:solidFill>
+                  <a:schemeClr val="tx1"/>
+                </a:solidFill>
+              </a:rPr>
+              <a:t>équivalent à 11</a:t>
+            </a:r>
+            <a:endParaRPr lang="fr-FR" b="1" i="1" dirty="0" smtClean="0">
+              <a:solidFill>
+                <a:schemeClr val="accent6"/>
+              </a:solidFill>
+            </a:endParaRPr>
+          </a:p>
+          <a:p>
+            <a:pPr lvl="1"/>
+            <a:r>
+              <a:rPr lang="fr-FR" b="1" i="1" dirty="0" smtClean="0">
+                <a:solidFill>
+                  <a:schemeClr val="accent6"/>
+                </a:solidFill>
+              </a:rPr>
+              <a:t>"Hello, Go!"[2] </a:t>
+            </a:r>
+            <a:r>
+              <a:rPr lang="fr-FR" dirty="0" smtClean="0">
+                <a:solidFill>
+                  <a:schemeClr val="tx1"/>
+                </a:solidFill>
+              </a:rPr>
+              <a:t>équivalent à la lettre L minuscule</a:t>
+            </a:r>
+            <a:endParaRPr lang="fr-FR" b="1" i="1" dirty="0" smtClean="0">
+              <a:solidFill>
+                <a:schemeClr val="tx1"/>
+              </a:solidFill>
+            </a:endParaRPr>
+          </a:p>
+        </p:txBody>
+      </p:sp>
+    </p:spTree>
+    <p:extLst>
+      <p:ext uri="{BB962C8B-B14F-4D97-AF65-F5344CB8AC3E}">
+        <p14:creationId xmlns:p14="http://schemas.microsoft.com/office/powerpoint/2010/main" val="802069808"/>
+      </p:ext>
+    </p:extLst>
+  </p:cSld>
+  <p:clrMapOvr>
+    <a:masterClrMapping/>
+  </p:clrMapOvr>
+  <p:timing>
+    <p:tnLst>
+      <p:par>
+        <p:cTn id="1" dur="indefinite" restart="never" nodeType="tmRoot"/>
+      </p:par>
+    </p:tnLst>
+  </p:timing>
+</p:sld>
+</file>
+
+<file path=ppt/slides/slide25.xml><?xml version="1.0" encoding="utf-8"?>
+<p:sld xmlns:a="http://schemas.openxmlformats.org/drawingml/2006/main" xmlns:r="http://schemas.openxmlformats.org/officeDocument/2006/relationships" xmlns:p="http://schemas.openxmlformats.org/presentationml/2006/main">
+  <p:cSld>
+    <p:spTree>
+      <p:nvGrpSpPr>
+        <p:cNvPr id="1" name=""/>
+        <p:cNvGrpSpPr/>
+        <p:nvPr/>
+      </p:nvGrpSpPr>
+      <p:grpSpPr>
+        <a:xfrm>
+          <a:off x="0" y="0"/>
+          <a:ext cx="0" cy="0"/>
+          <a:chOff x="0" y="0"/>
+          <a:chExt cx="0" cy="0"/>
+        </a:xfrm>
+      </p:grpSpPr>
+      <p:sp>
+        <p:nvSpPr>
+          <p:cNvPr id="2" name="Titre 1"/>
+          <p:cNvSpPr>
+            <a:spLocks noGrp="1"/>
+          </p:cNvSpPr>
+          <p:nvPr>
+            <p:ph type="title"/>
+          </p:nvPr>
+        </p:nvSpPr>
+        <p:spPr/>
+        <p:txBody>
+          <a:bodyPr/>
+          <a:lstStyle/>
+          <a:p>
+            <a:r>
+              <a:rPr lang="fr-FR" dirty="0" smtClean="0"/>
+              <a:t>Opérateurs</a:t>
+            </a:r>
+            <a:endParaRPr lang="fr-FR" dirty="0"/>
+          </a:p>
+        </p:txBody>
+      </p:sp>
+      <p:sp>
+        <p:nvSpPr>
+          <p:cNvPr id="3" name="Espace réservé du contenu 2"/>
+          <p:cNvSpPr>
+            <a:spLocks noGrp="1"/>
+          </p:cNvSpPr>
+          <p:nvPr>
+            <p:ph idx="1"/>
+          </p:nvPr>
+        </p:nvSpPr>
+        <p:spPr>
+          <a:xfrm>
+            <a:off x="2589212" y="2133600"/>
+            <a:ext cx="8915400" cy="3777622"/>
+          </a:xfrm>
+        </p:spPr>
+        <p:txBody>
+          <a:bodyPr>
+            <a:normAutofit lnSpcReduction="10000"/>
+          </a:bodyPr>
+          <a:lstStyle/>
+          <a:p>
+            <a:r>
+              <a:rPr lang="fr-FR" dirty="0" smtClean="0"/>
+              <a:t>Addition</a:t>
+            </a:r>
+          </a:p>
+          <a:p>
+            <a:pPr lvl="1"/>
+            <a:r>
+              <a:rPr lang="fr-FR" b="1" i="1" dirty="0">
+                <a:solidFill>
+                  <a:schemeClr val="accent6"/>
+                </a:solidFill>
+              </a:rPr>
+              <a:t>+</a:t>
+            </a:r>
+            <a:endParaRPr lang="fr-FR" b="1" i="1" dirty="0" smtClean="0">
+              <a:solidFill>
+                <a:schemeClr val="accent6"/>
+              </a:solidFill>
+            </a:endParaRPr>
+          </a:p>
+          <a:p>
+            <a:r>
+              <a:rPr lang="fr-FR" dirty="0" smtClean="0"/>
+              <a:t>Soustraction</a:t>
+            </a:r>
+          </a:p>
+          <a:p>
+            <a:pPr lvl="1"/>
+            <a:r>
+              <a:rPr lang="fr-FR" b="1" i="1" dirty="0">
+                <a:solidFill>
+                  <a:schemeClr val="accent6"/>
+                </a:solidFill>
+              </a:rPr>
+              <a:t>-</a:t>
+            </a:r>
+            <a:endParaRPr lang="fr-FR" b="1" i="1" dirty="0" smtClean="0">
+              <a:solidFill>
+                <a:schemeClr val="accent6"/>
+              </a:solidFill>
+            </a:endParaRPr>
+          </a:p>
+          <a:p>
+            <a:r>
+              <a:rPr lang="fr-FR" dirty="0" smtClean="0"/>
+              <a:t>Multiplication</a:t>
+            </a:r>
+          </a:p>
+          <a:p>
+            <a:pPr lvl="1"/>
+            <a:r>
+              <a:rPr lang="fr-FR" b="1" i="1" dirty="0">
+                <a:solidFill>
+                  <a:schemeClr val="accent6"/>
+                </a:solidFill>
+              </a:rPr>
+              <a:t>*</a:t>
+            </a:r>
+            <a:endParaRPr lang="fr-FR" b="1" i="1" dirty="0" smtClean="0">
+              <a:solidFill>
+                <a:schemeClr val="accent6"/>
+              </a:solidFill>
+            </a:endParaRPr>
+          </a:p>
+          <a:p>
+            <a:r>
+              <a:rPr lang="fr-FR" dirty="0" smtClean="0"/>
+              <a:t>Division</a:t>
+            </a:r>
+          </a:p>
+          <a:p>
+            <a:pPr lvl="1"/>
+            <a:r>
+              <a:rPr lang="fr-FR" b="1" i="1" dirty="0" smtClean="0">
+                <a:solidFill>
+                  <a:schemeClr val="accent6"/>
+                </a:solidFill>
+              </a:rPr>
+              <a:t>/</a:t>
+            </a:r>
+          </a:p>
+          <a:p>
+            <a:r>
+              <a:rPr lang="fr-FR" dirty="0" smtClean="0"/>
+              <a:t>Reste (modulo)</a:t>
+            </a:r>
+          </a:p>
+          <a:p>
+            <a:pPr lvl="1"/>
+            <a:r>
+              <a:rPr lang="fr-FR" b="1" i="1" dirty="0">
+                <a:solidFill>
+                  <a:schemeClr val="accent6"/>
+                </a:solidFill>
+              </a:rPr>
+              <a:t>%</a:t>
+            </a:r>
+            <a:endParaRPr lang="fr-FR" b="1" i="1" dirty="0" smtClean="0">
+              <a:solidFill>
+                <a:schemeClr val="accent6"/>
+              </a:solidFill>
+            </a:endParaRPr>
+          </a:p>
+        </p:txBody>
+      </p:sp>
+    </p:spTree>
+    <p:extLst>
+      <p:ext uri="{BB962C8B-B14F-4D97-AF65-F5344CB8AC3E}">
+        <p14:creationId xmlns:p14="http://schemas.microsoft.com/office/powerpoint/2010/main" val="1273552455"/>
+      </p:ext>
+    </p:extLst>
+  </p:cSld>
+  <p:clrMapOvr>
+    <a:masterClrMapping/>
+  </p:clrMapOvr>
+  <p:timing>
+    <p:tnLst>
+      <p:par>
+        <p:cTn id="1" dur="indefinite" restart="never" nodeType="tmRoot"/>
+      </p:par>
+    </p:tnLst>
+  </p:timing>
+</p:sld>
+</file>
+
+<file path=ppt/slides/slide26.xml><?xml version="1.0" encoding="utf-8"?>
+<p:sld xmlns:a="http://schemas.openxmlformats.org/drawingml/2006/main" xmlns:r="http://schemas.openxmlformats.org/officeDocument/2006/relationships" xmlns:p="http://schemas.openxmlformats.org/presentationml/2006/main">
+  <p:cSld>
+    <p:spTree>
+      <p:nvGrpSpPr>
+        <p:cNvPr id="1" name=""/>
+        <p:cNvGrpSpPr/>
+        <p:nvPr/>
+      </p:nvGrpSpPr>
+      <p:grpSpPr>
+        <a:xfrm>
+          <a:off x="0" y="0"/>
+          <a:ext cx="0" cy="0"/>
+          <a:chOff x="0" y="0"/>
+          <a:chExt cx="0" cy="0"/>
+        </a:xfrm>
+      </p:grpSpPr>
+      <p:sp>
+        <p:nvSpPr>
+          <p:cNvPr id="2" name="Titre 1"/>
+          <p:cNvSpPr>
+            <a:spLocks noGrp="1"/>
+          </p:cNvSpPr>
+          <p:nvPr>
+            <p:ph type="title"/>
+          </p:nvPr>
+        </p:nvSpPr>
+        <p:spPr/>
+        <p:txBody>
+          <a:bodyPr/>
+          <a:lstStyle/>
+          <a:p>
+            <a:r>
+              <a:rPr lang="fr-FR" dirty="0" smtClean="0"/>
+              <a:t>Déclaration des variables</a:t>
             </a:r>
             <a:endParaRPr lang="fr-FR" dirty="0"/>
           </a:p>
@@ -9802,6 +10861,355 @@
           <a:p>
             <a:r>
               <a:rPr lang="fr-FR" dirty="0" smtClean="0"/>
+              <a:t>Mot-clé : </a:t>
+            </a:r>
+            <a:r>
+              <a:rPr lang="fr-FR" b="1" dirty="0" smtClean="0">
+                <a:solidFill>
+                  <a:schemeClr val="accent6"/>
+                </a:solidFill>
+              </a:rPr>
+              <a:t>var </a:t>
+            </a:r>
+            <a:r>
+              <a:rPr lang="fr-FR" dirty="0" smtClean="0">
+                <a:solidFill>
+                  <a:schemeClr val="tx1"/>
+                </a:solidFill>
+              </a:rPr>
+              <a:t>(optionnel mais bonne pratique)</a:t>
+            </a:r>
+            <a:endParaRPr lang="fr-FR" b="1" dirty="0" smtClean="0">
+              <a:solidFill>
+                <a:schemeClr val="accent6"/>
+              </a:solidFill>
+            </a:endParaRPr>
+          </a:p>
+          <a:p>
+            <a:r>
+              <a:rPr lang="fr-FR" dirty="0" smtClean="0"/>
+              <a:t>Déclarations possibles :</a:t>
+            </a:r>
+          </a:p>
+          <a:p>
+            <a:pPr lvl="1"/>
+            <a:r>
+              <a:rPr lang="fr-FR" b="1" dirty="0" smtClean="0">
+                <a:solidFill>
+                  <a:schemeClr val="accent6"/>
+                </a:solidFill>
+              </a:rPr>
+              <a:t>var</a:t>
+            </a:r>
+            <a:r>
+              <a:rPr lang="fr-FR" dirty="0" smtClean="0"/>
+              <a:t> </a:t>
+            </a:r>
+            <a:r>
+              <a:rPr lang="fr-FR" i="1" dirty="0" smtClean="0"/>
+              <a:t>&lt;nomDeVariable&gt; &lt;type&gt;</a:t>
+            </a:r>
+          </a:p>
+          <a:p>
+            <a:pPr lvl="1"/>
+            <a:r>
+              <a:rPr lang="fr-FR" b="1" dirty="0">
+                <a:solidFill>
+                  <a:schemeClr val="accent6"/>
+                </a:solidFill>
+              </a:rPr>
+              <a:t>var</a:t>
+            </a:r>
+            <a:r>
+              <a:rPr lang="fr-FR" dirty="0"/>
+              <a:t> </a:t>
+            </a:r>
+            <a:r>
+              <a:rPr lang="fr-FR" i="1" dirty="0"/>
+              <a:t>&lt;nomDeVariable&gt; &lt;type</a:t>
+            </a:r>
+            <a:r>
+              <a:rPr lang="fr-FR" i="1" dirty="0" smtClean="0"/>
+              <a:t>&gt;</a:t>
+            </a:r>
+            <a:r>
+              <a:rPr lang="fr-FR" dirty="0" smtClean="0"/>
+              <a:t> </a:t>
+            </a:r>
+            <a:r>
+              <a:rPr lang="fr-FR" b="1" dirty="0" smtClean="0">
+                <a:solidFill>
+                  <a:schemeClr val="accent6"/>
+                </a:solidFill>
+              </a:rPr>
+              <a:t>=</a:t>
+            </a:r>
+            <a:r>
+              <a:rPr lang="fr-FR" dirty="0" smtClean="0"/>
+              <a:t> </a:t>
+            </a:r>
+            <a:r>
+              <a:rPr lang="fr-FR" i="1" dirty="0" smtClean="0"/>
+              <a:t>&lt;valeur&gt;</a:t>
+            </a:r>
+          </a:p>
+          <a:p>
+            <a:pPr lvl="1"/>
+            <a:r>
+              <a:rPr lang="fr-FR" i="1" dirty="0" smtClean="0"/>
+              <a:t>&lt;</a:t>
+            </a:r>
+            <a:r>
+              <a:rPr lang="fr-FR" i="1" dirty="0"/>
+              <a:t>nomDeVariable&gt; </a:t>
+            </a:r>
+            <a:r>
+              <a:rPr lang="fr-FR" b="1" dirty="0" smtClean="0">
+                <a:solidFill>
+                  <a:schemeClr val="accent6"/>
+                </a:solidFill>
+              </a:rPr>
+              <a:t>:=</a:t>
+            </a:r>
+            <a:r>
+              <a:rPr lang="fr-FR" dirty="0" smtClean="0"/>
+              <a:t> </a:t>
+            </a:r>
+            <a:r>
+              <a:rPr lang="fr-FR" i="1" dirty="0" smtClean="0"/>
+              <a:t>&lt;valeur&gt; </a:t>
+            </a:r>
+            <a:r>
+              <a:rPr lang="fr-FR" i="1" dirty="0" smtClean="0">
+                <a:solidFill>
+                  <a:schemeClr val="accent1">
+                    <a:lumMod val="40000"/>
+                    <a:lumOff val="60000"/>
+                  </a:schemeClr>
+                </a:solidFill>
+              </a:rPr>
+              <a:t>(le type de la variable dépend de la valeur)</a:t>
+            </a:r>
+          </a:p>
+          <a:p>
+            <a:r>
+              <a:rPr lang="fr-FR" dirty="0" smtClean="0"/>
+              <a:t>Exemples :</a:t>
+            </a:r>
+          </a:p>
+          <a:p>
+            <a:pPr lvl="1"/>
+            <a:r>
+              <a:rPr lang="fr-FR" b="1" dirty="0" smtClean="0">
+                <a:solidFill>
+                  <a:schemeClr val="accent6"/>
+                </a:solidFill>
+              </a:rPr>
+              <a:t>var</a:t>
+            </a:r>
+            <a:r>
+              <a:rPr lang="fr-FR" dirty="0" smtClean="0"/>
+              <a:t> </a:t>
+            </a:r>
+            <a:r>
+              <a:rPr lang="fr-FR" i="1" dirty="0" smtClean="0"/>
+              <a:t>a</a:t>
+            </a:r>
+            <a:r>
+              <a:rPr lang="fr-FR" dirty="0" smtClean="0"/>
+              <a:t> </a:t>
+            </a:r>
+            <a:r>
+              <a:rPr lang="fr-FR" b="1" dirty="0" smtClean="0">
+                <a:solidFill>
+                  <a:schemeClr val="accent6"/>
+                </a:solidFill>
+              </a:rPr>
+              <a:t>int8</a:t>
+            </a:r>
+          </a:p>
+          <a:p>
+            <a:pPr lvl="1"/>
+            <a:r>
+              <a:rPr lang="fr-FR" b="1" dirty="0">
+                <a:solidFill>
+                  <a:schemeClr val="accent6"/>
+                </a:solidFill>
+              </a:rPr>
+              <a:t>var</a:t>
+            </a:r>
+            <a:r>
+              <a:rPr lang="fr-FR" dirty="0"/>
+              <a:t> </a:t>
+            </a:r>
+            <a:r>
+              <a:rPr lang="fr-FR" i="1" dirty="0" smtClean="0"/>
+              <a:t>b</a:t>
+            </a:r>
+            <a:r>
+              <a:rPr lang="fr-FR" dirty="0" smtClean="0"/>
+              <a:t> </a:t>
+            </a:r>
+            <a:r>
+              <a:rPr lang="fr-FR" b="1" dirty="0" smtClean="0">
+                <a:solidFill>
+                  <a:schemeClr val="accent6"/>
+                </a:solidFill>
+              </a:rPr>
+              <a:t>string</a:t>
+            </a:r>
+            <a:r>
+              <a:rPr lang="fr-FR" b="1" dirty="0">
+                <a:solidFill>
+                  <a:schemeClr val="accent6"/>
+                </a:solidFill>
+              </a:rPr>
+              <a:t> </a:t>
+            </a:r>
+            <a:r>
+              <a:rPr lang="fr-FR" b="1" dirty="0" smtClean="0">
+                <a:solidFill>
+                  <a:schemeClr val="accent6"/>
+                </a:solidFill>
+              </a:rPr>
+              <a:t>= ″</a:t>
+            </a:r>
+            <a:r>
+              <a:rPr lang="fr-FR" b="1" dirty="0" smtClean="0">
+                <a:solidFill>
+                  <a:schemeClr val="tx1"/>
+                </a:solidFill>
+              </a:rPr>
+              <a:t>A string of caracters</a:t>
+            </a:r>
+            <a:r>
+              <a:rPr lang="fr-FR" b="1" dirty="0">
+                <a:solidFill>
+                  <a:schemeClr val="tx1"/>
+                </a:solidFill>
+              </a:rPr>
+              <a:t> </a:t>
+            </a:r>
+            <a:r>
+              <a:rPr lang="fr-FR" b="1" dirty="0">
+                <a:solidFill>
+                  <a:schemeClr val="accent6"/>
+                </a:solidFill>
+              </a:rPr>
+              <a:t>″</a:t>
+            </a:r>
+          </a:p>
+          <a:p>
+            <a:pPr lvl="1"/>
+            <a:r>
+              <a:rPr lang="fr-FR" i="1" dirty="0"/>
+              <a:t>c</a:t>
+            </a:r>
+            <a:r>
+              <a:rPr lang="fr-FR" dirty="0" smtClean="0"/>
+              <a:t> </a:t>
+            </a:r>
+            <a:r>
+              <a:rPr lang="fr-FR" b="1" dirty="0" smtClean="0">
+                <a:solidFill>
+                  <a:schemeClr val="accent6"/>
+                </a:solidFill>
+              </a:rPr>
+              <a:t>:=</a:t>
+            </a:r>
+            <a:r>
+              <a:rPr lang="fr-FR" dirty="0" smtClean="0"/>
+              <a:t> </a:t>
+            </a:r>
+            <a:r>
+              <a:rPr lang="fr-FR" i="1" dirty="0" smtClean="0"/>
+              <a:t>112</a:t>
+            </a:r>
+            <a:endParaRPr lang="fr-FR" b="1" i="1" dirty="0">
+              <a:solidFill>
+                <a:schemeClr val="accent6"/>
+              </a:solidFill>
+            </a:endParaRPr>
+          </a:p>
+        </p:txBody>
+      </p:sp>
+    </p:spTree>
+    <p:extLst>
+      <p:ext uri="{BB962C8B-B14F-4D97-AF65-F5344CB8AC3E}">
+        <p14:creationId xmlns:p14="http://schemas.microsoft.com/office/powerpoint/2010/main" val="714360546"/>
+      </p:ext>
+    </p:extLst>
+  </p:cSld>
+  <p:clrMapOvr>
+    <a:masterClrMapping/>
+  </p:clrMapOvr>
+  <p:timing>
+    <p:tnLst>
+      <p:par>
+        <p:cTn id="1" dur="indefinite" restart="never" nodeType="tmRoot"/>
+      </p:par>
+    </p:tnLst>
+  </p:timing>
+</p:sld>
+</file>
+
+<file path=ppt/slides/slide27.xml><?xml version="1.0" encoding="utf-8"?>
+<p:sld xmlns:a="http://schemas.openxmlformats.org/drawingml/2006/main" xmlns:r="http://schemas.openxmlformats.org/officeDocument/2006/relationships" xmlns:p="http://schemas.openxmlformats.org/presentationml/2006/main">
+  <p:cSld>
+    <p:spTree>
+      <p:nvGrpSpPr>
+        <p:cNvPr id="1" name=""/>
+        <p:cNvGrpSpPr/>
+        <p:nvPr/>
+      </p:nvGrpSpPr>
+      <p:grpSpPr>
+        <a:xfrm>
+          <a:off x="0" y="0"/>
+          <a:ext cx="0" cy="0"/>
+          <a:chOff x="0" y="0"/>
+          <a:chExt cx="0" cy="0"/>
+        </a:xfrm>
+      </p:grpSpPr>
+      <p:sp>
+        <p:nvSpPr>
+          <p:cNvPr id="2" name="Titre 1"/>
+          <p:cNvSpPr>
+            <a:spLocks noGrp="1"/>
+          </p:cNvSpPr>
+          <p:nvPr>
+            <p:ph type="title"/>
+          </p:nvPr>
+        </p:nvSpPr>
+        <p:spPr/>
+        <p:txBody>
+          <a:bodyPr/>
+          <a:lstStyle/>
+          <a:p>
+            <a:r>
+              <a:rPr lang="fr-FR" dirty="0" smtClean="0"/>
+              <a:t>Références</a:t>
+            </a:r>
+            <a:endParaRPr lang="fr-FR" dirty="0"/>
+          </a:p>
+        </p:txBody>
+      </p:sp>
+      <p:sp>
+        <p:nvSpPr>
+          <p:cNvPr id="3" name="Espace réservé du contenu 2"/>
+          <p:cNvSpPr>
+            <a:spLocks noGrp="1"/>
+          </p:cNvSpPr>
+          <p:nvPr>
+            <p:ph idx="1"/>
+          </p:nvPr>
+        </p:nvSpPr>
+        <p:spPr/>
+        <p:txBody>
+          <a:bodyPr anchor="ctr"/>
+          <a:lstStyle/>
+          <a:p>
+            <a:r>
+              <a:rPr lang="fr-FR" dirty="0" smtClean="0"/>
               <a:t>Golang Project : https</a:t>
             </a:r>
             <a:r>
@@ -9840,11 +11248,7 @@
           <a:p>
             <a:r>
               <a:rPr lang="fr-FR" dirty="0" smtClean="0"/>
-              <a:t>The Go Programming Language : Donovan, </a:t>
-            </a:r>
-            <a:r>
-              <a:rPr lang="fr-FR" dirty="0" err="1" smtClean="0"/>
-              <a:t>Kernigan</a:t>
+              <a:t>The Go Programming Language : Donovan, Kernigan</a:t>
             </a:r>
             <a:endParaRPr lang="fr-FR" dirty="0"/>
           </a:p>
@@ -10785,7 +12189,22 @@
             <a:pPr algn="just"/>
             <a:r>
               <a:rPr lang="fr-FR" dirty="0"/>
-              <a:t>Le langage Go a été créé pour la programmation système et a depuis été étendu aux applications, ce qui constitue la même cible que le C et surtout le C++. Il s'agit d'un langage impératif et </a:t>
+              <a:t>Le langage Go a été créé pour la programmation système et a depuis été étendu aux applications, ce qui constitue la même cible que le C et surtout le C</a:t>
+            </a:r>
+            <a:r>
+              <a:rPr lang="fr-FR" dirty="0" smtClean="0"/>
+              <a:t>++</a:t>
+            </a:r>
+          </a:p>
+          <a:p>
+            <a:pPr algn="just"/>
+            <a:r>
+              <a:rPr lang="fr-FR" dirty="0" smtClean="0"/>
+              <a:t>Il </a:t>
+            </a:r>
+            <a:r>
+              <a:rPr lang="fr-FR" dirty="0"/>
+              <a:t>s'agit d'un langage impératif et </a:t>
             </a:r>
             <a:r>
               <a:rPr lang="fr-FR" dirty="0" smtClean="0"/>
@@ -11056,4 +12475,265 @@
     </a:ext>
   </a:extLst>
 </a:theme>
+</file>
+
+<file path=ppt/theme/theme2.xml><?xml version="1.0" encoding="utf-8"?>
+<a:theme xmlns:a="http://schemas.openxmlformats.org/drawingml/2006/main" name="Thème Office">
+  <a:themeElements>
+    <a:clrScheme name="Office">
+      <a:dk1>
+        <a:sysClr val="windowText" lastClr="000000"/>
+      </a:dk1>
+      <a:lt1>
+        <a:sysClr val="window" lastClr="FFFFFF"/>
+      </a:lt1>
+      <a:dk2>
+        <a:srgbClr val="44546A"/>
+      </a:dk2>
+      <a:lt2>
+        <a:srgbClr val="E7E6E6"/>
+      </a:lt2>
+      <a:accent1>
+        <a:srgbClr val="5B9BD5"/>
+      </a:accent1>
+      <a:accent2>
+        <a:srgbClr val="ED7D31"/>
+      </a:accent2>
+      <a:accent3>
+        <a:srgbClr val="A5A5A5"/>
+      </a:accent3>
+      <a:accent4>
+        <a:srgbClr val="FFC000"/>
+      </a:accent4>
+      <a:accent5>
+        <a:srgbClr val="4472C4"/>
+      </a:accent5>
+      <a:accent6>
+        <a:srgbClr val="70AD47"/>
+      </a:accent6>
+      <a:hlink>
+        <a:srgbClr val="0563C1"/>
+      </a:hlink>
+      <a:folHlink>
+        <a:srgbClr val="954F72"/>
+      </a:folHlink>
+    </a:clrScheme>
+    <a:fontScheme name="Office">
+      <a:majorFont>
+        <a:latin typeface="Calibri Light" panose="020F0302020204030204"/>
+        <a:ea typeface=""/>
+        <a:cs typeface=""/>
+        <a:font script="Jpan" typeface="ＭＳ Ｐゴシック"/>
+        <a:font script="Hang" typeface="맑은 고딕"/>
+        <a:font script="Hans" typeface="宋体"/>
+        <a:font script="Hant" typeface="新細明體"/>
+        <a:font script="Arab" typeface="Times New Roman"/>
+        <a:font script="Hebr" typeface="Times New Roman"/>
+        <a:font script="Thai" typeface="Angsana New"/>
+        <a:font script="Ethi" typeface="Nyala"/>
+        <a:font script="Beng" typeface="Vrinda"/>
+        <a:font script="Gujr" typeface="Shruti"/>
+        <a:font script="Khmr" typeface="MoolBoran"/>
+        <a:font script="Knda" typeface="Tunga"/>
+        <a:font script="Guru" typeface="Raavi"/>
+        <a:font script="Cans" typeface="Euphemia"/>
+        <a:font script="Cher" typeface="Plantagenet Cherokee"/>
+        <a:font script="Yiii" typeface="Microsoft Yi Baiti"/>
+        <a:font script="Tibt" typeface="Microsoft Himalaya"/>
+        <a:font script="Thaa" typeface="MV Boli"/>
+        <a:font script="Deva" typeface="Mangal"/>
+        <a:font script="Telu" typeface="Gautami"/>
+        <a:font script="Taml" typeface="Latha"/>
+        <a:font script="Syrc" typeface="Estrangelo Edessa"/>
+        <a:font script="Orya" typeface="Kalinga"/>
+        <a:font script="Mlym" typeface="Kartika"/>
+        <a:font script="Laoo" typeface="DokChampa"/>
+        <a:font script="Sinh" typeface="Iskoola Pota"/>
+        <a:font script="Mong" typeface="Mongolian Baiti"/>
+        <a:font script="Viet" typeface="Times New Roman"/>
+        <a:font script="Uigh" typeface="Microsoft Uighur"/>
+        <a:font script="Geor" typeface="Sylfaen"/>
+      </a:majorFont>
+      <a:minorFont>
+        <a:latin typeface="Calibri" panose="020F0502020204030204"/>
+        <a:ea typeface=""/>
+        <a:cs typeface=""/>
+        <a:font script="Jpan" typeface="ＭＳ Ｐゴシック"/>
+        <a:font script="Hang" typeface="맑은 고딕"/>
+        <a:font script="Hans" typeface="宋体"/>
+        <a:font script="Hant" typeface="新細明體"/>
+        <a:font script="Arab" typeface="Arial"/>
+        <a:font script="Hebr" typeface="Arial"/>
+        <a:font script="Thai" typeface="Cordia New"/>
+        <a:font script="Ethi" typeface="Nyala"/>
+        <a:font script="Beng" typeface="Vrinda"/>
+        <a:font script="Gujr" typeface="Shruti"/>
+        <a:font script="Khmr" typeface="DaunPenh"/>
+        <a:font script="Knda" typeface="Tunga"/>
+        <a:font script="Guru" typeface="Raavi"/>
+        <a:font script="Cans" typeface="Euphemia"/>
+        <a:font script="Cher" typeface="Plantagenet Cherokee"/>
+        <a:font script="Yiii" typeface="Microsoft Yi Baiti"/>
+        <a:font script="Tibt" typeface="Microsoft Himalaya"/>
+        <a:font script="Thaa" typeface="MV Boli"/>
+        <a:font script="Deva" typeface="Mangal"/>
+        <a:font script="Telu" typeface="Gautami"/>
+        <a:font script="Taml" typeface="Latha"/>
+        <a:font script="Syrc" typeface="Estrangelo Edessa"/>
+        <a:font script="Orya" typeface="Kalinga"/>
+        <a:font script="Mlym" typeface="Kartika"/>
+        <a:font script="Laoo" typeface="DokChampa"/>
+        <a:font script="Sinh" typeface="Iskoola Pota"/>
+        <a:font script="Mong" typeface="Mongolian Baiti"/>
+        <a:font script="Viet" typeface="Arial"/>
+        <a:font script="Uigh" typeface="Microsoft Uighur"/>
+        <a:font script="Geor" typeface="Sylfaen"/>
+      </a:minorFont>
+    </a:fontScheme>
+    <a:fmtScheme name="Office">
+      <a:fillStyleLst>
+        <a:solidFill>
+          <a:schemeClr val="phClr"/>
+        </a:solidFill>
+        <a:gradFill rotWithShape="1">
+          <a:gsLst>
+            <a:gs pos="0">
+              <a:schemeClr val="phClr">
+                <a:lumMod val="110000"/>
+                <a:satMod val="105000"/>
+                <a:tint val="67000"/>
+              </a:schemeClr>
+            </a:gs>
+            <a:gs pos="50000">
+              <a:schemeClr val="phClr">
+                <a:lumMod val="105000"/>
+                <a:satMod val="103000"/>
+                <a:tint val="73000"/>
+              </a:schemeClr>
+            </a:gs>
+            <a:gs pos="100000">
+              <a:schemeClr val="phClr">
+                <a:lumMod val="105000"/>
+                <a:satMod val="109000"/>
+                <a:tint val="81000"/>
+              </a:schemeClr>
+            </a:gs>
+          </a:gsLst>
+          <a:lin ang="5400000" scaled="0"/>
+        </a:gradFill>
+        <a:gradFill rotWithShape="1">
+          <a:gsLst>
+            <a:gs pos="0">
+              <a:schemeClr val="phClr">
+                <a:satMod val="103000"/>
+                <a:lumMod val="102000"/>
+                <a:tint val="94000"/>
+              </a:schemeClr>
+            </a:gs>
+            <a:gs pos="50000">
+              <a:schemeClr val="phClr">
+                <a:satMod val="110000"/>
+                <a:lumMod val="100000"/>
+                <a:shade val="100000"/>
+              </a:schemeClr>
+            </a:gs>
+            <a:gs pos="100000">
+              <a:schemeClr val="phClr">
+                <a:lumMod val="99000"/>
+                <a:satMod val="120000"/>
+                <a:shade val="78000"/>
+              </a:schemeClr>
+            </a:gs>
+          </a:gsLst>
+          <a:lin ang="5400000" scaled="0"/>
+        </a:gradFill>
+      </a:fillStyleLst>
+      <a:lnStyleLst>
+        <a:ln w="6350" cap="flat" cmpd="sng" algn="ctr">
+          <a:solidFill>
+            <a:schemeClr val="phClr"/>
+          </a:solidFill>
+          <a:prstDash val="solid"/>
+          <a:miter lim="800000"/>
+        </a:ln>
+        <a:ln w="12700" cap="flat" cmpd="sng" algn="ctr">
+          <a:solidFill>
+            <a:schemeClr val="phClr"/>
+          </a:solidFill>
+          <a:prstDash val="solid"/>
+          <a:miter lim="800000"/>
+        </a:ln>
+        <a:ln w="19050" cap="flat" cmpd="sng" algn="ctr">
+          <a:solidFill>
+            <a:schemeClr val="phClr"/>
+          </a:solidFill>
+          <a:prstDash val="solid"/>
+          <a:miter lim="800000"/>
+        </a:ln>
+      </a:lnStyleLst>
+      <a:effectStyleLst>
+        <a:effectStyle>
+          <a:effectLst/>
+        </a:effectStyle>
+        <a:effectStyle>
+          <a:effectLst/>
+        </a:effectStyle>
+        <a:effectStyle>
+          <a:effectLst>
+            <a:outerShdw blurRad="57150" dist="19050" dir="5400000" algn="ctr" rotWithShape="0">
+              <a:srgbClr val="000000">
+                <a:alpha val="63000"/>
+              </a:srgbClr>
+            </a:outerShdw>
+          </a:effectLst>
+        </a:effectStyle>
+      </a:effectStyleLst>
+      <a:bgFillStyleLst>
+        <a:solidFill>
+          <a:schemeClr val="phClr"/>
+        </a:solidFill>
+        <a:solidFill>
+          <a:schemeClr val="phClr">
+            <a:tint val="95000"/>
+            <a:satMod val="170000"/>
+          </a:schemeClr>
+        </a:solidFill>
+        <a:gradFill rotWithShape="1">
+          <a:gsLst>
+            <a:gs pos="0">
+              <a:schemeClr val="phClr">
+                <a:tint val="93000"/>
+                <a:satMod val="150000"/>
+                <a:shade val="98000"/>
+                <a:lumMod val="102000"/>
+              </a:schemeClr>
+            </a:gs>
+            <a:gs pos="50000">
+              <a:schemeClr val="phClr">
+                <a:tint val="98000"/>
+                <a:satMod val="130000"/>
+                <a:shade val="90000"/>
+                <a:lumMod val="103000"/>
+              </a:schemeClr>
+            </a:gs>
+            <a:gs pos="100000">
+              <a:schemeClr val="phClr">
+                <a:shade val="63000"/>
+                <a:satMod val="120000"/>
+              </a:schemeClr>
+            </a:gs>
+          </a:gsLst>
+          <a:lin ang="5400000" scaled="0"/>
+        </a:gradFill>
+      </a:bgFillStyleLst>
+    </a:fmtScheme>
+  </a:themeElements>
+  <a:objectDefaults/>
+  <a:extraClrSchemeLst/>
+  <a:extLst>
+    <a:ext uri="{05A4C25C-085E-4340-85A3-A5531E510DB2}">
+      <thm15:themeFamily xmlns:thm15="http://schemas.microsoft.com/office/thememl/2012/main" name="Office Theme" id="{62F939B6-93AF-4DB8-9C6B-D6C7DFDC589F}" vid="{4A3C46E8-61CC-4603-A589-7422A47A8E4A}"/>
+    </a:ext>
+  </a:extLst>
+</a:theme>
 </file>
--- a/documentations/learning-go.pptx
+++ b/documentations/learning-go.pptx
@@ -9810,7 +9810,6 @@
               <a:rPr lang="fr-FR" b="1" dirty="0" smtClean="0"/>
               <a:t>// One line comment</a:t>
             </a:r>
-            <a:endParaRPr lang="fr-FR" b="1" dirty="0" smtClean="0"/>
           </a:p>
           <a:p>
             <a:pPr algn="just"/>
@@ -9844,7 +9843,6 @@
               <a:rPr lang="fr-FR" b="1" i="1" dirty="0" smtClean="0"/>
               <a:t>Block comment</a:t>
             </a:r>
-            <a:endParaRPr lang="fr-FR" b="1" i="1" dirty="0" smtClean="0"/>
           </a:p>
           <a:p>
             <a:pPr marL="457200" lvl="1" indent="0" algn="just">

--- a/documentations/learning-go.pptx
+++ b/documentations/learning-go.pptx
@@ -5,7 +5,7 @@
     <p:sldMasterId id="2147483648" r:id="rId1"/>
   </p:sldMasterIdLst>
   <p:notesMasterIdLst>
-    <p:notesMasterId r:id="rId29"/>
+    <p:notesMasterId r:id="rId30"/>
   </p:notesMasterIdLst>
   <p:sldIdLst>
     <p:sldId id="256" r:id="rId2"/>
@@ -34,7 +34,8 @@
     <p:sldId id="282" r:id="rId25"/>
     <p:sldId id="281" r:id="rId26"/>
     <p:sldId id="262" r:id="rId27"/>
-    <p:sldId id="267" r:id="rId28"/>
+    <p:sldId id="283" r:id="rId28"/>
+    <p:sldId id="267" r:id="rId29"/>
   </p:sldIdLst>
   <p:sldSz cx="12192000" cy="6858000"/>
   <p:notesSz cx="6858000" cy="9144000"/>
@@ -11152,6 +11153,216 @@
 </file>
 
 <file path=ppt/slides/slide27.xml><?xml version="1.0" encoding="utf-8"?>
+<p:sld xmlns:a="http://schemas.openxmlformats.org/drawingml/2006/main" xmlns:r="http://schemas.openxmlformats.org/officeDocument/2006/relationships" xmlns:p="http://schemas.openxmlformats.org/presentationml/2006/main">
+  <p:cSld>
+    <p:spTree>
+      <p:nvGrpSpPr>
+        <p:cNvPr id="1" name=""/>
+        <p:cNvGrpSpPr/>
+        <p:nvPr/>
+      </p:nvGrpSpPr>
+      <p:grpSpPr>
+        <a:xfrm>
+          <a:off x="0" y="0"/>
+          <a:ext cx="0" cy="0"/>
+          <a:chOff x="0" y="0"/>
+          <a:chExt cx="0" cy="0"/>
+        </a:xfrm>
+      </p:grpSpPr>
+      <p:sp>
+        <p:nvSpPr>
+          <p:cNvPr id="2" name="Titre 1"/>
+          <p:cNvSpPr>
+            <a:spLocks noGrp="1"/>
+          </p:cNvSpPr>
+          <p:nvPr>
+            <p:ph type="title"/>
+          </p:nvPr>
+        </p:nvSpPr>
+        <p:spPr/>
+        <p:txBody>
+          <a:bodyPr/>
+          <a:lstStyle/>
+          <a:p>
+            <a:r>
+              <a:rPr lang="fr-FR" dirty="0" smtClean="0"/>
+              <a:t>Portée des variables</a:t>
+            </a:r>
+            <a:endParaRPr lang="fr-FR" dirty="0"/>
+          </a:p>
+        </p:txBody>
+      </p:sp>
+      <p:sp>
+        <p:nvSpPr>
+          <p:cNvPr id="6" name="Espace réservé du contenu 2"/>
+          <p:cNvSpPr>
+            <a:spLocks noGrp="1"/>
+          </p:cNvSpPr>
+          <p:nvPr>
+            <p:ph idx="1"/>
+          </p:nvPr>
+        </p:nvSpPr>
+        <p:spPr>
+          <a:xfrm>
+            <a:off x="2589212" y="2133600"/>
+            <a:ext cx="4431790" cy="3777622"/>
+          </a:xfrm>
+        </p:spPr>
+        <p:txBody>
+          <a:bodyPr>
+            <a:normAutofit/>
+          </a:bodyPr>
+          <a:lstStyle/>
+          <a:p>
+            <a:r>
+              <a:rPr lang="fr-FR" dirty="0" smtClean="0"/>
+              <a:t>Les variables sont "visibles" au sein du bloc de code dans lequel elles sont déclarées</a:t>
+            </a:r>
+          </a:p>
+          <a:p>
+            <a:r>
+              <a:rPr lang="fr-FR" b="1" i="1" dirty="0">
+                <a:solidFill>
+                  <a:schemeClr val="accent6"/>
+                </a:solidFill>
+              </a:rPr>
+              <a:t>s</a:t>
+            </a:r>
+            <a:r>
+              <a:rPr lang="fr-FR" b="1" i="1" dirty="0" smtClean="0">
+                <a:solidFill>
+                  <a:schemeClr val="accent6"/>
+                </a:solidFill>
+              </a:rPr>
+              <a:t>tring01 </a:t>
+            </a:r>
+            <a:r>
+              <a:rPr lang="fr-FR" dirty="0" smtClean="0">
+                <a:solidFill>
+                  <a:schemeClr val="tx1"/>
+                </a:solidFill>
+              </a:rPr>
+              <a:t>est visible dans les deux fonctions déclarées</a:t>
+            </a:r>
+          </a:p>
+          <a:p>
+            <a:r>
+              <a:rPr lang="fr-FR" b="1" i="1" dirty="0" smtClean="0">
+                <a:solidFill>
+                  <a:schemeClr val="accent6"/>
+                </a:solidFill>
+              </a:rPr>
+              <a:t>string02 </a:t>
+            </a:r>
+            <a:r>
+              <a:rPr lang="fr-FR" dirty="0" smtClean="0">
+                <a:solidFill>
+                  <a:schemeClr val="tx1"/>
+                </a:solidFill>
+              </a:rPr>
+              <a:t>n'est </a:t>
+            </a:r>
+            <a:r>
+              <a:rPr lang="fr-FR" dirty="0">
+                <a:solidFill>
+                  <a:schemeClr val="tx1"/>
+                </a:solidFill>
+              </a:rPr>
+              <a:t>visible </a:t>
+            </a:r>
+            <a:r>
+              <a:rPr lang="fr-FR" dirty="0" smtClean="0">
+                <a:solidFill>
+                  <a:schemeClr val="tx1"/>
+                </a:solidFill>
+              </a:rPr>
+              <a:t>que dans la fonction </a:t>
+            </a:r>
+            <a:r>
+              <a:rPr lang="fr-FR" b="1" i="1" dirty="0" smtClean="0">
+                <a:solidFill>
+                  <a:schemeClr val="accent6"/>
+                </a:solidFill>
+              </a:rPr>
+              <a:t>f()</a:t>
+            </a:r>
+            <a:endParaRPr lang="fr-FR" b="1" i="1" dirty="0">
+              <a:solidFill>
+                <a:schemeClr val="accent6"/>
+              </a:solidFill>
+            </a:endParaRPr>
+          </a:p>
+        </p:txBody>
+      </p:sp>
+      <p:pic>
+        <p:nvPicPr>
+          <p:cNvPr id="5" name="Image 4"/>
+          <p:cNvPicPr>
+            <a:picLocks noChangeAspect="1"/>
+          </p:cNvPicPr>
+          <p:nvPr/>
+        </p:nvPicPr>
+        <p:blipFill>
+          <a:blip r:embed="rId2"/>
+          <a:stretch>
+            <a:fillRect/>
+          </a:stretch>
+        </p:blipFill>
+        <p:spPr>
+          <a:xfrm>
+            <a:off x="2525202" y="5270761"/>
+            <a:ext cx="4495800" cy="276225"/>
+          </a:xfrm>
+          <a:prstGeom prst="rect">
+            <a:avLst/>
+          </a:prstGeom>
+        </p:spPr>
+      </p:pic>
+      <p:pic>
+        <p:nvPicPr>
+          <p:cNvPr id="8" name="Image 7"/>
+          <p:cNvPicPr>
+            <a:picLocks noChangeAspect="1"/>
+          </p:cNvPicPr>
+          <p:nvPr/>
+        </p:nvPicPr>
+        <p:blipFill>
+          <a:blip r:embed="rId3"/>
+          <a:stretch>
+            <a:fillRect/>
+          </a:stretch>
+        </p:blipFill>
+        <p:spPr>
+          <a:xfrm>
+            <a:off x="7781842" y="1264555"/>
+            <a:ext cx="3848100" cy="5248275"/>
+          </a:xfrm>
+          <a:prstGeom prst="rect">
+            <a:avLst/>
+          </a:prstGeom>
+        </p:spPr>
+      </p:pic>
+    </p:spTree>
+    <p:extLst>
+      <p:ext uri="{BB962C8B-B14F-4D97-AF65-F5344CB8AC3E}">
+        <p14:creationId xmlns:p14="http://schemas.microsoft.com/office/powerpoint/2010/main" val="4140522944"/>
+      </p:ext>
+    </p:extLst>
+  </p:cSld>
+  <p:clrMapOvr>
+    <a:masterClrMapping/>
+  </p:clrMapOvr>
+  <p:timing>
+    <p:tnLst>
+      <p:par>
+        <p:cTn id="1" dur="indefinite" restart="never" nodeType="tmRoot"/>
+      </p:par>
+    </p:tnLst>
+  </p:timing>
+</p:sld>
+</file>
+
+<file path=ppt/slides/slide28.xml><?xml version="1.0" encoding="utf-8"?>
 <p:sld xmlns:a="http://schemas.openxmlformats.org/drawingml/2006/main" xmlns:r="http://schemas.openxmlformats.org/officeDocument/2006/relationships" xmlns:p="http://schemas.openxmlformats.org/presentationml/2006/main">
   <p:cSld>
     <p:spTree>

--- a/documentations/learning-go.pptx
+++ b/documentations/learning-go.pptx
@@ -5,7 +5,7 @@
     <p:sldMasterId id="2147483648" r:id="rId1"/>
   </p:sldMasterIdLst>
   <p:notesMasterIdLst>
-    <p:notesMasterId r:id="rId30"/>
+    <p:notesMasterId r:id="rId31"/>
   </p:notesMasterIdLst>
   <p:sldIdLst>
     <p:sldId id="256" r:id="rId2"/>
@@ -35,7 +35,8 @@
     <p:sldId id="281" r:id="rId26"/>
     <p:sldId id="262" r:id="rId27"/>
     <p:sldId id="283" r:id="rId28"/>
-    <p:sldId id="267" r:id="rId29"/>
+    <p:sldId id="284" r:id="rId29"/>
+    <p:sldId id="267" r:id="rId30"/>
   </p:sldIdLst>
   <p:sldSz cx="12192000" cy="6858000"/>
   <p:notesSz cx="6858000" cy="9144000"/>
@@ -224,7 +225,7 @@
           <a:p>
             <a:fld id="{ADCD2C08-3C00-4791-9388-3FB9A56F87F8}" type="datetimeFigureOut">
               <a:rPr lang="fr-FR" smtClean="0"/>
-              <a:t>30/12/2017</a:t>
+              <a:t>31/12/2017</a:t>
             </a:fld>
             <a:endParaRPr lang="fr-FR"/>
           </a:p>
@@ -680,7 +681,7 @@
           <a:p>
             <a:fld id="{3032B84C-0C6F-4FEE-A435-567DC6016AA3}" type="datetime1">
               <a:rPr lang="en-US" smtClean="0"/>
-              <a:t>12/30/2017</a:t>
+              <a:t>12/31/2017</a:t>
             </a:fld>
             <a:endParaRPr lang="en-US" dirty="0"/>
           </a:p>
@@ -1014,7 +1015,7 @@
           <a:p>
             <a:fld id="{DAB10936-7F46-4E84-9D9C-2197F0EE2105}" type="datetime1">
               <a:rPr lang="en-US" smtClean="0"/>
-              <a:t>12/30/2017</a:t>
+              <a:t>12/31/2017</a:t>
             </a:fld>
             <a:endParaRPr lang="en-US" dirty="0"/>
           </a:p>
@@ -1411,7 +1412,7 @@
           <a:p>
             <a:fld id="{44C00F8F-B142-4D14-AD3A-2A51E3EA2BF8}" type="datetime1">
               <a:rPr lang="en-US" smtClean="0"/>
-              <a:t>12/30/2017</a:t>
+              <a:t>12/31/2017</a:t>
             </a:fld>
             <a:endParaRPr lang="en-US" dirty="0"/>
           </a:p>
@@ -1743,7 +1744,7 @@
           <a:p>
             <a:fld id="{B78E52C0-624E-4FAE-A4B0-6E29A10BEB4F}" type="datetime1">
               <a:rPr lang="en-US" smtClean="0"/>
-              <a:t>12/30/2017</a:t>
+              <a:t>12/31/2017</a:t>
             </a:fld>
             <a:endParaRPr lang="en-US" dirty="0"/>
           </a:p>
@@ -2059,7 +2060,7 @@
           <a:p>
             <a:fld id="{DB78231D-F226-45DF-9669-F1BF795640EB}" type="datetime1">
               <a:rPr lang="en-US" smtClean="0"/>
-              <a:t>12/30/2017</a:t>
+              <a:t>12/31/2017</a:t>
             </a:fld>
             <a:endParaRPr lang="en-US" dirty="0"/>
           </a:p>
@@ -2451,7 +2452,7 @@
           <a:p>
             <a:fld id="{CB819A94-7443-4207-8A6B-F8C691E3142F}" type="datetime1">
               <a:rPr lang="en-US" smtClean="0"/>
-              <a:t>12/30/2017</a:t>
+              <a:t>12/31/2017</a:t>
             </a:fld>
             <a:endParaRPr lang="en-US" dirty="0"/>
           </a:p>
@@ -2704,7 +2705,7 @@
           <a:p>
             <a:fld id="{67D95873-D052-47A6-AD02-0AD1A59B976D}" type="datetime1">
               <a:rPr lang="en-US" smtClean="0"/>
-              <a:t>12/30/2017</a:t>
+              <a:t>12/31/2017</a:t>
             </a:fld>
             <a:endParaRPr lang="en-US" dirty="0"/>
           </a:p>
@@ -2962,7 +2963,7 @@
           <a:p>
             <a:fld id="{919BACF9-B727-41C7-869A-391609C9FC57}" type="datetime1">
               <a:rPr lang="en-US" smtClean="0"/>
-              <a:t>12/30/2017</a:t>
+              <a:t>12/31/2017</a:t>
             </a:fld>
             <a:endParaRPr lang="en-US" dirty="0"/>
           </a:p>
@@ -3220,7 +3221,7 @@
           <a:p>
             <a:fld id="{AFABB761-46B1-499E-8EAC-90290121C7E3}" type="datetime1">
               <a:rPr lang="en-US" smtClean="0"/>
-              <a:t>12/30/2017</a:t>
+              <a:t>12/31/2017</a:t>
             </a:fld>
             <a:endParaRPr lang="en-US" dirty="0"/>
           </a:p>
@@ -3521,7 +3522,7 @@
           <a:p>
             <a:fld id="{BDC87CC9-D479-498E-AC84-BC0B69667EA7}" type="datetime1">
               <a:rPr lang="en-US" smtClean="0"/>
-              <a:t>12/30/2017</a:t>
+              <a:t>12/31/2017</a:t>
             </a:fld>
             <a:endParaRPr lang="en-US" dirty="0"/>
           </a:p>
@@ -3759,7 +3760,7 @@
           <a:p>
             <a:fld id="{D5CECE5E-017D-4D7D-863D-A253BD353750}" type="datetime1">
               <a:rPr lang="en-US" smtClean="0"/>
-              <a:t>12/30/2017</a:t>
+              <a:t>12/31/2017</a:t>
             </a:fld>
             <a:endParaRPr lang="en-US" dirty="0"/>
           </a:p>
@@ -4212,7 +4213,7 @@
           <a:p>
             <a:fld id="{9F18A03C-314A-4F06-B760-F20B5FED1D3F}" type="datetime1">
               <a:rPr lang="en-US" smtClean="0"/>
-              <a:t>12/30/2017</a:t>
+              <a:t>12/31/2017</a:t>
             </a:fld>
             <a:endParaRPr lang="en-US" dirty="0"/>
           </a:p>
@@ -4413,7 +4414,7 @@
           <a:p>
             <a:fld id="{BD191738-FFD6-4860-8529-524859D0AAD5}" type="datetime1">
               <a:rPr lang="en-US" smtClean="0"/>
-              <a:t>12/30/2017</a:t>
+              <a:t>12/31/2017</a:t>
             </a:fld>
             <a:endParaRPr lang="en-US" dirty="0"/>
           </a:p>
@@ -4586,7 +4587,7 @@
           <a:p>
             <a:fld id="{87C445FA-DBB4-45A6-AF36-646BBDEFE7B8}" type="datetime1">
               <a:rPr lang="en-US" smtClean="0"/>
-              <a:t>12/30/2017</a:t>
+              <a:t>12/31/2017</a:t>
             </a:fld>
             <a:endParaRPr lang="en-US" dirty="0"/>
           </a:p>
@@ -4915,7 +4916,7 @@
           <a:p>
             <a:fld id="{3CCB4C9D-9F99-4603-AFDB-5A1EF738629A}" type="datetime1">
               <a:rPr lang="en-US" smtClean="0"/>
-              <a:t>12/30/2017</a:t>
+              <a:t>12/31/2017</a:t>
             </a:fld>
             <a:endParaRPr lang="en-US" dirty="0"/>
           </a:p>
@@ -5256,7 +5257,7 @@
           <a:p>
             <a:fld id="{DD689B9E-37D7-48EE-AC3B-85D1F5E65693}" type="datetime1">
               <a:rPr lang="en-US" smtClean="0"/>
-              <a:t>12/30/2017</a:t>
+              <a:t>12/31/2017</a:t>
             </a:fld>
             <a:endParaRPr lang="en-US" dirty="0"/>
           </a:p>
@@ -7369,7 +7370,7 @@
           <a:p>
             <a:fld id="{E743FBA0-816E-44C2-9FC4-949B5131156F}" type="datetime1">
               <a:rPr lang="en-US" smtClean="0"/>
-              <a:t>12/30/2017</a:t>
+              <a:t>12/31/2017</a:t>
             </a:fld>
             <a:endParaRPr lang="en-US" dirty="0"/>
           </a:p>
@@ -11205,11 +11206,11 @@
         <p:spPr>
           <a:xfrm>
             <a:off x="2589212" y="2133600"/>
-            <a:ext cx="4431790" cy="3777622"/>
+            <a:ext cx="4431790" cy="2907527"/>
           </a:xfrm>
         </p:spPr>
         <p:txBody>
-          <a:bodyPr>
+          <a:bodyPr anchor="ctr">
             <a:normAutofit/>
           </a:bodyPr>
           <a:lstStyle/>
@@ -11284,7 +11285,15 @@
                   <a:schemeClr val="accent6"/>
                 </a:solidFill>
               </a:rPr>
-              <a:t>f()</a:t>
+              <a:t>main</a:t>
+            </a:r>
+            <a:r>
+              <a:rPr lang="fr-FR" b="1" i="1" dirty="0" smtClean="0">
+                <a:solidFill>
+                  <a:schemeClr val="accent6"/>
+                </a:solidFill>
+              </a:rPr>
+              <a:t>()</a:t>
             </a:r>
             <a:endParaRPr lang="fr-FR" b="1" i="1" dirty="0">
               <a:solidFill>
@@ -11363,6 +11372,208 @@
 </file>
 
 <file path=ppt/slides/slide28.xml><?xml version="1.0" encoding="utf-8"?>
+<p:sld xmlns:a="http://schemas.openxmlformats.org/drawingml/2006/main" xmlns:r="http://schemas.openxmlformats.org/officeDocument/2006/relationships" xmlns:p="http://schemas.openxmlformats.org/presentationml/2006/main">
+  <p:cSld>
+    <p:spTree>
+      <p:nvGrpSpPr>
+        <p:cNvPr id="1" name=""/>
+        <p:cNvGrpSpPr/>
+        <p:nvPr/>
+      </p:nvGrpSpPr>
+      <p:grpSpPr>
+        <a:xfrm>
+          <a:off x="0" y="0"/>
+          <a:ext cx="0" cy="0"/>
+          <a:chOff x="0" y="0"/>
+          <a:chExt cx="0" cy="0"/>
+        </a:xfrm>
+      </p:grpSpPr>
+      <p:sp>
+        <p:nvSpPr>
+          <p:cNvPr id="2" name="Titre 1"/>
+          <p:cNvSpPr>
+            <a:spLocks noGrp="1"/>
+          </p:cNvSpPr>
+          <p:nvPr>
+            <p:ph type="title"/>
+          </p:nvPr>
+        </p:nvSpPr>
+        <p:spPr/>
+        <p:txBody>
+          <a:bodyPr/>
+          <a:lstStyle/>
+          <a:p>
+            <a:r>
+              <a:rPr lang="fr-FR" dirty="0" smtClean="0"/>
+              <a:t>Constantes</a:t>
+            </a:r>
+            <a:endParaRPr lang="fr-FR" dirty="0"/>
+          </a:p>
+        </p:txBody>
+      </p:sp>
+      <p:sp>
+        <p:nvSpPr>
+          <p:cNvPr id="6" name="Espace réservé du contenu 2"/>
+          <p:cNvSpPr>
+            <a:spLocks noGrp="1"/>
+          </p:cNvSpPr>
+          <p:nvPr>
+            <p:ph idx="1"/>
+          </p:nvPr>
+        </p:nvSpPr>
+        <p:spPr>
+          <a:xfrm>
+            <a:off x="1984913" y="1516952"/>
+            <a:ext cx="4431790" cy="3777622"/>
+          </a:xfrm>
+        </p:spPr>
+        <p:txBody>
+          <a:bodyPr anchor="ctr">
+            <a:normAutofit/>
+          </a:bodyPr>
+          <a:lstStyle/>
+          <a:p>
+            <a:r>
+              <a:rPr lang="fr-FR" dirty="0" smtClean="0"/>
+              <a:t>Go supporte les constantes</a:t>
+            </a:r>
+          </a:p>
+          <a:p>
+            <a:r>
+              <a:rPr lang="fr-FR" b="1" i="1" dirty="0" smtClean="0">
+                <a:solidFill>
+                  <a:schemeClr val="accent6"/>
+                </a:solidFill>
+              </a:rPr>
+              <a:t>const</a:t>
+            </a:r>
+            <a:r>
+              <a:rPr lang="fr-FR" dirty="0" smtClean="0">
+                <a:solidFill>
+                  <a:schemeClr val="accent6"/>
+                </a:solidFill>
+              </a:rPr>
+              <a:t> </a:t>
+            </a:r>
+            <a:r>
+              <a:rPr lang="fr-FR" dirty="0" smtClean="0"/>
+              <a:t>remplace </a:t>
+            </a:r>
+            <a:r>
+              <a:rPr lang="fr-FR" b="1" i="1" dirty="0" smtClean="0">
+                <a:solidFill>
+                  <a:schemeClr val="accent6"/>
+                </a:solidFill>
+              </a:rPr>
+              <a:t>var</a:t>
+            </a:r>
+            <a:endParaRPr lang="fr-FR" b="1" i="1" dirty="0" smtClean="0">
+              <a:solidFill>
+                <a:schemeClr val="accent6"/>
+              </a:solidFill>
+            </a:endParaRPr>
+          </a:p>
+          <a:p>
+            <a:r>
+              <a:rPr lang="fr-FR" dirty="0" smtClean="0">
+                <a:solidFill>
+                  <a:schemeClr val="tx1"/>
+                </a:solidFill>
+              </a:rPr>
+              <a:t>Variables ne pouvant être modifiées après leur création</a:t>
+            </a:r>
+            <a:endParaRPr lang="fr-FR" dirty="0" smtClean="0">
+              <a:solidFill>
+                <a:schemeClr val="tx1"/>
+              </a:solidFill>
+            </a:endParaRPr>
+          </a:p>
+          <a:p>
+            <a:r>
+              <a:rPr lang="fr-FR" dirty="0" smtClean="0">
+                <a:solidFill>
+                  <a:schemeClr val="tx1"/>
+                </a:solidFill>
+              </a:rPr>
+              <a:t>La ligne 13 provoque une erreur à la compilation</a:t>
+            </a:r>
+            <a:endParaRPr lang="fr-FR" dirty="0">
+              <a:solidFill>
+                <a:schemeClr val="tx1"/>
+              </a:solidFill>
+            </a:endParaRPr>
+          </a:p>
+        </p:txBody>
+      </p:sp>
+      <p:pic>
+        <p:nvPicPr>
+          <p:cNvPr id="3" name="Image 2"/>
+          <p:cNvPicPr>
+            <a:picLocks noChangeAspect="1"/>
+          </p:cNvPicPr>
+          <p:nvPr/>
+        </p:nvPicPr>
+        <p:blipFill>
+          <a:blip r:embed="rId2"/>
+          <a:stretch>
+            <a:fillRect/>
+          </a:stretch>
+        </p:blipFill>
+        <p:spPr>
+          <a:xfrm>
+            <a:off x="6628612" y="1516952"/>
+            <a:ext cx="5343525" cy="3524250"/>
+          </a:xfrm>
+          <a:prstGeom prst="rect">
+            <a:avLst/>
+          </a:prstGeom>
+        </p:spPr>
+      </p:pic>
+      <p:pic>
+        <p:nvPicPr>
+          <p:cNvPr id="4" name="Image 3"/>
+          <p:cNvPicPr>
+            <a:picLocks noChangeAspect="1"/>
+          </p:cNvPicPr>
+          <p:nvPr/>
+        </p:nvPicPr>
+        <p:blipFill>
+          <a:blip r:embed="rId3"/>
+          <a:stretch>
+            <a:fillRect/>
+          </a:stretch>
+        </p:blipFill>
+        <p:spPr>
+          <a:xfrm>
+            <a:off x="4200808" y="5382039"/>
+            <a:ext cx="6096000" cy="304800"/>
+          </a:xfrm>
+          <a:prstGeom prst="rect">
+            <a:avLst/>
+          </a:prstGeom>
+        </p:spPr>
+      </p:pic>
+    </p:spTree>
+    <p:extLst>
+      <p:ext uri="{BB962C8B-B14F-4D97-AF65-F5344CB8AC3E}">
+        <p14:creationId xmlns:p14="http://schemas.microsoft.com/office/powerpoint/2010/main" val="3935992920"/>
+      </p:ext>
+    </p:extLst>
+  </p:cSld>
+  <p:clrMapOvr>
+    <a:masterClrMapping/>
+  </p:clrMapOvr>
+  <p:timing>
+    <p:tnLst>
+      <p:par>
+        <p:cTn id="1" dur="indefinite" restart="never" nodeType="tmRoot"/>
+      </p:par>
+    </p:tnLst>
+  </p:timing>
+</p:sld>
+</file>
+
+<file path=ppt/slides/slide29.xml><?xml version="1.0" encoding="utf-8"?>
 <p:sld xmlns:a="http://schemas.openxmlformats.org/drawingml/2006/main" xmlns:r="http://schemas.openxmlformats.org/officeDocument/2006/relationships" xmlns:p="http://schemas.openxmlformats.org/presentationml/2006/main">
   <p:cSld>
     <p:spTree>

--- a/documentations/learning-go.pptx
+++ b/documentations/learning-go.pptx
@@ -5,7 +5,7 @@
     <p:sldMasterId id="2147483648" r:id="rId1"/>
   </p:sldMasterIdLst>
   <p:notesMasterIdLst>
-    <p:notesMasterId r:id="rId31"/>
+    <p:notesMasterId r:id="rId32"/>
   </p:notesMasterIdLst>
   <p:sldIdLst>
     <p:sldId id="256" r:id="rId2"/>
@@ -36,7 +36,8 @@
     <p:sldId id="262" r:id="rId27"/>
     <p:sldId id="283" r:id="rId28"/>
     <p:sldId id="284" r:id="rId29"/>
-    <p:sldId id="267" r:id="rId30"/>
+    <p:sldId id="285" r:id="rId30"/>
+    <p:sldId id="267" r:id="rId31"/>
   </p:sldIdLst>
   <p:sldSz cx="12192000" cy="6858000"/>
   <p:notesSz cx="6858000" cy="9144000"/>
@@ -11285,15 +11286,7 @@
                   <a:schemeClr val="accent6"/>
                 </a:solidFill>
               </a:rPr>
-              <a:t>main</a:t>
-            </a:r>
-            <a:r>
-              <a:rPr lang="fr-FR" b="1" i="1" dirty="0" smtClean="0">
-                <a:solidFill>
-                  <a:schemeClr val="accent6"/>
-                </a:solidFill>
-              </a:rPr>
-              <a:t>()</a:t>
+              <a:t>main()</a:t>
             </a:r>
             <a:endParaRPr lang="fr-FR" b="1" i="1" dirty="0">
               <a:solidFill>
@@ -11467,11 +11460,6 @@
               </a:rPr>
               <a:t>var</a:t>
             </a:r>
-            <a:endParaRPr lang="fr-FR" b="1" i="1" dirty="0" smtClean="0">
-              <a:solidFill>
-                <a:schemeClr val="accent6"/>
-              </a:solidFill>
-            </a:endParaRPr>
           </a:p>
           <a:p>
             <a:r>
@@ -11482,11 +11470,6 @@
               </a:rPr>
               <a:t>Variables ne pouvant être modifiées après leur création</a:t>
             </a:r>
-            <a:endParaRPr lang="fr-FR" dirty="0" smtClean="0">
-              <a:solidFill>
-                <a:schemeClr val="tx1"/>
-              </a:solidFill>
-            </a:endParaRPr>
           </a:p>
           <a:p>
             <a:r>
@@ -11607,7 +11590,7 @@
           <a:p>
             <a:r>
               <a:rPr lang="fr-FR" dirty="0" smtClean="0"/>
-              <a:t>Références</a:t>
+              <a:t>Les fonctions "Print"…</a:t>
             </a:r>
             <a:endParaRPr lang="fr-FR" dirty="0"/>
           </a:p>
@@ -11623,61 +11606,118 @@
             <p:ph idx="1"/>
           </p:nvPr>
         </p:nvSpPr>
-        <p:spPr/>
+        <p:spPr>
+          <a:xfrm>
+            <a:off x="1483981" y="2231952"/>
+            <a:ext cx="4574913" cy="3777622"/>
+          </a:xfrm>
+        </p:spPr>
         <p:txBody>
           <a:bodyPr anchor="ctr"/>
           <a:lstStyle/>
           <a:p>
             <a:r>
-              <a:rPr lang="fr-FR" dirty="0" smtClean="0"/>
-              <a:t>Golang Project : https</a:t>
-            </a:r>
-            <a:r>
-              <a:rPr lang="fr-FR" dirty="0"/>
-              <a:t>://golang.org</a:t>
-            </a:r>
-            <a:r>
-              <a:rPr lang="fr-FR" dirty="0" smtClean="0"/>
-              <a:t>/</a:t>
-            </a:r>
-          </a:p>
-          <a:p>
-            <a:r>
-              <a:rPr lang="fr-FR" dirty="0" smtClean="0"/>
-              <a:t>Didier Gérard : https</a:t>
-            </a:r>
-            <a:r>
-              <a:rPr lang="fr-FR" dirty="0"/>
-              <a:t>://lemag.sfeir.com/pourquoi-golang/</a:t>
-            </a:r>
-          </a:p>
-          <a:p>
-            <a:r>
-              <a:rPr lang="fr-FR" dirty="0" smtClean="0"/>
-              <a:t>Wikipédia : </a:t>
-            </a:r>
-            <a:r>
-              <a:rPr lang="fr-FR" dirty="0"/>
-              <a:t>https://fr.wikipedia.org/wiki/Go_(langage</a:t>
-            </a:r>
-            <a:r>
-              <a:rPr lang="fr-FR" dirty="0" smtClean="0"/>
-              <a:t>)</a:t>
-            </a:r>
-          </a:p>
-          <a:p>
-            <a:r>
-              <a:rPr lang="fr-FR" dirty="0" smtClean="0"/>
-              <a:t>The Go Programming Language : Donovan, Kernigan</a:t>
-            </a:r>
-            <a:endParaRPr lang="fr-FR" dirty="0"/>
-          </a:p>
-        </p:txBody>
-      </p:sp>
+              <a:rPr lang="fr-FR" b="1" i="1" dirty="0" smtClean="0">
+                <a:solidFill>
+                  <a:schemeClr val="accent6"/>
+                </a:solidFill>
+              </a:rPr>
+              <a:t>fmt.Print(…)</a:t>
+            </a:r>
+            <a:r>
+              <a:rPr lang="fr-FR" dirty="0" smtClean="0">
+                <a:solidFill>
+                  <a:schemeClr val="tx1"/>
+                </a:solidFill>
+              </a:rPr>
+              <a:t> affiche vers la console sans caractère fin de ligne</a:t>
+            </a:r>
+          </a:p>
+          <a:p>
+            <a:r>
+              <a:rPr lang="fr-FR" b="1" i="1" dirty="0" smtClean="0">
+                <a:solidFill>
+                  <a:schemeClr val="accent6"/>
+                </a:solidFill>
+              </a:rPr>
+              <a:t>fmt.Println(…)</a:t>
+            </a:r>
+            <a:r>
+              <a:rPr lang="fr-FR" dirty="0" smtClean="0">
+                <a:solidFill>
+                  <a:schemeClr val="tx1"/>
+                </a:solidFill>
+              </a:rPr>
+              <a:t> affiche vers la console et ajoute un caractère fin de ligne</a:t>
+            </a:r>
+          </a:p>
+          <a:p>
+            <a:r>
+              <a:rPr lang="fr-FR" b="1" i="1" dirty="0" smtClean="0">
+                <a:solidFill>
+                  <a:schemeClr val="accent6"/>
+                </a:solidFill>
+              </a:rPr>
+              <a:t>fmt.Printf(…)</a:t>
+            </a:r>
+            <a:r>
+              <a:rPr lang="fr-FR" dirty="0" smtClean="0">
+                <a:solidFill>
+                  <a:schemeClr val="tx1"/>
+                </a:solidFill>
+              </a:rPr>
+              <a:t> affiche vers la console, sans caractère fin de ligne et accepte une chaine de format</a:t>
+            </a:r>
+            <a:endParaRPr lang="fr-FR" b="1" i="1" dirty="0" smtClean="0">
+              <a:solidFill>
+                <a:schemeClr val="accent6"/>
+              </a:solidFill>
+            </a:endParaRPr>
+          </a:p>
+          <a:p>
+            <a:endParaRPr lang="fr-FR" b="1" i="1" dirty="0">
+              <a:solidFill>
+                <a:schemeClr val="accent6"/>
+              </a:solidFill>
+            </a:endParaRPr>
+          </a:p>
+          <a:p>
+            <a:endParaRPr lang="fr-FR" b="1" i="1" dirty="0">
+              <a:solidFill>
+                <a:schemeClr val="accent6"/>
+              </a:solidFill>
+            </a:endParaRPr>
+          </a:p>
+        </p:txBody>
+      </p:sp>
+      <p:pic>
+        <p:nvPicPr>
+          <p:cNvPr id="4" name="Image 3"/>
+          <p:cNvPicPr>
+            <a:picLocks noChangeAspect="1"/>
+          </p:cNvPicPr>
+          <p:nvPr/>
+        </p:nvPicPr>
+        <p:blipFill>
+          <a:blip r:embed="rId2"/>
+          <a:stretch>
+            <a:fillRect/>
+          </a:stretch>
+        </p:blipFill>
+        <p:spPr>
+          <a:xfrm>
+            <a:off x="6364854" y="1577588"/>
+            <a:ext cx="5600700" cy="5086350"/>
+          </a:xfrm>
+          <a:prstGeom prst="rect">
+            <a:avLst/>
+          </a:prstGeom>
+        </p:spPr>
+      </p:pic>
     </p:spTree>
     <p:extLst>
       <p:ext uri="{BB962C8B-B14F-4D97-AF65-F5344CB8AC3E}">
-        <p14:creationId xmlns:p14="http://schemas.microsoft.com/office/powerpoint/2010/main" val="2478443664"/>
+        <p14:creationId xmlns:p14="http://schemas.microsoft.com/office/powerpoint/2010/main" val="837286235"/>
       </p:ext>
     </p:extLst>
   </p:cSld>
@@ -11844,6 +11884,127 @@
     <p:extLst>
       <p:ext uri="{BB962C8B-B14F-4D97-AF65-F5344CB8AC3E}">
         <p14:creationId xmlns:p14="http://schemas.microsoft.com/office/powerpoint/2010/main" val="811916232"/>
+      </p:ext>
+    </p:extLst>
+  </p:cSld>
+  <p:clrMapOvr>
+    <a:masterClrMapping/>
+  </p:clrMapOvr>
+  <p:timing>
+    <p:tnLst>
+      <p:par>
+        <p:cTn id="1" dur="indefinite" restart="never" nodeType="tmRoot"/>
+      </p:par>
+    </p:tnLst>
+  </p:timing>
+</p:sld>
+</file>
+
+<file path=ppt/slides/slide30.xml><?xml version="1.0" encoding="utf-8"?>
+<p:sld xmlns:a="http://schemas.openxmlformats.org/drawingml/2006/main" xmlns:r="http://schemas.openxmlformats.org/officeDocument/2006/relationships" xmlns:p="http://schemas.openxmlformats.org/presentationml/2006/main">
+  <p:cSld>
+    <p:spTree>
+      <p:nvGrpSpPr>
+        <p:cNvPr id="1" name=""/>
+        <p:cNvGrpSpPr/>
+        <p:nvPr/>
+      </p:nvGrpSpPr>
+      <p:grpSpPr>
+        <a:xfrm>
+          <a:off x="0" y="0"/>
+          <a:ext cx="0" cy="0"/>
+          <a:chOff x="0" y="0"/>
+          <a:chExt cx="0" cy="0"/>
+        </a:xfrm>
+      </p:grpSpPr>
+      <p:sp>
+        <p:nvSpPr>
+          <p:cNvPr id="2" name="Titre 1"/>
+          <p:cNvSpPr>
+            <a:spLocks noGrp="1"/>
+          </p:cNvSpPr>
+          <p:nvPr>
+            <p:ph type="title"/>
+          </p:nvPr>
+        </p:nvSpPr>
+        <p:spPr/>
+        <p:txBody>
+          <a:bodyPr/>
+          <a:lstStyle/>
+          <a:p>
+            <a:r>
+              <a:rPr lang="fr-FR" dirty="0" smtClean="0"/>
+              <a:t>Références</a:t>
+            </a:r>
+            <a:endParaRPr lang="fr-FR" dirty="0"/>
+          </a:p>
+        </p:txBody>
+      </p:sp>
+      <p:sp>
+        <p:nvSpPr>
+          <p:cNvPr id="3" name="Espace réservé du contenu 2"/>
+          <p:cNvSpPr>
+            <a:spLocks noGrp="1"/>
+          </p:cNvSpPr>
+          <p:nvPr>
+            <p:ph idx="1"/>
+          </p:nvPr>
+        </p:nvSpPr>
+        <p:spPr/>
+        <p:txBody>
+          <a:bodyPr anchor="ctr"/>
+          <a:lstStyle/>
+          <a:p>
+            <a:r>
+              <a:rPr lang="fr-FR" dirty="0" smtClean="0"/>
+              <a:t>Golang Project : https</a:t>
+            </a:r>
+            <a:r>
+              <a:rPr lang="fr-FR" dirty="0"/>
+              <a:t>://golang.org</a:t>
+            </a:r>
+            <a:r>
+              <a:rPr lang="fr-FR" dirty="0" smtClean="0"/>
+              <a:t>/</a:t>
+            </a:r>
+          </a:p>
+          <a:p>
+            <a:r>
+              <a:rPr lang="fr-FR" dirty="0" smtClean="0"/>
+              <a:t>Didier Gérard : https</a:t>
+            </a:r>
+            <a:r>
+              <a:rPr lang="fr-FR" dirty="0"/>
+              <a:t>://lemag.sfeir.com/pourquoi-golang/</a:t>
+            </a:r>
+          </a:p>
+          <a:p>
+            <a:r>
+              <a:rPr lang="fr-FR" dirty="0" smtClean="0"/>
+              <a:t>Wikipédia : </a:t>
+            </a:r>
+            <a:r>
+              <a:rPr lang="fr-FR" dirty="0"/>
+              <a:t>https://fr.wikipedia.org/wiki/Go_(langage</a:t>
+            </a:r>
+            <a:r>
+              <a:rPr lang="fr-FR" dirty="0" smtClean="0"/>
+              <a:t>)</a:t>
+            </a:r>
+          </a:p>
+          <a:p>
+            <a:r>
+              <a:rPr lang="fr-FR" dirty="0" smtClean="0"/>
+              <a:t>The Go Programming Language : Donovan, Kernigan</a:t>
+            </a:r>
+            <a:endParaRPr lang="fr-FR" dirty="0"/>
+          </a:p>
+        </p:txBody>
+      </p:sp>
+    </p:spTree>
+    <p:extLst>
+      <p:ext uri="{BB962C8B-B14F-4D97-AF65-F5344CB8AC3E}">
+        <p14:creationId xmlns:p14="http://schemas.microsoft.com/office/powerpoint/2010/main" val="2478443664"/>
       </p:ext>
     </p:extLst>
   </p:cSld>

--- a/documentations/learning-go.pptx
+++ b/documentations/learning-go.pptx
@@ -11666,9 +11666,27 @@
                   <a:schemeClr val="tx1"/>
                 </a:solidFill>
               </a:rPr>
-              <a:t> affiche vers la console, sans caractère fin de ligne et accepte une chaine de format</a:t>
-            </a:r>
-            <a:endParaRPr lang="fr-FR" b="1" i="1" dirty="0" smtClean="0">
+              <a:t> affiche vers la console, sans caractère fin de ligne et accepte une chaine de </a:t>
+            </a:r>
+            <a:r>
+              <a:rPr lang="fr-FR" dirty="0" smtClean="0">
+                <a:solidFill>
+                  <a:schemeClr val="tx1"/>
+                </a:solidFill>
+              </a:rPr>
+              <a:t>format</a:t>
+            </a:r>
+          </a:p>
+          <a:p>
+            <a:r>
+              <a:rPr lang="fr-FR" dirty="0" smtClean="0">
+                <a:solidFill>
+                  <a:schemeClr val="tx1"/>
+                </a:solidFill>
+              </a:rPr>
+              <a:t>Ces fonctions retournent le nombre d'octets écrits et un code d'erreur</a:t>
+            </a:r>
+            <a:endParaRPr lang="fr-FR" dirty="0" smtClean="0">
               <a:solidFill>
                 <a:schemeClr val="accent6"/>
               </a:solidFill>
@@ -11692,7 +11710,7 @@
       </p:sp>
       <p:pic>
         <p:nvPicPr>
-          <p:cNvPr id="4" name="Image 3"/>
+          <p:cNvPr id="5" name="Image 4"/>
           <p:cNvPicPr>
             <a:picLocks noChangeAspect="1"/>
           </p:cNvPicPr>
@@ -11706,8 +11724,8 @@
         </p:blipFill>
         <p:spPr>
           <a:xfrm>
-            <a:off x="6364854" y="1577588"/>
-            <a:ext cx="5600700" cy="5086350"/>
+            <a:off x="6264257" y="1516296"/>
+            <a:ext cx="5620209" cy="4493278"/>
           </a:xfrm>
           <a:prstGeom prst="rect">
             <a:avLst/>

--- a/documentations/learning-go.pptx
+++ b/documentations/learning-go.pptx
@@ -5,7 +5,7 @@
     <p:sldMasterId id="2147483648" r:id="rId1"/>
   </p:sldMasterIdLst>
   <p:notesMasterIdLst>
-    <p:notesMasterId r:id="rId32"/>
+    <p:notesMasterId r:id="rId33"/>
   </p:notesMasterIdLst>
   <p:sldIdLst>
     <p:sldId id="256" r:id="rId2"/>
@@ -37,7 +37,8 @@
     <p:sldId id="283" r:id="rId28"/>
     <p:sldId id="284" r:id="rId29"/>
     <p:sldId id="285" r:id="rId30"/>
-    <p:sldId id="267" r:id="rId31"/>
+    <p:sldId id="286" r:id="rId31"/>
+    <p:sldId id="267" r:id="rId32"/>
   </p:sldIdLst>
   <p:sldSz cx="12192000" cy="6858000"/>
   <p:notesSz cx="6858000" cy="9144000"/>
@@ -11692,20 +11693,6 @@
               </a:solidFill>
             </a:endParaRPr>
           </a:p>
-          <a:p>
-            <a:endParaRPr lang="fr-FR" b="1" i="1" dirty="0">
-              <a:solidFill>
-                <a:schemeClr val="accent6"/>
-              </a:solidFill>
-            </a:endParaRPr>
-          </a:p>
-          <a:p>
-            <a:endParaRPr lang="fr-FR" b="1" i="1" dirty="0">
-              <a:solidFill>
-                <a:schemeClr val="accent6"/>
-              </a:solidFill>
-            </a:endParaRPr>
-          </a:p>
         </p:txBody>
       </p:sp>
       <p:pic>
@@ -11919,6 +11906,211 @@
 </file>
 
 <file path=ppt/slides/slide30.xml><?xml version="1.0" encoding="utf-8"?>
+<p:sld xmlns:a="http://schemas.openxmlformats.org/drawingml/2006/main" xmlns:r="http://schemas.openxmlformats.org/officeDocument/2006/relationships" xmlns:p="http://schemas.openxmlformats.org/presentationml/2006/main">
+  <p:cSld>
+    <p:spTree>
+      <p:nvGrpSpPr>
+        <p:cNvPr id="1" name=""/>
+        <p:cNvGrpSpPr/>
+        <p:nvPr/>
+      </p:nvGrpSpPr>
+      <p:grpSpPr>
+        <a:xfrm>
+          <a:off x="0" y="0"/>
+          <a:ext cx="0" cy="0"/>
+          <a:chOff x="0" y="0"/>
+          <a:chExt cx="0" cy="0"/>
+        </a:xfrm>
+      </p:grpSpPr>
+      <p:sp>
+        <p:nvSpPr>
+          <p:cNvPr id="2" name="Titre 1"/>
+          <p:cNvSpPr>
+            <a:spLocks noGrp="1"/>
+          </p:cNvSpPr>
+          <p:nvPr>
+            <p:ph type="title"/>
+          </p:nvPr>
+        </p:nvSpPr>
+        <p:spPr/>
+        <p:txBody>
+          <a:bodyPr/>
+          <a:lstStyle/>
+          <a:p>
+            <a:r>
+              <a:rPr lang="fr-FR" dirty="0" smtClean="0"/>
+              <a:t>Les fonctions </a:t>
+            </a:r>
+            <a:r>
+              <a:rPr lang="fr-FR" dirty="0" smtClean="0"/>
+              <a:t>"Sprint</a:t>
+            </a:r>
+            <a:r>
+              <a:rPr lang="fr-FR" dirty="0" smtClean="0"/>
+              <a:t>"…</a:t>
+            </a:r>
+            <a:endParaRPr lang="fr-FR" dirty="0"/>
+          </a:p>
+        </p:txBody>
+      </p:sp>
+      <p:sp>
+        <p:nvSpPr>
+          <p:cNvPr id="3" name="Espace réservé du contenu 2"/>
+          <p:cNvSpPr>
+            <a:spLocks noGrp="1"/>
+          </p:cNvSpPr>
+          <p:nvPr>
+            <p:ph idx="1"/>
+          </p:nvPr>
+        </p:nvSpPr>
+        <p:spPr>
+          <a:xfrm>
+            <a:off x="1483981" y="2231952"/>
+            <a:ext cx="4574913" cy="3777622"/>
+          </a:xfrm>
+        </p:spPr>
+        <p:txBody>
+          <a:bodyPr anchor="ctr"/>
+          <a:lstStyle/>
+          <a:p>
+            <a:r>
+              <a:rPr lang="fr-FR" b="1" i="1" dirty="0" smtClean="0">
+                <a:solidFill>
+                  <a:schemeClr val="accent6"/>
+                </a:solidFill>
+              </a:rPr>
+              <a:t>fmt.Sprint</a:t>
+            </a:r>
+            <a:r>
+              <a:rPr lang="fr-FR" b="1" i="1" dirty="0" smtClean="0">
+                <a:solidFill>
+                  <a:schemeClr val="accent6"/>
+                </a:solidFill>
+              </a:rPr>
+              <a:t>(…)</a:t>
+            </a:r>
+            <a:r>
+              <a:rPr lang="fr-FR" dirty="0" smtClean="0">
+                <a:solidFill>
+                  <a:schemeClr val="tx1"/>
+                </a:solidFill>
+              </a:rPr>
+              <a:t> </a:t>
+            </a:r>
+            <a:endParaRPr lang="fr-FR" dirty="0" smtClean="0">
+              <a:solidFill>
+                <a:schemeClr val="tx1"/>
+              </a:solidFill>
+            </a:endParaRPr>
+          </a:p>
+          <a:p>
+            <a:r>
+              <a:rPr lang="fr-FR" b="1" i="1" dirty="0" smtClean="0">
+                <a:solidFill>
+                  <a:schemeClr val="accent6"/>
+                </a:solidFill>
+              </a:rPr>
+              <a:t>fmt.Sprintln(…)</a:t>
+            </a:r>
+            <a:endParaRPr lang="fr-FR" dirty="0" smtClean="0">
+              <a:solidFill>
+                <a:schemeClr val="tx1"/>
+              </a:solidFill>
+            </a:endParaRPr>
+          </a:p>
+          <a:p>
+            <a:r>
+              <a:rPr lang="fr-FR" b="1" i="1" dirty="0" smtClean="0">
+                <a:solidFill>
+                  <a:schemeClr val="accent6"/>
+                </a:solidFill>
+              </a:rPr>
+              <a:t>fmt.Sprintf</a:t>
+            </a:r>
+            <a:r>
+              <a:rPr lang="fr-FR" b="1" i="1" dirty="0" smtClean="0">
+                <a:solidFill>
+                  <a:schemeClr val="accent6"/>
+                </a:solidFill>
+              </a:rPr>
+              <a:t>(…)</a:t>
+            </a:r>
+            <a:r>
+              <a:rPr lang="fr-FR" dirty="0" smtClean="0">
+                <a:solidFill>
+                  <a:schemeClr val="tx1"/>
+                </a:solidFill>
+              </a:rPr>
+              <a:t> </a:t>
+            </a:r>
+            <a:endParaRPr lang="fr-FR" dirty="0" smtClean="0">
+              <a:solidFill>
+                <a:schemeClr val="tx1"/>
+              </a:solidFill>
+            </a:endParaRPr>
+          </a:p>
+          <a:p>
+            <a:r>
+              <a:rPr lang="fr-FR" dirty="0" smtClean="0">
+                <a:solidFill>
+                  <a:schemeClr val="tx1"/>
+                </a:solidFill>
+              </a:rPr>
+              <a:t>Ces fonctions retournent une chaine de caractères</a:t>
+            </a:r>
+            <a:endParaRPr lang="fr-FR" dirty="0" smtClean="0">
+              <a:solidFill>
+                <a:schemeClr val="accent6"/>
+              </a:solidFill>
+            </a:endParaRPr>
+          </a:p>
+        </p:txBody>
+      </p:sp>
+      <p:pic>
+        <p:nvPicPr>
+          <p:cNvPr id="4" name="Image 3"/>
+          <p:cNvPicPr>
+            <a:picLocks noChangeAspect="1"/>
+          </p:cNvPicPr>
+          <p:nvPr/>
+        </p:nvPicPr>
+        <p:blipFill>
+          <a:blip r:embed="rId2"/>
+          <a:stretch>
+            <a:fillRect/>
+          </a:stretch>
+        </p:blipFill>
+        <p:spPr>
+          <a:xfrm>
+            <a:off x="6719526" y="1550505"/>
+            <a:ext cx="5323429" cy="4898209"/>
+          </a:xfrm>
+          <a:prstGeom prst="rect">
+            <a:avLst/>
+          </a:prstGeom>
+        </p:spPr>
+      </p:pic>
+    </p:spTree>
+    <p:extLst>
+      <p:ext uri="{BB962C8B-B14F-4D97-AF65-F5344CB8AC3E}">
+        <p14:creationId xmlns:p14="http://schemas.microsoft.com/office/powerpoint/2010/main" val="3647146745"/>
+      </p:ext>
+    </p:extLst>
+  </p:cSld>
+  <p:clrMapOvr>
+    <a:masterClrMapping/>
+  </p:clrMapOvr>
+  <p:timing>
+    <p:tnLst>
+      <p:par>
+        <p:cTn id="1" dur="indefinite" restart="never" nodeType="tmRoot"/>
+      </p:par>
+    </p:tnLst>
+  </p:timing>
+</p:sld>
+</file>
+
+<file path=ppt/slides/slide31.xml><?xml version="1.0" encoding="utf-8"?>
 <p:sld xmlns:a="http://schemas.openxmlformats.org/drawingml/2006/main" xmlns:r="http://schemas.openxmlformats.org/officeDocument/2006/relationships" xmlns:p="http://schemas.openxmlformats.org/presentationml/2006/main">
   <p:cSld>
     <p:spTree>

--- a/documentations/learning-go.pptx
+++ b/documentations/learning-go.pptx
@@ -5,7 +5,7 @@
     <p:sldMasterId id="2147483648" r:id="rId1"/>
   </p:sldMasterIdLst>
   <p:notesMasterIdLst>
-    <p:notesMasterId r:id="rId33"/>
+    <p:notesMasterId r:id="rId34"/>
   </p:notesMasterIdLst>
   <p:sldIdLst>
     <p:sldId id="256" r:id="rId2"/>
@@ -38,7 +38,8 @@
     <p:sldId id="284" r:id="rId29"/>
     <p:sldId id="285" r:id="rId30"/>
     <p:sldId id="286" r:id="rId31"/>
-    <p:sldId id="267" r:id="rId32"/>
+    <p:sldId id="287" r:id="rId32"/>
+    <p:sldId id="267" r:id="rId33"/>
   </p:sldIdLst>
   <p:sldSz cx="12192000" cy="6858000"/>
   <p:notesSz cx="6858000" cy="9144000"/>
@@ -11667,15 +11668,7 @@
                   <a:schemeClr val="tx1"/>
                 </a:solidFill>
               </a:rPr>
-              <a:t> affiche vers la console, sans caractère fin de ligne et accepte une chaine de </a:t>
-            </a:r>
-            <a:r>
-              <a:rPr lang="fr-FR" dirty="0" smtClean="0">
-                <a:solidFill>
-                  <a:schemeClr val="tx1"/>
-                </a:solidFill>
-              </a:rPr>
-              <a:t>format</a:t>
+              <a:t> affiche vers la console, sans caractère fin de ligne et accepte une chaine de format</a:t>
             </a:r>
           </a:p>
           <a:p>
@@ -11939,15 +11932,7 @@
           <a:p>
             <a:r>
               <a:rPr lang="fr-FR" dirty="0" smtClean="0"/>
-              <a:t>Les fonctions </a:t>
-            </a:r>
-            <a:r>
-              <a:rPr lang="fr-FR" dirty="0" smtClean="0"/>
-              <a:t>"Sprint</a:t>
-            </a:r>
-            <a:r>
-              <a:rPr lang="fr-FR" dirty="0" smtClean="0"/>
-              <a:t>"…</a:t>
+              <a:t>Les fonctions "Sprint"…</a:t>
             </a:r>
             <a:endParaRPr lang="fr-FR" dirty="0"/>
           </a:p>
@@ -11974,6 +11959,16 @@
           <a:lstStyle/>
           <a:p>
             <a:r>
+              <a:rPr lang="fr-FR" dirty="0" smtClean="0">
+                <a:solidFill>
+                  <a:schemeClr val="tx1"/>
+                </a:solidFill>
+              </a:rPr>
+              <a:t>Ces fonctions créent des chaines de caractères</a:t>
+            </a:r>
+          </a:p>
+          <a:p>
+            <a:r>
               <a:rPr lang="fr-FR" b="1" i="1" dirty="0" smtClean="0">
                 <a:solidFill>
                   <a:schemeClr val="accent6"/>
@@ -11997,11 +11992,6 @@
               </a:rPr>
               <a:t> </a:t>
             </a:r>
-            <a:endParaRPr lang="fr-FR" dirty="0" smtClean="0">
-              <a:solidFill>
-                <a:schemeClr val="tx1"/>
-              </a:solidFill>
-            </a:endParaRPr>
           </a:p>
           <a:p>
             <a:r>
@@ -12025,15 +12015,7 @@
                   <a:schemeClr val="accent6"/>
                 </a:solidFill>
               </a:rPr>
-              <a:t>fmt.Sprintf</a:t>
-            </a:r>
-            <a:r>
-              <a:rPr lang="fr-FR" b="1" i="1" dirty="0" smtClean="0">
-                <a:solidFill>
-                  <a:schemeClr val="accent6"/>
-                </a:solidFill>
-              </a:rPr>
-              <a:t>(…)</a:t>
+              <a:t>fmt.Sprintf(…)</a:t>
             </a:r>
             <a:r>
               <a:rPr lang="fr-FR" dirty="0" smtClean="0">
@@ -12043,11 +12025,6 @@
               </a:rPr>
               <a:t> </a:t>
             </a:r>
-            <a:endParaRPr lang="fr-FR" dirty="0" smtClean="0">
-              <a:solidFill>
-                <a:schemeClr val="tx1"/>
-              </a:solidFill>
-            </a:endParaRPr>
           </a:p>
           <a:p>
             <a:r>
@@ -12111,6 +12088,203 @@
 </file>
 
 <file path=ppt/slides/slide31.xml><?xml version="1.0" encoding="utf-8"?>
+<p:sld xmlns:a="http://schemas.openxmlformats.org/drawingml/2006/main" xmlns:r="http://schemas.openxmlformats.org/officeDocument/2006/relationships" xmlns:p="http://schemas.openxmlformats.org/presentationml/2006/main">
+  <p:cSld>
+    <p:spTree>
+      <p:nvGrpSpPr>
+        <p:cNvPr id="1" name=""/>
+        <p:cNvGrpSpPr/>
+        <p:nvPr/>
+      </p:nvGrpSpPr>
+      <p:grpSpPr>
+        <a:xfrm>
+          <a:off x="0" y="0"/>
+          <a:ext cx="0" cy="0"/>
+          <a:chOff x="0" y="0"/>
+          <a:chExt cx="0" cy="0"/>
+        </a:xfrm>
+      </p:grpSpPr>
+      <p:sp>
+        <p:nvSpPr>
+          <p:cNvPr id="2" name="Titre 1"/>
+          <p:cNvSpPr>
+            <a:spLocks noGrp="1"/>
+          </p:cNvSpPr>
+          <p:nvPr>
+            <p:ph type="title"/>
+          </p:nvPr>
+        </p:nvSpPr>
+        <p:spPr/>
+        <p:txBody>
+          <a:bodyPr/>
+          <a:lstStyle/>
+          <a:p>
+            <a:r>
+              <a:rPr lang="fr-FR" dirty="0" smtClean="0"/>
+              <a:t>Les fonctions </a:t>
+            </a:r>
+            <a:r>
+              <a:rPr lang="fr-FR" dirty="0" smtClean="0"/>
+              <a:t>"Fprint</a:t>
+            </a:r>
+            <a:r>
+              <a:rPr lang="fr-FR" dirty="0" smtClean="0"/>
+              <a:t>"…</a:t>
+            </a:r>
+            <a:endParaRPr lang="fr-FR" dirty="0"/>
+          </a:p>
+        </p:txBody>
+      </p:sp>
+      <p:sp>
+        <p:nvSpPr>
+          <p:cNvPr id="3" name="Espace réservé du contenu 2"/>
+          <p:cNvSpPr>
+            <a:spLocks noGrp="1"/>
+          </p:cNvSpPr>
+          <p:nvPr>
+            <p:ph idx="1"/>
+          </p:nvPr>
+        </p:nvSpPr>
+        <p:spPr>
+          <a:xfrm>
+            <a:off x="1483981" y="2231952"/>
+            <a:ext cx="4574913" cy="3777622"/>
+          </a:xfrm>
+        </p:spPr>
+        <p:txBody>
+          <a:bodyPr anchor="ctr"/>
+          <a:lstStyle/>
+          <a:p>
+            <a:r>
+              <a:rPr lang="fr-FR" dirty="0" smtClean="0">
+                <a:solidFill>
+                  <a:schemeClr val="tx1"/>
+                </a:solidFill>
+              </a:rPr>
+              <a:t>Ces fonctions écrivent dans des fichiers</a:t>
+            </a:r>
+          </a:p>
+          <a:p>
+            <a:r>
+              <a:rPr lang="fr-FR" b="1" i="1" dirty="0" smtClean="0">
+                <a:solidFill>
+                  <a:schemeClr val="accent6"/>
+                </a:solidFill>
+              </a:rPr>
+              <a:t>fmt.Sprint</a:t>
+            </a:r>
+            <a:r>
+              <a:rPr lang="fr-FR" b="1" i="1" dirty="0" smtClean="0">
+                <a:solidFill>
+                  <a:schemeClr val="accent6"/>
+                </a:solidFill>
+              </a:rPr>
+              <a:t>(…)</a:t>
+            </a:r>
+            <a:r>
+              <a:rPr lang="fr-FR" dirty="0" smtClean="0">
+                <a:solidFill>
+                  <a:schemeClr val="tx1"/>
+                </a:solidFill>
+              </a:rPr>
+              <a:t> </a:t>
+            </a:r>
+          </a:p>
+          <a:p>
+            <a:r>
+              <a:rPr lang="fr-FR" b="1" i="1" dirty="0" smtClean="0">
+                <a:solidFill>
+                  <a:schemeClr val="accent6"/>
+                </a:solidFill>
+              </a:rPr>
+              <a:t>fmt.Sprintln(…)</a:t>
+            </a:r>
+            <a:endParaRPr lang="fr-FR" dirty="0" smtClean="0">
+              <a:solidFill>
+                <a:schemeClr val="tx1"/>
+              </a:solidFill>
+            </a:endParaRPr>
+          </a:p>
+          <a:p>
+            <a:r>
+              <a:rPr lang="fr-FR" b="1" i="1" dirty="0" smtClean="0">
+                <a:solidFill>
+                  <a:schemeClr val="accent6"/>
+                </a:solidFill>
+              </a:rPr>
+              <a:t>fmt.Sprintf(…)</a:t>
+            </a:r>
+            <a:r>
+              <a:rPr lang="fr-FR" dirty="0" smtClean="0">
+                <a:solidFill>
+                  <a:schemeClr val="tx1"/>
+                </a:solidFill>
+              </a:rPr>
+              <a:t> </a:t>
+            </a:r>
+          </a:p>
+          <a:p>
+            <a:r>
+              <a:rPr lang="fr-FR" dirty="0">
+                <a:solidFill>
+                  <a:schemeClr val="tx1"/>
+                </a:solidFill>
+              </a:rPr>
+              <a:t>Ces fonctions retournent le nombre d'octets écrits et un code d'erreur</a:t>
+            </a:r>
+            <a:endParaRPr lang="fr-FR" dirty="0">
+              <a:solidFill>
+                <a:schemeClr val="accent6"/>
+              </a:solidFill>
+            </a:endParaRPr>
+          </a:p>
+        </p:txBody>
+      </p:sp>
+      <p:pic>
+        <p:nvPicPr>
+          <p:cNvPr id="5" name="Image 4"/>
+          <p:cNvPicPr>
+            <a:picLocks noChangeAspect="1"/>
+          </p:cNvPicPr>
+          <p:nvPr/>
+        </p:nvPicPr>
+        <p:blipFill>
+          <a:blip r:embed="rId2"/>
+          <a:stretch>
+            <a:fillRect/>
+          </a:stretch>
+        </p:blipFill>
+        <p:spPr>
+          <a:xfrm>
+            <a:off x="6895985" y="1447136"/>
+            <a:ext cx="5159558" cy="5260119"/>
+          </a:xfrm>
+          <a:prstGeom prst="rect">
+            <a:avLst/>
+          </a:prstGeom>
+        </p:spPr>
+      </p:pic>
+    </p:spTree>
+    <p:extLst>
+      <p:ext uri="{BB962C8B-B14F-4D97-AF65-F5344CB8AC3E}">
+        <p14:creationId xmlns:p14="http://schemas.microsoft.com/office/powerpoint/2010/main" val="1529132619"/>
+      </p:ext>
+    </p:extLst>
+  </p:cSld>
+  <p:clrMapOvr>
+    <a:masterClrMapping/>
+  </p:clrMapOvr>
+  <p:timing>
+    <p:tnLst>
+      <p:par>
+        <p:cTn id="1" dur="indefinite" restart="never" nodeType="tmRoot"/>
+      </p:par>
+    </p:tnLst>
+  </p:timing>
+</p:sld>
+</file>
+
+<file path=ppt/slides/slide32.xml><?xml version="1.0" encoding="utf-8"?>
 <p:sld xmlns:a="http://schemas.openxmlformats.org/drawingml/2006/main" xmlns:r="http://schemas.openxmlformats.org/officeDocument/2006/relationships" xmlns:p="http://schemas.openxmlformats.org/presentationml/2006/main">
   <p:cSld>
     <p:spTree>

--- a/documentations/learning-go.pptx
+++ b/documentations/learning-go.pptx
@@ -10536,8 +10536,41 @@
                   <a:schemeClr val="accent6"/>
                 </a:solidFill>
               </a:rPr>
-              <a:t>`Ma chaine de caractères contient des ""  et des '' `</a:t>
-            </a:r>
+              <a:t>`Ma chaine de caractères contient des ""  et des '' </a:t>
+            </a:r>
+            <a:r>
+              <a:rPr lang="fr-FR" b="1" i="1" dirty="0" smtClean="0">
+                <a:solidFill>
+                  <a:schemeClr val="accent6"/>
+                </a:solidFill>
+              </a:rPr>
+              <a:t> et </a:t>
+            </a:r>
+            <a:r>
+              <a:rPr lang="fr-FR" dirty="0"/>
+              <a:t> </a:t>
+            </a:r>
+            <a:r>
+              <a:rPr lang="fr-FR" b="1" dirty="0">
+                <a:solidFill>
+                  <a:schemeClr val="accent6"/>
+                </a:solidFill>
+              </a:rPr>
+              <a:t>↲</a:t>
+            </a:r>
+            <a:r>
+              <a:rPr lang="fr-FR" b="1" i="1" dirty="0" smtClean="0">
+                <a:solidFill>
+                  <a:schemeClr val="accent6"/>
+                </a:solidFill>
+              </a:rPr>
+              <a:t> peut contenir des retours à la ligne`</a:t>
+            </a:r>
+            <a:endParaRPr lang="fr-FR" b="1" i="1" dirty="0" smtClean="0">
+              <a:solidFill>
+                <a:schemeClr val="accent6"/>
+              </a:solidFill>
+            </a:endParaRPr>
           </a:p>
           <a:p>
             <a:r>
@@ -11974,15 +12007,7 @@
                   <a:schemeClr val="accent6"/>
                 </a:solidFill>
               </a:rPr>
-              <a:t>fmt.Sprint</a:t>
-            </a:r>
-            <a:r>
-              <a:rPr lang="fr-FR" b="1" i="1" dirty="0" smtClean="0">
-                <a:solidFill>
-                  <a:schemeClr val="accent6"/>
-                </a:solidFill>
-              </a:rPr>
-              <a:t>(…)</a:t>
+              <a:t>fmt.Sprint(…)</a:t>
             </a:r>
             <a:r>
               <a:rPr lang="fr-FR" dirty="0" smtClean="0">
@@ -12121,15 +12146,7 @@
           <a:p>
             <a:r>
               <a:rPr lang="fr-FR" dirty="0" smtClean="0"/>
-              <a:t>Les fonctions </a:t>
-            </a:r>
-            <a:r>
-              <a:rPr lang="fr-FR" dirty="0" smtClean="0"/>
-              <a:t>"Fprint</a:t>
-            </a:r>
-            <a:r>
-              <a:rPr lang="fr-FR" dirty="0" smtClean="0"/>
-              <a:t>"…</a:t>
+              <a:t>Les fonctions "Fprint"…</a:t>
             </a:r>
             <a:endParaRPr lang="fr-FR" dirty="0"/>
           </a:p>
@@ -12171,15 +12188,7 @@
                   <a:schemeClr val="accent6"/>
                 </a:solidFill>
               </a:rPr>
-              <a:t>fmt.Sprint</a:t>
-            </a:r>
-            <a:r>
-              <a:rPr lang="fr-FR" b="1" i="1" dirty="0" smtClean="0">
-                <a:solidFill>
-                  <a:schemeClr val="accent6"/>
-                </a:solidFill>
-              </a:rPr>
-              <a:t>(…)</a:t>
+              <a:t>fmt.Sprint(…)</a:t>
             </a:r>
             <a:r>
               <a:rPr lang="fr-FR" dirty="0" smtClean="0">

--- a/documentations/learning-go.pptx
+++ b/documentations/learning-go.pptx
@@ -5,7 +5,7 @@
     <p:sldMasterId id="2147483648" r:id="rId1"/>
   </p:sldMasterIdLst>
   <p:notesMasterIdLst>
-    <p:notesMasterId r:id="rId34"/>
+    <p:notesMasterId r:id="rId35"/>
   </p:notesMasterIdLst>
   <p:sldIdLst>
     <p:sldId id="256" r:id="rId2"/>
@@ -39,7 +39,8 @@
     <p:sldId id="285" r:id="rId30"/>
     <p:sldId id="286" r:id="rId31"/>
     <p:sldId id="287" r:id="rId32"/>
-    <p:sldId id="267" r:id="rId33"/>
+    <p:sldId id="288" r:id="rId33"/>
+    <p:sldId id="267" r:id="rId34"/>
   </p:sldIdLst>
   <p:sldSz cx="12192000" cy="6858000"/>
   <p:notesSz cx="6858000" cy="9144000"/>
@@ -9422,8 +9423,8 @@
         </p:blipFill>
         <p:spPr>
           <a:xfrm>
-            <a:off x="3837263" y="2219068"/>
-            <a:ext cx="5572125" cy="3414713"/>
+            <a:off x="4487712" y="2728115"/>
+            <a:ext cx="3714750" cy="2276475"/>
           </a:xfrm>
           <a:prstGeom prst="rect">
             <a:avLst/>
@@ -10332,7 +10333,11 @@
           <a:p>
             <a:pPr lvl="1"/>
             <a:r>
-              <a:rPr lang="fr-FR" dirty="0" smtClean="0"/>
+              <a:rPr lang="fr-FR" b="1" i="1" dirty="0" smtClean="0">
+                <a:solidFill>
+                  <a:schemeClr val="accent6"/>
+                </a:solidFill>
+              </a:rPr>
               <a:t>string</a:t>
             </a:r>
           </a:p>
@@ -10345,12 +10350,104 @@
           <a:p>
             <a:pPr lvl="1"/>
             <a:r>
-              <a:rPr lang="fr-FR" dirty="0"/>
+              <a:rPr lang="fr-FR" b="1" i="1" dirty="0">
+                <a:solidFill>
+                  <a:schemeClr val="accent6"/>
+                </a:solidFill>
+              </a:rPr>
               <a:t>i</a:t>
             </a:r>
             <a:r>
+              <a:rPr lang="fr-FR" b="1" i="1" dirty="0" smtClean="0">
+                <a:solidFill>
+                  <a:schemeClr val="accent6"/>
+                </a:solidFill>
+              </a:rPr>
+              <a:t>nt8</a:t>
+            </a:r>
+            <a:r>
               <a:rPr lang="fr-FR" dirty="0" smtClean="0"/>
-              <a:t>nt8, unint8, int16, uint16, int32, uint32, int64, uint64</a:t>
+              <a:t>, </a:t>
+            </a:r>
+            <a:r>
+              <a:rPr lang="fr-FR" b="1" i="1" dirty="0" smtClean="0">
+                <a:solidFill>
+                  <a:schemeClr val="accent6"/>
+                </a:solidFill>
+              </a:rPr>
+              <a:t>unint8</a:t>
+            </a:r>
+            <a:r>
+              <a:rPr lang="fr-FR" dirty="0" smtClean="0"/>
+              <a:t>, </a:t>
+            </a:r>
+            <a:r>
+              <a:rPr lang="fr-FR" b="1" i="1" dirty="0" smtClean="0">
+                <a:solidFill>
+                  <a:schemeClr val="accent6"/>
+                </a:solidFill>
+              </a:rPr>
+              <a:t>int16</a:t>
+            </a:r>
+            <a:r>
+              <a:rPr lang="fr-FR" dirty="0" smtClean="0"/>
+              <a:t>, </a:t>
+            </a:r>
+            <a:r>
+              <a:rPr lang="fr-FR" b="1" i="1" dirty="0" smtClean="0">
+                <a:solidFill>
+                  <a:schemeClr val="accent6"/>
+                </a:solidFill>
+              </a:rPr>
+              <a:t>uint16</a:t>
+            </a:r>
+            <a:r>
+              <a:rPr lang="fr-FR" dirty="0" smtClean="0"/>
+              <a:t>, </a:t>
+            </a:r>
+            <a:r>
+              <a:rPr lang="fr-FR" b="1" i="1" dirty="0" smtClean="0">
+                <a:solidFill>
+                  <a:schemeClr val="accent6"/>
+                </a:solidFill>
+              </a:rPr>
+              <a:t>int32</a:t>
+            </a:r>
+            <a:r>
+              <a:rPr lang="fr-FR" dirty="0" smtClean="0"/>
+              <a:t>, </a:t>
+            </a:r>
+            <a:r>
+              <a:rPr lang="fr-FR" b="1" i="1" dirty="0" smtClean="0">
+                <a:solidFill>
+                  <a:schemeClr val="accent6"/>
+                </a:solidFill>
+              </a:rPr>
+              <a:t>uint32</a:t>
+            </a:r>
+            <a:r>
+              <a:rPr lang="fr-FR" dirty="0" smtClean="0"/>
+              <a:t>, </a:t>
+            </a:r>
+            <a:r>
+              <a:rPr lang="fr-FR" b="1" i="1" dirty="0" smtClean="0">
+                <a:solidFill>
+                  <a:schemeClr val="accent6"/>
+                </a:solidFill>
+              </a:rPr>
+              <a:t>int64</a:t>
+            </a:r>
+            <a:r>
+              <a:rPr lang="fr-FR" dirty="0" smtClean="0"/>
+              <a:t>, </a:t>
+            </a:r>
+            <a:r>
+              <a:rPr lang="fr-FR" b="1" i="1" dirty="0" smtClean="0">
+                <a:solidFill>
+                  <a:schemeClr val="accent6"/>
+                </a:solidFill>
+              </a:rPr>
+              <a:t>uint64</a:t>
             </a:r>
           </a:p>
           <a:p>
@@ -10362,8 +10459,24 @@
           <a:p>
             <a:pPr lvl="1"/>
             <a:r>
+              <a:rPr lang="fr-FR" b="1" i="1" dirty="0" smtClean="0">
+                <a:solidFill>
+                  <a:schemeClr val="accent6"/>
+                </a:solidFill>
+              </a:rPr>
+              <a:t>float32</a:t>
+            </a:r>
+            <a:r>
               <a:rPr lang="fr-FR" dirty="0" smtClean="0"/>
-              <a:t>float32, float64</a:t>
+              <a:t>, </a:t>
+            </a:r>
+            <a:r>
+              <a:rPr lang="fr-FR" b="1" i="1" dirty="0" smtClean="0">
+                <a:solidFill>
+                  <a:schemeClr val="accent6"/>
+                </a:solidFill>
+              </a:rPr>
+              <a:t>float64</a:t>
             </a:r>
           </a:p>
           <a:p>
@@ -10375,14 +10488,22 @@
           <a:p>
             <a:pPr lvl="1"/>
             <a:r>
-              <a:rPr lang="fr-FR" dirty="0" smtClean="0"/>
+              <a:rPr lang="fr-FR" b="1" i="1" dirty="0" smtClean="0">
+                <a:solidFill>
+                  <a:schemeClr val="accent6"/>
+                </a:solidFill>
+              </a:rPr>
               <a:t>true</a:t>
             </a:r>
           </a:p>
           <a:p>
             <a:pPr lvl="1"/>
             <a:r>
-              <a:rPr lang="fr-FR" dirty="0" smtClean="0"/>
+              <a:rPr lang="fr-FR" b="1" i="1" dirty="0" smtClean="0">
+                <a:solidFill>
+                  <a:schemeClr val="accent6"/>
+                </a:solidFill>
+              </a:rPr>
               <a:t>false</a:t>
             </a:r>
           </a:p>
@@ -10395,7 +10516,11 @@
           <a:p>
             <a:pPr lvl="1"/>
             <a:r>
-              <a:rPr lang="fr-FR" dirty="0" smtClean="0"/>
+              <a:rPr lang="fr-FR" b="1" i="1" dirty="0" smtClean="0">
+                <a:solidFill>
+                  <a:schemeClr val="accent6"/>
+                </a:solidFill>
+              </a:rPr>
               <a:t>complex</a:t>
             </a:r>
           </a:p>
@@ -10536,15 +10661,7 @@
                   <a:schemeClr val="accent6"/>
                 </a:solidFill>
               </a:rPr>
-              <a:t>`Ma chaine de caractères contient des ""  et des '' </a:t>
-            </a:r>
-            <a:r>
-              <a:rPr lang="fr-FR" b="1" i="1" dirty="0" smtClean="0">
-                <a:solidFill>
-                  <a:schemeClr val="accent6"/>
-                </a:solidFill>
-              </a:rPr>
-              <a:t> et </a:t>
+              <a:t>`Ma chaine de caractères contient des ""  et des ''  et </a:t>
             </a:r>
             <a:r>
               <a:rPr lang="fr-FR" dirty="0"/>
@@ -10566,11 +10683,6 @@
               </a:rPr>
               <a:t> peut contenir des retours à la ligne`</a:t>
             </a:r>
-            <a:endParaRPr lang="fr-FR" b="1" i="1" dirty="0" smtClean="0">
-              <a:solidFill>
-                <a:schemeClr val="accent6"/>
-              </a:solidFill>
-            </a:endParaRPr>
           </a:p>
           <a:p>
             <a:r>
@@ -10704,8 +10816,8 @@
         </p:nvSpPr>
         <p:spPr>
           <a:xfrm>
-            <a:off x="2589212" y="2133600"/>
-            <a:ext cx="8915400" cy="3777622"/>
+            <a:off x="2045617" y="2133600"/>
+            <a:ext cx="4317476" cy="3777622"/>
           </a:xfrm>
         </p:spPr>
         <p:txBody>
@@ -10811,6 +10923,307 @@
                 </a:solidFill>
               </a:rPr>
               <a:t>%</a:t>
+            </a:r>
+            <a:endParaRPr lang="fr-FR" b="1" i="1" dirty="0" smtClean="0">
+              <a:solidFill>
+                <a:schemeClr val="accent6"/>
+              </a:solidFill>
+            </a:endParaRPr>
+          </a:p>
+        </p:txBody>
+      </p:sp>
+      <p:sp>
+        <p:nvSpPr>
+          <p:cNvPr id="4" name="Espace réservé du contenu 2"/>
+          <p:cNvSpPr txBox="1">
+            <a:spLocks/>
+          </p:cNvSpPr>
+          <p:nvPr/>
+        </p:nvSpPr>
+        <p:spPr>
+          <a:xfrm>
+            <a:off x="6881567" y="2136742"/>
+            <a:ext cx="4111659" cy="3777622"/>
+          </a:xfrm>
+          <a:prstGeom prst="rect">
+            <a:avLst/>
+          </a:prstGeom>
+        </p:spPr>
+        <p:txBody>
+          <a:bodyPr vert="horz" lIns="91440" tIns="45720" rIns="91440" bIns="45720" rtlCol="0">
+            <a:normAutofit/>
+          </a:bodyPr>
+          <a:lstStyle>
+            <a:lvl1pPr marL="342900" indent="-342900" algn="l" defTabSz="457200" rtl="0" eaLnBrk="1" latinLnBrk="0" hangingPunct="1">
+              <a:spcBef>
+                <a:spcPts val="1000"/>
+              </a:spcBef>
+              <a:spcAft>
+                <a:spcPts val="0"/>
+              </a:spcAft>
+              <a:buClr>
+                <a:schemeClr val="accent1"/>
+              </a:buClr>
+              <a:buFont typeface="Wingdings 3" charset="2"/>
+              <a:buChar char=""/>
+              <a:defRPr sz="1800" kern="1200">
+                <a:solidFill>
+                  <a:schemeClr val="tx1">
+                    <a:lumMod val="75000"/>
+                    <a:lumOff val="25000"/>
+                  </a:schemeClr>
+                </a:solidFill>
+                <a:latin typeface="+mn-lt"/>
+                <a:ea typeface="+mn-ea"/>
+                <a:cs typeface="+mn-cs"/>
+              </a:defRPr>
+            </a:lvl1pPr>
+            <a:lvl2pPr marL="742950" indent="-285750" algn="l" defTabSz="457200" rtl="0" eaLnBrk="1" latinLnBrk="0" hangingPunct="1">
+              <a:spcBef>
+                <a:spcPts val="1000"/>
+              </a:spcBef>
+              <a:spcAft>
+                <a:spcPts val="0"/>
+              </a:spcAft>
+              <a:buClr>
+                <a:schemeClr val="accent1"/>
+              </a:buClr>
+              <a:buFont typeface="Wingdings 3" charset="2"/>
+              <a:buChar char=""/>
+              <a:defRPr sz="1600" kern="1200">
+                <a:solidFill>
+                  <a:schemeClr val="tx1">
+                    <a:lumMod val="75000"/>
+                    <a:lumOff val="25000"/>
+                  </a:schemeClr>
+                </a:solidFill>
+                <a:latin typeface="+mn-lt"/>
+                <a:ea typeface="+mn-ea"/>
+                <a:cs typeface="+mn-cs"/>
+              </a:defRPr>
+            </a:lvl2pPr>
+            <a:lvl3pPr marL="1143000" indent="-228600" algn="l" defTabSz="457200" rtl="0" eaLnBrk="1" latinLnBrk="0" hangingPunct="1">
+              <a:spcBef>
+                <a:spcPts val="1000"/>
+              </a:spcBef>
+              <a:spcAft>
+                <a:spcPts val="0"/>
+              </a:spcAft>
+              <a:buClr>
+                <a:schemeClr val="accent1"/>
+              </a:buClr>
+              <a:buFont typeface="Wingdings 3" charset="2"/>
+              <a:buChar char=""/>
+              <a:defRPr sz="1400" kern="1200">
+                <a:solidFill>
+                  <a:schemeClr val="tx1">
+                    <a:lumMod val="75000"/>
+                    <a:lumOff val="25000"/>
+                  </a:schemeClr>
+                </a:solidFill>
+                <a:latin typeface="+mn-lt"/>
+                <a:ea typeface="+mn-ea"/>
+                <a:cs typeface="+mn-cs"/>
+              </a:defRPr>
+            </a:lvl3pPr>
+            <a:lvl4pPr marL="1600200" indent="-228600" algn="l" defTabSz="457200" rtl="0" eaLnBrk="1" latinLnBrk="0" hangingPunct="1">
+              <a:spcBef>
+                <a:spcPts val="1000"/>
+              </a:spcBef>
+              <a:spcAft>
+                <a:spcPts val="0"/>
+              </a:spcAft>
+              <a:buClr>
+                <a:schemeClr val="accent1"/>
+              </a:buClr>
+              <a:buFont typeface="Wingdings 3" charset="2"/>
+              <a:buChar char=""/>
+              <a:defRPr sz="1200" kern="1200">
+                <a:solidFill>
+                  <a:schemeClr val="tx1">
+                    <a:lumMod val="75000"/>
+                    <a:lumOff val="25000"/>
+                  </a:schemeClr>
+                </a:solidFill>
+                <a:latin typeface="+mn-lt"/>
+                <a:ea typeface="+mn-ea"/>
+                <a:cs typeface="+mn-cs"/>
+              </a:defRPr>
+            </a:lvl4pPr>
+            <a:lvl5pPr marL="2057400" indent="-228600" algn="l" defTabSz="457200" rtl="0" eaLnBrk="1" latinLnBrk="0" hangingPunct="1">
+              <a:spcBef>
+                <a:spcPts val="1000"/>
+              </a:spcBef>
+              <a:spcAft>
+                <a:spcPts val="0"/>
+              </a:spcAft>
+              <a:buClr>
+                <a:schemeClr val="accent1"/>
+              </a:buClr>
+              <a:buFont typeface="Wingdings 3" charset="2"/>
+              <a:buChar char=""/>
+              <a:defRPr sz="1200" kern="1200">
+                <a:solidFill>
+                  <a:schemeClr val="tx1">
+                    <a:lumMod val="75000"/>
+                    <a:lumOff val="25000"/>
+                  </a:schemeClr>
+                </a:solidFill>
+                <a:latin typeface="+mn-lt"/>
+                <a:ea typeface="+mn-ea"/>
+                <a:cs typeface="+mn-cs"/>
+              </a:defRPr>
+            </a:lvl5pPr>
+            <a:lvl6pPr marL="2514600" indent="-228600" algn="l" defTabSz="457200" rtl="0" eaLnBrk="1" latinLnBrk="0" hangingPunct="1">
+              <a:spcBef>
+                <a:spcPts val="1000"/>
+              </a:spcBef>
+              <a:spcAft>
+                <a:spcPts val="0"/>
+              </a:spcAft>
+              <a:buClr>
+                <a:schemeClr val="accent1"/>
+              </a:buClr>
+              <a:buFont typeface="Wingdings 3" charset="2"/>
+              <a:buChar char=""/>
+              <a:defRPr sz="1200" kern="1200">
+                <a:solidFill>
+                  <a:schemeClr val="tx1">
+                    <a:lumMod val="75000"/>
+                    <a:lumOff val="25000"/>
+                  </a:schemeClr>
+                </a:solidFill>
+                <a:latin typeface="+mn-lt"/>
+                <a:ea typeface="+mn-ea"/>
+                <a:cs typeface="+mn-cs"/>
+              </a:defRPr>
+            </a:lvl6pPr>
+            <a:lvl7pPr marL="2971800" indent="-228600" algn="l" defTabSz="457200" rtl="0" eaLnBrk="1" latinLnBrk="0" hangingPunct="1">
+              <a:spcBef>
+                <a:spcPts val="1000"/>
+              </a:spcBef>
+              <a:spcAft>
+                <a:spcPts val="0"/>
+              </a:spcAft>
+              <a:buClr>
+                <a:schemeClr val="accent1"/>
+              </a:buClr>
+              <a:buFont typeface="Wingdings 3" charset="2"/>
+              <a:buChar char=""/>
+              <a:defRPr sz="1200" kern="1200">
+                <a:solidFill>
+                  <a:schemeClr val="tx1">
+                    <a:lumMod val="75000"/>
+                    <a:lumOff val="25000"/>
+                  </a:schemeClr>
+                </a:solidFill>
+                <a:latin typeface="+mn-lt"/>
+                <a:ea typeface="+mn-ea"/>
+                <a:cs typeface="+mn-cs"/>
+              </a:defRPr>
+            </a:lvl7pPr>
+            <a:lvl8pPr marL="3429000" indent="-228600" algn="l" defTabSz="457200" rtl="0" eaLnBrk="1" latinLnBrk="0" hangingPunct="1">
+              <a:spcBef>
+                <a:spcPts val="1000"/>
+              </a:spcBef>
+              <a:spcAft>
+                <a:spcPts val="0"/>
+              </a:spcAft>
+              <a:buClr>
+                <a:schemeClr val="accent1"/>
+              </a:buClr>
+              <a:buFont typeface="Wingdings 3" charset="2"/>
+              <a:buChar char=""/>
+              <a:defRPr sz="1200" kern="1200">
+                <a:solidFill>
+                  <a:schemeClr val="tx1">
+                    <a:lumMod val="75000"/>
+                    <a:lumOff val="25000"/>
+                  </a:schemeClr>
+                </a:solidFill>
+                <a:latin typeface="+mn-lt"/>
+                <a:ea typeface="+mn-ea"/>
+                <a:cs typeface="+mn-cs"/>
+              </a:defRPr>
+            </a:lvl8pPr>
+            <a:lvl9pPr marL="3886200" indent="-228600" algn="l" defTabSz="457200" rtl="0" eaLnBrk="1" latinLnBrk="0" hangingPunct="1">
+              <a:spcBef>
+                <a:spcPts val="1000"/>
+              </a:spcBef>
+              <a:spcAft>
+                <a:spcPts val="0"/>
+              </a:spcAft>
+              <a:buClr>
+                <a:schemeClr val="accent1"/>
+              </a:buClr>
+              <a:buFont typeface="Wingdings 3" charset="2"/>
+              <a:buChar char=""/>
+              <a:defRPr sz="1200" kern="1200">
+                <a:solidFill>
+                  <a:schemeClr val="tx1">
+                    <a:lumMod val="75000"/>
+                    <a:lumOff val="25000"/>
+                  </a:schemeClr>
+                </a:solidFill>
+                <a:latin typeface="+mn-lt"/>
+                <a:ea typeface="+mn-ea"/>
+                <a:cs typeface="+mn-cs"/>
+              </a:defRPr>
+            </a:lvl9pPr>
+          </a:lstStyle>
+          <a:p>
+            <a:r>
+              <a:rPr lang="fr-FR" dirty="0" smtClean="0"/>
+              <a:t>Incrémentation</a:t>
+            </a:r>
+          </a:p>
+          <a:p>
+            <a:pPr lvl="1"/>
+            <a:r>
+              <a:rPr lang="fr-FR" b="1" i="1" dirty="0" smtClean="0">
+                <a:solidFill>
+                  <a:schemeClr val="accent6"/>
+                </a:solidFill>
+              </a:rPr>
+              <a:t>++</a:t>
+            </a:r>
+          </a:p>
+          <a:p>
+            <a:pPr lvl="1"/>
+            <a:r>
+              <a:rPr lang="fr-FR" b="1" i="1" u="sng" dirty="0" smtClean="0">
+                <a:solidFill>
+                  <a:schemeClr val="tx1"/>
+                </a:solidFill>
+              </a:rPr>
+              <a:t>Seulement post-incrémentation</a:t>
+            </a:r>
+          </a:p>
+          <a:p>
+            <a:pPr lvl="1"/>
+            <a:r>
+              <a:rPr lang="fr-FR" b="1" i="1" u="sng" dirty="0" smtClean="0">
+                <a:solidFill>
+                  <a:schemeClr val="tx1"/>
+                </a:solidFill>
+              </a:rPr>
+              <a:t>Equivalent à :</a:t>
+            </a:r>
+            <a:r>
+              <a:rPr lang="fr-FR" dirty="0" smtClean="0">
+                <a:solidFill>
+                  <a:schemeClr val="tx1"/>
+                </a:solidFill>
+              </a:rPr>
+              <a:t> </a:t>
+            </a:r>
+            <a:r>
+              <a:rPr lang="fr-FR" b="1" i="1" dirty="0" smtClean="0">
+                <a:solidFill>
+                  <a:schemeClr val="accent6"/>
+                </a:solidFill>
+              </a:rPr>
+              <a:t>+= 1</a:t>
             </a:r>
             <a:endParaRPr lang="fr-FR" b="1" i="1" dirty="0" smtClean="0">
               <a:solidFill>
@@ -11247,7 +11660,7 @@
         </p:spPr>
         <p:txBody>
           <a:bodyPr anchor="ctr">
-            <a:normAutofit/>
+            <a:normAutofit lnSpcReduction="10000"/>
           </a:bodyPr>
           <a:lstStyle/>
           <a:p>
@@ -11321,11 +11734,29 @@
                   <a:schemeClr val="accent6"/>
                 </a:solidFill>
               </a:rPr>
-              <a:t>main()</a:t>
-            </a:r>
-            <a:endParaRPr lang="fr-FR" b="1" i="1" dirty="0">
+              <a:t>main</a:t>
+            </a:r>
+            <a:r>
+              <a:rPr lang="fr-FR" b="1" i="1" dirty="0" smtClean="0">
+                <a:solidFill>
+                  <a:schemeClr val="accent6"/>
+                </a:solidFill>
+              </a:rPr>
+              <a:t>()</a:t>
+            </a:r>
+          </a:p>
+          <a:p>
+            <a:r>
+              <a:rPr lang="fr-FR" dirty="0" smtClean="0">
+                <a:solidFill>
+                  <a:schemeClr val="tx1"/>
+                </a:solidFill>
+              </a:rPr>
+              <a:t>La ligne 22 provoque une erreur à la compilation</a:t>
+            </a:r>
+            <a:endParaRPr lang="fr-FR" dirty="0">
               <a:solidFill>
-                <a:schemeClr val="accent6"/>
+                <a:schemeClr val="tx1"/>
               </a:solidFill>
             </a:endParaRPr>
           </a:p>
@@ -11333,7 +11764,7 @@
       </p:sp>
       <p:pic>
         <p:nvPicPr>
-          <p:cNvPr id="5" name="Image 4"/>
+          <p:cNvPr id="8" name="Image 7"/>
           <p:cNvPicPr>
             <a:picLocks noChangeAspect="1"/>
           </p:cNvPicPr>
@@ -11347,8 +11778,8 @@
         </p:blipFill>
         <p:spPr>
           <a:xfrm>
-            <a:off x="2525202" y="5270761"/>
-            <a:ext cx="4495800" cy="276225"/>
+            <a:off x="7781842" y="1264555"/>
+            <a:ext cx="3848100" cy="5248275"/>
           </a:xfrm>
           <a:prstGeom prst="rect">
             <a:avLst/>
@@ -11357,7 +11788,7 @@
       </p:pic>
       <p:pic>
         <p:nvPicPr>
-          <p:cNvPr id="8" name="Image 7"/>
+          <p:cNvPr id="3" name="Image 2"/>
           <p:cNvPicPr>
             <a:picLocks noChangeAspect="1"/>
           </p:cNvPicPr>
@@ -11371,8 +11802,8 @@
         </p:blipFill>
         <p:spPr>
           <a:xfrm>
-            <a:off x="7781842" y="1264555"/>
-            <a:ext cx="3848100" cy="5248275"/>
+            <a:off x="2745556" y="5666540"/>
+            <a:ext cx="4419600" cy="257175"/>
           </a:xfrm>
           <a:prstGeom prst="rect">
             <a:avLst/>
@@ -12294,6 +12725,154 @@
 </file>
 
 <file path=ppt/slides/slide32.xml><?xml version="1.0" encoding="utf-8"?>
+<p:sld xmlns:a="http://schemas.openxmlformats.org/drawingml/2006/main" xmlns:r="http://schemas.openxmlformats.org/officeDocument/2006/relationships" xmlns:p="http://schemas.openxmlformats.org/presentationml/2006/main">
+  <p:cSld>
+    <p:spTree>
+      <p:nvGrpSpPr>
+        <p:cNvPr id="1" name=""/>
+        <p:cNvGrpSpPr/>
+        <p:nvPr/>
+      </p:nvGrpSpPr>
+      <p:grpSpPr>
+        <a:xfrm>
+          <a:off x="0" y="0"/>
+          <a:ext cx="0" cy="0"/>
+          <a:chOff x="0" y="0"/>
+          <a:chExt cx="0" cy="0"/>
+        </a:xfrm>
+      </p:grpSpPr>
+      <p:sp>
+        <p:nvSpPr>
+          <p:cNvPr id="2" name="Titre 1"/>
+          <p:cNvSpPr>
+            <a:spLocks noGrp="1"/>
+          </p:cNvSpPr>
+          <p:nvPr>
+            <p:ph type="title"/>
+          </p:nvPr>
+        </p:nvSpPr>
+        <p:spPr/>
+        <p:txBody>
+          <a:bodyPr/>
+          <a:lstStyle/>
+          <a:p>
+            <a:r>
+              <a:rPr lang="fr-FR" dirty="0" smtClean="0"/>
+              <a:t>Les boucles</a:t>
+            </a:r>
+            <a:endParaRPr lang="fr-FR" dirty="0"/>
+          </a:p>
+        </p:txBody>
+      </p:sp>
+      <p:sp>
+        <p:nvSpPr>
+          <p:cNvPr id="3" name="Espace réservé du contenu 2"/>
+          <p:cNvSpPr>
+            <a:spLocks noGrp="1"/>
+          </p:cNvSpPr>
+          <p:nvPr>
+            <p:ph idx="1"/>
+          </p:nvPr>
+        </p:nvSpPr>
+        <p:spPr>
+          <a:xfrm>
+            <a:off x="1483981" y="2231952"/>
+            <a:ext cx="10124923" cy="3777622"/>
+          </a:xfrm>
+        </p:spPr>
+        <p:txBody>
+          <a:bodyPr anchor="ctr"/>
+          <a:lstStyle/>
+          <a:p>
+            <a:r>
+              <a:rPr lang="fr-FR" dirty="0" smtClean="0">
+                <a:solidFill>
+                  <a:schemeClr val="tx1"/>
+                </a:solidFill>
+              </a:rPr>
+              <a:t>Go ne possède qu'un type de boucle: </a:t>
+            </a:r>
+            <a:r>
+              <a:rPr lang="fr-FR" b="1" i="1" dirty="0" smtClean="0">
+                <a:solidFill>
+                  <a:schemeClr val="accent6"/>
+                </a:solidFill>
+              </a:rPr>
+              <a:t>for</a:t>
+            </a:r>
+          </a:p>
+          <a:p>
+            <a:r>
+              <a:rPr lang="fr-FR" b="1" i="1" dirty="0" smtClean="0">
+                <a:solidFill>
+                  <a:schemeClr val="accent6"/>
+                </a:solidFill>
+              </a:rPr>
+              <a:t>For &lt;init&gt; ; &lt;end condition&gt; ; &lt;post treatment&gt; { }</a:t>
+            </a:r>
+          </a:p>
+          <a:p>
+            <a:r>
+              <a:rPr lang="fr-FR" dirty="0" smtClean="0">
+                <a:solidFill>
+                  <a:schemeClr val="tx1"/>
+                </a:solidFill>
+              </a:rPr>
+              <a:t>&lt;init&gt; et &lt;post treatment&gt; sont optionnels</a:t>
+            </a:r>
+            <a:endParaRPr lang="fr-FR" dirty="0">
+              <a:solidFill>
+                <a:schemeClr val="tx1"/>
+              </a:solidFill>
+            </a:endParaRPr>
+          </a:p>
+        </p:txBody>
+      </p:sp>
+      <p:pic>
+        <p:nvPicPr>
+          <p:cNvPr id="4" name="Image 3"/>
+          <p:cNvPicPr>
+            <a:picLocks noChangeAspect="1"/>
+          </p:cNvPicPr>
+          <p:nvPr/>
+        </p:nvPicPr>
+        <p:blipFill>
+          <a:blip r:embed="rId2"/>
+          <a:stretch>
+            <a:fillRect/>
+          </a:stretch>
+        </p:blipFill>
+        <p:spPr>
+          <a:xfrm>
+            <a:off x="7672263" y="1510457"/>
+            <a:ext cx="4019550" cy="4695825"/>
+          </a:xfrm>
+          <a:prstGeom prst="rect">
+            <a:avLst/>
+          </a:prstGeom>
+        </p:spPr>
+      </p:pic>
+    </p:spTree>
+    <p:extLst>
+      <p:ext uri="{BB962C8B-B14F-4D97-AF65-F5344CB8AC3E}">
+        <p14:creationId xmlns:p14="http://schemas.microsoft.com/office/powerpoint/2010/main" val="912499008"/>
+      </p:ext>
+    </p:extLst>
+  </p:cSld>
+  <p:clrMapOvr>
+    <a:masterClrMapping/>
+  </p:clrMapOvr>
+  <p:timing>
+    <p:tnLst>
+      <p:par>
+        <p:cTn id="1" dur="indefinite" restart="never" nodeType="tmRoot"/>
+      </p:par>
+    </p:tnLst>
+  </p:timing>
+</p:sld>
+</file>
+
+<file path=ppt/slides/slide33.xml><?xml version="1.0" encoding="utf-8"?>
 <p:sld xmlns:a="http://schemas.openxmlformats.org/drawingml/2006/main" xmlns:r="http://schemas.openxmlformats.org/officeDocument/2006/relationships" xmlns:p="http://schemas.openxmlformats.org/presentationml/2006/main">
   <p:cSld>
     <p:spTree>

--- a/documentations/learning-go.pptx
+++ b/documentations/learning-go.pptx
@@ -2,7 +2,7 @@
 <file path=ppt/presentation.xml><?xml version="1.0" encoding="utf-8"?>
 <p:presentation xmlns:a="http://schemas.openxmlformats.org/drawingml/2006/main" xmlns:r="http://schemas.openxmlformats.org/officeDocument/2006/relationships" xmlns:p="http://schemas.openxmlformats.org/presentationml/2006/main" showSpecialPlsOnTitleSld="0" autoCompressPictures="0">
   <p:sldMasterIdLst>
-    <p:sldMasterId id="2147483648" r:id="rId1"/>
+    <p:sldMasterId id="2147483665" r:id="rId1"/>
   </p:sldMasterIdLst>
   <p:notesMasterIdLst>
     <p:notesMasterId r:id="rId35"/>
@@ -497,6 +497,90 @@
 </p:notesMaster>
 </file>
 
+<file path=ppt/notesSlides/notesSlide1.xml><?xml version="1.0" encoding="utf-8"?>
+<p:notes xmlns:a="http://schemas.openxmlformats.org/drawingml/2006/main" xmlns:r="http://schemas.openxmlformats.org/officeDocument/2006/relationships" xmlns:p="http://schemas.openxmlformats.org/presentationml/2006/main">
+  <p:cSld>
+    <p:spTree>
+      <p:nvGrpSpPr>
+        <p:cNvPr id="1" name=""/>
+        <p:cNvGrpSpPr/>
+        <p:nvPr/>
+      </p:nvGrpSpPr>
+      <p:grpSpPr>
+        <a:xfrm>
+          <a:off x="0" y="0"/>
+          <a:ext cx="0" cy="0"/>
+          <a:chOff x="0" y="0"/>
+          <a:chExt cx="0" cy="0"/>
+        </a:xfrm>
+      </p:grpSpPr>
+      <p:sp>
+        <p:nvSpPr>
+          <p:cNvPr id="2" name="Espace réservé de l'image des diapositives 1"/>
+          <p:cNvSpPr>
+            <a:spLocks noGrp="1" noRot="1" noChangeAspect="1"/>
+          </p:cNvSpPr>
+          <p:nvPr>
+            <p:ph type="sldImg"/>
+          </p:nvPr>
+        </p:nvSpPr>
+        <p:spPr/>
+      </p:sp>
+      <p:sp>
+        <p:nvSpPr>
+          <p:cNvPr id="3" name="Espace réservé des commentaires 2"/>
+          <p:cNvSpPr>
+            <a:spLocks noGrp="1"/>
+          </p:cNvSpPr>
+          <p:nvPr>
+            <p:ph type="body" idx="1"/>
+          </p:nvPr>
+        </p:nvSpPr>
+        <p:spPr/>
+        <p:txBody>
+          <a:bodyPr/>
+          <a:lstStyle/>
+          <a:p>
+            <a:endParaRPr lang="fr-FR"/>
+          </a:p>
+        </p:txBody>
+      </p:sp>
+      <p:sp>
+        <p:nvSpPr>
+          <p:cNvPr id="4" name="Espace réservé du numéro de diapositive 3"/>
+          <p:cNvSpPr>
+            <a:spLocks noGrp="1"/>
+          </p:cNvSpPr>
+          <p:nvPr>
+            <p:ph type="sldNum" sz="quarter" idx="10"/>
+          </p:nvPr>
+        </p:nvSpPr>
+        <p:spPr/>
+        <p:txBody>
+          <a:bodyPr/>
+          <a:lstStyle/>
+          <a:p>
+            <a:fld id="{58BEE673-8D3B-4BBD-97EB-7004EF7CF6EF}" type="slidenum">
+              <a:rPr lang="fr-FR" smtClean="0"/>
+              <a:t>2</a:t>
+            </a:fld>
+            <a:endParaRPr lang="fr-FR"/>
+          </a:p>
+        </p:txBody>
+      </p:sp>
+    </p:spTree>
+    <p:extLst>
+      <p:ext uri="{BB962C8B-B14F-4D97-AF65-F5344CB8AC3E}">
+        <p14:creationId xmlns:p14="http://schemas.microsoft.com/office/powerpoint/2010/main" val="2517174575"/>
+      </p:ext>
+    </p:extLst>
+  </p:cSld>
+  <p:clrMapOvr>
+    <a:masterClrMapping/>
+  </p:clrMapOvr>
+</p:notes>
+</file>
+
 <file path=ppt/slideLayouts/slideLayout1.xml><?xml version="1.0" encoding="utf-8"?>
 <p:sldLayout xmlns:a="http://schemas.openxmlformats.org/drawingml/2006/main" xmlns:r="http://schemas.openxmlformats.org/officeDocument/2006/relationships" xmlns:p="http://schemas.openxmlformats.org/presentationml/2006/main" type="title" preserve="1">
   <p:cSld name="Diapositive de titre">
@@ -683,7 +767,7 @@
           <a:bodyPr/>
           <a:lstStyle/>
           <a:p>
-            <a:fld id="{3032B84C-0C6F-4FEE-A435-567DC6016AA3}" type="datetime1">
+            <a:fld id="{CAB5D9F6-764D-45E8-BA35-322ECA954888}" type="datetime1">
               <a:rPr lang="en-US" smtClean="0"/>
               <a:t>12/31/2017</a:t>
             </a:fld>
@@ -813,7 +897,7 @@
           <a:lstStyle/>
           <a:p>
             <a:fld id="{D57F1E4F-1CFF-5643-939E-217C01CDF565}" type="slidenum">
-              <a:rPr lang="en-US" dirty="0"/>
+              <a:rPr lang="en-US" smtClean="0"/>
               <a:pPr/>
               <a:t>‹N°›</a:t>
             </a:fld>
@@ -822,10 +906,16 @@
         </p:txBody>
       </p:sp>
     </p:spTree>
+    <p:extLst>
+      <p:ext uri="{BB962C8B-B14F-4D97-AF65-F5344CB8AC3E}">
+        <p14:creationId xmlns:p14="http://schemas.microsoft.com/office/powerpoint/2010/main" val="3917690717"/>
+      </p:ext>
+    </p:extLst>
   </p:cSld>
   <p:clrMapOvr>
     <a:masterClrMapping/>
   </p:clrMapOvr>
+  <p:hf hdr="0" ftr="0" dt="0"/>
 </p:sldLayout>
 </file>
 
@@ -1017,7 +1107,7 @@
           <a:bodyPr/>
           <a:lstStyle/>
           <a:p>
-            <a:fld id="{DAB10936-7F46-4E84-9D9C-2197F0EE2105}" type="datetime1">
+            <a:fld id="{7E62AF45-EF0A-4378-934F-84EB6BC3D026}" type="datetime1">
               <a:rPr lang="en-US" smtClean="0"/>
               <a:t>12/31/2017</a:t>
             </a:fld>
@@ -1147,7 +1237,7 @@
           <a:lstStyle/>
           <a:p>
             <a:fld id="{D57F1E4F-1CFF-5643-939E-217C01CDF565}" type="slidenum">
-              <a:rPr lang="en-US" dirty="0"/>
+              <a:rPr lang="en-US" smtClean="0"/>
               <a:pPr/>
               <a:t>‹N°›</a:t>
             </a:fld>
@@ -1156,6 +1246,11 @@
         </p:txBody>
       </p:sp>
     </p:spTree>
+    <p:extLst>
+      <p:ext uri="{BB962C8B-B14F-4D97-AF65-F5344CB8AC3E}">
+        <p14:creationId xmlns:p14="http://schemas.microsoft.com/office/powerpoint/2010/main" val="233947371"/>
+      </p:ext>
+    </p:extLst>
   </p:cSld>
   <p:clrMapOvr>
     <a:masterClrMapping/>
@@ -1414,7 +1509,7 @@
           <a:bodyPr/>
           <a:lstStyle/>
           <a:p>
-            <a:fld id="{44C00F8F-B142-4D14-AD3A-2A51E3EA2BF8}" type="datetime1">
+            <a:fld id="{76D4023A-E694-4331-A23E-E1356D15A4BD}" type="datetime1">
               <a:rPr lang="en-US" smtClean="0"/>
               <a:t>12/31/2017</a:t>
             </a:fld>
@@ -1544,7 +1639,7 @@
           <a:lstStyle/>
           <a:p>
             <a:fld id="{D57F1E4F-1CFF-5643-939E-217C01CDF565}" type="slidenum">
-              <a:rPr lang="en-US" dirty="0"/>
+              <a:rPr lang="en-US" smtClean="0"/>
               <a:pPr/>
               <a:t>‹N°›</a:t>
             </a:fld>
@@ -1629,6 +1724,11 @@
         </p:txBody>
       </p:sp>
     </p:spTree>
+    <p:extLst>
+      <p:ext uri="{BB962C8B-B14F-4D97-AF65-F5344CB8AC3E}">
+        <p14:creationId xmlns:p14="http://schemas.microsoft.com/office/powerpoint/2010/main" val="142875651"/>
+      </p:ext>
+    </p:extLst>
   </p:cSld>
   <p:clrMapOvr>
     <a:masterClrMapping/>
@@ -1746,7 +1846,7 @@
           <a:bodyPr/>
           <a:lstStyle/>
           <a:p>
-            <a:fld id="{B78E52C0-624E-4FAE-A4B0-6E29A10BEB4F}" type="datetime1">
+            <a:fld id="{D6F2E77E-7F60-441B-806F-66DDB3F74163}" type="datetime1">
               <a:rPr lang="en-US" smtClean="0"/>
               <a:t>12/31/2017</a:t>
             </a:fld>
@@ -1876,7 +1976,7 @@
           <a:lstStyle/>
           <a:p>
             <a:fld id="{D57F1E4F-1CFF-5643-939E-217C01CDF565}" type="slidenum">
-              <a:rPr lang="en-US" dirty="0"/>
+              <a:rPr lang="en-US" smtClean="0"/>
               <a:pPr/>
               <a:t>‹N°›</a:t>
             </a:fld>
@@ -1885,6 +1985,11 @@
         </p:txBody>
       </p:sp>
     </p:spTree>
+    <p:extLst>
+      <p:ext uri="{BB962C8B-B14F-4D97-AF65-F5344CB8AC3E}">
+        <p14:creationId xmlns:p14="http://schemas.microsoft.com/office/powerpoint/2010/main" val="1400134163"/>
+      </p:ext>
+    </p:extLst>
   </p:cSld>
   <p:clrMapOvr>
     <a:masterClrMapping/>
@@ -2062,7 +2167,7 @@
           <a:bodyPr/>
           <a:lstStyle/>
           <a:p>
-            <a:fld id="{DB78231D-F226-45DF-9669-F1BF795640EB}" type="datetime1">
+            <a:fld id="{266B8AF4-4A0E-4A4E-9660-2094B624C07D}" type="datetime1">
               <a:rPr lang="en-US" smtClean="0"/>
               <a:t>12/31/2017</a:t>
             </a:fld>
@@ -2192,7 +2297,7 @@
           <a:lstStyle/>
           <a:p>
             <a:fld id="{D57F1E4F-1CFF-5643-939E-217C01CDF565}" type="slidenum">
-              <a:rPr lang="en-US" dirty="0"/>
+              <a:rPr lang="en-US" smtClean="0"/>
               <a:pPr/>
               <a:t>‹N°›</a:t>
             </a:fld>
@@ -2277,6 +2382,11 @@
         </p:txBody>
       </p:sp>
     </p:spTree>
+    <p:extLst>
+      <p:ext uri="{BB962C8B-B14F-4D97-AF65-F5344CB8AC3E}">
+        <p14:creationId xmlns:p14="http://schemas.microsoft.com/office/powerpoint/2010/main" val="592005125"/>
+      </p:ext>
+    </p:extLst>
   </p:cSld>
   <p:clrMapOvr>
     <a:masterClrMapping/>
@@ -2454,7 +2564,7 @@
           <a:bodyPr/>
           <a:lstStyle/>
           <a:p>
-            <a:fld id="{CB819A94-7443-4207-8A6B-F8C691E3142F}" type="datetime1">
+            <a:fld id="{CB2BF7E3-4C05-4502-A416-452E6496AE59}" type="datetime1">
               <a:rPr lang="en-US" smtClean="0"/>
               <a:t>12/31/2017</a:t>
             </a:fld>
@@ -2584,7 +2694,7 @@
           <a:lstStyle/>
           <a:p>
             <a:fld id="{D57F1E4F-1CFF-5643-939E-217C01CDF565}" type="slidenum">
-              <a:rPr lang="en-US" dirty="0"/>
+              <a:rPr lang="en-US" smtClean="0"/>
               <a:pPr/>
               <a:t>‹N°›</a:t>
             </a:fld>
@@ -2593,6 +2703,11 @@
         </p:txBody>
       </p:sp>
     </p:spTree>
+    <p:extLst>
+      <p:ext uri="{BB962C8B-B14F-4D97-AF65-F5344CB8AC3E}">
+        <p14:creationId xmlns:p14="http://schemas.microsoft.com/office/powerpoint/2010/main" val="675145011"/>
+      </p:ext>
+    </p:extLst>
   </p:cSld>
   <p:clrMapOvr>
     <a:masterClrMapping/>
@@ -2707,7 +2822,7 @@
           <a:bodyPr/>
           <a:lstStyle/>
           <a:p>
-            <a:fld id="{67D95873-D052-47A6-AD02-0AD1A59B976D}" type="datetime1">
+            <a:fld id="{F6F8AC83-13D2-4813-AD1A-CAFB5DEDD213}" type="datetime1">
               <a:rPr lang="en-US" smtClean="0"/>
               <a:t>12/31/2017</a:t>
             </a:fld>
@@ -2832,7 +2947,7 @@
           <a:lstStyle/>
           <a:p>
             <a:fld id="{D57F1E4F-1CFF-5643-939E-217C01CDF565}" type="slidenum">
-              <a:rPr lang="en-US" dirty="0"/>
+              <a:rPr lang="en-US" smtClean="0"/>
               <a:pPr/>
               <a:t>‹N°›</a:t>
             </a:fld>
@@ -2841,6 +2956,11 @@
         </p:txBody>
       </p:sp>
     </p:spTree>
+    <p:extLst>
+      <p:ext uri="{BB962C8B-B14F-4D97-AF65-F5344CB8AC3E}">
+        <p14:creationId xmlns:p14="http://schemas.microsoft.com/office/powerpoint/2010/main" val="536698921"/>
+      </p:ext>
+    </p:extLst>
   </p:cSld>
   <p:clrMapOvr>
     <a:masterClrMapping/>
@@ -2965,7 +3085,7 @@
           <a:bodyPr/>
           <a:lstStyle/>
           <a:p>
-            <a:fld id="{919BACF9-B727-41C7-869A-391609C9FC57}" type="datetime1">
+            <a:fld id="{74455543-85E2-46E2-A974-7ADB0844C12A}" type="datetime1">
               <a:rPr lang="en-US" smtClean="0"/>
               <a:t>12/31/2017</a:t>
             </a:fld>
@@ -3090,7 +3210,7 @@
           <a:lstStyle/>
           <a:p>
             <a:fld id="{D57F1E4F-1CFF-5643-939E-217C01CDF565}" type="slidenum">
-              <a:rPr lang="en-US" dirty="0"/>
+              <a:rPr lang="en-US" smtClean="0"/>
               <a:pPr/>
               <a:t>‹N°›</a:t>
             </a:fld>
@@ -3099,6 +3219,11 @@
         </p:txBody>
       </p:sp>
     </p:spTree>
+    <p:extLst>
+      <p:ext uri="{BB962C8B-B14F-4D97-AF65-F5344CB8AC3E}">
+        <p14:creationId xmlns:p14="http://schemas.microsoft.com/office/powerpoint/2010/main" val="227320600"/>
+      </p:ext>
+    </p:extLst>
   </p:cSld>
   <p:clrMapOvr>
     <a:masterClrMapping/>
@@ -3106,9 +3231,9 @@
 </p:sldLayout>
 </file>
 
-<file path=ppt/slideLayouts/slideLayout2.xml><?xml version="1.0" encoding="utf-8"?>
-<p:sldLayout xmlns:a="http://schemas.openxmlformats.org/drawingml/2006/main" xmlns:r="http://schemas.openxmlformats.org/officeDocument/2006/relationships" xmlns:p="http://schemas.openxmlformats.org/presentationml/2006/main" type="obj" preserve="1">
-  <p:cSld name="Titre et contenu">
+<file path=ppt/slideLayouts/slideLayout17.xml><?xml version="1.0" encoding="utf-8"?>
+<p:sldLayout xmlns:a="http://schemas.openxmlformats.org/drawingml/2006/main" xmlns:r="http://schemas.openxmlformats.org/officeDocument/2006/relationships" xmlns:p="http://schemas.openxmlformats.org/presentationml/2006/main" userDrawn="1">
+  <p:cSld name="1_Diapositive de titre">
     <p:spTree>
       <p:nvGrpSpPr>
         <p:cNvPr id="1" name=""/>
@@ -3125,32 +3250,236 @@
       </p:grpSpPr>
       <p:sp>
         <p:nvSpPr>
-          <p:cNvPr id="2" name="Title 1"/>
-          <p:cNvSpPr>
-            <a:spLocks noGrp="1"/>
-          </p:cNvSpPr>
-          <p:nvPr>
-            <p:ph type="title"/>
+          <p:cNvPr id="3" name="Subtitle 2"/>
+          <p:cNvSpPr>
+            <a:spLocks noGrp="1"/>
+          </p:cNvSpPr>
+          <p:nvPr>
+            <p:ph type="subTitle" idx="1"/>
           </p:nvPr>
         </p:nvSpPr>
         <p:spPr>
           <a:xfrm>
-            <a:off x="2592925" y="624110"/>
-            <a:ext cx="8911687" cy="1280890"/>
+            <a:off x="2589213" y="4777379"/>
+            <a:ext cx="8915399" cy="1126283"/>
           </a:xfrm>
         </p:spPr>
         <p:txBody>
-          <a:bodyPr/>
-          <a:lstStyle/>
+          <a:bodyPr anchor="t"/>
+          <a:lstStyle>
+            <a:lvl1pPr marL="0" indent="0" algn="l">
+              <a:buNone/>
+              <a:defRPr>
+                <a:solidFill>
+                  <a:schemeClr val="tx1">
+                    <a:lumMod val="65000"/>
+                    <a:lumOff val="35000"/>
+                  </a:schemeClr>
+                </a:solidFill>
+              </a:defRPr>
+            </a:lvl1pPr>
+            <a:lvl2pPr marL="457200" indent="0" algn="ctr">
+              <a:buNone/>
+              <a:defRPr>
+                <a:solidFill>
+                  <a:schemeClr val="tx1">
+                    <a:tint val="75000"/>
+                  </a:schemeClr>
+                </a:solidFill>
+              </a:defRPr>
+            </a:lvl2pPr>
+            <a:lvl3pPr marL="914400" indent="0" algn="ctr">
+              <a:buNone/>
+              <a:defRPr>
+                <a:solidFill>
+                  <a:schemeClr val="tx1">
+                    <a:tint val="75000"/>
+                  </a:schemeClr>
+                </a:solidFill>
+              </a:defRPr>
+            </a:lvl3pPr>
+            <a:lvl4pPr marL="1371600" indent="0" algn="ctr">
+              <a:buNone/>
+              <a:defRPr>
+                <a:solidFill>
+                  <a:schemeClr val="tx1">
+                    <a:tint val="75000"/>
+                  </a:schemeClr>
+                </a:solidFill>
+              </a:defRPr>
+            </a:lvl4pPr>
+            <a:lvl5pPr marL="1828800" indent="0" algn="ctr">
+              <a:buNone/>
+              <a:defRPr>
+                <a:solidFill>
+                  <a:schemeClr val="tx1">
+                    <a:tint val="75000"/>
+                  </a:schemeClr>
+                </a:solidFill>
+              </a:defRPr>
+            </a:lvl5pPr>
+            <a:lvl6pPr marL="2286000" indent="0" algn="ctr">
+              <a:buNone/>
+              <a:defRPr>
+                <a:solidFill>
+                  <a:schemeClr val="tx1">
+                    <a:tint val="75000"/>
+                  </a:schemeClr>
+                </a:solidFill>
+              </a:defRPr>
+            </a:lvl6pPr>
+            <a:lvl7pPr marL="2743200" indent="0" algn="ctr">
+              <a:buNone/>
+              <a:defRPr>
+                <a:solidFill>
+                  <a:schemeClr val="tx1">
+                    <a:tint val="75000"/>
+                  </a:schemeClr>
+                </a:solidFill>
+              </a:defRPr>
+            </a:lvl7pPr>
+            <a:lvl8pPr marL="3200400" indent="0" algn="ctr">
+              <a:buNone/>
+              <a:defRPr>
+                <a:solidFill>
+                  <a:schemeClr val="tx1">
+                    <a:tint val="75000"/>
+                  </a:schemeClr>
+                </a:solidFill>
+              </a:defRPr>
+            </a:lvl8pPr>
+            <a:lvl9pPr marL="3657600" indent="0" algn="ctr">
+              <a:buNone/>
+              <a:defRPr>
+                <a:solidFill>
+                  <a:schemeClr val="tx1">
+                    <a:tint val="75000"/>
+                  </a:schemeClr>
+                </a:solidFill>
+              </a:defRPr>
+            </a:lvl9pPr>
+          </a:lstStyle>
           <a:p>
             <a:r>
               <a:rPr lang="fr-FR" smtClean="0"/>
-              <a:t>Modifiez le style du titre</a:t>
+              <a:t>Modifiez le style des sous-titres du masque</a:t>
             </a:r>
             <a:endParaRPr lang="en-US" dirty="0"/>
           </a:p>
         </p:txBody>
       </p:sp>
+      <p:sp>
+        <p:nvSpPr>
+          <p:cNvPr id="7" name="Freeform 6"/>
+          <p:cNvSpPr/>
+          <p:nvPr/>
+        </p:nvSpPr>
+        <p:spPr bwMode="auto">
+          <a:xfrm>
+            <a:off x="0" y="4323810"/>
+            <a:ext cx="1744652" cy="778589"/>
+          </a:xfrm>
+          <a:custGeom>
+            <a:avLst/>
+            <a:gdLst/>
+            <a:ahLst/>
+            <a:cxnLst/>
+            <a:rect l="0" t="0" r="r" b="b"/>
+            <a:pathLst>
+              <a:path w="372" h="166">
+                <a:moveTo>
+                  <a:pt x="287" y="166"/>
+                </a:moveTo>
+                <a:cubicBezTo>
+                  <a:pt x="290" y="166"/>
+                  <a:pt x="292" y="165"/>
+                  <a:pt x="293" y="164"/>
+                </a:cubicBezTo>
+                <a:cubicBezTo>
+                  <a:pt x="293" y="163"/>
+                  <a:pt x="294" y="163"/>
+                  <a:pt x="294" y="163"/>
+                </a:cubicBezTo>
+                <a:cubicBezTo>
+                  <a:pt x="370" y="87"/>
+                  <a:pt x="370" y="87"/>
+                  <a:pt x="370" y="87"/>
+                </a:cubicBezTo>
+                <a:cubicBezTo>
+                  <a:pt x="372" y="85"/>
+                  <a:pt x="372" y="81"/>
+                  <a:pt x="370" y="78"/>
+                </a:cubicBezTo>
+                <a:cubicBezTo>
+                  <a:pt x="294" y="3"/>
+                  <a:pt x="294" y="3"/>
+                  <a:pt x="294" y="3"/>
+                </a:cubicBezTo>
+                <a:cubicBezTo>
+                  <a:pt x="294" y="2"/>
+                  <a:pt x="293" y="2"/>
+                  <a:pt x="293" y="2"/>
+                </a:cubicBezTo>
+                <a:cubicBezTo>
+                  <a:pt x="292" y="1"/>
+                  <a:pt x="290" y="0"/>
+                  <a:pt x="287" y="0"/>
+                </a:cubicBezTo>
+                <a:cubicBezTo>
+                  <a:pt x="0" y="0"/>
+                  <a:pt x="0" y="0"/>
+                  <a:pt x="0" y="0"/>
+                </a:cubicBezTo>
+                <a:cubicBezTo>
+                  <a:pt x="0" y="166"/>
+                  <a:pt x="0" y="166"/>
+                  <a:pt x="0" y="166"/>
+                </a:cubicBezTo>
+                <a:lnTo>
+                  <a:pt x="287" y="166"/>
+                </a:lnTo>
+                <a:close/>
+              </a:path>
+            </a:pathLst>
+          </a:custGeom>
+          <a:solidFill>
+            <a:schemeClr val="accent1"/>
+          </a:solidFill>
+          <a:ln>
+            <a:noFill/>
+          </a:ln>
+        </p:spPr>
+      </p:sp>
+    </p:spTree>
+    <p:extLst>
+      <p:ext uri="{BB962C8B-B14F-4D97-AF65-F5344CB8AC3E}">
+        <p14:creationId xmlns:p14="http://schemas.microsoft.com/office/powerpoint/2010/main" val="2418827114"/>
+      </p:ext>
+    </p:extLst>
+  </p:cSld>
+  <p:clrMapOvr>
+    <a:masterClrMapping/>
+  </p:clrMapOvr>
+</p:sldLayout>
+</file>
+
+<file path=ppt/slideLayouts/slideLayout18.xml><?xml version="1.0" encoding="utf-8"?>
+<p:sldLayout xmlns:a="http://schemas.openxmlformats.org/drawingml/2006/main" xmlns:r="http://schemas.openxmlformats.org/officeDocument/2006/relationships" xmlns:p="http://schemas.openxmlformats.org/presentationml/2006/main" preserve="1" userDrawn="1">
+  <p:cSld name="1_Titre et contenu">
+    <p:spTree>
+      <p:nvGrpSpPr>
+        <p:cNvPr id="1" name=""/>
+        <p:cNvGrpSpPr/>
+        <p:nvPr/>
+      </p:nvGrpSpPr>
+      <p:grpSpPr>
+        <a:xfrm>
+          <a:off x="0" y="0"/>
+          <a:ext cx="0" cy="0"/>
+          <a:chOff x="0" y="0"/>
+          <a:chExt cx="0" cy="0"/>
+        </a:xfrm>
+      </p:grpSpPr>
       <p:sp>
         <p:nvSpPr>
           <p:cNvPr id="3" name="Content Placeholder 2"/>
@@ -3204,48 +3533,6 @@
               <a:rPr lang="fr-FR" smtClean="0"/>
               <a:t>Cinquième niveau</a:t>
             </a:r>
-            <a:endParaRPr lang="en-US" dirty="0"/>
-          </a:p>
-        </p:txBody>
-      </p:sp>
-      <p:sp>
-        <p:nvSpPr>
-          <p:cNvPr id="4" name="Date Placeholder 3"/>
-          <p:cNvSpPr>
-            <a:spLocks noGrp="1"/>
-          </p:cNvSpPr>
-          <p:nvPr>
-            <p:ph type="dt" sz="half" idx="10"/>
-          </p:nvPr>
-        </p:nvSpPr>
-        <p:spPr/>
-        <p:txBody>
-          <a:bodyPr/>
-          <a:lstStyle/>
-          <a:p>
-            <a:fld id="{AFABB761-46B1-499E-8EAC-90290121C7E3}" type="datetime1">
-              <a:rPr lang="en-US" smtClean="0"/>
-              <a:t>12/31/2017</a:t>
-            </a:fld>
-            <a:endParaRPr lang="en-US" dirty="0"/>
-          </a:p>
-        </p:txBody>
-      </p:sp>
-      <p:sp>
-        <p:nvSpPr>
-          <p:cNvPr id="5" name="Footer Placeholder 4"/>
-          <p:cNvSpPr>
-            <a:spLocks noGrp="1"/>
-          </p:cNvSpPr>
-          <p:nvPr>
-            <p:ph type="ftr" sz="quarter" idx="11"/>
-          </p:nvPr>
-        </p:nvSpPr>
-        <p:spPr/>
-        <p:txBody>
-          <a:bodyPr/>
-          <a:lstStyle/>
-          <a:p>
             <a:endParaRPr lang="en-US" dirty="0"/>
           </a:p>
         </p:txBody>
@@ -3332,6 +3619,115 @@
           </a:ln>
         </p:spPr>
       </p:sp>
+      <p:sp>
+        <p:nvSpPr>
+          <p:cNvPr id="6" name="ZoneTexte 5"/>
+          <p:cNvSpPr txBox="1"/>
+          <p:nvPr userDrawn="1"/>
+        </p:nvSpPr>
+        <p:spPr>
+          <a:xfrm>
+            <a:off x="206734" y="783357"/>
+            <a:ext cx="1105231" cy="369332"/>
+          </a:xfrm>
+          <a:prstGeom prst="rect">
+            <a:avLst/>
+          </a:prstGeom>
+          <a:noFill/>
+        </p:spPr>
+        <p:txBody>
+          <a:bodyPr wrap="square" rtlCol="0">
+            <a:spAutoFit/>
+          </a:bodyPr>
+          <a:lstStyle/>
+          <a:p>
+            <a:pPr algn="r"/>
+            <a:fld id="{1A85315E-D13C-4649-B3EE-0767220E3FA0}" type="slidenum">
+              <a:rPr lang="fr-FR" smtClean="0">
+                <a:solidFill>
+                  <a:schemeClr val="bg1"/>
+                </a:solidFill>
+              </a:rPr>
+              <a:pPr algn="r"/>
+              <a:t>‹N°›</a:t>
+            </a:fld>
+            <a:endParaRPr lang="fr-FR" dirty="0">
+              <a:solidFill>
+                <a:schemeClr val="bg1"/>
+              </a:solidFill>
+            </a:endParaRPr>
+          </a:p>
+        </p:txBody>
+      </p:sp>
+      <p:sp>
+        <p:nvSpPr>
+          <p:cNvPr id="9" name="Titre 8"/>
+          <p:cNvSpPr>
+            <a:spLocks noGrp="1"/>
+          </p:cNvSpPr>
+          <p:nvPr>
+            <p:ph type="title"/>
+          </p:nvPr>
+        </p:nvSpPr>
+        <p:spPr/>
+        <p:txBody>
+          <a:bodyPr/>
+          <a:lstStyle/>
+          <a:p>
+            <a:r>
+              <a:rPr lang="fr-FR" smtClean="0"/>
+              <a:t>Modifiez le style du titre</a:t>
+            </a:r>
+            <a:endParaRPr lang="fr-FR"/>
+          </a:p>
+        </p:txBody>
+      </p:sp>
+      <p:sp>
+        <p:nvSpPr>
+          <p:cNvPr id="13" name="ZoneTexte 12"/>
+          <p:cNvSpPr txBox="1"/>
+          <p:nvPr userDrawn="1"/>
+        </p:nvSpPr>
+        <p:spPr>
+          <a:xfrm>
+            <a:off x="9384821" y="6611779"/>
+            <a:ext cx="2807179" cy="246221"/>
+          </a:xfrm>
+          <a:prstGeom prst="rect">
+            <a:avLst/>
+          </a:prstGeom>
+          <a:noFill/>
+        </p:spPr>
+        <p:txBody>
+          <a:bodyPr wrap="none" rtlCol="0">
+            <a:spAutoFit/>
+          </a:bodyPr>
+          <a:lstStyle/>
+          <a:p>
+            <a:r>
+              <a:rPr lang="fr-FR" sz="1000" b="1" dirty="0" smtClean="0">
+                <a:solidFill>
+                  <a:schemeClr val="accent1"/>
+                </a:solidFill>
+              </a:rPr>
+              <a:t>Copyright © Thierry DECKER 2017 - </a:t>
+            </a:r>
+            <a:fld id="{8CCBA4B4-63A8-48A8-920F-F5A60A63767F}" type="datetime7">
+              <a:rPr lang="fr-FR" sz="1000" b="1" smtClean="0">
+                <a:solidFill>
+                  <a:schemeClr val="accent1"/>
+                </a:solidFill>
+              </a:rPr>
+              <a:t>déc.-17</a:t>
+            </a:fld>
+            <a:endParaRPr lang="fr-FR" sz="1000" b="1" dirty="0">
+              <a:solidFill>
+                <a:schemeClr val="accent1"/>
+              </a:solidFill>
+            </a:endParaRPr>
+          </a:p>
+        </p:txBody>
+      </p:sp>
     </p:spTree>
   </p:cSld>
   <p:clrMapOvr>
@@ -3340,9 +3736,9 @@
 </p:sldLayout>
 </file>
 
-<file path=ppt/slideLayouts/slideLayout3.xml><?xml version="1.0" encoding="utf-8"?>
-<p:sldLayout xmlns:a="http://schemas.openxmlformats.org/drawingml/2006/main" xmlns:r="http://schemas.openxmlformats.org/officeDocument/2006/relationships" xmlns:p="http://schemas.openxmlformats.org/presentationml/2006/main" type="secHead" preserve="1">
-  <p:cSld name="Titre de section">
+<file path=ppt/slideLayouts/slideLayout2.xml><?xml version="1.0" encoding="utf-8"?>
+<p:sldLayout xmlns:a="http://schemas.openxmlformats.org/drawingml/2006/main" xmlns:r="http://schemas.openxmlformats.org/officeDocument/2006/relationships" xmlns:p="http://schemas.openxmlformats.org/presentationml/2006/main" preserve="1" userDrawn="1">
+  <p:cSld name="Titre et contenu">
     <p:spTree>
       <p:nvGrpSpPr>
         <p:cNvPr id="1" name=""/>
@@ -3359,296 +3755,22 @@
       </p:grpSpPr>
       <p:sp>
         <p:nvSpPr>
-          <p:cNvPr id="2" name="Title 1"/>
-          <p:cNvSpPr>
-            <a:spLocks noGrp="1"/>
-          </p:cNvSpPr>
-          <p:nvPr>
-            <p:ph type="title"/>
-          </p:nvPr>
-        </p:nvSpPr>
-        <p:spPr>
-          <a:xfrm>
-            <a:off x="2589212" y="2058750"/>
-            <a:ext cx="8915399" cy="1468800"/>
-          </a:xfrm>
-        </p:spPr>
-        <p:txBody>
-          <a:bodyPr anchor="b"/>
-          <a:lstStyle>
-            <a:lvl1pPr algn="l">
-              <a:defRPr sz="4000" b="0" cap="none"/>
-            </a:lvl1pPr>
-          </a:lstStyle>
-          <a:p>
-            <a:r>
-              <a:rPr lang="fr-FR" smtClean="0"/>
-              <a:t>Modifiez le style du titre</a:t>
-            </a:r>
-            <a:endParaRPr lang="en-US" dirty="0"/>
-          </a:p>
-        </p:txBody>
-      </p:sp>
-      <p:sp>
-        <p:nvSpPr>
-          <p:cNvPr id="3" name="Text Placeholder 2"/>
-          <p:cNvSpPr>
-            <a:spLocks noGrp="1"/>
-          </p:cNvSpPr>
-          <p:nvPr>
-            <p:ph type="body" idx="1"/>
-          </p:nvPr>
-        </p:nvSpPr>
-        <p:spPr>
-          <a:xfrm>
-            <a:off x="2589212" y="3530129"/>
-            <a:ext cx="8915399" cy="860400"/>
-          </a:xfrm>
-        </p:spPr>
-        <p:txBody>
-          <a:bodyPr anchor="t"/>
-          <a:lstStyle>
-            <a:lvl1pPr marL="0" indent="0" algn="l">
-              <a:buNone/>
-              <a:defRPr sz="2000">
-                <a:solidFill>
-                  <a:schemeClr val="tx1">
-                    <a:lumMod val="65000"/>
-                    <a:lumOff val="35000"/>
-                  </a:schemeClr>
-                </a:solidFill>
-              </a:defRPr>
-            </a:lvl1pPr>
-            <a:lvl2pPr marL="457200" indent="0">
-              <a:buNone/>
-              <a:defRPr sz="1800">
-                <a:solidFill>
-                  <a:schemeClr val="tx1">
-                    <a:tint val="75000"/>
-                  </a:schemeClr>
-                </a:solidFill>
-              </a:defRPr>
-            </a:lvl2pPr>
-            <a:lvl3pPr marL="914400" indent="0">
-              <a:buNone/>
-              <a:defRPr sz="1600">
-                <a:solidFill>
-                  <a:schemeClr val="tx1">
-                    <a:tint val="75000"/>
-                  </a:schemeClr>
-                </a:solidFill>
-              </a:defRPr>
-            </a:lvl3pPr>
-            <a:lvl4pPr marL="1371600" indent="0">
-              <a:buNone/>
-              <a:defRPr sz="1400">
-                <a:solidFill>
-                  <a:schemeClr val="tx1">
-                    <a:tint val="75000"/>
-                  </a:schemeClr>
-                </a:solidFill>
-              </a:defRPr>
-            </a:lvl4pPr>
-            <a:lvl5pPr marL="1828800" indent="0">
-              <a:buNone/>
-              <a:defRPr sz="1400">
-                <a:solidFill>
-                  <a:schemeClr val="tx1">
-                    <a:tint val="75000"/>
-                  </a:schemeClr>
-                </a:solidFill>
-              </a:defRPr>
-            </a:lvl5pPr>
-            <a:lvl6pPr marL="2286000" indent="0">
-              <a:buNone/>
-              <a:defRPr sz="1400">
-                <a:solidFill>
-                  <a:schemeClr val="tx1">
-                    <a:tint val="75000"/>
-                  </a:schemeClr>
-                </a:solidFill>
-              </a:defRPr>
-            </a:lvl6pPr>
-            <a:lvl7pPr marL="2743200" indent="0">
-              <a:buNone/>
-              <a:defRPr sz="1400">
-                <a:solidFill>
-                  <a:schemeClr val="tx1">
-                    <a:tint val="75000"/>
-                  </a:schemeClr>
-                </a:solidFill>
-              </a:defRPr>
-            </a:lvl7pPr>
-            <a:lvl8pPr marL="3200400" indent="0">
-              <a:buNone/>
-              <a:defRPr sz="1400">
-                <a:solidFill>
-                  <a:schemeClr val="tx1">
-                    <a:tint val="75000"/>
-                  </a:schemeClr>
-                </a:solidFill>
-              </a:defRPr>
-            </a:lvl8pPr>
-            <a:lvl9pPr marL="3657600" indent="0">
-              <a:buNone/>
-              <a:defRPr sz="1400">
-                <a:solidFill>
-                  <a:schemeClr val="tx1">
-                    <a:tint val="75000"/>
-                  </a:schemeClr>
-                </a:solidFill>
-              </a:defRPr>
-            </a:lvl9pPr>
-          </a:lstStyle>
-          <a:p>
-            <a:pPr lvl="0"/>
-            <a:r>
-              <a:rPr lang="fr-FR" smtClean="0"/>
-              <a:t>Modifiez les styles du texte du masque</a:t>
-            </a:r>
-          </a:p>
-        </p:txBody>
-      </p:sp>
-      <p:sp>
-        <p:nvSpPr>
-          <p:cNvPr id="4" name="Date Placeholder 3"/>
-          <p:cNvSpPr>
-            <a:spLocks noGrp="1"/>
-          </p:cNvSpPr>
-          <p:nvPr>
-            <p:ph type="dt" sz="half" idx="10"/>
-          </p:nvPr>
-        </p:nvSpPr>
-        <p:spPr/>
-        <p:txBody>
-          <a:bodyPr/>
-          <a:lstStyle/>
-          <a:p>
-            <a:fld id="{BDC87CC9-D479-498E-AC84-BC0B69667EA7}" type="datetime1">
-              <a:rPr lang="en-US" smtClean="0"/>
-              <a:t>12/31/2017</a:t>
-            </a:fld>
-            <a:endParaRPr lang="en-US" dirty="0"/>
-          </a:p>
-        </p:txBody>
-      </p:sp>
-      <p:sp>
-        <p:nvSpPr>
-          <p:cNvPr id="5" name="Footer Placeholder 4"/>
-          <p:cNvSpPr>
-            <a:spLocks noGrp="1"/>
-          </p:cNvSpPr>
-          <p:nvPr>
-            <p:ph type="ftr" sz="quarter" idx="11"/>
-          </p:nvPr>
-        </p:nvSpPr>
-        <p:spPr/>
-        <p:txBody>
-          <a:bodyPr/>
-          <a:lstStyle/>
-          <a:p>
-            <a:endParaRPr lang="en-US" dirty="0"/>
-          </a:p>
-        </p:txBody>
-      </p:sp>
-      <p:sp>
-        <p:nvSpPr>
-          <p:cNvPr id="6" name="Slide Number Placeholder 5"/>
-          <p:cNvSpPr>
-            <a:spLocks noGrp="1"/>
-          </p:cNvSpPr>
-          <p:nvPr>
-            <p:ph type="sldNum" sz="quarter" idx="12"/>
-          </p:nvPr>
-        </p:nvSpPr>
-        <p:spPr>
-          <a:xfrm>
-            <a:off x="531812" y="3244139"/>
-            <a:ext cx="779767" cy="365125"/>
-          </a:xfrm>
-        </p:spPr>
-        <p:txBody>
-          <a:bodyPr/>
-          <a:lstStyle>
-            <a:lvl1pPr marL="457200" indent="-457200">
-              <a:buFont typeface="+mj-lt"/>
-              <a:buAutoNum type="arabicPeriod"/>
-              <a:defRPr/>
-            </a:lvl1pPr>
-          </a:lstStyle>
-          <a:p>
-            <a:endParaRPr lang="en-US" dirty="0"/>
-          </a:p>
-        </p:txBody>
-      </p:sp>
-    </p:spTree>
-  </p:cSld>
-  <p:clrMapOvr>
-    <a:masterClrMapping/>
-  </p:clrMapOvr>
-</p:sldLayout>
-</file>
-
-<file path=ppt/slideLayouts/slideLayout4.xml><?xml version="1.0" encoding="utf-8"?>
-<p:sldLayout xmlns:a="http://schemas.openxmlformats.org/drawingml/2006/main" xmlns:r="http://schemas.openxmlformats.org/officeDocument/2006/relationships" xmlns:p="http://schemas.openxmlformats.org/presentationml/2006/main" type="twoObj" preserve="1">
-  <p:cSld name="Deux contenus">
-    <p:spTree>
-      <p:nvGrpSpPr>
-        <p:cNvPr id="1" name=""/>
-        <p:cNvGrpSpPr/>
-        <p:nvPr/>
-      </p:nvGrpSpPr>
-      <p:grpSpPr>
-        <a:xfrm>
-          <a:off x="0" y="0"/>
-          <a:ext cx="0" cy="0"/>
-          <a:chOff x="0" y="0"/>
-          <a:chExt cx="0" cy="0"/>
-        </a:xfrm>
-      </p:grpSpPr>
-      <p:sp>
-        <p:nvSpPr>
-          <p:cNvPr id="8" name="Title 7"/>
-          <p:cNvSpPr>
-            <a:spLocks noGrp="1"/>
-          </p:cNvSpPr>
-          <p:nvPr>
-            <p:ph type="title"/>
-          </p:nvPr>
-        </p:nvSpPr>
-        <p:spPr/>
-        <p:txBody>
-          <a:bodyPr/>
-          <a:lstStyle/>
-          <a:p>
-            <a:r>
-              <a:rPr lang="fr-FR" smtClean="0"/>
-              <a:t>Modifiez le style du titre</a:t>
-            </a:r>
-            <a:endParaRPr lang="en-US" dirty="0"/>
-          </a:p>
-        </p:txBody>
-      </p:sp>
-      <p:sp>
-        <p:nvSpPr>
           <p:cNvPr id="3" name="Content Placeholder 2"/>
           <p:cNvSpPr>
             <a:spLocks noGrp="1"/>
           </p:cNvSpPr>
           <p:nvPr>
-            <p:ph sz="half" idx="1"/>
+            <p:ph idx="1"/>
           </p:nvPr>
         </p:nvSpPr>
         <p:spPr>
           <a:xfrm>
             <a:off x="2589212" y="2133600"/>
-            <a:ext cx="4313864" cy="3777622"/>
+            <a:ext cx="8915400" cy="3777622"/>
           </a:xfrm>
         </p:spPr>
         <p:txBody>
-          <a:bodyPr>
-            <a:normAutofit/>
-          </a:bodyPr>
+          <a:bodyPr/>
           <a:lstStyle/>
           <a:p>
             <a:pPr lvl="0"/>
@@ -3690,108 +3812,7 @@
       </p:sp>
       <p:sp>
         <p:nvSpPr>
-          <p:cNvPr id="4" name="Content Placeholder 3"/>
-          <p:cNvSpPr>
-            <a:spLocks noGrp="1"/>
-          </p:cNvSpPr>
-          <p:nvPr>
-            <p:ph sz="half" idx="2"/>
-          </p:nvPr>
-        </p:nvSpPr>
-        <p:spPr>
-          <a:xfrm>
-            <a:off x="7190747" y="2126222"/>
-            <a:ext cx="4313864" cy="3777622"/>
-          </a:xfrm>
-        </p:spPr>
-        <p:txBody>
-          <a:bodyPr>
-            <a:normAutofit/>
-          </a:bodyPr>
-          <a:lstStyle/>
-          <a:p>
-            <a:pPr lvl="0"/>
-            <a:r>
-              <a:rPr lang="fr-FR" smtClean="0"/>
-              <a:t>Modifiez les styles du texte du masque</a:t>
-            </a:r>
-          </a:p>
-          <a:p>
-            <a:pPr lvl="1"/>
-            <a:r>
-              <a:rPr lang="fr-FR" smtClean="0"/>
-              <a:t>Deuxième niveau</a:t>
-            </a:r>
-          </a:p>
-          <a:p>
-            <a:pPr lvl="2"/>
-            <a:r>
-              <a:rPr lang="fr-FR" smtClean="0"/>
-              <a:t>Troisième niveau</a:t>
-            </a:r>
-          </a:p>
-          <a:p>
-            <a:pPr lvl="3"/>
-            <a:r>
-              <a:rPr lang="fr-FR" smtClean="0"/>
-              <a:t>Quatrième niveau</a:t>
-            </a:r>
-          </a:p>
-          <a:p>
-            <a:pPr lvl="4"/>
-            <a:r>
-              <a:rPr lang="fr-FR" smtClean="0"/>
-              <a:t>Cinquième niveau</a:t>
-            </a:r>
-            <a:endParaRPr lang="en-US" dirty="0"/>
-          </a:p>
-        </p:txBody>
-      </p:sp>
-      <p:sp>
-        <p:nvSpPr>
-          <p:cNvPr id="5" name="Date Placeholder 4"/>
-          <p:cNvSpPr>
-            <a:spLocks noGrp="1"/>
-          </p:cNvSpPr>
-          <p:nvPr>
-            <p:ph type="dt" sz="half" idx="10"/>
-          </p:nvPr>
-        </p:nvSpPr>
-        <p:spPr/>
-        <p:txBody>
-          <a:bodyPr/>
-          <a:lstStyle/>
-          <a:p>
-            <a:fld id="{D5CECE5E-017D-4D7D-863D-A253BD353750}" type="datetime1">
-              <a:rPr lang="en-US" smtClean="0"/>
-              <a:t>12/31/2017</a:t>
-            </a:fld>
-            <a:endParaRPr lang="en-US" dirty="0"/>
-          </a:p>
-        </p:txBody>
-      </p:sp>
-      <p:sp>
-        <p:nvSpPr>
-          <p:cNvPr id="6" name="Footer Placeholder 5"/>
-          <p:cNvSpPr>
-            <a:spLocks noGrp="1"/>
-          </p:cNvSpPr>
-          <p:nvPr>
-            <p:ph type="ftr" sz="quarter" idx="11"/>
-          </p:nvPr>
-        </p:nvSpPr>
-        <p:spPr/>
-        <p:txBody>
-          <a:bodyPr/>
-          <a:lstStyle/>
-          <a:p>
-            <a:endParaRPr lang="en-US" dirty="0"/>
-          </a:p>
-        </p:txBody>
-      </p:sp>
-      <p:sp>
-        <p:nvSpPr>
-          <p:cNvPr id="10" name="Freeform 11"/>
+          <p:cNvPr id="8" name="Freeform 11"/>
           <p:cNvSpPr/>
           <p:nvPr/>
         </p:nvSpPr>
@@ -3873,44 +3894,136 @@
       </p:sp>
       <p:sp>
         <p:nvSpPr>
-          <p:cNvPr id="11" name="Slide Number Placeholder 5"/>
-          <p:cNvSpPr>
-            <a:spLocks noGrp="1"/>
-          </p:cNvSpPr>
-          <p:nvPr>
-            <p:ph type="sldNum" sz="quarter" idx="12"/>
-          </p:nvPr>
+          <p:cNvPr id="9" name="ZoneTexte 8"/>
+          <p:cNvSpPr txBox="1"/>
+          <p:nvPr userDrawn="1"/>
         </p:nvSpPr>
         <p:spPr>
           <a:xfrm>
-            <a:off x="531812" y="787782"/>
-            <a:ext cx="779767" cy="365125"/>
+            <a:off x="206734" y="783357"/>
+            <a:ext cx="1105231" cy="307777"/>
           </a:xfrm>
+          <a:prstGeom prst="rect">
+            <a:avLst/>
+          </a:prstGeom>
+          <a:noFill/>
         </p:spPr>
+        <p:txBody>
+          <a:bodyPr wrap="square" rtlCol="0" anchor="ctr">
+            <a:spAutoFit/>
+          </a:bodyPr>
+          <a:lstStyle/>
+          <a:p>
+            <a:pPr algn="r"/>
+            <a:fld id="{1A85315E-D13C-4649-B3EE-0767220E3FA0}" type="slidenum">
+              <a:rPr lang="fr-FR" sz="1400" smtClean="0">
+                <a:solidFill>
+                  <a:schemeClr val="bg1"/>
+                </a:solidFill>
+              </a:rPr>
+              <a:pPr algn="r"/>
+              <a:t>‹N°›</a:t>
+            </a:fld>
+            <a:endParaRPr lang="fr-FR" sz="1400" dirty="0">
+              <a:solidFill>
+                <a:schemeClr val="bg1"/>
+              </a:solidFill>
+            </a:endParaRPr>
+          </a:p>
+        </p:txBody>
+      </p:sp>
+      <p:sp>
+        <p:nvSpPr>
+          <p:cNvPr id="10" name="ZoneTexte 9"/>
+          <p:cNvSpPr txBox="1"/>
+          <p:nvPr userDrawn="1"/>
+        </p:nvSpPr>
+        <p:spPr>
+          <a:xfrm>
+            <a:off x="9384821" y="6611779"/>
+            <a:ext cx="2807179" cy="246221"/>
+          </a:xfrm>
+          <a:prstGeom prst="rect">
+            <a:avLst/>
+          </a:prstGeom>
+          <a:noFill/>
+        </p:spPr>
+        <p:txBody>
+          <a:bodyPr wrap="none" rtlCol="0">
+            <a:spAutoFit/>
+          </a:bodyPr>
+          <a:lstStyle/>
+          <a:p>
+            <a:r>
+              <a:rPr lang="fr-FR" sz="1000" b="1" dirty="0" smtClean="0">
+                <a:solidFill>
+                  <a:schemeClr val="accent1"/>
+                </a:solidFill>
+              </a:rPr>
+              <a:t>Copyright © Thierry DECKER 2017 - </a:t>
+            </a:r>
+            <a:fld id="{8CCBA4B4-63A8-48A8-920F-F5A60A63767F}" type="datetime7">
+              <a:rPr lang="fr-FR" sz="1000" b="1" smtClean="0">
+                <a:solidFill>
+                  <a:schemeClr val="accent1"/>
+                </a:solidFill>
+              </a:rPr>
+              <a:t>déc.-17</a:t>
+            </a:fld>
+            <a:endParaRPr lang="fr-FR" sz="1000" b="1" dirty="0">
+              <a:solidFill>
+                <a:schemeClr val="accent1"/>
+              </a:solidFill>
+            </a:endParaRPr>
+          </a:p>
+        </p:txBody>
+      </p:sp>
+      <p:sp>
+        <p:nvSpPr>
+          <p:cNvPr id="7" name="Titre 6"/>
+          <p:cNvSpPr>
+            <a:spLocks noGrp="1"/>
+          </p:cNvSpPr>
+          <p:nvPr>
+            <p:ph type="title"/>
+          </p:nvPr>
+        </p:nvSpPr>
+        <p:spPr/>
         <p:txBody>
           <a:bodyPr/>
           <a:lstStyle/>
           <a:p>
-            <a:fld id="{D57F1E4F-1CFF-5643-939E-217C01CDF565}" type="slidenum">
-              <a:rPr lang="en-US" dirty="0"/>
-              <a:pPr/>
-              <a:t>‹N°›</a:t>
-            </a:fld>
-            <a:endParaRPr lang="en-US" dirty="0"/>
+            <a:r>
+              <a:rPr lang="fr-FR" smtClean="0"/>
+              <a:t>Modifiez le style du titre</a:t>
+            </a:r>
+            <a:endParaRPr lang="fr-FR"/>
           </a:p>
         </p:txBody>
       </p:sp>
     </p:spTree>
+    <p:extLst>
+      <p:ext uri="{BB962C8B-B14F-4D97-AF65-F5344CB8AC3E}">
+        <p14:creationId xmlns:p14="http://schemas.microsoft.com/office/powerpoint/2010/main" val="2146280662"/>
+      </p:ext>
+    </p:extLst>
   </p:cSld>
   <p:clrMapOvr>
     <a:masterClrMapping/>
   </p:clrMapOvr>
+  <p:timing>
+    <p:tnLst>
+      <p:par>
+        <p:cTn id="1" dur="indefinite" restart="never" nodeType="tmRoot"/>
+      </p:par>
+    </p:tnLst>
+  </p:timing>
 </p:sldLayout>
 </file>
 
-<file path=ppt/slideLayouts/slideLayout5.xml><?xml version="1.0" encoding="utf-8"?>
-<p:sldLayout xmlns:a="http://schemas.openxmlformats.org/drawingml/2006/main" xmlns:r="http://schemas.openxmlformats.org/officeDocument/2006/relationships" xmlns:p="http://schemas.openxmlformats.org/presentationml/2006/main" type="twoTxTwoObj" preserve="1">
-  <p:cSld name="Comparaison">
+<file path=ppt/slideLayouts/slideLayout3.xml><?xml version="1.0" encoding="utf-8"?>
+<p:sldLayout xmlns:a="http://schemas.openxmlformats.org/drawingml/2006/main" xmlns:r="http://schemas.openxmlformats.org/officeDocument/2006/relationships" xmlns:p="http://schemas.openxmlformats.org/presentationml/2006/main" type="secHead" preserve="1">
+  <p:cSld name="Titre de section">
     <p:spTree>
       <p:nvGrpSpPr>
         <p:cNvPr id="1" name=""/>
@@ -3927,7 +4040,7 @@
       </p:grpSpPr>
       <p:sp>
         <p:nvSpPr>
-          <p:cNvPr id="10" name="Title 9"/>
+          <p:cNvPr id="2" name="Title 1"/>
           <p:cNvSpPr>
             <a:spLocks noGrp="1"/>
           </p:cNvSpPr>
@@ -3935,10 +4048,19 @@
             <p:ph type="title"/>
           </p:nvPr>
         </p:nvSpPr>
-        <p:spPr/>
-        <p:txBody>
-          <a:bodyPr/>
-          <a:lstStyle/>
+        <p:spPr>
+          <a:xfrm>
+            <a:off x="2589212" y="2058750"/>
+            <a:ext cx="8915399" cy="1468800"/>
+          </a:xfrm>
+        </p:spPr>
+        <p:txBody>
+          <a:bodyPr anchor="b"/>
+          <a:lstStyle>
+            <a:lvl1pPr algn="l">
+              <a:defRPr sz="4000" b="0" cap="none"/>
+            </a:lvl1pPr>
+          </a:lstStyle>
           <a:p>
             <a:r>
               <a:rPr lang="fr-FR" smtClean="0"/>
@@ -3960,50 +4082,103 @@
         </p:nvSpPr>
         <p:spPr>
           <a:xfrm>
-            <a:off x="2939373" y="1972703"/>
-            <a:ext cx="3992732" cy="576262"/>
+            <a:off x="2589212" y="3530129"/>
+            <a:ext cx="8915399" cy="860400"/>
           </a:xfrm>
         </p:spPr>
         <p:txBody>
-          <a:bodyPr anchor="b">
-            <a:noAutofit/>
-          </a:bodyPr>
+          <a:bodyPr anchor="t"/>
           <a:lstStyle>
-            <a:lvl1pPr marL="0" indent="0">
+            <a:lvl1pPr marL="0" indent="0" algn="l">
               <a:buNone/>
-              <a:defRPr sz="2400" b="0"/>
+              <a:defRPr sz="2000">
+                <a:solidFill>
+                  <a:schemeClr val="tx1">
+                    <a:lumMod val="65000"/>
+                    <a:lumOff val="35000"/>
+                  </a:schemeClr>
+                </a:solidFill>
+              </a:defRPr>
             </a:lvl1pPr>
             <a:lvl2pPr marL="457200" indent="0">
               <a:buNone/>
-              <a:defRPr sz="2000" b="1"/>
+              <a:defRPr sz="1800">
+                <a:solidFill>
+                  <a:schemeClr val="tx1">
+                    <a:tint val="75000"/>
+                  </a:schemeClr>
+                </a:solidFill>
+              </a:defRPr>
             </a:lvl2pPr>
             <a:lvl3pPr marL="914400" indent="0">
               <a:buNone/>
-              <a:defRPr sz="1800" b="1"/>
+              <a:defRPr sz="1600">
+                <a:solidFill>
+                  <a:schemeClr val="tx1">
+                    <a:tint val="75000"/>
+                  </a:schemeClr>
+                </a:solidFill>
+              </a:defRPr>
             </a:lvl3pPr>
             <a:lvl4pPr marL="1371600" indent="0">
               <a:buNone/>
-              <a:defRPr sz="1600" b="1"/>
+              <a:defRPr sz="1400">
+                <a:solidFill>
+                  <a:schemeClr val="tx1">
+                    <a:tint val="75000"/>
+                  </a:schemeClr>
+                </a:solidFill>
+              </a:defRPr>
             </a:lvl4pPr>
             <a:lvl5pPr marL="1828800" indent="0">
               <a:buNone/>
-              <a:defRPr sz="1600" b="1"/>
+              <a:defRPr sz="1400">
+                <a:solidFill>
+                  <a:schemeClr val="tx1">
+                    <a:tint val="75000"/>
+                  </a:schemeClr>
+                </a:solidFill>
+              </a:defRPr>
             </a:lvl5pPr>
             <a:lvl6pPr marL="2286000" indent="0">
               <a:buNone/>
-              <a:defRPr sz="1600" b="1"/>
+              <a:defRPr sz="1400">
+                <a:solidFill>
+                  <a:schemeClr val="tx1">
+                    <a:tint val="75000"/>
+                  </a:schemeClr>
+                </a:solidFill>
+              </a:defRPr>
             </a:lvl6pPr>
             <a:lvl7pPr marL="2743200" indent="0">
               <a:buNone/>
-              <a:defRPr sz="1600" b="1"/>
+              <a:defRPr sz="1400">
+                <a:solidFill>
+                  <a:schemeClr val="tx1">
+                    <a:tint val="75000"/>
+                  </a:schemeClr>
+                </a:solidFill>
+              </a:defRPr>
             </a:lvl7pPr>
             <a:lvl8pPr marL="3200400" indent="0">
               <a:buNone/>
-              <a:defRPr sz="1600" b="1"/>
+              <a:defRPr sz="1400">
+                <a:solidFill>
+                  <a:schemeClr val="tx1">
+                    <a:tint val="75000"/>
+                  </a:schemeClr>
+                </a:solidFill>
+              </a:defRPr>
             </a:lvl8pPr>
             <a:lvl9pPr marL="3657600" indent="0">
               <a:buNone/>
-              <a:defRPr sz="1600" b="1"/>
+              <a:defRPr sz="1400">
+                <a:solidFill>
+                  <a:schemeClr val="tx1">
+                    <a:tint val="75000"/>
+                  </a:schemeClr>
+                </a:solidFill>
+              </a:defRPr>
             </a:lvl9pPr>
           </a:lstStyle>
           <a:p>
@@ -4017,18 +4192,219 @@
       </p:sp>
       <p:sp>
         <p:nvSpPr>
-          <p:cNvPr id="4" name="Content Placeholder 3"/>
-          <p:cNvSpPr>
-            <a:spLocks noGrp="1"/>
-          </p:cNvSpPr>
-          <p:nvPr>
-            <p:ph sz="half" idx="2"/>
+          <p:cNvPr id="4" name="Date Placeholder 3"/>
+          <p:cNvSpPr>
+            <a:spLocks noGrp="1"/>
+          </p:cNvSpPr>
+          <p:nvPr>
+            <p:ph type="dt" sz="half" idx="10"/>
+          </p:nvPr>
+        </p:nvSpPr>
+        <p:spPr/>
+        <p:txBody>
+          <a:bodyPr/>
+          <a:lstStyle/>
+          <a:p>
+            <a:fld id="{086CC522-5229-4E69-BBB2-D5F912967395}" type="datetime1">
+              <a:rPr lang="en-US" smtClean="0"/>
+              <a:t>12/31/2017</a:t>
+            </a:fld>
+            <a:endParaRPr lang="en-US" dirty="0"/>
+          </a:p>
+        </p:txBody>
+      </p:sp>
+      <p:sp>
+        <p:nvSpPr>
+          <p:cNvPr id="5" name="Footer Placeholder 4"/>
+          <p:cNvSpPr>
+            <a:spLocks noGrp="1"/>
+          </p:cNvSpPr>
+          <p:nvPr>
+            <p:ph type="ftr" sz="quarter" idx="11"/>
+          </p:nvPr>
+        </p:nvSpPr>
+        <p:spPr/>
+        <p:txBody>
+          <a:bodyPr/>
+          <a:lstStyle/>
+          <a:p>
+            <a:endParaRPr lang="en-US" dirty="0"/>
+          </a:p>
+        </p:txBody>
+      </p:sp>
+      <p:sp>
+        <p:nvSpPr>
+          <p:cNvPr id="9" name="Freeform 11"/>
+          <p:cNvSpPr/>
+          <p:nvPr/>
+        </p:nvSpPr>
+        <p:spPr bwMode="auto">
+          <a:xfrm flipV="1">
+            <a:off x="-4189" y="3178175"/>
+            <a:ext cx="1588527" cy="507297"/>
+          </a:xfrm>
+          <a:custGeom>
+            <a:avLst/>
+            <a:gdLst/>
+            <a:ahLst/>
+            <a:cxnLst/>
+            <a:rect l="l" t="t" r="r" b="b"/>
+            <a:pathLst>
+              <a:path w="9248" h="10000">
+                <a:moveTo>
+                  <a:pt x="9248" y="4701"/>
+                </a:moveTo>
+                <a:lnTo>
+                  <a:pt x="7915" y="188"/>
+                </a:lnTo>
+                <a:cubicBezTo>
+                  <a:pt x="7906" y="156"/>
+                  <a:pt x="7895" y="126"/>
+                  <a:pt x="7886" y="94"/>
+                </a:cubicBezTo>
+                <a:cubicBezTo>
+                  <a:pt x="7859" y="0"/>
+                  <a:pt x="7831" y="0"/>
+                  <a:pt x="7803" y="0"/>
+                </a:cubicBezTo>
+                <a:lnTo>
+                  <a:pt x="7275" y="0"/>
+                </a:lnTo>
+                <a:lnTo>
+                  <a:pt x="0" y="70"/>
+                </a:lnTo>
+                <a:cubicBezTo>
+                  <a:pt x="8" y="3380"/>
+                  <a:pt x="17" y="6690"/>
+                  <a:pt x="25" y="10000"/>
+                </a:cubicBezTo>
+                <a:lnTo>
+                  <a:pt x="7275" y="9966"/>
+                </a:lnTo>
+                <a:lnTo>
+                  <a:pt x="7803" y="9966"/>
+                </a:lnTo>
+                <a:cubicBezTo>
+                  <a:pt x="7831" y="9966"/>
+                  <a:pt x="7859" y="9872"/>
+                  <a:pt x="7886" y="9872"/>
+                </a:cubicBezTo>
+                <a:cubicBezTo>
+                  <a:pt x="7886" y="9778"/>
+                  <a:pt x="7915" y="9778"/>
+                  <a:pt x="7915" y="9778"/>
+                </a:cubicBezTo>
+                <a:lnTo>
+                  <a:pt x="9248" y="5265"/>
+                </a:lnTo>
+                <a:cubicBezTo>
+                  <a:pt x="9303" y="5077"/>
+                  <a:pt x="9303" y="4889"/>
+                  <a:pt x="9248" y="4701"/>
+                </a:cubicBezTo>
+                <a:close/>
+              </a:path>
+            </a:pathLst>
+          </a:custGeom>
+          <a:solidFill>
+            <a:schemeClr val="accent1"/>
+          </a:solidFill>
+          <a:ln>
+            <a:noFill/>
+          </a:ln>
+        </p:spPr>
+      </p:sp>
+      <p:sp>
+        <p:nvSpPr>
+          <p:cNvPr id="6" name="Slide Number Placeholder 5"/>
+          <p:cNvSpPr>
+            <a:spLocks noGrp="1"/>
+          </p:cNvSpPr>
+          <p:nvPr>
+            <p:ph type="sldNum" sz="quarter" idx="12"/>
           </p:nvPr>
         </p:nvSpPr>
         <p:spPr>
           <a:xfrm>
-            <a:off x="2589212" y="2548966"/>
-            <a:ext cx="4342893" cy="3354060"/>
+            <a:off x="531812" y="3244139"/>
+            <a:ext cx="779767" cy="365125"/>
+          </a:xfrm>
+        </p:spPr>
+        <p:txBody>
+          <a:bodyPr/>
+          <a:lstStyle/>
+          <a:p>
+            <a:endParaRPr lang="en-US" dirty="0"/>
+          </a:p>
+        </p:txBody>
+      </p:sp>
+    </p:spTree>
+    <p:extLst>
+      <p:ext uri="{BB962C8B-B14F-4D97-AF65-F5344CB8AC3E}">
+        <p14:creationId xmlns:p14="http://schemas.microsoft.com/office/powerpoint/2010/main" val="237789339"/>
+      </p:ext>
+    </p:extLst>
+  </p:cSld>
+  <p:clrMapOvr>
+    <a:masterClrMapping/>
+  </p:clrMapOvr>
+</p:sldLayout>
+</file>
+
+<file path=ppt/slideLayouts/slideLayout4.xml><?xml version="1.0" encoding="utf-8"?>
+<p:sldLayout xmlns:a="http://schemas.openxmlformats.org/drawingml/2006/main" xmlns:r="http://schemas.openxmlformats.org/officeDocument/2006/relationships" xmlns:p="http://schemas.openxmlformats.org/presentationml/2006/main" type="twoObj" preserve="1">
+  <p:cSld name="Deux contenus">
+    <p:spTree>
+      <p:nvGrpSpPr>
+        <p:cNvPr id="1" name=""/>
+        <p:cNvGrpSpPr/>
+        <p:nvPr/>
+      </p:nvGrpSpPr>
+      <p:grpSpPr>
+        <a:xfrm>
+          <a:off x="0" y="0"/>
+          <a:ext cx="0" cy="0"/>
+          <a:chOff x="0" y="0"/>
+          <a:chExt cx="0" cy="0"/>
+        </a:xfrm>
+      </p:grpSpPr>
+      <p:sp>
+        <p:nvSpPr>
+          <p:cNvPr id="8" name="Title 7"/>
+          <p:cNvSpPr>
+            <a:spLocks noGrp="1"/>
+          </p:cNvSpPr>
+          <p:nvPr>
+            <p:ph type="title"/>
+          </p:nvPr>
+        </p:nvSpPr>
+        <p:spPr/>
+        <p:txBody>
+          <a:bodyPr/>
+          <a:lstStyle/>
+          <a:p>
+            <a:r>
+              <a:rPr lang="fr-FR" smtClean="0"/>
+              <a:t>Modifiez le style du titre</a:t>
+            </a:r>
+            <a:endParaRPr lang="en-US" dirty="0"/>
+          </a:p>
+        </p:txBody>
+      </p:sp>
+      <p:sp>
+        <p:nvSpPr>
+          <p:cNvPr id="3" name="Content Placeholder 2"/>
+          <p:cNvSpPr>
+            <a:spLocks noGrp="1"/>
+          </p:cNvSpPr>
+          <p:nvPr>
+            <p:ph sz="half" idx="1"/>
+          </p:nvPr>
+        </p:nvSpPr>
+        <p:spPr>
+          <a:xfrm>
+            <a:off x="2589212" y="2133600"/>
+            <a:ext cx="4313864" cy="3777622"/>
           </a:xfrm>
         </p:spPr>
         <p:txBody>
@@ -4076,85 +4452,18 @@
       </p:sp>
       <p:sp>
         <p:nvSpPr>
-          <p:cNvPr id="5" name="Text Placeholder 4"/>
-          <p:cNvSpPr>
-            <a:spLocks noGrp="1"/>
-          </p:cNvSpPr>
-          <p:nvPr>
-            <p:ph type="body" sz="quarter" idx="3"/>
+          <p:cNvPr id="4" name="Content Placeholder 3"/>
+          <p:cNvSpPr>
+            <a:spLocks noGrp="1"/>
+          </p:cNvSpPr>
+          <p:nvPr>
+            <p:ph sz="half" idx="2"/>
           </p:nvPr>
         </p:nvSpPr>
         <p:spPr>
           <a:xfrm>
-            <a:off x="7506629" y="1969475"/>
-            <a:ext cx="3999001" cy="576262"/>
-          </a:xfrm>
-        </p:spPr>
-        <p:txBody>
-          <a:bodyPr anchor="b">
-            <a:noAutofit/>
-          </a:bodyPr>
-          <a:lstStyle>
-            <a:lvl1pPr marL="0" indent="0">
-              <a:buNone/>
-              <a:defRPr sz="2400" b="0"/>
-            </a:lvl1pPr>
-            <a:lvl2pPr marL="457200" indent="0">
-              <a:buNone/>
-              <a:defRPr sz="2000" b="1"/>
-            </a:lvl2pPr>
-            <a:lvl3pPr marL="914400" indent="0">
-              <a:buNone/>
-              <a:defRPr sz="1800" b="1"/>
-            </a:lvl3pPr>
-            <a:lvl4pPr marL="1371600" indent="0">
-              <a:buNone/>
-              <a:defRPr sz="1600" b="1"/>
-            </a:lvl4pPr>
-            <a:lvl5pPr marL="1828800" indent="0">
-              <a:buNone/>
-              <a:defRPr sz="1600" b="1"/>
-            </a:lvl5pPr>
-            <a:lvl6pPr marL="2286000" indent="0">
-              <a:buNone/>
-              <a:defRPr sz="1600" b="1"/>
-            </a:lvl6pPr>
-            <a:lvl7pPr marL="2743200" indent="0">
-              <a:buNone/>
-              <a:defRPr sz="1600" b="1"/>
-            </a:lvl7pPr>
-            <a:lvl8pPr marL="3200400" indent="0">
-              <a:buNone/>
-              <a:defRPr sz="1600" b="1"/>
-            </a:lvl8pPr>
-            <a:lvl9pPr marL="3657600" indent="0">
-              <a:buNone/>
-              <a:defRPr sz="1600" b="1"/>
-            </a:lvl9pPr>
-          </a:lstStyle>
-          <a:p>
-            <a:pPr lvl="0"/>
-            <a:r>
-              <a:rPr lang="fr-FR" smtClean="0"/>
-              <a:t>Modifiez les styles du texte du masque</a:t>
-            </a:r>
-          </a:p>
-        </p:txBody>
-      </p:sp>
-      <p:sp>
-        <p:nvSpPr>
-          <p:cNvPr id="6" name="Content Placeholder 5"/>
-          <p:cNvSpPr>
-            <a:spLocks noGrp="1"/>
-          </p:cNvSpPr>
-          <p:nvPr>
-            <p:ph sz="quarter" idx="4"/>
-          </p:nvPr>
-        </p:nvSpPr>
-        <p:spPr>
-          <a:xfrm>
-            <a:off x="7166957" y="2545738"/>
-            <a:ext cx="4338674" cy="3354060"/>
+            <a:off x="7190747" y="2126222"/>
+            <a:ext cx="4313864" cy="3777622"/>
           </a:xfrm>
         </p:spPr>
         <p:txBody>
@@ -4202,7 +4511,7 @@
       </p:sp>
       <p:sp>
         <p:nvSpPr>
-          <p:cNvPr id="7" name="Date Placeholder 6"/>
+          <p:cNvPr id="5" name="Date Placeholder 4"/>
           <p:cNvSpPr>
             <a:spLocks noGrp="1"/>
           </p:cNvSpPr>
@@ -4215,7 +4524,7 @@
           <a:bodyPr/>
           <a:lstStyle/>
           <a:p>
-            <a:fld id="{9F18A03C-314A-4F06-B760-F20B5FED1D3F}" type="datetime1">
+            <a:fld id="{56B9B5DB-1D1A-42F8-93F0-BBA44C1CAF57}" type="datetime1">
               <a:rPr lang="en-US" smtClean="0"/>
               <a:t>12/31/2017</a:t>
             </a:fld>
@@ -4225,7 +4534,7 @@
       </p:sp>
       <p:sp>
         <p:nvSpPr>
-          <p:cNvPr id="8" name="Footer Placeholder 7"/>
+          <p:cNvPr id="6" name="Footer Placeholder 5"/>
           <p:cNvSpPr>
             <a:spLocks noGrp="1"/>
           </p:cNvSpPr>
@@ -4244,7 +4553,7 @@
       </p:sp>
       <p:sp>
         <p:nvSpPr>
-          <p:cNvPr id="12" name="Freeform 11"/>
+          <p:cNvPr id="10" name="Freeform 11"/>
           <p:cNvSpPr/>
           <p:nvPr/>
         </p:nvSpPr>
@@ -4326,7 +4635,7 @@
       </p:sp>
       <p:sp>
         <p:nvSpPr>
-          <p:cNvPr id="13" name="Slide Number Placeholder 5"/>
+          <p:cNvPr id="11" name="Slide Number Placeholder 5"/>
           <p:cNvSpPr>
             <a:spLocks noGrp="1"/>
           </p:cNvSpPr>
@@ -4345,7 +4654,7 @@
           <a:lstStyle/>
           <a:p>
             <a:fld id="{D57F1E4F-1CFF-5643-939E-217C01CDF565}" type="slidenum">
-              <a:rPr lang="en-US" dirty="0"/>
+              <a:rPr lang="en-US" smtClean="0"/>
               <a:pPr/>
               <a:t>‹N°›</a:t>
             </a:fld>
@@ -4354,6 +4663,11 @@
         </p:txBody>
       </p:sp>
     </p:spTree>
+    <p:extLst>
+      <p:ext uri="{BB962C8B-B14F-4D97-AF65-F5344CB8AC3E}">
+        <p14:creationId xmlns:p14="http://schemas.microsoft.com/office/powerpoint/2010/main" val="1760723474"/>
+      </p:ext>
+    </p:extLst>
   </p:cSld>
   <p:clrMapOvr>
     <a:masterClrMapping/>
@@ -4361,9 +4675,9 @@
 </p:sldLayout>
 </file>
 
-<file path=ppt/slideLayouts/slideLayout6.xml><?xml version="1.0" encoding="utf-8"?>
-<p:sldLayout xmlns:a="http://schemas.openxmlformats.org/drawingml/2006/main" xmlns:r="http://schemas.openxmlformats.org/officeDocument/2006/relationships" xmlns:p="http://schemas.openxmlformats.org/presentationml/2006/main" type="titleOnly" preserve="1">
-  <p:cSld name="Titre seul">
+<file path=ppt/slideLayouts/slideLayout5.xml><?xml version="1.0" encoding="utf-8"?>
+<p:sldLayout xmlns:a="http://schemas.openxmlformats.org/drawingml/2006/main" xmlns:r="http://schemas.openxmlformats.org/officeDocument/2006/relationships" xmlns:p="http://schemas.openxmlformats.org/presentationml/2006/main" type="twoTxTwoObj" preserve="1">
+  <p:cSld name="Comparaison">
     <p:spTree>
       <p:nvGrpSpPr>
         <p:cNvPr id="1" name=""/>
@@ -4380,7 +4694,7 @@
       </p:grpSpPr>
       <p:sp>
         <p:nvSpPr>
-          <p:cNvPr id="2" name="Title 1"/>
+          <p:cNvPr id="10" name="Title 9"/>
           <p:cNvSpPr>
             <a:spLocks noGrp="1"/>
           </p:cNvSpPr>
@@ -4403,7 +4717,259 @@
       </p:sp>
       <p:sp>
         <p:nvSpPr>
-          <p:cNvPr id="3" name="Date Placeholder 2"/>
+          <p:cNvPr id="3" name="Text Placeholder 2"/>
+          <p:cNvSpPr>
+            <a:spLocks noGrp="1"/>
+          </p:cNvSpPr>
+          <p:nvPr>
+            <p:ph type="body" idx="1"/>
+          </p:nvPr>
+        </p:nvSpPr>
+        <p:spPr>
+          <a:xfrm>
+            <a:off x="2939373" y="1972703"/>
+            <a:ext cx="3992732" cy="576262"/>
+          </a:xfrm>
+        </p:spPr>
+        <p:txBody>
+          <a:bodyPr anchor="b">
+            <a:noAutofit/>
+          </a:bodyPr>
+          <a:lstStyle>
+            <a:lvl1pPr marL="0" indent="0">
+              <a:buNone/>
+              <a:defRPr sz="2400" b="0"/>
+            </a:lvl1pPr>
+            <a:lvl2pPr marL="457200" indent="0">
+              <a:buNone/>
+              <a:defRPr sz="2000" b="1"/>
+            </a:lvl2pPr>
+            <a:lvl3pPr marL="914400" indent="0">
+              <a:buNone/>
+              <a:defRPr sz="1800" b="1"/>
+            </a:lvl3pPr>
+            <a:lvl4pPr marL="1371600" indent="0">
+              <a:buNone/>
+              <a:defRPr sz="1600" b="1"/>
+            </a:lvl4pPr>
+            <a:lvl5pPr marL="1828800" indent="0">
+              <a:buNone/>
+              <a:defRPr sz="1600" b="1"/>
+            </a:lvl5pPr>
+            <a:lvl6pPr marL="2286000" indent="0">
+              <a:buNone/>
+              <a:defRPr sz="1600" b="1"/>
+            </a:lvl6pPr>
+            <a:lvl7pPr marL="2743200" indent="0">
+              <a:buNone/>
+              <a:defRPr sz="1600" b="1"/>
+            </a:lvl7pPr>
+            <a:lvl8pPr marL="3200400" indent="0">
+              <a:buNone/>
+              <a:defRPr sz="1600" b="1"/>
+            </a:lvl8pPr>
+            <a:lvl9pPr marL="3657600" indent="0">
+              <a:buNone/>
+              <a:defRPr sz="1600" b="1"/>
+            </a:lvl9pPr>
+          </a:lstStyle>
+          <a:p>
+            <a:pPr lvl="0"/>
+            <a:r>
+              <a:rPr lang="fr-FR" smtClean="0"/>
+              <a:t>Modifiez les styles du texte du masque</a:t>
+            </a:r>
+          </a:p>
+        </p:txBody>
+      </p:sp>
+      <p:sp>
+        <p:nvSpPr>
+          <p:cNvPr id="4" name="Content Placeholder 3"/>
+          <p:cNvSpPr>
+            <a:spLocks noGrp="1"/>
+          </p:cNvSpPr>
+          <p:nvPr>
+            <p:ph sz="half" idx="2"/>
+          </p:nvPr>
+        </p:nvSpPr>
+        <p:spPr>
+          <a:xfrm>
+            <a:off x="2589212" y="2548966"/>
+            <a:ext cx="4342893" cy="3354060"/>
+          </a:xfrm>
+        </p:spPr>
+        <p:txBody>
+          <a:bodyPr>
+            <a:normAutofit/>
+          </a:bodyPr>
+          <a:lstStyle/>
+          <a:p>
+            <a:pPr lvl="0"/>
+            <a:r>
+              <a:rPr lang="fr-FR" smtClean="0"/>
+              <a:t>Modifiez les styles du texte du masque</a:t>
+            </a:r>
+          </a:p>
+          <a:p>
+            <a:pPr lvl="1"/>
+            <a:r>
+              <a:rPr lang="fr-FR" smtClean="0"/>
+              <a:t>Deuxième niveau</a:t>
+            </a:r>
+          </a:p>
+          <a:p>
+            <a:pPr lvl="2"/>
+            <a:r>
+              <a:rPr lang="fr-FR" smtClean="0"/>
+              <a:t>Troisième niveau</a:t>
+            </a:r>
+          </a:p>
+          <a:p>
+            <a:pPr lvl="3"/>
+            <a:r>
+              <a:rPr lang="fr-FR" smtClean="0"/>
+              <a:t>Quatrième niveau</a:t>
+            </a:r>
+          </a:p>
+          <a:p>
+            <a:pPr lvl="4"/>
+            <a:r>
+              <a:rPr lang="fr-FR" smtClean="0"/>
+              <a:t>Cinquième niveau</a:t>
+            </a:r>
+            <a:endParaRPr lang="en-US" dirty="0"/>
+          </a:p>
+        </p:txBody>
+      </p:sp>
+      <p:sp>
+        <p:nvSpPr>
+          <p:cNvPr id="5" name="Text Placeholder 4"/>
+          <p:cNvSpPr>
+            <a:spLocks noGrp="1"/>
+          </p:cNvSpPr>
+          <p:nvPr>
+            <p:ph type="body" sz="quarter" idx="3"/>
+          </p:nvPr>
+        </p:nvSpPr>
+        <p:spPr>
+          <a:xfrm>
+            <a:off x="7506629" y="1969475"/>
+            <a:ext cx="3999001" cy="576262"/>
+          </a:xfrm>
+        </p:spPr>
+        <p:txBody>
+          <a:bodyPr anchor="b">
+            <a:noAutofit/>
+          </a:bodyPr>
+          <a:lstStyle>
+            <a:lvl1pPr marL="0" indent="0">
+              <a:buNone/>
+              <a:defRPr sz="2400" b="0"/>
+            </a:lvl1pPr>
+            <a:lvl2pPr marL="457200" indent="0">
+              <a:buNone/>
+              <a:defRPr sz="2000" b="1"/>
+            </a:lvl2pPr>
+            <a:lvl3pPr marL="914400" indent="0">
+              <a:buNone/>
+              <a:defRPr sz="1800" b="1"/>
+            </a:lvl3pPr>
+            <a:lvl4pPr marL="1371600" indent="0">
+              <a:buNone/>
+              <a:defRPr sz="1600" b="1"/>
+            </a:lvl4pPr>
+            <a:lvl5pPr marL="1828800" indent="0">
+              <a:buNone/>
+              <a:defRPr sz="1600" b="1"/>
+            </a:lvl5pPr>
+            <a:lvl6pPr marL="2286000" indent="0">
+              <a:buNone/>
+              <a:defRPr sz="1600" b="1"/>
+            </a:lvl6pPr>
+            <a:lvl7pPr marL="2743200" indent="0">
+              <a:buNone/>
+              <a:defRPr sz="1600" b="1"/>
+            </a:lvl7pPr>
+            <a:lvl8pPr marL="3200400" indent="0">
+              <a:buNone/>
+              <a:defRPr sz="1600" b="1"/>
+            </a:lvl8pPr>
+            <a:lvl9pPr marL="3657600" indent="0">
+              <a:buNone/>
+              <a:defRPr sz="1600" b="1"/>
+            </a:lvl9pPr>
+          </a:lstStyle>
+          <a:p>
+            <a:pPr lvl="0"/>
+            <a:r>
+              <a:rPr lang="fr-FR" smtClean="0"/>
+              <a:t>Modifiez les styles du texte du masque</a:t>
+            </a:r>
+          </a:p>
+        </p:txBody>
+      </p:sp>
+      <p:sp>
+        <p:nvSpPr>
+          <p:cNvPr id="6" name="Content Placeholder 5"/>
+          <p:cNvSpPr>
+            <a:spLocks noGrp="1"/>
+          </p:cNvSpPr>
+          <p:nvPr>
+            <p:ph sz="quarter" idx="4"/>
+          </p:nvPr>
+        </p:nvSpPr>
+        <p:spPr>
+          <a:xfrm>
+            <a:off x="7166957" y="2545738"/>
+            <a:ext cx="4338674" cy="3354060"/>
+          </a:xfrm>
+        </p:spPr>
+        <p:txBody>
+          <a:bodyPr>
+            <a:normAutofit/>
+          </a:bodyPr>
+          <a:lstStyle/>
+          <a:p>
+            <a:pPr lvl="0"/>
+            <a:r>
+              <a:rPr lang="fr-FR" smtClean="0"/>
+              <a:t>Modifiez les styles du texte du masque</a:t>
+            </a:r>
+          </a:p>
+          <a:p>
+            <a:pPr lvl="1"/>
+            <a:r>
+              <a:rPr lang="fr-FR" smtClean="0"/>
+              <a:t>Deuxième niveau</a:t>
+            </a:r>
+          </a:p>
+          <a:p>
+            <a:pPr lvl="2"/>
+            <a:r>
+              <a:rPr lang="fr-FR" smtClean="0"/>
+              <a:t>Troisième niveau</a:t>
+            </a:r>
+          </a:p>
+          <a:p>
+            <a:pPr lvl="3"/>
+            <a:r>
+              <a:rPr lang="fr-FR" smtClean="0"/>
+              <a:t>Quatrième niveau</a:t>
+            </a:r>
+          </a:p>
+          <a:p>
+            <a:pPr lvl="4"/>
+            <a:r>
+              <a:rPr lang="fr-FR" smtClean="0"/>
+              <a:t>Cinquième niveau</a:t>
+            </a:r>
+            <a:endParaRPr lang="en-US" dirty="0"/>
+          </a:p>
+        </p:txBody>
+      </p:sp>
+      <p:sp>
+        <p:nvSpPr>
+          <p:cNvPr id="7" name="Date Placeholder 6"/>
           <p:cNvSpPr>
             <a:spLocks noGrp="1"/>
           </p:cNvSpPr>
@@ -4416,7 +4982,7 @@
           <a:bodyPr/>
           <a:lstStyle/>
           <a:p>
-            <a:fld id="{BD191738-FFD6-4860-8529-524859D0AAD5}" type="datetime1">
+            <a:fld id="{9A4E8950-D3FA-4365-B561-9EE5AC9B6B6C}" type="datetime1">
               <a:rPr lang="en-US" smtClean="0"/>
               <a:t>12/31/2017</a:t>
             </a:fld>
@@ -4426,7 +4992,7 @@
       </p:sp>
       <p:sp>
         <p:nvSpPr>
-          <p:cNvPr id="4" name="Footer Placeholder 3"/>
+          <p:cNvPr id="8" name="Footer Placeholder 7"/>
           <p:cNvSpPr>
             <a:spLocks noGrp="1"/>
           </p:cNvSpPr>
@@ -4445,7 +5011,7 @@
       </p:sp>
       <p:sp>
         <p:nvSpPr>
-          <p:cNvPr id="7" name="Freeform 11"/>
+          <p:cNvPr id="12" name="Freeform 11"/>
           <p:cNvSpPr/>
           <p:nvPr/>
         </p:nvSpPr>
@@ -4527,7 +5093,7 @@
       </p:sp>
       <p:sp>
         <p:nvSpPr>
-          <p:cNvPr id="5" name="Slide Number Placeholder 4"/>
+          <p:cNvPr id="13" name="Slide Number Placeholder 5"/>
           <p:cNvSpPr>
             <a:spLocks noGrp="1"/>
           </p:cNvSpPr>
@@ -4535,13 +5101,18 @@
             <p:ph type="sldNum" sz="quarter" idx="12"/>
           </p:nvPr>
         </p:nvSpPr>
-        <p:spPr/>
+        <p:spPr>
+          <a:xfrm>
+            <a:off x="531812" y="787782"/>
+            <a:ext cx="779767" cy="365125"/>
+          </a:xfrm>
+        </p:spPr>
         <p:txBody>
           <a:bodyPr/>
           <a:lstStyle/>
           <a:p>
             <a:fld id="{D57F1E4F-1CFF-5643-939E-217C01CDF565}" type="slidenum">
-              <a:rPr lang="en-US" dirty="0"/>
+              <a:rPr lang="en-US" smtClean="0"/>
               <a:pPr/>
               <a:t>‹N°›</a:t>
             </a:fld>
@@ -4550,6 +5121,11 @@
         </p:txBody>
       </p:sp>
     </p:spTree>
+    <p:extLst>
+      <p:ext uri="{BB962C8B-B14F-4D97-AF65-F5344CB8AC3E}">
+        <p14:creationId xmlns:p14="http://schemas.microsoft.com/office/powerpoint/2010/main" val="2109592313"/>
+      </p:ext>
+    </p:extLst>
   </p:cSld>
   <p:clrMapOvr>
     <a:masterClrMapping/>
@@ -4557,9 +5133,9 @@
 </p:sldLayout>
 </file>
 
-<file path=ppt/slideLayouts/slideLayout7.xml><?xml version="1.0" encoding="utf-8"?>
-<p:sldLayout xmlns:a="http://schemas.openxmlformats.org/drawingml/2006/main" xmlns:r="http://schemas.openxmlformats.org/officeDocument/2006/relationships" xmlns:p="http://schemas.openxmlformats.org/presentationml/2006/main" type="blank" preserve="1">
-  <p:cSld name="Vide">
+<file path=ppt/slideLayouts/slideLayout6.xml><?xml version="1.0" encoding="utf-8"?>
+<p:sldLayout xmlns:a="http://schemas.openxmlformats.org/drawingml/2006/main" xmlns:r="http://schemas.openxmlformats.org/officeDocument/2006/relationships" xmlns:p="http://schemas.openxmlformats.org/presentationml/2006/main" type="titleOnly" preserve="1">
+  <p:cSld name="Titre seul">
     <p:spTree>
       <p:nvGrpSpPr>
         <p:cNvPr id="1" name=""/>
@@ -4576,12 +5152,12 @@
       </p:grpSpPr>
       <p:sp>
         <p:nvSpPr>
-          <p:cNvPr id="2" name="Date Placeholder 1"/>
-          <p:cNvSpPr>
-            <a:spLocks noGrp="1"/>
-          </p:cNvSpPr>
-          <p:nvPr>
-            <p:ph type="dt" sz="half" idx="10"/>
+          <p:cNvPr id="2" name="Title 1"/>
+          <p:cNvSpPr>
+            <a:spLocks noGrp="1"/>
+          </p:cNvSpPr>
+          <p:nvPr>
+            <p:ph type="title"/>
           </p:nvPr>
         </p:nvSpPr>
         <p:spPr/>
@@ -4589,7 +5165,30 @@
           <a:bodyPr/>
           <a:lstStyle/>
           <a:p>
-            <a:fld id="{87C445FA-DBB4-45A6-AF36-646BBDEFE7B8}" type="datetime1">
+            <a:r>
+              <a:rPr lang="fr-FR" smtClean="0"/>
+              <a:t>Modifiez le style du titre</a:t>
+            </a:r>
+            <a:endParaRPr lang="en-US" dirty="0"/>
+          </a:p>
+        </p:txBody>
+      </p:sp>
+      <p:sp>
+        <p:nvSpPr>
+          <p:cNvPr id="3" name="Date Placeholder 2"/>
+          <p:cNvSpPr>
+            <a:spLocks noGrp="1"/>
+          </p:cNvSpPr>
+          <p:nvPr>
+            <p:ph type="dt" sz="half" idx="10"/>
+          </p:nvPr>
+        </p:nvSpPr>
+        <p:spPr/>
+        <p:txBody>
+          <a:bodyPr/>
+          <a:lstStyle/>
+          <a:p>
+            <a:fld id="{20724122-C579-4659-8A06-81F42FC84005}" type="datetime1">
               <a:rPr lang="en-US" smtClean="0"/>
               <a:t>12/31/2017</a:t>
             </a:fld>
@@ -4599,7 +5198,7 @@
       </p:sp>
       <p:sp>
         <p:nvSpPr>
-          <p:cNvPr id="3" name="Footer Placeholder 2"/>
+          <p:cNvPr id="4" name="Footer Placeholder 3"/>
           <p:cNvSpPr>
             <a:spLocks noGrp="1"/>
           </p:cNvSpPr>
@@ -4618,7 +5217,7 @@
       </p:sp>
       <p:sp>
         <p:nvSpPr>
-          <p:cNvPr id="6" name="Freeform 11"/>
+          <p:cNvPr id="7" name="Freeform 11"/>
           <p:cNvSpPr/>
           <p:nvPr/>
         </p:nvSpPr>
@@ -4700,7 +5299,7 @@
       </p:sp>
       <p:sp>
         <p:nvSpPr>
-          <p:cNvPr id="4" name="Slide Number Placeholder 3"/>
+          <p:cNvPr id="5" name="Slide Number Placeholder 4"/>
           <p:cNvSpPr>
             <a:spLocks noGrp="1"/>
           </p:cNvSpPr>
@@ -4714,7 +5313,7 @@
           <a:lstStyle/>
           <a:p>
             <a:fld id="{D57F1E4F-1CFF-5643-939E-217C01CDF565}" type="slidenum">
-              <a:rPr lang="en-US" dirty="0"/>
+              <a:rPr lang="en-US" smtClean="0"/>
               <a:pPr/>
               <a:t>‹N°›</a:t>
             </a:fld>
@@ -4723,6 +5322,11 @@
         </p:txBody>
       </p:sp>
     </p:spTree>
+    <p:extLst>
+      <p:ext uri="{BB962C8B-B14F-4D97-AF65-F5344CB8AC3E}">
+        <p14:creationId xmlns:p14="http://schemas.microsoft.com/office/powerpoint/2010/main" val="2914022442"/>
+      </p:ext>
+    </p:extLst>
   </p:cSld>
   <p:clrMapOvr>
     <a:masterClrMapping/>
@@ -4730,9 +5334,9 @@
 </p:sldLayout>
 </file>
 
-<file path=ppt/slideLayouts/slideLayout8.xml><?xml version="1.0" encoding="utf-8"?>
-<p:sldLayout xmlns:a="http://schemas.openxmlformats.org/drawingml/2006/main" xmlns:r="http://schemas.openxmlformats.org/officeDocument/2006/relationships" xmlns:p="http://schemas.openxmlformats.org/presentationml/2006/main" type="objTx" preserve="1">
-  <p:cSld name="Contenu avec légende">
+<file path=ppt/slideLayouts/slideLayout7.xml><?xml version="1.0" encoding="utf-8"?>
+<p:sldLayout xmlns:a="http://schemas.openxmlformats.org/drawingml/2006/main" xmlns:r="http://schemas.openxmlformats.org/officeDocument/2006/relationships" xmlns:p="http://schemas.openxmlformats.org/presentationml/2006/main" type="blank" preserve="1">
+  <p:cSld name="Vide">
     <p:spTree>
       <p:nvGrpSpPr>
         <p:cNvPr id="1" name=""/>
@@ -4749,163 +5353,7 @@
       </p:grpSpPr>
       <p:sp>
         <p:nvSpPr>
-          <p:cNvPr id="2" name="Title 1"/>
-          <p:cNvSpPr>
-            <a:spLocks noGrp="1"/>
-          </p:cNvSpPr>
-          <p:nvPr>
-            <p:ph type="title"/>
-          </p:nvPr>
-        </p:nvSpPr>
-        <p:spPr>
-          <a:xfrm>
-            <a:off x="2589212" y="446088"/>
-            <a:ext cx="3505199" cy="976312"/>
-          </a:xfrm>
-        </p:spPr>
-        <p:txBody>
-          <a:bodyPr anchor="b"/>
-          <a:lstStyle>
-            <a:lvl1pPr algn="l">
-              <a:defRPr sz="2000" b="0"/>
-            </a:lvl1pPr>
-          </a:lstStyle>
-          <a:p>
-            <a:r>
-              <a:rPr lang="fr-FR" smtClean="0"/>
-              <a:t>Modifiez le style du titre</a:t>
-            </a:r>
-            <a:endParaRPr lang="en-US" dirty="0"/>
-          </a:p>
-        </p:txBody>
-      </p:sp>
-      <p:sp>
-        <p:nvSpPr>
-          <p:cNvPr id="3" name="Content Placeholder 2"/>
-          <p:cNvSpPr>
-            <a:spLocks noGrp="1"/>
-          </p:cNvSpPr>
-          <p:nvPr>
-            <p:ph idx="1"/>
-          </p:nvPr>
-        </p:nvSpPr>
-        <p:spPr>
-          <a:xfrm>
-            <a:off x="6323012" y="446088"/>
-            <a:ext cx="5181600" cy="5414963"/>
-          </a:xfrm>
-        </p:spPr>
-        <p:txBody>
-          <a:bodyPr anchor="ctr">
-            <a:normAutofit/>
-          </a:bodyPr>
-          <a:lstStyle/>
-          <a:p>
-            <a:pPr lvl="0"/>
-            <a:r>
-              <a:rPr lang="fr-FR" smtClean="0"/>
-              <a:t>Modifiez les styles du texte du masque</a:t>
-            </a:r>
-          </a:p>
-          <a:p>
-            <a:pPr lvl="1"/>
-            <a:r>
-              <a:rPr lang="fr-FR" smtClean="0"/>
-              <a:t>Deuxième niveau</a:t>
-            </a:r>
-          </a:p>
-          <a:p>
-            <a:pPr lvl="2"/>
-            <a:r>
-              <a:rPr lang="fr-FR" smtClean="0"/>
-              <a:t>Troisième niveau</a:t>
-            </a:r>
-          </a:p>
-          <a:p>
-            <a:pPr lvl="3"/>
-            <a:r>
-              <a:rPr lang="fr-FR" smtClean="0"/>
-              <a:t>Quatrième niveau</a:t>
-            </a:r>
-          </a:p>
-          <a:p>
-            <a:pPr lvl="4"/>
-            <a:r>
-              <a:rPr lang="fr-FR" smtClean="0"/>
-              <a:t>Cinquième niveau</a:t>
-            </a:r>
-            <a:endParaRPr lang="en-US" dirty="0"/>
-          </a:p>
-        </p:txBody>
-      </p:sp>
-      <p:sp>
-        <p:nvSpPr>
-          <p:cNvPr id="4" name="Text Placeholder 3"/>
-          <p:cNvSpPr>
-            <a:spLocks noGrp="1"/>
-          </p:cNvSpPr>
-          <p:nvPr>
-            <p:ph type="body" sz="half" idx="2"/>
-          </p:nvPr>
-        </p:nvSpPr>
-        <p:spPr>
-          <a:xfrm>
-            <a:off x="2589212" y="1598613"/>
-            <a:ext cx="3505199" cy="4262436"/>
-          </a:xfrm>
-        </p:spPr>
-        <p:txBody>
-          <a:bodyPr/>
-          <a:lstStyle>
-            <a:lvl1pPr marL="0" indent="0">
-              <a:buNone/>
-              <a:defRPr sz="1400"/>
-            </a:lvl1pPr>
-            <a:lvl2pPr marL="457200" indent="0">
-              <a:buNone/>
-              <a:defRPr sz="1200"/>
-            </a:lvl2pPr>
-            <a:lvl3pPr marL="914400" indent="0">
-              <a:buNone/>
-              <a:defRPr sz="1000"/>
-            </a:lvl3pPr>
-            <a:lvl4pPr marL="1371600" indent="0">
-              <a:buNone/>
-              <a:defRPr sz="900"/>
-            </a:lvl4pPr>
-            <a:lvl5pPr marL="1828800" indent="0">
-              <a:buNone/>
-              <a:defRPr sz="900"/>
-            </a:lvl5pPr>
-            <a:lvl6pPr marL="2286000" indent="0">
-              <a:buNone/>
-              <a:defRPr sz="900"/>
-            </a:lvl6pPr>
-            <a:lvl7pPr marL="2743200" indent="0">
-              <a:buNone/>
-              <a:defRPr sz="900"/>
-            </a:lvl7pPr>
-            <a:lvl8pPr marL="3200400" indent="0">
-              <a:buNone/>
-              <a:defRPr sz="900"/>
-            </a:lvl8pPr>
-            <a:lvl9pPr marL="3657600" indent="0">
-              <a:buNone/>
-              <a:defRPr sz="900"/>
-            </a:lvl9pPr>
-          </a:lstStyle>
-          <a:p>
-            <a:pPr lvl="0"/>
-            <a:r>
-              <a:rPr lang="fr-FR" smtClean="0"/>
-              <a:t>Modifiez les styles du texte du masque</a:t>
-            </a:r>
-          </a:p>
-        </p:txBody>
-      </p:sp>
-      <p:sp>
-        <p:nvSpPr>
-          <p:cNvPr id="5" name="Date Placeholder 4"/>
+          <p:cNvPr id="2" name="Date Placeholder 1"/>
           <p:cNvSpPr>
             <a:spLocks noGrp="1"/>
           </p:cNvSpPr>
@@ -4918,7 +5366,7 @@
           <a:bodyPr/>
           <a:lstStyle/>
           <a:p>
-            <a:fld id="{3CCB4C9D-9F99-4603-AFDB-5A1EF738629A}" type="datetime1">
+            <a:fld id="{E4C13383-9243-41F6-8072-8685ED9DD899}" type="datetime1">
               <a:rPr lang="en-US" smtClean="0"/>
               <a:t>12/31/2017</a:t>
             </a:fld>
@@ -4928,7 +5376,7 @@
       </p:sp>
       <p:sp>
         <p:nvSpPr>
-          <p:cNvPr id="6" name="Footer Placeholder 5"/>
+          <p:cNvPr id="3" name="Footer Placeholder 2"/>
           <p:cNvSpPr>
             <a:spLocks noGrp="1"/>
           </p:cNvSpPr>
@@ -4947,7 +5395,7 @@
       </p:sp>
       <p:sp>
         <p:nvSpPr>
-          <p:cNvPr id="9" name="Freeform 11"/>
+          <p:cNvPr id="6" name="Freeform 11"/>
           <p:cNvSpPr/>
           <p:nvPr/>
         </p:nvSpPr>
@@ -5029,7 +5477,7 @@
       </p:sp>
       <p:sp>
         <p:nvSpPr>
-          <p:cNvPr id="7" name="Slide Number Placeholder 6"/>
+          <p:cNvPr id="4" name="Slide Number Placeholder 3"/>
           <p:cNvSpPr>
             <a:spLocks noGrp="1"/>
           </p:cNvSpPr>
@@ -5043,7 +5491,7 @@
           <a:lstStyle/>
           <a:p>
             <a:fld id="{D57F1E4F-1CFF-5643-939E-217C01CDF565}" type="slidenum">
-              <a:rPr lang="en-US" dirty="0"/>
+              <a:rPr lang="en-US" smtClean="0"/>
               <a:pPr/>
               <a:t>‹N°›</a:t>
             </a:fld>
@@ -5052,6 +5500,345 @@
         </p:txBody>
       </p:sp>
     </p:spTree>
+    <p:extLst>
+      <p:ext uri="{BB962C8B-B14F-4D97-AF65-F5344CB8AC3E}">
+        <p14:creationId xmlns:p14="http://schemas.microsoft.com/office/powerpoint/2010/main" val="164915172"/>
+      </p:ext>
+    </p:extLst>
+  </p:cSld>
+  <p:clrMapOvr>
+    <a:masterClrMapping/>
+  </p:clrMapOvr>
+</p:sldLayout>
+</file>
+
+<file path=ppt/slideLayouts/slideLayout8.xml><?xml version="1.0" encoding="utf-8"?>
+<p:sldLayout xmlns:a="http://schemas.openxmlformats.org/drawingml/2006/main" xmlns:r="http://schemas.openxmlformats.org/officeDocument/2006/relationships" xmlns:p="http://schemas.openxmlformats.org/presentationml/2006/main" type="objTx" preserve="1">
+  <p:cSld name="Contenu avec légende">
+    <p:spTree>
+      <p:nvGrpSpPr>
+        <p:cNvPr id="1" name=""/>
+        <p:cNvGrpSpPr/>
+        <p:nvPr/>
+      </p:nvGrpSpPr>
+      <p:grpSpPr>
+        <a:xfrm>
+          <a:off x="0" y="0"/>
+          <a:ext cx="0" cy="0"/>
+          <a:chOff x="0" y="0"/>
+          <a:chExt cx="0" cy="0"/>
+        </a:xfrm>
+      </p:grpSpPr>
+      <p:sp>
+        <p:nvSpPr>
+          <p:cNvPr id="2" name="Title 1"/>
+          <p:cNvSpPr>
+            <a:spLocks noGrp="1"/>
+          </p:cNvSpPr>
+          <p:nvPr>
+            <p:ph type="title"/>
+          </p:nvPr>
+        </p:nvSpPr>
+        <p:spPr>
+          <a:xfrm>
+            <a:off x="2589212" y="446088"/>
+            <a:ext cx="3505199" cy="976312"/>
+          </a:xfrm>
+        </p:spPr>
+        <p:txBody>
+          <a:bodyPr anchor="b"/>
+          <a:lstStyle>
+            <a:lvl1pPr algn="l">
+              <a:defRPr sz="2000" b="0"/>
+            </a:lvl1pPr>
+          </a:lstStyle>
+          <a:p>
+            <a:r>
+              <a:rPr lang="fr-FR" smtClean="0"/>
+              <a:t>Modifiez le style du titre</a:t>
+            </a:r>
+            <a:endParaRPr lang="en-US" dirty="0"/>
+          </a:p>
+        </p:txBody>
+      </p:sp>
+      <p:sp>
+        <p:nvSpPr>
+          <p:cNvPr id="3" name="Content Placeholder 2"/>
+          <p:cNvSpPr>
+            <a:spLocks noGrp="1"/>
+          </p:cNvSpPr>
+          <p:nvPr>
+            <p:ph idx="1"/>
+          </p:nvPr>
+        </p:nvSpPr>
+        <p:spPr>
+          <a:xfrm>
+            <a:off x="6323012" y="446088"/>
+            <a:ext cx="5181600" cy="5414963"/>
+          </a:xfrm>
+        </p:spPr>
+        <p:txBody>
+          <a:bodyPr anchor="ctr">
+            <a:normAutofit/>
+          </a:bodyPr>
+          <a:lstStyle/>
+          <a:p>
+            <a:pPr lvl="0"/>
+            <a:r>
+              <a:rPr lang="fr-FR" smtClean="0"/>
+              <a:t>Modifiez les styles du texte du masque</a:t>
+            </a:r>
+          </a:p>
+          <a:p>
+            <a:pPr lvl="1"/>
+            <a:r>
+              <a:rPr lang="fr-FR" smtClean="0"/>
+              <a:t>Deuxième niveau</a:t>
+            </a:r>
+          </a:p>
+          <a:p>
+            <a:pPr lvl="2"/>
+            <a:r>
+              <a:rPr lang="fr-FR" smtClean="0"/>
+              <a:t>Troisième niveau</a:t>
+            </a:r>
+          </a:p>
+          <a:p>
+            <a:pPr lvl="3"/>
+            <a:r>
+              <a:rPr lang="fr-FR" smtClean="0"/>
+              <a:t>Quatrième niveau</a:t>
+            </a:r>
+          </a:p>
+          <a:p>
+            <a:pPr lvl="4"/>
+            <a:r>
+              <a:rPr lang="fr-FR" smtClean="0"/>
+              <a:t>Cinquième niveau</a:t>
+            </a:r>
+            <a:endParaRPr lang="en-US" dirty="0"/>
+          </a:p>
+        </p:txBody>
+      </p:sp>
+      <p:sp>
+        <p:nvSpPr>
+          <p:cNvPr id="4" name="Text Placeholder 3"/>
+          <p:cNvSpPr>
+            <a:spLocks noGrp="1"/>
+          </p:cNvSpPr>
+          <p:nvPr>
+            <p:ph type="body" sz="half" idx="2"/>
+          </p:nvPr>
+        </p:nvSpPr>
+        <p:spPr>
+          <a:xfrm>
+            <a:off x="2589212" y="1598613"/>
+            <a:ext cx="3505199" cy="4262436"/>
+          </a:xfrm>
+        </p:spPr>
+        <p:txBody>
+          <a:bodyPr/>
+          <a:lstStyle>
+            <a:lvl1pPr marL="0" indent="0">
+              <a:buNone/>
+              <a:defRPr sz="1400"/>
+            </a:lvl1pPr>
+            <a:lvl2pPr marL="457200" indent="0">
+              <a:buNone/>
+              <a:defRPr sz="1200"/>
+            </a:lvl2pPr>
+            <a:lvl3pPr marL="914400" indent="0">
+              <a:buNone/>
+              <a:defRPr sz="1000"/>
+            </a:lvl3pPr>
+            <a:lvl4pPr marL="1371600" indent="0">
+              <a:buNone/>
+              <a:defRPr sz="900"/>
+            </a:lvl4pPr>
+            <a:lvl5pPr marL="1828800" indent="0">
+              <a:buNone/>
+              <a:defRPr sz="900"/>
+            </a:lvl5pPr>
+            <a:lvl6pPr marL="2286000" indent="0">
+              <a:buNone/>
+              <a:defRPr sz="900"/>
+            </a:lvl6pPr>
+            <a:lvl7pPr marL="2743200" indent="0">
+              <a:buNone/>
+              <a:defRPr sz="900"/>
+            </a:lvl7pPr>
+            <a:lvl8pPr marL="3200400" indent="0">
+              <a:buNone/>
+              <a:defRPr sz="900"/>
+            </a:lvl8pPr>
+            <a:lvl9pPr marL="3657600" indent="0">
+              <a:buNone/>
+              <a:defRPr sz="900"/>
+            </a:lvl9pPr>
+          </a:lstStyle>
+          <a:p>
+            <a:pPr lvl="0"/>
+            <a:r>
+              <a:rPr lang="fr-FR" smtClean="0"/>
+              <a:t>Modifiez les styles du texte du masque</a:t>
+            </a:r>
+          </a:p>
+        </p:txBody>
+      </p:sp>
+      <p:sp>
+        <p:nvSpPr>
+          <p:cNvPr id="5" name="Date Placeholder 4"/>
+          <p:cNvSpPr>
+            <a:spLocks noGrp="1"/>
+          </p:cNvSpPr>
+          <p:nvPr>
+            <p:ph type="dt" sz="half" idx="10"/>
+          </p:nvPr>
+        </p:nvSpPr>
+        <p:spPr/>
+        <p:txBody>
+          <a:bodyPr/>
+          <a:lstStyle/>
+          <a:p>
+            <a:fld id="{03F027E6-328C-49ED-AE4B-BD647A7E3EDE}" type="datetime1">
+              <a:rPr lang="en-US" smtClean="0"/>
+              <a:t>12/31/2017</a:t>
+            </a:fld>
+            <a:endParaRPr lang="en-US" dirty="0"/>
+          </a:p>
+        </p:txBody>
+      </p:sp>
+      <p:sp>
+        <p:nvSpPr>
+          <p:cNvPr id="6" name="Footer Placeholder 5"/>
+          <p:cNvSpPr>
+            <a:spLocks noGrp="1"/>
+          </p:cNvSpPr>
+          <p:nvPr>
+            <p:ph type="ftr" sz="quarter" idx="11"/>
+          </p:nvPr>
+        </p:nvSpPr>
+        <p:spPr/>
+        <p:txBody>
+          <a:bodyPr/>
+          <a:lstStyle/>
+          <a:p>
+            <a:endParaRPr lang="en-US" dirty="0"/>
+          </a:p>
+        </p:txBody>
+      </p:sp>
+      <p:sp>
+        <p:nvSpPr>
+          <p:cNvPr id="9" name="Freeform 11"/>
+          <p:cNvSpPr/>
+          <p:nvPr/>
+        </p:nvSpPr>
+        <p:spPr bwMode="auto">
+          <a:xfrm flipV="1">
+            <a:off x="-4189" y="714375"/>
+            <a:ext cx="1588527" cy="507297"/>
+          </a:xfrm>
+          <a:custGeom>
+            <a:avLst/>
+            <a:gdLst/>
+            <a:ahLst/>
+            <a:cxnLst/>
+            <a:rect l="l" t="t" r="r" b="b"/>
+            <a:pathLst>
+              <a:path w="9248" h="10000">
+                <a:moveTo>
+                  <a:pt x="9248" y="4701"/>
+                </a:moveTo>
+                <a:lnTo>
+                  <a:pt x="7915" y="188"/>
+                </a:lnTo>
+                <a:cubicBezTo>
+                  <a:pt x="7906" y="156"/>
+                  <a:pt x="7895" y="126"/>
+                  <a:pt x="7886" y="94"/>
+                </a:cubicBezTo>
+                <a:cubicBezTo>
+                  <a:pt x="7859" y="0"/>
+                  <a:pt x="7831" y="0"/>
+                  <a:pt x="7803" y="0"/>
+                </a:cubicBezTo>
+                <a:lnTo>
+                  <a:pt x="7275" y="0"/>
+                </a:lnTo>
+                <a:lnTo>
+                  <a:pt x="0" y="70"/>
+                </a:lnTo>
+                <a:cubicBezTo>
+                  <a:pt x="8" y="3380"/>
+                  <a:pt x="17" y="6690"/>
+                  <a:pt x="25" y="10000"/>
+                </a:cubicBezTo>
+                <a:lnTo>
+                  <a:pt x="7275" y="9966"/>
+                </a:lnTo>
+                <a:lnTo>
+                  <a:pt x="7803" y="9966"/>
+                </a:lnTo>
+                <a:cubicBezTo>
+                  <a:pt x="7831" y="9966"/>
+                  <a:pt x="7859" y="9872"/>
+                  <a:pt x="7886" y="9872"/>
+                </a:cubicBezTo>
+                <a:cubicBezTo>
+                  <a:pt x="7886" y="9778"/>
+                  <a:pt x="7915" y="9778"/>
+                  <a:pt x="7915" y="9778"/>
+                </a:cubicBezTo>
+                <a:lnTo>
+                  <a:pt x="9248" y="5265"/>
+                </a:lnTo>
+                <a:cubicBezTo>
+                  <a:pt x="9303" y="5077"/>
+                  <a:pt x="9303" y="4889"/>
+                  <a:pt x="9248" y="4701"/>
+                </a:cubicBezTo>
+                <a:close/>
+              </a:path>
+            </a:pathLst>
+          </a:custGeom>
+          <a:solidFill>
+            <a:schemeClr val="accent1"/>
+          </a:solidFill>
+          <a:ln>
+            <a:noFill/>
+          </a:ln>
+        </p:spPr>
+      </p:sp>
+      <p:sp>
+        <p:nvSpPr>
+          <p:cNvPr id="7" name="Slide Number Placeholder 6"/>
+          <p:cNvSpPr>
+            <a:spLocks noGrp="1"/>
+          </p:cNvSpPr>
+          <p:nvPr>
+            <p:ph type="sldNum" sz="quarter" idx="12"/>
+          </p:nvPr>
+        </p:nvSpPr>
+        <p:spPr/>
+        <p:txBody>
+          <a:bodyPr/>
+          <a:lstStyle/>
+          <a:p>
+            <a:fld id="{D57F1E4F-1CFF-5643-939E-217C01CDF565}" type="slidenum">
+              <a:rPr lang="en-US" smtClean="0"/>
+              <a:pPr/>
+              <a:t>‹N°›</a:t>
+            </a:fld>
+            <a:endParaRPr lang="en-US" dirty="0"/>
+          </a:p>
+        </p:txBody>
+      </p:sp>
+    </p:spTree>
+    <p:extLst>
+      <p:ext uri="{BB962C8B-B14F-4D97-AF65-F5344CB8AC3E}">
+        <p14:creationId xmlns:p14="http://schemas.microsoft.com/office/powerpoint/2010/main" val="1081709561"/>
+      </p:ext>
+    </p:extLst>
   </p:cSld>
   <p:clrMapOvr>
     <a:masterClrMapping/>
@@ -5259,7 +6046,7 @@
           <a:bodyPr/>
           <a:lstStyle/>
           <a:p>
-            <a:fld id="{DD689B9E-37D7-48EE-AC3B-85D1F5E65693}" type="datetime1">
+            <a:fld id="{6B498982-A325-4B29-8B06-CBC7789C234F}" type="datetime1">
               <a:rPr lang="en-US" smtClean="0"/>
               <a:t>12/31/2017</a:t>
             </a:fld>
@@ -5389,7 +6176,7 @@
           <a:lstStyle/>
           <a:p>
             <a:fld id="{D57F1E4F-1CFF-5643-939E-217C01CDF565}" type="slidenum">
-              <a:rPr lang="en-US" dirty="0"/>
+              <a:rPr lang="en-US" smtClean="0"/>
               <a:pPr/>
               <a:t>‹N°›</a:t>
             </a:fld>
@@ -5398,6 +6185,11 @@
         </p:txBody>
       </p:sp>
     </p:spTree>
+    <p:extLst>
+      <p:ext uri="{BB962C8B-B14F-4D97-AF65-F5344CB8AC3E}">
+        <p14:creationId xmlns:p14="http://schemas.microsoft.com/office/powerpoint/2010/main" val="3018917104"/>
+      </p:ext>
+    </p:extLst>
   </p:cSld>
   <p:clrMapOvr>
     <a:masterClrMapping/>
@@ -7372,7 +8164,7 @@
             </a:lvl1pPr>
           </a:lstStyle>
           <a:p>
-            <a:fld id="{E743FBA0-816E-44C2-9FC4-949B5131156F}" type="datetime1">
+            <a:fld id="{CAB5D9F6-764D-45E8-BA35-322ECA954888}" type="datetime1">
               <a:rPr lang="en-US" smtClean="0"/>
               <a:t>12/31/2017</a:t>
             </a:fld>
@@ -7449,7 +8241,7 @@
           </a:lstStyle>
           <a:p>
             <a:fld id="{D57F1E4F-1CFF-5643-939E-217C01CDF565}" type="slidenum">
-              <a:rPr lang="en-US" dirty="0"/>
+              <a:rPr lang="en-US" smtClean="0"/>
               <a:pPr/>
               <a:t>‹N°›</a:t>
             </a:fld>
@@ -7458,25 +8250,32 @@
         </p:txBody>
       </p:sp>
     </p:spTree>
+    <p:extLst>
+      <p:ext uri="{BB962C8B-B14F-4D97-AF65-F5344CB8AC3E}">
+        <p14:creationId xmlns:p14="http://schemas.microsoft.com/office/powerpoint/2010/main" val="1416841675"/>
+      </p:ext>
+    </p:extLst>
   </p:cSld>
   <p:clrMap bg1="lt1" tx1="dk1" bg2="lt2" tx2="dk2" accent1="accent1" accent2="accent2" accent3="accent3" accent4="accent4" accent5="accent5" accent6="accent6" hlink="hlink" folHlink="folHlink"/>
   <p:sldLayoutIdLst>
-    <p:sldLayoutId id="2147483649" r:id="rId1"/>
-    <p:sldLayoutId id="2147483650" r:id="rId2"/>
-    <p:sldLayoutId id="2147483651" r:id="rId3"/>
-    <p:sldLayoutId id="2147483652" r:id="rId4"/>
-    <p:sldLayoutId id="2147483653" r:id="rId5"/>
-    <p:sldLayoutId id="2147483654" r:id="rId6"/>
-    <p:sldLayoutId id="2147483655" r:id="rId7"/>
-    <p:sldLayoutId id="2147483656" r:id="rId8"/>
-    <p:sldLayoutId id="2147483657" r:id="rId9"/>
-    <p:sldLayoutId id="2147483660" r:id="rId10"/>
-    <p:sldLayoutId id="2147483661" r:id="rId11"/>
-    <p:sldLayoutId id="2147483662" r:id="rId12"/>
-    <p:sldLayoutId id="2147483663" r:id="rId13"/>
-    <p:sldLayoutId id="2147483664" r:id="rId14"/>
-    <p:sldLayoutId id="2147483658" r:id="rId15"/>
-    <p:sldLayoutId id="2147483659" r:id="rId16"/>
+    <p:sldLayoutId id="2147483666" r:id="rId1"/>
+    <p:sldLayoutId id="2147483667" r:id="rId2"/>
+    <p:sldLayoutId id="2147483668" r:id="rId3"/>
+    <p:sldLayoutId id="2147483669" r:id="rId4"/>
+    <p:sldLayoutId id="2147483670" r:id="rId5"/>
+    <p:sldLayoutId id="2147483671" r:id="rId6"/>
+    <p:sldLayoutId id="2147483672" r:id="rId7"/>
+    <p:sldLayoutId id="2147483673" r:id="rId8"/>
+    <p:sldLayoutId id="2147483674" r:id="rId9"/>
+    <p:sldLayoutId id="2147483675" r:id="rId10"/>
+    <p:sldLayoutId id="2147483676" r:id="rId11"/>
+    <p:sldLayoutId id="2147483677" r:id="rId12"/>
+    <p:sldLayoutId id="2147483678" r:id="rId13"/>
+    <p:sldLayoutId id="2147483679" r:id="rId14"/>
+    <p:sldLayoutId id="2147483680" r:id="rId15"/>
+    <p:sldLayoutId id="2147483681" r:id="rId16"/>
+    <p:sldLayoutId id="2147483682" r:id="rId17"/>
+    <p:sldLayoutId id="2147483650" r:id="rId18"/>
   </p:sldLayoutIdLst>
   <p:hf hdr="0" ftr="0" dt="0"/>
   <p:txStyles>
@@ -7891,12 +8690,12 @@
       </p:grpSpPr>
       <p:sp>
         <p:nvSpPr>
-          <p:cNvPr id="2" name="Titre 1"/>
-          <p:cNvSpPr>
-            <a:spLocks noGrp="1"/>
-          </p:cNvSpPr>
-          <p:nvPr>
-            <p:ph type="ctrTitle"/>
+          <p:cNvPr id="3" name="Sous-titre 2"/>
+          <p:cNvSpPr>
+            <a:spLocks noGrp="1"/>
+          </p:cNvSpPr>
+          <p:nvPr>
+            <p:ph type="subTitle" idx="1"/>
           </p:nvPr>
         </p:nvSpPr>
         <p:spPr/>
@@ -7906,7 +8705,7 @@
           <a:p>
             <a:r>
               <a:rPr lang="fr-FR" dirty="0" smtClean="0"/>
-              <a:t>Golang</a:t>
+              <a:t>Une introduction au langage Go</a:t>
             </a:r>
             <a:endParaRPr lang="fr-FR" dirty="0"/>
           </a:p>
@@ -7914,22 +8713,27 @@
       </p:sp>
       <p:sp>
         <p:nvSpPr>
-          <p:cNvPr id="3" name="Sous-titre 2"/>
-          <p:cNvSpPr>
-            <a:spLocks noGrp="1"/>
-          </p:cNvSpPr>
-          <p:nvPr>
-            <p:ph type="subTitle" idx="1"/>
-          </p:nvPr>
-        </p:nvSpPr>
-        <p:spPr/>
+          <p:cNvPr id="2" name="Titre 1"/>
+          <p:cNvSpPr>
+            <a:spLocks noGrp="1"/>
+          </p:cNvSpPr>
+          <p:nvPr>
+            <p:ph type="ctrTitle" idx="4294967295"/>
+          </p:nvPr>
+        </p:nvSpPr>
+        <p:spPr>
+          <a:xfrm>
+            <a:off x="3276600" y="2514600"/>
+            <a:ext cx="8915400" cy="2262188"/>
+          </a:xfrm>
+        </p:spPr>
         <p:txBody>
           <a:bodyPr/>
           <a:lstStyle/>
           <a:p>
             <a:r>
               <a:rPr lang="fr-FR" dirty="0" smtClean="0"/>
-              <a:t>Une introduction au langage Go</a:t>
+              <a:t>Golang</a:t>
             </a:r>
             <a:endParaRPr lang="fr-FR" dirty="0"/>
           </a:p>
@@ -7982,7 +8786,12 @@
             <p:ph type="title"/>
           </p:nvPr>
         </p:nvSpPr>
-        <p:spPr/>
+        <p:spPr>
+          <a:xfrm>
+            <a:off x="2592925" y="624110"/>
+            <a:ext cx="8911687" cy="1280890"/>
+          </a:xfrm>
+        </p:spPr>
         <p:txBody>
           <a:bodyPr/>
           <a:lstStyle/>
@@ -8090,7 +8899,12 @@
             <p:ph type="title"/>
           </p:nvPr>
         </p:nvSpPr>
-        <p:spPr/>
+        <p:spPr>
+          <a:xfrm>
+            <a:off x="2592925" y="624110"/>
+            <a:ext cx="8911687" cy="1280890"/>
+          </a:xfrm>
+        </p:spPr>
         <p:txBody>
           <a:bodyPr/>
           <a:lstStyle/>
@@ -8258,7 +9072,12 @@
             <p:ph type="title"/>
           </p:nvPr>
         </p:nvSpPr>
-        <p:spPr/>
+        <p:spPr>
+          <a:xfrm>
+            <a:off x="2592925" y="624110"/>
+            <a:ext cx="8911687" cy="1280890"/>
+          </a:xfrm>
+        </p:spPr>
         <p:txBody>
           <a:bodyPr/>
           <a:lstStyle/>
@@ -8381,7 +9200,12 @@
             <p:ph type="title"/>
           </p:nvPr>
         </p:nvSpPr>
-        <p:spPr/>
+        <p:spPr>
+          <a:xfrm>
+            <a:off x="2592925" y="624110"/>
+            <a:ext cx="8911687" cy="1280890"/>
+          </a:xfrm>
+        </p:spPr>
         <p:txBody>
           <a:bodyPr/>
           <a:lstStyle/>
@@ -8515,7 +9339,12 @@
             <p:ph type="title"/>
           </p:nvPr>
         </p:nvSpPr>
-        <p:spPr/>
+        <p:spPr>
+          <a:xfrm>
+            <a:off x="2592925" y="624110"/>
+            <a:ext cx="8911687" cy="1280890"/>
+          </a:xfrm>
+        </p:spPr>
         <p:txBody>
           <a:bodyPr/>
           <a:lstStyle/>
@@ -8654,7 +9483,12 @@
             <p:ph type="title"/>
           </p:nvPr>
         </p:nvSpPr>
-        <p:spPr/>
+        <p:spPr>
+          <a:xfrm>
+            <a:off x="2592925" y="624110"/>
+            <a:ext cx="8911687" cy="1280890"/>
+          </a:xfrm>
+        </p:spPr>
         <p:txBody>
           <a:bodyPr/>
           <a:lstStyle/>
@@ -8740,7 +9574,12 @@
             <p:ph type="title"/>
           </p:nvPr>
         </p:nvSpPr>
-        <p:spPr/>
+        <p:spPr>
+          <a:xfrm>
+            <a:off x="2592925" y="624110"/>
+            <a:ext cx="8911687" cy="1280890"/>
+          </a:xfrm>
+        </p:spPr>
         <p:txBody>
           <a:bodyPr/>
           <a:lstStyle/>
@@ -8906,7 +9745,12 @@
             <p:ph type="title"/>
           </p:nvPr>
         </p:nvSpPr>
-        <p:spPr/>
+        <p:spPr>
+          <a:xfrm>
+            <a:off x="2592925" y="624110"/>
+            <a:ext cx="8911687" cy="1280890"/>
+          </a:xfrm>
+        </p:spPr>
         <p:txBody>
           <a:bodyPr/>
           <a:lstStyle/>
@@ -9028,7 +9872,12 @@
             <p:ph type="title"/>
           </p:nvPr>
         </p:nvSpPr>
-        <p:spPr/>
+        <p:spPr>
+          <a:xfrm>
+            <a:off x="2592925" y="624110"/>
+            <a:ext cx="8911687" cy="1280890"/>
+          </a:xfrm>
+        </p:spPr>
         <p:txBody>
           <a:bodyPr/>
           <a:lstStyle/>
@@ -9114,7 +9963,12 @@
             <p:ph type="title"/>
           </p:nvPr>
         </p:nvSpPr>
-        <p:spPr/>
+        <p:spPr>
+          <a:xfrm>
+            <a:off x="2592925" y="624110"/>
+            <a:ext cx="8911687" cy="1280890"/>
+          </a:xfrm>
+        </p:spPr>
         <p:txBody>
           <a:bodyPr/>
           <a:lstStyle/>
@@ -9245,7 +10099,12 @@
             <p:ph type="title"/>
           </p:nvPr>
         </p:nvSpPr>
-        <p:spPr/>
+        <p:spPr>
+          <a:xfrm>
+            <a:off x="2592925" y="624110"/>
+            <a:ext cx="8911687" cy="1280890"/>
+          </a:xfrm>
+        </p:spPr>
         <p:txBody>
           <a:bodyPr/>
           <a:lstStyle/>
@@ -9392,7 +10251,12 @@
             <p:ph type="title"/>
           </p:nvPr>
         </p:nvSpPr>
-        <p:spPr/>
+        <p:spPr>
+          <a:xfrm>
+            <a:off x="2592925" y="624110"/>
+            <a:ext cx="8911687" cy="1280890"/>
+          </a:xfrm>
+        </p:spPr>
         <p:txBody>
           <a:bodyPr/>
           <a:lstStyle/>
@@ -9478,7 +10342,12 @@
             <p:ph type="title"/>
           </p:nvPr>
         </p:nvSpPr>
-        <p:spPr/>
+        <p:spPr>
+          <a:xfrm>
+            <a:off x="2592925" y="624110"/>
+            <a:ext cx="8911687" cy="1280890"/>
+          </a:xfrm>
+        </p:spPr>
         <p:txBody>
           <a:bodyPr/>
           <a:lstStyle/>
@@ -9908,7 +10777,12 @@
             <p:ph type="title"/>
           </p:nvPr>
         </p:nvSpPr>
-        <p:spPr/>
+        <p:spPr>
+          <a:xfrm>
+            <a:off x="2592925" y="624110"/>
+            <a:ext cx="8911687" cy="1280890"/>
+          </a:xfrm>
+        </p:spPr>
         <p:txBody>
           <a:bodyPr/>
           <a:lstStyle/>
@@ -10295,7 +11169,12 @@
             <p:ph type="title"/>
           </p:nvPr>
         </p:nvSpPr>
-        <p:spPr/>
+        <p:spPr>
+          <a:xfrm>
+            <a:off x="2592925" y="624110"/>
+            <a:ext cx="8911687" cy="1280890"/>
+          </a:xfrm>
+        </p:spPr>
         <p:txBody>
           <a:bodyPr/>
           <a:lstStyle/>
@@ -10573,7 +11452,12 @@
             <p:ph type="title"/>
           </p:nvPr>
         </p:nvSpPr>
-        <p:spPr/>
+        <p:spPr>
+          <a:xfrm>
+            <a:off x="2592925" y="624110"/>
+            <a:ext cx="8911687" cy="1280890"/>
+          </a:xfrm>
+        </p:spPr>
         <p:txBody>
           <a:bodyPr/>
           <a:lstStyle/>
@@ -10791,7 +11675,12 @@
             <p:ph type="title"/>
           </p:nvPr>
         </p:nvSpPr>
-        <p:spPr/>
+        <p:spPr>
+          <a:xfrm>
+            <a:off x="2592925" y="624110"/>
+            <a:ext cx="8911687" cy="1280890"/>
+          </a:xfrm>
+        </p:spPr>
         <p:txBody>
           <a:bodyPr/>
           <a:lstStyle/>
@@ -11225,11 +12114,6 @@
               </a:rPr>
               <a:t>+= 1</a:t>
             </a:r>
-            <a:endParaRPr lang="fr-FR" b="1" i="1" dirty="0" smtClean="0">
-              <a:solidFill>
-                <a:schemeClr val="accent6"/>
-              </a:solidFill>
-            </a:endParaRPr>
           </a:p>
         </p:txBody>
       </p:sp>
@@ -11256,6 +12140,32 @@
 <file path=ppt/slides/slide26.xml><?xml version="1.0" encoding="utf-8"?>
 <p:sld xmlns:a="http://schemas.openxmlformats.org/drawingml/2006/main" xmlns:r="http://schemas.openxmlformats.org/officeDocument/2006/relationships" xmlns:p="http://schemas.openxmlformats.org/presentationml/2006/main">
   <p:cSld>
+    <p:bg>
+      <p:bgPr>
+        <a:gradFill>
+          <a:gsLst>
+            <a:gs pos="0">
+              <a:schemeClr val="bg2">
+                <a:tint val="90000"/>
+                <a:satMod val="92000"/>
+                <a:lumMod val="120000"/>
+              </a:schemeClr>
+            </a:gs>
+            <a:gs pos="100000">
+              <a:schemeClr val="bg2">
+                <a:shade val="98000"/>
+                <a:satMod val="120000"/>
+                <a:lumMod val="98000"/>
+              </a:schemeClr>
+            </a:gs>
+          </a:gsLst>
+          <a:path path="circle">
+            <a:fillToRect l="50000" t="50000" r="100000" b="100000"/>
+          </a:path>
+        </a:gradFill>
+        <a:effectLst/>
+      </p:bgPr>
+    </p:bg>
     <p:spTree>
       <p:nvGrpSpPr>
         <p:cNvPr id="1" name=""/>
@@ -11280,7 +12190,12 @@
             <p:ph type="title"/>
           </p:nvPr>
         </p:nvSpPr>
-        <p:spPr/>
+        <p:spPr>
+          <a:xfrm>
+            <a:off x="2592925" y="624110"/>
+            <a:ext cx="8911687" cy="1280890"/>
+          </a:xfrm>
+        </p:spPr>
         <p:txBody>
           <a:bodyPr/>
           <a:lstStyle/>
@@ -11629,7 +12544,12 @@
             <p:ph type="title"/>
           </p:nvPr>
         </p:nvSpPr>
-        <p:spPr/>
+        <p:spPr>
+          <a:xfrm>
+            <a:off x="2592925" y="624110"/>
+            <a:ext cx="8911687" cy="1280890"/>
+          </a:xfrm>
+        </p:spPr>
         <p:txBody>
           <a:bodyPr/>
           <a:lstStyle/>
@@ -11734,15 +12654,7 @@
                   <a:schemeClr val="accent6"/>
                 </a:solidFill>
               </a:rPr>
-              <a:t>main</a:t>
-            </a:r>
-            <a:r>
-              <a:rPr lang="fr-FR" b="1" i="1" dirty="0" smtClean="0">
-                <a:solidFill>
-                  <a:schemeClr val="accent6"/>
-                </a:solidFill>
-              </a:rPr>
-              <a:t>()</a:t>
+              <a:t>main()</a:t>
             </a:r>
           </a:p>
           <a:p>
@@ -11857,7 +12769,12 @@
             <p:ph type="title"/>
           </p:nvPr>
         </p:nvSpPr>
-        <p:spPr/>
+        <p:spPr>
+          <a:xfrm>
+            <a:off x="2592925" y="624110"/>
+            <a:ext cx="8911687" cy="1280890"/>
+          </a:xfrm>
+        </p:spPr>
         <p:txBody>
           <a:bodyPr/>
           <a:lstStyle/>
@@ -12049,7 +12966,12 @@
             <p:ph type="title"/>
           </p:nvPr>
         </p:nvSpPr>
-        <p:spPr/>
+        <p:spPr>
+          <a:xfrm>
+            <a:off x="2592925" y="624110"/>
+            <a:ext cx="8911687" cy="1280890"/>
+          </a:xfrm>
+        </p:spPr>
         <p:txBody>
           <a:bodyPr/>
           <a:lstStyle/>
@@ -12223,7 +13145,12 @@
             <p:ph type="title"/>
           </p:nvPr>
         </p:nvSpPr>
-        <p:spPr/>
+        <p:spPr>
+          <a:xfrm>
+            <a:off x="2592925" y="624110"/>
+            <a:ext cx="8911687" cy="1280890"/>
+          </a:xfrm>
+        </p:spPr>
         <p:txBody>
           <a:bodyPr/>
           <a:lstStyle/>
@@ -12389,7 +13316,12 @@
             <p:ph type="title"/>
           </p:nvPr>
         </p:nvSpPr>
-        <p:spPr/>
+        <p:spPr>
+          <a:xfrm>
+            <a:off x="2592925" y="624110"/>
+            <a:ext cx="8911687" cy="1280890"/>
+          </a:xfrm>
+        </p:spPr>
         <p:txBody>
           <a:bodyPr/>
           <a:lstStyle/>
@@ -12570,7 +13502,12 @@
             <p:ph type="title"/>
           </p:nvPr>
         </p:nvSpPr>
-        <p:spPr/>
+        <p:spPr>
+          <a:xfrm>
+            <a:off x="2592925" y="624110"/>
+            <a:ext cx="8911687" cy="1280890"/>
+          </a:xfrm>
+        </p:spPr>
         <p:txBody>
           <a:bodyPr/>
           <a:lstStyle/>
@@ -12696,8 +13633,8 @@
         </p:blipFill>
         <p:spPr>
           <a:xfrm>
-            <a:off x="6895985" y="1447136"/>
-            <a:ext cx="5159558" cy="5260119"/>
+            <a:off x="6895985" y="1447137"/>
+            <a:ext cx="4997660" cy="5095066"/>
           </a:xfrm>
           <a:prstGeom prst="rect">
             <a:avLst/>
@@ -12751,7 +13688,12 @@
             <p:ph type="title"/>
           </p:nvPr>
         </p:nvSpPr>
-        <p:spPr/>
+        <p:spPr>
+          <a:xfrm>
+            <a:off x="2592925" y="624110"/>
+            <a:ext cx="8911687" cy="1280890"/>
+          </a:xfrm>
+        </p:spPr>
         <p:txBody>
           <a:bodyPr/>
           <a:lstStyle/>
@@ -12899,7 +13841,12 @@
             <p:ph type="title"/>
           </p:nvPr>
         </p:nvSpPr>
-        <p:spPr/>
+        <p:spPr>
+          <a:xfrm>
+            <a:off x="2592925" y="624110"/>
+            <a:ext cx="8911687" cy="1280890"/>
+          </a:xfrm>
+        </p:spPr>
         <p:txBody>
           <a:bodyPr/>
           <a:lstStyle/>
@@ -13020,7 +13967,12 @@
             <p:ph type="title"/>
           </p:nvPr>
         </p:nvSpPr>
-        <p:spPr/>
+        <p:spPr>
+          <a:xfrm>
+            <a:off x="2592925" y="624110"/>
+            <a:ext cx="8911687" cy="1280890"/>
+          </a:xfrm>
+        </p:spPr>
         <p:txBody>
           <a:bodyPr/>
           <a:lstStyle/>
@@ -13163,7 +14115,12 @@
             <p:ph type="title"/>
           </p:nvPr>
         </p:nvSpPr>
-        <p:spPr/>
+        <p:spPr>
+          <a:xfrm>
+            <a:off x="2592925" y="624110"/>
+            <a:ext cx="8911687" cy="1280890"/>
+          </a:xfrm>
+        </p:spPr>
         <p:txBody>
           <a:bodyPr/>
           <a:lstStyle/>
@@ -13312,7 +14269,12 @@
             <p:ph type="title"/>
           </p:nvPr>
         </p:nvSpPr>
-        <p:spPr/>
+        <p:spPr>
+          <a:xfrm>
+            <a:off x="2592925" y="624110"/>
+            <a:ext cx="8911687" cy="1280890"/>
+          </a:xfrm>
+        </p:spPr>
         <p:txBody>
           <a:bodyPr/>
           <a:lstStyle/>
@@ -13458,7 +14420,12 @@
             <p:ph type="title"/>
           </p:nvPr>
         </p:nvSpPr>
-        <p:spPr/>
+        <p:spPr>
+          <a:xfrm>
+            <a:off x="2592925" y="624110"/>
+            <a:ext cx="8911687" cy="1280890"/>
+          </a:xfrm>
+        </p:spPr>
         <p:txBody>
           <a:bodyPr/>
           <a:lstStyle/>
@@ -13601,7 +14568,12 @@
             <p:ph type="title"/>
           </p:nvPr>
         </p:nvSpPr>
-        <p:spPr/>
+        <p:spPr>
+          <a:xfrm>
+            <a:off x="2592925" y="624110"/>
+            <a:ext cx="8911687" cy="1280890"/>
+          </a:xfrm>
+        </p:spPr>
         <p:txBody>
           <a:bodyPr/>
           <a:lstStyle/>
@@ -13709,7 +14681,12 @@
             <p:ph type="title"/>
           </p:nvPr>
         </p:nvSpPr>
-        <p:spPr/>
+        <p:spPr>
+          <a:xfrm>
+            <a:off x="2592925" y="624110"/>
+            <a:ext cx="8911687" cy="1280890"/>
+          </a:xfrm>
+        </p:spPr>
         <p:txBody>
           <a:bodyPr/>
           <a:lstStyle/>
@@ -13790,7 +14767,7 @@
 <file path=ppt/theme/theme1.xml><?xml version="1.0" encoding="utf-8"?>
 <a:theme xmlns:a="http://schemas.openxmlformats.org/drawingml/2006/main" name="Brin">
   <a:themeElements>
-    <a:clrScheme name="Wisp">
+    <a:clrScheme name="Brin">
       <a:dk1>
         <a:sysClr val="windowText" lastClr="000000"/>
       </a:dk1>
@@ -13828,7 +14805,7 @@
         <a:srgbClr val="FB9318"/>
       </a:folHlink>
     </a:clrScheme>
-    <a:fontScheme name="Wisp">
+    <a:fontScheme name="Brin">
       <a:majorFont>
         <a:latin typeface="Century Gothic" panose="020B0502020202020204"/>
         <a:ea typeface=""/>
@@ -13900,7 +14877,7 @@
         <a:font script="Geor" typeface="Sylfaen"/>
       </a:minorFont>
     </a:fontScheme>
-    <a:fmtScheme name="Wisp">
+    <a:fmtScheme name="Brin">
       <a:fillStyleLst>
         <a:solidFill>
           <a:schemeClr val="phClr"/>

--- a/documentations/learning-go.pptx
+++ b/documentations/learning-go.pptx
@@ -5,7 +5,7 @@
     <p:sldMasterId id="2147483665" r:id="rId1"/>
   </p:sldMasterIdLst>
   <p:notesMasterIdLst>
-    <p:notesMasterId r:id="rId35"/>
+    <p:notesMasterId r:id="rId36"/>
   </p:notesMasterIdLst>
   <p:sldIdLst>
     <p:sldId id="256" r:id="rId2"/>
@@ -40,7 +40,8 @@
     <p:sldId id="286" r:id="rId31"/>
     <p:sldId id="287" r:id="rId32"/>
     <p:sldId id="288" r:id="rId33"/>
-    <p:sldId id="267" r:id="rId34"/>
+    <p:sldId id="289" r:id="rId34"/>
+    <p:sldId id="267" r:id="rId35"/>
   </p:sldIdLst>
   <p:sldSz cx="12192000" cy="6858000"/>
   <p:notesSz cx="6858000" cy="9144000"/>
@@ -3940,8 +3941,8 @@
         </p:nvSpPr>
         <p:spPr>
           <a:xfrm>
-            <a:off x="9384821" y="6611779"/>
-            <a:ext cx="2807179" cy="246221"/>
+            <a:off x="9992359" y="6611779"/>
+            <a:ext cx="2199641" cy="246221"/>
           </a:xfrm>
           <a:prstGeom prst="rect">
             <a:avLst/>
@@ -3960,16 +3961,16 @@
                   <a:schemeClr val="accent1"/>
                 </a:solidFill>
               </a:rPr>
-              <a:t>Copyright © Thierry DECKER 2017 - </a:t>
-            </a:r>
-            <a:fld id="{8CCBA4B4-63A8-48A8-920F-F5A60A63767F}" type="datetime7">
-              <a:rPr lang="fr-FR" sz="1000" b="1" smtClean="0">
+              <a:t>Copyright © Thierry DECKER </a:t>
+            </a:r>
+            <a:r>
+              <a:rPr lang="fr-FR" sz="1000" b="1" dirty="0" smtClean="0">
                 <a:solidFill>
                   <a:schemeClr val="accent1"/>
                 </a:solidFill>
               </a:rPr>
-              <a:t>déc.-17</a:t>
-            </a:fld>
+              <a:t>2017</a:t>
+            </a:r>
             <a:endParaRPr lang="fr-FR" sz="1000" b="1" dirty="0">
               <a:solidFill>
                 <a:schemeClr val="accent1"/>
@@ -12063,8 +12064,48 @@
           <a:p>
             <a:r>
               <a:rPr lang="fr-FR" dirty="0" smtClean="0"/>
+              <a:t>Egalité :</a:t>
+            </a:r>
+          </a:p>
+          <a:p>
+            <a:pPr lvl="1"/>
+            <a:r>
+              <a:rPr lang="fr-FR" b="1" i="1" dirty="0" smtClean="0">
+                <a:solidFill>
+                  <a:schemeClr val="accent6"/>
+                </a:solidFill>
+              </a:rPr>
+              <a:t>==</a:t>
+            </a:r>
+          </a:p>
+          <a:p>
+            <a:r>
+              <a:rPr lang="fr-FR" dirty="0" smtClean="0"/>
+              <a:t>Non :</a:t>
+            </a:r>
+          </a:p>
+          <a:p>
+            <a:pPr lvl="1"/>
+            <a:r>
+              <a:rPr lang="fr-FR" b="1" i="1" dirty="0">
+                <a:solidFill>
+                  <a:schemeClr val="accent6"/>
+                </a:solidFill>
+              </a:rPr>
+              <a:t>!</a:t>
+            </a:r>
+            <a:endParaRPr lang="fr-FR" b="1" i="1" dirty="0" smtClean="0">
+              <a:solidFill>
+                <a:schemeClr val="accent6"/>
+              </a:solidFill>
+            </a:endParaRPr>
+          </a:p>
+          <a:p>
+            <a:r>
+              <a:rPr lang="fr-FR" dirty="0" smtClean="0"/>
               <a:t>Incrémentation</a:t>
             </a:r>
+            <a:endParaRPr lang="fr-FR" dirty="0" smtClean="0"/>
           </a:p>
           <a:p>
             <a:pPr lvl="1"/>
@@ -13853,7 +13894,11 @@
           <a:p>
             <a:r>
               <a:rPr lang="fr-FR" dirty="0" smtClean="0"/>
-              <a:t>Références</a:t>
+              <a:t>Les </a:t>
+            </a:r>
+            <a:r>
+              <a:rPr lang="fr-FR" dirty="0" smtClean="0"/>
+              <a:t>conditions</a:t>
             </a:r>
             <a:endParaRPr lang="fr-FR" dirty="0"/>
           </a:p>
@@ -13869,54 +13914,453 @@
             <p:ph idx="1"/>
           </p:nvPr>
         </p:nvSpPr>
-        <p:spPr/>
+        <p:spPr>
+          <a:xfrm>
+            <a:off x="1483982" y="2231952"/>
+            <a:ext cx="4129640" cy="3777622"/>
+          </a:xfrm>
+        </p:spPr>
         <p:txBody>
           <a:bodyPr anchor="ctr"/>
           <a:lstStyle/>
           <a:p>
+            <a:pPr algn="just"/>
+            <a:r>
+              <a:rPr lang="fr-FR" dirty="0" smtClean="0">
+                <a:solidFill>
+                  <a:schemeClr val="tx1"/>
+                </a:solidFill>
+              </a:rPr>
+              <a:t>Comme pour les boucles, l'expression de la condition n'est pas obligatoirement entourée de </a:t>
+            </a:r>
+            <a:r>
+              <a:rPr lang="fr-FR" b="1" i="1" dirty="0" smtClean="0">
+                <a:solidFill>
+                  <a:schemeClr val="accent6"/>
+                </a:solidFill>
+              </a:rPr>
+              <a:t>( )</a:t>
+            </a:r>
+            <a:r>
+              <a:rPr lang="fr-FR" dirty="0" smtClean="0">
+                <a:solidFill>
+                  <a:schemeClr val="tx1"/>
+                </a:solidFill>
+              </a:rPr>
+              <a:t> mais les </a:t>
+            </a:r>
+            <a:r>
+              <a:rPr lang="fr-FR" b="1" i="1" dirty="0" smtClean="0">
+                <a:solidFill>
+                  <a:schemeClr val="accent6"/>
+                </a:solidFill>
+              </a:rPr>
+              <a:t>{ }</a:t>
+            </a:r>
+            <a:r>
+              <a:rPr lang="fr-FR" dirty="0" smtClean="0">
+                <a:solidFill>
+                  <a:schemeClr val="tx1"/>
+                </a:solidFill>
+              </a:rPr>
+              <a:t> le sont</a:t>
+            </a:r>
+          </a:p>
+          <a:p>
+            <a:pPr algn="just"/>
+            <a:r>
+              <a:rPr lang="fr-FR" dirty="0" smtClean="0">
+                <a:solidFill>
+                  <a:schemeClr val="tx1"/>
+                </a:solidFill>
+              </a:rPr>
+              <a:t>La clause </a:t>
+            </a:r>
+            <a:r>
+              <a:rPr lang="fr-FR" b="1" i="1" dirty="0" smtClean="0">
+                <a:solidFill>
+                  <a:schemeClr val="accent6"/>
+                </a:solidFill>
+              </a:rPr>
+              <a:t>else</a:t>
+            </a:r>
+            <a:r>
+              <a:rPr lang="fr-FR" dirty="0" smtClean="0">
+                <a:solidFill>
+                  <a:schemeClr val="accent6"/>
+                </a:solidFill>
+              </a:rPr>
+              <a:t> </a:t>
+            </a:r>
+            <a:r>
+              <a:rPr lang="fr-FR" dirty="0" smtClean="0">
+                <a:solidFill>
+                  <a:schemeClr val="tx1"/>
+                </a:solidFill>
+              </a:rPr>
+              <a:t>est facultative</a:t>
+            </a:r>
+          </a:p>
+          <a:p>
+            <a:pPr algn="just"/>
+            <a:r>
+              <a:rPr lang="fr-FR" dirty="0" smtClean="0">
+                <a:solidFill>
+                  <a:schemeClr val="tx1"/>
+                </a:solidFill>
+              </a:rPr>
+              <a:t>Les variables déclarées dans le bloc </a:t>
+            </a:r>
+            <a:r>
+              <a:rPr lang="fr-FR" b="1" i="1" dirty="0" smtClean="0">
+                <a:solidFill>
+                  <a:schemeClr val="accent6"/>
+                </a:solidFill>
+              </a:rPr>
+              <a:t>if</a:t>
+            </a:r>
+            <a:r>
+              <a:rPr lang="fr-FR" dirty="0" smtClean="0">
+                <a:solidFill>
+                  <a:schemeClr val="tx1"/>
+                </a:solidFill>
+              </a:rPr>
+              <a:t> ne sont pas visibles en dehors de ce bloc</a:t>
+            </a:r>
+            <a:endParaRPr lang="fr-FR" dirty="0">
+              <a:solidFill>
+                <a:schemeClr val="tx1"/>
+              </a:solidFill>
+            </a:endParaRPr>
+          </a:p>
+        </p:txBody>
+      </p:sp>
+      <p:pic>
+        <p:nvPicPr>
+          <p:cNvPr id="6" name="Image 5"/>
+          <p:cNvPicPr>
+            <a:picLocks noChangeAspect="1"/>
+          </p:cNvPicPr>
+          <p:nvPr/>
+        </p:nvPicPr>
+        <p:blipFill>
+          <a:blip r:embed="rId2"/>
+          <a:stretch>
+            <a:fillRect/>
+          </a:stretch>
+        </p:blipFill>
+        <p:spPr>
+          <a:xfrm>
+            <a:off x="5847353" y="1905000"/>
+            <a:ext cx="5657259" cy="3885621"/>
+          </a:xfrm>
+          <a:prstGeom prst="rect">
+            <a:avLst/>
+          </a:prstGeom>
+        </p:spPr>
+      </p:pic>
+    </p:spTree>
+    <p:extLst>
+      <p:ext uri="{BB962C8B-B14F-4D97-AF65-F5344CB8AC3E}">
+        <p14:creationId xmlns:p14="http://schemas.microsoft.com/office/powerpoint/2010/main" val="112094524"/>
+      </p:ext>
+    </p:extLst>
+  </p:cSld>
+  <p:clrMapOvr>
+    <a:masterClrMapping/>
+  </p:clrMapOvr>
+  <p:timing>
+    <p:tnLst>
+      <p:par>
+        <p:cTn id="1" dur="indefinite" restart="never" nodeType="tmRoot"/>
+      </p:par>
+    </p:tnLst>
+  </p:timing>
+</p:sld>
+</file>
+
+<file path=ppt/slides/slide34.xml><?xml version="1.0" encoding="utf-8"?>
+<p:sld xmlns:a="http://schemas.openxmlformats.org/drawingml/2006/main" xmlns:r="http://schemas.openxmlformats.org/officeDocument/2006/relationships" xmlns:p="http://schemas.openxmlformats.org/presentationml/2006/main">
+  <p:cSld>
+    <p:spTree>
+      <p:nvGrpSpPr>
+        <p:cNvPr id="1" name=""/>
+        <p:cNvGrpSpPr/>
+        <p:nvPr/>
+      </p:nvGrpSpPr>
+      <p:grpSpPr>
+        <a:xfrm>
+          <a:off x="0" y="0"/>
+          <a:ext cx="0" cy="0"/>
+          <a:chOff x="0" y="0"/>
+          <a:chExt cx="0" cy="0"/>
+        </a:xfrm>
+      </p:grpSpPr>
+      <p:sp>
+        <p:nvSpPr>
+          <p:cNvPr id="2" name="Titre 1"/>
+          <p:cNvSpPr>
+            <a:spLocks noGrp="1"/>
+          </p:cNvSpPr>
+          <p:nvPr>
+            <p:ph type="title"/>
+          </p:nvPr>
+        </p:nvSpPr>
+        <p:spPr>
+          <a:xfrm>
+            <a:off x="2592925" y="624110"/>
+            <a:ext cx="8911687" cy="1280890"/>
+          </a:xfrm>
+        </p:spPr>
+        <p:txBody>
+          <a:bodyPr/>
+          <a:lstStyle/>
+          <a:p>
             <a:r>
               <a:rPr lang="fr-FR" dirty="0" smtClean="0"/>
-              <a:t>Golang Project : https</a:t>
-            </a:r>
-            <a:r>
-              <a:rPr lang="fr-FR" dirty="0"/>
+              <a:t>Références</a:t>
+            </a:r>
+            <a:endParaRPr lang="fr-FR" dirty="0"/>
+          </a:p>
+        </p:txBody>
+      </p:sp>
+      <p:sp>
+        <p:nvSpPr>
+          <p:cNvPr id="3" name="Espace réservé du contenu 2"/>
+          <p:cNvSpPr>
+            <a:spLocks noGrp="1"/>
+          </p:cNvSpPr>
+          <p:nvPr>
+            <p:ph idx="1"/>
+          </p:nvPr>
+        </p:nvSpPr>
+        <p:spPr/>
+        <p:txBody>
+          <a:bodyPr anchor="ctr">
+            <a:normAutofit/>
+          </a:bodyPr>
+          <a:lstStyle/>
+          <a:p>
+            <a:r>
+              <a:rPr lang="fr-FR" sz="1200" b="1" dirty="0" smtClean="0">
+                <a:solidFill>
+                  <a:schemeClr val="accent6">
+                    <a:lumMod val="75000"/>
+                  </a:schemeClr>
+                </a:solidFill>
+                <a:hlinkClick r:id="rId2"/>
+              </a:rPr>
+              <a:t>Golang Project </a:t>
+            </a:r>
+            <a:r>
+              <a:rPr lang="fr-FR" sz="1200" b="1" dirty="0" smtClean="0">
+                <a:solidFill>
+                  <a:schemeClr val="accent6">
+                    <a:lumMod val="75000"/>
+                  </a:schemeClr>
+                </a:solidFill>
+              </a:rPr>
+              <a:t>: https</a:t>
+            </a:r>
+            <a:r>
+              <a:rPr lang="fr-FR" sz="1200" b="1" dirty="0">
+                <a:solidFill>
+                  <a:schemeClr val="accent6">
+                    <a:lumMod val="75000"/>
+                  </a:schemeClr>
+                </a:solidFill>
+              </a:rPr>
               <a:t>://golang.org</a:t>
             </a:r>
             <a:r>
-              <a:rPr lang="fr-FR" dirty="0" smtClean="0"/>
+              <a:rPr lang="fr-FR" sz="1200" b="1" dirty="0" smtClean="0">
+                <a:solidFill>
+                  <a:schemeClr val="accent6">
+                    <a:lumMod val="75000"/>
+                  </a:schemeClr>
+                </a:solidFill>
+              </a:rPr>
               <a:t>/</a:t>
             </a:r>
           </a:p>
           <a:p>
             <a:r>
-              <a:rPr lang="fr-FR" dirty="0" smtClean="0"/>
-              <a:t>Didier Gérard : https</a:t>
-            </a:r>
-            <a:r>
-              <a:rPr lang="fr-FR" dirty="0"/>
+              <a:rPr lang="fr-FR" sz="1200" b="1" dirty="0" smtClean="0">
+                <a:solidFill>
+                  <a:schemeClr val="accent6">
+                    <a:lumMod val="75000"/>
+                  </a:schemeClr>
+                </a:solidFill>
+                <a:hlinkClick r:id="rId3"/>
+              </a:rPr>
+              <a:t>Goland-book.com</a:t>
+            </a:r>
+            <a:r>
+              <a:rPr lang="fr-FR" sz="1200" b="1" dirty="0" smtClean="0">
+                <a:solidFill>
+                  <a:schemeClr val="accent6">
+                    <a:lumMod val="75000"/>
+                  </a:schemeClr>
+                </a:solidFill>
+              </a:rPr>
+              <a:t> </a:t>
+            </a:r>
+            <a:r>
+              <a:rPr lang="fr-FR" sz="1200" b="1" dirty="0">
+                <a:solidFill>
+                  <a:schemeClr val="accent6">
+                    <a:lumMod val="75000"/>
+                  </a:schemeClr>
+                </a:solidFill>
+              </a:rPr>
+              <a:t>: https://www.golang-book.com/books/intro</a:t>
+            </a:r>
+            <a:endParaRPr lang="fr-FR" sz="1200" b="1" dirty="0" smtClean="0">
+              <a:solidFill>
+                <a:schemeClr val="accent6">
+                  <a:lumMod val="75000"/>
+                </a:schemeClr>
+              </a:solidFill>
+            </a:endParaRPr>
+          </a:p>
+          <a:p>
+            <a:r>
+              <a:rPr lang="fr-FR" sz="1200" b="1" dirty="0" smtClean="0">
+                <a:solidFill>
+                  <a:schemeClr val="accent6">
+                    <a:lumMod val="75000"/>
+                  </a:schemeClr>
+                </a:solidFill>
+                <a:hlinkClick r:id="rId4"/>
+              </a:rPr>
+              <a:t>Didier Gérard </a:t>
+            </a:r>
+            <a:r>
+              <a:rPr lang="fr-FR" sz="1200" b="1" dirty="0" smtClean="0">
+                <a:solidFill>
+                  <a:schemeClr val="accent6">
+                    <a:lumMod val="75000"/>
+                  </a:schemeClr>
+                </a:solidFill>
+              </a:rPr>
+              <a:t>: https</a:t>
+            </a:r>
+            <a:r>
+              <a:rPr lang="fr-FR" sz="1200" b="1" dirty="0">
+                <a:solidFill>
+                  <a:schemeClr val="accent6">
+                    <a:lumMod val="75000"/>
+                  </a:schemeClr>
+                </a:solidFill>
+              </a:rPr>
               <a:t>://lemag.sfeir.com/pourquoi-golang/</a:t>
             </a:r>
           </a:p>
           <a:p>
             <a:r>
-              <a:rPr lang="fr-FR" dirty="0" smtClean="0"/>
-              <a:t>Wikipédia : </a:t>
-            </a:r>
-            <a:r>
-              <a:rPr lang="fr-FR" dirty="0"/>
+              <a:rPr lang="fr-FR" sz="1200" b="1" dirty="0" smtClean="0">
+                <a:solidFill>
+                  <a:schemeClr val="accent6">
+                    <a:lumMod val="75000"/>
+                  </a:schemeClr>
+                </a:solidFill>
+                <a:hlinkClick r:id="rId5"/>
+              </a:rPr>
+              <a:t>Wikipédia</a:t>
+            </a:r>
+            <a:r>
+              <a:rPr lang="fr-FR" sz="1200" b="1" dirty="0" smtClean="0">
+                <a:solidFill>
+                  <a:schemeClr val="accent6">
+                    <a:lumMod val="75000"/>
+                  </a:schemeClr>
+                </a:solidFill>
+              </a:rPr>
+              <a:t> : </a:t>
+            </a:r>
+            <a:r>
+              <a:rPr lang="fr-FR" sz="1200" b="1" dirty="0">
+                <a:solidFill>
+                  <a:schemeClr val="accent6">
+                    <a:lumMod val="75000"/>
+                  </a:schemeClr>
+                </a:solidFill>
+              </a:rPr>
               <a:t>https://fr.wikipedia.org/wiki/Go_(langage</a:t>
             </a:r>
             <a:r>
-              <a:rPr lang="fr-FR" dirty="0" smtClean="0"/>
+              <a:rPr lang="fr-FR" sz="1200" b="1" dirty="0" smtClean="0">
+                <a:solidFill>
+                  <a:schemeClr val="accent6">
+                    <a:lumMod val="75000"/>
+                  </a:schemeClr>
+                </a:solidFill>
+              </a:rPr>
               <a:t>)</a:t>
             </a:r>
           </a:p>
           <a:p>
             <a:r>
-              <a:rPr lang="fr-FR" dirty="0" smtClean="0"/>
-              <a:t>The Go Programming Language : Donovan, Kernigan</a:t>
-            </a:r>
-            <a:endParaRPr lang="fr-FR" dirty="0"/>
+              <a:rPr lang="fr-FR" sz="1200" b="1" dirty="0" smtClean="0">
+                <a:solidFill>
+                  <a:schemeClr val="accent6">
+                    <a:lumMod val="75000"/>
+                  </a:schemeClr>
+                </a:solidFill>
+                <a:hlinkClick r:id="rId6"/>
+              </a:rPr>
+              <a:t>The Go Programming Language </a:t>
+            </a:r>
+            <a:r>
+              <a:rPr lang="fr-FR" sz="1200" b="1" dirty="0" smtClean="0">
+                <a:solidFill>
+                  <a:schemeClr val="accent6">
+                    <a:lumMod val="75000"/>
+                  </a:schemeClr>
+                </a:solidFill>
+              </a:rPr>
+              <a:t>: Donovan, </a:t>
+            </a:r>
+            <a:r>
+              <a:rPr lang="fr-FR" sz="1200" b="1" dirty="0" smtClean="0">
+                <a:solidFill>
+                  <a:schemeClr val="accent6">
+                    <a:lumMod val="75000"/>
+                  </a:schemeClr>
+                </a:solidFill>
+              </a:rPr>
+              <a:t>Kernigan</a:t>
+            </a:r>
+          </a:p>
+          <a:p>
+            <a:r>
+              <a:rPr lang="fr-FR" sz="1200" b="1" dirty="0" smtClean="0">
+                <a:solidFill>
+                  <a:schemeClr val="accent6">
+                    <a:lumMod val="75000"/>
+                  </a:schemeClr>
+                </a:solidFill>
+                <a:hlinkClick r:id="rId7"/>
+              </a:rPr>
+              <a:t>Goland IDE </a:t>
+            </a:r>
+            <a:r>
+              <a:rPr lang="fr-FR" sz="1200" b="1" dirty="0">
+                <a:solidFill>
+                  <a:schemeClr val="accent6">
+                    <a:lumMod val="75000"/>
+                  </a:schemeClr>
+                </a:solidFill>
+              </a:rPr>
+              <a:t>: https://www.jetbrains.com/go/</a:t>
+            </a:r>
+            <a:endParaRPr lang="fr-FR" sz="1200" b="1" dirty="0">
+              <a:solidFill>
+                <a:schemeClr val="accent6">
+                  <a:lumMod val="75000"/>
+                </a:schemeClr>
+              </a:solidFill>
+            </a:endParaRPr>
           </a:p>
         </p:txBody>
       </p:sp>

--- a/documentations/learning-go.pptx
+++ b/documentations/learning-go.pptx
@@ -3961,15 +3961,7 @@
                   <a:schemeClr val="accent1"/>
                 </a:solidFill>
               </a:rPr>
-              <a:t>Copyright © Thierry DECKER </a:t>
-            </a:r>
-            <a:r>
-              <a:rPr lang="fr-FR" sz="1000" b="1" dirty="0" smtClean="0">
-                <a:solidFill>
-                  <a:schemeClr val="accent1"/>
-                </a:solidFill>
-              </a:rPr>
-              <a:t>2017</a:t>
+              <a:t>Copyright © Thierry DECKER 2017</a:t>
             </a:r>
             <a:endParaRPr lang="fr-FR" sz="1000" b="1" dirty="0">
               <a:solidFill>
@@ -12105,7 +12097,6 @@
               <a:rPr lang="fr-FR" dirty="0" smtClean="0"/>
               <a:t>Incrémentation</a:t>
             </a:r>
-            <a:endParaRPr lang="fr-FR" dirty="0" smtClean="0"/>
           </a:p>
           <a:p>
             <a:pPr lvl="1"/>
@@ -13894,11 +13885,7 @@
           <a:p>
             <a:r>
               <a:rPr lang="fr-FR" dirty="0" smtClean="0"/>
-              <a:t>Les </a:t>
-            </a:r>
-            <a:r>
-              <a:rPr lang="fr-FR" dirty="0" smtClean="0"/>
-              <a:t>conditions</a:t>
+              <a:t>Les conditions</a:t>
             </a:r>
             <a:endParaRPr lang="fr-FR" dirty="0"/>
           </a:p>
@@ -14319,8 +14306,10 @@
                   </a:schemeClr>
                 </a:solidFill>
               </a:rPr>
-              <a:t>: Donovan, </a:t>
-            </a:r>
+              <a:t>: Donovan, Kernigan</a:t>
+            </a:r>
+          </a:p>
+          <a:p>
             <a:r>
               <a:rPr lang="fr-FR" sz="1200" b="1" dirty="0" smtClean="0">
                 <a:solidFill>
@@ -14328,21 +14317,19 @@
                     <a:lumMod val="75000"/>
                   </a:schemeClr>
                 </a:solidFill>
+                <a:hlinkClick r:id="rId7"/>
               </a:rPr>
-              <a:t>Kernigan</a:t>
-            </a:r>
-          </a:p>
-          <a:p>
-            <a:r>
-              <a:rPr lang="fr-FR" sz="1200" b="1" dirty="0" smtClean="0">
+              <a:t>Goland IDE </a:t>
+            </a:r>
+            <a:r>
+              <a:rPr lang="fr-FR" sz="1200" b="1" dirty="0">
                 <a:solidFill>
                   <a:schemeClr val="accent6">
                     <a:lumMod val="75000"/>
                   </a:schemeClr>
                 </a:solidFill>
-                <a:hlinkClick r:id="rId7"/>
               </a:rPr>
-              <a:t>Goland IDE </a:t>
+              <a:t>: </a:t>
             </a:r>
             <a:r>
               <a:rPr lang="fr-FR" sz="1200" b="1" dirty="0">
@@ -14351,8 +14338,79 @@
                     <a:lumMod val="75000"/>
                   </a:schemeClr>
                 </a:solidFill>
+                <a:hlinkClick r:id="rId7"/>
               </a:rPr>
-              <a:t>: https://www.jetbrains.com/go/</a:t>
+              <a:t>https://www.jetbrains.com/go</a:t>
+            </a:r>
+            <a:r>
+              <a:rPr lang="fr-FR" sz="1200" b="1" dirty="0" smtClean="0">
+                <a:solidFill>
+                  <a:schemeClr val="accent6">
+                    <a:lumMod val="75000"/>
+                  </a:schemeClr>
+                </a:solidFill>
+                <a:hlinkClick r:id="rId7"/>
+              </a:rPr>
+              <a:t>/</a:t>
+            </a:r>
+            <a:endParaRPr lang="fr-FR" sz="1200" b="1" dirty="0" smtClean="0">
+              <a:solidFill>
+                <a:schemeClr val="accent6">
+                  <a:lumMod val="75000"/>
+                </a:schemeClr>
+              </a:solidFill>
+            </a:endParaRPr>
+          </a:p>
+          <a:p>
+            <a:endParaRPr lang="fr-FR" sz="1200" b="1" dirty="0">
+              <a:solidFill>
+                <a:schemeClr val="accent6">
+                  <a:lumMod val="75000"/>
+                </a:schemeClr>
+              </a:solidFill>
+            </a:endParaRPr>
+          </a:p>
+          <a:p>
+            <a:r>
+              <a:rPr lang="fr-FR" sz="1200" b="1" dirty="0" smtClean="0">
+                <a:solidFill>
+                  <a:schemeClr val="accent6">
+                    <a:lumMod val="75000"/>
+                  </a:schemeClr>
+                </a:solidFill>
+              </a:rPr>
+              <a:t>Gitlab </a:t>
+            </a:r>
+            <a:r>
+              <a:rPr lang="fr-FR" sz="1200" b="1" dirty="0" smtClean="0">
+                <a:solidFill>
+                  <a:schemeClr val="accent6">
+                    <a:lumMod val="75000"/>
+                  </a:schemeClr>
+                </a:solidFill>
+                <a:hlinkClick r:id="rId8"/>
+              </a:rPr>
+              <a:t>course</a:t>
+            </a:r>
+            <a:r>
+              <a:rPr lang="fr-FR" sz="1200" b="1" dirty="0" smtClean="0">
+                <a:solidFill>
+                  <a:schemeClr val="accent6">
+                    <a:lumMod val="75000"/>
+                  </a:schemeClr>
+                </a:solidFill>
+              </a:rPr>
+              <a:t> link</a:t>
+            </a:r>
+            <a:r>
+              <a:rPr lang="fr-FR" sz="1200" b="1" dirty="0">
+                <a:solidFill>
+                  <a:schemeClr val="accent6">
+                    <a:lumMod val="75000"/>
+                  </a:schemeClr>
+                </a:solidFill>
+              </a:rPr>
+              <a:t> : https://gitlab.com/ThierryDecker/learning-go</a:t>
             </a:r>
             <a:endParaRPr lang="fr-FR" sz="1200" b="1" dirty="0">
               <a:solidFill>

--- a/documentations/learning-go.pptx
+++ b/documentations/learning-go.pptx
@@ -5,7 +5,7 @@
     <p:sldMasterId id="2147483665" r:id="rId1"/>
   </p:sldMasterIdLst>
   <p:notesMasterIdLst>
-    <p:notesMasterId r:id="rId36"/>
+    <p:notesMasterId r:id="rId37"/>
   </p:notesMasterIdLst>
   <p:sldIdLst>
     <p:sldId id="256" r:id="rId2"/>
@@ -41,7 +41,8 @@
     <p:sldId id="287" r:id="rId32"/>
     <p:sldId id="288" r:id="rId33"/>
     <p:sldId id="289" r:id="rId34"/>
-    <p:sldId id="267" r:id="rId35"/>
+    <p:sldId id="290" r:id="rId35"/>
+    <p:sldId id="267" r:id="rId36"/>
   </p:sldIdLst>
   <p:sldSz cx="12192000" cy="6858000"/>
   <p:notesSz cx="6858000" cy="9144000"/>
@@ -14105,6 +14106,273 @@
           <a:p>
             <a:r>
               <a:rPr lang="fr-FR" dirty="0" smtClean="0"/>
+              <a:t>Les </a:t>
+            </a:r>
+            <a:r>
+              <a:rPr lang="fr-FR" dirty="0" smtClean="0"/>
+              <a:t>switches</a:t>
+            </a:r>
+            <a:endParaRPr lang="fr-FR" dirty="0"/>
+          </a:p>
+        </p:txBody>
+      </p:sp>
+      <p:sp>
+        <p:nvSpPr>
+          <p:cNvPr id="3" name="Espace réservé du contenu 2"/>
+          <p:cNvSpPr>
+            <a:spLocks noGrp="1"/>
+          </p:cNvSpPr>
+          <p:nvPr>
+            <p:ph idx="1"/>
+          </p:nvPr>
+        </p:nvSpPr>
+        <p:spPr>
+          <a:xfrm>
+            <a:off x="1483981" y="2231952"/>
+            <a:ext cx="5059941" cy="3777622"/>
+          </a:xfrm>
+        </p:spPr>
+        <p:txBody>
+          <a:bodyPr anchor="ctr"/>
+          <a:lstStyle/>
+          <a:p>
+            <a:pPr algn="just"/>
+            <a:r>
+              <a:rPr lang="fr-FR" dirty="0" smtClean="0">
+                <a:solidFill>
+                  <a:schemeClr val="tx1"/>
+                </a:solidFill>
+              </a:rPr>
+              <a:t>Chaque </a:t>
+            </a:r>
+            <a:r>
+              <a:rPr lang="fr-FR" b="1" i="1" dirty="0" smtClean="0">
+                <a:solidFill>
+                  <a:schemeClr val="accent6"/>
+                </a:solidFill>
+              </a:rPr>
+              <a:t>case</a:t>
+            </a:r>
+            <a:r>
+              <a:rPr lang="fr-FR" dirty="0" smtClean="0">
+                <a:solidFill>
+                  <a:schemeClr val="accent6"/>
+                </a:solidFill>
+              </a:rPr>
+              <a:t> </a:t>
+            </a:r>
+            <a:r>
+              <a:rPr lang="fr-FR" dirty="0" smtClean="0">
+                <a:solidFill>
+                  <a:schemeClr val="tx1"/>
+                </a:solidFill>
+              </a:rPr>
+              <a:t>est évalué à la suite</a:t>
+            </a:r>
+          </a:p>
+          <a:p>
+            <a:pPr algn="just"/>
+            <a:r>
+              <a:rPr lang="fr-FR" dirty="0" smtClean="0">
+                <a:solidFill>
+                  <a:schemeClr val="tx1"/>
+                </a:solidFill>
+              </a:rPr>
+              <a:t>Seul le premier </a:t>
+            </a:r>
+            <a:r>
+              <a:rPr lang="fr-FR" b="1" i="1" dirty="0" smtClean="0">
+                <a:solidFill>
+                  <a:schemeClr val="accent6"/>
+                </a:solidFill>
+              </a:rPr>
+              <a:t>case</a:t>
+            </a:r>
+            <a:r>
+              <a:rPr lang="fr-FR" dirty="0" smtClean="0">
+                <a:solidFill>
+                  <a:schemeClr val="accent6"/>
+                </a:solidFill>
+              </a:rPr>
+              <a:t> </a:t>
+            </a:r>
+            <a:r>
+              <a:rPr lang="fr-FR" dirty="0" smtClean="0">
+                <a:solidFill>
+                  <a:schemeClr val="tx1"/>
+                </a:solidFill>
+              </a:rPr>
+              <a:t>vérifié est exécuté</a:t>
+            </a:r>
+            <a:endParaRPr lang="fr-FR" dirty="0" smtClean="0">
+              <a:solidFill>
+                <a:schemeClr val="tx1"/>
+              </a:solidFill>
+            </a:endParaRPr>
+          </a:p>
+          <a:p>
+            <a:pPr algn="just"/>
+            <a:r>
+              <a:rPr lang="fr-FR" dirty="0" smtClean="0">
+                <a:solidFill>
+                  <a:schemeClr val="tx1"/>
+                </a:solidFill>
+              </a:rPr>
+              <a:t>Le case </a:t>
+            </a:r>
+            <a:r>
+              <a:rPr lang="fr-FR" b="1" i="1" dirty="0" smtClean="0">
+                <a:solidFill>
+                  <a:schemeClr val="accent6"/>
+                </a:solidFill>
+              </a:rPr>
+              <a:t>default</a:t>
+            </a:r>
+            <a:r>
+              <a:rPr lang="fr-FR" dirty="0" smtClean="0">
+                <a:solidFill>
+                  <a:schemeClr val="accent6"/>
+                </a:solidFill>
+              </a:rPr>
+              <a:t> </a:t>
+            </a:r>
+            <a:r>
+              <a:rPr lang="fr-FR" dirty="0" smtClean="0">
+                <a:solidFill>
+                  <a:schemeClr val="tx1"/>
+                </a:solidFill>
+              </a:rPr>
+              <a:t>est optionnel et le dernier évalué</a:t>
+            </a:r>
+          </a:p>
+          <a:p>
+            <a:pPr algn="just"/>
+            <a:r>
+              <a:rPr lang="fr-FR" b="1" i="1" u="sng" dirty="0" smtClean="0">
+                <a:solidFill>
+                  <a:schemeClr val="accent1"/>
+                </a:solidFill>
+              </a:rPr>
+              <a:t>Pas de break</a:t>
+            </a:r>
+          </a:p>
+          <a:p>
+            <a:pPr algn="just"/>
+            <a:r>
+              <a:rPr lang="fr-FR" dirty="0" smtClean="0">
+                <a:solidFill>
+                  <a:schemeClr val="tx1"/>
+                </a:solidFill>
+              </a:rPr>
+              <a:t>Les </a:t>
+            </a:r>
+            <a:r>
+              <a:rPr lang="fr-FR" b="1" i="1" dirty="0" smtClean="0">
+                <a:solidFill>
+                  <a:schemeClr val="accent6"/>
+                </a:solidFill>
+              </a:rPr>
+              <a:t>case</a:t>
+            </a:r>
+            <a:r>
+              <a:rPr lang="fr-FR" dirty="0" smtClean="0">
+                <a:solidFill>
+                  <a:schemeClr val="tx1"/>
+                </a:solidFill>
+              </a:rPr>
+              <a:t> ne sont pas forcément constants et les valeurs testées ne sont obligatoirement des entiers</a:t>
+            </a:r>
+            <a:endParaRPr lang="fr-FR" dirty="0">
+              <a:solidFill>
+                <a:schemeClr val="tx1"/>
+              </a:solidFill>
+            </a:endParaRPr>
+          </a:p>
+        </p:txBody>
+      </p:sp>
+      <p:pic>
+        <p:nvPicPr>
+          <p:cNvPr id="5" name="Image 4"/>
+          <p:cNvPicPr>
+            <a:picLocks noChangeAspect="1"/>
+          </p:cNvPicPr>
+          <p:nvPr/>
+        </p:nvPicPr>
+        <p:blipFill>
+          <a:blip r:embed="rId2"/>
+          <a:stretch>
+            <a:fillRect/>
+          </a:stretch>
+        </p:blipFill>
+        <p:spPr>
+          <a:xfrm>
+            <a:off x="7921210" y="842838"/>
+            <a:ext cx="3988898" cy="5673256"/>
+          </a:xfrm>
+          <a:prstGeom prst="rect">
+            <a:avLst/>
+          </a:prstGeom>
+        </p:spPr>
+      </p:pic>
+    </p:spTree>
+    <p:extLst>
+      <p:ext uri="{BB962C8B-B14F-4D97-AF65-F5344CB8AC3E}">
+        <p14:creationId xmlns:p14="http://schemas.microsoft.com/office/powerpoint/2010/main" val="389091490"/>
+      </p:ext>
+    </p:extLst>
+  </p:cSld>
+  <p:clrMapOvr>
+    <a:masterClrMapping/>
+  </p:clrMapOvr>
+  <p:timing>
+    <p:tnLst>
+      <p:par>
+        <p:cTn id="1" dur="indefinite" restart="never" nodeType="tmRoot"/>
+      </p:par>
+    </p:tnLst>
+  </p:timing>
+</p:sld>
+</file>
+
+<file path=ppt/slides/slide35.xml><?xml version="1.0" encoding="utf-8"?>
+<p:sld xmlns:a="http://schemas.openxmlformats.org/drawingml/2006/main" xmlns:r="http://schemas.openxmlformats.org/officeDocument/2006/relationships" xmlns:p="http://schemas.openxmlformats.org/presentationml/2006/main">
+  <p:cSld>
+    <p:spTree>
+      <p:nvGrpSpPr>
+        <p:cNvPr id="1" name=""/>
+        <p:cNvGrpSpPr/>
+        <p:nvPr/>
+      </p:nvGrpSpPr>
+      <p:grpSpPr>
+        <a:xfrm>
+          <a:off x="0" y="0"/>
+          <a:ext cx="0" cy="0"/>
+          <a:chOff x="0" y="0"/>
+          <a:chExt cx="0" cy="0"/>
+        </a:xfrm>
+      </p:grpSpPr>
+      <p:sp>
+        <p:nvSpPr>
+          <p:cNvPr id="2" name="Titre 1"/>
+          <p:cNvSpPr>
+            <a:spLocks noGrp="1"/>
+          </p:cNvSpPr>
+          <p:nvPr>
+            <p:ph type="title"/>
+          </p:nvPr>
+        </p:nvSpPr>
+        <p:spPr>
+          <a:xfrm>
+            <a:off x="2592925" y="624110"/>
+            <a:ext cx="8911687" cy="1280890"/>
+          </a:xfrm>
+        </p:spPr>
+        <p:txBody>
+          <a:bodyPr/>
+          <a:lstStyle/>
+          <a:p>
+            <a:r>
+              <a:rPr lang="fr-FR" dirty="0" smtClean="0"/>
               <a:t>Références</a:t>
             </a:r>
             <a:endParaRPr lang="fr-FR" dirty="0"/>
@@ -14412,13 +14680,6 @@
               </a:rPr>
               <a:t> : https://gitlab.com/ThierryDecker/learning-go</a:t>
             </a:r>
-            <a:endParaRPr lang="fr-FR" sz="1200" b="1" dirty="0">
-              <a:solidFill>
-                <a:schemeClr val="accent6">
-                  <a:lumMod val="75000"/>
-                </a:schemeClr>
-              </a:solidFill>
-            </a:endParaRPr>
           </a:p>
         </p:txBody>
       </p:sp>

--- a/documentations/learning-go.pptx
+++ b/documentations/learning-go.pptx
@@ -5,7 +5,7 @@
     <p:sldMasterId id="2147483665" r:id="rId1"/>
   </p:sldMasterIdLst>
   <p:notesMasterIdLst>
-    <p:notesMasterId r:id="rId37"/>
+    <p:notesMasterId r:id="rId38"/>
   </p:notesMasterIdLst>
   <p:sldIdLst>
     <p:sldId id="256" r:id="rId2"/>
@@ -42,7 +42,8 @@
     <p:sldId id="288" r:id="rId33"/>
     <p:sldId id="289" r:id="rId34"/>
     <p:sldId id="290" r:id="rId35"/>
-    <p:sldId id="267" r:id="rId36"/>
+    <p:sldId id="291" r:id="rId36"/>
+    <p:sldId id="267" r:id="rId37"/>
   </p:sldIdLst>
   <p:sldSz cx="12192000" cy="6858000"/>
   <p:notesSz cx="6858000" cy="9144000"/>
@@ -14106,11 +14107,7 @@
           <a:p>
             <a:r>
               <a:rPr lang="fr-FR" dirty="0" smtClean="0"/>
-              <a:t>Les </a:t>
-            </a:r>
-            <a:r>
-              <a:rPr lang="fr-FR" dirty="0" smtClean="0"/>
-              <a:t>switches</a:t>
+              <a:t>Les switches</a:t>
             </a:r>
             <a:endParaRPr lang="fr-FR" dirty="0"/>
           </a:p>
@@ -14204,11 +14201,6 @@
               </a:rPr>
               <a:t>vérifié est exécuté</a:t>
             </a:r>
-            <a:endParaRPr lang="fr-FR" dirty="0" smtClean="0">
-              <a:solidFill>
-                <a:schemeClr val="tx1"/>
-              </a:solidFill>
-            </a:endParaRPr>
           </a:p>
           <a:p>
             <a:pPr algn="just"/>
@@ -14335,6 +14327,147 @@
 </file>
 
 <file path=ppt/slides/slide35.xml><?xml version="1.0" encoding="utf-8"?>
+<p:sld xmlns:a="http://schemas.openxmlformats.org/drawingml/2006/main" xmlns:r="http://schemas.openxmlformats.org/officeDocument/2006/relationships" xmlns:p="http://schemas.openxmlformats.org/presentationml/2006/main">
+  <p:cSld>
+    <p:spTree>
+      <p:nvGrpSpPr>
+        <p:cNvPr id="1" name=""/>
+        <p:cNvGrpSpPr/>
+        <p:nvPr/>
+      </p:nvGrpSpPr>
+      <p:grpSpPr>
+        <a:xfrm>
+          <a:off x="0" y="0"/>
+          <a:ext cx="0" cy="0"/>
+          <a:chOff x="0" y="0"/>
+          <a:chExt cx="0" cy="0"/>
+        </a:xfrm>
+      </p:grpSpPr>
+      <p:sp>
+        <p:nvSpPr>
+          <p:cNvPr id="2" name="Titre 1"/>
+          <p:cNvSpPr>
+            <a:spLocks noGrp="1"/>
+          </p:cNvSpPr>
+          <p:nvPr>
+            <p:ph type="title"/>
+          </p:nvPr>
+        </p:nvSpPr>
+        <p:spPr>
+          <a:xfrm>
+            <a:off x="2592925" y="624110"/>
+            <a:ext cx="8911687" cy="1280890"/>
+          </a:xfrm>
+        </p:spPr>
+        <p:txBody>
+          <a:bodyPr/>
+          <a:lstStyle/>
+          <a:p>
+            <a:r>
+              <a:rPr lang="fr-FR" dirty="0" smtClean="0"/>
+              <a:t>Les </a:t>
+            </a:r>
+            <a:r>
+              <a:rPr lang="fr-FR" dirty="0" smtClean="0"/>
+              <a:t>defers</a:t>
+            </a:r>
+            <a:endParaRPr lang="fr-FR" dirty="0"/>
+          </a:p>
+        </p:txBody>
+      </p:sp>
+      <p:sp>
+        <p:nvSpPr>
+          <p:cNvPr id="3" name="Espace réservé du contenu 2"/>
+          <p:cNvSpPr>
+            <a:spLocks noGrp="1"/>
+          </p:cNvSpPr>
+          <p:nvPr>
+            <p:ph idx="1"/>
+          </p:nvPr>
+        </p:nvSpPr>
+        <p:spPr>
+          <a:xfrm>
+            <a:off x="1483981" y="2231952"/>
+            <a:ext cx="5059941" cy="3777622"/>
+          </a:xfrm>
+        </p:spPr>
+        <p:txBody>
+          <a:bodyPr anchor="ctr"/>
+          <a:lstStyle/>
+          <a:p>
+            <a:pPr algn="just"/>
+            <a:r>
+              <a:rPr lang="fr-FR" dirty="0" smtClean="0">
+                <a:solidFill>
+                  <a:schemeClr val="tx1"/>
+                </a:solidFill>
+              </a:rPr>
+              <a:t>Les defer sont empilées dans la pile d'appels</a:t>
+            </a:r>
+          </a:p>
+          <a:p>
+            <a:pPr algn="just"/>
+            <a:r>
+              <a:rPr lang="fr-FR" dirty="0" smtClean="0">
+                <a:solidFill>
+                  <a:schemeClr val="tx1"/>
+                </a:solidFill>
+              </a:rPr>
+              <a:t>Quand la fonction retourne, ces defers sont exécutées dans l'ordre LIFO</a:t>
+            </a:r>
+            <a:endParaRPr lang="fr-FR" dirty="0">
+              <a:solidFill>
+                <a:schemeClr val="tx1"/>
+              </a:solidFill>
+            </a:endParaRPr>
+          </a:p>
+        </p:txBody>
+      </p:sp>
+      <p:pic>
+        <p:nvPicPr>
+          <p:cNvPr id="4" name="Image 3"/>
+          <p:cNvPicPr>
+            <a:picLocks noChangeAspect="1"/>
+          </p:cNvPicPr>
+          <p:nvPr/>
+        </p:nvPicPr>
+        <p:blipFill>
+          <a:blip r:embed="rId2"/>
+          <a:stretch>
+            <a:fillRect/>
+          </a:stretch>
+        </p:blipFill>
+        <p:spPr>
+          <a:xfrm>
+            <a:off x="6941654" y="2523424"/>
+            <a:ext cx="5067300" cy="3486150"/>
+          </a:xfrm>
+          <a:prstGeom prst="rect">
+            <a:avLst/>
+          </a:prstGeom>
+        </p:spPr>
+      </p:pic>
+    </p:spTree>
+    <p:extLst>
+      <p:ext uri="{BB962C8B-B14F-4D97-AF65-F5344CB8AC3E}">
+        <p14:creationId xmlns:p14="http://schemas.microsoft.com/office/powerpoint/2010/main" val="3695583494"/>
+      </p:ext>
+    </p:extLst>
+  </p:cSld>
+  <p:clrMapOvr>
+    <a:masterClrMapping/>
+  </p:clrMapOvr>
+  <p:timing>
+    <p:tnLst>
+      <p:par>
+        <p:cTn id="1" dur="indefinite" restart="never" nodeType="tmRoot"/>
+      </p:par>
+    </p:tnLst>
+  </p:timing>
+</p:sld>
+</file>
+
+<file path=ppt/slides/slide36.xml><?xml version="1.0" encoding="utf-8"?>
 <p:sld xmlns:a="http://schemas.openxmlformats.org/drawingml/2006/main" xmlns:r="http://schemas.openxmlformats.org/officeDocument/2006/relationships" xmlns:p="http://schemas.openxmlformats.org/presentationml/2006/main">
   <p:cSld>
     <p:spTree>

--- a/documentations/learning-go.pptx
+++ b/documentations/learning-go.pptx
@@ -5,7 +5,7 @@
     <p:sldMasterId id="2147483665" r:id="rId1"/>
   </p:sldMasterIdLst>
   <p:notesMasterIdLst>
-    <p:notesMasterId r:id="rId38"/>
+    <p:notesMasterId r:id="rId39"/>
   </p:notesMasterIdLst>
   <p:sldIdLst>
     <p:sldId id="256" r:id="rId2"/>
@@ -43,7 +43,8 @@
     <p:sldId id="289" r:id="rId34"/>
     <p:sldId id="290" r:id="rId35"/>
     <p:sldId id="291" r:id="rId36"/>
-    <p:sldId id="267" r:id="rId37"/>
+    <p:sldId id="292" r:id="rId37"/>
+    <p:sldId id="267" r:id="rId38"/>
   </p:sldIdLst>
   <p:sldSz cx="12192000" cy="6858000"/>
   <p:notesSz cx="6858000" cy="9144000"/>
@@ -232,7 +233,7 @@
           <a:p>
             <a:fld id="{ADCD2C08-3C00-4791-9388-3FB9A56F87F8}" type="datetimeFigureOut">
               <a:rPr lang="fr-FR" smtClean="0"/>
-              <a:t>31/12/2017</a:t>
+              <a:t>01/01/2018</a:t>
             </a:fld>
             <a:endParaRPr lang="fr-FR"/>
           </a:p>
@@ -772,7 +773,7 @@
           <a:p>
             <a:fld id="{CAB5D9F6-764D-45E8-BA35-322ECA954888}" type="datetime1">
               <a:rPr lang="en-US" smtClean="0"/>
-              <a:t>12/31/2017</a:t>
+              <a:t>1/1/2018</a:t>
             </a:fld>
             <a:endParaRPr lang="en-US" dirty="0"/>
           </a:p>
@@ -1112,7 +1113,7 @@
           <a:p>
             <a:fld id="{7E62AF45-EF0A-4378-934F-84EB6BC3D026}" type="datetime1">
               <a:rPr lang="en-US" smtClean="0"/>
-              <a:t>12/31/2017</a:t>
+              <a:t>1/1/2018</a:t>
             </a:fld>
             <a:endParaRPr lang="en-US" dirty="0"/>
           </a:p>
@@ -1514,7 +1515,7 @@
           <a:p>
             <a:fld id="{76D4023A-E694-4331-A23E-E1356D15A4BD}" type="datetime1">
               <a:rPr lang="en-US" smtClean="0"/>
-              <a:t>12/31/2017</a:t>
+              <a:t>1/1/2018</a:t>
             </a:fld>
             <a:endParaRPr lang="en-US" dirty="0"/>
           </a:p>
@@ -1851,7 +1852,7 @@
           <a:p>
             <a:fld id="{D6F2E77E-7F60-441B-806F-66DDB3F74163}" type="datetime1">
               <a:rPr lang="en-US" smtClean="0"/>
-              <a:t>12/31/2017</a:t>
+              <a:t>1/1/2018</a:t>
             </a:fld>
             <a:endParaRPr lang="en-US" dirty="0"/>
           </a:p>
@@ -2172,7 +2173,7 @@
           <a:p>
             <a:fld id="{266B8AF4-4A0E-4A4E-9660-2094B624C07D}" type="datetime1">
               <a:rPr lang="en-US" smtClean="0"/>
-              <a:t>12/31/2017</a:t>
+              <a:t>1/1/2018</a:t>
             </a:fld>
             <a:endParaRPr lang="en-US" dirty="0"/>
           </a:p>
@@ -2569,7 +2570,7 @@
           <a:p>
             <a:fld id="{CB2BF7E3-4C05-4502-A416-452E6496AE59}" type="datetime1">
               <a:rPr lang="en-US" smtClean="0"/>
-              <a:t>12/31/2017</a:t>
+              <a:t>1/1/2018</a:t>
             </a:fld>
             <a:endParaRPr lang="en-US" dirty="0"/>
           </a:p>
@@ -2827,7 +2828,7 @@
           <a:p>
             <a:fld id="{F6F8AC83-13D2-4813-AD1A-CAFB5DEDD213}" type="datetime1">
               <a:rPr lang="en-US" smtClean="0"/>
-              <a:t>12/31/2017</a:t>
+              <a:t>1/1/2018</a:t>
             </a:fld>
             <a:endParaRPr lang="en-US" dirty="0"/>
           </a:p>
@@ -3090,7 +3091,7 @@
           <a:p>
             <a:fld id="{74455543-85E2-46E2-A974-7ADB0844C12A}" type="datetime1">
               <a:rPr lang="en-US" smtClean="0"/>
-              <a:t>12/31/2017</a:t>
+              <a:t>1/1/2018</a:t>
             </a:fld>
             <a:endParaRPr lang="en-US" dirty="0"/>
           </a:p>
@@ -3721,7 +3722,7 @@
                   <a:schemeClr val="accent1"/>
                 </a:solidFill>
               </a:rPr>
-              <a:t>déc.-17</a:t>
+              <a:t>janv.-18</a:t>
             </a:fld>
             <a:endParaRPr lang="fr-FR" sz="1000" b="1" dirty="0">
               <a:solidFill>
@@ -4202,7 +4203,7 @@
           <a:p>
             <a:fld id="{086CC522-5229-4E69-BBB2-D5F912967395}" type="datetime1">
               <a:rPr lang="en-US" smtClean="0"/>
-              <a:t>12/31/2017</a:t>
+              <a:t>1/1/2018</a:t>
             </a:fld>
             <a:endParaRPr lang="en-US" dirty="0"/>
           </a:p>
@@ -4521,7 +4522,7 @@
           <a:p>
             <a:fld id="{56B9B5DB-1D1A-42F8-93F0-BBA44C1CAF57}" type="datetime1">
               <a:rPr lang="en-US" smtClean="0"/>
-              <a:t>12/31/2017</a:t>
+              <a:t>1/1/2018</a:t>
             </a:fld>
             <a:endParaRPr lang="en-US" dirty="0"/>
           </a:p>
@@ -4979,7 +4980,7 @@
           <a:p>
             <a:fld id="{9A4E8950-D3FA-4365-B561-9EE5AC9B6B6C}" type="datetime1">
               <a:rPr lang="en-US" smtClean="0"/>
-              <a:t>12/31/2017</a:t>
+              <a:t>1/1/2018</a:t>
             </a:fld>
             <a:endParaRPr lang="en-US" dirty="0"/>
           </a:p>
@@ -5185,7 +5186,7 @@
           <a:p>
             <a:fld id="{20724122-C579-4659-8A06-81F42FC84005}" type="datetime1">
               <a:rPr lang="en-US" smtClean="0"/>
-              <a:t>12/31/2017</a:t>
+              <a:t>1/1/2018</a:t>
             </a:fld>
             <a:endParaRPr lang="en-US" dirty="0"/>
           </a:p>
@@ -5363,7 +5364,7 @@
           <a:p>
             <a:fld id="{E4C13383-9243-41F6-8072-8685ED9DD899}" type="datetime1">
               <a:rPr lang="en-US" smtClean="0"/>
-              <a:t>12/31/2017</a:t>
+              <a:t>1/1/2018</a:t>
             </a:fld>
             <a:endParaRPr lang="en-US" dirty="0"/>
           </a:p>
@@ -5697,7 +5698,7 @@
           <a:p>
             <a:fld id="{03F027E6-328C-49ED-AE4B-BD647A7E3EDE}" type="datetime1">
               <a:rPr lang="en-US" smtClean="0"/>
-              <a:t>12/31/2017</a:t>
+              <a:t>1/1/2018</a:t>
             </a:fld>
             <a:endParaRPr lang="en-US" dirty="0"/>
           </a:p>
@@ -6043,7 +6044,7 @@
           <a:p>
             <a:fld id="{6B498982-A325-4B29-8B06-CBC7789C234F}" type="datetime1">
               <a:rPr lang="en-US" smtClean="0"/>
-              <a:t>12/31/2017</a:t>
+              <a:t>1/1/2018</a:t>
             </a:fld>
             <a:endParaRPr lang="en-US" dirty="0"/>
           </a:p>
@@ -8161,7 +8162,7 @@
           <a:p>
             <a:fld id="{CAB5D9F6-764D-45E8-BA35-322ECA954888}" type="datetime1">
               <a:rPr lang="en-US" smtClean="0"/>
-              <a:t>12/31/2017</a:t>
+              <a:t>1/1/2018</a:t>
             </a:fld>
             <a:endParaRPr lang="en-US" dirty="0"/>
           </a:p>
@@ -14365,11 +14366,7 @@
           <a:p>
             <a:r>
               <a:rPr lang="fr-FR" dirty="0" smtClean="0"/>
-              <a:t>Les </a:t>
-            </a:r>
-            <a:r>
-              <a:rPr lang="fr-FR" dirty="0" smtClean="0"/>
-              <a:t>defers</a:t>
+              <a:t>Les defers</a:t>
             </a:r>
             <a:endParaRPr lang="fr-FR" dirty="0"/>
           </a:p>
@@ -14468,6 +14465,217 @@
 </file>
 
 <file path=ppt/slides/slide36.xml><?xml version="1.0" encoding="utf-8"?>
+<p:sld xmlns:a="http://schemas.openxmlformats.org/drawingml/2006/main" xmlns:r="http://schemas.openxmlformats.org/officeDocument/2006/relationships" xmlns:p="http://schemas.openxmlformats.org/presentationml/2006/main">
+  <p:cSld>
+    <p:spTree>
+      <p:nvGrpSpPr>
+        <p:cNvPr id="1" name=""/>
+        <p:cNvGrpSpPr/>
+        <p:nvPr/>
+      </p:nvGrpSpPr>
+      <p:grpSpPr>
+        <a:xfrm>
+          <a:off x="0" y="0"/>
+          <a:ext cx="0" cy="0"/>
+          <a:chOff x="0" y="0"/>
+          <a:chExt cx="0" cy="0"/>
+        </a:xfrm>
+      </p:grpSpPr>
+      <p:sp>
+        <p:nvSpPr>
+          <p:cNvPr id="2" name="Titre 1"/>
+          <p:cNvSpPr>
+            <a:spLocks noGrp="1"/>
+          </p:cNvSpPr>
+          <p:nvPr>
+            <p:ph type="title"/>
+          </p:nvPr>
+        </p:nvSpPr>
+        <p:spPr>
+          <a:xfrm>
+            <a:off x="2592925" y="624110"/>
+            <a:ext cx="8911687" cy="1280890"/>
+          </a:xfrm>
+        </p:spPr>
+        <p:txBody>
+          <a:bodyPr/>
+          <a:lstStyle/>
+          <a:p>
+            <a:r>
+              <a:rPr lang="fr-FR" dirty="0" smtClean="0"/>
+              <a:t>Les </a:t>
+            </a:r>
+            <a:r>
+              <a:rPr lang="fr-FR" dirty="0" smtClean="0"/>
+              <a:t>arrays</a:t>
+            </a:r>
+            <a:endParaRPr lang="fr-FR" dirty="0"/>
+          </a:p>
+        </p:txBody>
+      </p:sp>
+      <p:sp>
+        <p:nvSpPr>
+          <p:cNvPr id="3" name="Espace réservé du contenu 2"/>
+          <p:cNvSpPr>
+            <a:spLocks noGrp="1"/>
+          </p:cNvSpPr>
+          <p:nvPr>
+            <p:ph idx="1"/>
+          </p:nvPr>
+        </p:nvSpPr>
+        <p:spPr>
+          <a:xfrm>
+            <a:off x="675861" y="1391477"/>
+            <a:ext cx="5868061" cy="4797309"/>
+          </a:xfrm>
+        </p:spPr>
+        <p:txBody>
+          <a:bodyPr anchor="ctr"/>
+          <a:lstStyle/>
+          <a:p>
+            <a:pPr algn="just"/>
+            <a:r>
+              <a:rPr lang="fr-FR" dirty="0" smtClean="0">
+                <a:solidFill>
+                  <a:schemeClr val="tx1"/>
+                </a:solidFill>
+              </a:rPr>
+              <a:t>Tableau d'un nombre fixe d'éléments de même type</a:t>
+            </a:r>
+          </a:p>
+          <a:p>
+            <a:pPr algn="just"/>
+            <a:r>
+              <a:rPr lang="fr-FR" dirty="0" smtClean="0">
+                <a:solidFill>
+                  <a:schemeClr val="tx1"/>
+                </a:solidFill>
+              </a:rPr>
+              <a:t>Le premier élément à la position 0</a:t>
+            </a:r>
+          </a:p>
+          <a:p>
+            <a:pPr algn="just"/>
+            <a:r>
+              <a:rPr lang="fr-FR" dirty="0" smtClean="0">
+                <a:solidFill>
+                  <a:schemeClr val="tx1"/>
+                </a:solidFill>
+              </a:rPr>
+              <a:t>La fonction </a:t>
+            </a:r>
+            <a:r>
+              <a:rPr lang="fr-FR" b="1" i="1" dirty="0" smtClean="0">
+                <a:solidFill>
+                  <a:schemeClr val="accent6"/>
+                </a:solidFill>
+              </a:rPr>
+              <a:t>len()</a:t>
+            </a:r>
+            <a:r>
+              <a:rPr lang="fr-FR" dirty="0" smtClean="0">
+                <a:solidFill>
+                  <a:schemeClr val="tx1"/>
+                </a:solidFill>
+              </a:rPr>
+              <a:t> retourne le nombre d'éléments du tableau</a:t>
+            </a:r>
+          </a:p>
+          <a:p>
+            <a:pPr algn="just"/>
+            <a:r>
+              <a:rPr lang="fr-FR" dirty="0" smtClean="0">
+                <a:solidFill>
+                  <a:schemeClr val="tx1"/>
+                </a:solidFill>
+              </a:rPr>
+              <a:t>La fonction </a:t>
+            </a:r>
+            <a:r>
+              <a:rPr lang="fr-FR" b="1" i="1" dirty="0" smtClean="0">
+                <a:solidFill>
+                  <a:schemeClr val="accent6"/>
+                </a:solidFill>
+              </a:rPr>
+              <a:t>range</a:t>
+            </a:r>
+            <a:r>
+              <a:rPr lang="fr-FR" dirty="0" smtClean="0">
+                <a:solidFill>
+                  <a:schemeClr val="tx1"/>
+                </a:solidFill>
+              </a:rPr>
+              <a:t> permet d'itérer sur les éléments de l'</a:t>
+            </a:r>
+            <a:r>
+              <a:rPr lang="fr-FR" dirty="0" err="1" smtClean="0">
+                <a:solidFill>
+                  <a:schemeClr val="tx1"/>
+                </a:solidFill>
+              </a:rPr>
+              <a:t>array</a:t>
+            </a:r>
+            <a:r>
+              <a:rPr lang="fr-FR" dirty="0" smtClean="0">
+                <a:solidFill>
+                  <a:schemeClr val="tx1"/>
+                </a:solidFill>
+              </a:rPr>
+              <a:t> dans cet exemple</a:t>
+            </a:r>
+            <a:endParaRPr lang="fr-FR" dirty="0">
+              <a:solidFill>
+                <a:schemeClr val="tx1"/>
+              </a:solidFill>
+            </a:endParaRPr>
+          </a:p>
+        </p:txBody>
+      </p:sp>
+      <p:pic>
+        <p:nvPicPr>
+          <p:cNvPr id="5" name="Image 4"/>
+          <p:cNvPicPr>
+            <a:picLocks noChangeAspect="1"/>
+          </p:cNvPicPr>
+          <p:nvPr/>
+        </p:nvPicPr>
+        <p:blipFill>
+          <a:blip r:embed="rId2"/>
+          <a:stretch>
+            <a:fillRect/>
+          </a:stretch>
+        </p:blipFill>
+        <p:spPr>
+          <a:xfrm>
+            <a:off x="6909682" y="624110"/>
+            <a:ext cx="5172535" cy="5564677"/>
+          </a:xfrm>
+          <a:prstGeom prst="rect">
+            <a:avLst/>
+          </a:prstGeom>
+        </p:spPr>
+      </p:pic>
+    </p:spTree>
+    <p:extLst>
+      <p:ext uri="{BB962C8B-B14F-4D97-AF65-F5344CB8AC3E}">
+        <p14:creationId xmlns:p14="http://schemas.microsoft.com/office/powerpoint/2010/main" val="2316148002"/>
+      </p:ext>
+    </p:extLst>
+  </p:cSld>
+  <p:clrMapOvr>
+    <a:masterClrMapping/>
+  </p:clrMapOvr>
+  <p:timing>
+    <p:tnLst>
+      <p:par>
+        <p:cTn id="1" dur="indefinite" restart="never" nodeType="tmRoot"/>
+      </p:par>
+    </p:tnLst>
+  </p:timing>
+</p:sld>
+</file>
+
+<file path=ppt/slides/slide37.xml><?xml version="1.0" encoding="utf-8"?>
 <p:sld xmlns:a="http://schemas.openxmlformats.org/drawingml/2006/main" xmlns:r="http://schemas.openxmlformats.org/officeDocument/2006/relationships" xmlns:p="http://schemas.openxmlformats.org/presentationml/2006/main">
   <p:cSld>
     <p:spTree>

--- a/documentations/learning-go.pptx
+++ b/documentations/learning-go.pptx
@@ -5,7 +5,7 @@
     <p:sldMasterId id="2147483665" r:id="rId1"/>
   </p:sldMasterIdLst>
   <p:notesMasterIdLst>
-    <p:notesMasterId r:id="rId39"/>
+    <p:notesMasterId r:id="rId40"/>
   </p:notesMasterIdLst>
   <p:sldIdLst>
     <p:sldId id="256" r:id="rId2"/>
@@ -44,7 +44,8 @@
     <p:sldId id="290" r:id="rId35"/>
     <p:sldId id="291" r:id="rId36"/>
     <p:sldId id="292" r:id="rId37"/>
-    <p:sldId id="267" r:id="rId38"/>
+    <p:sldId id="293" r:id="rId38"/>
+    <p:sldId id="267" r:id="rId39"/>
   </p:sldIdLst>
   <p:sldSz cx="12192000" cy="6858000"/>
   <p:notesSz cx="6858000" cy="9144000"/>
@@ -12725,8 +12726,8 @@
         </p:blipFill>
         <p:spPr>
           <a:xfrm>
-            <a:off x="7781842" y="1264555"/>
-            <a:ext cx="3848100" cy="5248275"/>
+            <a:off x="7871791" y="888387"/>
+            <a:ext cx="4123911" cy="5624443"/>
           </a:xfrm>
           <a:prstGeom prst="rect">
             <a:avLst/>
@@ -13125,8 +13126,8 @@
         </p:blipFill>
         <p:spPr>
           <a:xfrm>
-            <a:off x="6264257" y="1516296"/>
-            <a:ext cx="5620209" cy="4493278"/>
+            <a:off x="6288889" y="1905000"/>
+            <a:ext cx="5730749" cy="4581653"/>
           </a:xfrm>
           <a:prstGeom prst="rect">
             <a:avLst/>
@@ -13482,8 +13483,8 @@
         </p:blipFill>
         <p:spPr>
           <a:xfrm>
-            <a:off x="6719526" y="1550505"/>
-            <a:ext cx="5323429" cy="4898209"/>
+            <a:off x="6456460" y="1308451"/>
+            <a:ext cx="5586496" cy="5140263"/>
           </a:xfrm>
           <a:prstGeom prst="rect">
             <a:avLst/>
@@ -13668,8 +13669,8 @@
         </p:blipFill>
         <p:spPr>
           <a:xfrm>
-            <a:off x="6895985" y="1447137"/>
-            <a:ext cx="4997660" cy="5095066"/>
+            <a:off x="6726803" y="1274658"/>
+            <a:ext cx="5166842" cy="5267545"/>
           </a:xfrm>
           <a:prstGeom prst="rect">
             <a:avLst/>
@@ -13821,8 +13822,8 @@
         </p:blipFill>
         <p:spPr>
           <a:xfrm>
-            <a:off x="7672263" y="1510457"/>
-            <a:ext cx="4019550" cy="4695825"/>
+            <a:off x="7482326" y="1216550"/>
+            <a:ext cx="4495734" cy="5252125"/>
           </a:xfrm>
           <a:prstGeom prst="rect">
             <a:avLst/>
@@ -14041,8 +14042,8 @@
         </p:blipFill>
         <p:spPr>
           <a:xfrm>
-            <a:off x="5847353" y="1905000"/>
-            <a:ext cx="5657259" cy="3885621"/>
+            <a:off x="5876425" y="2231952"/>
+            <a:ext cx="6176828" cy="4242481"/>
           </a:xfrm>
           <a:prstGeom prst="rect">
             <a:avLst/>
@@ -14299,8 +14300,8 @@
         </p:blipFill>
         <p:spPr>
           <a:xfrm>
-            <a:off x="7921210" y="842838"/>
-            <a:ext cx="3988898" cy="5673256"/>
+            <a:off x="7466275" y="195801"/>
+            <a:ext cx="4443833" cy="6320293"/>
           </a:xfrm>
           <a:prstGeom prst="rect">
             <a:avLst/>
@@ -14503,11 +14504,7 @@
           <a:p>
             <a:r>
               <a:rPr lang="fr-FR" dirty="0" smtClean="0"/>
-              <a:t>Les </a:t>
-            </a:r>
-            <a:r>
-              <a:rPr lang="fr-FR" dirty="0" smtClean="0"/>
-              <a:t>arrays</a:t>
+              <a:t>Les arrays</a:t>
             </a:r>
             <a:endParaRPr lang="fr-FR" dirty="0"/>
           </a:p>
@@ -14676,6 +14673,241 @@
 </file>
 
 <file path=ppt/slides/slide37.xml><?xml version="1.0" encoding="utf-8"?>
+<p:sld xmlns:a="http://schemas.openxmlformats.org/drawingml/2006/main" xmlns:r="http://schemas.openxmlformats.org/officeDocument/2006/relationships" xmlns:p="http://schemas.openxmlformats.org/presentationml/2006/main">
+  <p:cSld>
+    <p:spTree>
+      <p:nvGrpSpPr>
+        <p:cNvPr id="1" name=""/>
+        <p:cNvGrpSpPr/>
+        <p:nvPr/>
+      </p:nvGrpSpPr>
+      <p:grpSpPr>
+        <a:xfrm>
+          <a:off x="0" y="0"/>
+          <a:ext cx="0" cy="0"/>
+          <a:chOff x="0" y="0"/>
+          <a:chExt cx="0" cy="0"/>
+        </a:xfrm>
+      </p:grpSpPr>
+      <p:sp>
+        <p:nvSpPr>
+          <p:cNvPr id="2" name="Titre 1"/>
+          <p:cNvSpPr>
+            <a:spLocks noGrp="1"/>
+          </p:cNvSpPr>
+          <p:nvPr>
+            <p:ph type="title"/>
+          </p:nvPr>
+        </p:nvSpPr>
+        <p:spPr>
+          <a:xfrm>
+            <a:off x="2592925" y="624110"/>
+            <a:ext cx="8911687" cy="1280890"/>
+          </a:xfrm>
+        </p:spPr>
+        <p:txBody>
+          <a:bodyPr/>
+          <a:lstStyle/>
+          <a:p>
+            <a:r>
+              <a:rPr lang="fr-FR" dirty="0" smtClean="0"/>
+              <a:t>Les </a:t>
+            </a:r>
+            <a:r>
+              <a:rPr lang="fr-FR" dirty="0" smtClean="0"/>
+              <a:t>ranges</a:t>
+            </a:r>
+            <a:endParaRPr lang="fr-FR" dirty="0"/>
+          </a:p>
+        </p:txBody>
+      </p:sp>
+      <p:sp>
+        <p:nvSpPr>
+          <p:cNvPr id="3" name="Espace réservé du contenu 2"/>
+          <p:cNvSpPr>
+            <a:spLocks noGrp="1"/>
+          </p:cNvSpPr>
+          <p:nvPr>
+            <p:ph idx="1"/>
+          </p:nvPr>
+        </p:nvSpPr>
+        <p:spPr>
+          <a:xfrm>
+            <a:off x="675861" y="1391477"/>
+            <a:ext cx="5868061" cy="4797309"/>
+          </a:xfrm>
+        </p:spPr>
+        <p:txBody>
+          <a:bodyPr anchor="ctr"/>
+          <a:lstStyle/>
+          <a:p>
+            <a:pPr algn="just"/>
+            <a:r>
+              <a:rPr lang="fr-FR" b="1" i="1" dirty="0" smtClean="0">
+                <a:solidFill>
+                  <a:schemeClr val="accent6"/>
+                </a:solidFill>
+              </a:rPr>
+              <a:t>range</a:t>
+            </a:r>
+            <a:r>
+              <a:rPr lang="fr-FR" dirty="0" smtClean="0">
+                <a:solidFill>
+                  <a:schemeClr val="tx1"/>
+                </a:solidFill>
+              </a:rPr>
+              <a:t> permet d'itérer  sur les éléments d'un objets</a:t>
+            </a:r>
+          </a:p>
+          <a:p>
+            <a:pPr algn="just"/>
+            <a:r>
+              <a:rPr lang="fr-FR" dirty="0" smtClean="0">
+                <a:solidFill>
+                  <a:schemeClr val="tx1"/>
+                </a:solidFill>
+              </a:rPr>
+              <a:t>Retourne </a:t>
+            </a:r>
+            <a:r>
+              <a:rPr lang="fr-FR" b="1" dirty="0" smtClean="0">
+                <a:solidFill>
+                  <a:srgbClr val="0070C0"/>
+                </a:solidFill>
+              </a:rPr>
+              <a:t>l'index</a:t>
+            </a:r>
+            <a:r>
+              <a:rPr lang="fr-FR" dirty="0" smtClean="0">
+                <a:solidFill>
+                  <a:srgbClr val="0070C0"/>
+                </a:solidFill>
+              </a:rPr>
+              <a:t> </a:t>
+            </a:r>
+            <a:r>
+              <a:rPr lang="fr-FR" dirty="0" smtClean="0">
+                <a:solidFill>
+                  <a:schemeClr val="tx1"/>
+                </a:solidFill>
+              </a:rPr>
+              <a:t>et la </a:t>
+            </a:r>
+            <a:r>
+              <a:rPr lang="fr-FR" b="1" dirty="0" smtClean="0">
+                <a:solidFill>
+                  <a:srgbClr val="0070C0"/>
+                </a:solidFill>
+              </a:rPr>
+              <a:t>valeur</a:t>
+            </a:r>
+            <a:r>
+              <a:rPr lang="fr-FR" dirty="0" smtClean="0">
+                <a:solidFill>
+                  <a:schemeClr val="tx1"/>
+                </a:solidFill>
+              </a:rPr>
+              <a:t> correspondante de chacun des éléments itérés</a:t>
+            </a:r>
+          </a:p>
+          <a:p>
+            <a:pPr algn="just">
+              <a:buFont typeface="Wingdings 3" panose="05040102010807070707" pitchFamily="18" charset="2"/>
+              <a:buChar char=""/>
+            </a:pPr>
+            <a:r>
+              <a:rPr lang="fr-FR" b="1" i="1" dirty="0" smtClean="0">
+                <a:solidFill>
+                  <a:schemeClr val="accent6"/>
+                </a:solidFill>
+              </a:rPr>
+              <a:t>_</a:t>
+            </a:r>
+            <a:r>
+              <a:rPr lang="fr-FR" dirty="0" smtClean="0">
+                <a:solidFill>
+                  <a:schemeClr val="tx1"/>
+                </a:solidFill>
+              </a:rPr>
+              <a:t> </a:t>
+            </a:r>
+            <a:r>
+              <a:rPr lang="fr-FR" dirty="0" smtClean="0">
+                <a:solidFill>
+                  <a:srgbClr val="FF0000"/>
+                </a:solidFill>
+              </a:rPr>
+              <a:t>dans la boucle </a:t>
+            </a:r>
+            <a:r>
+              <a:rPr lang="fr-FR" b="1" i="1" dirty="0" smtClean="0">
+                <a:solidFill>
+                  <a:schemeClr val="accent6"/>
+                </a:solidFill>
+              </a:rPr>
+              <a:t>for</a:t>
+            </a:r>
+            <a:r>
+              <a:rPr lang="fr-FR" dirty="0" smtClean="0">
+                <a:solidFill>
+                  <a:srgbClr val="FF0000"/>
+                </a:solidFill>
+              </a:rPr>
+              <a:t> permet de ne pas utiliser la valeur d'index retournée par range. L'ignorer simplement provoquerait une erreur de compilation</a:t>
+            </a:r>
+            <a:endParaRPr lang="fr-FR" dirty="0">
+              <a:solidFill>
+                <a:srgbClr val="FF0000"/>
+              </a:solidFill>
+            </a:endParaRPr>
+          </a:p>
+        </p:txBody>
+      </p:sp>
+      <p:pic>
+        <p:nvPicPr>
+          <p:cNvPr id="4" name="Image 3"/>
+          <p:cNvPicPr>
+            <a:picLocks noChangeAspect="1"/>
+          </p:cNvPicPr>
+          <p:nvPr/>
+        </p:nvPicPr>
+        <p:blipFill>
+          <a:blip r:embed="rId2"/>
+          <a:stretch>
+            <a:fillRect/>
+          </a:stretch>
+        </p:blipFill>
+        <p:spPr>
+          <a:xfrm>
+            <a:off x="6869927" y="514083"/>
+            <a:ext cx="5168253" cy="5938399"/>
+          </a:xfrm>
+          <a:prstGeom prst="rect">
+            <a:avLst/>
+          </a:prstGeom>
+        </p:spPr>
+      </p:pic>
+    </p:spTree>
+    <p:extLst>
+      <p:ext uri="{BB962C8B-B14F-4D97-AF65-F5344CB8AC3E}">
+        <p14:creationId xmlns:p14="http://schemas.microsoft.com/office/powerpoint/2010/main" val="4060797526"/>
+      </p:ext>
+    </p:extLst>
+  </p:cSld>
+  <p:clrMapOvr>
+    <a:masterClrMapping/>
+  </p:clrMapOvr>
+  <p:timing>
+    <p:tnLst>
+      <p:par>
+        <p:cTn id="1" dur="indefinite" restart="never" nodeType="tmRoot"/>
+      </p:par>
+    </p:tnLst>
+  </p:timing>
+</p:sld>
+</file>
+
+<file path=ppt/slides/slide38.xml><?xml version="1.0" encoding="utf-8"?>
 <p:sld xmlns:a="http://schemas.openxmlformats.org/drawingml/2006/main" xmlns:r="http://schemas.openxmlformats.org/officeDocument/2006/relationships" xmlns:p="http://schemas.openxmlformats.org/presentationml/2006/main">
   <p:cSld>
     <p:spTree>

--- a/documentations/learning-go.pptx
+++ b/documentations/learning-go.pptx
@@ -5,7 +5,7 @@
     <p:sldMasterId id="2147483665" r:id="rId1"/>
   </p:sldMasterIdLst>
   <p:notesMasterIdLst>
-    <p:notesMasterId r:id="rId40"/>
+    <p:notesMasterId r:id="rId46"/>
   </p:notesMasterIdLst>
   <p:sldIdLst>
     <p:sldId id="256" r:id="rId2"/>
@@ -45,7 +45,13 @@
     <p:sldId id="291" r:id="rId36"/>
     <p:sldId id="292" r:id="rId37"/>
     <p:sldId id="293" r:id="rId38"/>
-    <p:sldId id="267" r:id="rId39"/>
+    <p:sldId id="294" r:id="rId39"/>
+    <p:sldId id="295" r:id="rId40"/>
+    <p:sldId id="296" r:id="rId41"/>
+    <p:sldId id="297" r:id="rId42"/>
+    <p:sldId id="298" r:id="rId43"/>
+    <p:sldId id="299" r:id="rId44"/>
+    <p:sldId id="267" r:id="rId45"/>
   </p:sldIdLst>
   <p:sldSz cx="12192000" cy="6858000"/>
   <p:notesSz cx="6858000" cy="9144000"/>
@@ -14711,11 +14717,7 @@
           <a:p>
             <a:r>
               <a:rPr lang="fr-FR" dirty="0" smtClean="0"/>
-              <a:t>Les </a:t>
-            </a:r>
-            <a:r>
-              <a:rPr lang="fr-FR" dirty="0" smtClean="0"/>
-              <a:t>ranges</a:t>
+              <a:t>Les ranges</a:t>
             </a:r>
             <a:endParaRPr lang="fr-FR" dirty="0"/>
           </a:p>
@@ -14946,7 +14948,7 @@
           <a:p>
             <a:r>
               <a:rPr lang="fr-FR" dirty="0" smtClean="0"/>
-              <a:t>Références</a:t>
+              <a:t>Slices</a:t>
             </a:r>
             <a:endParaRPr lang="fr-FR" dirty="0"/>
           </a:p>
@@ -14962,304 +14964,506 @@
             <p:ph idx="1"/>
           </p:nvPr>
         </p:nvSpPr>
-        <p:spPr/>
-        <p:txBody>
-          <a:bodyPr anchor="ctr">
-            <a:normAutofit/>
-          </a:bodyPr>
+        <p:spPr>
+          <a:xfrm>
+            <a:off x="675861" y="1550504"/>
+            <a:ext cx="5868061" cy="4638282"/>
+          </a:xfrm>
+        </p:spPr>
+        <p:txBody>
+          <a:bodyPr anchor="ctr"/>
           <a:lstStyle/>
           <a:p>
-            <a:r>
-              <a:rPr lang="fr-FR" sz="1200" b="1" dirty="0" smtClean="0">
-                <a:solidFill>
-                  <a:schemeClr val="accent6">
-                    <a:lumMod val="75000"/>
-                  </a:schemeClr>
-                </a:solidFill>
-                <a:hlinkClick r:id="rId2"/>
-              </a:rPr>
-              <a:t>Golang Project </a:t>
-            </a:r>
-            <a:r>
-              <a:rPr lang="fr-FR" sz="1200" b="1" dirty="0" smtClean="0">
-                <a:solidFill>
-                  <a:schemeClr val="accent6">
-                    <a:lumMod val="75000"/>
-                  </a:schemeClr>
-                </a:solidFill>
-              </a:rPr>
-              <a:t>: https</a:t>
-            </a:r>
-            <a:r>
-              <a:rPr lang="fr-FR" sz="1200" b="1" dirty="0">
-                <a:solidFill>
-                  <a:schemeClr val="accent6">
-                    <a:lumMod val="75000"/>
-                  </a:schemeClr>
-                </a:solidFill>
-              </a:rPr>
-              <a:t>://golang.org</a:t>
-            </a:r>
-            <a:r>
-              <a:rPr lang="fr-FR" sz="1200" b="1" dirty="0" smtClean="0">
-                <a:solidFill>
-                  <a:schemeClr val="accent6">
-                    <a:lumMod val="75000"/>
-                  </a:schemeClr>
-                </a:solidFill>
-              </a:rPr>
-              <a:t>/</a:t>
-            </a:r>
-          </a:p>
-          <a:p>
-            <a:r>
-              <a:rPr lang="fr-FR" sz="1200" b="1" dirty="0" smtClean="0">
-                <a:solidFill>
-                  <a:schemeClr val="accent6">
-                    <a:lumMod val="75000"/>
-                  </a:schemeClr>
-                </a:solidFill>
-                <a:hlinkClick r:id="rId3"/>
-              </a:rPr>
-              <a:t>Goland-book.com</a:t>
-            </a:r>
-            <a:r>
-              <a:rPr lang="fr-FR" sz="1200" b="1" dirty="0" smtClean="0">
-                <a:solidFill>
-                  <a:schemeClr val="accent6">
-                    <a:lumMod val="75000"/>
-                  </a:schemeClr>
-                </a:solidFill>
-              </a:rPr>
-              <a:t> </a:t>
-            </a:r>
-            <a:r>
-              <a:rPr lang="fr-FR" sz="1200" b="1" dirty="0">
-                <a:solidFill>
-                  <a:schemeClr val="accent6">
-                    <a:lumMod val="75000"/>
-                  </a:schemeClr>
-                </a:solidFill>
-              </a:rPr>
-              <a:t>: https://www.golang-book.com/books/intro</a:t>
-            </a:r>
-            <a:endParaRPr lang="fr-FR" sz="1200" b="1" dirty="0" smtClean="0">
+            <a:pPr algn="just"/>
+            <a:r>
+              <a:rPr lang="fr-FR" dirty="0" smtClean="0">
+                <a:solidFill>
+                  <a:schemeClr val="tx1"/>
+                </a:solidFill>
+              </a:rPr>
+              <a:t>Les </a:t>
+            </a:r>
+            <a:r>
+              <a:rPr lang="fr-FR" b="1" i="1" dirty="0" smtClean="0">
+                <a:solidFill>
+                  <a:schemeClr val="accent6"/>
+                </a:solidFill>
+              </a:rPr>
+              <a:t>slices</a:t>
+            </a:r>
+            <a:r>
+              <a:rPr lang="fr-FR" dirty="0" smtClean="0">
+                <a:solidFill>
+                  <a:schemeClr val="tx1"/>
+                </a:solidFill>
+              </a:rPr>
+              <a:t> sont basées sur les </a:t>
+            </a:r>
+            <a:r>
+              <a:rPr lang="fr-FR" b="1" i="1" dirty="0" smtClean="0">
+                <a:solidFill>
+                  <a:schemeClr val="accent6"/>
+                </a:solidFill>
+              </a:rPr>
+              <a:t>arrays</a:t>
+            </a:r>
+          </a:p>
+          <a:p>
+            <a:pPr algn="just"/>
+            <a:r>
+              <a:rPr lang="fr-FR" dirty="0" smtClean="0">
+                <a:solidFill>
+                  <a:schemeClr val="tx1"/>
+                </a:solidFill>
+              </a:rPr>
+              <a:t>Les </a:t>
+            </a:r>
+            <a:r>
+              <a:rPr lang="fr-FR" b="1" i="1" dirty="0" smtClean="0">
+                <a:solidFill>
+                  <a:schemeClr val="accent6"/>
+                </a:solidFill>
+              </a:rPr>
+              <a:t>arrays</a:t>
+            </a:r>
+            <a:r>
+              <a:rPr lang="fr-FR" dirty="0" smtClean="0">
+                <a:solidFill>
+                  <a:schemeClr val="tx1"/>
+                </a:solidFill>
+              </a:rPr>
+              <a:t> sont des valeurs, pas un pointeur vers le premier élément (comme en C)</a:t>
+            </a:r>
+          </a:p>
+          <a:p>
+            <a:pPr algn="just"/>
+            <a:r>
+              <a:rPr lang="fr-FR" dirty="0" smtClean="0">
+                <a:solidFill>
+                  <a:schemeClr val="tx1"/>
+                </a:solidFill>
+              </a:rPr>
+              <a:t>Les </a:t>
+            </a:r>
+            <a:r>
+              <a:rPr lang="fr-FR" b="1" i="1" dirty="0" smtClean="0">
+                <a:solidFill>
+                  <a:schemeClr val="accent6"/>
+                </a:solidFill>
+              </a:rPr>
+              <a:t>arrays</a:t>
+            </a:r>
+            <a:r>
+              <a:rPr lang="fr-FR" dirty="0" smtClean="0">
+                <a:solidFill>
+                  <a:schemeClr val="tx1"/>
+                </a:solidFill>
+              </a:rPr>
+              <a:t> sont peu flexibles</a:t>
+            </a:r>
+          </a:p>
+          <a:p>
+            <a:pPr algn="just"/>
+            <a:r>
+              <a:rPr lang="fr-FR" dirty="0" smtClean="0">
+                <a:solidFill>
+                  <a:schemeClr val="tx1"/>
+                </a:solidFill>
+              </a:rPr>
+              <a:t>Les </a:t>
+            </a:r>
+            <a:r>
+              <a:rPr lang="fr-FR" b="1" i="1" dirty="0" smtClean="0">
+                <a:solidFill>
+                  <a:schemeClr val="accent6"/>
+                </a:solidFill>
+              </a:rPr>
+              <a:t>slices</a:t>
+            </a:r>
+            <a:r>
+              <a:rPr lang="fr-FR" dirty="0" smtClean="0">
+                <a:solidFill>
+                  <a:schemeClr val="tx1"/>
+                </a:solidFill>
+              </a:rPr>
+              <a:t> n'ont pas de spécification de longueur</a:t>
+            </a:r>
+          </a:p>
+          <a:p>
+            <a:pPr algn="just"/>
+            <a:r>
+              <a:rPr lang="fr-FR" dirty="0" smtClean="0">
+                <a:solidFill>
+                  <a:schemeClr val="tx1"/>
+                </a:solidFill>
+              </a:rPr>
+              <a:t>Elles sont déclarées comme des arrays mais sans spécifier le nombre d'éléments</a:t>
+            </a:r>
+          </a:p>
+          <a:p>
+            <a:pPr algn="just"/>
+            <a:r>
+              <a:rPr lang="fr-FR" dirty="0" smtClean="0">
+                <a:solidFill>
+                  <a:schemeClr val="tx1"/>
+                </a:solidFill>
+              </a:rPr>
+              <a:t>Elles peuvent être créées a l'aide de la fonction </a:t>
+            </a:r>
+            <a:r>
+              <a:rPr lang="fr-FR" b="1" i="1" dirty="0" smtClean="0">
+                <a:solidFill>
+                  <a:schemeClr val="accent6"/>
+                </a:solidFill>
+              </a:rPr>
+              <a:t>make</a:t>
+            </a:r>
+            <a:endParaRPr lang="fr-FR" b="1" i="1" dirty="0" smtClean="0">
               <a:solidFill>
-                <a:schemeClr val="accent6">
-                  <a:lumMod val="75000"/>
-                </a:schemeClr>
+                <a:schemeClr val="accent6"/>
               </a:solidFill>
             </a:endParaRPr>
           </a:p>
-          <a:p>
-            <a:r>
-              <a:rPr lang="fr-FR" sz="1200" b="1" dirty="0" smtClean="0">
-                <a:solidFill>
-                  <a:schemeClr val="accent6">
-                    <a:lumMod val="75000"/>
-                  </a:schemeClr>
-                </a:solidFill>
-                <a:hlinkClick r:id="rId4"/>
-              </a:rPr>
-              <a:t>Didier Gérard </a:t>
-            </a:r>
-            <a:r>
-              <a:rPr lang="fr-FR" sz="1200" b="1" dirty="0" smtClean="0">
-                <a:solidFill>
-                  <a:schemeClr val="accent6">
-                    <a:lumMod val="75000"/>
-                  </a:schemeClr>
-                </a:solidFill>
-              </a:rPr>
-              <a:t>: https</a:t>
-            </a:r>
-            <a:r>
-              <a:rPr lang="fr-FR" sz="1200" b="1" dirty="0">
-                <a:solidFill>
-                  <a:schemeClr val="accent6">
-                    <a:lumMod val="75000"/>
-                  </a:schemeClr>
-                </a:solidFill>
-              </a:rPr>
-              <a:t>://lemag.sfeir.com/pourquoi-golang/</a:t>
-            </a:r>
-          </a:p>
-          <a:p>
-            <a:r>
-              <a:rPr lang="fr-FR" sz="1200" b="1" dirty="0" smtClean="0">
-                <a:solidFill>
-                  <a:schemeClr val="accent6">
-                    <a:lumMod val="75000"/>
-                  </a:schemeClr>
-                </a:solidFill>
-                <a:hlinkClick r:id="rId5"/>
-              </a:rPr>
-              <a:t>Wikipédia</a:t>
-            </a:r>
-            <a:r>
-              <a:rPr lang="fr-FR" sz="1200" b="1" dirty="0" smtClean="0">
-                <a:solidFill>
-                  <a:schemeClr val="accent6">
-                    <a:lumMod val="75000"/>
-                  </a:schemeClr>
-                </a:solidFill>
-              </a:rPr>
-              <a:t> : </a:t>
-            </a:r>
-            <a:r>
-              <a:rPr lang="fr-FR" sz="1200" b="1" dirty="0">
-                <a:solidFill>
-                  <a:schemeClr val="accent6">
-                    <a:lumMod val="75000"/>
-                  </a:schemeClr>
-                </a:solidFill>
-              </a:rPr>
-              <a:t>https://fr.wikipedia.org/wiki/Go_(langage</a:t>
-            </a:r>
-            <a:r>
-              <a:rPr lang="fr-FR" sz="1200" b="1" dirty="0" smtClean="0">
-                <a:solidFill>
-                  <a:schemeClr val="accent6">
-                    <a:lumMod val="75000"/>
-                  </a:schemeClr>
-                </a:solidFill>
-              </a:rPr>
-              <a:t>)</a:t>
-            </a:r>
-          </a:p>
-          <a:p>
-            <a:r>
-              <a:rPr lang="fr-FR" sz="1200" b="1" dirty="0" smtClean="0">
-                <a:solidFill>
-                  <a:schemeClr val="accent6">
-                    <a:lumMod val="75000"/>
-                  </a:schemeClr>
-                </a:solidFill>
-                <a:hlinkClick r:id="rId6"/>
-              </a:rPr>
-              <a:t>The Go Programming Language </a:t>
-            </a:r>
-            <a:r>
-              <a:rPr lang="fr-FR" sz="1200" b="1" dirty="0" smtClean="0">
-                <a:solidFill>
-                  <a:schemeClr val="accent6">
-                    <a:lumMod val="75000"/>
-                  </a:schemeClr>
-                </a:solidFill>
-              </a:rPr>
-              <a:t>: Donovan, Kernigan</a:t>
-            </a:r>
-          </a:p>
-          <a:p>
-            <a:r>
-              <a:rPr lang="fr-FR" sz="1200" b="1" dirty="0" smtClean="0">
-                <a:solidFill>
-                  <a:schemeClr val="accent6">
-                    <a:lumMod val="75000"/>
-                  </a:schemeClr>
-                </a:solidFill>
-                <a:hlinkClick r:id="rId7"/>
-              </a:rPr>
-              <a:t>Goland IDE </a:t>
-            </a:r>
-            <a:r>
-              <a:rPr lang="fr-FR" sz="1200" b="1" dirty="0">
-                <a:solidFill>
-                  <a:schemeClr val="accent6">
-                    <a:lumMod val="75000"/>
-                  </a:schemeClr>
-                </a:solidFill>
-              </a:rPr>
-              <a:t>: </a:t>
-            </a:r>
-            <a:r>
-              <a:rPr lang="fr-FR" sz="1200" b="1" dirty="0">
-                <a:solidFill>
-                  <a:schemeClr val="accent6">
-                    <a:lumMod val="75000"/>
-                  </a:schemeClr>
-                </a:solidFill>
-                <a:hlinkClick r:id="rId7"/>
-              </a:rPr>
-              <a:t>https://www.jetbrains.com/go</a:t>
-            </a:r>
-            <a:r>
-              <a:rPr lang="fr-FR" sz="1200" b="1" dirty="0" smtClean="0">
-                <a:solidFill>
-                  <a:schemeClr val="accent6">
-                    <a:lumMod val="75000"/>
-                  </a:schemeClr>
-                </a:solidFill>
-                <a:hlinkClick r:id="rId7"/>
-              </a:rPr>
-              <a:t>/</a:t>
-            </a:r>
-            <a:endParaRPr lang="fr-FR" sz="1200" b="1" dirty="0" smtClean="0">
-              <a:solidFill>
-                <a:schemeClr val="accent6">
-                  <a:lumMod val="75000"/>
-                </a:schemeClr>
-              </a:solidFill>
-            </a:endParaRPr>
-          </a:p>
-          <a:p>
-            <a:endParaRPr lang="fr-FR" sz="1200" b="1" dirty="0">
-              <a:solidFill>
-                <a:schemeClr val="accent6">
-                  <a:lumMod val="75000"/>
-                </a:schemeClr>
-              </a:solidFill>
-            </a:endParaRPr>
-          </a:p>
-          <a:p>
-            <a:r>
-              <a:rPr lang="fr-FR" sz="1200" b="1" dirty="0" smtClean="0">
-                <a:solidFill>
-                  <a:schemeClr val="accent6">
-                    <a:lumMod val="75000"/>
-                  </a:schemeClr>
-                </a:solidFill>
-              </a:rPr>
-              <a:t>Gitlab </a:t>
-            </a:r>
-            <a:r>
-              <a:rPr lang="fr-FR" sz="1200" b="1" dirty="0" smtClean="0">
-                <a:solidFill>
-                  <a:schemeClr val="accent6">
-                    <a:lumMod val="75000"/>
-                  </a:schemeClr>
-                </a:solidFill>
-                <a:hlinkClick r:id="rId8"/>
-              </a:rPr>
-              <a:t>course</a:t>
-            </a:r>
-            <a:r>
-              <a:rPr lang="fr-FR" sz="1200" b="1" dirty="0" smtClean="0">
-                <a:solidFill>
-                  <a:schemeClr val="accent6">
-                    <a:lumMod val="75000"/>
-                  </a:schemeClr>
-                </a:solidFill>
-              </a:rPr>
-              <a:t> link</a:t>
-            </a:r>
-            <a:r>
-              <a:rPr lang="fr-FR" sz="1200" b="1" dirty="0">
-                <a:solidFill>
-                  <a:schemeClr val="accent6">
-                    <a:lumMod val="75000"/>
-                  </a:schemeClr>
-                </a:solidFill>
-              </a:rPr>
-              <a:t> : https://gitlab.com/ThierryDecker/learning-go</a:t>
-            </a:r>
-          </a:p>
-        </p:txBody>
-      </p:sp>
+        </p:txBody>
+      </p:sp>
+      <p:pic>
+        <p:nvPicPr>
+          <p:cNvPr id="5" name="Image 4"/>
+          <p:cNvPicPr>
+            <a:picLocks noChangeAspect="1"/>
+          </p:cNvPicPr>
+          <p:nvPr/>
+        </p:nvPicPr>
+        <p:blipFill>
+          <a:blip r:embed="rId2"/>
+          <a:stretch>
+            <a:fillRect/>
+          </a:stretch>
+        </p:blipFill>
+        <p:spPr>
+          <a:xfrm>
+            <a:off x="6677895" y="1035232"/>
+            <a:ext cx="5324475" cy="3762375"/>
+          </a:xfrm>
+          <a:prstGeom prst="rect">
+            <a:avLst/>
+          </a:prstGeom>
+        </p:spPr>
+      </p:pic>
+      <p:pic>
+        <p:nvPicPr>
+          <p:cNvPr id="1026" name="Picture 2" descr="https://blog.golang.org/go-slices-usage-and-internals_slice-array.png"/>
+          <p:cNvPicPr>
+            <a:picLocks noChangeAspect="1" noChangeArrowheads="1"/>
+          </p:cNvPicPr>
+          <p:nvPr/>
+        </p:nvPicPr>
+        <p:blipFill>
+          <a:blip r:embed="rId3">
+            <a:extLst>
+              <a:ext uri="{28A0092B-C50C-407E-A947-70E740481C1C}">
+                <a14:useLocalDpi xmlns:a14="http://schemas.microsoft.com/office/drawing/2010/main" val="0"/>
+              </a:ext>
+            </a:extLst>
+          </a:blip>
+          <a:srcRect/>
+          <a:stretch>
+            <a:fillRect/>
+          </a:stretch>
+        </p:blipFill>
+        <p:spPr bwMode="auto">
+          <a:xfrm>
+            <a:off x="7819478" y="5186134"/>
+            <a:ext cx="4924425" cy="647700"/>
+          </a:xfrm>
+          <a:prstGeom prst="rect">
+            <a:avLst/>
+          </a:prstGeom>
+          <a:noFill/>
+          <a:extLst>
+            <a:ext uri="{909E8E84-426E-40DD-AFC4-6F175D3DCCD1}">
+              <a14:hiddenFill xmlns:a14="http://schemas.microsoft.com/office/drawing/2010/main">
+                <a:solidFill>
+                  <a:srgbClr val="FFFFFF"/>
+                </a:solidFill>
+              </a14:hiddenFill>
+            </a:ext>
+          </a:extLst>
+        </p:spPr>
+      </p:pic>
     </p:spTree>
     <p:extLst>
       <p:ext uri="{BB962C8B-B14F-4D97-AF65-F5344CB8AC3E}">
-        <p14:creationId xmlns:p14="http://schemas.microsoft.com/office/powerpoint/2010/main" val="2478443664"/>
+        <p14:creationId xmlns:p14="http://schemas.microsoft.com/office/powerpoint/2010/main" val="2648798824"/>
+      </p:ext>
+    </p:extLst>
+  </p:cSld>
+  <p:clrMapOvr>
+    <a:masterClrMapping/>
+  </p:clrMapOvr>
+  <p:timing>
+    <p:tnLst>
+      <p:par>
+        <p:cTn id="1" dur="indefinite" restart="never" nodeType="tmRoot"/>
+      </p:par>
+    </p:tnLst>
+  </p:timing>
+</p:sld>
+</file>
+
+<file path=ppt/slides/slide39.xml><?xml version="1.0" encoding="utf-8"?>
+<p:sld xmlns:a="http://schemas.openxmlformats.org/drawingml/2006/main" xmlns:r="http://schemas.openxmlformats.org/officeDocument/2006/relationships" xmlns:p="http://schemas.openxmlformats.org/presentationml/2006/main">
+  <p:cSld>
+    <p:spTree>
+      <p:nvGrpSpPr>
+        <p:cNvPr id="1" name=""/>
+        <p:cNvGrpSpPr/>
+        <p:nvPr/>
+      </p:nvGrpSpPr>
+      <p:grpSpPr>
+        <a:xfrm>
+          <a:off x="0" y="0"/>
+          <a:ext cx="0" cy="0"/>
+          <a:chOff x="0" y="0"/>
+          <a:chExt cx="0" cy="0"/>
+        </a:xfrm>
+      </p:grpSpPr>
+      <p:sp>
+        <p:nvSpPr>
+          <p:cNvPr id="2" name="Titre 1"/>
+          <p:cNvSpPr>
+            <a:spLocks noGrp="1"/>
+          </p:cNvSpPr>
+          <p:nvPr>
+            <p:ph type="title"/>
+          </p:nvPr>
+        </p:nvSpPr>
+        <p:spPr>
+          <a:xfrm>
+            <a:off x="2592925" y="624110"/>
+            <a:ext cx="8911687" cy="1280890"/>
+          </a:xfrm>
+        </p:spPr>
+        <p:txBody>
+          <a:bodyPr/>
+          <a:lstStyle/>
+          <a:p>
+            <a:r>
+              <a:rPr lang="fr-FR" dirty="0" smtClean="0"/>
+              <a:t>Slices</a:t>
+            </a:r>
+            <a:endParaRPr lang="fr-FR" dirty="0"/>
+          </a:p>
+        </p:txBody>
+      </p:sp>
+      <p:sp>
+        <p:nvSpPr>
+          <p:cNvPr id="3" name="Espace réservé du contenu 2"/>
+          <p:cNvSpPr>
+            <a:spLocks noGrp="1"/>
+          </p:cNvSpPr>
+          <p:nvPr>
+            <p:ph idx="1"/>
+          </p:nvPr>
+        </p:nvSpPr>
+        <p:spPr>
+          <a:xfrm>
+            <a:off x="1574358" y="1550504"/>
+            <a:ext cx="5852160" cy="4638282"/>
+          </a:xfrm>
+        </p:spPr>
+        <p:txBody>
+          <a:bodyPr anchor="ctr"/>
+          <a:lstStyle/>
+          <a:p>
+            <a:pPr algn="just"/>
+            <a:r>
+              <a:rPr lang="fr-FR" dirty="0" smtClean="0">
+                <a:solidFill>
+                  <a:schemeClr val="tx1"/>
+                </a:solidFill>
+              </a:rPr>
+              <a:t>Elles peuvent être créées a l'aide de la fonction </a:t>
+            </a:r>
+            <a:r>
+              <a:rPr lang="fr-FR" b="1" i="1" dirty="0" smtClean="0">
+                <a:solidFill>
+                  <a:schemeClr val="accent6"/>
+                </a:solidFill>
+              </a:rPr>
+              <a:t>make</a:t>
+            </a:r>
+          </a:p>
+          <a:p>
+            <a:pPr algn="just"/>
+            <a:r>
+              <a:rPr lang="fr-FR" b="1" i="1" dirty="0">
+                <a:solidFill>
+                  <a:schemeClr val="accent6"/>
+                </a:solidFill>
+              </a:rPr>
+              <a:t>m</a:t>
+            </a:r>
+            <a:r>
+              <a:rPr lang="fr-FR" b="1" i="1" dirty="0" smtClean="0">
+                <a:solidFill>
+                  <a:schemeClr val="accent6"/>
+                </a:solidFill>
+              </a:rPr>
+              <a:t>ake </a:t>
+            </a:r>
+            <a:r>
+              <a:rPr lang="fr-FR" dirty="0" smtClean="0">
+                <a:solidFill>
+                  <a:schemeClr val="tx1"/>
+                </a:solidFill>
+              </a:rPr>
+              <a:t>prend en entrée :</a:t>
+            </a:r>
+          </a:p>
+          <a:p>
+            <a:pPr lvl="1" algn="just"/>
+            <a:r>
+              <a:rPr lang="fr-FR" dirty="0" smtClean="0">
+                <a:solidFill>
+                  <a:schemeClr val="tx1"/>
+                </a:solidFill>
+              </a:rPr>
+              <a:t>Une array</a:t>
+            </a:r>
+          </a:p>
+          <a:p>
+            <a:pPr lvl="1" algn="just"/>
+            <a:r>
+              <a:rPr lang="fr-FR" dirty="0" smtClean="0">
+                <a:solidFill>
+                  <a:schemeClr val="tx1"/>
+                </a:solidFill>
+              </a:rPr>
+              <a:t>Une longueur</a:t>
+            </a:r>
+            <a:endParaRPr lang="fr-FR" dirty="0">
+              <a:solidFill>
+                <a:schemeClr val="tx1"/>
+              </a:solidFill>
+            </a:endParaRPr>
+          </a:p>
+          <a:p>
+            <a:pPr lvl="1" algn="just"/>
+            <a:r>
+              <a:rPr lang="fr-FR" dirty="0" smtClean="0">
+                <a:solidFill>
+                  <a:schemeClr val="tx1"/>
+                </a:solidFill>
+              </a:rPr>
+              <a:t>Une capacité</a:t>
+            </a:r>
+          </a:p>
+          <a:p>
+            <a:pPr algn="just"/>
+            <a:r>
+              <a:rPr lang="fr-FR" dirty="0" smtClean="0">
+                <a:solidFill>
+                  <a:schemeClr val="tx1"/>
+                </a:solidFill>
+              </a:rPr>
+              <a:t>Lorsque la capacité est omise, elle à par défaut la valeur de la longueur</a:t>
+            </a:r>
+          </a:p>
+          <a:p>
+            <a:pPr algn="just"/>
+            <a:r>
+              <a:rPr lang="fr-FR" dirty="0" smtClean="0">
+                <a:solidFill>
+                  <a:schemeClr val="tx1"/>
+                </a:solidFill>
+              </a:rPr>
+              <a:t>Une slice peut être aussi crée à partir d'une array ou d'une autre slice</a:t>
+            </a:r>
+            <a:endParaRPr lang="fr-FR" dirty="0" smtClean="0">
+              <a:solidFill>
+                <a:schemeClr val="accent6"/>
+              </a:solidFill>
+            </a:endParaRPr>
+          </a:p>
+        </p:txBody>
+      </p:sp>
+      <p:pic>
+        <p:nvPicPr>
+          <p:cNvPr id="4" name="Image 3"/>
+          <p:cNvPicPr>
+            <a:picLocks noChangeAspect="1"/>
+          </p:cNvPicPr>
+          <p:nvPr/>
+        </p:nvPicPr>
+        <p:blipFill>
+          <a:blip r:embed="rId2"/>
+          <a:stretch>
+            <a:fillRect/>
+          </a:stretch>
+        </p:blipFill>
+        <p:spPr>
+          <a:xfrm>
+            <a:off x="7928892" y="3515138"/>
+            <a:ext cx="2190750" cy="314325"/>
+          </a:xfrm>
+          <a:prstGeom prst="rect">
+            <a:avLst/>
+          </a:prstGeom>
+        </p:spPr>
+      </p:pic>
+      <p:pic>
+        <p:nvPicPr>
+          <p:cNvPr id="6" name="Image 5"/>
+          <p:cNvPicPr>
+            <a:picLocks noChangeAspect="1"/>
+          </p:cNvPicPr>
+          <p:nvPr/>
+        </p:nvPicPr>
+        <p:blipFill>
+          <a:blip r:embed="rId3"/>
+          <a:stretch>
+            <a:fillRect/>
+          </a:stretch>
+        </p:blipFill>
+        <p:spPr>
+          <a:xfrm>
+            <a:off x="7928892" y="3963973"/>
+            <a:ext cx="2266950" cy="742950"/>
+          </a:xfrm>
+          <a:prstGeom prst="rect">
+            <a:avLst/>
+          </a:prstGeom>
+        </p:spPr>
+      </p:pic>
+      <p:pic>
+        <p:nvPicPr>
+          <p:cNvPr id="7" name="Image 6"/>
+          <p:cNvPicPr>
+            <a:picLocks noChangeAspect="1"/>
+          </p:cNvPicPr>
+          <p:nvPr/>
+        </p:nvPicPr>
+        <p:blipFill>
+          <a:blip r:embed="rId4"/>
+          <a:stretch>
+            <a:fillRect/>
+          </a:stretch>
+        </p:blipFill>
+        <p:spPr>
+          <a:xfrm>
+            <a:off x="7928892" y="4841433"/>
+            <a:ext cx="1619250" cy="323850"/>
+          </a:xfrm>
+          <a:prstGeom prst="rect">
+            <a:avLst/>
+          </a:prstGeom>
+        </p:spPr>
+      </p:pic>
+    </p:spTree>
+    <p:extLst>
+      <p:ext uri="{BB962C8B-B14F-4D97-AF65-F5344CB8AC3E}">
+        <p14:creationId xmlns:p14="http://schemas.microsoft.com/office/powerpoint/2010/main" val="2781608705"/>
       </p:ext>
     </p:extLst>
   </p:cSld>
@@ -15408,6 +15612,1002 @@
     <p:extLst>
       <p:ext uri="{BB962C8B-B14F-4D97-AF65-F5344CB8AC3E}">
         <p14:creationId xmlns:p14="http://schemas.microsoft.com/office/powerpoint/2010/main" val="2003385750"/>
+      </p:ext>
+    </p:extLst>
+  </p:cSld>
+  <p:clrMapOvr>
+    <a:masterClrMapping/>
+  </p:clrMapOvr>
+  <p:timing>
+    <p:tnLst>
+      <p:par>
+        <p:cTn id="1" dur="indefinite" restart="never" nodeType="tmRoot"/>
+      </p:par>
+    </p:tnLst>
+  </p:timing>
+</p:sld>
+</file>
+
+<file path=ppt/slides/slide40.xml><?xml version="1.0" encoding="utf-8"?>
+<p:sld xmlns:a="http://schemas.openxmlformats.org/drawingml/2006/main" xmlns:r="http://schemas.openxmlformats.org/officeDocument/2006/relationships" xmlns:p="http://schemas.openxmlformats.org/presentationml/2006/main">
+  <p:cSld>
+    <p:spTree>
+      <p:nvGrpSpPr>
+        <p:cNvPr id="1" name=""/>
+        <p:cNvGrpSpPr/>
+        <p:nvPr/>
+      </p:nvGrpSpPr>
+      <p:grpSpPr>
+        <a:xfrm>
+          <a:off x="0" y="0"/>
+          <a:ext cx="0" cy="0"/>
+          <a:chOff x="0" y="0"/>
+          <a:chExt cx="0" cy="0"/>
+        </a:xfrm>
+      </p:grpSpPr>
+      <p:sp>
+        <p:nvSpPr>
+          <p:cNvPr id="2" name="Titre 1"/>
+          <p:cNvSpPr>
+            <a:spLocks noGrp="1"/>
+          </p:cNvSpPr>
+          <p:nvPr>
+            <p:ph type="title"/>
+          </p:nvPr>
+        </p:nvSpPr>
+        <p:spPr>
+          <a:xfrm>
+            <a:off x="2592925" y="624110"/>
+            <a:ext cx="8911687" cy="1280890"/>
+          </a:xfrm>
+        </p:spPr>
+        <p:txBody>
+          <a:bodyPr/>
+          <a:lstStyle/>
+          <a:p>
+            <a:r>
+              <a:rPr lang="fr-FR" dirty="0" smtClean="0"/>
+              <a:t>Slices</a:t>
+            </a:r>
+            <a:endParaRPr lang="fr-FR" dirty="0"/>
+          </a:p>
+        </p:txBody>
+      </p:sp>
+      <p:sp>
+        <p:nvSpPr>
+          <p:cNvPr id="3" name="Espace réservé du contenu 2"/>
+          <p:cNvSpPr>
+            <a:spLocks noGrp="1"/>
+          </p:cNvSpPr>
+          <p:nvPr>
+            <p:ph idx="1"/>
+          </p:nvPr>
+        </p:nvSpPr>
+        <p:spPr>
+          <a:xfrm>
+            <a:off x="1163054" y="1550504"/>
+            <a:ext cx="5502441" cy="1965735"/>
+          </a:xfrm>
+        </p:spPr>
+        <p:txBody>
+          <a:bodyPr anchor="ctr"/>
+          <a:lstStyle/>
+          <a:p>
+            <a:pPr algn="just"/>
+            <a:r>
+              <a:rPr lang="fr-FR" dirty="0" smtClean="0">
+                <a:solidFill>
+                  <a:schemeClr val="tx1"/>
+                </a:solidFill>
+              </a:rPr>
+              <a:t>Une slice est un descripteur d'un segment d'une array, constitué d'un pointeur vers l'array, d'une longueur de segment et d'une capacité</a:t>
+            </a:r>
+            <a:endParaRPr lang="fr-FR" dirty="0" smtClean="0">
+              <a:solidFill>
+                <a:schemeClr val="accent6"/>
+              </a:solidFill>
+            </a:endParaRPr>
+          </a:p>
+        </p:txBody>
+      </p:sp>
+      <p:pic>
+        <p:nvPicPr>
+          <p:cNvPr id="2050" name="Picture 2" descr="https://blog.golang.org/go-slices-usage-and-internals_slice-struct.png"/>
+          <p:cNvPicPr>
+            <a:picLocks noChangeAspect="1" noChangeArrowheads="1"/>
+          </p:cNvPicPr>
+          <p:nvPr/>
+        </p:nvPicPr>
+        <p:blipFill>
+          <a:blip r:embed="rId2">
+            <a:extLst>
+              <a:ext uri="{28A0092B-C50C-407E-A947-70E740481C1C}">
+                <a14:useLocalDpi xmlns:a14="http://schemas.microsoft.com/office/drawing/2010/main" val="0"/>
+              </a:ext>
+            </a:extLst>
+          </a:blip>
+          <a:srcRect/>
+          <a:stretch>
+            <a:fillRect/>
+          </a:stretch>
+        </p:blipFill>
+        <p:spPr bwMode="auto">
+          <a:xfrm>
+            <a:off x="615883" y="3516239"/>
+            <a:ext cx="4924425" cy="1885950"/>
+          </a:xfrm>
+          <a:prstGeom prst="rect">
+            <a:avLst/>
+          </a:prstGeom>
+          <a:noFill/>
+          <a:extLst>
+            <a:ext uri="{909E8E84-426E-40DD-AFC4-6F175D3DCCD1}">
+              <a14:hiddenFill xmlns:a14="http://schemas.microsoft.com/office/drawing/2010/main">
+                <a:solidFill>
+                  <a:srgbClr val="FFFFFF"/>
+                </a:solidFill>
+              </a14:hiddenFill>
+            </a:ext>
+          </a:extLst>
+        </p:spPr>
+      </p:pic>
+      <p:pic>
+        <p:nvPicPr>
+          <p:cNvPr id="2052" name="Picture 4" descr="https://blog.golang.org/go-slices-usage-and-internals_slice-1.png"/>
+          <p:cNvPicPr>
+            <a:picLocks noChangeAspect="1" noChangeArrowheads="1"/>
+          </p:cNvPicPr>
+          <p:nvPr/>
+        </p:nvPicPr>
+        <p:blipFill>
+          <a:blip r:embed="rId3">
+            <a:extLst>
+              <a:ext uri="{28A0092B-C50C-407E-A947-70E740481C1C}">
+                <a14:useLocalDpi xmlns:a14="http://schemas.microsoft.com/office/drawing/2010/main" val="0"/>
+              </a:ext>
+            </a:extLst>
+          </a:blip>
+          <a:srcRect/>
+          <a:stretch>
+            <a:fillRect/>
+          </a:stretch>
+        </p:blipFill>
+        <p:spPr bwMode="auto">
+          <a:xfrm>
+            <a:off x="2011547" y="3563864"/>
+            <a:ext cx="4924425" cy="1838325"/>
+          </a:xfrm>
+          <a:prstGeom prst="rect">
+            <a:avLst/>
+          </a:prstGeom>
+          <a:noFill/>
+          <a:extLst>
+            <a:ext uri="{909E8E84-426E-40DD-AFC4-6F175D3DCCD1}">
+              <a14:hiddenFill xmlns:a14="http://schemas.microsoft.com/office/drawing/2010/main">
+                <a:solidFill>
+                  <a:srgbClr val="FFFFFF"/>
+                </a:solidFill>
+              </a14:hiddenFill>
+            </a:ext>
+          </a:extLst>
+        </p:spPr>
+      </p:pic>
+      <p:pic>
+        <p:nvPicPr>
+          <p:cNvPr id="2054" name="Picture 6" descr="https://blog.golang.org/go-slices-usage-and-internals_slice-2.png"/>
+          <p:cNvPicPr>
+            <a:picLocks noChangeAspect="1" noChangeArrowheads="1"/>
+          </p:cNvPicPr>
+          <p:nvPr/>
+        </p:nvPicPr>
+        <p:blipFill>
+          <a:blip r:embed="rId4">
+            <a:extLst>
+              <a:ext uri="{28A0092B-C50C-407E-A947-70E740481C1C}">
+                <a14:useLocalDpi xmlns:a14="http://schemas.microsoft.com/office/drawing/2010/main" val="0"/>
+              </a:ext>
+            </a:extLst>
+          </a:blip>
+          <a:srcRect/>
+          <a:stretch>
+            <a:fillRect/>
+          </a:stretch>
+        </p:blipFill>
+        <p:spPr bwMode="auto">
+          <a:xfrm>
+            <a:off x="6935972" y="1361589"/>
+            <a:ext cx="4924425" cy="1828800"/>
+          </a:xfrm>
+          <a:prstGeom prst="rect">
+            <a:avLst/>
+          </a:prstGeom>
+          <a:noFill/>
+          <a:extLst>
+            <a:ext uri="{909E8E84-426E-40DD-AFC4-6F175D3DCCD1}">
+              <a14:hiddenFill xmlns:a14="http://schemas.microsoft.com/office/drawing/2010/main">
+                <a:solidFill>
+                  <a:srgbClr val="FFFFFF"/>
+                </a:solidFill>
+              </a14:hiddenFill>
+            </a:ext>
+          </a:extLst>
+        </p:spPr>
+      </p:pic>
+      <p:pic>
+        <p:nvPicPr>
+          <p:cNvPr id="5" name="Image 4"/>
+          <p:cNvPicPr>
+            <a:picLocks noChangeAspect="1"/>
+          </p:cNvPicPr>
+          <p:nvPr/>
+        </p:nvPicPr>
+        <p:blipFill>
+          <a:blip r:embed="rId5"/>
+          <a:stretch>
+            <a:fillRect/>
+          </a:stretch>
+        </p:blipFill>
+        <p:spPr>
+          <a:xfrm>
+            <a:off x="9037236" y="1383816"/>
+            <a:ext cx="895350" cy="333375"/>
+          </a:xfrm>
+          <a:prstGeom prst="rect">
+            <a:avLst/>
+          </a:prstGeom>
+        </p:spPr>
+      </p:pic>
+    </p:spTree>
+    <p:extLst>
+      <p:ext uri="{BB962C8B-B14F-4D97-AF65-F5344CB8AC3E}">
+        <p14:creationId xmlns:p14="http://schemas.microsoft.com/office/powerpoint/2010/main" val="3856508130"/>
+      </p:ext>
+    </p:extLst>
+  </p:cSld>
+  <p:clrMapOvr>
+    <a:masterClrMapping/>
+  </p:clrMapOvr>
+  <p:timing>
+    <p:tnLst>
+      <p:par>
+        <p:cTn id="1" dur="indefinite" restart="never" nodeType="tmRoot"/>
+      </p:par>
+    </p:tnLst>
+  </p:timing>
+</p:sld>
+</file>
+
+<file path=ppt/slides/slide41.xml><?xml version="1.0" encoding="utf-8"?>
+<p:sld xmlns:a="http://schemas.openxmlformats.org/drawingml/2006/main" xmlns:r="http://schemas.openxmlformats.org/officeDocument/2006/relationships" xmlns:p="http://schemas.openxmlformats.org/presentationml/2006/main">
+  <p:cSld>
+    <p:spTree>
+      <p:nvGrpSpPr>
+        <p:cNvPr id="1" name=""/>
+        <p:cNvGrpSpPr/>
+        <p:nvPr/>
+      </p:nvGrpSpPr>
+      <p:grpSpPr>
+        <a:xfrm>
+          <a:off x="0" y="0"/>
+          <a:ext cx="0" cy="0"/>
+          <a:chOff x="0" y="0"/>
+          <a:chExt cx="0" cy="0"/>
+        </a:xfrm>
+      </p:grpSpPr>
+      <p:sp>
+        <p:nvSpPr>
+          <p:cNvPr id="2" name="Titre 1"/>
+          <p:cNvSpPr>
+            <a:spLocks noGrp="1"/>
+          </p:cNvSpPr>
+          <p:nvPr>
+            <p:ph type="title"/>
+          </p:nvPr>
+        </p:nvSpPr>
+        <p:spPr>
+          <a:xfrm>
+            <a:off x="2592925" y="624110"/>
+            <a:ext cx="8911687" cy="1280890"/>
+          </a:xfrm>
+        </p:spPr>
+        <p:txBody>
+          <a:bodyPr/>
+          <a:lstStyle/>
+          <a:p>
+            <a:r>
+              <a:rPr lang="fr-FR" dirty="0" smtClean="0"/>
+              <a:t>Slices</a:t>
+            </a:r>
+            <a:endParaRPr lang="fr-FR" dirty="0"/>
+          </a:p>
+        </p:txBody>
+      </p:sp>
+      <p:sp>
+        <p:nvSpPr>
+          <p:cNvPr id="3" name="Espace réservé du contenu 2"/>
+          <p:cNvSpPr>
+            <a:spLocks noGrp="1"/>
+          </p:cNvSpPr>
+          <p:nvPr>
+            <p:ph idx="1"/>
+          </p:nvPr>
+        </p:nvSpPr>
+        <p:spPr>
+          <a:xfrm>
+            <a:off x="1772654" y="1905000"/>
+            <a:ext cx="5502441" cy="4377054"/>
+          </a:xfrm>
+        </p:spPr>
+        <p:txBody>
+          <a:bodyPr anchor="ctr">
+            <a:normAutofit/>
+          </a:bodyPr>
+          <a:lstStyle/>
+          <a:p>
+            <a:pPr algn="just"/>
+            <a:r>
+              <a:rPr lang="fr-FR" dirty="0" smtClean="0">
+                <a:solidFill>
+                  <a:schemeClr val="tx1"/>
+                </a:solidFill>
+              </a:rPr>
+              <a:t>Une opération de slice ne copie pas les données d'origine (c'est ce qui les rend efficaces) !</a:t>
+            </a:r>
+          </a:p>
+          <a:p>
+            <a:pPr algn="just"/>
+            <a:r>
+              <a:rPr lang="fr-FR" dirty="0" smtClean="0">
+                <a:solidFill>
+                  <a:schemeClr val="tx1"/>
+                </a:solidFill>
+              </a:rPr>
+              <a:t>Modifier les éléments d'origine affecte la slice</a:t>
+            </a:r>
+          </a:p>
+          <a:p>
+            <a:pPr algn="just"/>
+            <a:r>
+              <a:rPr lang="fr-FR" dirty="0" smtClean="0">
+                <a:solidFill>
+                  <a:schemeClr val="tx1"/>
+                </a:solidFill>
+              </a:rPr>
+              <a:t>Une slice ne peut être agrandie au delà de sa capacité.</a:t>
+            </a:r>
+          </a:p>
+          <a:p>
+            <a:pPr algn="just"/>
+            <a:r>
+              <a:rPr lang="fr-FR" dirty="0" smtClean="0">
+                <a:solidFill>
+                  <a:schemeClr val="tx1"/>
+                </a:solidFill>
+              </a:rPr>
+              <a:t>De même, un slice ne peut être redimensionnée en dessous de zéro pour accéder aux éléments précédents</a:t>
+            </a:r>
+            <a:endParaRPr lang="fr-FR" dirty="0" smtClean="0">
+              <a:solidFill>
+                <a:schemeClr val="accent6"/>
+              </a:solidFill>
+            </a:endParaRPr>
+          </a:p>
+        </p:txBody>
+      </p:sp>
+      <p:pic>
+        <p:nvPicPr>
+          <p:cNvPr id="4" name="Image 3"/>
+          <p:cNvPicPr>
+            <a:picLocks noChangeAspect="1"/>
+          </p:cNvPicPr>
+          <p:nvPr/>
+        </p:nvPicPr>
+        <p:blipFill>
+          <a:blip r:embed="rId2"/>
+          <a:stretch>
+            <a:fillRect/>
+          </a:stretch>
+        </p:blipFill>
+        <p:spPr>
+          <a:xfrm>
+            <a:off x="8536524" y="3464877"/>
+            <a:ext cx="2705100" cy="1257300"/>
+          </a:xfrm>
+          <a:prstGeom prst="rect">
+            <a:avLst/>
+          </a:prstGeom>
+        </p:spPr>
+      </p:pic>
+    </p:spTree>
+    <p:extLst>
+      <p:ext uri="{BB962C8B-B14F-4D97-AF65-F5344CB8AC3E}">
+        <p14:creationId xmlns:p14="http://schemas.microsoft.com/office/powerpoint/2010/main" val="1974449640"/>
+      </p:ext>
+    </p:extLst>
+  </p:cSld>
+  <p:clrMapOvr>
+    <a:masterClrMapping/>
+  </p:clrMapOvr>
+  <p:timing>
+    <p:tnLst>
+      <p:par>
+        <p:cTn id="1" dur="indefinite" restart="never" nodeType="tmRoot"/>
+      </p:par>
+    </p:tnLst>
+  </p:timing>
+</p:sld>
+</file>
+
+<file path=ppt/slides/slide42.xml><?xml version="1.0" encoding="utf-8"?>
+<p:sld xmlns:a="http://schemas.openxmlformats.org/drawingml/2006/main" xmlns:r="http://schemas.openxmlformats.org/officeDocument/2006/relationships" xmlns:p="http://schemas.openxmlformats.org/presentationml/2006/main">
+  <p:cSld>
+    <p:spTree>
+      <p:nvGrpSpPr>
+        <p:cNvPr id="1" name=""/>
+        <p:cNvGrpSpPr/>
+        <p:nvPr/>
+      </p:nvGrpSpPr>
+      <p:grpSpPr>
+        <a:xfrm>
+          <a:off x="0" y="0"/>
+          <a:ext cx="0" cy="0"/>
+          <a:chOff x="0" y="0"/>
+          <a:chExt cx="0" cy="0"/>
+        </a:xfrm>
+      </p:grpSpPr>
+      <p:sp>
+        <p:nvSpPr>
+          <p:cNvPr id="2" name="Titre 1"/>
+          <p:cNvSpPr>
+            <a:spLocks noGrp="1"/>
+          </p:cNvSpPr>
+          <p:nvPr>
+            <p:ph type="title"/>
+          </p:nvPr>
+        </p:nvSpPr>
+        <p:spPr>
+          <a:xfrm>
+            <a:off x="2592925" y="624110"/>
+            <a:ext cx="8911687" cy="1280890"/>
+          </a:xfrm>
+        </p:spPr>
+        <p:txBody>
+          <a:bodyPr/>
+          <a:lstStyle/>
+          <a:p>
+            <a:r>
+              <a:rPr lang="fr-FR" dirty="0" smtClean="0"/>
+              <a:t>Slices</a:t>
+            </a:r>
+            <a:endParaRPr lang="fr-FR" dirty="0"/>
+          </a:p>
+        </p:txBody>
+      </p:sp>
+      <p:pic>
+        <p:nvPicPr>
+          <p:cNvPr id="8" name="Image 7"/>
+          <p:cNvPicPr>
+            <a:picLocks noChangeAspect="1"/>
+          </p:cNvPicPr>
+          <p:nvPr/>
+        </p:nvPicPr>
+        <p:blipFill>
+          <a:blip r:embed="rId2"/>
+          <a:stretch>
+            <a:fillRect/>
+          </a:stretch>
+        </p:blipFill>
+        <p:spPr>
+          <a:xfrm>
+            <a:off x="906635" y="1715747"/>
+            <a:ext cx="6054669" cy="4424080"/>
+          </a:xfrm>
+          <a:prstGeom prst="rect">
+            <a:avLst/>
+          </a:prstGeom>
+        </p:spPr>
+      </p:pic>
+      <p:pic>
+        <p:nvPicPr>
+          <p:cNvPr id="9" name="Image 8"/>
+          <p:cNvPicPr>
+            <a:picLocks noChangeAspect="1"/>
+          </p:cNvPicPr>
+          <p:nvPr/>
+        </p:nvPicPr>
+        <p:blipFill>
+          <a:blip r:embed="rId3"/>
+          <a:stretch>
+            <a:fillRect/>
+          </a:stretch>
+        </p:blipFill>
+        <p:spPr>
+          <a:xfrm>
+            <a:off x="7219784" y="4311801"/>
+            <a:ext cx="4428877" cy="1828026"/>
+          </a:xfrm>
+          <a:prstGeom prst="rect">
+            <a:avLst/>
+          </a:prstGeom>
+        </p:spPr>
+      </p:pic>
+    </p:spTree>
+    <p:extLst>
+      <p:ext uri="{BB962C8B-B14F-4D97-AF65-F5344CB8AC3E}">
+        <p14:creationId xmlns:p14="http://schemas.microsoft.com/office/powerpoint/2010/main" val="1429401334"/>
+      </p:ext>
+    </p:extLst>
+  </p:cSld>
+  <p:clrMapOvr>
+    <a:masterClrMapping/>
+  </p:clrMapOvr>
+  <p:timing>
+    <p:tnLst>
+      <p:par>
+        <p:cTn id="1" dur="indefinite" restart="never" nodeType="tmRoot"/>
+      </p:par>
+    </p:tnLst>
+  </p:timing>
+</p:sld>
+</file>
+
+<file path=ppt/slides/slide43.xml><?xml version="1.0" encoding="utf-8"?>
+<p:sld xmlns:a="http://schemas.openxmlformats.org/drawingml/2006/main" xmlns:r="http://schemas.openxmlformats.org/officeDocument/2006/relationships" xmlns:p="http://schemas.openxmlformats.org/presentationml/2006/main">
+  <p:cSld>
+    <p:spTree>
+      <p:nvGrpSpPr>
+        <p:cNvPr id="1" name=""/>
+        <p:cNvGrpSpPr/>
+        <p:nvPr/>
+      </p:nvGrpSpPr>
+      <p:grpSpPr>
+        <a:xfrm>
+          <a:off x="0" y="0"/>
+          <a:ext cx="0" cy="0"/>
+          <a:chOff x="0" y="0"/>
+          <a:chExt cx="0" cy="0"/>
+        </a:xfrm>
+      </p:grpSpPr>
+      <p:sp>
+        <p:nvSpPr>
+          <p:cNvPr id="2" name="Titre 1"/>
+          <p:cNvSpPr>
+            <a:spLocks noGrp="1"/>
+          </p:cNvSpPr>
+          <p:nvPr>
+            <p:ph type="title"/>
+          </p:nvPr>
+        </p:nvSpPr>
+        <p:spPr>
+          <a:xfrm>
+            <a:off x="2592925" y="624110"/>
+            <a:ext cx="8911687" cy="1280890"/>
+          </a:xfrm>
+        </p:spPr>
+        <p:txBody>
+          <a:bodyPr/>
+          <a:lstStyle/>
+          <a:p>
+            <a:r>
+              <a:rPr lang="fr-FR" dirty="0" smtClean="0"/>
+              <a:t>Slices (copy &amp; append)</a:t>
+            </a:r>
+            <a:endParaRPr lang="fr-FR" dirty="0"/>
+          </a:p>
+        </p:txBody>
+      </p:sp>
+      <p:sp>
+        <p:nvSpPr>
+          <p:cNvPr id="6" name="Espace réservé du contenu 2"/>
+          <p:cNvSpPr>
+            <a:spLocks noGrp="1"/>
+          </p:cNvSpPr>
+          <p:nvPr>
+            <p:ph idx="1"/>
+          </p:nvPr>
+        </p:nvSpPr>
+        <p:spPr>
+          <a:xfrm>
+            <a:off x="1772654" y="1905000"/>
+            <a:ext cx="9731958" cy="4377054"/>
+          </a:xfrm>
+        </p:spPr>
+        <p:txBody>
+          <a:bodyPr anchor="ctr">
+            <a:normAutofit/>
+          </a:bodyPr>
+          <a:lstStyle/>
+          <a:p>
+            <a:pPr algn="just"/>
+            <a:r>
+              <a:rPr lang="fr-FR" dirty="0" smtClean="0">
+                <a:solidFill>
+                  <a:schemeClr val="tx1"/>
+                </a:solidFill>
+              </a:rPr>
+              <a:t>Pour agrandir la capacité d'une slice, on doit en créer une plus grande et copier le contenu d'origine dans la nouvelle slice</a:t>
+            </a:r>
+            <a:endParaRPr lang="fr-FR" dirty="0" smtClean="0">
+              <a:solidFill>
+                <a:schemeClr val="accent6"/>
+              </a:solidFill>
+            </a:endParaRPr>
+          </a:p>
+        </p:txBody>
+      </p:sp>
+    </p:spTree>
+    <p:extLst>
+      <p:ext uri="{BB962C8B-B14F-4D97-AF65-F5344CB8AC3E}">
+        <p14:creationId xmlns:p14="http://schemas.microsoft.com/office/powerpoint/2010/main" val="2070009142"/>
+      </p:ext>
+    </p:extLst>
+  </p:cSld>
+  <p:clrMapOvr>
+    <a:masterClrMapping/>
+  </p:clrMapOvr>
+  <p:timing>
+    <p:tnLst>
+      <p:par>
+        <p:cTn id="1" dur="indefinite" restart="never" nodeType="tmRoot"/>
+      </p:par>
+    </p:tnLst>
+  </p:timing>
+</p:sld>
+</file>
+
+<file path=ppt/slides/slide44.xml><?xml version="1.0" encoding="utf-8"?>
+<p:sld xmlns:a="http://schemas.openxmlformats.org/drawingml/2006/main" xmlns:r="http://schemas.openxmlformats.org/officeDocument/2006/relationships" xmlns:p="http://schemas.openxmlformats.org/presentationml/2006/main">
+  <p:cSld>
+    <p:spTree>
+      <p:nvGrpSpPr>
+        <p:cNvPr id="1" name=""/>
+        <p:cNvGrpSpPr/>
+        <p:nvPr/>
+      </p:nvGrpSpPr>
+      <p:grpSpPr>
+        <a:xfrm>
+          <a:off x="0" y="0"/>
+          <a:ext cx="0" cy="0"/>
+          <a:chOff x="0" y="0"/>
+          <a:chExt cx="0" cy="0"/>
+        </a:xfrm>
+      </p:grpSpPr>
+      <p:sp>
+        <p:nvSpPr>
+          <p:cNvPr id="2" name="Titre 1"/>
+          <p:cNvSpPr>
+            <a:spLocks noGrp="1"/>
+          </p:cNvSpPr>
+          <p:nvPr>
+            <p:ph type="title"/>
+          </p:nvPr>
+        </p:nvSpPr>
+        <p:spPr>
+          <a:xfrm>
+            <a:off x="2592925" y="624110"/>
+            <a:ext cx="8911687" cy="1280890"/>
+          </a:xfrm>
+        </p:spPr>
+        <p:txBody>
+          <a:bodyPr/>
+          <a:lstStyle/>
+          <a:p>
+            <a:r>
+              <a:rPr lang="fr-FR" dirty="0" smtClean="0"/>
+              <a:t>Références</a:t>
+            </a:r>
+            <a:endParaRPr lang="fr-FR" dirty="0"/>
+          </a:p>
+        </p:txBody>
+      </p:sp>
+      <p:sp>
+        <p:nvSpPr>
+          <p:cNvPr id="3" name="Espace réservé du contenu 2"/>
+          <p:cNvSpPr>
+            <a:spLocks noGrp="1"/>
+          </p:cNvSpPr>
+          <p:nvPr>
+            <p:ph idx="1"/>
+          </p:nvPr>
+        </p:nvSpPr>
+        <p:spPr/>
+        <p:txBody>
+          <a:bodyPr anchor="ctr">
+            <a:normAutofit/>
+          </a:bodyPr>
+          <a:lstStyle/>
+          <a:p>
+            <a:r>
+              <a:rPr lang="fr-FR" sz="1200" b="1" dirty="0" smtClean="0">
+                <a:solidFill>
+                  <a:schemeClr val="accent6">
+                    <a:lumMod val="75000"/>
+                  </a:schemeClr>
+                </a:solidFill>
+                <a:hlinkClick r:id="rId2"/>
+              </a:rPr>
+              <a:t>Golang Project </a:t>
+            </a:r>
+            <a:r>
+              <a:rPr lang="fr-FR" sz="1200" b="1" dirty="0" smtClean="0">
+                <a:solidFill>
+                  <a:schemeClr val="accent6">
+                    <a:lumMod val="75000"/>
+                  </a:schemeClr>
+                </a:solidFill>
+              </a:rPr>
+              <a:t>: https</a:t>
+            </a:r>
+            <a:r>
+              <a:rPr lang="fr-FR" sz="1200" b="1" dirty="0">
+                <a:solidFill>
+                  <a:schemeClr val="accent6">
+                    <a:lumMod val="75000"/>
+                  </a:schemeClr>
+                </a:solidFill>
+              </a:rPr>
+              <a:t>://golang.org</a:t>
+            </a:r>
+            <a:r>
+              <a:rPr lang="fr-FR" sz="1200" b="1" dirty="0" smtClean="0">
+                <a:solidFill>
+                  <a:schemeClr val="accent6">
+                    <a:lumMod val="75000"/>
+                  </a:schemeClr>
+                </a:solidFill>
+              </a:rPr>
+              <a:t>/</a:t>
+            </a:r>
+          </a:p>
+          <a:p>
+            <a:r>
+              <a:rPr lang="fr-FR" sz="1200" b="1" dirty="0" smtClean="0">
+                <a:solidFill>
+                  <a:schemeClr val="accent6">
+                    <a:lumMod val="75000"/>
+                  </a:schemeClr>
+                </a:solidFill>
+                <a:hlinkClick r:id="rId3"/>
+              </a:rPr>
+              <a:t>Goland-book.com</a:t>
+            </a:r>
+            <a:r>
+              <a:rPr lang="fr-FR" sz="1200" b="1" dirty="0" smtClean="0">
+                <a:solidFill>
+                  <a:schemeClr val="accent6">
+                    <a:lumMod val="75000"/>
+                  </a:schemeClr>
+                </a:solidFill>
+              </a:rPr>
+              <a:t> </a:t>
+            </a:r>
+            <a:r>
+              <a:rPr lang="fr-FR" sz="1200" b="1" dirty="0">
+                <a:solidFill>
+                  <a:schemeClr val="accent6">
+                    <a:lumMod val="75000"/>
+                  </a:schemeClr>
+                </a:solidFill>
+              </a:rPr>
+              <a:t>: https://www.golang-book.com/books/intro</a:t>
+            </a:r>
+            <a:endParaRPr lang="fr-FR" sz="1200" b="1" dirty="0" smtClean="0">
+              <a:solidFill>
+                <a:schemeClr val="accent6">
+                  <a:lumMod val="75000"/>
+                </a:schemeClr>
+              </a:solidFill>
+            </a:endParaRPr>
+          </a:p>
+          <a:p>
+            <a:r>
+              <a:rPr lang="fr-FR" sz="1200" b="1" dirty="0" smtClean="0">
+                <a:solidFill>
+                  <a:schemeClr val="accent6">
+                    <a:lumMod val="75000"/>
+                  </a:schemeClr>
+                </a:solidFill>
+                <a:hlinkClick r:id="rId4"/>
+              </a:rPr>
+              <a:t>Didier Gérard </a:t>
+            </a:r>
+            <a:r>
+              <a:rPr lang="fr-FR" sz="1200" b="1" dirty="0" smtClean="0">
+                <a:solidFill>
+                  <a:schemeClr val="accent6">
+                    <a:lumMod val="75000"/>
+                  </a:schemeClr>
+                </a:solidFill>
+              </a:rPr>
+              <a:t>: https</a:t>
+            </a:r>
+            <a:r>
+              <a:rPr lang="fr-FR" sz="1200" b="1" dirty="0">
+                <a:solidFill>
+                  <a:schemeClr val="accent6">
+                    <a:lumMod val="75000"/>
+                  </a:schemeClr>
+                </a:solidFill>
+              </a:rPr>
+              <a:t>://lemag.sfeir.com/pourquoi-golang/</a:t>
+            </a:r>
+          </a:p>
+          <a:p>
+            <a:r>
+              <a:rPr lang="fr-FR" sz="1200" b="1" dirty="0" smtClean="0">
+                <a:solidFill>
+                  <a:schemeClr val="accent6">
+                    <a:lumMod val="75000"/>
+                  </a:schemeClr>
+                </a:solidFill>
+                <a:hlinkClick r:id="rId5"/>
+              </a:rPr>
+              <a:t>Wikipédia</a:t>
+            </a:r>
+            <a:r>
+              <a:rPr lang="fr-FR" sz="1200" b="1" dirty="0" smtClean="0">
+                <a:solidFill>
+                  <a:schemeClr val="accent6">
+                    <a:lumMod val="75000"/>
+                  </a:schemeClr>
+                </a:solidFill>
+              </a:rPr>
+              <a:t> : </a:t>
+            </a:r>
+            <a:r>
+              <a:rPr lang="fr-FR" sz="1200" b="1" dirty="0">
+                <a:solidFill>
+                  <a:schemeClr val="accent6">
+                    <a:lumMod val="75000"/>
+                  </a:schemeClr>
+                </a:solidFill>
+              </a:rPr>
+              <a:t>https://fr.wikipedia.org/wiki/Go_(langage</a:t>
+            </a:r>
+            <a:r>
+              <a:rPr lang="fr-FR" sz="1200" b="1" dirty="0" smtClean="0">
+                <a:solidFill>
+                  <a:schemeClr val="accent6">
+                    <a:lumMod val="75000"/>
+                  </a:schemeClr>
+                </a:solidFill>
+              </a:rPr>
+              <a:t>)</a:t>
+            </a:r>
+          </a:p>
+          <a:p>
+            <a:r>
+              <a:rPr lang="fr-FR" sz="1200" b="1" dirty="0" smtClean="0">
+                <a:solidFill>
+                  <a:schemeClr val="accent6">
+                    <a:lumMod val="75000"/>
+                  </a:schemeClr>
+                </a:solidFill>
+                <a:hlinkClick r:id="rId6"/>
+              </a:rPr>
+              <a:t>The Go Programming Language </a:t>
+            </a:r>
+            <a:r>
+              <a:rPr lang="fr-FR" sz="1200" b="1" dirty="0" smtClean="0">
+                <a:solidFill>
+                  <a:schemeClr val="accent6">
+                    <a:lumMod val="75000"/>
+                  </a:schemeClr>
+                </a:solidFill>
+              </a:rPr>
+              <a:t>: Donovan, Kernigan</a:t>
+            </a:r>
+          </a:p>
+          <a:p>
+            <a:r>
+              <a:rPr lang="fr-FR" sz="1200" b="1" dirty="0" smtClean="0">
+                <a:solidFill>
+                  <a:schemeClr val="accent6">
+                    <a:lumMod val="75000"/>
+                  </a:schemeClr>
+                </a:solidFill>
+                <a:hlinkClick r:id="rId7"/>
+              </a:rPr>
+              <a:t>Goland IDE </a:t>
+            </a:r>
+            <a:r>
+              <a:rPr lang="fr-FR" sz="1200" b="1" dirty="0">
+                <a:solidFill>
+                  <a:schemeClr val="accent6">
+                    <a:lumMod val="75000"/>
+                  </a:schemeClr>
+                </a:solidFill>
+              </a:rPr>
+              <a:t>: </a:t>
+            </a:r>
+            <a:r>
+              <a:rPr lang="fr-FR" sz="1200" b="1" dirty="0">
+                <a:solidFill>
+                  <a:schemeClr val="accent6">
+                    <a:lumMod val="75000"/>
+                  </a:schemeClr>
+                </a:solidFill>
+                <a:hlinkClick r:id="rId7"/>
+              </a:rPr>
+              <a:t>https://www.jetbrains.com/go</a:t>
+            </a:r>
+            <a:r>
+              <a:rPr lang="fr-FR" sz="1200" b="1" dirty="0" smtClean="0">
+                <a:solidFill>
+                  <a:schemeClr val="accent6">
+                    <a:lumMod val="75000"/>
+                  </a:schemeClr>
+                </a:solidFill>
+                <a:hlinkClick r:id="rId7"/>
+              </a:rPr>
+              <a:t>/</a:t>
+            </a:r>
+            <a:endParaRPr lang="fr-FR" sz="1200" b="1" dirty="0" smtClean="0">
+              <a:solidFill>
+                <a:schemeClr val="accent6">
+                  <a:lumMod val="75000"/>
+                </a:schemeClr>
+              </a:solidFill>
+            </a:endParaRPr>
+          </a:p>
+          <a:p>
+            <a:endParaRPr lang="fr-FR" sz="1200" b="1" dirty="0">
+              <a:solidFill>
+                <a:schemeClr val="accent6">
+                  <a:lumMod val="75000"/>
+                </a:schemeClr>
+              </a:solidFill>
+            </a:endParaRPr>
+          </a:p>
+          <a:p>
+            <a:r>
+              <a:rPr lang="fr-FR" sz="1200" b="1" dirty="0" smtClean="0">
+                <a:solidFill>
+                  <a:schemeClr val="accent6">
+                    <a:lumMod val="75000"/>
+                  </a:schemeClr>
+                </a:solidFill>
+              </a:rPr>
+              <a:t>Gitlab </a:t>
+            </a:r>
+            <a:r>
+              <a:rPr lang="fr-FR" sz="1200" b="1" dirty="0" smtClean="0">
+                <a:solidFill>
+                  <a:schemeClr val="accent6">
+                    <a:lumMod val="75000"/>
+                  </a:schemeClr>
+                </a:solidFill>
+                <a:hlinkClick r:id="rId8"/>
+              </a:rPr>
+              <a:t>course</a:t>
+            </a:r>
+            <a:r>
+              <a:rPr lang="fr-FR" sz="1200" b="1" dirty="0" smtClean="0">
+                <a:solidFill>
+                  <a:schemeClr val="accent6">
+                    <a:lumMod val="75000"/>
+                  </a:schemeClr>
+                </a:solidFill>
+              </a:rPr>
+              <a:t> link</a:t>
+            </a:r>
+            <a:r>
+              <a:rPr lang="fr-FR" sz="1200" b="1" dirty="0">
+                <a:solidFill>
+                  <a:schemeClr val="accent6">
+                    <a:lumMod val="75000"/>
+                  </a:schemeClr>
+                </a:solidFill>
+              </a:rPr>
+              <a:t> : https://gitlab.com/ThierryDecker/learning-go</a:t>
+            </a:r>
+          </a:p>
+        </p:txBody>
+      </p:sp>
+    </p:spTree>
+    <p:extLst>
+      <p:ext uri="{BB962C8B-B14F-4D97-AF65-F5344CB8AC3E}">
+        <p14:creationId xmlns:p14="http://schemas.microsoft.com/office/powerpoint/2010/main" val="2478443664"/>
       </p:ext>
     </p:extLst>
   </p:cSld>

--- a/documentations/learning-go.pptx
+++ b/documentations/learning-go.pptx
@@ -15118,11 +15118,6 @@
               </a:rPr>
               <a:t>make</a:t>
             </a:r>
-            <a:endParaRPr lang="fr-FR" b="1" i="1" dirty="0" smtClean="0">
-              <a:solidFill>
-                <a:schemeClr val="accent6"/>
-              </a:solidFill>
-            </a:endParaRPr>
           </a:p>
         </p:txBody>
       </p:sp>
@@ -16190,7 +16185,7 @@
           <a:p>
             <a:r>
               <a:rPr lang="fr-FR" dirty="0" smtClean="0"/>
-              <a:t>Slices (copy &amp; append)</a:t>
+              <a:t>Slices</a:t>
             </a:r>
             <a:endParaRPr lang="fr-FR" dirty="0"/>
           </a:p>
@@ -16208,8 +16203,8 @@
         </p:nvSpPr>
         <p:spPr>
           <a:xfrm>
-            <a:off x="1772654" y="1905000"/>
-            <a:ext cx="9731958" cy="4377054"/>
+            <a:off x="715131" y="1738023"/>
+            <a:ext cx="4047701" cy="2197873"/>
           </a:xfrm>
         </p:spPr>
         <p:txBody>
@@ -16235,6 +16230,54 @@
           </a:p>
         </p:txBody>
       </p:sp>
+      <p:pic>
+        <p:nvPicPr>
+          <p:cNvPr id="5" name="Image 4"/>
+          <p:cNvPicPr>
+            <a:picLocks noChangeAspect="1"/>
+          </p:cNvPicPr>
+          <p:nvPr/>
+        </p:nvPicPr>
+        <p:blipFill>
+          <a:blip r:embed="rId2"/>
+          <a:stretch>
+            <a:fillRect/>
+          </a:stretch>
+        </p:blipFill>
+        <p:spPr>
+          <a:xfrm>
+            <a:off x="5206464" y="1264555"/>
+            <a:ext cx="6666551" cy="3588192"/>
+          </a:xfrm>
+          <a:prstGeom prst="rect">
+            <a:avLst/>
+          </a:prstGeom>
+        </p:spPr>
+      </p:pic>
+      <p:pic>
+        <p:nvPicPr>
+          <p:cNvPr id="7" name="Image 6"/>
+          <p:cNvPicPr>
+            <a:picLocks noChangeAspect="1"/>
+          </p:cNvPicPr>
+          <p:nvPr/>
+        </p:nvPicPr>
+        <p:blipFill>
+          <a:blip r:embed="rId3"/>
+          <a:stretch>
+            <a:fillRect/>
+          </a:stretch>
+        </p:blipFill>
+        <p:spPr>
+          <a:xfrm>
+            <a:off x="5206464" y="5027792"/>
+            <a:ext cx="3581400" cy="666750"/>
+          </a:xfrm>
+          <a:prstGeom prst="rect">
+            <a:avLst/>
+          </a:prstGeom>
+        </p:spPr>
+      </p:pic>
     </p:spTree>
     <p:extLst>
       <p:ext uri="{BB962C8B-B14F-4D97-AF65-F5344CB8AC3E}">

--- a/documentations/learning-go.pptx
+++ b/documentations/learning-go.pptx
@@ -5,7 +5,7 @@
     <p:sldMasterId id="2147483665" r:id="rId1"/>
   </p:sldMasterIdLst>
   <p:notesMasterIdLst>
-    <p:notesMasterId r:id="rId46"/>
+    <p:notesMasterId r:id="rId47"/>
   </p:notesMasterIdLst>
   <p:sldIdLst>
     <p:sldId id="256" r:id="rId2"/>
@@ -51,7 +51,8 @@
     <p:sldId id="297" r:id="rId42"/>
     <p:sldId id="298" r:id="rId43"/>
     <p:sldId id="299" r:id="rId44"/>
-    <p:sldId id="267" r:id="rId45"/>
+    <p:sldId id="300" r:id="rId45"/>
+    <p:sldId id="267" r:id="rId46"/>
   </p:sldIdLst>
   <p:sldSz cx="12192000" cy="6858000"/>
   <p:notesSz cx="6858000" cy="9144000"/>
@@ -240,7 +241,7 @@
           <a:p>
             <a:fld id="{ADCD2C08-3C00-4791-9388-3FB9A56F87F8}" type="datetimeFigureOut">
               <a:rPr lang="fr-FR" smtClean="0"/>
-              <a:t>01/01/2018</a:t>
+              <a:t>02/01/2018</a:t>
             </a:fld>
             <a:endParaRPr lang="fr-FR"/>
           </a:p>
@@ -780,7 +781,7 @@
           <a:p>
             <a:fld id="{CAB5D9F6-764D-45E8-BA35-322ECA954888}" type="datetime1">
               <a:rPr lang="en-US" smtClean="0"/>
-              <a:t>1/1/2018</a:t>
+              <a:t>1/2/2018</a:t>
             </a:fld>
             <a:endParaRPr lang="en-US" dirty="0"/>
           </a:p>
@@ -1120,7 +1121,7 @@
           <a:p>
             <a:fld id="{7E62AF45-EF0A-4378-934F-84EB6BC3D026}" type="datetime1">
               <a:rPr lang="en-US" smtClean="0"/>
-              <a:t>1/1/2018</a:t>
+              <a:t>1/2/2018</a:t>
             </a:fld>
             <a:endParaRPr lang="en-US" dirty="0"/>
           </a:p>
@@ -1522,7 +1523,7 @@
           <a:p>
             <a:fld id="{76D4023A-E694-4331-A23E-E1356D15A4BD}" type="datetime1">
               <a:rPr lang="en-US" smtClean="0"/>
-              <a:t>1/1/2018</a:t>
+              <a:t>1/2/2018</a:t>
             </a:fld>
             <a:endParaRPr lang="en-US" dirty="0"/>
           </a:p>
@@ -1859,7 +1860,7 @@
           <a:p>
             <a:fld id="{D6F2E77E-7F60-441B-806F-66DDB3F74163}" type="datetime1">
               <a:rPr lang="en-US" smtClean="0"/>
-              <a:t>1/1/2018</a:t>
+              <a:t>1/2/2018</a:t>
             </a:fld>
             <a:endParaRPr lang="en-US" dirty="0"/>
           </a:p>
@@ -2180,7 +2181,7 @@
           <a:p>
             <a:fld id="{266B8AF4-4A0E-4A4E-9660-2094B624C07D}" type="datetime1">
               <a:rPr lang="en-US" smtClean="0"/>
-              <a:t>1/1/2018</a:t>
+              <a:t>1/2/2018</a:t>
             </a:fld>
             <a:endParaRPr lang="en-US" dirty="0"/>
           </a:p>
@@ -2577,7 +2578,7 @@
           <a:p>
             <a:fld id="{CB2BF7E3-4C05-4502-A416-452E6496AE59}" type="datetime1">
               <a:rPr lang="en-US" smtClean="0"/>
-              <a:t>1/1/2018</a:t>
+              <a:t>1/2/2018</a:t>
             </a:fld>
             <a:endParaRPr lang="en-US" dirty="0"/>
           </a:p>
@@ -2835,7 +2836,7 @@
           <a:p>
             <a:fld id="{F6F8AC83-13D2-4813-AD1A-CAFB5DEDD213}" type="datetime1">
               <a:rPr lang="en-US" smtClean="0"/>
-              <a:t>1/1/2018</a:t>
+              <a:t>1/2/2018</a:t>
             </a:fld>
             <a:endParaRPr lang="en-US" dirty="0"/>
           </a:p>
@@ -3098,7 +3099,7 @@
           <a:p>
             <a:fld id="{74455543-85E2-46E2-A974-7ADB0844C12A}" type="datetime1">
               <a:rPr lang="en-US" smtClean="0"/>
-              <a:t>1/1/2018</a:t>
+              <a:t>1/2/2018</a:t>
             </a:fld>
             <a:endParaRPr lang="en-US" dirty="0"/>
           </a:p>
@@ -4210,7 +4211,7 @@
           <a:p>
             <a:fld id="{086CC522-5229-4E69-BBB2-D5F912967395}" type="datetime1">
               <a:rPr lang="en-US" smtClean="0"/>
-              <a:t>1/1/2018</a:t>
+              <a:t>1/2/2018</a:t>
             </a:fld>
             <a:endParaRPr lang="en-US" dirty="0"/>
           </a:p>
@@ -4529,7 +4530,7 @@
           <a:p>
             <a:fld id="{56B9B5DB-1D1A-42F8-93F0-BBA44C1CAF57}" type="datetime1">
               <a:rPr lang="en-US" smtClean="0"/>
-              <a:t>1/1/2018</a:t>
+              <a:t>1/2/2018</a:t>
             </a:fld>
             <a:endParaRPr lang="en-US" dirty="0"/>
           </a:p>
@@ -4987,7 +4988,7 @@
           <a:p>
             <a:fld id="{9A4E8950-D3FA-4365-B561-9EE5AC9B6B6C}" type="datetime1">
               <a:rPr lang="en-US" smtClean="0"/>
-              <a:t>1/1/2018</a:t>
+              <a:t>1/2/2018</a:t>
             </a:fld>
             <a:endParaRPr lang="en-US" dirty="0"/>
           </a:p>
@@ -5193,7 +5194,7 @@
           <a:p>
             <a:fld id="{20724122-C579-4659-8A06-81F42FC84005}" type="datetime1">
               <a:rPr lang="en-US" smtClean="0"/>
-              <a:t>1/1/2018</a:t>
+              <a:t>1/2/2018</a:t>
             </a:fld>
             <a:endParaRPr lang="en-US" dirty="0"/>
           </a:p>
@@ -5371,7 +5372,7 @@
           <a:p>
             <a:fld id="{E4C13383-9243-41F6-8072-8685ED9DD899}" type="datetime1">
               <a:rPr lang="en-US" smtClean="0"/>
-              <a:t>1/1/2018</a:t>
+              <a:t>1/2/2018</a:t>
             </a:fld>
             <a:endParaRPr lang="en-US" dirty="0"/>
           </a:p>
@@ -5705,7 +5706,7 @@
           <a:p>
             <a:fld id="{03F027E6-328C-49ED-AE4B-BD647A7E3EDE}" type="datetime1">
               <a:rPr lang="en-US" smtClean="0"/>
-              <a:t>1/1/2018</a:t>
+              <a:t>1/2/2018</a:t>
             </a:fld>
             <a:endParaRPr lang="en-US" dirty="0"/>
           </a:p>
@@ -6051,7 +6052,7 @@
           <a:p>
             <a:fld id="{6B498982-A325-4B29-8B06-CBC7789C234F}" type="datetime1">
               <a:rPr lang="en-US" smtClean="0"/>
-              <a:t>1/1/2018</a:t>
+              <a:t>1/2/2018</a:t>
             </a:fld>
             <a:endParaRPr lang="en-US" dirty="0"/>
           </a:p>
@@ -8169,7 +8170,7 @@
           <a:p>
             <a:fld id="{CAB5D9F6-764D-45E8-BA35-322ECA954888}" type="datetime1">
               <a:rPr lang="en-US" smtClean="0"/>
-              <a:t>1/1/2018</a:t>
+              <a:t>1/2/2018</a:t>
             </a:fld>
             <a:endParaRPr lang="en-US" dirty="0"/>
           </a:p>
@@ -15119,6 +15120,22 @@
               <a:t>make</a:t>
             </a:r>
           </a:p>
+          <a:p>
+            <a:pPr algn="just"/>
+            <a:r>
+              <a:rPr lang="fr-FR" dirty="0" smtClean="0">
+                <a:solidFill>
+                  <a:schemeClr val="tx1"/>
+                </a:solidFill>
+              </a:rPr>
+              <a:t>Leur taille est gérée dynamiquement</a:t>
+            </a:r>
+            <a:endParaRPr lang="fr-FR" dirty="0" smtClean="0">
+              <a:solidFill>
+                <a:schemeClr val="tx1"/>
+              </a:solidFill>
+            </a:endParaRPr>
+          </a:p>
         </p:txBody>
       </p:sp>
       <p:pic>
@@ -16185,7 +16202,11 @@
           <a:p>
             <a:r>
               <a:rPr lang="fr-FR" dirty="0" smtClean="0"/>
-              <a:t>Slices</a:t>
+              <a:t>Slices (</a:t>
+            </a:r>
+            <a:r>
+              <a:rPr lang="fr-FR" dirty="0" smtClean="0"/>
+              <a:t>growing, copying)</a:t>
             </a:r>
             <a:endParaRPr lang="fr-FR" dirty="0"/>
           </a:p>
@@ -16246,7 +16267,7 @@
         </p:blipFill>
         <p:spPr>
           <a:xfrm>
-            <a:off x="5206464" y="1264555"/>
+            <a:off x="5206464" y="1905000"/>
             <a:ext cx="6666551" cy="3588192"/>
           </a:xfrm>
           <a:prstGeom prst="rect">
@@ -16270,7 +16291,7 @@
         </p:blipFill>
         <p:spPr>
           <a:xfrm>
-            <a:off x="5206464" y="5027792"/>
+            <a:off x="5206464" y="5663896"/>
             <a:ext cx="3581400" cy="666750"/>
           </a:xfrm>
           <a:prstGeom prst="rect">
@@ -16337,6 +16358,150 @@
           <a:p>
             <a:r>
               <a:rPr lang="fr-FR" dirty="0" smtClean="0"/>
+              <a:t>Slices (appending)</a:t>
+            </a:r>
+            <a:endParaRPr lang="fr-FR" dirty="0"/>
+          </a:p>
+        </p:txBody>
+      </p:sp>
+      <p:sp>
+        <p:nvSpPr>
+          <p:cNvPr id="6" name="Espace réservé du contenu 2"/>
+          <p:cNvSpPr>
+            <a:spLocks noGrp="1"/>
+          </p:cNvSpPr>
+          <p:nvPr>
+            <p:ph idx="1"/>
+          </p:nvPr>
+        </p:nvSpPr>
+        <p:spPr>
+          <a:xfrm>
+            <a:off x="715131" y="1738023"/>
+            <a:ext cx="4047701" cy="2197873"/>
+          </a:xfrm>
+        </p:spPr>
+        <p:txBody>
+          <a:bodyPr anchor="ctr">
+            <a:normAutofit/>
+          </a:bodyPr>
+          <a:lstStyle/>
+          <a:p>
+            <a:pPr algn="just"/>
+            <a:r>
+              <a:rPr lang="fr-FR" dirty="0" smtClean="0">
+                <a:solidFill>
+                  <a:schemeClr val="tx1"/>
+                </a:solidFill>
+              </a:rPr>
+              <a:t>Ajouter des éléments à une slice peut se faire à l'aide de la fonction </a:t>
+            </a:r>
+            <a:r>
+              <a:rPr lang="fr-FR" b="1" i="1" dirty="0" smtClean="0">
+                <a:solidFill>
+                  <a:schemeClr val="accent6"/>
+                </a:solidFill>
+              </a:rPr>
+              <a:t>append</a:t>
+            </a:r>
+            <a:r>
+              <a:rPr lang="fr-FR" dirty="0" smtClean="0">
+                <a:solidFill>
+                  <a:schemeClr val="tx1"/>
+                </a:solidFill>
+              </a:rPr>
+              <a:t> qui gère l'augmentation de la taille dynamiquement</a:t>
+            </a:r>
+            <a:endParaRPr lang="fr-FR" dirty="0" smtClean="0">
+              <a:solidFill>
+                <a:schemeClr val="accent6"/>
+              </a:solidFill>
+            </a:endParaRPr>
+          </a:p>
+        </p:txBody>
+      </p:sp>
+      <p:pic>
+        <p:nvPicPr>
+          <p:cNvPr id="3" name="Image 2"/>
+          <p:cNvPicPr>
+            <a:picLocks noChangeAspect="1"/>
+          </p:cNvPicPr>
+          <p:nvPr/>
+        </p:nvPicPr>
+        <p:blipFill>
+          <a:blip r:embed="rId2"/>
+          <a:stretch>
+            <a:fillRect/>
+          </a:stretch>
+        </p:blipFill>
+        <p:spPr>
+          <a:xfrm>
+            <a:off x="5274451" y="1593160"/>
+            <a:ext cx="6716405" cy="4685472"/>
+          </a:xfrm>
+          <a:prstGeom prst="rect">
+            <a:avLst/>
+          </a:prstGeom>
+        </p:spPr>
+      </p:pic>
+    </p:spTree>
+    <p:extLst>
+      <p:ext uri="{BB962C8B-B14F-4D97-AF65-F5344CB8AC3E}">
+        <p14:creationId xmlns:p14="http://schemas.microsoft.com/office/powerpoint/2010/main" val="2922589556"/>
+      </p:ext>
+    </p:extLst>
+  </p:cSld>
+  <p:clrMapOvr>
+    <a:masterClrMapping/>
+  </p:clrMapOvr>
+  <p:timing>
+    <p:tnLst>
+      <p:par>
+        <p:cTn id="1" dur="indefinite" restart="never" nodeType="tmRoot"/>
+      </p:par>
+    </p:tnLst>
+  </p:timing>
+</p:sld>
+</file>
+
+<file path=ppt/slides/slide45.xml><?xml version="1.0" encoding="utf-8"?>
+<p:sld xmlns:a="http://schemas.openxmlformats.org/drawingml/2006/main" xmlns:r="http://schemas.openxmlformats.org/officeDocument/2006/relationships" xmlns:p="http://schemas.openxmlformats.org/presentationml/2006/main">
+  <p:cSld>
+    <p:spTree>
+      <p:nvGrpSpPr>
+        <p:cNvPr id="1" name=""/>
+        <p:cNvGrpSpPr/>
+        <p:nvPr/>
+      </p:nvGrpSpPr>
+      <p:grpSpPr>
+        <a:xfrm>
+          <a:off x="0" y="0"/>
+          <a:ext cx="0" cy="0"/>
+          <a:chOff x="0" y="0"/>
+          <a:chExt cx="0" cy="0"/>
+        </a:xfrm>
+      </p:grpSpPr>
+      <p:sp>
+        <p:nvSpPr>
+          <p:cNvPr id="2" name="Titre 1"/>
+          <p:cNvSpPr>
+            <a:spLocks noGrp="1"/>
+          </p:cNvSpPr>
+          <p:nvPr>
+            <p:ph type="title"/>
+          </p:nvPr>
+        </p:nvSpPr>
+        <p:spPr>
+          <a:xfrm>
+            <a:off x="2592925" y="624110"/>
+            <a:ext cx="8911687" cy="1280890"/>
+          </a:xfrm>
+        </p:spPr>
+        <p:txBody>
+          <a:bodyPr/>
+          <a:lstStyle/>
+          <a:p>
+            <a:r>
+              <a:rPr lang="fr-FR" dirty="0" smtClean="0"/>
               <a:t>Références</a:t>
             </a:r>
             <a:endParaRPr lang="fr-FR" dirty="0"/>
@@ -16642,7 +16807,69 @@
                   </a:schemeClr>
                 </a:solidFill>
               </a:rPr>
-              <a:t> : https://gitlab.com/ThierryDecker/learning-go</a:t>
+              <a:t> : </a:t>
+            </a:r>
+            <a:r>
+              <a:rPr lang="fr-FR" sz="1200" b="1" dirty="0">
+                <a:solidFill>
+                  <a:schemeClr val="accent6">
+                    <a:lumMod val="75000"/>
+                  </a:schemeClr>
+                </a:solidFill>
+                <a:hlinkClick r:id="rId8"/>
+              </a:rPr>
+              <a:t>https://</a:t>
+            </a:r>
+            <a:r>
+              <a:rPr lang="fr-FR" sz="1200" b="1" dirty="0" smtClean="0">
+                <a:solidFill>
+                  <a:schemeClr val="accent6">
+                    <a:lumMod val="75000"/>
+                  </a:schemeClr>
+                </a:solidFill>
+                <a:hlinkClick r:id="rId8"/>
+              </a:rPr>
+              <a:t>gitlab.com/ThierryDecker/learning-go</a:t>
+            </a:r>
+            <a:endParaRPr lang="fr-FR" sz="1200" b="1" dirty="0" smtClean="0">
+              <a:solidFill>
+                <a:schemeClr val="accent6">
+                  <a:lumMod val="75000"/>
+                </a:schemeClr>
+              </a:solidFill>
+            </a:endParaRPr>
+          </a:p>
+          <a:p>
+            <a:r>
+              <a:rPr lang="fr-FR" sz="1200" b="1" dirty="0" smtClean="0">
+                <a:solidFill>
+                  <a:schemeClr val="accent6">
+                    <a:lumMod val="75000"/>
+                  </a:schemeClr>
+                </a:solidFill>
+                <a:hlinkClick r:id="rId9"/>
+              </a:rPr>
+              <a:t>Slice Tricks</a:t>
+            </a:r>
+            <a:r>
+              <a:rPr lang="fr-FR" sz="1200" b="1" dirty="0" smtClean="0">
+                <a:solidFill>
+                  <a:schemeClr val="accent6">
+                    <a:lumMod val="75000"/>
+                  </a:schemeClr>
+                </a:solidFill>
+              </a:rPr>
+              <a:t> : https</a:t>
+            </a:r>
+            <a:r>
+              <a:rPr lang="fr-FR" sz="1200" b="1" dirty="0">
+                <a:solidFill>
+                  <a:schemeClr val="accent6">
+                    <a:lumMod val="75000"/>
+                  </a:schemeClr>
+                </a:solidFill>
+              </a:rPr>
+              <a:t>://github.com/golang/go/wiki/SliceTricks</a:t>
             </a:r>
           </a:p>
         </p:txBody>

--- a/documentations/learning-go.pptx
+++ b/documentations/learning-go.pptx
@@ -5,7 +5,7 @@
     <p:sldMasterId id="2147483665" r:id="rId1"/>
   </p:sldMasterIdLst>
   <p:notesMasterIdLst>
-    <p:notesMasterId r:id="rId47"/>
+    <p:notesMasterId r:id="rId49"/>
   </p:notesMasterIdLst>
   <p:sldIdLst>
     <p:sldId id="256" r:id="rId2"/>
@@ -52,7 +52,9 @@
     <p:sldId id="298" r:id="rId43"/>
     <p:sldId id="299" r:id="rId44"/>
     <p:sldId id="300" r:id="rId45"/>
-    <p:sldId id="267" r:id="rId46"/>
+    <p:sldId id="301" r:id="rId46"/>
+    <p:sldId id="302" r:id="rId47"/>
+    <p:sldId id="267" r:id="rId48"/>
   </p:sldIdLst>
   <p:sldSz cx="12192000" cy="6858000"/>
   <p:notesSz cx="6858000" cy="9144000"/>
@@ -15130,11 +15132,6 @@
               </a:rPr>
               <a:t>Leur taille est gérée dynamiquement</a:t>
             </a:r>
-            <a:endParaRPr lang="fr-FR" dirty="0" smtClean="0">
-              <a:solidFill>
-                <a:schemeClr val="tx1"/>
-              </a:solidFill>
-            </a:endParaRPr>
           </a:p>
         </p:txBody>
       </p:sp>
@@ -16202,11 +16199,7 @@
           <a:p>
             <a:r>
               <a:rPr lang="fr-FR" dirty="0" smtClean="0"/>
-              <a:t>Slices (</a:t>
-            </a:r>
-            <a:r>
-              <a:rPr lang="fr-FR" dirty="0" smtClean="0"/>
-              <a:t>growing, copying)</a:t>
+              <a:t>Slices (growing, copying)</a:t>
             </a:r>
             <a:endParaRPr lang="fr-FR" dirty="0"/>
           </a:p>
@@ -16464,6 +16457,317 @@
 </file>
 
 <file path=ppt/slides/slide45.xml><?xml version="1.0" encoding="utf-8"?>
+<p:sld xmlns:a="http://schemas.openxmlformats.org/drawingml/2006/main" xmlns:r="http://schemas.openxmlformats.org/officeDocument/2006/relationships" xmlns:p="http://schemas.openxmlformats.org/presentationml/2006/main">
+  <p:cSld>
+    <p:spTree>
+      <p:nvGrpSpPr>
+        <p:cNvPr id="1" name=""/>
+        <p:cNvGrpSpPr/>
+        <p:nvPr/>
+      </p:nvGrpSpPr>
+      <p:grpSpPr>
+        <a:xfrm>
+          <a:off x="0" y="0"/>
+          <a:ext cx="0" cy="0"/>
+          <a:chOff x="0" y="0"/>
+          <a:chExt cx="0" cy="0"/>
+        </a:xfrm>
+      </p:grpSpPr>
+      <p:sp>
+        <p:nvSpPr>
+          <p:cNvPr id="2" name="Titre 1"/>
+          <p:cNvSpPr>
+            <a:spLocks noGrp="1"/>
+          </p:cNvSpPr>
+          <p:nvPr>
+            <p:ph type="title"/>
+          </p:nvPr>
+        </p:nvSpPr>
+        <p:spPr>
+          <a:xfrm>
+            <a:off x="2592925" y="624110"/>
+            <a:ext cx="8911687" cy="1280890"/>
+          </a:xfrm>
+        </p:spPr>
+        <p:txBody>
+          <a:bodyPr/>
+          <a:lstStyle/>
+          <a:p>
+            <a:r>
+              <a:rPr lang="fr-FR" dirty="0" smtClean="0"/>
+              <a:t>Maps</a:t>
+            </a:r>
+            <a:endParaRPr lang="fr-FR" dirty="0"/>
+          </a:p>
+        </p:txBody>
+      </p:sp>
+      <p:sp>
+        <p:nvSpPr>
+          <p:cNvPr id="6" name="Espace réservé du contenu 2"/>
+          <p:cNvSpPr>
+            <a:spLocks noGrp="1"/>
+          </p:cNvSpPr>
+          <p:nvPr>
+            <p:ph idx="1"/>
+          </p:nvPr>
+        </p:nvSpPr>
+        <p:spPr>
+          <a:xfrm>
+            <a:off x="1883972" y="1602850"/>
+            <a:ext cx="9709030" cy="2253533"/>
+          </a:xfrm>
+        </p:spPr>
+        <p:txBody>
+          <a:bodyPr anchor="ctr">
+            <a:normAutofit/>
+          </a:bodyPr>
+          <a:lstStyle/>
+          <a:p>
+            <a:pPr algn="just"/>
+            <a:r>
+              <a:rPr lang="fr-FR" dirty="0" smtClean="0">
+                <a:solidFill>
+                  <a:schemeClr val="tx1"/>
+                </a:solidFill>
+              </a:rPr>
+              <a:t>Les maps sont des collections non ordonn</a:t>
+            </a:r>
+            <a:r>
+              <a:rPr lang="fr-FR" dirty="0" smtClean="0">
+                <a:solidFill>
+                  <a:schemeClr val="tx1"/>
+                </a:solidFill>
+              </a:rPr>
+              <a:t>ées de paires "Clé-Valeur"</a:t>
+            </a:r>
+          </a:p>
+          <a:p>
+            <a:pPr algn="just"/>
+            <a:r>
+              <a:rPr lang="fr-FR" dirty="0" smtClean="0">
+                <a:solidFill>
+                  <a:schemeClr val="tx1"/>
+                </a:solidFill>
+              </a:rPr>
+              <a:t>Souvent appelées tableaux associatifs ou dictionnaires</a:t>
+            </a:r>
+          </a:p>
+          <a:p>
+            <a:pPr algn="just"/>
+            <a:endParaRPr lang="fr-FR" dirty="0" smtClean="0">
+              <a:solidFill>
+                <a:schemeClr val="accent6"/>
+              </a:solidFill>
+            </a:endParaRPr>
+          </a:p>
+        </p:txBody>
+      </p:sp>
+      <p:pic>
+        <p:nvPicPr>
+          <p:cNvPr id="4" name="Image 3"/>
+          <p:cNvPicPr>
+            <a:picLocks noChangeAspect="1"/>
+          </p:cNvPicPr>
+          <p:nvPr/>
+        </p:nvPicPr>
+        <p:blipFill>
+          <a:blip r:embed="rId2"/>
+          <a:stretch>
+            <a:fillRect/>
+          </a:stretch>
+        </p:blipFill>
+        <p:spPr>
+          <a:xfrm>
+            <a:off x="3553746" y="3070570"/>
+            <a:ext cx="5943600" cy="1114425"/>
+          </a:xfrm>
+          <a:prstGeom prst="rect">
+            <a:avLst/>
+          </a:prstGeom>
+        </p:spPr>
+      </p:pic>
+      <p:pic>
+        <p:nvPicPr>
+          <p:cNvPr id="5" name="Image 4"/>
+          <p:cNvPicPr>
+            <a:picLocks noChangeAspect="1"/>
+          </p:cNvPicPr>
+          <p:nvPr/>
+        </p:nvPicPr>
+        <p:blipFill>
+          <a:blip r:embed="rId3"/>
+          <a:stretch>
+            <a:fillRect/>
+          </a:stretch>
+        </p:blipFill>
+        <p:spPr>
+          <a:xfrm>
+            <a:off x="3553746" y="4184995"/>
+            <a:ext cx="5953125" cy="1114425"/>
+          </a:xfrm>
+          <a:prstGeom prst="rect">
+            <a:avLst/>
+          </a:prstGeom>
+        </p:spPr>
+      </p:pic>
+      <p:pic>
+        <p:nvPicPr>
+          <p:cNvPr id="7" name="Image 6"/>
+          <p:cNvPicPr>
+            <a:picLocks noChangeAspect="1"/>
+          </p:cNvPicPr>
+          <p:nvPr/>
+        </p:nvPicPr>
+        <p:blipFill>
+          <a:blip r:embed="rId4"/>
+          <a:stretch>
+            <a:fillRect/>
+          </a:stretch>
+        </p:blipFill>
+        <p:spPr>
+          <a:xfrm>
+            <a:off x="3553746" y="5324103"/>
+            <a:ext cx="5905500" cy="590550"/>
+          </a:xfrm>
+          <a:prstGeom prst="rect">
+            <a:avLst/>
+          </a:prstGeom>
+        </p:spPr>
+      </p:pic>
+    </p:spTree>
+    <p:extLst>
+      <p:ext uri="{BB962C8B-B14F-4D97-AF65-F5344CB8AC3E}">
+        <p14:creationId xmlns:p14="http://schemas.microsoft.com/office/powerpoint/2010/main" val="190541540"/>
+      </p:ext>
+    </p:extLst>
+  </p:cSld>
+  <p:clrMapOvr>
+    <a:masterClrMapping/>
+  </p:clrMapOvr>
+  <p:timing>
+    <p:tnLst>
+      <p:par>
+        <p:cTn id="1" dur="indefinite" restart="never" nodeType="tmRoot"/>
+      </p:par>
+    </p:tnLst>
+  </p:timing>
+</p:sld>
+</file>
+
+<file path=ppt/slides/slide46.xml><?xml version="1.0" encoding="utf-8"?>
+<p:sld xmlns:a="http://schemas.openxmlformats.org/drawingml/2006/main" xmlns:r="http://schemas.openxmlformats.org/officeDocument/2006/relationships" xmlns:p="http://schemas.openxmlformats.org/presentationml/2006/main">
+  <p:cSld>
+    <p:spTree>
+      <p:nvGrpSpPr>
+        <p:cNvPr id="1" name=""/>
+        <p:cNvGrpSpPr/>
+        <p:nvPr/>
+      </p:nvGrpSpPr>
+      <p:grpSpPr>
+        <a:xfrm>
+          <a:off x="0" y="0"/>
+          <a:ext cx="0" cy="0"/>
+          <a:chOff x="0" y="0"/>
+          <a:chExt cx="0" cy="0"/>
+        </a:xfrm>
+      </p:grpSpPr>
+      <p:sp>
+        <p:nvSpPr>
+          <p:cNvPr id="2" name="Titre 1"/>
+          <p:cNvSpPr>
+            <a:spLocks noGrp="1"/>
+          </p:cNvSpPr>
+          <p:nvPr>
+            <p:ph type="title"/>
+          </p:nvPr>
+        </p:nvSpPr>
+        <p:spPr>
+          <a:xfrm>
+            <a:off x="2592925" y="624110"/>
+            <a:ext cx="8911687" cy="1280890"/>
+          </a:xfrm>
+        </p:spPr>
+        <p:txBody>
+          <a:bodyPr/>
+          <a:lstStyle/>
+          <a:p>
+            <a:r>
+              <a:rPr lang="fr-FR" dirty="0" smtClean="0"/>
+              <a:t>Maps</a:t>
+            </a:r>
+            <a:endParaRPr lang="fr-FR" dirty="0"/>
+          </a:p>
+        </p:txBody>
+      </p:sp>
+      <p:pic>
+        <p:nvPicPr>
+          <p:cNvPr id="8" name="Image 7"/>
+          <p:cNvPicPr>
+            <a:picLocks noChangeAspect="1"/>
+          </p:cNvPicPr>
+          <p:nvPr/>
+        </p:nvPicPr>
+        <p:blipFill>
+          <a:blip r:embed="rId2"/>
+          <a:stretch>
+            <a:fillRect/>
+          </a:stretch>
+        </p:blipFill>
+        <p:spPr>
+          <a:xfrm>
+            <a:off x="6886189" y="238540"/>
+            <a:ext cx="4887384" cy="5919746"/>
+          </a:xfrm>
+          <a:prstGeom prst="rect">
+            <a:avLst/>
+          </a:prstGeom>
+        </p:spPr>
+      </p:pic>
+      <p:pic>
+        <p:nvPicPr>
+          <p:cNvPr id="9" name="Image 8"/>
+          <p:cNvPicPr>
+            <a:picLocks noChangeAspect="1"/>
+          </p:cNvPicPr>
+          <p:nvPr/>
+        </p:nvPicPr>
+        <p:blipFill>
+          <a:blip r:embed="rId3"/>
+          <a:stretch>
+            <a:fillRect/>
+          </a:stretch>
+        </p:blipFill>
+        <p:spPr>
+          <a:xfrm>
+            <a:off x="656562" y="2518805"/>
+            <a:ext cx="6618881" cy="1732626"/>
+          </a:xfrm>
+          <a:prstGeom prst="rect">
+            <a:avLst/>
+          </a:prstGeom>
+        </p:spPr>
+      </p:pic>
+    </p:spTree>
+    <p:extLst>
+      <p:ext uri="{BB962C8B-B14F-4D97-AF65-F5344CB8AC3E}">
+        <p14:creationId xmlns:p14="http://schemas.microsoft.com/office/powerpoint/2010/main" val="3113614535"/>
+      </p:ext>
+    </p:extLst>
+  </p:cSld>
+  <p:clrMapOvr>
+    <a:masterClrMapping/>
+  </p:clrMapOvr>
+  <p:timing>
+    <p:tnLst>
+      <p:par>
+        <p:cTn id="1" dur="indefinite" restart="never" nodeType="tmRoot"/>
+      </p:par>
+    </p:tnLst>
+  </p:timing>
+</p:sld>
+</file>
+
+<file path=ppt/slides/slide47.xml><?xml version="1.0" encoding="utf-8"?>
 <p:sld xmlns:a="http://schemas.openxmlformats.org/drawingml/2006/main" xmlns:r="http://schemas.openxmlformats.org/officeDocument/2006/relationships" xmlns:p="http://schemas.openxmlformats.org/presentationml/2006/main">
   <p:cSld>
     <p:spTree>

--- a/documentations/learning-go.pptx
+++ b/documentations/learning-go.pptx
@@ -16530,15 +16530,7 @@
                   <a:schemeClr val="tx1"/>
                 </a:solidFill>
               </a:rPr>
-              <a:t>Les maps sont des collections non ordonn</a:t>
-            </a:r>
-            <a:r>
-              <a:rPr lang="fr-FR" dirty="0" smtClean="0">
-                <a:solidFill>
-                  <a:schemeClr val="tx1"/>
-                </a:solidFill>
-              </a:rPr>
-              <a:t>ées de paires "Clé-Valeur"</a:t>
+              <a:t>Les maps sont des collections non ordonnées de paires "Clé-Valeur"</a:t>
             </a:r>
           </a:p>
           <a:p>
@@ -16701,7 +16693,7 @@
       </p:sp>
       <p:pic>
         <p:nvPicPr>
-          <p:cNvPr id="8" name="Image 7"/>
+          <p:cNvPr id="3" name="Image 2"/>
           <p:cNvPicPr>
             <a:picLocks noChangeAspect="1"/>
           </p:cNvPicPr>
@@ -16715,8 +16707,8 @@
         </p:blipFill>
         <p:spPr>
           <a:xfrm>
-            <a:off x="6886189" y="238540"/>
-            <a:ext cx="4887384" cy="5919746"/>
+            <a:off x="4384706" y="142897"/>
+            <a:ext cx="4457143" cy="6532977"/>
           </a:xfrm>
           <a:prstGeom prst="rect">
             <a:avLst/>
@@ -16725,7 +16717,7 @@
       </p:pic>
       <p:pic>
         <p:nvPicPr>
-          <p:cNvPr id="9" name="Image 8"/>
+          <p:cNvPr id="4" name="Image 3"/>
           <p:cNvPicPr>
             <a:picLocks noChangeAspect="1"/>
           </p:cNvPicPr>
@@ -16739,8 +16731,8 @@
         </p:blipFill>
         <p:spPr>
           <a:xfrm>
-            <a:off x="656562" y="2518805"/>
-            <a:ext cx="6618881" cy="1732626"/>
+            <a:off x="9049785" y="2674207"/>
+            <a:ext cx="2600325" cy="2495550"/>
           </a:xfrm>
           <a:prstGeom prst="rect">
             <a:avLst/>

--- a/documentations/learning-go.pptx
+++ b/documentations/learning-go.pptx
@@ -5,7 +5,7 @@
     <p:sldMasterId id="2147483665" r:id="rId1"/>
   </p:sldMasterIdLst>
   <p:notesMasterIdLst>
-    <p:notesMasterId r:id="rId49"/>
+    <p:notesMasterId r:id="rId50"/>
   </p:notesMasterIdLst>
   <p:sldIdLst>
     <p:sldId id="256" r:id="rId2"/>
@@ -54,7 +54,8 @@
     <p:sldId id="300" r:id="rId45"/>
     <p:sldId id="301" r:id="rId46"/>
     <p:sldId id="302" r:id="rId47"/>
-    <p:sldId id="267" r:id="rId48"/>
+    <p:sldId id="303" r:id="rId48"/>
+    <p:sldId id="267" r:id="rId49"/>
   </p:sldIdLst>
   <p:sldSz cx="12192000" cy="6858000"/>
   <p:notesSz cx="6858000" cy="9144000"/>
@@ -16798,6 +16799,119 @@
           <a:p>
             <a:r>
               <a:rPr lang="fr-FR" dirty="0" smtClean="0"/>
+              <a:t>Maps of maps</a:t>
+            </a:r>
+            <a:endParaRPr lang="fr-FR" dirty="0"/>
+          </a:p>
+        </p:txBody>
+      </p:sp>
+      <p:pic>
+        <p:nvPicPr>
+          <p:cNvPr id="7" name="Image 6"/>
+          <p:cNvPicPr>
+            <a:picLocks noChangeAspect="1"/>
+          </p:cNvPicPr>
+          <p:nvPr/>
+        </p:nvPicPr>
+        <p:blipFill>
+          <a:blip r:embed="rId2"/>
+          <a:stretch>
+            <a:fillRect/>
+          </a:stretch>
+        </p:blipFill>
+        <p:spPr>
+          <a:xfrm>
+            <a:off x="1844703" y="1354579"/>
+            <a:ext cx="6063282" cy="4962732"/>
+          </a:xfrm>
+          <a:prstGeom prst="rect">
+            <a:avLst/>
+          </a:prstGeom>
+        </p:spPr>
+      </p:pic>
+      <p:pic>
+        <p:nvPicPr>
+          <p:cNvPr id="8" name="Image 7"/>
+          <p:cNvPicPr>
+            <a:picLocks noChangeAspect="1"/>
+          </p:cNvPicPr>
+          <p:nvPr/>
+        </p:nvPicPr>
+        <p:blipFill>
+          <a:blip r:embed="rId3"/>
+          <a:stretch>
+            <a:fillRect/>
+          </a:stretch>
+        </p:blipFill>
+        <p:spPr>
+          <a:xfrm>
+            <a:off x="8018600" y="3621985"/>
+            <a:ext cx="3629025" cy="647700"/>
+          </a:xfrm>
+          <a:prstGeom prst="rect">
+            <a:avLst/>
+          </a:prstGeom>
+        </p:spPr>
+      </p:pic>
+    </p:spTree>
+    <p:extLst>
+      <p:ext uri="{BB962C8B-B14F-4D97-AF65-F5344CB8AC3E}">
+        <p14:creationId xmlns:p14="http://schemas.microsoft.com/office/powerpoint/2010/main" val="299311231"/>
+      </p:ext>
+    </p:extLst>
+  </p:cSld>
+  <p:clrMapOvr>
+    <a:masterClrMapping/>
+  </p:clrMapOvr>
+  <p:timing>
+    <p:tnLst>
+      <p:par>
+        <p:cTn id="1" dur="indefinite" restart="never" nodeType="tmRoot"/>
+      </p:par>
+    </p:tnLst>
+  </p:timing>
+</p:sld>
+</file>
+
+<file path=ppt/slides/slide48.xml><?xml version="1.0" encoding="utf-8"?>
+<p:sld xmlns:a="http://schemas.openxmlformats.org/drawingml/2006/main" xmlns:r="http://schemas.openxmlformats.org/officeDocument/2006/relationships" xmlns:p="http://schemas.openxmlformats.org/presentationml/2006/main">
+  <p:cSld>
+    <p:spTree>
+      <p:nvGrpSpPr>
+        <p:cNvPr id="1" name=""/>
+        <p:cNvGrpSpPr/>
+        <p:nvPr/>
+      </p:nvGrpSpPr>
+      <p:grpSpPr>
+        <a:xfrm>
+          <a:off x="0" y="0"/>
+          <a:ext cx="0" cy="0"/>
+          <a:chOff x="0" y="0"/>
+          <a:chExt cx="0" cy="0"/>
+        </a:xfrm>
+      </p:grpSpPr>
+      <p:sp>
+        <p:nvSpPr>
+          <p:cNvPr id="2" name="Titre 1"/>
+          <p:cNvSpPr>
+            <a:spLocks noGrp="1"/>
+          </p:cNvSpPr>
+          <p:nvPr>
+            <p:ph type="title"/>
+          </p:nvPr>
+        </p:nvSpPr>
+        <p:spPr>
+          <a:xfrm>
+            <a:off x="2592925" y="624110"/>
+            <a:ext cx="8911687" cy="1280890"/>
+          </a:xfrm>
+        </p:spPr>
+        <p:txBody>
+          <a:bodyPr/>
+          <a:lstStyle/>
+          <a:p>
+            <a:r>
+              <a:rPr lang="fr-FR" dirty="0" smtClean="0"/>
               <a:t>Références</a:t>
             </a:r>
             <a:endParaRPr lang="fr-FR" dirty="0"/>

--- a/documentations/learning-go.pptx
+++ b/documentations/learning-go.pptx
@@ -244,7 +244,7 @@
           <a:p>
             <a:fld id="{ADCD2C08-3C00-4791-9388-3FB9A56F87F8}" type="datetimeFigureOut">
               <a:rPr lang="fr-FR" smtClean="0"/>
-              <a:t>02/01/2018</a:t>
+              <a:t>03/01/2018</a:t>
             </a:fld>
             <a:endParaRPr lang="fr-FR"/>
           </a:p>
@@ -784,7 +784,7 @@
           <a:p>
             <a:fld id="{CAB5D9F6-764D-45E8-BA35-322ECA954888}" type="datetime1">
               <a:rPr lang="en-US" smtClean="0"/>
-              <a:t>1/2/2018</a:t>
+              <a:t>1/3/2018</a:t>
             </a:fld>
             <a:endParaRPr lang="en-US" dirty="0"/>
           </a:p>
@@ -1124,7 +1124,7 @@
           <a:p>
             <a:fld id="{7E62AF45-EF0A-4378-934F-84EB6BC3D026}" type="datetime1">
               <a:rPr lang="en-US" smtClean="0"/>
-              <a:t>1/2/2018</a:t>
+              <a:t>1/3/2018</a:t>
             </a:fld>
             <a:endParaRPr lang="en-US" dirty="0"/>
           </a:p>
@@ -1526,7 +1526,7 @@
           <a:p>
             <a:fld id="{76D4023A-E694-4331-A23E-E1356D15A4BD}" type="datetime1">
               <a:rPr lang="en-US" smtClean="0"/>
-              <a:t>1/2/2018</a:t>
+              <a:t>1/3/2018</a:t>
             </a:fld>
             <a:endParaRPr lang="en-US" dirty="0"/>
           </a:p>
@@ -1863,7 +1863,7 @@
           <a:p>
             <a:fld id="{D6F2E77E-7F60-441B-806F-66DDB3F74163}" type="datetime1">
               <a:rPr lang="en-US" smtClean="0"/>
-              <a:t>1/2/2018</a:t>
+              <a:t>1/3/2018</a:t>
             </a:fld>
             <a:endParaRPr lang="en-US" dirty="0"/>
           </a:p>
@@ -2184,7 +2184,7 @@
           <a:p>
             <a:fld id="{266B8AF4-4A0E-4A4E-9660-2094B624C07D}" type="datetime1">
               <a:rPr lang="en-US" smtClean="0"/>
-              <a:t>1/2/2018</a:t>
+              <a:t>1/3/2018</a:t>
             </a:fld>
             <a:endParaRPr lang="en-US" dirty="0"/>
           </a:p>
@@ -2581,7 +2581,7 @@
           <a:p>
             <a:fld id="{CB2BF7E3-4C05-4502-A416-452E6496AE59}" type="datetime1">
               <a:rPr lang="en-US" smtClean="0"/>
-              <a:t>1/2/2018</a:t>
+              <a:t>1/3/2018</a:t>
             </a:fld>
             <a:endParaRPr lang="en-US" dirty="0"/>
           </a:p>
@@ -2839,7 +2839,7 @@
           <a:p>
             <a:fld id="{F6F8AC83-13D2-4813-AD1A-CAFB5DEDD213}" type="datetime1">
               <a:rPr lang="en-US" smtClean="0"/>
-              <a:t>1/2/2018</a:t>
+              <a:t>1/3/2018</a:t>
             </a:fld>
             <a:endParaRPr lang="en-US" dirty="0"/>
           </a:p>
@@ -3102,7 +3102,7 @@
           <a:p>
             <a:fld id="{74455543-85E2-46E2-A974-7ADB0844C12A}" type="datetime1">
               <a:rPr lang="en-US" smtClean="0"/>
-              <a:t>1/2/2018</a:t>
+              <a:t>1/3/2018</a:t>
             </a:fld>
             <a:endParaRPr lang="en-US" dirty="0"/>
           </a:p>
@@ -4214,7 +4214,7 @@
           <a:p>
             <a:fld id="{086CC522-5229-4E69-BBB2-D5F912967395}" type="datetime1">
               <a:rPr lang="en-US" smtClean="0"/>
-              <a:t>1/2/2018</a:t>
+              <a:t>1/3/2018</a:t>
             </a:fld>
             <a:endParaRPr lang="en-US" dirty="0"/>
           </a:p>
@@ -4533,7 +4533,7 @@
           <a:p>
             <a:fld id="{56B9B5DB-1D1A-42F8-93F0-BBA44C1CAF57}" type="datetime1">
               <a:rPr lang="en-US" smtClean="0"/>
-              <a:t>1/2/2018</a:t>
+              <a:t>1/3/2018</a:t>
             </a:fld>
             <a:endParaRPr lang="en-US" dirty="0"/>
           </a:p>
@@ -4991,7 +4991,7 @@
           <a:p>
             <a:fld id="{9A4E8950-D3FA-4365-B561-9EE5AC9B6B6C}" type="datetime1">
               <a:rPr lang="en-US" smtClean="0"/>
-              <a:t>1/2/2018</a:t>
+              <a:t>1/3/2018</a:t>
             </a:fld>
             <a:endParaRPr lang="en-US" dirty="0"/>
           </a:p>
@@ -5197,7 +5197,7 @@
           <a:p>
             <a:fld id="{20724122-C579-4659-8A06-81F42FC84005}" type="datetime1">
               <a:rPr lang="en-US" smtClean="0"/>
-              <a:t>1/2/2018</a:t>
+              <a:t>1/3/2018</a:t>
             </a:fld>
             <a:endParaRPr lang="en-US" dirty="0"/>
           </a:p>
@@ -5375,7 +5375,7 @@
           <a:p>
             <a:fld id="{E4C13383-9243-41F6-8072-8685ED9DD899}" type="datetime1">
               <a:rPr lang="en-US" smtClean="0"/>
-              <a:t>1/2/2018</a:t>
+              <a:t>1/3/2018</a:t>
             </a:fld>
             <a:endParaRPr lang="en-US" dirty="0"/>
           </a:p>
@@ -5709,7 +5709,7 @@
           <a:p>
             <a:fld id="{03F027E6-328C-49ED-AE4B-BD647A7E3EDE}" type="datetime1">
               <a:rPr lang="en-US" smtClean="0"/>
-              <a:t>1/2/2018</a:t>
+              <a:t>1/3/2018</a:t>
             </a:fld>
             <a:endParaRPr lang="en-US" dirty="0"/>
           </a:p>
@@ -6055,7 +6055,7 @@
           <a:p>
             <a:fld id="{6B498982-A325-4B29-8B06-CBC7789C234F}" type="datetime1">
               <a:rPr lang="en-US" smtClean="0"/>
-              <a:t>1/2/2018</a:t>
+              <a:t>1/3/2018</a:t>
             </a:fld>
             <a:endParaRPr lang="en-US" dirty="0"/>
           </a:p>
@@ -8173,7 +8173,7 @@
           <a:p>
             <a:fld id="{CAB5D9F6-764D-45E8-BA35-322ECA954888}" type="datetime1">
               <a:rPr lang="en-US" smtClean="0"/>
-              <a:t>1/2/2018</a:t>
+              <a:t>1/3/2018</a:t>
             </a:fld>
             <a:endParaRPr lang="en-US" dirty="0"/>
           </a:p>
@@ -14410,7 +14410,50 @@
                   <a:schemeClr val="tx1"/>
                 </a:solidFill>
               </a:rPr>
-              <a:t>Les defer sont empilées dans la pile d'appels</a:t>
+              <a:t>Les </a:t>
+            </a:r>
+            <a:r>
+              <a:rPr lang="fr-FR" b="1" i="1" dirty="0" smtClean="0">
+                <a:solidFill>
+                  <a:schemeClr val="accent6"/>
+                </a:solidFill>
+              </a:rPr>
+              <a:t>defer</a:t>
+            </a:r>
+            <a:r>
+              <a:rPr lang="fr-FR" dirty="0" smtClean="0">
+                <a:solidFill>
+                  <a:schemeClr val="tx1"/>
+                </a:solidFill>
+              </a:rPr>
+              <a:t> sont des fonctions dont l'exécution est différée jusqu’à la fin de l'exécution de sa fonction parente (appelante)</a:t>
+            </a:r>
+          </a:p>
+          <a:p>
+            <a:pPr algn="just"/>
+            <a:r>
+              <a:rPr lang="fr-FR" dirty="0" smtClean="0">
+                <a:solidFill>
+                  <a:schemeClr val="tx1"/>
+                </a:solidFill>
+              </a:rPr>
+              <a:t>Les </a:t>
+            </a:r>
+            <a:r>
+              <a:rPr lang="fr-FR" b="1" i="1" dirty="0" smtClean="0">
+                <a:solidFill>
+                  <a:schemeClr val="accent6"/>
+                </a:solidFill>
+              </a:rPr>
+              <a:t>defer</a:t>
+            </a:r>
+            <a:r>
+              <a:rPr lang="fr-FR" dirty="0" smtClean="0">
+                <a:solidFill>
+                  <a:schemeClr val="tx1"/>
+                </a:solidFill>
+              </a:rPr>
+              <a:t> sont empilées dans la pile d'appels</a:t>
             </a:r>
           </a:p>
           <a:p>
@@ -16531,7 +16574,23 @@
                   <a:schemeClr val="tx1"/>
                 </a:solidFill>
               </a:rPr>
-              <a:t>Les maps sont des collections non ordonnées de paires "Clé-Valeur"</a:t>
+              <a:t>Les maps sont des </a:t>
+            </a:r>
+            <a:r>
+              <a:rPr lang="fr-FR" dirty="0" smtClean="0">
+                <a:solidFill>
+                  <a:schemeClr val="tx1"/>
+                </a:solidFill>
+              </a:rPr>
+              <a:t>ensembles non ordonnés </a:t>
+            </a:r>
+            <a:r>
+              <a:rPr lang="fr-FR" dirty="0" smtClean="0">
+                <a:solidFill>
+                  <a:schemeClr val="tx1"/>
+                </a:solidFill>
+              </a:rPr>
+              <a:t>de paires "Clé-Valeur"</a:t>
             </a:r>
           </a:p>
           <a:p>
@@ -16708,8 +16767,8 @@
         </p:blipFill>
         <p:spPr>
           <a:xfrm>
-            <a:off x="4384706" y="142897"/>
-            <a:ext cx="4457143" cy="6532977"/>
+            <a:off x="4628976" y="500932"/>
+            <a:ext cx="4212873" cy="6174942"/>
           </a:xfrm>
           <a:prstGeom prst="rect">
             <a:avLst/>

--- a/documentations/learning-go.pptx
+++ b/documentations/learning-go.pptx
@@ -5,7 +5,7 @@
     <p:sldMasterId id="2147483665" r:id="rId1"/>
   </p:sldMasterIdLst>
   <p:notesMasterIdLst>
-    <p:notesMasterId r:id="rId50"/>
+    <p:notesMasterId r:id="rId54"/>
   </p:notesMasterIdLst>
   <p:sldIdLst>
     <p:sldId id="256" r:id="rId2"/>
@@ -55,7 +55,11 @@
     <p:sldId id="301" r:id="rId46"/>
     <p:sldId id="302" r:id="rId47"/>
     <p:sldId id="303" r:id="rId48"/>
-    <p:sldId id="267" r:id="rId49"/>
+    <p:sldId id="304" r:id="rId49"/>
+    <p:sldId id="305" r:id="rId50"/>
+    <p:sldId id="306" r:id="rId51"/>
+    <p:sldId id="307" r:id="rId52"/>
+    <p:sldId id="267" r:id="rId53"/>
   </p:sldIdLst>
   <p:sldSz cx="12192000" cy="6858000"/>
   <p:notesSz cx="6858000" cy="9144000"/>
@@ -244,7 +248,7 @@
           <a:p>
             <a:fld id="{ADCD2C08-3C00-4791-9388-3FB9A56F87F8}" type="datetimeFigureOut">
               <a:rPr lang="fr-FR" smtClean="0"/>
-              <a:t>03/01/2018</a:t>
+              <a:t>04/01/2018</a:t>
             </a:fld>
             <a:endParaRPr lang="fr-FR"/>
           </a:p>
@@ -784,7 +788,7 @@
           <a:p>
             <a:fld id="{CAB5D9F6-764D-45E8-BA35-322ECA954888}" type="datetime1">
               <a:rPr lang="en-US" smtClean="0"/>
-              <a:t>1/3/2018</a:t>
+              <a:t>1/4/2018</a:t>
             </a:fld>
             <a:endParaRPr lang="en-US" dirty="0"/>
           </a:p>
@@ -1124,7 +1128,7 @@
           <a:p>
             <a:fld id="{7E62AF45-EF0A-4378-934F-84EB6BC3D026}" type="datetime1">
               <a:rPr lang="en-US" smtClean="0"/>
-              <a:t>1/3/2018</a:t>
+              <a:t>1/4/2018</a:t>
             </a:fld>
             <a:endParaRPr lang="en-US" dirty="0"/>
           </a:p>
@@ -1526,7 +1530,7 @@
           <a:p>
             <a:fld id="{76D4023A-E694-4331-A23E-E1356D15A4BD}" type="datetime1">
               <a:rPr lang="en-US" smtClean="0"/>
-              <a:t>1/3/2018</a:t>
+              <a:t>1/4/2018</a:t>
             </a:fld>
             <a:endParaRPr lang="en-US" dirty="0"/>
           </a:p>
@@ -1863,7 +1867,7 @@
           <a:p>
             <a:fld id="{D6F2E77E-7F60-441B-806F-66DDB3F74163}" type="datetime1">
               <a:rPr lang="en-US" smtClean="0"/>
-              <a:t>1/3/2018</a:t>
+              <a:t>1/4/2018</a:t>
             </a:fld>
             <a:endParaRPr lang="en-US" dirty="0"/>
           </a:p>
@@ -2184,7 +2188,7 @@
           <a:p>
             <a:fld id="{266B8AF4-4A0E-4A4E-9660-2094B624C07D}" type="datetime1">
               <a:rPr lang="en-US" smtClean="0"/>
-              <a:t>1/3/2018</a:t>
+              <a:t>1/4/2018</a:t>
             </a:fld>
             <a:endParaRPr lang="en-US" dirty="0"/>
           </a:p>
@@ -2581,7 +2585,7 @@
           <a:p>
             <a:fld id="{CB2BF7E3-4C05-4502-A416-452E6496AE59}" type="datetime1">
               <a:rPr lang="en-US" smtClean="0"/>
-              <a:t>1/3/2018</a:t>
+              <a:t>1/4/2018</a:t>
             </a:fld>
             <a:endParaRPr lang="en-US" dirty="0"/>
           </a:p>
@@ -2839,7 +2843,7 @@
           <a:p>
             <a:fld id="{F6F8AC83-13D2-4813-AD1A-CAFB5DEDD213}" type="datetime1">
               <a:rPr lang="en-US" smtClean="0"/>
-              <a:t>1/3/2018</a:t>
+              <a:t>1/4/2018</a:t>
             </a:fld>
             <a:endParaRPr lang="en-US" dirty="0"/>
           </a:p>
@@ -3102,7 +3106,7 @@
           <a:p>
             <a:fld id="{74455543-85E2-46E2-A974-7ADB0844C12A}" type="datetime1">
               <a:rPr lang="en-US" smtClean="0"/>
-              <a:t>1/3/2018</a:t>
+              <a:t>1/4/2018</a:t>
             </a:fld>
             <a:endParaRPr lang="en-US" dirty="0"/>
           </a:p>
@@ -4214,7 +4218,7 @@
           <a:p>
             <a:fld id="{086CC522-5229-4E69-BBB2-D5F912967395}" type="datetime1">
               <a:rPr lang="en-US" smtClean="0"/>
-              <a:t>1/3/2018</a:t>
+              <a:t>1/4/2018</a:t>
             </a:fld>
             <a:endParaRPr lang="en-US" dirty="0"/>
           </a:p>
@@ -4533,7 +4537,7 @@
           <a:p>
             <a:fld id="{56B9B5DB-1D1A-42F8-93F0-BBA44C1CAF57}" type="datetime1">
               <a:rPr lang="en-US" smtClean="0"/>
-              <a:t>1/3/2018</a:t>
+              <a:t>1/4/2018</a:t>
             </a:fld>
             <a:endParaRPr lang="en-US" dirty="0"/>
           </a:p>
@@ -4991,7 +4995,7 @@
           <a:p>
             <a:fld id="{9A4E8950-D3FA-4365-B561-9EE5AC9B6B6C}" type="datetime1">
               <a:rPr lang="en-US" smtClean="0"/>
-              <a:t>1/3/2018</a:t>
+              <a:t>1/4/2018</a:t>
             </a:fld>
             <a:endParaRPr lang="en-US" dirty="0"/>
           </a:p>
@@ -5197,7 +5201,7 @@
           <a:p>
             <a:fld id="{20724122-C579-4659-8A06-81F42FC84005}" type="datetime1">
               <a:rPr lang="en-US" smtClean="0"/>
-              <a:t>1/3/2018</a:t>
+              <a:t>1/4/2018</a:t>
             </a:fld>
             <a:endParaRPr lang="en-US" dirty="0"/>
           </a:p>
@@ -5375,7 +5379,7 @@
           <a:p>
             <a:fld id="{E4C13383-9243-41F6-8072-8685ED9DD899}" type="datetime1">
               <a:rPr lang="en-US" smtClean="0"/>
-              <a:t>1/3/2018</a:t>
+              <a:t>1/4/2018</a:t>
             </a:fld>
             <a:endParaRPr lang="en-US" dirty="0"/>
           </a:p>
@@ -5709,7 +5713,7 @@
           <a:p>
             <a:fld id="{03F027E6-328C-49ED-AE4B-BD647A7E3EDE}" type="datetime1">
               <a:rPr lang="en-US" smtClean="0"/>
-              <a:t>1/3/2018</a:t>
+              <a:t>1/4/2018</a:t>
             </a:fld>
             <a:endParaRPr lang="en-US" dirty="0"/>
           </a:p>
@@ -6055,7 +6059,7 @@
           <a:p>
             <a:fld id="{6B498982-A325-4B29-8B06-CBC7789C234F}" type="datetime1">
               <a:rPr lang="en-US" smtClean="0"/>
-              <a:t>1/3/2018</a:t>
+              <a:t>1/4/2018</a:t>
             </a:fld>
             <a:endParaRPr lang="en-US" dirty="0"/>
           </a:p>
@@ -8173,7 +8177,7 @@
           <a:p>
             <a:fld id="{CAB5D9F6-764D-45E8-BA35-322ECA954888}" type="datetime1">
               <a:rPr lang="en-US" smtClean="0"/>
-              <a:t>1/3/2018</a:t>
+              <a:t>1/4/2018</a:t>
             </a:fld>
             <a:endParaRPr lang="en-US" dirty="0"/>
           </a:p>
@@ -15155,26 +15159,15 @@
                   <a:schemeClr val="tx1"/>
                 </a:solidFill>
               </a:rPr>
-              <a:t>Elles peuvent être créées a l'aide de la fonction </a:t>
-            </a:r>
-            <a:r>
-              <a:rPr lang="fr-FR" b="1" i="1" dirty="0" smtClean="0">
-                <a:solidFill>
-                  <a:schemeClr val="accent6"/>
-                </a:solidFill>
-              </a:rPr>
-              <a:t>make</a:t>
-            </a:r>
-          </a:p>
-          <a:p>
-            <a:pPr algn="just"/>
+              <a:t>Leur </a:t>
+            </a:r>
             <a:r>
               <a:rPr lang="fr-FR" dirty="0" smtClean="0">
                 <a:solidFill>
                   <a:schemeClr val="tx1"/>
                 </a:solidFill>
               </a:rPr>
-              <a:t>Leur taille est gérée dynamiquement</a:t>
+              <a:t>taille est gérée dynamiquement</a:t>
             </a:r>
           </a:p>
         </p:txBody>
@@ -15232,7 +15225,16 @@
           <a:prstGeom prst="rect">
             <a:avLst/>
           </a:prstGeom>
-          <a:noFill/>
+          <a:ln>
+            <a:noFill/>
+          </a:ln>
+          <a:effectLst>
+            <a:outerShdw blurRad="292100" dist="139700" dir="2700000" algn="tl" rotWithShape="0">
+              <a:srgbClr val="333333">
+                <a:alpha val="65000"/>
+              </a:srgbClr>
+            </a:outerShdw>
+          </a:effectLst>
           <a:extLst>
             <a:ext uri="{909E8E84-426E-40DD-AFC4-6F175D3DCCD1}">
               <a14:hiddenFill xmlns:a14="http://schemas.microsoft.com/office/drawing/2010/main">
@@ -15463,6 +15465,16 @@
           <a:prstGeom prst="rect">
             <a:avLst/>
           </a:prstGeom>
+          <a:ln>
+            <a:noFill/>
+          </a:ln>
+          <a:effectLst>
+            <a:outerShdw blurRad="292100" dist="139700" dir="2700000" algn="tl" rotWithShape="0">
+              <a:srgbClr val="333333">
+                <a:alpha val="65000"/>
+              </a:srgbClr>
+            </a:outerShdw>
+          </a:effectLst>
         </p:spPr>
       </p:pic>
       <p:pic>
@@ -15487,6 +15499,16 @@
           <a:prstGeom prst="rect">
             <a:avLst/>
           </a:prstGeom>
+          <a:ln>
+            <a:noFill/>
+          </a:ln>
+          <a:effectLst>
+            <a:outerShdw blurRad="292100" dist="139700" dir="2700000" algn="tl" rotWithShape="0">
+              <a:srgbClr val="333333">
+                <a:alpha val="65000"/>
+              </a:srgbClr>
+            </a:outerShdw>
+          </a:effectLst>
         </p:spPr>
       </p:pic>
       <p:pic>
@@ -15511,6 +15533,16 @@
           <a:prstGeom prst="rect">
             <a:avLst/>
           </a:prstGeom>
+          <a:ln>
+            <a:noFill/>
+          </a:ln>
+          <a:effectLst>
+            <a:outerShdw blurRad="292100" dist="139700" dir="2700000" algn="tl" rotWithShape="0">
+              <a:srgbClr val="333333">
+                <a:alpha val="65000"/>
+              </a:srgbClr>
+            </a:outerShdw>
+          </a:effectLst>
         </p:spPr>
       </p:pic>
     </p:spTree>
@@ -15753,7 +15785,7 @@
                   <a:schemeClr val="tx1"/>
                 </a:solidFill>
               </a:rPr>
-              <a:t>Une slice est un descripteur d'un segment d'une array, constitué d'un pointeur vers l'array, d'une longueur de segment et d'une capacité</a:t>
+              <a:t>Une slice est le descripteur d'un segment d'une array, constitué d'un pointeur vers l'array, d'une longueur de segment et d'une capacité</a:t>
             </a:r>
             <a:endParaRPr lang="fr-FR" dirty="0" smtClean="0">
               <a:solidFill>
@@ -15792,7 +15824,16 @@
           <a:prstGeom prst="rect">
             <a:avLst/>
           </a:prstGeom>
-          <a:noFill/>
+          <a:ln>
+            <a:noFill/>
+          </a:ln>
+          <a:effectLst>
+            <a:outerShdw blurRad="292100" dist="139700" dir="2700000" algn="tl" rotWithShape="0">
+              <a:srgbClr val="333333">
+                <a:alpha val="65000"/>
+              </a:srgbClr>
+            </a:outerShdw>
+          </a:effectLst>
           <a:extLst>
             <a:ext uri="{909E8E84-426E-40DD-AFC4-6F175D3DCCD1}">
               <a14:hiddenFill xmlns:a14="http://schemas.microsoft.com/office/drawing/2010/main">
@@ -15833,7 +15874,16 @@
           <a:prstGeom prst="rect">
             <a:avLst/>
           </a:prstGeom>
-          <a:noFill/>
+          <a:ln>
+            <a:noFill/>
+          </a:ln>
+          <a:effectLst>
+            <a:outerShdw blurRad="292100" dist="139700" dir="2700000" algn="tl" rotWithShape="0">
+              <a:srgbClr val="333333">
+                <a:alpha val="65000"/>
+              </a:srgbClr>
+            </a:outerShdw>
+          </a:effectLst>
           <a:extLst>
             <a:ext uri="{909E8E84-426E-40DD-AFC4-6F175D3DCCD1}">
               <a14:hiddenFill xmlns:a14="http://schemas.microsoft.com/office/drawing/2010/main">
@@ -15874,7 +15924,16 @@
           <a:prstGeom prst="rect">
             <a:avLst/>
           </a:prstGeom>
-          <a:noFill/>
+          <a:ln>
+            <a:noFill/>
+          </a:ln>
+          <a:effectLst>
+            <a:outerShdw blurRad="292100" dist="139700" dir="2700000" algn="tl" rotWithShape="0">
+              <a:srgbClr val="333333">
+                <a:alpha val="65000"/>
+              </a:srgbClr>
+            </a:outerShdw>
+          </a:effectLst>
           <a:extLst>
             <a:ext uri="{909E8E84-426E-40DD-AFC4-6F175D3DCCD1}">
               <a14:hiddenFill xmlns:a14="http://schemas.microsoft.com/office/drawing/2010/main">
@@ -16069,6 +16128,16 @@
           <a:prstGeom prst="rect">
             <a:avLst/>
           </a:prstGeom>
+          <a:ln>
+            <a:noFill/>
+          </a:ln>
+          <a:effectLst>
+            <a:outerShdw blurRad="292100" dist="139700" dir="2700000" algn="tl" rotWithShape="0">
+              <a:srgbClr val="333333">
+                <a:alpha val="65000"/>
+              </a:srgbClr>
+            </a:outerShdw>
+          </a:effectLst>
         </p:spPr>
       </p:pic>
     </p:spTree>
@@ -16472,8 +16541,32 @@
         </p:blipFill>
         <p:spPr>
           <a:xfrm>
-            <a:off x="5274451" y="1593160"/>
-            <a:ext cx="6716405" cy="4685472"/>
+            <a:off x="5383033" y="1481842"/>
+            <a:ext cx="5637764" cy="3932995"/>
+          </a:xfrm>
+          <a:prstGeom prst="rect">
+            <a:avLst/>
+          </a:prstGeom>
+        </p:spPr>
+      </p:pic>
+      <p:pic>
+        <p:nvPicPr>
+          <p:cNvPr id="4" name="Image 3"/>
+          <p:cNvPicPr>
+            <a:picLocks noChangeAspect="1"/>
+          </p:cNvPicPr>
+          <p:nvPr/>
+        </p:nvPicPr>
+        <p:blipFill>
+          <a:blip r:embed="rId3"/>
+          <a:stretch>
+            <a:fillRect/>
+          </a:stretch>
+        </p:blipFill>
+        <p:spPr>
+          <a:xfrm>
+            <a:off x="2420240" y="5543176"/>
+            <a:ext cx="5781675" cy="828675"/>
           </a:xfrm>
           <a:prstGeom prst="rect">
             <a:avLst/>
@@ -16574,23 +16667,7 @@
                   <a:schemeClr val="tx1"/>
                 </a:solidFill>
               </a:rPr>
-              <a:t>Les maps sont des </a:t>
-            </a:r>
-            <a:r>
-              <a:rPr lang="fr-FR" dirty="0" smtClean="0">
-                <a:solidFill>
-                  <a:schemeClr val="tx1"/>
-                </a:solidFill>
-              </a:rPr>
-              <a:t>ensembles non ordonnés </a:t>
-            </a:r>
-            <a:r>
-              <a:rPr lang="fr-FR" dirty="0" smtClean="0">
-                <a:solidFill>
-                  <a:schemeClr val="tx1"/>
-                </a:solidFill>
-              </a:rPr>
-              <a:t>de paires "Clé-Valeur"</a:t>
+              <a:t>Les maps sont des ensembles non ordonnés de paires "Clé-Valeur"</a:t>
             </a:r>
           </a:p>
           <a:p>
@@ -16636,6 +16713,16 @@
           <a:prstGeom prst="rect">
             <a:avLst/>
           </a:prstGeom>
+          <a:ln>
+            <a:noFill/>
+          </a:ln>
+          <a:effectLst>
+            <a:outerShdw blurRad="292100" dist="139700" dir="2700000" algn="tl" rotWithShape="0">
+              <a:srgbClr val="333333">
+                <a:alpha val="65000"/>
+              </a:srgbClr>
+            </a:outerShdw>
+          </a:effectLst>
         </p:spPr>
       </p:pic>
       <p:pic>
@@ -16654,12 +16741,22 @@
         </p:blipFill>
         <p:spPr>
           <a:xfrm>
-            <a:off x="3553746" y="4184995"/>
+            <a:off x="3553746" y="4284800"/>
             <a:ext cx="5953125" cy="1114425"/>
           </a:xfrm>
           <a:prstGeom prst="rect">
             <a:avLst/>
           </a:prstGeom>
+          <a:ln>
+            <a:noFill/>
+          </a:ln>
+          <a:effectLst>
+            <a:outerShdw blurRad="292100" dist="139700" dir="2700000" algn="tl" rotWithShape="0">
+              <a:srgbClr val="333333">
+                <a:alpha val="65000"/>
+              </a:srgbClr>
+            </a:outerShdw>
+          </a:effectLst>
         </p:spPr>
       </p:pic>
       <p:pic>
@@ -16678,12 +16775,22 @@
         </p:blipFill>
         <p:spPr>
           <a:xfrm>
-            <a:off x="3553746" y="5324103"/>
-            <a:ext cx="5905500" cy="590550"/>
+            <a:off x="3553746" y="5499030"/>
+            <a:ext cx="5996190" cy="599619"/>
           </a:xfrm>
           <a:prstGeom prst="rect">
             <a:avLst/>
           </a:prstGeom>
+          <a:ln>
+            <a:noFill/>
+          </a:ln>
+          <a:effectLst>
+            <a:outerShdw blurRad="292100" dist="139700" dir="2700000" algn="tl" rotWithShape="0">
+              <a:srgbClr val="333333">
+                <a:alpha val="65000"/>
+              </a:srgbClr>
+            </a:outerShdw>
+          </a:effectLst>
         </p:spPr>
       </p:pic>
     </p:spTree>
@@ -16951,7 +17058,7 @@
       </p:grpSpPr>
       <p:sp>
         <p:nvSpPr>
-          <p:cNvPr id="2" name="Titre 1"/>
+          <p:cNvPr id="3" name="Titre 2"/>
           <p:cNvSpPr>
             <a:spLocks noGrp="1"/>
           </p:cNvSpPr>
@@ -16959,27 +17066,56 @@
             <p:ph type="title"/>
           </p:nvPr>
         </p:nvSpPr>
+        <p:spPr/>
+        <p:txBody>
+          <a:bodyPr/>
+          <a:lstStyle/>
+          <a:p>
+            <a:r>
+              <a:rPr lang="fr-FR" dirty="0" smtClean="0"/>
+              <a:t>Fonctions</a:t>
+            </a:r>
+            <a:endParaRPr lang="fr-FR" dirty="0"/>
+          </a:p>
+        </p:txBody>
+      </p:sp>
+      <p:pic>
+        <p:nvPicPr>
+          <p:cNvPr id="2" name="Image 1"/>
+          <p:cNvPicPr>
+            <a:picLocks noChangeAspect="1"/>
+          </p:cNvPicPr>
+          <p:nvPr/>
+        </p:nvPicPr>
+        <p:blipFill>
+          <a:blip r:embed="rId2"/>
+          <a:stretch>
+            <a:fillRect/>
+          </a:stretch>
+        </p:blipFill>
         <p:spPr>
           <a:xfrm>
-            <a:off x="2592925" y="624110"/>
-            <a:ext cx="8911687" cy="1280890"/>
-          </a:xfrm>
-        </p:spPr>
-        <p:txBody>
-          <a:bodyPr/>
-          <a:lstStyle/>
-          <a:p>
-            <a:r>
-              <a:rPr lang="fr-FR" dirty="0" smtClean="0"/>
-              <a:t>Références</a:t>
-            </a:r>
-            <a:endParaRPr lang="fr-FR" dirty="0"/>
-          </a:p>
-        </p:txBody>
-      </p:sp>
-      <p:sp>
-        <p:nvSpPr>
-          <p:cNvPr id="3" name="Espace réservé du contenu 2"/>
+            <a:off x="4451970" y="2260779"/>
+            <a:ext cx="3752850" cy="1247775"/>
+          </a:xfrm>
+          <a:prstGeom prst="rect">
+            <a:avLst/>
+          </a:prstGeom>
+          <a:ln>
+            <a:noFill/>
+          </a:ln>
+          <a:effectLst>
+            <a:outerShdw blurRad="292100" dist="139700" dir="2700000" algn="tl" rotWithShape="0">
+              <a:srgbClr val="333333">
+                <a:alpha val="65000"/>
+              </a:srgbClr>
+            </a:outerShdw>
+          </a:effectLst>
+        </p:spPr>
+      </p:pic>
+      <p:sp>
+        <p:nvSpPr>
+          <p:cNvPr id="5" name="Espace réservé du contenu 2"/>
           <p:cNvSpPr>
             <a:spLocks noGrp="1"/>
           </p:cNvSpPr>
@@ -16987,366 +17123,270 @@
             <p:ph idx="1"/>
           </p:nvPr>
         </p:nvSpPr>
-        <p:spPr/>
+        <p:spPr>
+          <a:xfrm>
+            <a:off x="1907827" y="3864334"/>
+            <a:ext cx="9652444" cy="1948070"/>
+          </a:xfrm>
+        </p:spPr>
         <p:txBody>
           <a:bodyPr anchor="ctr">
             <a:normAutofit/>
           </a:bodyPr>
           <a:lstStyle/>
           <a:p>
-            <a:r>
-              <a:rPr lang="fr-FR" sz="1200" b="1" dirty="0" smtClean="0">
-                <a:solidFill>
-                  <a:schemeClr val="accent6">
-                    <a:lumMod val="75000"/>
-                  </a:schemeClr>
-                </a:solidFill>
-                <a:hlinkClick r:id="rId2"/>
-              </a:rPr>
-              <a:t>Golang Project </a:t>
-            </a:r>
-            <a:r>
-              <a:rPr lang="fr-FR" sz="1200" b="1" dirty="0" smtClean="0">
-                <a:solidFill>
-                  <a:schemeClr val="accent6">
-                    <a:lumMod val="75000"/>
-                  </a:schemeClr>
-                </a:solidFill>
-              </a:rPr>
-              <a:t>: https</a:t>
-            </a:r>
-            <a:r>
-              <a:rPr lang="fr-FR" sz="1200" b="1" dirty="0">
-                <a:solidFill>
-                  <a:schemeClr val="accent6">
-                    <a:lumMod val="75000"/>
-                  </a:schemeClr>
-                </a:solidFill>
-              </a:rPr>
-              <a:t>://golang.org</a:t>
-            </a:r>
-            <a:r>
-              <a:rPr lang="fr-FR" sz="1200" b="1" dirty="0" smtClean="0">
-                <a:solidFill>
-                  <a:schemeClr val="accent6">
-                    <a:lumMod val="75000"/>
-                  </a:schemeClr>
-                </a:solidFill>
-              </a:rPr>
-              <a:t>/</a:t>
-            </a:r>
-          </a:p>
-          <a:p>
-            <a:r>
-              <a:rPr lang="fr-FR" sz="1200" b="1" dirty="0" smtClean="0">
-                <a:solidFill>
-                  <a:schemeClr val="accent6">
-                    <a:lumMod val="75000"/>
-                  </a:schemeClr>
-                </a:solidFill>
-                <a:hlinkClick r:id="rId3"/>
-              </a:rPr>
-              <a:t>Goland-book.com</a:t>
-            </a:r>
-            <a:r>
-              <a:rPr lang="fr-FR" sz="1200" b="1" dirty="0" smtClean="0">
-                <a:solidFill>
-                  <a:schemeClr val="accent6">
-                    <a:lumMod val="75000"/>
-                  </a:schemeClr>
-                </a:solidFill>
-              </a:rPr>
-              <a:t> </a:t>
-            </a:r>
-            <a:r>
-              <a:rPr lang="fr-FR" sz="1200" b="1" dirty="0">
-                <a:solidFill>
-                  <a:schemeClr val="accent6">
-                    <a:lumMod val="75000"/>
-                  </a:schemeClr>
-                </a:solidFill>
-              </a:rPr>
-              <a:t>: https://www.golang-book.com/books/intro</a:t>
-            </a:r>
-            <a:endParaRPr lang="fr-FR" sz="1200" b="1" dirty="0" smtClean="0">
+            <a:pPr algn="just"/>
+            <a:r>
+              <a:rPr lang="fr-FR" dirty="0" smtClean="0">
+                <a:solidFill>
+                  <a:schemeClr val="tx1"/>
+                </a:solidFill>
+              </a:rPr>
+              <a:t>Portion indépendante de code possédant </a:t>
+            </a:r>
+            <a:r>
+              <a:rPr lang="fr-FR" dirty="0" smtClean="0">
+                <a:solidFill>
+                  <a:schemeClr val="tx1"/>
+                </a:solidFill>
+              </a:rPr>
+              <a:t>zéro ou plusieurs paramètres d'entrée et zéro ou plusieurs paramètres de sortie (retour)</a:t>
+            </a:r>
+          </a:p>
+          <a:p>
+            <a:pPr algn="just"/>
+            <a:r>
+              <a:rPr lang="fr-FR" dirty="0" smtClean="0">
+                <a:solidFill>
+                  <a:schemeClr val="tx1"/>
+                </a:solidFill>
+              </a:rPr>
+              <a:t>L'ensemble des entrées et des sortie est appelé signature de la fonction</a:t>
+            </a:r>
+            <a:endParaRPr lang="fr-FR" dirty="0" smtClean="0">
               <a:solidFill>
-                <a:schemeClr val="accent6">
-                  <a:lumMod val="75000"/>
-                </a:schemeClr>
+                <a:schemeClr val="accent6"/>
               </a:solidFill>
             </a:endParaRPr>
-          </a:p>
-          <a:p>
-            <a:r>
-              <a:rPr lang="fr-FR" sz="1200" b="1" dirty="0" smtClean="0">
-                <a:solidFill>
-                  <a:schemeClr val="accent6">
-                    <a:lumMod val="75000"/>
-                  </a:schemeClr>
-                </a:solidFill>
-                <a:hlinkClick r:id="rId4"/>
-              </a:rPr>
-              <a:t>Didier Gérard </a:t>
-            </a:r>
-            <a:r>
-              <a:rPr lang="fr-FR" sz="1200" b="1" dirty="0" smtClean="0">
-                <a:solidFill>
-                  <a:schemeClr val="accent6">
-                    <a:lumMod val="75000"/>
-                  </a:schemeClr>
-                </a:solidFill>
-              </a:rPr>
-              <a:t>: https</a:t>
-            </a:r>
-            <a:r>
-              <a:rPr lang="fr-FR" sz="1200" b="1" dirty="0">
-                <a:solidFill>
-                  <a:schemeClr val="accent6">
-                    <a:lumMod val="75000"/>
-                  </a:schemeClr>
-                </a:solidFill>
-              </a:rPr>
-              <a:t>://lemag.sfeir.com/pourquoi-golang/</a:t>
-            </a:r>
-          </a:p>
-          <a:p>
-            <a:r>
-              <a:rPr lang="fr-FR" sz="1200" b="1" dirty="0" smtClean="0">
-                <a:solidFill>
-                  <a:schemeClr val="accent6">
-                    <a:lumMod val="75000"/>
-                  </a:schemeClr>
-                </a:solidFill>
-                <a:hlinkClick r:id="rId5"/>
-              </a:rPr>
-              <a:t>Wikipédia</a:t>
-            </a:r>
-            <a:r>
-              <a:rPr lang="fr-FR" sz="1200" b="1" dirty="0" smtClean="0">
-                <a:solidFill>
-                  <a:schemeClr val="accent6">
-                    <a:lumMod val="75000"/>
-                  </a:schemeClr>
-                </a:solidFill>
-              </a:rPr>
-              <a:t> : </a:t>
-            </a:r>
-            <a:r>
-              <a:rPr lang="fr-FR" sz="1200" b="1" dirty="0">
-                <a:solidFill>
-                  <a:schemeClr val="accent6">
-                    <a:lumMod val="75000"/>
-                  </a:schemeClr>
-                </a:solidFill>
-              </a:rPr>
-              <a:t>https://fr.wikipedia.org/wiki/Go_(langage</a:t>
-            </a:r>
-            <a:r>
-              <a:rPr lang="fr-FR" sz="1200" b="1" dirty="0" smtClean="0">
-                <a:solidFill>
-                  <a:schemeClr val="accent6">
-                    <a:lumMod val="75000"/>
-                  </a:schemeClr>
-                </a:solidFill>
-              </a:rPr>
-              <a:t>)</a:t>
-            </a:r>
-          </a:p>
-          <a:p>
-            <a:r>
-              <a:rPr lang="fr-FR" sz="1200" b="1" dirty="0" smtClean="0">
-                <a:solidFill>
-                  <a:schemeClr val="accent6">
-                    <a:lumMod val="75000"/>
-                  </a:schemeClr>
-                </a:solidFill>
-                <a:hlinkClick r:id="rId6"/>
-              </a:rPr>
-              <a:t>The Go Programming Language </a:t>
-            </a:r>
-            <a:r>
-              <a:rPr lang="fr-FR" sz="1200" b="1" dirty="0" smtClean="0">
-                <a:solidFill>
-                  <a:schemeClr val="accent6">
-                    <a:lumMod val="75000"/>
-                  </a:schemeClr>
-                </a:solidFill>
-              </a:rPr>
-              <a:t>: Donovan, Kernigan</a:t>
-            </a:r>
-          </a:p>
-          <a:p>
-            <a:r>
-              <a:rPr lang="fr-FR" sz="1200" b="1" dirty="0" smtClean="0">
-                <a:solidFill>
-                  <a:schemeClr val="accent6">
-                    <a:lumMod val="75000"/>
-                  </a:schemeClr>
-                </a:solidFill>
-                <a:hlinkClick r:id="rId7"/>
-              </a:rPr>
-              <a:t>Goland IDE </a:t>
-            </a:r>
-            <a:r>
-              <a:rPr lang="fr-FR" sz="1200" b="1" dirty="0">
-                <a:solidFill>
-                  <a:schemeClr val="accent6">
-                    <a:lumMod val="75000"/>
-                  </a:schemeClr>
-                </a:solidFill>
-              </a:rPr>
-              <a:t>: </a:t>
-            </a:r>
-            <a:r>
-              <a:rPr lang="fr-FR" sz="1200" b="1" dirty="0">
-                <a:solidFill>
-                  <a:schemeClr val="accent6">
-                    <a:lumMod val="75000"/>
-                  </a:schemeClr>
-                </a:solidFill>
-                <a:hlinkClick r:id="rId7"/>
-              </a:rPr>
-              <a:t>https://www.jetbrains.com/go</a:t>
-            </a:r>
-            <a:r>
-              <a:rPr lang="fr-FR" sz="1200" b="1" dirty="0" smtClean="0">
-                <a:solidFill>
-                  <a:schemeClr val="accent6">
-                    <a:lumMod val="75000"/>
-                  </a:schemeClr>
-                </a:solidFill>
-                <a:hlinkClick r:id="rId7"/>
-              </a:rPr>
-              <a:t>/</a:t>
-            </a:r>
-            <a:endParaRPr lang="fr-FR" sz="1200" b="1" dirty="0" smtClean="0">
-              <a:solidFill>
-                <a:schemeClr val="accent6">
-                  <a:lumMod val="75000"/>
-                </a:schemeClr>
-              </a:solidFill>
-            </a:endParaRPr>
-          </a:p>
-          <a:p>
-            <a:endParaRPr lang="fr-FR" sz="1200" b="1" dirty="0">
-              <a:solidFill>
-                <a:schemeClr val="accent6">
-                  <a:lumMod val="75000"/>
-                </a:schemeClr>
-              </a:solidFill>
-            </a:endParaRPr>
-          </a:p>
-          <a:p>
-            <a:r>
-              <a:rPr lang="fr-FR" sz="1200" b="1" dirty="0" smtClean="0">
-                <a:solidFill>
-                  <a:schemeClr val="accent6">
-                    <a:lumMod val="75000"/>
-                  </a:schemeClr>
-                </a:solidFill>
-              </a:rPr>
-              <a:t>Gitlab </a:t>
-            </a:r>
-            <a:r>
-              <a:rPr lang="fr-FR" sz="1200" b="1" dirty="0" smtClean="0">
-                <a:solidFill>
-                  <a:schemeClr val="accent6">
-                    <a:lumMod val="75000"/>
-                  </a:schemeClr>
-                </a:solidFill>
-                <a:hlinkClick r:id="rId8"/>
-              </a:rPr>
-              <a:t>course</a:t>
-            </a:r>
-            <a:r>
-              <a:rPr lang="fr-FR" sz="1200" b="1" dirty="0" smtClean="0">
-                <a:solidFill>
-                  <a:schemeClr val="accent6">
-                    <a:lumMod val="75000"/>
-                  </a:schemeClr>
-                </a:solidFill>
-              </a:rPr>
-              <a:t> link</a:t>
-            </a:r>
-            <a:r>
-              <a:rPr lang="fr-FR" sz="1200" b="1" dirty="0">
-                <a:solidFill>
-                  <a:schemeClr val="accent6">
-                    <a:lumMod val="75000"/>
-                  </a:schemeClr>
-                </a:solidFill>
-              </a:rPr>
-              <a:t> : </a:t>
-            </a:r>
-            <a:r>
-              <a:rPr lang="fr-FR" sz="1200" b="1" dirty="0">
-                <a:solidFill>
-                  <a:schemeClr val="accent6">
-                    <a:lumMod val="75000"/>
-                  </a:schemeClr>
-                </a:solidFill>
-                <a:hlinkClick r:id="rId8"/>
-              </a:rPr>
-              <a:t>https://</a:t>
-            </a:r>
-            <a:r>
-              <a:rPr lang="fr-FR" sz="1200" b="1" dirty="0" smtClean="0">
-                <a:solidFill>
-                  <a:schemeClr val="accent6">
-                    <a:lumMod val="75000"/>
-                  </a:schemeClr>
-                </a:solidFill>
-                <a:hlinkClick r:id="rId8"/>
-              </a:rPr>
-              <a:t>gitlab.com/ThierryDecker/learning-go</a:t>
-            </a:r>
-            <a:endParaRPr lang="fr-FR" sz="1200" b="1" dirty="0" smtClean="0">
-              <a:solidFill>
-                <a:schemeClr val="accent6">
-                  <a:lumMod val="75000"/>
-                </a:schemeClr>
-              </a:solidFill>
-            </a:endParaRPr>
-          </a:p>
-          <a:p>
-            <a:r>
-              <a:rPr lang="fr-FR" sz="1200" b="1" dirty="0" smtClean="0">
-                <a:solidFill>
-                  <a:schemeClr val="accent6">
-                    <a:lumMod val="75000"/>
-                  </a:schemeClr>
-                </a:solidFill>
-                <a:hlinkClick r:id="rId9"/>
-              </a:rPr>
-              <a:t>Slice Tricks</a:t>
-            </a:r>
-            <a:r>
-              <a:rPr lang="fr-FR" sz="1200" b="1" dirty="0" smtClean="0">
-                <a:solidFill>
-                  <a:schemeClr val="accent6">
-                    <a:lumMod val="75000"/>
-                  </a:schemeClr>
-                </a:solidFill>
-              </a:rPr>
-              <a:t> : https</a:t>
-            </a:r>
-            <a:r>
-              <a:rPr lang="fr-FR" sz="1200" b="1" dirty="0">
-                <a:solidFill>
-                  <a:schemeClr val="accent6">
-                    <a:lumMod val="75000"/>
-                  </a:schemeClr>
-                </a:solidFill>
-              </a:rPr>
-              <a:t>://github.com/golang/go/wiki/SliceTricks</a:t>
-            </a:r>
           </a:p>
         </p:txBody>
       </p:sp>
     </p:spTree>
     <p:extLst>
       <p:ext uri="{BB962C8B-B14F-4D97-AF65-F5344CB8AC3E}">
-        <p14:creationId xmlns:p14="http://schemas.microsoft.com/office/powerpoint/2010/main" val="2478443664"/>
+        <p14:creationId xmlns:p14="http://schemas.microsoft.com/office/powerpoint/2010/main" val="3696690143"/>
+      </p:ext>
+    </p:extLst>
+  </p:cSld>
+  <p:clrMapOvr>
+    <a:masterClrMapping/>
+  </p:clrMapOvr>
+</p:sld>
+</file>
+
+<file path=ppt/slides/slide49.xml><?xml version="1.0" encoding="utf-8"?>
+<p:sld xmlns:a="http://schemas.openxmlformats.org/drawingml/2006/main" xmlns:r="http://schemas.openxmlformats.org/officeDocument/2006/relationships" xmlns:p="http://schemas.openxmlformats.org/presentationml/2006/main">
+  <p:cSld>
+    <p:spTree>
+      <p:nvGrpSpPr>
+        <p:cNvPr id="1" name=""/>
+        <p:cNvGrpSpPr/>
+        <p:nvPr/>
+      </p:nvGrpSpPr>
+      <p:grpSpPr>
+        <a:xfrm>
+          <a:off x="0" y="0"/>
+          <a:ext cx="0" cy="0"/>
+          <a:chOff x="0" y="0"/>
+          <a:chExt cx="0" cy="0"/>
+        </a:xfrm>
+      </p:grpSpPr>
+      <p:sp>
+        <p:nvSpPr>
+          <p:cNvPr id="3" name="Titre 2"/>
+          <p:cNvSpPr>
+            <a:spLocks noGrp="1"/>
+          </p:cNvSpPr>
+          <p:nvPr>
+            <p:ph type="title"/>
+          </p:nvPr>
+        </p:nvSpPr>
+        <p:spPr/>
+        <p:txBody>
+          <a:bodyPr/>
+          <a:lstStyle/>
+          <a:p>
+            <a:r>
+              <a:rPr lang="fr-FR" dirty="0" smtClean="0"/>
+              <a:t>Fonctions</a:t>
+            </a:r>
+            <a:endParaRPr lang="fr-FR" dirty="0"/>
+          </a:p>
+        </p:txBody>
+      </p:sp>
+      <p:sp>
+        <p:nvSpPr>
+          <p:cNvPr id="5" name="Espace réservé du contenu 2"/>
+          <p:cNvSpPr>
+            <a:spLocks noGrp="1"/>
+          </p:cNvSpPr>
+          <p:nvPr>
+            <p:ph idx="1"/>
+          </p:nvPr>
+        </p:nvSpPr>
+        <p:spPr>
+          <a:xfrm>
+            <a:off x="962108" y="1547005"/>
+            <a:ext cx="6655242" cy="4758379"/>
+          </a:xfrm>
+        </p:spPr>
+        <p:txBody>
+          <a:bodyPr anchor="ctr">
+            <a:normAutofit/>
+          </a:bodyPr>
+          <a:lstStyle/>
+          <a:p>
+            <a:pPr algn="just"/>
+            <a:r>
+              <a:rPr lang="fr-FR" dirty="0" smtClean="0">
+                <a:solidFill>
+                  <a:schemeClr val="tx1"/>
+                </a:solidFill>
+              </a:rPr>
+              <a:t>Une fonction débute par le mot-clé </a:t>
+            </a:r>
+            <a:r>
+              <a:rPr lang="fr-FR" b="1" i="1" dirty="0" smtClean="0">
+                <a:solidFill>
+                  <a:schemeClr val="accent6"/>
+                </a:solidFill>
+              </a:rPr>
+              <a:t>func</a:t>
+            </a:r>
+          </a:p>
+          <a:p>
+            <a:pPr algn="just"/>
+            <a:r>
+              <a:rPr lang="fr-FR" dirty="0" smtClean="0">
+                <a:solidFill>
+                  <a:schemeClr val="tx1"/>
+                </a:solidFill>
+              </a:rPr>
+              <a:t>Suivi du nom de la fonction et de ses entrées (entre parenthèses)</a:t>
+            </a:r>
+          </a:p>
+          <a:p>
+            <a:pPr algn="just"/>
+            <a:r>
+              <a:rPr lang="fr-FR" dirty="0" smtClean="0">
+                <a:solidFill>
+                  <a:schemeClr val="tx1"/>
+                </a:solidFill>
+              </a:rPr>
+              <a:t>Suivi du type des sorties</a:t>
+            </a:r>
+          </a:p>
+          <a:p>
+            <a:pPr algn="just"/>
+            <a:r>
+              <a:rPr lang="fr-FR" dirty="0" smtClean="0">
+                <a:solidFill>
+                  <a:schemeClr val="tx1"/>
+                </a:solidFill>
+              </a:rPr>
+              <a:t>Se termine par </a:t>
+            </a:r>
+            <a:r>
+              <a:rPr lang="fr-FR" b="1" i="1" dirty="0" smtClean="0">
+                <a:solidFill>
+                  <a:schemeClr val="accent6"/>
+                </a:solidFill>
+              </a:rPr>
+              <a:t>return</a:t>
+            </a:r>
+            <a:r>
+              <a:rPr lang="fr-FR" dirty="0" smtClean="0">
+                <a:solidFill>
+                  <a:schemeClr val="tx1"/>
+                </a:solidFill>
+              </a:rPr>
+              <a:t>, suivi des variables retournées</a:t>
+            </a:r>
+          </a:p>
+          <a:p>
+            <a:pPr algn="just"/>
+            <a:r>
+              <a:rPr lang="fr-FR" dirty="0" smtClean="0">
+                <a:solidFill>
+                  <a:schemeClr val="tx1"/>
+                </a:solidFill>
+              </a:rPr>
+              <a:t>Le corps de la fonction est inséré entre des accolades</a:t>
+            </a:r>
+          </a:p>
+          <a:p>
+            <a:pPr algn="just"/>
+            <a:r>
+              <a:rPr lang="fr-FR" dirty="0" smtClean="0">
+                <a:solidFill>
+                  <a:schemeClr val="tx1"/>
+                </a:solidFill>
+              </a:rPr>
+              <a:t>Le nom des paramètres peut êtres différents en la fonction appelante et la fonction appelée</a:t>
+            </a:r>
+          </a:p>
+          <a:p>
+            <a:pPr algn="just"/>
+            <a:r>
+              <a:rPr lang="fr-FR" dirty="0" smtClean="0">
+                <a:solidFill>
+                  <a:schemeClr val="tx1"/>
+                </a:solidFill>
+              </a:rPr>
+              <a:t>Seules les valeurs sont transmises</a:t>
+            </a:r>
+          </a:p>
+          <a:p>
+            <a:pPr algn="just"/>
+            <a:r>
+              <a:rPr lang="fr-FR" dirty="0" smtClean="0">
+                <a:solidFill>
+                  <a:schemeClr val="tx1"/>
+                </a:solidFill>
+              </a:rPr>
+              <a:t>La fonction appelée n'a pas accès aux variables de la fonction appelante</a:t>
+            </a:r>
+          </a:p>
+        </p:txBody>
+      </p:sp>
+      <p:pic>
+        <p:nvPicPr>
+          <p:cNvPr id="4" name="Image 3"/>
+          <p:cNvPicPr>
+            <a:picLocks noChangeAspect="1"/>
+          </p:cNvPicPr>
+          <p:nvPr/>
+        </p:nvPicPr>
+        <p:blipFill>
+          <a:blip r:embed="rId2"/>
+          <a:stretch>
+            <a:fillRect/>
+          </a:stretch>
+        </p:blipFill>
+        <p:spPr>
+          <a:xfrm>
+            <a:off x="7788563" y="2052390"/>
+            <a:ext cx="4226604" cy="3465815"/>
+          </a:xfrm>
+          <a:prstGeom prst="rect">
+            <a:avLst/>
+          </a:prstGeom>
+        </p:spPr>
+      </p:pic>
+    </p:spTree>
+    <p:extLst>
+      <p:ext uri="{BB962C8B-B14F-4D97-AF65-F5344CB8AC3E}">
+        <p14:creationId xmlns:p14="http://schemas.microsoft.com/office/powerpoint/2010/main" val="2024811170"/>
       </p:ext>
     </p:extLst>
   </p:cSld>
@@ -17501,6 +17541,731 @@
     <p:extLst>
       <p:ext uri="{BB962C8B-B14F-4D97-AF65-F5344CB8AC3E}">
         <p14:creationId xmlns:p14="http://schemas.microsoft.com/office/powerpoint/2010/main" val="2902025589"/>
+      </p:ext>
+    </p:extLst>
+  </p:cSld>
+  <p:clrMapOvr>
+    <a:masterClrMapping/>
+  </p:clrMapOvr>
+  <p:timing>
+    <p:tnLst>
+      <p:par>
+        <p:cTn id="1" dur="indefinite" restart="never" nodeType="tmRoot"/>
+      </p:par>
+    </p:tnLst>
+  </p:timing>
+</p:sld>
+</file>
+
+<file path=ppt/slides/slide50.xml><?xml version="1.0" encoding="utf-8"?>
+<p:sld xmlns:a="http://schemas.openxmlformats.org/drawingml/2006/main" xmlns:r="http://schemas.openxmlformats.org/officeDocument/2006/relationships" xmlns:p="http://schemas.openxmlformats.org/presentationml/2006/main">
+  <p:cSld>
+    <p:spTree>
+      <p:nvGrpSpPr>
+        <p:cNvPr id="1" name=""/>
+        <p:cNvGrpSpPr/>
+        <p:nvPr/>
+      </p:nvGrpSpPr>
+      <p:grpSpPr>
+        <a:xfrm>
+          <a:off x="0" y="0"/>
+          <a:ext cx="0" cy="0"/>
+          <a:chOff x="0" y="0"/>
+          <a:chExt cx="0" cy="0"/>
+        </a:xfrm>
+      </p:grpSpPr>
+      <p:sp>
+        <p:nvSpPr>
+          <p:cNvPr id="3" name="Titre 2"/>
+          <p:cNvSpPr>
+            <a:spLocks noGrp="1"/>
+          </p:cNvSpPr>
+          <p:nvPr>
+            <p:ph type="title"/>
+          </p:nvPr>
+        </p:nvSpPr>
+        <p:spPr/>
+        <p:txBody>
+          <a:bodyPr/>
+          <a:lstStyle/>
+          <a:p>
+            <a:r>
+              <a:rPr lang="fr-FR" dirty="0" smtClean="0"/>
+              <a:t>Fonctions</a:t>
+            </a:r>
+            <a:endParaRPr lang="fr-FR" dirty="0"/>
+          </a:p>
+        </p:txBody>
+      </p:sp>
+      <p:sp>
+        <p:nvSpPr>
+          <p:cNvPr id="5" name="Espace réservé du contenu 2"/>
+          <p:cNvSpPr>
+            <a:spLocks noGrp="1"/>
+          </p:cNvSpPr>
+          <p:nvPr>
+            <p:ph idx="1"/>
+          </p:nvPr>
+        </p:nvSpPr>
+        <p:spPr>
+          <a:xfrm>
+            <a:off x="962108" y="1547006"/>
+            <a:ext cx="6058894" cy="1434734"/>
+          </a:xfrm>
+        </p:spPr>
+        <p:txBody>
+          <a:bodyPr anchor="ctr">
+            <a:normAutofit/>
+          </a:bodyPr>
+          <a:lstStyle/>
+          <a:p>
+            <a:pPr algn="just"/>
+            <a:r>
+              <a:rPr lang="fr-FR" dirty="0" smtClean="0">
+                <a:solidFill>
+                  <a:schemeClr val="tx1"/>
+                </a:solidFill>
+              </a:rPr>
+              <a:t>Les fonctions appelées sont insérées au sommet de la pile (stack)</a:t>
+            </a:r>
+          </a:p>
+        </p:txBody>
+      </p:sp>
+      <p:pic>
+        <p:nvPicPr>
+          <p:cNvPr id="2" name="Image 1"/>
+          <p:cNvPicPr>
+            <a:picLocks noChangeAspect="1"/>
+          </p:cNvPicPr>
+          <p:nvPr/>
+        </p:nvPicPr>
+        <p:blipFill>
+          <a:blip r:embed="rId2"/>
+          <a:stretch>
+            <a:fillRect/>
+          </a:stretch>
+        </p:blipFill>
+        <p:spPr>
+          <a:xfrm>
+            <a:off x="2328177" y="2826372"/>
+            <a:ext cx="4720590" cy="1078264"/>
+          </a:xfrm>
+          <a:prstGeom prst="rect">
+            <a:avLst/>
+          </a:prstGeom>
+          <a:ln>
+            <a:noFill/>
+          </a:ln>
+          <a:effectLst>
+            <a:outerShdw blurRad="292100" dist="139700" dir="2700000" algn="tl" rotWithShape="0">
+              <a:srgbClr val="333333">
+                <a:alpha val="65000"/>
+              </a:srgbClr>
+            </a:outerShdw>
+          </a:effectLst>
+        </p:spPr>
+      </p:pic>
+      <p:pic>
+        <p:nvPicPr>
+          <p:cNvPr id="6" name="Image 5"/>
+          <p:cNvPicPr>
+            <a:picLocks noChangeAspect="1"/>
+          </p:cNvPicPr>
+          <p:nvPr/>
+        </p:nvPicPr>
+        <p:blipFill>
+          <a:blip r:embed="rId3"/>
+          <a:stretch>
+            <a:fillRect/>
+          </a:stretch>
+        </p:blipFill>
+        <p:spPr>
+          <a:xfrm>
+            <a:off x="7690029" y="624110"/>
+            <a:ext cx="4333875" cy="5705475"/>
+          </a:xfrm>
+          <a:prstGeom prst="rect">
+            <a:avLst/>
+          </a:prstGeom>
+        </p:spPr>
+      </p:pic>
+      <p:pic>
+        <p:nvPicPr>
+          <p:cNvPr id="7" name="Image 6"/>
+          <p:cNvPicPr>
+            <a:picLocks noChangeAspect="1"/>
+          </p:cNvPicPr>
+          <p:nvPr/>
+        </p:nvPicPr>
+        <p:blipFill>
+          <a:blip r:embed="rId4"/>
+          <a:stretch>
+            <a:fillRect/>
+          </a:stretch>
+        </p:blipFill>
+        <p:spPr>
+          <a:xfrm>
+            <a:off x="5698166" y="4234085"/>
+            <a:ext cx="1657350" cy="2095500"/>
+          </a:xfrm>
+          <a:prstGeom prst="rect">
+            <a:avLst/>
+          </a:prstGeom>
+        </p:spPr>
+      </p:pic>
+    </p:spTree>
+    <p:extLst>
+      <p:ext uri="{BB962C8B-B14F-4D97-AF65-F5344CB8AC3E}">
+        <p14:creationId xmlns:p14="http://schemas.microsoft.com/office/powerpoint/2010/main" val="2537457784"/>
+      </p:ext>
+    </p:extLst>
+  </p:cSld>
+  <p:clrMapOvr>
+    <a:masterClrMapping/>
+  </p:clrMapOvr>
+  <p:timing>
+    <p:tnLst>
+      <p:par>
+        <p:cTn id="1" dur="indefinite" restart="never" nodeType="tmRoot"/>
+      </p:par>
+    </p:tnLst>
+  </p:timing>
+</p:sld>
+</file>
+
+<file path=ppt/slides/slide51.xml><?xml version="1.0" encoding="utf-8"?>
+<p:sld xmlns:a="http://schemas.openxmlformats.org/drawingml/2006/main" xmlns:r="http://schemas.openxmlformats.org/officeDocument/2006/relationships" xmlns:p="http://schemas.openxmlformats.org/presentationml/2006/main">
+  <p:cSld>
+    <p:spTree>
+      <p:nvGrpSpPr>
+        <p:cNvPr id="1" name=""/>
+        <p:cNvGrpSpPr/>
+        <p:nvPr/>
+      </p:nvGrpSpPr>
+      <p:grpSpPr>
+        <a:xfrm>
+          <a:off x="0" y="0"/>
+          <a:ext cx="0" cy="0"/>
+          <a:chOff x="0" y="0"/>
+          <a:chExt cx="0" cy="0"/>
+        </a:xfrm>
+      </p:grpSpPr>
+      <p:sp>
+        <p:nvSpPr>
+          <p:cNvPr id="3" name="Titre 2"/>
+          <p:cNvSpPr>
+            <a:spLocks noGrp="1"/>
+          </p:cNvSpPr>
+          <p:nvPr>
+            <p:ph type="title"/>
+          </p:nvPr>
+        </p:nvSpPr>
+        <p:spPr/>
+        <p:txBody>
+          <a:bodyPr/>
+          <a:lstStyle/>
+          <a:p>
+            <a:r>
+              <a:rPr lang="fr-FR" dirty="0" smtClean="0"/>
+              <a:t>Fonctions</a:t>
+            </a:r>
+            <a:endParaRPr lang="fr-FR" dirty="0"/>
+          </a:p>
+        </p:txBody>
+      </p:sp>
+      <p:sp>
+        <p:nvSpPr>
+          <p:cNvPr id="5" name="Espace réservé du contenu 2"/>
+          <p:cNvSpPr>
+            <a:spLocks noGrp="1"/>
+          </p:cNvSpPr>
+          <p:nvPr>
+            <p:ph idx="1"/>
+          </p:nvPr>
+        </p:nvSpPr>
+        <p:spPr>
+          <a:xfrm>
+            <a:off x="962108" y="1547006"/>
+            <a:ext cx="5294642" cy="4976302"/>
+          </a:xfrm>
+        </p:spPr>
+        <p:txBody>
+          <a:bodyPr anchor="ctr">
+            <a:normAutofit/>
+          </a:bodyPr>
+          <a:lstStyle/>
+          <a:p>
+            <a:pPr algn="just"/>
+            <a:r>
+              <a:rPr lang="fr-FR" dirty="0" smtClean="0">
+                <a:solidFill>
+                  <a:schemeClr val="tx1"/>
+                </a:solidFill>
+              </a:rPr>
+              <a:t>Formats possibles d'appels de fonctions</a:t>
+            </a:r>
+          </a:p>
+        </p:txBody>
+      </p:sp>
+      <p:pic>
+        <p:nvPicPr>
+          <p:cNvPr id="4" name="Image 3"/>
+          <p:cNvPicPr>
+            <a:picLocks noChangeAspect="1"/>
+          </p:cNvPicPr>
+          <p:nvPr/>
+        </p:nvPicPr>
+        <p:blipFill>
+          <a:blip r:embed="rId2"/>
+          <a:stretch>
+            <a:fillRect/>
+          </a:stretch>
+        </p:blipFill>
+        <p:spPr>
+          <a:xfrm>
+            <a:off x="6734755" y="398464"/>
+            <a:ext cx="5247861" cy="6124844"/>
+          </a:xfrm>
+          <a:prstGeom prst="rect">
+            <a:avLst/>
+          </a:prstGeom>
+        </p:spPr>
+      </p:pic>
+    </p:spTree>
+    <p:extLst>
+      <p:ext uri="{BB962C8B-B14F-4D97-AF65-F5344CB8AC3E}">
+        <p14:creationId xmlns:p14="http://schemas.microsoft.com/office/powerpoint/2010/main" val="1454569994"/>
+      </p:ext>
+    </p:extLst>
+  </p:cSld>
+  <p:clrMapOvr>
+    <a:masterClrMapping/>
+  </p:clrMapOvr>
+  <p:timing>
+    <p:tnLst>
+      <p:par>
+        <p:cTn id="1" dur="indefinite" restart="never" nodeType="tmRoot"/>
+      </p:par>
+    </p:tnLst>
+  </p:timing>
+</p:sld>
+</file>
+
+<file path=ppt/slides/slide52.xml><?xml version="1.0" encoding="utf-8"?>
+<p:sld xmlns:a="http://schemas.openxmlformats.org/drawingml/2006/main" xmlns:r="http://schemas.openxmlformats.org/officeDocument/2006/relationships" xmlns:p="http://schemas.openxmlformats.org/presentationml/2006/main">
+  <p:cSld>
+    <p:spTree>
+      <p:nvGrpSpPr>
+        <p:cNvPr id="1" name=""/>
+        <p:cNvGrpSpPr/>
+        <p:nvPr/>
+      </p:nvGrpSpPr>
+      <p:grpSpPr>
+        <a:xfrm>
+          <a:off x="0" y="0"/>
+          <a:ext cx="0" cy="0"/>
+          <a:chOff x="0" y="0"/>
+          <a:chExt cx="0" cy="0"/>
+        </a:xfrm>
+      </p:grpSpPr>
+      <p:sp>
+        <p:nvSpPr>
+          <p:cNvPr id="2" name="Titre 1"/>
+          <p:cNvSpPr>
+            <a:spLocks noGrp="1"/>
+          </p:cNvSpPr>
+          <p:nvPr>
+            <p:ph type="title"/>
+          </p:nvPr>
+        </p:nvSpPr>
+        <p:spPr>
+          <a:xfrm>
+            <a:off x="2592925" y="624110"/>
+            <a:ext cx="8911687" cy="1280890"/>
+          </a:xfrm>
+        </p:spPr>
+        <p:txBody>
+          <a:bodyPr/>
+          <a:lstStyle/>
+          <a:p>
+            <a:r>
+              <a:rPr lang="fr-FR" dirty="0" smtClean="0"/>
+              <a:t>Références</a:t>
+            </a:r>
+            <a:endParaRPr lang="fr-FR" dirty="0"/>
+          </a:p>
+        </p:txBody>
+      </p:sp>
+      <p:sp>
+        <p:nvSpPr>
+          <p:cNvPr id="3" name="Espace réservé du contenu 2"/>
+          <p:cNvSpPr>
+            <a:spLocks noGrp="1"/>
+          </p:cNvSpPr>
+          <p:nvPr>
+            <p:ph idx="1"/>
+          </p:nvPr>
+        </p:nvSpPr>
+        <p:spPr/>
+        <p:txBody>
+          <a:bodyPr anchor="ctr">
+            <a:normAutofit/>
+          </a:bodyPr>
+          <a:lstStyle/>
+          <a:p>
+            <a:r>
+              <a:rPr lang="fr-FR" sz="1200" b="1" dirty="0" smtClean="0">
+                <a:solidFill>
+                  <a:schemeClr val="accent6">
+                    <a:lumMod val="75000"/>
+                  </a:schemeClr>
+                </a:solidFill>
+                <a:hlinkClick r:id="rId2"/>
+              </a:rPr>
+              <a:t>Golang Project </a:t>
+            </a:r>
+            <a:r>
+              <a:rPr lang="fr-FR" sz="1200" b="1" dirty="0" smtClean="0">
+                <a:solidFill>
+                  <a:schemeClr val="accent6">
+                    <a:lumMod val="75000"/>
+                  </a:schemeClr>
+                </a:solidFill>
+              </a:rPr>
+              <a:t>: https</a:t>
+            </a:r>
+            <a:r>
+              <a:rPr lang="fr-FR" sz="1200" b="1" dirty="0">
+                <a:solidFill>
+                  <a:schemeClr val="accent6">
+                    <a:lumMod val="75000"/>
+                  </a:schemeClr>
+                </a:solidFill>
+              </a:rPr>
+              <a:t>://golang.org</a:t>
+            </a:r>
+            <a:r>
+              <a:rPr lang="fr-FR" sz="1200" b="1" dirty="0" smtClean="0">
+                <a:solidFill>
+                  <a:schemeClr val="accent6">
+                    <a:lumMod val="75000"/>
+                  </a:schemeClr>
+                </a:solidFill>
+              </a:rPr>
+              <a:t>/</a:t>
+            </a:r>
+          </a:p>
+          <a:p>
+            <a:r>
+              <a:rPr lang="fr-FR" sz="1200" b="1" dirty="0" smtClean="0">
+                <a:solidFill>
+                  <a:schemeClr val="accent6">
+                    <a:lumMod val="75000"/>
+                  </a:schemeClr>
+                </a:solidFill>
+                <a:hlinkClick r:id="rId3"/>
+              </a:rPr>
+              <a:t>Goland-book.com</a:t>
+            </a:r>
+            <a:r>
+              <a:rPr lang="fr-FR" sz="1200" b="1" dirty="0" smtClean="0">
+                <a:solidFill>
+                  <a:schemeClr val="accent6">
+                    <a:lumMod val="75000"/>
+                  </a:schemeClr>
+                </a:solidFill>
+              </a:rPr>
+              <a:t> </a:t>
+            </a:r>
+            <a:r>
+              <a:rPr lang="fr-FR" sz="1200" b="1" dirty="0">
+                <a:solidFill>
+                  <a:schemeClr val="accent6">
+                    <a:lumMod val="75000"/>
+                  </a:schemeClr>
+                </a:solidFill>
+              </a:rPr>
+              <a:t>: https://www.golang-book.com/books/intro</a:t>
+            </a:r>
+            <a:endParaRPr lang="fr-FR" sz="1200" b="1" dirty="0" smtClean="0">
+              <a:solidFill>
+                <a:schemeClr val="accent6">
+                  <a:lumMod val="75000"/>
+                </a:schemeClr>
+              </a:solidFill>
+            </a:endParaRPr>
+          </a:p>
+          <a:p>
+            <a:r>
+              <a:rPr lang="fr-FR" sz="1200" b="1" dirty="0" smtClean="0">
+                <a:solidFill>
+                  <a:schemeClr val="accent6">
+                    <a:lumMod val="75000"/>
+                  </a:schemeClr>
+                </a:solidFill>
+                <a:hlinkClick r:id="rId4"/>
+              </a:rPr>
+              <a:t>Didier Gérard </a:t>
+            </a:r>
+            <a:r>
+              <a:rPr lang="fr-FR" sz="1200" b="1" dirty="0" smtClean="0">
+                <a:solidFill>
+                  <a:schemeClr val="accent6">
+                    <a:lumMod val="75000"/>
+                  </a:schemeClr>
+                </a:solidFill>
+              </a:rPr>
+              <a:t>: https</a:t>
+            </a:r>
+            <a:r>
+              <a:rPr lang="fr-FR" sz="1200" b="1" dirty="0">
+                <a:solidFill>
+                  <a:schemeClr val="accent6">
+                    <a:lumMod val="75000"/>
+                  </a:schemeClr>
+                </a:solidFill>
+              </a:rPr>
+              <a:t>://lemag.sfeir.com/pourquoi-golang/</a:t>
+            </a:r>
+          </a:p>
+          <a:p>
+            <a:r>
+              <a:rPr lang="fr-FR" sz="1200" b="1" dirty="0" smtClean="0">
+                <a:solidFill>
+                  <a:schemeClr val="accent6">
+                    <a:lumMod val="75000"/>
+                  </a:schemeClr>
+                </a:solidFill>
+                <a:hlinkClick r:id="rId5"/>
+              </a:rPr>
+              <a:t>Wikipédia</a:t>
+            </a:r>
+            <a:r>
+              <a:rPr lang="fr-FR" sz="1200" b="1" dirty="0" smtClean="0">
+                <a:solidFill>
+                  <a:schemeClr val="accent6">
+                    <a:lumMod val="75000"/>
+                  </a:schemeClr>
+                </a:solidFill>
+              </a:rPr>
+              <a:t> : </a:t>
+            </a:r>
+            <a:r>
+              <a:rPr lang="fr-FR" sz="1200" b="1" dirty="0">
+                <a:solidFill>
+                  <a:schemeClr val="accent6">
+                    <a:lumMod val="75000"/>
+                  </a:schemeClr>
+                </a:solidFill>
+              </a:rPr>
+              <a:t>https://fr.wikipedia.org/wiki/Go_(langage</a:t>
+            </a:r>
+            <a:r>
+              <a:rPr lang="fr-FR" sz="1200" b="1" dirty="0" smtClean="0">
+                <a:solidFill>
+                  <a:schemeClr val="accent6">
+                    <a:lumMod val="75000"/>
+                  </a:schemeClr>
+                </a:solidFill>
+              </a:rPr>
+              <a:t>)</a:t>
+            </a:r>
+          </a:p>
+          <a:p>
+            <a:r>
+              <a:rPr lang="fr-FR" sz="1200" b="1" dirty="0" smtClean="0">
+                <a:solidFill>
+                  <a:schemeClr val="accent6">
+                    <a:lumMod val="75000"/>
+                  </a:schemeClr>
+                </a:solidFill>
+                <a:hlinkClick r:id="rId6"/>
+              </a:rPr>
+              <a:t>The Go Programming Language </a:t>
+            </a:r>
+            <a:r>
+              <a:rPr lang="fr-FR" sz="1200" b="1" dirty="0" smtClean="0">
+                <a:solidFill>
+                  <a:schemeClr val="accent6">
+                    <a:lumMod val="75000"/>
+                  </a:schemeClr>
+                </a:solidFill>
+              </a:rPr>
+              <a:t>: Donovan, Kernigan</a:t>
+            </a:r>
+          </a:p>
+          <a:p>
+            <a:r>
+              <a:rPr lang="fr-FR" sz="1200" b="1" dirty="0" smtClean="0">
+                <a:solidFill>
+                  <a:schemeClr val="accent6">
+                    <a:lumMod val="75000"/>
+                  </a:schemeClr>
+                </a:solidFill>
+                <a:hlinkClick r:id="rId7"/>
+              </a:rPr>
+              <a:t>Goland IDE </a:t>
+            </a:r>
+            <a:r>
+              <a:rPr lang="fr-FR" sz="1200" b="1" dirty="0">
+                <a:solidFill>
+                  <a:schemeClr val="accent6">
+                    <a:lumMod val="75000"/>
+                  </a:schemeClr>
+                </a:solidFill>
+              </a:rPr>
+              <a:t>: </a:t>
+            </a:r>
+            <a:r>
+              <a:rPr lang="fr-FR" sz="1200" b="1" dirty="0">
+                <a:solidFill>
+                  <a:schemeClr val="accent6">
+                    <a:lumMod val="75000"/>
+                  </a:schemeClr>
+                </a:solidFill>
+                <a:hlinkClick r:id="rId7"/>
+              </a:rPr>
+              <a:t>https://www.jetbrains.com/go</a:t>
+            </a:r>
+            <a:r>
+              <a:rPr lang="fr-FR" sz="1200" b="1" dirty="0" smtClean="0">
+                <a:solidFill>
+                  <a:schemeClr val="accent6">
+                    <a:lumMod val="75000"/>
+                  </a:schemeClr>
+                </a:solidFill>
+                <a:hlinkClick r:id="rId7"/>
+              </a:rPr>
+              <a:t>/</a:t>
+            </a:r>
+            <a:endParaRPr lang="fr-FR" sz="1200" b="1" dirty="0" smtClean="0">
+              <a:solidFill>
+                <a:schemeClr val="accent6">
+                  <a:lumMod val="75000"/>
+                </a:schemeClr>
+              </a:solidFill>
+            </a:endParaRPr>
+          </a:p>
+          <a:p>
+            <a:endParaRPr lang="fr-FR" sz="1200" b="1" dirty="0">
+              <a:solidFill>
+                <a:schemeClr val="accent6">
+                  <a:lumMod val="75000"/>
+                </a:schemeClr>
+              </a:solidFill>
+            </a:endParaRPr>
+          </a:p>
+          <a:p>
+            <a:r>
+              <a:rPr lang="fr-FR" sz="1200" b="1" dirty="0" smtClean="0">
+                <a:solidFill>
+                  <a:schemeClr val="accent6">
+                    <a:lumMod val="75000"/>
+                  </a:schemeClr>
+                </a:solidFill>
+              </a:rPr>
+              <a:t>Gitlab </a:t>
+            </a:r>
+            <a:r>
+              <a:rPr lang="fr-FR" sz="1200" b="1" dirty="0" smtClean="0">
+                <a:solidFill>
+                  <a:schemeClr val="accent6">
+                    <a:lumMod val="75000"/>
+                  </a:schemeClr>
+                </a:solidFill>
+                <a:hlinkClick r:id="rId8"/>
+              </a:rPr>
+              <a:t>course</a:t>
+            </a:r>
+            <a:r>
+              <a:rPr lang="fr-FR" sz="1200" b="1" dirty="0" smtClean="0">
+                <a:solidFill>
+                  <a:schemeClr val="accent6">
+                    <a:lumMod val="75000"/>
+                  </a:schemeClr>
+                </a:solidFill>
+              </a:rPr>
+              <a:t> link</a:t>
+            </a:r>
+            <a:r>
+              <a:rPr lang="fr-FR" sz="1200" b="1" dirty="0">
+                <a:solidFill>
+                  <a:schemeClr val="accent6">
+                    <a:lumMod val="75000"/>
+                  </a:schemeClr>
+                </a:solidFill>
+              </a:rPr>
+              <a:t> : </a:t>
+            </a:r>
+            <a:r>
+              <a:rPr lang="fr-FR" sz="1200" b="1" dirty="0">
+                <a:solidFill>
+                  <a:schemeClr val="accent6">
+                    <a:lumMod val="75000"/>
+                  </a:schemeClr>
+                </a:solidFill>
+                <a:hlinkClick r:id="rId8"/>
+              </a:rPr>
+              <a:t>https://</a:t>
+            </a:r>
+            <a:r>
+              <a:rPr lang="fr-FR" sz="1200" b="1" dirty="0" smtClean="0">
+                <a:solidFill>
+                  <a:schemeClr val="accent6">
+                    <a:lumMod val="75000"/>
+                  </a:schemeClr>
+                </a:solidFill>
+                <a:hlinkClick r:id="rId8"/>
+              </a:rPr>
+              <a:t>gitlab.com/ThierryDecker/learning-go</a:t>
+            </a:r>
+            <a:endParaRPr lang="fr-FR" sz="1200" b="1" dirty="0" smtClean="0">
+              <a:solidFill>
+                <a:schemeClr val="accent6">
+                  <a:lumMod val="75000"/>
+                </a:schemeClr>
+              </a:solidFill>
+            </a:endParaRPr>
+          </a:p>
+          <a:p>
+            <a:r>
+              <a:rPr lang="fr-FR" sz="1200" b="1" dirty="0" smtClean="0">
+                <a:solidFill>
+                  <a:schemeClr val="accent6">
+                    <a:lumMod val="75000"/>
+                  </a:schemeClr>
+                </a:solidFill>
+                <a:hlinkClick r:id="rId9"/>
+              </a:rPr>
+              <a:t>Slice Tricks</a:t>
+            </a:r>
+            <a:r>
+              <a:rPr lang="fr-FR" sz="1200" b="1" dirty="0" smtClean="0">
+                <a:solidFill>
+                  <a:schemeClr val="accent6">
+                    <a:lumMod val="75000"/>
+                  </a:schemeClr>
+                </a:solidFill>
+              </a:rPr>
+              <a:t> : https</a:t>
+            </a:r>
+            <a:r>
+              <a:rPr lang="fr-FR" sz="1200" b="1" dirty="0">
+                <a:solidFill>
+                  <a:schemeClr val="accent6">
+                    <a:lumMod val="75000"/>
+                  </a:schemeClr>
+                </a:solidFill>
+              </a:rPr>
+              <a:t>://github.com/golang/go/wiki/SliceTricks</a:t>
+            </a:r>
+          </a:p>
+        </p:txBody>
+      </p:sp>
+    </p:spTree>
+    <p:extLst>
+      <p:ext uri="{BB962C8B-B14F-4D97-AF65-F5344CB8AC3E}">
+        <p14:creationId xmlns:p14="http://schemas.microsoft.com/office/powerpoint/2010/main" val="2478443664"/>
       </p:ext>
     </p:extLst>
   </p:cSld>

--- a/documentations/learning-go.pptx
+++ b/documentations/learning-go.pptx
@@ -5,7 +5,7 @@
     <p:sldMasterId id="2147483665" r:id="rId1"/>
   </p:sldMasterIdLst>
   <p:notesMasterIdLst>
-    <p:notesMasterId r:id="rId54"/>
+    <p:notesMasterId r:id="rId55"/>
   </p:notesMasterIdLst>
   <p:sldIdLst>
     <p:sldId id="256" r:id="rId2"/>
@@ -59,7 +59,8 @@
     <p:sldId id="305" r:id="rId50"/>
     <p:sldId id="306" r:id="rId51"/>
     <p:sldId id="307" r:id="rId52"/>
-    <p:sldId id="267" r:id="rId53"/>
+    <p:sldId id="308" r:id="rId53"/>
+    <p:sldId id="267" r:id="rId54"/>
   </p:sldIdLst>
   <p:sldSz cx="12192000" cy="6858000"/>
   <p:notesSz cx="6858000" cy="9144000"/>
@@ -248,7 +249,7 @@
           <a:p>
             <a:fld id="{ADCD2C08-3C00-4791-9388-3FB9A56F87F8}" type="datetimeFigureOut">
               <a:rPr lang="fr-FR" smtClean="0"/>
-              <a:t>04/01/2018</a:t>
+              <a:t>05/01/2018</a:t>
             </a:fld>
             <a:endParaRPr lang="fr-FR"/>
           </a:p>
@@ -788,7 +789,7 @@
           <a:p>
             <a:fld id="{CAB5D9F6-764D-45E8-BA35-322ECA954888}" type="datetime1">
               <a:rPr lang="en-US" smtClean="0"/>
-              <a:t>1/4/2018</a:t>
+              <a:t>1/5/2018</a:t>
             </a:fld>
             <a:endParaRPr lang="en-US" dirty="0"/>
           </a:p>
@@ -1128,7 +1129,7 @@
           <a:p>
             <a:fld id="{7E62AF45-EF0A-4378-934F-84EB6BC3D026}" type="datetime1">
               <a:rPr lang="en-US" smtClean="0"/>
-              <a:t>1/4/2018</a:t>
+              <a:t>1/5/2018</a:t>
             </a:fld>
             <a:endParaRPr lang="en-US" dirty="0"/>
           </a:p>
@@ -1530,7 +1531,7 @@
           <a:p>
             <a:fld id="{76D4023A-E694-4331-A23E-E1356D15A4BD}" type="datetime1">
               <a:rPr lang="en-US" smtClean="0"/>
-              <a:t>1/4/2018</a:t>
+              <a:t>1/5/2018</a:t>
             </a:fld>
             <a:endParaRPr lang="en-US" dirty="0"/>
           </a:p>
@@ -1867,7 +1868,7 @@
           <a:p>
             <a:fld id="{D6F2E77E-7F60-441B-806F-66DDB3F74163}" type="datetime1">
               <a:rPr lang="en-US" smtClean="0"/>
-              <a:t>1/4/2018</a:t>
+              <a:t>1/5/2018</a:t>
             </a:fld>
             <a:endParaRPr lang="en-US" dirty="0"/>
           </a:p>
@@ -2188,7 +2189,7 @@
           <a:p>
             <a:fld id="{266B8AF4-4A0E-4A4E-9660-2094B624C07D}" type="datetime1">
               <a:rPr lang="en-US" smtClean="0"/>
-              <a:t>1/4/2018</a:t>
+              <a:t>1/5/2018</a:t>
             </a:fld>
             <a:endParaRPr lang="en-US" dirty="0"/>
           </a:p>
@@ -2585,7 +2586,7 @@
           <a:p>
             <a:fld id="{CB2BF7E3-4C05-4502-A416-452E6496AE59}" type="datetime1">
               <a:rPr lang="en-US" smtClean="0"/>
-              <a:t>1/4/2018</a:t>
+              <a:t>1/5/2018</a:t>
             </a:fld>
             <a:endParaRPr lang="en-US" dirty="0"/>
           </a:p>
@@ -2843,7 +2844,7 @@
           <a:p>
             <a:fld id="{F6F8AC83-13D2-4813-AD1A-CAFB5DEDD213}" type="datetime1">
               <a:rPr lang="en-US" smtClean="0"/>
-              <a:t>1/4/2018</a:t>
+              <a:t>1/5/2018</a:t>
             </a:fld>
             <a:endParaRPr lang="en-US" dirty="0"/>
           </a:p>
@@ -3106,7 +3107,7 @@
           <a:p>
             <a:fld id="{74455543-85E2-46E2-A974-7ADB0844C12A}" type="datetime1">
               <a:rPr lang="en-US" smtClean="0"/>
-              <a:t>1/4/2018</a:t>
+              <a:t>1/5/2018</a:t>
             </a:fld>
             <a:endParaRPr lang="en-US" dirty="0"/>
           </a:p>
@@ -4218,7 +4219,7 @@
           <a:p>
             <a:fld id="{086CC522-5229-4E69-BBB2-D5F912967395}" type="datetime1">
               <a:rPr lang="en-US" smtClean="0"/>
-              <a:t>1/4/2018</a:t>
+              <a:t>1/5/2018</a:t>
             </a:fld>
             <a:endParaRPr lang="en-US" dirty="0"/>
           </a:p>
@@ -4537,7 +4538,7 @@
           <a:p>
             <a:fld id="{56B9B5DB-1D1A-42F8-93F0-BBA44C1CAF57}" type="datetime1">
               <a:rPr lang="en-US" smtClean="0"/>
-              <a:t>1/4/2018</a:t>
+              <a:t>1/5/2018</a:t>
             </a:fld>
             <a:endParaRPr lang="en-US" dirty="0"/>
           </a:p>
@@ -4995,7 +4996,7 @@
           <a:p>
             <a:fld id="{9A4E8950-D3FA-4365-B561-9EE5AC9B6B6C}" type="datetime1">
               <a:rPr lang="en-US" smtClean="0"/>
-              <a:t>1/4/2018</a:t>
+              <a:t>1/5/2018</a:t>
             </a:fld>
             <a:endParaRPr lang="en-US" dirty="0"/>
           </a:p>
@@ -5201,7 +5202,7 @@
           <a:p>
             <a:fld id="{20724122-C579-4659-8A06-81F42FC84005}" type="datetime1">
               <a:rPr lang="en-US" smtClean="0"/>
-              <a:t>1/4/2018</a:t>
+              <a:t>1/5/2018</a:t>
             </a:fld>
             <a:endParaRPr lang="en-US" dirty="0"/>
           </a:p>
@@ -5379,7 +5380,7 @@
           <a:p>
             <a:fld id="{E4C13383-9243-41F6-8072-8685ED9DD899}" type="datetime1">
               <a:rPr lang="en-US" smtClean="0"/>
-              <a:t>1/4/2018</a:t>
+              <a:t>1/5/2018</a:t>
             </a:fld>
             <a:endParaRPr lang="en-US" dirty="0"/>
           </a:p>
@@ -5713,7 +5714,7 @@
           <a:p>
             <a:fld id="{03F027E6-328C-49ED-AE4B-BD647A7E3EDE}" type="datetime1">
               <a:rPr lang="en-US" smtClean="0"/>
-              <a:t>1/4/2018</a:t>
+              <a:t>1/5/2018</a:t>
             </a:fld>
             <a:endParaRPr lang="en-US" dirty="0"/>
           </a:p>
@@ -6059,7 +6060,7 @@
           <a:p>
             <a:fld id="{6B498982-A325-4B29-8B06-CBC7789C234F}" type="datetime1">
               <a:rPr lang="en-US" smtClean="0"/>
-              <a:t>1/4/2018</a:t>
+              <a:t>1/5/2018</a:t>
             </a:fld>
             <a:endParaRPr lang="en-US" dirty="0"/>
           </a:p>
@@ -8177,7 +8178,7 @@
           <a:p>
             <a:fld id="{CAB5D9F6-764D-45E8-BA35-322ECA954888}" type="datetime1">
               <a:rPr lang="en-US" smtClean="0"/>
-              <a:t>1/4/2018</a:t>
+              <a:t>1/5/2018</a:t>
             </a:fld>
             <a:endParaRPr lang="en-US" dirty="0"/>
           </a:p>
@@ -15159,15 +15160,7 @@
                   <a:schemeClr val="tx1"/>
                 </a:solidFill>
               </a:rPr>
-              <a:t>Leur </a:t>
-            </a:r>
-            <a:r>
-              <a:rPr lang="fr-FR" dirty="0" smtClean="0">
-                <a:solidFill>
-                  <a:schemeClr val="tx1"/>
-                </a:solidFill>
-              </a:rPr>
-              <a:t>taille est gérée dynamiquement</a:t>
+              <a:t>Leur taille est gérée dynamiquement</a:t>
             </a:r>
           </a:p>
         </p:txBody>
@@ -17142,15 +17135,7 @@
                   <a:schemeClr val="tx1"/>
                 </a:solidFill>
               </a:rPr>
-              <a:t>Portion indépendante de code possédant </a:t>
-            </a:r>
-            <a:r>
-              <a:rPr lang="fr-FR" dirty="0" smtClean="0">
-                <a:solidFill>
-                  <a:schemeClr val="tx1"/>
-                </a:solidFill>
-              </a:rPr>
-              <a:t>zéro ou plusieurs paramètres d'entrée et zéro ou plusieurs paramètres de sortie (retour)</a:t>
+              <a:t>Portion indépendante de code possédant zéro ou plusieurs paramètres d'entrée et zéro ou plusieurs paramètres de sortie (retour)</a:t>
             </a:r>
           </a:p>
           <a:p>
@@ -17852,6 +17837,180 @@
 </file>
 
 <file path=ppt/slides/slide52.xml><?xml version="1.0" encoding="utf-8"?>
+<p:sld xmlns:a="http://schemas.openxmlformats.org/drawingml/2006/main" xmlns:r="http://schemas.openxmlformats.org/officeDocument/2006/relationships" xmlns:p="http://schemas.openxmlformats.org/presentationml/2006/main">
+  <p:cSld>
+    <p:spTree>
+      <p:nvGrpSpPr>
+        <p:cNvPr id="1" name=""/>
+        <p:cNvGrpSpPr/>
+        <p:nvPr/>
+      </p:nvGrpSpPr>
+      <p:grpSpPr>
+        <a:xfrm>
+          <a:off x="0" y="0"/>
+          <a:ext cx="0" cy="0"/>
+          <a:chOff x="0" y="0"/>
+          <a:chExt cx="0" cy="0"/>
+        </a:xfrm>
+      </p:grpSpPr>
+      <p:sp>
+        <p:nvSpPr>
+          <p:cNvPr id="3" name="Titre 2"/>
+          <p:cNvSpPr>
+            <a:spLocks noGrp="1"/>
+          </p:cNvSpPr>
+          <p:nvPr>
+            <p:ph type="title"/>
+          </p:nvPr>
+        </p:nvSpPr>
+        <p:spPr/>
+        <p:txBody>
+          <a:bodyPr/>
+          <a:lstStyle/>
+          <a:p>
+            <a:r>
+              <a:rPr lang="fr-FR" dirty="0" smtClean="0"/>
+              <a:t>Fonctions variadiques</a:t>
+            </a:r>
+            <a:endParaRPr lang="fr-FR" dirty="0"/>
+          </a:p>
+        </p:txBody>
+      </p:sp>
+      <p:sp>
+        <p:nvSpPr>
+          <p:cNvPr id="5" name="Espace réservé du contenu 2"/>
+          <p:cNvSpPr>
+            <a:spLocks noGrp="1"/>
+          </p:cNvSpPr>
+          <p:nvPr>
+            <p:ph idx="1"/>
+          </p:nvPr>
+        </p:nvSpPr>
+        <p:spPr>
+          <a:xfrm>
+            <a:off x="962108" y="1547006"/>
+            <a:ext cx="5294642" cy="4976302"/>
+          </a:xfrm>
+        </p:spPr>
+        <p:txBody>
+          <a:bodyPr anchor="ctr">
+            <a:normAutofit/>
+          </a:bodyPr>
+          <a:lstStyle/>
+          <a:p>
+            <a:pPr algn="just"/>
+            <a:r>
+              <a:rPr lang="fr-FR" dirty="0" smtClean="0">
+                <a:solidFill>
+                  <a:schemeClr val="tx1"/>
+                </a:solidFill>
+              </a:rPr>
+              <a:t>Fonctions acceptant un nombre variable d'arguments en entrée</a:t>
+            </a:r>
+          </a:p>
+          <a:p>
+            <a:pPr algn="just"/>
+            <a:r>
+              <a:rPr lang="fr-FR" dirty="0" smtClean="0">
+                <a:solidFill>
+                  <a:schemeClr val="tx1"/>
+                </a:solidFill>
+              </a:rPr>
+              <a:t>L'opérateur </a:t>
+            </a:r>
+            <a:r>
+              <a:rPr lang="fr-FR" b="1" i="1" dirty="0" smtClean="0">
+                <a:solidFill>
+                  <a:schemeClr val="accent6"/>
+                </a:solidFill>
+              </a:rPr>
+              <a:t>…</a:t>
+            </a:r>
+            <a:r>
+              <a:rPr lang="fr-FR" dirty="0" smtClean="0">
+                <a:solidFill>
+                  <a:schemeClr val="tx1"/>
+                </a:solidFill>
+              </a:rPr>
+              <a:t> est utilisé</a:t>
+            </a:r>
+            <a:endParaRPr lang="fr-FR" dirty="0" smtClean="0">
+              <a:solidFill>
+                <a:schemeClr val="tx1"/>
+              </a:solidFill>
+            </a:endParaRPr>
+          </a:p>
+        </p:txBody>
+      </p:sp>
+      <p:pic>
+        <p:nvPicPr>
+          <p:cNvPr id="2" name="Image 1"/>
+          <p:cNvPicPr>
+            <a:picLocks noChangeAspect="1"/>
+          </p:cNvPicPr>
+          <p:nvPr/>
+        </p:nvPicPr>
+        <p:blipFill>
+          <a:blip r:embed="rId2"/>
+          <a:stretch>
+            <a:fillRect/>
+          </a:stretch>
+        </p:blipFill>
+        <p:spPr>
+          <a:xfrm>
+            <a:off x="6935861" y="1363815"/>
+            <a:ext cx="4865407" cy="3399017"/>
+          </a:xfrm>
+          <a:prstGeom prst="rect">
+            <a:avLst/>
+          </a:prstGeom>
+        </p:spPr>
+      </p:pic>
+      <p:pic>
+        <p:nvPicPr>
+          <p:cNvPr id="6" name="Image 5"/>
+          <p:cNvPicPr>
+            <a:picLocks noChangeAspect="1"/>
+          </p:cNvPicPr>
+          <p:nvPr/>
+        </p:nvPicPr>
+        <p:blipFill>
+          <a:blip r:embed="rId3"/>
+          <a:stretch>
+            <a:fillRect/>
+          </a:stretch>
+        </p:blipFill>
+        <p:spPr>
+          <a:xfrm>
+            <a:off x="6935861" y="4933950"/>
+            <a:ext cx="1114425" cy="647700"/>
+          </a:xfrm>
+          <a:prstGeom prst="rect">
+            <a:avLst/>
+          </a:prstGeom>
+        </p:spPr>
+      </p:pic>
+    </p:spTree>
+    <p:extLst>
+      <p:ext uri="{BB962C8B-B14F-4D97-AF65-F5344CB8AC3E}">
+        <p14:creationId xmlns:p14="http://schemas.microsoft.com/office/powerpoint/2010/main" val="1365154755"/>
+      </p:ext>
+    </p:extLst>
+  </p:cSld>
+  <p:clrMapOvr>
+    <a:masterClrMapping/>
+  </p:clrMapOvr>
+  <p:timing>
+    <p:tnLst>
+      <p:par>
+        <p:cTn id="1" dur="indefinite" restart="never" nodeType="tmRoot"/>
+      </p:par>
+    </p:tnLst>
+  </p:timing>
+</p:sld>
+</file>
+
+<file path=ppt/slides/slide53.xml><?xml version="1.0" encoding="utf-8"?>
 <p:sld xmlns:a="http://schemas.openxmlformats.org/drawingml/2006/main" xmlns:r="http://schemas.openxmlformats.org/officeDocument/2006/relationships" xmlns:p="http://schemas.openxmlformats.org/presentationml/2006/main">
   <p:cSld>
     <p:spTree>

--- a/documentations/learning-go.pptx
+++ b/documentations/learning-go.pptx
@@ -5,7 +5,7 @@
     <p:sldMasterId id="2147483665" r:id="rId1"/>
   </p:sldMasterIdLst>
   <p:notesMasterIdLst>
-    <p:notesMasterId r:id="rId55"/>
+    <p:notesMasterId r:id="rId58"/>
   </p:notesMasterIdLst>
   <p:sldIdLst>
     <p:sldId id="256" r:id="rId2"/>
@@ -60,7 +60,10 @@
     <p:sldId id="306" r:id="rId51"/>
     <p:sldId id="307" r:id="rId52"/>
     <p:sldId id="308" r:id="rId53"/>
-    <p:sldId id="267" r:id="rId54"/>
+    <p:sldId id="309" r:id="rId54"/>
+    <p:sldId id="310" r:id="rId55"/>
+    <p:sldId id="311" r:id="rId56"/>
+    <p:sldId id="267" r:id="rId57"/>
   </p:sldIdLst>
   <p:sldSz cx="12192000" cy="6858000"/>
   <p:notesSz cx="6858000" cy="9144000"/>
@@ -17932,7 +17935,15 @@
                   <a:schemeClr val="tx1"/>
                 </a:solidFill>
               </a:rPr>
-              <a:t> est utilisé</a:t>
+              <a:t> est </a:t>
+            </a:r>
+            <a:r>
+              <a:rPr lang="fr-FR" dirty="0" smtClean="0">
+                <a:solidFill>
+                  <a:schemeClr val="tx1"/>
+                </a:solidFill>
+              </a:rPr>
+              <a:t>utilisé pour passer et recevoir les paramètres</a:t>
             </a:r>
             <a:endParaRPr lang="fr-FR" dirty="0" smtClean="0">
               <a:solidFill>
@@ -18011,6 +18022,700 @@
 </file>
 
 <file path=ppt/slides/slide53.xml><?xml version="1.0" encoding="utf-8"?>
+<p:sld xmlns:a="http://schemas.openxmlformats.org/drawingml/2006/main" xmlns:r="http://schemas.openxmlformats.org/officeDocument/2006/relationships" xmlns:p="http://schemas.openxmlformats.org/presentationml/2006/main">
+  <p:cSld>
+    <p:spTree>
+      <p:nvGrpSpPr>
+        <p:cNvPr id="1" name=""/>
+        <p:cNvGrpSpPr/>
+        <p:nvPr/>
+      </p:nvGrpSpPr>
+      <p:grpSpPr>
+        <a:xfrm>
+          <a:off x="0" y="0"/>
+          <a:ext cx="0" cy="0"/>
+          <a:chOff x="0" y="0"/>
+          <a:chExt cx="0" cy="0"/>
+        </a:xfrm>
+      </p:grpSpPr>
+      <p:sp>
+        <p:nvSpPr>
+          <p:cNvPr id="3" name="Titre 2"/>
+          <p:cNvSpPr>
+            <a:spLocks noGrp="1"/>
+          </p:cNvSpPr>
+          <p:nvPr>
+            <p:ph type="title"/>
+          </p:nvPr>
+        </p:nvSpPr>
+        <p:spPr/>
+        <p:txBody>
+          <a:bodyPr/>
+          <a:lstStyle/>
+          <a:p>
+            <a:r>
+              <a:rPr lang="fr-FR" dirty="0" smtClean="0"/>
+              <a:t>Closures</a:t>
+            </a:r>
+            <a:endParaRPr lang="fr-FR" dirty="0"/>
+          </a:p>
+        </p:txBody>
+      </p:sp>
+      <p:sp>
+        <p:nvSpPr>
+          <p:cNvPr id="5" name="Espace réservé du contenu 2"/>
+          <p:cNvSpPr>
+            <a:spLocks noGrp="1"/>
+          </p:cNvSpPr>
+          <p:nvPr>
+            <p:ph idx="1"/>
+          </p:nvPr>
+        </p:nvSpPr>
+        <p:spPr>
+          <a:xfrm>
+            <a:off x="962108" y="1547006"/>
+            <a:ext cx="6329238" cy="4976302"/>
+          </a:xfrm>
+        </p:spPr>
+        <p:txBody>
+          <a:bodyPr anchor="ctr">
+            <a:normAutofit/>
+          </a:bodyPr>
+          <a:lstStyle/>
+          <a:p>
+            <a:pPr algn="just"/>
+            <a:r>
+              <a:rPr lang="fr-FR" dirty="0" smtClean="0">
+                <a:solidFill>
+                  <a:schemeClr val="tx1"/>
+                </a:solidFill>
+              </a:rPr>
+              <a:t>Il est possible de créer une fonction à l'intérieur d'une fonction</a:t>
+            </a:r>
+          </a:p>
+          <a:p>
+            <a:pPr algn="just"/>
+            <a:r>
+              <a:rPr lang="fr-FR" b="1" i="1" dirty="0" smtClean="0">
+                <a:solidFill>
+                  <a:schemeClr val="accent6"/>
+                </a:solidFill>
+              </a:rPr>
+              <a:t>add</a:t>
+            </a:r>
+            <a:r>
+              <a:rPr lang="fr-FR" dirty="0" smtClean="0">
+                <a:solidFill>
+                  <a:schemeClr val="accent6"/>
+                </a:solidFill>
+              </a:rPr>
+              <a:t> </a:t>
+            </a:r>
+            <a:r>
+              <a:rPr lang="fr-FR" dirty="0" smtClean="0">
+                <a:solidFill>
+                  <a:schemeClr val="tx1"/>
+                </a:solidFill>
+              </a:rPr>
+              <a:t>est une variable locale qui a pour signature </a:t>
+            </a:r>
+            <a:r>
+              <a:rPr lang="fr-FR" b="1" i="1" dirty="0" smtClean="0">
+                <a:solidFill>
+                  <a:schemeClr val="accent6"/>
+                </a:solidFill>
+              </a:rPr>
+              <a:t>func(int,</a:t>
+            </a:r>
+            <a:r>
+              <a:rPr lang="fr-FR" b="1" i="1" dirty="0" smtClean="0">
+                <a:solidFill>
+                  <a:schemeClr val="tx1"/>
+                </a:solidFill>
+              </a:rPr>
+              <a:t> </a:t>
+            </a:r>
+            <a:r>
+              <a:rPr lang="fr-FR" b="1" i="1" dirty="0" smtClean="0">
+                <a:solidFill>
+                  <a:schemeClr val="accent6"/>
+                </a:solidFill>
+              </a:rPr>
+              <a:t>int)</a:t>
+            </a:r>
+            <a:r>
+              <a:rPr lang="fr-FR" b="1" i="1" dirty="0" smtClean="0">
+                <a:solidFill>
+                  <a:schemeClr val="tx1"/>
+                </a:solidFill>
+              </a:rPr>
+              <a:t> </a:t>
+            </a:r>
+            <a:r>
+              <a:rPr lang="fr-FR" b="1" i="1" dirty="0" smtClean="0">
+                <a:solidFill>
+                  <a:schemeClr val="accent6"/>
+                </a:solidFill>
+              </a:rPr>
+              <a:t>int</a:t>
+            </a:r>
+          </a:p>
+          <a:p>
+            <a:pPr algn="just"/>
+            <a:r>
+              <a:rPr lang="fr-FR" dirty="0" smtClean="0">
+                <a:solidFill>
+                  <a:schemeClr val="tx1"/>
+                </a:solidFill>
+              </a:rPr>
+              <a:t>Deux </a:t>
+            </a:r>
+            <a:r>
+              <a:rPr lang="fr-FR" b="1" i="1" dirty="0" smtClean="0">
+                <a:solidFill>
+                  <a:schemeClr val="accent6"/>
+                </a:solidFill>
+              </a:rPr>
+              <a:t>int</a:t>
+            </a:r>
+            <a:r>
+              <a:rPr lang="fr-FR" dirty="0" smtClean="0">
+                <a:solidFill>
+                  <a:schemeClr val="accent6"/>
+                </a:solidFill>
+              </a:rPr>
+              <a:t> </a:t>
+            </a:r>
+            <a:r>
+              <a:rPr lang="fr-FR" dirty="0" smtClean="0">
+                <a:solidFill>
+                  <a:schemeClr val="tx1"/>
+                </a:solidFill>
+              </a:rPr>
+              <a:t>en entrée et un </a:t>
+            </a:r>
+            <a:r>
+              <a:rPr lang="fr-FR" b="1" i="1" dirty="0" smtClean="0">
+                <a:solidFill>
+                  <a:schemeClr val="accent6"/>
+                </a:solidFill>
+              </a:rPr>
+              <a:t>int</a:t>
+            </a:r>
+            <a:r>
+              <a:rPr lang="fr-FR" dirty="0" smtClean="0">
+                <a:solidFill>
+                  <a:schemeClr val="accent6"/>
+                </a:solidFill>
+              </a:rPr>
+              <a:t> </a:t>
+            </a:r>
+            <a:r>
+              <a:rPr lang="fr-FR" dirty="0" smtClean="0">
+                <a:solidFill>
+                  <a:schemeClr val="tx1"/>
+                </a:solidFill>
+              </a:rPr>
+              <a:t>en sortie</a:t>
+            </a:r>
+          </a:p>
+          <a:p>
+            <a:pPr algn="just"/>
+            <a:r>
+              <a:rPr lang="fr-FR" dirty="0" smtClean="0">
+                <a:solidFill>
+                  <a:schemeClr val="tx1"/>
+                </a:solidFill>
+              </a:rPr>
+              <a:t>Une fonction ainsi définie à accès aux autre variables locales</a:t>
+            </a:r>
+            <a:endParaRPr lang="fr-FR" dirty="0" smtClean="0">
+              <a:solidFill>
+                <a:schemeClr val="tx1"/>
+              </a:solidFill>
+            </a:endParaRPr>
+          </a:p>
+        </p:txBody>
+      </p:sp>
+      <p:pic>
+        <p:nvPicPr>
+          <p:cNvPr id="4" name="Image 3"/>
+          <p:cNvPicPr>
+            <a:picLocks noChangeAspect="1"/>
+          </p:cNvPicPr>
+          <p:nvPr/>
+        </p:nvPicPr>
+        <p:blipFill>
+          <a:blip r:embed="rId2"/>
+          <a:stretch>
+            <a:fillRect/>
+          </a:stretch>
+        </p:blipFill>
+        <p:spPr>
+          <a:xfrm>
+            <a:off x="7809408" y="3176479"/>
+            <a:ext cx="3981450" cy="1247775"/>
+          </a:xfrm>
+          <a:prstGeom prst="rect">
+            <a:avLst/>
+          </a:prstGeom>
+          <a:ln>
+            <a:noFill/>
+          </a:ln>
+          <a:effectLst>
+            <a:outerShdw blurRad="292100" dist="139700" dir="2700000" algn="tl" rotWithShape="0">
+              <a:srgbClr val="333333">
+                <a:alpha val="65000"/>
+              </a:srgbClr>
+            </a:outerShdw>
+          </a:effectLst>
+        </p:spPr>
+      </p:pic>
+    </p:spTree>
+    <p:extLst>
+      <p:ext uri="{BB962C8B-B14F-4D97-AF65-F5344CB8AC3E}">
+        <p14:creationId xmlns:p14="http://schemas.microsoft.com/office/powerpoint/2010/main" val="560812713"/>
+      </p:ext>
+    </p:extLst>
+  </p:cSld>
+  <p:clrMapOvr>
+    <a:masterClrMapping/>
+  </p:clrMapOvr>
+  <p:timing>
+    <p:tnLst>
+      <p:par>
+        <p:cTn id="1" dur="indefinite" restart="never" nodeType="tmRoot"/>
+      </p:par>
+    </p:tnLst>
+  </p:timing>
+</p:sld>
+</file>
+
+<file path=ppt/slides/slide54.xml><?xml version="1.0" encoding="utf-8"?>
+<p:sld xmlns:a="http://schemas.openxmlformats.org/drawingml/2006/main" xmlns:r="http://schemas.openxmlformats.org/officeDocument/2006/relationships" xmlns:p="http://schemas.openxmlformats.org/presentationml/2006/main">
+  <p:cSld>
+    <p:spTree>
+      <p:nvGrpSpPr>
+        <p:cNvPr id="1" name=""/>
+        <p:cNvGrpSpPr/>
+        <p:nvPr/>
+      </p:nvGrpSpPr>
+      <p:grpSpPr>
+        <a:xfrm>
+          <a:off x="0" y="0"/>
+          <a:ext cx="0" cy="0"/>
+          <a:chOff x="0" y="0"/>
+          <a:chExt cx="0" cy="0"/>
+        </a:xfrm>
+      </p:grpSpPr>
+      <p:sp>
+        <p:nvSpPr>
+          <p:cNvPr id="3" name="Titre 2"/>
+          <p:cNvSpPr>
+            <a:spLocks noGrp="1"/>
+          </p:cNvSpPr>
+          <p:nvPr>
+            <p:ph type="title"/>
+          </p:nvPr>
+        </p:nvSpPr>
+        <p:spPr/>
+        <p:txBody>
+          <a:bodyPr/>
+          <a:lstStyle/>
+          <a:p>
+            <a:r>
+              <a:rPr lang="fr-FR" dirty="0" smtClean="0"/>
+              <a:t>Closures</a:t>
+            </a:r>
+            <a:endParaRPr lang="fr-FR" dirty="0"/>
+          </a:p>
+        </p:txBody>
+      </p:sp>
+      <p:sp>
+        <p:nvSpPr>
+          <p:cNvPr id="5" name="Espace réservé du contenu 2"/>
+          <p:cNvSpPr>
+            <a:spLocks noGrp="1"/>
+          </p:cNvSpPr>
+          <p:nvPr>
+            <p:ph idx="1"/>
+          </p:nvPr>
+        </p:nvSpPr>
+        <p:spPr>
+          <a:xfrm>
+            <a:off x="962108" y="1547006"/>
+            <a:ext cx="6329238" cy="4976302"/>
+          </a:xfrm>
+        </p:spPr>
+        <p:txBody>
+          <a:bodyPr anchor="ctr">
+            <a:normAutofit/>
+          </a:bodyPr>
+          <a:lstStyle/>
+          <a:p>
+            <a:pPr algn="just"/>
+            <a:r>
+              <a:rPr lang="fr-FR" b="1" i="1" dirty="0" smtClean="0">
+                <a:solidFill>
+                  <a:schemeClr val="accent6"/>
+                </a:solidFill>
+              </a:rPr>
+              <a:t>increment</a:t>
+            </a:r>
+            <a:r>
+              <a:rPr lang="fr-FR" dirty="0" smtClean="0">
+                <a:solidFill>
+                  <a:schemeClr val="tx1"/>
+                </a:solidFill>
+              </a:rPr>
+              <a:t> ajoute 1 à la variable </a:t>
+            </a:r>
+            <a:r>
+              <a:rPr lang="fr-FR" b="1" i="1" dirty="0" smtClean="0">
+                <a:solidFill>
+                  <a:schemeClr val="accent6"/>
+                </a:solidFill>
+              </a:rPr>
+              <a:t>x</a:t>
+            </a:r>
+            <a:r>
+              <a:rPr lang="fr-FR" dirty="0" smtClean="0">
+                <a:solidFill>
+                  <a:schemeClr val="tx1"/>
+                </a:solidFill>
+              </a:rPr>
+              <a:t> qui est définie dans le scope de la fonction main</a:t>
+            </a:r>
+          </a:p>
+          <a:p>
+            <a:pPr algn="just"/>
+            <a:r>
+              <a:rPr lang="fr-FR" dirty="0" smtClean="0">
+                <a:solidFill>
+                  <a:schemeClr val="tx1"/>
+                </a:solidFill>
+              </a:rPr>
+              <a:t>La variable </a:t>
+            </a:r>
+            <a:r>
+              <a:rPr lang="fr-FR" b="1" i="1" dirty="0" smtClean="0">
+                <a:solidFill>
+                  <a:schemeClr val="accent6"/>
+                </a:solidFill>
+              </a:rPr>
+              <a:t>x</a:t>
+            </a:r>
+            <a:r>
+              <a:rPr lang="fr-FR" dirty="0" smtClean="0">
+                <a:solidFill>
+                  <a:schemeClr val="tx1"/>
+                </a:solidFill>
+              </a:rPr>
+              <a:t> peut être accédée et modifiée par la fonction </a:t>
+            </a:r>
+            <a:r>
+              <a:rPr lang="fr-FR" b="1" i="1" dirty="0" smtClean="0">
+                <a:solidFill>
+                  <a:schemeClr val="accent6"/>
+                </a:solidFill>
+              </a:rPr>
+              <a:t>increment</a:t>
+            </a:r>
+          </a:p>
+          <a:p>
+            <a:pPr algn="just"/>
+            <a:r>
+              <a:rPr lang="fr-FR" dirty="0" smtClean="0">
+                <a:solidFill>
+                  <a:schemeClr val="tx1"/>
+                </a:solidFill>
+              </a:rPr>
+              <a:t>C'est ainsi qu'au premier appel, 1 est affiché et qu'au second appel, 2 est affiché</a:t>
+            </a:r>
+          </a:p>
+          <a:p>
+            <a:pPr algn="just"/>
+            <a:r>
+              <a:rPr lang="fr-FR" b="1" i="1" dirty="0" smtClean="0">
+                <a:solidFill>
+                  <a:schemeClr val="accent6"/>
+                </a:solidFill>
+              </a:rPr>
+              <a:t>increment</a:t>
+            </a:r>
+            <a:r>
+              <a:rPr lang="fr-FR" dirty="0" smtClean="0">
+                <a:solidFill>
+                  <a:schemeClr val="tx1"/>
+                </a:solidFill>
+              </a:rPr>
+              <a:t> et </a:t>
+            </a:r>
+            <a:r>
+              <a:rPr lang="fr-FR" b="1" i="1" dirty="0" smtClean="0">
+                <a:solidFill>
+                  <a:schemeClr val="accent6"/>
+                </a:solidFill>
+              </a:rPr>
+              <a:t>x</a:t>
+            </a:r>
+            <a:r>
+              <a:rPr lang="fr-FR" dirty="0" smtClean="0">
+                <a:solidFill>
+                  <a:schemeClr val="tx1"/>
+                </a:solidFill>
+              </a:rPr>
+              <a:t> forment se que l'on appelle une </a:t>
+            </a:r>
+            <a:r>
+              <a:rPr lang="fr-FR" b="1" i="1" dirty="0" smtClean="0">
+                <a:solidFill>
+                  <a:schemeClr val="accent6"/>
+                </a:solidFill>
+              </a:rPr>
+              <a:t>closure</a:t>
+            </a:r>
+          </a:p>
+        </p:txBody>
+      </p:sp>
+      <p:pic>
+        <p:nvPicPr>
+          <p:cNvPr id="2" name="Image 1"/>
+          <p:cNvPicPr>
+            <a:picLocks noChangeAspect="1"/>
+          </p:cNvPicPr>
+          <p:nvPr/>
+        </p:nvPicPr>
+        <p:blipFill>
+          <a:blip r:embed="rId2"/>
+          <a:stretch>
+            <a:fillRect/>
+          </a:stretch>
+        </p:blipFill>
+        <p:spPr>
+          <a:xfrm>
+            <a:off x="7942566" y="2970475"/>
+            <a:ext cx="3971925" cy="1743075"/>
+          </a:xfrm>
+          <a:prstGeom prst="rect">
+            <a:avLst/>
+          </a:prstGeom>
+        </p:spPr>
+      </p:pic>
+    </p:spTree>
+    <p:extLst>
+      <p:ext uri="{BB962C8B-B14F-4D97-AF65-F5344CB8AC3E}">
+        <p14:creationId xmlns:p14="http://schemas.microsoft.com/office/powerpoint/2010/main" val="3560235530"/>
+      </p:ext>
+    </p:extLst>
+  </p:cSld>
+  <p:clrMapOvr>
+    <a:masterClrMapping/>
+  </p:clrMapOvr>
+  <p:timing>
+    <p:tnLst>
+      <p:par>
+        <p:cTn id="1" dur="indefinite" restart="never" nodeType="tmRoot"/>
+      </p:par>
+    </p:tnLst>
+  </p:timing>
+</p:sld>
+</file>
+
+<file path=ppt/slides/slide55.xml><?xml version="1.0" encoding="utf-8"?>
+<p:sld xmlns:a="http://schemas.openxmlformats.org/drawingml/2006/main" xmlns:r="http://schemas.openxmlformats.org/officeDocument/2006/relationships" xmlns:p="http://schemas.openxmlformats.org/presentationml/2006/main">
+  <p:cSld>
+    <p:spTree>
+      <p:nvGrpSpPr>
+        <p:cNvPr id="1" name=""/>
+        <p:cNvGrpSpPr/>
+        <p:nvPr/>
+      </p:nvGrpSpPr>
+      <p:grpSpPr>
+        <a:xfrm>
+          <a:off x="0" y="0"/>
+          <a:ext cx="0" cy="0"/>
+          <a:chOff x="0" y="0"/>
+          <a:chExt cx="0" cy="0"/>
+        </a:xfrm>
+      </p:grpSpPr>
+      <p:sp>
+        <p:nvSpPr>
+          <p:cNvPr id="3" name="Titre 2"/>
+          <p:cNvSpPr>
+            <a:spLocks noGrp="1"/>
+          </p:cNvSpPr>
+          <p:nvPr>
+            <p:ph type="title"/>
+          </p:nvPr>
+        </p:nvSpPr>
+        <p:spPr/>
+        <p:txBody>
+          <a:bodyPr/>
+          <a:lstStyle/>
+          <a:p>
+            <a:r>
+              <a:rPr lang="fr-FR" dirty="0" smtClean="0"/>
+              <a:t>Closures</a:t>
+            </a:r>
+            <a:endParaRPr lang="fr-FR" dirty="0"/>
+          </a:p>
+        </p:txBody>
+      </p:sp>
+      <p:sp>
+        <p:nvSpPr>
+          <p:cNvPr id="5" name="Espace réservé du contenu 2"/>
+          <p:cNvSpPr>
+            <a:spLocks noGrp="1"/>
+          </p:cNvSpPr>
+          <p:nvPr>
+            <p:ph idx="1"/>
+          </p:nvPr>
+        </p:nvSpPr>
+        <p:spPr>
+          <a:xfrm>
+            <a:off x="962108" y="1547006"/>
+            <a:ext cx="5049078" cy="4976302"/>
+          </a:xfrm>
+        </p:spPr>
+        <p:txBody>
+          <a:bodyPr anchor="ctr">
+            <a:normAutofit/>
+          </a:bodyPr>
+          <a:lstStyle/>
+          <a:p>
+            <a:pPr algn="just"/>
+            <a:r>
+              <a:rPr lang="fr-FR" dirty="0" smtClean="0">
+                <a:solidFill>
+                  <a:schemeClr val="tx1"/>
+                </a:solidFill>
+              </a:rPr>
+              <a:t>Une manière d'utiliser une closure est d'écrire une fonction qui retourne une fonction qui, lorsqu'elle est appelée, peut générer une séquence de nombres</a:t>
+            </a:r>
+          </a:p>
+          <a:p>
+            <a:pPr algn="just"/>
+            <a:r>
+              <a:rPr lang="fr-FR" b="1" i="1" dirty="0" smtClean="0">
+                <a:solidFill>
+                  <a:schemeClr val="accent6"/>
+                </a:solidFill>
+              </a:rPr>
+              <a:t>i</a:t>
+            </a:r>
+            <a:r>
+              <a:rPr lang="fr-FR" dirty="0" smtClean="0">
+                <a:solidFill>
+                  <a:schemeClr val="tx1"/>
+                </a:solidFill>
+              </a:rPr>
+              <a:t> est une variable locale de </a:t>
+            </a:r>
+            <a:r>
+              <a:rPr lang="fr-FR" b="1" i="1" dirty="0" smtClean="0">
+                <a:solidFill>
+                  <a:schemeClr val="accent6"/>
+                </a:solidFill>
+              </a:rPr>
+              <a:t>makeEvenGenerator</a:t>
+            </a:r>
+            <a:r>
+              <a:rPr lang="fr-FR" dirty="0" smtClean="0">
+                <a:solidFill>
+                  <a:schemeClr val="accent6"/>
+                </a:solidFill>
+              </a:rPr>
+              <a:t> </a:t>
+            </a:r>
+            <a:r>
+              <a:rPr lang="fr-FR" dirty="0" smtClean="0">
+                <a:solidFill>
+                  <a:schemeClr val="tx1"/>
+                </a:solidFill>
+              </a:rPr>
+              <a:t>qui retourne elle-même une fonction (dite anonyme) ayant accès à </a:t>
+            </a:r>
+            <a:r>
+              <a:rPr lang="fr-FR" b="1" i="1" dirty="0" smtClean="0">
+                <a:solidFill>
+                  <a:schemeClr val="accent6"/>
+                </a:solidFill>
+              </a:rPr>
+              <a:t>i</a:t>
+            </a:r>
+          </a:p>
+        </p:txBody>
+      </p:sp>
+      <p:pic>
+        <p:nvPicPr>
+          <p:cNvPr id="4" name="Image 3"/>
+          <p:cNvPicPr>
+            <a:picLocks noChangeAspect="1"/>
+          </p:cNvPicPr>
+          <p:nvPr/>
+        </p:nvPicPr>
+        <p:blipFill>
+          <a:blip r:embed="rId2"/>
+          <a:stretch>
+            <a:fillRect/>
+          </a:stretch>
+        </p:blipFill>
+        <p:spPr>
+          <a:xfrm>
+            <a:off x="6789917" y="624110"/>
+            <a:ext cx="5238750" cy="4695825"/>
+          </a:xfrm>
+          <a:prstGeom prst="rect">
+            <a:avLst/>
+          </a:prstGeom>
+        </p:spPr>
+      </p:pic>
+      <p:pic>
+        <p:nvPicPr>
+          <p:cNvPr id="6" name="Image 5"/>
+          <p:cNvPicPr>
+            <a:picLocks noChangeAspect="1"/>
+          </p:cNvPicPr>
+          <p:nvPr/>
+        </p:nvPicPr>
+        <p:blipFill>
+          <a:blip r:embed="rId3"/>
+          <a:stretch>
+            <a:fillRect/>
+          </a:stretch>
+        </p:blipFill>
+        <p:spPr>
+          <a:xfrm>
+            <a:off x="6789917" y="5504133"/>
+            <a:ext cx="647700" cy="1019175"/>
+          </a:xfrm>
+          <a:prstGeom prst="rect">
+            <a:avLst/>
+          </a:prstGeom>
+        </p:spPr>
+      </p:pic>
+    </p:spTree>
+    <p:extLst>
+      <p:ext uri="{BB962C8B-B14F-4D97-AF65-F5344CB8AC3E}">
+        <p14:creationId xmlns:p14="http://schemas.microsoft.com/office/powerpoint/2010/main" val="3249072810"/>
+      </p:ext>
+    </p:extLst>
+  </p:cSld>
+  <p:clrMapOvr>
+    <a:masterClrMapping/>
+  </p:clrMapOvr>
+  <p:timing>
+    <p:tnLst>
+      <p:par>
+        <p:cTn id="1" dur="indefinite" restart="never" nodeType="tmRoot"/>
+      </p:par>
+    </p:tnLst>
+  </p:timing>
+</p:sld>
+</file>
+
+<file path=ppt/slides/slide56.xml><?xml version="1.0" encoding="utf-8"?>
 <p:sld xmlns:a="http://schemas.openxmlformats.org/drawingml/2006/main" xmlns:r="http://schemas.openxmlformats.org/officeDocument/2006/relationships" xmlns:p="http://schemas.openxmlformats.org/presentationml/2006/main">
   <p:cSld>
     <p:spTree>

--- a/documentations/learning-go.pptx
+++ b/documentations/learning-go.pptx
@@ -5,7 +5,7 @@
     <p:sldMasterId id="2147483665" r:id="rId1"/>
   </p:sldMasterIdLst>
   <p:notesMasterIdLst>
-    <p:notesMasterId r:id="rId58"/>
+    <p:notesMasterId r:id="rId60"/>
   </p:notesMasterIdLst>
   <p:sldIdLst>
     <p:sldId id="256" r:id="rId2"/>
@@ -63,7 +63,9 @@
     <p:sldId id="309" r:id="rId54"/>
     <p:sldId id="310" r:id="rId55"/>
     <p:sldId id="311" r:id="rId56"/>
-    <p:sldId id="267" r:id="rId57"/>
+    <p:sldId id="312" r:id="rId57"/>
+    <p:sldId id="313" r:id="rId58"/>
+    <p:sldId id="267" r:id="rId59"/>
   </p:sldIdLst>
   <p:sldSz cx="12192000" cy="6858000"/>
   <p:notesSz cx="6858000" cy="9144000"/>
@@ -17935,21 +17937,8 @@
                   <a:schemeClr val="tx1"/>
                 </a:solidFill>
               </a:rPr>
-              <a:t> est </a:t>
-            </a:r>
-            <a:r>
-              <a:rPr lang="fr-FR" dirty="0" smtClean="0">
-                <a:solidFill>
-                  <a:schemeClr val="tx1"/>
-                </a:solidFill>
-              </a:rPr>
-              <a:t>utilisé pour passer et recevoir les paramètres</a:t>
-            </a:r>
-            <a:endParaRPr lang="fr-FR" dirty="0" smtClean="0">
-              <a:solidFill>
-                <a:schemeClr val="tx1"/>
-              </a:solidFill>
-            </a:endParaRPr>
+              <a:t> est utilisé pour passer et recevoir les paramètres</a:t>
+            </a:r>
           </a:p>
         </p:txBody>
       </p:sp>
@@ -18229,11 +18218,6 @@
               </a:rPr>
               <a:t>Une fonction ainsi définie à accès aux autre variables locales</a:t>
             </a:r>
-            <a:endParaRPr lang="fr-FR" dirty="0" smtClean="0">
-              <a:solidFill>
-                <a:schemeClr val="tx1"/>
-              </a:solidFill>
-            </a:endParaRPr>
           </a:p>
         </p:txBody>
       </p:sp>
@@ -18716,6 +18700,2292 @@
 </file>
 
 <file path=ppt/slides/slide56.xml><?xml version="1.0" encoding="utf-8"?>
+<p:sld xmlns:a="http://schemas.openxmlformats.org/drawingml/2006/main" xmlns:r="http://schemas.openxmlformats.org/officeDocument/2006/relationships" xmlns:p="http://schemas.openxmlformats.org/presentationml/2006/main">
+  <p:cSld>
+    <p:spTree>
+      <p:nvGrpSpPr>
+        <p:cNvPr id="1" name=""/>
+        <p:cNvGrpSpPr/>
+        <p:nvPr/>
+      </p:nvGrpSpPr>
+      <p:grpSpPr>
+        <a:xfrm>
+          <a:off x="0" y="0"/>
+          <a:ext cx="0" cy="0"/>
+          <a:chOff x="0" y="0"/>
+          <a:chExt cx="0" cy="0"/>
+        </a:xfrm>
+      </p:grpSpPr>
+      <p:sp>
+        <p:nvSpPr>
+          <p:cNvPr id="3" name="Titre 2"/>
+          <p:cNvSpPr>
+            <a:spLocks noGrp="1"/>
+          </p:cNvSpPr>
+          <p:nvPr>
+            <p:ph type="title"/>
+          </p:nvPr>
+        </p:nvSpPr>
+        <p:spPr/>
+        <p:txBody>
+          <a:bodyPr/>
+          <a:lstStyle/>
+          <a:p>
+            <a:r>
+              <a:rPr lang="fr-FR" dirty="0" smtClean="0"/>
+              <a:t>Récursivité</a:t>
+            </a:r>
+            <a:endParaRPr lang="fr-FR" dirty="0"/>
+          </a:p>
+        </p:txBody>
+      </p:sp>
+      <p:sp>
+        <p:nvSpPr>
+          <p:cNvPr id="5" name="Espace réservé du contenu 2"/>
+          <p:cNvSpPr>
+            <a:spLocks noGrp="1"/>
+          </p:cNvSpPr>
+          <p:nvPr>
+            <p:ph idx="1"/>
+          </p:nvPr>
+        </p:nvSpPr>
+        <p:spPr>
+          <a:xfrm>
+            <a:off x="962108" y="1547006"/>
+            <a:ext cx="5049078" cy="4976302"/>
+          </a:xfrm>
+        </p:spPr>
+        <p:txBody>
+          <a:bodyPr anchor="ctr">
+            <a:normAutofit/>
+          </a:bodyPr>
+          <a:lstStyle/>
+          <a:p>
+            <a:pPr algn="just"/>
+            <a:r>
+              <a:rPr lang="fr-FR" dirty="0" smtClean="0">
+                <a:solidFill>
+                  <a:schemeClr val="tx1"/>
+                </a:solidFill>
+              </a:rPr>
+              <a:t>Go supporte les appels de fonctions récursifs (une fonction s'appelant elle même)</a:t>
+            </a:r>
+            <a:endParaRPr lang="fr-FR" b="1" i="1" dirty="0" smtClean="0">
+              <a:solidFill>
+                <a:schemeClr val="accent6"/>
+              </a:solidFill>
+            </a:endParaRPr>
+          </a:p>
+        </p:txBody>
+      </p:sp>
+      <p:pic>
+        <p:nvPicPr>
+          <p:cNvPr id="2" name="Image 1"/>
+          <p:cNvPicPr>
+            <a:picLocks noChangeAspect="1"/>
+          </p:cNvPicPr>
+          <p:nvPr/>
+        </p:nvPicPr>
+        <p:blipFill>
+          <a:blip r:embed="rId2"/>
+          <a:stretch>
+            <a:fillRect/>
+          </a:stretch>
+        </p:blipFill>
+        <p:spPr>
+          <a:xfrm>
+            <a:off x="6472362" y="1275727"/>
+            <a:ext cx="5188060" cy="3363238"/>
+          </a:xfrm>
+          <a:prstGeom prst="rect">
+            <a:avLst/>
+          </a:prstGeom>
+        </p:spPr>
+      </p:pic>
+      <p:pic>
+        <p:nvPicPr>
+          <p:cNvPr id="7" name="Image 6"/>
+          <p:cNvPicPr>
+            <a:picLocks noChangeAspect="1"/>
+          </p:cNvPicPr>
+          <p:nvPr/>
+        </p:nvPicPr>
+        <p:blipFill>
+          <a:blip r:embed="rId3"/>
+          <a:stretch>
+            <a:fillRect/>
+          </a:stretch>
+        </p:blipFill>
+        <p:spPr>
+          <a:xfrm>
+            <a:off x="6472362" y="4807971"/>
+            <a:ext cx="3562350" cy="247650"/>
+          </a:xfrm>
+          <a:prstGeom prst="rect">
+            <a:avLst/>
+          </a:prstGeom>
+        </p:spPr>
+      </p:pic>
+    </p:spTree>
+    <p:extLst>
+      <p:ext uri="{BB962C8B-B14F-4D97-AF65-F5344CB8AC3E}">
+        <p14:creationId xmlns:p14="http://schemas.microsoft.com/office/powerpoint/2010/main" val="2738076157"/>
+      </p:ext>
+    </p:extLst>
+  </p:cSld>
+  <p:clrMapOvr>
+    <a:masterClrMapping/>
+  </p:clrMapOvr>
+  <p:timing>
+    <p:tnLst>
+      <p:par>
+        <p:cTn id="1" dur="indefinite" restart="never" nodeType="tmRoot"/>
+      </p:par>
+    </p:tnLst>
+  </p:timing>
+</p:sld>
+</file>
+
+<file path=ppt/slides/slide57.xml><?xml version="1.0" encoding="utf-8"?>
+<p:sld xmlns:a="http://schemas.openxmlformats.org/drawingml/2006/main" xmlns:r="http://schemas.openxmlformats.org/officeDocument/2006/relationships" xmlns:p="http://schemas.openxmlformats.org/presentationml/2006/main">
+  <p:cSld>
+    <p:spTree>
+      <p:nvGrpSpPr>
+        <p:cNvPr id="1" name=""/>
+        <p:cNvGrpSpPr/>
+        <p:nvPr/>
+      </p:nvGrpSpPr>
+      <p:grpSpPr>
+        <a:xfrm>
+          <a:off x="0" y="0"/>
+          <a:ext cx="0" cy="0"/>
+          <a:chOff x="0" y="0"/>
+          <a:chExt cx="0" cy="0"/>
+        </a:xfrm>
+      </p:grpSpPr>
+      <p:sp>
+        <p:nvSpPr>
+          <p:cNvPr id="3" name="Titre 2"/>
+          <p:cNvSpPr>
+            <a:spLocks noGrp="1"/>
+          </p:cNvSpPr>
+          <p:nvPr>
+            <p:ph type="title"/>
+          </p:nvPr>
+        </p:nvSpPr>
+        <p:spPr/>
+        <p:txBody>
+          <a:bodyPr/>
+          <a:lstStyle/>
+          <a:p>
+            <a:r>
+              <a:rPr lang="fr-FR" dirty="0" smtClean="0"/>
+              <a:t>Récursivité (exemple: 3!)</a:t>
+            </a:r>
+            <a:endParaRPr lang="fr-FR" dirty="0"/>
+          </a:p>
+        </p:txBody>
+      </p:sp>
+      <p:sp>
+        <p:nvSpPr>
+          <p:cNvPr id="8" name="Rectangle 7"/>
+          <p:cNvSpPr/>
+          <p:nvPr/>
+        </p:nvSpPr>
+        <p:spPr>
+          <a:xfrm>
+            <a:off x="1981335" y="4317549"/>
+            <a:ext cx="914400" cy="286247"/>
+          </a:xfrm>
+          <a:prstGeom prst="rect">
+            <a:avLst/>
+          </a:prstGeom>
+        </p:spPr>
+        <p:style>
+          <a:lnRef idx="2">
+            <a:schemeClr val="accent1">
+              <a:shade val="50000"/>
+            </a:schemeClr>
+          </a:lnRef>
+          <a:fillRef idx="1">
+            <a:schemeClr val="accent1"/>
+          </a:fillRef>
+          <a:effectRef idx="0">
+            <a:schemeClr val="accent1"/>
+          </a:effectRef>
+          <a:fontRef idx="minor">
+            <a:schemeClr val="lt1"/>
+          </a:fontRef>
+        </p:style>
+        <p:txBody>
+          <a:bodyPr rtlCol="0" anchor="ctr"/>
+          <a:lstStyle/>
+          <a:p>
+            <a:pPr algn="ctr"/>
+            <a:r>
+              <a:rPr lang="fr-FR" sz="800" dirty="0" smtClean="0"/>
+              <a:t>Main()</a:t>
+            </a:r>
+            <a:endParaRPr lang="fr-FR" sz="800" dirty="0"/>
+          </a:p>
+        </p:txBody>
+      </p:sp>
+      <p:sp>
+        <p:nvSpPr>
+          <p:cNvPr id="9" name="Rectangle 8"/>
+          <p:cNvSpPr/>
+          <p:nvPr/>
+        </p:nvSpPr>
+        <p:spPr>
+          <a:xfrm>
+            <a:off x="3930730" y="4317551"/>
+            <a:ext cx="914400" cy="286247"/>
+          </a:xfrm>
+          <a:prstGeom prst="rect">
+            <a:avLst/>
+          </a:prstGeom>
+        </p:spPr>
+        <p:style>
+          <a:lnRef idx="2">
+            <a:schemeClr val="accent1">
+              <a:shade val="50000"/>
+            </a:schemeClr>
+          </a:lnRef>
+          <a:fillRef idx="1">
+            <a:schemeClr val="accent1"/>
+          </a:fillRef>
+          <a:effectRef idx="0">
+            <a:schemeClr val="accent1"/>
+          </a:effectRef>
+          <a:fontRef idx="minor">
+            <a:schemeClr val="lt1"/>
+          </a:fontRef>
+        </p:style>
+        <p:txBody>
+          <a:bodyPr rtlCol="0" anchor="ctr"/>
+          <a:lstStyle/>
+          <a:p>
+            <a:pPr algn="ctr"/>
+            <a:r>
+              <a:rPr lang="fr-FR" sz="800" dirty="0" smtClean="0"/>
+              <a:t>Main()</a:t>
+            </a:r>
+            <a:endParaRPr lang="fr-FR" sz="800" dirty="0"/>
+          </a:p>
+        </p:txBody>
+      </p:sp>
+      <p:sp>
+        <p:nvSpPr>
+          <p:cNvPr id="10" name="Rectangle 9"/>
+          <p:cNvSpPr/>
+          <p:nvPr/>
+        </p:nvSpPr>
+        <p:spPr>
+          <a:xfrm>
+            <a:off x="3930730" y="3636355"/>
+            <a:ext cx="914400" cy="286247"/>
+          </a:xfrm>
+          <a:prstGeom prst="rect">
+            <a:avLst/>
+          </a:prstGeom>
+        </p:spPr>
+        <p:style>
+          <a:lnRef idx="2">
+            <a:schemeClr val="accent1">
+              <a:shade val="50000"/>
+            </a:schemeClr>
+          </a:lnRef>
+          <a:fillRef idx="1">
+            <a:schemeClr val="accent1"/>
+          </a:fillRef>
+          <a:effectRef idx="0">
+            <a:schemeClr val="accent1"/>
+          </a:effectRef>
+          <a:fontRef idx="minor">
+            <a:schemeClr val="lt1"/>
+          </a:fontRef>
+        </p:style>
+        <p:txBody>
+          <a:bodyPr rtlCol="0" anchor="ctr"/>
+          <a:lstStyle/>
+          <a:p>
+            <a:pPr algn="ctr"/>
+            <a:r>
+              <a:rPr lang="fr-FR" sz="800" dirty="0" err="1" smtClean="0"/>
+              <a:t>fact</a:t>
+            </a:r>
+            <a:r>
+              <a:rPr lang="fr-FR" sz="800" dirty="0" smtClean="0"/>
+              <a:t>(2)</a:t>
+            </a:r>
+            <a:endParaRPr lang="fr-FR" sz="800" dirty="0"/>
+          </a:p>
+        </p:txBody>
+      </p:sp>
+      <p:sp>
+        <p:nvSpPr>
+          <p:cNvPr id="11" name="Rectangle 10"/>
+          <p:cNvSpPr/>
+          <p:nvPr/>
+        </p:nvSpPr>
+        <p:spPr>
+          <a:xfrm>
+            <a:off x="4905096" y="4317548"/>
+            <a:ext cx="914400" cy="286247"/>
+          </a:xfrm>
+          <a:prstGeom prst="rect">
+            <a:avLst/>
+          </a:prstGeom>
+        </p:spPr>
+        <p:style>
+          <a:lnRef idx="2">
+            <a:schemeClr val="accent1">
+              <a:shade val="50000"/>
+            </a:schemeClr>
+          </a:lnRef>
+          <a:fillRef idx="1">
+            <a:schemeClr val="accent1"/>
+          </a:fillRef>
+          <a:effectRef idx="0">
+            <a:schemeClr val="accent1"/>
+          </a:effectRef>
+          <a:fontRef idx="minor">
+            <a:schemeClr val="lt1"/>
+          </a:fontRef>
+        </p:style>
+        <p:txBody>
+          <a:bodyPr rtlCol="0" anchor="ctr"/>
+          <a:lstStyle/>
+          <a:p>
+            <a:pPr algn="ctr"/>
+            <a:r>
+              <a:rPr lang="fr-FR" sz="800" dirty="0" smtClean="0"/>
+              <a:t>Main()</a:t>
+            </a:r>
+            <a:endParaRPr lang="fr-FR" sz="800" dirty="0"/>
+          </a:p>
+        </p:txBody>
+      </p:sp>
+      <p:sp>
+        <p:nvSpPr>
+          <p:cNvPr id="12" name="Rectangle 11"/>
+          <p:cNvSpPr/>
+          <p:nvPr/>
+        </p:nvSpPr>
+        <p:spPr>
+          <a:xfrm>
+            <a:off x="4905096" y="3636351"/>
+            <a:ext cx="914400" cy="286247"/>
+          </a:xfrm>
+          <a:prstGeom prst="rect">
+            <a:avLst/>
+          </a:prstGeom>
+        </p:spPr>
+        <p:style>
+          <a:lnRef idx="2">
+            <a:schemeClr val="accent1">
+              <a:shade val="50000"/>
+            </a:schemeClr>
+          </a:lnRef>
+          <a:fillRef idx="1">
+            <a:schemeClr val="accent1"/>
+          </a:fillRef>
+          <a:effectRef idx="0">
+            <a:schemeClr val="accent1"/>
+          </a:effectRef>
+          <a:fontRef idx="minor">
+            <a:schemeClr val="lt1"/>
+          </a:fontRef>
+        </p:style>
+        <p:txBody>
+          <a:bodyPr rtlCol="0" anchor="ctr"/>
+          <a:lstStyle/>
+          <a:p>
+            <a:pPr algn="ctr"/>
+            <a:r>
+              <a:rPr lang="fr-FR" sz="800" dirty="0" err="1" smtClean="0"/>
+              <a:t>fact</a:t>
+            </a:r>
+            <a:r>
+              <a:rPr lang="fr-FR" sz="800" dirty="0" smtClean="0"/>
+              <a:t>(2)</a:t>
+            </a:r>
+            <a:endParaRPr lang="fr-FR" sz="800" dirty="0"/>
+          </a:p>
+        </p:txBody>
+      </p:sp>
+      <p:sp>
+        <p:nvSpPr>
+          <p:cNvPr id="13" name="Rectangle 12"/>
+          <p:cNvSpPr/>
+          <p:nvPr/>
+        </p:nvSpPr>
+        <p:spPr>
+          <a:xfrm>
+            <a:off x="4905096" y="3318298"/>
+            <a:ext cx="914400" cy="286247"/>
+          </a:xfrm>
+          <a:prstGeom prst="rect">
+            <a:avLst/>
+          </a:prstGeom>
+        </p:spPr>
+        <p:style>
+          <a:lnRef idx="2">
+            <a:schemeClr val="accent1">
+              <a:shade val="50000"/>
+            </a:schemeClr>
+          </a:lnRef>
+          <a:fillRef idx="1">
+            <a:schemeClr val="accent1"/>
+          </a:fillRef>
+          <a:effectRef idx="0">
+            <a:schemeClr val="accent1"/>
+          </a:effectRef>
+          <a:fontRef idx="minor">
+            <a:schemeClr val="lt1"/>
+          </a:fontRef>
+        </p:style>
+        <p:txBody>
+          <a:bodyPr rtlCol="0" anchor="ctr"/>
+          <a:lstStyle/>
+          <a:p>
+            <a:pPr algn="ctr"/>
+            <a:r>
+              <a:rPr lang="fr-FR" sz="800" dirty="0" err="1" smtClean="0"/>
+              <a:t>fact</a:t>
+            </a:r>
+            <a:r>
+              <a:rPr lang="fr-FR" sz="800" dirty="0" smtClean="0"/>
+              <a:t>(1)</a:t>
+            </a:r>
+            <a:endParaRPr lang="fr-FR" sz="800" dirty="0"/>
+          </a:p>
+        </p:txBody>
+      </p:sp>
+      <p:sp>
+        <p:nvSpPr>
+          <p:cNvPr id="14" name="Rectangle 13"/>
+          <p:cNvSpPr/>
+          <p:nvPr/>
+        </p:nvSpPr>
+        <p:spPr>
+          <a:xfrm>
+            <a:off x="5880125" y="4317549"/>
+            <a:ext cx="914400" cy="286247"/>
+          </a:xfrm>
+          <a:prstGeom prst="rect">
+            <a:avLst/>
+          </a:prstGeom>
+        </p:spPr>
+        <p:style>
+          <a:lnRef idx="2">
+            <a:schemeClr val="accent1">
+              <a:shade val="50000"/>
+            </a:schemeClr>
+          </a:lnRef>
+          <a:fillRef idx="1">
+            <a:schemeClr val="accent1"/>
+          </a:fillRef>
+          <a:effectRef idx="0">
+            <a:schemeClr val="accent1"/>
+          </a:effectRef>
+          <a:fontRef idx="minor">
+            <a:schemeClr val="lt1"/>
+          </a:fontRef>
+        </p:style>
+        <p:txBody>
+          <a:bodyPr rtlCol="0" anchor="ctr"/>
+          <a:lstStyle/>
+          <a:p>
+            <a:pPr algn="ctr"/>
+            <a:r>
+              <a:rPr lang="fr-FR" sz="800" dirty="0" smtClean="0"/>
+              <a:t>Main()</a:t>
+            </a:r>
+            <a:endParaRPr lang="fr-FR" sz="800" dirty="0"/>
+          </a:p>
+        </p:txBody>
+      </p:sp>
+      <p:sp>
+        <p:nvSpPr>
+          <p:cNvPr id="15" name="Rectangle 14"/>
+          <p:cNvSpPr/>
+          <p:nvPr/>
+        </p:nvSpPr>
+        <p:spPr>
+          <a:xfrm>
+            <a:off x="5880125" y="3636353"/>
+            <a:ext cx="914400" cy="286247"/>
+          </a:xfrm>
+          <a:prstGeom prst="rect">
+            <a:avLst/>
+          </a:prstGeom>
+        </p:spPr>
+        <p:style>
+          <a:lnRef idx="2">
+            <a:schemeClr val="accent1">
+              <a:shade val="50000"/>
+            </a:schemeClr>
+          </a:lnRef>
+          <a:fillRef idx="1">
+            <a:schemeClr val="accent1"/>
+          </a:fillRef>
+          <a:effectRef idx="0">
+            <a:schemeClr val="accent1"/>
+          </a:effectRef>
+          <a:fontRef idx="minor">
+            <a:schemeClr val="lt1"/>
+          </a:fontRef>
+        </p:style>
+        <p:txBody>
+          <a:bodyPr rtlCol="0" anchor="ctr"/>
+          <a:lstStyle/>
+          <a:p>
+            <a:pPr algn="ctr"/>
+            <a:r>
+              <a:rPr lang="fr-FR" sz="800" dirty="0" err="1" smtClean="0"/>
+              <a:t>fact</a:t>
+            </a:r>
+            <a:r>
+              <a:rPr lang="fr-FR" sz="800" dirty="0" smtClean="0"/>
+              <a:t>(2)</a:t>
+            </a:r>
+            <a:endParaRPr lang="fr-FR" sz="800" dirty="0"/>
+          </a:p>
+        </p:txBody>
+      </p:sp>
+      <p:sp>
+        <p:nvSpPr>
+          <p:cNvPr id="16" name="Rectangle 15"/>
+          <p:cNvSpPr/>
+          <p:nvPr/>
+        </p:nvSpPr>
+        <p:spPr>
+          <a:xfrm>
+            <a:off x="5880125" y="3318299"/>
+            <a:ext cx="914400" cy="286247"/>
+          </a:xfrm>
+          <a:prstGeom prst="rect">
+            <a:avLst/>
+          </a:prstGeom>
+        </p:spPr>
+        <p:style>
+          <a:lnRef idx="2">
+            <a:schemeClr val="accent1">
+              <a:shade val="50000"/>
+            </a:schemeClr>
+          </a:lnRef>
+          <a:fillRef idx="1">
+            <a:schemeClr val="accent1"/>
+          </a:fillRef>
+          <a:effectRef idx="0">
+            <a:schemeClr val="accent1"/>
+          </a:effectRef>
+          <a:fontRef idx="minor">
+            <a:schemeClr val="lt1"/>
+          </a:fontRef>
+        </p:style>
+        <p:txBody>
+          <a:bodyPr rtlCol="0" anchor="ctr"/>
+          <a:lstStyle/>
+          <a:p>
+            <a:pPr algn="ctr"/>
+            <a:r>
+              <a:rPr lang="fr-FR" sz="800" dirty="0" err="1" smtClean="0"/>
+              <a:t>fact</a:t>
+            </a:r>
+            <a:r>
+              <a:rPr lang="fr-FR" sz="800" dirty="0" smtClean="0"/>
+              <a:t>(1)</a:t>
+            </a:r>
+            <a:endParaRPr lang="fr-FR" sz="800" dirty="0"/>
+          </a:p>
+        </p:txBody>
+      </p:sp>
+      <p:sp>
+        <p:nvSpPr>
+          <p:cNvPr id="17" name="Rectangle 16"/>
+          <p:cNvSpPr/>
+          <p:nvPr/>
+        </p:nvSpPr>
+        <p:spPr>
+          <a:xfrm>
+            <a:off x="5880125" y="3000242"/>
+            <a:ext cx="914400" cy="286247"/>
+          </a:xfrm>
+          <a:prstGeom prst="rect">
+            <a:avLst/>
+          </a:prstGeom>
+        </p:spPr>
+        <p:style>
+          <a:lnRef idx="2">
+            <a:schemeClr val="accent1">
+              <a:shade val="50000"/>
+            </a:schemeClr>
+          </a:lnRef>
+          <a:fillRef idx="1">
+            <a:schemeClr val="accent1"/>
+          </a:fillRef>
+          <a:effectRef idx="0">
+            <a:schemeClr val="accent1"/>
+          </a:effectRef>
+          <a:fontRef idx="minor">
+            <a:schemeClr val="lt1"/>
+          </a:fontRef>
+        </p:style>
+        <p:txBody>
+          <a:bodyPr rtlCol="0" anchor="ctr"/>
+          <a:lstStyle/>
+          <a:p>
+            <a:pPr algn="ctr"/>
+            <a:r>
+              <a:rPr lang="fr-FR" sz="800" dirty="0" err="1" smtClean="0"/>
+              <a:t>fact</a:t>
+            </a:r>
+            <a:r>
+              <a:rPr lang="fr-FR" sz="800" dirty="0" smtClean="0"/>
+              <a:t>(0)</a:t>
+            </a:r>
+          </a:p>
+          <a:p>
+            <a:pPr algn="ctr"/>
+            <a:r>
+              <a:rPr lang="fr-FR" sz="800" dirty="0" smtClean="0"/>
+              <a:t>Return 1</a:t>
+            </a:r>
+            <a:endParaRPr lang="fr-FR" sz="800" dirty="0"/>
+          </a:p>
+        </p:txBody>
+      </p:sp>
+      <p:sp>
+        <p:nvSpPr>
+          <p:cNvPr id="18" name="Rectangle 17"/>
+          <p:cNvSpPr/>
+          <p:nvPr/>
+        </p:nvSpPr>
+        <p:spPr>
+          <a:xfrm>
+            <a:off x="6855154" y="4317548"/>
+            <a:ext cx="914400" cy="286247"/>
+          </a:xfrm>
+          <a:prstGeom prst="rect">
+            <a:avLst/>
+          </a:prstGeom>
+        </p:spPr>
+        <p:style>
+          <a:lnRef idx="2">
+            <a:schemeClr val="accent1">
+              <a:shade val="50000"/>
+            </a:schemeClr>
+          </a:lnRef>
+          <a:fillRef idx="1">
+            <a:schemeClr val="accent1"/>
+          </a:fillRef>
+          <a:effectRef idx="0">
+            <a:schemeClr val="accent1"/>
+          </a:effectRef>
+          <a:fontRef idx="minor">
+            <a:schemeClr val="lt1"/>
+          </a:fontRef>
+        </p:style>
+        <p:txBody>
+          <a:bodyPr rtlCol="0" anchor="ctr"/>
+          <a:lstStyle/>
+          <a:p>
+            <a:pPr algn="ctr"/>
+            <a:r>
+              <a:rPr lang="fr-FR" sz="800" dirty="0" smtClean="0"/>
+              <a:t>Main()</a:t>
+            </a:r>
+            <a:endParaRPr lang="fr-FR" sz="800" dirty="0"/>
+          </a:p>
+        </p:txBody>
+      </p:sp>
+      <p:sp>
+        <p:nvSpPr>
+          <p:cNvPr id="19" name="Rectangle 18"/>
+          <p:cNvSpPr/>
+          <p:nvPr/>
+        </p:nvSpPr>
+        <p:spPr>
+          <a:xfrm>
+            <a:off x="6855154" y="3636352"/>
+            <a:ext cx="914400" cy="286247"/>
+          </a:xfrm>
+          <a:prstGeom prst="rect">
+            <a:avLst/>
+          </a:prstGeom>
+        </p:spPr>
+        <p:style>
+          <a:lnRef idx="2">
+            <a:schemeClr val="accent1">
+              <a:shade val="50000"/>
+            </a:schemeClr>
+          </a:lnRef>
+          <a:fillRef idx="1">
+            <a:schemeClr val="accent1"/>
+          </a:fillRef>
+          <a:effectRef idx="0">
+            <a:schemeClr val="accent1"/>
+          </a:effectRef>
+          <a:fontRef idx="minor">
+            <a:schemeClr val="lt1"/>
+          </a:fontRef>
+        </p:style>
+        <p:txBody>
+          <a:bodyPr rtlCol="0" anchor="ctr"/>
+          <a:lstStyle/>
+          <a:p>
+            <a:pPr algn="ctr"/>
+            <a:r>
+              <a:rPr lang="fr-FR" sz="800" dirty="0" err="1" smtClean="0"/>
+              <a:t>fact</a:t>
+            </a:r>
+            <a:r>
+              <a:rPr lang="fr-FR" sz="800" dirty="0" smtClean="0"/>
+              <a:t>(2)</a:t>
+            </a:r>
+            <a:endParaRPr lang="fr-FR" sz="800" dirty="0"/>
+          </a:p>
+        </p:txBody>
+      </p:sp>
+      <p:sp>
+        <p:nvSpPr>
+          <p:cNvPr id="20" name="Rectangle 19"/>
+          <p:cNvSpPr/>
+          <p:nvPr/>
+        </p:nvSpPr>
+        <p:spPr>
+          <a:xfrm>
+            <a:off x="6855154" y="3318298"/>
+            <a:ext cx="914400" cy="286247"/>
+          </a:xfrm>
+          <a:prstGeom prst="rect">
+            <a:avLst/>
+          </a:prstGeom>
+        </p:spPr>
+        <p:style>
+          <a:lnRef idx="2">
+            <a:schemeClr val="accent1">
+              <a:shade val="50000"/>
+            </a:schemeClr>
+          </a:lnRef>
+          <a:fillRef idx="1">
+            <a:schemeClr val="accent1"/>
+          </a:fillRef>
+          <a:effectRef idx="0">
+            <a:schemeClr val="accent1"/>
+          </a:effectRef>
+          <a:fontRef idx="minor">
+            <a:schemeClr val="lt1"/>
+          </a:fontRef>
+        </p:style>
+        <p:txBody>
+          <a:bodyPr rtlCol="0" anchor="ctr"/>
+          <a:lstStyle/>
+          <a:p>
+            <a:pPr algn="ctr"/>
+            <a:r>
+              <a:rPr lang="fr-FR" sz="800" dirty="0" err="1" smtClean="0"/>
+              <a:t>fact</a:t>
+            </a:r>
+            <a:r>
+              <a:rPr lang="fr-FR" sz="800" dirty="0" smtClean="0"/>
+              <a:t>(1)</a:t>
+            </a:r>
+          </a:p>
+          <a:p>
+            <a:pPr algn="ctr"/>
+            <a:r>
+              <a:rPr lang="fr-FR" sz="800" dirty="0" smtClean="0"/>
+              <a:t>Return 1*1=1</a:t>
+            </a:r>
+            <a:endParaRPr lang="fr-FR" sz="800" dirty="0"/>
+          </a:p>
+        </p:txBody>
+      </p:sp>
+      <p:sp>
+        <p:nvSpPr>
+          <p:cNvPr id="26" name="Rectangle 25"/>
+          <p:cNvSpPr/>
+          <p:nvPr/>
+        </p:nvSpPr>
+        <p:spPr>
+          <a:xfrm>
+            <a:off x="7826538" y="4309595"/>
+            <a:ext cx="914400" cy="286247"/>
+          </a:xfrm>
+          <a:prstGeom prst="rect">
+            <a:avLst/>
+          </a:prstGeom>
+        </p:spPr>
+        <p:style>
+          <a:lnRef idx="2">
+            <a:schemeClr val="accent1">
+              <a:shade val="50000"/>
+            </a:schemeClr>
+          </a:lnRef>
+          <a:fillRef idx="1">
+            <a:schemeClr val="accent1"/>
+          </a:fillRef>
+          <a:effectRef idx="0">
+            <a:schemeClr val="accent1"/>
+          </a:effectRef>
+          <a:fontRef idx="minor">
+            <a:schemeClr val="lt1"/>
+          </a:fontRef>
+        </p:style>
+        <p:txBody>
+          <a:bodyPr rtlCol="0" anchor="ctr"/>
+          <a:lstStyle/>
+          <a:p>
+            <a:pPr algn="ctr"/>
+            <a:r>
+              <a:rPr lang="fr-FR" sz="800" dirty="0" smtClean="0"/>
+              <a:t>Main()</a:t>
+            </a:r>
+            <a:endParaRPr lang="fr-FR" sz="800" dirty="0"/>
+          </a:p>
+        </p:txBody>
+      </p:sp>
+      <p:sp>
+        <p:nvSpPr>
+          <p:cNvPr id="27" name="Rectangle 26"/>
+          <p:cNvSpPr/>
+          <p:nvPr/>
+        </p:nvSpPr>
+        <p:spPr>
+          <a:xfrm>
+            <a:off x="7826538" y="3652245"/>
+            <a:ext cx="914400" cy="286247"/>
+          </a:xfrm>
+          <a:prstGeom prst="rect">
+            <a:avLst/>
+          </a:prstGeom>
+        </p:spPr>
+        <p:style>
+          <a:lnRef idx="2">
+            <a:schemeClr val="accent1">
+              <a:shade val="50000"/>
+            </a:schemeClr>
+          </a:lnRef>
+          <a:fillRef idx="1">
+            <a:schemeClr val="accent1"/>
+          </a:fillRef>
+          <a:effectRef idx="0">
+            <a:schemeClr val="accent1"/>
+          </a:effectRef>
+          <a:fontRef idx="minor">
+            <a:schemeClr val="lt1"/>
+          </a:fontRef>
+        </p:style>
+        <p:txBody>
+          <a:bodyPr rtlCol="0" anchor="ctr"/>
+          <a:lstStyle/>
+          <a:p>
+            <a:pPr algn="ctr"/>
+            <a:r>
+              <a:rPr lang="fr-FR" sz="800" dirty="0" err="1" smtClean="0"/>
+              <a:t>fact</a:t>
+            </a:r>
+            <a:r>
+              <a:rPr lang="fr-FR" sz="800" dirty="0" smtClean="0"/>
+              <a:t>(2)</a:t>
+            </a:r>
+          </a:p>
+          <a:p>
+            <a:pPr algn="ctr"/>
+            <a:r>
+              <a:rPr lang="fr-FR" sz="800" dirty="0" smtClean="0"/>
+              <a:t>Return 2*1=2</a:t>
+            </a:r>
+            <a:endParaRPr lang="fr-FR" sz="800" dirty="0"/>
+          </a:p>
+        </p:txBody>
+      </p:sp>
+      <p:sp>
+        <p:nvSpPr>
+          <p:cNvPr id="29" name="Rectangle 28"/>
+          <p:cNvSpPr/>
+          <p:nvPr/>
+        </p:nvSpPr>
+        <p:spPr>
+          <a:xfrm>
+            <a:off x="9765330" y="4309588"/>
+            <a:ext cx="914400" cy="286247"/>
+          </a:xfrm>
+          <a:prstGeom prst="rect">
+            <a:avLst/>
+          </a:prstGeom>
+        </p:spPr>
+        <p:style>
+          <a:lnRef idx="2">
+            <a:schemeClr val="accent1">
+              <a:shade val="50000"/>
+            </a:schemeClr>
+          </a:lnRef>
+          <a:fillRef idx="1">
+            <a:schemeClr val="accent1"/>
+          </a:fillRef>
+          <a:effectRef idx="0">
+            <a:schemeClr val="accent1"/>
+          </a:effectRef>
+          <a:fontRef idx="minor">
+            <a:schemeClr val="lt1"/>
+          </a:fontRef>
+        </p:style>
+        <p:txBody>
+          <a:bodyPr rtlCol="0" anchor="ctr"/>
+          <a:lstStyle/>
+          <a:p>
+            <a:pPr algn="ctr"/>
+            <a:r>
+              <a:rPr lang="fr-FR" sz="800" dirty="0" smtClean="0"/>
+              <a:t>Main()</a:t>
+            </a:r>
+            <a:endParaRPr lang="fr-FR" sz="800" dirty="0"/>
+          </a:p>
+        </p:txBody>
+      </p:sp>
+      <p:sp>
+        <p:nvSpPr>
+          <p:cNvPr id="30" name="Rectangle 29"/>
+          <p:cNvSpPr/>
+          <p:nvPr/>
+        </p:nvSpPr>
+        <p:spPr>
+          <a:xfrm>
+            <a:off x="3930730" y="3961066"/>
+            <a:ext cx="914400" cy="286247"/>
+          </a:xfrm>
+          <a:prstGeom prst="rect">
+            <a:avLst/>
+          </a:prstGeom>
+        </p:spPr>
+        <p:style>
+          <a:lnRef idx="2">
+            <a:schemeClr val="accent1">
+              <a:shade val="50000"/>
+            </a:schemeClr>
+          </a:lnRef>
+          <a:fillRef idx="1">
+            <a:schemeClr val="accent1"/>
+          </a:fillRef>
+          <a:effectRef idx="0">
+            <a:schemeClr val="accent1"/>
+          </a:effectRef>
+          <a:fontRef idx="minor">
+            <a:schemeClr val="lt1"/>
+          </a:fontRef>
+        </p:style>
+        <p:txBody>
+          <a:bodyPr rtlCol="0" anchor="ctr"/>
+          <a:lstStyle/>
+          <a:p>
+            <a:pPr algn="ctr"/>
+            <a:r>
+              <a:rPr lang="fr-FR" sz="800" dirty="0" err="1" smtClean="0"/>
+              <a:t>fact</a:t>
+            </a:r>
+            <a:r>
+              <a:rPr lang="fr-FR" sz="800" dirty="0" smtClean="0"/>
+              <a:t>(3)</a:t>
+            </a:r>
+            <a:endParaRPr lang="fr-FR" sz="800" dirty="0"/>
+          </a:p>
+        </p:txBody>
+      </p:sp>
+      <p:sp>
+        <p:nvSpPr>
+          <p:cNvPr id="32" name="Rectangle 31"/>
+          <p:cNvSpPr/>
+          <p:nvPr/>
+        </p:nvSpPr>
+        <p:spPr>
+          <a:xfrm>
+            <a:off x="4905096" y="3976951"/>
+            <a:ext cx="914400" cy="286247"/>
+          </a:xfrm>
+          <a:prstGeom prst="rect">
+            <a:avLst/>
+          </a:prstGeom>
+        </p:spPr>
+        <p:style>
+          <a:lnRef idx="2">
+            <a:schemeClr val="accent1">
+              <a:shade val="50000"/>
+            </a:schemeClr>
+          </a:lnRef>
+          <a:fillRef idx="1">
+            <a:schemeClr val="accent1"/>
+          </a:fillRef>
+          <a:effectRef idx="0">
+            <a:schemeClr val="accent1"/>
+          </a:effectRef>
+          <a:fontRef idx="minor">
+            <a:schemeClr val="lt1"/>
+          </a:fontRef>
+        </p:style>
+        <p:txBody>
+          <a:bodyPr rtlCol="0" anchor="ctr"/>
+          <a:lstStyle/>
+          <a:p>
+            <a:pPr algn="ctr"/>
+            <a:r>
+              <a:rPr lang="fr-FR" sz="800" dirty="0" err="1" smtClean="0"/>
+              <a:t>fact</a:t>
+            </a:r>
+            <a:r>
+              <a:rPr lang="fr-FR" sz="800" dirty="0" smtClean="0"/>
+              <a:t>(3)</a:t>
+            </a:r>
+            <a:endParaRPr lang="fr-FR" sz="800" dirty="0"/>
+          </a:p>
+        </p:txBody>
+      </p:sp>
+      <p:sp>
+        <p:nvSpPr>
+          <p:cNvPr id="33" name="Rectangle 32"/>
+          <p:cNvSpPr/>
+          <p:nvPr/>
+        </p:nvSpPr>
+        <p:spPr>
+          <a:xfrm>
+            <a:off x="5879462" y="3976951"/>
+            <a:ext cx="914400" cy="286247"/>
+          </a:xfrm>
+          <a:prstGeom prst="rect">
+            <a:avLst/>
+          </a:prstGeom>
+        </p:spPr>
+        <p:style>
+          <a:lnRef idx="2">
+            <a:schemeClr val="accent1">
+              <a:shade val="50000"/>
+            </a:schemeClr>
+          </a:lnRef>
+          <a:fillRef idx="1">
+            <a:schemeClr val="accent1"/>
+          </a:fillRef>
+          <a:effectRef idx="0">
+            <a:schemeClr val="accent1"/>
+          </a:effectRef>
+          <a:fontRef idx="minor">
+            <a:schemeClr val="lt1"/>
+          </a:fontRef>
+        </p:style>
+        <p:txBody>
+          <a:bodyPr rtlCol="0" anchor="ctr"/>
+          <a:lstStyle/>
+          <a:p>
+            <a:pPr algn="ctr"/>
+            <a:r>
+              <a:rPr lang="fr-FR" sz="800" dirty="0" err="1" smtClean="0"/>
+              <a:t>fact</a:t>
+            </a:r>
+            <a:r>
+              <a:rPr lang="fr-FR" sz="800" dirty="0" smtClean="0"/>
+              <a:t>(3)</a:t>
+            </a:r>
+            <a:endParaRPr lang="fr-FR" sz="800" dirty="0"/>
+          </a:p>
+        </p:txBody>
+      </p:sp>
+      <p:sp>
+        <p:nvSpPr>
+          <p:cNvPr id="34" name="Rectangle 33"/>
+          <p:cNvSpPr/>
+          <p:nvPr/>
+        </p:nvSpPr>
+        <p:spPr>
+          <a:xfrm>
+            <a:off x="6854491" y="3976951"/>
+            <a:ext cx="914400" cy="286247"/>
+          </a:xfrm>
+          <a:prstGeom prst="rect">
+            <a:avLst/>
+          </a:prstGeom>
+        </p:spPr>
+        <p:style>
+          <a:lnRef idx="2">
+            <a:schemeClr val="accent1">
+              <a:shade val="50000"/>
+            </a:schemeClr>
+          </a:lnRef>
+          <a:fillRef idx="1">
+            <a:schemeClr val="accent1"/>
+          </a:fillRef>
+          <a:effectRef idx="0">
+            <a:schemeClr val="accent1"/>
+          </a:effectRef>
+          <a:fontRef idx="minor">
+            <a:schemeClr val="lt1"/>
+          </a:fontRef>
+        </p:style>
+        <p:txBody>
+          <a:bodyPr rtlCol="0" anchor="ctr"/>
+          <a:lstStyle/>
+          <a:p>
+            <a:pPr algn="ctr"/>
+            <a:r>
+              <a:rPr lang="fr-FR" sz="800" dirty="0" err="1" smtClean="0"/>
+              <a:t>fact</a:t>
+            </a:r>
+            <a:r>
+              <a:rPr lang="fr-FR" sz="800" dirty="0" smtClean="0"/>
+              <a:t>(3)</a:t>
+            </a:r>
+            <a:endParaRPr lang="fr-FR" sz="800" dirty="0"/>
+          </a:p>
+        </p:txBody>
+      </p:sp>
+      <p:sp>
+        <p:nvSpPr>
+          <p:cNvPr id="35" name="Rectangle 34"/>
+          <p:cNvSpPr/>
+          <p:nvPr/>
+        </p:nvSpPr>
+        <p:spPr>
+          <a:xfrm>
+            <a:off x="7825212" y="3976951"/>
+            <a:ext cx="914400" cy="286247"/>
+          </a:xfrm>
+          <a:prstGeom prst="rect">
+            <a:avLst/>
+          </a:prstGeom>
+        </p:spPr>
+        <p:style>
+          <a:lnRef idx="2">
+            <a:schemeClr val="accent1">
+              <a:shade val="50000"/>
+            </a:schemeClr>
+          </a:lnRef>
+          <a:fillRef idx="1">
+            <a:schemeClr val="accent1"/>
+          </a:fillRef>
+          <a:effectRef idx="0">
+            <a:schemeClr val="accent1"/>
+          </a:effectRef>
+          <a:fontRef idx="minor">
+            <a:schemeClr val="lt1"/>
+          </a:fontRef>
+        </p:style>
+        <p:txBody>
+          <a:bodyPr rtlCol="0" anchor="ctr"/>
+          <a:lstStyle/>
+          <a:p>
+            <a:pPr algn="ctr"/>
+            <a:r>
+              <a:rPr lang="fr-FR" sz="800" dirty="0" err="1" smtClean="0"/>
+              <a:t>fact</a:t>
+            </a:r>
+            <a:r>
+              <a:rPr lang="fr-FR" sz="800" dirty="0" smtClean="0"/>
+              <a:t>(3)</a:t>
+            </a:r>
+            <a:endParaRPr lang="fr-FR" sz="800" dirty="0"/>
+          </a:p>
+        </p:txBody>
+      </p:sp>
+      <p:sp>
+        <p:nvSpPr>
+          <p:cNvPr id="37" name="Rectangle 36"/>
+          <p:cNvSpPr/>
+          <p:nvPr/>
+        </p:nvSpPr>
+        <p:spPr>
+          <a:xfrm>
+            <a:off x="2955701" y="4317550"/>
+            <a:ext cx="914400" cy="286247"/>
+          </a:xfrm>
+          <a:prstGeom prst="rect">
+            <a:avLst/>
+          </a:prstGeom>
+        </p:spPr>
+        <p:style>
+          <a:lnRef idx="2">
+            <a:schemeClr val="accent1">
+              <a:shade val="50000"/>
+            </a:schemeClr>
+          </a:lnRef>
+          <a:fillRef idx="1">
+            <a:schemeClr val="accent1"/>
+          </a:fillRef>
+          <a:effectRef idx="0">
+            <a:schemeClr val="accent1"/>
+          </a:effectRef>
+          <a:fontRef idx="minor">
+            <a:schemeClr val="lt1"/>
+          </a:fontRef>
+        </p:style>
+        <p:txBody>
+          <a:bodyPr rtlCol="0" anchor="ctr"/>
+          <a:lstStyle/>
+          <a:p>
+            <a:pPr algn="ctr"/>
+            <a:r>
+              <a:rPr lang="fr-FR" sz="800" dirty="0" smtClean="0"/>
+              <a:t>Main()</a:t>
+            </a:r>
+            <a:endParaRPr lang="fr-FR" sz="800" dirty="0"/>
+          </a:p>
+        </p:txBody>
+      </p:sp>
+      <p:sp>
+        <p:nvSpPr>
+          <p:cNvPr id="38" name="Rectangle 37"/>
+          <p:cNvSpPr/>
+          <p:nvPr/>
+        </p:nvSpPr>
+        <p:spPr>
+          <a:xfrm>
+            <a:off x="2955701" y="3961065"/>
+            <a:ext cx="914400" cy="286247"/>
+          </a:xfrm>
+          <a:prstGeom prst="rect">
+            <a:avLst/>
+          </a:prstGeom>
+        </p:spPr>
+        <p:style>
+          <a:lnRef idx="2">
+            <a:schemeClr val="accent1">
+              <a:shade val="50000"/>
+            </a:schemeClr>
+          </a:lnRef>
+          <a:fillRef idx="1">
+            <a:schemeClr val="accent1"/>
+          </a:fillRef>
+          <a:effectRef idx="0">
+            <a:schemeClr val="accent1"/>
+          </a:effectRef>
+          <a:fontRef idx="minor">
+            <a:schemeClr val="lt1"/>
+          </a:fontRef>
+        </p:style>
+        <p:txBody>
+          <a:bodyPr rtlCol="0" anchor="ctr"/>
+          <a:lstStyle/>
+          <a:p>
+            <a:pPr algn="ctr"/>
+            <a:r>
+              <a:rPr lang="fr-FR" sz="800" dirty="0" err="1" smtClean="0"/>
+              <a:t>fact</a:t>
+            </a:r>
+            <a:r>
+              <a:rPr lang="fr-FR" sz="800" dirty="0" smtClean="0"/>
+              <a:t>(3)</a:t>
+            </a:r>
+            <a:endParaRPr lang="fr-FR" sz="800" dirty="0"/>
+          </a:p>
+        </p:txBody>
+      </p:sp>
+      <p:sp>
+        <p:nvSpPr>
+          <p:cNvPr id="39" name="Rectangle 38"/>
+          <p:cNvSpPr/>
+          <p:nvPr/>
+        </p:nvSpPr>
+        <p:spPr>
+          <a:xfrm>
+            <a:off x="8795934" y="4309589"/>
+            <a:ext cx="914400" cy="286247"/>
+          </a:xfrm>
+          <a:prstGeom prst="rect">
+            <a:avLst/>
+          </a:prstGeom>
+        </p:spPr>
+        <p:style>
+          <a:lnRef idx="2">
+            <a:schemeClr val="accent1">
+              <a:shade val="50000"/>
+            </a:schemeClr>
+          </a:lnRef>
+          <a:fillRef idx="1">
+            <a:schemeClr val="accent1"/>
+          </a:fillRef>
+          <a:effectRef idx="0">
+            <a:schemeClr val="accent1"/>
+          </a:effectRef>
+          <a:fontRef idx="minor">
+            <a:schemeClr val="lt1"/>
+          </a:fontRef>
+        </p:style>
+        <p:txBody>
+          <a:bodyPr rtlCol="0" anchor="ctr"/>
+          <a:lstStyle/>
+          <a:p>
+            <a:pPr algn="ctr"/>
+            <a:r>
+              <a:rPr lang="fr-FR" sz="800" dirty="0" smtClean="0"/>
+              <a:t>Main()</a:t>
+            </a:r>
+            <a:endParaRPr lang="fr-FR" sz="800" dirty="0"/>
+          </a:p>
+        </p:txBody>
+      </p:sp>
+      <p:sp>
+        <p:nvSpPr>
+          <p:cNvPr id="40" name="Rectangle 39"/>
+          <p:cNvSpPr/>
+          <p:nvPr/>
+        </p:nvSpPr>
+        <p:spPr>
+          <a:xfrm>
+            <a:off x="8795934" y="3970315"/>
+            <a:ext cx="914400" cy="286247"/>
+          </a:xfrm>
+          <a:prstGeom prst="rect">
+            <a:avLst/>
+          </a:prstGeom>
+        </p:spPr>
+        <p:style>
+          <a:lnRef idx="2">
+            <a:schemeClr val="accent1">
+              <a:shade val="50000"/>
+            </a:schemeClr>
+          </a:lnRef>
+          <a:fillRef idx="1">
+            <a:schemeClr val="accent1"/>
+          </a:fillRef>
+          <a:effectRef idx="0">
+            <a:schemeClr val="accent1"/>
+          </a:effectRef>
+          <a:fontRef idx="minor">
+            <a:schemeClr val="lt1"/>
+          </a:fontRef>
+        </p:style>
+        <p:txBody>
+          <a:bodyPr rtlCol="0" anchor="ctr"/>
+          <a:lstStyle/>
+          <a:p>
+            <a:pPr algn="ctr"/>
+            <a:r>
+              <a:rPr lang="fr-FR" sz="800" dirty="0" err="1" smtClean="0"/>
+              <a:t>fact</a:t>
+            </a:r>
+            <a:r>
+              <a:rPr lang="fr-FR" sz="800" dirty="0" smtClean="0"/>
+              <a:t>(3)</a:t>
+            </a:r>
+          </a:p>
+          <a:p>
+            <a:pPr algn="ctr"/>
+            <a:r>
+              <a:rPr lang="fr-FR" sz="800" dirty="0" smtClean="0"/>
+              <a:t>Return 3*2=6</a:t>
+            </a:r>
+            <a:endParaRPr lang="fr-FR" sz="800" dirty="0"/>
+          </a:p>
+        </p:txBody>
+      </p:sp>
+    </p:spTree>
+    <p:extLst>
+      <p:ext uri="{BB962C8B-B14F-4D97-AF65-F5344CB8AC3E}">
+        <p14:creationId xmlns:p14="http://schemas.microsoft.com/office/powerpoint/2010/main" val="832691443"/>
+      </p:ext>
+    </p:extLst>
+  </p:cSld>
+  <p:clrMapOvr>
+    <a:masterClrMapping/>
+  </p:clrMapOvr>
+  <p:timing>
+    <p:tnLst>
+      <p:par>
+        <p:cTn id="1" dur="indefinite" restart="never" nodeType="tmRoot">
+          <p:childTnLst>
+            <p:seq concurrent="1" nextAc="seek">
+              <p:cTn id="2" dur="indefinite" nodeType="mainSeq">
+                <p:childTnLst>
+                  <p:par>
+                    <p:cTn id="3" fill="hold">
+                      <p:stCondLst>
+                        <p:cond delay="indefinite"/>
+                      </p:stCondLst>
+                      <p:childTnLst>
+                        <p:par>
+                          <p:cTn id="4" fill="hold">
+                            <p:stCondLst>
+                              <p:cond delay="0"/>
+                            </p:stCondLst>
+                            <p:childTnLst>
+                              <p:par>
+                                <p:cTn id="5" presetID="1" presetClass="entr" presetSubtype="0" fill="hold" grpId="0" nodeType="clickEffect">
+                                  <p:stCondLst>
+                                    <p:cond delay="0"/>
+                                  </p:stCondLst>
+                                  <p:childTnLst>
+                                    <p:set>
+                                      <p:cBhvr>
+                                        <p:cTn id="6" dur="1" fill="hold">
+                                          <p:stCondLst>
+                                            <p:cond delay="0"/>
+                                          </p:stCondLst>
+                                        </p:cTn>
+                                        <p:tgtEl>
+                                          <p:spTgt spid="8"/>
+                                        </p:tgtEl>
+                                        <p:attrNameLst>
+                                          <p:attrName>style.visibility</p:attrName>
+                                        </p:attrNameLst>
+                                      </p:cBhvr>
+                                      <p:to>
+                                        <p:strVal val="visible"/>
+                                      </p:to>
+                                    </p:set>
+                                  </p:childTnLst>
+                                </p:cTn>
+                              </p:par>
+                            </p:childTnLst>
+                          </p:cTn>
+                        </p:par>
+                      </p:childTnLst>
+                    </p:cTn>
+                  </p:par>
+                  <p:par>
+                    <p:cTn id="7" fill="hold">
+                      <p:stCondLst>
+                        <p:cond delay="indefinite"/>
+                      </p:stCondLst>
+                      <p:childTnLst>
+                        <p:par>
+                          <p:cTn id="8" fill="hold">
+                            <p:stCondLst>
+                              <p:cond delay="0"/>
+                            </p:stCondLst>
+                            <p:childTnLst>
+                              <p:par>
+                                <p:cTn id="9" presetID="1" presetClass="entr" presetSubtype="0" fill="hold" grpId="0" nodeType="clickEffect">
+                                  <p:stCondLst>
+                                    <p:cond delay="0"/>
+                                  </p:stCondLst>
+                                  <p:childTnLst>
+                                    <p:set>
+                                      <p:cBhvr>
+                                        <p:cTn id="10" dur="1" fill="hold">
+                                          <p:stCondLst>
+                                            <p:cond delay="0"/>
+                                          </p:stCondLst>
+                                        </p:cTn>
+                                        <p:tgtEl>
+                                          <p:spTgt spid="37"/>
+                                        </p:tgtEl>
+                                        <p:attrNameLst>
+                                          <p:attrName>style.visibility</p:attrName>
+                                        </p:attrNameLst>
+                                      </p:cBhvr>
+                                      <p:to>
+                                        <p:strVal val="visible"/>
+                                      </p:to>
+                                    </p:set>
+                                  </p:childTnLst>
+                                </p:cTn>
+                              </p:par>
+                              <p:par>
+                                <p:cTn id="11" presetID="1" presetClass="entr" presetSubtype="0" fill="hold" grpId="0" nodeType="withEffect">
+                                  <p:stCondLst>
+                                    <p:cond delay="0"/>
+                                  </p:stCondLst>
+                                  <p:childTnLst>
+                                    <p:set>
+                                      <p:cBhvr>
+                                        <p:cTn id="12" dur="1" fill="hold">
+                                          <p:stCondLst>
+                                            <p:cond delay="0"/>
+                                          </p:stCondLst>
+                                        </p:cTn>
+                                        <p:tgtEl>
+                                          <p:spTgt spid="38"/>
+                                        </p:tgtEl>
+                                        <p:attrNameLst>
+                                          <p:attrName>style.visibility</p:attrName>
+                                        </p:attrNameLst>
+                                      </p:cBhvr>
+                                      <p:to>
+                                        <p:strVal val="visible"/>
+                                      </p:to>
+                                    </p:set>
+                                  </p:childTnLst>
+                                </p:cTn>
+                              </p:par>
+                            </p:childTnLst>
+                          </p:cTn>
+                        </p:par>
+                      </p:childTnLst>
+                    </p:cTn>
+                  </p:par>
+                  <p:par>
+                    <p:cTn id="13" fill="hold">
+                      <p:stCondLst>
+                        <p:cond delay="indefinite"/>
+                      </p:stCondLst>
+                      <p:childTnLst>
+                        <p:par>
+                          <p:cTn id="14" fill="hold">
+                            <p:stCondLst>
+                              <p:cond delay="0"/>
+                            </p:stCondLst>
+                            <p:childTnLst>
+                              <p:par>
+                                <p:cTn id="15" presetID="1" presetClass="entr" presetSubtype="0" fill="hold" grpId="0" nodeType="clickEffect">
+                                  <p:stCondLst>
+                                    <p:cond delay="0"/>
+                                  </p:stCondLst>
+                                  <p:childTnLst>
+                                    <p:set>
+                                      <p:cBhvr>
+                                        <p:cTn id="16" dur="1" fill="hold">
+                                          <p:stCondLst>
+                                            <p:cond delay="0"/>
+                                          </p:stCondLst>
+                                        </p:cTn>
+                                        <p:tgtEl>
+                                          <p:spTgt spid="9"/>
+                                        </p:tgtEl>
+                                        <p:attrNameLst>
+                                          <p:attrName>style.visibility</p:attrName>
+                                        </p:attrNameLst>
+                                      </p:cBhvr>
+                                      <p:to>
+                                        <p:strVal val="visible"/>
+                                      </p:to>
+                                    </p:set>
+                                  </p:childTnLst>
+                                </p:cTn>
+                              </p:par>
+                              <p:par>
+                                <p:cTn id="17" presetID="1" presetClass="entr" presetSubtype="0" fill="hold" grpId="0" nodeType="withEffect">
+                                  <p:stCondLst>
+                                    <p:cond delay="0"/>
+                                  </p:stCondLst>
+                                  <p:childTnLst>
+                                    <p:set>
+                                      <p:cBhvr>
+                                        <p:cTn id="18" dur="1" fill="hold">
+                                          <p:stCondLst>
+                                            <p:cond delay="0"/>
+                                          </p:stCondLst>
+                                        </p:cTn>
+                                        <p:tgtEl>
+                                          <p:spTgt spid="10"/>
+                                        </p:tgtEl>
+                                        <p:attrNameLst>
+                                          <p:attrName>style.visibility</p:attrName>
+                                        </p:attrNameLst>
+                                      </p:cBhvr>
+                                      <p:to>
+                                        <p:strVal val="visible"/>
+                                      </p:to>
+                                    </p:set>
+                                  </p:childTnLst>
+                                </p:cTn>
+                              </p:par>
+                              <p:par>
+                                <p:cTn id="19" presetID="1" presetClass="entr" presetSubtype="0" fill="hold" grpId="0" nodeType="withEffect">
+                                  <p:stCondLst>
+                                    <p:cond delay="0"/>
+                                  </p:stCondLst>
+                                  <p:childTnLst>
+                                    <p:set>
+                                      <p:cBhvr>
+                                        <p:cTn id="20" dur="1" fill="hold">
+                                          <p:stCondLst>
+                                            <p:cond delay="0"/>
+                                          </p:stCondLst>
+                                        </p:cTn>
+                                        <p:tgtEl>
+                                          <p:spTgt spid="30"/>
+                                        </p:tgtEl>
+                                        <p:attrNameLst>
+                                          <p:attrName>style.visibility</p:attrName>
+                                        </p:attrNameLst>
+                                      </p:cBhvr>
+                                      <p:to>
+                                        <p:strVal val="visible"/>
+                                      </p:to>
+                                    </p:set>
+                                  </p:childTnLst>
+                                </p:cTn>
+                              </p:par>
+                            </p:childTnLst>
+                          </p:cTn>
+                        </p:par>
+                      </p:childTnLst>
+                    </p:cTn>
+                  </p:par>
+                  <p:par>
+                    <p:cTn id="21" fill="hold">
+                      <p:stCondLst>
+                        <p:cond delay="indefinite"/>
+                      </p:stCondLst>
+                      <p:childTnLst>
+                        <p:par>
+                          <p:cTn id="22" fill="hold">
+                            <p:stCondLst>
+                              <p:cond delay="0"/>
+                            </p:stCondLst>
+                            <p:childTnLst>
+                              <p:par>
+                                <p:cTn id="23" presetID="1" presetClass="entr" presetSubtype="0" fill="hold" grpId="0" nodeType="clickEffect">
+                                  <p:stCondLst>
+                                    <p:cond delay="0"/>
+                                  </p:stCondLst>
+                                  <p:childTnLst>
+                                    <p:set>
+                                      <p:cBhvr>
+                                        <p:cTn id="24" dur="1" fill="hold">
+                                          <p:stCondLst>
+                                            <p:cond delay="0"/>
+                                          </p:stCondLst>
+                                        </p:cTn>
+                                        <p:tgtEl>
+                                          <p:spTgt spid="11"/>
+                                        </p:tgtEl>
+                                        <p:attrNameLst>
+                                          <p:attrName>style.visibility</p:attrName>
+                                        </p:attrNameLst>
+                                      </p:cBhvr>
+                                      <p:to>
+                                        <p:strVal val="visible"/>
+                                      </p:to>
+                                    </p:set>
+                                  </p:childTnLst>
+                                </p:cTn>
+                              </p:par>
+                              <p:par>
+                                <p:cTn id="25" presetID="1" presetClass="entr" presetSubtype="0" fill="hold" grpId="0" nodeType="withEffect">
+                                  <p:stCondLst>
+                                    <p:cond delay="0"/>
+                                  </p:stCondLst>
+                                  <p:childTnLst>
+                                    <p:set>
+                                      <p:cBhvr>
+                                        <p:cTn id="26" dur="1" fill="hold">
+                                          <p:stCondLst>
+                                            <p:cond delay="0"/>
+                                          </p:stCondLst>
+                                        </p:cTn>
+                                        <p:tgtEl>
+                                          <p:spTgt spid="12"/>
+                                        </p:tgtEl>
+                                        <p:attrNameLst>
+                                          <p:attrName>style.visibility</p:attrName>
+                                        </p:attrNameLst>
+                                      </p:cBhvr>
+                                      <p:to>
+                                        <p:strVal val="visible"/>
+                                      </p:to>
+                                    </p:set>
+                                  </p:childTnLst>
+                                </p:cTn>
+                              </p:par>
+                              <p:par>
+                                <p:cTn id="27" presetID="1" presetClass="entr" presetSubtype="0" fill="hold" grpId="0" nodeType="withEffect">
+                                  <p:stCondLst>
+                                    <p:cond delay="0"/>
+                                  </p:stCondLst>
+                                  <p:childTnLst>
+                                    <p:set>
+                                      <p:cBhvr>
+                                        <p:cTn id="28" dur="1" fill="hold">
+                                          <p:stCondLst>
+                                            <p:cond delay="0"/>
+                                          </p:stCondLst>
+                                        </p:cTn>
+                                        <p:tgtEl>
+                                          <p:spTgt spid="13"/>
+                                        </p:tgtEl>
+                                        <p:attrNameLst>
+                                          <p:attrName>style.visibility</p:attrName>
+                                        </p:attrNameLst>
+                                      </p:cBhvr>
+                                      <p:to>
+                                        <p:strVal val="visible"/>
+                                      </p:to>
+                                    </p:set>
+                                  </p:childTnLst>
+                                </p:cTn>
+                              </p:par>
+                              <p:par>
+                                <p:cTn id="29" presetID="1" presetClass="entr" presetSubtype="0" fill="hold" grpId="0" nodeType="withEffect">
+                                  <p:stCondLst>
+                                    <p:cond delay="0"/>
+                                  </p:stCondLst>
+                                  <p:childTnLst>
+                                    <p:set>
+                                      <p:cBhvr>
+                                        <p:cTn id="30" dur="1" fill="hold">
+                                          <p:stCondLst>
+                                            <p:cond delay="0"/>
+                                          </p:stCondLst>
+                                        </p:cTn>
+                                        <p:tgtEl>
+                                          <p:spTgt spid="32"/>
+                                        </p:tgtEl>
+                                        <p:attrNameLst>
+                                          <p:attrName>style.visibility</p:attrName>
+                                        </p:attrNameLst>
+                                      </p:cBhvr>
+                                      <p:to>
+                                        <p:strVal val="visible"/>
+                                      </p:to>
+                                    </p:set>
+                                  </p:childTnLst>
+                                </p:cTn>
+                              </p:par>
+                            </p:childTnLst>
+                          </p:cTn>
+                        </p:par>
+                      </p:childTnLst>
+                    </p:cTn>
+                  </p:par>
+                  <p:par>
+                    <p:cTn id="31" fill="hold">
+                      <p:stCondLst>
+                        <p:cond delay="indefinite"/>
+                      </p:stCondLst>
+                      <p:childTnLst>
+                        <p:par>
+                          <p:cTn id="32" fill="hold">
+                            <p:stCondLst>
+                              <p:cond delay="0"/>
+                            </p:stCondLst>
+                            <p:childTnLst>
+                              <p:par>
+                                <p:cTn id="33" presetID="1" presetClass="entr" presetSubtype="0" fill="hold" grpId="0" nodeType="clickEffect">
+                                  <p:stCondLst>
+                                    <p:cond delay="0"/>
+                                  </p:stCondLst>
+                                  <p:childTnLst>
+                                    <p:set>
+                                      <p:cBhvr>
+                                        <p:cTn id="34" dur="1" fill="hold">
+                                          <p:stCondLst>
+                                            <p:cond delay="0"/>
+                                          </p:stCondLst>
+                                        </p:cTn>
+                                        <p:tgtEl>
+                                          <p:spTgt spid="14"/>
+                                        </p:tgtEl>
+                                        <p:attrNameLst>
+                                          <p:attrName>style.visibility</p:attrName>
+                                        </p:attrNameLst>
+                                      </p:cBhvr>
+                                      <p:to>
+                                        <p:strVal val="visible"/>
+                                      </p:to>
+                                    </p:set>
+                                  </p:childTnLst>
+                                </p:cTn>
+                              </p:par>
+                              <p:par>
+                                <p:cTn id="35" presetID="1" presetClass="entr" presetSubtype="0" fill="hold" grpId="0" nodeType="withEffect">
+                                  <p:stCondLst>
+                                    <p:cond delay="0"/>
+                                  </p:stCondLst>
+                                  <p:childTnLst>
+                                    <p:set>
+                                      <p:cBhvr>
+                                        <p:cTn id="36" dur="1" fill="hold">
+                                          <p:stCondLst>
+                                            <p:cond delay="0"/>
+                                          </p:stCondLst>
+                                        </p:cTn>
+                                        <p:tgtEl>
+                                          <p:spTgt spid="15"/>
+                                        </p:tgtEl>
+                                        <p:attrNameLst>
+                                          <p:attrName>style.visibility</p:attrName>
+                                        </p:attrNameLst>
+                                      </p:cBhvr>
+                                      <p:to>
+                                        <p:strVal val="visible"/>
+                                      </p:to>
+                                    </p:set>
+                                  </p:childTnLst>
+                                </p:cTn>
+                              </p:par>
+                              <p:par>
+                                <p:cTn id="37" presetID="1" presetClass="entr" presetSubtype="0" fill="hold" grpId="0" nodeType="withEffect">
+                                  <p:stCondLst>
+                                    <p:cond delay="0"/>
+                                  </p:stCondLst>
+                                  <p:childTnLst>
+                                    <p:set>
+                                      <p:cBhvr>
+                                        <p:cTn id="38" dur="1" fill="hold">
+                                          <p:stCondLst>
+                                            <p:cond delay="0"/>
+                                          </p:stCondLst>
+                                        </p:cTn>
+                                        <p:tgtEl>
+                                          <p:spTgt spid="16"/>
+                                        </p:tgtEl>
+                                        <p:attrNameLst>
+                                          <p:attrName>style.visibility</p:attrName>
+                                        </p:attrNameLst>
+                                      </p:cBhvr>
+                                      <p:to>
+                                        <p:strVal val="visible"/>
+                                      </p:to>
+                                    </p:set>
+                                  </p:childTnLst>
+                                </p:cTn>
+                              </p:par>
+                              <p:par>
+                                <p:cTn id="39" presetID="1" presetClass="entr" presetSubtype="0" fill="hold" grpId="0" nodeType="withEffect">
+                                  <p:stCondLst>
+                                    <p:cond delay="0"/>
+                                  </p:stCondLst>
+                                  <p:childTnLst>
+                                    <p:set>
+                                      <p:cBhvr>
+                                        <p:cTn id="40" dur="1" fill="hold">
+                                          <p:stCondLst>
+                                            <p:cond delay="0"/>
+                                          </p:stCondLst>
+                                        </p:cTn>
+                                        <p:tgtEl>
+                                          <p:spTgt spid="17"/>
+                                        </p:tgtEl>
+                                        <p:attrNameLst>
+                                          <p:attrName>style.visibility</p:attrName>
+                                        </p:attrNameLst>
+                                      </p:cBhvr>
+                                      <p:to>
+                                        <p:strVal val="visible"/>
+                                      </p:to>
+                                    </p:set>
+                                  </p:childTnLst>
+                                </p:cTn>
+                              </p:par>
+                              <p:par>
+                                <p:cTn id="41" presetID="1" presetClass="entr" presetSubtype="0" fill="hold" grpId="0" nodeType="withEffect">
+                                  <p:stCondLst>
+                                    <p:cond delay="0"/>
+                                  </p:stCondLst>
+                                  <p:childTnLst>
+                                    <p:set>
+                                      <p:cBhvr>
+                                        <p:cTn id="42" dur="1" fill="hold">
+                                          <p:stCondLst>
+                                            <p:cond delay="0"/>
+                                          </p:stCondLst>
+                                        </p:cTn>
+                                        <p:tgtEl>
+                                          <p:spTgt spid="33"/>
+                                        </p:tgtEl>
+                                        <p:attrNameLst>
+                                          <p:attrName>style.visibility</p:attrName>
+                                        </p:attrNameLst>
+                                      </p:cBhvr>
+                                      <p:to>
+                                        <p:strVal val="visible"/>
+                                      </p:to>
+                                    </p:set>
+                                  </p:childTnLst>
+                                </p:cTn>
+                              </p:par>
+                            </p:childTnLst>
+                          </p:cTn>
+                        </p:par>
+                      </p:childTnLst>
+                    </p:cTn>
+                  </p:par>
+                  <p:par>
+                    <p:cTn id="43" fill="hold">
+                      <p:stCondLst>
+                        <p:cond delay="indefinite"/>
+                      </p:stCondLst>
+                      <p:childTnLst>
+                        <p:par>
+                          <p:cTn id="44" fill="hold">
+                            <p:stCondLst>
+                              <p:cond delay="0"/>
+                            </p:stCondLst>
+                            <p:childTnLst>
+                              <p:par>
+                                <p:cTn id="45" presetID="1" presetClass="entr" presetSubtype="0" fill="hold" grpId="0" nodeType="clickEffect">
+                                  <p:stCondLst>
+                                    <p:cond delay="0"/>
+                                  </p:stCondLst>
+                                  <p:childTnLst>
+                                    <p:set>
+                                      <p:cBhvr>
+                                        <p:cTn id="46" dur="1" fill="hold">
+                                          <p:stCondLst>
+                                            <p:cond delay="0"/>
+                                          </p:stCondLst>
+                                        </p:cTn>
+                                        <p:tgtEl>
+                                          <p:spTgt spid="18"/>
+                                        </p:tgtEl>
+                                        <p:attrNameLst>
+                                          <p:attrName>style.visibility</p:attrName>
+                                        </p:attrNameLst>
+                                      </p:cBhvr>
+                                      <p:to>
+                                        <p:strVal val="visible"/>
+                                      </p:to>
+                                    </p:set>
+                                  </p:childTnLst>
+                                </p:cTn>
+                              </p:par>
+                              <p:par>
+                                <p:cTn id="47" presetID="1" presetClass="entr" presetSubtype="0" fill="hold" grpId="0" nodeType="withEffect">
+                                  <p:stCondLst>
+                                    <p:cond delay="0"/>
+                                  </p:stCondLst>
+                                  <p:childTnLst>
+                                    <p:set>
+                                      <p:cBhvr>
+                                        <p:cTn id="48" dur="1" fill="hold">
+                                          <p:stCondLst>
+                                            <p:cond delay="0"/>
+                                          </p:stCondLst>
+                                        </p:cTn>
+                                        <p:tgtEl>
+                                          <p:spTgt spid="19"/>
+                                        </p:tgtEl>
+                                        <p:attrNameLst>
+                                          <p:attrName>style.visibility</p:attrName>
+                                        </p:attrNameLst>
+                                      </p:cBhvr>
+                                      <p:to>
+                                        <p:strVal val="visible"/>
+                                      </p:to>
+                                    </p:set>
+                                  </p:childTnLst>
+                                </p:cTn>
+                              </p:par>
+                              <p:par>
+                                <p:cTn id="49" presetID="1" presetClass="entr" presetSubtype="0" fill="hold" grpId="0" nodeType="withEffect">
+                                  <p:stCondLst>
+                                    <p:cond delay="0"/>
+                                  </p:stCondLst>
+                                  <p:childTnLst>
+                                    <p:set>
+                                      <p:cBhvr>
+                                        <p:cTn id="50" dur="1" fill="hold">
+                                          <p:stCondLst>
+                                            <p:cond delay="0"/>
+                                          </p:stCondLst>
+                                        </p:cTn>
+                                        <p:tgtEl>
+                                          <p:spTgt spid="20"/>
+                                        </p:tgtEl>
+                                        <p:attrNameLst>
+                                          <p:attrName>style.visibility</p:attrName>
+                                        </p:attrNameLst>
+                                      </p:cBhvr>
+                                      <p:to>
+                                        <p:strVal val="visible"/>
+                                      </p:to>
+                                    </p:set>
+                                  </p:childTnLst>
+                                </p:cTn>
+                              </p:par>
+                              <p:par>
+                                <p:cTn id="51" presetID="1" presetClass="entr" presetSubtype="0" fill="hold" grpId="0" nodeType="withEffect">
+                                  <p:stCondLst>
+                                    <p:cond delay="0"/>
+                                  </p:stCondLst>
+                                  <p:childTnLst>
+                                    <p:set>
+                                      <p:cBhvr>
+                                        <p:cTn id="52" dur="1" fill="hold">
+                                          <p:stCondLst>
+                                            <p:cond delay="0"/>
+                                          </p:stCondLst>
+                                        </p:cTn>
+                                        <p:tgtEl>
+                                          <p:spTgt spid="34"/>
+                                        </p:tgtEl>
+                                        <p:attrNameLst>
+                                          <p:attrName>style.visibility</p:attrName>
+                                        </p:attrNameLst>
+                                      </p:cBhvr>
+                                      <p:to>
+                                        <p:strVal val="visible"/>
+                                      </p:to>
+                                    </p:set>
+                                  </p:childTnLst>
+                                </p:cTn>
+                              </p:par>
+                            </p:childTnLst>
+                          </p:cTn>
+                        </p:par>
+                      </p:childTnLst>
+                    </p:cTn>
+                  </p:par>
+                  <p:par>
+                    <p:cTn id="53" fill="hold">
+                      <p:stCondLst>
+                        <p:cond delay="indefinite"/>
+                      </p:stCondLst>
+                      <p:childTnLst>
+                        <p:par>
+                          <p:cTn id="54" fill="hold">
+                            <p:stCondLst>
+                              <p:cond delay="0"/>
+                            </p:stCondLst>
+                            <p:childTnLst>
+                              <p:par>
+                                <p:cTn id="55" presetID="1" presetClass="entr" presetSubtype="0" fill="hold" grpId="0" nodeType="clickEffect">
+                                  <p:stCondLst>
+                                    <p:cond delay="0"/>
+                                  </p:stCondLst>
+                                  <p:childTnLst>
+                                    <p:set>
+                                      <p:cBhvr>
+                                        <p:cTn id="56" dur="1" fill="hold">
+                                          <p:stCondLst>
+                                            <p:cond delay="0"/>
+                                          </p:stCondLst>
+                                        </p:cTn>
+                                        <p:tgtEl>
+                                          <p:spTgt spid="26"/>
+                                        </p:tgtEl>
+                                        <p:attrNameLst>
+                                          <p:attrName>style.visibility</p:attrName>
+                                        </p:attrNameLst>
+                                      </p:cBhvr>
+                                      <p:to>
+                                        <p:strVal val="visible"/>
+                                      </p:to>
+                                    </p:set>
+                                  </p:childTnLst>
+                                </p:cTn>
+                              </p:par>
+                              <p:par>
+                                <p:cTn id="57" presetID="1" presetClass="entr" presetSubtype="0" fill="hold" grpId="0" nodeType="withEffect">
+                                  <p:stCondLst>
+                                    <p:cond delay="0"/>
+                                  </p:stCondLst>
+                                  <p:childTnLst>
+                                    <p:set>
+                                      <p:cBhvr>
+                                        <p:cTn id="58" dur="1" fill="hold">
+                                          <p:stCondLst>
+                                            <p:cond delay="0"/>
+                                          </p:stCondLst>
+                                        </p:cTn>
+                                        <p:tgtEl>
+                                          <p:spTgt spid="27"/>
+                                        </p:tgtEl>
+                                        <p:attrNameLst>
+                                          <p:attrName>style.visibility</p:attrName>
+                                        </p:attrNameLst>
+                                      </p:cBhvr>
+                                      <p:to>
+                                        <p:strVal val="visible"/>
+                                      </p:to>
+                                    </p:set>
+                                  </p:childTnLst>
+                                </p:cTn>
+                              </p:par>
+                              <p:par>
+                                <p:cTn id="59" presetID="1" presetClass="entr" presetSubtype="0" fill="hold" grpId="0" nodeType="withEffect">
+                                  <p:stCondLst>
+                                    <p:cond delay="0"/>
+                                  </p:stCondLst>
+                                  <p:childTnLst>
+                                    <p:set>
+                                      <p:cBhvr>
+                                        <p:cTn id="60" dur="1" fill="hold">
+                                          <p:stCondLst>
+                                            <p:cond delay="0"/>
+                                          </p:stCondLst>
+                                        </p:cTn>
+                                        <p:tgtEl>
+                                          <p:spTgt spid="35"/>
+                                        </p:tgtEl>
+                                        <p:attrNameLst>
+                                          <p:attrName>style.visibility</p:attrName>
+                                        </p:attrNameLst>
+                                      </p:cBhvr>
+                                      <p:to>
+                                        <p:strVal val="visible"/>
+                                      </p:to>
+                                    </p:set>
+                                  </p:childTnLst>
+                                </p:cTn>
+                              </p:par>
+                            </p:childTnLst>
+                          </p:cTn>
+                        </p:par>
+                      </p:childTnLst>
+                    </p:cTn>
+                  </p:par>
+                  <p:par>
+                    <p:cTn id="61" fill="hold">
+                      <p:stCondLst>
+                        <p:cond delay="indefinite"/>
+                      </p:stCondLst>
+                      <p:childTnLst>
+                        <p:par>
+                          <p:cTn id="62" fill="hold">
+                            <p:stCondLst>
+                              <p:cond delay="0"/>
+                            </p:stCondLst>
+                            <p:childTnLst>
+                              <p:par>
+                                <p:cTn id="63" presetID="1" presetClass="entr" presetSubtype="0" fill="hold" grpId="0" nodeType="clickEffect">
+                                  <p:stCondLst>
+                                    <p:cond delay="0"/>
+                                  </p:stCondLst>
+                                  <p:childTnLst>
+                                    <p:set>
+                                      <p:cBhvr>
+                                        <p:cTn id="64" dur="1" fill="hold">
+                                          <p:stCondLst>
+                                            <p:cond delay="0"/>
+                                          </p:stCondLst>
+                                        </p:cTn>
+                                        <p:tgtEl>
+                                          <p:spTgt spid="39"/>
+                                        </p:tgtEl>
+                                        <p:attrNameLst>
+                                          <p:attrName>style.visibility</p:attrName>
+                                        </p:attrNameLst>
+                                      </p:cBhvr>
+                                      <p:to>
+                                        <p:strVal val="visible"/>
+                                      </p:to>
+                                    </p:set>
+                                  </p:childTnLst>
+                                </p:cTn>
+                              </p:par>
+                              <p:par>
+                                <p:cTn id="65" presetID="1" presetClass="entr" presetSubtype="0" fill="hold" grpId="0" nodeType="withEffect">
+                                  <p:stCondLst>
+                                    <p:cond delay="0"/>
+                                  </p:stCondLst>
+                                  <p:childTnLst>
+                                    <p:set>
+                                      <p:cBhvr>
+                                        <p:cTn id="66" dur="1" fill="hold">
+                                          <p:stCondLst>
+                                            <p:cond delay="0"/>
+                                          </p:stCondLst>
+                                        </p:cTn>
+                                        <p:tgtEl>
+                                          <p:spTgt spid="40"/>
+                                        </p:tgtEl>
+                                        <p:attrNameLst>
+                                          <p:attrName>style.visibility</p:attrName>
+                                        </p:attrNameLst>
+                                      </p:cBhvr>
+                                      <p:to>
+                                        <p:strVal val="visible"/>
+                                      </p:to>
+                                    </p:set>
+                                  </p:childTnLst>
+                                </p:cTn>
+                              </p:par>
+                            </p:childTnLst>
+                          </p:cTn>
+                        </p:par>
+                      </p:childTnLst>
+                    </p:cTn>
+                  </p:par>
+                  <p:par>
+                    <p:cTn id="67" fill="hold">
+                      <p:stCondLst>
+                        <p:cond delay="indefinite"/>
+                      </p:stCondLst>
+                      <p:childTnLst>
+                        <p:par>
+                          <p:cTn id="68" fill="hold">
+                            <p:stCondLst>
+                              <p:cond delay="0"/>
+                            </p:stCondLst>
+                            <p:childTnLst>
+                              <p:par>
+                                <p:cTn id="69" presetID="1" presetClass="entr" presetSubtype="0" fill="hold" grpId="0" nodeType="clickEffect">
+                                  <p:stCondLst>
+                                    <p:cond delay="0"/>
+                                  </p:stCondLst>
+                                  <p:childTnLst>
+                                    <p:set>
+                                      <p:cBhvr>
+                                        <p:cTn id="70" dur="1" fill="hold">
+                                          <p:stCondLst>
+                                            <p:cond delay="0"/>
+                                          </p:stCondLst>
+                                        </p:cTn>
+                                        <p:tgtEl>
+                                          <p:spTgt spid="29"/>
+                                        </p:tgtEl>
+                                        <p:attrNameLst>
+                                          <p:attrName>style.visibility</p:attrName>
+                                        </p:attrNameLst>
+                                      </p:cBhvr>
+                                      <p:to>
+                                        <p:strVal val="visible"/>
+                                      </p:to>
+                                    </p:set>
+                                  </p:childTnLst>
+                                </p:cTn>
+                              </p:par>
+                            </p:childTnLst>
+                          </p:cTn>
+                        </p:par>
+                      </p:childTnLst>
+                    </p:cTn>
+                  </p:par>
+                </p:childTnLst>
+              </p:cTn>
+              <p:prevCondLst>
+                <p:cond evt="onPrev" delay="0">
+                  <p:tgtEl>
+                    <p:sldTgt/>
+                  </p:tgtEl>
+                </p:cond>
+              </p:prevCondLst>
+              <p:nextCondLst>
+                <p:cond evt="onNext" delay="0">
+                  <p:tgtEl>
+                    <p:sldTgt/>
+                  </p:tgtEl>
+                </p:cond>
+              </p:nextCondLst>
+            </p:seq>
+          </p:childTnLst>
+        </p:cTn>
+      </p:par>
+    </p:tnLst>
+    <p:bldLst>
+      <p:bldP spid="8" grpId="0" animBg="1"/>
+      <p:bldP spid="9" grpId="0" animBg="1"/>
+      <p:bldP spid="10" grpId="0" animBg="1"/>
+      <p:bldP spid="11" grpId="0" animBg="1"/>
+      <p:bldP spid="12" grpId="0" animBg="1"/>
+      <p:bldP spid="13" grpId="0" animBg="1"/>
+      <p:bldP spid="14" grpId="0" animBg="1"/>
+      <p:bldP spid="15" grpId="0" animBg="1"/>
+      <p:bldP spid="16" grpId="0" animBg="1"/>
+      <p:bldP spid="17" grpId="0" animBg="1"/>
+      <p:bldP spid="18" grpId="0" animBg="1"/>
+      <p:bldP spid="19" grpId="0" animBg="1"/>
+      <p:bldP spid="20" grpId="0" animBg="1"/>
+      <p:bldP spid="26" grpId="0" animBg="1"/>
+      <p:bldP spid="27" grpId="0" animBg="1"/>
+      <p:bldP spid="29" grpId="0" animBg="1"/>
+      <p:bldP spid="30" grpId="0" animBg="1"/>
+      <p:bldP spid="32" grpId="0" animBg="1"/>
+      <p:bldP spid="33" grpId="0" animBg="1"/>
+      <p:bldP spid="34" grpId="0" animBg="1"/>
+      <p:bldP spid="35" grpId="0" animBg="1"/>
+      <p:bldP spid="37" grpId="0" animBg="1"/>
+      <p:bldP spid="38" grpId="0" animBg="1"/>
+      <p:bldP spid="39" grpId="0" animBg="1"/>
+      <p:bldP spid="40" grpId="0" animBg="1"/>
+    </p:bldLst>
+  </p:timing>
+</p:sld>
+</file>
+
+<file path=ppt/slides/slide58.xml><?xml version="1.0" encoding="utf-8"?>
 <p:sld xmlns:a="http://schemas.openxmlformats.org/drawingml/2006/main" xmlns:r="http://schemas.openxmlformats.org/officeDocument/2006/relationships" xmlns:p="http://schemas.openxmlformats.org/presentationml/2006/main">
   <p:cSld>
     <p:spTree>

--- a/documentations/learning-go.pptx
+++ b/documentations/learning-go.pptx
@@ -5,7 +5,7 @@
     <p:sldMasterId id="2147483665" r:id="rId1"/>
   </p:sldMasterIdLst>
   <p:notesMasterIdLst>
-    <p:notesMasterId r:id="rId60"/>
+    <p:notesMasterId r:id="rId61"/>
   </p:notesMasterIdLst>
   <p:sldIdLst>
     <p:sldId id="256" r:id="rId2"/>
@@ -65,7 +65,8 @@
     <p:sldId id="311" r:id="rId56"/>
     <p:sldId id="312" r:id="rId57"/>
     <p:sldId id="313" r:id="rId58"/>
-    <p:sldId id="267" r:id="rId59"/>
+    <p:sldId id="314" r:id="rId59"/>
+    <p:sldId id="267" r:id="rId60"/>
   </p:sldIdLst>
   <p:sldSz cx="12192000" cy="6858000"/>
   <p:notesSz cx="6858000" cy="9144000"/>
@@ -21004,6 +21005,118 @@
       </p:grpSpPr>
       <p:sp>
         <p:nvSpPr>
+          <p:cNvPr id="3" name="Titre 2"/>
+          <p:cNvSpPr>
+            <a:spLocks noGrp="1"/>
+          </p:cNvSpPr>
+          <p:nvPr>
+            <p:ph type="title"/>
+          </p:nvPr>
+        </p:nvSpPr>
+        <p:spPr/>
+        <p:txBody>
+          <a:bodyPr/>
+          <a:lstStyle/>
+          <a:p>
+            <a:r>
+              <a:rPr lang="fr-FR" dirty="0" smtClean="0"/>
+              <a:t>Récursivité </a:t>
+            </a:r>
+            <a:r>
+              <a:rPr lang="fr-FR" dirty="0" smtClean="0"/>
+              <a:t>(Suite de Syracuse)</a:t>
+            </a:r>
+            <a:endParaRPr lang="fr-FR" dirty="0"/>
+          </a:p>
+        </p:txBody>
+      </p:sp>
+      <p:pic>
+        <p:nvPicPr>
+          <p:cNvPr id="2" name="Image 1"/>
+          <p:cNvPicPr>
+            <a:picLocks noChangeAspect="1"/>
+          </p:cNvPicPr>
+          <p:nvPr/>
+        </p:nvPicPr>
+        <p:blipFill>
+          <a:blip r:embed="rId2"/>
+          <a:stretch>
+            <a:fillRect/>
+          </a:stretch>
+        </p:blipFill>
+        <p:spPr>
+          <a:xfrm>
+            <a:off x="4773825" y="2059388"/>
+            <a:ext cx="4549884" cy="2734585"/>
+          </a:xfrm>
+          <a:prstGeom prst="rect">
+            <a:avLst/>
+          </a:prstGeom>
+        </p:spPr>
+      </p:pic>
+      <p:pic>
+        <p:nvPicPr>
+          <p:cNvPr id="4" name="Image 3"/>
+          <p:cNvPicPr>
+            <a:picLocks noChangeAspect="1"/>
+          </p:cNvPicPr>
+          <p:nvPr/>
+        </p:nvPicPr>
+        <p:blipFill>
+          <a:blip r:embed="rId3"/>
+          <a:stretch>
+            <a:fillRect/>
+          </a:stretch>
+        </p:blipFill>
+        <p:spPr>
+          <a:xfrm>
+            <a:off x="3838842" y="5526778"/>
+            <a:ext cx="6419850" cy="257175"/>
+          </a:xfrm>
+          <a:prstGeom prst="rect">
+            <a:avLst/>
+          </a:prstGeom>
+        </p:spPr>
+      </p:pic>
+    </p:spTree>
+    <p:extLst>
+      <p:ext uri="{BB962C8B-B14F-4D97-AF65-F5344CB8AC3E}">
+        <p14:creationId xmlns:p14="http://schemas.microsoft.com/office/powerpoint/2010/main" val="4188158472"/>
+      </p:ext>
+    </p:extLst>
+  </p:cSld>
+  <p:clrMapOvr>
+    <a:masterClrMapping/>
+  </p:clrMapOvr>
+  <p:timing>
+    <p:tnLst>
+      <p:par>
+        <p:cTn id="1" dur="indefinite" restart="never" nodeType="tmRoot"/>
+      </p:par>
+    </p:tnLst>
+  </p:timing>
+</p:sld>
+</file>
+
+<file path=ppt/slides/slide59.xml><?xml version="1.0" encoding="utf-8"?>
+<p:sld xmlns:a="http://schemas.openxmlformats.org/drawingml/2006/main" xmlns:r="http://schemas.openxmlformats.org/officeDocument/2006/relationships" xmlns:p="http://schemas.openxmlformats.org/presentationml/2006/main">
+  <p:cSld>
+    <p:spTree>
+      <p:nvGrpSpPr>
+        <p:cNvPr id="1" name=""/>
+        <p:cNvGrpSpPr/>
+        <p:nvPr/>
+      </p:nvGrpSpPr>
+      <p:grpSpPr>
+        <a:xfrm>
+          <a:off x="0" y="0"/>
+          <a:ext cx="0" cy="0"/>
+          <a:chOff x="0" y="0"/>
+          <a:chExt cx="0" cy="0"/>
+        </a:xfrm>
+      </p:grpSpPr>
+      <p:sp>
+        <p:nvSpPr>
           <p:cNvPr id="2" name="Titre 1"/>
           <p:cNvSpPr>
             <a:spLocks noGrp="1"/>

--- a/documentations/learning-go.pptx
+++ b/documentations/learning-go.pptx
@@ -5,7 +5,7 @@
     <p:sldMasterId id="2147483665" r:id="rId1"/>
   </p:sldMasterIdLst>
   <p:notesMasterIdLst>
-    <p:notesMasterId r:id="rId61"/>
+    <p:notesMasterId r:id="rId64"/>
   </p:notesMasterIdLst>
   <p:sldIdLst>
     <p:sldId id="256" r:id="rId2"/>
@@ -42,31 +42,34 @@
     <p:sldId id="288" r:id="rId33"/>
     <p:sldId id="289" r:id="rId34"/>
     <p:sldId id="290" r:id="rId35"/>
-    <p:sldId id="291" r:id="rId36"/>
-    <p:sldId id="292" r:id="rId37"/>
-    <p:sldId id="293" r:id="rId38"/>
-    <p:sldId id="294" r:id="rId39"/>
-    <p:sldId id="295" r:id="rId40"/>
-    <p:sldId id="296" r:id="rId41"/>
-    <p:sldId id="297" r:id="rId42"/>
-    <p:sldId id="298" r:id="rId43"/>
-    <p:sldId id="299" r:id="rId44"/>
-    <p:sldId id="300" r:id="rId45"/>
-    <p:sldId id="301" r:id="rId46"/>
-    <p:sldId id="302" r:id="rId47"/>
-    <p:sldId id="303" r:id="rId48"/>
-    <p:sldId id="304" r:id="rId49"/>
-    <p:sldId id="305" r:id="rId50"/>
-    <p:sldId id="306" r:id="rId51"/>
-    <p:sldId id="307" r:id="rId52"/>
-    <p:sldId id="308" r:id="rId53"/>
-    <p:sldId id="309" r:id="rId54"/>
-    <p:sldId id="310" r:id="rId55"/>
-    <p:sldId id="311" r:id="rId56"/>
-    <p:sldId id="312" r:id="rId57"/>
-    <p:sldId id="313" r:id="rId58"/>
-    <p:sldId id="314" r:id="rId59"/>
-    <p:sldId id="267" r:id="rId60"/>
+    <p:sldId id="292" r:id="rId36"/>
+    <p:sldId id="293" r:id="rId37"/>
+    <p:sldId id="294" r:id="rId38"/>
+    <p:sldId id="295" r:id="rId39"/>
+    <p:sldId id="296" r:id="rId40"/>
+    <p:sldId id="297" r:id="rId41"/>
+    <p:sldId id="298" r:id="rId42"/>
+    <p:sldId id="299" r:id="rId43"/>
+    <p:sldId id="300" r:id="rId44"/>
+    <p:sldId id="301" r:id="rId45"/>
+    <p:sldId id="302" r:id="rId46"/>
+    <p:sldId id="303" r:id="rId47"/>
+    <p:sldId id="304" r:id="rId48"/>
+    <p:sldId id="305" r:id="rId49"/>
+    <p:sldId id="306" r:id="rId50"/>
+    <p:sldId id="307" r:id="rId51"/>
+    <p:sldId id="308" r:id="rId52"/>
+    <p:sldId id="309" r:id="rId53"/>
+    <p:sldId id="310" r:id="rId54"/>
+    <p:sldId id="311" r:id="rId55"/>
+    <p:sldId id="312" r:id="rId56"/>
+    <p:sldId id="313" r:id="rId57"/>
+    <p:sldId id="314" r:id="rId58"/>
+    <p:sldId id="315" r:id="rId59"/>
+    <p:sldId id="316" r:id="rId60"/>
+    <p:sldId id="317" r:id="rId61"/>
+    <p:sldId id="318" r:id="rId62"/>
+    <p:sldId id="267" r:id="rId63"/>
   </p:sldIdLst>
   <p:sldSz cx="12192000" cy="6858000"/>
   <p:notesSz cx="6858000" cy="9144000"/>
@@ -255,7 +258,7 @@
           <a:p>
             <a:fld id="{ADCD2C08-3C00-4791-9388-3FB9A56F87F8}" type="datetimeFigureOut">
               <a:rPr lang="fr-FR" smtClean="0"/>
-              <a:t>05/01/2018</a:t>
+              <a:t>06/01/2018</a:t>
             </a:fld>
             <a:endParaRPr lang="fr-FR"/>
           </a:p>
@@ -795,7 +798,7 @@
           <a:p>
             <a:fld id="{CAB5D9F6-764D-45E8-BA35-322ECA954888}" type="datetime1">
               <a:rPr lang="en-US" smtClean="0"/>
-              <a:t>1/5/2018</a:t>
+              <a:t>1/6/2018</a:t>
             </a:fld>
             <a:endParaRPr lang="en-US" dirty="0"/>
           </a:p>
@@ -1135,7 +1138,7 @@
           <a:p>
             <a:fld id="{7E62AF45-EF0A-4378-934F-84EB6BC3D026}" type="datetime1">
               <a:rPr lang="en-US" smtClean="0"/>
-              <a:t>1/5/2018</a:t>
+              <a:t>1/6/2018</a:t>
             </a:fld>
             <a:endParaRPr lang="en-US" dirty="0"/>
           </a:p>
@@ -1537,7 +1540,7 @@
           <a:p>
             <a:fld id="{76D4023A-E694-4331-A23E-E1356D15A4BD}" type="datetime1">
               <a:rPr lang="en-US" smtClean="0"/>
-              <a:t>1/5/2018</a:t>
+              <a:t>1/6/2018</a:t>
             </a:fld>
             <a:endParaRPr lang="en-US" dirty="0"/>
           </a:p>
@@ -1874,7 +1877,7 @@
           <a:p>
             <a:fld id="{D6F2E77E-7F60-441B-806F-66DDB3F74163}" type="datetime1">
               <a:rPr lang="en-US" smtClean="0"/>
-              <a:t>1/5/2018</a:t>
+              <a:t>1/6/2018</a:t>
             </a:fld>
             <a:endParaRPr lang="en-US" dirty="0"/>
           </a:p>
@@ -2195,7 +2198,7 @@
           <a:p>
             <a:fld id="{266B8AF4-4A0E-4A4E-9660-2094B624C07D}" type="datetime1">
               <a:rPr lang="en-US" smtClean="0"/>
-              <a:t>1/5/2018</a:t>
+              <a:t>1/6/2018</a:t>
             </a:fld>
             <a:endParaRPr lang="en-US" dirty="0"/>
           </a:p>
@@ -2592,7 +2595,7 @@
           <a:p>
             <a:fld id="{CB2BF7E3-4C05-4502-A416-452E6496AE59}" type="datetime1">
               <a:rPr lang="en-US" smtClean="0"/>
-              <a:t>1/5/2018</a:t>
+              <a:t>1/6/2018</a:t>
             </a:fld>
             <a:endParaRPr lang="en-US" dirty="0"/>
           </a:p>
@@ -2850,7 +2853,7 @@
           <a:p>
             <a:fld id="{F6F8AC83-13D2-4813-AD1A-CAFB5DEDD213}" type="datetime1">
               <a:rPr lang="en-US" smtClean="0"/>
-              <a:t>1/5/2018</a:t>
+              <a:t>1/6/2018</a:t>
             </a:fld>
             <a:endParaRPr lang="en-US" dirty="0"/>
           </a:p>
@@ -3113,7 +3116,7 @@
           <a:p>
             <a:fld id="{74455543-85E2-46E2-A974-7ADB0844C12A}" type="datetime1">
               <a:rPr lang="en-US" smtClean="0"/>
-              <a:t>1/5/2018</a:t>
+              <a:t>1/6/2018</a:t>
             </a:fld>
             <a:endParaRPr lang="en-US" dirty="0"/>
           </a:p>
@@ -4225,7 +4228,7 @@
           <a:p>
             <a:fld id="{086CC522-5229-4E69-BBB2-D5F912967395}" type="datetime1">
               <a:rPr lang="en-US" smtClean="0"/>
-              <a:t>1/5/2018</a:t>
+              <a:t>1/6/2018</a:t>
             </a:fld>
             <a:endParaRPr lang="en-US" dirty="0"/>
           </a:p>
@@ -4544,7 +4547,7 @@
           <a:p>
             <a:fld id="{56B9B5DB-1D1A-42F8-93F0-BBA44C1CAF57}" type="datetime1">
               <a:rPr lang="en-US" smtClean="0"/>
-              <a:t>1/5/2018</a:t>
+              <a:t>1/6/2018</a:t>
             </a:fld>
             <a:endParaRPr lang="en-US" dirty="0"/>
           </a:p>
@@ -5002,7 +5005,7 @@
           <a:p>
             <a:fld id="{9A4E8950-D3FA-4365-B561-9EE5AC9B6B6C}" type="datetime1">
               <a:rPr lang="en-US" smtClean="0"/>
-              <a:t>1/5/2018</a:t>
+              <a:t>1/6/2018</a:t>
             </a:fld>
             <a:endParaRPr lang="en-US" dirty="0"/>
           </a:p>
@@ -5208,7 +5211,7 @@
           <a:p>
             <a:fld id="{20724122-C579-4659-8A06-81F42FC84005}" type="datetime1">
               <a:rPr lang="en-US" smtClean="0"/>
-              <a:t>1/5/2018</a:t>
+              <a:t>1/6/2018</a:t>
             </a:fld>
             <a:endParaRPr lang="en-US" dirty="0"/>
           </a:p>
@@ -5386,7 +5389,7 @@
           <a:p>
             <a:fld id="{E4C13383-9243-41F6-8072-8685ED9DD899}" type="datetime1">
               <a:rPr lang="en-US" smtClean="0"/>
-              <a:t>1/5/2018</a:t>
+              <a:t>1/6/2018</a:t>
             </a:fld>
             <a:endParaRPr lang="en-US" dirty="0"/>
           </a:p>
@@ -5720,7 +5723,7 @@
           <a:p>
             <a:fld id="{03F027E6-328C-49ED-AE4B-BD647A7E3EDE}" type="datetime1">
               <a:rPr lang="en-US" smtClean="0"/>
-              <a:t>1/5/2018</a:t>
+              <a:t>1/6/2018</a:t>
             </a:fld>
             <a:endParaRPr lang="en-US" dirty="0"/>
           </a:p>
@@ -6066,7 +6069,7 @@
           <a:p>
             <a:fld id="{6B498982-A325-4B29-8B06-CBC7789C234F}" type="datetime1">
               <a:rPr lang="en-US" smtClean="0"/>
-              <a:t>1/5/2018</a:t>
+              <a:t>1/6/2018</a:t>
             </a:fld>
             <a:endParaRPr lang="en-US" dirty="0"/>
           </a:p>
@@ -8184,7 +8187,7 @@
           <a:p>
             <a:fld id="{CAB5D9F6-764D-45E8-BA35-322ECA954888}" type="datetime1">
               <a:rPr lang="en-US" smtClean="0"/>
-              <a:t>1/5/2018</a:t>
+              <a:t>1/6/2018</a:t>
             </a:fld>
             <a:endParaRPr lang="en-US" dirty="0"/>
           </a:p>
@@ -14388,7 +14391,7 @@
           <a:p>
             <a:r>
               <a:rPr lang="fr-FR" dirty="0" smtClean="0"/>
-              <a:t>Les defers</a:t>
+              <a:t>Les arrays</a:t>
             </a:r>
             <a:endParaRPr lang="fr-FR" dirty="0"/>
           </a:p>
@@ -14406,8 +14409,8 @@
         </p:nvSpPr>
         <p:spPr>
           <a:xfrm>
-            <a:off x="1483981" y="2231952"/>
-            <a:ext cx="5059941" cy="3777622"/>
+            <a:off x="675861" y="1391477"/>
+            <a:ext cx="5868061" cy="4797309"/>
           </a:xfrm>
         </p:spPr>
         <p:txBody>
@@ -14421,7 +14424,29 @@
                   <a:schemeClr val="tx1"/>
                 </a:solidFill>
               </a:rPr>
-              <a:t>Les </a:t>
+              <a:t>Tableau d'un nombre fixe d'éléments de même type</a:t>
+            </a:r>
+          </a:p>
+          <a:p>
+            <a:pPr algn="just"/>
+            <a:r>
+              <a:rPr lang="fr-FR" dirty="0" smtClean="0">
+                <a:solidFill>
+                  <a:schemeClr val="tx1"/>
+                </a:solidFill>
+              </a:rPr>
+              <a:t>Le premier élément à la position 0</a:t>
+            </a:r>
+          </a:p>
+          <a:p>
+            <a:pPr algn="just"/>
+            <a:r>
+              <a:rPr lang="fr-FR" dirty="0" smtClean="0">
+                <a:solidFill>
+                  <a:schemeClr val="tx1"/>
+                </a:solidFill>
+              </a:rPr>
+              <a:t>La fonction </a:t>
             </a:r>
             <a:r>
               <a:rPr lang="fr-FR" b="1" i="1" dirty="0" smtClean="0">
@@ -14429,7 +14454,7 @@
                   <a:schemeClr val="accent6"/>
                 </a:solidFill>
               </a:rPr>
-              <a:t>defer</a:t>
+              <a:t>len()</a:t>
             </a:r>
             <a:r>
               <a:rPr lang="fr-FR" dirty="0" smtClean="0">
@@ -14437,7 +14462,7 @@
                   <a:schemeClr val="tx1"/>
                 </a:solidFill>
               </a:rPr>
-              <a:t> sont des fonctions dont l'exécution est différée jusqu’à la fin de l'exécution de sa fonction parente (appelante)</a:t>
+              <a:t> retourne le nombre d'éléments du tableau</a:t>
             </a:r>
           </a:p>
           <a:p>
@@ -14448,7 +14473,7 @@
                   <a:schemeClr val="tx1"/>
                 </a:solidFill>
               </a:rPr>
-              <a:t>Les </a:t>
+              <a:t>La fonction </a:t>
             </a:r>
             <a:r>
               <a:rPr lang="fr-FR" b="1" i="1" dirty="0" smtClean="0">
@@ -14456,7 +14481,7 @@
                   <a:schemeClr val="accent6"/>
                 </a:solidFill>
               </a:rPr>
-              <a:t>defer</a:t>
+              <a:t>range</a:t>
             </a:r>
             <a:r>
               <a:rPr lang="fr-FR" dirty="0" smtClean="0">
@@ -14464,18 +14489,23 @@
                   <a:schemeClr val="tx1"/>
                 </a:solidFill>
               </a:rPr>
-              <a:t> sont empilées dans la pile d'appels</a:t>
-            </a:r>
-          </a:p>
-          <a:p>
-            <a:pPr algn="just"/>
+              <a:t> permet d'itérer sur les éléments de l'</a:t>
+            </a:r>
+            <a:r>
+              <a:rPr lang="fr-FR" dirty="0" err="1" smtClean="0">
+                <a:solidFill>
+                  <a:schemeClr val="tx1"/>
+                </a:solidFill>
+              </a:rPr>
+              <a:t>array</a:t>
+            </a:r>
             <a:r>
               <a:rPr lang="fr-FR" dirty="0" smtClean="0">
                 <a:solidFill>
                   <a:schemeClr val="tx1"/>
                 </a:solidFill>
               </a:rPr>
-              <a:t>Quand la fonction retourne, ces defers sont exécutées dans l'ordre LIFO</a:t>
+              <a:t> dans cet exemple</a:t>
             </a:r>
             <a:endParaRPr lang="fr-FR" dirty="0">
               <a:solidFill>
@@ -14487,7 +14517,7 @@
       </p:sp>
       <p:pic>
         <p:nvPicPr>
-          <p:cNvPr id="4" name="Image 3"/>
+          <p:cNvPr id="5" name="Image 4"/>
           <p:cNvPicPr>
             <a:picLocks noChangeAspect="1"/>
           </p:cNvPicPr>
@@ -14501,8 +14531,8 @@
         </p:blipFill>
         <p:spPr>
           <a:xfrm>
-            <a:off x="6941654" y="2523424"/>
-            <a:ext cx="5067300" cy="3486150"/>
+            <a:off x="6909682" y="624110"/>
+            <a:ext cx="5172535" cy="5564677"/>
           </a:xfrm>
           <a:prstGeom prst="rect">
             <a:avLst/>
@@ -14512,7 +14542,7 @@
     </p:spTree>
     <p:extLst>
       <p:ext uri="{BB962C8B-B14F-4D97-AF65-F5344CB8AC3E}">
-        <p14:creationId xmlns:p14="http://schemas.microsoft.com/office/powerpoint/2010/main" val="3695583494"/>
+        <p14:creationId xmlns:p14="http://schemas.microsoft.com/office/powerpoint/2010/main" val="2316148002"/>
       </p:ext>
     </p:extLst>
   </p:cSld>
@@ -14568,7 +14598,7 @@
           <a:p>
             <a:r>
               <a:rPr lang="fr-FR" dirty="0" smtClean="0"/>
-              <a:t>Les arrays</a:t>
+              <a:t>Les ranges</a:t>
             </a:r>
             <a:endParaRPr lang="fr-FR" dirty="0"/>
           </a:p>
@@ -14596,12 +14626,20 @@
           <a:p>
             <a:pPr algn="just"/>
             <a:r>
+              <a:rPr lang="fr-FR" b="1" i="1" dirty="0" smtClean="0">
+                <a:solidFill>
+                  <a:schemeClr val="accent6"/>
+                </a:solidFill>
+              </a:rPr>
+              <a:t>range</a:t>
+            </a:r>
+            <a:r>
               <a:rPr lang="fr-FR" dirty="0" smtClean="0">
                 <a:solidFill>
                   <a:schemeClr val="tx1"/>
                 </a:solidFill>
               </a:rPr>
-              <a:t>Tableau d'un nombre fixe d'éléments de même type</a:t>
+              <a:t> permet d'itérer  sur les éléments d'un objets</a:t>
             </a:r>
           </a:p>
           <a:p>
@@ -14612,26 +14650,61 @@
                   <a:schemeClr val="tx1"/>
                 </a:solidFill>
               </a:rPr>
-              <a:t>Le premier élément à la position 0</a:t>
-            </a:r>
-          </a:p>
-          <a:p>
-            <a:pPr algn="just"/>
+              <a:t>Retourne </a:t>
+            </a:r>
+            <a:r>
+              <a:rPr lang="fr-FR" b="1" dirty="0" smtClean="0">
+                <a:solidFill>
+                  <a:srgbClr val="0070C0"/>
+                </a:solidFill>
+              </a:rPr>
+              <a:t>l'index</a:t>
+            </a:r>
             <a:r>
               <a:rPr lang="fr-FR" dirty="0" smtClean="0">
                 <a:solidFill>
+                  <a:srgbClr val="0070C0"/>
+                </a:solidFill>
+              </a:rPr>
+              <a:t> </a:t>
+            </a:r>
+            <a:r>
+              <a:rPr lang="fr-FR" dirty="0" smtClean="0">
+                <a:solidFill>
                   <a:schemeClr val="tx1"/>
                 </a:solidFill>
               </a:rPr>
-              <a:t>La fonction </a:t>
-            </a:r>
+              <a:t>et la </a:t>
+            </a:r>
+            <a:r>
+              <a:rPr lang="fr-FR" b="1" dirty="0" smtClean="0">
+                <a:solidFill>
+                  <a:srgbClr val="0070C0"/>
+                </a:solidFill>
+              </a:rPr>
+              <a:t>valeur</a:t>
+            </a:r>
+            <a:r>
+              <a:rPr lang="fr-FR" dirty="0" smtClean="0">
+                <a:solidFill>
+                  <a:schemeClr val="tx1"/>
+                </a:solidFill>
+              </a:rPr>
+              <a:t> correspondante de chacun des éléments itérés</a:t>
+            </a:r>
+          </a:p>
+          <a:p>
+            <a:pPr algn="just">
+              <a:buFont typeface="Wingdings 3" panose="05040102010807070707" pitchFamily="18" charset="2"/>
+              <a:buChar char=""/>
+            </a:pPr>
             <a:r>
               <a:rPr lang="fr-FR" b="1" i="1" dirty="0" smtClean="0">
                 <a:solidFill>
                   <a:schemeClr val="accent6"/>
                 </a:solidFill>
               </a:rPr>
-              <a:t>len()</a:t>
+              <a:t>_</a:t>
             </a:r>
             <a:r>
               <a:rPr lang="fr-FR" dirty="0" smtClean="0">
@@ -14639,18 +14712,15 @@
                   <a:schemeClr val="tx1"/>
                 </a:solidFill>
               </a:rPr>
-              <a:t> retourne le nombre d'éléments du tableau</a:t>
-            </a:r>
-          </a:p>
-          <a:p>
-            <a:pPr algn="just"/>
+              <a:t> </a:t>
+            </a:r>
             <a:r>
               <a:rPr lang="fr-FR" dirty="0" smtClean="0">
                 <a:solidFill>
-                  <a:schemeClr val="tx1"/>
-                </a:solidFill>
-              </a:rPr>
-              <a:t>La fonction </a:t>
+                  <a:srgbClr val="FF0000"/>
+                </a:solidFill>
+              </a:rPr>
+              <a:t>dans la boucle </a:t>
             </a:r>
             <a:r>
               <a:rPr lang="fr-FR" b="1" i="1" dirty="0" smtClean="0">
@@ -14658,35 +14728,19 @@
                   <a:schemeClr val="accent6"/>
                 </a:solidFill>
               </a:rPr>
-              <a:t>range</a:t>
+              <a:t>for</a:t>
             </a:r>
             <a:r>
               <a:rPr lang="fr-FR" dirty="0" smtClean="0">
                 <a:solidFill>
-                  <a:schemeClr val="tx1"/>
-                </a:solidFill>
-              </a:rPr>
-              <a:t> permet d'itérer sur les éléments de l'</a:t>
-            </a:r>
-            <a:r>
-              <a:rPr lang="fr-FR" dirty="0" err="1" smtClean="0">
-                <a:solidFill>
-                  <a:schemeClr val="tx1"/>
-                </a:solidFill>
-              </a:rPr>
-              <a:t>array</a:t>
-            </a:r>
-            <a:r>
-              <a:rPr lang="fr-FR" dirty="0" smtClean="0">
-                <a:solidFill>
-                  <a:schemeClr val="tx1"/>
-                </a:solidFill>
-              </a:rPr>
-              <a:t> dans cet exemple</a:t>
+                  <a:srgbClr val="FF0000"/>
+                </a:solidFill>
+              </a:rPr>
+              <a:t> permet de ne pas utiliser la valeur d'index retournée par range. L'ignorer simplement provoquerait une erreur de compilation</a:t>
             </a:r>
             <a:endParaRPr lang="fr-FR" dirty="0">
               <a:solidFill>
-                <a:schemeClr val="tx1"/>
+                <a:srgbClr val="FF0000"/>
               </a:solidFill>
             </a:endParaRPr>
           </a:p>
@@ -14694,7 +14748,7 @@
       </p:sp>
       <p:pic>
         <p:nvPicPr>
-          <p:cNvPr id="5" name="Image 4"/>
+          <p:cNvPr id="4" name="Image 3"/>
           <p:cNvPicPr>
             <a:picLocks noChangeAspect="1"/>
           </p:cNvPicPr>
@@ -14708,8 +14762,8 @@
         </p:blipFill>
         <p:spPr>
           <a:xfrm>
-            <a:off x="6909682" y="624110"/>
-            <a:ext cx="5172535" cy="5564677"/>
+            <a:off x="6869927" y="514083"/>
+            <a:ext cx="5168253" cy="5938399"/>
           </a:xfrm>
           <a:prstGeom prst="rect">
             <a:avLst/>
@@ -14719,7 +14773,7 @@
     </p:spTree>
     <p:extLst>
       <p:ext uri="{BB962C8B-B14F-4D97-AF65-F5344CB8AC3E}">
-        <p14:creationId xmlns:p14="http://schemas.microsoft.com/office/powerpoint/2010/main" val="2316148002"/>
+        <p14:creationId xmlns:p14="http://schemas.microsoft.com/office/powerpoint/2010/main" val="4060797526"/>
       </p:ext>
     </p:extLst>
   </p:cSld>
@@ -14775,7 +14829,7 @@
           <a:p>
             <a:r>
               <a:rPr lang="fr-FR" dirty="0" smtClean="0"/>
-              <a:t>Les ranges</a:t>
+              <a:t>Slices</a:t>
             </a:r>
             <a:endParaRPr lang="fr-FR" dirty="0"/>
           </a:p>
@@ -14793,8 +14847,8 @@
         </p:nvSpPr>
         <p:spPr>
           <a:xfrm>
-            <a:off x="675861" y="1391477"/>
-            <a:ext cx="5868061" cy="4797309"/>
+            <a:off x="675861" y="1550504"/>
+            <a:ext cx="5868061" cy="4638282"/>
           </a:xfrm>
         </p:spPr>
         <p:txBody>
@@ -14803,12 +14857,20 @@
           <a:p>
             <a:pPr algn="just"/>
             <a:r>
+              <a:rPr lang="fr-FR" dirty="0" smtClean="0">
+                <a:solidFill>
+                  <a:schemeClr val="tx1"/>
+                </a:solidFill>
+              </a:rPr>
+              <a:t>Les </a:t>
+            </a:r>
+            <a:r>
               <a:rPr lang="fr-FR" b="1" i="1" dirty="0" smtClean="0">
                 <a:solidFill>
                   <a:schemeClr val="accent6"/>
                 </a:solidFill>
               </a:rPr>
-              <a:t>range</a:t>
+              <a:t>slices</a:t>
             </a:r>
             <a:r>
               <a:rPr lang="fr-FR" dirty="0" smtClean="0">
@@ -14816,7 +14878,15 @@
                   <a:schemeClr val="tx1"/>
                 </a:solidFill>
               </a:rPr>
-              <a:t> permet d'itérer  sur les éléments d'un objets</a:t>
+              <a:t> sont basées sur les </a:t>
+            </a:r>
+            <a:r>
+              <a:rPr lang="fr-FR" b="1" i="1" dirty="0" smtClean="0">
+                <a:solidFill>
+                  <a:schemeClr val="accent6"/>
+                </a:solidFill>
+              </a:rPr>
+              <a:t>arrays</a:t>
             </a:r>
           </a:p>
           <a:p>
@@ -14827,39 +14897,42 @@
                   <a:schemeClr val="tx1"/>
                 </a:solidFill>
               </a:rPr>
-              <a:t>Retourne </a:t>
-            </a:r>
-            <a:r>
-              <a:rPr lang="fr-FR" b="1" dirty="0" smtClean="0">
-                <a:solidFill>
-                  <a:srgbClr val="0070C0"/>
-                </a:solidFill>
-              </a:rPr>
-              <a:t>l'index</a:t>
+              <a:t>Les </a:t>
+            </a:r>
+            <a:r>
+              <a:rPr lang="fr-FR" b="1" i="1" dirty="0" smtClean="0">
+                <a:solidFill>
+                  <a:schemeClr val="accent6"/>
+                </a:solidFill>
+              </a:rPr>
+              <a:t>arrays</a:t>
             </a:r>
             <a:r>
               <a:rPr lang="fr-FR" dirty="0" smtClean="0">
                 <a:solidFill>
-                  <a:srgbClr val="0070C0"/>
-                </a:solidFill>
-              </a:rPr>
-              <a:t> </a:t>
-            </a:r>
+                  <a:schemeClr val="tx1"/>
+                </a:solidFill>
+              </a:rPr>
+              <a:t> sont des valeurs, pas un pointeur vers le premier élément (comme en C)</a:t>
+            </a:r>
+          </a:p>
+          <a:p>
+            <a:pPr algn="just"/>
             <a:r>
               <a:rPr lang="fr-FR" dirty="0" smtClean="0">
                 <a:solidFill>
                   <a:schemeClr val="tx1"/>
                 </a:solidFill>
               </a:rPr>
-              <a:t>et la </a:t>
-            </a:r>
-            <a:r>
-              <a:rPr lang="fr-FR" b="1" dirty="0" smtClean="0">
-                <a:solidFill>
-                  <a:srgbClr val="0070C0"/>
-                </a:solidFill>
-              </a:rPr>
-              <a:t>valeur</a:t>
+              <a:t>Les </a:t>
+            </a:r>
+            <a:r>
+              <a:rPr lang="fr-FR" b="1" i="1" dirty="0" smtClean="0">
+                <a:solidFill>
+                  <a:schemeClr val="accent6"/>
+                </a:solidFill>
+              </a:rPr>
+              <a:t>arrays</a:t>
             </a:r>
             <a:r>
               <a:rPr lang="fr-FR" dirty="0" smtClean="0">
@@ -14867,21 +14940,26 @@
                   <a:schemeClr val="tx1"/>
                 </a:solidFill>
               </a:rPr>
-              <a:t> correspondante de chacun des éléments itérés</a:t>
-            </a:r>
-          </a:p>
-          <a:p>
-            <a:pPr algn="just">
-              <a:buFont typeface="Wingdings 3" panose="05040102010807070707" pitchFamily="18" charset="2"/>
-              <a:buChar char=""/>
-            </a:pPr>
+              <a:t> sont peu flexibles</a:t>
+            </a:r>
+          </a:p>
+          <a:p>
+            <a:pPr algn="just"/>
+            <a:r>
+              <a:rPr lang="fr-FR" dirty="0" smtClean="0">
+                <a:solidFill>
+                  <a:schemeClr val="tx1"/>
+                </a:solidFill>
+              </a:rPr>
+              <a:t>Les </a:t>
+            </a:r>
             <a:r>
               <a:rPr lang="fr-FR" b="1" i="1" dirty="0" smtClean="0">
                 <a:solidFill>
                   <a:schemeClr val="accent6"/>
                 </a:solidFill>
               </a:rPr>
-              <a:t>_</a:t>
+              <a:t>slices</a:t>
             </a:r>
             <a:r>
               <a:rPr lang="fr-FR" dirty="0" smtClean="0">
@@ -14889,43 +14967,36 @@
                   <a:schemeClr val="tx1"/>
                 </a:solidFill>
               </a:rPr>
-              <a:t> </a:t>
-            </a:r>
+              <a:t> n'ont pas de spécification de longueur</a:t>
+            </a:r>
+          </a:p>
+          <a:p>
+            <a:pPr algn="just"/>
             <a:r>
               <a:rPr lang="fr-FR" dirty="0" smtClean="0">
                 <a:solidFill>
-                  <a:srgbClr val="FF0000"/>
-                </a:solidFill>
-              </a:rPr>
-              <a:t>dans la boucle </a:t>
-            </a:r>
-            <a:r>
-              <a:rPr lang="fr-FR" b="1" i="1" dirty="0" smtClean="0">
-                <a:solidFill>
-                  <a:schemeClr val="accent6"/>
-                </a:solidFill>
-              </a:rPr>
-              <a:t>for</a:t>
-            </a:r>
+                  <a:schemeClr val="tx1"/>
+                </a:solidFill>
+              </a:rPr>
+              <a:t>Elles sont déclarées comme des arrays mais sans spécifier le nombre d'éléments</a:t>
+            </a:r>
+          </a:p>
+          <a:p>
+            <a:pPr algn="just"/>
             <a:r>
               <a:rPr lang="fr-FR" dirty="0" smtClean="0">
                 <a:solidFill>
-                  <a:srgbClr val="FF0000"/>
-                </a:solidFill>
-              </a:rPr>
-              <a:t> permet de ne pas utiliser la valeur d'index retournée par range. L'ignorer simplement provoquerait une erreur de compilation</a:t>
-            </a:r>
-            <a:endParaRPr lang="fr-FR" dirty="0">
-              <a:solidFill>
-                <a:srgbClr val="FF0000"/>
-              </a:solidFill>
-            </a:endParaRPr>
+                  <a:schemeClr val="tx1"/>
+                </a:solidFill>
+              </a:rPr>
+              <a:t>Leur taille est gérée dynamiquement</a:t>
+            </a:r>
           </a:p>
         </p:txBody>
       </p:sp>
       <p:pic>
         <p:nvPicPr>
-          <p:cNvPr id="4" name="Image 3"/>
+          <p:cNvPr id="5" name="Image 4"/>
           <p:cNvPicPr>
             <a:picLocks noChangeAspect="1"/>
           </p:cNvPicPr>
@@ -14939,18 +15010,68 @@
         </p:blipFill>
         <p:spPr>
           <a:xfrm>
-            <a:off x="6869927" y="514083"/>
-            <a:ext cx="5168253" cy="5938399"/>
+            <a:off x="6677895" y="1035232"/>
+            <a:ext cx="5324475" cy="3762375"/>
           </a:xfrm>
           <a:prstGeom prst="rect">
             <a:avLst/>
           </a:prstGeom>
+        </p:spPr>
+      </p:pic>
+      <p:pic>
+        <p:nvPicPr>
+          <p:cNvPr id="1026" name="Picture 2" descr="https://blog.golang.org/go-slices-usage-and-internals_slice-array.png"/>
+          <p:cNvPicPr>
+            <a:picLocks noChangeAspect="1" noChangeArrowheads="1"/>
+          </p:cNvPicPr>
+          <p:nvPr/>
+        </p:nvPicPr>
+        <p:blipFill>
+          <a:blip r:embed="rId3">
+            <a:extLst>
+              <a:ext uri="{28A0092B-C50C-407E-A947-70E740481C1C}">
+                <a14:useLocalDpi xmlns:a14="http://schemas.microsoft.com/office/drawing/2010/main" val="0"/>
+              </a:ext>
+            </a:extLst>
+          </a:blip>
+          <a:srcRect/>
+          <a:stretch>
+            <a:fillRect/>
+          </a:stretch>
+        </p:blipFill>
+        <p:spPr bwMode="auto">
+          <a:xfrm>
+            <a:off x="7819478" y="5186134"/>
+            <a:ext cx="4924425" cy="647700"/>
+          </a:xfrm>
+          <a:prstGeom prst="rect">
+            <a:avLst/>
+          </a:prstGeom>
+          <a:ln>
+            <a:noFill/>
+          </a:ln>
+          <a:effectLst>
+            <a:outerShdw blurRad="292100" dist="139700" dir="2700000" algn="tl" rotWithShape="0">
+              <a:srgbClr val="333333">
+                <a:alpha val="65000"/>
+              </a:srgbClr>
+            </a:outerShdw>
+          </a:effectLst>
+          <a:extLst>
+            <a:ext uri="{909E8E84-426E-40DD-AFC4-6F175D3DCCD1}">
+              <a14:hiddenFill xmlns:a14="http://schemas.microsoft.com/office/drawing/2010/main">
+                <a:solidFill>
+                  <a:srgbClr val="FFFFFF"/>
+                </a:solidFill>
+              </a14:hiddenFill>
+            </a:ext>
+          </a:extLst>
         </p:spPr>
       </p:pic>
     </p:spTree>
     <p:extLst>
       <p:ext uri="{BB962C8B-B14F-4D97-AF65-F5344CB8AC3E}">
-        <p14:creationId xmlns:p14="http://schemas.microsoft.com/office/powerpoint/2010/main" val="4060797526"/>
+        <p14:creationId xmlns:p14="http://schemas.microsoft.com/office/powerpoint/2010/main" val="2648798824"/>
       </p:ext>
     </p:extLst>
   </p:cSld>
@@ -15024,8 +15145,8 @@
         </p:nvSpPr>
         <p:spPr>
           <a:xfrm>
-            <a:off x="675861" y="1550504"/>
-            <a:ext cx="5868061" cy="4638282"/>
+            <a:off x="1574358" y="1550504"/>
+            <a:ext cx="5852160" cy="4638282"/>
           </a:xfrm>
         </p:spPr>
         <p:txBody>
@@ -15039,7 +15160,7 @@
                   <a:schemeClr val="tx1"/>
                 </a:solidFill>
               </a:rPr>
-              <a:t>Les </a:t>
+              <a:t>Elles peuvent être créées a l'aide de la fonction </a:t>
             </a:r>
             <a:r>
               <a:rPr lang="fr-FR" b="1" i="1" dirty="0" smtClean="0">
@@ -15047,7 +15168,26 @@
                   <a:schemeClr val="accent6"/>
                 </a:solidFill>
               </a:rPr>
-              <a:t>slices</a:t>
+              <a:t>make</a:t>
+            </a:r>
+          </a:p>
+          <a:p>
+            <a:pPr algn="just"/>
+            <a:r>
+              <a:rPr lang="fr-FR" b="1" i="1" dirty="0">
+                <a:solidFill>
+                  <a:schemeClr val="accent6"/>
+                </a:solidFill>
+              </a:rPr>
+              <a:t>m</a:t>
+            </a:r>
+            <a:r>
+              <a:rPr lang="fr-FR" b="1" i="1" dirty="0" smtClean="0">
+                <a:solidFill>
+                  <a:schemeClr val="accent6"/>
+                </a:solidFill>
+              </a:rPr>
+              <a:t>ake </a:t>
             </a:r>
             <a:r>
               <a:rPr lang="fr-FR" dirty="0" smtClean="0">
@@ -15055,15 +15195,45 @@
                   <a:schemeClr val="tx1"/>
                 </a:solidFill>
               </a:rPr>
-              <a:t> sont basées sur les </a:t>
-            </a:r>
-            <a:r>
-              <a:rPr lang="fr-FR" b="1" i="1" dirty="0" smtClean="0">
-                <a:solidFill>
-                  <a:schemeClr val="accent6"/>
-                </a:solidFill>
-              </a:rPr>
-              <a:t>arrays</a:t>
+              <a:t>prend en entrée :</a:t>
+            </a:r>
+          </a:p>
+          <a:p>
+            <a:pPr lvl="1" algn="just"/>
+            <a:r>
+              <a:rPr lang="fr-FR" dirty="0" smtClean="0">
+                <a:solidFill>
+                  <a:schemeClr val="tx1"/>
+                </a:solidFill>
+              </a:rPr>
+              <a:t>Une array</a:t>
+            </a:r>
+          </a:p>
+          <a:p>
+            <a:pPr lvl="1" algn="just"/>
+            <a:r>
+              <a:rPr lang="fr-FR" dirty="0" smtClean="0">
+                <a:solidFill>
+                  <a:schemeClr val="tx1"/>
+                </a:solidFill>
+              </a:rPr>
+              <a:t>Une longueur</a:t>
+            </a:r>
+            <a:endParaRPr lang="fr-FR" dirty="0">
+              <a:solidFill>
+                <a:schemeClr val="tx1"/>
+              </a:solidFill>
+            </a:endParaRPr>
+          </a:p>
+          <a:p>
+            <a:pPr lvl="1" algn="just"/>
+            <a:r>
+              <a:rPr lang="fr-FR" dirty="0" smtClean="0">
+                <a:solidFill>
+                  <a:schemeClr val="tx1"/>
+                </a:solidFill>
+              </a:rPr>
+              <a:t>Une capacité</a:t>
             </a:r>
           </a:p>
           <a:p>
@@ -15074,106 +15244,30 @@
                   <a:schemeClr val="tx1"/>
                 </a:solidFill>
               </a:rPr>
-              <a:t>Les </a:t>
-            </a:r>
-            <a:r>
-              <a:rPr lang="fr-FR" b="1" i="1" dirty="0" smtClean="0">
-                <a:solidFill>
-                  <a:schemeClr val="accent6"/>
-                </a:solidFill>
-              </a:rPr>
-              <a:t>arrays</a:t>
-            </a:r>
+              <a:t>Lorsque la capacité est omise, elle à par défaut la valeur de la longueur</a:t>
+            </a:r>
+          </a:p>
+          <a:p>
+            <a:pPr algn="just"/>
             <a:r>
               <a:rPr lang="fr-FR" dirty="0" smtClean="0">
                 <a:solidFill>
                   <a:schemeClr val="tx1"/>
                 </a:solidFill>
               </a:rPr>
-              <a:t> sont des valeurs, pas un pointeur vers le premier élément (comme en C)</a:t>
-            </a:r>
-          </a:p>
-          <a:p>
-            <a:pPr algn="just"/>
-            <a:r>
-              <a:rPr lang="fr-FR" dirty="0" smtClean="0">
-                <a:solidFill>
-                  <a:schemeClr val="tx1"/>
-                </a:solidFill>
-              </a:rPr>
-              <a:t>Les </a:t>
-            </a:r>
-            <a:r>
-              <a:rPr lang="fr-FR" b="1" i="1" dirty="0" smtClean="0">
-                <a:solidFill>
-                  <a:schemeClr val="accent6"/>
-                </a:solidFill>
-              </a:rPr>
-              <a:t>arrays</a:t>
-            </a:r>
-            <a:r>
-              <a:rPr lang="fr-FR" dirty="0" smtClean="0">
-                <a:solidFill>
-                  <a:schemeClr val="tx1"/>
-                </a:solidFill>
-              </a:rPr>
-              <a:t> sont peu flexibles</a:t>
-            </a:r>
-          </a:p>
-          <a:p>
-            <a:pPr algn="just"/>
-            <a:r>
-              <a:rPr lang="fr-FR" dirty="0" smtClean="0">
-                <a:solidFill>
-                  <a:schemeClr val="tx1"/>
-                </a:solidFill>
-              </a:rPr>
-              <a:t>Les </a:t>
-            </a:r>
-            <a:r>
-              <a:rPr lang="fr-FR" b="1" i="1" dirty="0" smtClean="0">
-                <a:solidFill>
-                  <a:schemeClr val="accent6"/>
-                </a:solidFill>
-              </a:rPr>
-              <a:t>slices</a:t>
-            </a:r>
-            <a:r>
-              <a:rPr lang="fr-FR" dirty="0" smtClean="0">
-                <a:solidFill>
-                  <a:schemeClr val="tx1"/>
-                </a:solidFill>
-              </a:rPr>
-              <a:t> n'ont pas de spécification de longueur</a:t>
-            </a:r>
-          </a:p>
-          <a:p>
-            <a:pPr algn="just"/>
-            <a:r>
-              <a:rPr lang="fr-FR" dirty="0" smtClean="0">
-                <a:solidFill>
-                  <a:schemeClr val="tx1"/>
-                </a:solidFill>
-              </a:rPr>
-              <a:t>Elles sont déclarées comme des arrays mais sans spécifier le nombre d'éléments</a:t>
-            </a:r>
-          </a:p>
-          <a:p>
-            <a:pPr algn="just"/>
-            <a:r>
-              <a:rPr lang="fr-FR" dirty="0" smtClean="0">
-                <a:solidFill>
-                  <a:schemeClr val="tx1"/>
-                </a:solidFill>
-              </a:rPr>
-              <a:t>Leur taille est gérée dynamiquement</a:t>
-            </a:r>
+              <a:t>Une slice peut être aussi crée à partir d'une array ou d'une autre slice</a:t>
+            </a:r>
+            <a:endParaRPr lang="fr-FR" dirty="0" smtClean="0">
+              <a:solidFill>
+                <a:schemeClr val="accent6"/>
+              </a:solidFill>
+            </a:endParaRPr>
           </a:p>
         </p:txBody>
       </p:sp>
       <p:pic>
         <p:nvPicPr>
-          <p:cNvPr id="5" name="Image 4"/>
+          <p:cNvPr id="4" name="Image 3"/>
           <p:cNvPicPr>
             <a:picLocks noChangeAspect="1"/>
           </p:cNvPicPr>
@@ -15187,39 +15281,8 @@
         </p:blipFill>
         <p:spPr>
           <a:xfrm>
-            <a:off x="6677895" y="1035232"/>
-            <a:ext cx="5324475" cy="3762375"/>
-          </a:xfrm>
-          <a:prstGeom prst="rect">
-            <a:avLst/>
-          </a:prstGeom>
-        </p:spPr>
-      </p:pic>
-      <p:pic>
-        <p:nvPicPr>
-          <p:cNvPr id="1026" name="Picture 2" descr="https://blog.golang.org/go-slices-usage-and-internals_slice-array.png"/>
-          <p:cNvPicPr>
-            <a:picLocks noChangeAspect="1" noChangeArrowheads="1"/>
-          </p:cNvPicPr>
-          <p:nvPr/>
-        </p:nvPicPr>
-        <p:blipFill>
-          <a:blip r:embed="rId3">
-            <a:extLst>
-              <a:ext uri="{28A0092B-C50C-407E-A947-70E740481C1C}">
-                <a14:useLocalDpi xmlns:a14="http://schemas.microsoft.com/office/drawing/2010/main" val="0"/>
-              </a:ext>
-            </a:extLst>
-          </a:blip>
-          <a:srcRect/>
-          <a:stretch>
-            <a:fillRect/>
-          </a:stretch>
-        </p:blipFill>
-        <p:spPr bwMode="auto">
-          <a:xfrm>
-            <a:off x="7819478" y="5186134"/>
-            <a:ext cx="4924425" cy="647700"/>
+            <a:off x="7928892" y="3515138"/>
+            <a:ext cx="2190750" cy="314325"/>
           </a:xfrm>
           <a:prstGeom prst="rect">
             <a:avLst/>
@@ -15234,21 +15297,80 @@
               </a:srgbClr>
             </a:outerShdw>
           </a:effectLst>
-          <a:extLst>
-            <a:ext uri="{909E8E84-426E-40DD-AFC4-6F175D3DCCD1}">
-              <a14:hiddenFill xmlns:a14="http://schemas.microsoft.com/office/drawing/2010/main">
-                <a:solidFill>
-                  <a:srgbClr val="FFFFFF"/>
-                </a:solidFill>
-              </a14:hiddenFill>
-            </a:ext>
-          </a:extLst>
+        </p:spPr>
+      </p:pic>
+      <p:pic>
+        <p:nvPicPr>
+          <p:cNvPr id="6" name="Image 5"/>
+          <p:cNvPicPr>
+            <a:picLocks noChangeAspect="1"/>
+          </p:cNvPicPr>
+          <p:nvPr/>
+        </p:nvPicPr>
+        <p:blipFill>
+          <a:blip r:embed="rId3"/>
+          <a:stretch>
+            <a:fillRect/>
+          </a:stretch>
+        </p:blipFill>
+        <p:spPr>
+          <a:xfrm>
+            <a:off x="7928892" y="3963973"/>
+            <a:ext cx="2266950" cy="742950"/>
+          </a:xfrm>
+          <a:prstGeom prst="rect">
+            <a:avLst/>
+          </a:prstGeom>
+          <a:ln>
+            <a:noFill/>
+          </a:ln>
+          <a:effectLst>
+            <a:outerShdw blurRad="292100" dist="139700" dir="2700000" algn="tl" rotWithShape="0">
+              <a:srgbClr val="333333">
+                <a:alpha val="65000"/>
+              </a:srgbClr>
+            </a:outerShdw>
+          </a:effectLst>
+        </p:spPr>
+      </p:pic>
+      <p:pic>
+        <p:nvPicPr>
+          <p:cNvPr id="7" name="Image 6"/>
+          <p:cNvPicPr>
+            <a:picLocks noChangeAspect="1"/>
+          </p:cNvPicPr>
+          <p:nvPr/>
+        </p:nvPicPr>
+        <p:blipFill>
+          <a:blip r:embed="rId4"/>
+          <a:stretch>
+            <a:fillRect/>
+          </a:stretch>
+        </p:blipFill>
+        <p:spPr>
+          <a:xfrm>
+            <a:off x="7928892" y="4841433"/>
+            <a:ext cx="1619250" cy="323850"/>
+          </a:xfrm>
+          <a:prstGeom prst="rect">
+            <a:avLst/>
+          </a:prstGeom>
+          <a:ln>
+            <a:noFill/>
+          </a:ln>
+          <a:effectLst>
+            <a:outerShdw blurRad="292100" dist="139700" dir="2700000" algn="tl" rotWithShape="0">
+              <a:srgbClr val="333333">
+                <a:alpha val="65000"/>
+              </a:srgbClr>
+            </a:outerShdw>
+          </a:effectLst>
         </p:spPr>
       </p:pic>
     </p:spTree>
     <p:extLst>
       <p:ext uri="{BB962C8B-B14F-4D97-AF65-F5344CB8AC3E}">
-        <p14:creationId xmlns:p14="http://schemas.microsoft.com/office/powerpoint/2010/main" val="2648798824"/>
+        <p14:creationId xmlns:p14="http://schemas.microsoft.com/office/powerpoint/2010/main" val="2781608705"/>
       </p:ext>
     </p:extLst>
   </p:cSld>
@@ -15322,8 +15444,8 @@
         </p:nvSpPr>
         <p:spPr>
           <a:xfrm>
-            <a:off x="1574358" y="1550504"/>
-            <a:ext cx="5852160" cy="4638282"/>
+            <a:off x="1163054" y="1550504"/>
+            <a:ext cx="5502441" cy="1965735"/>
           </a:xfrm>
         </p:spPr>
         <p:txBody>
@@ -15337,102 +15459,7 @@
                   <a:schemeClr val="tx1"/>
                 </a:solidFill>
               </a:rPr>
-              <a:t>Elles peuvent être créées a l'aide de la fonction </a:t>
-            </a:r>
-            <a:r>
-              <a:rPr lang="fr-FR" b="1" i="1" dirty="0" smtClean="0">
-                <a:solidFill>
-                  <a:schemeClr val="accent6"/>
-                </a:solidFill>
-              </a:rPr>
-              <a:t>make</a:t>
-            </a:r>
-          </a:p>
-          <a:p>
-            <a:pPr algn="just"/>
-            <a:r>
-              <a:rPr lang="fr-FR" b="1" i="1" dirty="0">
-                <a:solidFill>
-                  <a:schemeClr val="accent6"/>
-                </a:solidFill>
-              </a:rPr>
-              <a:t>m</a:t>
-            </a:r>
-            <a:r>
-              <a:rPr lang="fr-FR" b="1" i="1" dirty="0" smtClean="0">
-                <a:solidFill>
-                  <a:schemeClr val="accent6"/>
-                </a:solidFill>
-              </a:rPr>
-              <a:t>ake </a:t>
-            </a:r>
-            <a:r>
-              <a:rPr lang="fr-FR" dirty="0" smtClean="0">
-                <a:solidFill>
-                  <a:schemeClr val="tx1"/>
-                </a:solidFill>
-              </a:rPr>
-              <a:t>prend en entrée :</a:t>
-            </a:r>
-          </a:p>
-          <a:p>
-            <a:pPr lvl="1" algn="just"/>
-            <a:r>
-              <a:rPr lang="fr-FR" dirty="0" smtClean="0">
-                <a:solidFill>
-                  <a:schemeClr val="tx1"/>
-                </a:solidFill>
-              </a:rPr>
-              <a:t>Une array</a:t>
-            </a:r>
-          </a:p>
-          <a:p>
-            <a:pPr lvl="1" algn="just"/>
-            <a:r>
-              <a:rPr lang="fr-FR" dirty="0" smtClean="0">
-                <a:solidFill>
-                  <a:schemeClr val="tx1"/>
-                </a:solidFill>
-              </a:rPr>
-              <a:t>Une longueur</a:t>
-            </a:r>
-            <a:endParaRPr lang="fr-FR" dirty="0">
-              <a:solidFill>
-                <a:schemeClr val="tx1"/>
-              </a:solidFill>
-            </a:endParaRPr>
-          </a:p>
-          <a:p>
-            <a:pPr lvl="1" algn="just"/>
-            <a:r>
-              <a:rPr lang="fr-FR" dirty="0" smtClean="0">
-                <a:solidFill>
-                  <a:schemeClr val="tx1"/>
-                </a:solidFill>
-              </a:rPr>
-              <a:t>Une capacité</a:t>
-            </a:r>
-          </a:p>
-          <a:p>
-            <a:pPr algn="just"/>
-            <a:r>
-              <a:rPr lang="fr-FR" dirty="0" smtClean="0">
-                <a:solidFill>
-                  <a:schemeClr val="tx1"/>
-                </a:solidFill>
-              </a:rPr>
-              <a:t>Lorsque la capacité est omise, elle à par défaut la valeur de la longueur</a:t>
-            </a:r>
-          </a:p>
-          <a:p>
-            <a:pPr algn="just"/>
-            <a:r>
-              <a:rPr lang="fr-FR" dirty="0" smtClean="0">
-                <a:solidFill>
-                  <a:schemeClr val="tx1"/>
-                </a:solidFill>
-              </a:rPr>
-              <a:t>Une slice peut être aussi crée à partir d'une array ou d'une autre slice</a:t>
+              <a:t>Une slice est le descripteur d'un segment d'une array, constitué d'un pointeur vers l'array, d'une longueur de segment et d'une capacité</a:t>
             </a:r>
             <a:endParaRPr lang="fr-FR" dirty="0" smtClean="0">
               <a:solidFill>
@@ -15444,22 +15471,29 @@
       </p:sp>
       <p:pic>
         <p:nvPicPr>
-          <p:cNvPr id="4" name="Image 3"/>
+          <p:cNvPr id="2050" name="Picture 2" descr="https://blog.golang.org/go-slices-usage-and-internals_slice-struct.png"/>
           <p:cNvPicPr>
-            <a:picLocks noChangeAspect="1"/>
+            <a:picLocks noChangeAspect="1" noChangeArrowheads="1"/>
           </p:cNvPicPr>
           <p:nvPr/>
         </p:nvPicPr>
         <p:blipFill>
-          <a:blip r:embed="rId2"/>
+          <a:blip r:embed="rId2">
+            <a:extLst>
+              <a:ext uri="{28A0092B-C50C-407E-A947-70E740481C1C}">
+                <a14:useLocalDpi xmlns:a14="http://schemas.microsoft.com/office/drawing/2010/main" val="0"/>
+              </a:ext>
+            </a:extLst>
+          </a:blip>
+          <a:srcRect/>
           <a:stretch>
             <a:fillRect/>
           </a:stretch>
         </p:blipFill>
-        <p:spPr>
-          <a:xfrm>
-            <a:off x="7928892" y="3515138"/>
-            <a:ext cx="2190750" cy="314325"/>
+        <p:spPr bwMode="auto">
+          <a:xfrm>
+            <a:off x="615883" y="3516239"/>
+            <a:ext cx="4924425" cy="1885950"/>
           </a:xfrm>
           <a:prstGeom prst="rect">
             <a:avLst/>
@@ -15474,26 +15508,42 @@
               </a:srgbClr>
             </a:outerShdw>
           </a:effectLst>
+          <a:extLst>
+            <a:ext uri="{909E8E84-426E-40DD-AFC4-6F175D3DCCD1}">
+              <a14:hiddenFill xmlns:a14="http://schemas.microsoft.com/office/drawing/2010/main">
+                <a:solidFill>
+                  <a:srgbClr val="FFFFFF"/>
+                </a:solidFill>
+              </a14:hiddenFill>
+            </a:ext>
+          </a:extLst>
         </p:spPr>
       </p:pic>
       <p:pic>
         <p:nvPicPr>
-          <p:cNvPr id="6" name="Image 5"/>
+          <p:cNvPr id="2052" name="Picture 4" descr="https://blog.golang.org/go-slices-usage-and-internals_slice-1.png"/>
           <p:cNvPicPr>
-            <a:picLocks noChangeAspect="1"/>
+            <a:picLocks noChangeAspect="1" noChangeArrowheads="1"/>
           </p:cNvPicPr>
           <p:nvPr/>
         </p:nvPicPr>
         <p:blipFill>
-          <a:blip r:embed="rId3"/>
+          <a:blip r:embed="rId3">
+            <a:extLst>
+              <a:ext uri="{28A0092B-C50C-407E-A947-70E740481C1C}">
+                <a14:useLocalDpi xmlns:a14="http://schemas.microsoft.com/office/drawing/2010/main" val="0"/>
+              </a:ext>
+            </a:extLst>
+          </a:blip>
+          <a:srcRect/>
           <a:stretch>
             <a:fillRect/>
           </a:stretch>
         </p:blipFill>
-        <p:spPr>
-          <a:xfrm>
-            <a:off x="7928892" y="3963973"/>
-            <a:ext cx="2266950" cy="742950"/>
+        <p:spPr bwMode="auto">
+          <a:xfrm>
+            <a:off x="2011547" y="3563864"/>
+            <a:ext cx="4924425" cy="1838325"/>
           </a:xfrm>
           <a:prstGeom prst="rect">
             <a:avLst/>
@@ -15508,26 +15558,42 @@
               </a:srgbClr>
             </a:outerShdw>
           </a:effectLst>
+          <a:extLst>
+            <a:ext uri="{909E8E84-426E-40DD-AFC4-6F175D3DCCD1}">
+              <a14:hiddenFill xmlns:a14="http://schemas.microsoft.com/office/drawing/2010/main">
+                <a:solidFill>
+                  <a:srgbClr val="FFFFFF"/>
+                </a:solidFill>
+              </a14:hiddenFill>
+            </a:ext>
+          </a:extLst>
         </p:spPr>
       </p:pic>
       <p:pic>
         <p:nvPicPr>
-          <p:cNvPr id="7" name="Image 6"/>
+          <p:cNvPr id="2054" name="Picture 6" descr="https://blog.golang.org/go-slices-usage-and-internals_slice-2.png"/>
           <p:cNvPicPr>
-            <a:picLocks noChangeAspect="1"/>
+            <a:picLocks noChangeAspect="1" noChangeArrowheads="1"/>
           </p:cNvPicPr>
           <p:nvPr/>
         </p:nvPicPr>
         <p:blipFill>
-          <a:blip r:embed="rId4"/>
+          <a:blip r:embed="rId4">
+            <a:extLst>
+              <a:ext uri="{28A0092B-C50C-407E-A947-70E740481C1C}">
+                <a14:useLocalDpi xmlns:a14="http://schemas.microsoft.com/office/drawing/2010/main" val="0"/>
+              </a:ext>
+            </a:extLst>
+          </a:blip>
+          <a:srcRect/>
           <a:stretch>
             <a:fillRect/>
           </a:stretch>
         </p:blipFill>
-        <p:spPr>
-          <a:xfrm>
-            <a:off x="7928892" y="4841433"/>
-            <a:ext cx="1619250" cy="323850"/>
+        <p:spPr bwMode="auto">
+          <a:xfrm>
+            <a:off x="6935972" y="1361589"/>
+            <a:ext cx="4924425" cy="1828800"/>
           </a:xfrm>
           <a:prstGeom prst="rect">
             <a:avLst/>
@@ -15542,12 +15608,45 @@
               </a:srgbClr>
             </a:outerShdw>
           </a:effectLst>
+          <a:extLst>
+            <a:ext uri="{909E8E84-426E-40DD-AFC4-6F175D3DCCD1}">
+              <a14:hiddenFill xmlns:a14="http://schemas.microsoft.com/office/drawing/2010/main">
+                <a:solidFill>
+                  <a:srgbClr val="FFFFFF"/>
+                </a:solidFill>
+              </a14:hiddenFill>
+            </a:ext>
+          </a:extLst>
+        </p:spPr>
+      </p:pic>
+      <p:pic>
+        <p:nvPicPr>
+          <p:cNvPr id="5" name="Image 4"/>
+          <p:cNvPicPr>
+            <a:picLocks noChangeAspect="1"/>
+          </p:cNvPicPr>
+          <p:nvPr/>
+        </p:nvPicPr>
+        <p:blipFill>
+          <a:blip r:embed="rId5"/>
+          <a:stretch>
+            <a:fillRect/>
+          </a:stretch>
+        </p:blipFill>
+        <p:spPr>
+          <a:xfrm>
+            <a:off x="9037236" y="1383816"/>
+            <a:ext cx="895350" cy="333375"/>
+          </a:xfrm>
+          <a:prstGeom prst="rect">
+            <a:avLst/>
+          </a:prstGeom>
         </p:spPr>
       </p:pic>
     </p:spTree>
     <p:extLst>
       <p:ext uri="{BB962C8B-B14F-4D97-AF65-F5344CB8AC3E}">
-        <p14:creationId xmlns:p14="http://schemas.microsoft.com/office/powerpoint/2010/main" val="2781608705"/>
+        <p14:creationId xmlns:p14="http://schemas.microsoft.com/office/powerpoint/2010/main" val="3856508130"/>
       </p:ext>
     </p:extLst>
   </p:cSld>
@@ -15769,12 +15868,14 @@
         </p:nvSpPr>
         <p:spPr>
           <a:xfrm>
-            <a:off x="1163054" y="1550504"/>
-            <a:ext cx="5502441" cy="1965735"/>
-          </a:xfrm>
-        </p:spPr>
-        <p:txBody>
-          <a:bodyPr anchor="ctr"/>
+            <a:off x="1772654" y="1905000"/>
+            <a:ext cx="5502441" cy="4377054"/>
+          </a:xfrm>
+        </p:spPr>
+        <p:txBody>
+          <a:bodyPr anchor="ctr">
+            <a:normAutofit/>
+          </a:bodyPr>
           <a:lstStyle/>
           <a:p>
             <a:pPr algn="just"/>
@@ -15784,7 +15885,40 @@
                   <a:schemeClr val="tx1"/>
                 </a:solidFill>
               </a:rPr>
-              <a:t>Une slice est le descripteur d'un segment d'une array, constitué d'un pointeur vers l'array, d'une longueur de segment et d'une capacité</a:t>
+              <a:t>Une opération de slice ne copie pas les données d'origine (c'est ce qui les rend efficaces) !</a:t>
+            </a:r>
+          </a:p>
+          <a:p>
+            <a:pPr algn="just"/>
+            <a:r>
+              <a:rPr lang="fr-FR" dirty="0" smtClean="0">
+                <a:solidFill>
+                  <a:schemeClr val="tx1"/>
+                </a:solidFill>
+              </a:rPr>
+              <a:t>Modifier les éléments d'origine affecte la slice</a:t>
+            </a:r>
+          </a:p>
+          <a:p>
+            <a:pPr algn="just"/>
+            <a:r>
+              <a:rPr lang="fr-FR" dirty="0" smtClean="0">
+                <a:solidFill>
+                  <a:schemeClr val="tx1"/>
+                </a:solidFill>
+              </a:rPr>
+              <a:t>Une slice ne peut être agrandie au delà de sa capacité.</a:t>
+            </a:r>
+          </a:p>
+          <a:p>
+            <a:pPr algn="just"/>
+            <a:r>
+              <a:rPr lang="fr-FR" dirty="0" smtClean="0">
+                <a:solidFill>
+                  <a:schemeClr val="tx1"/>
+                </a:solidFill>
+              </a:rPr>
+              <a:t>De même, un slice ne peut être redimensionnée en dessous de zéro pour accéder aux éléments précédents</a:t>
             </a:r>
             <a:endParaRPr lang="fr-FR" dirty="0" smtClean="0">
               <a:solidFill>
@@ -15796,29 +15930,22 @@
       </p:sp>
       <p:pic>
         <p:nvPicPr>
-          <p:cNvPr id="2050" name="Picture 2" descr="https://blog.golang.org/go-slices-usage-and-internals_slice-struct.png"/>
+          <p:cNvPr id="4" name="Image 3"/>
           <p:cNvPicPr>
-            <a:picLocks noChangeAspect="1" noChangeArrowheads="1"/>
+            <a:picLocks noChangeAspect="1"/>
           </p:cNvPicPr>
           <p:nvPr/>
         </p:nvPicPr>
         <p:blipFill>
-          <a:blip r:embed="rId2">
-            <a:extLst>
-              <a:ext uri="{28A0092B-C50C-407E-A947-70E740481C1C}">
-                <a14:useLocalDpi xmlns:a14="http://schemas.microsoft.com/office/drawing/2010/main" val="0"/>
-              </a:ext>
-            </a:extLst>
-          </a:blip>
-          <a:srcRect/>
+          <a:blip r:embed="rId2"/>
           <a:stretch>
             <a:fillRect/>
           </a:stretch>
         </p:blipFill>
-        <p:spPr bwMode="auto">
-          <a:xfrm>
-            <a:off x="615883" y="3516239"/>
-            <a:ext cx="4924425" cy="1885950"/>
+        <p:spPr>
+          <a:xfrm>
+            <a:off x="8536524" y="3464877"/>
+            <a:ext cx="2705100" cy="1257300"/>
           </a:xfrm>
           <a:prstGeom prst="rect">
             <a:avLst/>
@@ -15833,145 +15960,12 @@
               </a:srgbClr>
             </a:outerShdw>
           </a:effectLst>
-          <a:extLst>
-            <a:ext uri="{909E8E84-426E-40DD-AFC4-6F175D3DCCD1}">
-              <a14:hiddenFill xmlns:a14="http://schemas.microsoft.com/office/drawing/2010/main">
-                <a:solidFill>
-                  <a:srgbClr val="FFFFFF"/>
-                </a:solidFill>
-              </a14:hiddenFill>
-            </a:ext>
-          </a:extLst>
-        </p:spPr>
-      </p:pic>
-      <p:pic>
-        <p:nvPicPr>
-          <p:cNvPr id="2052" name="Picture 4" descr="https://blog.golang.org/go-slices-usage-and-internals_slice-1.png"/>
-          <p:cNvPicPr>
-            <a:picLocks noChangeAspect="1" noChangeArrowheads="1"/>
-          </p:cNvPicPr>
-          <p:nvPr/>
-        </p:nvPicPr>
-        <p:blipFill>
-          <a:blip r:embed="rId3">
-            <a:extLst>
-              <a:ext uri="{28A0092B-C50C-407E-A947-70E740481C1C}">
-                <a14:useLocalDpi xmlns:a14="http://schemas.microsoft.com/office/drawing/2010/main" val="0"/>
-              </a:ext>
-            </a:extLst>
-          </a:blip>
-          <a:srcRect/>
-          <a:stretch>
-            <a:fillRect/>
-          </a:stretch>
-        </p:blipFill>
-        <p:spPr bwMode="auto">
-          <a:xfrm>
-            <a:off x="2011547" y="3563864"/>
-            <a:ext cx="4924425" cy="1838325"/>
-          </a:xfrm>
-          <a:prstGeom prst="rect">
-            <a:avLst/>
-          </a:prstGeom>
-          <a:ln>
-            <a:noFill/>
-          </a:ln>
-          <a:effectLst>
-            <a:outerShdw blurRad="292100" dist="139700" dir="2700000" algn="tl" rotWithShape="0">
-              <a:srgbClr val="333333">
-                <a:alpha val="65000"/>
-              </a:srgbClr>
-            </a:outerShdw>
-          </a:effectLst>
-          <a:extLst>
-            <a:ext uri="{909E8E84-426E-40DD-AFC4-6F175D3DCCD1}">
-              <a14:hiddenFill xmlns:a14="http://schemas.microsoft.com/office/drawing/2010/main">
-                <a:solidFill>
-                  <a:srgbClr val="FFFFFF"/>
-                </a:solidFill>
-              </a14:hiddenFill>
-            </a:ext>
-          </a:extLst>
-        </p:spPr>
-      </p:pic>
-      <p:pic>
-        <p:nvPicPr>
-          <p:cNvPr id="2054" name="Picture 6" descr="https://blog.golang.org/go-slices-usage-and-internals_slice-2.png"/>
-          <p:cNvPicPr>
-            <a:picLocks noChangeAspect="1" noChangeArrowheads="1"/>
-          </p:cNvPicPr>
-          <p:nvPr/>
-        </p:nvPicPr>
-        <p:blipFill>
-          <a:blip r:embed="rId4">
-            <a:extLst>
-              <a:ext uri="{28A0092B-C50C-407E-A947-70E740481C1C}">
-                <a14:useLocalDpi xmlns:a14="http://schemas.microsoft.com/office/drawing/2010/main" val="0"/>
-              </a:ext>
-            </a:extLst>
-          </a:blip>
-          <a:srcRect/>
-          <a:stretch>
-            <a:fillRect/>
-          </a:stretch>
-        </p:blipFill>
-        <p:spPr bwMode="auto">
-          <a:xfrm>
-            <a:off x="6935972" y="1361589"/>
-            <a:ext cx="4924425" cy="1828800"/>
-          </a:xfrm>
-          <a:prstGeom prst="rect">
-            <a:avLst/>
-          </a:prstGeom>
-          <a:ln>
-            <a:noFill/>
-          </a:ln>
-          <a:effectLst>
-            <a:outerShdw blurRad="292100" dist="139700" dir="2700000" algn="tl" rotWithShape="0">
-              <a:srgbClr val="333333">
-                <a:alpha val="65000"/>
-              </a:srgbClr>
-            </a:outerShdw>
-          </a:effectLst>
-          <a:extLst>
-            <a:ext uri="{909E8E84-426E-40DD-AFC4-6F175D3DCCD1}">
-              <a14:hiddenFill xmlns:a14="http://schemas.microsoft.com/office/drawing/2010/main">
-                <a:solidFill>
-                  <a:srgbClr val="FFFFFF"/>
-                </a:solidFill>
-              </a14:hiddenFill>
-            </a:ext>
-          </a:extLst>
-        </p:spPr>
-      </p:pic>
-      <p:pic>
-        <p:nvPicPr>
-          <p:cNvPr id="5" name="Image 4"/>
-          <p:cNvPicPr>
-            <a:picLocks noChangeAspect="1"/>
-          </p:cNvPicPr>
-          <p:nvPr/>
-        </p:nvPicPr>
-        <p:blipFill>
-          <a:blip r:embed="rId5"/>
-          <a:stretch>
-            <a:fillRect/>
-          </a:stretch>
-        </p:blipFill>
-        <p:spPr>
-          <a:xfrm>
-            <a:off x="9037236" y="1383816"/>
-            <a:ext cx="895350" cy="333375"/>
-          </a:xfrm>
-          <a:prstGeom prst="rect">
-            <a:avLst/>
-          </a:prstGeom>
         </p:spPr>
       </p:pic>
     </p:spTree>
     <p:extLst>
       <p:ext uri="{BB962C8B-B14F-4D97-AF65-F5344CB8AC3E}">
-        <p14:creationId xmlns:p14="http://schemas.microsoft.com/office/powerpoint/2010/main" val="3856508130"/>
+        <p14:creationId xmlns:p14="http://schemas.microsoft.com/office/powerpoint/2010/main" val="1974449640"/>
       </p:ext>
     </p:extLst>
   </p:cSld>
@@ -16033,81 +16027,9 @@
           </a:p>
         </p:txBody>
       </p:sp>
-      <p:sp>
-        <p:nvSpPr>
-          <p:cNvPr id="3" name="Espace réservé du contenu 2"/>
-          <p:cNvSpPr>
-            <a:spLocks noGrp="1"/>
-          </p:cNvSpPr>
-          <p:nvPr>
-            <p:ph idx="1"/>
-          </p:nvPr>
-        </p:nvSpPr>
-        <p:spPr>
-          <a:xfrm>
-            <a:off x="1772654" y="1905000"/>
-            <a:ext cx="5502441" cy="4377054"/>
-          </a:xfrm>
-        </p:spPr>
-        <p:txBody>
-          <a:bodyPr anchor="ctr">
-            <a:normAutofit/>
-          </a:bodyPr>
-          <a:lstStyle/>
-          <a:p>
-            <a:pPr algn="just"/>
-            <a:r>
-              <a:rPr lang="fr-FR" dirty="0" smtClean="0">
-                <a:solidFill>
-                  <a:schemeClr val="tx1"/>
-                </a:solidFill>
-              </a:rPr>
-              <a:t>Une opération de slice ne copie pas les données d'origine (c'est ce qui les rend efficaces) !</a:t>
-            </a:r>
-          </a:p>
-          <a:p>
-            <a:pPr algn="just"/>
-            <a:r>
-              <a:rPr lang="fr-FR" dirty="0" smtClean="0">
-                <a:solidFill>
-                  <a:schemeClr val="tx1"/>
-                </a:solidFill>
-              </a:rPr>
-              <a:t>Modifier les éléments d'origine affecte la slice</a:t>
-            </a:r>
-          </a:p>
-          <a:p>
-            <a:pPr algn="just"/>
-            <a:r>
-              <a:rPr lang="fr-FR" dirty="0" smtClean="0">
-                <a:solidFill>
-                  <a:schemeClr val="tx1"/>
-                </a:solidFill>
-              </a:rPr>
-              <a:t>Une slice ne peut être agrandie au delà de sa capacité.</a:t>
-            </a:r>
-          </a:p>
-          <a:p>
-            <a:pPr algn="just"/>
-            <a:r>
-              <a:rPr lang="fr-FR" dirty="0" smtClean="0">
-                <a:solidFill>
-                  <a:schemeClr val="tx1"/>
-                </a:solidFill>
-              </a:rPr>
-              <a:t>De même, un slice ne peut être redimensionnée en dessous de zéro pour accéder aux éléments précédents</a:t>
-            </a:r>
-            <a:endParaRPr lang="fr-FR" dirty="0" smtClean="0">
-              <a:solidFill>
-                <a:schemeClr val="accent6"/>
-              </a:solidFill>
-            </a:endParaRPr>
-          </a:p>
-        </p:txBody>
-      </p:sp>
       <p:pic>
         <p:nvPicPr>
-          <p:cNvPr id="4" name="Image 3"/>
+          <p:cNvPr id="8" name="Image 7"/>
           <p:cNvPicPr>
             <a:picLocks noChangeAspect="1"/>
           </p:cNvPicPr>
@@ -16121,28 +16043,42 @@
         </p:blipFill>
         <p:spPr>
           <a:xfrm>
-            <a:off x="8536524" y="3464877"/>
-            <a:ext cx="2705100" cy="1257300"/>
+            <a:off x="906635" y="1715747"/>
+            <a:ext cx="6054669" cy="4424080"/>
           </a:xfrm>
           <a:prstGeom prst="rect">
             <a:avLst/>
           </a:prstGeom>
-          <a:ln>
-            <a:noFill/>
-          </a:ln>
-          <a:effectLst>
-            <a:outerShdw blurRad="292100" dist="139700" dir="2700000" algn="tl" rotWithShape="0">
-              <a:srgbClr val="333333">
-                <a:alpha val="65000"/>
-              </a:srgbClr>
-            </a:outerShdw>
-          </a:effectLst>
+        </p:spPr>
+      </p:pic>
+      <p:pic>
+        <p:nvPicPr>
+          <p:cNvPr id="9" name="Image 8"/>
+          <p:cNvPicPr>
+            <a:picLocks noChangeAspect="1"/>
+          </p:cNvPicPr>
+          <p:nvPr/>
+        </p:nvPicPr>
+        <p:blipFill>
+          <a:blip r:embed="rId3"/>
+          <a:stretch>
+            <a:fillRect/>
+          </a:stretch>
+        </p:blipFill>
+        <p:spPr>
+          <a:xfrm>
+            <a:off x="7219784" y="4311801"/>
+            <a:ext cx="4428877" cy="1828026"/>
+          </a:xfrm>
+          <a:prstGeom prst="rect">
+            <a:avLst/>
+          </a:prstGeom>
         </p:spPr>
       </p:pic>
     </p:spTree>
     <p:extLst>
       <p:ext uri="{BB962C8B-B14F-4D97-AF65-F5344CB8AC3E}">
-        <p14:creationId xmlns:p14="http://schemas.microsoft.com/office/powerpoint/2010/main" val="1974449640"/>
+        <p14:creationId xmlns:p14="http://schemas.microsoft.com/office/powerpoint/2010/main" val="1429401334"/>
       </p:ext>
     </p:extLst>
   </p:cSld>
@@ -16198,15 +16134,54 @@
           <a:p>
             <a:r>
               <a:rPr lang="fr-FR" dirty="0" smtClean="0"/>
-              <a:t>Slices</a:t>
+              <a:t>Slices (growing, copying)</a:t>
             </a:r>
             <a:endParaRPr lang="fr-FR" dirty="0"/>
+          </a:p>
+        </p:txBody>
+      </p:sp>
+      <p:sp>
+        <p:nvSpPr>
+          <p:cNvPr id="6" name="Espace réservé du contenu 2"/>
+          <p:cNvSpPr>
+            <a:spLocks noGrp="1"/>
+          </p:cNvSpPr>
+          <p:nvPr>
+            <p:ph idx="1"/>
+          </p:nvPr>
+        </p:nvSpPr>
+        <p:spPr>
+          <a:xfrm>
+            <a:off x="715131" y="1738023"/>
+            <a:ext cx="4047701" cy="2197873"/>
+          </a:xfrm>
+        </p:spPr>
+        <p:txBody>
+          <a:bodyPr anchor="ctr">
+            <a:normAutofit/>
+          </a:bodyPr>
+          <a:lstStyle/>
+          <a:p>
+            <a:pPr algn="just"/>
+            <a:r>
+              <a:rPr lang="fr-FR" dirty="0" smtClean="0">
+                <a:solidFill>
+                  <a:schemeClr val="tx1"/>
+                </a:solidFill>
+              </a:rPr>
+              <a:t>Pour agrandir la capacité d'une slice, on doit en créer une plus grande et copier le contenu d'origine dans la nouvelle slice</a:t>
+            </a:r>
+            <a:endParaRPr lang="fr-FR" dirty="0" smtClean="0">
+              <a:solidFill>
+                <a:schemeClr val="accent6"/>
+              </a:solidFill>
+            </a:endParaRPr>
           </a:p>
         </p:txBody>
       </p:sp>
       <p:pic>
         <p:nvPicPr>
-          <p:cNvPr id="8" name="Image 7"/>
+          <p:cNvPr id="5" name="Image 4"/>
           <p:cNvPicPr>
             <a:picLocks noChangeAspect="1"/>
           </p:cNvPicPr>
@@ -16220,8 +16195,8 @@
         </p:blipFill>
         <p:spPr>
           <a:xfrm>
-            <a:off x="906635" y="1715747"/>
-            <a:ext cx="6054669" cy="4424080"/>
+            <a:off x="5206464" y="1905000"/>
+            <a:ext cx="6666551" cy="3588192"/>
           </a:xfrm>
           <a:prstGeom prst="rect">
             <a:avLst/>
@@ -16230,7 +16205,7 @@
       </p:pic>
       <p:pic>
         <p:nvPicPr>
-          <p:cNvPr id="9" name="Image 8"/>
+          <p:cNvPr id="7" name="Image 6"/>
           <p:cNvPicPr>
             <a:picLocks noChangeAspect="1"/>
           </p:cNvPicPr>
@@ -16244,8 +16219,8 @@
         </p:blipFill>
         <p:spPr>
           <a:xfrm>
-            <a:off x="7219784" y="4311801"/>
-            <a:ext cx="4428877" cy="1828026"/>
+            <a:off x="5206464" y="5663896"/>
+            <a:ext cx="3581400" cy="666750"/>
           </a:xfrm>
           <a:prstGeom prst="rect">
             <a:avLst/>
@@ -16255,7 +16230,7 @@
     </p:spTree>
     <p:extLst>
       <p:ext uri="{BB962C8B-B14F-4D97-AF65-F5344CB8AC3E}">
-        <p14:creationId xmlns:p14="http://schemas.microsoft.com/office/powerpoint/2010/main" val="1429401334"/>
+        <p14:creationId xmlns:p14="http://schemas.microsoft.com/office/powerpoint/2010/main" val="2070009142"/>
       </p:ext>
     </p:extLst>
   </p:cSld>
@@ -16311,7 +16286,7 @@
           <a:p>
             <a:r>
               <a:rPr lang="fr-FR" dirty="0" smtClean="0"/>
-              <a:t>Slices (growing, copying)</a:t>
+              <a:t>Slices (appending)</a:t>
             </a:r>
             <a:endParaRPr lang="fr-FR" dirty="0"/>
           </a:p>
@@ -16346,7 +16321,23 @@
                   <a:schemeClr val="tx1"/>
                 </a:solidFill>
               </a:rPr>
-              <a:t>Pour agrandir la capacité d'une slice, on doit en créer une plus grande et copier le contenu d'origine dans la nouvelle slice</a:t>
+              <a:t>Ajouter des éléments à une slice peut se faire à l'aide de la fonction </a:t>
+            </a:r>
+            <a:r>
+              <a:rPr lang="fr-FR" b="1" i="1" dirty="0" smtClean="0">
+                <a:solidFill>
+                  <a:schemeClr val="accent6"/>
+                </a:solidFill>
+              </a:rPr>
+              <a:t>append</a:t>
+            </a:r>
+            <a:r>
+              <a:rPr lang="fr-FR" dirty="0" smtClean="0">
+                <a:solidFill>
+                  <a:schemeClr val="tx1"/>
+                </a:solidFill>
+              </a:rPr>
+              <a:t> qui gère l'augmentation de la taille dynamiquement</a:t>
             </a:r>
             <a:endParaRPr lang="fr-FR" dirty="0" smtClean="0">
               <a:solidFill>
@@ -16358,7 +16349,7 @@
       </p:sp>
       <p:pic>
         <p:nvPicPr>
-          <p:cNvPr id="5" name="Image 4"/>
+          <p:cNvPr id="3" name="Image 2"/>
           <p:cNvPicPr>
             <a:picLocks noChangeAspect="1"/>
           </p:cNvPicPr>
@@ -16372,8 +16363,8 @@
         </p:blipFill>
         <p:spPr>
           <a:xfrm>
-            <a:off x="5206464" y="1905000"/>
-            <a:ext cx="6666551" cy="3588192"/>
+            <a:off x="5383033" y="1481842"/>
+            <a:ext cx="5637764" cy="3932995"/>
           </a:xfrm>
           <a:prstGeom prst="rect">
             <a:avLst/>
@@ -16382,7 +16373,7 @@
       </p:pic>
       <p:pic>
         <p:nvPicPr>
-          <p:cNvPr id="7" name="Image 6"/>
+          <p:cNvPr id="4" name="Image 3"/>
           <p:cNvPicPr>
             <a:picLocks noChangeAspect="1"/>
           </p:cNvPicPr>
@@ -16396,8 +16387,8 @@
         </p:blipFill>
         <p:spPr>
           <a:xfrm>
-            <a:off x="5206464" y="5663896"/>
-            <a:ext cx="3581400" cy="666750"/>
+            <a:off x="2420240" y="5543176"/>
+            <a:ext cx="5781675" cy="828675"/>
           </a:xfrm>
           <a:prstGeom prst="rect">
             <a:avLst/>
@@ -16407,7 +16398,7 @@
     </p:spTree>
     <p:extLst>
       <p:ext uri="{BB962C8B-B14F-4D97-AF65-F5344CB8AC3E}">
-        <p14:creationId xmlns:p14="http://schemas.microsoft.com/office/powerpoint/2010/main" val="2070009142"/>
+        <p14:creationId xmlns:p14="http://schemas.microsoft.com/office/powerpoint/2010/main" val="2922589556"/>
       </p:ext>
     </p:extLst>
   </p:cSld>
@@ -16463,7 +16454,7 @@
           <a:p>
             <a:r>
               <a:rPr lang="fr-FR" dirty="0" smtClean="0"/>
-              <a:t>Slices (appending)</a:t>
+              <a:t>Maps</a:t>
             </a:r>
             <a:endParaRPr lang="fr-FR" dirty="0"/>
           </a:p>
@@ -16481,8 +16472,8 @@
         </p:nvSpPr>
         <p:spPr>
           <a:xfrm>
-            <a:off x="715131" y="1738023"/>
-            <a:ext cx="4047701" cy="2197873"/>
+            <a:off x="1883972" y="1602850"/>
+            <a:ext cx="9709030" cy="2253533"/>
           </a:xfrm>
         </p:spPr>
         <p:txBody>
@@ -16498,24 +16489,22 @@
                   <a:schemeClr val="tx1"/>
                 </a:solidFill>
               </a:rPr>
-              <a:t>Ajouter des éléments à une slice peut se faire à l'aide de la fonction </a:t>
-            </a:r>
-            <a:r>
-              <a:rPr lang="fr-FR" b="1" i="1" dirty="0" smtClean="0">
-                <a:solidFill>
-                  <a:schemeClr val="accent6"/>
-                </a:solidFill>
-              </a:rPr>
-              <a:t>append</a:t>
-            </a:r>
+              <a:t>Les maps sont des ensembles non ordonnés de paires "Clé-Valeur"</a:t>
+            </a:r>
+          </a:p>
+          <a:p>
+            <a:pPr algn="just"/>
             <a:r>
               <a:rPr lang="fr-FR" dirty="0" smtClean="0">
                 <a:solidFill>
                   <a:schemeClr val="tx1"/>
                 </a:solidFill>
               </a:rPr>
-              <a:t> qui gère l'augmentation de la taille dynamiquement</a:t>
-            </a:r>
+              <a:t>Souvent appelées tableaux associatifs ou dictionnaires</a:t>
+            </a:r>
+          </a:p>
+          <a:p>
+            <a:pPr algn="just"/>
             <a:endParaRPr lang="fr-FR" dirty="0" smtClean="0">
               <a:solidFill>
                 <a:schemeClr val="accent6"/>
@@ -16526,7 +16515,7 @@
       </p:sp>
       <p:pic>
         <p:nvPicPr>
-          <p:cNvPr id="3" name="Image 2"/>
+          <p:cNvPr id="4" name="Image 3"/>
           <p:cNvPicPr>
             <a:picLocks noChangeAspect="1"/>
           </p:cNvPicPr>
@@ -16540,17 +16529,27 @@
         </p:blipFill>
         <p:spPr>
           <a:xfrm>
-            <a:off x="5383033" y="1481842"/>
-            <a:ext cx="5637764" cy="3932995"/>
+            <a:off x="3553746" y="3070570"/>
+            <a:ext cx="5943600" cy="1114425"/>
           </a:xfrm>
           <a:prstGeom prst="rect">
             <a:avLst/>
           </a:prstGeom>
+          <a:ln>
+            <a:noFill/>
+          </a:ln>
+          <a:effectLst>
+            <a:outerShdw blurRad="292100" dist="139700" dir="2700000" algn="tl" rotWithShape="0">
+              <a:srgbClr val="333333">
+                <a:alpha val="65000"/>
+              </a:srgbClr>
+            </a:outerShdw>
+          </a:effectLst>
         </p:spPr>
       </p:pic>
       <p:pic>
         <p:nvPicPr>
-          <p:cNvPr id="4" name="Image 3"/>
+          <p:cNvPr id="5" name="Image 4"/>
           <p:cNvPicPr>
             <a:picLocks noChangeAspect="1"/>
           </p:cNvPicPr>
@@ -16564,18 +16563,62 @@
         </p:blipFill>
         <p:spPr>
           <a:xfrm>
-            <a:off x="2420240" y="5543176"/>
-            <a:ext cx="5781675" cy="828675"/>
+            <a:off x="3553746" y="4284800"/>
+            <a:ext cx="5953125" cy="1114425"/>
           </a:xfrm>
           <a:prstGeom prst="rect">
             <a:avLst/>
           </a:prstGeom>
+          <a:ln>
+            <a:noFill/>
+          </a:ln>
+          <a:effectLst>
+            <a:outerShdw blurRad="292100" dist="139700" dir="2700000" algn="tl" rotWithShape="0">
+              <a:srgbClr val="333333">
+                <a:alpha val="65000"/>
+              </a:srgbClr>
+            </a:outerShdw>
+          </a:effectLst>
+        </p:spPr>
+      </p:pic>
+      <p:pic>
+        <p:nvPicPr>
+          <p:cNvPr id="7" name="Image 6"/>
+          <p:cNvPicPr>
+            <a:picLocks noChangeAspect="1"/>
+          </p:cNvPicPr>
+          <p:nvPr/>
+        </p:nvPicPr>
+        <p:blipFill>
+          <a:blip r:embed="rId4"/>
+          <a:stretch>
+            <a:fillRect/>
+          </a:stretch>
+        </p:blipFill>
+        <p:spPr>
+          <a:xfrm>
+            <a:off x="3553746" y="5499030"/>
+            <a:ext cx="5996190" cy="599619"/>
+          </a:xfrm>
+          <a:prstGeom prst="rect">
+            <a:avLst/>
+          </a:prstGeom>
+          <a:ln>
+            <a:noFill/>
+          </a:ln>
+          <a:effectLst>
+            <a:outerShdw blurRad="292100" dist="139700" dir="2700000" algn="tl" rotWithShape="0">
+              <a:srgbClr val="333333">
+                <a:alpha val="65000"/>
+              </a:srgbClr>
+            </a:outerShdw>
+          </a:effectLst>
         </p:spPr>
       </p:pic>
     </p:spTree>
     <p:extLst>
       <p:ext uri="{BB962C8B-B14F-4D97-AF65-F5344CB8AC3E}">
-        <p14:creationId xmlns:p14="http://schemas.microsoft.com/office/powerpoint/2010/main" val="2922589556"/>
+        <p14:creationId xmlns:p14="http://schemas.microsoft.com/office/powerpoint/2010/main" val="190541540"/>
       </p:ext>
     </p:extLst>
   </p:cSld>
@@ -16637,62 +16680,9 @@
           </a:p>
         </p:txBody>
       </p:sp>
-      <p:sp>
-        <p:nvSpPr>
-          <p:cNvPr id="6" name="Espace réservé du contenu 2"/>
-          <p:cNvSpPr>
-            <a:spLocks noGrp="1"/>
-          </p:cNvSpPr>
-          <p:nvPr>
-            <p:ph idx="1"/>
-          </p:nvPr>
-        </p:nvSpPr>
-        <p:spPr>
-          <a:xfrm>
-            <a:off x="1883972" y="1602850"/>
-            <a:ext cx="9709030" cy="2253533"/>
-          </a:xfrm>
-        </p:spPr>
-        <p:txBody>
-          <a:bodyPr anchor="ctr">
-            <a:normAutofit/>
-          </a:bodyPr>
-          <a:lstStyle/>
-          <a:p>
-            <a:pPr algn="just"/>
-            <a:r>
-              <a:rPr lang="fr-FR" dirty="0" smtClean="0">
-                <a:solidFill>
-                  <a:schemeClr val="tx1"/>
-                </a:solidFill>
-              </a:rPr>
-              <a:t>Les maps sont des ensembles non ordonnés de paires "Clé-Valeur"</a:t>
-            </a:r>
-          </a:p>
-          <a:p>
-            <a:pPr algn="just"/>
-            <a:r>
-              <a:rPr lang="fr-FR" dirty="0" smtClean="0">
-                <a:solidFill>
-                  <a:schemeClr val="tx1"/>
-                </a:solidFill>
-              </a:rPr>
-              <a:t>Souvent appelées tableaux associatifs ou dictionnaires</a:t>
-            </a:r>
-          </a:p>
-          <a:p>
-            <a:pPr algn="just"/>
-            <a:endParaRPr lang="fr-FR" dirty="0" smtClean="0">
-              <a:solidFill>
-                <a:schemeClr val="accent6"/>
-              </a:solidFill>
-            </a:endParaRPr>
-          </a:p>
-        </p:txBody>
-      </p:sp>
       <p:pic>
         <p:nvPicPr>
-          <p:cNvPr id="4" name="Image 3"/>
+          <p:cNvPr id="3" name="Image 2"/>
           <p:cNvPicPr>
             <a:picLocks noChangeAspect="1"/>
           </p:cNvPicPr>
@@ -16706,27 +16696,17 @@
         </p:blipFill>
         <p:spPr>
           <a:xfrm>
-            <a:off x="3553746" y="3070570"/>
-            <a:ext cx="5943600" cy="1114425"/>
+            <a:off x="4628976" y="500932"/>
+            <a:ext cx="4212873" cy="6174942"/>
           </a:xfrm>
           <a:prstGeom prst="rect">
             <a:avLst/>
           </a:prstGeom>
-          <a:ln>
-            <a:noFill/>
-          </a:ln>
-          <a:effectLst>
-            <a:outerShdw blurRad="292100" dist="139700" dir="2700000" algn="tl" rotWithShape="0">
-              <a:srgbClr val="333333">
-                <a:alpha val="65000"/>
-              </a:srgbClr>
-            </a:outerShdw>
-          </a:effectLst>
         </p:spPr>
       </p:pic>
       <p:pic>
         <p:nvPicPr>
-          <p:cNvPr id="5" name="Image 4"/>
+          <p:cNvPr id="4" name="Image 3"/>
           <p:cNvPicPr>
             <a:picLocks noChangeAspect="1"/>
           </p:cNvPicPr>
@@ -16740,62 +16720,18 @@
         </p:blipFill>
         <p:spPr>
           <a:xfrm>
-            <a:off x="3553746" y="4284800"/>
-            <a:ext cx="5953125" cy="1114425"/>
+            <a:off x="9049785" y="2674207"/>
+            <a:ext cx="2600325" cy="2495550"/>
           </a:xfrm>
           <a:prstGeom prst="rect">
             <a:avLst/>
           </a:prstGeom>
-          <a:ln>
-            <a:noFill/>
-          </a:ln>
-          <a:effectLst>
-            <a:outerShdw blurRad="292100" dist="139700" dir="2700000" algn="tl" rotWithShape="0">
-              <a:srgbClr val="333333">
-                <a:alpha val="65000"/>
-              </a:srgbClr>
-            </a:outerShdw>
-          </a:effectLst>
-        </p:spPr>
-      </p:pic>
-      <p:pic>
-        <p:nvPicPr>
-          <p:cNvPr id="7" name="Image 6"/>
-          <p:cNvPicPr>
-            <a:picLocks noChangeAspect="1"/>
-          </p:cNvPicPr>
-          <p:nvPr/>
-        </p:nvPicPr>
-        <p:blipFill>
-          <a:blip r:embed="rId4"/>
-          <a:stretch>
-            <a:fillRect/>
-          </a:stretch>
-        </p:blipFill>
-        <p:spPr>
-          <a:xfrm>
-            <a:off x="3553746" y="5499030"/>
-            <a:ext cx="5996190" cy="599619"/>
-          </a:xfrm>
-          <a:prstGeom prst="rect">
-            <a:avLst/>
-          </a:prstGeom>
-          <a:ln>
-            <a:noFill/>
-          </a:ln>
-          <a:effectLst>
-            <a:outerShdw blurRad="292100" dist="139700" dir="2700000" algn="tl" rotWithShape="0">
-              <a:srgbClr val="333333">
-                <a:alpha val="65000"/>
-              </a:srgbClr>
-            </a:outerShdw>
-          </a:effectLst>
         </p:spPr>
       </p:pic>
     </p:spTree>
     <p:extLst>
       <p:ext uri="{BB962C8B-B14F-4D97-AF65-F5344CB8AC3E}">
-        <p14:creationId xmlns:p14="http://schemas.microsoft.com/office/powerpoint/2010/main" val="190541540"/>
+        <p14:creationId xmlns:p14="http://schemas.microsoft.com/office/powerpoint/2010/main" val="3113614535"/>
       </p:ext>
     </p:extLst>
   </p:cSld>
@@ -16851,7 +16787,7 @@
           <a:p>
             <a:r>
               <a:rPr lang="fr-FR" dirty="0" smtClean="0"/>
-              <a:t>Maps</a:t>
+              <a:t>Maps of maps</a:t>
             </a:r>
             <a:endParaRPr lang="fr-FR" dirty="0"/>
           </a:p>
@@ -16859,7 +16795,7 @@
       </p:sp>
       <p:pic>
         <p:nvPicPr>
-          <p:cNvPr id="3" name="Image 2"/>
+          <p:cNvPr id="7" name="Image 6"/>
           <p:cNvPicPr>
             <a:picLocks noChangeAspect="1"/>
           </p:cNvPicPr>
@@ -16873,8 +16809,8 @@
         </p:blipFill>
         <p:spPr>
           <a:xfrm>
-            <a:off x="4628976" y="500932"/>
-            <a:ext cx="4212873" cy="6174942"/>
+            <a:off x="1844703" y="1354579"/>
+            <a:ext cx="6063282" cy="4962732"/>
           </a:xfrm>
           <a:prstGeom prst="rect">
             <a:avLst/>
@@ -16883,7 +16819,7 @@
       </p:pic>
       <p:pic>
         <p:nvPicPr>
-          <p:cNvPr id="4" name="Image 3"/>
+          <p:cNvPr id="8" name="Image 7"/>
           <p:cNvPicPr>
             <a:picLocks noChangeAspect="1"/>
           </p:cNvPicPr>
@@ -16897,8 +16833,8 @@
         </p:blipFill>
         <p:spPr>
           <a:xfrm>
-            <a:off x="9049785" y="2674207"/>
-            <a:ext cx="2600325" cy="2495550"/>
+            <a:off x="8018600" y="3621985"/>
+            <a:ext cx="3629025" cy="647700"/>
           </a:xfrm>
           <a:prstGeom prst="rect">
             <a:avLst/>
@@ -16908,7 +16844,7 @@
     </p:spTree>
     <p:extLst>
       <p:ext uri="{BB962C8B-B14F-4D97-AF65-F5344CB8AC3E}">
-        <p14:creationId xmlns:p14="http://schemas.microsoft.com/office/powerpoint/2010/main" val="3113614535"/>
+        <p14:creationId xmlns:p14="http://schemas.microsoft.com/office/powerpoint/2010/main" val="299311231"/>
       </p:ext>
     </p:extLst>
   </p:cSld>
@@ -16944,7 +16880,7 @@
       </p:grpSpPr>
       <p:sp>
         <p:nvSpPr>
-          <p:cNvPr id="2" name="Titre 1"/>
+          <p:cNvPr id="3" name="Titre 2"/>
           <p:cNvSpPr>
             <a:spLocks noGrp="1"/>
           </p:cNvSpPr>
@@ -16952,19 +16888,14 @@
             <p:ph type="title"/>
           </p:nvPr>
         </p:nvSpPr>
-        <p:spPr>
-          <a:xfrm>
-            <a:off x="2592925" y="624110"/>
-            <a:ext cx="8911687" cy="1280890"/>
-          </a:xfrm>
-        </p:spPr>
+        <p:spPr/>
         <p:txBody>
           <a:bodyPr/>
           <a:lstStyle/>
           <a:p>
             <a:r>
               <a:rPr lang="fr-FR" dirty="0" smtClean="0"/>
-              <a:t>Maps of maps</a:t>
+              <a:t>Fonctions</a:t>
             </a:r>
             <a:endParaRPr lang="fr-FR" dirty="0"/>
           </a:p>
@@ -16972,7 +16903,7 @@
       </p:sp>
       <p:pic>
         <p:nvPicPr>
-          <p:cNvPr id="7" name="Image 6"/>
+          <p:cNvPr id="2" name="Image 1"/>
           <p:cNvPicPr>
             <a:picLocks noChangeAspect="1"/>
           </p:cNvPicPr>
@@ -16986,55 +16917,84 @@
         </p:blipFill>
         <p:spPr>
           <a:xfrm>
-            <a:off x="1844703" y="1354579"/>
-            <a:ext cx="6063282" cy="4962732"/>
+            <a:off x="4451970" y="2260779"/>
+            <a:ext cx="3752850" cy="1247775"/>
           </a:xfrm>
           <a:prstGeom prst="rect">
             <a:avLst/>
           </a:prstGeom>
+          <a:ln>
+            <a:noFill/>
+          </a:ln>
+          <a:effectLst>
+            <a:outerShdw blurRad="292100" dist="139700" dir="2700000" algn="tl" rotWithShape="0">
+              <a:srgbClr val="333333">
+                <a:alpha val="65000"/>
+              </a:srgbClr>
+            </a:outerShdw>
+          </a:effectLst>
         </p:spPr>
       </p:pic>
-      <p:pic>
-        <p:nvPicPr>
-          <p:cNvPr id="8" name="Image 7"/>
-          <p:cNvPicPr>
-            <a:picLocks noChangeAspect="1"/>
-          </p:cNvPicPr>
-          <p:nvPr/>
-        </p:nvPicPr>
-        <p:blipFill>
-          <a:blip r:embed="rId3"/>
-          <a:stretch>
-            <a:fillRect/>
-          </a:stretch>
-        </p:blipFill>
+      <p:sp>
+        <p:nvSpPr>
+          <p:cNvPr id="5" name="Espace réservé du contenu 2"/>
+          <p:cNvSpPr>
+            <a:spLocks noGrp="1"/>
+          </p:cNvSpPr>
+          <p:nvPr>
+            <p:ph idx="1"/>
+          </p:nvPr>
+        </p:nvSpPr>
         <p:spPr>
           <a:xfrm>
-            <a:off x="8018600" y="3621985"/>
-            <a:ext cx="3629025" cy="647700"/>
-          </a:xfrm>
-          <a:prstGeom prst="rect">
-            <a:avLst/>
-          </a:prstGeom>
-        </p:spPr>
-      </p:pic>
+            <a:off x="1907827" y="3864334"/>
+            <a:ext cx="9652444" cy="1948070"/>
+          </a:xfrm>
+        </p:spPr>
+        <p:txBody>
+          <a:bodyPr anchor="ctr">
+            <a:normAutofit/>
+          </a:bodyPr>
+          <a:lstStyle/>
+          <a:p>
+            <a:pPr algn="just"/>
+            <a:r>
+              <a:rPr lang="fr-FR" dirty="0" smtClean="0">
+                <a:solidFill>
+                  <a:schemeClr val="tx1"/>
+                </a:solidFill>
+              </a:rPr>
+              <a:t>Portion indépendante de code possédant zéro ou plusieurs paramètres d'entrée et zéro ou plusieurs paramètres de sortie (retour)</a:t>
+            </a:r>
+          </a:p>
+          <a:p>
+            <a:pPr algn="just"/>
+            <a:r>
+              <a:rPr lang="fr-FR" dirty="0" smtClean="0">
+                <a:solidFill>
+                  <a:schemeClr val="tx1"/>
+                </a:solidFill>
+              </a:rPr>
+              <a:t>L'ensemble des entrées et des sortie est appelé signature de la fonction</a:t>
+            </a:r>
+            <a:endParaRPr lang="fr-FR" dirty="0" smtClean="0">
+              <a:solidFill>
+                <a:schemeClr val="accent6"/>
+              </a:solidFill>
+            </a:endParaRPr>
+          </a:p>
+        </p:txBody>
+      </p:sp>
     </p:spTree>
     <p:extLst>
       <p:ext uri="{BB962C8B-B14F-4D97-AF65-F5344CB8AC3E}">
-        <p14:creationId xmlns:p14="http://schemas.microsoft.com/office/powerpoint/2010/main" val="299311231"/>
+        <p14:creationId xmlns:p14="http://schemas.microsoft.com/office/powerpoint/2010/main" val="3696690143"/>
       </p:ext>
     </p:extLst>
   </p:cSld>
   <p:clrMapOvr>
     <a:masterClrMapping/>
   </p:clrMapOvr>
-  <p:timing>
-    <p:tnLst>
-      <p:par>
-        <p:cTn id="1" dur="indefinite" restart="never" nodeType="tmRoot"/>
-      </p:par>
-    </p:tnLst>
-  </p:timing>
 </p:sld>
 </file>
 
@@ -17078,9 +17038,144 @@
           </a:p>
         </p:txBody>
       </p:sp>
+      <p:sp>
+        <p:nvSpPr>
+          <p:cNvPr id="5" name="Espace réservé du contenu 2"/>
+          <p:cNvSpPr>
+            <a:spLocks noGrp="1"/>
+          </p:cNvSpPr>
+          <p:nvPr>
+            <p:ph idx="1"/>
+          </p:nvPr>
+        </p:nvSpPr>
+        <p:spPr>
+          <a:xfrm>
+            <a:off x="962108" y="1547005"/>
+            <a:ext cx="6655242" cy="4758379"/>
+          </a:xfrm>
+        </p:spPr>
+        <p:txBody>
+          <a:bodyPr anchor="ctr">
+            <a:normAutofit/>
+          </a:bodyPr>
+          <a:lstStyle/>
+          <a:p>
+            <a:pPr algn="just"/>
+            <a:r>
+              <a:rPr lang="fr-FR" dirty="0" smtClean="0">
+                <a:solidFill>
+                  <a:schemeClr val="tx1"/>
+                </a:solidFill>
+              </a:rPr>
+              <a:t>Une fonction débute par le mot-clé </a:t>
+            </a:r>
+            <a:r>
+              <a:rPr lang="fr-FR" b="1" i="1" dirty="0" smtClean="0">
+                <a:solidFill>
+                  <a:schemeClr val="accent6"/>
+                </a:solidFill>
+              </a:rPr>
+              <a:t>func</a:t>
+            </a:r>
+          </a:p>
+          <a:p>
+            <a:pPr algn="just"/>
+            <a:r>
+              <a:rPr lang="fr-FR" dirty="0" smtClean="0">
+                <a:solidFill>
+                  <a:schemeClr val="tx1"/>
+                </a:solidFill>
+              </a:rPr>
+              <a:t>Suivi du nom de la fonction et de ses entrées (entre parenthèses)</a:t>
+            </a:r>
+          </a:p>
+          <a:p>
+            <a:pPr algn="just"/>
+            <a:r>
+              <a:rPr lang="fr-FR" dirty="0" smtClean="0">
+                <a:solidFill>
+                  <a:schemeClr val="tx1"/>
+                </a:solidFill>
+              </a:rPr>
+              <a:t>Suivi du type des sorties</a:t>
+            </a:r>
+          </a:p>
+          <a:p>
+            <a:pPr algn="just"/>
+            <a:r>
+              <a:rPr lang="fr-FR" dirty="0" smtClean="0">
+                <a:solidFill>
+                  <a:schemeClr val="tx1"/>
+                </a:solidFill>
+              </a:rPr>
+              <a:t>Se termine par </a:t>
+            </a:r>
+            <a:r>
+              <a:rPr lang="fr-FR" b="1" i="1" dirty="0" smtClean="0">
+                <a:solidFill>
+                  <a:schemeClr val="accent6"/>
+                </a:solidFill>
+              </a:rPr>
+              <a:t>return</a:t>
+            </a:r>
+            <a:r>
+              <a:rPr lang="fr-FR" dirty="0" smtClean="0">
+                <a:solidFill>
+                  <a:schemeClr val="tx1"/>
+                </a:solidFill>
+              </a:rPr>
+              <a:t>, suivi des variables retournées</a:t>
+            </a:r>
+          </a:p>
+          <a:p>
+            <a:pPr algn="just"/>
+            <a:r>
+              <a:rPr lang="fr-FR" dirty="0" smtClean="0">
+                <a:solidFill>
+                  <a:schemeClr val="tx1"/>
+                </a:solidFill>
+              </a:rPr>
+              <a:t>Le corps de la fonction est inséré entre des accolades</a:t>
+            </a:r>
+          </a:p>
+          <a:p>
+            <a:pPr algn="just"/>
+            <a:r>
+              <a:rPr lang="fr-FR" dirty="0" smtClean="0">
+                <a:solidFill>
+                  <a:schemeClr val="tx1"/>
+                </a:solidFill>
+              </a:rPr>
+              <a:t>Le nom des paramètres peut êtres différents en la fonction appelante et la fonction appelée</a:t>
+            </a:r>
+          </a:p>
+          <a:p>
+            <a:pPr algn="just"/>
+            <a:r>
+              <a:rPr lang="fr-FR" dirty="0" smtClean="0">
+                <a:solidFill>
+                  <a:schemeClr val="tx1"/>
+                </a:solidFill>
+              </a:rPr>
+              <a:t>Seules les valeurs sont transmises</a:t>
+            </a:r>
+          </a:p>
+          <a:p>
+            <a:pPr algn="just"/>
+            <a:r>
+              <a:rPr lang="fr-FR" dirty="0" smtClean="0">
+                <a:solidFill>
+                  <a:schemeClr val="tx1"/>
+                </a:solidFill>
+              </a:rPr>
+              <a:t>La fonction appelée n'a pas accès aux variables de la fonction appelante</a:t>
+            </a:r>
+          </a:p>
+        </p:txBody>
+      </p:sp>
       <p:pic>
         <p:nvPicPr>
-          <p:cNvPr id="2" name="Image 1"/>
+          <p:cNvPr id="4" name="Image 3"/>
           <p:cNvPicPr>
             <a:picLocks noChangeAspect="1"/>
           </p:cNvPicPr>
@@ -17094,84 +17189,31 @@
         </p:blipFill>
         <p:spPr>
           <a:xfrm>
-            <a:off x="4451970" y="2260779"/>
-            <a:ext cx="3752850" cy="1247775"/>
+            <a:off x="7788563" y="2052390"/>
+            <a:ext cx="4226604" cy="3465815"/>
           </a:xfrm>
           <a:prstGeom prst="rect">
             <a:avLst/>
           </a:prstGeom>
-          <a:ln>
-            <a:noFill/>
-          </a:ln>
-          <a:effectLst>
-            <a:outerShdw blurRad="292100" dist="139700" dir="2700000" algn="tl" rotWithShape="0">
-              <a:srgbClr val="333333">
-                <a:alpha val="65000"/>
-              </a:srgbClr>
-            </a:outerShdw>
-          </a:effectLst>
         </p:spPr>
       </p:pic>
-      <p:sp>
-        <p:nvSpPr>
-          <p:cNvPr id="5" name="Espace réservé du contenu 2"/>
-          <p:cNvSpPr>
-            <a:spLocks noGrp="1"/>
-          </p:cNvSpPr>
-          <p:nvPr>
-            <p:ph idx="1"/>
-          </p:nvPr>
-        </p:nvSpPr>
-        <p:spPr>
-          <a:xfrm>
-            <a:off x="1907827" y="3864334"/>
-            <a:ext cx="9652444" cy="1948070"/>
-          </a:xfrm>
-        </p:spPr>
-        <p:txBody>
-          <a:bodyPr anchor="ctr">
-            <a:normAutofit/>
-          </a:bodyPr>
-          <a:lstStyle/>
-          <a:p>
-            <a:pPr algn="just"/>
-            <a:r>
-              <a:rPr lang="fr-FR" dirty="0" smtClean="0">
-                <a:solidFill>
-                  <a:schemeClr val="tx1"/>
-                </a:solidFill>
-              </a:rPr>
-              <a:t>Portion indépendante de code possédant zéro ou plusieurs paramètres d'entrée et zéro ou plusieurs paramètres de sortie (retour)</a:t>
-            </a:r>
-          </a:p>
-          <a:p>
-            <a:pPr algn="just"/>
-            <a:r>
-              <a:rPr lang="fr-FR" dirty="0" smtClean="0">
-                <a:solidFill>
-                  <a:schemeClr val="tx1"/>
-                </a:solidFill>
-              </a:rPr>
-              <a:t>L'ensemble des entrées et des sortie est appelé signature de la fonction</a:t>
-            </a:r>
-            <a:endParaRPr lang="fr-FR" dirty="0" smtClean="0">
-              <a:solidFill>
-                <a:schemeClr val="accent6"/>
-              </a:solidFill>
-            </a:endParaRPr>
-          </a:p>
-        </p:txBody>
-      </p:sp>
     </p:spTree>
     <p:extLst>
       <p:ext uri="{BB962C8B-B14F-4D97-AF65-F5344CB8AC3E}">
-        <p14:creationId xmlns:p14="http://schemas.microsoft.com/office/powerpoint/2010/main" val="3696690143"/>
+        <p14:creationId xmlns:p14="http://schemas.microsoft.com/office/powerpoint/2010/main" val="2024811170"/>
       </p:ext>
     </p:extLst>
   </p:cSld>
   <p:clrMapOvr>
     <a:masterClrMapping/>
   </p:clrMapOvr>
+  <p:timing>
+    <p:tnLst>
+      <p:par>
+        <p:cTn id="1" dur="indefinite" restart="never" nodeType="tmRoot"/>
+      </p:par>
+    </p:tnLst>
+  </p:timing>
 </p:sld>
 </file>
 
@@ -17227,8 +17269,8 @@
         </p:nvSpPr>
         <p:spPr>
           <a:xfrm>
-            <a:off x="962108" y="1547005"/>
-            <a:ext cx="6655242" cy="4758379"/>
+            <a:off x="962108" y="1547006"/>
+            <a:ext cx="6058894" cy="1434734"/>
           </a:xfrm>
         </p:spPr>
         <p:txBody>
@@ -17244,115 +17286,14 @@
                   <a:schemeClr val="tx1"/>
                 </a:solidFill>
               </a:rPr>
-              <a:t>Une fonction débute par le mot-clé </a:t>
-            </a:r>
-            <a:r>
-              <a:rPr lang="fr-FR" b="1" i="1" dirty="0" smtClean="0">
-                <a:solidFill>
-                  <a:schemeClr val="accent6"/>
-                </a:solidFill>
-              </a:rPr>
-              <a:t>func</a:t>
-            </a:r>
-          </a:p>
-          <a:p>
-            <a:pPr algn="just"/>
-            <a:r>
-              <a:rPr lang="fr-FR" dirty="0" smtClean="0">
-                <a:solidFill>
-                  <a:schemeClr val="tx1"/>
-                </a:solidFill>
-              </a:rPr>
-              <a:t>Suivi du nom de la fonction et de ses entrées (entre parenthèses)</a:t>
-            </a:r>
-          </a:p>
-          <a:p>
-            <a:pPr algn="just"/>
-            <a:r>
-              <a:rPr lang="fr-FR" dirty="0" smtClean="0">
-                <a:solidFill>
-                  <a:schemeClr val="tx1"/>
-                </a:solidFill>
-              </a:rPr>
-              <a:t>Suivi du type des sorties</a:t>
-            </a:r>
-          </a:p>
-          <a:p>
-            <a:pPr algn="just"/>
-            <a:r>
-              <a:rPr lang="fr-FR" dirty="0" smtClean="0">
-                <a:solidFill>
-                  <a:schemeClr val="tx1"/>
-                </a:solidFill>
-              </a:rPr>
-              <a:t>Se termine par </a:t>
-            </a:r>
-            <a:r>
-              <a:rPr lang="fr-FR" b="1" i="1" dirty="0" smtClean="0">
-                <a:solidFill>
-                  <a:schemeClr val="accent6"/>
-                </a:solidFill>
-              </a:rPr>
-              <a:t>return</a:t>
-            </a:r>
-            <a:r>
-              <a:rPr lang="fr-FR" dirty="0" smtClean="0">
-                <a:solidFill>
-                  <a:schemeClr val="tx1"/>
-                </a:solidFill>
-              </a:rPr>
-              <a:t>, suivi des variables retournées</a:t>
-            </a:r>
-          </a:p>
-          <a:p>
-            <a:pPr algn="just"/>
-            <a:r>
-              <a:rPr lang="fr-FR" dirty="0" smtClean="0">
-                <a:solidFill>
-                  <a:schemeClr val="tx1"/>
-                </a:solidFill>
-              </a:rPr>
-              <a:t>Le corps de la fonction est inséré entre des accolades</a:t>
-            </a:r>
-          </a:p>
-          <a:p>
-            <a:pPr algn="just"/>
-            <a:r>
-              <a:rPr lang="fr-FR" dirty="0" smtClean="0">
-                <a:solidFill>
-                  <a:schemeClr val="tx1"/>
-                </a:solidFill>
-              </a:rPr>
-              <a:t>Le nom des paramètres peut êtres différents en la fonction appelante et la fonction appelée</a:t>
-            </a:r>
-          </a:p>
-          <a:p>
-            <a:pPr algn="just"/>
-            <a:r>
-              <a:rPr lang="fr-FR" dirty="0" smtClean="0">
-                <a:solidFill>
-                  <a:schemeClr val="tx1"/>
-                </a:solidFill>
-              </a:rPr>
-              <a:t>Seules les valeurs sont transmises</a:t>
-            </a:r>
-          </a:p>
-          <a:p>
-            <a:pPr algn="just"/>
-            <a:r>
-              <a:rPr lang="fr-FR" dirty="0" smtClean="0">
-                <a:solidFill>
-                  <a:schemeClr val="tx1"/>
-                </a:solidFill>
-              </a:rPr>
-              <a:t>La fonction appelée n'a pas accès aux variables de la fonction appelante</a:t>
+              <a:t>Les fonctions appelées sont insérées au sommet de la pile (stack)</a:t>
             </a:r>
           </a:p>
         </p:txBody>
       </p:sp>
       <p:pic>
         <p:nvPicPr>
-          <p:cNvPr id="4" name="Image 3"/>
+          <p:cNvPr id="2" name="Image 1"/>
           <p:cNvPicPr>
             <a:picLocks noChangeAspect="1"/>
           </p:cNvPicPr>
@@ -17366,8 +17307,66 @@
         </p:blipFill>
         <p:spPr>
           <a:xfrm>
-            <a:off x="7788563" y="2052390"/>
-            <a:ext cx="4226604" cy="3465815"/>
+            <a:off x="2328177" y="2826372"/>
+            <a:ext cx="4720590" cy="1078264"/>
+          </a:xfrm>
+          <a:prstGeom prst="rect">
+            <a:avLst/>
+          </a:prstGeom>
+          <a:ln>
+            <a:noFill/>
+          </a:ln>
+          <a:effectLst>
+            <a:outerShdw blurRad="292100" dist="139700" dir="2700000" algn="tl" rotWithShape="0">
+              <a:srgbClr val="333333">
+                <a:alpha val="65000"/>
+              </a:srgbClr>
+            </a:outerShdw>
+          </a:effectLst>
+        </p:spPr>
+      </p:pic>
+      <p:pic>
+        <p:nvPicPr>
+          <p:cNvPr id="6" name="Image 5"/>
+          <p:cNvPicPr>
+            <a:picLocks noChangeAspect="1"/>
+          </p:cNvPicPr>
+          <p:nvPr/>
+        </p:nvPicPr>
+        <p:blipFill>
+          <a:blip r:embed="rId3"/>
+          <a:stretch>
+            <a:fillRect/>
+          </a:stretch>
+        </p:blipFill>
+        <p:spPr>
+          <a:xfrm>
+            <a:off x="7690029" y="624110"/>
+            <a:ext cx="4333875" cy="5705475"/>
+          </a:xfrm>
+          <a:prstGeom prst="rect">
+            <a:avLst/>
+          </a:prstGeom>
+        </p:spPr>
+      </p:pic>
+      <p:pic>
+        <p:nvPicPr>
+          <p:cNvPr id="7" name="Image 6"/>
+          <p:cNvPicPr>
+            <a:picLocks noChangeAspect="1"/>
+          </p:cNvPicPr>
+          <p:nvPr/>
+        </p:nvPicPr>
+        <p:blipFill>
+          <a:blip r:embed="rId4"/>
+          <a:stretch>
+            <a:fillRect/>
+          </a:stretch>
+        </p:blipFill>
+        <p:spPr>
+          <a:xfrm>
+            <a:off x="5698166" y="4234085"/>
+            <a:ext cx="1657350" cy="2095500"/>
           </a:xfrm>
           <a:prstGeom prst="rect">
             <a:avLst/>
@@ -17377,7 +17376,7 @@
     </p:spTree>
     <p:extLst>
       <p:ext uri="{BB962C8B-B14F-4D97-AF65-F5344CB8AC3E}">
-        <p14:creationId xmlns:p14="http://schemas.microsoft.com/office/powerpoint/2010/main" val="2024811170"/>
+        <p14:creationId xmlns:p14="http://schemas.microsoft.com/office/powerpoint/2010/main" val="2537457784"/>
       </p:ext>
     </p:extLst>
   </p:cSld>
@@ -17601,7 +17600,7 @@
         <p:spPr>
           <a:xfrm>
             <a:off x="962108" y="1547006"/>
-            <a:ext cx="6058894" cy="1434734"/>
+            <a:ext cx="5294642" cy="4976302"/>
           </a:xfrm>
         </p:spPr>
         <p:txBody>
@@ -17617,14 +17616,14 @@
                   <a:schemeClr val="tx1"/>
                 </a:solidFill>
               </a:rPr>
-              <a:t>Les fonctions appelées sont insérées au sommet de la pile (stack)</a:t>
+              <a:t>Formats possibles d'appels de fonctions</a:t>
             </a:r>
           </a:p>
         </p:txBody>
       </p:sp>
       <p:pic>
         <p:nvPicPr>
-          <p:cNvPr id="2" name="Image 1"/>
+          <p:cNvPr id="4" name="Image 3"/>
           <p:cNvPicPr>
             <a:picLocks noChangeAspect="1"/>
           </p:cNvPicPr>
@@ -17638,66 +17637,8 @@
         </p:blipFill>
         <p:spPr>
           <a:xfrm>
-            <a:off x="2328177" y="2826372"/>
-            <a:ext cx="4720590" cy="1078264"/>
-          </a:xfrm>
-          <a:prstGeom prst="rect">
-            <a:avLst/>
-          </a:prstGeom>
-          <a:ln>
-            <a:noFill/>
-          </a:ln>
-          <a:effectLst>
-            <a:outerShdw blurRad="292100" dist="139700" dir="2700000" algn="tl" rotWithShape="0">
-              <a:srgbClr val="333333">
-                <a:alpha val="65000"/>
-              </a:srgbClr>
-            </a:outerShdw>
-          </a:effectLst>
-        </p:spPr>
-      </p:pic>
-      <p:pic>
-        <p:nvPicPr>
-          <p:cNvPr id="6" name="Image 5"/>
-          <p:cNvPicPr>
-            <a:picLocks noChangeAspect="1"/>
-          </p:cNvPicPr>
-          <p:nvPr/>
-        </p:nvPicPr>
-        <p:blipFill>
-          <a:blip r:embed="rId3"/>
-          <a:stretch>
-            <a:fillRect/>
-          </a:stretch>
-        </p:blipFill>
-        <p:spPr>
-          <a:xfrm>
-            <a:off x="7690029" y="624110"/>
-            <a:ext cx="4333875" cy="5705475"/>
-          </a:xfrm>
-          <a:prstGeom prst="rect">
-            <a:avLst/>
-          </a:prstGeom>
-        </p:spPr>
-      </p:pic>
-      <p:pic>
-        <p:nvPicPr>
-          <p:cNvPr id="7" name="Image 6"/>
-          <p:cNvPicPr>
-            <a:picLocks noChangeAspect="1"/>
-          </p:cNvPicPr>
-          <p:nvPr/>
-        </p:nvPicPr>
-        <p:blipFill>
-          <a:blip r:embed="rId4"/>
-          <a:stretch>
-            <a:fillRect/>
-          </a:stretch>
-        </p:blipFill>
-        <p:spPr>
-          <a:xfrm>
-            <a:off x="5698166" y="4234085"/>
-            <a:ext cx="1657350" cy="2095500"/>
+            <a:off x="6734755" y="398464"/>
+            <a:ext cx="5247861" cy="6124844"/>
           </a:xfrm>
           <a:prstGeom prst="rect">
             <a:avLst/>
@@ -17707,7 +17648,7 @@
     </p:spTree>
     <p:extLst>
       <p:ext uri="{BB962C8B-B14F-4D97-AF65-F5344CB8AC3E}">
-        <p14:creationId xmlns:p14="http://schemas.microsoft.com/office/powerpoint/2010/main" val="2537457784"/>
+        <p14:creationId xmlns:p14="http://schemas.microsoft.com/office/powerpoint/2010/main" val="1454569994"/>
       </p:ext>
     </p:extLst>
   </p:cSld>
@@ -17758,7 +17699,7 @@
           <a:p>
             <a:r>
               <a:rPr lang="fr-FR" dirty="0" smtClean="0"/>
-              <a:t>Fonctions</a:t>
+              <a:t>Fonctions variadiques</a:t>
             </a:r>
             <a:endParaRPr lang="fr-FR" dirty="0"/>
           </a:p>
@@ -17793,14 +17734,41 @@
                   <a:schemeClr val="tx1"/>
                 </a:solidFill>
               </a:rPr>
-              <a:t>Formats possibles d'appels de fonctions</a:t>
+              <a:t>Fonctions acceptant un nombre variable d'arguments en entrée</a:t>
+            </a:r>
+          </a:p>
+          <a:p>
+            <a:pPr algn="just"/>
+            <a:r>
+              <a:rPr lang="fr-FR" dirty="0" smtClean="0">
+                <a:solidFill>
+                  <a:schemeClr val="tx1"/>
+                </a:solidFill>
+              </a:rPr>
+              <a:t>L'opérateur </a:t>
+            </a:r>
+            <a:r>
+              <a:rPr lang="fr-FR" b="1" i="1" dirty="0" smtClean="0">
+                <a:solidFill>
+                  <a:schemeClr val="accent6"/>
+                </a:solidFill>
+              </a:rPr>
+              <a:t>…</a:t>
+            </a:r>
+            <a:r>
+              <a:rPr lang="fr-FR" dirty="0" smtClean="0">
+                <a:solidFill>
+                  <a:schemeClr val="tx1"/>
+                </a:solidFill>
+              </a:rPr>
+              <a:t> est utilisé pour passer et recevoir les paramètres</a:t>
             </a:r>
           </a:p>
         </p:txBody>
       </p:sp>
       <p:pic>
         <p:nvPicPr>
-          <p:cNvPr id="4" name="Image 3"/>
+          <p:cNvPr id="2" name="Image 1"/>
           <p:cNvPicPr>
             <a:picLocks noChangeAspect="1"/>
           </p:cNvPicPr>
@@ -17814,8 +17782,32 @@
         </p:blipFill>
         <p:spPr>
           <a:xfrm>
-            <a:off x="6734755" y="398464"/>
-            <a:ext cx="5247861" cy="6124844"/>
+            <a:off x="6935861" y="1363815"/>
+            <a:ext cx="4865407" cy="3399017"/>
+          </a:xfrm>
+          <a:prstGeom prst="rect">
+            <a:avLst/>
+          </a:prstGeom>
+        </p:spPr>
+      </p:pic>
+      <p:pic>
+        <p:nvPicPr>
+          <p:cNvPr id="6" name="Image 5"/>
+          <p:cNvPicPr>
+            <a:picLocks noChangeAspect="1"/>
+          </p:cNvPicPr>
+          <p:nvPr/>
+        </p:nvPicPr>
+        <p:blipFill>
+          <a:blip r:embed="rId3"/>
+          <a:stretch>
+            <a:fillRect/>
+          </a:stretch>
+        </p:blipFill>
+        <p:spPr>
+          <a:xfrm>
+            <a:off x="6935861" y="4933950"/>
+            <a:ext cx="1114425" cy="647700"/>
           </a:xfrm>
           <a:prstGeom prst="rect">
             <a:avLst/>
@@ -17825,7 +17817,7 @@
     </p:spTree>
     <p:extLst>
       <p:ext uri="{BB962C8B-B14F-4D97-AF65-F5344CB8AC3E}">
-        <p14:creationId xmlns:p14="http://schemas.microsoft.com/office/powerpoint/2010/main" val="1454569994"/>
+        <p14:creationId xmlns:p14="http://schemas.microsoft.com/office/powerpoint/2010/main" val="1365154755"/>
       </p:ext>
     </p:extLst>
   </p:cSld>
@@ -17876,7 +17868,7 @@
           <a:p>
             <a:r>
               <a:rPr lang="fr-FR" dirty="0" smtClean="0"/>
-              <a:t>Fonctions variadiques</a:t>
+              <a:t>Closures</a:t>
             </a:r>
             <a:endParaRPr lang="fr-FR" dirty="0"/>
           </a:p>
@@ -17895,7 +17887,7 @@
         <p:spPr>
           <a:xfrm>
             <a:off x="962108" y="1547006"/>
-            <a:ext cx="5294642" cy="4976302"/>
+            <a:ext cx="6329238" cy="4976302"/>
           </a:xfrm>
         </p:spPr>
         <p:txBody>
@@ -17911,18 +17903,34 @@
                   <a:schemeClr val="tx1"/>
                 </a:solidFill>
               </a:rPr>
-              <a:t>Fonctions acceptant un nombre variable d'arguments en entrée</a:t>
+              <a:t>Il est possible de créer une fonction à l'intérieur d'une fonction</a:t>
             </a:r>
           </a:p>
           <a:p>
             <a:pPr algn="just"/>
             <a:r>
+              <a:rPr lang="fr-FR" b="1" i="1" dirty="0" smtClean="0">
+                <a:solidFill>
+                  <a:schemeClr val="accent6"/>
+                </a:solidFill>
+              </a:rPr>
+              <a:t>add</a:t>
+            </a:r>
+            <a:r>
               <a:rPr lang="fr-FR" dirty="0" smtClean="0">
                 <a:solidFill>
+                  <a:schemeClr val="accent6"/>
+                </a:solidFill>
+              </a:rPr>
+              <a:t> </a:t>
+            </a:r>
+            <a:r>
+              <a:rPr lang="fr-FR" dirty="0" smtClean="0">
+                <a:solidFill>
                   <a:schemeClr val="tx1"/>
                 </a:solidFill>
               </a:rPr>
-              <a:t>L'opérateur </a:t>
+              <a:t>est une variable locale qui a pour signature </a:t>
             </a:r>
             <a:r>
               <a:rPr lang="fr-FR" b="1" i="1" dirty="0" smtClean="0">
@@ -17930,22 +17938,116 @@
                   <a:schemeClr val="accent6"/>
                 </a:solidFill>
               </a:rPr>
-              <a:t>…</a:t>
-            </a:r>
+              <a:t>func(int,</a:t>
+            </a:r>
+            <a:r>
+              <a:rPr lang="fr-FR" b="1" i="1" dirty="0" smtClean="0">
+                <a:solidFill>
+                  <a:schemeClr val="tx1"/>
+                </a:solidFill>
+              </a:rPr>
+              <a:t> </a:t>
+            </a:r>
+            <a:r>
+              <a:rPr lang="fr-FR" b="1" i="1" dirty="0" smtClean="0">
+                <a:solidFill>
+                  <a:schemeClr val="accent6"/>
+                </a:solidFill>
+              </a:rPr>
+              <a:t>int)</a:t>
+            </a:r>
+            <a:r>
+              <a:rPr lang="fr-FR" b="1" i="1" dirty="0" smtClean="0">
+                <a:solidFill>
+                  <a:schemeClr val="tx1"/>
+                </a:solidFill>
+              </a:rPr>
+              <a:t> </a:t>
+            </a:r>
+            <a:r>
+              <a:rPr lang="fr-FR" b="1" i="1" dirty="0" smtClean="0">
+                <a:solidFill>
+                  <a:schemeClr val="accent6"/>
+                </a:solidFill>
+              </a:rPr>
+              <a:t>int</a:t>
+            </a:r>
+          </a:p>
+          <a:p>
+            <a:pPr algn="just"/>
             <a:r>
               <a:rPr lang="fr-FR" dirty="0" smtClean="0">
                 <a:solidFill>
                   <a:schemeClr val="tx1"/>
                 </a:solidFill>
               </a:rPr>
-              <a:t> est utilisé pour passer et recevoir les paramètres</a:t>
+              <a:t>Deux </a:t>
+            </a:r>
+            <a:r>
+              <a:rPr lang="fr-FR" b="1" i="1" dirty="0" smtClean="0">
+                <a:solidFill>
+                  <a:schemeClr val="accent6"/>
+                </a:solidFill>
+              </a:rPr>
+              <a:t>int</a:t>
+            </a:r>
+            <a:r>
+              <a:rPr lang="fr-FR" dirty="0" smtClean="0">
+                <a:solidFill>
+                  <a:schemeClr val="accent6"/>
+                </a:solidFill>
+              </a:rPr>
+              <a:t> </a:t>
+            </a:r>
+            <a:r>
+              <a:rPr lang="fr-FR" dirty="0" smtClean="0">
+                <a:solidFill>
+                  <a:schemeClr val="tx1"/>
+                </a:solidFill>
+              </a:rPr>
+              <a:t>en entrée et un </a:t>
+            </a:r>
+            <a:r>
+              <a:rPr lang="fr-FR" b="1" i="1" dirty="0" smtClean="0">
+                <a:solidFill>
+                  <a:schemeClr val="accent6"/>
+                </a:solidFill>
+              </a:rPr>
+              <a:t>int</a:t>
+            </a:r>
+            <a:r>
+              <a:rPr lang="fr-FR" dirty="0" smtClean="0">
+                <a:solidFill>
+                  <a:schemeClr val="accent6"/>
+                </a:solidFill>
+              </a:rPr>
+              <a:t> </a:t>
+            </a:r>
+            <a:r>
+              <a:rPr lang="fr-FR" dirty="0" smtClean="0">
+                <a:solidFill>
+                  <a:schemeClr val="tx1"/>
+                </a:solidFill>
+              </a:rPr>
+              <a:t>en sortie</a:t>
+            </a:r>
+          </a:p>
+          <a:p>
+            <a:pPr algn="just"/>
+            <a:r>
+              <a:rPr lang="fr-FR" dirty="0" smtClean="0">
+                <a:solidFill>
+                  <a:schemeClr val="tx1"/>
+                </a:solidFill>
+              </a:rPr>
+              <a:t>Une fonction ainsi définie à accès aux autre variables locales</a:t>
             </a:r>
           </a:p>
         </p:txBody>
       </p:sp>
       <p:pic>
         <p:nvPicPr>
-          <p:cNvPr id="2" name="Image 1"/>
+          <p:cNvPr id="4" name="Image 3"/>
           <p:cNvPicPr>
             <a:picLocks noChangeAspect="1"/>
           </p:cNvPicPr>
@@ -17959,42 +18061,28 @@
         </p:blipFill>
         <p:spPr>
           <a:xfrm>
-            <a:off x="6935861" y="1363815"/>
-            <a:ext cx="4865407" cy="3399017"/>
+            <a:off x="7809408" y="3176479"/>
+            <a:ext cx="3981450" cy="1247775"/>
           </a:xfrm>
           <a:prstGeom prst="rect">
             <a:avLst/>
           </a:prstGeom>
-        </p:spPr>
-      </p:pic>
-      <p:pic>
-        <p:nvPicPr>
-          <p:cNvPr id="6" name="Image 5"/>
-          <p:cNvPicPr>
-            <a:picLocks noChangeAspect="1"/>
-          </p:cNvPicPr>
-          <p:nvPr/>
-        </p:nvPicPr>
-        <p:blipFill>
-          <a:blip r:embed="rId3"/>
-          <a:stretch>
-            <a:fillRect/>
-          </a:stretch>
-        </p:blipFill>
-        <p:spPr>
-          <a:xfrm>
-            <a:off x="6935861" y="4933950"/>
-            <a:ext cx="1114425" cy="647700"/>
-          </a:xfrm>
-          <a:prstGeom prst="rect">
-            <a:avLst/>
-          </a:prstGeom>
+          <a:ln>
+            <a:noFill/>
+          </a:ln>
+          <a:effectLst>
+            <a:outerShdw blurRad="292100" dist="139700" dir="2700000" algn="tl" rotWithShape="0">
+              <a:srgbClr val="333333">
+                <a:alpha val="65000"/>
+              </a:srgbClr>
+            </a:outerShdw>
+          </a:effectLst>
         </p:spPr>
       </p:pic>
     </p:spTree>
     <p:extLst>
       <p:ext uri="{BB962C8B-B14F-4D97-AF65-F5344CB8AC3E}">
-        <p14:creationId xmlns:p14="http://schemas.microsoft.com/office/powerpoint/2010/main" val="1365154755"/>
+        <p14:creationId xmlns:p14="http://schemas.microsoft.com/office/powerpoint/2010/main" val="560812713"/>
       </p:ext>
     </p:extLst>
   </p:cSld>
@@ -18075,55 +18163,117 @@
           <a:p>
             <a:pPr algn="just"/>
             <a:r>
+              <a:rPr lang="fr-FR" b="1" i="1" dirty="0" smtClean="0">
+                <a:solidFill>
+                  <a:schemeClr val="accent6"/>
+                </a:solidFill>
+              </a:rPr>
+              <a:t>increment</a:t>
+            </a:r>
+            <a:r>
               <a:rPr lang="fr-FR" dirty="0" smtClean="0">
                 <a:solidFill>
                   <a:schemeClr val="tx1"/>
                 </a:solidFill>
               </a:rPr>
-              <a:t>Il est possible de créer une fonction à l'intérieur d'une fonction</a:t>
+              <a:t> ajoute 1 à la variable </a:t>
+            </a:r>
+            <a:r>
+              <a:rPr lang="fr-FR" b="1" i="1" dirty="0" smtClean="0">
+                <a:solidFill>
+                  <a:schemeClr val="accent6"/>
+                </a:solidFill>
+              </a:rPr>
+              <a:t>x</a:t>
+            </a:r>
+            <a:r>
+              <a:rPr lang="fr-FR" dirty="0" smtClean="0">
+                <a:solidFill>
+                  <a:schemeClr val="tx1"/>
+                </a:solidFill>
+              </a:rPr>
+              <a:t> qui est définie dans le scope de la fonction main</a:t>
             </a:r>
           </a:p>
           <a:p>
             <a:pPr algn="just"/>
             <a:r>
+              <a:rPr lang="fr-FR" dirty="0" smtClean="0">
+                <a:solidFill>
+                  <a:schemeClr val="tx1"/>
+                </a:solidFill>
+              </a:rPr>
+              <a:t>La variable </a:t>
+            </a:r>
+            <a:r>
               <a:rPr lang="fr-FR" b="1" i="1" dirty="0" smtClean="0">
                 <a:solidFill>
                   <a:schemeClr val="accent6"/>
                 </a:solidFill>
               </a:rPr>
-              <a:t>add</a:t>
+              <a:t>x</a:t>
             </a:r>
             <a:r>
               <a:rPr lang="fr-FR" dirty="0" smtClean="0">
                 <a:solidFill>
+                  <a:schemeClr val="tx1"/>
+                </a:solidFill>
+              </a:rPr>
+              <a:t> peut être accédée et modifiée par la fonction </a:t>
+            </a:r>
+            <a:r>
+              <a:rPr lang="fr-FR" b="1" i="1" dirty="0" smtClean="0">
+                <a:solidFill>
                   <a:schemeClr val="accent6"/>
                 </a:solidFill>
               </a:rPr>
-              <a:t> </a:t>
-            </a:r>
+              <a:t>increment</a:t>
+            </a:r>
+          </a:p>
+          <a:p>
+            <a:pPr algn="just"/>
             <a:r>
               <a:rPr lang="fr-FR" dirty="0" smtClean="0">
                 <a:solidFill>
                   <a:schemeClr val="tx1"/>
                 </a:solidFill>
               </a:rPr>
-              <a:t>est une variable locale qui a pour signature </a:t>
-            </a:r>
+              <a:t>C'est ainsi qu'au premier appel, 1 est affiché et qu'au second appel, 2 est affiché</a:t>
+            </a:r>
+          </a:p>
+          <a:p>
+            <a:pPr algn="just"/>
             <a:r>
               <a:rPr lang="fr-FR" b="1" i="1" dirty="0" smtClean="0">
                 <a:solidFill>
                   <a:schemeClr val="accent6"/>
                 </a:solidFill>
               </a:rPr>
-              <a:t>func(int,</a:t>
+              <a:t>increment</a:t>
+            </a:r>
+            <a:r>
+              <a:rPr lang="fr-FR" dirty="0" smtClean="0">
+                <a:solidFill>
+                  <a:schemeClr val="tx1"/>
+                </a:solidFill>
+              </a:rPr>
+              <a:t> et </a:t>
             </a:r>
             <a:r>
               <a:rPr lang="fr-FR" b="1" i="1" dirty="0" smtClean="0">
                 <a:solidFill>
+                  <a:schemeClr val="accent6"/>
+                </a:solidFill>
+              </a:rPr>
+              <a:t>x</a:t>
+            </a:r>
+            <a:r>
+              <a:rPr lang="fr-FR" dirty="0" smtClean="0">
+                <a:solidFill>
                   <a:schemeClr val="tx1"/>
                 </a:solidFill>
               </a:rPr>
-              <a:t> </a:t>
+              <a:t> forment se que l'on appelle une </a:t>
             </a:r>
             <a:r>
               <a:rPr lang="fr-FR" b="1" i="1" dirty="0" smtClean="0">
@@ -18131,100 +18281,14 @@
                   <a:schemeClr val="accent6"/>
                 </a:solidFill>
               </a:rPr>
-              <a:t>int)</a:t>
-            </a:r>
-            <a:r>
-              <a:rPr lang="fr-FR" b="1" i="1" dirty="0" smtClean="0">
-                <a:solidFill>
-                  <a:schemeClr val="tx1"/>
-                </a:solidFill>
-              </a:rPr>
-              <a:t> </a:t>
-            </a:r>
-            <a:r>
-              <a:rPr lang="fr-FR" b="1" i="1" dirty="0" smtClean="0">
-                <a:solidFill>
-                  <a:schemeClr val="accent6"/>
-                </a:solidFill>
-              </a:rPr>
-              <a:t>int</a:t>
-            </a:r>
-          </a:p>
-          <a:p>
-            <a:pPr algn="just"/>
-            <a:r>
-              <a:rPr lang="fr-FR" dirty="0" smtClean="0">
-                <a:solidFill>
-                  <a:schemeClr val="tx1"/>
-                </a:solidFill>
-              </a:rPr>
-              <a:t>Deux </a:t>
-            </a:r>
-            <a:r>
-              <a:rPr lang="fr-FR" b="1" i="1" dirty="0" smtClean="0">
-                <a:solidFill>
-                  <a:schemeClr val="accent6"/>
-                </a:solidFill>
-              </a:rPr>
-              <a:t>int</a:t>
-            </a:r>
-            <a:r>
-              <a:rPr lang="fr-FR" dirty="0" smtClean="0">
-                <a:solidFill>
-                  <a:schemeClr val="accent6"/>
-                </a:solidFill>
-              </a:rPr>
-              <a:t> </a:t>
-            </a:r>
-            <a:r>
-              <a:rPr lang="fr-FR" dirty="0" smtClean="0">
-                <a:solidFill>
-                  <a:schemeClr val="tx1"/>
-                </a:solidFill>
-              </a:rPr>
-              <a:t>en entrée et un </a:t>
-            </a:r>
-            <a:r>
-              <a:rPr lang="fr-FR" b="1" i="1" dirty="0" smtClean="0">
-                <a:solidFill>
-                  <a:schemeClr val="accent6"/>
-                </a:solidFill>
-              </a:rPr>
-              <a:t>int</a:t>
-            </a:r>
-            <a:r>
-              <a:rPr lang="fr-FR" dirty="0" smtClean="0">
-                <a:solidFill>
-                  <a:schemeClr val="accent6"/>
-                </a:solidFill>
-              </a:rPr>
-              <a:t> </a:t>
-            </a:r>
-            <a:r>
-              <a:rPr lang="fr-FR" dirty="0" smtClean="0">
-                <a:solidFill>
-                  <a:schemeClr val="tx1"/>
-                </a:solidFill>
-              </a:rPr>
-              <a:t>en sortie</a:t>
-            </a:r>
-          </a:p>
-          <a:p>
-            <a:pPr algn="just"/>
-            <a:r>
-              <a:rPr lang="fr-FR" dirty="0" smtClean="0">
-                <a:solidFill>
-                  <a:schemeClr val="tx1"/>
-                </a:solidFill>
-              </a:rPr>
-              <a:t>Une fonction ainsi définie à accès aux autre variables locales</a:t>
+              <a:t>closure</a:t>
             </a:r>
           </a:p>
         </p:txBody>
       </p:sp>
       <p:pic>
         <p:nvPicPr>
-          <p:cNvPr id="4" name="Image 3"/>
+          <p:cNvPr id="2" name="Image 1"/>
           <p:cNvPicPr>
             <a:picLocks noChangeAspect="1"/>
           </p:cNvPicPr>
@@ -18238,28 +18302,18 @@
         </p:blipFill>
         <p:spPr>
           <a:xfrm>
-            <a:off x="7809408" y="3176479"/>
-            <a:ext cx="3981450" cy="1247775"/>
+            <a:off x="7942566" y="2970475"/>
+            <a:ext cx="3971925" cy="1743075"/>
           </a:xfrm>
           <a:prstGeom prst="rect">
             <a:avLst/>
           </a:prstGeom>
-          <a:ln>
-            <a:noFill/>
-          </a:ln>
-          <a:effectLst>
-            <a:outerShdw blurRad="292100" dist="139700" dir="2700000" algn="tl" rotWithShape="0">
-              <a:srgbClr val="333333">
-                <a:alpha val="65000"/>
-              </a:srgbClr>
-            </a:outerShdw>
-          </a:effectLst>
         </p:spPr>
       </p:pic>
     </p:spTree>
     <p:extLst>
       <p:ext uri="{BB962C8B-B14F-4D97-AF65-F5344CB8AC3E}">
-        <p14:creationId xmlns:p14="http://schemas.microsoft.com/office/powerpoint/2010/main" val="560812713"/>
+        <p14:creationId xmlns:p14="http://schemas.microsoft.com/office/powerpoint/2010/main" val="3560235530"/>
       </p:ext>
     </p:extLst>
   </p:cSld>
@@ -18329,7 +18383,7 @@
         <p:spPr>
           <a:xfrm>
             <a:off x="962108" y="1547006"/>
-            <a:ext cx="6329238" cy="4976302"/>
+            <a:ext cx="5049078" cy="4976302"/>
           </a:xfrm>
         </p:spPr>
         <p:txBody>
@@ -18340,12 +18394,23 @@
           <a:p>
             <a:pPr algn="just"/>
             <a:r>
+              <a:rPr lang="fr-FR" dirty="0" smtClean="0">
+                <a:solidFill>
+                  <a:schemeClr val="tx1"/>
+                </a:solidFill>
+              </a:rPr>
+              <a:t>Une manière d'utiliser une closure est d'écrire une fonction qui retourne une fonction qui, lorsqu'elle est appelée, peut générer une séquence de nombres</a:t>
+            </a:r>
+          </a:p>
+          <a:p>
+            <a:pPr algn="just"/>
+            <a:r>
               <a:rPr lang="fr-FR" b="1" i="1" dirty="0" smtClean="0">
                 <a:solidFill>
                   <a:schemeClr val="accent6"/>
                 </a:solidFill>
               </a:rPr>
-              <a:t>increment</a:t>
+              <a:t>i</a:t>
             </a:r>
             <a:r>
               <a:rPr lang="fr-FR" dirty="0" smtClean="0">
@@ -18353,7 +18418,7 @@
                   <a:schemeClr val="tx1"/>
                 </a:solidFill>
               </a:rPr>
-              <a:t> ajoute 1 à la variable </a:t>
+              <a:t> est une variable locale de </a:t>
             </a:r>
             <a:r>
               <a:rPr lang="fr-FR" b="1" i="1" dirty="0" smtClean="0">
@@ -18361,26 +18426,23 @@
                   <a:schemeClr val="accent6"/>
                 </a:solidFill>
               </a:rPr>
-              <a:t>x</a:t>
+              <a:t>makeEvenGenerator</a:t>
             </a:r>
             <a:r>
               <a:rPr lang="fr-FR" dirty="0" smtClean="0">
                 <a:solidFill>
+                  <a:schemeClr val="accent6"/>
+                </a:solidFill>
+              </a:rPr>
+              <a:t> </a:t>
+            </a:r>
+            <a:r>
+              <a:rPr lang="fr-FR" dirty="0" smtClean="0">
+                <a:solidFill>
                   <a:schemeClr val="tx1"/>
                 </a:solidFill>
               </a:rPr>
-              <a:t> qui est définie dans le scope de la fonction main</a:t>
-            </a:r>
-          </a:p>
-          <a:p>
-            <a:pPr algn="just"/>
-            <a:r>
-              <a:rPr lang="fr-FR" dirty="0" smtClean="0">
-                <a:solidFill>
-                  <a:schemeClr val="tx1"/>
-                </a:solidFill>
-              </a:rPr>
-              <a:t>La variable </a:t>
+              <a:t>qui retourne elle-même une fonction (dite anonyme) ayant accès à </a:t>
             </a:r>
             <a:r>
               <a:rPr lang="fr-FR" b="1" i="1" dirty="0" smtClean="0">
@@ -18388,84 +18450,14 @@
                   <a:schemeClr val="accent6"/>
                 </a:solidFill>
               </a:rPr>
-              <a:t>x</a:t>
-            </a:r>
-            <a:r>
-              <a:rPr lang="fr-FR" dirty="0" smtClean="0">
-                <a:solidFill>
-                  <a:schemeClr val="tx1"/>
-                </a:solidFill>
-              </a:rPr>
-              <a:t> peut être accédée et modifiée par la fonction </a:t>
-            </a:r>
-            <a:r>
-              <a:rPr lang="fr-FR" b="1" i="1" dirty="0" smtClean="0">
-                <a:solidFill>
-                  <a:schemeClr val="accent6"/>
-                </a:solidFill>
-              </a:rPr>
-              <a:t>increment</a:t>
-            </a:r>
-          </a:p>
-          <a:p>
-            <a:pPr algn="just"/>
-            <a:r>
-              <a:rPr lang="fr-FR" dirty="0" smtClean="0">
-                <a:solidFill>
-                  <a:schemeClr val="tx1"/>
-                </a:solidFill>
-              </a:rPr>
-              <a:t>C'est ainsi qu'au premier appel, 1 est affiché et qu'au second appel, 2 est affiché</a:t>
-            </a:r>
-          </a:p>
-          <a:p>
-            <a:pPr algn="just"/>
-            <a:r>
-              <a:rPr lang="fr-FR" b="1" i="1" dirty="0" smtClean="0">
-                <a:solidFill>
-                  <a:schemeClr val="accent6"/>
-                </a:solidFill>
-              </a:rPr>
-              <a:t>increment</a:t>
-            </a:r>
-            <a:r>
-              <a:rPr lang="fr-FR" dirty="0" smtClean="0">
-                <a:solidFill>
-                  <a:schemeClr val="tx1"/>
-                </a:solidFill>
-              </a:rPr>
-              <a:t> et </a:t>
-            </a:r>
-            <a:r>
-              <a:rPr lang="fr-FR" b="1" i="1" dirty="0" smtClean="0">
-                <a:solidFill>
-                  <a:schemeClr val="accent6"/>
-                </a:solidFill>
-              </a:rPr>
-              <a:t>x</a:t>
-            </a:r>
-            <a:r>
-              <a:rPr lang="fr-FR" dirty="0" smtClean="0">
-                <a:solidFill>
-                  <a:schemeClr val="tx1"/>
-                </a:solidFill>
-              </a:rPr>
-              <a:t> forment se que l'on appelle une </a:t>
-            </a:r>
-            <a:r>
-              <a:rPr lang="fr-FR" b="1" i="1" dirty="0" smtClean="0">
-                <a:solidFill>
-                  <a:schemeClr val="accent6"/>
-                </a:solidFill>
-              </a:rPr>
-              <a:t>closure</a:t>
+              <a:t>i</a:t>
             </a:r>
           </a:p>
         </p:txBody>
       </p:sp>
       <p:pic>
         <p:nvPicPr>
-          <p:cNvPr id="2" name="Image 1"/>
+          <p:cNvPr id="4" name="Image 3"/>
           <p:cNvPicPr>
             <a:picLocks noChangeAspect="1"/>
           </p:cNvPicPr>
@@ -18479,8 +18471,32 @@
         </p:blipFill>
         <p:spPr>
           <a:xfrm>
-            <a:off x="7942566" y="2970475"/>
-            <a:ext cx="3971925" cy="1743075"/>
+            <a:off x="6789917" y="624110"/>
+            <a:ext cx="5238750" cy="4695825"/>
+          </a:xfrm>
+          <a:prstGeom prst="rect">
+            <a:avLst/>
+          </a:prstGeom>
+        </p:spPr>
+      </p:pic>
+      <p:pic>
+        <p:nvPicPr>
+          <p:cNvPr id="6" name="Image 5"/>
+          <p:cNvPicPr>
+            <a:picLocks noChangeAspect="1"/>
+          </p:cNvPicPr>
+          <p:nvPr/>
+        </p:nvPicPr>
+        <p:blipFill>
+          <a:blip r:embed="rId3"/>
+          <a:stretch>
+            <a:fillRect/>
+          </a:stretch>
+        </p:blipFill>
+        <p:spPr>
+          <a:xfrm>
+            <a:off x="6789917" y="5504133"/>
+            <a:ext cx="647700" cy="1019175"/>
           </a:xfrm>
           <a:prstGeom prst="rect">
             <a:avLst/>
@@ -18490,7 +18506,7 @@
     </p:spTree>
     <p:extLst>
       <p:ext uri="{BB962C8B-B14F-4D97-AF65-F5344CB8AC3E}">
-        <p14:creationId xmlns:p14="http://schemas.microsoft.com/office/powerpoint/2010/main" val="3560235530"/>
+        <p14:creationId xmlns:p14="http://schemas.microsoft.com/office/powerpoint/2010/main" val="3249072810"/>
       </p:ext>
     </p:extLst>
   </p:cSld>
@@ -18541,199 +18557,6 @@
           <a:p>
             <a:r>
               <a:rPr lang="fr-FR" dirty="0" smtClean="0"/>
-              <a:t>Closures</a:t>
-            </a:r>
-            <a:endParaRPr lang="fr-FR" dirty="0"/>
-          </a:p>
-        </p:txBody>
-      </p:sp>
-      <p:sp>
-        <p:nvSpPr>
-          <p:cNvPr id="5" name="Espace réservé du contenu 2"/>
-          <p:cNvSpPr>
-            <a:spLocks noGrp="1"/>
-          </p:cNvSpPr>
-          <p:nvPr>
-            <p:ph idx="1"/>
-          </p:nvPr>
-        </p:nvSpPr>
-        <p:spPr>
-          <a:xfrm>
-            <a:off x="962108" y="1547006"/>
-            <a:ext cx="5049078" cy="4976302"/>
-          </a:xfrm>
-        </p:spPr>
-        <p:txBody>
-          <a:bodyPr anchor="ctr">
-            <a:normAutofit/>
-          </a:bodyPr>
-          <a:lstStyle/>
-          <a:p>
-            <a:pPr algn="just"/>
-            <a:r>
-              <a:rPr lang="fr-FR" dirty="0" smtClean="0">
-                <a:solidFill>
-                  <a:schemeClr val="tx1"/>
-                </a:solidFill>
-              </a:rPr>
-              <a:t>Une manière d'utiliser une closure est d'écrire une fonction qui retourne une fonction qui, lorsqu'elle est appelée, peut générer une séquence de nombres</a:t>
-            </a:r>
-          </a:p>
-          <a:p>
-            <a:pPr algn="just"/>
-            <a:r>
-              <a:rPr lang="fr-FR" b="1" i="1" dirty="0" smtClean="0">
-                <a:solidFill>
-                  <a:schemeClr val="accent6"/>
-                </a:solidFill>
-              </a:rPr>
-              <a:t>i</a:t>
-            </a:r>
-            <a:r>
-              <a:rPr lang="fr-FR" dirty="0" smtClean="0">
-                <a:solidFill>
-                  <a:schemeClr val="tx1"/>
-                </a:solidFill>
-              </a:rPr>
-              <a:t> est une variable locale de </a:t>
-            </a:r>
-            <a:r>
-              <a:rPr lang="fr-FR" b="1" i="1" dirty="0" smtClean="0">
-                <a:solidFill>
-                  <a:schemeClr val="accent6"/>
-                </a:solidFill>
-              </a:rPr>
-              <a:t>makeEvenGenerator</a:t>
-            </a:r>
-            <a:r>
-              <a:rPr lang="fr-FR" dirty="0" smtClean="0">
-                <a:solidFill>
-                  <a:schemeClr val="accent6"/>
-                </a:solidFill>
-              </a:rPr>
-              <a:t> </a:t>
-            </a:r>
-            <a:r>
-              <a:rPr lang="fr-FR" dirty="0" smtClean="0">
-                <a:solidFill>
-                  <a:schemeClr val="tx1"/>
-                </a:solidFill>
-              </a:rPr>
-              <a:t>qui retourne elle-même une fonction (dite anonyme) ayant accès à </a:t>
-            </a:r>
-            <a:r>
-              <a:rPr lang="fr-FR" b="1" i="1" dirty="0" smtClean="0">
-                <a:solidFill>
-                  <a:schemeClr val="accent6"/>
-                </a:solidFill>
-              </a:rPr>
-              <a:t>i</a:t>
-            </a:r>
-          </a:p>
-        </p:txBody>
-      </p:sp>
-      <p:pic>
-        <p:nvPicPr>
-          <p:cNvPr id="4" name="Image 3"/>
-          <p:cNvPicPr>
-            <a:picLocks noChangeAspect="1"/>
-          </p:cNvPicPr>
-          <p:nvPr/>
-        </p:nvPicPr>
-        <p:blipFill>
-          <a:blip r:embed="rId2"/>
-          <a:stretch>
-            <a:fillRect/>
-          </a:stretch>
-        </p:blipFill>
-        <p:spPr>
-          <a:xfrm>
-            <a:off x="6789917" y="624110"/>
-            <a:ext cx="5238750" cy="4695825"/>
-          </a:xfrm>
-          <a:prstGeom prst="rect">
-            <a:avLst/>
-          </a:prstGeom>
-        </p:spPr>
-      </p:pic>
-      <p:pic>
-        <p:nvPicPr>
-          <p:cNvPr id="6" name="Image 5"/>
-          <p:cNvPicPr>
-            <a:picLocks noChangeAspect="1"/>
-          </p:cNvPicPr>
-          <p:nvPr/>
-        </p:nvPicPr>
-        <p:blipFill>
-          <a:blip r:embed="rId3"/>
-          <a:stretch>
-            <a:fillRect/>
-          </a:stretch>
-        </p:blipFill>
-        <p:spPr>
-          <a:xfrm>
-            <a:off x="6789917" y="5504133"/>
-            <a:ext cx="647700" cy="1019175"/>
-          </a:xfrm>
-          <a:prstGeom prst="rect">
-            <a:avLst/>
-          </a:prstGeom>
-        </p:spPr>
-      </p:pic>
-    </p:spTree>
-    <p:extLst>
-      <p:ext uri="{BB962C8B-B14F-4D97-AF65-F5344CB8AC3E}">
-        <p14:creationId xmlns:p14="http://schemas.microsoft.com/office/powerpoint/2010/main" val="3249072810"/>
-      </p:ext>
-    </p:extLst>
-  </p:cSld>
-  <p:clrMapOvr>
-    <a:masterClrMapping/>
-  </p:clrMapOvr>
-  <p:timing>
-    <p:tnLst>
-      <p:par>
-        <p:cTn id="1" dur="indefinite" restart="never" nodeType="tmRoot"/>
-      </p:par>
-    </p:tnLst>
-  </p:timing>
-</p:sld>
-</file>
-
-<file path=ppt/slides/slide56.xml><?xml version="1.0" encoding="utf-8"?>
-<p:sld xmlns:a="http://schemas.openxmlformats.org/drawingml/2006/main" xmlns:r="http://schemas.openxmlformats.org/officeDocument/2006/relationships" xmlns:p="http://schemas.openxmlformats.org/presentationml/2006/main">
-  <p:cSld>
-    <p:spTree>
-      <p:nvGrpSpPr>
-        <p:cNvPr id="1" name=""/>
-        <p:cNvGrpSpPr/>
-        <p:nvPr/>
-      </p:nvGrpSpPr>
-      <p:grpSpPr>
-        <a:xfrm>
-          <a:off x="0" y="0"/>
-          <a:ext cx="0" cy="0"/>
-          <a:chOff x="0" y="0"/>
-          <a:chExt cx="0" cy="0"/>
-        </a:xfrm>
-      </p:grpSpPr>
-      <p:sp>
-        <p:nvSpPr>
-          <p:cNvPr id="3" name="Titre 2"/>
-          <p:cNvSpPr>
-            <a:spLocks noGrp="1"/>
-          </p:cNvSpPr>
-          <p:nvPr>
-            <p:ph type="title"/>
-          </p:nvPr>
-        </p:nvSpPr>
-        <p:spPr/>
-        <p:txBody>
-          <a:bodyPr/>
-          <a:lstStyle/>
-          <a:p>
-            <a:r>
-              <a:rPr lang="fr-FR" dirty="0" smtClean="0"/>
               <a:t>Récursivité</a:t>
             </a:r>
             <a:endParaRPr lang="fr-FR" dirty="0"/>
@@ -18847,7 +18670,7 @@
 </p:sld>
 </file>
 
-<file path=ppt/slides/slide57.xml><?xml version="1.0" encoding="utf-8"?>
+<file path=ppt/slides/slide56.xml><?xml version="1.0" encoding="utf-8"?>
 <p:sld xmlns:a="http://schemas.openxmlformats.org/drawingml/2006/main" xmlns:r="http://schemas.openxmlformats.org/officeDocument/2006/relationships" xmlns:p="http://schemas.openxmlformats.org/presentationml/2006/main">
   <p:cSld>
     <p:spTree>
@@ -20986,6 +20809,114 @@
 </p:sld>
 </file>
 
+<file path=ppt/slides/slide57.xml><?xml version="1.0" encoding="utf-8"?>
+<p:sld xmlns:a="http://schemas.openxmlformats.org/drawingml/2006/main" xmlns:r="http://schemas.openxmlformats.org/officeDocument/2006/relationships" xmlns:p="http://schemas.openxmlformats.org/presentationml/2006/main">
+  <p:cSld>
+    <p:spTree>
+      <p:nvGrpSpPr>
+        <p:cNvPr id="1" name=""/>
+        <p:cNvGrpSpPr/>
+        <p:nvPr/>
+      </p:nvGrpSpPr>
+      <p:grpSpPr>
+        <a:xfrm>
+          <a:off x="0" y="0"/>
+          <a:ext cx="0" cy="0"/>
+          <a:chOff x="0" y="0"/>
+          <a:chExt cx="0" cy="0"/>
+        </a:xfrm>
+      </p:grpSpPr>
+      <p:sp>
+        <p:nvSpPr>
+          <p:cNvPr id="3" name="Titre 2"/>
+          <p:cNvSpPr>
+            <a:spLocks noGrp="1"/>
+          </p:cNvSpPr>
+          <p:nvPr>
+            <p:ph type="title"/>
+          </p:nvPr>
+        </p:nvSpPr>
+        <p:spPr/>
+        <p:txBody>
+          <a:bodyPr/>
+          <a:lstStyle/>
+          <a:p>
+            <a:r>
+              <a:rPr lang="fr-FR" dirty="0" smtClean="0"/>
+              <a:t>Récursivité (Suite de Syracuse)</a:t>
+            </a:r>
+            <a:endParaRPr lang="fr-FR" dirty="0"/>
+          </a:p>
+        </p:txBody>
+      </p:sp>
+      <p:pic>
+        <p:nvPicPr>
+          <p:cNvPr id="2" name="Image 1"/>
+          <p:cNvPicPr>
+            <a:picLocks noChangeAspect="1"/>
+          </p:cNvPicPr>
+          <p:nvPr/>
+        </p:nvPicPr>
+        <p:blipFill>
+          <a:blip r:embed="rId2"/>
+          <a:stretch>
+            <a:fillRect/>
+          </a:stretch>
+        </p:blipFill>
+        <p:spPr>
+          <a:xfrm>
+            <a:off x="4773825" y="2059388"/>
+            <a:ext cx="4549884" cy="2734585"/>
+          </a:xfrm>
+          <a:prstGeom prst="rect">
+            <a:avLst/>
+          </a:prstGeom>
+        </p:spPr>
+      </p:pic>
+      <p:pic>
+        <p:nvPicPr>
+          <p:cNvPr id="4" name="Image 3"/>
+          <p:cNvPicPr>
+            <a:picLocks noChangeAspect="1"/>
+          </p:cNvPicPr>
+          <p:nvPr/>
+        </p:nvPicPr>
+        <p:blipFill>
+          <a:blip r:embed="rId3"/>
+          <a:stretch>
+            <a:fillRect/>
+          </a:stretch>
+        </p:blipFill>
+        <p:spPr>
+          <a:xfrm>
+            <a:off x="3838842" y="5526778"/>
+            <a:ext cx="6419850" cy="257175"/>
+          </a:xfrm>
+          <a:prstGeom prst="rect">
+            <a:avLst/>
+          </a:prstGeom>
+        </p:spPr>
+      </p:pic>
+    </p:spTree>
+    <p:extLst>
+      <p:ext uri="{BB962C8B-B14F-4D97-AF65-F5344CB8AC3E}">
+        <p14:creationId xmlns:p14="http://schemas.microsoft.com/office/powerpoint/2010/main" val="4188158472"/>
+      </p:ext>
+    </p:extLst>
+  </p:cSld>
+  <p:clrMapOvr>
+    <a:masterClrMapping/>
+  </p:clrMapOvr>
+  <p:timing>
+    <p:tnLst>
+      <p:par>
+        <p:cTn id="1" dur="indefinite" restart="never" nodeType="tmRoot"/>
+      </p:par>
+    </p:tnLst>
+  </p:timing>
+</p:sld>
+</file>
+
 <file path=ppt/slides/slide58.xml><?xml version="1.0" encoding="utf-8"?>
 <p:sld xmlns:a="http://schemas.openxmlformats.org/drawingml/2006/main" xmlns:r="http://schemas.openxmlformats.org/officeDocument/2006/relationships" xmlns:p="http://schemas.openxmlformats.org/presentationml/2006/main">
   <p:cSld>
@@ -21005,7 +20936,7 @@
       </p:grpSpPr>
       <p:sp>
         <p:nvSpPr>
-          <p:cNvPr id="3" name="Titre 2"/>
+          <p:cNvPr id="2" name="Titre 1"/>
           <p:cNvSpPr>
             <a:spLocks noGrp="1"/>
           </p:cNvSpPr>
@@ -21013,26 +20944,118 @@
             <p:ph type="title"/>
           </p:nvPr>
         </p:nvSpPr>
-        <p:spPr/>
+        <p:spPr>
+          <a:xfrm>
+            <a:off x="2592925" y="624110"/>
+            <a:ext cx="8911687" cy="1280890"/>
+          </a:xfrm>
+        </p:spPr>
         <p:txBody>
           <a:bodyPr/>
           <a:lstStyle/>
           <a:p>
             <a:r>
               <a:rPr lang="fr-FR" dirty="0" smtClean="0"/>
-              <a:t>Récursivité </a:t>
-            </a:r>
-            <a:r>
-              <a:rPr lang="fr-FR" dirty="0" smtClean="0"/>
-              <a:t>(Suite de Syracuse)</a:t>
+              <a:t>Les defers</a:t>
             </a:r>
             <a:endParaRPr lang="fr-FR" dirty="0"/>
+          </a:p>
+        </p:txBody>
+      </p:sp>
+      <p:sp>
+        <p:nvSpPr>
+          <p:cNvPr id="3" name="Espace réservé du contenu 2"/>
+          <p:cNvSpPr>
+            <a:spLocks noGrp="1"/>
+          </p:cNvSpPr>
+          <p:nvPr>
+            <p:ph idx="1"/>
+          </p:nvPr>
+        </p:nvSpPr>
+        <p:spPr>
+          <a:xfrm>
+            <a:off x="1483981" y="2231952"/>
+            <a:ext cx="5059941" cy="3777622"/>
+          </a:xfrm>
+        </p:spPr>
+        <p:txBody>
+          <a:bodyPr anchor="ctr"/>
+          <a:lstStyle/>
+          <a:p>
+            <a:pPr algn="just"/>
+            <a:r>
+              <a:rPr lang="fr-FR" dirty="0" smtClean="0">
+                <a:solidFill>
+                  <a:schemeClr val="tx1"/>
+                </a:solidFill>
+              </a:rPr>
+              <a:t>Les </a:t>
+            </a:r>
+            <a:r>
+              <a:rPr lang="fr-FR" b="1" i="1" dirty="0" smtClean="0">
+                <a:solidFill>
+                  <a:schemeClr val="accent6"/>
+                </a:solidFill>
+              </a:rPr>
+              <a:t>defer</a:t>
+            </a:r>
+            <a:r>
+              <a:rPr lang="fr-FR" dirty="0" smtClean="0">
+                <a:solidFill>
+                  <a:schemeClr val="tx1"/>
+                </a:solidFill>
+              </a:rPr>
+              <a:t> sont des fonctions dont l'exécution est différée jusqu’à la fin de l'exécution de sa fonction parente (appelante)</a:t>
+            </a:r>
+          </a:p>
+          <a:p>
+            <a:pPr algn="just"/>
+            <a:r>
+              <a:rPr lang="fr-FR" dirty="0" smtClean="0">
+                <a:solidFill>
+                  <a:schemeClr val="tx1"/>
+                </a:solidFill>
+              </a:rPr>
+              <a:t>Les </a:t>
+            </a:r>
+            <a:r>
+              <a:rPr lang="fr-FR" b="1" i="1" dirty="0" smtClean="0">
+                <a:solidFill>
+                  <a:schemeClr val="accent6"/>
+                </a:solidFill>
+              </a:rPr>
+              <a:t>defer</a:t>
+            </a:r>
+            <a:r>
+              <a:rPr lang="fr-FR" dirty="0" smtClean="0">
+                <a:solidFill>
+                  <a:schemeClr val="tx1"/>
+                </a:solidFill>
+              </a:rPr>
+              <a:t> sont empilées dans la pile d'appels</a:t>
+            </a:r>
+          </a:p>
+          <a:p>
+            <a:pPr algn="just"/>
+            <a:r>
+              <a:rPr lang="fr-FR" dirty="0" smtClean="0">
+                <a:solidFill>
+                  <a:schemeClr val="tx1"/>
+                </a:solidFill>
+              </a:rPr>
+              <a:t>Quand la fonction retourne, ces defers sont exécutées dans l'ordre LIFO</a:t>
+            </a:r>
+            <a:endParaRPr lang="fr-FR" dirty="0">
+              <a:solidFill>
+                <a:schemeClr val="tx1"/>
+              </a:solidFill>
+            </a:endParaRPr>
           </a:p>
         </p:txBody>
       </p:sp>
       <p:pic>
         <p:nvPicPr>
-          <p:cNvPr id="2" name="Image 1"/>
+          <p:cNvPr id="4" name="Image 3"/>
           <p:cNvPicPr>
             <a:picLocks noChangeAspect="1"/>
           </p:cNvPicPr>
@@ -21046,32 +21069,8 @@
         </p:blipFill>
         <p:spPr>
           <a:xfrm>
-            <a:off x="4773825" y="2059388"/>
-            <a:ext cx="4549884" cy="2734585"/>
-          </a:xfrm>
-          <a:prstGeom prst="rect">
-            <a:avLst/>
-          </a:prstGeom>
-        </p:spPr>
-      </p:pic>
-      <p:pic>
-        <p:nvPicPr>
-          <p:cNvPr id="4" name="Image 3"/>
-          <p:cNvPicPr>
-            <a:picLocks noChangeAspect="1"/>
-          </p:cNvPicPr>
-          <p:nvPr/>
-        </p:nvPicPr>
-        <p:blipFill>
-          <a:blip r:embed="rId3"/>
-          <a:stretch>
-            <a:fillRect/>
-          </a:stretch>
-        </p:blipFill>
-        <p:spPr>
-          <a:xfrm>
-            <a:off x="3838842" y="5526778"/>
-            <a:ext cx="6419850" cy="257175"/>
+            <a:off x="6941654" y="2523424"/>
+            <a:ext cx="5067300" cy="3486150"/>
           </a:xfrm>
           <a:prstGeom prst="rect">
             <a:avLst/>
@@ -21081,7 +21080,7 @@
     </p:spTree>
     <p:extLst>
       <p:ext uri="{BB962C8B-B14F-4D97-AF65-F5344CB8AC3E}">
-        <p14:creationId xmlns:p14="http://schemas.microsoft.com/office/powerpoint/2010/main" val="4188158472"/>
+        <p14:creationId xmlns:p14="http://schemas.microsoft.com/office/powerpoint/2010/main" val="35878105"/>
       </p:ext>
     </p:extLst>
   </p:cSld>
@@ -21137,7 +21136,7 @@
           <a:p>
             <a:r>
               <a:rPr lang="fr-FR" dirty="0" smtClean="0"/>
-              <a:t>Références</a:t>
+              <a:t>Les defers</a:t>
             </a:r>
             <a:endParaRPr lang="fr-FR" dirty="0"/>
           </a:p>
@@ -21153,366 +21152,187 @@
             <p:ph idx="1"/>
           </p:nvPr>
         </p:nvSpPr>
-        <p:spPr/>
-        <p:txBody>
-          <a:bodyPr anchor="ctr">
-            <a:normAutofit/>
-          </a:bodyPr>
+        <p:spPr>
+          <a:xfrm>
+            <a:off x="1483981" y="2231952"/>
+            <a:ext cx="10101069" cy="3023860"/>
+          </a:xfrm>
+        </p:spPr>
+        <p:txBody>
+          <a:bodyPr anchor="ctr"/>
           <a:lstStyle/>
           <a:p>
-            <a:r>
-              <a:rPr lang="fr-FR" sz="1200" b="1" dirty="0" smtClean="0">
-                <a:solidFill>
-                  <a:schemeClr val="accent6">
-                    <a:lumMod val="75000"/>
-                  </a:schemeClr>
-                </a:solidFill>
-                <a:hlinkClick r:id="rId2"/>
-              </a:rPr>
-              <a:t>Golang Project </a:t>
-            </a:r>
-            <a:r>
-              <a:rPr lang="fr-FR" sz="1200" b="1" dirty="0" smtClean="0">
-                <a:solidFill>
-                  <a:schemeClr val="accent6">
-                    <a:lumMod val="75000"/>
-                  </a:schemeClr>
-                </a:solidFill>
-              </a:rPr>
-              <a:t>: https</a:t>
-            </a:r>
-            <a:r>
-              <a:rPr lang="fr-FR" sz="1200" b="1" dirty="0">
-                <a:solidFill>
-                  <a:schemeClr val="accent6">
-                    <a:lumMod val="75000"/>
-                  </a:schemeClr>
-                </a:solidFill>
-              </a:rPr>
-              <a:t>://golang.org</a:t>
-            </a:r>
-            <a:r>
-              <a:rPr lang="fr-FR" sz="1200" b="1" dirty="0" smtClean="0">
-                <a:solidFill>
-                  <a:schemeClr val="accent6">
-                    <a:lumMod val="75000"/>
-                  </a:schemeClr>
-                </a:solidFill>
-              </a:rPr>
-              <a:t>/</a:t>
-            </a:r>
-          </a:p>
-          <a:p>
-            <a:r>
-              <a:rPr lang="fr-FR" sz="1200" b="1" dirty="0" smtClean="0">
-                <a:solidFill>
-                  <a:schemeClr val="accent6">
-                    <a:lumMod val="75000"/>
-                  </a:schemeClr>
-                </a:solidFill>
-                <a:hlinkClick r:id="rId3"/>
-              </a:rPr>
-              <a:t>Goland-book.com</a:t>
-            </a:r>
-            <a:r>
-              <a:rPr lang="fr-FR" sz="1200" b="1" dirty="0" smtClean="0">
-                <a:solidFill>
-                  <a:schemeClr val="accent6">
-                    <a:lumMod val="75000"/>
-                  </a:schemeClr>
-                </a:solidFill>
-              </a:rPr>
-              <a:t> </a:t>
-            </a:r>
-            <a:r>
-              <a:rPr lang="fr-FR" sz="1200" b="1" dirty="0">
-                <a:solidFill>
-                  <a:schemeClr val="accent6">
-                    <a:lumMod val="75000"/>
-                  </a:schemeClr>
-                </a:solidFill>
-              </a:rPr>
-              <a:t>: https://www.golang-book.com/books/intro</a:t>
-            </a:r>
-            <a:endParaRPr lang="fr-FR" sz="1200" b="1" dirty="0" smtClean="0">
+            <a:pPr algn="just"/>
+            <a:r>
+              <a:rPr lang="fr-FR" dirty="0" smtClean="0">
+                <a:solidFill>
+                  <a:schemeClr val="tx1"/>
+                </a:solidFill>
+              </a:rPr>
+              <a:t>Les </a:t>
+            </a:r>
+            <a:r>
+              <a:rPr lang="fr-FR" b="1" i="1" dirty="0" smtClean="0">
+                <a:solidFill>
+                  <a:schemeClr val="accent6"/>
+                </a:solidFill>
+              </a:rPr>
+              <a:t>defer</a:t>
+            </a:r>
+            <a:r>
+              <a:rPr lang="fr-FR" dirty="0" smtClean="0">
+                <a:solidFill>
+                  <a:schemeClr val="tx1"/>
+                </a:solidFill>
+              </a:rPr>
+              <a:t> sont </a:t>
+            </a:r>
+            <a:r>
+              <a:rPr lang="fr-FR" dirty="0" smtClean="0">
+                <a:solidFill>
+                  <a:schemeClr val="tx1"/>
+                </a:solidFill>
+              </a:rPr>
+              <a:t>souvent utilisées lorsqu'une ressource a besoin d'être libérée en fin de traitement</a:t>
+            </a:r>
+          </a:p>
+          <a:p>
+            <a:pPr algn="just"/>
+            <a:r>
+              <a:rPr lang="fr-FR" dirty="0" smtClean="0">
+                <a:solidFill>
+                  <a:schemeClr val="tx1"/>
+                </a:solidFill>
+              </a:rPr>
+              <a:t>Dans l'exemple, ceci apporte trois avantages majeurs :</a:t>
+            </a:r>
+          </a:p>
+          <a:p>
+            <a:pPr lvl="1" algn="just"/>
+            <a:r>
+              <a:rPr lang="fr-FR" dirty="0" smtClean="0">
+                <a:solidFill>
+                  <a:schemeClr val="tx1"/>
+                </a:solidFill>
+              </a:rPr>
+              <a:t>Garder l'appel de </a:t>
+            </a:r>
+            <a:r>
+              <a:rPr lang="fr-FR" b="1" i="1" dirty="0" smtClean="0">
+                <a:solidFill>
+                  <a:schemeClr val="accent6"/>
+                </a:solidFill>
+              </a:rPr>
+              <a:t>close</a:t>
+            </a:r>
+            <a:r>
+              <a:rPr lang="fr-FR" dirty="0" smtClean="0">
+                <a:solidFill>
+                  <a:schemeClr val="tx1"/>
+                </a:solidFill>
+              </a:rPr>
+              <a:t> près de l'</a:t>
+            </a:r>
+            <a:r>
+              <a:rPr lang="fr-FR" b="1" i="1" dirty="0" smtClean="0">
+                <a:solidFill>
+                  <a:schemeClr val="accent6"/>
+                </a:solidFill>
+              </a:rPr>
+              <a:t>open</a:t>
+            </a:r>
+            <a:r>
+              <a:rPr lang="fr-FR" dirty="0" smtClean="0">
+                <a:solidFill>
+                  <a:schemeClr val="tx1"/>
+                </a:solidFill>
+              </a:rPr>
+              <a:t> de façon à rendre le code plus clair</a:t>
+            </a:r>
+          </a:p>
+          <a:p>
+            <a:pPr lvl="1" algn="just"/>
+            <a:r>
+              <a:rPr lang="fr-FR" dirty="0" smtClean="0">
+                <a:solidFill>
+                  <a:schemeClr val="tx1"/>
+                </a:solidFill>
+              </a:rPr>
+              <a:t>Si la fonction à des return multiples, la defer sera appelée dans tous les cas</a:t>
+            </a:r>
+          </a:p>
+          <a:p>
+            <a:pPr lvl="1" algn="just"/>
+            <a:r>
+              <a:rPr lang="fr-FR" dirty="0" smtClean="0">
+                <a:solidFill>
+                  <a:schemeClr val="tx1"/>
+                </a:solidFill>
+              </a:rPr>
+              <a:t>Les fonctions différées seront appelée même en cas de </a:t>
+            </a:r>
+            <a:r>
+              <a:rPr lang="fr-FR" b="1" i="1" dirty="0" smtClean="0">
+                <a:solidFill>
+                  <a:schemeClr val="accent6"/>
+                </a:solidFill>
+              </a:rPr>
+              <a:t>panic</a:t>
+            </a:r>
+            <a:endParaRPr lang="fr-FR" b="1" i="1" dirty="0" smtClean="0">
               <a:solidFill>
-                <a:schemeClr val="accent6">
-                  <a:lumMod val="75000"/>
-                </a:schemeClr>
+                <a:schemeClr val="accent6"/>
               </a:solidFill>
             </a:endParaRPr>
           </a:p>
           <a:p>
-            <a:r>
-              <a:rPr lang="fr-FR" sz="1200" b="1" dirty="0" smtClean="0">
-                <a:solidFill>
-                  <a:schemeClr val="accent6">
-                    <a:lumMod val="75000"/>
-                  </a:schemeClr>
-                </a:solidFill>
-                <a:hlinkClick r:id="rId4"/>
-              </a:rPr>
-              <a:t>Didier Gérard </a:t>
-            </a:r>
-            <a:r>
-              <a:rPr lang="fr-FR" sz="1200" b="1" dirty="0" smtClean="0">
-                <a:solidFill>
-                  <a:schemeClr val="accent6">
-                    <a:lumMod val="75000"/>
-                  </a:schemeClr>
-                </a:solidFill>
-              </a:rPr>
-              <a:t>: https</a:t>
-            </a:r>
-            <a:r>
-              <a:rPr lang="fr-FR" sz="1200" b="1" dirty="0">
-                <a:solidFill>
-                  <a:schemeClr val="accent6">
-                    <a:lumMod val="75000"/>
-                  </a:schemeClr>
-                </a:solidFill>
-              </a:rPr>
-              <a:t>://lemag.sfeir.com/pourquoi-golang/</a:t>
-            </a:r>
-          </a:p>
-          <a:p>
-            <a:r>
-              <a:rPr lang="fr-FR" sz="1200" b="1" dirty="0" smtClean="0">
-                <a:solidFill>
-                  <a:schemeClr val="accent6">
-                    <a:lumMod val="75000"/>
-                  </a:schemeClr>
-                </a:solidFill>
-                <a:hlinkClick r:id="rId5"/>
-              </a:rPr>
-              <a:t>Wikipédia</a:t>
-            </a:r>
-            <a:r>
-              <a:rPr lang="fr-FR" sz="1200" b="1" dirty="0" smtClean="0">
-                <a:solidFill>
-                  <a:schemeClr val="accent6">
-                    <a:lumMod val="75000"/>
-                  </a:schemeClr>
-                </a:solidFill>
-              </a:rPr>
-              <a:t> : </a:t>
-            </a:r>
-            <a:r>
-              <a:rPr lang="fr-FR" sz="1200" b="1" dirty="0">
-                <a:solidFill>
-                  <a:schemeClr val="accent6">
-                    <a:lumMod val="75000"/>
-                  </a:schemeClr>
-                </a:solidFill>
-              </a:rPr>
-              <a:t>https://fr.wikipedia.org/wiki/Go_(langage</a:t>
-            </a:r>
-            <a:r>
-              <a:rPr lang="fr-FR" sz="1200" b="1" dirty="0" smtClean="0">
-                <a:solidFill>
-                  <a:schemeClr val="accent6">
-                    <a:lumMod val="75000"/>
-                  </a:schemeClr>
-                </a:solidFill>
-              </a:rPr>
-              <a:t>)</a:t>
-            </a:r>
-          </a:p>
-          <a:p>
-            <a:r>
-              <a:rPr lang="fr-FR" sz="1200" b="1" dirty="0" smtClean="0">
-                <a:solidFill>
-                  <a:schemeClr val="accent6">
-                    <a:lumMod val="75000"/>
-                  </a:schemeClr>
-                </a:solidFill>
-                <a:hlinkClick r:id="rId6"/>
-              </a:rPr>
-              <a:t>The Go Programming Language </a:t>
-            </a:r>
-            <a:r>
-              <a:rPr lang="fr-FR" sz="1200" b="1" dirty="0" smtClean="0">
-                <a:solidFill>
-                  <a:schemeClr val="accent6">
-                    <a:lumMod val="75000"/>
-                  </a:schemeClr>
-                </a:solidFill>
-              </a:rPr>
-              <a:t>: Donovan, Kernigan</a:t>
-            </a:r>
-          </a:p>
-          <a:p>
-            <a:r>
-              <a:rPr lang="fr-FR" sz="1200" b="1" dirty="0" smtClean="0">
-                <a:solidFill>
-                  <a:schemeClr val="accent6">
-                    <a:lumMod val="75000"/>
-                  </a:schemeClr>
-                </a:solidFill>
-                <a:hlinkClick r:id="rId7"/>
-              </a:rPr>
-              <a:t>Goland IDE </a:t>
-            </a:r>
-            <a:r>
-              <a:rPr lang="fr-FR" sz="1200" b="1" dirty="0">
-                <a:solidFill>
-                  <a:schemeClr val="accent6">
-                    <a:lumMod val="75000"/>
-                  </a:schemeClr>
-                </a:solidFill>
-              </a:rPr>
-              <a:t>: </a:t>
-            </a:r>
-            <a:r>
-              <a:rPr lang="fr-FR" sz="1200" b="1" dirty="0">
-                <a:solidFill>
-                  <a:schemeClr val="accent6">
-                    <a:lumMod val="75000"/>
-                  </a:schemeClr>
-                </a:solidFill>
-                <a:hlinkClick r:id="rId7"/>
-              </a:rPr>
-              <a:t>https://www.jetbrains.com/go</a:t>
-            </a:r>
-            <a:r>
-              <a:rPr lang="fr-FR" sz="1200" b="1" dirty="0" smtClean="0">
-                <a:solidFill>
-                  <a:schemeClr val="accent6">
-                    <a:lumMod val="75000"/>
-                  </a:schemeClr>
-                </a:solidFill>
-                <a:hlinkClick r:id="rId7"/>
-              </a:rPr>
-              <a:t>/</a:t>
-            </a:r>
-            <a:endParaRPr lang="fr-FR" sz="1200" b="1" dirty="0" smtClean="0">
+            <a:pPr algn="just"/>
+            <a:endParaRPr lang="fr-FR" dirty="0">
               <a:solidFill>
-                <a:schemeClr val="accent6">
-                  <a:lumMod val="75000"/>
-                </a:schemeClr>
+                <a:schemeClr val="tx1"/>
               </a:solidFill>
             </a:endParaRPr>
           </a:p>
-          <a:p>
-            <a:endParaRPr lang="fr-FR" sz="1200" b="1" dirty="0">
-              <a:solidFill>
-                <a:schemeClr val="accent6">
-                  <a:lumMod val="75000"/>
-                </a:schemeClr>
-              </a:solidFill>
-            </a:endParaRPr>
-          </a:p>
-          <a:p>
-            <a:r>
-              <a:rPr lang="fr-FR" sz="1200" b="1" dirty="0" smtClean="0">
-                <a:solidFill>
-                  <a:schemeClr val="accent6">
-                    <a:lumMod val="75000"/>
-                  </a:schemeClr>
-                </a:solidFill>
-              </a:rPr>
-              <a:t>Gitlab </a:t>
-            </a:r>
-            <a:r>
-              <a:rPr lang="fr-FR" sz="1200" b="1" dirty="0" smtClean="0">
-                <a:solidFill>
-                  <a:schemeClr val="accent6">
-                    <a:lumMod val="75000"/>
-                  </a:schemeClr>
-                </a:solidFill>
-                <a:hlinkClick r:id="rId8"/>
-              </a:rPr>
-              <a:t>course</a:t>
-            </a:r>
-            <a:r>
-              <a:rPr lang="fr-FR" sz="1200" b="1" dirty="0" smtClean="0">
-                <a:solidFill>
-                  <a:schemeClr val="accent6">
-                    <a:lumMod val="75000"/>
-                  </a:schemeClr>
-                </a:solidFill>
-              </a:rPr>
-              <a:t> link</a:t>
-            </a:r>
-            <a:r>
-              <a:rPr lang="fr-FR" sz="1200" b="1" dirty="0">
-                <a:solidFill>
-                  <a:schemeClr val="accent6">
-                    <a:lumMod val="75000"/>
-                  </a:schemeClr>
-                </a:solidFill>
-              </a:rPr>
-              <a:t> : </a:t>
-            </a:r>
-            <a:r>
-              <a:rPr lang="fr-FR" sz="1200" b="1" dirty="0">
-                <a:solidFill>
-                  <a:schemeClr val="accent6">
-                    <a:lumMod val="75000"/>
-                  </a:schemeClr>
-                </a:solidFill>
-                <a:hlinkClick r:id="rId8"/>
-              </a:rPr>
-              <a:t>https://</a:t>
-            </a:r>
-            <a:r>
-              <a:rPr lang="fr-FR" sz="1200" b="1" dirty="0" smtClean="0">
-                <a:solidFill>
-                  <a:schemeClr val="accent6">
-                    <a:lumMod val="75000"/>
-                  </a:schemeClr>
-                </a:solidFill>
-                <a:hlinkClick r:id="rId8"/>
-              </a:rPr>
-              <a:t>gitlab.com/ThierryDecker/learning-go</a:t>
-            </a:r>
-            <a:endParaRPr lang="fr-FR" sz="1200" b="1" dirty="0" smtClean="0">
-              <a:solidFill>
-                <a:schemeClr val="accent6">
-                  <a:lumMod val="75000"/>
-                </a:schemeClr>
-              </a:solidFill>
-            </a:endParaRPr>
-          </a:p>
-          <a:p>
-            <a:r>
-              <a:rPr lang="fr-FR" sz="1200" b="1" dirty="0" smtClean="0">
-                <a:solidFill>
-                  <a:schemeClr val="accent6">
-                    <a:lumMod val="75000"/>
-                  </a:schemeClr>
-                </a:solidFill>
-                <a:hlinkClick r:id="rId9"/>
-              </a:rPr>
-              <a:t>Slice Tricks</a:t>
-            </a:r>
-            <a:r>
-              <a:rPr lang="fr-FR" sz="1200" b="1" dirty="0" smtClean="0">
-                <a:solidFill>
-                  <a:schemeClr val="accent6">
-                    <a:lumMod val="75000"/>
-                  </a:schemeClr>
-                </a:solidFill>
-              </a:rPr>
-              <a:t> : https</a:t>
-            </a:r>
-            <a:r>
-              <a:rPr lang="fr-FR" sz="1200" b="1" dirty="0">
-                <a:solidFill>
-                  <a:schemeClr val="accent6">
-                    <a:lumMod val="75000"/>
-                  </a:schemeClr>
-                </a:solidFill>
-              </a:rPr>
-              <a:t>://github.com/golang/go/wiki/SliceTricks</a:t>
-            </a:r>
-          </a:p>
-        </p:txBody>
-      </p:sp>
+        </p:txBody>
+      </p:sp>
+      <p:pic>
+        <p:nvPicPr>
+          <p:cNvPr id="5" name="Image 4"/>
+          <p:cNvPicPr>
+            <a:picLocks noChangeAspect="1"/>
+          </p:cNvPicPr>
+          <p:nvPr/>
+        </p:nvPicPr>
+        <p:blipFill>
+          <a:blip r:embed="rId2"/>
+          <a:stretch>
+            <a:fillRect/>
+          </a:stretch>
+        </p:blipFill>
+        <p:spPr>
+          <a:xfrm>
+            <a:off x="4076107" y="5255812"/>
+            <a:ext cx="4019550" cy="638175"/>
+          </a:xfrm>
+          <a:prstGeom prst="rect">
+            <a:avLst/>
+          </a:prstGeom>
+          <a:ln>
+            <a:noFill/>
+          </a:ln>
+          <a:effectLst>
+            <a:outerShdw blurRad="292100" dist="139700" dir="2700000" algn="tl" rotWithShape="0">
+              <a:srgbClr val="333333">
+                <a:alpha val="65000"/>
+              </a:srgbClr>
+            </a:outerShdw>
+          </a:effectLst>
+        </p:spPr>
+      </p:pic>
     </p:spTree>
     <p:extLst>
       <p:ext uri="{BB962C8B-B14F-4D97-AF65-F5344CB8AC3E}">
-        <p14:creationId xmlns:p14="http://schemas.microsoft.com/office/powerpoint/2010/main" val="2478443664"/>
+        <p14:creationId xmlns:p14="http://schemas.microsoft.com/office/powerpoint/2010/main" val="1940011463"/>
       </p:ext>
     </p:extLst>
   </p:cSld>
@@ -21664,6 +21484,891 @@
     <p:extLst>
       <p:ext uri="{BB962C8B-B14F-4D97-AF65-F5344CB8AC3E}">
         <p14:creationId xmlns:p14="http://schemas.microsoft.com/office/powerpoint/2010/main" val="915070335"/>
+      </p:ext>
+    </p:extLst>
+  </p:cSld>
+  <p:clrMapOvr>
+    <a:masterClrMapping/>
+  </p:clrMapOvr>
+  <p:timing>
+    <p:tnLst>
+      <p:par>
+        <p:cTn id="1" dur="indefinite" restart="never" nodeType="tmRoot"/>
+      </p:par>
+    </p:tnLst>
+  </p:timing>
+</p:sld>
+</file>
+
+<file path=ppt/slides/slide60.xml><?xml version="1.0" encoding="utf-8"?>
+<p:sld xmlns:a="http://schemas.openxmlformats.org/drawingml/2006/main" xmlns:r="http://schemas.openxmlformats.org/officeDocument/2006/relationships" xmlns:p="http://schemas.openxmlformats.org/presentationml/2006/main">
+  <p:cSld>
+    <p:spTree>
+      <p:nvGrpSpPr>
+        <p:cNvPr id="1" name=""/>
+        <p:cNvGrpSpPr/>
+        <p:nvPr/>
+      </p:nvGrpSpPr>
+      <p:grpSpPr>
+        <a:xfrm>
+          <a:off x="0" y="0"/>
+          <a:ext cx="0" cy="0"/>
+          <a:chOff x="0" y="0"/>
+          <a:chExt cx="0" cy="0"/>
+        </a:xfrm>
+      </p:grpSpPr>
+      <p:sp>
+        <p:nvSpPr>
+          <p:cNvPr id="2" name="Titre 1"/>
+          <p:cNvSpPr>
+            <a:spLocks noGrp="1"/>
+          </p:cNvSpPr>
+          <p:nvPr>
+            <p:ph type="title"/>
+          </p:nvPr>
+        </p:nvSpPr>
+        <p:spPr>
+          <a:xfrm>
+            <a:off x="2592925" y="624110"/>
+            <a:ext cx="8911687" cy="1280890"/>
+          </a:xfrm>
+        </p:spPr>
+        <p:txBody>
+          <a:bodyPr/>
+          <a:lstStyle/>
+          <a:p>
+            <a:r>
+              <a:rPr lang="fr-FR" dirty="0" smtClean="0"/>
+              <a:t>Panic et recover</a:t>
+            </a:r>
+            <a:endParaRPr lang="fr-FR" dirty="0"/>
+          </a:p>
+        </p:txBody>
+      </p:sp>
+      <p:sp>
+        <p:nvSpPr>
+          <p:cNvPr id="3" name="Espace réservé du contenu 2"/>
+          <p:cNvSpPr>
+            <a:spLocks noGrp="1"/>
+          </p:cNvSpPr>
+          <p:nvPr>
+            <p:ph idx="1"/>
+          </p:nvPr>
+        </p:nvSpPr>
+        <p:spPr>
+          <a:xfrm>
+            <a:off x="1483982" y="1550505"/>
+            <a:ext cx="5807364" cy="4929808"/>
+          </a:xfrm>
+        </p:spPr>
+        <p:txBody>
+          <a:bodyPr anchor="ctr">
+            <a:normAutofit/>
+          </a:bodyPr>
+          <a:lstStyle/>
+          <a:p>
+            <a:pPr algn="just"/>
+            <a:r>
+              <a:rPr lang="fr-FR" dirty="0" smtClean="0">
+                <a:solidFill>
+                  <a:schemeClr val="tx1"/>
+                </a:solidFill>
+              </a:rPr>
+              <a:t>Les </a:t>
+            </a:r>
+            <a:r>
+              <a:rPr lang="fr-FR" b="1" i="1" dirty="0" smtClean="0">
+                <a:solidFill>
+                  <a:schemeClr val="accent6"/>
+                </a:solidFill>
+              </a:rPr>
+              <a:t>panic</a:t>
+            </a:r>
+            <a:r>
+              <a:rPr lang="fr-FR" dirty="0" smtClean="0">
+                <a:solidFill>
+                  <a:schemeClr val="tx1"/>
+                </a:solidFill>
+              </a:rPr>
+              <a:t> sont déclenchées par des runtime erreurs</a:t>
+            </a:r>
+            <a:endParaRPr lang="fr-FR" b="1" i="1" dirty="0" smtClean="0">
+              <a:solidFill>
+                <a:schemeClr val="accent6"/>
+              </a:solidFill>
+            </a:endParaRPr>
+          </a:p>
+          <a:p>
+            <a:pPr algn="just"/>
+            <a:r>
+              <a:rPr lang="fr-FR" dirty="0" smtClean="0">
+                <a:solidFill>
+                  <a:schemeClr val="tx1"/>
+                </a:solidFill>
+              </a:rPr>
+              <a:t>On peut les gérer par la fonction standard </a:t>
+            </a:r>
+            <a:r>
+              <a:rPr lang="fr-FR" b="1" i="1" dirty="0" smtClean="0">
+                <a:solidFill>
+                  <a:schemeClr val="accent6"/>
+                </a:solidFill>
+              </a:rPr>
+              <a:t>recover</a:t>
+            </a:r>
+          </a:p>
+          <a:p>
+            <a:pPr algn="just"/>
+            <a:r>
+              <a:rPr lang="fr-FR" b="1" i="1" dirty="0">
+                <a:solidFill>
+                  <a:schemeClr val="accent6"/>
+                </a:solidFill>
+              </a:rPr>
+              <a:t>r</a:t>
+            </a:r>
+            <a:r>
+              <a:rPr lang="fr-FR" b="1" i="1" dirty="0" smtClean="0">
+                <a:solidFill>
+                  <a:schemeClr val="accent6"/>
+                </a:solidFill>
+              </a:rPr>
+              <a:t>ecover</a:t>
+            </a:r>
+            <a:r>
+              <a:rPr lang="fr-FR" dirty="0" smtClean="0">
+                <a:solidFill>
+                  <a:schemeClr val="tx1"/>
+                </a:solidFill>
+              </a:rPr>
+              <a:t> intercepte la </a:t>
+            </a:r>
+            <a:r>
+              <a:rPr lang="fr-FR" b="1" i="1" dirty="0" smtClean="0">
+                <a:solidFill>
+                  <a:schemeClr val="accent6"/>
+                </a:solidFill>
+              </a:rPr>
+              <a:t>panic</a:t>
+            </a:r>
+            <a:r>
+              <a:rPr lang="fr-FR" dirty="0" smtClean="0">
+                <a:solidFill>
+                  <a:schemeClr val="tx1"/>
+                </a:solidFill>
+              </a:rPr>
+              <a:t> et retourne la valeur qui a été passée à l'appel de </a:t>
+            </a:r>
+            <a:r>
+              <a:rPr lang="fr-FR" b="1" i="1" dirty="0" smtClean="0">
+                <a:solidFill>
+                  <a:schemeClr val="accent6"/>
+                </a:solidFill>
+              </a:rPr>
+              <a:t>panic</a:t>
+            </a:r>
+          </a:p>
+          <a:p>
+            <a:pPr algn="just"/>
+            <a:r>
+              <a:rPr lang="fr-FR" dirty="0" smtClean="0">
+                <a:solidFill>
+                  <a:schemeClr val="tx1"/>
+                </a:solidFill>
+              </a:rPr>
+              <a:t>On pourrait être tenté de l'utiliser comme dans l'exemple, mais l'appel à </a:t>
+            </a:r>
+            <a:r>
+              <a:rPr lang="fr-FR" b="1" i="1" dirty="0" smtClean="0">
+                <a:solidFill>
+                  <a:schemeClr val="accent6"/>
+                </a:solidFill>
+              </a:rPr>
+              <a:t>recover</a:t>
+            </a:r>
+            <a:r>
+              <a:rPr lang="fr-FR" dirty="0" smtClean="0">
+                <a:solidFill>
+                  <a:schemeClr val="tx1"/>
+                </a:solidFill>
+              </a:rPr>
+              <a:t> ne sera jamais effectué car l'appel à </a:t>
+            </a:r>
+            <a:r>
+              <a:rPr lang="fr-FR" b="1" i="1" dirty="0" smtClean="0">
+                <a:solidFill>
+                  <a:schemeClr val="accent6"/>
+                </a:solidFill>
+              </a:rPr>
+              <a:t>panic</a:t>
+            </a:r>
+            <a:r>
+              <a:rPr lang="fr-FR" dirty="0" smtClean="0">
+                <a:solidFill>
+                  <a:schemeClr val="tx1"/>
+                </a:solidFill>
+              </a:rPr>
+              <a:t> stoppe immédiatement l'exécution de la fonction</a:t>
+            </a:r>
+          </a:p>
+          <a:p>
+            <a:pPr algn="just"/>
+            <a:r>
+              <a:rPr lang="fr-FR" dirty="0" smtClean="0">
+                <a:solidFill>
+                  <a:schemeClr val="tx1"/>
+                </a:solidFill>
+              </a:rPr>
+              <a:t>A la place, on doit coupler la </a:t>
+            </a:r>
+            <a:r>
+              <a:rPr lang="fr-FR" b="1" i="1" dirty="0" smtClean="0">
+                <a:solidFill>
+                  <a:schemeClr val="accent6"/>
+                </a:solidFill>
+              </a:rPr>
+              <a:t>panic</a:t>
+            </a:r>
+            <a:r>
+              <a:rPr lang="fr-FR" dirty="0" smtClean="0">
+                <a:solidFill>
+                  <a:schemeClr val="tx1"/>
+                </a:solidFill>
+              </a:rPr>
+              <a:t> avec un </a:t>
+            </a:r>
+            <a:r>
+              <a:rPr lang="fr-FR" b="1" i="1" dirty="0" smtClean="0">
+                <a:solidFill>
+                  <a:schemeClr val="accent6"/>
+                </a:solidFill>
+              </a:rPr>
+              <a:t>defer</a:t>
+            </a:r>
+            <a:endParaRPr lang="fr-FR" b="1" i="1" dirty="0">
+              <a:solidFill>
+                <a:schemeClr val="accent6"/>
+              </a:solidFill>
+            </a:endParaRPr>
+          </a:p>
+        </p:txBody>
+      </p:sp>
+      <p:pic>
+        <p:nvPicPr>
+          <p:cNvPr id="4" name="Image 3"/>
+          <p:cNvPicPr>
+            <a:picLocks noChangeAspect="1"/>
+          </p:cNvPicPr>
+          <p:nvPr/>
+        </p:nvPicPr>
+        <p:blipFill>
+          <a:blip r:embed="rId2"/>
+          <a:stretch>
+            <a:fillRect/>
+          </a:stretch>
+        </p:blipFill>
+        <p:spPr>
+          <a:xfrm>
+            <a:off x="7829632" y="2040628"/>
+            <a:ext cx="3981450" cy="1743075"/>
+          </a:xfrm>
+          <a:prstGeom prst="rect">
+            <a:avLst/>
+          </a:prstGeom>
+          <a:ln>
+            <a:noFill/>
+          </a:ln>
+          <a:effectLst>
+            <a:outerShdw blurRad="292100" dist="139700" dir="2700000" algn="tl" rotWithShape="0">
+              <a:srgbClr val="333333">
+                <a:alpha val="65000"/>
+              </a:srgbClr>
+            </a:outerShdw>
+          </a:effectLst>
+        </p:spPr>
+      </p:pic>
+      <p:pic>
+        <p:nvPicPr>
+          <p:cNvPr id="6" name="Image 5"/>
+          <p:cNvPicPr>
+            <a:picLocks noChangeAspect="1"/>
+          </p:cNvPicPr>
+          <p:nvPr/>
+        </p:nvPicPr>
+        <p:blipFill>
+          <a:blip r:embed="rId3"/>
+          <a:stretch>
+            <a:fillRect/>
+          </a:stretch>
+        </p:blipFill>
+        <p:spPr>
+          <a:xfrm>
+            <a:off x="7810582" y="4101921"/>
+            <a:ext cx="4019550" cy="2105025"/>
+          </a:xfrm>
+          <a:prstGeom prst="rect">
+            <a:avLst/>
+          </a:prstGeom>
+          <a:ln>
+            <a:noFill/>
+          </a:ln>
+          <a:effectLst>
+            <a:outerShdw blurRad="292100" dist="139700" dir="2700000" algn="tl" rotWithShape="0">
+              <a:srgbClr val="333333">
+                <a:alpha val="65000"/>
+              </a:srgbClr>
+            </a:outerShdw>
+          </a:effectLst>
+        </p:spPr>
+      </p:pic>
+    </p:spTree>
+    <p:extLst>
+      <p:ext uri="{BB962C8B-B14F-4D97-AF65-F5344CB8AC3E}">
+        <p14:creationId xmlns:p14="http://schemas.microsoft.com/office/powerpoint/2010/main" val="2536527639"/>
+      </p:ext>
+    </p:extLst>
+  </p:cSld>
+  <p:clrMapOvr>
+    <a:masterClrMapping/>
+  </p:clrMapOvr>
+  <p:timing>
+    <p:tnLst>
+      <p:par>
+        <p:cTn id="1" dur="indefinite" restart="never" nodeType="tmRoot"/>
+      </p:par>
+    </p:tnLst>
+  </p:timing>
+</p:sld>
+</file>
+
+<file path=ppt/slides/slide61.xml><?xml version="1.0" encoding="utf-8"?>
+<p:sld xmlns:a="http://schemas.openxmlformats.org/drawingml/2006/main" xmlns:r="http://schemas.openxmlformats.org/officeDocument/2006/relationships" xmlns:p="http://schemas.openxmlformats.org/presentationml/2006/main">
+  <p:cSld>
+    <p:spTree>
+      <p:nvGrpSpPr>
+        <p:cNvPr id="1" name=""/>
+        <p:cNvGrpSpPr/>
+        <p:nvPr/>
+      </p:nvGrpSpPr>
+      <p:grpSpPr>
+        <a:xfrm>
+          <a:off x="0" y="0"/>
+          <a:ext cx="0" cy="0"/>
+          <a:chOff x="0" y="0"/>
+          <a:chExt cx="0" cy="0"/>
+        </a:xfrm>
+      </p:grpSpPr>
+      <p:sp>
+        <p:nvSpPr>
+          <p:cNvPr id="2" name="Titre 1"/>
+          <p:cNvSpPr>
+            <a:spLocks noGrp="1"/>
+          </p:cNvSpPr>
+          <p:nvPr>
+            <p:ph type="title"/>
+          </p:nvPr>
+        </p:nvSpPr>
+        <p:spPr>
+          <a:xfrm>
+            <a:off x="2592925" y="624110"/>
+            <a:ext cx="8911687" cy="1280890"/>
+          </a:xfrm>
+        </p:spPr>
+        <p:txBody>
+          <a:bodyPr/>
+          <a:lstStyle/>
+          <a:p>
+            <a:r>
+              <a:rPr lang="fr-FR" dirty="0" smtClean="0"/>
+              <a:t>Panic et recover</a:t>
+            </a:r>
+            <a:endParaRPr lang="fr-FR" dirty="0"/>
+          </a:p>
+        </p:txBody>
+      </p:sp>
+      <p:pic>
+        <p:nvPicPr>
+          <p:cNvPr id="7" name="Image 6"/>
+          <p:cNvPicPr>
+            <a:picLocks noChangeAspect="1"/>
+          </p:cNvPicPr>
+          <p:nvPr/>
+        </p:nvPicPr>
+        <p:blipFill>
+          <a:blip r:embed="rId2"/>
+          <a:stretch>
+            <a:fillRect/>
+          </a:stretch>
+        </p:blipFill>
+        <p:spPr>
+          <a:xfrm>
+            <a:off x="828054" y="1516669"/>
+            <a:ext cx="6162675" cy="4524375"/>
+          </a:xfrm>
+          <a:prstGeom prst="rect">
+            <a:avLst/>
+          </a:prstGeom>
+        </p:spPr>
+      </p:pic>
+      <p:pic>
+        <p:nvPicPr>
+          <p:cNvPr id="8" name="Image 7"/>
+          <p:cNvPicPr>
+            <a:picLocks noChangeAspect="1"/>
+          </p:cNvPicPr>
+          <p:nvPr/>
+        </p:nvPicPr>
+        <p:blipFill>
+          <a:blip r:embed="rId3"/>
+          <a:stretch>
+            <a:fillRect/>
+          </a:stretch>
+        </p:blipFill>
+        <p:spPr>
+          <a:xfrm>
+            <a:off x="7267036" y="3602644"/>
+            <a:ext cx="4352925" cy="2438400"/>
+          </a:xfrm>
+          <a:prstGeom prst="rect">
+            <a:avLst/>
+          </a:prstGeom>
+        </p:spPr>
+      </p:pic>
+    </p:spTree>
+    <p:extLst>
+      <p:ext uri="{BB962C8B-B14F-4D97-AF65-F5344CB8AC3E}">
+        <p14:creationId xmlns:p14="http://schemas.microsoft.com/office/powerpoint/2010/main" val="1690652675"/>
+      </p:ext>
+    </p:extLst>
+  </p:cSld>
+  <p:clrMapOvr>
+    <a:masterClrMapping/>
+  </p:clrMapOvr>
+  <p:timing>
+    <p:tnLst>
+      <p:par>
+        <p:cTn id="1" dur="indefinite" restart="never" nodeType="tmRoot"/>
+      </p:par>
+    </p:tnLst>
+  </p:timing>
+</p:sld>
+</file>
+
+<file path=ppt/slides/slide62.xml><?xml version="1.0" encoding="utf-8"?>
+<p:sld xmlns:a="http://schemas.openxmlformats.org/drawingml/2006/main" xmlns:r="http://schemas.openxmlformats.org/officeDocument/2006/relationships" xmlns:p="http://schemas.openxmlformats.org/presentationml/2006/main">
+  <p:cSld>
+    <p:spTree>
+      <p:nvGrpSpPr>
+        <p:cNvPr id="1" name=""/>
+        <p:cNvGrpSpPr/>
+        <p:nvPr/>
+      </p:nvGrpSpPr>
+      <p:grpSpPr>
+        <a:xfrm>
+          <a:off x="0" y="0"/>
+          <a:ext cx="0" cy="0"/>
+          <a:chOff x="0" y="0"/>
+          <a:chExt cx="0" cy="0"/>
+        </a:xfrm>
+      </p:grpSpPr>
+      <p:sp>
+        <p:nvSpPr>
+          <p:cNvPr id="2" name="Titre 1"/>
+          <p:cNvSpPr>
+            <a:spLocks noGrp="1"/>
+          </p:cNvSpPr>
+          <p:nvPr>
+            <p:ph type="title"/>
+          </p:nvPr>
+        </p:nvSpPr>
+        <p:spPr>
+          <a:xfrm>
+            <a:off x="2592925" y="624110"/>
+            <a:ext cx="8911687" cy="1280890"/>
+          </a:xfrm>
+        </p:spPr>
+        <p:txBody>
+          <a:bodyPr/>
+          <a:lstStyle/>
+          <a:p>
+            <a:r>
+              <a:rPr lang="fr-FR" dirty="0" smtClean="0"/>
+              <a:t>Références</a:t>
+            </a:r>
+            <a:endParaRPr lang="fr-FR" dirty="0"/>
+          </a:p>
+        </p:txBody>
+      </p:sp>
+      <p:sp>
+        <p:nvSpPr>
+          <p:cNvPr id="3" name="Espace réservé du contenu 2"/>
+          <p:cNvSpPr>
+            <a:spLocks noGrp="1"/>
+          </p:cNvSpPr>
+          <p:nvPr>
+            <p:ph idx="1"/>
+          </p:nvPr>
+        </p:nvSpPr>
+        <p:spPr/>
+        <p:txBody>
+          <a:bodyPr anchor="ctr">
+            <a:normAutofit/>
+          </a:bodyPr>
+          <a:lstStyle/>
+          <a:p>
+            <a:r>
+              <a:rPr lang="fr-FR" sz="1200" b="1" dirty="0" smtClean="0">
+                <a:solidFill>
+                  <a:schemeClr val="accent6">
+                    <a:lumMod val="75000"/>
+                  </a:schemeClr>
+                </a:solidFill>
+                <a:hlinkClick r:id="rId2"/>
+              </a:rPr>
+              <a:t>Golang Project </a:t>
+            </a:r>
+            <a:r>
+              <a:rPr lang="fr-FR" sz="1200" b="1" dirty="0" smtClean="0">
+                <a:solidFill>
+                  <a:schemeClr val="accent6">
+                    <a:lumMod val="75000"/>
+                  </a:schemeClr>
+                </a:solidFill>
+              </a:rPr>
+              <a:t>: https</a:t>
+            </a:r>
+            <a:r>
+              <a:rPr lang="fr-FR" sz="1200" b="1" dirty="0">
+                <a:solidFill>
+                  <a:schemeClr val="accent6">
+                    <a:lumMod val="75000"/>
+                  </a:schemeClr>
+                </a:solidFill>
+              </a:rPr>
+              <a:t>://golang.org</a:t>
+            </a:r>
+            <a:r>
+              <a:rPr lang="fr-FR" sz="1200" b="1" dirty="0" smtClean="0">
+                <a:solidFill>
+                  <a:schemeClr val="accent6">
+                    <a:lumMod val="75000"/>
+                  </a:schemeClr>
+                </a:solidFill>
+              </a:rPr>
+              <a:t>/</a:t>
+            </a:r>
+          </a:p>
+          <a:p>
+            <a:r>
+              <a:rPr lang="fr-FR" sz="1200" b="1" dirty="0" smtClean="0">
+                <a:solidFill>
+                  <a:schemeClr val="accent6">
+                    <a:lumMod val="75000"/>
+                  </a:schemeClr>
+                </a:solidFill>
+                <a:hlinkClick r:id="rId3"/>
+              </a:rPr>
+              <a:t>Goland-book.com</a:t>
+            </a:r>
+            <a:r>
+              <a:rPr lang="fr-FR" sz="1200" b="1" dirty="0" smtClean="0">
+                <a:solidFill>
+                  <a:schemeClr val="accent6">
+                    <a:lumMod val="75000"/>
+                  </a:schemeClr>
+                </a:solidFill>
+              </a:rPr>
+              <a:t> </a:t>
+            </a:r>
+            <a:r>
+              <a:rPr lang="fr-FR" sz="1200" b="1" dirty="0">
+                <a:solidFill>
+                  <a:schemeClr val="accent6">
+                    <a:lumMod val="75000"/>
+                  </a:schemeClr>
+                </a:solidFill>
+              </a:rPr>
+              <a:t>: https://www.golang-book.com/books/intro</a:t>
+            </a:r>
+            <a:endParaRPr lang="fr-FR" sz="1200" b="1" dirty="0" smtClean="0">
+              <a:solidFill>
+                <a:schemeClr val="accent6">
+                  <a:lumMod val="75000"/>
+                </a:schemeClr>
+              </a:solidFill>
+            </a:endParaRPr>
+          </a:p>
+          <a:p>
+            <a:r>
+              <a:rPr lang="fr-FR" sz="1200" b="1" dirty="0" smtClean="0">
+                <a:solidFill>
+                  <a:schemeClr val="accent6">
+                    <a:lumMod val="75000"/>
+                  </a:schemeClr>
+                </a:solidFill>
+                <a:hlinkClick r:id="rId4"/>
+              </a:rPr>
+              <a:t>Didier Gérard </a:t>
+            </a:r>
+            <a:r>
+              <a:rPr lang="fr-FR" sz="1200" b="1" dirty="0" smtClean="0">
+                <a:solidFill>
+                  <a:schemeClr val="accent6">
+                    <a:lumMod val="75000"/>
+                  </a:schemeClr>
+                </a:solidFill>
+              </a:rPr>
+              <a:t>: https</a:t>
+            </a:r>
+            <a:r>
+              <a:rPr lang="fr-FR" sz="1200" b="1" dirty="0">
+                <a:solidFill>
+                  <a:schemeClr val="accent6">
+                    <a:lumMod val="75000"/>
+                  </a:schemeClr>
+                </a:solidFill>
+              </a:rPr>
+              <a:t>://lemag.sfeir.com/pourquoi-golang/</a:t>
+            </a:r>
+          </a:p>
+          <a:p>
+            <a:r>
+              <a:rPr lang="fr-FR" sz="1200" b="1" dirty="0" smtClean="0">
+                <a:solidFill>
+                  <a:schemeClr val="accent6">
+                    <a:lumMod val="75000"/>
+                  </a:schemeClr>
+                </a:solidFill>
+                <a:hlinkClick r:id="rId5"/>
+              </a:rPr>
+              <a:t>Wikipédia</a:t>
+            </a:r>
+            <a:r>
+              <a:rPr lang="fr-FR" sz="1200" b="1" dirty="0" smtClean="0">
+                <a:solidFill>
+                  <a:schemeClr val="accent6">
+                    <a:lumMod val="75000"/>
+                  </a:schemeClr>
+                </a:solidFill>
+              </a:rPr>
+              <a:t> : </a:t>
+            </a:r>
+            <a:r>
+              <a:rPr lang="fr-FR" sz="1200" b="1" dirty="0">
+                <a:solidFill>
+                  <a:schemeClr val="accent6">
+                    <a:lumMod val="75000"/>
+                  </a:schemeClr>
+                </a:solidFill>
+              </a:rPr>
+              <a:t>https://fr.wikipedia.org/wiki/Go_(langage</a:t>
+            </a:r>
+            <a:r>
+              <a:rPr lang="fr-FR" sz="1200" b="1" dirty="0" smtClean="0">
+                <a:solidFill>
+                  <a:schemeClr val="accent6">
+                    <a:lumMod val="75000"/>
+                  </a:schemeClr>
+                </a:solidFill>
+              </a:rPr>
+              <a:t>)</a:t>
+            </a:r>
+          </a:p>
+          <a:p>
+            <a:r>
+              <a:rPr lang="fr-FR" sz="1200" b="1" dirty="0" smtClean="0">
+                <a:solidFill>
+                  <a:schemeClr val="accent6">
+                    <a:lumMod val="75000"/>
+                  </a:schemeClr>
+                </a:solidFill>
+                <a:hlinkClick r:id="rId6"/>
+              </a:rPr>
+              <a:t>The Go Programming Language </a:t>
+            </a:r>
+            <a:r>
+              <a:rPr lang="fr-FR" sz="1200" b="1" dirty="0" smtClean="0">
+                <a:solidFill>
+                  <a:schemeClr val="accent6">
+                    <a:lumMod val="75000"/>
+                  </a:schemeClr>
+                </a:solidFill>
+              </a:rPr>
+              <a:t>: Donovan, Kernigan</a:t>
+            </a:r>
+          </a:p>
+          <a:p>
+            <a:r>
+              <a:rPr lang="fr-FR" sz="1200" b="1" dirty="0" smtClean="0">
+                <a:solidFill>
+                  <a:schemeClr val="accent6">
+                    <a:lumMod val="75000"/>
+                  </a:schemeClr>
+                </a:solidFill>
+                <a:hlinkClick r:id="rId7"/>
+              </a:rPr>
+              <a:t>Goland IDE </a:t>
+            </a:r>
+            <a:r>
+              <a:rPr lang="fr-FR" sz="1200" b="1" dirty="0">
+                <a:solidFill>
+                  <a:schemeClr val="accent6">
+                    <a:lumMod val="75000"/>
+                  </a:schemeClr>
+                </a:solidFill>
+              </a:rPr>
+              <a:t>: </a:t>
+            </a:r>
+            <a:r>
+              <a:rPr lang="fr-FR" sz="1200" b="1" dirty="0">
+                <a:solidFill>
+                  <a:schemeClr val="accent6">
+                    <a:lumMod val="75000"/>
+                  </a:schemeClr>
+                </a:solidFill>
+                <a:hlinkClick r:id="rId7"/>
+              </a:rPr>
+              <a:t>https://www.jetbrains.com/go</a:t>
+            </a:r>
+            <a:r>
+              <a:rPr lang="fr-FR" sz="1200" b="1" dirty="0" smtClean="0">
+                <a:solidFill>
+                  <a:schemeClr val="accent6">
+                    <a:lumMod val="75000"/>
+                  </a:schemeClr>
+                </a:solidFill>
+                <a:hlinkClick r:id="rId7"/>
+              </a:rPr>
+              <a:t>/</a:t>
+            </a:r>
+            <a:endParaRPr lang="fr-FR" sz="1200" b="1" dirty="0" smtClean="0">
+              <a:solidFill>
+                <a:schemeClr val="accent6">
+                  <a:lumMod val="75000"/>
+                </a:schemeClr>
+              </a:solidFill>
+            </a:endParaRPr>
+          </a:p>
+          <a:p>
+            <a:endParaRPr lang="fr-FR" sz="1200" b="1" dirty="0">
+              <a:solidFill>
+                <a:schemeClr val="accent6">
+                  <a:lumMod val="75000"/>
+                </a:schemeClr>
+              </a:solidFill>
+            </a:endParaRPr>
+          </a:p>
+          <a:p>
+            <a:r>
+              <a:rPr lang="fr-FR" sz="1200" b="1" dirty="0" smtClean="0">
+                <a:solidFill>
+                  <a:schemeClr val="accent6">
+                    <a:lumMod val="75000"/>
+                  </a:schemeClr>
+                </a:solidFill>
+              </a:rPr>
+              <a:t>Gitlab </a:t>
+            </a:r>
+            <a:r>
+              <a:rPr lang="fr-FR" sz="1200" b="1" dirty="0" smtClean="0">
+                <a:solidFill>
+                  <a:schemeClr val="accent6">
+                    <a:lumMod val="75000"/>
+                  </a:schemeClr>
+                </a:solidFill>
+                <a:hlinkClick r:id="rId8"/>
+              </a:rPr>
+              <a:t>course</a:t>
+            </a:r>
+            <a:r>
+              <a:rPr lang="fr-FR" sz="1200" b="1" dirty="0" smtClean="0">
+                <a:solidFill>
+                  <a:schemeClr val="accent6">
+                    <a:lumMod val="75000"/>
+                  </a:schemeClr>
+                </a:solidFill>
+              </a:rPr>
+              <a:t> link</a:t>
+            </a:r>
+            <a:r>
+              <a:rPr lang="fr-FR" sz="1200" b="1" dirty="0">
+                <a:solidFill>
+                  <a:schemeClr val="accent6">
+                    <a:lumMod val="75000"/>
+                  </a:schemeClr>
+                </a:solidFill>
+              </a:rPr>
+              <a:t> : </a:t>
+            </a:r>
+            <a:r>
+              <a:rPr lang="fr-FR" sz="1200" b="1" dirty="0">
+                <a:solidFill>
+                  <a:schemeClr val="accent6">
+                    <a:lumMod val="75000"/>
+                  </a:schemeClr>
+                </a:solidFill>
+                <a:hlinkClick r:id="rId8"/>
+              </a:rPr>
+              <a:t>https://</a:t>
+            </a:r>
+            <a:r>
+              <a:rPr lang="fr-FR" sz="1200" b="1" dirty="0" smtClean="0">
+                <a:solidFill>
+                  <a:schemeClr val="accent6">
+                    <a:lumMod val="75000"/>
+                  </a:schemeClr>
+                </a:solidFill>
+                <a:hlinkClick r:id="rId8"/>
+              </a:rPr>
+              <a:t>gitlab.com/ThierryDecker/learning-go</a:t>
+            </a:r>
+            <a:endParaRPr lang="fr-FR" sz="1200" b="1" dirty="0" smtClean="0">
+              <a:solidFill>
+                <a:schemeClr val="accent6">
+                  <a:lumMod val="75000"/>
+                </a:schemeClr>
+              </a:solidFill>
+            </a:endParaRPr>
+          </a:p>
+          <a:p>
+            <a:r>
+              <a:rPr lang="fr-FR" sz="1200" b="1" dirty="0" smtClean="0">
+                <a:solidFill>
+                  <a:schemeClr val="accent6">
+                    <a:lumMod val="75000"/>
+                  </a:schemeClr>
+                </a:solidFill>
+                <a:hlinkClick r:id="rId9"/>
+              </a:rPr>
+              <a:t>Slice Tricks</a:t>
+            </a:r>
+            <a:r>
+              <a:rPr lang="fr-FR" sz="1200" b="1" dirty="0" smtClean="0">
+                <a:solidFill>
+                  <a:schemeClr val="accent6">
+                    <a:lumMod val="75000"/>
+                  </a:schemeClr>
+                </a:solidFill>
+              </a:rPr>
+              <a:t> : https</a:t>
+            </a:r>
+            <a:r>
+              <a:rPr lang="fr-FR" sz="1200" b="1" dirty="0">
+                <a:solidFill>
+                  <a:schemeClr val="accent6">
+                    <a:lumMod val="75000"/>
+                  </a:schemeClr>
+                </a:solidFill>
+              </a:rPr>
+              <a:t>://github.com/golang/go/wiki/SliceTricks</a:t>
+            </a:r>
+          </a:p>
+        </p:txBody>
+      </p:sp>
+    </p:spTree>
+    <p:extLst>
+      <p:ext uri="{BB962C8B-B14F-4D97-AF65-F5344CB8AC3E}">
+        <p14:creationId xmlns:p14="http://schemas.microsoft.com/office/powerpoint/2010/main" val="2478443664"/>
       </p:ext>
     </p:extLst>
   </p:cSld>

--- a/documentations/learning-go.pptx
+++ b/documentations/learning-go.pptx
@@ -5,7 +5,7 @@
     <p:sldMasterId id="2147483665" r:id="rId1"/>
   </p:sldMasterIdLst>
   <p:notesMasterIdLst>
-    <p:notesMasterId r:id="rId64"/>
+    <p:notesMasterId r:id="rId66"/>
   </p:notesMasterIdLst>
   <p:sldIdLst>
     <p:sldId id="256" r:id="rId2"/>
@@ -69,7 +69,9 @@
     <p:sldId id="316" r:id="rId60"/>
     <p:sldId id="317" r:id="rId61"/>
     <p:sldId id="318" r:id="rId62"/>
-    <p:sldId id="267" r:id="rId63"/>
+    <p:sldId id="319" r:id="rId63"/>
+    <p:sldId id="320" r:id="rId64"/>
+    <p:sldId id="267" r:id="rId65"/>
   </p:sldIdLst>
   <p:sldSz cx="12192000" cy="6858000"/>
   <p:notesSz cx="6858000" cy="9144000"/>
@@ -21185,26 +21187,61 @@
                   <a:schemeClr val="tx1"/>
                 </a:solidFill>
               </a:rPr>
-              <a:t> sont </a:t>
-            </a:r>
+              <a:t> sont souvent utilisées lorsqu'une ressource a besoin d'être libérée en fin de traitement</a:t>
+            </a:r>
+          </a:p>
+          <a:p>
+            <a:pPr algn="just"/>
             <a:r>
               <a:rPr lang="fr-FR" dirty="0" smtClean="0">
                 <a:solidFill>
                   <a:schemeClr val="tx1"/>
                 </a:solidFill>
               </a:rPr>
-              <a:t>souvent utilisées lorsqu'une ressource a besoin d'être libérée en fin de traitement</a:t>
-            </a:r>
-          </a:p>
-          <a:p>
-            <a:pPr algn="just"/>
+              <a:t>Dans l'exemple, ceci apporte trois avantages majeurs :</a:t>
+            </a:r>
+          </a:p>
+          <a:p>
+            <a:pPr lvl="1" algn="just"/>
             <a:r>
               <a:rPr lang="fr-FR" dirty="0" smtClean="0">
                 <a:solidFill>
                   <a:schemeClr val="tx1"/>
                 </a:solidFill>
               </a:rPr>
-              <a:t>Dans l'exemple, ceci apporte trois avantages majeurs :</a:t>
+              <a:t>Garder l'appel de </a:t>
+            </a:r>
+            <a:r>
+              <a:rPr lang="fr-FR" b="1" i="1" dirty="0" smtClean="0">
+                <a:solidFill>
+                  <a:schemeClr val="accent6"/>
+                </a:solidFill>
+              </a:rPr>
+              <a:t>close</a:t>
+            </a:r>
+            <a:r>
+              <a:rPr lang="fr-FR" dirty="0" smtClean="0">
+                <a:solidFill>
+                  <a:schemeClr val="tx1"/>
+                </a:solidFill>
+              </a:rPr>
+              <a:t> près de l'</a:t>
+            </a:r>
+            <a:r>
+              <a:rPr lang="fr-FR" b="1" i="1" dirty="0" smtClean="0">
+                <a:solidFill>
+                  <a:schemeClr val="accent6"/>
+                </a:solidFill>
+              </a:rPr>
+              <a:t>open</a:t>
+            </a:r>
+            <a:r>
+              <a:rPr lang="fr-FR" dirty="0" smtClean="0">
+                <a:solidFill>
+                  <a:schemeClr val="tx1"/>
+                </a:solidFill>
+              </a:rPr>
+              <a:t> de façon à rendre le code plus clair</a:t>
             </a:r>
           </a:p>
           <a:p>
@@ -21215,7 +21252,18 @@
                   <a:schemeClr val="tx1"/>
                 </a:solidFill>
               </a:rPr>
-              <a:t>Garder l'appel de </a:t>
+              <a:t>Si la fonction à des return multiples, la defer sera appelée dans tous les cas</a:t>
+            </a:r>
+          </a:p>
+          <a:p>
+            <a:pPr lvl="1" algn="just"/>
+            <a:r>
+              <a:rPr lang="fr-FR" dirty="0" smtClean="0">
+                <a:solidFill>
+                  <a:schemeClr val="tx1"/>
+                </a:solidFill>
+              </a:rPr>
+              <a:t>Les fonctions différées seront appelée même en cas de </a:t>
             </a:r>
             <a:r>
               <a:rPr lang="fr-FR" b="1" i="1" dirty="0" smtClean="0">
@@ -21223,67 +21271,8 @@
                   <a:schemeClr val="accent6"/>
                 </a:solidFill>
               </a:rPr>
-              <a:t>close</a:t>
-            </a:r>
-            <a:r>
-              <a:rPr lang="fr-FR" dirty="0" smtClean="0">
-                <a:solidFill>
-                  <a:schemeClr val="tx1"/>
-                </a:solidFill>
-              </a:rPr>
-              <a:t> près de l'</a:t>
-            </a:r>
-            <a:r>
-              <a:rPr lang="fr-FR" b="1" i="1" dirty="0" smtClean="0">
-                <a:solidFill>
-                  <a:schemeClr val="accent6"/>
-                </a:solidFill>
-              </a:rPr>
-              <a:t>open</a:t>
-            </a:r>
-            <a:r>
-              <a:rPr lang="fr-FR" dirty="0" smtClean="0">
-                <a:solidFill>
-                  <a:schemeClr val="tx1"/>
-                </a:solidFill>
-              </a:rPr>
-              <a:t> de façon à rendre le code plus clair</a:t>
-            </a:r>
-          </a:p>
-          <a:p>
-            <a:pPr lvl="1" algn="just"/>
-            <a:r>
-              <a:rPr lang="fr-FR" dirty="0" smtClean="0">
-                <a:solidFill>
-                  <a:schemeClr val="tx1"/>
-                </a:solidFill>
-              </a:rPr>
-              <a:t>Si la fonction à des return multiples, la defer sera appelée dans tous les cas</a:t>
-            </a:r>
-          </a:p>
-          <a:p>
-            <a:pPr lvl="1" algn="just"/>
-            <a:r>
-              <a:rPr lang="fr-FR" dirty="0" smtClean="0">
-                <a:solidFill>
-                  <a:schemeClr val="tx1"/>
-                </a:solidFill>
-              </a:rPr>
-              <a:t>Les fonctions différées seront appelée même en cas de </a:t>
-            </a:r>
-            <a:r>
-              <a:rPr lang="fr-FR" b="1" i="1" dirty="0" smtClean="0">
-                <a:solidFill>
-                  <a:schemeClr val="accent6"/>
-                </a:solidFill>
-              </a:rPr>
               <a:t>panic</a:t>
             </a:r>
-            <a:endParaRPr lang="fr-FR" b="1" i="1" dirty="0" smtClean="0">
-              <a:solidFill>
-                <a:schemeClr val="accent6"/>
-              </a:solidFill>
-            </a:endParaRPr>
           </a:p>
           <a:p>
             <a:pPr algn="just"/>
@@ -21955,6 +21944,549 @@
 </file>
 
 <file path=ppt/slides/slide62.xml><?xml version="1.0" encoding="utf-8"?>
+<p:sld xmlns:a="http://schemas.openxmlformats.org/drawingml/2006/main" xmlns:r="http://schemas.openxmlformats.org/officeDocument/2006/relationships" xmlns:p="http://schemas.openxmlformats.org/presentationml/2006/main">
+  <p:cSld>
+    <p:spTree>
+      <p:nvGrpSpPr>
+        <p:cNvPr id="1" name=""/>
+        <p:cNvGrpSpPr/>
+        <p:nvPr/>
+      </p:nvGrpSpPr>
+      <p:grpSpPr>
+        <a:xfrm>
+          <a:off x="0" y="0"/>
+          <a:ext cx="0" cy="0"/>
+          <a:chOff x="0" y="0"/>
+          <a:chExt cx="0" cy="0"/>
+        </a:xfrm>
+      </p:grpSpPr>
+      <p:sp>
+        <p:nvSpPr>
+          <p:cNvPr id="2" name="Titre 1"/>
+          <p:cNvSpPr>
+            <a:spLocks noGrp="1"/>
+          </p:cNvSpPr>
+          <p:nvPr>
+            <p:ph type="title"/>
+          </p:nvPr>
+        </p:nvSpPr>
+        <p:spPr>
+          <a:xfrm>
+            <a:off x="2592925" y="624110"/>
+            <a:ext cx="8911687" cy="1280890"/>
+          </a:xfrm>
+        </p:spPr>
+        <p:txBody>
+          <a:bodyPr/>
+          <a:lstStyle/>
+          <a:p>
+            <a:r>
+              <a:rPr lang="fr-FR" dirty="0" smtClean="0"/>
+              <a:t>Pointeurs</a:t>
+            </a:r>
+            <a:endParaRPr lang="fr-FR" dirty="0"/>
+          </a:p>
+        </p:txBody>
+      </p:sp>
+      <p:sp>
+        <p:nvSpPr>
+          <p:cNvPr id="3" name="Espace réservé du contenu 2"/>
+          <p:cNvSpPr>
+            <a:spLocks noGrp="1"/>
+          </p:cNvSpPr>
+          <p:nvPr>
+            <p:ph idx="1"/>
+          </p:nvPr>
+        </p:nvSpPr>
+        <p:spPr>
+          <a:xfrm>
+            <a:off x="482600" y="1550505"/>
+            <a:ext cx="5816600" cy="4929808"/>
+          </a:xfrm>
+        </p:spPr>
+        <p:txBody>
+          <a:bodyPr anchor="ctr">
+            <a:normAutofit/>
+          </a:bodyPr>
+          <a:lstStyle/>
+          <a:p>
+            <a:pPr algn="just"/>
+            <a:r>
+              <a:rPr lang="fr-FR" dirty="0" smtClean="0">
+                <a:solidFill>
+                  <a:schemeClr val="tx1"/>
+                </a:solidFill>
+              </a:rPr>
+              <a:t>Lorsque l'on appelle une fonction qui attend un argument, cet argument est </a:t>
+            </a:r>
+            <a:r>
+              <a:rPr lang="fr-FR" b="1" i="1" dirty="0" smtClean="0">
+                <a:solidFill>
+                  <a:schemeClr val="tx1"/>
+                </a:solidFill>
+              </a:rPr>
+              <a:t>copié</a:t>
+            </a:r>
+            <a:r>
+              <a:rPr lang="fr-FR" dirty="0" smtClean="0">
+                <a:solidFill>
+                  <a:schemeClr val="tx1"/>
+                </a:solidFill>
+              </a:rPr>
+              <a:t> dans la fonction</a:t>
+            </a:r>
+          </a:p>
+          <a:p>
+            <a:pPr algn="just"/>
+            <a:r>
+              <a:rPr lang="fr-FR" dirty="0" smtClean="0">
+                <a:solidFill>
+                  <a:schemeClr val="tx1"/>
+                </a:solidFill>
+              </a:rPr>
+              <a:t>Dans ce programme, la fonction </a:t>
+            </a:r>
+            <a:r>
+              <a:rPr lang="fr-FR" b="1" i="1" dirty="0" smtClean="0">
+                <a:solidFill>
+                  <a:schemeClr val="accent6"/>
+                </a:solidFill>
+              </a:rPr>
+              <a:t>setToZero </a:t>
+            </a:r>
+            <a:r>
+              <a:rPr lang="fr-FR" dirty="0" smtClean="0">
+                <a:solidFill>
+                  <a:schemeClr val="tx1"/>
+                </a:solidFill>
+              </a:rPr>
+              <a:t>ne modifiera pas la variable originale définie dans </a:t>
+            </a:r>
+            <a:r>
+              <a:rPr lang="fr-FR" b="1" i="1" dirty="0" smtClean="0">
+                <a:solidFill>
+                  <a:schemeClr val="accent6"/>
+                </a:solidFill>
+              </a:rPr>
+              <a:t>main()</a:t>
+            </a:r>
+          </a:p>
+          <a:p>
+            <a:pPr algn="just"/>
+            <a:r>
+              <a:rPr lang="fr-FR" dirty="0" smtClean="0">
+                <a:solidFill>
+                  <a:schemeClr val="tx1"/>
+                </a:solidFill>
+              </a:rPr>
+              <a:t>Mais que faire si nous avions souhaité le faire ?</a:t>
+            </a:r>
+          </a:p>
+          <a:p>
+            <a:pPr algn="just"/>
+            <a:r>
+              <a:rPr lang="fr-FR" dirty="0" smtClean="0">
+                <a:solidFill>
+                  <a:schemeClr val="tx1"/>
+                </a:solidFill>
+              </a:rPr>
+              <a:t>Une façon de faire serait d'utiliser un type de donnée particulier : un pointeur</a:t>
+            </a:r>
+          </a:p>
+          <a:p>
+            <a:pPr algn="just"/>
+            <a:r>
+              <a:rPr lang="fr-FR" dirty="0" smtClean="0">
+                <a:solidFill>
+                  <a:schemeClr val="tx1"/>
+                </a:solidFill>
+              </a:rPr>
+              <a:t>Un pointeur identifie l'emplacement mémoire où la valeur est stockée plutôt que la valeur elle-même</a:t>
+            </a:r>
+          </a:p>
+          <a:p>
+            <a:pPr algn="just"/>
+            <a:r>
+              <a:rPr lang="fr-FR" dirty="0" smtClean="0">
+                <a:solidFill>
+                  <a:schemeClr val="tx1"/>
+                </a:solidFill>
+              </a:rPr>
+              <a:t>En utilisant un pointeur (</a:t>
+            </a:r>
+            <a:r>
+              <a:rPr lang="fr-FR" b="1" i="1" dirty="0" smtClean="0">
+                <a:solidFill>
+                  <a:schemeClr val="accent6"/>
+                </a:solidFill>
+              </a:rPr>
+              <a:t>*int8</a:t>
+            </a:r>
+            <a:r>
+              <a:rPr lang="fr-FR" dirty="0" smtClean="0">
+                <a:solidFill>
+                  <a:schemeClr val="tx1"/>
+                </a:solidFill>
+              </a:rPr>
+              <a:t>), la fonction </a:t>
+            </a:r>
+            <a:r>
+              <a:rPr lang="fr-FR" b="1" i="1" dirty="0" smtClean="0">
+                <a:solidFill>
+                  <a:schemeClr val="accent6"/>
+                </a:solidFill>
+              </a:rPr>
+              <a:t>setToOne </a:t>
+            </a:r>
+            <a:r>
+              <a:rPr lang="fr-FR" dirty="0" smtClean="0">
+                <a:solidFill>
+                  <a:schemeClr val="tx1"/>
+                </a:solidFill>
+              </a:rPr>
+              <a:t>est capable de modifier la variable d'origine</a:t>
+            </a:r>
+            <a:endParaRPr lang="fr-FR" dirty="0">
+              <a:solidFill>
+                <a:schemeClr val="accent6"/>
+              </a:solidFill>
+            </a:endParaRPr>
+          </a:p>
+        </p:txBody>
+      </p:sp>
+      <p:pic>
+        <p:nvPicPr>
+          <p:cNvPr id="5" name="Image 4"/>
+          <p:cNvPicPr>
+            <a:picLocks noChangeAspect="1"/>
+          </p:cNvPicPr>
+          <p:nvPr/>
+        </p:nvPicPr>
+        <p:blipFill>
+          <a:blip r:embed="rId2"/>
+          <a:stretch>
+            <a:fillRect/>
+          </a:stretch>
+        </p:blipFill>
+        <p:spPr>
+          <a:xfrm>
+            <a:off x="6591300" y="1228863"/>
+            <a:ext cx="5272087" cy="4878647"/>
+          </a:xfrm>
+          <a:prstGeom prst="rect">
+            <a:avLst/>
+          </a:prstGeom>
+        </p:spPr>
+      </p:pic>
+    </p:spTree>
+    <p:extLst>
+      <p:ext uri="{BB962C8B-B14F-4D97-AF65-F5344CB8AC3E}">
+        <p14:creationId xmlns:p14="http://schemas.microsoft.com/office/powerpoint/2010/main" val="3173003106"/>
+      </p:ext>
+    </p:extLst>
+  </p:cSld>
+  <p:clrMapOvr>
+    <a:masterClrMapping/>
+  </p:clrMapOvr>
+  <p:timing>
+    <p:tnLst>
+      <p:par>
+        <p:cTn id="1" dur="indefinite" restart="never" nodeType="tmRoot"/>
+      </p:par>
+    </p:tnLst>
+  </p:timing>
+</p:sld>
+</file>
+
+<file path=ppt/slides/slide63.xml><?xml version="1.0" encoding="utf-8"?>
+<p:sld xmlns:a="http://schemas.openxmlformats.org/drawingml/2006/main" xmlns:r="http://schemas.openxmlformats.org/officeDocument/2006/relationships" xmlns:p="http://schemas.openxmlformats.org/presentationml/2006/main">
+  <p:cSld>
+    <p:spTree>
+      <p:nvGrpSpPr>
+        <p:cNvPr id="1" name=""/>
+        <p:cNvGrpSpPr/>
+        <p:nvPr/>
+      </p:nvGrpSpPr>
+      <p:grpSpPr>
+        <a:xfrm>
+          <a:off x="0" y="0"/>
+          <a:ext cx="0" cy="0"/>
+          <a:chOff x="0" y="0"/>
+          <a:chExt cx="0" cy="0"/>
+        </a:xfrm>
+      </p:grpSpPr>
+      <p:sp>
+        <p:nvSpPr>
+          <p:cNvPr id="2" name="Titre 1"/>
+          <p:cNvSpPr>
+            <a:spLocks noGrp="1"/>
+          </p:cNvSpPr>
+          <p:nvPr>
+            <p:ph type="title"/>
+          </p:nvPr>
+        </p:nvSpPr>
+        <p:spPr>
+          <a:xfrm>
+            <a:off x="2592925" y="624110"/>
+            <a:ext cx="8911687" cy="1280890"/>
+          </a:xfrm>
+        </p:spPr>
+        <p:txBody>
+          <a:bodyPr/>
+          <a:lstStyle/>
+          <a:p>
+            <a:r>
+              <a:rPr lang="fr-FR" dirty="0" smtClean="0"/>
+              <a:t>Pointeurs (opérateurs * et &amp;)</a:t>
+            </a:r>
+            <a:endParaRPr lang="fr-FR" dirty="0"/>
+          </a:p>
+        </p:txBody>
+      </p:sp>
+      <p:sp>
+        <p:nvSpPr>
+          <p:cNvPr id="3" name="Espace réservé du contenu 2"/>
+          <p:cNvSpPr>
+            <a:spLocks noGrp="1"/>
+          </p:cNvSpPr>
+          <p:nvPr>
+            <p:ph idx="1"/>
+          </p:nvPr>
+        </p:nvSpPr>
+        <p:spPr>
+          <a:xfrm>
+            <a:off x="1524000" y="1550505"/>
+            <a:ext cx="9980612" cy="4929808"/>
+          </a:xfrm>
+        </p:spPr>
+        <p:txBody>
+          <a:bodyPr anchor="ctr">
+            <a:normAutofit/>
+          </a:bodyPr>
+          <a:lstStyle/>
+          <a:p>
+            <a:pPr algn="just"/>
+            <a:r>
+              <a:rPr lang="fr-FR" dirty="0" smtClean="0">
+                <a:solidFill>
+                  <a:schemeClr val="tx1"/>
+                </a:solidFill>
+              </a:rPr>
+              <a:t>En Go, le pointeur est représenté par </a:t>
+            </a:r>
+            <a:r>
+              <a:rPr lang="fr-FR" b="1" i="1" dirty="0" smtClean="0">
+                <a:solidFill>
+                  <a:schemeClr val="accent6"/>
+                </a:solidFill>
+              </a:rPr>
+              <a:t>*</a:t>
+            </a:r>
+            <a:r>
+              <a:rPr lang="fr-FR" dirty="0" smtClean="0">
+                <a:solidFill>
+                  <a:schemeClr val="tx1"/>
+                </a:solidFill>
+              </a:rPr>
+              <a:t> (astérisque) suivi du type de la variable stockée</a:t>
+            </a:r>
+          </a:p>
+          <a:p>
+            <a:pPr algn="just"/>
+            <a:r>
+              <a:rPr lang="fr-FR" dirty="0" smtClean="0">
+                <a:solidFill>
+                  <a:schemeClr val="tx1"/>
+                </a:solidFill>
+              </a:rPr>
+              <a:t>Dans la fonction setToOne, xPtr</a:t>
+            </a:r>
+            <a:r>
+              <a:rPr lang="fr-FR" dirty="0">
+                <a:solidFill>
+                  <a:schemeClr val="tx1"/>
+                </a:solidFill>
+              </a:rPr>
+              <a:t> </a:t>
+            </a:r>
+            <a:r>
+              <a:rPr lang="fr-FR" dirty="0" smtClean="0">
+                <a:solidFill>
+                  <a:schemeClr val="tx1"/>
+                </a:solidFill>
+              </a:rPr>
+              <a:t>est un pointeur vers un </a:t>
+            </a:r>
+            <a:r>
+              <a:rPr lang="fr-FR" b="1" i="1" dirty="0" smtClean="0">
+                <a:solidFill>
+                  <a:schemeClr val="accent6"/>
+                </a:solidFill>
+              </a:rPr>
+              <a:t>int8</a:t>
+            </a:r>
+          </a:p>
+          <a:p>
+            <a:pPr algn="just"/>
+            <a:r>
+              <a:rPr lang="fr-FR" dirty="0" smtClean="0">
+                <a:solidFill>
+                  <a:schemeClr val="tx1"/>
+                </a:solidFill>
+              </a:rPr>
+              <a:t>* est aussi utilisé pour déréférencer les variables de type pointeur</a:t>
+            </a:r>
+          </a:p>
+          <a:p>
+            <a:pPr algn="just"/>
+            <a:r>
+              <a:rPr lang="fr-FR" dirty="0" smtClean="0">
+                <a:solidFill>
+                  <a:schemeClr val="tx1"/>
+                </a:solidFill>
+              </a:rPr>
+              <a:t>Le déréférencement nous donne accès à la valeur référencée par le pointeur</a:t>
+            </a:r>
+          </a:p>
+          <a:p>
+            <a:pPr algn="just"/>
+            <a:r>
+              <a:rPr lang="fr-FR" dirty="0" smtClean="0">
+                <a:solidFill>
+                  <a:schemeClr val="tx1"/>
+                </a:solidFill>
+              </a:rPr>
+              <a:t>Lorsque l'on écrit </a:t>
+            </a:r>
+            <a:r>
+              <a:rPr lang="fr-FR" b="1" i="1" dirty="0" smtClean="0">
+                <a:solidFill>
+                  <a:schemeClr val="accent6"/>
+                </a:solidFill>
+              </a:rPr>
+              <a:t>*xPtr = 0</a:t>
+            </a:r>
+            <a:r>
+              <a:rPr lang="fr-FR" dirty="0" smtClean="0">
+                <a:solidFill>
+                  <a:schemeClr val="tx1"/>
+                </a:solidFill>
+              </a:rPr>
+              <a:t>, nous disons "Stocker l'</a:t>
+            </a:r>
+            <a:r>
+              <a:rPr lang="fr-FR" b="1" i="1" dirty="0" smtClean="0">
+                <a:solidFill>
+                  <a:schemeClr val="accent6"/>
+                </a:solidFill>
+              </a:rPr>
+              <a:t>int8</a:t>
+            </a:r>
+            <a:r>
+              <a:rPr lang="fr-FR" dirty="0" smtClean="0">
+                <a:solidFill>
+                  <a:schemeClr val="tx1"/>
+                </a:solidFill>
+              </a:rPr>
+              <a:t> de valeur 0 dans l'emplacement mémoire indiqué par </a:t>
+            </a:r>
+            <a:r>
+              <a:rPr lang="fr-FR" b="1" i="1" dirty="0" smtClean="0">
+                <a:solidFill>
+                  <a:schemeClr val="accent6"/>
+                </a:solidFill>
+              </a:rPr>
+              <a:t>xPtr</a:t>
+            </a:r>
+            <a:r>
+              <a:rPr lang="fr-FR" dirty="0" smtClean="0">
+                <a:solidFill>
+                  <a:schemeClr val="tx1"/>
+                </a:solidFill>
+              </a:rPr>
+              <a:t>"</a:t>
+            </a:r>
+          </a:p>
+          <a:p>
+            <a:pPr algn="just"/>
+            <a:r>
+              <a:rPr lang="fr-FR" dirty="0" smtClean="0">
+                <a:solidFill>
+                  <a:schemeClr val="tx1"/>
+                </a:solidFill>
+              </a:rPr>
+              <a:t>Si nous essayons xPtr = 0, nous aurons une erreur de compilation car xPtr n'est pas un entier (int8) mais un pointeur vers un entier (*int8) qui ne peut recevoir qu'un autre pointeur vers un entier</a:t>
+            </a:r>
+          </a:p>
+          <a:p>
+            <a:pPr algn="just"/>
+            <a:r>
+              <a:rPr lang="fr-FR" dirty="0" smtClean="0">
+                <a:solidFill>
+                  <a:schemeClr val="tx1"/>
+                </a:solidFill>
+              </a:rPr>
+              <a:t>Enfin, nous utilisons l'opérateur &amp; pour trouver l'adresse de stockage d'une variable</a:t>
+            </a:r>
+          </a:p>
+          <a:p>
+            <a:pPr algn="just"/>
+            <a:r>
+              <a:rPr lang="fr-FR" dirty="0" smtClean="0">
+                <a:solidFill>
+                  <a:schemeClr val="tx1"/>
+                </a:solidFill>
+              </a:rPr>
+              <a:t>&amp;x retourne un *int8 (pointeur vers un int8) car x est un entier (int8)</a:t>
+            </a:r>
+          </a:p>
+          <a:p>
+            <a:pPr algn="just"/>
+            <a:r>
+              <a:rPr lang="fr-FR" dirty="0" smtClean="0">
+                <a:solidFill>
+                  <a:schemeClr val="tx1"/>
+                </a:solidFill>
+              </a:rPr>
+              <a:t>&amp;x et xPtr font référence au même </a:t>
+            </a:r>
+            <a:r>
+              <a:rPr lang="fr-FR" smtClean="0">
+                <a:solidFill>
+                  <a:schemeClr val="tx1"/>
+                </a:solidFill>
+              </a:rPr>
+              <a:t>emplacement mémoire</a:t>
+            </a:r>
+            <a:endParaRPr lang="fr-FR" dirty="0">
+              <a:solidFill>
+                <a:schemeClr val="accent6"/>
+              </a:solidFill>
+            </a:endParaRPr>
+          </a:p>
+        </p:txBody>
+      </p:sp>
+    </p:spTree>
+    <p:extLst>
+      <p:ext uri="{BB962C8B-B14F-4D97-AF65-F5344CB8AC3E}">
+        <p14:creationId xmlns:p14="http://schemas.microsoft.com/office/powerpoint/2010/main" val="27111139"/>
+      </p:ext>
+    </p:extLst>
+  </p:cSld>
+  <p:clrMapOvr>
+    <a:masterClrMapping/>
+  </p:clrMapOvr>
+  <p:timing>
+    <p:tnLst>
+      <p:par>
+        <p:cTn id="1" dur="indefinite" restart="never" nodeType="tmRoot"/>
+      </p:par>
+    </p:tnLst>
+  </p:timing>
+</p:sld>
+</file>
+
+<file path=ppt/slides/slide64.xml><?xml version="1.0" encoding="utf-8"?>
 <p:sld xmlns:a="http://schemas.openxmlformats.org/drawingml/2006/main" xmlns:r="http://schemas.openxmlformats.org/officeDocument/2006/relationships" xmlns:p="http://schemas.openxmlformats.org/presentationml/2006/main">
   <p:cSld>
     <p:spTree>

--- a/documentations/learning-go.pptx
+++ b/documentations/learning-go.pptx
@@ -5,7 +5,7 @@
     <p:sldMasterId id="2147483665" r:id="rId1"/>
   </p:sldMasterIdLst>
   <p:notesMasterIdLst>
-    <p:notesMasterId r:id="rId66"/>
+    <p:notesMasterId r:id="rId68"/>
   </p:notesMasterIdLst>
   <p:sldIdLst>
     <p:sldId id="256" r:id="rId2"/>
@@ -71,7 +71,9 @@
     <p:sldId id="318" r:id="rId62"/>
     <p:sldId id="319" r:id="rId63"/>
     <p:sldId id="320" r:id="rId64"/>
-    <p:sldId id="267" r:id="rId65"/>
+    <p:sldId id="321" r:id="rId65"/>
+    <p:sldId id="322" r:id="rId66"/>
+    <p:sldId id="267" r:id="rId67"/>
   </p:sldIdLst>
   <p:sldSz cx="12192000" cy="6858000"/>
   <p:notesSz cx="6858000" cy="9144000"/>
@@ -22525,6 +22527,515 @@
           <a:p>
             <a:r>
               <a:rPr lang="fr-FR" dirty="0" smtClean="0"/>
+              <a:t>Structures</a:t>
+            </a:r>
+            <a:endParaRPr lang="fr-FR" dirty="0"/>
+          </a:p>
+        </p:txBody>
+      </p:sp>
+      <p:sp>
+        <p:nvSpPr>
+          <p:cNvPr id="3" name="Espace réservé du contenu 2"/>
+          <p:cNvSpPr>
+            <a:spLocks noGrp="1"/>
+          </p:cNvSpPr>
+          <p:nvPr>
+            <p:ph idx="1"/>
+          </p:nvPr>
+        </p:nvSpPr>
+        <p:spPr>
+          <a:xfrm>
+            <a:off x="482600" y="1550505"/>
+            <a:ext cx="5816600" cy="4929808"/>
+          </a:xfrm>
+        </p:spPr>
+        <p:txBody>
+          <a:bodyPr anchor="ctr">
+            <a:normAutofit/>
+          </a:bodyPr>
+          <a:lstStyle/>
+          <a:p>
+            <a:pPr algn="just"/>
+            <a:r>
+              <a:rPr lang="fr-FR" dirty="0" smtClean="0">
+                <a:solidFill>
+                  <a:schemeClr val="tx1"/>
+                </a:solidFill>
+              </a:rPr>
+              <a:t>Considérons le programme ci-contre</a:t>
+            </a:r>
+          </a:p>
+          <a:p>
+            <a:pPr algn="just"/>
+            <a:r>
+              <a:rPr lang="fr-FR" dirty="0" smtClean="0">
+                <a:solidFill>
+                  <a:schemeClr val="tx1"/>
+                </a:solidFill>
+              </a:rPr>
+              <a:t>Garder une trace de toutes les coordonnées des formes rend le programme difficile à lire et à comprendre ce qu'il fait</a:t>
+            </a:r>
+          </a:p>
+          <a:p>
+            <a:pPr algn="just"/>
+            <a:r>
+              <a:rPr lang="fr-FR" dirty="0" smtClean="0">
+                <a:solidFill>
+                  <a:schemeClr val="tx1"/>
+                </a:solidFill>
+              </a:rPr>
+              <a:t>Il finira, au fil de ses extensions de fonctionnalités, par mener à des erreurs</a:t>
+            </a:r>
+            <a:endParaRPr lang="fr-FR" dirty="0">
+              <a:solidFill>
+                <a:schemeClr val="accent6"/>
+              </a:solidFill>
+            </a:endParaRPr>
+          </a:p>
+        </p:txBody>
+      </p:sp>
+      <p:pic>
+        <p:nvPicPr>
+          <p:cNvPr id="4" name="Image 3"/>
+          <p:cNvPicPr>
+            <a:picLocks noChangeAspect="1"/>
+          </p:cNvPicPr>
+          <p:nvPr/>
+        </p:nvPicPr>
+        <p:blipFill>
+          <a:blip r:embed="rId2"/>
+          <a:stretch>
+            <a:fillRect/>
+          </a:stretch>
+        </p:blipFill>
+        <p:spPr>
+          <a:xfrm>
+            <a:off x="6634764" y="835963"/>
+            <a:ext cx="5227174" cy="5421713"/>
+          </a:xfrm>
+          <a:prstGeom prst="rect">
+            <a:avLst/>
+          </a:prstGeom>
+        </p:spPr>
+      </p:pic>
+    </p:spTree>
+    <p:extLst>
+      <p:ext uri="{BB962C8B-B14F-4D97-AF65-F5344CB8AC3E}">
+        <p14:creationId xmlns:p14="http://schemas.microsoft.com/office/powerpoint/2010/main" val="4146850922"/>
+      </p:ext>
+    </p:extLst>
+  </p:cSld>
+  <p:clrMapOvr>
+    <a:masterClrMapping/>
+  </p:clrMapOvr>
+  <p:timing>
+    <p:tnLst>
+      <p:par>
+        <p:cTn id="1" dur="indefinite" restart="never" nodeType="tmRoot"/>
+      </p:par>
+    </p:tnLst>
+  </p:timing>
+</p:sld>
+</file>
+
+<file path=ppt/slides/slide65.xml><?xml version="1.0" encoding="utf-8"?>
+<p:sld xmlns:a="http://schemas.openxmlformats.org/drawingml/2006/main" xmlns:r="http://schemas.openxmlformats.org/officeDocument/2006/relationships" xmlns:p="http://schemas.openxmlformats.org/presentationml/2006/main">
+  <p:cSld>
+    <p:spTree>
+      <p:nvGrpSpPr>
+        <p:cNvPr id="1" name=""/>
+        <p:cNvGrpSpPr/>
+        <p:nvPr/>
+      </p:nvGrpSpPr>
+      <p:grpSpPr>
+        <a:xfrm>
+          <a:off x="0" y="0"/>
+          <a:ext cx="0" cy="0"/>
+          <a:chOff x="0" y="0"/>
+          <a:chExt cx="0" cy="0"/>
+        </a:xfrm>
+      </p:grpSpPr>
+      <p:sp>
+        <p:nvSpPr>
+          <p:cNvPr id="2" name="Titre 1"/>
+          <p:cNvSpPr>
+            <a:spLocks noGrp="1"/>
+          </p:cNvSpPr>
+          <p:nvPr>
+            <p:ph type="title"/>
+          </p:nvPr>
+        </p:nvSpPr>
+        <p:spPr>
+          <a:xfrm>
+            <a:off x="2592925" y="624110"/>
+            <a:ext cx="8911687" cy="1280890"/>
+          </a:xfrm>
+        </p:spPr>
+        <p:txBody>
+          <a:bodyPr/>
+          <a:lstStyle/>
+          <a:p>
+            <a:r>
+              <a:rPr lang="fr-FR" dirty="0" smtClean="0"/>
+              <a:t>Structures</a:t>
+            </a:r>
+            <a:endParaRPr lang="fr-FR" dirty="0"/>
+          </a:p>
+        </p:txBody>
+      </p:sp>
+      <p:sp>
+        <p:nvSpPr>
+          <p:cNvPr id="3" name="Espace réservé du contenu 2"/>
+          <p:cNvSpPr>
+            <a:spLocks noGrp="1"/>
+          </p:cNvSpPr>
+          <p:nvPr>
+            <p:ph idx="1"/>
+          </p:nvPr>
+        </p:nvSpPr>
+        <p:spPr>
+          <a:xfrm>
+            <a:off x="482600" y="1550505"/>
+            <a:ext cx="6880308" cy="4929808"/>
+          </a:xfrm>
+        </p:spPr>
+        <p:txBody>
+          <a:bodyPr anchor="ctr">
+            <a:normAutofit/>
+          </a:bodyPr>
+          <a:lstStyle/>
+          <a:p>
+            <a:pPr algn="just"/>
+            <a:r>
+              <a:rPr lang="fr-FR" dirty="0" smtClean="0">
+                <a:solidFill>
+                  <a:schemeClr val="tx1"/>
+                </a:solidFill>
+              </a:rPr>
+              <a:t>Le mot-clé </a:t>
+            </a:r>
+            <a:r>
+              <a:rPr lang="fr-FR" b="1" i="1" dirty="0" smtClean="0">
+                <a:solidFill>
+                  <a:schemeClr val="accent6"/>
+                </a:solidFill>
+              </a:rPr>
+              <a:t>type</a:t>
+            </a:r>
+            <a:r>
+              <a:rPr lang="fr-FR" dirty="0" smtClean="0">
+                <a:solidFill>
+                  <a:schemeClr val="accent6"/>
+                </a:solidFill>
+              </a:rPr>
+              <a:t> </a:t>
+            </a:r>
+            <a:r>
+              <a:rPr lang="fr-FR" dirty="0" smtClean="0">
+                <a:solidFill>
+                  <a:schemeClr val="tx1"/>
+                </a:solidFill>
+              </a:rPr>
+              <a:t>introduit un nouveau type de donnée</a:t>
+            </a:r>
+          </a:p>
+          <a:p>
+            <a:pPr algn="just"/>
+            <a:r>
+              <a:rPr lang="fr-FR" dirty="0" smtClean="0">
+                <a:solidFill>
+                  <a:schemeClr val="tx1"/>
+                </a:solidFill>
+              </a:rPr>
+              <a:t>Il est suivi du nom (</a:t>
+            </a:r>
+            <a:r>
+              <a:rPr lang="fr-FR" b="1" i="1" dirty="0" smtClean="0">
+                <a:solidFill>
+                  <a:schemeClr val="accent6"/>
+                </a:solidFill>
+              </a:rPr>
+              <a:t>Circle</a:t>
+            </a:r>
+            <a:r>
+              <a:rPr lang="fr-FR" dirty="0" smtClean="0">
+                <a:solidFill>
+                  <a:schemeClr val="accent6"/>
+                </a:solidFill>
+              </a:rPr>
+              <a:t> </a:t>
+            </a:r>
+            <a:r>
+              <a:rPr lang="fr-FR" dirty="0" smtClean="0">
+                <a:solidFill>
+                  <a:schemeClr val="tx1"/>
+                </a:solidFill>
+              </a:rPr>
+              <a:t>ou </a:t>
+            </a:r>
+            <a:r>
+              <a:rPr lang="fr-FR" b="1" i="1" dirty="0" smtClean="0">
+                <a:solidFill>
+                  <a:schemeClr val="accent6"/>
+                </a:solidFill>
+              </a:rPr>
+              <a:t>Rectangle</a:t>
+            </a:r>
+            <a:r>
+              <a:rPr lang="fr-FR" dirty="0" smtClean="0">
+                <a:solidFill>
+                  <a:schemeClr val="tx1"/>
+                </a:solidFill>
+              </a:rPr>
+              <a:t>)</a:t>
+            </a:r>
+          </a:p>
+          <a:p>
+            <a:pPr algn="just"/>
+            <a:r>
+              <a:rPr lang="fr-FR" dirty="0" smtClean="0">
+                <a:solidFill>
+                  <a:schemeClr val="tx1"/>
+                </a:solidFill>
+              </a:rPr>
+              <a:t>Le mot-clé </a:t>
+            </a:r>
+            <a:r>
+              <a:rPr lang="fr-FR" b="1" i="1" dirty="0" smtClean="0">
+                <a:solidFill>
+                  <a:schemeClr val="accent6"/>
+                </a:solidFill>
+              </a:rPr>
+              <a:t>struct</a:t>
+            </a:r>
+            <a:r>
+              <a:rPr lang="fr-FR" dirty="0" smtClean="0">
+                <a:solidFill>
+                  <a:schemeClr val="accent6"/>
+                </a:solidFill>
+              </a:rPr>
+              <a:t> </a:t>
+            </a:r>
+            <a:r>
+              <a:rPr lang="fr-FR" dirty="0" smtClean="0">
+                <a:solidFill>
+                  <a:schemeClr val="tx1"/>
+                </a:solidFill>
+              </a:rPr>
+              <a:t>et le bloc (entre accolades) contenant la liste des champs de la nouvelle structure</a:t>
+            </a:r>
+          </a:p>
+          <a:p>
+            <a:pPr algn="just"/>
+            <a:r>
+              <a:rPr lang="fr-FR" dirty="0" smtClean="0">
+                <a:solidFill>
+                  <a:schemeClr val="tx1"/>
+                </a:solidFill>
+              </a:rPr>
+              <a:t>Chaque champ à un nom et un type</a:t>
+            </a:r>
+          </a:p>
+          <a:p>
+            <a:pPr algn="just"/>
+            <a:r>
+              <a:rPr lang="fr-FR" b="1" i="1" dirty="0" smtClean="0">
+                <a:solidFill>
+                  <a:schemeClr val="accent6"/>
+                </a:solidFill>
+              </a:rPr>
+              <a:t>c := Circle{x:0, y:0, r:1}</a:t>
+            </a:r>
+            <a:r>
+              <a:rPr lang="fr-FR" dirty="0" smtClean="0">
+                <a:solidFill>
+                  <a:schemeClr val="tx1"/>
+                </a:solidFill>
+              </a:rPr>
+              <a:t> déclare et initialise la structure</a:t>
+            </a:r>
+          </a:p>
+          <a:p>
+            <a:pPr algn="just"/>
+            <a:r>
+              <a:rPr lang="fr-FR" b="1" i="1" dirty="0" smtClean="0">
+                <a:solidFill>
+                  <a:schemeClr val="accent6"/>
+                </a:solidFill>
+              </a:rPr>
+              <a:t>x := new(Rectangle) </a:t>
+            </a:r>
+            <a:r>
+              <a:rPr lang="fr-FR" dirty="0" smtClean="0">
+                <a:solidFill>
+                  <a:schemeClr val="tx1"/>
+                </a:solidFill>
+              </a:rPr>
+              <a:t>aurait déclaré et initialisé une variable de type </a:t>
+            </a:r>
+            <a:r>
+              <a:rPr lang="fr-FR" i="1" dirty="0" smtClean="0">
+                <a:solidFill>
+                  <a:schemeClr val="accent6"/>
+                </a:solidFill>
+              </a:rPr>
+              <a:t>Rectangle</a:t>
+            </a:r>
+            <a:r>
+              <a:rPr lang="fr-FR" dirty="0" smtClean="0">
+                <a:solidFill>
+                  <a:schemeClr val="accent6"/>
+                </a:solidFill>
+              </a:rPr>
+              <a:t> </a:t>
+            </a:r>
+            <a:r>
+              <a:rPr lang="fr-FR" dirty="0" smtClean="0">
+                <a:solidFill>
+                  <a:schemeClr val="tx1"/>
+                </a:solidFill>
+              </a:rPr>
+              <a:t>mais aurait retourné un pointeur (</a:t>
+            </a:r>
+            <a:r>
+              <a:rPr lang="fr-FR" b="1" i="1" dirty="0" smtClean="0">
+                <a:solidFill>
+                  <a:schemeClr val="accent6"/>
+                </a:solidFill>
+              </a:rPr>
+              <a:t>*Rectangle</a:t>
+            </a:r>
+            <a:r>
+              <a:rPr lang="fr-FR" dirty="0" smtClean="0">
+                <a:solidFill>
+                  <a:schemeClr val="tx1"/>
+                </a:solidFill>
+              </a:rPr>
+              <a:t>) et non pas une variable de type </a:t>
+            </a:r>
+            <a:r>
+              <a:rPr lang="fr-FR" b="1" i="1" dirty="0" smtClean="0">
+                <a:solidFill>
+                  <a:schemeClr val="accent6"/>
+                </a:solidFill>
+              </a:rPr>
+              <a:t>Rectangle</a:t>
+            </a:r>
+            <a:endParaRPr lang="fr-FR" b="1" i="1" dirty="0">
+              <a:solidFill>
+                <a:schemeClr val="accent6"/>
+              </a:solidFill>
+            </a:endParaRPr>
+          </a:p>
+        </p:txBody>
+      </p:sp>
+      <p:pic>
+        <p:nvPicPr>
+          <p:cNvPr id="5" name="Image 4"/>
+          <p:cNvPicPr>
+            <a:picLocks noChangeAspect="1"/>
+          </p:cNvPicPr>
+          <p:nvPr/>
+        </p:nvPicPr>
+        <p:blipFill>
+          <a:blip r:embed="rId2"/>
+          <a:stretch>
+            <a:fillRect/>
+          </a:stretch>
+        </p:blipFill>
+        <p:spPr>
+          <a:xfrm>
+            <a:off x="7555576" y="624110"/>
+            <a:ext cx="4423251" cy="5800477"/>
+          </a:xfrm>
+          <a:prstGeom prst="rect">
+            <a:avLst/>
+          </a:prstGeom>
+        </p:spPr>
+      </p:pic>
+      <p:pic>
+        <p:nvPicPr>
+          <p:cNvPr id="6" name="Image 5"/>
+          <p:cNvPicPr>
+            <a:picLocks noChangeAspect="1"/>
+          </p:cNvPicPr>
+          <p:nvPr/>
+        </p:nvPicPr>
+        <p:blipFill>
+          <a:blip r:embed="rId3"/>
+          <a:stretch>
+            <a:fillRect/>
+          </a:stretch>
+        </p:blipFill>
+        <p:spPr>
+          <a:xfrm>
+            <a:off x="2240777" y="6005487"/>
+            <a:ext cx="4991100" cy="419100"/>
+          </a:xfrm>
+          <a:prstGeom prst="rect">
+            <a:avLst/>
+          </a:prstGeom>
+        </p:spPr>
+      </p:pic>
+    </p:spTree>
+    <p:extLst>
+      <p:ext uri="{BB962C8B-B14F-4D97-AF65-F5344CB8AC3E}">
+        <p14:creationId xmlns:p14="http://schemas.microsoft.com/office/powerpoint/2010/main" val="3256803231"/>
+      </p:ext>
+    </p:extLst>
+  </p:cSld>
+  <p:clrMapOvr>
+    <a:masterClrMapping/>
+  </p:clrMapOvr>
+  <p:timing>
+    <p:tnLst>
+      <p:par>
+        <p:cTn id="1" dur="indefinite" restart="never" nodeType="tmRoot"/>
+      </p:par>
+    </p:tnLst>
+  </p:timing>
+</p:sld>
+</file>
+
+<file path=ppt/slides/slide66.xml><?xml version="1.0" encoding="utf-8"?>
+<p:sld xmlns:a="http://schemas.openxmlformats.org/drawingml/2006/main" xmlns:r="http://schemas.openxmlformats.org/officeDocument/2006/relationships" xmlns:p="http://schemas.openxmlformats.org/presentationml/2006/main">
+  <p:cSld>
+    <p:spTree>
+      <p:nvGrpSpPr>
+        <p:cNvPr id="1" name=""/>
+        <p:cNvGrpSpPr/>
+        <p:nvPr/>
+      </p:nvGrpSpPr>
+      <p:grpSpPr>
+        <a:xfrm>
+          <a:off x="0" y="0"/>
+          <a:ext cx="0" cy="0"/>
+          <a:chOff x="0" y="0"/>
+          <a:chExt cx="0" cy="0"/>
+        </a:xfrm>
+      </p:grpSpPr>
+      <p:sp>
+        <p:nvSpPr>
+          <p:cNvPr id="2" name="Titre 1"/>
+          <p:cNvSpPr>
+            <a:spLocks noGrp="1"/>
+          </p:cNvSpPr>
+          <p:nvPr>
+            <p:ph type="title"/>
+          </p:nvPr>
+        </p:nvSpPr>
+        <p:spPr>
+          <a:xfrm>
+            <a:off x="2592925" y="624110"/>
+            <a:ext cx="8911687" cy="1280890"/>
+          </a:xfrm>
+        </p:spPr>
+        <p:txBody>
+          <a:bodyPr/>
+          <a:lstStyle/>
+          <a:p>
+            <a:r>
+              <a:rPr lang="fr-FR" dirty="0" smtClean="0"/>
               <a:t>Références</a:t>
             </a:r>
             <a:endParaRPr lang="fr-FR" dirty="0"/>

--- a/documentations/learning-go.pptx
+++ b/documentations/learning-go.pptx
@@ -5,7 +5,7 @@
     <p:sldMasterId id="2147483665" r:id="rId1"/>
   </p:sldMasterIdLst>
   <p:notesMasterIdLst>
-    <p:notesMasterId r:id="rId68"/>
+    <p:notesMasterId r:id="rId69"/>
   </p:notesMasterIdLst>
   <p:sldIdLst>
     <p:sldId id="256" r:id="rId2"/>
@@ -73,7 +73,8 @@
     <p:sldId id="320" r:id="rId64"/>
     <p:sldId id="321" r:id="rId65"/>
     <p:sldId id="322" r:id="rId66"/>
-    <p:sldId id="267" r:id="rId67"/>
+    <p:sldId id="323" r:id="rId67"/>
+    <p:sldId id="267" r:id="rId68"/>
   </p:sldIdLst>
   <p:sldSz cx="12192000" cy="6858000"/>
   <p:notesSz cx="6858000" cy="9144000"/>
@@ -262,7 +263,7 @@
           <a:p>
             <a:fld id="{ADCD2C08-3C00-4791-9388-3FB9A56F87F8}" type="datetimeFigureOut">
               <a:rPr lang="fr-FR" smtClean="0"/>
-              <a:t>06/01/2018</a:t>
+              <a:t>07/01/2018</a:t>
             </a:fld>
             <a:endParaRPr lang="fr-FR"/>
           </a:p>
@@ -802,7 +803,7 @@
           <a:p>
             <a:fld id="{CAB5D9F6-764D-45E8-BA35-322ECA954888}" type="datetime1">
               <a:rPr lang="en-US" smtClean="0"/>
-              <a:t>1/6/2018</a:t>
+              <a:t>1/7/2018</a:t>
             </a:fld>
             <a:endParaRPr lang="en-US" dirty="0"/>
           </a:p>
@@ -1142,7 +1143,7 @@
           <a:p>
             <a:fld id="{7E62AF45-EF0A-4378-934F-84EB6BC3D026}" type="datetime1">
               <a:rPr lang="en-US" smtClean="0"/>
-              <a:t>1/6/2018</a:t>
+              <a:t>1/7/2018</a:t>
             </a:fld>
             <a:endParaRPr lang="en-US" dirty="0"/>
           </a:p>
@@ -1544,7 +1545,7 @@
           <a:p>
             <a:fld id="{76D4023A-E694-4331-A23E-E1356D15A4BD}" type="datetime1">
               <a:rPr lang="en-US" smtClean="0"/>
-              <a:t>1/6/2018</a:t>
+              <a:t>1/7/2018</a:t>
             </a:fld>
             <a:endParaRPr lang="en-US" dirty="0"/>
           </a:p>
@@ -1881,7 +1882,7 @@
           <a:p>
             <a:fld id="{D6F2E77E-7F60-441B-806F-66DDB3F74163}" type="datetime1">
               <a:rPr lang="en-US" smtClean="0"/>
-              <a:t>1/6/2018</a:t>
+              <a:t>1/7/2018</a:t>
             </a:fld>
             <a:endParaRPr lang="en-US" dirty="0"/>
           </a:p>
@@ -2202,7 +2203,7 @@
           <a:p>
             <a:fld id="{266B8AF4-4A0E-4A4E-9660-2094B624C07D}" type="datetime1">
               <a:rPr lang="en-US" smtClean="0"/>
-              <a:t>1/6/2018</a:t>
+              <a:t>1/7/2018</a:t>
             </a:fld>
             <a:endParaRPr lang="en-US" dirty="0"/>
           </a:p>
@@ -2599,7 +2600,7 @@
           <a:p>
             <a:fld id="{CB2BF7E3-4C05-4502-A416-452E6496AE59}" type="datetime1">
               <a:rPr lang="en-US" smtClean="0"/>
-              <a:t>1/6/2018</a:t>
+              <a:t>1/7/2018</a:t>
             </a:fld>
             <a:endParaRPr lang="en-US" dirty="0"/>
           </a:p>
@@ -2857,7 +2858,7 @@
           <a:p>
             <a:fld id="{F6F8AC83-13D2-4813-AD1A-CAFB5DEDD213}" type="datetime1">
               <a:rPr lang="en-US" smtClean="0"/>
-              <a:t>1/6/2018</a:t>
+              <a:t>1/7/2018</a:t>
             </a:fld>
             <a:endParaRPr lang="en-US" dirty="0"/>
           </a:p>
@@ -3120,7 +3121,7 @@
           <a:p>
             <a:fld id="{74455543-85E2-46E2-A974-7ADB0844C12A}" type="datetime1">
               <a:rPr lang="en-US" smtClean="0"/>
-              <a:t>1/6/2018</a:t>
+              <a:t>1/7/2018</a:t>
             </a:fld>
             <a:endParaRPr lang="en-US" dirty="0"/>
           </a:p>
@@ -4232,7 +4233,7 @@
           <a:p>
             <a:fld id="{086CC522-5229-4E69-BBB2-D5F912967395}" type="datetime1">
               <a:rPr lang="en-US" smtClean="0"/>
-              <a:t>1/6/2018</a:t>
+              <a:t>1/7/2018</a:t>
             </a:fld>
             <a:endParaRPr lang="en-US" dirty="0"/>
           </a:p>
@@ -4551,7 +4552,7 @@
           <a:p>
             <a:fld id="{56B9B5DB-1D1A-42F8-93F0-BBA44C1CAF57}" type="datetime1">
               <a:rPr lang="en-US" smtClean="0"/>
-              <a:t>1/6/2018</a:t>
+              <a:t>1/7/2018</a:t>
             </a:fld>
             <a:endParaRPr lang="en-US" dirty="0"/>
           </a:p>
@@ -5009,7 +5010,7 @@
           <a:p>
             <a:fld id="{9A4E8950-D3FA-4365-B561-9EE5AC9B6B6C}" type="datetime1">
               <a:rPr lang="en-US" smtClean="0"/>
-              <a:t>1/6/2018</a:t>
+              <a:t>1/7/2018</a:t>
             </a:fld>
             <a:endParaRPr lang="en-US" dirty="0"/>
           </a:p>
@@ -5215,7 +5216,7 @@
           <a:p>
             <a:fld id="{20724122-C579-4659-8A06-81F42FC84005}" type="datetime1">
               <a:rPr lang="en-US" smtClean="0"/>
-              <a:t>1/6/2018</a:t>
+              <a:t>1/7/2018</a:t>
             </a:fld>
             <a:endParaRPr lang="en-US" dirty="0"/>
           </a:p>
@@ -5393,7 +5394,7 @@
           <a:p>
             <a:fld id="{E4C13383-9243-41F6-8072-8685ED9DD899}" type="datetime1">
               <a:rPr lang="en-US" smtClean="0"/>
-              <a:t>1/6/2018</a:t>
+              <a:t>1/7/2018</a:t>
             </a:fld>
             <a:endParaRPr lang="en-US" dirty="0"/>
           </a:p>
@@ -5727,7 +5728,7 @@
           <a:p>
             <a:fld id="{03F027E6-328C-49ED-AE4B-BD647A7E3EDE}" type="datetime1">
               <a:rPr lang="en-US" smtClean="0"/>
-              <a:t>1/6/2018</a:t>
+              <a:t>1/7/2018</a:t>
             </a:fld>
             <a:endParaRPr lang="en-US" dirty="0"/>
           </a:p>
@@ -6073,7 +6074,7 @@
           <a:p>
             <a:fld id="{6B498982-A325-4B29-8B06-CBC7789C234F}" type="datetime1">
               <a:rPr lang="en-US" smtClean="0"/>
-              <a:t>1/6/2018</a:t>
+              <a:t>1/7/2018</a:t>
             </a:fld>
             <a:endParaRPr lang="en-US" dirty="0"/>
           </a:p>
@@ -8191,7 +8192,7 @@
           <a:p>
             <a:fld id="{CAB5D9F6-764D-45E8-BA35-322ECA954888}" type="datetime1">
               <a:rPr lang="en-US" smtClean="0"/>
-              <a:t>1/6/2018</a:t>
+              <a:t>1/7/2018</a:t>
             </a:fld>
             <a:endParaRPr lang="en-US" dirty="0"/>
           </a:p>
@@ -23036,6 +23037,212 @@
           <a:p>
             <a:r>
               <a:rPr lang="fr-FR" dirty="0" smtClean="0"/>
+              <a:t>Méthodes</a:t>
+            </a:r>
+            <a:endParaRPr lang="fr-FR" dirty="0"/>
+          </a:p>
+        </p:txBody>
+      </p:sp>
+      <p:sp>
+        <p:nvSpPr>
+          <p:cNvPr id="3" name="Espace réservé du contenu 2"/>
+          <p:cNvSpPr>
+            <a:spLocks noGrp="1"/>
+          </p:cNvSpPr>
+          <p:nvPr>
+            <p:ph idx="1"/>
+          </p:nvPr>
+        </p:nvSpPr>
+        <p:spPr>
+          <a:xfrm>
+            <a:off x="482600" y="1550505"/>
+            <a:ext cx="6880308" cy="4929808"/>
+          </a:xfrm>
+        </p:spPr>
+        <p:txBody>
+          <a:bodyPr anchor="ctr">
+            <a:normAutofit/>
+          </a:bodyPr>
+          <a:lstStyle/>
+          <a:p>
+            <a:pPr algn="just"/>
+            <a:r>
+              <a:rPr lang="fr-FR" dirty="0" smtClean="0">
+                <a:solidFill>
+                  <a:schemeClr val="tx1"/>
+                </a:solidFill>
+              </a:rPr>
+              <a:t>Le programme est devenu plus lisible mais on peut encore l'améliorer en utilisant un type de fonction particulier : une méthode</a:t>
+            </a:r>
+          </a:p>
+          <a:p>
+            <a:pPr algn="just"/>
+            <a:r>
+              <a:rPr lang="fr-FR" dirty="0" smtClean="0">
+                <a:solidFill>
+                  <a:schemeClr val="tx1"/>
+                </a:solidFill>
+              </a:rPr>
+              <a:t>Entre le mot-clé </a:t>
+            </a:r>
+            <a:r>
+              <a:rPr lang="fr-FR" b="1" i="1" dirty="0" smtClean="0">
+                <a:solidFill>
+                  <a:schemeClr val="accent6"/>
+                </a:solidFill>
+              </a:rPr>
+              <a:t>func</a:t>
+            </a:r>
+            <a:r>
+              <a:rPr lang="fr-FR" dirty="0" smtClean="0">
+                <a:solidFill>
+                  <a:schemeClr val="tx1"/>
+                </a:solidFill>
+              </a:rPr>
+              <a:t> et le nom de la fonction, on insère un récepteur</a:t>
+            </a:r>
+          </a:p>
+          <a:p>
+            <a:pPr algn="just"/>
+            <a:r>
+              <a:rPr lang="fr-FR" dirty="0" smtClean="0">
+                <a:solidFill>
+                  <a:schemeClr val="tx1"/>
+                </a:solidFill>
+              </a:rPr>
+              <a:t>Le récepteur est semblable à un paramètre (il a un nom et un type) mais en créant la fonction de cette manière, cela nous permet de pouvoir l'appeler en utilisant l'opérateur </a:t>
+            </a:r>
+            <a:r>
+              <a:rPr lang="fr-FR" b="1" i="1" dirty="0" smtClean="0">
+                <a:solidFill>
+                  <a:schemeClr val="accent6"/>
+                </a:solidFill>
+              </a:rPr>
+              <a:t>.</a:t>
+            </a:r>
+            <a:r>
+              <a:rPr lang="fr-FR" dirty="0" smtClean="0">
+                <a:solidFill>
+                  <a:schemeClr val="tx1"/>
+                </a:solidFill>
+              </a:rPr>
+              <a:t> (point)</a:t>
+            </a:r>
+            <a:endParaRPr lang="fr-FR" dirty="0">
+              <a:solidFill>
+                <a:schemeClr val="accent6"/>
+              </a:solidFill>
+            </a:endParaRPr>
+          </a:p>
+        </p:txBody>
+      </p:sp>
+      <p:pic>
+        <p:nvPicPr>
+          <p:cNvPr id="4" name="Image 3"/>
+          <p:cNvPicPr>
+            <a:picLocks noChangeAspect="1"/>
+          </p:cNvPicPr>
+          <p:nvPr/>
+        </p:nvPicPr>
+        <p:blipFill>
+          <a:blip r:embed="rId2"/>
+          <a:stretch>
+            <a:fillRect/>
+          </a:stretch>
+        </p:blipFill>
+        <p:spPr>
+          <a:xfrm>
+            <a:off x="7459988" y="1001865"/>
+            <a:ext cx="4596106" cy="5208104"/>
+          </a:xfrm>
+          <a:prstGeom prst="rect">
+            <a:avLst/>
+          </a:prstGeom>
+        </p:spPr>
+      </p:pic>
+      <p:pic>
+        <p:nvPicPr>
+          <p:cNvPr id="7" name="Image 6"/>
+          <p:cNvPicPr>
+            <a:picLocks noChangeAspect="1"/>
+          </p:cNvPicPr>
+          <p:nvPr/>
+        </p:nvPicPr>
+        <p:blipFill>
+          <a:blip r:embed="rId3"/>
+          <a:stretch>
+            <a:fillRect/>
+          </a:stretch>
+        </p:blipFill>
+        <p:spPr>
+          <a:xfrm>
+            <a:off x="3543383" y="5762294"/>
+            <a:ext cx="3819525" cy="447675"/>
+          </a:xfrm>
+          <a:prstGeom prst="rect">
+            <a:avLst/>
+          </a:prstGeom>
+        </p:spPr>
+      </p:pic>
+    </p:spTree>
+    <p:extLst>
+      <p:ext uri="{BB962C8B-B14F-4D97-AF65-F5344CB8AC3E}">
+        <p14:creationId xmlns:p14="http://schemas.microsoft.com/office/powerpoint/2010/main" val="624381302"/>
+      </p:ext>
+    </p:extLst>
+  </p:cSld>
+  <p:clrMapOvr>
+    <a:masterClrMapping/>
+  </p:clrMapOvr>
+  <p:timing>
+    <p:tnLst>
+      <p:par>
+        <p:cTn id="1" dur="indefinite" restart="never" nodeType="tmRoot"/>
+      </p:par>
+    </p:tnLst>
+  </p:timing>
+</p:sld>
+</file>
+
+<file path=ppt/slides/slide67.xml><?xml version="1.0" encoding="utf-8"?>
+<p:sld xmlns:a="http://schemas.openxmlformats.org/drawingml/2006/main" xmlns:r="http://schemas.openxmlformats.org/officeDocument/2006/relationships" xmlns:p="http://schemas.openxmlformats.org/presentationml/2006/main">
+  <p:cSld>
+    <p:spTree>
+      <p:nvGrpSpPr>
+        <p:cNvPr id="1" name=""/>
+        <p:cNvGrpSpPr/>
+        <p:nvPr/>
+      </p:nvGrpSpPr>
+      <p:grpSpPr>
+        <a:xfrm>
+          <a:off x="0" y="0"/>
+          <a:ext cx="0" cy="0"/>
+          <a:chOff x="0" y="0"/>
+          <a:chExt cx="0" cy="0"/>
+        </a:xfrm>
+      </p:grpSpPr>
+      <p:sp>
+        <p:nvSpPr>
+          <p:cNvPr id="2" name="Titre 1"/>
+          <p:cNvSpPr>
+            <a:spLocks noGrp="1"/>
+          </p:cNvSpPr>
+          <p:nvPr>
+            <p:ph type="title"/>
+          </p:nvPr>
+        </p:nvSpPr>
+        <p:spPr>
+          <a:xfrm>
+            <a:off x="2592925" y="624110"/>
+            <a:ext cx="8911687" cy="1280890"/>
+          </a:xfrm>
+        </p:spPr>
+        <p:txBody>
+          <a:bodyPr/>
+          <a:lstStyle/>
+          <a:p>
+            <a:r>
+              <a:rPr lang="fr-FR" dirty="0" smtClean="0"/>
               <a:t>Références</a:t>
             </a:r>
             <a:endParaRPr lang="fr-FR" dirty="0"/>

--- a/documentations/learning-go.pptx
+++ b/documentations/learning-go.pptx
@@ -5,7 +5,7 @@
     <p:sldMasterId id="2147483665" r:id="rId1"/>
   </p:sldMasterIdLst>
   <p:notesMasterIdLst>
-    <p:notesMasterId r:id="rId69"/>
+    <p:notesMasterId r:id="rId70"/>
   </p:notesMasterIdLst>
   <p:sldIdLst>
     <p:sldId id="256" r:id="rId2"/>
@@ -74,7 +74,8 @@
     <p:sldId id="321" r:id="rId65"/>
     <p:sldId id="322" r:id="rId66"/>
     <p:sldId id="323" r:id="rId67"/>
-    <p:sldId id="267" r:id="rId68"/>
+    <p:sldId id="324" r:id="rId68"/>
+    <p:sldId id="267" r:id="rId69"/>
   </p:sldIdLst>
   <p:sldSz cx="12192000" cy="6858000"/>
   <p:notesSz cx="6858000" cy="9144000"/>
@@ -23243,6 +23244,260 @@
           <a:p>
             <a:r>
               <a:rPr lang="fr-FR" dirty="0" smtClean="0"/>
+              <a:t>Types incorporés</a:t>
+            </a:r>
+            <a:endParaRPr lang="fr-FR" dirty="0"/>
+          </a:p>
+        </p:txBody>
+      </p:sp>
+      <p:sp>
+        <p:nvSpPr>
+          <p:cNvPr id="3" name="Espace réservé du contenu 2"/>
+          <p:cNvSpPr>
+            <a:spLocks noGrp="1"/>
+          </p:cNvSpPr>
+          <p:nvPr>
+            <p:ph idx="1"/>
+          </p:nvPr>
+        </p:nvSpPr>
+        <p:spPr>
+          <a:xfrm>
+            <a:off x="482600" y="1550505"/>
+            <a:ext cx="5854590" cy="3299791"/>
+          </a:xfrm>
+        </p:spPr>
+        <p:txBody>
+          <a:bodyPr anchor="ctr">
+            <a:normAutofit/>
+          </a:bodyPr>
+          <a:lstStyle/>
+          <a:p>
+            <a:pPr algn="just"/>
+            <a:r>
+              <a:rPr lang="fr-FR" dirty="0" smtClean="0">
+                <a:solidFill>
+                  <a:schemeClr val="tx1"/>
+                </a:solidFill>
+              </a:rPr>
+              <a:t>Les champs d'une structure matérialisent une relation &lt;</a:t>
+            </a:r>
+            <a:r>
+              <a:rPr lang="fr-FR" b="1" i="1" dirty="0" smtClean="0">
+                <a:solidFill>
+                  <a:schemeClr val="accent6"/>
+                </a:solidFill>
+              </a:rPr>
+              <a:t>objet</a:t>
+            </a:r>
+            <a:r>
+              <a:rPr lang="fr-FR" dirty="0" smtClean="0">
+                <a:solidFill>
+                  <a:schemeClr val="tx1"/>
+                </a:solidFill>
+              </a:rPr>
+              <a:t>&gt; possède &lt;</a:t>
+            </a:r>
+            <a:r>
+              <a:rPr lang="fr-FR" b="1" i="1" dirty="0" smtClean="0">
+                <a:solidFill>
+                  <a:schemeClr val="accent6"/>
+                </a:solidFill>
+              </a:rPr>
+              <a:t>attribut</a:t>
+            </a:r>
+            <a:r>
+              <a:rPr lang="fr-FR" dirty="0" smtClean="0">
+                <a:solidFill>
+                  <a:schemeClr val="tx1"/>
+                </a:solidFill>
+              </a:rPr>
+              <a:t>&gt;</a:t>
+            </a:r>
+          </a:p>
+          <a:p>
+            <a:pPr algn="just"/>
+            <a:r>
+              <a:rPr lang="fr-FR" dirty="0" smtClean="0">
+                <a:solidFill>
+                  <a:schemeClr val="tx1"/>
+                </a:solidFill>
+              </a:rPr>
+              <a:t>Un parallélogramme </a:t>
+            </a:r>
+            <a:r>
+              <a:rPr lang="fr-FR" b="1" dirty="0" smtClean="0">
+                <a:solidFill>
+                  <a:schemeClr val="tx1"/>
+                </a:solidFill>
+              </a:rPr>
+              <a:t>ne possède pas</a:t>
+            </a:r>
+            <a:r>
+              <a:rPr lang="fr-FR" dirty="0" smtClean="0">
+                <a:solidFill>
+                  <a:schemeClr val="tx1"/>
+                </a:solidFill>
+              </a:rPr>
+              <a:t> de rectangle mais </a:t>
+            </a:r>
+            <a:r>
+              <a:rPr lang="fr-FR" b="1" dirty="0" smtClean="0">
+                <a:solidFill>
+                  <a:schemeClr val="tx1"/>
+                </a:solidFill>
+              </a:rPr>
+              <a:t>est une</a:t>
+            </a:r>
+            <a:r>
+              <a:rPr lang="fr-FR" dirty="0" smtClean="0">
+                <a:solidFill>
+                  <a:schemeClr val="tx1"/>
+                </a:solidFill>
+              </a:rPr>
+              <a:t> forme rectangulaire </a:t>
+            </a:r>
+            <a:r>
+              <a:rPr lang="fr-FR" b="1" dirty="0" smtClean="0">
+                <a:solidFill>
+                  <a:schemeClr val="tx1"/>
+                </a:solidFill>
+              </a:rPr>
+              <a:t>possédant</a:t>
+            </a:r>
+            <a:r>
+              <a:rPr lang="fr-FR" dirty="0" smtClean="0">
+                <a:solidFill>
+                  <a:schemeClr val="tx1"/>
+                </a:solidFill>
+              </a:rPr>
+              <a:t> une hauteur</a:t>
+            </a:r>
+          </a:p>
+          <a:p>
+            <a:pPr algn="just"/>
+            <a:r>
+              <a:rPr lang="fr-FR" dirty="0" smtClean="0">
+                <a:solidFill>
+                  <a:schemeClr val="tx1"/>
+                </a:solidFill>
+              </a:rPr>
+              <a:t>Go supporte ce type de relation : les types incorporés ou les champs anonymes</a:t>
+            </a:r>
+            <a:endParaRPr lang="fr-FR" dirty="0">
+              <a:solidFill>
+                <a:schemeClr val="accent6"/>
+              </a:solidFill>
+            </a:endParaRPr>
+          </a:p>
+        </p:txBody>
+      </p:sp>
+      <p:pic>
+        <p:nvPicPr>
+          <p:cNvPr id="5" name="Image 4"/>
+          <p:cNvPicPr>
+            <a:picLocks noChangeAspect="1"/>
+          </p:cNvPicPr>
+          <p:nvPr/>
+        </p:nvPicPr>
+        <p:blipFill>
+          <a:blip r:embed="rId2"/>
+          <a:stretch>
+            <a:fillRect/>
+          </a:stretch>
+        </p:blipFill>
+        <p:spPr>
+          <a:xfrm>
+            <a:off x="6565291" y="1293537"/>
+            <a:ext cx="5514621" cy="5115214"/>
+          </a:xfrm>
+          <a:prstGeom prst="rect">
+            <a:avLst/>
+          </a:prstGeom>
+        </p:spPr>
+      </p:pic>
+      <p:pic>
+        <p:nvPicPr>
+          <p:cNvPr id="6" name="Image 5"/>
+          <p:cNvPicPr>
+            <a:picLocks noChangeAspect="1"/>
+          </p:cNvPicPr>
+          <p:nvPr/>
+        </p:nvPicPr>
+        <p:blipFill>
+          <a:blip r:embed="rId3"/>
+          <a:stretch>
+            <a:fillRect/>
+          </a:stretch>
+        </p:blipFill>
+        <p:spPr>
+          <a:xfrm>
+            <a:off x="3298465" y="6189676"/>
+            <a:ext cx="3152775" cy="219075"/>
+          </a:xfrm>
+          <a:prstGeom prst="rect">
+            <a:avLst/>
+          </a:prstGeom>
+        </p:spPr>
+      </p:pic>
+    </p:spTree>
+    <p:extLst>
+      <p:ext uri="{BB962C8B-B14F-4D97-AF65-F5344CB8AC3E}">
+        <p14:creationId xmlns:p14="http://schemas.microsoft.com/office/powerpoint/2010/main" val="1351666445"/>
+      </p:ext>
+    </p:extLst>
+  </p:cSld>
+  <p:clrMapOvr>
+    <a:masterClrMapping/>
+  </p:clrMapOvr>
+  <p:timing>
+    <p:tnLst>
+      <p:par>
+        <p:cTn id="1" dur="indefinite" restart="never" nodeType="tmRoot"/>
+      </p:par>
+    </p:tnLst>
+  </p:timing>
+</p:sld>
+</file>
+
+<file path=ppt/slides/slide68.xml><?xml version="1.0" encoding="utf-8"?>
+<p:sld xmlns:a="http://schemas.openxmlformats.org/drawingml/2006/main" xmlns:r="http://schemas.openxmlformats.org/officeDocument/2006/relationships" xmlns:p="http://schemas.openxmlformats.org/presentationml/2006/main">
+  <p:cSld>
+    <p:spTree>
+      <p:nvGrpSpPr>
+        <p:cNvPr id="1" name=""/>
+        <p:cNvGrpSpPr/>
+        <p:nvPr/>
+      </p:nvGrpSpPr>
+      <p:grpSpPr>
+        <a:xfrm>
+          <a:off x="0" y="0"/>
+          <a:ext cx="0" cy="0"/>
+          <a:chOff x="0" y="0"/>
+          <a:chExt cx="0" cy="0"/>
+        </a:xfrm>
+      </p:grpSpPr>
+      <p:sp>
+        <p:nvSpPr>
+          <p:cNvPr id="2" name="Titre 1"/>
+          <p:cNvSpPr>
+            <a:spLocks noGrp="1"/>
+          </p:cNvSpPr>
+          <p:nvPr>
+            <p:ph type="title"/>
+          </p:nvPr>
+        </p:nvSpPr>
+        <p:spPr>
+          <a:xfrm>
+            <a:off x="2592925" y="624110"/>
+            <a:ext cx="8911687" cy="1280890"/>
+          </a:xfrm>
+        </p:spPr>
+        <p:txBody>
+          <a:bodyPr/>
+          <a:lstStyle/>
+          <a:p>
+            <a:r>
+              <a:rPr lang="fr-FR" dirty="0" smtClean="0"/>
               <a:t>Références</a:t>
             </a:r>
             <a:endParaRPr lang="fr-FR" dirty="0"/>

--- a/documentations/learning-go.pptx
+++ b/documentations/learning-go.pptx
@@ -23263,7 +23263,7 @@
         <p:spPr>
           <a:xfrm>
             <a:off x="482600" y="1550505"/>
-            <a:ext cx="5854590" cy="3299791"/>
+            <a:ext cx="5767125" cy="3299791"/>
           </a:xfrm>
         </p:spPr>
         <p:txBody>
@@ -23393,7 +23393,7 @@
       </p:sp>
       <p:pic>
         <p:nvPicPr>
-          <p:cNvPr id="5" name="Image 4"/>
+          <p:cNvPr id="4" name="Image 3"/>
           <p:cNvPicPr>
             <a:picLocks noChangeAspect="1"/>
           </p:cNvPicPr>
@@ -23407,8 +23407,8 @@
         </p:blipFill>
         <p:spPr>
           <a:xfrm>
-            <a:off x="6565291" y="1293537"/>
-            <a:ext cx="5514621" cy="5115214"/>
+            <a:off x="6630820" y="1179710"/>
+            <a:ext cx="5441910" cy="5356261"/>
           </a:xfrm>
           <a:prstGeom prst="rect">
             <a:avLst/>
@@ -23417,7 +23417,7 @@
       </p:pic>
       <p:pic>
         <p:nvPicPr>
-          <p:cNvPr id="6" name="Image 5"/>
+          <p:cNvPr id="7" name="Image 6"/>
           <p:cNvPicPr>
             <a:picLocks noChangeAspect="1"/>
           </p:cNvPicPr>
@@ -23431,8 +23431,8 @@
         </p:blipFill>
         <p:spPr>
           <a:xfrm>
-            <a:off x="3298465" y="6189676"/>
-            <a:ext cx="3152775" cy="219075"/>
+            <a:off x="2592925" y="6107346"/>
+            <a:ext cx="3895725" cy="428625"/>
           </a:xfrm>
           <a:prstGeom prst="rect">
             <a:avLst/>

--- a/documentations/learning-go.pptx
+++ b/documentations/learning-go.pptx
@@ -5,7 +5,7 @@
     <p:sldMasterId id="2147483665" r:id="rId1"/>
   </p:sldMasterIdLst>
   <p:notesMasterIdLst>
-    <p:notesMasterId r:id="rId70"/>
+    <p:notesMasterId r:id="rId73"/>
   </p:notesMasterIdLst>
   <p:sldIdLst>
     <p:sldId id="256" r:id="rId2"/>
@@ -75,7 +75,10 @@
     <p:sldId id="322" r:id="rId66"/>
     <p:sldId id="323" r:id="rId67"/>
     <p:sldId id="324" r:id="rId68"/>
-    <p:sldId id="267" r:id="rId69"/>
+    <p:sldId id="325" r:id="rId69"/>
+    <p:sldId id="326" r:id="rId70"/>
+    <p:sldId id="327" r:id="rId71"/>
+    <p:sldId id="267" r:id="rId72"/>
   </p:sldIdLst>
   <p:sldSz cx="12192000" cy="6858000"/>
   <p:notesSz cx="6858000" cy="9144000"/>
@@ -264,7 +267,7 @@
           <a:p>
             <a:fld id="{ADCD2C08-3C00-4791-9388-3FB9A56F87F8}" type="datetimeFigureOut">
               <a:rPr lang="fr-FR" smtClean="0"/>
-              <a:t>07/01/2018</a:t>
+              <a:t>08/01/2018</a:t>
             </a:fld>
             <a:endParaRPr lang="fr-FR"/>
           </a:p>
@@ -804,7 +807,7 @@
           <a:p>
             <a:fld id="{CAB5D9F6-764D-45E8-BA35-322ECA954888}" type="datetime1">
               <a:rPr lang="en-US" smtClean="0"/>
-              <a:t>1/7/2018</a:t>
+              <a:t>1/8/2018</a:t>
             </a:fld>
             <a:endParaRPr lang="en-US" dirty="0"/>
           </a:p>
@@ -1144,7 +1147,7 @@
           <a:p>
             <a:fld id="{7E62AF45-EF0A-4378-934F-84EB6BC3D026}" type="datetime1">
               <a:rPr lang="en-US" smtClean="0"/>
-              <a:t>1/7/2018</a:t>
+              <a:t>1/8/2018</a:t>
             </a:fld>
             <a:endParaRPr lang="en-US" dirty="0"/>
           </a:p>
@@ -1546,7 +1549,7 @@
           <a:p>
             <a:fld id="{76D4023A-E694-4331-A23E-E1356D15A4BD}" type="datetime1">
               <a:rPr lang="en-US" smtClean="0"/>
-              <a:t>1/7/2018</a:t>
+              <a:t>1/8/2018</a:t>
             </a:fld>
             <a:endParaRPr lang="en-US" dirty="0"/>
           </a:p>
@@ -1883,7 +1886,7 @@
           <a:p>
             <a:fld id="{D6F2E77E-7F60-441B-806F-66DDB3F74163}" type="datetime1">
               <a:rPr lang="en-US" smtClean="0"/>
-              <a:t>1/7/2018</a:t>
+              <a:t>1/8/2018</a:t>
             </a:fld>
             <a:endParaRPr lang="en-US" dirty="0"/>
           </a:p>
@@ -2204,7 +2207,7 @@
           <a:p>
             <a:fld id="{266B8AF4-4A0E-4A4E-9660-2094B624C07D}" type="datetime1">
               <a:rPr lang="en-US" smtClean="0"/>
-              <a:t>1/7/2018</a:t>
+              <a:t>1/8/2018</a:t>
             </a:fld>
             <a:endParaRPr lang="en-US" dirty="0"/>
           </a:p>
@@ -2601,7 +2604,7 @@
           <a:p>
             <a:fld id="{CB2BF7E3-4C05-4502-A416-452E6496AE59}" type="datetime1">
               <a:rPr lang="en-US" smtClean="0"/>
-              <a:t>1/7/2018</a:t>
+              <a:t>1/8/2018</a:t>
             </a:fld>
             <a:endParaRPr lang="en-US" dirty="0"/>
           </a:p>
@@ -2859,7 +2862,7 @@
           <a:p>
             <a:fld id="{F6F8AC83-13D2-4813-AD1A-CAFB5DEDD213}" type="datetime1">
               <a:rPr lang="en-US" smtClean="0"/>
-              <a:t>1/7/2018</a:t>
+              <a:t>1/8/2018</a:t>
             </a:fld>
             <a:endParaRPr lang="en-US" dirty="0"/>
           </a:p>
@@ -3122,7 +3125,7 @@
           <a:p>
             <a:fld id="{74455543-85E2-46E2-A974-7ADB0844C12A}" type="datetime1">
               <a:rPr lang="en-US" smtClean="0"/>
-              <a:t>1/7/2018</a:t>
+              <a:t>1/8/2018</a:t>
             </a:fld>
             <a:endParaRPr lang="en-US" dirty="0"/>
           </a:p>
@@ -4234,7 +4237,7 @@
           <a:p>
             <a:fld id="{086CC522-5229-4E69-BBB2-D5F912967395}" type="datetime1">
               <a:rPr lang="en-US" smtClean="0"/>
-              <a:t>1/7/2018</a:t>
+              <a:t>1/8/2018</a:t>
             </a:fld>
             <a:endParaRPr lang="en-US" dirty="0"/>
           </a:p>
@@ -4553,7 +4556,7 @@
           <a:p>
             <a:fld id="{56B9B5DB-1D1A-42F8-93F0-BBA44C1CAF57}" type="datetime1">
               <a:rPr lang="en-US" smtClean="0"/>
-              <a:t>1/7/2018</a:t>
+              <a:t>1/8/2018</a:t>
             </a:fld>
             <a:endParaRPr lang="en-US" dirty="0"/>
           </a:p>
@@ -5011,7 +5014,7 @@
           <a:p>
             <a:fld id="{9A4E8950-D3FA-4365-B561-9EE5AC9B6B6C}" type="datetime1">
               <a:rPr lang="en-US" smtClean="0"/>
-              <a:t>1/7/2018</a:t>
+              <a:t>1/8/2018</a:t>
             </a:fld>
             <a:endParaRPr lang="en-US" dirty="0"/>
           </a:p>
@@ -5217,7 +5220,7 @@
           <a:p>
             <a:fld id="{20724122-C579-4659-8A06-81F42FC84005}" type="datetime1">
               <a:rPr lang="en-US" smtClean="0"/>
-              <a:t>1/7/2018</a:t>
+              <a:t>1/8/2018</a:t>
             </a:fld>
             <a:endParaRPr lang="en-US" dirty="0"/>
           </a:p>
@@ -5395,7 +5398,7 @@
           <a:p>
             <a:fld id="{E4C13383-9243-41F6-8072-8685ED9DD899}" type="datetime1">
               <a:rPr lang="en-US" smtClean="0"/>
-              <a:t>1/7/2018</a:t>
+              <a:t>1/8/2018</a:t>
             </a:fld>
             <a:endParaRPr lang="en-US" dirty="0"/>
           </a:p>
@@ -5729,7 +5732,7 @@
           <a:p>
             <a:fld id="{03F027E6-328C-49ED-AE4B-BD647A7E3EDE}" type="datetime1">
               <a:rPr lang="en-US" smtClean="0"/>
-              <a:t>1/7/2018</a:t>
+              <a:t>1/8/2018</a:t>
             </a:fld>
             <a:endParaRPr lang="en-US" dirty="0"/>
           </a:p>
@@ -6075,7 +6078,7 @@
           <a:p>
             <a:fld id="{6B498982-A325-4B29-8B06-CBC7789C234F}" type="datetime1">
               <a:rPr lang="en-US" smtClean="0"/>
-              <a:t>1/7/2018</a:t>
+              <a:t>1/8/2018</a:t>
             </a:fld>
             <a:endParaRPr lang="en-US" dirty="0"/>
           </a:p>
@@ -8193,7 +8196,7 @@
           <a:p>
             <a:fld id="{CAB5D9F6-764D-45E8-BA35-322ECA954888}" type="datetime1">
               <a:rPr lang="en-US" smtClean="0"/>
-              <a:t>1/7/2018</a:t>
+              <a:t>1/8/2018</a:t>
             </a:fld>
             <a:endParaRPr lang="en-US" dirty="0"/>
           </a:p>
@@ -23498,7 +23501,7 @@
           <a:p>
             <a:r>
               <a:rPr lang="fr-FR" dirty="0" smtClean="0"/>
-              <a:t>Références</a:t>
+              <a:t>Interfaces</a:t>
             </a:r>
             <a:endParaRPr lang="fr-FR" dirty="0"/>
           </a:p>
@@ -23514,366 +23517,198 @@
             <p:ph idx="1"/>
           </p:nvPr>
         </p:nvSpPr>
-        <p:spPr/>
+        <p:spPr>
+          <a:xfrm>
+            <a:off x="906448" y="1550505"/>
+            <a:ext cx="10598163" cy="3299791"/>
+          </a:xfrm>
+        </p:spPr>
         <p:txBody>
           <a:bodyPr anchor="ctr">
             <a:normAutofit/>
           </a:bodyPr>
           <a:lstStyle/>
           <a:p>
-            <a:r>
-              <a:rPr lang="fr-FR" sz="1200" b="1" dirty="0" smtClean="0">
-                <a:solidFill>
-                  <a:schemeClr val="accent6">
-                    <a:lumMod val="75000"/>
-                  </a:schemeClr>
-                </a:solidFill>
-                <a:hlinkClick r:id="rId2"/>
-              </a:rPr>
-              <a:t>Golang Project </a:t>
-            </a:r>
-            <a:r>
-              <a:rPr lang="fr-FR" sz="1200" b="1" dirty="0" smtClean="0">
-                <a:solidFill>
-                  <a:schemeClr val="accent6">
-                    <a:lumMod val="75000"/>
-                  </a:schemeClr>
-                </a:solidFill>
-              </a:rPr>
-              <a:t>: https</a:t>
-            </a:r>
-            <a:r>
-              <a:rPr lang="fr-FR" sz="1200" b="1" dirty="0">
-                <a:solidFill>
-                  <a:schemeClr val="accent6">
-                    <a:lumMod val="75000"/>
-                  </a:schemeClr>
-                </a:solidFill>
-              </a:rPr>
-              <a:t>://golang.org</a:t>
-            </a:r>
-            <a:r>
-              <a:rPr lang="fr-FR" sz="1200" b="1" dirty="0" smtClean="0">
-                <a:solidFill>
-                  <a:schemeClr val="accent6">
-                    <a:lumMod val="75000"/>
-                  </a:schemeClr>
-                </a:solidFill>
-              </a:rPr>
-              <a:t>/</a:t>
-            </a:r>
-          </a:p>
-          <a:p>
-            <a:r>
-              <a:rPr lang="fr-FR" sz="1200" b="1" dirty="0" smtClean="0">
-                <a:solidFill>
-                  <a:schemeClr val="accent6">
-                    <a:lumMod val="75000"/>
-                  </a:schemeClr>
-                </a:solidFill>
-                <a:hlinkClick r:id="rId3"/>
-              </a:rPr>
-              <a:t>Goland-book.com</a:t>
-            </a:r>
-            <a:r>
-              <a:rPr lang="fr-FR" sz="1200" b="1" dirty="0" smtClean="0">
-                <a:solidFill>
-                  <a:schemeClr val="accent6">
-                    <a:lumMod val="75000"/>
-                  </a:schemeClr>
-                </a:solidFill>
-              </a:rPr>
-              <a:t> </a:t>
-            </a:r>
-            <a:r>
-              <a:rPr lang="fr-FR" sz="1200" b="1" dirty="0">
-                <a:solidFill>
-                  <a:schemeClr val="accent6">
-                    <a:lumMod val="75000"/>
-                  </a:schemeClr>
-                </a:solidFill>
-              </a:rPr>
-              <a:t>: https://www.golang-book.com/books/intro</a:t>
-            </a:r>
-            <a:endParaRPr lang="fr-FR" sz="1200" b="1" dirty="0" smtClean="0">
+            <a:pPr algn="just"/>
+            <a:r>
+              <a:rPr lang="fr-FR" dirty="0" smtClean="0">
+                <a:solidFill>
+                  <a:schemeClr val="tx1"/>
+                </a:solidFill>
+              </a:rPr>
+              <a:t>,,,</a:t>
+            </a:r>
+            <a:endParaRPr lang="fr-FR" dirty="0">
               <a:solidFill>
-                <a:schemeClr val="accent6">
-                  <a:lumMod val="75000"/>
-                </a:schemeClr>
+                <a:schemeClr val="accent6"/>
               </a:solidFill>
             </a:endParaRPr>
-          </a:p>
-          <a:p>
-            <a:r>
-              <a:rPr lang="fr-FR" sz="1200" b="1" dirty="0" smtClean="0">
-                <a:solidFill>
-                  <a:schemeClr val="accent6">
-                    <a:lumMod val="75000"/>
-                  </a:schemeClr>
-                </a:solidFill>
-                <a:hlinkClick r:id="rId4"/>
-              </a:rPr>
-              <a:t>Didier Gérard </a:t>
-            </a:r>
-            <a:r>
-              <a:rPr lang="fr-FR" sz="1200" b="1" dirty="0" smtClean="0">
-                <a:solidFill>
-                  <a:schemeClr val="accent6">
-                    <a:lumMod val="75000"/>
-                  </a:schemeClr>
-                </a:solidFill>
-              </a:rPr>
-              <a:t>: https</a:t>
-            </a:r>
-            <a:r>
-              <a:rPr lang="fr-FR" sz="1200" b="1" dirty="0">
-                <a:solidFill>
-                  <a:schemeClr val="accent6">
-                    <a:lumMod val="75000"/>
-                  </a:schemeClr>
-                </a:solidFill>
-              </a:rPr>
-              <a:t>://lemag.sfeir.com/pourquoi-golang/</a:t>
-            </a:r>
-          </a:p>
-          <a:p>
-            <a:r>
-              <a:rPr lang="fr-FR" sz="1200" b="1" dirty="0" smtClean="0">
-                <a:solidFill>
-                  <a:schemeClr val="accent6">
-                    <a:lumMod val="75000"/>
-                  </a:schemeClr>
-                </a:solidFill>
-                <a:hlinkClick r:id="rId5"/>
-              </a:rPr>
-              <a:t>Wikipédia</a:t>
-            </a:r>
-            <a:r>
-              <a:rPr lang="fr-FR" sz="1200" b="1" dirty="0" smtClean="0">
-                <a:solidFill>
-                  <a:schemeClr val="accent6">
-                    <a:lumMod val="75000"/>
-                  </a:schemeClr>
-                </a:solidFill>
-              </a:rPr>
-              <a:t> : </a:t>
-            </a:r>
-            <a:r>
-              <a:rPr lang="fr-FR" sz="1200" b="1" dirty="0">
-                <a:solidFill>
-                  <a:schemeClr val="accent6">
-                    <a:lumMod val="75000"/>
-                  </a:schemeClr>
-                </a:solidFill>
-              </a:rPr>
-              <a:t>https://fr.wikipedia.org/wiki/Go_(langage</a:t>
-            </a:r>
-            <a:r>
-              <a:rPr lang="fr-FR" sz="1200" b="1" dirty="0" smtClean="0">
-                <a:solidFill>
-                  <a:schemeClr val="accent6">
-                    <a:lumMod val="75000"/>
-                  </a:schemeClr>
-                </a:solidFill>
-              </a:rPr>
-              <a:t>)</a:t>
-            </a:r>
-          </a:p>
-          <a:p>
-            <a:r>
-              <a:rPr lang="fr-FR" sz="1200" b="1" dirty="0" smtClean="0">
-                <a:solidFill>
-                  <a:schemeClr val="accent6">
-                    <a:lumMod val="75000"/>
-                  </a:schemeClr>
-                </a:solidFill>
-                <a:hlinkClick r:id="rId6"/>
-              </a:rPr>
-              <a:t>The Go Programming Language </a:t>
-            </a:r>
-            <a:r>
-              <a:rPr lang="fr-FR" sz="1200" b="1" dirty="0" smtClean="0">
-                <a:solidFill>
-                  <a:schemeClr val="accent6">
-                    <a:lumMod val="75000"/>
-                  </a:schemeClr>
-                </a:solidFill>
-              </a:rPr>
-              <a:t>: Donovan, Kernigan</a:t>
-            </a:r>
-          </a:p>
-          <a:p>
-            <a:r>
-              <a:rPr lang="fr-FR" sz="1200" b="1" dirty="0" smtClean="0">
-                <a:solidFill>
-                  <a:schemeClr val="accent6">
-                    <a:lumMod val="75000"/>
-                  </a:schemeClr>
-                </a:solidFill>
-                <a:hlinkClick r:id="rId7"/>
-              </a:rPr>
-              <a:t>Goland IDE </a:t>
-            </a:r>
-            <a:r>
-              <a:rPr lang="fr-FR" sz="1200" b="1" dirty="0">
-                <a:solidFill>
-                  <a:schemeClr val="accent6">
-                    <a:lumMod val="75000"/>
-                  </a:schemeClr>
-                </a:solidFill>
-              </a:rPr>
-              <a:t>: </a:t>
-            </a:r>
-            <a:r>
-              <a:rPr lang="fr-FR" sz="1200" b="1" dirty="0">
-                <a:solidFill>
-                  <a:schemeClr val="accent6">
-                    <a:lumMod val="75000"/>
-                  </a:schemeClr>
-                </a:solidFill>
-                <a:hlinkClick r:id="rId7"/>
-              </a:rPr>
-              <a:t>https://www.jetbrains.com/go</a:t>
-            </a:r>
-            <a:r>
-              <a:rPr lang="fr-FR" sz="1200" b="1" dirty="0" smtClean="0">
-                <a:solidFill>
-                  <a:schemeClr val="accent6">
-                    <a:lumMod val="75000"/>
-                  </a:schemeClr>
-                </a:solidFill>
-                <a:hlinkClick r:id="rId7"/>
-              </a:rPr>
-              <a:t>/</a:t>
-            </a:r>
-            <a:endParaRPr lang="fr-FR" sz="1200" b="1" dirty="0" smtClean="0">
-              <a:solidFill>
-                <a:schemeClr val="accent6">
-                  <a:lumMod val="75000"/>
-                </a:schemeClr>
-              </a:solidFill>
-            </a:endParaRPr>
-          </a:p>
-          <a:p>
-            <a:endParaRPr lang="fr-FR" sz="1200" b="1" dirty="0">
-              <a:solidFill>
-                <a:schemeClr val="accent6">
-                  <a:lumMod val="75000"/>
-                </a:schemeClr>
-              </a:solidFill>
-            </a:endParaRPr>
-          </a:p>
-          <a:p>
-            <a:r>
-              <a:rPr lang="fr-FR" sz="1200" b="1" dirty="0" smtClean="0">
-                <a:solidFill>
-                  <a:schemeClr val="accent6">
-                    <a:lumMod val="75000"/>
-                  </a:schemeClr>
-                </a:solidFill>
-              </a:rPr>
-              <a:t>Gitlab </a:t>
-            </a:r>
-            <a:r>
-              <a:rPr lang="fr-FR" sz="1200" b="1" dirty="0" smtClean="0">
-                <a:solidFill>
-                  <a:schemeClr val="accent6">
-                    <a:lumMod val="75000"/>
-                  </a:schemeClr>
-                </a:solidFill>
-                <a:hlinkClick r:id="rId8"/>
-              </a:rPr>
-              <a:t>course</a:t>
-            </a:r>
-            <a:r>
-              <a:rPr lang="fr-FR" sz="1200" b="1" dirty="0" smtClean="0">
-                <a:solidFill>
-                  <a:schemeClr val="accent6">
-                    <a:lumMod val="75000"/>
-                  </a:schemeClr>
-                </a:solidFill>
-              </a:rPr>
-              <a:t> link</a:t>
-            </a:r>
-            <a:r>
-              <a:rPr lang="fr-FR" sz="1200" b="1" dirty="0">
-                <a:solidFill>
-                  <a:schemeClr val="accent6">
-                    <a:lumMod val="75000"/>
-                  </a:schemeClr>
-                </a:solidFill>
-              </a:rPr>
-              <a:t> : </a:t>
-            </a:r>
-            <a:r>
-              <a:rPr lang="fr-FR" sz="1200" b="1" dirty="0">
-                <a:solidFill>
-                  <a:schemeClr val="accent6">
-                    <a:lumMod val="75000"/>
-                  </a:schemeClr>
-                </a:solidFill>
-                <a:hlinkClick r:id="rId8"/>
-              </a:rPr>
-              <a:t>https://</a:t>
-            </a:r>
-            <a:r>
-              <a:rPr lang="fr-FR" sz="1200" b="1" dirty="0" smtClean="0">
-                <a:solidFill>
-                  <a:schemeClr val="accent6">
-                    <a:lumMod val="75000"/>
-                  </a:schemeClr>
-                </a:solidFill>
-                <a:hlinkClick r:id="rId8"/>
-              </a:rPr>
-              <a:t>gitlab.com/ThierryDecker/learning-go</a:t>
-            </a:r>
-            <a:endParaRPr lang="fr-FR" sz="1200" b="1" dirty="0" smtClean="0">
-              <a:solidFill>
-                <a:schemeClr val="accent6">
-                  <a:lumMod val="75000"/>
-                </a:schemeClr>
-              </a:solidFill>
-            </a:endParaRPr>
-          </a:p>
-          <a:p>
-            <a:r>
-              <a:rPr lang="fr-FR" sz="1200" b="1" dirty="0" smtClean="0">
-                <a:solidFill>
-                  <a:schemeClr val="accent6">
-                    <a:lumMod val="75000"/>
-                  </a:schemeClr>
-                </a:solidFill>
-                <a:hlinkClick r:id="rId9"/>
-              </a:rPr>
-              <a:t>Slice Tricks</a:t>
-            </a:r>
-            <a:r>
-              <a:rPr lang="fr-FR" sz="1200" b="1" dirty="0" smtClean="0">
-                <a:solidFill>
-                  <a:schemeClr val="accent6">
-                    <a:lumMod val="75000"/>
-                  </a:schemeClr>
-                </a:solidFill>
-              </a:rPr>
-              <a:t> : https</a:t>
-            </a:r>
-            <a:r>
-              <a:rPr lang="fr-FR" sz="1200" b="1" dirty="0">
-                <a:solidFill>
-                  <a:schemeClr val="accent6">
-                    <a:lumMod val="75000"/>
-                  </a:schemeClr>
-                </a:solidFill>
-              </a:rPr>
-              <a:t>://github.com/golang/go/wiki/SliceTricks</a:t>
-            </a:r>
           </a:p>
         </p:txBody>
       </p:sp>
     </p:spTree>
     <p:extLst>
       <p:ext uri="{BB962C8B-B14F-4D97-AF65-F5344CB8AC3E}">
-        <p14:creationId xmlns:p14="http://schemas.microsoft.com/office/powerpoint/2010/main" val="2478443664"/>
+        <p14:creationId xmlns:p14="http://schemas.microsoft.com/office/powerpoint/2010/main" val="1162174758"/>
+      </p:ext>
+    </p:extLst>
+  </p:cSld>
+  <p:clrMapOvr>
+    <a:masterClrMapping/>
+  </p:clrMapOvr>
+  <p:timing>
+    <p:tnLst>
+      <p:par>
+        <p:cTn id="1" dur="indefinite" restart="never" nodeType="tmRoot"/>
+      </p:par>
+    </p:tnLst>
+  </p:timing>
+</p:sld>
+</file>
+
+<file path=ppt/slides/slide69.xml><?xml version="1.0" encoding="utf-8"?>
+<p:sld xmlns:a="http://schemas.openxmlformats.org/drawingml/2006/main" xmlns:r="http://schemas.openxmlformats.org/officeDocument/2006/relationships" xmlns:p="http://schemas.openxmlformats.org/presentationml/2006/main">
+  <p:cSld>
+    <p:spTree>
+      <p:nvGrpSpPr>
+        <p:cNvPr id="1" name=""/>
+        <p:cNvGrpSpPr/>
+        <p:nvPr/>
+      </p:nvGrpSpPr>
+      <p:grpSpPr>
+        <a:xfrm>
+          <a:off x="0" y="0"/>
+          <a:ext cx="0" cy="0"/>
+          <a:chOff x="0" y="0"/>
+          <a:chExt cx="0" cy="0"/>
+        </a:xfrm>
+      </p:grpSpPr>
+      <p:sp>
+        <p:nvSpPr>
+          <p:cNvPr id="2" name="Titre 1"/>
+          <p:cNvSpPr>
+            <a:spLocks noGrp="1"/>
+          </p:cNvSpPr>
+          <p:nvPr>
+            <p:ph type="title"/>
+          </p:nvPr>
+        </p:nvSpPr>
+        <p:spPr>
+          <a:xfrm>
+            <a:off x="2592925" y="624110"/>
+            <a:ext cx="8911687" cy="1280890"/>
+          </a:xfrm>
+        </p:spPr>
+        <p:txBody>
+          <a:bodyPr/>
+          <a:lstStyle/>
+          <a:p>
+            <a:r>
+              <a:rPr lang="fr-FR" dirty="0" smtClean="0"/>
+              <a:t>Concurrence</a:t>
+            </a:r>
+            <a:endParaRPr lang="fr-FR" dirty="0"/>
+          </a:p>
+        </p:txBody>
+      </p:sp>
+      <p:sp>
+        <p:nvSpPr>
+          <p:cNvPr id="3" name="Espace réservé du contenu 2"/>
+          <p:cNvSpPr>
+            <a:spLocks noGrp="1"/>
+          </p:cNvSpPr>
+          <p:nvPr>
+            <p:ph idx="1"/>
+          </p:nvPr>
+        </p:nvSpPr>
+        <p:spPr>
+          <a:xfrm>
+            <a:off x="906448" y="1550505"/>
+            <a:ext cx="10598163" cy="4474738"/>
+          </a:xfrm>
+        </p:spPr>
+        <p:txBody>
+          <a:bodyPr anchor="ctr">
+            <a:normAutofit/>
+          </a:bodyPr>
+          <a:lstStyle/>
+          <a:p>
+            <a:pPr algn="just"/>
+            <a:r>
+              <a:rPr lang="fr-FR" dirty="0" smtClean="0">
+                <a:solidFill>
+                  <a:schemeClr val="tx1"/>
+                </a:solidFill>
+              </a:rPr>
+              <a:t>Les grands programmes sont souvent composés de "sous-programmes"</a:t>
+            </a:r>
+          </a:p>
+          <a:p>
+            <a:pPr algn="just"/>
+            <a:r>
+              <a:rPr lang="fr-FR" dirty="0" smtClean="0">
+                <a:solidFill>
+                  <a:schemeClr val="tx1"/>
+                </a:solidFill>
+              </a:rPr>
+              <a:t>Un serveur web, par exemple, gère les requêtes faites par des navigateurs et leur renvoie des pages HTML en réponse</a:t>
+            </a:r>
+          </a:p>
+          <a:p>
+            <a:pPr algn="just"/>
+            <a:r>
+              <a:rPr lang="fr-FR" dirty="0" smtClean="0">
+                <a:solidFill>
+                  <a:schemeClr val="tx1"/>
+                </a:solidFill>
+              </a:rPr>
+              <a:t>Chaque requête est gérée comme un petit programme</a:t>
+            </a:r>
+          </a:p>
+          <a:p>
+            <a:pPr algn="just"/>
+            <a:r>
+              <a:rPr lang="fr-FR" dirty="0" smtClean="0">
+                <a:solidFill>
+                  <a:schemeClr val="tx1"/>
+                </a:solidFill>
+              </a:rPr>
+              <a:t>Il serait idéal que chacun de ces programmes soient capables d'exécuter leur composants plus petits en même temps</a:t>
+            </a:r>
+          </a:p>
+          <a:p>
+            <a:pPr algn="just"/>
+            <a:r>
+              <a:rPr lang="fr-FR" dirty="0" smtClean="0">
+                <a:solidFill>
+                  <a:schemeClr val="tx1"/>
+                </a:solidFill>
+              </a:rPr>
+              <a:t>Progresser sur plus d'une tâche à la fois est connu sous le terme concurrence</a:t>
+            </a:r>
+          </a:p>
+          <a:p>
+            <a:pPr algn="just"/>
+            <a:r>
+              <a:rPr lang="fr-FR" dirty="0" smtClean="0">
+                <a:solidFill>
+                  <a:schemeClr val="tx1"/>
+                </a:solidFill>
+              </a:rPr>
+              <a:t>Go supporte nativement la concurrence en utilisant les "goroutines" et les "channels"</a:t>
+            </a:r>
+            <a:endParaRPr lang="fr-FR" dirty="0">
+              <a:solidFill>
+                <a:schemeClr val="accent6"/>
+              </a:solidFill>
+            </a:endParaRPr>
+          </a:p>
+        </p:txBody>
+      </p:sp>
+    </p:spTree>
+    <p:extLst>
+      <p:ext uri="{BB962C8B-B14F-4D97-AF65-F5344CB8AC3E}">
+        <p14:creationId xmlns:p14="http://schemas.microsoft.com/office/powerpoint/2010/main" val="3327305179"/>
       </p:ext>
     </p:extLst>
   </p:cSld>
@@ -24022,6 +23857,550 @@
     <p:extLst>
       <p:ext uri="{BB962C8B-B14F-4D97-AF65-F5344CB8AC3E}">
         <p14:creationId xmlns:p14="http://schemas.microsoft.com/office/powerpoint/2010/main" val="173054815"/>
+      </p:ext>
+    </p:extLst>
+  </p:cSld>
+  <p:clrMapOvr>
+    <a:masterClrMapping/>
+  </p:clrMapOvr>
+  <p:timing>
+    <p:tnLst>
+      <p:par>
+        <p:cTn id="1" dur="indefinite" restart="never" nodeType="tmRoot"/>
+      </p:par>
+    </p:tnLst>
+  </p:timing>
+</p:sld>
+</file>
+
+<file path=ppt/slides/slide70.xml><?xml version="1.0" encoding="utf-8"?>
+<p:sld xmlns:a="http://schemas.openxmlformats.org/drawingml/2006/main" xmlns:r="http://schemas.openxmlformats.org/officeDocument/2006/relationships" xmlns:p="http://schemas.openxmlformats.org/presentationml/2006/main">
+  <p:cSld>
+    <p:spTree>
+      <p:nvGrpSpPr>
+        <p:cNvPr id="1" name=""/>
+        <p:cNvGrpSpPr/>
+        <p:nvPr/>
+      </p:nvGrpSpPr>
+      <p:grpSpPr>
+        <a:xfrm>
+          <a:off x="0" y="0"/>
+          <a:ext cx="0" cy="0"/>
+          <a:chOff x="0" y="0"/>
+          <a:chExt cx="0" cy="0"/>
+        </a:xfrm>
+      </p:grpSpPr>
+      <p:sp>
+        <p:nvSpPr>
+          <p:cNvPr id="2" name="Titre 1"/>
+          <p:cNvSpPr>
+            <a:spLocks noGrp="1"/>
+          </p:cNvSpPr>
+          <p:nvPr>
+            <p:ph type="title"/>
+          </p:nvPr>
+        </p:nvSpPr>
+        <p:spPr>
+          <a:xfrm>
+            <a:off x="2592925" y="624110"/>
+            <a:ext cx="8911687" cy="1280890"/>
+          </a:xfrm>
+        </p:spPr>
+        <p:txBody>
+          <a:bodyPr/>
+          <a:lstStyle/>
+          <a:p>
+            <a:r>
+              <a:rPr lang="fr-FR" dirty="0" smtClean="0"/>
+              <a:t>Concurrence</a:t>
+            </a:r>
+            <a:endParaRPr lang="fr-FR" dirty="0"/>
+          </a:p>
+        </p:txBody>
+      </p:sp>
+      <p:pic>
+        <p:nvPicPr>
+          <p:cNvPr id="5" name="Image 4"/>
+          <p:cNvPicPr>
+            <a:picLocks noChangeAspect="1"/>
+          </p:cNvPicPr>
+          <p:nvPr/>
+        </p:nvPicPr>
+        <p:blipFill>
+          <a:blip r:embed="rId2"/>
+          <a:stretch>
+            <a:fillRect/>
+          </a:stretch>
+        </p:blipFill>
+        <p:spPr>
+          <a:xfrm>
+            <a:off x="1579245" y="1337642"/>
+            <a:ext cx="5010150" cy="5295900"/>
+          </a:xfrm>
+          <a:prstGeom prst="rect">
+            <a:avLst/>
+          </a:prstGeom>
+        </p:spPr>
+      </p:pic>
+      <p:pic>
+        <p:nvPicPr>
+          <p:cNvPr id="6" name="Image 5"/>
+          <p:cNvPicPr>
+            <a:picLocks noChangeAspect="1"/>
+          </p:cNvPicPr>
+          <p:nvPr/>
+        </p:nvPicPr>
+        <p:blipFill>
+          <a:blip r:embed="rId3"/>
+          <a:stretch>
+            <a:fillRect/>
+          </a:stretch>
+        </p:blipFill>
+        <p:spPr>
+          <a:xfrm>
+            <a:off x="8442007" y="2788381"/>
+            <a:ext cx="2257425" cy="2124075"/>
+          </a:xfrm>
+          <a:prstGeom prst="rect">
+            <a:avLst/>
+          </a:prstGeom>
+        </p:spPr>
+      </p:pic>
+    </p:spTree>
+    <p:extLst>
+      <p:ext uri="{BB962C8B-B14F-4D97-AF65-F5344CB8AC3E}">
+        <p14:creationId xmlns:p14="http://schemas.microsoft.com/office/powerpoint/2010/main" val="2002139948"/>
+      </p:ext>
+    </p:extLst>
+  </p:cSld>
+  <p:clrMapOvr>
+    <a:masterClrMapping/>
+  </p:clrMapOvr>
+  <p:timing>
+    <p:tnLst>
+      <p:par>
+        <p:cTn id="1" dur="indefinite" restart="never" nodeType="tmRoot"/>
+      </p:par>
+    </p:tnLst>
+  </p:timing>
+</p:sld>
+</file>
+
+<file path=ppt/slides/slide71.xml><?xml version="1.0" encoding="utf-8"?>
+<p:sld xmlns:a="http://schemas.openxmlformats.org/drawingml/2006/main" xmlns:r="http://schemas.openxmlformats.org/officeDocument/2006/relationships" xmlns:p="http://schemas.openxmlformats.org/presentationml/2006/main">
+  <p:cSld>
+    <p:spTree>
+      <p:nvGrpSpPr>
+        <p:cNvPr id="1" name=""/>
+        <p:cNvGrpSpPr/>
+        <p:nvPr/>
+      </p:nvGrpSpPr>
+      <p:grpSpPr>
+        <a:xfrm>
+          <a:off x="0" y="0"/>
+          <a:ext cx="0" cy="0"/>
+          <a:chOff x="0" y="0"/>
+          <a:chExt cx="0" cy="0"/>
+        </a:xfrm>
+      </p:grpSpPr>
+      <p:sp>
+        <p:nvSpPr>
+          <p:cNvPr id="2" name="Titre 1"/>
+          <p:cNvSpPr>
+            <a:spLocks noGrp="1"/>
+          </p:cNvSpPr>
+          <p:nvPr>
+            <p:ph type="title"/>
+          </p:nvPr>
+        </p:nvSpPr>
+        <p:spPr>
+          <a:xfrm>
+            <a:off x="2592925" y="624110"/>
+            <a:ext cx="8911687" cy="1280890"/>
+          </a:xfrm>
+        </p:spPr>
+        <p:txBody>
+          <a:bodyPr/>
+          <a:lstStyle/>
+          <a:p>
+            <a:r>
+              <a:rPr lang="fr-FR" dirty="0" smtClean="0"/>
+              <a:t>Références</a:t>
+            </a:r>
+            <a:endParaRPr lang="fr-FR" dirty="0"/>
+          </a:p>
+        </p:txBody>
+      </p:sp>
+      <p:sp>
+        <p:nvSpPr>
+          <p:cNvPr id="3" name="Espace réservé du contenu 2"/>
+          <p:cNvSpPr>
+            <a:spLocks noGrp="1"/>
+          </p:cNvSpPr>
+          <p:nvPr>
+            <p:ph idx="1"/>
+          </p:nvPr>
+        </p:nvSpPr>
+        <p:spPr/>
+        <p:txBody>
+          <a:bodyPr anchor="ctr">
+            <a:normAutofit/>
+          </a:bodyPr>
+          <a:lstStyle/>
+          <a:p>
+            <a:r>
+              <a:rPr lang="fr-FR" sz="1200" b="1" dirty="0" smtClean="0">
+                <a:solidFill>
+                  <a:schemeClr val="accent6">
+                    <a:lumMod val="75000"/>
+                  </a:schemeClr>
+                </a:solidFill>
+                <a:hlinkClick r:id="rId2"/>
+              </a:rPr>
+              <a:t>Golang Project </a:t>
+            </a:r>
+            <a:r>
+              <a:rPr lang="fr-FR" sz="1200" b="1" dirty="0" smtClean="0">
+                <a:solidFill>
+                  <a:schemeClr val="accent6">
+                    <a:lumMod val="75000"/>
+                  </a:schemeClr>
+                </a:solidFill>
+              </a:rPr>
+              <a:t>: https</a:t>
+            </a:r>
+            <a:r>
+              <a:rPr lang="fr-FR" sz="1200" b="1" dirty="0">
+                <a:solidFill>
+                  <a:schemeClr val="accent6">
+                    <a:lumMod val="75000"/>
+                  </a:schemeClr>
+                </a:solidFill>
+              </a:rPr>
+              <a:t>://golang.org</a:t>
+            </a:r>
+            <a:r>
+              <a:rPr lang="fr-FR" sz="1200" b="1" dirty="0" smtClean="0">
+                <a:solidFill>
+                  <a:schemeClr val="accent6">
+                    <a:lumMod val="75000"/>
+                  </a:schemeClr>
+                </a:solidFill>
+              </a:rPr>
+              <a:t>/</a:t>
+            </a:r>
+          </a:p>
+          <a:p>
+            <a:r>
+              <a:rPr lang="fr-FR" sz="1200" b="1" dirty="0" smtClean="0">
+                <a:solidFill>
+                  <a:schemeClr val="accent6">
+                    <a:lumMod val="75000"/>
+                  </a:schemeClr>
+                </a:solidFill>
+                <a:hlinkClick r:id="rId3"/>
+              </a:rPr>
+              <a:t>Goland-book.com</a:t>
+            </a:r>
+            <a:r>
+              <a:rPr lang="fr-FR" sz="1200" b="1" dirty="0" smtClean="0">
+                <a:solidFill>
+                  <a:schemeClr val="accent6">
+                    <a:lumMod val="75000"/>
+                  </a:schemeClr>
+                </a:solidFill>
+              </a:rPr>
+              <a:t> </a:t>
+            </a:r>
+            <a:r>
+              <a:rPr lang="fr-FR" sz="1200" b="1" dirty="0">
+                <a:solidFill>
+                  <a:schemeClr val="accent6">
+                    <a:lumMod val="75000"/>
+                  </a:schemeClr>
+                </a:solidFill>
+              </a:rPr>
+              <a:t>: https://www.golang-book.com/books/intro</a:t>
+            </a:r>
+            <a:endParaRPr lang="fr-FR" sz="1200" b="1" dirty="0" smtClean="0">
+              <a:solidFill>
+                <a:schemeClr val="accent6">
+                  <a:lumMod val="75000"/>
+                </a:schemeClr>
+              </a:solidFill>
+            </a:endParaRPr>
+          </a:p>
+          <a:p>
+            <a:r>
+              <a:rPr lang="fr-FR" sz="1200" b="1" dirty="0" smtClean="0">
+                <a:solidFill>
+                  <a:schemeClr val="accent6">
+                    <a:lumMod val="75000"/>
+                  </a:schemeClr>
+                </a:solidFill>
+                <a:hlinkClick r:id="rId4"/>
+              </a:rPr>
+              <a:t>Didier Gérard </a:t>
+            </a:r>
+            <a:r>
+              <a:rPr lang="fr-FR" sz="1200" b="1" dirty="0" smtClean="0">
+                <a:solidFill>
+                  <a:schemeClr val="accent6">
+                    <a:lumMod val="75000"/>
+                  </a:schemeClr>
+                </a:solidFill>
+              </a:rPr>
+              <a:t>: https</a:t>
+            </a:r>
+            <a:r>
+              <a:rPr lang="fr-FR" sz="1200" b="1" dirty="0">
+                <a:solidFill>
+                  <a:schemeClr val="accent6">
+                    <a:lumMod val="75000"/>
+                  </a:schemeClr>
+                </a:solidFill>
+              </a:rPr>
+              <a:t>://lemag.sfeir.com/pourquoi-golang/</a:t>
+            </a:r>
+          </a:p>
+          <a:p>
+            <a:r>
+              <a:rPr lang="fr-FR" sz="1200" b="1" dirty="0" smtClean="0">
+                <a:solidFill>
+                  <a:schemeClr val="accent6">
+                    <a:lumMod val="75000"/>
+                  </a:schemeClr>
+                </a:solidFill>
+                <a:hlinkClick r:id="rId5"/>
+              </a:rPr>
+              <a:t>Wikipédia</a:t>
+            </a:r>
+            <a:r>
+              <a:rPr lang="fr-FR" sz="1200" b="1" dirty="0" smtClean="0">
+                <a:solidFill>
+                  <a:schemeClr val="accent6">
+                    <a:lumMod val="75000"/>
+                  </a:schemeClr>
+                </a:solidFill>
+              </a:rPr>
+              <a:t> : </a:t>
+            </a:r>
+            <a:r>
+              <a:rPr lang="fr-FR" sz="1200" b="1" dirty="0">
+                <a:solidFill>
+                  <a:schemeClr val="accent6">
+                    <a:lumMod val="75000"/>
+                  </a:schemeClr>
+                </a:solidFill>
+              </a:rPr>
+              <a:t>https://fr.wikipedia.org/wiki/Go_(langage</a:t>
+            </a:r>
+            <a:r>
+              <a:rPr lang="fr-FR" sz="1200" b="1" dirty="0" smtClean="0">
+                <a:solidFill>
+                  <a:schemeClr val="accent6">
+                    <a:lumMod val="75000"/>
+                  </a:schemeClr>
+                </a:solidFill>
+              </a:rPr>
+              <a:t>)</a:t>
+            </a:r>
+          </a:p>
+          <a:p>
+            <a:r>
+              <a:rPr lang="fr-FR" sz="1200" b="1" dirty="0" smtClean="0">
+                <a:solidFill>
+                  <a:schemeClr val="accent6">
+                    <a:lumMod val="75000"/>
+                  </a:schemeClr>
+                </a:solidFill>
+                <a:hlinkClick r:id="rId6"/>
+              </a:rPr>
+              <a:t>The Go Programming Language </a:t>
+            </a:r>
+            <a:r>
+              <a:rPr lang="fr-FR" sz="1200" b="1" dirty="0" smtClean="0">
+                <a:solidFill>
+                  <a:schemeClr val="accent6">
+                    <a:lumMod val="75000"/>
+                  </a:schemeClr>
+                </a:solidFill>
+              </a:rPr>
+              <a:t>: Donovan, Kernigan</a:t>
+            </a:r>
+          </a:p>
+          <a:p>
+            <a:r>
+              <a:rPr lang="fr-FR" sz="1200" b="1" dirty="0" smtClean="0">
+                <a:solidFill>
+                  <a:schemeClr val="accent6">
+                    <a:lumMod val="75000"/>
+                  </a:schemeClr>
+                </a:solidFill>
+                <a:hlinkClick r:id="rId7"/>
+              </a:rPr>
+              <a:t>Goland IDE </a:t>
+            </a:r>
+            <a:r>
+              <a:rPr lang="fr-FR" sz="1200" b="1" dirty="0">
+                <a:solidFill>
+                  <a:schemeClr val="accent6">
+                    <a:lumMod val="75000"/>
+                  </a:schemeClr>
+                </a:solidFill>
+              </a:rPr>
+              <a:t>: </a:t>
+            </a:r>
+            <a:r>
+              <a:rPr lang="fr-FR" sz="1200" b="1" dirty="0">
+                <a:solidFill>
+                  <a:schemeClr val="accent6">
+                    <a:lumMod val="75000"/>
+                  </a:schemeClr>
+                </a:solidFill>
+                <a:hlinkClick r:id="rId7"/>
+              </a:rPr>
+              <a:t>https://www.jetbrains.com/go</a:t>
+            </a:r>
+            <a:r>
+              <a:rPr lang="fr-FR" sz="1200" b="1" dirty="0" smtClean="0">
+                <a:solidFill>
+                  <a:schemeClr val="accent6">
+                    <a:lumMod val="75000"/>
+                  </a:schemeClr>
+                </a:solidFill>
+                <a:hlinkClick r:id="rId7"/>
+              </a:rPr>
+              <a:t>/</a:t>
+            </a:r>
+            <a:endParaRPr lang="fr-FR" sz="1200" b="1" dirty="0" smtClean="0">
+              <a:solidFill>
+                <a:schemeClr val="accent6">
+                  <a:lumMod val="75000"/>
+                </a:schemeClr>
+              </a:solidFill>
+            </a:endParaRPr>
+          </a:p>
+          <a:p>
+            <a:endParaRPr lang="fr-FR" sz="1200" b="1" dirty="0">
+              <a:solidFill>
+                <a:schemeClr val="accent6">
+                  <a:lumMod val="75000"/>
+                </a:schemeClr>
+              </a:solidFill>
+            </a:endParaRPr>
+          </a:p>
+          <a:p>
+            <a:r>
+              <a:rPr lang="fr-FR" sz="1200" b="1" dirty="0" smtClean="0">
+                <a:solidFill>
+                  <a:schemeClr val="accent6">
+                    <a:lumMod val="75000"/>
+                  </a:schemeClr>
+                </a:solidFill>
+              </a:rPr>
+              <a:t>Gitlab </a:t>
+            </a:r>
+            <a:r>
+              <a:rPr lang="fr-FR" sz="1200" b="1" dirty="0" smtClean="0">
+                <a:solidFill>
+                  <a:schemeClr val="accent6">
+                    <a:lumMod val="75000"/>
+                  </a:schemeClr>
+                </a:solidFill>
+                <a:hlinkClick r:id="rId8"/>
+              </a:rPr>
+              <a:t>course</a:t>
+            </a:r>
+            <a:r>
+              <a:rPr lang="fr-FR" sz="1200" b="1" dirty="0" smtClean="0">
+                <a:solidFill>
+                  <a:schemeClr val="accent6">
+                    <a:lumMod val="75000"/>
+                  </a:schemeClr>
+                </a:solidFill>
+              </a:rPr>
+              <a:t> link</a:t>
+            </a:r>
+            <a:r>
+              <a:rPr lang="fr-FR" sz="1200" b="1" dirty="0">
+                <a:solidFill>
+                  <a:schemeClr val="accent6">
+                    <a:lumMod val="75000"/>
+                  </a:schemeClr>
+                </a:solidFill>
+              </a:rPr>
+              <a:t> : </a:t>
+            </a:r>
+            <a:r>
+              <a:rPr lang="fr-FR" sz="1200" b="1" dirty="0">
+                <a:solidFill>
+                  <a:schemeClr val="accent6">
+                    <a:lumMod val="75000"/>
+                  </a:schemeClr>
+                </a:solidFill>
+                <a:hlinkClick r:id="rId8"/>
+              </a:rPr>
+              <a:t>https://</a:t>
+            </a:r>
+            <a:r>
+              <a:rPr lang="fr-FR" sz="1200" b="1" dirty="0" smtClean="0">
+                <a:solidFill>
+                  <a:schemeClr val="accent6">
+                    <a:lumMod val="75000"/>
+                  </a:schemeClr>
+                </a:solidFill>
+                <a:hlinkClick r:id="rId8"/>
+              </a:rPr>
+              <a:t>gitlab.com/ThierryDecker/learning-go</a:t>
+            </a:r>
+            <a:endParaRPr lang="fr-FR" sz="1200" b="1" dirty="0" smtClean="0">
+              <a:solidFill>
+                <a:schemeClr val="accent6">
+                  <a:lumMod val="75000"/>
+                </a:schemeClr>
+              </a:solidFill>
+            </a:endParaRPr>
+          </a:p>
+          <a:p>
+            <a:r>
+              <a:rPr lang="fr-FR" sz="1200" b="1" dirty="0" smtClean="0">
+                <a:solidFill>
+                  <a:schemeClr val="accent6">
+                    <a:lumMod val="75000"/>
+                  </a:schemeClr>
+                </a:solidFill>
+                <a:hlinkClick r:id="rId9"/>
+              </a:rPr>
+              <a:t>Slice Tricks</a:t>
+            </a:r>
+            <a:r>
+              <a:rPr lang="fr-FR" sz="1200" b="1" dirty="0" smtClean="0">
+                <a:solidFill>
+                  <a:schemeClr val="accent6">
+                    <a:lumMod val="75000"/>
+                  </a:schemeClr>
+                </a:solidFill>
+              </a:rPr>
+              <a:t> : https</a:t>
+            </a:r>
+            <a:r>
+              <a:rPr lang="fr-FR" sz="1200" b="1" dirty="0">
+                <a:solidFill>
+                  <a:schemeClr val="accent6">
+                    <a:lumMod val="75000"/>
+                  </a:schemeClr>
+                </a:solidFill>
+              </a:rPr>
+              <a:t>://github.com/golang/go/wiki/SliceTricks</a:t>
+            </a:r>
+          </a:p>
+        </p:txBody>
+      </p:sp>
+    </p:spTree>
+    <p:extLst>
+      <p:ext uri="{BB962C8B-B14F-4D97-AF65-F5344CB8AC3E}">
+        <p14:creationId xmlns:p14="http://schemas.microsoft.com/office/powerpoint/2010/main" val="2478443664"/>
       </p:ext>
     </p:extLst>
   </p:cSld>

--- a/documentations/learning-go.pptx
+++ b/documentations/learning-go.pptx
@@ -5,7 +5,7 @@
     <p:sldMasterId id="2147483665" r:id="rId1"/>
   </p:sldMasterIdLst>
   <p:notesMasterIdLst>
-    <p:notesMasterId r:id="rId73"/>
+    <p:notesMasterId r:id="rId76"/>
   </p:notesMasterIdLst>
   <p:sldIdLst>
     <p:sldId id="256" r:id="rId2"/>
@@ -76,9 +76,12 @@
     <p:sldId id="323" r:id="rId67"/>
     <p:sldId id="324" r:id="rId68"/>
     <p:sldId id="325" r:id="rId69"/>
-    <p:sldId id="326" r:id="rId70"/>
-    <p:sldId id="327" r:id="rId71"/>
-    <p:sldId id="267" r:id="rId72"/>
+    <p:sldId id="328" r:id="rId70"/>
+    <p:sldId id="330" r:id="rId71"/>
+    <p:sldId id="329" r:id="rId72"/>
+    <p:sldId id="326" r:id="rId73"/>
+    <p:sldId id="327" r:id="rId74"/>
+    <p:sldId id="267" r:id="rId75"/>
   </p:sldIdLst>
   <p:sldSz cx="12192000" cy="6858000"/>
   <p:notesSz cx="6858000" cy="9144000"/>
@@ -267,7 +270,7 @@
           <a:p>
             <a:fld id="{ADCD2C08-3C00-4791-9388-3FB9A56F87F8}" type="datetimeFigureOut">
               <a:rPr lang="fr-FR" smtClean="0"/>
-              <a:t>08/01/2018</a:t>
+              <a:t>11/01/2018</a:t>
             </a:fld>
             <a:endParaRPr lang="fr-FR"/>
           </a:p>
@@ -807,7 +810,7 @@
           <a:p>
             <a:fld id="{CAB5D9F6-764D-45E8-BA35-322ECA954888}" type="datetime1">
               <a:rPr lang="en-US" smtClean="0"/>
-              <a:t>1/8/2018</a:t>
+              <a:t>1/11/2018</a:t>
             </a:fld>
             <a:endParaRPr lang="en-US" dirty="0"/>
           </a:p>
@@ -1147,7 +1150,7 @@
           <a:p>
             <a:fld id="{7E62AF45-EF0A-4378-934F-84EB6BC3D026}" type="datetime1">
               <a:rPr lang="en-US" smtClean="0"/>
-              <a:t>1/8/2018</a:t>
+              <a:t>1/11/2018</a:t>
             </a:fld>
             <a:endParaRPr lang="en-US" dirty="0"/>
           </a:p>
@@ -1549,7 +1552,7 @@
           <a:p>
             <a:fld id="{76D4023A-E694-4331-A23E-E1356D15A4BD}" type="datetime1">
               <a:rPr lang="en-US" smtClean="0"/>
-              <a:t>1/8/2018</a:t>
+              <a:t>1/11/2018</a:t>
             </a:fld>
             <a:endParaRPr lang="en-US" dirty="0"/>
           </a:p>
@@ -1886,7 +1889,7 @@
           <a:p>
             <a:fld id="{D6F2E77E-7F60-441B-806F-66DDB3F74163}" type="datetime1">
               <a:rPr lang="en-US" smtClean="0"/>
-              <a:t>1/8/2018</a:t>
+              <a:t>1/11/2018</a:t>
             </a:fld>
             <a:endParaRPr lang="en-US" dirty="0"/>
           </a:p>
@@ -2207,7 +2210,7 @@
           <a:p>
             <a:fld id="{266B8AF4-4A0E-4A4E-9660-2094B624C07D}" type="datetime1">
               <a:rPr lang="en-US" smtClean="0"/>
-              <a:t>1/8/2018</a:t>
+              <a:t>1/11/2018</a:t>
             </a:fld>
             <a:endParaRPr lang="en-US" dirty="0"/>
           </a:p>
@@ -2604,7 +2607,7 @@
           <a:p>
             <a:fld id="{CB2BF7E3-4C05-4502-A416-452E6496AE59}" type="datetime1">
               <a:rPr lang="en-US" smtClean="0"/>
-              <a:t>1/8/2018</a:t>
+              <a:t>1/11/2018</a:t>
             </a:fld>
             <a:endParaRPr lang="en-US" dirty="0"/>
           </a:p>
@@ -2862,7 +2865,7 @@
           <a:p>
             <a:fld id="{F6F8AC83-13D2-4813-AD1A-CAFB5DEDD213}" type="datetime1">
               <a:rPr lang="en-US" smtClean="0"/>
-              <a:t>1/8/2018</a:t>
+              <a:t>1/11/2018</a:t>
             </a:fld>
             <a:endParaRPr lang="en-US" dirty="0"/>
           </a:p>
@@ -3125,7 +3128,7 @@
           <a:p>
             <a:fld id="{74455543-85E2-46E2-A974-7ADB0844C12A}" type="datetime1">
               <a:rPr lang="en-US" smtClean="0"/>
-              <a:t>1/8/2018</a:t>
+              <a:t>1/11/2018</a:t>
             </a:fld>
             <a:endParaRPr lang="en-US" dirty="0"/>
           </a:p>
@@ -4237,7 +4240,7 @@
           <a:p>
             <a:fld id="{086CC522-5229-4E69-BBB2-D5F912967395}" type="datetime1">
               <a:rPr lang="en-US" smtClean="0"/>
-              <a:t>1/8/2018</a:t>
+              <a:t>1/11/2018</a:t>
             </a:fld>
             <a:endParaRPr lang="en-US" dirty="0"/>
           </a:p>
@@ -4556,7 +4559,7 @@
           <a:p>
             <a:fld id="{56B9B5DB-1D1A-42F8-93F0-BBA44C1CAF57}" type="datetime1">
               <a:rPr lang="en-US" smtClean="0"/>
-              <a:t>1/8/2018</a:t>
+              <a:t>1/11/2018</a:t>
             </a:fld>
             <a:endParaRPr lang="en-US" dirty="0"/>
           </a:p>
@@ -5014,7 +5017,7 @@
           <a:p>
             <a:fld id="{9A4E8950-D3FA-4365-B561-9EE5AC9B6B6C}" type="datetime1">
               <a:rPr lang="en-US" smtClean="0"/>
-              <a:t>1/8/2018</a:t>
+              <a:t>1/11/2018</a:t>
             </a:fld>
             <a:endParaRPr lang="en-US" dirty="0"/>
           </a:p>
@@ -5220,7 +5223,7 @@
           <a:p>
             <a:fld id="{20724122-C579-4659-8A06-81F42FC84005}" type="datetime1">
               <a:rPr lang="en-US" smtClean="0"/>
-              <a:t>1/8/2018</a:t>
+              <a:t>1/11/2018</a:t>
             </a:fld>
             <a:endParaRPr lang="en-US" dirty="0"/>
           </a:p>
@@ -5398,7 +5401,7 @@
           <a:p>
             <a:fld id="{E4C13383-9243-41F6-8072-8685ED9DD899}" type="datetime1">
               <a:rPr lang="en-US" smtClean="0"/>
-              <a:t>1/8/2018</a:t>
+              <a:t>1/11/2018</a:t>
             </a:fld>
             <a:endParaRPr lang="en-US" dirty="0"/>
           </a:p>
@@ -5732,7 +5735,7 @@
           <a:p>
             <a:fld id="{03F027E6-328C-49ED-AE4B-BD647A7E3EDE}" type="datetime1">
               <a:rPr lang="en-US" smtClean="0"/>
-              <a:t>1/8/2018</a:t>
+              <a:t>1/11/2018</a:t>
             </a:fld>
             <a:endParaRPr lang="en-US" dirty="0"/>
           </a:p>
@@ -6078,7 +6081,7 @@
           <a:p>
             <a:fld id="{6B498982-A325-4B29-8B06-CBC7789C234F}" type="datetime1">
               <a:rPr lang="en-US" smtClean="0"/>
-              <a:t>1/8/2018</a:t>
+              <a:t>1/11/2018</a:t>
             </a:fld>
             <a:endParaRPr lang="en-US" dirty="0"/>
           </a:p>
@@ -8196,7 +8199,7 @@
           <a:p>
             <a:fld id="{CAB5D9F6-764D-45E8-BA35-322ECA954888}" type="datetime1">
               <a:rPr lang="en-US" smtClean="0"/>
-              <a:t>1/8/2018</a:t>
+              <a:t>1/11/2018</a:t>
             </a:fld>
             <a:endParaRPr lang="en-US" dirty="0"/>
           </a:p>
@@ -23520,7 +23523,7 @@
         <p:spPr>
           <a:xfrm>
             <a:off x="906448" y="1550505"/>
-            <a:ext cx="10598163" cy="3299791"/>
+            <a:ext cx="10598163" cy="4810538"/>
           </a:xfrm>
         </p:spPr>
         <p:txBody>
@@ -23536,11 +23539,55 @@
                   <a:schemeClr val="tx1"/>
                 </a:solidFill>
               </a:rPr>
-              <a:t>,,,</a:t>
+              <a:t>Une interface est à la fois un ensemble de méthodes et un type</a:t>
+            </a:r>
+          </a:p>
+          <a:p>
+            <a:pPr algn="just"/>
+            <a:r>
+              <a:rPr lang="fr-FR" dirty="0" smtClean="0">
+                <a:solidFill>
+                  <a:schemeClr val="tx1"/>
+                </a:solidFill>
+              </a:rPr>
+              <a:t>Plutôt de construire les abstractions en fonction de la nature des informations que nos types peuvent gérer, nous construisons nos abstraction en fonction des actions que nos types peuvent effectuer</a:t>
+            </a:r>
+          </a:p>
+          <a:p>
+            <a:pPr algn="just"/>
+            <a:r>
+              <a:rPr lang="fr-FR" dirty="0" smtClean="0">
+                <a:solidFill>
+                  <a:schemeClr val="tx1"/>
+                </a:solidFill>
+              </a:rPr>
+              <a:t>Un enfant peut parler, un homme ou une femme peuvent parler</a:t>
+            </a:r>
+          </a:p>
+          <a:p>
+            <a:pPr algn="just"/>
+            <a:r>
+              <a:rPr lang="fr-FR" dirty="0" smtClean="0">
+                <a:solidFill>
+                  <a:schemeClr val="tx1"/>
+                </a:solidFill>
+              </a:rPr>
+              <a:t>L'interface "Humain" peut parler</a:t>
+            </a:r>
+          </a:p>
+          <a:p>
+            <a:pPr algn="just"/>
+            <a:r>
+              <a:rPr lang="fr-FR" dirty="0" smtClean="0">
+                <a:solidFill>
+                  <a:schemeClr val="tx1"/>
+                </a:solidFill>
+              </a:rPr>
+              <a:t>Toutes les entités pouvant parler seront du type "humain"</a:t>
             </a:r>
             <a:endParaRPr lang="fr-FR" dirty="0">
               <a:solidFill>
-                <a:schemeClr val="accent6"/>
+                <a:schemeClr val="tx1"/>
               </a:solidFill>
             </a:endParaRPr>
           </a:p>
@@ -23605,110 +23652,40 @@
           <a:p>
             <a:r>
               <a:rPr lang="fr-FR" dirty="0" smtClean="0"/>
-              <a:t>Concurrence</a:t>
+              <a:t>Interfaces</a:t>
             </a:r>
             <a:endParaRPr lang="fr-FR" dirty="0"/>
           </a:p>
         </p:txBody>
       </p:sp>
-      <p:sp>
-        <p:nvSpPr>
-          <p:cNvPr id="3" name="Espace réservé du contenu 2"/>
-          <p:cNvSpPr>
-            <a:spLocks noGrp="1"/>
-          </p:cNvSpPr>
-          <p:nvPr>
-            <p:ph idx="1"/>
-          </p:nvPr>
-        </p:nvSpPr>
-        <p:spPr>
-          <a:xfrm>
-            <a:off x="906448" y="1550505"/>
-            <a:ext cx="10598163" cy="4474738"/>
-          </a:xfrm>
-        </p:spPr>
-        <p:txBody>
-          <a:bodyPr anchor="ctr">
-            <a:normAutofit/>
-          </a:bodyPr>
-          <a:lstStyle/>
-          <a:p>
-            <a:pPr algn="just"/>
-            <a:r>
-              <a:rPr lang="fr-FR" dirty="0" smtClean="0">
-                <a:solidFill>
-                  <a:schemeClr val="tx1"/>
-                </a:solidFill>
-              </a:rPr>
-              <a:t>Les grands programmes sont souvent composés de "sous-programmes"</a:t>
-            </a:r>
-          </a:p>
-          <a:p>
-            <a:pPr algn="just"/>
-            <a:r>
-              <a:rPr lang="fr-FR" dirty="0" smtClean="0">
-                <a:solidFill>
-                  <a:schemeClr val="tx1"/>
-                </a:solidFill>
-              </a:rPr>
-              <a:t>Un serveur web, par exemple, gère les requêtes faites par des navigateurs et leur renvoie des pages HTML en réponse</a:t>
-            </a:r>
-          </a:p>
-          <a:p>
-            <a:pPr algn="just"/>
-            <a:r>
-              <a:rPr lang="fr-FR" dirty="0" smtClean="0">
-                <a:solidFill>
-                  <a:schemeClr val="tx1"/>
-                </a:solidFill>
-              </a:rPr>
-              <a:t>Chaque requête est gérée comme un petit programme</a:t>
-            </a:r>
-          </a:p>
-          <a:p>
-            <a:pPr algn="just"/>
-            <a:r>
-              <a:rPr lang="fr-FR" dirty="0" smtClean="0">
-                <a:solidFill>
-                  <a:schemeClr val="tx1"/>
-                </a:solidFill>
-              </a:rPr>
-              <a:t>Il serait idéal que chacun de ces programmes soient capables d'exécuter leur composants plus petits en même temps</a:t>
-            </a:r>
-          </a:p>
-          <a:p>
-            <a:pPr algn="just"/>
-            <a:r>
-              <a:rPr lang="fr-FR" dirty="0" smtClean="0">
-                <a:solidFill>
-                  <a:schemeClr val="tx1"/>
-                </a:solidFill>
-              </a:rPr>
-              <a:t>Progresser sur plus d'une tâche à la fois est connu sous le terme concurrence</a:t>
-            </a:r>
-          </a:p>
-          <a:p>
-            <a:pPr algn="just"/>
-            <a:r>
-              <a:rPr lang="fr-FR" dirty="0" smtClean="0">
-                <a:solidFill>
-                  <a:schemeClr val="tx1"/>
-                </a:solidFill>
-              </a:rPr>
-              <a:t>Go supporte nativement la concurrence en utilisant les "goroutines" et les "channels"</a:t>
-            </a:r>
-            <a:endParaRPr lang="fr-FR" dirty="0">
-              <a:solidFill>
-                <a:schemeClr val="accent6"/>
-              </a:solidFill>
-            </a:endParaRPr>
-          </a:p>
-        </p:txBody>
-      </p:sp>
+      <p:pic>
+        <p:nvPicPr>
+          <p:cNvPr id="8" name="Image 7"/>
+          <p:cNvPicPr>
+            <a:picLocks noChangeAspect="1"/>
+          </p:cNvPicPr>
+          <p:nvPr/>
+        </p:nvPicPr>
+        <p:blipFill>
+          <a:blip r:embed="rId2"/>
+          <a:stretch>
+            <a:fillRect/>
+          </a:stretch>
+        </p:blipFill>
+        <p:spPr>
+          <a:xfrm>
+            <a:off x="3865035" y="1526650"/>
+            <a:ext cx="4630974" cy="5017604"/>
+          </a:xfrm>
+          <a:prstGeom prst="rect">
+            <a:avLst/>
+          </a:prstGeom>
+        </p:spPr>
+      </p:pic>
     </p:spTree>
     <p:extLst>
       <p:ext uri="{BB962C8B-B14F-4D97-AF65-F5344CB8AC3E}">
-        <p14:creationId xmlns:p14="http://schemas.microsoft.com/office/powerpoint/2010/main" val="3327305179"/>
+        <p14:creationId xmlns:p14="http://schemas.microsoft.com/office/powerpoint/2010/main" val="463791797"/>
       </p:ext>
     </p:extLst>
   </p:cSld>
@@ -23912,6 +23889,367 @@
           <a:p>
             <a:r>
               <a:rPr lang="fr-FR" dirty="0" smtClean="0"/>
+              <a:t>Interfaces</a:t>
+            </a:r>
+            <a:endParaRPr lang="fr-FR" dirty="0"/>
+          </a:p>
+        </p:txBody>
+      </p:sp>
+      <p:pic>
+        <p:nvPicPr>
+          <p:cNvPr id="7" name="Image 6"/>
+          <p:cNvPicPr>
+            <a:picLocks noChangeAspect="1"/>
+          </p:cNvPicPr>
+          <p:nvPr/>
+        </p:nvPicPr>
+        <p:blipFill>
+          <a:blip r:embed="rId2"/>
+          <a:stretch>
+            <a:fillRect/>
+          </a:stretch>
+        </p:blipFill>
+        <p:spPr>
+          <a:xfrm>
+            <a:off x="5339462" y="822892"/>
+            <a:ext cx="4117747" cy="5808428"/>
+          </a:xfrm>
+          <a:prstGeom prst="rect">
+            <a:avLst/>
+          </a:prstGeom>
+        </p:spPr>
+      </p:pic>
+    </p:spTree>
+    <p:extLst>
+      <p:ext uri="{BB962C8B-B14F-4D97-AF65-F5344CB8AC3E}">
+        <p14:creationId xmlns:p14="http://schemas.microsoft.com/office/powerpoint/2010/main" val="1212506243"/>
+      </p:ext>
+    </p:extLst>
+  </p:cSld>
+  <p:clrMapOvr>
+    <a:masterClrMapping/>
+  </p:clrMapOvr>
+  <p:timing>
+    <p:tnLst>
+      <p:par>
+        <p:cTn id="1" dur="indefinite" restart="never" nodeType="tmRoot"/>
+      </p:par>
+    </p:tnLst>
+  </p:timing>
+</p:sld>
+</file>
+
+<file path=ppt/slides/slide71.xml><?xml version="1.0" encoding="utf-8"?>
+<p:sld xmlns:a="http://schemas.openxmlformats.org/drawingml/2006/main" xmlns:r="http://schemas.openxmlformats.org/officeDocument/2006/relationships" xmlns:p="http://schemas.openxmlformats.org/presentationml/2006/main">
+  <p:cSld>
+    <p:spTree>
+      <p:nvGrpSpPr>
+        <p:cNvPr id="1" name=""/>
+        <p:cNvGrpSpPr/>
+        <p:nvPr/>
+      </p:nvGrpSpPr>
+      <p:grpSpPr>
+        <a:xfrm>
+          <a:off x="0" y="0"/>
+          <a:ext cx="0" cy="0"/>
+          <a:chOff x="0" y="0"/>
+          <a:chExt cx="0" cy="0"/>
+        </a:xfrm>
+      </p:grpSpPr>
+      <p:sp>
+        <p:nvSpPr>
+          <p:cNvPr id="2" name="Titre 1"/>
+          <p:cNvSpPr>
+            <a:spLocks noGrp="1"/>
+          </p:cNvSpPr>
+          <p:nvPr>
+            <p:ph type="title"/>
+          </p:nvPr>
+        </p:nvSpPr>
+        <p:spPr>
+          <a:xfrm>
+            <a:off x="2592925" y="624110"/>
+            <a:ext cx="8911687" cy="1280890"/>
+          </a:xfrm>
+        </p:spPr>
+        <p:txBody>
+          <a:bodyPr/>
+          <a:lstStyle/>
+          <a:p>
+            <a:r>
+              <a:rPr lang="fr-FR" dirty="0" smtClean="0"/>
+              <a:t>Interfaces</a:t>
+            </a:r>
+            <a:endParaRPr lang="fr-FR" dirty="0"/>
+          </a:p>
+        </p:txBody>
+      </p:sp>
+      <p:pic>
+        <p:nvPicPr>
+          <p:cNvPr id="5" name="Image 4"/>
+          <p:cNvPicPr>
+            <a:picLocks noChangeAspect="1"/>
+          </p:cNvPicPr>
+          <p:nvPr/>
+        </p:nvPicPr>
+        <p:blipFill>
+          <a:blip r:embed="rId2"/>
+          <a:stretch>
+            <a:fillRect/>
+          </a:stretch>
+        </p:blipFill>
+        <p:spPr>
+          <a:xfrm>
+            <a:off x="2231070" y="1841994"/>
+            <a:ext cx="4715726" cy="3668467"/>
+          </a:xfrm>
+          <a:prstGeom prst="rect">
+            <a:avLst/>
+          </a:prstGeom>
+        </p:spPr>
+      </p:pic>
+      <p:pic>
+        <p:nvPicPr>
+          <p:cNvPr id="6" name="Image 5"/>
+          <p:cNvPicPr>
+            <a:picLocks noChangeAspect="1"/>
+          </p:cNvPicPr>
+          <p:nvPr/>
+        </p:nvPicPr>
+        <p:blipFill>
+          <a:blip r:embed="rId3"/>
+          <a:stretch>
+            <a:fillRect/>
+          </a:stretch>
+        </p:blipFill>
+        <p:spPr>
+          <a:xfrm>
+            <a:off x="7530449" y="270344"/>
+            <a:ext cx="2706001" cy="6118528"/>
+          </a:xfrm>
+          <a:prstGeom prst="rect">
+            <a:avLst/>
+          </a:prstGeom>
+        </p:spPr>
+      </p:pic>
+    </p:spTree>
+    <p:extLst>
+      <p:ext uri="{BB962C8B-B14F-4D97-AF65-F5344CB8AC3E}">
+        <p14:creationId xmlns:p14="http://schemas.microsoft.com/office/powerpoint/2010/main" val="2232831457"/>
+      </p:ext>
+    </p:extLst>
+  </p:cSld>
+  <p:clrMapOvr>
+    <a:masterClrMapping/>
+  </p:clrMapOvr>
+  <p:timing>
+    <p:tnLst>
+      <p:par>
+        <p:cTn id="1" dur="indefinite" restart="never" nodeType="tmRoot"/>
+      </p:par>
+    </p:tnLst>
+  </p:timing>
+</p:sld>
+</file>
+
+<file path=ppt/slides/slide72.xml><?xml version="1.0" encoding="utf-8"?>
+<p:sld xmlns:a="http://schemas.openxmlformats.org/drawingml/2006/main" xmlns:r="http://schemas.openxmlformats.org/officeDocument/2006/relationships" xmlns:p="http://schemas.openxmlformats.org/presentationml/2006/main">
+  <p:cSld>
+    <p:spTree>
+      <p:nvGrpSpPr>
+        <p:cNvPr id="1" name=""/>
+        <p:cNvGrpSpPr/>
+        <p:nvPr/>
+      </p:nvGrpSpPr>
+      <p:grpSpPr>
+        <a:xfrm>
+          <a:off x="0" y="0"/>
+          <a:ext cx="0" cy="0"/>
+          <a:chOff x="0" y="0"/>
+          <a:chExt cx="0" cy="0"/>
+        </a:xfrm>
+      </p:grpSpPr>
+      <p:sp>
+        <p:nvSpPr>
+          <p:cNvPr id="2" name="Titre 1"/>
+          <p:cNvSpPr>
+            <a:spLocks noGrp="1"/>
+          </p:cNvSpPr>
+          <p:nvPr>
+            <p:ph type="title"/>
+          </p:nvPr>
+        </p:nvSpPr>
+        <p:spPr>
+          <a:xfrm>
+            <a:off x="2592925" y="624110"/>
+            <a:ext cx="8911687" cy="1280890"/>
+          </a:xfrm>
+        </p:spPr>
+        <p:txBody>
+          <a:bodyPr/>
+          <a:lstStyle/>
+          <a:p>
+            <a:r>
+              <a:rPr lang="fr-FR" dirty="0" smtClean="0"/>
+              <a:t>Concurrence</a:t>
+            </a:r>
+            <a:endParaRPr lang="fr-FR" dirty="0"/>
+          </a:p>
+        </p:txBody>
+      </p:sp>
+      <p:sp>
+        <p:nvSpPr>
+          <p:cNvPr id="3" name="Espace réservé du contenu 2"/>
+          <p:cNvSpPr>
+            <a:spLocks noGrp="1"/>
+          </p:cNvSpPr>
+          <p:nvPr>
+            <p:ph idx="1"/>
+          </p:nvPr>
+        </p:nvSpPr>
+        <p:spPr>
+          <a:xfrm>
+            <a:off x="906448" y="1550505"/>
+            <a:ext cx="10598163" cy="4474738"/>
+          </a:xfrm>
+        </p:spPr>
+        <p:txBody>
+          <a:bodyPr anchor="ctr">
+            <a:normAutofit/>
+          </a:bodyPr>
+          <a:lstStyle/>
+          <a:p>
+            <a:pPr algn="just"/>
+            <a:r>
+              <a:rPr lang="fr-FR" dirty="0" smtClean="0">
+                <a:solidFill>
+                  <a:schemeClr val="tx1"/>
+                </a:solidFill>
+              </a:rPr>
+              <a:t>Les grands programmes sont souvent composés de "sous-programmes"</a:t>
+            </a:r>
+          </a:p>
+          <a:p>
+            <a:pPr algn="just"/>
+            <a:r>
+              <a:rPr lang="fr-FR" dirty="0" smtClean="0">
+                <a:solidFill>
+                  <a:schemeClr val="tx1"/>
+                </a:solidFill>
+              </a:rPr>
+              <a:t>Un serveur web, par exemple, gère les requêtes faites par des navigateurs et leur renvoie des pages HTML en réponse</a:t>
+            </a:r>
+          </a:p>
+          <a:p>
+            <a:pPr algn="just"/>
+            <a:r>
+              <a:rPr lang="fr-FR" dirty="0" smtClean="0">
+                <a:solidFill>
+                  <a:schemeClr val="tx1"/>
+                </a:solidFill>
+              </a:rPr>
+              <a:t>Chaque requête est gérée comme un petit programme</a:t>
+            </a:r>
+          </a:p>
+          <a:p>
+            <a:pPr algn="just"/>
+            <a:r>
+              <a:rPr lang="fr-FR" dirty="0" smtClean="0">
+                <a:solidFill>
+                  <a:schemeClr val="tx1"/>
+                </a:solidFill>
+              </a:rPr>
+              <a:t>Il serait idéal que chacun de ces programmes soient capables d'exécuter leur composants plus petits en même temps</a:t>
+            </a:r>
+          </a:p>
+          <a:p>
+            <a:pPr algn="just"/>
+            <a:r>
+              <a:rPr lang="fr-FR" dirty="0" smtClean="0">
+                <a:solidFill>
+                  <a:schemeClr val="tx1"/>
+                </a:solidFill>
+              </a:rPr>
+              <a:t>Progresser sur plus d'une tâche à la fois est connu sous le terme concurrence</a:t>
+            </a:r>
+          </a:p>
+          <a:p>
+            <a:pPr algn="just"/>
+            <a:r>
+              <a:rPr lang="fr-FR" dirty="0" smtClean="0">
+                <a:solidFill>
+                  <a:schemeClr val="tx1"/>
+                </a:solidFill>
+              </a:rPr>
+              <a:t>Go supporte nativement la concurrence en utilisant les "goroutines" et les "channels"</a:t>
+            </a:r>
+            <a:endParaRPr lang="fr-FR" dirty="0">
+              <a:solidFill>
+                <a:schemeClr val="accent6"/>
+              </a:solidFill>
+            </a:endParaRPr>
+          </a:p>
+        </p:txBody>
+      </p:sp>
+    </p:spTree>
+    <p:extLst>
+      <p:ext uri="{BB962C8B-B14F-4D97-AF65-F5344CB8AC3E}">
+        <p14:creationId xmlns:p14="http://schemas.microsoft.com/office/powerpoint/2010/main" val="3327305179"/>
+      </p:ext>
+    </p:extLst>
+  </p:cSld>
+  <p:clrMapOvr>
+    <a:masterClrMapping/>
+  </p:clrMapOvr>
+  <p:timing>
+    <p:tnLst>
+      <p:par>
+        <p:cTn id="1" dur="indefinite" restart="never" nodeType="tmRoot"/>
+      </p:par>
+    </p:tnLst>
+  </p:timing>
+</p:sld>
+</file>
+
+<file path=ppt/slides/slide73.xml><?xml version="1.0" encoding="utf-8"?>
+<p:sld xmlns:a="http://schemas.openxmlformats.org/drawingml/2006/main" xmlns:r="http://schemas.openxmlformats.org/officeDocument/2006/relationships" xmlns:p="http://schemas.openxmlformats.org/presentationml/2006/main">
+  <p:cSld>
+    <p:spTree>
+      <p:nvGrpSpPr>
+        <p:cNvPr id="1" name=""/>
+        <p:cNvGrpSpPr/>
+        <p:nvPr/>
+      </p:nvGrpSpPr>
+      <p:grpSpPr>
+        <a:xfrm>
+          <a:off x="0" y="0"/>
+          <a:ext cx="0" cy="0"/>
+          <a:chOff x="0" y="0"/>
+          <a:chExt cx="0" cy="0"/>
+        </a:xfrm>
+      </p:grpSpPr>
+      <p:sp>
+        <p:nvSpPr>
+          <p:cNvPr id="2" name="Titre 1"/>
+          <p:cNvSpPr>
+            <a:spLocks noGrp="1"/>
+          </p:cNvSpPr>
+          <p:nvPr>
+            <p:ph type="title"/>
+          </p:nvPr>
+        </p:nvSpPr>
+        <p:spPr>
+          <a:xfrm>
+            <a:off x="2592925" y="624110"/>
+            <a:ext cx="8911687" cy="1280890"/>
+          </a:xfrm>
+        </p:spPr>
+        <p:txBody>
+          <a:bodyPr/>
+          <a:lstStyle/>
+          <a:p>
+            <a:r>
+              <a:rPr lang="fr-FR" dirty="0" smtClean="0"/>
               <a:t>Concurrence</a:t>
             </a:r>
             <a:endParaRPr lang="fr-FR" dirty="0"/>
@@ -23986,7 +24324,7 @@
 </p:sld>
 </file>
 
-<file path=ppt/slides/slide71.xml><?xml version="1.0" encoding="utf-8"?>
+<file path=ppt/slides/slide74.xml><?xml version="1.0" encoding="utf-8"?>
 <p:sld xmlns:a="http://schemas.openxmlformats.org/drawingml/2006/main" xmlns:r="http://schemas.openxmlformats.org/officeDocument/2006/relationships" xmlns:p="http://schemas.openxmlformats.org/presentationml/2006/main">
   <p:cSld>
     <p:spTree>

--- a/documentations/learning-go.pptx
+++ b/documentations/learning-go.pptx
@@ -23550,7 +23550,23 @@
                   <a:schemeClr val="tx1"/>
                 </a:solidFill>
               </a:rPr>
-              <a:t>Plutôt de construire les abstractions en fonction de la nature des informations que nos types peuvent gérer, nous construisons nos abstraction en fonction des actions que nos types peuvent effectuer</a:t>
+              <a:t>Plutôt de construire les abstractions en fonction de la nature des informations que nos types peuvent gérer, nous construisons nos </a:t>
+            </a:r>
+            <a:r>
+              <a:rPr lang="fr-FR" dirty="0" smtClean="0">
+                <a:solidFill>
+                  <a:schemeClr val="tx1"/>
+                </a:solidFill>
+              </a:rPr>
+              <a:t>abstractions </a:t>
+            </a:r>
+            <a:r>
+              <a:rPr lang="fr-FR" dirty="0" smtClean="0">
+                <a:solidFill>
+                  <a:schemeClr val="tx1"/>
+                </a:solidFill>
+              </a:rPr>
+              <a:t>en fonction des actions que nos types peuvent effectuer</a:t>
             </a:r>
           </a:p>
           <a:p>

--- a/documentations/learning-go.pptx
+++ b/documentations/learning-go.pptx
@@ -5,7 +5,7 @@
     <p:sldMasterId id="2147483665" r:id="rId1"/>
   </p:sldMasterIdLst>
   <p:notesMasterIdLst>
-    <p:notesMasterId r:id="rId76"/>
+    <p:notesMasterId r:id="rId79"/>
   </p:notesMasterIdLst>
   <p:sldIdLst>
     <p:sldId id="256" r:id="rId2"/>
@@ -81,7 +81,10 @@
     <p:sldId id="329" r:id="rId72"/>
     <p:sldId id="326" r:id="rId73"/>
     <p:sldId id="327" r:id="rId74"/>
-    <p:sldId id="267" r:id="rId75"/>
+    <p:sldId id="331" r:id="rId75"/>
+    <p:sldId id="332" r:id="rId76"/>
+    <p:sldId id="333" r:id="rId77"/>
+    <p:sldId id="267" r:id="rId78"/>
   </p:sldIdLst>
   <p:sldSz cx="12192000" cy="6858000"/>
   <p:notesSz cx="6858000" cy="9144000"/>
@@ -23550,23 +23553,7 @@
                   <a:schemeClr val="tx1"/>
                 </a:solidFill>
               </a:rPr>
-              <a:t>Plutôt de construire les abstractions en fonction de la nature des informations que nos types peuvent gérer, nous construisons nos </a:t>
-            </a:r>
-            <a:r>
-              <a:rPr lang="fr-FR" dirty="0" smtClean="0">
-                <a:solidFill>
-                  <a:schemeClr val="tx1"/>
-                </a:solidFill>
-              </a:rPr>
-              <a:t>abstractions </a:t>
-            </a:r>
-            <a:r>
-              <a:rPr lang="fr-FR" dirty="0" smtClean="0">
-                <a:solidFill>
-                  <a:schemeClr val="tx1"/>
-                </a:solidFill>
-              </a:rPr>
-              <a:t>en fonction des actions que nos types peuvent effectuer</a:t>
+              <a:t>Plutôt de construire les abstractions en fonction de la nature des informations que nos types peuvent gérer, nous construisons nos abstractions en fonction des actions que nos types peuvent effectuer</a:t>
             </a:r>
           </a:p>
           <a:p>
@@ -24107,7 +24094,7 @@
           <a:p>
             <a:r>
               <a:rPr lang="fr-FR" dirty="0" smtClean="0"/>
-              <a:t>Concurrence</a:t>
+              <a:t>Goroutines</a:t>
             </a:r>
             <a:endParaRPr lang="fr-FR" dirty="0"/>
           </a:p>
@@ -24266,7 +24253,7 @@
           <a:p>
             <a:r>
               <a:rPr lang="fr-FR" dirty="0" smtClean="0"/>
-              <a:t>Concurrence</a:t>
+              <a:t>Goroutines</a:t>
             </a:r>
             <a:endParaRPr lang="fr-FR" dirty="0"/>
           </a:p>
@@ -24341,6 +24328,526 @@
 </file>
 
 <file path=ppt/slides/slide74.xml><?xml version="1.0" encoding="utf-8"?>
+<p:sld xmlns:a="http://schemas.openxmlformats.org/drawingml/2006/main" xmlns:r="http://schemas.openxmlformats.org/officeDocument/2006/relationships" xmlns:p="http://schemas.openxmlformats.org/presentationml/2006/main">
+  <p:cSld>
+    <p:spTree>
+      <p:nvGrpSpPr>
+        <p:cNvPr id="1" name=""/>
+        <p:cNvGrpSpPr/>
+        <p:nvPr/>
+      </p:nvGrpSpPr>
+      <p:grpSpPr>
+        <a:xfrm>
+          <a:off x="0" y="0"/>
+          <a:ext cx="0" cy="0"/>
+          <a:chOff x="0" y="0"/>
+          <a:chExt cx="0" cy="0"/>
+        </a:xfrm>
+      </p:grpSpPr>
+      <p:sp>
+        <p:nvSpPr>
+          <p:cNvPr id="2" name="Titre 1"/>
+          <p:cNvSpPr>
+            <a:spLocks noGrp="1"/>
+          </p:cNvSpPr>
+          <p:nvPr>
+            <p:ph type="title"/>
+          </p:nvPr>
+        </p:nvSpPr>
+        <p:spPr>
+          <a:xfrm>
+            <a:off x="2592925" y="624110"/>
+            <a:ext cx="8911687" cy="1280890"/>
+          </a:xfrm>
+        </p:spPr>
+        <p:txBody>
+          <a:bodyPr/>
+          <a:lstStyle/>
+          <a:p>
+            <a:r>
+              <a:rPr lang="fr-FR" dirty="0" smtClean="0"/>
+              <a:t>Channels</a:t>
+            </a:r>
+            <a:endParaRPr lang="fr-FR" dirty="0"/>
+          </a:p>
+        </p:txBody>
+      </p:sp>
+      <p:sp>
+        <p:nvSpPr>
+          <p:cNvPr id="7" name="Espace réservé du contenu 2"/>
+          <p:cNvSpPr>
+            <a:spLocks noGrp="1"/>
+          </p:cNvSpPr>
+          <p:nvPr>
+            <p:ph idx="1"/>
+          </p:nvPr>
+        </p:nvSpPr>
+        <p:spPr>
+          <a:xfrm>
+            <a:off x="906448" y="1550505"/>
+            <a:ext cx="10598163" cy="4474738"/>
+          </a:xfrm>
+        </p:spPr>
+        <p:txBody>
+          <a:bodyPr anchor="ctr">
+            <a:normAutofit/>
+          </a:bodyPr>
+          <a:lstStyle/>
+          <a:p>
+            <a:pPr algn="just"/>
+            <a:r>
+              <a:rPr lang="fr-FR" dirty="0" smtClean="0">
+                <a:solidFill>
+                  <a:schemeClr val="tx1"/>
+                </a:solidFill>
+              </a:rPr>
+              <a:t>Les </a:t>
+            </a:r>
+            <a:r>
+              <a:rPr lang="fr-FR" dirty="0" smtClean="0">
+                <a:solidFill>
+                  <a:schemeClr val="tx1"/>
+                </a:solidFill>
+              </a:rPr>
+              <a:t>channels (canaux) fournissent un moyen de communiquer entre deux Goroutine et de synchroniser leur exécution</a:t>
+            </a:r>
+          </a:p>
+          <a:p>
+            <a:pPr algn="just"/>
+            <a:r>
+              <a:rPr lang="fr-FR" dirty="0" smtClean="0">
+                <a:solidFill>
+                  <a:schemeClr val="tx1"/>
+                </a:solidFill>
+              </a:rPr>
+              <a:t>Un type channel est représenté par le mot-clé channel suivi du type de donnée qui circulent dans le canal</a:t>
+            </a:r>
+          </a:p>
+          <a:p>
+            <a:pPr algn="just"/>
+            <a:r>
+              <a:rPr lang="fr-FR" dirty="0" smtClean="0">
+                <a:solidFill>
+                  <a:schemeClr val="tx1"/>
+                </a:solidFill>
+              </a:rPr>
+              <a:t>Le symbole "&lt;-" est utilisé pour envoyer et recevoir des données dans le canal</a:t>
+            </a:r>
+          </a:p>
+          <a:p>
+            <a:pPr algn="just"/>
+            <a:r>
+              <a:rPr lang="fr-FR" b="1" i="1" dirty="0" smtClean="0">
+                <a:solidFill>
+                  <a:schemeClr val="accent6"/>
+                </a:solidFill>
+              </a:rPr>
+              <a:t>chan &lt;- "sending"</a:t>
+            </a:r>
+            <a:r>
+              <a:rPr lang="fr-FR" dirty="0" smtClean="0">
+                <a:solidFill>
+                  <a:schemeClr val="tx1"/>
+                </a:solidFill>
+              </a:rPr>
+              <a:t> envoie la chaine de caractères dans le canal</a:t>
+            </a:r>
+          </a:p>
+          <a:p>
+            <a:pPr algn="just"/>
+            <a:r>
+              <a:rPr lang="fr-FR" b="1" i="1" dirty="0" smtClean="0">
+                <a:solidFill>
+                  <a:schemeClr val="accent6"/>
+                </a:solidFill>
+              </a:rPr>
+              <a:t>message &lt;- channel</a:t>
+            </a:r>
+            <a:r>
+              <a:rPr lang="fr-FR" dirty="0" smtClean="0">
+                <a:solidFill>
+                  <a:schemeClr val="tx1"/>
+                </a:solidFill>
+              </a:rPr>
+              <a:t> prélève le premier élément du canal</a:t>
+            </a:r>
+            <a:endParaRPr lang="fr-FR" dirty="0">
+              <a:solidFill>
+                <a:schemeClr val="tx1"/>
+              </a:solidFill>
+            </a:endParaRPr>
+          </a:p>
+        </p:txBody>
+      </p:sp>
+    </p:spTree>
+    <p:extLst>
+      <p:ext uri="{BB962C8B-B14F-4D97-AF65-F5344CB8AC3E}">
+        <p14:creationId xmlns:p14="http://schemas.microsoft.com/office/powerpoint/2010/main" val="3656842377"/>
+      </p:ext>
+    </p:extLst>
+  </p:cSld>
+  <p:clrMapOvr>
+    <a:masterClrMapping/>
+  </p:clrMapOvr>
+  <p:timing>
+    <p:tnLst>
+      <p:par>
+        <p:cTn id="1" dur="indefinite" restart="never" nodeType="tmRoot"/>
+      </p:par>
+    </p:tnLst>
+  </p:timing>
+</p:sld>
+</file>
+
+<file path=ppt/slides/slide75.xml><?xml version="1.0" encoding="utf-8"?>
+<p:sld xmlns:a="http://schemas.openxmlformats.org/drawingml/2006/main" xmlns:r="http://schemas.openxmlformats.org/officeDocument/2006/relationships" xmlns:p="http://schemas.openxmlformats.org/presentationml/2006/main">
+  <p:cSld>
+    <p:spTree>
+      <p:nvGrpSpPr>
+        <p:cNvPr id="1" name=""/>
+        <p:cNvGrpSpPr/>
+        <p:nvPr/>
+      </p:nvGrpSpPr>
+      <p:grpSpPr>
+        <a:xfrm>
+          <a:off x="0" y="0"/>
+          <a:ext cx="0" cy="0"/>
+          <a:chOff x="0" y="0"/>
+          <a:chExt cx="0" cy="0"/>
+        </a:xfrm>
+      </p:grpSpPr>
+      <p:sp>
+        <p:nvSpPr>
+          <p:cNvPr id="2" name="Titre 1"/>
+          <p:cNvSpPr>
+            <a:spLocks noGrp="1"/>
+          </p:cNvSpPr>
+          <p:nvPr>
+            <p:ph type="title"/>
+          </p:nvPr>
+        </p:nvSpPr>
+        <p:spPr>
+          <a:xfrm>
+            <a:off x="2592925" y="624110"/>
+            <a:ext cx="8911687" cy="1280890"/>
+          </a:xfrm>
+        </p:spPr>
+        <p:txBody>
+          <a:bodyPr/>
+          <a:lstStyle/>
+          <a:p>
+            <a:r>
+              <a:rPr lang="fr-FR" dirty="0" smtClean="0"/>
+              <a:t>Channels</a:t>
+            </a:r>
+            <a:endParaRPr lang="fr-FR" dirty="0"/>
+          </a:p>
+        </p:txBody>
+      </p:sp>
+      <p:sp>
+        <p:nvSpPr>
+          <p:cNvPr id="7" name="Espace réservé du contenu 2"/>
+          <p:cNvSpPr>
+            <a:spLocks noGrp="1"/>
+          </p:cNvSpPr>
+          <p:nvPr>
+            <p:ph idx="1"/>
+          </p:nvPr>
+        </p:nvSpPr>
+        <p:spPr>
+          <a:xfrm>
+            <a:off x="906448" y="1550505"/>
+            <a:ext cx="5716989" cy="4474738"/>
+          </a:xfrm>
+        </p:spPr>
+        <p:txBody>
+          <a:bodyPr anchor="ctr">
+            <a:normAutofit/>
+          </a:bodyPr>
+          <a:lstStyle/>
+          <a:p>
+            <a:pPr algn="just"/>
+            <a:r>
+              <a:rPr lang="fr-FR" dirty="0" smtClean="0">
+                <a:solidFill>
+                  <a:schemeClr val="tx1"/>
+                </a:solidFill>
+              </a:rPr>
+              <a:t>Dans le programme ci-contre, le canal est synchronisé</a:t>
+            </a:r>
+          </a:p>
+          <a:p>
+            <a:pPr algn="just"/>
+            <a:r>
+              <a:rPr lang="fr-FR" dirty="0" smtClean="0">
+                <a:solidFill>
+                  <a:schemeClr val="tx1"/>
+                </a:solidFill>
+              </a:rPr>
+              <a:t>Quand </a:t>
+            </a:r>
+            <a:r>
+              <a:rPr lang="fr-FR" b="1" i="1" dirty="0" smtClean="0">
+                <a:solidFill>
+                  <a:schemeClr val="accent6"/>
+                </a:solidFill>
+              </a:rPr>
+              <a:t>send</a:t>
+            </a:r>
+            <a:r>
+              <a:rPr lang="fr-FR" dirty="0" smtClean="0">
+                <a:solidFill>
+                  <a:schemeClr val="tx1"/>
+                </a:solidFill>
+              </a:rPr>
+              <a:t> tente d'écrire dans le canal, il attend jusqu'à ce que </a:t>
+            </a:r>
+            <a:r>
+              <a:rPr lang="fr-FR" b="1" i="1" dirty="0" smtClean="0">
+                <a:solidFill>
+                  <a:schemeClr val="accent6"/>
+                </a:solidFill>
+              </a:rPr>
+              <a:t>receive</a:t>
+            </a:r>
+            <a:r>
+              <a:rPr lang="fr-FR" dirty="0" smtClean="0">
+                <a:solidFill>
+                  <a:schemeClr val="tx1"/>
+                </a:solidFill>
+              </a:rPr>
+              <a:t> soit prêt à recevoir (mode bloquant)</a:t>
+            </a:r>
+          </a:p>
+        </p:txBody>
+      </p:sp>
+      <p:pic>
+        <p:nvPicPr>
+          <p:cNvPr id="3" name="Image 2"/>
+          <p:cNvPicPr>
+            <a:picLocks noChangeAspect="1"/>
+          </p:cNvPicPr>
+          <p:nvPr/>
+        </p:nvPicPr>
+        <p:blipFill>
+          <a:blip r:embed="rId2"/>
+          <a:stretch>
+            <a:fillRect/>
+          </a:stretch>
+        </p:blipFill>
+        <p:spPr>
+          <a:xfrm>
+            <a:off x="6846072" y="1306862"/>
+            <a:ext cx="5122131" cy="5247827"/>
+          </a:xfrm>
+          <a:prstGeom prst="rect">
+            <a:avLst/>
+          </a:prstGeom>
+        </p:spPr>
+      </p:pic>
+    </p:spTree>
+    <p:extLst>
+      <p:ext uri="{BB962C8B-B14F-4D97-AF65-F5344CB8AC3E}">
+        <p14:creationId xmlns:p14="http://schemas.microsoft.com/office/powerpoint/2010/main" val="4093741696"/>
+      </p:ext>
+    </p:extLst>
+  </p:cSld>
+  <p:clrMapOvr>
+    <a:masterClrMapping/>
+  </p:clrMapOvr>
+  <p:timing>
+    <p:tnLst>
+      <p:par>
+        <p:cTn id="1" dur="indefinite" restart="never" nodeType="tmRoot"/>
+      </p:par>
+    </p:tnLst>
+  </p:timing>
+</p:sld>
+</file>
+
+<file path=ppt/slides/slide76.xml><?xml version="1.0" encoding="utf-8"?>
+<p:sld xmlns:a="http://schemas.openxmlformats.org/drawingml/2006/main" xmlns:r="http://schemas.openxmlformats.org/officeDocument/2006/relationships" xmlns:p="http://schemas.openxmlformats.org/presentationml/2006/main">
+  <p:cSld>
+    <p:spTree>
+      <p:nvGrpSpPr>
+        <p:cNvPr id="1" name=""/>
+        <p:cNvGrpSpPr/>
+        <p:nvPr/>
+      </p:nvGrpSpPr>
+      <p:grpSpPr>
+        <a:xfrm>
+          <a:off x="0" y="0"/>
+          <a:ext cx="0" cy="0"/>
+          <a:chOff x="0" y="0"/>
+          <a:chExt cx="0" cy="0"/>
+        </a:xfrm>
+      </p:grpSpPr>
+      <p:sp>
+        <p:nvSpPr>
+          <p:cNvPr id="2" name="Titre 1"/>
+          <p:cNvSpPr>
+            <a:spLocks noGrp="1"/>
+          </p:cNvSpPr>
+          <p:nvPr>
+            <p:ph type="title"/>
+          </p:nvPr>
+        </p:nvSpPr>
+        <p:spPr>
+          <a:xfrm>
+            <a:off x="2592925" y="624110"/>
+            <a:ext cx="8911687" cy="1280890"/>
+          </a:xfrm>
+        </p:spPr>
+        <p:txBody>
+          <a:bodyPr/>
+          <a:lstStyle/>
+          <a:p>
+            <a:r>
+              <a:rPr lang="fr-FR" dirty="0" smtClean="0"/>
+              <a:t>Channels</a:t>
+            </a:r>
+            <a:endParaRPr lang="fr-FR" dirty="0"/>
+          </a:p>
+        </p:txBody>
+      </p:sp>
+      <p:sp>
+        <p:nvSpPr>
+          <p:cNvPr id="7" name="Espace réservé du contenu 2"/>
+          <p:cNvSpPr>
+            <a:spLocks noGrp="1"/>
+          </p:cNvSpPr>
+          <p:nvPr>
+            <p:ph idx="1"/>
+          </p:nvPr>
+        </p:nvSpPr>
+        <p:spPr>
+          <a:xfrm>
+            <a:off x="906448" y="1550505"/>
+            <a:ext cx="5716989" cy="4474738"/>
+          </a:xfrm>
+        </p:spPr>
+        <p:txBody>
+          <a:bodyPr anchor="ctr">
+            <a:normAutofit/>
+          </a:bodyPr>
+          <a:lstStyle/>
+          <a:p>
+            <a:pPr algn="just"/>
+            <a:r>
+              <a:rPr lang="fr-FR" dirty="0" smtClean="0">
+                <a:solidFill>
+                  <a:schemeClr val="tx1"/>
+                </a:solidFill>
+              </a:rPr>
+              <a:t>Par défaut, il est possible de lire et écrire de chaque côté du canal</a:t>
+            </a:r>
+          </a:p>
+          <a:p>
+            <a:pPr algn="just"/>
+            <a:r>
+              <a:rPr lang="fr-FR" dirty="0" smtClean="0">
+                <a:solidFill>
+                  <a:schemeClr val="tx1"/>
+                </a:solidFill>
+              </a:rPr>
+              <a:t>Il est possible de limiter cette possibilité en spécialisant en entrée (écriture) ou sortie (lecture) l'utilisation du canal</a:t>
+            </a:r>
+          </a:p>
+          <a:p>
+            <a:pPr algn="just"/>
+            <a:r>
+              <a:rPr lang="fr-FR" b="1" i="1" dirty="0">
+                <a:solidFill>
+                  <a:schemeClr val="accent6"/>
+                </a:solidFill>
+              </a:rPr>
+              <a:t>s</a:t>
+            </a:r>
+            <a:r>
+              <a:rPr lang="fr-FR" b="1" i="1" dirty="0" smtClean="0">
+                <a:solidFill>
+                  <a:schemeClr val="accent6"/>
+                </a:solidFill>
+              </a:rPr>
+              <a:t>end</a:t>
+            </a:r>
+            <a:r>
+              <a:rPr lang="fr-FR" dirty="0" smtClean="0">
+                <a:solidFill>
+                  <a:schemeClr val="tx1"/>
+                </a:solidFill>
+              </a:rPr>
+              <a:t> ne peut plus que écrire, </a:t>
+            </a:r>
+            <a:r>
+              <a:rPr lang="fr-FR" b="1" i="1" dirty="0" smtClean="0">
+                <a:solidFill>
+                  <a:schemeClr val="accent6"/>
+                </a:solidFill>
+              </a:rPr>
+              <a:t>receive</a:t>
+            </a:r>
+            <a:r>
+              <a:rPr lang="fr-FR" dirty="0" smtClean="0">
+                <a:solidFill>
+                  <a:schemeClr val="tx1"/>
+                </a:solidFill>
+              </a:rPr>
+              <a:t> ne peut plus que lire</a:t>
+            </a:r>
+            <a:endParaRPr lang="fr-FR" dirty="0" smtClean="0">
+              <a:solidFill>
+                <a:schemeClr val="tx1"/>
+              </a:solidFill>
+            </a:endParaRPr>
+          </a:p>
+        </p:txBody>
+      </p:sp>
+      <p:pic>
+        <p:nvPicPr>
+          <p:cNvPr id="4" name="Image 3"/>
+          <p:cNvPicPr>
+            <a:picLocks noChangeAspect="1"/>
+          </p:cNvPicPr>
+          <p:nvPr/>
+        </p:nvPicPr>
+        <p:blipFill>
+          <a:blip r:embed="rId2"/>
+          <a:stretch>
+            <a:fillRect/>
+          </a:stretch>
+        </p:blipFill>
+        <p:spPr>
+          <a:xfrm>
+            <a:off x="6921297" y="1399430"/>
+            <a:ext cx="5100951" cy="5163253"/>
+          </a:xfrm>
+          <a:prstGeom prst="rect">
+            <a:avLst/>
+          </a:prstGeom>
+        </p:spPr>
+      </p:pic>
+    </p:spTree>
+    <p:extLst>
+      <p:ext uri="{BB962C8B-B14F-4D97-AF65-F5344CB8AC3E}">
+        <p14:creationId xmlns:p14="http://schemas.microsoft.com/office/powerpoint/2010/main" val="1895152714"/>
+      </p:ext>
+    </p:extLst>
+  </p:cSld>
+  <p:clrMapOvr>
+    <a:masterClrMapping/>
+  </p:clrMapOvr>
+  <p:timing>
+    <p:tnLst>
+      <p:par>
+        <p:cTn id="1" dur="indefinite" restart="never" nodeType="tmRoot"/>
+      </p:par>
+    </p:tnLst>
+  </p:timing>
+</p:sld>
+</file>
+
+<file path=ppt/slides/slide77.xml><?xml version="1.0" encoding="utf-8"?>
 <p:sld xmlns:a="http://schemas.openxmlformats.org/drawingml/2006/main" xmlns:r="http://schemas.openxmlformats.org/officeDocument/2006/relationships" xmlns:p="http://schemas.openxmlformats.org/presentationml/2006/main">
   <p:cSld>
     <p:spTree>

--- a/documentations/learning-go.pptx
+++ b/documentations/learning-go.pptx
@@ -5,7 +5,7 @@
     <p:sldMasterId id="2147483665" r:id="rId1"/>
   </p:sldMasterIdLst>
   <p:notesMasterIdLst>
-    <p:notesMasterId r:id="rId79"/>
+    <p:notesMasterId r:id="rId80"/>
   </p:notesMasterIdLst>
   <p:sldIdLst>
     <p:sldId id="256" r:id="rId2"/>
@@ -84,7 +84,8 @@
     <p:sldId id="331" r:id="rId75"/>
     <p:sldId id="332" r:id="rId76"/>
     <p:sldId id="333" r:id="rId77"/>
-    <p:sldId id="267" r:id="rId78"/>
+    <p:sldId id="334" r:id="rId78"/>
+    <p:sldId id="267" r:id="rId79"/>
   </p:sldIdLst>
   <p:sldSz cx="12192000" cy="6858000"/>
   <p:notesSz cx="6858000" cy="9144000"/>
@@ -24886,6 +24887,365 @@
           <a:p>
             <a:r>
               <a:rPr lang="fr-FR" dirty="0" smtClean="0"/>
+              <a:t>Channels</a:t>
+            </a:r>
+            <a:endParaRPr lang="fr-FR" dirty="0"/>
+          </a:p>
+        </p:txBody>
+      </p:sp>
+      <p:sp>
+        <p:nvSpPr>
+          <p:cNvPr id="7" name="Espace réservé du contenu 2"/>
+          <p:cNvSpPr>
+            <a:spLocks noGrp="1"/>
+          </p:cNvSpPr>
+          <p:nvPr>
+            <p:ph idx="1"/>
+          </p:nvPr>
+        </p:nvSpPr>
+        <p:spPr>
+          <a:xfrm>
+            <a:off x="906448" y="1550505"/>
+            <a:ext cx="5716989" cy="4474738"/>
+          </a:xfrm>
+        </p:spPr>
+        <p:txBody>
+          <a:bodyPr anchor="ctr">
+            <a:normAutofit lnSpcReduction="10000"/>
+          </a:bodyPr>
+          <a:lstStyle/>
+          <a:p>
+            <a:pPr algn="just"/>
+            <a:r>
+              <a:rPr lang="fr-FR" dirty="0" smtClean="0">
+                <a:solidFill>
+                  <a:schemeClr val="tx1"/>
+                </a:solidFill>
+              </a:rPr>
+              <a:t>Go possède une instruction spéciale appelée </a:t>
+            </a:r>
+            <a:r>
+              <a:rPr lang="fr-FR" b="1" i="1" dirty="0" smtClean="0">
+                <a:solidFill>
+                  <a:schemeClr val="accent6"/>
+                </a:solidFill>
+              </a:rPr>
+              <a:t>select</a:t>
+            </a:r>
+            <a:r>
+              <a:rPr lang="fr-FR" dirty="0" smtClean="0">
+                <a:solidFill>
+                  <a:schemeClr val="tx1"/>
+                </a:solidFill>
+              </a:rPr>
+              <a:t> qui fonctionne comme un </a:t>
+            </a:r>
+            <a:r>
+              <a:rPr lang="fr-FR" b="1" i="1" dirty="0" smtClean="0">
+                <a:solidFill>
+                  <a:schemeClr val="accent6"/>
+                </a:solidFill>
+              </a:rPr>
+              <a:t>switch</a:t>
+            </a:r>
+            <a:r>
+              <a:rPr lang="fr-FR" dirty="0" smtClean="0">
+                <a:solidFill>
+                  <a:schemeClr val="tx1"/>
+                </a:solidFill>
+              </a:rPr>
+              <a:t>, mais pour les </a:t>
+            </a:r>
+            <a:r>
+              <a:rPr lang="fr-FR" b="1" i="1" dirty="0" smtClean="0">
+                <a:solidFill>
+                  <a:schemeClr val="accent6"/>
+                </a:solidFill>
+              </a:rPr>
+              <a:t>channel</a:t>
+            </a:r>
+          </a:p>
+          <a:p>
+            <a:pPr algn="just"/>
+            <a:r>
+              <a:rPr lang="fr-FR" dirty="0" smtClean="0">
+                <a:solidFill>
+                  <a:schemeClr val="tx1"/>
+                </a:solidFill>
+              </a:rPr>
+              <a:t>Ce programme affiche "from 1" toutes les 500ms et "from 2" toutes les 200ms</a:t>
+            </a:r>
+          </a:p>
+          <a:p>
+            <a:pPr algn="just"/>
+            <a:r>
+              <a:rPr lang="fr-FR" b="1" i="1" dirty="0" smtClean="0">
+                <a:solidFill>
+                  <a:schemeClr val="accent6"/>
+                </a:solidFill>
+              </a:rPr>
+              <a:t>select</a:t>
+            </a:r>
+            <a:r>
+              <a:rPr lang="fr-FR" dirty="0" smtClean="0">
+                <a:solidFill>
+                  <a:schemeClr val="tx1"/>
+                </a:solidFill>
+              </a:rPr>
+              <a:t> choisi le premier </a:t>
+            </a:r>
+            <a:r>
+              <a:rPr lang="fr-FR" b="1" i="1" dirty="0" smtClean="0">
+                <a:solidFill>
+                  <a:schemeClr val="accent6"/>
+                </a:solidFill>
+              </a:rPr>
+              <a:t>channel</a:t>
+            </a:r>
+            <a:r>
+              <a:rPr lang="fr-FR" dirty="0" smtClean="0">
+                <a:solidFill>
+                  <a:schemeClr val="tx1"/>
+                </a:solidFill>
+              </a:rPr>
+              <a:t> disponible et le lit (également possible en écriture)</a:t>
+            </a:r>
+          </a:p>
+          <a:p>
+            <a:pPr algn="just"/>
+            <a:r>
+              <a:rPr lang="fr-FR" dirty="0" smtClean="0">
+                <a:solidFill>
+                  <a:schemeClr val="tx1"/>
+                </a:solidFill>
+              </a:rPr>
+              <a:t>Si plusieurs </a:t>
+            </a:r>
+            <a:r>
+              <a:rPr lang="fr-FR" b="1" i="1" dirty="0" smtClean="0">
+                <a:solidFill>
+                  <a:schemeClr val="accent6"/>
+                </a:solidFill>
+              </a:rPr>
+              <a:t>channel</a:t>
+            </a:r>
+            <a:r>
+              <a:rPr lang="fr-FR" dirty="0" smtClean="0">
+                <a:solidFill>
+                  <a:schemeClr val="tx1"/>
+                </a:solidFill>
+              </a:rPr>
+              <a:t> sont disponible, </a:t>
+            </a:r>
+            <a:r>
+              <a:rPr lang="fr-FR" b="1" i="1" dirty="0" smtClean="0">
+                <a:solidFill>
+                  <a:schemeClr val="accent6"/>
+                </a:solidFill>
+              </a:rPr>
+              <a:t>select</a:t>
+            </a:r>
+            <a:r>
+              <a:rPr lang="fr-FR" dirty="0" smtClean="0">
+                <a:solidFill>
+                  <a:schemeClr val="tx1"/>
+                </a:solidFill>
+              </a:rPr>
+              <a:t> en choisi un au hasard</a:t>
+            </a:r>
+          </a:p>
+          <a:p>
+            <a:pPr algn="just"/>
+            <a:r>
+              <a:rPr lang="fr-FR" dirty="0" smtClean="0">
+                <a:solidFill>
+                  <a:schemeClr val="tx1"/>
+                </a:solidFill>
+              </a:rPr>
+              <a:t>Si aucun </a:t>
+            </a:r>
+            <a:r>
+              <a:rPr lang="fr-FR" b="1" i="1" dirty="0" smtClean="0">
+                <a:solidFill>
+                  <a:schemeClr val="accent6"/>
+                </a:solidFill>
+              </a:rPr>
+              <a:t>channel</a:t>
+            </a:r>
+            <a:r>
+              <a:rPr lang="fr-FR" dirty="0" smtClean="0">
+                <a:solidFill>
+                  <a:schemeClr val="tx1"/>
+                </a:solidFill>
+              </a:rPr>
+              <a:t> n'est disponible, </a:t>
+            </a:r>
+            <a:r>
+              <a:rPr lang="fr-FR" b="1" i="1" dirty="0" smtClean="0">
+                <a:solidFill>
+                  <a:schemeClr val="accent6"/>
+                </a:solidFill>
+              </a:rPr>
+              <a:t>select</a:t>
+            </a:r>
+            <a:r>
+              <a:rPr lang="fr-FR" dirty="0" smtClean="0">
+                <a:solidFill>
+                  <a:schemeClr val="tx1"/>
+                </a:solidFill>
+              </a:rPr>
+              <a:t> attend jusqu’à ce qu'un des </a:t>
+            </a:r>
+            <a:r>
+              <a:rPr lang="fr-FR" b="1" i="1" dirty="0" smtClean="0">
+                <a:solidFill>
+                  <a:schemeClr val="accent6"/>
+                </a:solidFill>
+              </a:rPr>
+              <a:t>channel</a:t>
+            </a:r>
+            <a:r>
+              <a:rPr lang="fr-FR" dirty="0" smtClean="0">
+                <a:solidFill>
+                  <a:schemeClr val="tx1"/>
+                </a:solidFill>
+              </a:rPr>
+              <a:t> soit disponible</a:t>
+            </a:r>
+          </a:p>
+          <a:p>
+            <a:pPr algn="just"/>
+            <a:r>
+              <a:rPr lang="fr-FR" dirty="0" smtClean="0">
+                <a:solidFill>
+                  <a:schemeClr val="tx1"/>
+                </a:solidFill>
+              </a:rPr>
+              <a:t>Une clause </a:t>
+            </a:r>
+            <a:r>
+              <a:rPr lang="fr-FR" b="1" i="1" dirty="0" smtClean="0">
+                <a:solidFill>
+                  <a:schemeClr val="accent6"/>
+                </a:solidFill>
+              </a:rPr>
+              <a:t>default</a:t>
+            </a:r>
+            <a:r>
+              <a:rPr lang="fr-FR" dirty="0" smtClean="0">
+                <a:solidFill>
+                  <a:schemeClr val="tx1"/>
+                </a:solidFill>
+              </a:rPr>
+              <a:t> peut être utilisée pour une action si aucun </a:t>
+            </a:r>
+            <a:r>
+              <a:rPr lang="fr-FR" b="1" i="1" dirty="0" smtClean="0">
+                <a:solidFill>
+                  <a:schemeClr val="accent6"/>
+                </a:solidFill>
+              </a:rPr>
+              <a:t>channel</a:t>
+            </a:r>
+            <a:r>
+              <a:rPr lang="fr-FR" dirty="0" smtClean="0">
+                <a:solidFill>
+                  <a:schemeClr val="tx1"/>
+                </a:solidFill>
+              </a:rPr>
+              <a:t> n'est disponible</a:t>
+            </a:r>
+            <a:endParaRPr lang="fr-FR" dirty="0" smtClean="0">
+              <a:solidFill>
+                <a:schemeClr val="tx1"/>
+              </a:solidFill>
+            </a:endParaRPr>
+          </a:p>
+        </p:txBody>
+      </p:sp>
+      <p:pic>
+        <p:nvPicPr>
+          <p:cNvPr id="3" name="Image 2"/>
+          <p:cNvPicPr>
+            <a:picLocks noChangeAspect="1"/>
+          </p:cNvPicPr>
+          <p:nvPr/>
+        </p:nvPicPr>
+        <p:blipFill>
+          <a:blip r:embed="rId2"/>
+          <a:stretch>
+            <a:fillRect/>
+          </a:stretch>
+        </p:blipFill>
+        <p:spPr>
+          <a:xfrm>
+            <a:off x="7283395" y="698717"/>
+            <a:ext cx="4062909" cy="5806610"/>
+          </a:xfrm>
+          <a:prstGeom prst="rect">
+            <a:avLst/>
+          </a:prstGeom>
+        </p:spPr>
+      </p:pic>
+    </p:spTree>
+    <p:extLst>
+      <p:ext uri="{BB962C8B-B14F-4D97-AF65-F5344CB8AC3E}">
+        <p14:creationId xmlns:p14="http://schemas.microsoft.com/office/powerpoint/2010/main" val="3620953154"/>
+      </p:ext>
+    </p:extLst>
+  </p:cSld>
+  <p:clrMapOvr>
+    <a:masterClrMapping/>
+  </p:clrMapOvr>
+  <p:timing>
+    <p:tnLst>
+      <p:par>
+        <p:cTn id="1" dur="indefinite" restart="never" nodeType="tmRoot"/>
+      </p:par>
+    </p:tnLst>
+  </p:timing>
+</p:sld>
+</file>
+
+<file path=ppt/slides/slide78.xml><?xml version="1.0" encoding="utf-8"?>
+<p:sld xmlns:a="http://schemas.openxmlformats.org/drawingml/2006/main" xmlns:r="http://schemas.openxmlformats.org/officeDocument/2006/relationships" xmlns:p="http://schemas.openxmlformats.org/presentationml/2006/main">
+  <p:cSld>
+    <p:spTree>
+      <p:nvGrpSpPr>
+        <p:cNvPr id="1" name=""/>
+        <p:cNvGrpSpPr/>
+        <p:nvPr/>
+      </p:nvGrpSpPr>
+      <p:grpSpPr>
+        <a:xfrm>
+          <a:off x="0" y="0"/>
+          <a:ext cx="0" cy="0"/>
+          <a:chOff x="0" y="0"/>
+          <a:chExt cx="0" cy="0"/>
+        </a:xfrm>
+      </p:grpSpPr>
+      <p:sp>
+        <p:nvSpPr>
+          <p:cNvPr id="2" name="Titre 1"/>
+          <p:cNvSpPr>
+            <a:spLocks noGrp="1"/>
+          </p:cNvSpPr>
+          <p:nvPr>
+            <p:ph type="title"/>
+          </p:nvPr>
+        </p:nvSpPr>
+        <p:spPr>
+          <a:xfrm>
+            <a:off x="2592925" y="624110"/>
+            <a:ext cx="8911687" cy="1280890"/>
+          </a:xfrm>
+        </p:spPr>
+        <p:txBody>
+          <a:bodyPr/>
+          <a:lstStyle/>
+          <a:p>
+            <a:r>
+              <a:rPr lang="fr-FR" dirty="0" smtClean="0"/>
               <a:t>Références</a:t>
             </a:r>
             <a:endParaRPr lang="fr-FR" dirty="0"/>

--- a/documentations/learning-go.pptx
+++ b/documentations/learning-go.pptx
@@ -1109,11 +1109,7 @@
         <a:p>
           <a:r>
             <a:rPr lang="fr-FR" sz="1000" dirty="0" smtClean="0"/>
-            <a:t>src </a:t>
-          </a:r>
-          <a:r>
-            <a:rPr lang="fr-FR" sz="1000" dirty="0" smtClean="0"/>
-            <a:t>&lt;dir&gt;</a:t>
+            <a:t>src &lt;dir&gt;</a:t>
           </a:r>
           <a:endParaRPr lang="fr-FR" sz="1000" dirty="0"/>
         </a:p>
@@ -1154,11 +1150,7 @@
           </a:r>
           <a:r>
             <a:rPr lang="fr-FR" sz="1000" dirty="0" smtClean="0"/>
-            <a:t> </a:t>
-          </a:r>
-          <a:r>
-            <a:rPr lang="fr-FR" sz="1000" dirty="0" smtClean="0"/>
-            <a:t>&lt;dir&gt;</a:t>
+            <a:t> &lt;dir&gt;</a:t>
           </a:r>
           <a:endParaRPr lang="fr-FR" sz="1000" dirty="0"/>
         </a:p>
@@ -1310,11 +1302,7 @@
           </a:r>
           <a:r>
             <a:rPr lang="fr-FR" sz="1000" dirty="0" smtClean="0"/>
-            <a:t> </a:t>
-          </a:r>
-          <a:r>
-            <a:rPr lang="fr-FR" sz="1000" dirty="0" smtClean="0"/>
-            <a:t>&lt;dir&gt;</a:t>
+            <a:t> &lt;dir&gt;</a:t>
           </a:r>
           <a:endParaRPr lang="fr-FR" sz="1000" dirty="0"/>
         </a:p>
@@ -1351,11 +1339,7 @@
         <a:p>
           <a:r>
             <a:rPr lang="fr-FR" sz="1000" dirty="0" smtClean="0"/>
-            <a:t>cmd </a:t>
-          </a:r>
-          <a:r>
-            <a:rPr lang="fr-FR" sz="1000" dirty="0" smtClean="0"/>
-            <a:t>&lt;dir&gt;</a:t>
+            <a:t>cmd &lt;dir&gt;</a:t>
           </a:r>
           <a:endParaRPr lang="fr-FR" sz="1000" dirty="0"/>
         </a:p>
@@ -1396,11 +1380,7 @@
           </a:r>
           <a:r>
             <a:rPr lang="fr-FR" sz="1000" dirty="0" smtClean="0"/>
-            <a:t> </a:t>
-          </a:r>
-          <a:r>
-            <a:rPr lang="fr-FR" sz="1000" dirty="0" smtClean="0"/>
-            <a:t>&lt;dir&gt;</a:t>
+            <a:t> &lt;dir&gt;</a:t>
           </a:r>
           <a:endParaRPr lang="fr-FR" sz="1000" dirty="0"/>
         </a:p>
@@ -2493,10 +2473,24 @@
     <dgm:pt modelId="{6E28F844-322A-4B11-9FD3-C3F3F369B4BB}" type="pres">
       <dgm:prSet presAssocID="{DC5215DC-63FE-4AB9-A5CA-19C1598E79BB}" presName="conn2-1" presStyleLbl="parChTrans1D3" presStyleIdx="3" presStyleCnt="6"/>
       <dgm:spPr/>
+      <dgm:t>
+        <a:bodyPr/>
+        <a:lstStyle/>
+        <a:p>
+          <a:endParaRPr lang="fr-FR"/>
+        </a:p>
+      </dgm:t>
     </dgm:pt>
     <dgm:pt modelId="{C766337D-55E3-4319-A86A-D68705C17A30}" type="pres">
       <dgm:prSet presAssocID="{DC5215DC-63FE-4AB9-A5CA-19C1598E79BB}" presName="connTx" presStyleLbl="parChTrans1D3" presStyleIdx="3" presStyleCnt="6"/>
       <dgm:spPr/>
+      <dgm:t>
+        <a:bodyPr/>
+        <a:lstStyle/>
+        <a:p>
+          <a:endParaRPr lang="fr-FR"/>
+        </a:p>
+      </dgm:t>
     </dgm:pt>
     <dgm:pt modelId="{BA59A112-3484-449B-BD27-FF287FD9CF10}" type="pres">
       <dgm:prSet presAssocID="{406A186A-33BC-4105-8835-7C5D35980A40}" presName="root2" presStyleCnt="0"/>
@@ -2524,10 +2518,24 @@
     <dgm:pt modelId="{9D957ECC-C536-4171-9E3F-ADA463C520DE}" type="pres">
       <dgm:prSet presAssocID="{62B13B07-F327-4E52-AE5C-A801CC6497E5}" presName="conn2-1" presStyleLbl="parChTrans1D4" presStyleIdx="0" presStyleCnt="20"/>
       <dgm:spPr/>
+      <dgm:t>
+        <a:bodyPr/>
+        <a:lstStyle/>
+        <a:p>
+          <a:endParaRPr lang="fr-FR"/>
+        </a:p>
+      </dgm:t>
     </dgm:pt>
     <dgm:pt modelId="{5538A203-67B7-43B0-B95B-E0940F75E978}" type="pres">
       <dgm:prSet presAssocID="{62B13B07-F327-4E52-AE5C-A801CC6497E5}" presName="connTx" presStyleLbl="parChTrans1D4" presStyleIdx="0" presStyleCnt="20"/>
       <dgm:spPr/>
+      <dgm:t>
+        <a:bodyPr/>
+        <a:lstStyle/>
+        <a:p>
+          <a:endParaRPr lang="fr-FR"/>
+        </a:p>
+      </dgm:t>
     </dgm:pt>
     <dgm:pt modelId="{7E522A75-87F3-4582-A5AB-FC1AD2D8802F}" type="pres">
       <dgm:prSet presAssocID="{8DC7735B-9A6C-431C-92AA-042288E1B6AF}" presName="root2" presStyleCnt="0"/>
@@ -2540,6 +2548,13 @@
         </dgm:presLayoutVars>
       </dgm:prSet>
       <dgm:spPr/>
+      <dgm:t>
+        <a:bodyPr/>
+        <a:lstStyle/>
+        <a:p>
+          <a:endParaRPr lang="fr-FR"/>
+        </a:p>
+      </dgm:t>
     </dgm:pt>
     <dgm:pt modelId="{99896A38-22B1-421A-A307-7B7B4737CAEE}" type="pres">
       <dgm:prSet presAssocID="{8DC7735B-9A6C-431C-92AA-042288E1B6AF}" presName="level3hierChild" presStyleCnt="0"/>
@@ -2548,10 +2563,24 @@
     <dgm:pt modelId="{E6122314-4232-42C9-987E-46FE0FA3495B}" type="pres">
       <dgm:prSet presAssocID="{DEA1A0C5-BE8D-4B82-B1D8-B4B9DCF4CE1A}" presName="conn2-1" presStyleLbl="parChTrans1D4" presStyleIdx="1" presStyleCnt="20"/>
       <dgm:spPr/>
+      <dgm:t>
+        <a:bodyPr/>
+        <a:lstStyle/>
+        <a:p>
+          <a:endParaRPr lang="fr-FR"/>
+        </a:p>
+      </dgm:t>
     </dgm:pt>
     <dgm:pt modelId="{48AB6F3C-59DC-47D0-9C0E-C348A271EF25}" type="pres">
       <dgm:prSet presAssocID="{DEA1A0C5-BE8D-4B82-B1D8-B4B9DCF4CE1A}" presName="connTx" presStyleLbl="parChTrans1D4" presStyleIdx="1" presStyleCnt="20"/>
       <dgm:spPr/>
+      <dgm:t>
+        <a:bodyPr/>
+        <a:lstStyle/>
+        <a:p>
+          <a:endParaRPr lang="fr-FR"/>
+        </a:p>
+      </dgm:t>
     </dgm:pt>
     <dgm:pt modelId="{3B4A2D4E-C075-422F-A869-ECAB20A17EA2}" type="pres">
       <dgm:prSet presAssocID="{DE9229B0-83CB-4AFE-B09E-2D25B676FB5D}" presName="root2" presStyleCnt="0"/>
@@ -2564,6 +2593,13 @@
         </dgm:presLayoutVars>
       </dgm:prSet>
       <dgm:spPr/>
+      <dgm:t>
+        <a:bodyPr/>
+        <a:lstStyle/>
+        <a:p>
+          <a:endParaRPr lang="fr-FR"/>
+        </a:p>
+      </dgm:t>
     </dgm:pt>
     <dgm:pt modelId="{B5A2AA12-8F35-4311-B369-C43684A8363C}" type="pres">
       <dgm:prSet presAssocID="{DE9229B0-83CB-4AFE-B09E-2D25B676FB5D}" presName="level3hierChild" presStyleCnt="0"/>
@@ -2572,10 +2608,24 @@
     <dgm:pt modelId="{F61ED2EA-3DCB-4BDF-974A-6D38D5B018AB}" type="pres">
       <dgm:prSet presAssocID="{30687554-7B6A-4E42-B0D8-856A3E451C97}" presName="conn2-1" presStyleLbl="parChTrans1D4" presStyleIdx="2" presStyleCnt="20"/>
       <dgm:spPr/>
+      <dgm:t>
+        <a:bodyPr/>
+        <a:lstStyle/>
+        <a:p>
+          <a:endParaRPr lang="fr-FR"/>
+        </a:p>
+      </dgm:t>
     </dgm:pt>
     <dgm:pt modelId="{B46CE3C4-D8FC-4818-B7F0-507EA6A00C10}" type="pres">
       <dgm:prSet presAssocID="{30687554-7B6A-4E42-B0D8-856A3E451C97}" presName="connTx" presStyleLbl="parChTrans1D4" presStyleIdx="2" presStyleCnt="20"/>
       <dgm:spPr/>
+      <dgm:t>
+        <a:bodyPr/>
+        <a:lstStyle/>
+        <a:p>
+          <a:endParaRPr lang="fr-FR"/>
+        </a:p>
+      </dgm:t>
     </dgm:pt>
     <dgm:pt modelId="{6313C08E-6D5B-4D3E-A3BA-0B56B8DBA9C6}" type="pres">
       <dgm:prSet presAssocID="{9DF11BE9-0A90-4730-8388-20A441D98114}" presName="root2" presStyleCnt="0"/>
@@ -2588,6 +2638,13 @@
         </dgm:presLayoutVars>
       </dgm:prSet>
       <dgm:spPr/>
+      <dgm:t>
+        <a:bodyPr/>
+        <a:lstStyle/>
+        <a:p>
+          <a:endParaRPr lang="fr-FR"/>
+        </a:p>
+      </dgm:t>
     </dgm:pt>
     <dgm:pt modelId="{2177CB04-9F96-43EF-BD64-451D5D794063}" type="pres">
       <dgm:prSet presAssocID="{9DF11BE9-0A90-4730-8388-20A441D98114}" presName="level3hierChild" presStyleCnt="0"/>
@@ -2596,10 +2653,24 @@
     <dgm:pt modelId="{EF1303F6-08C0-48FA-B58F-D294B3FD0956}" type="pres">
       <dgm:prSet presAssocID="{B585FA61-ABCC-4C00-904E-F590963CA53E}" presName="conn2-1" presStyleLbl="parChTrans1D4" presStyleIdx="3" presStyleCnt="20"/>
       <dgm:spPr/>
+      <dgm:t>
+        <a:bodyPr/>
+        <a:lstStyle/>
+        <a:p>
+          <a:endParaRPr lang="fr-FR"/>
+        </a:p>
+      </dgm:t>
     </dgm:pt>
     <dgm:pt modelId="{1E06D912-FF04-489C-8B3E-C635F21EF1DC}" type="pres">
       <dgm:prSet presAssocID="{B585FA61-ABCC-4C00-904E-F590963CA53E}" presName="connTx" presStyleLbl="parChTrans1D4" presStyleIdx="3" presStyleCnt="20"/>
       <dgm:spPr/>
+      <dgm:t>
+        <a:bodyPr/>
+        <a:lstStyle/>
+        <a:p>
+          <a:endParaRPr lang="fr-FR"/>
+        </a:p>
+      </dgm:t>
     </dgm:pt>
     <dgm:pt modelId="{19CCF480-244D-48FB-A7D9-3D364D6905E6}" type="pres">
       <dgm:prSet presAssocID="{2CFC024F-40D5-4978-B0D2-5F1E40D4091C}" presName="root2" presStyleCnt="0"/>
@@ -2627,10 +2698,24 @@
     <dgm:pt modelId="{11A95FA8-BC12-4F2B-93AC-994CC23CB247}" type="pres">
       <dgm:prSet presAssocID="{997BBB56-0F09-47A1-9EDD-84E73DDCE053}" presName="conn2-1" presStyleLbl="parChTrans1D4" presStyleIdx="4" presStyleCnt="20"/>
       <dgm:spPr/>
+      <dgm:t>
+        <a:bodyPr/>
+        <a:lstStyle/>
+        <a:p>
+          <a:endParaRPr lang="fr-FR"/>
+        </a:p>
+      </dgm:t>
     </dgm:pt>
     <dgm:pt modelId="{416BF9B8-9B9E-4EDB-8EEE-AD34B69DF4A3}" type="pres">
       <dgm:prSet presAssocID="{997BBB56-0F09-47A1-9EDD-84E73DDCE053}" presName="connTx" presStyleLbl="parChTrans1D4" presStyleIdx="4" presStyleCnt="20"/>
       <dgm:spPr/>
+      <dgm:t>
+        <a:bodyPr/>
+        <a:lstStyle/>
+        <a:p>
+          <a:endParaRPr lang="fr-FR"/>
+        </a:p>
+      </dgm:t>
     </dgm:pt>
     <dgm:pt modelId="{2DF2F45E-5BF3-4A23-AF96-38E245B637ED}" type="pres">
       <dgm:prSet presAssocID="{75A5C761-B220-40FF-A8F1-BDF368427E79}" presName="root2" presStyleCnt="0"/>
@@ -2643,6 +2728,13 @@
         </dgm:presLayoutVars>
       </dgm:prSet>
       <dgm:spPr/>
+      <dgm:t>
+        <a:bodyPr/>
+        <a:lstStyle/>
+        <a:p>
+          <a:endParaRPr lang="fr-FR"/>
+        </a:p>
+      </dgm:t>
     </dgm:pt>
     <dgm:pt modelId="{400ACB12-D49D-4B02-8B11-6A88A3D4444D}" type="pres">
       <dgm:prSet presAssocID="{75A5C761-B220-40FF-A8F1-BDF368427E79}" presName="level3hierChild" presStyleCnt="0"/>
@@ -2651,10 +2743,24 @@
     <dgm:pt modelId="{BCB0C310-6712-457C-83F4-AD90D18B30F1}" type="pres">
       <dgm:prSet presAssocID="{8CF6DB56-390F-448F-B8AD-AD66A9D9BF25}" presName="conn2-1" presStyleLbl="parChTrans1D3" presStyleIdx="4" presStyleCnt="6"/>
       <dgm:spPr/>
+      <dgm:t>
+        <a:bodyPr/>
+        <a:lstStyle/>
+        <a:p>
+          <a:endParaRPr lang="fr-FR"/>
+        </a:p>
+      </dgm:t>
     </dgm:pt>
     <dgm:pt modelId="{5ECC096B-424B-4AE3-9CAF-347D26D92FBF}" type="pres">
       <dgm:prSet presAssocID="{8CF6DB56-390F-448F-B8AD-AD66A9D9BF25}" presName="connTx" presStyleLbl="parChTrans1D3" presStyleIdx="4" presStyleCnt="6"/>
       <dgm:spPr/>
+      <dgm:t>
+        <a:bodyPr/>
+        <a:lstStyle/>
+        <a:p>
+          <a:endParaRPr lang="fr-FR"/>
+        </a:p>
+      </dgm:t>
     </dgm:pt>
     <dgm:pt modelId="{0ADA6C92-1545-4E54-81FC-997B2C210BF1}" type="pres">
       <dgm:prSet presAssocID="{8541E672-E0DC-4CA9-8C48-07F04E1AC87D}" presName="root2" presStyleCnt="0"/>
@@ -2667,6 +2773,13 @@
         </dgm:presLayoutVars>
       </dgm:prSet>
       <dgm:spPr/>
+      <dgm:t>
+        <a:bodyPr/>
+        <a:lstStyle/>
+        <a:p>
+          <a:endParaRPr lang="fr-FR"/>
+        </a:p>
+      </dgm:t>
     </dgm:pt>
     <dgm:pt modelId="{E9BE3466-3083-4901-8A68-889209A689F2}" type="pres">
       <dgm:prSet presAssocID="{8541E672-E0DC-4CA9-8C48-07F04E1AC87D}" presName="level3hierChild" presStyleCnt="0"/>
@@ -3677,125 +3790,125 @@
     </dgm:pt>
   </dgm:ptLst>
   <dgm:cxnLst>
+    <dgm:cxn modelId="{E6CBB6B7-198A-498A-B69E-9521D473AA03}" type="presOf" srcId="{406A186A-33BC-4105-8835-7C5D35980A40}" destId="{7DD80175-2396-4084-9B4F-06D9AFA69696}" srcOrd="0" destOrd="0" presId="urn:microsoft.com/office/officeart/2008/layout/HorizontalMultiLevelHierarchy"/>
+    <dgm:cxn modelId="{A1BDC95B-12A9-4905-9501-78D18A4F3124}" type="presOf" srcId="{0A69AB74-1AD1-4AE0-92DB-B767AF2EA9BB}" destId="{F5AEC9DD-8EC1-4C4F-AF6D-C8CF1FEBEDBD}" srcOrd="1" destOrd="0" presId="urn:microsoft.com/office/officeart/2008/layout/HorizontalMultiLevelHierarchy"/>
     <dgm:cxn modelId="{526A87B8-F805-4B7F-A775-8A23A54430AE}" type="presOf" srcId="{051E6169-5FA5-4711-8079-FA56C87AB900}" destId="{26A1B052-FF5B-4D0A-80E9-1DA688CD3D7D}" srcOrd="1" destOrd="0" presId="urn:microsoft.com/office/officeart/2008/layout/HorizontalMultiLevelHierarchy"/>
-    <dgm:cxn modelId="{2902542B-334F-4E04-A930-E271580E6ED4}" type="presOf" srcId="{8CF6DB56-390F-448F-B8AD-AD66A9D9BF25}" destId="{BCB0C310-6712-457C-83F4-AD90D18B30F1}" srcOrd="0" destOrd="0" presId="urn:microsoft.com/office/officeart/2008/layout/HorizontalMultiLevelHierarchy"/>
-    <dgm:cxn modelId="{24EBC399-A533-4DD9-99A5-B26A1EF21F3F}" type="presOf" srcId="{FD783284-7709-4153-940E-9DD9E029E02A}" destId="{426AC0E4-BEF7-4521-B5BF-B55008593BD6}" srcOrd="1" destOrd="0" presId="urn:microsoft.com/office/officeart/2008/layout/HorizontalMultiLevelHierarchy"/>
-    <dgm:cxn modelId="{E8C98B9E-69E4-4EF5-81A5-2180D64E6D44}" type="presOf" srcId="{59511E4B-8EFD-40C1-8769-41EC8A3006F1}" destId="{9B99E809-B197-4823-8F4F-A9A5674BCDDC}" srcOrd="1" destOrd="0" presId="urn:microsoft.com/office/officeart/2008/layout/HorizontalMultiLevelHierarchy"/>
-    <dgm:cxn modelId="{DA371626-71DC-435A-AB46-3EB51E1D73BE}" type="presOf" srcId="{9B1A2F7C-2450-441A-8E98-5590A0216C0F}" destId="{4DD7F22F-5100-4F0E-840A-57F6C2B4824E}" srcOrd="0" destOrd="0" presId="urn:microsoft.com/office/officeart/2008/layout/HorizontalMultiLevelHierarchy"/>
-    <dgm:cxn modelId="{8D509E34-F004-4A2F-8ABB-7C054D2FA32F}" type="presOf" srcId="{DC5215DC-63FE-4AB9-A5CA-19C1598E79BB}" destId="{C766337D-55E3-4319-A86A-D68705C17A30}" srcOrd="1" destOrd="0" presId="urn:microsoft.com/office/officeart/2008/layout/HorizontalMultiLevelHierarchy"/>
-    <dgm:cxn modelId="{ACCDA6C4-902D-4C2D-8E77-21EB010A1276}" type="presOf" srcId="{537D9D52-BB4C-4295-A6FC-1F3EE30F7C8A}" destId="{C75D1124-C505-4361-BD55-C3934A33A542}" srcOrd="0" destOrd="0" presId="urn:microsoft.com/office/officeart/2008/layout/HorizontalMultiLevelHierarchy"/>
-    <dgm:cxn modelId="{33685DCB-1271-4436-B83A-651236C7B5A2}" type="presOf" srcId="{2D0898D9-1379-4C8B-848A-4DE9262983B4}" destId="{BFA8CB9D-9F1D-4CD9-9D73-5A458DABA331}" srcOrd="0" destOrd="0" presId="urn:microsoft.com/office/officeart/2008/layout/HorizontalMultiLevelHierarchy"/>
-    <dgm:cxn modelId="{D489B8BF-B8CA-4BB6-A416-E6DD54D36BC7}" type="presOf" srcId="{B585FA61-ABCC-4C00-904E-F590963CA53E}" destId="{1E06D912-FF04-489C-8B3E-C635F21EF1DC}" srcOrd="1" destOrd="0" presId="urn:microsoft.com/office/officeart/2008/layout/HorizontalMultiLevelHierarchy"/>
-    <dgm:cxn modelId="{0D3D2457-E634-41C0-AE20-C5FAFC283B3B}" type="presOf" srcId="{DE9229B0-83CB-4AFE-B09E-2D25B676FB5D}" destId="{2293E997-8A42-4DE4-AFF5-CE2F2C46F300}" srcOrd="0" destOrd="0" presId="urn:microsoft.com/office/officeart/2008/layout/HorizontalMultiLevelHierarchy"/>
-    <dgm:cxn modelId="{B055FE51-A5ED-44E7-B1D1-E6ED1C9605DC}" type="presOf" srcId="{5E4A91D4-2366-4C60-BB3D-496C11657DC0}" destId="{35ACB2AC-382A-4C97-A906-4B1EC627FF3B}" srcOrd="0" destOrd="0" presId="urn:microsoft.com/office/officeart/2008/layout/HorizontalMultiLevelHierarchy"/>
-    <dgm:cxn modelId="{0170356D-0E79-4771-AEF4-5F2BB26DB428}" srcId="{1B24B018-AD53-4723-9DBC-CD780D3AF7E6}" destId="{C1B80BE7-4DEE-497B-98D2-5A6920F4FB8E}" srcOrd="0" destOrd="0" parTransId="{F40FF744-1F56-479B-AA89-A0EF61A8890A}" sibTransId="{B25B9810-DE16-4F8F-B2B2-7C0B2E9FCF23}"/>
-    <dgm:cxn modelId="{B928830C-76B0-4413-A554-50384C624BF3}" srcId="{09A61BE4-FBF2-4678-871E-03F8CFC0E905}" destId="{9ACA9546-4CA0-4D0D-A122-ADEA92156DDA}" srcOrd="0" destOrd="0" parTransId="{B376DC1C-1A4D-4446-88F6-4DFB0AAC6190}" sibTransId="{6060A363-DEB2-4884-8F47-7BE2C926C8F8}"/>
+    <dgm:cxn modelId="{E276D944-319D-4490-B8A6-6AAAAC46A42F}" type="presOf" srcId="{9CE6119C-2BD8-4D82-857F-27695498162C}" destId="{713A720F-F6BF-407E-86B7-8CE4A23E47B5}" srcOrd="1" destOrd="0" presId="urn:microsoft.com/office/officeart/2008/layout/HorizontalMultiLevelHierarchy"/>
+    <dgm:cxn modelId="{237AC8DC-2CD1-4575-B3A9-2C5D42DAEF1A}" type="presOf" srcId="{9A485257-A8D6-4397-BEDE-96D5D67A5BD8}" destId="{51ABB488-7F6B-4F15-BF1E-13957DECDEA0}" srcOrd="0" destOrd="0" presId="urn:microsoft.com/office/officeart/2008/layout/HorizontalMultiLevelHierarchy"/>
+    <dgm:cxn modelId="{D4AF9259-4EBF-43D7-A890-0AB4B524BFA6}" type="presOf" srcId="{997BBB56-0F09-47A1-9EDD-84E73DDCE053}" destId="{416BF9B8-9B9E-4EDB-8EEE-AD34B69DF4A3}" srcOrd="1" destOrd="0" presId="urn:microsoft.com/office/officeart/2008/layout/HorizontalMultiLevelHierarchy"/>
+    <dgm:cxn modelId="{03D82455-46C9-4A36-946C-50373B7E3126}" type="presOf" srcId="{A09624DF-DDC3-4005-AE6C-949C55F3D201}" destId="{F1112124-658A-4BB6-8E6A-682CC333D5E0}" srcOrd="1" destOrd="0" presId="urn:microsoft.com/office/officeart/2008/layout/HorizontalMultiLevelHierarchy"/>
+    <dgm:cxn modelId="{9411AB8C-A928-4131-B0CC-5476637200AD}" srcId="{D8F92CDA-A645-45E2-B5DE-6A3BACB6C859}" destId="{2B18F95E-9338-43E9-A54D-7EB8F97F82C3}" srcOrd="1" destOrd="0" parTransId="{4380BD8A-95E9-4652-8A89-911FA9702253}" sibTransId="{2F9720C6-D07B-48D4-9DBA-4DC4417D4471}"/>
+    <dgm:cxn modelId="{8C669E8E-F3A6-46C2-9FEA-5A6D35E93BBB}" type="presOf" srcId="{B376DC1C-1A4D-4446-88F6-4DFB0AAC6190}" destId="{EEA2D9E6-5C3F-47D0-A681-0364417D24E2}" srcOrd="0" destOrd="0" presId="urn:microsoft.com/office/officeart/2008/layout/HorizontalMultiLevelHierarchy"/>
     <dgm:cxn modelId="{DA7F3B17-79EF-449E-9CF3-CD54F59F54CF}" srcId="{D8F92CDA-A645-45E2-B5DE-6A3BACB6C859}" destId="{09A61BE4-FBF2-4678-871E-03F8CFC0E905}" srcOrd="0" destOrd="0" parTransId="{0A69AB74-1AD1-4AE0-92DB-B767AF2EA9BB}" sibTransId="{924BAC8B-B9E5-4258-BED5-43D9C539A109}"/>
-    <dgm:cxn modelId="{806AAB25-7D31-422C-9950-4C135CED6002}" type="presOf" srcId="{CADCD632-196A-4857-843B-D027D5E1C826}" destId="{8326D004-29DB-4CCB-873E-728791BF390D}" srcOrd="1" destOrd="0" presId="urn:microsoft.com/office/officeart/2008/layout/HorizontalMultiLevelHierarchy"/>
-    <dgm:cxn modelId="{1DAC132B-AAC1-4A00-8D5A-06E5590D6271}" type="presOf" srcId="{9A871F26-74E8-4736-985B-EF3BB73DFE34}" destId="{15AE2F48-9DB0-4B24-ADB3-E3970E729EE5}" srcOrd="1" destOrd="0" presId="urn:microsoft.com/office/officeart/2008/layout/HorizontalMultiLevelHierarchy"/>
-    <dgm:cxn modelId="{CDA67E71-DC84-468A-9445-016A1BB1DE0B}" type="presOf" srcId="{4380BD8A-95E9-4652-8A89-911FA9702253}" destId="{CD836FDF-C536-42DD-9BC4-B637DEB11ABF}" srcOrd="1" destOrd="0" presId="urn:microsoft.com/office/officeart/2008/layout/HorizontalMultiLevelHierarchy"/>
-    <dgm:cxn modelId="{66959252-2C68-4B96-B3F0-E71A2075B1F2}" type="presOf" srcId="{051E6169-5FA5-4711-8079-FA56C87AB900}" destId="{0F4448C4-16D0-412B-B97C-B3EE8C574400}" srcOrd="0" destOrd="0" presId="urn:microsoft.com/office/officeart/2008/layout/HorizontalMultiLevelHierarchy"/>
-    <dgm:cxn modelId="{9D443CF1-5C82-48F8-9FEB-E565EBC3801B}" srcId="{09A61BE4-FBF2-4678-871E-03F8CFC0E905}" destId="{92CA22EE-41F8-4C23-BA80-310383AE6AFD}" srcOrd="2" destOrd="0" parTransId="{34586700-4346-4804-BF1C-747D3EC8A904}" sibTransId="{4FCB76E3-A272-4DCC-A200-4963C5F7C588}"/>
-    <dgm:cxn modelId="{974BDEA0-3B95-48CE-9DCD-A280B7CD9533}" type="presOf" srcId="{03A1827D-0486-453D-8D6D-022439E5BEB5}" destId="{CBA4048E-18F5-45D0-B12C-301AA641B044}" srcOrd="1" destOrd="0" presId="urn:microsoft.com/office/officeart/2008/layout/HorizontalMultiLevelHierarchy"/>
-    <dgm:cxn modelId="{A360A27B-7A4F-4F5A-A8D8-10426122DD2A}" srcId="{9A727AB6-4DAD-40D1-AFE1-8312D97F8394}" destId="{0B9BCD10-1EF6-4B84-A607-3FE578E09CF8}" srcOrd="0" destOrd="0" parTransId="{9B1A2F7C-2450-441A-8E98-5590A0216C0F}" sibTransId="{89CD8B21-1F04-4F2E-8276-B6F6A8FDD728}"/>
-    <dgm:cxn modelId="{B212622B-E89A-410E-8DF2-21E1F16489BB}" srcId="{2BA398DC-44B5-4B11-A724-B73E05D7E9DF}" destId="{B744A046-4A74-4240-94C0-E4572C4E9202}" srcOrd="1" destOrd="0" parTransId="{FD783284-7709-4153-940E-9DD9E029E02A}" sibTransId="{988DCDD5-55C3-4C36-A62E-F8E1AF47FEF8}"/>
-    <dgm:cxn modelId="{C7CC8891-6ECF-4CCD-A223-BC1A15825A1A}" type="presOf" srcId="{8541E672-E0DC-4CA9-8C48-07F04E1AC87D}" destId="{8539FE12-B94A-4DB5-9363-D625963A994D}" srcOrd="0" destOrd="0" presId="urn:microsoft.com/office/officeart/2008/layout/HorizontalMultiLevelHierarchy"/>
-    <dgm:cxn modelId="{9411AB8C-A928-4131-B0CC-5476637200AD}" srcId="{D8F92CDA-A645-45E2-B5DE-6A3BACB6C859}" destId="{2B18F95E-9338-43E9-A54D-7EB8F97F82C3}" srcOrd="1" destOrd="0" parTransId="{4380BD8A-95E9-4652-8A89-911FA9702253}" sibTransId="{2F9720C6-D07B-48D4-9DBA-4DC4417D4471}"/>
-    <dgm:cxn modelId="{C5533B9D-7ADC-4314-82C1-C4841A3B2538}" type="presOf" srcId="{03A1827D-0486-453D-8D6D-022439E5BEB5}" destId="{3F497CFA-6478-4309-8C27-A4BBA02D3D1D}" srcOrd="0" destOrd="0" presId="urn:microsoft.com/office/officeart/2008/layout/HorizontalMultiLevelHierarchy"/>
-    <dgm:cxn modelId="{FC830A7B-C3B9-41A0-8361-BEC45EF72205}" type="presOf" srcId="{DC5215DC-63FE-4AB9-A5CA-19C1598E79BB}" destId="{6E28F844-322A-4B11-9FD3-C3F3F369B4BB}" srcOrd="0" destOrd="0" presId="urn:microsoft.com/office/officeart/2008/layout/HorizontalMultiLevelHierarchy"/>
-    <dgm:cxn modelId="{B9DA3036-D7DD-49E9-9AD4-515E1CC3D168}" type="presOf" srcId="{92CA22EE-41F8-4C23-BA80-310383AE6AFD}" destId="{C8A74607-627B-4791-8B31-4BA4E02B4D7C}" srcOrd="0" destOrd="0" presId="urn:microsoft.com/office/officeart/2008/layout/HorizontalMultiLevelHierarchy"/>
-    <dgm:cxn modelId="{4A327383-9EF4-4480-9723-6CAC144F5A6D}" srcId="{1B24B018-AD53-4723-9DBC-CD780D3AF7E6}" destId="{88164397-DBD8-4D72-B38B-DE4BF4031B5D}" srcOrd="1" destOrd="0" parTransId="{9A871F26-74E8-4736-985B-EF3BB73DFE34}" sibTransId="{5F96EB68-5BC5-44B9-AAB1-96E5B35432F1}"/>
-    <dgm:cxn modelId="{9EB3195B-FD55-456B-860D-B59B230328CD}" type="presOf" srcId="{4380BD8A-95E9-4652-8A89-911FA9702253}" destId="{11CBC200-06F7-4DD2-9C34-18F45043F91F}" srcOrd="0" destOrd="0" presId="urn:microsoft.com/office/officeart/2008/layout/HorizontalMultiLevelHierarchy"/>
-    <dgm:cxn modelId="{ACE703CE-B203-41A5-A5BA-25025AEF9285}" srcId="{0B9BCD10-1EF6-4B84-A607-3FE578E09CF8}" destId="{24A460EE-1CA7-428D-8C6C-3007FD1B450B}" srcOrd="2" destOrd="0" parTransId="{2C5D07FC-2E11-4C25-B11B-D468629BAEA7}" sibTransId="{4DC157B1-ED9F-496C-B37F-F986FB92159F}"/>
-    <dgm:cxn modelId="{530A820A-DE70-431E-A20B-7969DD8DB6DC}" type="presOf" srcId="{30687554-7B6A-4E42-B0D8-856A3E451C97}" destId="{F61ED2EA-3DCB-4BDF-974A-6D38D5B018AB}" srcOrd="0" destOrd="0" presId="urn:microsoft.com/office/officeart/2008/layout/HorizontalMultiLevelHierarchy"/>
     <dgm:cxn modelId="{76DC0312-C289-4FD4-80B0-19BB822935B9}" srcId="{B9FBD615-B794-4D86-840E-D8BA2BA2AF71}" destId="{1B24B018-AD53-4723-9DBC-CD780D3AF7E6}" srcOrd="0" destOrd="0" parTransId="{D03DBC73-9966-47D9-8ACA-08F2AE277311}" sibTransId="{91254DB3-D8AE-41DC-8D06-472B928DA01A}"/>
-    <dgm:cxn modelId="{E81FAA6C-D968-4DA0-984D-000F8B6D8402}" type="presOf" srcId="{24A460EE-1CA7-428D-8C6C-3007FD1B450B}" destId="{ADC4EBE8-08E2-4FE3-8945-6660CEF6994F}" srcOrd="0" destOrd="0" presId="urn:microsoft.com/office/officeart/2008/layout/HorizontalMultiLevelHierarchy"/>
-    <dgm:cxn modelId="{312BB93A-87FC-4048-9E42-1B35BB662708}" type="presOf" srcId="{9A485257-A8D6-4397-BEDE-96D5D67A5BD8}" destId="{564E8B54-811C-4F63-8549-390678EFB2EA}" srcOrd="1" destOrd="0" presId="urn:microsoft.com/office/officeart/2008/layout/HorizontalMultiLevelHierarchy"/>
-    <dgm:cxn modelId="{7EDA0548-677A-4CD0-8D99-6495D41E8385}" type="presOf" srcId="{34586700-4346-4804-BF1C-747D3EC8A904}" destId="{FCBB2CBA-CAD5-4A99-91DC-CC9D1C91FDCC}" srcOrd="1" destOrd="0" presId="urn:microsoft.com/office/officeart/2008/layout/HorizontalMultiLevelHierarchy"/>
-    <dgm:cxn modelId="{8C669E8E-F3A6-46C2-9FEA-5A6D35E93BBB}" type="presOf" srcId="{B376DC1C-1A4D-4446-88F6-4DFB0AAC6190}" destId="{EEA2D9E6-5C3F-47D0-A681-0364417D24E2}" srcOrd="0" destOrd="0" presId="urn:microsoft.com/office/officeart/2008/layout/HorizontalMultiLevelHierarchy"/>
-    <dgm:cxn modelId="{237AC8DC-2CD1-4575-B3A9-2C5D42DAEF1A}" type="presOf" srcId="{9A485257-A8D6-4397-BEDE-96D5D67A5BD8}" destId="{51ABB488-7F6B-4F15-BF1E-13957DECDEA0}" srcOrd="0" destOrd="0" presId="urn:microsoft.com/office/officeart/2008/layout/HorizontalMultiLevelHierarchy"/>
-    <dgm:cxn modelId="{6186CF23-8F98-46DB-98A7-F1A80F6273EE}" type="presOf" srcId="{1B24B018-AD53-4723-9DBC-CD780D3AF7E6}" destId="{1A4238F2-78DE-41D2-AD7D-244E70141D53}" srcOrd="0" destOrd="0" presId="urn:microsoft.com/office/officeart/2008/layout/HorizontalMultiLevelHierarchy"/>
-    <dgm:cxn modelId="{9655C251-82EC-4546-B5C3-E7820580E64E}" type="presOf" srcId="{DF616C12-DFC6-40E5-BC46-E77E630699CC}" destId="{9F3D299C-912D-48E4-AE76-DBF8471D0058}" srcOrd="0" destOrd="0" presId="urn:microsoft.com/office/officeart/2008/layout/HorizontalMultiLevelHierarchy"/>
-    <dgm:cxn modelId="{F8360B02-CBE4-46B8-B678-61781A65F5FF}" type="presOf" srcId="{0B9BCD10-1EF6-4B84-A607-3FE578E09CF8}" destId="{A20128AE-AD89-4CEA-9148-E73F5681A2EE}" srcOrd="0" destOrd="0" presId="urn:microsoft.com/office/officeart/2008/layout/HorizontalMultiLevelHierarchy"/>
-    <dgm:cxn modelId="{9EBBF0F9-BDED-4531-A1FA-CA878D37D00E}" type="presOf" srcId="{9EEBD96E-C508-492D-AC9A-9F1A3119B996}" destId="{5F45AA15-FBB3-4B44-8E68-EED9491C0D70}" srcOrd="0" destOrd="0" presId="urn:microsoft.com/office/officeart/2008/layout/HorizontalMultiLevelHierarchy"/>
-    <dgm:cxn modelId="{6FA7A831-01D9-4D43-959E-0EFE42468E38}" type="presOf" srcId="{FEB48055-1C34-422E-8C99-E4A7B59A7524}" destId="{BCF6B846-BCE0-4A36-AB58-F37D855BACB3}" srcOrd="0" destOrd="0" presId="urn:microsoft.com/office/officeart/2008/layout/HorizontalMultiLevelHierarchy"/>
-    <dgm:cxn modelId="{1178D50F-366F-4EE7-A7CE-B9E360FA6C9F}" type="presOf" srcId="{DEA1A0C5-BE8D-4B82-B1D8-B4B9DCF4CE1A}" destId="{48AB6F3C-59DC-47D0-9C0E-C348A271EF25}" srcOrd="1" destOrd="0" presId="urn:microsoft.com/office/officeart/2008/layout/HorizontalMultiLevelHierarchy"/>
-    <dgm:cxn modelId="{2288930F-53E6-4EE6-ADDE-2436FA49AA32}" type="presOf" srcId="{B376DC1C-1A4D-4446-88F6-4DFB0AAC6190}" destId="{ACF0F1AD-F143-4BEB-B9B0-4355CC987FF0}" srcOrd="1" destOrd="0" presId="urn:microsoft.com/office/officeart/2008/layout/HorizontalMultiLevelHierarchy"/>
-    <dgm:cxn modelId="{4C1E32DE-6B41-4949-ABB2-3067568C366A}" srcId="{5E4A91D4-2366-4C60-BB3D-496C11657DC0}" destId="{3AD458C6-8419-4D84-9762-23D8C70DAE66}" srcOrd="0" destOrd="0" parTransId="{28B1DEF3-FA5E-434F-985A-593161F70089}" sibTransId="{A88E28B4-7BB8-4343-8CB3-F71BAF5EB0BF}"/>
-    <dgm:cxn modelId="{F342924C-89D7-4CE0-B55E-1988852B0259}" type="presOf" srcId="{62B13B07-F327-4E52-AE5C-A801CC6497E5}" destId="{5538A203-67B7-43B0-B95B-E0940F75E978}" srcOrd="1" destOrd="0" presId="urn:microsoft.com/office/officeart/2008/layout/HorizontalMultiLevelHierarchy"/>
-    <dgm:cxn modelId="{E151C243-1DC3-4E19-9B74-B6879CFBBE57}" srcId="{2B18F95E-9338-43E9-A54D-7EB8F97F82C3}" destId="{8541E672-E0DC-4CA9-8C48-07F04E1AC87D}" srcOrd="1" destOrd="0" parTransId="{8CF6DB56-390F-448F-B8AD-AD66A9D9BF25}" sibTransId="{F472336C-F528-446B-BC65-FFF55677C318}"/>
-    <dgm:cxn modelId="{E276D944-319D-4490-B8A6-6AAAAC46A42F}" type="presOf" srcId="{9CE6119C-2BD8-4D82-857F-27695498162C}" destId="{713A720F-F6BF-407E-86B7-8CE4A23E47B5}" srcOrd="1" destOrd="0" presId="urn:microsoft.com/office/officeart/2008/layout/HorizontalMultiLevelHierarchy"/>
-    <dgm:cxn modelId="{2C415728-5E2E-461D-93B5-C65A85E264C7}" type="presOf" srcId="{A26C579B-D9A2-440D-B584-E528FA053B0A}" destId="{59AE2245-54FD-442F-826F-E34D3A5503D3}" srcOrd="0" destOrd="0" presId="urn:microsoft.com/office/officeart/2008/layout/HorizontalMultiLevelHierarchy"/>
-    <dgm:cxn modelId="{E6CBB6B7-198A-498A-B69E-9521D473AA03}" type="presOf" srcId="{406A186A-33BC-4105-8835-7C5D35980A40}" destId="{7DD80175-2396-4084-9B4F-06D9AFA69696}" srcOrd="0" destOrd="0" presId="urn:microsoft.com/office/officeart/2008/layout/HorizontalMultiLevelHierarchy"/>
-    <dgm:cxn modelId="{E4B2C7CA-0AEB-4F4C-AFE0-E7D062A9E714}" srcId="{0B9BCD10-1EF6-4B84-A607-3FE578E09CF8}" destId="{B9FBD615-B794-4D86-840E-D8BA2BA2AF71}" srcOrd="0" destOrd="0" parTransId="{49D92B24-F087-4E31-A4F6-E7772D5AF36E}" sibTransId="{FC3E2AA8-67C2-46F0-8E41-56E3D801110F}"/>
-    <dgm:cxn modelId="{4A84C0BD-AA51-483C-91BE-6B9C1567A259}" srcId="{406A186A-33BC-4105-8835-7C5D35980A40}" destId="{8DC7735B-9A6C-431C-92AA-042288E1B6AF}" srcOrd="0" destOrd="0" parTransId="{62B13B07-F327-4E52-AE5C-A801CC6497E5}" sibTransId="{D54DEC93-19CD-4835-857E-9EABBFDAD2C8}"/>
-    <dgm:cxn modelId="{C8128AF9-826D-4BA6-8EA1-07D8850B53E2}" srcId="{C1B80BE7-4DEE-497B-98D2-5A6920F4FB8E}" destId="{2D0898D9-1379-4C8B-848A-4DE9262983B4}" srcOrd="1" destOrd="0" parTransId="{9CE6119C-2BD8-4D82-857F-27695498162C}" sibTransId="{D4711AB0-E9D9-47E2-A8EB-1A377D29D6AB}"/>
-    <dgm:cxn modelId="{BA98743E-B70A-430A-ABC8-50FF2FBFDE26}" type="presOf" srcId="{25AB21D2-ED78-4C5E-B945-4D2D0E9CFB55}" destId="{536E7EEE-AE26-4F15-B7DF-40567D90432E}" srcOrd="0" destOrd="0" presId="urn:microsoft.com/office/officeart/2008/layout/HorizontalMultiLevelHierarchy"/>
-    <dgm:cxn modelId="{E47B5DB3-DD92-4F5C-A4CD-438D32EFCF14}" srcId="{5E4A91D4-2366-4C60-BB3D-496C11657DC0}" destId="{1C1944A6-354A-4452-AC1A-3CB32B31AB4A}" srcOrd="1" destOrd="0" parTransId="{9A485257-A8D6-4397-BEDE-96D5D67A5BD8}" sibTransId="{741B0DB4-536A-4FA5-9A70-32EA3328B6E9}"/>
-    <dgm:cxn modelId="{818C5901-157D-4E0D-8721-D7923B55F53C}" srcId="{2BA398DC-44B5-4B11-A724-B73E05D7E9DF}" destId="{5E4A91D4-2366-4C60-BB3D-496C11657DC0}" srcOrd="0" destOrd="0" parTransId="{26479144-D9B7-4B50-8D7C-51FE0917EA76}" sibTransId="{423EFA55-F537-444B-A59D-5885F36136D9}"/>
-    <dgm:cxn modelId="{758EC6AE-BD15-4628-B3F9-205BB2C431BC}" type="presOf" srcId="{0A69AB74-1AD1-4AE0-92DB-B767AF2EA9BB}" destId="{F3C8D12A-0632-4387-A3A7-62683536F1D8}" srcOrd="0" destOrd="0" presId="urn:microsoft.com/office/officeart/2008/layout/HorizontalMultiLevelHierarchy"/>
-    <dgm:cxn modelId="{861347DE-8DA3-447A-B870-2475671C6DA5}" srcId="{8DC7735B-9A6C-431C-92AA-042288E1B6AF}" destId="{9DF11BE9-0A90-4730-8388-20A441D98114}" srcOrd="1" destOrd="0" parTransId="{30687554-7B6A-4E42-B0D8-856A3E451C97}" sibTransId="{1142F7F2-C909-43CF-9BAF-0A9A0B91749C}"/>
-    <dgm:cxn modelId="{2AA6A6AE-5526-43E0-841C-591C6F3782D6}" type="presOf" srcId="{9A871F26-74E8-4736-985B-EF3BB73DFE34}" destId="{E7DB1CDA-3D4C-4818-A88C-6D185D722EC6}" srcOrd="0" destOrd="0" presId="urn:microsoft.com/office/officeart/2008/layout/HorizontalMultiLevelHierarchy"/>
-    <dgm:cxn modelId="{4DD222DF-C542-40B3-BE5D-9E836477DD2B}" type="presOf" srcId="{2C5D07FC-2E11-4C25-B11B-D468629BAEA7}" destId="{FDF87123-BEAA-4C8C-BE86-B5F423001575}" srcOrd="0" destOrd="0" presId="urn:microsoft.com/office/officeart/2008/layout/HorizontalMultiLevelHierarchy"/>
-    <dgm:cxn modelId="{3A37C727-8DD4-436B-8133-66237D514867}" type="presOf" srcId="{2BA398DC-44B5-4B11-A724-B73E05D7E9DF}" destId="{9DE0F9C2-8935-4BB2-9E9C-937F7C914306}" srcOrd="0" destOrd="0" presId="urn:microsoft.com/office/officeart/2008/layout/HorizontalMultiLevelHierarchy"/>
-    <dgm:cxn modelId="{9F3D4254-B3A4-480B-B764-CD0DE6909E39}" type="presOf" srcId="{641F7873-2D89-4584-89E6-13C8B89C0D32}" destId="{2F691A7C-9BCD-4E4F-A41F-920122DDC012}" srcOrd="0" destOrd="0" presId="urn:microsoft.com/office/officeart/2008/layout/HorizontalMultiLevelHierarchy"/>
-    <dgm:cxn modelId="{C204746F-9360-4D9D-A941-80CE7D7C2729}" srcId="{2B18F95E-9338-43E9-A54D-7EB8F97F82C3}" destId="{406A186A-33BC-4105-8835-7C5D35980A40}" srcOrd="0" destOrd="0" parTransId="{DC5215DC-63FE-4AB9-A5CA-19C1598E79BB}" sibTransId="{0016C189-12DE-41B5-BFFB-F01413D9BAF6}"/>
-    <dgm:cxn modelId="{39410F08-B859-4A15-BE8D-9A9E537EC5E9}" type="presOf" srcId="{2B18F95E-9338-43E9-A54D-7EB8F97F82C3}" destId="{2FE9D669-7948-4A54-92D5-EFA1A86CD105}" srcOrd="0" destOrd="0" presId="urn:microsoft.com/office/officeart/2008/layout/HorizontalMultiLevelHierarchy"/>
-    <dgm:cxn modelId="{CCFE51A7-D92E-4107-827A-C589150E9601}" type="presOf" srcId="{8DC7735B-9A6C-431C-92AA-042288E1B6AF}" destId="{D13E8E78-0981-47B7-B509-860D838BA781}" srcOrd="0" destOrd="0" presId="urn:microsoft.com/office/officeart/2008/layout/HorizontalMultiLevelHierarchy"/>
-    <dgm:cxn modelId="{EDFFE7DD-3DD6-4505-A66C-AFE6E440F812}" type="presOf" srcId="{2C5D07FC-2E11-4C25-B11B-D468629BAEA7}" destId="{D2297108-BBF1-4A06-A0FE-E40031175864}" srcOrd="1" destOrd="0" presId="urn:microsoft.com/office/officeart/2008/layout/HorizontalMultiLevelHierarchy"/>
-    <dgm:cxn modelId="{68D12645-EC3F-4459-918E-5085FBF8BE5F}" type="presOf" srcId="{34586700-4346-4804-BF1C-747D3EC8A904}" destId="{2B938EF2-BE37-4FC8-BFD3-6256540813BC}" srcOrd="0" destOrd="0" presId="urn:microsoft.com/office/officeart/2008/layout/HorizontalMultiLevelHierarchy"/>
-    <dgm:cxn modelId="{03B47563-6297-4DD5-BF79-10133E41E5CD}" type="presOf" srcId="{FD783284-7709-4153-940E-9DD9E029E02A}" destId="{67D635C0-48F2-4C8E-A3A2-F35C9A9E45DC}" srcOrd="0" destOrd="0" presId="urn:microsoft.com/office/officeart/2008/layout/HorizontalMultiLevelHierarchy"/>
-    <dgm:cxn modelId="{F111ADB6-1BB9-4C5E-964E-B65800CB0793}" type="presOf" srcId="{26479144-D9B7-4B50-8D7C-51FE0917EA76}" destId="{EAA5B856-0115-455E-A97E-BB584CD51E7D}" srcOrd="1" destOrd="0" presId="urn:microsoft.com/office/officeart/2008/layout/HorizontalMultiLevelHierarchy"/>
-    <dgm:cxn modelId="{BF324ABA-3FCD-41A9-BB43-53D6623CB4DC}" type="presOf" srcId="{75A5C761-B220-40FF-A8F1-BDF368427E79}" destId="{EFF0FDCC-9734-4C94-840C-8D241B8150A8}" srcOrd="0" destOrd="0" presId="urn:microsoft.com/office/officeart/2008/layout/HorizontalMultiLevelHierarchy"/>
-    <dgm:cxn modelId="{8FCFBD36-F133-40B3-AFF9-3C0FE09F7959}" srcId="{8DC7735B-9A6C-431C-92AA-042288E1B6AF}" destId="{2CFC024F-40D5-4978-B0D2-5F1E40D4091C}" srcOrd="2" destOrd="0" parTransId="{B585FA61-ABCC-4C00-904E-F590963CA53E}" sibTransId="{0F4A212E-DFC1-47F1-9D57-F1300933BA27}"/>
-    <dgm:cxn modelId="{C442590F-3BD0-46D2-BCEC-84DD05E75446}" type="presOf" srcId="{F40FF744-1F56-479B-AA89-A0EF61A8890A}" destId="{BEF9F8C4-0E1E-499B-85B7-D8C2527B7D6A}" srcOrd="1" destOrd="0" presId="urn:microsoft.com/office/officeart/2008/layout/HorizontalMultiLevelHierarchy"/>
-    <dgm:cxn modelId="{5012F5CF-617A-4B7C-9750-407CE29B9699}" type="presOf" srcId="{CADCD632-196A-4857-843B-D027D5E1C826}" destId="{C4C9488E-7BE6-4FC9-9B22-FCEA0EF43662}" srcOrd="0" destOrd="0" presId="urn:microsoft.com/office/officeart/2008/layout/HorizontalMultiLevelHierarchy"/>
-    <dgm:cxn modelId="{05D65667-9A85-4391-9AF5-961881DEEE5A}" type="presOf" srcId="{9CE6119C-2BD8-4D82-857F-27695498162C}" destId="{A3E99873-9A6B-448D-882B-6A1290124BE0}" srcOrd="0" destOrd="0" presId="urn:microsoft.com/office/officeart/2008/layout/HorizontalMultiLevelHierarchy"/>
-    <dgm:cxn modelId="{7515D751-7881-464B-9CEA-B6E0EE4F8F9D}" type="presOf" srcId="{B744A046-4A74-4240-94C0-E4572C4E9202}" destId="{3EE425C3-9686-4BDF-A704-1B7FE956B70F}" srcOrd="0" destOrd="0" presId="urn:microsoft.com/office/officeart/2008/layout/HorizontalMultiLevelHierarchy"/>
-    <dgm:cxn modelId="{03D82455-46C9-4A36-946C-50373B7E3126}" type="presOf" srcId="{A09624DF-DDC3-4005-AE6C-949C55F3D201}" destId="{F1112124-658A-4BB6-8E6A-682CC333D5E0}" srcOrd="1" destOrd="0" presId="urn:microsoft.com/office/officeart/2008/layout/HorizontalMultiLevelHierarchy"/>
-    <dgm:cxn modelId="{CE4C7B90-573C-4ED1-9F8C-B613EC48112D}" type="presOf" srcId="{9ACA9546-4CA0-4D0D-A122-ADEA92156DDA}" destId="{843E92B2-B1C5-4679-9F13-92AE67F50E4B}" srcOrd="0" destOrd="0" presId="urn:microsoft.com/office/officeart/2008/layout/HorizontalMultiLevelHierarchy"/>
-    <dgm:cxn modelId="{66A27823-B98C-444C-83B7-BCEF6D394B58}" srcId="{DF616C12-DFC6-40E5-BC46-E77E630699CC}" destId="{D8F92CDA-A645-45E2-B5DE-6A3BACB6C859}" srcOrd="0" destOrd="0" parTransId="{06A209AF-5EAF-4020-86BC-5E53C0A8567F}" sibTransId="{CAE32902-6313-4DE9-8D9B-B0BC18644EB0}"/>
-    <dgm:cxn modelId="{D4AF9259-4EBF-43D7-A890-0AB4B524BFA6}" type="presOf" srcId="{997BBB56-0F09-47A1-9EDD-84E73DDCE053}" destId="{416BF9B8-9B9E-4EDB-8EEE-AD34B69DF4A3}" srcOrd="1" destOrd="0" presId="urn:microsoft.com/office/officeart/2008/layout/HorizontalMultiLevelHierarchy"/>
-    <dgm:cxn modelId="{57B8D45F-04CF-457A-A4ED-88E0106D1772}" type="presOf" srcId="{D03DBC73-9966-47D9-8ACA-08F2AE277311}" destId="{6FB29898-0152-4460-9FA2-C023B30AA889}" srcOrd="0" destOrd="0" presId="urn:microsoft.com/office/officeart/2008/layout/HorizontalMultiLevelHierarchy"/>
-    <dgm:cxn modelId="{F6BD47B1-E4C9-469C-90D3-3873B0FD882C}" type="presOf" srcId="{997BBB56-0F09-47A1-9EDD-84E73DDCE053}" destId="{11A95FA8-BC12-4F2B-93AC-994CC23CB247}" srcOrd="0" destOrd="0" presId="urn:microsoft.com/office/officeart/2008/layout/HorizontalMultiLevelHierarchy"/>
-    <dgm:cxn modelId="{E0DF3A59-E14E-4C7A-830F-2F076F529C32}" type="presOf" srcId="{09A61BE4-FBF2-4678-871E-03F8CFC0E905}" destId="{14B6996B-15A7-4C3C-95B1-F4570CC1C169}" srcOrd="0" destOrd="0" presId="urn:microsoft.com/office/officeart/2008/layout/HorizontalMultiLevelHierarchy"/>
-    <dgm:cxn modelId="{3C6DBA84-9CDB-41B6-A6DB-26E1527305A5}" type="presOf" srcId="{9B1A2F7C-2450-441A-8E98-5590A0216C0F}" destId="{0EEB810B-6E8E-42CE-8965-1DA2530F1893}" srcOrd="1" destOrd="0" presId="urn:microsoft.com/office/officeart/2008/layout/HorizontalMultiLevelHierarchy"/>
-    <dgm:cxn modelId="{4467E879-3E61-4991-8A6A-C5A1A63B49F4}" type="presOf" srcId="{3AD458C6-8419-4D84-9762-23D8C70DAE66}" destId="{F477F308-696E-4EBB-A389-B7BC50374169}" srcOrd="0" destOrd="0" presId="urn:microsoft.com/office/officeart/2008/layout/HorizontalMultiLevelHierarchy"/>
-    <dgm:cxn modelId="{598D3D67-BC1B-443E-9833-8ACCA111D016}" type="presOf" srcId="{BD7D0AF9-68FE-4C26-A056-56C45A6F6BF0}" destId="{F3F472E3-5157-4A9E-B0CD-16FF248F6E0E}" srcOrd="0" destOrd="0" presId="urn:microsoft.com/office/officeart/2008/layout/HorizontalMultiLevelHierarchy"/>
-    <dgm:cxn modelId="{E309E34A-2541-4093-AE96-D08C67BBA9F2}" type="presOf" srcId="{49D92B24-F087-4E31-A4F6-E7772D5AF36E}" destId="{2D6B1399-BFF2-49EA-9491-3E6335B75829}" srcOrd="1" destOrd="0" presId="urn:microsoft.com/office/officeart/2008/layout/HorizontalMultiLevelHierarchy"/>
-    <dgm:cxn modelId="{08516F75-D767-448D-8BE2-626EAD79AE1A}" srcId="{B9FBD615-B794-4D86-840E-D8BA2BA2AF71}" destId="{2BA398DC-44B5-4B11-A724-B73E05D7E9DF}" srcOrd="1" destOrd="0" parTransId="{59511E4B-8EFD-40C1-8769-41EC8A3006F1}" sibTransId="{DEAC2088-FA27-458D-B266-ECB1AFB7A26A}"/>
-    <dgm:cxn modelId="{6F9468CD-6492-408D-9163-16E80F613DD4}" srcId="{D8F92CDA-A645-45E2-B5DE-6A3BACB6C859}" destId="{9A727AB6-4DAD-40D1-AFE1-8312D97F8394}" srcOrd="2" destOrd="0" parTransId="{03A1827D-0486-453D-8D6D-022439E5BEB5}" sibTransId="{5844ED66-CD55-407C-94D2-DAB670402374}"/>
-    <dgm:cxn modelId="{4D1868B3-148F-4F71-A708-469F6DEC5B07}" type="presOf" srcId="{A26C579B-D9A2-440D-B584-E528FA053B0A}" destId="{70AD1357-89BE-4B28-B9F5-7D58CDC1F51E}" srcOrd="1" destOrd="0" presId="urn:microsoft.com/office/officeart/2008/layout/HorizontalMultiLevelHierarchy"/>
-    <dgm:cxn modelId="{756D8C65-2479-46B8-A072-D2D3FAB7D43A}" type="presOf" srcId="{59511E4B-8EFD-40C1-8769-41EC8A3006F1}" destId="{54971FDB-F67F-4F3B-92B6-E77D3DFFDC8A}" srcOrd="0" destOrd="0" presId="urn:microsoft.com/office/officeart/2008/layout/HorizontalMultiLevelHierarchy"/>
     <dgm:cxn modelId="{7B045C63-B0BE-40DA-AB96-E730CCA09FC4}" srcId="{C1B80BE7-4DEE-497B-98D2-5A6920F4FB8E}" destId="{641F7873-2D89-4584-89E6-13C8B89C0D32}" srcOrd="0" destOrd="0" parTransId="{FEB48055-1C34-422E-8C99-E4A7B59A7524}" sibTransId="{96A2E5C7-2CF0-423F-BFE0-93FA06ED6F48}"/>
     <dgm:cxn modelId="{023D50EC-9B26-4D30-9607-1DC34E9B762C}" srcId="{C1B80BE7-4DEE-497B-98D2-5A6920F4FB8E}" destId="{537D9D52-BB4C-4295-A6FC-1F3EE30F7C8A}" srcOrd="2" destOrd="0" parTransId="{051E6169-5FA5-4711-8079-FA56C87AB900}" sibTransId="{F0E984BC-DC53-47EA-8DC0-9C6E7F46139F}"/>
+    <dgm:cxn modelId="{F6F53734-EA2A-43D5-B234-2DCAED7A8E5D}" type="presOf" srcId="{D8F92CDA-A645-45E2-B5DE-6A3BACB6C859}" destId="{67239EAB-1659-405F-9D37-5E8449D29F93}" srcOrd="0" destOrd="0" presId="urn:microsoft.com/office/officeart/2008/layout/HorizontalMultiLevelHierarchy"/>
+    <dgm:cxn modelId="{CCFE51A7-D92E-4107-827A-C589150E9601}" type="presOf" srcId="{8DC7735B-9A6C-431C-92AA-042288E1B6AF}" destId="{D13E8E78-0981-47B7-B509-860D838BA781}" srcOrd="0" destOrd="0" presId="urn:microsoft.com/office/officeart/2008/layout/HorizontalMultiLevelHierarchy"/>
+    <dgm:cxn modelId="{D489B8BF-B8CA-4BB6-A416-E6DD54D36BC7}" type="presOf" srcId="{B585FA61-ABCC-4C00-904E-F590963CA53E}" destId="{1E06D912-FF04-489C-8B3E-C635F21EF1DC}" srcOrd="1" destOrd="0" presId="urn:microsoft.com/office/officeart/2008/layout/HorizontalMultiLevelHierarchy"/>
+    <dgm:cxn modelId="{861347DE-8DA3-447A-B870-2475671C6DA5}" srcId="{8DC7735B-9A6C-431C-92AA-042288E1B6AF}" destId="{9DF11BE9-0A90-4730-8388-20A441D98114}" srcOrd="1" destOrd="0" parTransId="{30687554-7B6A-4E42-B0D8-856A3E451C97}" sibTransId="{1142F7F2-C909-43CF-9BAF-0A9A0B91749C}"/>
+    <dgm:cxn modelId="{9D443CF1-5C82-48F8-9FEB-E565EBC3801B}" srcId="{09A61BE4-FBF2-4678-871E-03F8CFC0E905}" destId="{92CA22EE-41F8-4C23-BA80-310383AE6AFD}" srcOrd="2" destOrd="0" parTransId="{34586700-4346-4804-BF1C-747D3EC8A904}" sibTransId="{4FCB76E3-A272-4DCC-A200-4963C5F7C588}"/>
+    <dgm:cxn modelId="{BF324ABA-3FCD-41A9-BB43-53D6623CB4DC}" type="presOf" srcId="{75A5C761-B220-40FF-A8F1-BDF368427E79}" destId="{EFF0FDCC-9734-4C94-840C-8D241B8150A8}" srcOrd="0" destOrd="0" presId="urn:microsoft.com/office/officeart/2008/layout/HorizontalMultiLevelHierarchy"/>
+    <dgm:cxn modelId="{9F3D4254-B3A4-480B-B764-CD0DE6909E39}" type="presOf" srcId="{641F7873-2D89-4584-89E6-13C8B89C0D32}" destId="{2F691A7C-9BCD-4E4F-A41F-920122DDC012}" srcOrd="0" destOrd="0" presId="urn:microsoft.com/office/officeart/2008/layout/HorizontalMultiLevelHierarchy"/>
+    <dgm:cxn modelId="{ACE703CE-B203-41A5-A5BA-25025AEF9285}" srcId="{0B9BCD10-1EF6-4B84-A607-3FE578E09CF8}" destId="{24A460EE-1CA7-428D-8C6C-3007FD1B450B}" srcOrd="2" destOrd="0" parTransId="{2C5D07FC-2E11-4C25-B11B-D468629BAEA7}" sibTransId="{4DC157B1-ED9F-496C-B37F-F986FB92159F}"/>
+    <dgm:cxn modelId="{4556C305-87F7-4794-952A-321EE7D7C618}" type="presOf" srcId="{28B1DEF3-FA5E-434F-985A-593161F70089}" destId="{6C6D8E9D-7873-4EE3-A7C8-467DB1B38886}" srcOrd="0" destOrd="0" presId="urn:microsoft.com/office/officeart/2008/layout/HorizontalMultiLevelHierarchy"/>
+    <dgm:cxn modelId="{7515D751-7881-464B-9CEA-B6E0EE4F8F9D}" type="presOf" srcId="{B744A046-4A74-4240-94C0-E4572C4E9202}" destId="{3EE425C3-9686-4BDF-A704-1B7FE956B70F}" srcOrd="0" destOrd="0" presId="urn:microsoft.com/office/officeart/2008/layout/HorizontalMultiLevelHierarchy"/>
+    <dgm:cxn modelId="{E47B5DB3-DD92-4F5C-A4CD-438D32EFCF14}" srcId="{5E4A91D4-2366-4C60-BB3D-496C11657DC0}" destId="{1C1944A6-354A-4452-AC1A-3CB32B31AB4A}" srcOrd="1" destOrd="0" parTransId="{9A485257-A8D6-4397-BEDE-96D5D67A5BD8}" sibTransId="{741B0DB4-536A-4FA5-9A70-32EA3328B6E9}"/>
+    <dgm:cxn modelId="{490CFF5B-BAB5-4C69-927D-552C39D31FC1}" type="presOf" srcId="{C1B80BE7-4DEE-497B-98D2-5A6920F4FB8E}" destId="{7A687C9C-1CE1-4FCD-8F95-CDF2CE96AF7A}" srcOrd="0" destOrd="0" presId="urn:microsoft.com/office/officeart/2008/layout/HorizontalMultiLevelHierarchy"/>
+    <dgm:cxn modelId="{C442590F-3BD0-46D2-BCEC-84DD05E75446}" type="presOf" srcId="{F40FF744-1F56-479B-AA89-A0EF61A8890A}" destId="{BEF9F8C4-0E1E-499B-85B7-D8C2527B7D6A}" srcOrd="1" destOrd="0" presId="urn:microsoft.com/office/officeart/2008/layout/HorizontalMultiLevelHierarchy"/>
+    <dgm:cxn modelId="{D5342207-BB6B-4D26-A140-7DB4DA7936DA}" type="presOf" srcId="{49D92B24-F087-4E31-A4F6-E7772D5AF36E}" destId="{E0BC23FD-A123-4F6F-B29F-B1B1A8DCFCAA}" srcOrd="0" destOrd="0" presId="urn:microsoft.com/office/officeart/2008/layout/HorizontalMultiLevelHierarchy"/>
+    <dgm:cxn modelId="{3BFFA573-B543-49A1-BB06-F45E87F54B2C}" type="presOf" srcId="{9A727AB6-4DAD-40D1-AFE1-8312D97F8394}" destId="{65D4BBB4-1790-4173-81B6-560190FD91AB}" srcOrd="0" destOrd="0" presId="urn:microsoft.com/office/officeart/2008/layout/HorizontalMultiLevelHierarchy"/>
+    <dgm:cxn modelId="{39410F08-B859-4A15-BE8D-9A9E537EC5E9}" type="presOf" srcId="{2B18F95E-9338-43E9-A54D-7EB8F97F82C3}" destId="{2FE9D669-7948-4A54-92D5-EFA1A86CD105}" srcOrd="0" destOrd="0" presId="urn:microsoft.com/office/officeart/2008/layout/HorizontalMultiLevelHierarchy"/>
     <dgm:cxn modelId="{AAF8CD24-7028-490D-B031-DDA1A1D8FB46}" type="presOf" srcId="{F40FF744-1F56-479B-AA89-A0EF61A8890A}" destId="{7137EB5A-E346-4115-9F66-B74C3542748E}" srcOrd="0" destOrd="0" presId="urn:microsoft.com/office/officeart/2008/layout/HorizontalMultiLevelHierarchy"/>
-    <dgm:cxn modelId="{490CFF5B-BAB5-4C69-927D-552C39D31FC1}" type="presOf" srcId="{C1B80BE7-4DEE-497B-98D2-5A6920F4FB8E}" destId="{7A687C9C-1CE1-4FCD-8F95-CDF2CE96AF7A}" srcOrd="0" destOrd="0" presId="urn:microsoft.com/office/officeart/2008/layout/HorizontalMultiLevelHierarchy"/>
+    <dgm:cxn modelId="{756D8C65-2479-46B8-A072-D2D3FAB7D43A}" type="presOf" srcId="{59511E4B-8EFD-40C1-8769-41EC8A3006F1}" destId="{54971FDB-F67F-4F3B-92B6-E77D3DFFDC8A}" srcOrd="0" destOrd="0" presId="urn:microsoft.com/office/officeart/2008/layout/HorizontalMultiLevelHierarchy"/>
+    <dgm:cxn modelId="{C0AD8CD7-D8F4-4B38-8A51-D889AD14A718}" type="presOf" srcId="{9DF11BE9-0A90-4730-8388-20A441D98114}" destId="{44701C57-D211-4D71-857F-299A0D735E28}" srcOrd="0" destOrd="0" presId="urn:microsoft.com/office/officeart/2008/layout/HorizontalMultiLevelHierarchy"/>
+    <dgm:cxn modelId="{DA371626-71DC-435A-AB46-3EB51E1D73BE}" type="presOf" srcId="{9B1A2F7C-2450-441A-8E98-5590A0216C0F}" destId="{4DD7F22F-5100-4F0E-840A-57F6C2B4824E}" srcOrd="0" destOrd="0" presId="urn:microsoft.com/office/officeart/2008/layout/HorizontalMultiLevelHierarchy"/>
+    <dgm:cxn modelId="{3A1E4BCD-10FF-4F2E-A4C8-E8E4C32B521F}" type="presOf" srcId="{D03DBC73-9966-47D9-8ACA-08F2AE277311}" destId="{3C88D30A-236C-421C-8732-EB921582DAAC}" srcOrd="1" destOrd="0" presId="urn:microsoft.com/office/officeart/2008/layout/HorizontalMultiLevelHierarchy"/>
+    <dgm:cxn modelId="{E0DF3A59-E14E-4C7A-830F-2F076F529C32}" type="presOf" srcId="{09A61BE4-FBF2-4678-871E-03F8CFC0E905}" destId="{14B6996B-15A7-4C3C-95B1-F4570CC1C169}" srcOrd="0" destOrd="0" presId="urn:microsoft.com/office/officeart/2008/layout/HorizontalMultiLevelHierarchy"/>
+    <dgm:cxn modelId="{7EDA0548-677A-4CD0-8D99-6495D41E8385}" type="presOf" srcId="{34586700-4346-4804-BF1C-747D3EC8A904}" destId="{FCBB2CBA-CAD5-4A99-91DC-CC9D1C91FDCC}" srcOrd="1" destOrd="0" presId="urn:microsoft.com/office/officeart/2008/layout/HorizontalMultiLevelHierarchy"/>
+    <dgm:cxn modelId="{8D509E34-F004-4A2F-8ABB-7C054D2FA32F}" type="presOf" srcId="{DC5215DC-63FE-4AB9-A5CA-19C1598E79BB}" destId="{C766337D-55E3-4319-A86A-D68705C17A30}" srcOrd="1" destOrd="0" presId="urn:microsoft.com/office/officeart/2008/layout/HorizontalMultiLevelHierarchy"/>
+    <dgm:cxn modelId="{57B8D45F-04CF-457A-A4ED-88E0106D1772}" type="presOf" srcId="{D03DBC73-9966-47D9-8ACA-08F2AE277311}" destId="{6FB29898-0152-4460-9FA2-C023B30AA889}" srcOrd="0" destOrd="0" presId="urn:microsoft.com/office/officeart/2008/layout/HorizontalMultiLevelHierarchy"/>
+    <dgm:cxn modelId="{E81FAA6C-D968-4DA0-984D-000F8B6D8402}" type="presOf" srcId="{24A460EE-1CA7-428D-8C6C-3007FD1B450B}" destId="{ADC4EBE8-08E2-4FE3-8945-6660CEF6994F}" srcOrd="0" destOrd="0" presId="urn:microsoft.com/office/officeart/2008/layout/HorizontalMultiLevelHierarchy"/>
+    <dgm:cxn modelId="{0170356D-0E79-4771-AEF4-5F2BB26DB428}" srcId="{1B24B018-AD53-4723-9DBC-CD780D3AF7E6}" destId="{C1B80BE7-4DEE-497B-98D2-5A6920F4FB8E}" srcOrd="0" destOrd="0" parTransId="{F40FF744-1F56-479B-AA89-A0EF61A8890A}" sibTransId="{B25B9810-DE16-4F8F-B2B2-7C0B2E9FCF23}"/>
+    <dgm:cxn modelId="{BA98743E-B70A-430A-ABC8-50FF2FBFDE26}" type="presOf" srcId="{25AB21D2-ED78-4C5E-B945-4D2D0E9CFB55}" destId="{536E7EEE-AE26-4F15-B7DF-40567D90432E}" srcOrd="0" destOrd="0" presId="urn:microsoft.com/office/officeart/2008/layout/HorizontalMultiLevelHierarchy"/>
+    <dgm:cxn modelId="{6FA7A831-01D9-4D43-959E-0EFE42468E38}" type="presOf" srcId="{FEB48055-1C34-422E-8C99-E4A7B59A7524}" destId="{BCF6B846-BCE0-4A36-AB58-F37D855BACB3}" srcOrd="0" destOrd="0" presId="urn:microsoft.com/office/officeart/2008/layout/HorizontalMultiLevelHierarchy"/>
+    <dgm:cxn modelId="{9EBBF0F9-BDED-4531-A1FA-CA878D37D00E}" type="presOf" srcId="{9EEBD96E-C508-492D-AC9A-9F1A3119B996}" destId="{5F45AA15-FBB3-4B44-8E68-EED9491C0D70}" srcOrd="0" destOrd="0" presId="urn:microsoft.com/office/officeart/2008/layout/HorizontalMultiLevelHierarchy"/>
+    <dgm:cxn modelId="{E9F0CC81-E15D-4EC0-A978-E263E8990868}" srcId="{0B9BCD10-1EF6-4B84-A607-3FE578E09CF8}" destId="{25AB21D2-ED78-4C5E-B945-4D2D0E9CFB55}" srcOrd="1" destOrd="0" parTransId="{CADCD632-196A-4857-843B-D027D5E1C826}" sibTransId="{68DFEF4E-9ED3-4348-82A8-E2207D27558D}"/>
+    <dgm:cxn modelId="{33CF75AD-8066-46D1-B95A-36C88CEACE7D}" type="presOf" srcId="{28B1DEF3-FA5E-434F-985A-593161F70089}" destId="{B10566F1-6764-4207-91A3-FAD8D64F1C28}" srcOrd="1" destOrd="0" presId="urn:microsoft.com/office/officeart/2008/layout/HorizontalMultiLevelHierarchy"/>
+    <dgm:cxn modelId="{F6BD47B1-E4C9-469C-90D3-3873B0FD882C}" type="presOf" srcId="{997BBB56-0F09-47A1-9EDD-84E73DDCE053}" destId="{11A95FA8-BC12-4F2B-93AC-994CC23CB247}" srcOrd="0" destOrd="0" presId="urn:microsoft.com/office/officeart/2008/layout/HorizontalMultiLevelHierarchy"/>
+    <dgm:cxn modelId="{66959252-2C68-4B96-B3F0-E71A2075B1F2}" type="presOf" srcId="{051E6169-5FA5-4711-8079-FA56C87AB900}" destId="{0F4448C4-16D0-412B-B97C-B3EE8C574400}" srcOrd="0" destOrd="0" presId="urn:microsoft.com/office/officeart/2008/layout/HorizontalMultiLevelHierarchy"/>
+    <dgm:cxn modelId="{F762D2E4-68EB-4B2A-ADA2-ABD87ADC2F3E}" type="presOf" srcId="{B9FBD615-B794-4D86-840E-D8BA2BA2AF71}" destId="{71B02E8A-448E-4584-80E9-059B52DDB850}" srcOrd="0" destOrd="0" presId="urn:microsoft.com/office/officeart/2008/layout/HorizontalMultiLevelHierarchy"/>
+    <dgm:cxn modelId="{4A327383-9EF4-4480-9723-6CAC144F5A6D}" srcId="{1B24B018-AD53-4723-9DBC-CD780D3AF7E6}" destId="{88164397-DBD8-4D72-B38B-DE4BF4031B5D}" srcOrd="1" destOrd="0" parTransId="{9A871F26-74E8-4736-985B-EF3BB73DFE34}" sibTransId="{5F96EB68-5BC5-44B9-AAB1-96E5B35432F1}"/>
+    <dgm:cxn modelId="{5012F5CF-617A-4B7C-9750-407CE29B9699}" type="presOf" srcId="{CADCD632-196A-4857-843B-D027D5E1C826}" destId="{C4C9488E-7BE6-4FC9-9B22-FCEA0EF43662}" srcOrd="0" destOrd="0" presId="urn:microsoft.com/office/officeart/2008/layout/HorizontalMultiLevelHierarchy"/>
+    <dgm:cxn modelId="{FC830A7B-C3B9-41A0-8361-BEC45EF72205}" type="presOf" srcId="{DC5215DC-63FE-4AB9-A5CA-19C1598E79BB}" destId="{6E28F844-322A-4B11-9FD3-C3F3F369B4BB}" srcOrd="0" destOrd="0" presId="urn:microsoft.com/office/officeart/2008/layout/HorizontalMultiLevelHierarchy"/>
+    <dgm:cxn modelId="{758EC6AE-BD15-4628-B3F9-205BB2C431BC}" type="presOf" srcId="{0A69AB74-1AD1-4AE0-92DB-B767AF2EA9BB}" destId="{F3C8D12A-0632-4387-A3A7-62683536F1D8}" srcOrd="0" destOrd="0" presId="urn:microsoft.com/office/officeart/2008/layout/HorizontalMultiLevelHierarchy"/>
+    <dgm:cxn modelId="{312BB93A-87FC-4048-9E42-1B35BB662708}" type="presOf" srcId="{9A485257-A8D6-4397-BEDE-96D5D67A5BD8}" destId="{564E8B54-811C-4F63-8549-390678EFB2EA}" srcOrd="1" destOrd="0" presId="urn:microsoft.com/office/officeart/2008/layout/HorizontalMultiLevelHierarchy"/>
+    <dgm:cxn modelId="{E151C243-1DC3-4E19-9B74-B6879CFBBE57}" srcId="{2B18F95E-9338-43E9-A54D-7EB8F97F82C3}" destId="{8541E672-E0DC-4CA9-8C48-07F04E1AC87D}" srcOrd="1" destOrd="0" parTransId="{8CF6DB56-390F-448F-B8AD-AD66A9D9BF25}" sibTransId="{F472336C-F528-446B-BC65-FFF55677C318}"/>
+    <dgm:cxn modelId="{72D747E2-7A24-4507-90CE-D56B28D36106}" type="presOf" srcId="{62B13B07-F327-4E52-AE5C-A801CC6497E5}" destId="{9D957ECC-C536-4171-9E3F-ADA463C520DE}" srcOrd="0" destOrd="0" presId="urn:microsoft.com/office/officeart/2008/layout/HorizontalMultiLevelHierarchy"/>
+    <dgm:cxn modelId="{68D12645-EC3F-4459-918E-5085FBF8BE5F}" type="presOf" srcId="{34586700-4346-4804-BF1C-747D3EC8A904}" destId="{2B938EF2-BE37-4FC8-BFD3-6256540813BC}" srcOrd="0" destOrd="0" presId="urn:microsoft.com/office/officeart/2008/layout/HorizontalMultiLevelHierarchy"/>
+    <dgm:cxn modelId="{6186CF23-8F98-46DB-98A7-F1A80F6273EE}" type="presOf" srcId="{1B24B018-AD53-4723-9DBC-CD780D3AF7E6}" destId="{1A4238F2-78DE-41D2-AD7D-244E70141D53}" srcOrd="0" destOrd="0" presId="urn:microsoft.com/office/officeart/2008/layout/HorizontalMultiLevelHierarchy"/>
+    <dgm:cxn modelId="{4DD222DF-C542-40B3-BE5D-9E836477DD2B}" type="presOf" srcId="{2C5D07FC-2E11-4C25-B11B-D468629BAEA7}" destId="{FDF87123-BEAA-4C8C-BE86-B5F423001575}" srcOrd="0" destOrd="0" presId="urn:microsoft.com/office/officeart/2008/layout/HorizontalMultiLevelHierarchy"/>
+    <dgm:cxn modelId="{A360A27B-7A4F-4F5A-A8D8-10426122DD2A}" srcId="{9A727AB6-4DAD-40D1-AFE1-8312D97F8394}" destId="{0B9BCD10-1EF6-4B84-A607-3FE578E09CF8}" srcOrd="0" destOrd="0" parTransId="{9B1A2F7C-2450-441A-8E98-5590A0216C0F}" sibTransId="{89CD8B21-1F04-4F2E-8276-B6F6A8FDD728}"/>
+    <dgm:cxn modelId="{08516F75-D767-448D-8BE2-626EAD79AE1A}" srcId="{B9FBD615-B794-4D86-840E-D8BA2BA2AF71}" destId="{2BA398DC-44B5-4B11-A724-B73E05D7E9DF}" srcOrd="1" destOrd="0" parTransId="{59511E4B-8EFD-40C1-8769-41EC8A3006F1}" sibTransId="{DEAC2088-FA27-458D-B266-ECB1AFB7A26A}"/>
+    <dgm:cxn modelId="{2C415728-5E2E-461D-93B5-C65A85E264C7}" type="presOf" srcId="{A26C579B-D9A2-440D-B584-E528FA053B0A}" destId="{59AE2245-54FD-442F-826F-E34D3A5503D3}" srcOrd="0" destOrd="0" presId="urn:microsoft.com/office/officeart/2008/layout/HorizontalMultiLevelHierarchy"/>
+    <dgm:cxn modelId="{53404176-D94B-4222-9B06-05B20F95C1C7}" type="presOf" srcId="{88164397-DBD8-4D72-B38B-DE4BF4031B5D}" destId="{A8FC37A2-9B31-4489-B0A8-9E802EBAF3A0}" srcOrd="0" destOrd="0" presId="urn:microsoft.com/office/officeart/2008/layout/HorizontalMultiLevelHierarchy"/>
+    <dgm:cxn modelId="{4467E879-3E61-4991-8A6A-C5A1A63B49F4}" type="presOf" srcId="{3AD458C6-8419-4D84-9762-23D8C70DAE66}" destId="{F477F308-696E-4EBB-A389-B7BC50374169}" srcOrd="0" destOrd="0" presId="urn:microsoft.com/office/officeart/2008/layout/HorizontalMultiLevelHierarchy"/>
+    <dgm:cxn modelId="{806AAB25-7D31-422C-9950-4C135CED6002}" type="presOf" srcId="{CADCD632-196A-4857-843B-D027D5E1C826}" destId="{8326D004-29DB-4CCB-873E-728791BF390D}" srcOrd="1" destOrd="0" presId="urn:microsoft.com/office/officeart/2008/layout/HorizontalMultiLevelHierarchy"/>
+    <dgm:cxn modelId="{2902542B-334F-4E04-A930-E271580E6ED4}" type="presOf" srcId="{8CF6DB56-390F-448F-B8AD-AD66A9D9BF25}" destId="{BCB0C310-6712-457C-83F4-AD90D18B30F1}" srcOrd="0" destOrd="0" presId="urn:microsoft.com/office/officeart/2008/layout/HorizontalMultiLevelHierarchy"/>
+    <dgm:cxn modelId="{6F9468CD-6492-408D-9163-16E80F613DD4}" srcId="{D8F92CDA-A645-45E2-B5DE-6A3BACB6C859}" destId="{9A727AB6-4DAD-40D1-AFE1-8312D97F8394}" srcOrd="2" destOrd="0" parTransId="{03A1827D-0486-453D-8D6D-022439E5BEB5}" sibTransId="{5844ED66-CD55-407C-94D2-DAB670402374}"/>
+    <dgm:cxn modelId="{558A6E26-99F4-4842-A47F-BB8606B49EDB}" type="presOf" srcId="{B585FA61-ABCC-4C00-904E-F590963CA53E}" destId="{EF1303F6-08C0-48FA-B58F-D294B3FD0956}" srcOrd="0" destOrd="0" presId="urn:microsoft.com/office/officeart/2008/layout/HorizontalMultiLevelHierarchy"/>
+    <dgm:cxn modelId="{4A84C0BD-AA51-483C-91BE-6B9C1567A259}" srcId="{406A186A-33BC-4105-8835-7C5D35980A40}" destId="{8DC7735B-9A6C-431C-92AA-042288E1B6AF}" srcOrd="0" destOrd="0" parTransId="{62B13B07-F327-4E52-AE5C-A801CC6497E5}" sibTransId="{D54DEC93-19CD-4835-857E-9EABBFDAD2C8}"/>
+    <dgm:cxn modelId="{9FCF1EEF-9288-4A35-9300-258913D8F95E}" type="presOf" srcId="{8CF6DB56-390F-448F-B8AD-AD66A9D9BF25}" destId="{5ECC096B-424B-4AE3-9CAF-347D26D92FBF}" srcOrd="1" destOrd="0" presId="urn:microsoft.com/office/officeart/2008/layout/HorizontalMultiLevelHierarchy"/>
+    <dgm:cxn modelId="{32F6D06B-1387-40A9-98EB-275DC7610273}" type="presOf" srcId="{1C1944A6-354A-4452-AC1A-3CB32B31AB4A}" destId="{057661AD-CB3F-4EFF-A165-3CB41187F5B8}" srcOrd="0" destOrd="0" presId="urn:microsoft.com/office/officeart/2008/layout/HorizontalMultiLevelHierarchy"/>
+    <dgm:cxn modelId="{C5533B9D-7ADC-4314-82C1-C4841A3B2538}" type="presOf" srcId="{03A1827D-0486-453D-8D6D-022439E5BEB5}" destId="{3F497CFA-6478-4309-8C27-A4BBA02D3D1D}" srcOrd="0" destOrd="0" presId="urn:microsoft.com/office/officeart/2008/layout/HorizontalMultiLevelHierarchy"/>
+    <dgm:cxn modelId="{E4B2C7CA-0AEB-4F4C-AFE0-E7D062A9E714}" srcId="{0B9BCD10-1EF6-4B84-A607-3FE578E09CF8}" destId="{B9FBD615-B794-4D86-840E-D8BA2BA2AF71}" srcOrd="0" destOrd="0" parTransId="{49D92B24-F087-4E31-A4F6-E7772D5AF36E}" sibTransId="{FC3E2AA8-67C2-46F0-8E41-56E3D801110F}"/>
+    <dgm:cxn modelId="{03B47563-6297-4DD5-BF79-10133E41E5CD}" type="presOf" srcId="{FD783284-7709-4153-940E-9DD9E029E02A}" destId="{67D635C0-48F2-4C8E-A3A2-F35C9A9E45DC}" srcOrd="0" destOrd="0" presId="urn:microsoft.com/office/officeart/2008/layout/HorizontalMultiLevelHierarchy"/>
+    <dgm:cxn modelId="{0EED5EAD-78F8-45FD-81BD-8E983C727040}" type="presOf" srcId="{26479144-D9B7-4B50-8D7C-51FE0917EA76}" destId="{E8B9E04F-8911-439D-A990-57E0C8BD86F4}" srcOrd="0" destOrd="0" presId="urn:microsoft.com/office/officeart/2008/layout/HorizontalMultiLevelHierarchy"/>
+    <dgm:cxn modelId="{447A3D2D-D238-46C1-99F3-95BB3A0A1063}" type="presOf" srcId="{DEA1A0C5-BE8D-4B82-B1D8-B4B9DCF4CE1A}" destId="{E6122314-4232-42C9-987E-46FE0FA3495B}" srcOrd="0" destOrd="0" presId="urn:microsoft.com/office/officeart/2008/layout/HorizontalMultiLevelHierarchy"/>
     <dgm:cxn modelId="{8E3CCA70-54B5-4D78-9A0F-E19E92F93E1B}" type="presOf" srcId="{30687554-7B6A-4E42-B0D8-856A3E451C97}" destId="{B46CE3C4-D8FC-4818-B7F0-507EA6A00C10}" srcOrd="1" destOrd="0" presId="urn:microsoft.com/office/officeart/2008/layout/HorizontalMultiLevelHierarchy"/>
-    <dgm:cxn modelId="{3A1E4BCD-10FF-4F2E-A4C8-E8E4C32B521F}" type="presOf" srcId="{D03DBC73-9966-47D9-8ACA-08F2AE277311}" destId="{3C88D30A-236C-421C-8732-EB921582DAAC}" srcOrd="1" destOrd="0" presId="urn:microsoft.com/office/officeart/2008/layout/HorizontalMultiLevelHierarchy"/>
-    <dgm:cxn modelId="{C0AD8CD7-D8F4-4B38-8A51-D889AD14A718}" type="presOf" srcId="{9DF11BE9-0A90-4730-8388-20A441D98114}" destId="{44701C57-D211-4D71-857F-299A0D735E28}" srcOrd="0" destOrd="0" presId="urn:microsoft.com/office/officeart/2008/layout/HorizontalMultiLevelHierarchy"/>
-    <dgm:cxn modelId="{72D747E2-7A24-4507-90CE-D56B28D36106}" type="presOf" srcId="{62B13B07-F327-4E52-AE5C-A801CC6497E5}" destId="{9D957ECC-C536-4171-9E3F-ADA463C520DE}" srcOrd="0" destOrd="0" presId="urn:microsoft.com/office/officeart/2008/layout/HorizontalMultiLevelHierarchy"/>
+    <dgm:cxn modelId="{1DAC132B-AAC1-4A00-8D5A-06E5590D6271}" type="presOf" srcId="{9A871F26-74E8-4736-985B-EF3BB73DFE34}" destId="{15AE2F48-9DB0-4B24-ADB3-E3970E729EE5}" srcOrd="1" destOrd="0" presId="urn:microsoft.com/office/officeart/2008/layout/HorizontalMultiLevelHierarchy"/>
+    <dgm:cxn modelId="{1E8C2C99-6FE9-4910-BF70-446748759C8D}" srcId="{8DC7735B-9A6C-431C-92AA-042288E1B6AF}" destId="{DE9229B0-83CB-4AFE-B09E-2D25B676FB5D}" srcOrd="0" destOrd="0" parTransId="{DEA1A0C5-BE8D-4B82-B1D8-B4B9DCF4CE1A}" sibTransId="{2F5473A1-4FE3-4875-907C-12B17C85165B}"/>
+    <dgm:cxn modelId="{05D65667-9A85-4391-9AF5-961881DEEE5A}" type="presOf" srcId="{9CE6119C-2BD8-4D82-857F-27695498162C}" destId="{A3E99873-9A6B-448D-882B-6A1290124BE0}" srcOrd="0" destOrd="0" presId="urn:microsoft.com/office/officeart/2008/layout/HorizontalMultiLevelHierarchy"/>
+    <dgm:cxn modelId="{F111ADB6-1BB9-4C5E-964E-B65800CB0793}" type="presOf" srcId="{26479144-D9B7-4B50-8D7C-51FE0917EA76}" destId="{EAA5B856-0115-455E-A97E-BB584CD51E7D}" srcOrd="1" destOrd="0" presId="urn:microsoft.com/office/officeart/2008/layout/HorizontalMultiLevelHierarchy"/>
+    <dgm:cxn modelId="{2AA6A6AE-5526-43E0-841C-591C6F3782D6}" type="presOf" srcId="{9A871F26-74E8-4736-985B-EF3BB73DFE34}" destId="{E7DB1CDA-3D4C-4818-A88C-6D185D722EC6}" srcOrd="0" destOrd="0" presId="urn:microsoft.com/office/officeart/2008/layout/HorizontalMultiLevelHierarchy"/>
+    <dgm:cxn modelId="{B212622B-E89A-410E-8DF2-21E1F16489BB}" srcId="{2BA398DC-44B5-4B11-A724-B73E05D7E9DF}" destId="{B744A046-4A74-4240-94C0-E4572C4E9202}" srcOrd="1" destOrd="0" parTransId="{FD783284-7709-4153-940E-9DD9E029E02A}" sibTransId="{988DCDD5-55C3-4C36-A62E-F8E1AF47FEF8}"/>
+    <dgm:cxn modelId="{66A27823-B98C-444C-83B7-BCEF6D394B58}" srcId="{DF616C12-DFC6-40E5-BC46-E77E630699CC}" destId="{D8F92CDA-A645-45E2-B5DE-6A3BACB6C859}" srcOrd="0" destOrd="0" parTransId="{06A209AF-5EAF-4020-86BC-5E53C0A8567F}" sibTransId="{CAE32902-6313-4DE9-8D9B-B0BC18644EB0}"/>
+    <dgm:cxn modelId="{C7CC8891-6ECF-4CCD-A223-BC1A15825A1A}" type="presOf" srcId="{8541E672-E0DC-4CA9-8C48-07F04E1AC87D}" destId="{8539FE12-B94A-4DB5-9363-D625963A994D}" srcOrd="0" destOrd="0" presId="urn:microsoft.com/office/officeart/2008/layout/HorizontalMultiLevelHierarchy"/>
+    <dgm:cxn modelId="{B055FE51-A5ED-44E7-B1D1-E6ED1C9605DC}" type="presOf" srcId="{5E4A91D4-2366-4C60-BB3D-496C11657DC0}" destId="{35ACB2AC-382A-4C97-A906-4B1EC627FF3B}" srcOrd="0" destOrd="0" presId="urn:microsoft.com/office/officeart/2008/layout/HorizontalMultiLevelHierarchy"/>
+    <dgm:cxn modelId="{3C6DBA84-9CDB-41B6-A6DB-26E1527305A5}" type="presOf" srcId="{9B1A2F7C-2450-441A-8E98-5590A0216C0F}" destId="{0EEB810B-6E8E-42CE-8965-1DA2530F1893}" srcOrd="1" destOrd="0" presId="urn:microsoft.com/office/officeart/2008/layout/HorizontalMultiLevelHierarchy"/>
+    <dgm:cxn modelId="{438395A3-1BBC-41BE-8DF4-FA798EC10617}" srcId="{406A186A-33BC-4105-8835-7C5D35980A40}" destId="{75A5C761-B220-40FF-A8F1-BDF368427E79}" srcOrd="1" destOrd="0" parTransId="{997BBB56-0F09-47A1-9EDD-84E73DDCE053}" sibTransId="{17539A32-5ED5-47FE-9297-91D5384600FE}"/>
+    <dgm:cxn modelId="{ACCDA6C4-902D-4C2D-8E77-21EB010A1276}" type="presOf" srcId="{537D9D52-BB4C-4295-A6FC-1F3EE30F7C8A}" destId="{C75D1124-C505-4361-BD55-C3934A33A542}" srcOrd="0" destOrd="0" presId="urn:microsoft.com/office/officeart/2008/layout/HorizontalMultiLevelHierarchy"/>
+    <dgm:cxn modelId="{974BDEA0-3B95-48CE-9DCD-A280B7CD9533}" type="presOf" srcId="{03A1827D-0486-453D-8D6D-022439E5BEB5}" destId="{CBA4048E-18F5-45D0-B12C-301AA641B044}" srcOrd="1" destOrd="0" presId="urn:microsoft.com/office/officeart/2008/layout/HorizontalMultiLevelHierarchy"/>
+    <dgm:cxn modelId="{9EB3195B-FD55-456B-860D-B59B230328CD}" type="presOf" srcId="{4380BD8A-95E9-4652-8A89-911FA9702253}" destId="{11CBC200-06F7-4DD2-9C34-18F45043F91F}" srcOrd="0" destOrd="0" presId="urn:microsoft.com/office/officeart/2008/layout/HorizontalMultiLevelHierarchy"/>
+    <dgm:cxn modelId="{F342924C-89D7-4CE0-B55E-1988852B0259}" type="presOf" srcId="{62B13B07-F327-4E52-AE5C-A801CC6497E5}" destId="{5538A203-67B7-43B0-B95B-E0940F75E978}" srcOrd="1" destOrd="0" presId="urn:microsoft.com/office/officeart/2008/layout/HorizontalMultiLevelHierarchy"/>
+    <dgm:cxn modelId="{2299056C-FD09-4A24-90CE-E73DA03C00F7}" type="presOf" srcId="{FEB48055-1C34-422E-8C99-E4A7B59A7524}" destId="{6F3D5773-510D-44D2-9A00-874B9AD6C990}" srcOrd="1" destOrd="0" presId="urn:microsoft.com/office/officeart/2008/layout/HorizontalMultiLevelHierarchy"/>
+    <dgm:cxn modelId="{C8128AF9-826D-4BA6-8EA1-07D8850B53E2}" srcId="{C1B80BE7-4DEE-497B-98D2-5A6920F4FB8E}" destId="{2D0898D9-1379-4C8B-848A-4DE9262983B4}" srcOrd="1" destOrd="0" parTransId="{9CE6119C-2BD8-4D82-857F-27695498162C}" sibTransId="{D4711AB0-E9D9-47E2-A8EB-1A377D29D6AB}"/>
+    <dgm:cxn modelId="{1157782D-72F3-4195-AD17-A5E78211D43F}" srcId="{5E4A91D4-2366-4C60-BB3D-496C11657DC0}" destId="{9EEBD96E-C508-492D-AC9A-9F1A3119B996}" srcOrd="2" destOrd="0" parTransId="{A26C579B-D9A2-440D-B584-E528FA053B0A}" sibTransId="{0ACEC970-6B1A-4116-B74C-21C45883D78D}"/>
+    <dgm:cxn modelId="{CDA67E71-DC84-468A-9445-016A1BB1DE0B}" type="presOf" srcId="{4380BD8A-95E9-4652-8A89-911FA9702253}" destId="{CD836FDF-C536-42DD-9BC4-B637DEB11ABF}" srcOrd="1" destOrd="0" presId="urn:microsoft.com/office/officeart/2008/layout/HorizontalMultiLevelHierarchy"/>
+    <dgm:cxn modelId="{CE4C7B90-573C-4ED1-9F8C-B613EC48112D}" type="presOf" srcId="{9ACA9546-4CA0-4D0D-A122-ADEA92156DDA}" destId="{843E92B2-B1C5-4679-9F13-92AE67F50E4B}" srcOrd="0" destOrd="0" presId="urn:microsoft.com/office/officeart/2008/layout/HorizontalMultiLevelHierarchy"/>
     <dgm:cxn modelId="{F405EE8B-6AB6-4CE7-95F1-9CDB233D747D}" type="presOf" srcId="{A09624DF-DDC3-4005-AE6C-949C55F3D201}" destId="{646E88BD-40D7-4786-AAB6-CFE3405707CA}" srcOrd="0" destOrd="0" presId="urn:microsoft.com/office/officeart/2008/layout/HorizontalMultiLevelHierarchy"/>
-    <dgm:cxn modelId="{4556C305-87F7-4794-952A-321EE7D7C618}" type="presOf" srcId="{28B1DEF3-FA5E-434F-985A-593161F70089}" destId="{6C6D8E9D-7873-4EE3-A7C8-467DB1B38886}" srcOrd="0" destOrd="0" presId="urn:microsoft.com/office/officeart/2008/layout/HorizontalMultiLevelHierarchy"/>
-    <dgm:cxn modelId="{A1BDC95B-12A9-4905-9501-78D18A4F3124}" type="presOf" srcId="{0A69AB74-1AD1-4AE0-92DB-B767AF2EA9BB}" destId="{F5AEC9DD-8EC1-4C4F-AF6D-C8CF1FEBEDBD}" srcOrd="1" destOrd="0" presId="urn:microsoft.com/office/officeart/2008/layout/HorizontalMultiLevelHierarchy"/>
-    <dgm:cxn modelId="{F6F53734-EA2A-43D5-B234-2DCAED7A8E5D}" type="presOf" srcId="{D8F92CDA-A645-45E2-B5DE-6A3BACB6C859}" destId="{67239EAB-1659-405F-9D37-5E8449D29F93}" srcOrd="0" destOrd="0" presId="urn:microsoft.com/office/officeart/2008/layout/HorizontalMultiLevelHierarchy"/>
-    <dgm:cxn modelId="{1E8C2C99-6FE9-4910-BF70-446748759C8D}" srcId="{8DC7735B-9A6C-431C-92AA-042288E1B6AF}" destId="{DE9229B0-83CB-4AFE-B09E-2D25B676FB5D}" srcOrd="0" destOrd="0" parTransId="{DEA1A0C5-BE8D-4B82-B1D8-B4B9DCF4CE1A}" sibTransId="{2F5473A1-4FE3-4875-907C-12B17C85165B}"/>
-    <dgm:cxn modelId="{9FCF1EEF-9288-4A35-9300-258913D8F95E}" type="presOf" srcId="{8CF6DB56-390F-448F-B8AD-AD66A9D9BF25}" destId="{5ECC096B-424B-4AE3-9CAF-347D26D92FBF}" srcOrd="1" destOrd="0" presId="urn:microsoft.com/office/officeart/2008/layout/HorizontalMultiLevelHierarchy"/>
-    <dgm:cxn modelId="{2299056C-FD09-4A24-90CE-E73DA03C00F7}" type="presOf" srcId="{FEB48055-1C34-422E-8C99-E4A7B59A7524}" destId="{6F3D5773-510D-44D2-9A00-874B9AD6C990}" srcOrd="1" destOrd="0" presId="urn:microsoft.com/office/officeart/2008/layout/HorizontalMultiLevelHierarchy"/>
+    <dgm:cxn modelId="{E309E34A-2541-4093-AE96-D08C67BBA9F2}" type="presOf" srcId="{49D92B24-F087-4E31-A4F6-E7772D5AF36E}" destId="{2D6B1399-BFF2-49EA-9491-3E6335B75829}" srcOrd="1" destOrd="0" presId="urn:microsoft.com/office/officeart/2008/layout/HorizontalMultiLevelHierarchy"/>
+    <dgm:cxn modelId="{680F2C41-4AC9-43F5-A200-1525B08A5C20}" type="presOf" srcId="{2CFC024F-40D5-4978-B0D2-5F1E40D4091C}" destId="{1297A119-EB00-45FB-9E4C-7081D9FC3578}" srcOrd="0" destOrd="0" presId="urn:microsoft.com/office/officeart/2008/layout/HorizontalMultiLevelHierarchy"/>
+    <dgm:cxn modelId="{1178D50F-366F-4EE7-A7CE-B9E360FA6C9F}" type="presOf" srcId="{DEA1A0C5-BE8D-4B82-B1D8-B4B9DCF4CE1A}" destId="{48AB6F3C-59DC-47D0-9C0E-C348A271EF25}" srcOrd="1" destOrd="0" presId="urn:microsoft.com/office/officeart/2008/layout/HorizontalMultiLevelHierarchy"/>
+    <dgm:cxn modelId="{33685DCB-1271-4436-B83A-651236C7B5A2}" type="presOf" srcId="{2D0898D9-1379-4C8B-848A-4DE9262983B4}" destId="{BFA8CB9D-9F1D-4CD9-9D73-5A458DABA331}" srcOrd="0" destOrd="0" presId="urn:microsoft.com/office/officeart/2008/layout/HorizontalMultiLevelHierarchy"/>
+    <dgm:cxn modelId="{530A820A-DE70-431E-A20B-7969DD8DB6DC}" type="presOf" srcId="{30687554-7B6A-4E42-B0D8-856A3E451C97}" destId="{F61ED2EA-3DCB-4BDF-974A-6D38D5B018AB}" srcOrd="0" destOrd="0" presId="urn:microsoft.com/office/officeart/2008/layout/HorizontalMultiLevelHierarchy"/>
+    <dgm:cxn modelId="{4D1868B3-148F-4F71-A708-469F6DEC5B07}" type="presOf" srcId="{A26C579B-D9A2-440D-B584-E528FA053B0A}" destId="{70AD1357-89BE-4B28-B9F5-7D58CDC1F51E}" srcOrd="1" destOrd="0" presId="urn:microsoft.com/office/officeart/2008/layout/HorizontalMultiLevelHierarchy"/>
+    <dgm:cxn modelId="{2288930F-53E6-4EE6-ADDE-2436FA49AA32}" type="presOf" srcId="{B376DC1C-1A4D-4446-88F6-4DFB0AAC6190}" destId="{ACF0F1AD-F143-4BEB-B9B0-4355CC987FF0}" srcOrd="1" destOrd="0" presId="urn:microsoft.com/office/officeart/2008/layout/HorizontalMultiLevelHierarchy"/>
+    <dgm:cxn modelId="{F8360B02-CBE4-46B8-B678-61781A65F5FF}" type="presOf" srcId="{0B9BCD10-1EF6-4B84-A607-3FE578E09CF8}" destId="{A20128AE-AD89-4CEA-9148-E73F5681A2EE}" srcOrd="0" destOrd="0" presId="urn:microsoft.com/office/officeart/2008/layout/HorizontalMultiLevelHierarchy"/>
+    <dgm:cxn modelId="{B9DA3036-D7DD-49E9-9AD4-515E1CC3D168}" type="presOf" srcId="{92CA22EE-41F8-4C23-BA80-310383AE6AFD}" destId="{C8A74607-627B-4791-8B31-4BA4E02B4D7C}" srcOrd="0" destOrd="0" presId="urn:microsoft.com/office/officeart/2008/layout/HorizontalMultiLevelHierarchy"/>
+    <dgm:cxn modelId="{B928830C-76B0-4413-A554-50384C624BF3}" srcId="{09A61BE4-FBF2-4678-871E-03F8CFC0E905}" destId="{9ACA9546-4CA0-4D0D-A122-ADEA92156DDA}" srcOrd="0" destOrd="0" parTransId="{B376DC1C-1A4D-4446-88F6-4DFB0AAC6190}" sibTransId="{6060A363-DEB2-4884-8F47-7BE2C926C8F8}"/>
+    <dgm:cxn modelId="{4C1E32DE-6B41-4949-ABB2-3067568C366A}" srcId="{5E4A91D4-2366-4C60-BB3D-496C11657DC0}" destId="{3AD458C6-8419-4D84-9762-23D8C70DAE66}" srcOrd="0" destOrd="0" parTransId="{28B1DEF3-FA5E-434F-985A-593161F70089}" sibTransId="{A88E28B4-7BB8-4343-8CB3-F71BAF5EB0BF}"/>
+    <dgm:cxn modelId="{C204746F-9360-4D9D-A941-80CE7D7C2729}" srcId="{2B18F95E-9338-43E9-A54D-7EB8F97F82C3}" destId="{406A186A-33BC-4105-8835-7C5D35980A40}" srcOrd="0" destOrd="0" parTransId="{DC5215DC-63FE-4AB9-A5CA-19C1598E79BB}" sibTransId="{0016C189-12DE-41B5-BFFB-F01413D9BAF6}"/>
+    <dgm:cxn modelId="{24EBC399-A533-4DD9-99A5-B26A1EF21F3F}" type="presOf" srcId="{FD783284-7709-4153-940E-9DD9E029E02A}" destId="{426AC0E4-BEF7-4521-B5BF-B55008593BD6}" srcOrd="1" destOrd="0" presId="urn:microsoft.com/office/officeart/2008/layout/HorizontalMultiLevelHierarchy"/>
+    <dgm:cxn modelId="{EDFFE7DD-3DD6-4505-A66C-AFE6E440F812}" type="presOf" srcId="{2C5D07FC-2E11-4C25-B11B-D468629BAEA7}" destId="{D2297108-BBF1-4A06-A0FE-E40031175864}" srcOrd="1" destOrd="0" presId="urn:microsoft.com/office/officeart/2008/layout/HorizontalMultiLevelHierarchy"/>
+    <dgm:cxn modelId="{3A37C727-8DD4-436B-8133-66237D514867}" type="presOf" srcId="{2BA398DC-44B5-4B11-A724-B73E05D7E9DF}" destId="{9DE0F9C2-8935-4BB2-9E9C-937F7C914306}" srcOrd="0" destOrd="0" presId="urn:microsoft.com/office/officeart/2008/layout/HorizontalMultiLevelHierarchy"/>
     <dgm:cxn modelId="{5C6F1EB7-FC88-40C1-93A7-33335865B239}" srcId="{09A61BE4-FBF2-4678-871E-03F8CFC0E905}" destId="{BD7D0AF9-68FE-4C26-A056-56C45A6F6BF0}" srcOrd="1" destOrd="0" parTransId="{A09624DF-DDC3-4005-AE6C-949C55F3D201}" sibTransId="{BA0B6355-B7B9-4035-B438-19C3E653E713}"/>
-    <dgm:cxn modelId="{680F2C41-4AC9-43F5-A200-1525B08A5C20}" type="presOf" srcId="{2CFC024F-40D5-4978-B0D2-5F1E40D4091C}" destId="{1297A119-EB00-45FB-9E4C-7081D9FC3578}" srcOrd="0" destOrd="0" presId="urn:microsoft.com/office/officeart/2008/layout/HorizontalMultiLevelHierarchy"/>
-    <dgm:cxn modelId="{438395A3-1BBC-41BE-8DF4-FA798EC10617}" srcId="{406A186A-33BC-4105-8835-7C5D35980A40}" destId="{75A5C761-B220-40FF-A8F1-BDF368427E79}" srcOrd="1" destOrd="0" parTransId="{997BBB56-0F09-47A1-9EDD-84E73DDCE053}" sibTransId="{17539A32-5ED5-47FE-9297-91D5384600FE}"/>
-    <dgm:cxn modelId="{D5342207-BB6B-4D26-A140-7DB4DA7936DA}" type="presOf" srcId="{49D92B24-F087-4E31-A4F6-E7772D5AF36E}" destId="{E0BC23FD-A123-4F6F-B29F-B1B1A8DCFCAA}" srcOrd="0" destOrd="0" presId="urn:microsoft.com/office/officeart/2008/layout/HorizontalMultiLevelHierarchy"/>
-    <dgm:cxn modelId="{33CF75AD-8066-46D1-B95A-36C88CEACE7D}" type="presOf" srcId="{28B1DEF3-FA5E-434F-985A-593161F70089}" destId="{B10566F1-6764-4207-91A3-FAD8D64F1C28}" srcOrd="1" destOrd="0" presId="urn:microsoft.com/office/officeart/2008/layout/HorizontalMultiLevelHierarchy"/>
-    <dgm:cxn modelId="{32F6D06B-1387-40A9-98EB-275DC7610273}" type="presOf" srcId="{1C1944A6-354A-4452-AC1A-3CB32B31AB4A}" destId="{057661AD-CB3F-4EFF-A165-3CB41187F5B8}" srcOrd="0" destOrd="0" presId="urn:microsoft.com/office/officeart/2008/layout/HorizontalMultiLevelHierarchy"/>
-    <dgm:cxn modelId="{F762D2E4-68EB-4B2A-ADA2-ABD87ADC2F3E}" type="presOf" srcId="{B9FBD615-B794-4D86-840E-D8BA2BA2AF71}" destId="{71B02E8A-448E-4584-80E9-059B52DDB850}" srcOrd="0" destOrd="0" presId="urn:microsoft.com/office/officeart/2008/layout/HorizontalMultiLevelHierarchy"/>
-    <dgm:cxn modelId="{0EED5EAD-78F8-45FD-81BD-8E983C727040}" type="presOf" srcId="{26479144-D9B7-4B50-8D7C-51FE0917EA76}" destId="{E8B9E04F-8911-439D-A990-57E0C8BD86F4}" srcOrd="0" destOrd="0" presId="urn:microsoft.com/office/officeart/2008/layout/HorizontalMultiLevelHierarchy"/>
-    <dgm:cxn modelId="{53404176-D94B-4222-9B06-05B20F95C1C7}" type="presOf" srcId="{88164397-DBD8-4D72-B38B-DE4BF4031B5D}" destId="{A8FC37A2-9B31-4489-B0A8-9E802EBAF3A0}" srcOrd="0" destOrd="0" presId="urn:microsoft.com/office/officeart/2008/layout/HorizontalMultiLevelHierarchy"/>
-    <dgm:cxn modelId="{1157782D-72F3-4195-AD17-A5E78211D43F}" srcId="{5E4A91D4-2366-4C60-BB3D-496C11657DC0}" destId="{9EEBD96E-C508-492D-AC9A-9F1A3119B996}" srcOrd="2" destOrd="0" parTransId="{A26C579B-D9A2-440D-B584-E528FA053B0A}" sibTransId="{0ACEC970-6B1A-4116-B74C-21C45883D78D}"/>
-    <dgm:cxn modelId="{3BFFA573-B543-49A1-BB06-F45E87F54B2C}" type="presOf" srcId="{9A727AB6-4DAD-40D1-AFE1-8312D97F8394}" destId="{65D4BBB4-1790-4173-81B6-560190FD91AB}" srcOrd="0" destOrd="0" presId="urn:microsoft.com/office/officeart/2008/layout/HorizontalMultiLevelHierarchy"/>
-    <dgm:cxn modelId="{447A3D2D-D238-46C1-99F3-95BB3A0A1063}" type="presOf" srcId="{DEA1A0C5-BE8D-4B82-B1D8-B4B9DCF4CE1A}" destId="{E6122314-4232-42C9-987E-46FE0FA3495B}" srcOrd="0" destOrd="0" presId="urn:microsoft.com/office/officeart/2008/layout/HorizontalMultiLevelHierarchy"/>
-    <dgm:cxn modelId="{E9F0CC81-E15D-4EC0-A978-E263E8990868}" srcId="{0B9BCD10-1EF6-4B84-A607-3FE578E09CF8}" destId="{25AB21D2-ED78-4C5E-B945-4D2D0E9CFB55}" srcOrd="1" destOrd="0" parTransId="{CADCD632-196A-4857-843B-D027D5E1C826}" sibTransId="{68DFEF4E-9ED3-4348-82A8-E2207D27558D}"/>
-    <dgm:cxn modelId="{558A6E26-99F4-4842-A47F-BB8606B49EDB}" type="presOf" srcId="{B585FA61-ABCC-4C00-904E-F590963CA53E}" destId="{EF1303F6-08C0-48FA-B58F-D294B3FD0956}" srcOrd="0" destOrd="0" presId="urn:microsoft.com/office/officeart/2008/layout/HorizontalMultiLevelHierarchy"/>
+    <dgm:cxn modelId="{E8C98B9E-69E4-4EF5-81A5-2180D64E6D44}" type="presOf" srcId="{59511E4B-8EFD-40C1-8769-41EC8A3006F1}" destId="{9B99E809-B197-4823-8F4F-A9A5674BCDDC}" srcOrd="1" destOrd="0" presId="urn:microsoft.com/office/officeart/2008/layout/HorizontalMultiLevelHierarchy"/>
+    <dgm:cxn modelId="{0D3D2457-E634-41C0-AE20-C5FAFC283B3B}" type="presOf" srcId="{DE9229B0-83CB-4AFE-B09E-2D25B676FB5D}" destId="{2293E997-8A42-4DE4-AFF5-CE2F2C46F300}" srcOrd="0" destOrd="0" presId="urn:microsoft.com/office/officeart/2008/layout/HorizontalMultiLevelHierarchy"/>
+    <dgm:cxn modelId="{8FCFBD36-F133-40B3-AFF9-3C0FE09F7959}" srcId="{8DC7735B-9A6C-431C-92AA-042288E1B6AF}" destId="{2CFC024F-40D5-4978-B0D2-5F1E40D4091C}" srcOrd="2" destOrd="0" parTransId="{B585FA61-ABCC-4C00-904E-F590963CA53E}" sibTransId="{0F4A212E-DFC1-47F1-9D57-F1300933BA27}"/>
+    <dgm:cxn modelId="{598D3D67-BC1B-443E-9833-8ACCA111D016}" type="presOf" srcId="{BD7D0AF9-68FE-4C26-A056-56C45A6F6BF0}" destId="{F3F472E3-5157-4A9E-B0CD-16FF248F6E0E}" srcOrd="0" destOrd="0" presId="urn:microsoft.com/office/officeart/2008/layout/HorizontalMultiLevelHierarchy"/>
+    <dgm:cxn modelId="{9655C251-82EC-4546-B5C3-E7820580E64E}" type="presOf" srcId="{DF616C12-DFC6-40E5-BC46-E77E630699CC}" destId="{9F3D299C-912D-48E4-AE76-DBF8471D0058}" srcOrd="0" destOrd="0" presId="urn:microsoft.com/office/officeart/2008/layout/HorizontalMultiLevelHierarchy"/>
+    <dgm:cxn modelId="{818C5901-157D-4E0D-8721-D7923B55F53C}" srcId="{2BA398DC-44B5-4B11-A724-B73E05D7E9DF}" destId="{5E4A91D4-2366-4C60-BB3D-496C11657DC0}" srcOrd="0" destOrd="0" parTransId="{26479144-D9B7-4B50-8D7C-51FE0917EA76}" sibTransId="{423EFA55-F537-444B-A59D-5885F36136D9}"/>
     <dgm:cxn modelId="{95822C1C-8748-42E4-8681-74A1D75BF69E}" type="presParOf" srcId="{9F3D299C-912D-48E4-AE76-DBF8471D0058}" destId="{2DA7FCC0-B548-4A9C-952C-C59667CEB92C}" srcOrd="0" destOrd="0" presId="urn:microsoft.com/office/officeart/2008/layout/HorizontalMultiLevelHierarchy"/>
     <dgm:cxn modelId="{7384B2C6-DB46-4A27-8886-D4FDD6AC1CA5}" type="presParOf" srcId="{2DA7FCC0-B548-4A9C-952C-C59667CEB92C}" destId="{67239EAB-1659-405F-9D37-5E8449D29F93}" srcOrd="0" destOrd="0" presId="urn:microsoft.com/office/officeart/2008/layout/HorizontalMultiLevelHierarchy"/>
     <dgm:cxn modelId="{739730A1-CA51-49C8-B733-D1C01E3B8258}" type="presParOf" srcId="{2DA7FCC0-B548-4A9C-952C-C59667CEB92C}" destId="{820AEFFE-B798-4C54-A521-7E9D3B3ABF19}" srcOrd="1" destOrd="0" presId="urn:microsoft.com/office/officeart/2008/layout/HorizontalMultiLevelHierarchy"/>
@@ -7641,11 +7754,7 @@
           </a:pPr>
           <a:r>
             <a:rPr lang="fr-FR" sz="1000" kern="1200" dirty="0" smtClean="0"/>
-            <a:t>src </a:t>
-          </a:r>
-          <a:r>
-            <a:rPr lang="fr-FR" sz="1000" kern="1200" dirty="0" smtClean="0"/>
-            <a:t>&lt;dir&gt;</a:t>
+            <a:t>src &lt;dir&gt;</a:t>
           </a:r>
           <a:endParaRPr lang="fr-FR" sz="1000" kern="1200" dirty="0"/>
         </a:p>
@@ -7741,11 +7850,7 @@
           </a:r>
           <a:r>
             <a:rPr lang="fr-FR" sz="1000" kern="1200" dirty="0" smtClean="0"/>
-            <a:t> </a:t>
-          </a:r>
-          <a:r>
-            <a:rPr lang="fr-FR" sz="1000" kern="1200" dirty="0" smtClean="0"/>
-            <a:t>&lt;dir&gt;</a:t>
+            <a:t> &lt;dir&gt;</a:t>
           </a:r>
           <a:endParaRPr lang="fr-FR" sz="1000" kern="1200" dirty="0"/>
         </a:p>
@@ -7841,11 +7946,7 @@
           </a:r>
           <a:r>
             <a:rPr lang="fr-FR" sz="1000" kern="1200" dirty="0" smtClean="0"/>
-            <a:t> </a:t>
-          </a:r>
-          <a:r>
-            <a:rPr lang="fr-FR" sz="1000" kern="1200" dirty="0" smtClean="0"/>
-            <a:t>&lt;dir&gt;</a:t>
+            <a:t> &lt;dir&gt;</a:t>
           </a:r>
           <a:endParaRPr lang="fr-FR" sz="1000" kern="1200" dirty="0"/>
         </a:p>
@@ -7937,11 +8038,7 @@
           </a:pPr>
           <a:r>
             <a:rPr lang="fr-FR" sz="1000" kern="1200" dirty="0" smtClean="0"/>
-            <a:t>cmd </a:t>
-          </a:r>
-          <a:r>
-            <a:rPr lang="fr-FR" sz="1000" kern="1200" dirty="0" smtClean="0"/>
-            <a:t>&lt;dir&gt;</a:t>
+            <a:t>cmd &lt;dir&gt;</a:t>
           </a:r>
           <a:endParaRPr lang="fr-FR" sz="1000" kern="1200" dirty="0"/>
         </a:p>
@@ -9057,11 +9154,7 @@
           </a:r>
           <a:r>
             <a:rPr lang="fr-FR" sz="1000" kern="1200" dirty="0" smtClean="0"/>
-            <a:t> </a:t>
-          </a:r>
-          <a:r>
-            <a:rPr lang="fr-FR" sz="1000" kern="1200" dirty="0" smtClean="0"/>
-            <a:t>&lt;dir&gt;</a:t>
+            <a:t> &lt;dir&gt;</a:t>
           </a:r>
           <a:endParaRPr lang="fr-FR" sz="1000" kern="1200" dirty="0"/>
         </a:p>
@@ -27343,6 +27436,13 @@
   <p:clrMapOvr>
     <a:masterClrMapping/>
   </p:clrMapOvr>
+  <p:timing>
+    <p:tnLst>
+      <p:par>
+        <p:cTn id="1" dur="indefinite" restart="never" nodeType="tmRoot"/>
+      </p:par>
+    </p:tnLst>
+  </p:timing>
 </p:sld>
 </file>
 
@@ -33886,7 +33986,15 @@
                   <a:schemeClr val="tx1"/>
                 </a:solidFill>
               </a:rPr>
-              <a:t>Plutôt de construire les abstractions en fonction de la nature des informations que nos types peuvent gérer, nous construisons nos abstractions en fonction des actions que nos types peuvent effectuer</a:t>
+              <a:t>Plutôt que </a:t>
+            </a:r>
+            <a:r>
+              <a:rPr lang="fr-FR" dirty="0" smtClean="0">
+                <a:solidFill>
+                  <a:schemeClr val="tx1"/>
+                </a:solidFill>
+              </a:rPr>
+              <a:t>de construire les abstractions en fonction de la nature des informations que nos types peuvent gérer, nous construisons nos abstractions en fonction des actions que nos types peuvent effectuer</a:t>
             </a:r>
           </a:p>
           <a:p>

--- a/documentations/learning-go.pptx
+++ b/documentations/learning-go.pptx
@@ -5,7 +5,7 @@
     <p:sldMasterId id="2147483665" r:id="rId1"/>
   </p:sldMasterIdLst>
   <p:notesMasterIdLst>
-    <p:notesMasterId r:id="rId81"/>
+    <p:notesMasterId r:id="rId85"/>
   </p:notesMasterIdLst>
   <p:sldIdLst>
     <p:sldId id="256" r:id="rId2"/>
@@ -84,9 +84,13 @@
     <p:sldId id="331" r:id="rId75"/>
     <p:sldId id="332" r:id="rId76"/>
     <p:sldId id="333" r:id="rId77"/>
-    <p:sldId id="334" r:id="rId78"/>
-    <p:sldId id="335" r:id="rId79"/>
-    <p:sldId id="267" r:id="rId80"/>
+    <p:sldId id="335" r:id="rId78"/>
+    <p:sldId id="334" r:id="rId79"/>
+    <p:sldId id="336" r:id="rId80"/>
+    <p:sldId id="337" r:id="rId81"/>
+    <p:sldId id="338" r:id="rId82"/>
+    <p:sldId id="339" r:id="rId83"/>
+    <p:sldId id="267" r:id="rId84"/>
   </p:sldIdLst>
   <p:sldSz cx="12192000" cy="6858000"/>
   <p:notesSz cx="6858000" cy="9144000"/>
@@ -10699,7 +10703,7 @@
           <a:p>
             <a:fld id="{ADCD2C08-3C00-4791-9388-3FB9A56F87F8}" type="datetimeFigureOut">
               <a:rPr lang="fr-FR" smtClean="0"/>
-              <a:t>12/01/2018</a:t>
+              <a:t>13/01/2018</a:t>
             </a:fld>
             <a:endParaRPr lang="fr-FR"/>
           </a:p>
@@ -11239,7 +11243,7 @@
           <a:p>
             <a:fld id="{CAB5D9F6-764D-45E8-BA35-322ECA954888}" type="datetime1">
               <a:rPr lang="en-US" smtClean="0"/>
-              <a:t>1/12/2018</a:t>
+              <a:t>1/13/2018</a:t>
             </a:fld>
             <a:endParaRPr lang="en-US" dirty="0"/>
           </a:p>
@@ -11579,7 +11583,7 @@
           <a:p>
             <a:fld id="{7E62AF45-EF0A-4378-934F-84EB6BC3D026}" type="datetime1">
               <a:rPr lang="en-US" smtClean="0"/>
-              <a:t>1/12/2018</a:t>
+              <a:t>1/13/2018</a:t>
             </a:fld>
             <a:endParaRPr lang="en-US" dirty="0"/>
           </a:p>
@@ -11981,7 +11985,7 @@
           <a:p>
             <a:fld id="{76D4023A-E694-4331-A23E-E1356D15A4BD}" type="datetime1">
               <a:rPr lang="en-US" smtClean="0"/>
-              <a:t>1/12/2018</a:t>
+              <a:t>1/13/2018</a:t>
             </a:fld>
             <a:endParaRPr lang="en-US" dirty="0"/>
           </a:p>
@@ -12318,7 +12322,7 @@
           <a:p>
             <a:fld id="{D6F2E77E-7F60-441B-806F-66DDB3F74163}" type="datetime1">
               <a:rPr lang="en-US" smtClean="0"/>
-              <a:t>1/12/2018</a:t>
+              <a:t>1/13/2018</a:t>
             </a:fld>
             <a:endParaRPr lang="en-US" dirty="0"/>
           </a:p>
@@ -12639,7 +12643,7 @@
           <a:p>
             <a:fld id="{266B8AF4-4A0E-4A4E-9660-2094B624C07D}" type="datetime1">
               <a:rPr lang="en-US" smtClean="0"/>
-              <a:t>1/12/2018</a:t>
+              <a:t>1/13/2018</a:t>
             </a:fld>
             <a:endParaRPr lang="en-US" dirty="0"/>
           </a:p>
@@ -13036,7 +13040,7 @@
           <a:p>
             <a:fld id="{CB2BF7E3-4C05-4502-A416-452E6496AE59}" type="datetime1">
               <a:rPr lang="en-US" smtClean="0"/>
-              <a:t>1/12/2018</a:t>
+              <a:t>1/13/2018</a:t>
             </a:fld>
             <a:endParaRPr lang="en-US" dirty="0"/>
           </a:p>
@@ -13294,7 +13298,7 @@
           <a:p>
             <a:fld id="{F6F8AC83-13D2-4813-AD1A-CAFB5DEDD213}" type="datetime1">
               <a:rPr lang="en-US" smtClean="0"/>
-              <a:t>1/12/2018</a:t>
+              <a:t>1/13/2018</a:t>
             </a:fld>
             <a:endParaRPr lang="en-US" dirty="0"/>
           </a:p>
@@ -13557,7 +13561,7 @@
           <a:p>
             <a:fld id="{74455543-85E2-46E2-A974-7ADB0844C12A}" type="datetime1">
               <a:rPr lang="en-US" smtClean="0"/>
-              <a:t>1/12/2018</a:t>
+              <a:t>1/13/2018</a:t>
             </a:fld>
             <a:endParaRPr lang="en-US" dirty="0"/>
           </a:p>
@@ -14669,7 +14673,7 @@
           <a:p>
             <a:fld id="{086CC522-5229-4E69-BBB2-D5F912967395}" type="datetime1">
               <a:rPr lang="en-US" smtClean="0"/>
-              <a:t>1/12/2018</a:t>
+              <a:t>1/13/2018</a:t>
             </a:fld>
             <a:endParaRPr lang="en-US" dirty="0"/>
           </a:p>
@@ -14988,7 +14992,7 @@
           <a:p>
             <a:fld id="{56B9B5DB-1D1A-42F8-93F0-BBA44C1CAF57}" type="datetime1">
               <a:rPr lang="en-US" smtClean="0"/>
-              <a:t>1/12/2018</a:t>
+              <a:t>1/13/2018</a:t>
             </a:fld>
             <a:endParaRPr lang="en-US" dirty="0"/>
           </a:p>
@@ -15446,7 +15450,7 @@
           <a:p>
             <a:fld id="{9A4E8950-D3FA-4365-B561-9EE5AC9B6B6C}" type="datetime1">
               <a:rPr lang="en-US" smtClean="0"/>
-              <a:t>1/12/2018</a:t>
+              <a:t>1/13/2018</a:t>
             </a:fld>
             <a:endParaRPr lang="en-US" dirty="0"/>
           </a:p>
@@ -15652,7 +15656,7 @@
           <a:p>
             <a:fld id="{20724122-C579-4659-8A06-81F42FC84005}" type="datetime1">
               <a:rPr lang="en-US" smtClean="0"/>
-              <a:t>1/12/2018</a:t>
+              <a:t>1/13/2018</a:t>
             </a:fld>
             <a:endParaRPr lang="en-US" dirty="0"/>
           </a:p>
@@ -15830,7 +15834,7 @@
           <a:p>
             <a:fld id="{E4C13383-9243-41F6-8072-8685ED9DD899}" type="datetime1">
               <a:rPr lang="en-US" smtClean="0"/>
-              <a:t>1/12/2018</a:t>
+              <a:t>1/13/2018</a:t>
             </a:fld>
             <a:endParaRPr lang="en-US" dirty="0"/>
           </a:p>
@@ -16164,7 +16168,7 @@
           <a:p>
             <a:fld id="{03F027E6-328C-49ED-AE4B-BD647A7E3EDE}" type="datetime1">
               <a:rPr lang="en-US" smtClean="0"/>
-              <a:t>1/12/2018</a:t>
+              <a:t>1/13/2018</a:t>
             </a:fld>
             <a:endParaRPr lang="en-US" dirty="0"/>
           </a:p>
@@ -16510,7 +16514,7 @@
           <a:p>
             <a:fld id="{6B498982-A325-4B29-8B06-CBC7789C234F}" type="datetime1">
               <a:rPr lang="en-US" smtClean="0"/>
-              <a:t>1/12/2018</a:t>
+              <a:t>1/13/2018</a:t>
             </a:fld>
             <a:endParaRPr lang="en-US" dirty="0"/>
           </a:p>
@@ -18628,7 +18632,7 @@
           <a:p>
             <a:fld id="{CAB5D9F6-764D-45E8-BA35-322ECA954888}" type="datetime1">
               <a:rPr lang="en-US" smtClean="0"/>
-              <a:t>1/12/2018</a:t>
+              <a:t>1/13/2018</a:t>
             </a:fld>
             <a:endParaRPr lang="en-US" dirty="0"/>
           </a:p>
@@ -33986,15 +33990,7 @@
                   <a:schemeClr val="tx1"/>
                 </a:solidFill>
               </a:rPr>
-              <a:t>Plutôt que </a:t>
-            </a:r>
-            <a:r>
-              <a:rPr lang="fr-FR" dirty="0" smtClean="0">
-                <a:solidFill>
-                  <a:schemeClr val="tx1"/>
-                </a:solidFill>
-              </a:rPr>
-              <a:t>de construire les abstractions en fonction de la nature des informations que nos types peuvent gérer, nous construisons nos abstractions en fonction des actions que nos types peuvent effectuer</a:t>
+              <a:t>Plutôt que de construire les abstractions en fonction de la nature des informations que nos types peuvent gérer, nous construisons nos abstractions en fonction des actions que nos types peuvent effectuer</a:t>
             </a:r>
           </a:p>
           <a:p>
@@ -35314,6 +35310,360 @@
           <a:p>
             <a:r>
               <a:rPr lang="fr-FR" dirty="0" smtClean="0"/>
+              <a:t>Channels</a:t>
+            </a:r>
+            <a:endParaRPr lang="fr-FR" dirty="0"/>
+          </a:p>
+        </p:txBody>
+      </p:sp>
+      <p:sp>
+        <p:nvSpPr>
+          <p:cNvPr id="7" name="Espace réservé du contenu 2"/>
+          <p:cNvSpPr>
+            <a:spLocks noGrp="1"/>
+          </p:cNvSpPr>
+          <p:nvPr>
+            <p:ph idx="1"/>
+          </p:nvPr>
+        </p:nvSpPr>
+        <p:spPr>
+          <a:xfrm>
+            <a:off x="906448" y="1550505"/>
+            <a:ext cx="5716989" cy="4474738"/>
+          </a:xfrm>
+        </p:spPr>
+        <p:txBody>
+          <a:bodyPr anchor="ctr">
+            <a:normAutofit lnSpcReduction="10000"/>
+          </a:bodyPr>
+          <a:lstStyle/>
+          <a:p>
+            <a:pPr algn="just"/>
+            <a:r>
+              <a:rPr lang="fr-FR" dirty="0" smtClean="0">
+                <a:solidFill>
+                  <a:schemeClr val="tx1"/>
+                </a:solidFill>
+              </a:rPr>
+              <a:t>Go possède une instruction spéciale appelée </a:t>
+            </a:r>
+            <a:r>
+              <a:rPr lang="fr-FR" b="1" i="1" dirty="0" smtClean="0">
+                <a:solidFill>
+                  <a:schemeClr val="accent6"/>
+                </a:solidFill>
+              </a:rPr>
+              <a:t>select</a:t>
+            </a:r>
+            <a:r>
+              <a:rPr lang="fr-FR" dirty="0" smtClean="0">
+                <a:solidFill>
+                  <a:schemeClr val="tx1"/>
+                </a:solidFill>
+              </a:rPr>
+              <a:t> qui fonctionne comme un </a:t>
+            </a:r>
+            <a:r>
+              <a:rPr lang="fr-FR" b="1" i="1" dirty="0" smtClean="0">
+                <a:solidFill>
+                  <a:schemeClr val="accent6"/>
+                </a:solidFill>
+              </a:rPr>
+              <a:t>switch</a:t>
+            </a:r>
+            <a:r>
+              <a:rPr lang="fr-FR" dirty="0" smtClean="0">
+                <a:solidFill>
+                  <a:schemeClr val="tx1"/>
+                </a:solidFill>
+              </a:rPr>
+              <a:t>, mais pour les </a:t>
+            </a:r>
+            <a:r>
+              <a:rPr lang="fr-FR" b="1" i="1" dirty="0" smtClean="0">
+                <a:solidFill>
+                  <a:schemeClr val="accent6"/>
+                </a:solidFill>
+              </a:rPr>
+              <a:t>channel</a:t>
+            </a:r>
+          </a:p>
+          <a:p>
+            <a:pPr algn="just"/>
+            <a:r>
+              <a:rPr lang="fr-FR" dirty="0" smtClean="0">
+                <a:solidFill>
+                  <a:schemeClr val="tx1"/>
+                </a:solidFill>
+              </a:rPr>
+              <a:t>Ce programme affiche "from 1" toutes les 500ms et "from 2" toutes les 200ms</a:t>
+            </a:r>
+          </a:p>
+          <a:p>
+            <a:pPr algn="just"/>
+            <a:r>
+              <a:rPr lang="fr-FR" b="1" i="1" dirty="0" smtClean="0">
+                <a:solidFill>
+                  <a:schemeClr val="accent6"/>
+                </a:solidFill>
+              </a:rPr>
+              <a:t>select</a:t>
+            </a:r>
+            <a:r>
+              <a:rPr lang="fr-FR" dirty="0" smtClean="0">
+                <a:solidFill>
+                  <a:schemeClr val="tx1"/>
+                </a:solidFill>
+              </a:rPr>
+              <a:t> choisi le premier </a:t>
+            </a:r>
+            <a:r>
+              <a:rPr lang="fr-FR" b="1" i="1" dirty="0" smtClean="0">
+                <a:solidFill>
+                  <a:schemeClr val="accent6"/>
+                </a:solidFill>
+              </a:rPr>
+              <a:t>channel</a:t>
+            </a:r>
+            <a:r>
+              <a:rPr lang="fr-FR" dirty="0" smtClean="0">
+                <a:solidFill>
+                  <a:schemeClr val="tx1"/>
+                </a:solidFill>
+              </a:rPr>
+              <a:t> disponible et le lit (également possible en écriture)</a:t>
+            </a:r>
+          </a:p>
+          <a:p>
+            <a:pPr algn="just"/>
+            <a:r>
+              <a:rPr lang="fr-FR" dirty="0" smtClean="0">
+                <a:solidFill>
+                  <a:schemeClr val="tx1"/>
+                </a:solidFill>
+              </a:rPr>
+              <a:t>Si plusieurs </a:t>
+            </a:r>
+            <a:r>
+              <a:rPr lang="fr-FR" b="1" i="1" dirty="0" smtClean="0">
+                <a:solidFill>
+                  <a:schemeClr val="accent6"/>
+                </a:solidFill>
+              </a:rPr>
+              <a:t>channel</a:t>
+            </a:r>
+            <a:r>
+              <a:rPr lang="fr-FR" dirty="0" smtClean="0">
+                <a:solidFill>
+                  <a:schemeClr val="tx1"/>
+                </a:solidFill>
+              </a:rPr>
+              <a:t> sont disponible, </a:t>
+            </a:r>
+            <a:r>
+              <a:rPr lang="fr-FR" b="1" i="1" dirty="0" smtClean="0">
+                <a:solidFill>
+                  <a:schemeClr val="accent6"/>
+                </a:solidFill>
+              </a:rPr>
+              <a:t>select</a:t>
+            </a:r>
+            <a:r>
+              <a:rPr lang="fr-FR" dirty="0" smtClean="0">
+                <a:solidFill>
+                  <a:schemeClr val="tx1"/>
+                </a:solidFill>
+              </a:rPr>
+              <a:t> en choisi un au hasard</a:t>
+            </a:r>
+          </a:p>
+          <a:p>
+            <a:pPr algn="just"/>
+            <a:r>
+              <a:rPr lang="fr-FR" dirty="0" smtClean="0">
+                <a:solidFill>
+                  <a:schemeClr val="tx1"/>
+                </a:solidFill>
+              </a:rPr>
+              <a:t>Si aucun </a:t>
+            </a:r>
+            <a:r>
+              <a:rPr lang="fr-FR" b="1" i="1" dirty="0" smtClean="0">
+                <a:solidFill>
+                  <a:schemeClr val="accent6"/>
+                </a:solidFill>
+              </a:rPr>
+              <a:t>channel</a:t>
+            </a:r>
+            <a:r>
+              <a:rPr lang="fr-FR" dirty="0" smtClean="0">
+                <a:solidFill>
+                  <a:schemeClr val="tx1"/>
+                </a:solidFill>
+              </a:rPr>
+              <a:t> n'est disponible, </a:t>
+            </a:r>
+            <a:r>
+              <a:rPr lang="fr-FR" b="1" i="1" dirty="0" smtClean="0">
+                <a:solidFill>
+                  <a:schemeClr val="accent6"/>
+                </a:solidFill>
+              </a:rPr>
+              <a:t>select</a:t>
+            </a:r>
+            <a:r>
+              <a:rPr lang="fr-FR" dirty="0" smtClean="0">
+                <a:solidFill>
+                  <a:schemeClr val="tx1"/>
+                </a:solidFill>
+              </a:rPr>
+              <a:t> attend jusqu’à ce qu'un des </a:t>
+            </a:r>
+            <a:r>
+              <a:rPr lang="fr-FR" b="1" i="1" dirty="0" smtClean="0">
+                <a:solidFill>
+                  <a:schemeClr val="accent6"/>
+                </a:solidFill>
+              </a:rPr>
+              <a:t>channel</a:t>
+            </a:r>
+            <a:r>
+              <a:rPr lang="fr-FR" dirty="0" smtClean="0">
+                <a:solidFill>
+                  <a:schemeClr val="tx1"/>
+                </a:solidFill>
+              </a:rPr>
+              <a:t> soit disponible</a:t>
+            </a:r>
+          </a:p>
+          <a:p>
+            <a:pPr algn="just"/>
+            <a:r>
+              <a:rPr lang="fr-FR" dirty="0" smtClean="0">
+                <a:solidFill>
+                  <a:schemeClr val="tx1"/>
+                </a:solidFill>
+              </a:rPr>
+              <a:t>Une clause </a:t>
+            </a:r>
+            <a:r>
+              <a:rPr lang="fr-FR" b="1" i="1" dirty="0" smtClean="0">
+                <a:solidFill>
+                  <a:schemeClr val="accent6"/>
+                </a:solidFill>
+              </a:rPr>
+              <a:t>default</a:t>
+            </a:r>
+            <a:r>
+              <a:rPr lang="fr-FR" dirty="0" smtClean="0">
+                <a:solidFill>
+                  <a:schemeClr val="tx1"/>
+                </a:solidFill>
+              </a:rPr>
+              <a:t> peut être utilisée pour une action si aucun </a:t>
+            </a:r>
+            <a:r>
+              <a:rPr lang="fr-FR" b="1" i="1" dirty="0" smtClean="0">
+                <a:solidFill>
+                  <a:schemeClr val="accent6"/>
+                </a:solidFill>
+              </a:rPr>
+              <a:t>channel</a:t>
+            </a:r>
+            <a:r>
+              <a:rPr lang="fr-FR" dirty="0" smtClean="0">
+                <a:solidFill>
+                  <a:schemeClr val="tx1"/>
+                </a:solidFill>
+              </a:rPr>
+              <a:t> n'est disponible</a:t>
+            </a:r>
+          </a:p>
+        </p:txBody>
+      </p:sp>
+      <p:pic>
+        <p:nvPicPr>
+          <p:cNvPr id="3" name="Image 2"/>
+          <p:cNvPicPr>
+            <a:picLocks noChangeAspect="1"/>
+          </p:cNvPicPr>
+          <p:nvPr/>
+        </p:nvPicPr>
+        <p:blipFill>
+          <a:blip r:embed="rId2"/>
+          <a:stretch>
+            <a:fillRect/>
+          </a:stretch>
+        </p:blipFill>
+        <p:spPr>
+          <a:xfrm>
+            <a:off x="7283395" y="698717"/>
+            <a:ext cx="4062909" cy="5806610"/>
+          </a:xfrm>
+          <a:prstGeom prst="rect">
+            <a:avLst/>
+          </a:prstGeom>
+        </p:spPr>
+      </p:pic>
+    </p:spTree>
+    <p:extLst>
+      <p:ext uri="{BB962C8B-B14F-4D97-AF65-F5344CB8AC3E}">
+        <p14:creationId xmlns:p14="http://schemas.microsoft.com/office/powerpoint/2010/main" val="3434679685"/>
+      </p:ext>
+    </p:extLst>
+  </p:cSld>
+  <p:clrMapOvr>
+    <a:masterClrMapping/>
+  </p:clrMapOvr>
+  <p:timing>
+    <p:tnLst>
+      <p:par>
+        <p:cTn id="1" dur="indefinite" restart="never" nodeType="tmRoot"/>
+      </p:par>
+    </p:tnLst>
+  </p:timing>
+</p:sld>
+</file>
+
+<file path=ppt/slides/slide78.xml><?xml version="1.0" encoding="utf-8"?>
+<p:sld xmlns:a="http://schemas.openxmlformats.org/drawingml/2006/main" xmlns:r="http://schemas.openxmlformats.org/officeDocument/2006/relationships" xmlns:p="http://schemas.openxmlformats.org/presentationml/2006/main">
+  <p:cSld>
+    <p:spTree>
+      <p:nvGrpSpPr>
+        <p:cNvPr id="1" name=""/>
+        <p:cNvGrpSpPr/>
+        <p:nvPr/>
+      </p:nvGrpSpPr>
+      <p:grpSpPr>
+        <a:xfrm>
+          <a:off x="0" y="0"/>
+          <a:ext cx="0" cy="0"/>
+          <a:chOff x="0" y="0"/>
+          <a:chExt cx="0" cy="0"/>
+        </a:xfrm>
+      </p:grpSpPr>
+      <p:sp>
+        <p:nvSpPr>
+          <p:cNvPr id="2" name="Titre 1"/>
+          <p:cNvSpPr>
+            <a:spLocks noGrp="1"/>
+          </p:cNvSpPr>
+          <p:nvPr>
+            <p:ph type="title"/>
+          </p:nvPr>
+        </p:nvSpPr>
+        <p:spPr>
+          <a:xfrm>
+            <a:off x="2592925" y="624110"/>
+            <a:ext cx="8911687" cy="1280890"/>
+          </a:xfrm>
+        </p:spPr>
+        <p:txBody>
+          <a:bodyPr/>
+          <a:lstStyle/>
+          <a:p>
+            <a:r>
+              <a:rPr lang="fr-FR" dirty="0" smtClean="0"/>
               <a:t>Packages et workspace</a:t>
             </a:r>
             <a:endParaRPr lang="fr-FR" dirty="0"/>
@@ -35586,360 +35936,6 @@
 </p:sld>
 </file>
 
-<file path=ppt/slides/slide78.xml><?xml version="1.0" encoding="utf-8"?>
-<p:sld xmlns:a="http://schemas.openxmlformats.org/drawingml/2006/main" xmlns:r="http://schemas.openxmlformats.org/officeDocument/2006/relationships" xmlns:p="http://schemas.openxmlformats.org/presentationml/2006/main">
-  <p:cSld>
-    <p:spTree>
-      <p:nvGrpSpPr>
-        <p:cNvPr id="1" name=""/>
-        <p:cNvGrpSpPr/>
-        <p:nvPr/>
-      </p:nvGrpSpPr>
-      <p:grpSpPr>
-        <a:xfrm>
-          <a:off x="0" y="0"/>
-          <a:ext cx="0" cy="0"/>
-          <a:chOff x="0" y="0"/>
-          <a:chExt cx="0" cy="0"/>
-        </a:xfrm>
-      </p:grpSpPr>
-      <p:sp>
-        <p:nvSpPr>
-          <p:cNvPr id="2" name="Titre 1"/>
-          <p:cNvSpPr>
-            <a:spLocks noGrp="1"/>
-          </p:cNvSpPr>
-          <p:nvPr>
-            <p:ph type="title"/>
-          </p:nvPr>
-        </p:nvSpPr>
-        <p:spPr>
-          <a:xfrm>
-            <a:off x="2592925" y="624110"/>
-            <a:ext cx="8911687" cy="1280890"/>
-          </a:xfrm>
-        </p:spPr>
-        <p:txBody>
-          <a:bodyPr/>
-          <a:lstStyle/>
-          <a:p>
-            <a:r>
-              <a:rPr lang="fr-FR" dirty="0" smtClean="0"/>
-              <a:t>Channels</a:t>
-            </a:r>
-            <a:endParaRPr lang="fr-FR" dirty="0"/>
-          </a:p>
-        </p:txBody>
-      </p:sp>
-      <p:sp>
-        <p:nvSpPr>
-          <p:cNvPr id="7" name="Espace réservé du contenu 2"/>
-          <p:cNvSpPr>
-            <a:spLocks noGrp="1"/>
-          </p:cNvSpPr>
-          <p:nvPr>
-            <p:ph idx="1"/>
-          </p:nvPr>
-        </p:nvSpPr>
-        <p:spPr>
-          <a:xfrm>
-            <a:off x="906448" y="1550505"/>
-            <a:ext cx="5716989" cy="4474738"/>
-          </a:xfrm>
-        </p:spPr>
-        <p:txBody>
-          <a:bodyPr anchor="ctr">
-            <a:normAutofit lnSpcReduction="10000"/>
-          </a:bodyPr>
-          <a:lstStyle/>
-          <a:p>
-            <a:pPr algn="just"/>
-            <a:r>
-              <a:rPr lang="fr-FR" dirty="0" smtClean="0">
-                <a:solidFill>
-                  <a:schemeClr val="tx1"/>
-                </a:solidFill>
-              </a:rPr>
-              <a:t>Go possède une instruction spéciale appelée </a:t>
-            </a:r>
-            <a:r>
-              <a:rPr lang="fr-FR" b="1" i="1" dirty="0" smtClean="0">
-                <a:solidFill>
-                  <a:schemeClr val="accent6"/>
-                </a:solidFill>
-              </a:rPr>
-              <a:t>select</a:t>
-            </a:r>
-            <a:r>
-              <a:rPr lang="fr-FR" dirty="0" smtClean="0">
-                <a:solidFill>
-                  <a:schemeClr val="tx1"/>
-                </a:solidFill>
-              </a:rPr>
-              <a:t> qui fonctionne comme un </a:t>
-            </a:r>
-            <a:r>
-              <a:rPr lang="fr-FR" b="1" i="1" dirty="0" smtClean="0">
-                <a:solidFill>
-                  <a:schemeClr val="accent6"/>
-                </a:solidFill>
-              </a:rPr>
-              <a:t>switch</a:t>
-            </a:r>
-            <a:r>
-              <a:rPr lang="fr-FR" dirty="0" smtClean="0">
-                <a:solidFill>
-                  <a:schemeClr val="tx1"/>
-                </a:solidFill>
-              </a:rPr>
-              <a:t>, mais pour les </a:t>
-            </a:r>
-            <a:r>
-              <a:rPr lang="fr-FR" b="1" i="1" dirty="0" smtClean="0">
-                <a:solidFill>
-                  <a:schemeClr val="accent6"/>
-                </a:solidFill>
-              </a:rPr>
-              <a:t>channel</a:t>
-            </a:r>
-          </a:p>
-          <a:p>
-            <a:pPr algn="just"/>
-            <a:r>
-              <a:rPr lang="fr-FR" dirty="0" smtClean="0">
-                <a:solidFill>
-                  <a:schemeClr val="tx1"/>
-                </a:solidFill>
-              </a:rPr>
-              <a:t>Ce programme affiche "from 1" toutes les 500ms et "from 2" toutes les 200ms</a:t>
-            </a:r>
-          </a:p>
-          <a:p>
-            <a:pPr algn="just"/>
-            <a:r>
-              <a:rPr lang="fr-FR" b="1" i="1" dirty="0" smtClean="0">
-                <a:solidFill>
-                  <a:schemeClr val="accent6"/>
-                </a:solidFill>
-              </a:rPr>
-              <a:t>select</a:t>
-            </a:r>
-            <a:r>
-              <a:rPr lang="fr-FR" dirty="0" smtClean="0">
-                <a:solidFill>
-                  <a:schemeClr val="tx1"/>
-                </a:solidFill>
-              </a:rPr>
-              <a:t> choisi le premier </a:t>
-            </a:r>
-            <a:r>
-              <a:rPr lang="fr-FR" b="1" i="1" dirty="0" smtClean="0">
-                <a:solidFill>
-                  <a:schemeClr val="accent6"/>
-                </a:solidFill>
-              </a:rPr>
-              <a:t>channel</a:t>
-            </a:r>
-            <a:r>
-              <a:rPr lang="fr-FR" dirty="0" smtClean="0">
-                <a:solidFill>
-                  <a:schemeClr val="tx1"/>
-                </a:solidFill>
-              </a:rPr>
-              <a:t> disponible et le lit (également possible en écriture)</a:t>
-            </a:r>
-          </a:p>
-          <a:p>
-            <a:pPr algn="just"/>
-            <a:r>
-              <a:rPr lang="fr-FR" dirty="0" smtClean="0">
-                <a:solidFill>
-                  <a:schemeClr val="tx1"/>
-                </a:solidFill>
-              </a:rPr>
-              <a:t>Si plusieurs </a:t>
-            </a:r>
-            <a:r>
-              <a:rPr lang="fr-FR" b="1" i="1" dirty="0" smtClean="0">
-                <a:solidFill>
-                  <a:schemeClr val="accent6"/>
-                </a:solidFill>
-              </a:rPr>
-              <a:t>channel</a:t>
-            </a:r>
-            <a:r>
-              <a:rPr lang="fr-FR" dirty="0" smtClean="0">
-                <a:solidFill>
-                  <a:schemeClr val="tx1"/>
-                </a:solidFill>
-              </a:rPr>
-              <a:t> sont disponible, </a:t>
-            </a:r>
-            <a:r>
-              <a:rPr lang="fr-FR" b="1" i="1" dirty="0" smtClean="0">
-                <a:solidFill>
-                  <a:schemeClr val="accent6"/>
-                </a:solidFill>
-              </a:rPr>
-              <a:t>select</a:t>
-            </a:r>
-            <a:r>
-              <a:rPr lang="fr-FR" dirty="0" smtClean="0">
-                <a:solidFill>
-                  <a:schemeClr val="tx1"/>
-                </a:solidFill>
-              </a:rPr>
-              <a:t> en choisi un au hasard</a:t>
-            </a:r>
-          </a:p>
-          <a:p>
-            <a:pPr algn="just"/>
-            <a:r>
-              <a:rPr lang="fr-FR" dirty="0" smtClean="0">
-                <a:solidFill>
-                  <a:schemeClr val="tx1"/>
-                </a:solidFill>
-              </a:rPr>
-              <a:t>Si aucun </a:t>
-            </a:r>
-            <a:r>
-              <a:rPr lang="fr-FR" b="1" i="1" dirty="0" smtClean="0">
-                <a:solidFill>
-                  <a:schemeClr val="accent6"/>
-                </a:solidFill>
-              </a:rPr>
-              <a:t>channel</a:t>
-            </a:r>
-            <a:r>
-              <a:rPr lang="fr-FR" dirty="0" smtClean="0">
-                <a:solidFill>
-                  <a:schemeClr val="tx1"/>
-                </a:solidFill>
-              </a:rPr>
-              <a:t> n'est disponible, </a:t>
-            </a:r>
-            <a:r>
-              <a:rPr lang="fr-FR" b="1" i="1" dirty="0" smtClean="0">
-                <a:solidFill>
-                  <a:schemeClr val="accent6"/>
-                </a:solidFill>
-              </a:rPr>
-              <a:t>select</a:t>
-            </a:r>
-            <a:r>
-              <a:rPr lang="fr-FR" dirty="0" smtClean="0">
-                <a:solidFill>
-                  <a:schemeClr val="tx1"/>
-                </a:solidFill>
-              </a:rPr>
-              <a:t> attend jusqu’à ce qu'un des </a:t>
-            </a:r>
-            <a:r>
-              <a:rPr lang="fr-FR" b="1" i="1" dirty="0" smtClean="0">
-                <a:solidFill>
-                  <a:schemeClr val="accent6"/>
-                </a:solidFill>
-              </a:rPr>
-              <a:t>channel</a:t>
-            </a:r>
-            <a:r>
-              <a:rPr lang="fr-FR" dirty="0" smtClean="0">
-                <a:solidFill>
-                  <a:schemeClr val="tx1"/>
-                </a:solidFill>
-              </a:rPr>
-              <a:t> soit disponible</a:t>
-            </a:r>
-          </a:p>
-          <a:p>
-            <a:pPr algn="just"/>
-            <a:r>
-              <a:rPr lang="fr-FR" dirty="0" smtClean="0">
-                <a:solidFill>
-                  <a:schemeClr val="tx1"/>
-                </a:solidFill>
-              </a:rPr>
-              <a:t>Une clause </a:t>
-            </a:r>
-            <a:r>
-              <a:rPr lang="fr-FR" b="1" i="1" dirty="0" smtClean="0">
-                <a:solidFill>
-                  <a:schemeClr val="accent6"/>
-                </a:solidFill>
-              </a:rPr>
-              <a:t>default</a:t>
-            </a:r>
-            <a:r>
-              <a:rPr lang="fr-FR" dirty="0" smtClean="0">
-                <a:solidFill>
-                  <a:schemeClr val="tx1"/>
-                </a:solidFill>
-              </a:rPr>
-              <a:t> peut être utilisée pour une action si aucun </a:t>
-            </a:r>
-            <a:r>
-              <a:rPr lang="fr-FR" b="1" i="1" dirty="0" smtClean="0">
-                <a:solidFill>
-                  <a:schemeClr val="accent6"/>
-                </a:solidFill>
-              </a:rPr>
-              <a:t>channel</a:t>
-            </a:r>
-            <a:r>
-              <a:rPr lang="fr-FR" dirty="0" smtClean="0">
-                <a:solidFill>
-                  <a:schemeClr val="tx1"/>
-                </a:solidFill>
-              </a:rPr>
-              <a:t> n'est disponible</a:t>
-            </a:r>
-          </a:p>
-        </p:txBody>
-      </p:sp>
-      <p:pic>
-        <p:nvPicPr>
-          <p:cNvPr id="3" name="Image 2"/>
-          <p:cNvPicPr>
-            <a:picLocks noChangeAspect="1"/>
-          </p:cNvPicPr>
-          <p:nvPr/>
-        </p:nvPicPr>
-        <p:blipFill>
-          <a:blip r:embed="rId2"/>
-          <a:stretch>
-            <a:fillRect/>
-          </a:stretch>
-        </p:blipFill>
-        <p:spPr>
-          <a:xfrm>
-            <a:off x="7283395" y="698717"/>
-            <a:ext cx="4062909" cy="5806610"/>
-          </a:xfrm>
-          <a:prstGeom prst="rect">
-            <a:avLst/>
-          </a:prstGeom>
-        </p:spPr>
-      </p:pic>
-    </p:spTree>
-    <p:extLst>
-      <p:ext uri="{BB962C8B-B14F-4D97-AF65-F5344CB8AC3E}">
-        <p14:creationId xmlns:p14="http://schemas.microsoft.com/office/powerpoint/2010/main" val="3434679685"/>
-      </p:ext>
-    </p:extLst>
-  </p:cSld>
-  <p:clrMapOvr>
-    <a:masterClrMapping/>
-  </p:clrMapOvr>
-  <p:timing>
-    <p:tnLst>
-      <p:par>
-        <p:cTn id="1" dur="indefinite" restart="never" nodeType="tmRoot"/>
-      </p:par>
-    </p:tnLst>
-  </p:timing>
-</p:sld>
-</file>
-
 <file path=ppt/slides/slide79.xml><?xml version="1.0" encoding="utf-8"?>
 <p:sld xmlns:a="http://schemas.openxmlformats.org/drawingml/2006/main" xmlns:r="http://schemas.openxmlformats.org/officeDocument/2006/relationships" xmlns:p="http://schemas.openxmlformats.org/presentationml/2006/main">
   <p:cSld>
@@ -35979,7 +35975,7 @@
           <a:p>
             <a:r>
               <a:rPr lang="fr-FR" dirty="0" smtClean="0"/>
-              <a:t>Références</a:t>
+              <a:t>Tests</a:t>
             </a:r>
             <a:endParaRPr lang="fr-FR" dirty="0"/>
           </a:p>
@@ -35987,7 +35983,7 @@
       </p:sp>
       <p:sp>
         <p:nvSpPr>
-          <p:cNvPr id="3" name="Espace réservé du contenu 2"/>
+          <p:cNvPr id="7" name="Espace réservé du contenu 2"/>
           <p:cNvSpPr>
             <a:spLocks noGrp="1"/>
           </p:cNvSpPr>
@@ -35995,366 +35991,120 @@
             <p:ph idx="1"/>
           </p:nvPr>
         </p:nvSpPr>
-        <p:spPr/>
+        <p:spPr>
+          <a:xfrm>
+            <a:off x="906448" y="1550505"/>
+            <a:ext cx="5136543" cy="4474738"/>
+          </a:xfrm>
+        </p:spPr>
         <p:txBody>
           <a:bodyPr anchor="ctr">
             <a:normAutofit/>
           </a:bodyPr>
           <a:lstStyle/>
           <a:p>
-            <a:r>
-              <a:rPr lang="fr-FR" sz="1200" b="1" dirty="0" smtClean="0">
-                <a:solidFill>
-                  <a:schemeClr val="accent6">
-                    <a:lumMod val="75000"/>
-                  </a:schemeClr>
-                </a:solidFill>
-                <a:hlinkClick r:id="rId2"/>
-              </a:rPr>
-              <a:t>Golang Project </a:t>
-            </a:r>
-            <a:r>
-              <a:rPr lang="fr-FR" sz="1200" b="1" dirty="0" smtClean="0">
-                <a:solidFill>
-                  <a:schemeClr val="accent6">
-                    <a:lumMod val="75000"/>
-                  </a:schemeClr>
-                </a:solidFill>
-              </a:rPr>
-              <a:t>: https</a:t>
-            </a:r>
-            <a:r>
-              <a:rPr lang="fr-FR" sz="1200" b="1" dirty="0">
-                <a:solidFill>
-                  <a:schemeClr val="accent6">
-                    <a:lumMod val="75000"/>
-                  </a:schemeClr>
-                </a:solidFill>
-              </a:rPr>
-              <a:t>://golang.org</a:t>
-            </a:r>
-            <a:r>
-              <a:rPr lang="fr-FR" sz="1200" b="1" dirty="0" smtClean="0">
-                <a:solidFill>
-                  <a:schemeClr val="accent6">
-                    <a:lumMod val="75000"/>
-                  </a:schemeClr>
-                </a:solidFill>
-              </a:rPr>
-              <a:t>/</a:t>
-            </a:r>
-          </a:p>
-          <a:p>
-            <a:r>
-              <a:rPr lang="fr-FR" sz="1200" b="1" dirty="0" smtClean="0">
-                <a:solidFill>
-                  <a:schemeClr val="accent6">
-                    <a:lumMod val="75000"/>
-                  </a:schemeClr>
-                </a:solidFill>
-                <a:hlinkClick r:id="rId3"/>
-              </a:rPr>
-              <a:t>Goland-book.com</a:t>
-            </a:r>
-            <a:r>
-              <a:rPr lang="fr-FR" sz="1200" b="1" dirty="0" smtClean="0">
-                <a:solidFill>
-                  <a:schemeClr val="accent6">
-                    <a:lumMod val="75000"/>
-                  </a:schemeClr>
-                </a:solidFill>
-              </a:rPr>
-              <a:t> </a:t>
-            </a:r>
-            <a:r>
-              <a:rPr lang="fr-FR" sz="1200" b="1" dirty="0">
-                <a:solidFill>
-                  <a:schemeClr val="accent6">
-                    <a:lumMod val="75000"/>
-                  </a:schemeClr>
-                </a:solidFill>
-              </a:rPr>
-              <a:t>: https://www.golang-book.com/books/intro</a:t>
-            </a:r>
-            <a:endParaRPr lang="fr-FR" sz="1200" b="1" dirty="0" smtClean="0">
+            <a:pPr algn="just"/>
+            <a:r>
+              <a:rPr lang="fr-FR" dirty="0" smtClean="0">
+                <a:solidFill>
+                  <a:schemeClr val="tx1"/>
+                </a:solidFill>
+              </a:rPr>
+              <a:t>Go intègre nativement des outils de test unitaires</a:t>
+            </a:r>
+          </a:p>
+          <a:p>
+            <a:pPr algn="just"/>
+            <a:r>
+              <a:rPr lang="fr-FR" dirty="0" smtClean="0">
+                <a:solidFill>
+                  <a:schemeClr val="tx1"/>
+                </a:solidFill>
+              </a:rPr>
+              <a:t>Une bonne pratique (TDD) est de commencer par écrire des tests et d'ensuite implémenter les fonctions testées</a:t>
+            </a:r>
+          </a:p>
+          <a:p>
+            <a:pPr algn="just"/>
+            <a:r>
+              <a:rPr lang="fr-FR" dirty="0" smtClean="0">
+                <a:solidFill>
+                  <a:schemeClr val="tx1"/>
+                </a:solidFill>
+              </a:rPr>
+              <a:t>Commençons par écrire un test (testings_test.go)</a:t>
+            </a:r>
+          </a:p>
+          <a:p>
+            <a:pPr algn="just"/>
+            <a:r>
+              <a:rPr lang="fr-FR" dirty="0" smtClean="0">
+                <a:solidFill>
+                  <a:schemeClr val="tx1"/>
+                </a:solidFill>
+              </a:rPr>
+              <a:t>Lançons les tests sans avoir créé la fonction à tester…</a:t>
+            </a:r>
+            <a:endParaRPr lang="fr-FR" dirty="0" smtClean="0">
               <a:solidFill>
-                <a:schemeClr val="accent6">
-                  <a:lumMod val="75000"/>
-                </a:schemeClr>
+                <a:schemeClr val="tx1"/>
               </a:solidFill>
             </a:endParaRPr>
           </a:p>
-          <a:p>
-            <a:r>
-              <a:rPr lang="fr-FR" sz="1200" b="1" dirty="0" smtClean="0">
-                <a:solidFill>
-                  <a:schemeClr val="accent6">
-                    <a:lumMod val="75000"/>
-                  </a:schemeClr>
-                </a:solidFill>
-                <a:hlinkClick r:id="rId4"/>
-              </a:rPr>
-              <a:t>Didier Gérard </a:t>
-            </a:r>
-            <a:r>
-              <a:rPr lang="fr-FR" sz="1200" b="1" dirty="0" smtClean="0">
-                <a:solidFill>
-                  <a:schemeClr val="accent6">
-                    <a:lumMod val="75000"/>
-                  </a:schemeClr>
-                </a:solidFill>
-              </a:rPr>
-              <a:t>: https</a:t>
-            </a:r>
-            <a:r>
-              <a:rPr lang="fr-FR" sz="1200" b="1" dirty="0">
-                <a:solidFill>
-                  <a:schemeClr val="accent6">
-                    <a:lumMod val="75000"/>
-                  </a:schemeClr>
-                </a:solidFill>
-              </a:rPr>
-              <a:t>://lemag.sfeir.com/pourquoi-golang/</a:t>
-            </a:r>
-          </a:p>
-          <a:p>
-            <a:r>
-              <a:rPr lang="fr-FR" sz="1200" b="1" dirty="0" smtClean="0">
-                <a:solidFill>
-                  <a:schemeClr val="accent6">
-                    <a:lumMod val="75000"/>
-                  </a:schemeClr>
-                </a:solidFill>
-                <a:hlinkClick r:id="rId5"/>
-              </a:rPr>
-              <a:t>Wikipédia</a:t>
-            </a:r>
-            <a:r>
-              <a:rPr lang="fr-FR" sz="1200" b="1" dirty="0" smtClean="0">
-                <a:solidFill>
-                  <a:schemeClr val="accent6">
-                    <a:lumMod val="75000"/>
-                  </a:schemeClr>
-                </a:solidFill>
-              </a:rPr>
-              <a:t> : </a:t>
-            </a:r>
-            <a:r>
-              <a:rPr lang="fr-FR" sz="1200" b="1" dirty="0">
-                <a:solidFill>
-                  <a:schemeClr val="accent6">
-                    <a:lumMod val="75000"/>
-                  </a:schemeClr>
-                </a:solidFill>
-              </a:rPr>
-              <a:t>https://fr.wikipedia.org/wiki/Go_(langage</a:t>
-            </a:r>
-            <a:r>
-              <a:rPr lang="fr-FR" sz="1200" b="1" dirty="0" smtClean="0">
-                <a:solidFill>
-                  <a:schemeClr val="accent6">
-                    <a:lumMod val="75000"/>
-                  </a:schemeClr>
-                </a:solidFill>
-              </a:rPr>
-              <a:t>)</a:t>
-            </a:r>
-          </a:p>
-          <a:p>
-            <a:r>
-              <a:rPr lang="fr-FR" sz="1200" b="1" dirty="0" smtClean="0">
-                <a:solidFill>
-                  <a:schemeClr val="accent6">
-                    <a:lumMod val="75000"/>
-                  </a:schemeClr>
-                </a:solidFill>
-                <a:hlinkClick r:id="rId6"/>
-              </a:rPr>
-              <a:t>The Go Programming Language </a:t>
-            </a:r>
-            <a:r>
-              <a:rPr lang="fr-FR" sz="1200" b="1" dirty="0" smtClean="0">
-                <a:solidFill>
-                  <a:schemeClr val="accent6">
-                    <a:lumMod val="75000"/>
-                  </a:schemeClr>
-                </a:solidFill>
-              </a:rPr>
-              <a:t>: Donovan, Kernigan</a:t>
-            </a:r>
-          </a:p>
-          <a:p>
-            <a:r>
-              <a:rPr lang="fr-FR" sz="1200" b="1" dirty="0" smtClean="0">
-                <a:solidFill>
-                  <a:schemeClr val="accent6">
-                    <a:lumMod val="75000"/>
-                  </a:schemeClr>
-                </a:solidFill>
-                <a:hlinkClick r:id="rId7"/>
-              </a:rPr>
-              <a:t>Goland IDE </a:t>
-            </a:r>
-            <a:r>
-              <a:rPr lang="fr-FR" sz="1200" b="1" dirty="0">
-                <a:solidFill>
-                  <a:schemeClr val="accent6">
-                    <a:lumMod val="75000"/>
-                  </a:schemeClr>
-                </a:solidFill>
-              </a:rPr>
-              <a:t>: </a:t>
-            </a:r>
-            <a:r>
-              <a:rPr lang="fr-FR" sz="1200" b="1" dirty="0">
-                <a:solidFill>
-                  <a:schemeClr val="accent6">
-                    <a:lumMod val="75000"/>
-                  </a:schemeClr>
-                </a:solidFill>
-                <a:hlinkClick r:id="rId7"/>
-              </a:rPr>
-              <a:t>https://www.jetbrains.com/go</a:t>
-            </a:r>
-            <a:r>
-              <a:rPr lang="fr-FR" sz="1200" b="1" dirty="0" smtClean="0">
-                <a:solidFill>
-                  <a:schemeClr val="accent6">
-                    <a:lumMod val="75000"/>
-                  </a:schemeClr>
-                </a:solidFill>
-                <a:hlinkClick r:id="rId7"/>
-              </a:rPr>
-              <a:t>/</a:t>
-            </a:r>
-            <a:endParaRPr lang="fr-FR" sz="1200" b="1" dirty="0" smtClean="0">
-              <a:solidFill>
-                <a:schemeClr val="accent6">
-                  <a:lumMod val="75000"/>
-                </a:schemeClr>
-              </a:solidFill>
-            </a:endParaRPr>
-          </a:p>
-          <a:p>
-            <a:endParaRPr lang="fr-FR" sz="1200" b="1" dirty="0">
-              <a:solidFill>
-                <a:schemeClr val="accent6">
-                  <a:lumMod val="75000"/>
-                </a:schemeClr>
-              </a:solidFill>
-            </a:endParaRPr>
-          </a:p>
-          <a:p>
-            <a:r>
-              <a:rPr lang="fr-FR" sz="1200" b="1" dirty="0" smtClean="0">
-                <a:solidFill>
-                  <a:schemeClr val="accent6">
-                    <a:lumMod val="75000"/>
-                  </a:schemeClr>
-                </a:solidFill>
-              </a:rPr>
-              <a:t>Gitlab </a:t>
-            </a:r>
-            <a:r>
-              <a:rPr lang="fr-FR" sz="1200" b="1" dirty="0" smtClean="0">
-                <a:solidFill>
-                  <a:schemeClr val="accent6">
-                    <a:lumMod val="75000"/>
-                  </a:schemeClr>
-                </a:solidFill>
-                <a:hlinkClick r:id="rId8"/>
-              </a:rPr>
-              <a:t>course</a:t>
-            </a:r>
-            <a:r>
-              <a:rPr lang="fr-FR" sz="1200" b="1" dirty="0" smtClean="0">
-                <a:solidFill>
-                  <a:schemeClr val="accent6">
-                    <a:lumMod val="75000"/>
-                  </a:schemeClr>
-                </a:solidFill>
-              </a:rPr>
-              <a:t> link</a:t>
-            </a:r>
-            <a:r>
-              <a:rPr lang="fr-FR" sz="1200" b="1" dirty="0">
-                <a:solidFill>
-                  <a:schemeClr val="accent6">
-                    <a:lumMod val="75000"/>
-                  </a:schemeClr>
-                </a:solidFill>
-              </a:rPr>
-              <a:t> : </a:t>
-            </a:r>
-            <a:r>
-              <a:rPr lang="fr-FR" sz="1200" b="1" dirty="0">
-                <a:solidFill>
-                  <a:schemeClr val="accent6">
-                    <a:lumMod val="75000"/>
-                  </a:schemeClr>
-                </a:solidFill>
-                <a:hlinkClick r:id="rId8"/>
-              </a:rPr>
-              <a:t>https://</a:t>
-            </a:r>
-            <a:r>
-              <a:rPr lang="fr-FR" sz="1200" b="1" dirty="0" smtClean="0">
-                <a:solidFill>
-                  <a:schemeClr val="accent6">
-                    <a:lumMod val="75000"/>
-                  </a:schemeClr>
-                </a:solidFill>
-                <a:hlinkClick r:id="rId8"/>
-              </a:rPr>
-              <a:t>gitlab.com/ThierryDecker/learning-go</a:t>
-            </a:r>
-            <a:endParaRPr lang="fr-FR" sz="1200" b="1" dirty="0" smtClean="0">
-              <a:solidFill>
-                <a:schemeClr val="accent6">
-                  <a:lumMod val="75000"/>
-                </a:schemeClr>
-              </a:solidFill>
-            </a:endParaRPr>
-          </a:p>
-          <a:p>
-            <a:r>
-              <a:rPr lang="fr-FR" sz="1200" b="1" dirty="0" smtClean="0">
-                <a:solidFill>
-                  <a:schemeClr val="accent6">
-                    <a:lumMod val="75000"/>
-                  </a:schemeClr>
-                </a:solidFill>
-                <a:hlinkClick r:id="rId9"/>
-              </a:rPr>
-              <a:t>Slice Tricks</a:t>
-            </a:r>
-            <a:r>
-              <a:rPr lang="fr-FR" sz="1200" b="1" dirty="0" smtClean="0">
-                <a:solidFill>
-                  <a:schemeClr val="accent6">
-                    <a:lumMod val="75000"/>
-                  </a:schemeClr>
-                </a:solidFill>
-              </a:rPr>
-              <a:t> : https</a:t>
-            </a:r>
-            <a:r>
-              <a:rPr lang="fr-FR" sz="1200" b="1" dirty="0">
-                <a:solidFill>
-                  <a:schemeClr val="accent6">
-                    <a:lumMod val="75000"/>
-                  </a:schemeClr>
-                </a:solidFill>
-              </a:rPr>
-              <a:t>://github.com/golang/go/wiki/SliceTricks</a:t>
-            </a:r>
-          </a:p>
         </p:txBody>
       </p:sp>
+      <p:pic>
+        <p:nvPicPr>
+          <p:cNvPr id="4" name="Image 3"/>
+          <p:cNvPicPr>
+            <a:picLocks noChangeAspect="1"/>
+          </p:cNvPicPr>
+          <p:nvPr/>
+        </p:nvPicPr>
+        <p:blipFill>
+          <a:blip r:embed="rId2"/>
+          <a:stretch>
+            <a:fillRect/>
+          </a:stretch>
+        </p:blipFill>
+        <p:spPr>
+          <a:xfrm>
+            <a:off x="6191746" y="3029447"/>
+            <a:ext cx="5867400" cy="2085975"/>
+          </a:xfrm>
+          <a:prstGeom prst="rect">
+            <a:avLst/>
+          </a:prstGeom>
+        </p:spPr>
+      </p:pic>
+      <p:pic>
+        <p:nvPicPr>
+          <p:cNvPr id="5" name="Image 4"/>
+          <p:cNvPicPr>
+            <a:picLocks noChangeAspect="1"/>
+          </p:cNvPicPr>
+          <p:nvPr/>
+        </p:nvPicPr>
+        <p:blipFill>
+          <a:blip r:embed="rId3"/>
+          <a:stretch>
+            <a:fillRect/>
+          </a:stretch>
+        </p:blipFill>
+        <p:spPr>
+          <a:xfrm>
+            <a:off x="4267696" y="5253718"/>
+            <a:ext cx="7791450" cy="771525"/>
+          </a:xfrm>
+          <a:prstGeom prst="rect">
+            <a:avLst/>
+          </a:prstGeom>
+        </p:spPr>
+      </p:pic>
     </p:spTree>
     <p:extLst>
       <p:ext uri="{BB962C8B-B14F-4D97-AF65-F5344CB8AC3E}">
-        <p14:creationId xmlns:p14="http://schemas.microsoft.com/office/powerpoint/2010/main" val="2478443664"/>
+        <p14:creationId xmlns:p14="http://schemas.microsoft.com/office/powerpoint/2010/main" val="475256733"/>
       </p:ext>
     </p:extLst>
   </p:cSld>
@@ -36468,6 +36218,917 @@
     <p:extLst>
       <p:ext uri="{BB962C8B-B14F-4D97-AF65-F5344CB8AC3E}">
         <p14:creationId xmlns:p14="http://schemas.microsoft.com/office/powerpoint/2010/main" val="1875130607"/>
+      </p:ext>
+    </p:extLst>
+  </p:cSld>
+  <p:clrMapOvr>
+    <a:masterClrMapping/>
+  </p:clrMapOvr>
+  <p:timing>
+    <p:tnLst>
+      <p:par>
+        <p:cTn id="1" dur="indefinite" restart="never" nodeType="tmRoot"/>
+      </p:par>
+    </p:tnLst>
+  </p:timing>
+</p:sld>
+</file>
+
+<file path=ppt/slides/slide80.xml><?xml version="1.0" encoding="utf-8"?>
+<p:sld xmlns:a="http://schemas.openxmlformats.org/drawingml/2006/main" xmlns:r="http://schemas.openxmlformats.org/officeDocument/2006/relationships" xmlns:p="http://schemas.openxmlformats.org/presentationml/2006/main">
+  <p:cSld>
+    <p:spTree>
+      <p:nvGrpSpPr>
+        <p:cNvPr id="1" name=""/>
+        <p:cNvGrpSpPr/>
+        <p:nvPr/>
+      </p:nvGrpSpPr>
+      <p:grpSpPr>
+        <a:xfrm>
+          <a:off x="0" y="0"/>
+          <a:ext cx="0" cy="0"/>
+          <a:chOff x="0" y="0"/>
+          <a:chExt cx="0" cy="0"/>
+        </a:xfrm>
+      </p:grpSpPr>
+      <p:sp>
+        <p:nvSpPr>
+          <p:cNvPr id="2" name="Titre 1"/>
+          <p:cNvSpPr>
+            <a:spLocks noGrp="1"/>
+          </p:cNvSpPr>
+          <p:nvPr>
+            <p:ph type="title"/>
+          </p:nvPr>
+        </p:nvSpPr>
+        <p:spPr>
+          <a:xfrm>
+            <a:off x="2592925" y="624110"/>
+            <a:ext cx="8911687" cy="1280890"/>
+          </a:xfrm>
+        </p:spPr>
+        <p:txBody>
+          <a:bodyPr/>
+          <a:lstStyle/>
+          <a:p>
+            <a:r>
+              <a:rPr lang="fr-FR" dirty="0" smtClean="0"/>
+              <a:t>Tests</a:t>
+            </a:r>
+            <a:endParaRPr lang="fr-FR" dirty="0"/>
+          </a:p>
+        </p:txBody>
+      </p:sp>
+      <p:sp>
+        <p:nvSpPr>
+          <p:cNvPr id="7" name="Espace réservé du contenu 2"/>
+          <p:cNvSpPr>
+            <a:spLocks noGrp="1"/>
+          </p:cNvSpPr>
+          <p:nvPr>
+            <p:ph idx="1"/>
+          </p:nvPr>
+        </p:nvSpPr>
+        <p:spPr>
+          <a:xfrm>
+            <a:off x="906448" y="1550505"/>
+            <a:ext cx="5136543" cy="4474738"/>
+          </a:xfrm>
+        </p:spPr>
+        <p:txBody>
+          <a:bodyPr anchor="ctr">
+            <a:normAutofit/>
+          </a:bodyPr>
+          <a:lstStyle/>
+          <a:p>
+            <a:pPr algn="just"/>
+            <a:r>
+              <a:rPr lang="fr-FR" dirty="0" smtClean="0">
+                <a:solidFill>
+                  <a:schemeClr val="tx1"/>
+                </a:solidFill>
+              </a:rPr>
+              <a:t>Implémentons partiellement la fonction à tester et relançons le test…</a:t>
+            </a:r>
+            <a:endParaRPr lang="fr-FR" dirty="0" smtClean="0">
+              <a:solidFill>
+                <a:schemeClr val="tx1"/>
+              </a:solidFill>
+            </a:endParaRPr>
+          </a:p>
+        </p:txBody>
+      </p:sp>
+      <p:pic>
+        <p:nvPicPr>
+          <p:cNvPr id="3" name="Image 2"/>
+          <p:cNvPicPr>
+            <a:picLocks noChangeAspect="1"/>
+          </p:cNvPicPr>
+          <p:nvPr/>
+        </p:nvPicPr>
+        <p:blipFill>
+          <a:blip r:embed="rId2"/>
+          <a:stretch>
+            <a:fillRect/>
+          </a:stretch>
+        </p:blipFill>
+        <p:spPr>
+          <a:xfrm>
+            <a:off x="7231172" y="2365265"/>
+            <a:ext cx="3343275" cy="2000250"/>
+          </a:xfrm>
+          <a:prstGeom prst="rect">
+            <a:avLst/>
+          </a:prstGeom>
+        </p:spPr>
+      </p:pic>
+      <p:pic>
+        <p:nvPicPr>
+          <p:cNvPr id="6" name="Image 5"/>
+          <p:cNvPicPr>
+            <a:picLocks noChangeAspect="1"/>
+          </p:cNvPicPr>
+          <p:nvPr/>
+        </p:nvPicPr>
+        <p:blipFill>
+          <a:blip r:embed="rId3"/>
+          <a:stretch>
+            <a:fillRect/>
+          </a:stretch>
+        </p:blipFill>
+        <p:spPr>
+          <a:xfrm>
+            <a:off x="2773472" y="4560570"/>
+            <a:ext cx="7800975" cy="1028700"/>
+          </a:xfrm>
+          <a:prstGeom prst="rect">
+            <a:avLst/>
+          </a:prstGeom>
+        </p:spPr>
+      </p:pic>
+    </p:spTree>
+    <p:extLst>
+      <p:ext uri="{BB962C8B-B14F-4D97-AF65-F5344CB8AC3E}">
+        <p14:creationId xmlns:p14="http://schemas.microsoft.com/office/powerpoint/2010/main" val="305823888"/>
+      </p:ext>
+    </p:extLst>
+  </p:cSld>
+  <p:clrMapOvr>
+    <a:masterClrMapping/>
+  </p:clrMapOvr>
+  <p:timing>
+    <p:tnLst>
+      <p:par>
+        <p:cTn id="1" dur="indefinite" restart="never" nodeType="tmRoot"/>
+      </p:par>
+    </p:tnLst>
+  </p:timing>
+</p:sld>
+</file>
+
+<file path=ppt/slides/slide81.xml><?xml version="1.0" encoding="utf-8"?>
+<p:sld xmlns:a="http://schemas.openxmlformats.org/drawingml/2006/main" xmlns:r="http://schemas.openxmlformats.org/officeDocument/2006/relationships" xmlns:p="http://schemas.openxmlformats.org/presentationml/2006/main">
+  <p:cSld>
+    <p:spTree>
+      <p:nvGrpSpPr>
+        <p:cNvPr id="1" name=""/>
+        <p:cNvGrpSpPr/>
+        <p:nvPr/>
+      </p:nvGrpSpPr>
+      <p:grpSpPr>
+        <a:xfrm>
+          <a:off x="0" y="0"/>
+          <a:ext cx="0" cy="0"/>
+          <a:chOff x="0" y="0"/>
+          <a:chExt cx="0" cy="0"/>
+        </a:xfrm>
+      </p:grpSpPr>
+      <p:sp>
+        <p:nvSpPr>
+          <p:cNvPr id="2" name="Titre 1"/>
+          <p:cNvSpPr>
+            <a:spLocks noGrp="1"/>
+          </p:cNvSpPr>
+          <p:nvPr>
+            <p:ph type="title"/>
+          </p:nvPr>
+        </p:nvSpPr>
+        <p:spPr>
+          <a:xfrm>
+            <a:off x="2592925" y="624110"/>
+            <a:ext cx="8911687" cy="1280890"/>
+          </a:xfrm>
+        </p:spPr>
+        <p:txBody>
+          <a:bodyPr/>
+          <a:lstStyle/>
+          <a:p>
+            <a:r>
+              <a:rPr lang="fr-FR" dirty="0" smtClean="0"/>
+              <a:t>Tests</a:t>
+            </a:r>
+            <a:endParaRPr lang="fr-FR" dirty="0"/>
+          </a:p>
+        </p:txBody>
+      </p:sp>
+      <p:sp>
+        <p:nvSpPr>
+          <p:cNvPr id="7" name="Espace réservé du contenu 2"/>
+          <p:cNvSpPr>
+            <a:spLocks noGrp="1"/>
+          </p:cNvSpPr>
+          <p:nvPr>
+            <p:ph idx="1"/>
+          </p:nvPr>
+        </p:nvSpPr>
+        <p:spPr>
+          <a:xfrm>
+            <a:off x="906448" y="1550505"/>
+            <a:ext cx="5136543" cy="4474738"/>
+          </a:xfrm>
+        </p:spPr>
+        <p:txBody>
+          <a:bodyPr anchor="ctr">
+            <a:normAutofit/>
+          </a:bodyPr>
+          <a:lstStyle/>
+          <a:p>
+            <a:pPr algn="just"/>
+            <a:r>
+              <a:rPr lang="fr-FR" dirty="0" smtClean="0">
+                <a:solidFill>
+                  <a:schemeClr val="tx1"/>
+                </a:solidFill>
+              </a:rPr>
+              <a:t>Implémentons complètement la fonction à tester et relançons le test…</a:t>
+            </a:r>
+            <a:endParaRPr lang="fr-FR" dirty="0" smtClean="0">
+              <a:solidFill>
+                <a:schemeClr val="tx1"/>
+              </a:solidFill>
+            </a:endParaRPr>
+          </a:p>
+        </p:txBody>
+      </p:sp>
+      <p:pic>
+        <p:nvPicPr>
+          <p:cNvPr id="4" name="Image 3"/>
+          <p:cNvPicPr>
+            <a:picLocks noChangeAspect="1"/>
+          </p:cNvPicPr>
+          <p:nvPr/>
+        </p:nvPicPr>
+        <p:blipFill>
+          <a:blip r:embed="rId2"/>
+          <a:stretch>
+            <a:fillRect/>
+          </a:stretch>
+        </p:blipFill>
+        <p:spPr>
+          <a:xfrm>
+            <a:off x="7884753" y="2336607"/>
+            <a:ext cx="3324225" cy="1962150"/>
+          </a:xfrm>
+          <a:prstGeom prst="rect">
+            <a:avLst/>
+          </a:prstGeom>
+        </p:spPr>
+      </p:pic>
+      <p:pic>
+        <p:nvPicPr>
+          <p:cNvPr id="5" name="Image 4"/>
+          <p:cNvPicPr>
+            <a:picLocks noChangeAspect="1"/>
+          </p:cNvPicPr>
+          <p:nvPr/>
+        </p:nvPicPr>
+        <p:blipFill>
+          <a:blip r:embed="rId3"/>
+          <a:stretch>
+            <a:fillRect/>
+          </a:stretch>
+        </p:blipFill>
+        <p:spPr>
+          <a:xfrm>
+            <a:off x="3427053" y="4730364"/>
+            <a:ext cx="7781925" cy="609600"/>
+          </a:xfrm>
+          <a:prstGeom prst="rect">
+            <a:avLst/>
+          </a:prstGeom>
+        </p:spPr>
+      </p:pic>
+    </p:spTree>
+    <p:extLst>
+      <p:ext uri="{BB962C8B-B14F-4D97-AF65-F5344CB8AC3E}">
+        <p14:creationId xmlns:p14="http://schemas.microsoft.com/office/powerpoint/2010/main" val="1617297832"/>
+      </p:ext>
+    </p:extLst>
+  </p:cSld>
+  <p:clrMapOvr>
+    <a:masterClrMapping/>
+  </p:clrMapOvr>
+  <p:timing>
+    <p:tnLst>
+      <p:par>
+        <p:cTn id="1" dur="indefinite" restart="never" nodeType="tmRoot"/>
+      </p:par>
+    </p:tnLst>
+  </p:timing>
+</p:sld>
+</file>
+
+<file path=ppt/slides/slide82.xml><?xml version="1.0" encoding="utf-8"?>
+<p:sld xmlns:a="http://schemas.openxmlformats.org/drawingml/2006/main" xmlns:r="http://schemas.openxmlformats.org/officeDocument/2006/relationships" xmlns:p="http://schemas.openxmlformats.org/presentationml/2006/main">
+  <p:cSld>
+    <p:spTree>
+      <p:nvGrpSpPr>
+        <p:cNvPr id="1" name=""/>
+        <p:cNvGrpSpPr/>
+        <p:nvPr/>
+      </p:nvGrpSpPr>
+      <p:grpSpPr>
+        <a:xfrm>
+          <a:off x="0" y="0"/>
+          <a:ext cx="0" cy="0"/>
+          <a:chOff x="0" y="0"/>
+          <a:chExt cx="0" cy="0"/>
+        </a:xfrm>
+      </p:grpSpPr>
+      <p:sp>
+        <p:nvSpPr>
+          <p:cNvPr id="2" name="Titre 1"/>
+          <p:cNvSpPr>
+            <a:spLocks noGrp="1"/>
+          </p:cNvSpPr>
+          <p:nvPr>
+            <p:ph type="title"/>
+          </p:nvPr>
+        </p:nvSpPr>
+        <p:spPr>
+          <a:xfrm>
+            <a:off x="2592925" y="624110"/>
+            <a:ext cx="8911687" cy="1280890"/>
+          </a:xfrm>
+        </p:spPr>
+        <p:txBody>
+          <a:bodyPr/>
+          <a:lstStyle/>
+          <a:p>
+            <a:r>
+              <a:rPr lang="fr-FR" dirty="0" smtClean="0"/>
+              <a:t>Tests</a:t>
+            </a:r>
+            <a:endParaRPr lang="fr-FR" dirty="0"/>
+          </a:p>
+        </p:txBody>
+      </p:sp>
+      <p:sp>
+        <p:nvSpPr>
+          <p:cNvPr id="7" name="Espace réservé du contenu 2"/>
+          <p:cNvSpPr>
+            <a:spLocks noGrp="1"/>
+          </p:cNvSpPr>
+          <p:nvPr>
+            <p:ph idx="1"/>
+          </p:nvPr>
+        </p:nvSpPr>
+        <p:spPr>
+          <a:xfrm>
+            <a:off x="906448" y="5987332"/>
+            <a:ext cx="4405023" cy="395037"/>
+          </a:xfrm>
+        </p:spPr>
+        <p:txBody>
+          <a:bodyPr anchor="ctr">
+            <a:normAutofit/>
+          </a:bodyPr>
+          <a:lstStyle/>
+          <a:p>
+            <a:pPr algn="just"/>
+            <a:r>
+              <a:rPr lang="fr-FR" dirty="0" smtClean="0">
+                <a:solidFill>
+                  <a:schemeClr val="tx1"/>
+                </a:solidFill>
+              </a:rPr>
+              <a:t>Ajoutons une fonction et son test…</a:t>
+            </a:r>
+            <a:endParaRPr lang="fr-FR" dirty="0" smtClean="0">
+              <a:solidFill>
+                <a:schemeClr val="tx1"/>
+              </a:solidFill>
+            </a:endParaRPr>
+          </a:p>
+        </p:txBody>
+      </p:sp>
+      <p:pic>
+        <p:nvPicPr>
+          <p:cNvPr id="3" name="Image 2"/>
+          <p:cNvPicPr>
+            <a:picLocks noChangeAspect="1"/>
+          </p:cNvPicPr>
+          <p:nvPr/>
+        </p:nvPicPr>
+        <p:blipFill>
+          <a:blip r:embed="rId2"/>
+          <a:stretch>
+            <a:fillRect/>
+          </a:stretch>
+        </p:blipFill>
+        <p:spPr>
+          <a:xfrm>
+            <a:off x="1789112" y="1770717"/>
+            <a:ext cx="3362325" cy="2571750"/>
+          </a:xfrm>
+          <a:prstGeom prst="rect">
+            <a:avLst/>
+          </a:prstGeom>
+        </p:spPr>
+      </p:pic>
+      <p:pic>
+        <p:nvPicPr>
+          <p:cNvPr id="6" name="Image 5"/>
+          <p:cNvPicPr>
+            <a:picLocks noChangeAspect="1"/>
+          </p:cNvPicPr>
+          <p:nvPr/>
+        </p:nvPicPr>
+        <p:blipFill>
+          <a:blip r:embed="rId3"/>
+          <a:stretch>
+            <a:fillRect/>
+          </a:stretch>
+        </p:blipFill>
+        <p:spPr>
+          <a:xfrm>
+            <a:off x="5258255" y="980142"/>
+            <a:ext cx="6353175" cy="3362325"/>
+          </a:xfrm>
+          <a:prstGeom prst="rect">
+            <a:avLst/>
+          </a:prstGeom>
+        </p:spPr>
+      </p:pic>
+      <p:pic>
+        <p:nvPicPr>
+          <p:cNvPr id="8" name="Image 7"/>
+          <p:cNvPicPr>
+            <a:picLocks noChangeAspect="1"/>
+          </p:cNvPicPr>
+          <p:nvPr/>
+        </p:nvPicPr>
+        <p:blipFill>
+          <a:blip r:embed="rId4"/>
+          <a:stretch>
+            <a:fillRect/>
+          </a:stretch>
+        </p:blipFill>
+        <p:spPr>
+          <a:xfrm>
+            <a:off x="2752435" y="4475745"/>
+            <a:ext cx="7810500" cy="1171575"/>
+          </a:xfrm>
+          <a:prstGeom prst="rect">
+            <a:avLst/>
+          </a:prstGeom>
+        </p:spPr>
+      </p:pic>
+    </p:spTree>
+    <p:extLst>
+      <p:ext uri="{BB962C8B-B14F-4D97-AF65-F5344CB8AC3E}">
+        <p14:creationId xmlns:p14="http://schemas.microsoft.com/office/powerpoint/2010/main" val="1481374748"/>
+      </p:ext>
+    </p:extLst>
+  </p:cSld>
+  <p:clrMapOvr>
+    <a:masterClrMapping/>
+  </p:clrMapOvr>
+  <p:timing>
+    <p:tnLst>
+      <p:par>
+        <p:cTn id="1" dur="indefinite" restart="never" nodeType="tmRoot"/>
+      </p:par>
+    </p:tnLst>
+  </p:timing>
+</p:sld>
+</file>
+
+<file path=ppt/slides/slide83.xml><?xml version="1.0" encoding="utf-8"?>
+<p:sld xmlns:a="http://schemas.openxmlformats.org/drawingml/2006/main" xmlns:r="http://schemas.openxmlformats.org/officeDocument/2006/relationships" xmlns:p="http://schemas.openxmlformats.org/presentationml/2006/main">
+  <p:cSld>
+    <p:spTree>
+      <p:nvGrpSpPr>
+        <p:cNvPr id="1" name=""/>
+        <p:cNvGrpSpPr/>
+        <p:nvPr/>
+      </p:nvGrpSpPr>
+      <p:grpSpPr>
+        <a:xfrm>
+          <a:off x="0" y="0"/>
+          <a:ext cx="0" cy="0"/>
+          <a:chOff x="0" y="0"/>
+          <a:chExt cx="0" cy="0"/>
+        </a:xfrm>
+      </p:grpSpPr>
+      <p:sp>
+        <p:nvSpPr>
+          <p:cNvPr id="2" name="Titre 1"/>
+          <p:cNvSpPr>
+            <a:spLocks noGrp="1"/>
+          </p:cNvSpPr>
+          <p:nvPr>
+            <p:ph type="title"/>
+          </p:nvPr>
+        </p:nvSpPr>
+        <p:spPr>
+          <a:xfrm>
+            <a:off x="2592925" y="624110"/>
+            <a:ext cx="8911687" cy="1280890"/>
+          </a:xfrm>
+        </p:spPr>
+        <p:txBody>
+          <a:bodyPr/>
+          <a:lstStyle/>
+          <a:p>
+            <a:r>
+              <a:rPr lang="fr-FR" dirty="0" smtClean="0"/>
+              <a:t>Références</a:t>
+            </a:r>
+            <a:endParaRPr lang="fr-FR" dirty="0"/>
+          </a:p>
+        </p:txBody>
+      </p:sp>
+      <p:sp>
+        <p:nvSpPr>
+          <p:cNvPr id="3" name="Espace réservé du contenu 2"/>
+          <p:cNvSpPr>
+            <a:spLocks noGrp="1"/>
+          </p:cNvSpPr>
+          <p:nvPr>
+            <p:ph idx="1"/>
+          </p:nvPr>
+        </p:nvSpPr>
+        <p:spPr/>
+        <p:txBody>
+          <a:bodyPr anchor="ctr">
+            <a:normAutofit/>
+          </a:bodyPr>
+          <a:lstStyle/>
+          <a:p>
+            <a:r>
+              <a:rPr lang="fr-FR" sz="1200" b="1" dirty="0" smtClean="0">
+                <a:solidFill>
+                  <a:schemeClr val="accent6">
+                    <a:lumMod val="75000"/>
+                  </a:schemeClr>
+                </a:solidFill>
+                <a:hlinkClick r:id="rId2"/>
+              </a:rPr>
+              <a:t>Golang Project </a:t>
+            </a:r>
+            <a:r>
+              <a:rPr lang="fr-FR" sz="1200" b="1" dirty="0" smtClean="0">
+                <a:solidFill>
+                  <a:schemeClr val="accent6">
+                    <a:lumMod val="75000"/>
+                  </a:schemeClr>
+                </a:solidFill>
+              </a:rPr>
+              <a:t>: https</a:t>
+            </a:r>
+            <a:r>
+              <a:rPr lang="fr-FR" sz="1200" b="1" dirty="0">
+                <a:solidFill>
+                  <a:schemeClr val="accent6">
+                    <a:lumMod val="75000"/>
+                  </a:schemeClr>
+                </a:solidFill>
+              </a:rPr>
+              <a:t>://golang.org</a:t>
+            </a:r>
+            <a:r>
+              <a:rPr lang="fr-FR" sz="1200" b="1" dirty="0" smtClean="0">
+                <a:solidFill>
+                  <a:schemeClr val="accent6">
+                    <a:lumMod val="75000"/>
+                  </a:schemeClr>
+                </a:solidFill>
+              </a:rPr>
+              <a:t>/</a:t>
+            </a:r>
+          </a:p>
+          <a:p>
+            <a:r>
+              <a:rPr lang="fr-FR" sz="1200" b="1" dirty="0" smtClean="0">
+                <a:solidFill>
+                  <a:schemeClr val="accent6">
+                    <a:lumMod val="75000"/>
+                  </a:schemeClr>
+                </a:solidFill>
+                <a:hlinkClick r:id="rId3"/>
+              </a:rPr>
+              <a:t>Goland-book.com</a:t>
+            </a:r>
+            <a:r>
+              <a:rPr lang="fr-FR" sz="1200" b="1" dirty="0" smtClean="0">
+                <a:solidFill>
+                  <a:schemeClr val="accent6">
+                    <a:lumMod val="75000"/>
+                  </a:schemeClr>
+                </a:solidFill>
+              </a:rPr>
+              <a:t> </a:t>
+            </a:r>
+            <a:r>
+              <a:rPr lang="fr-FR" sz="1200" b="1" dirty="0">
+                <a:solidFill>
+                  <a:schemeClr val="accent6">
+                    <a:lumMod val="75000"/>
+                  </a:schemeClr>
+                </a:solidFill>
+              </a:rPr>
+              <a:t>: https://www.golang-book.com/books/intro</a:t>
+            </a:r>
+            <a:endParaRPr lang="fr-FR" sz="1200" b="1" dirty="0" smtClean="0">
+              <a:solidFill>
+                <a:schemeClr val="accent6">
+                  <a:lumMod val="75000"/>
+                </a:schemeClr>
+              </a:solidFill>
+            </a:endParaRPr>
+          </a:p>
+          <a:p>
+            <a:r>
+              <a:rPr lang="fr-FR" sz="1200" b="1" dirty="0" smtClean="0">
+                <a:solidFill>
+                  <a:schemeClr val="accent6">
+                    <a:lumMod val="75000"/>
+                  </a:schemeClr>
+                </a:solidFill>
+                <a:hlinkClick r:id="rId4"/>
+              </a:rPr>
+              <a:t>Didier Gérard </a:t>
+            </a:r>
+            <a:r>
+              <a:rPr lang="fr-FR" sz="1200" b="1" dirty="0" smtClean="0">
+                <a:solidFill>
+                  <a:schemeClr val="accent6">
+                    <a:lumMod val="75000"/>
+                  </a:schemeClr>
+                </a:solidFill>
+              </a:rPr>
+              <a:t>: https</a:t>
+            </a:r>
+            <a:r>
+              <a:rPr lang="fr-FR" sz="1200" b="1" dirty="0">
+                <a:solidFill>
+                  <a:schemeClr val="accent6">
+                    <a:lumMod val="75000"/>
+                  </a:schemeClr>
+                </a:solidFill>
+              </a:rPr>
+              <a:t>://lemag.sfeir.com/pourquoi-golang/</a:t>
+            </a:r>
+          </a:p>
+          <a:p>
+            <a:r>
+              <a:rPr lang="fr-FR" sz="1200" b="1" dirty="0" smtClean="0">
+                <a:solidFill>
+                  <a:schemeClr val="accent6">
+                    <a:lumMod val="75000"/>
+                  </a:schemeClr>
+                </a:solidFill>
+                <a:hlinkClick r:id="rId5"/>
+              </a:rPr>
+              <a:t>Wikipédia</a:t>
+            </a:r>
+            <a:r>
+              <a:rPr lang="fr-FR" sz="1200" b="1" dirty="0" smtClean="0">
+                <a:solidFill>
+                  <a:schemeClr val="accent6">
+                    <a:lumMod val="75000"/>
+                  </a:schemeClr>
+                </a:solidFill>
+              </a:rPr>
+              <a:t> : </a:t>
+            </a:r>
+            <a:r>
+              <a:rPr lang="fr-FR" sz="1200" b="1" dirty="0">
+                <a:solidFill>
+                  <a:schemeClr val="accent6">
+                    <a:lumMod val="75000"/>
+                  </a:schemeClr>
+                </a:solidFill>
+              </a:rPr>
+              <a:t>https://fr.wikipedia.org/wiki/Go_(langage</a:t>
+            </a:r>
+            <a:r>
+              <a:rPr lang="fr-FR" sz="1200" b="1" dirty="0" smtClean="0">
+                <a:solidFill>
+                  <a:schemeClr val="accent6">
+                    <a:lumMod val="75000"/>
+                  </a:schemeClr>
+                </a:solidFill>
+              </a:rPr>
+              <a:t>)</a:t>
+            </a:r>
+          </a:p>
+          <a:p>
+            <a:r>
+              <a:rPr lang="fr-FR" sz="1200" b="1" dirty="0" smtClean="0">
+                <a:solidFill>
+                  <a:schemeClr val="accent6">
+                    <a:lumMod val="75000"/>
+                  </a:schemeClr>
+                </a:solidFill>
+                <a:hlinkClick r:id="rId6"/>
+              </a:rPr>
+              <a:t>The Go Programming Language </a:t>
+            </a:r>
+            <a:r>
+              <a:rPr lang="fr-FR" sz="1200" b="1" dirty="0" smtClean="0">
+                <a:solidFill>
+                  <a:schemeClr val="accent6">
+                    <a:lumMod val="75000"/>
+                  </a:schemeClr>
+                </a:solidFill>
+              </a:rPr>
+              <a:t>: Donovan, Kernigan</a:t>
+            </a:r>
+          </a:p>
+          <a:p>
+            <a:r>
+              <a:rPr lang="fr-FR" sz="1200" b="1" dirty="0" smtClean="0">
+                <a:solidFill>
+                  <a:schemeClr val="accent6">
+                    <a:lumMod val="75000"/>
+                  </a:schemeClr>
+                </a:solidFill>
+                <a:hlinkClick r:id="rId7"/>
+              </a:rPr>
+              <a:t>Goland IDE </a:t>
+            </a:r>
+            <a:r>
+              <a:rPr lang="fr-FR" sz="1200" b="1" dirty="0">
+                <a:solidFill>
+                  <a:schemeClr val="accent6">
+                    <a:lumMod val="75000"/>
+                  </a:schemeClr>
+                </a:solidFill>
+              </a:rPr>
+              <a:t>: </a:t>
+            </a:r>
+            <a:r>
+              <a:rPr lang="fr-FR" sz="1200" b="1" dirty="0">
+                <a:solidFill>
+                  <a:schemeClr val="accent6">
+                    <a:lumMod val="75000"/>
+                  </a:schemeClr>
+                </a:solidFill>
+                <a:hlinkClick r:id="rId7"/>
+              </a:rPr>
+              <a:t>https://www.jetbrains.com/go</a:t>
+            </a:r>
+            <a:r>
+              <a:rPr lang="fr-FR" sz="1200" b="1" dirty="0" smtClean="0">
+                <a:solidFill>
+                  <a:schemeClr val="accent6">
+                    <a:lumMod val="75000"/>
+                  </a:schemeClr>
+                </a:solidFill>
+                <a:hlinkClick r:id="rId7"/>
+              </a:rPr>
+              <a:t>/</a:t>
+            </a:r>
+            <a:endParaRPr lang="fr-FR" sz="1200" b="1" dirty="0" smtClean="0">
+              <a:solidFill>
+                <a:schemeClr val="accent6">
+                  <a:lumMod val="75000"/>
+                </a:schemeClr>
+              </a:solidFill>
+            </a:endParaRPr>
+          </a:p>
+          <a:p>
+            <a:endParaRPr lang="fr-FR" sz="1200" b="1" dirty="0">
+              <a:solidFill>
+                <a:schemeClr val="accent6">
+                  <a:lumMod val="75000"/>
+                </a:schemeClr>
+              </a:solidFill>
+            </a:endParaRPr>
+          </a:p>
+          <a:p>
+            <a:r>
+              <a:rPr lang="fr-FR" sz="1200" b="1" dirty="0" smtClean="0">
+                <a:solidFill>
+                  <a:schemeClr val="accent6">
+                    <a:lumMod val="75000"/>
+                  </a:schemeClr>
+                </a:solidFill>
+              </a:rPr>
+              <a:t>Gitlab </a:t>
+            </a:r>
+            <a:r>
+              <a:rPr lang="fr-FR" sz="1200" b="1" dirty="0" smtClean="0">
+                <a:solidFill>
+                  <a:schemeClr val="accent6">
+                    <a:lumMod val="75000"/>
+                  </a:schemeClr>
+                </a:solidFill>
+                <a:hlinkClick r:id="rId8"/>
+              </a:rPr>
+              <a:t>course</a:t>
+            </a:r>
+            <a:r>
+              <a:rPr lang="fr-FR" sz="1200" b="1" dirty="0" smtClean="0">
+                <a:solidFill>
+                  <a:schemeClr val="accent6">
+                    <a:lumMod val="75000"/>
+                  </a:schemeClr>
+                </a:solidFill>
+              </a:rPr>
+              <a:t> link</a:t>
+            </a:r>
+            <a:r>
+              <a:rPr lang="fr-FR" sz="1200" b="1" dirty="0">
+                <a:solidFill>
+                  <a:schemeClr val="accent6">
+                    <a:lumMod val="75000"/>
+                  </a:schemeClr>
+                </a:solidFill>
+              </a:rPr>
+              <a:t> : </a:t>
+            </a:r>
+            <a:r>
+              <a:rPr lang="fr-FR" sz="1200" b="1" dirty="0">
+                <a:solidFill>
+                  <a:schemeClr val="accent6">
+                    <a:lumMod val="75000"/>
+                  </a:schemeClr>
+                </a:solidFill>
+                <a:hlinkClick r:id="rId8"/>
+              </a:rPr>
+              <a:t>https://</a:t>
+            </a:r>
+            <a:r>
+              <a:rPr lang="fr-FR" sz="1200" b="1" dirty="0" smtClean="0">
+                <a:solidFill>
+                  <a:schemeClr val="accent6">
+                    <a:lumMod val="75000"/>
+                  </a:schemeClr>
+                </a:solidFill>
+                <a:hlinkClick r:id="rId8"/>
+              </a:rPr>
+              <a:t>gitlab.com/ThierryDecker/learning-go</a:t>
+            </a:r>
+            <a:endParaRPr lang="fr-FR" sz="1200" b="1" dirty="0" smtClean="0">
+              <a:solidFill>
+                <a:schemeClr val="accent6">
+                  <a:lumMod val="75000"/>
+                </a:schemeClr>
+              </a:solidFill>
+            </a:endParaRPr>
+          </a:p>
+          <a:p>
+            <a:r>
+              <a:rPr lang="fr-FR" sz="1200" b="1" dirty="0" smtClean="0">
+                <a:solidFill>
+                  <a:schemeClr val="accent6">
+                    <a:lumMod val="75000"/>
+                  </a:schemeClr>
+                </a:solidFill>
+                <a:hlinkClick r:id="rId9"/>
+              </a:rPr>
+              <a:t>Slice Tricks</a:t>
+            </a:r>
+            <a:r>
+              <a:rPr lang="fr-FR" sz="1200" b="1" dirty="0" smtClean="0">
+                <a:solidFill>
+                  <a:schemeClr val="accent6">
+                    <a:lumMod val="75000"/>
+                  </a:schemeClr>
+                </a:solidFill>
+              </a:rPr>
+              <a:t> : https</a:t>
+            </a:r>
+            <a:r>
+              <a:rPr lang="fr-FR" sz="1200" b="1" dirty="0">
+                <a:solidFill>
+                  <a:schemeClr val="accent6">
+                    <a:lumMod val="75000"/>
+                  </a:schemeClr>
+                </a:solidFill>
+              </a:rPr>
+              <a:t>://github.com/golang/go/wiki/SliceTricks</a:t>
+            </a:r>
+          </a:p>
+        </p:txBody>
+      </p:sp>
+    </p:spTree>
+    <p:extLst>
+      <p:ext uri="{BB962C8B-B14F-4D97-AF65-F5344CB8AC3E}">
+        <p14:creationId xmlns:p14="http://schemas.microsoft.com/office/powerpoint/2010/main" val="2478443664"/>
       </p:ext>
     </p:extLst>
   </p:cSld>

--- a/documentations/learning-go.pptx
+++ b/documentations/learning-go.pptx
@@ -1301,12 +1301,8 @@
         <a:lstStyle/>
         <a:p>
           <a:r>
-            <a:rPr lang="fr-FR" sz="1000" dirty="0" err="1" smtClean="0"/>
-            <a:t>projectname</a:t>
-          </a:r>
-          <a:r>
             <a:rPr lang="fr-FR" sz="1000" dirty="0" smtClean="0"/>
-            <a:t> &lt;dir&gt;</a:t>
+            <a:t>projectname &lt;dir&gt;</a:t>
           </a:r>
           <a:endParaRPr lang="fr-FR" sz="1000" dirty="0"/>
         </a:p>
@@ -1379,12 +1375,8 @@
         <a:lstStyle/>
         <a:p>
           <a:r>
-            <a:rPr lang="fr-FR" sz="1000" dirty="0" err="1" smtClean="0"/>
-            <a:t>projectname</a:t>
-          </a:r>
-          <a:r>
             <a:rPr lang="fr-FR" sz="1000" dirty="0" smtClean="0"/>
-            <a:t> &lt;dir&gt;</a:t>
+            <a:t>projectname &lt;dir&gt;</a:t>
           </a:r>
           <a:endParaRPr lang="fr-FR" sz="1000" dirty="0"/>
         </a:p>
@@ -1420,12 +1412,8 @@
         <a:lstStyle/>
         <a:p>
           <a:r>
-            <a:rPr lang="fr-FR" sz="1000" dirty="0" err="1" smtClean="0"/>
-            <a:t>cmdname</a:t>
-          </a:r>
-          <a:r>
             <a:rPr lang="fr-FR" sz="1000" dirty="0" smtClean="0"/>
-            <a:t> &lt;dir&gt;</a:t>
+            <a:t>cmdname &lt;dir&gt;</a:t>
           </a:r>
           <a:endParaRPr lang="fr-FR" sz="1000" dirty="0"/>
         </a:p>
@@ -1498,12 +1486,8 @@
         <a:lstStyle/>
         <a:p>
           <a:r>
-            <a:rPr lang="fr-FR" sz="1000" dirty="0" err="1" smtClean="0"/>
-            <a:t>packname</a:t>
-          </a:r>
-          <a:r>
             <a:rPr lang="fr-FR" sz="1000" dirty="0" smtClean="0"/>
-            <a:t>&lt;dir&gt;</a:t>
+            <a:t>packname&lt;dir&gt;</a:t>
           </a:r>
           <a:endParaRPr lang="fr-FR" sz="1000" dirty="0"/>
         </a:p>
@@ -4087,7 +4071,7 @@
       </dsp:nvSpPr>
       <dsp:spPr>
         <a:xfrm>
-          <a:off x="4052020" y="4474192"/>
+          <a:off x="4167314" y="4474192"/>
           <a:ext cx="215405" cy="410453"/>
         </a:xfrm>
         <a:custGeom>
@@ -4160,7 +4144,7 @@
         </a:p>
       </dsp:txBody>
       <dsp:txXfrm>
-        <a:off x="4148135" y="4667830"/>
+        <a:off x="4263428" y="4667830"/>
         <a:ext cx="23177" cy="23177"/>
       </dsp:txXfrm>
     </dsp:sp>
@@ -4171,7 +4155,7 @@
       </dsp:nvSpPr>
       <dsp:spPr>
         <a:xfrm>
-          <a:off x="4052020" y="4428472"/>
+          <a:off x="4167314" y="4428472"/>
           <a:ext cx="215405" cy="91440"/>
         </a:xfrm>
         <a:custGeom>
@@ -4238,7 +4222,7 @@
         </a:p>
       </dsp:txBody>
       <dsp:txXfrm>
-        <a:off x="4154338" y="4468807"/>
+        <a:off x="4269632" y="4468807"/>
         <a:ext cx="10770" cy="10770"/>
       </dsp:txXfrm>
     </dsp:sp>
@@ -4249,7 +4233,7 @@
       </dsp:nvSpPr>
       <dsp:spPr>
         <a:xfrm>
-          <a:off x="6636891" y="4679418"/>
+          <a:off x="6752185" y="4679418"/>
           <a:ext cx="215405" cy="205226"/>
         </a:xfrm>
         <a:custGeom>
@@ -4322,7 +4306,7 @@
         </a:p>
       </dsp:txBody>
       <dsp:txXfrm>
-        <a:off x="6737156" y="4774594"/>
+        <a:off x="6852450" y="4774594"/>
         <a:ext cx="14875" cy="14875"/>
       </dsp:txXfrm>
     </dsp:sp>
@@ -4333,7 +4317,7 @@
       </dsp:nvSpPr>
       <dsp:spPr>
         <a:xfrm>
-          <a:off x="7929327" y="4474192"/>
+          <a:off x="8044620" y="4474192"/>
           <a:ext cx="215405" cy="410453"/>
         </a:xfrm>
         <a:custGeom>
@@ -4406,7 +4390,7 @@
         </a:p>
       </dsp:txBody>
       <dsp:txXfrm>
-        <a:off x="8025441" y="4667830"/>
+        <a:off x="8140734" y="4667830"/>
         <a:ext cx="23177" cy="23177"/>
       </dsp:txXfrm>
     </dsp:sp>
@@ -4417,7 +4401,7 @@
       </dsp:nvSpPr>
       <dsp:spPr>
         <a:xfrm>
-          <a:off x="7929327" y="4428472"/>
+          <a:off x="8044620" y="4428472"/>
           <a:ext cx="215405" cy="91440"/>
         </a:xfrm>
         <a:custGeom>
@@ -4484,7 +4468,7 @@
         </a:p>
       </dsp:txBody>
       <dsp:txXfrm>
-        <a:off x="8031644" y="4468807"/>
+        <a:off x="8146938" y="4468807"/>
         <a:ext cx="10770" cy="10770"/>
       </dsp:txXfrm>
     </dsp:sp>
@@ -4495,7 +4479,7 @@
       </dsp:nvSpPr>
       <dsp:spPr>
         <a:xfrm>
-          <a:off x="7929327" y="4063738"/>
+          <a:off x="8044620" y="4063738"/>
           <a:ext cx="215405" cy="410453"/>
         </a:xfrm>
         <a:custGeom>
@@ -4568,7 +4552,7 @@
         </a:p>
       </dsp:txBody>
       <dsp:txXfrm>
-        <a:off x="8025441" y="4257376"/>
+        <a:off x="8140734" y="4257376"/>
         <a:ext cx="23177" cy="23177"/>
       </dsp:txXfrm>
     </dsp:sp>
@@ -4579,7 +4563,7 @@
       </dsp:nvSpPr>
       <dsp:spPr>
         <a:xfrm>
-          <a:off x="6636891" y="4474192"/>
+          <a:off x="6752185" y="4474192"/>
           <a:ext cx="215405" cy="205226"/>
         </a:xfrm>
         <a:custGeom>
@@ -4652,7 +4636,7 @@
         </a:p>
       </dsp:txBody>
       <dsp:txXfrm>
-        <a:off x="6737156" y="4569367"/>
+        <a:off x="6852450" y="4569367"/>
         <a:ext cx="14875" cy="14875"/>
       </dsp:txXfrm>
     </dsp:sp>
@@ -4663,7 +4647,7 @@
       </dsp:nvSpPr>
       <dsp:spPr>
         <a:xfrm>
-          <a:off x="5344456" y="4063738"/>
+          <a:off x="5459749" y="4063738"/>
           <a:ext cx="215405" cy="615679"/>
         </a:xfrm>
         <a:custGeom>
@@ -4736,7 +4720,7 @@
         </a:p>
       </dsp:txBody>
       <dsp:txXfrm>
-        <a:off x="5435852" y="4355272"/>
+        <a:off x="5551145" y="4355272"/>
         <a:ext cx="32613" cy="32613"/>
       </dsp:txXfrm>
     </dsp:sp>
@@ -4747,7 +4731,7 @@
       </dsp:nvSpPr>
       <dsp:spPr>
         <a:xfrm>
-          <a:off x="6636891" y="3448058"/>
+          <a:off x="6752185" y="3448058"/>
           <a:ext cx="215405" cy="205226"/>
         </a:xfrm>
         <a:custGeom>
@@ -4820,7 +4804,7 @@
         </a:p>
       </dsp:txBody>
       <dsp:txXfrm>
-        <a:off x="6737156" y="3543234"/>
+        <a:off x="6852450" y="3543234"/>
         <a:ext cx="14875" cy="14875"/>
       </dsp:txXfrm>
     </dsp:sp>
@@ -4831,7 +4815,7 @@
       </dsp:nvSpPr>
       <dsp:spPr>
         <a:xfrm>
-          <a:off x="7929327" y="3242832"/>
+          <a:off x="8044620" y="3242832"/>
           <a:ext cx="215405" cy="410453"/>
         </a:xfrm>
         <a:custGeom>
@@ -4904,7 +4888,7 @@
         </a:p>
       </dsp:txBody>
       <dsp:txXfrm>
-        <a:off x="8025441" y="3436470"/>
+        <a:off x="8140734" y="3436470"/>
         <a:ext cx="23177" cy="23177"/>
       </dsp:txXfrm>
     </dsp:sp>
@@ -4915,7 +4899,7 @@
       </dsp:nvSpPr>
       <dsp:spPr>
         <a:xfrm>
-          <a:off x="7929327" y="3197112"/>
+          <a:off x="8044620" y="3197112"/>
           <a:ext cx="215405" cy="91440"/>
         </a:xfrm>
         <a:custGeom>
@@ -4982,7 +4966,7 @@
         </a:p>
       </dsp:txBody>
       <dsp:txXfrm>
-        <a:off x="8031644" y="3237447"/>
+        <a:off x="8146938" y="3237447"/>
         <a:ext cx="10770" cy="10770"/>
       </dsp:txXfrm>
     </dsp:sp>
@@ -4993,7 +4977,7 @@
       </dsp:nvSpPr>
       <dsp:spPr>
         <a:xfrm>
-          <a:off x="7929327" y="2832378"/>
+          <a:off x="8044620" y="2832378"/>
           <a:ext cx="215405" cy="410453"/>
         </a:xfrm>
         <a:custGeom>
@@ -5066,7 +5050,7 @@
         </a:p>
       </dsp:txBody>
       <dsp:txXfrm>
-        <a:off x="8025441" y="3026017"/>
+        <a:off x="8140734" y="3026017"/>
         <a:ext cx="23177" cy="23177"/>
       </dsp:txXfrm>
     </dsp:sp>
@@ -5077,7 +5061,7 @@
       </dsp:nvSpPr>
       <dsp:spPr>
         <a:xfrm>
-          <a:off x="6636891" y="3242832"/>
+          <a:off x="6752185" y="3242832"/>
           <a:ext cx="215405" cy="205226"/>
         </a:xfrm>
         <a:custGeom>
@@ -5150,7 +5134,7 @@
         </a:p>
       </dsp:txBody>
       <dsp:txXfrm>
-        <a:off x="6737156" y="3338007"/>
+        <a:off x="6852450" y="3338007"/>
         <a:ext cx="14875" cy="14875"/>
       </dsp:txXfrm>
     </dsp:sp>
@@ -5161,7 +5145,7 @@
       </dsp:nvSpPr>
       <dsp:spPr>
         <a:xfrm>
-          <a:off x="5344456" y="3448058"/>
+          <a:off x="5459749" y="3448058"/>
           <a:ext cx="215405" cy="615679"/>
         </a:xfrm>
         <a:custGeom>
@@ -5234,7 +5218,7 @@
         </a:p>
       </dsp:txBody>
       <dsp:txXfrm>
-        <a:off x="5435852" y="3739592"/>
+        <a:off x="5551145" y="3739592"/>
         <a:ext cx="32613" cy="32613"/>
       </dsp:txXfrm>
     </dsp:sp>
@@ -5245,7 +5229,7 @@
       </dsp:nvSpPr>
       <dsp:spPr>
         <a:xfrm>
-          <a:off x="4052020" y="4063738"/>
+          <a:off x="4167314" y="4063738"/>
           <a:ext cx="215405" cy="410453"/>
         </a:xfrm>
         <a:custGeom>
@@ -5318,7 +5302,7 @@
         </a:p>
       </dsp:txBody>
       <dsp:txXfrm>
-        <a:off x="4148135" y="4257376"/>
+        <a:off x="4263428" y="4257376"/>
         <a:ext cx="23177" cy="23177"/>
       </dsp:txXfrm>
     </dsp:sp>
@@ -5329,7 +5313,7 @@
       </dsp:nvSpPr>
       <dsp:spPr>
         <a:xfrm>
-          <a:off x="2759585" y="4428472"/>
+          <a:off x="2874879" y="4428472"/>
           <a:ext cx="215405" cy="91440"/>
         </a:xfrm>
         <a:custGeom>
@@ -5396,7 +5380,7 @@
         </a:p>
       </dsp:txBody>
       <dsp:txXfrm>
-        <a:off x="2861903" y="4468807"/>
+        <a:off x="2977196" y="4468807"/>
         <a:ext cx="10770" cy="10770"/>
       </dsp:txXfrm>
     </dsp:sp>
@@ -5407,7 +5391,7 @@
       </dsp:nvSpPr>
       <dsp:spPr>
         <a:xfrm>
-          <a:off x="1467150" y="2524538"/>
+          <a:off x="1582443" y="2524538"/>
           <a:ext cx="215405" cy="1949653"/>
         </a:xfrm>
         <a:custGeom>
@@ -5480,7 +5464,7 @@
         </a:p>
       </dsp:txBody>
       <dsp:txXfrm>
-        <a:off x="1525815" y="3450327"/>
+        <a:off x="1641108" y="3450327"/>
         <a:ext cx="98075" cy="98075"/>
       </dsp:txXfrm>
     </dsp:sp>
@@ -5491,7 +5475,7 @@
       </dsp:nvSpPr>
       <dsp:spPr>
         <a:xfrm>
-          <a:off x="2759585" y="2216699"/>
+          <a:off x="2874879" y="2216699"/>
           <a:ext cx="215405" cy="205226"/>
         </a:xfrm>
         <a:custGeom>
@@ -5564,7 +5548,7 @@
         </a:p>
       </dsp:txBody>
       <dsp:txXfrm>
-        <a:off x="2859850" y="2311874"/>
+        <a:off x="2975144" y="2311874"/>
         <a:ext cx="14875" cy="14875"/>
       </dsp:txXfrm>
     </dsp:sp>
@@ -5575,7 +5559,7 @@
       </dsp:nvSpPr>
       <dsp:spPr>
         <a:xfrm>
-          <a:off x="4052020" y="2011472"/>
+          <a:off x="4167314" y="2011472"/>
           <a:ext cx="215405" cy="205226"/>
         </a:xfrm>
         <a:custGeom>
@@ -5648,7 +5632,7 @@
         </a:p>
       </dsp:txBody>
       <dsp:txXfrm>
-        <a:off x="4152285" y="2106647"/>
+        <a:off x="4267579" y="2106647"/>
         <a:ext cx="14875" cy="14875"/>
       </dsp:txXfrm>
     </dsp:sp>
@@ -5659,7 +5643,7 @@
       </dsp:nvSpPr>
       <dsp:spPr>
         <a:xfrm>
-          <a:off x="5344456" y="1806245"/>
+          <a:off x="5459749" y="1806245"/>
           <a:ext cx="215405" cy="410453"/>
         </a:xfrm>
         <a:custGeom>
@@ -5732,7 +5716,7 @@
         </a:p>
       </dsp:txBody>
       <dsp:txXfrm>
-        <a:off x="5440570" y="1999883"/>
+        <a:off x="5555864" y="1999883"/>
         <a:ext cx="23177" cy="23177"/>
       </dsp:txXfrm>
     </dsp:sp>
@@ -5743,7 +5727,7 @@
       </dsp:nvSpPr>
       <dsp:spPr>
         <a:xfrm>
-          <a:off x="5344456" y="1760525"/>
+          <a:off x="5459749" y="1760525"/>
           <a:ext cx="215405" cy="91440"/>
         </a:xfrm>
         <a:custGeom>
@@ -5810,7 +5794,7 @@
         </a:p>
       </dsp:txBody>
       <dsp:txXfrm>
-        <a:off x="5446774" y="1800860"/>
+        <a:off x="5562067" y="1800860"/>
         <a:ext cx="10770" cy="10770"/>
       </dsp:txXfrm>
     </dsp:sp>
@@ -5821,7 +5805,7 @@
       </dsp:nvSpPr>
       <dsp:spPr>
         <a:xfrm>
-          <a:off x="5344456" y="1395792"/>
+          <a:off x="5459749" y="1395792"/>
           <a:ext cx="215405" cy="410453"/>
         </a:xfrm>
         <a:custGeom>
@@ -5894,7 +5878,7 @@
         </a:p>
       </dsp:txBody>
       <dsp:txXfrm>
-        <a:off x="5440570" y="1589430"/>
+        <a:off x="5555864" y="1589430"/>
         <a:ext cx="23177" cy="23177"/>
       </dsp:txXfrm>
     </dsp:sp>
@@ -5905,7 +5889,7 @@
       </dsp:nvSpPr>
       <dsp:spPr>
         <a:xfrm>
-          <a:off x="4052020" y="1806245"/>
+          <a:off x="4167314" y="1806245"/>
           <a:ext cx="215405" cy="205226"/>
         </a:xfrm>
         <a:custGeom>
@@ -5978,7 +5962,7 @@
         </a:p>
       </dsp:txBody>
       <dsp:txXfrm>
-        <a:off x="4152285" y="1901421"/>
+        <a:off x="4267579" y="1901421"/>
         <a:ext cx="14875" cy="14875"/>
       </dsp:txXfrm>
     </dsp:sp>
@@ -5989,7 +5973,7 @@
       </dsp:nvSpPr>
       <dsp:spPr>
         <a:xfrm>
-          <a:off x="2759585" y="2011472"/>
+          <a:off x="2874879" y="2011472"/>
           <a:ext cx="215405" cy="205226"/>
         </a:xfrm>
         <a:custGeom>
@@ -6062,7 +6046,7 @@
         </a:p>
       </dsp:txBody>
       <dsp:txXfrm>
-        <a:off x="2859850" y="2106647"/>
+        <a:off x="2975144" y="2106647"/>
         <a:ext cx="14875" cy="14875"/>
       </dsp:txXfrm>
     </dsp:sp>
@@ -6073,7 +6057,7 @@
       </dsp:nvSpPr>
       <dsp:spPr>
         <a:xfrm>
-          <a:off x="1467150" y="2216699"/>
+          <a:off x="1582443" y="2216699"/>
           <a:ext cx="215405" cy="307839"/>
         </a:xfrm>
         <a:custGeom>
@@ -6146,7 +6130,7 @@
         </a:p>
       </dsp:txBody>
       <dsp:txXfrm>
-        <a:off x="1565460" y="2361226"/>
+        <a:off x="1680753" y="2361226"/>
         <a:ext cx="18785" cy="18785"/>
       </dsp:txXfrm>
     </dsp:sp>
@@ -6157,7 +6141,7 @@
       </dsp:nvSpPr>
       <dsp:spPr>
         <a:xfrm>
-          <a:off x="2759585" y="574885"/>
+          <a:off x="2874879" y="574885"/>
           <a:ext cx="215405" cy="410453"/>
         </a:xfrm>
         <a:custGeom>
@@ -6230,7 +6214,7 @@
         </a:p>
       </dsp:txBody>
       <dsp:txXfrm>
-        <a:off x="2855699" y="768523"/>
+        <a:off x="2970993" y="768523"/>
         <a:ext cx="23177" cy="23177"/>
       </dsp:txXfrm>
     </dsp:sp>
@@ -6241,7 +6225,7 @@
       </dsp:nvSpPr>
       <dsp:spPr>
         <a:xfrm>
-          <a:off x="2759585" y="529165"/>
+          <a:off x="2874879" y="529165"/>
           <a:ext cx="215405" cy="91440"/>
         </a:xfrm>
         <a:custGeom>
@@ -6308,7 +6292,7 @@
         </a:p>
       </dsp:txBody>
       <dsp:txXfrm>
-        <a:off x="2861903" y="569500"/>
+        <a:off x="2977196" y="569500"/>
         <a:ext cx="10770" cy="10770"/>
       </dsp:txXfrm>
     </dsp:sp>
@@ -6319,7 +6303,7 @@
       </dsp:nvSpPr>
       <dsp:spPr>
         <a:xfrm>
-          <a:off x="2759585" y="164432"/>
+          <a:off x="2874879" y="164432"/>
           <a:ext cx="215405" cy="410453"/>
         </a:xfrm>
         <a:custGeom>
@@ -6392,7 +6376,7 @@
         </a:p>
       </dsp:txBody>
       <dsp:txXfrm>
-        <a:off x="2855699" y="358070"/>
+        <a:off x="2970993" y="358070"/>
         <a:ext cx="23177" cy="23177"/>
       </dsp:txXfrm>
     </dsp:sp>
@@ -6403,7 +6387,7 @@
       </dsp:nvSpPr>
       <dsp:spPr>
         <a:xfrm>
-          <a:off x="1467150" y="574885"/>
+          <a:off x="1582443" y="574885"/>
           <a:ext cx="215405" cy="1949653"/>
         </a:xfrm>
         <a:custGeom>
@@ -6476,7 +6460,7 @@
         </a:p>
       </dsp:txBody>
       <dsp:txXfrm>
-        <a:off x="1525815" y="1500674"/>
+        <a:off x="1641108" y="1500674"/>
         <a:ext cx="98075" cy="98075"/>
       </dsp:txXfrm>
     </dsp:sp>
@@ -6487,7 +6471,7 @@
       </dsp:nvSpPr>
       <dsp:spPr>
         <a:xfrm rot="16200000">
-          <a:off x="438856" y="2360357"/>
+          <a:off x="554150" y="2360357"/>
           <a:ext cx="1728224" cy="328362"/>
         </a:xfrm>
         <a:prstGeom prst="rect">
@@ -6568,7 +6552,7 @@
         </a:p>
       </dsp:txBody>
       <dsp:txXfrm>
-        <a:off x="438856" y="2360357"/>
+        <a:off x="554150" y="2360357"/>
         <a:ext cx="1728224" cy="328362"/>
       </dsp:txXfrm>
     </dsp:sp>
@@ -6579,7 +6563,7 @@
       </dsp:nvSpPr>
       <dsp:spPr>
         <a:xfrm>
-          <a:off x="1682556" y="410704"/>
+          <a:off x="1797849" y="410704"/>
           <a:ext cx="1077029" cy="328362"/>
         </a:xfrm>
         <a:prstGeom prst="rect">
@@ -6660,7 +6644,7 @@
         </a:p>
       </dsp:txBody>
       <dsp:txXfrm>
-        <a:off x="1682556" y="410704"/>
+        <a:off x="1797849" y="410704"/>
         <a:ext cx="1077029" cy="328362"/>
       </dsp:txXfrm>
     </dsp:sp>
@@ -6671,7 +6655,7 @@
       </dsp:nvSpPr>
       <dsp:spPr>
         <a:xfrm>
-          <a:off x="2974991" y="251"/>
+          <a:off x="3090284" y="251"/>
           <a:ext cx="1077029" cy="328362"/>
         </a:xfrm>
         <a:prstGeom prst="rect">
@@ -6752,7 +6736,7 @@
         </a:p>
       </dsp:txBody>
       <dsp:txXfrm>
-        <a:off x="2974991" y="251"/>
+        <a:off x="3090284" y="251"/>
         <a:ext cx="1077029" cy="328362"/>
       </dsp:txXfrm>
     </dsp:sp>
@@ -6763,7 +6747,7 @@
       </dsp:nvSpPr>
       <dsp:spPr>
         <a:xfrm>
-          <a:off x="2974991" y="410704"/>
+          <a:off x="3090284" y="410704"/>
           <a:ext cx="1077029" cy="328362"/>
         </a:xfrm>
         <a:prstGeom prst="rect">
@@ -6844,7 +6828,7 @@
         </a:p>
       </dsp:txBody>
       <dsp:txXfrm>
-        <a:off x="2974991" y="410704"/>
+        <a:off x="3090284" y="410704"/>
         <a:ext cx="1077029" cy="328362"/>
       </dsp:txXfrm>
     </dsp:sp>
@@ -6855,7 +6839,7 @@
       </dsp:nvSpPr>
       <dsp:spPr>
         <a:xfrm>
-          <a:off x="2974991" y="821157"/>
+          <a:off x="3090284" y="821157"/>
           <a:ext cx="1077029" cy="328362"/>
         </a:xfrm>
         <a:prstGeom prst="rect">
@@ -6936,7 +6920,7 @@
         </a:p>
       </dsp:txBody>
       <dsp:txXfrm>
-        <a:off x="2974991" y="821157"/>
+        <a:off x="3090284" y="821157"/>
         <a:ext cx="1077029" cy="328362"/>
       </dsp:txXfrm>
     </dsp:sp>
@@ -6947,7 +6931,7 @@
       </dsp:nvSpPr>
       <dsp:spPr>
         <a:xfrm>
-          <a:off x="1682556" y="2052517"/>
+          <a:off x="1797849" y="2052517"/>
           <a:ext cx="1077029" cy="328362"/>
         </a:xfrm>
         <a:prstGeom prst="rect">
@@ -7028,7 +7012,7 @@
         </a:p>
       </dsp:txBody>
       <dsp:txXfrm>
-        <a:off x="1682556" y="2052517"/>
+        <a:off x="1797849" y="2052517"/>
         <a:ext cx="1077029" cy="328362"/>
       </dsp:txXfrm>
     </dsp:sp>
@@ -7039,7 +7023,7 @@
       </dsp:nvSpPr>
       <dsp:spPr>
         <a:xfrm>
-          <a:off x="2974991" y="1847291"/>
+          <a:off x="3090284" y="1847291"/>
           <a:ext cx="1077029" cy="328362"/>
         </a:xfrm>
         <a:prstGeom prst="rect">
@@ -7120,7 +7104,7 @@
         </a:p>
       </dsp:txBody>
       <dsp:txXfrm>
-        <a:off x="2974991" y="1847291"/>
+        <a:off x="3090284" y="1847291"/>
         <a:ext cx="1077029" cy="328362"/>
       </dsp:txXfrm>
     </dsp:sp>
@@ -7131,7 +7115,7 @@
       </dsp:nvSpPr>
       <dsp:spPr>
         <a:xfrm>
-          <a:off x="4267426" y="1642064"/>
+          <a:off x="4382720" y="1642064"/>
           <a:ext cx="1077029" cy="328362"/>
         </a:xfrm>
         <a:prstGeom prst="rect">
@@ -7212,7 +7196,7 @@
         </a:p>
       </dsp:txBody>
       <dsp:txXfrm>
-        <a:off x="4267426" y="1642064"/>
+        <a:off x="4382720" y="1642064"/>
         <a:ext cx="1077029" cy="328362"/>
       </dsp:txXfrm>
     </dsp:sp>
@@ -7223,7 +7207,7 @@
       </dsp:nvSpPr>
       <dsp:spPr>
         <a:xfrm>
-          <a:off x="5559862" y="1231611"/>
+          <a:off x="5675155" y="1231611"/>
           <a:ext cx="1077029" cy="328362"/>
         </a:xfrm>
         <a:prstGeom prst="rect">
@@ -7304,7 +7288,7 @@
         </a:p>
       </dsp:txBody>
       <dsp:txXfrm>
-        <a:off x="5559862" y="1231611"/>
+        <a:off x="5675155" y="1231611"/>
         <a:ext cx="1077029" cy="328362"/>
       </dsp:txXfrm>
     </dsp:sp>
@@ -7315,7 +7299,7 @@
       </dsp:nvSpPr>
       <dsp:spPr>
         <a:xfrm>
-          <a:off x="5559862" y="1642064"/>
+          <a:off x="5675155" y="1642064"/>
           <a:ext cx="1077029" cy="328362"/>
         </a:xfrm>
         <a:prstGeom prst="rect">
@@ -7396,7 +7380,7 @@
         </a:p>
       </dsp:txBody>
       <dsp:txXfrm>
-        <a:off x="5559862" y="1642064"/>
+        <a:off x="5675155" y="1642064"/>
         <a:ext cx="1077029" cy="328362"/>
       </dsp:txXfrm>
     </dsp:sp>
@@ -7407,7 +7391,7 @@
       </dsp:nvSpPr>
       <dsp:spPr>
         <a:xfrm>
-          <a:off x="5559862" y="2052517"/>
+          <a:off x="5675155" y="2052517"/>
           <a:ext cx="1077029" cy="328362"/>
         </a:xfrm>
         <a:prstGeom prst="rect">
@@ -7488,7 +7472,7 @@
         </a:p>
       </dsp:txBody>
       <dsp:txXfrm>
-        <a:off x="5559862" y="2052517"/>
+        <a:off x="5675155" y="2052517"/>
         <a:ext cx="1077029" cy="328362"/>
       </dsp:txXfrm>
     </dsp:sp>
@@ -7499,7 +7483,7 @@
       </dsp:nvSpPr>
       <dsp:spPr>
         <a:xfrm>
-          <a:off x="4267426" y="2052517"/>
+          <a:off x="4382720" y="2052517"/>
           <a:ext cx="1077029" cy="328362"/>
         </a:xfrm>
         <a:prstGeom prst="rect">
@@ -7580,7 +7564,7 @@
         </a:p>
       </dsp:txBody>
       <dsp:txXfrm>
-        <a:off x="4267426" y="2052517"/>
+        <a:off x="4382720" y="2052517"/>
         <a:ext cx="1077029" cy="328362"/>
       </dsp:txXfrm>
     </dsp:sp>
@@ -7591,7 +7575,7 @@
       </dsp:nvSpPr>
       <dsp:spPr>
         <a:xfrm>
-          <a:off x="2974991" y="2257744"/>
+          <a:off x="3090284" y="2257744"/>
           <a:ext cx="1077029" cy="328362"/>
         </a:xfrm>
         <a:prstGeom prst="rect">
@@ -7672,7 +7656,7 @@
         </a:p>
       </dsp:txBody>
       <dsp:txXfrm>
-        <a:off x="2974991" y="2257744"/>
+        <a:off x="3090284" y="2257744"/>
         <a:ext cx="1077029" cy="328362"/>
       </dsp:txXfrm>
     </dsp:sp>
@@ -7683,7 +7667,7 @@
       </dsp:nvSpPr>
       <dsp:spPr>
         <a:xfrm>
-          <a:off x="1682556" y="4310010"/>
+          <a:off x="1797849" y="4310010"/>
           <a:ext cx="1077029" cy="328362"/>
         </a:xfrm>
         <a:prstGeom prst="rect">
@@ -7764,7 +7748,7 @@
         </a:p>
       </dsp:txBody>
       <dsp:txXfrm>
-        <a:off x="1682556" y="4310010"/>
+        <a:off x="1797849" y="4310010"/>
         <a:ext cx="1077029" cy="328362"/>
       </dsp:txXfrm>
     </dsp:sp>
@@ -7775,7 +7759,7 @@
       </dsp:nvSpPr>
       <dsp:spPr>
         <a:xfrm>
-          <a:off x="2974991" y="4310010"/>
+          <a:off x="3090284" y="4310010"/>
           <a:ext cx="1077029" cy="328362"/>
         </a:xfrm>
         <a:prstGeom prst="rect">
@@ -7860,7 +7844,7 @@
         </a:p>
       </dsp:txBody>
       <dsp:txXfrm>
-        <a:off x="2974991" y="4310010"/>
+        <a:off x="3090284" y="4310010"/>
         <a:ext cx="1077029" cy="328362"/>
       </dsp:txXfrm>
     </dsp:sp>
@@ -7871,7 +7855,7 @@
       </dsp:nvSpPr>
       <dsp:spPr>
         <a:xfrm>
-          <a:off x="4267426" y="3899557"/>
+          <a:off x="4382720" y="3899557"/>
           <a:ext cx="1077029" cy="328362"/>
         </a:xfrm>
         <a:prstGeom prst="rect">
@@ -7945,18 +7929,14 @@
             </a:spcAft>
           </a:pPr>
           <a:r>
-            <a:rPr lang="fr-FR" sz="1000" kern="1200" dirty="0" err="1" smtClean="0"/>
-            <a:t>projectname</a:t>
-          </a:r>
-          <a:r>
             <a:rPr lang="fr-FR" sz="1000" kern="1200" dirty="0" smtClean="0"/>
-            <a:t> &lt;dir&gt;</a:t>
+            <a:t>projectname &lt;dir&gt;</a:t>
           </a:r>
           <a:endParaRPr lang="fr-FR" sz="1000" kern="1200" dirty="0"/>
         </a:p>
       </dsp:txBody>
       <dsp:txXfrm>
-        <a:off x="4267426" y="3899557"/>
+        <a:off x="4382720" y="3899557"/>
         <a:ext cx="1077029" cy="328362"/>
       </dsp:txXfrm>
     </dsp:sp>
@@ -7967,7 +7947,7 @@
       </dsp:nvSpPr>
       <dsp:spPr>
         <a:xfrm>
-          <a:off x="5559862" y="3283877"/>
+          <a:off x="5675155" y="3283877"/>
           <a:ext cx="1077029" cy="328362"/>
         </a:xfrm>
         <a:prstGeom prst="rect">
@@ -8048,7 +8028,7 @@
         </a:p>
       </dsp:txBody>
       <dsp:txXfrm>
-        <a:off x="5559862" y="3283877"/>
+        <a:off x="5675155" y="3283877"/>
         <a:ext cx="1077029" cy="328362"/>
       </dsp:txXfrm>
     </dsp:sp>
@@ -8059,7 +8039,7 @@
       </dsp:nvSpPr>
       <dsp:spPr>
         <a:xfrm>
-          <a:off x="6852297" y="3078650"/>
+          <a:off x="6967591" y="3078650"/>
           <a:ext cx="1077029" cy="328362"/>
         </a:xfrm>
         <a:prstGeom prst="rect">
@@ -8133,18 +8113,14 @@
             </a:spcAft>
           </a:pPr>
           <a:r>
-            <a:rPr lang="fr-FR" sz="1000" kern="1200" dirty="0" err="1" smtClean="0"/>
-            <a:t>cmdname</a:t>
-          </a:r>
-          <a:r>
             <a:rPr lang="fr-FR" sz="1000" kern="1200" dirty="0" smtClean="0"/>
-            <a:t> &lt;dir&gt;</a:t>
+            <a:t>cmdname &lt;dir&gt;</a:t>
           </a:r>
           <a:endParaRPr lang="fr-FR" sz="1000" kern="1200" dirty="0"/>
         </a:p>
       </dsp:txBody>
       <dsp:txXfrm>
-        <a:off x="6852297" y="3078650"/>
+        <a:off x="6967591" y="3078650"/>
         <a:ext cx="1077029" cy="328362"/>
       </dsp:txXfrm>
     </dsp:sp>
@@ -8155,7 +8131,7 @@
       </dsp:nvSpPr>
       <dsp:spPr>
         <a:xfrm>
-          <a:off x="8144732" y="2668197"/>
+          <a:off x="8260026" y="2668197"/>
           <a:ext cx="1077029" cy="328362"/>
         </a:xfrm>
         <a:prstGeom prst="rect">
@@ -8236,7 +8212,7 @@
         </a:p>
       </dsp:txBody>
       <dsp:txXfrm>
-        <a:off x="8144732" y="2668197"/>
+        <a:off x="8260026" y="2668197"/>
         <a:ext cx="1077029" cy="328362"/>
       </dsp:txXfrm>
     </dsp:sp>
@@ -8247,7 +8223,7 @@
       </dsp:nvSpPr>
       <dsp:spPr>
         <a:xfrm>
-          <a:off x="8144732" y="3078650"/>
+          <a:off x="8260026" y="3078650"/>
           <a:ext cx="1077029" cy="328362"/>
         </a:xfrm>
         <a:prstGeom prst="rect">
@@ -8328,7 +8304,7 @@
         </a:p>
       </dsp:txBody>
       <dsp:txXfrm>
-        <a:off x="8144732" y="3078650"/>
+        <a:off x="8260026" y="3078650"/>
         <a:ext cx="1077029" cy="328362"/>
       </dsp:txXfrm>
     </dsp:sp>
@@ -8339,7 +8315,7 @@
       </dsp:nvSpPr>
       <dsp:spPr>
         <a:xfrm>
-          <a:off x="8144732" y="3489104"/>
+          <a:off x="8260026" y="3489104"/>
           <a:ext cx="1077029" cy="328362"/>
         </a:xfrm>
         <a:prstGeom prst="rect">
@@ -8420,7 +8396,7 @@
         </a:p>
       </dsp:txBody>
       <dsp:txXfrm>
-        <a:off x="8144732" y="3489104"/>
+        <a:off x="8260026" y="3489104"/>
         <a:ext cx="1077029" cy="328362"/>
       </dsp:txXfrm>
     </dsp:sp>
@@ -8431,7 +8407,7 @@
       </dsp:nvSpPr>
       <dsp:spPr>
         <a:xfrm>
-          <a:off x="6852297" y="3489104"/>
+          <a:off x="6967591" y="3489104"/>
           <a:ext cx="1077029" cy="328362"/>
         </a:xfrm>
         <a:prstGeom prst="rect">
@@ -8512,7 +8488,7 @@
         </a:p>
       </dsp:txBody>
       <dsp:txXfrm>
-        <a:off x="6852297" y="3489104"/>
+        <a:off x="6967591" y="3489104"/>
         <a:ext cx="1077029" cy="328362"/>
       </dsp:txXfrm>
     </dsp:sp>
@@ -8523,7 +8499,7 @@
       </dsp:nvSpPr>
       <dsp:spPr>
         <a:xfrm>
-          <a:off x="5559862" y="4515237"/>
+          <a:off x="5675155" y="4515237"/>
           <a:ext cx="1077029" cy="328362"/>
         </a:xfrm>
         <a:prstGeom prst="rect">
@@ -8604,7 +8580,7 @@
         </a:p>
       </dsp:txBody>
       <dsp:txXfrm>
-        <a:off x="5559862" y="4515237"/>
+        <a:off x="5675155" y="4515237"/>
         <a:ext cx="1077029" cy="328362"/>
       </dsp:txXfrm>
     </dsp:sp>
@@ -8615,7 +8591,7 @@
       </dsp:nvSpPr>
       <dsp:spPr>
         <a:xfrm>
-          <a:off x="6852297" y="4310010"/>
+          <a:off x="6967591" y="4310010"/>
           <a:ext cx="1077029" cy="328362"/>
         </a:xfrm>
         <a:prstGeom prst="rect">
@@ -8689,18 +8665,14 @@
             </a:spcAft>
           </a:pPr>
           <a:r>
-            <a:rPr lang="fr-FR" sz="1000" kern="1200" dirty="0" err="1" smtClean="0"/>
-            <a:t>packname</a:t>
-          </a:r>
-          <a:r>
             <a:rPr lang="fr-FR" sz="1000" kern="1200" dirty="0" smtClean="0"/>
-            <a:t>&lt;dir&gt;</a:t>
+            <a:t>packname&lt;dir&gt;</a:t>
           </a:r>
           <a:endParaRPr lang="fr-FR" sz="1000" kern="1200" dirty="0"/>
         </a:p>
       </dsp:txBody>
       <dsp:txXfrm>
-        <a:off x="6852297" y="4310010"/>
+        <a:off x="6967591" y="4310010"/>
         <a:ext cx="1077029" cy="328362"/>
       </dsp:txXfrm>
     </dsp:sp>
@@ -8711,7 +8683,7 @@
       </dsp:nvSpPr>
       <dsp:spPr>
         <a:xfrm>
-          <a:off x="8144732" y="3899557"/>
+          <a:off x="8260026" y="3899557"/>
           <a:ext cx="1077029" cy="328362"/>
         </a:xfrm>
         <a:prstGeom prst="rect">
@@ -8792,7 +8764,7 @@
         </a:p>
       </dsp:txBody>
       <dsp:txXfrm>
-        <a:off x="8144732" y="3899557"/>
+        <a:off x="8260026" y="3899557"/>
         <a:ext cx="1077029" cy="328362"/>
       </dsp:txXfrm>
     </dsp:sp>
@@ -8803,7 +8775,7 @@
       </dsp:nvSpPr>
       <dsp:spPr>
         <a:xfrm>
-          <a:off x="8144732" y="4310010"/>
+          <a:off x="8260026" y="4310010"/>
           <a:ext cx="1077029" cy="328362"/>
         </a:xfrm>
         <a:prstGeom prst="rect">
@@ -8884,7 +8856,7 @@
         </a:p>
       </dsp:txBody>
       <dsp:txXfrm>
-        <a:off x="8144732" y="4310010"/>
+        <a:off x="8260026" y="4310010"/>
         <a:ext cx="1077029" cy="328362"/>
       </dsp:txXfrm>
     </dsp:sp>
@@ -8895,7 +8867,7 @@
       </dsp:nvSpPr>
       <dsp:spPr>
         <a:xfrm>
-          <a:off x="8144732" y="4720464"/>
+          <a:off x="8260026" y="4720464"/>
           <a:ext cx="1077029" cy="328362"/>
         </a:xfrm>
         <a:prstGeom prst="rect">
@@ -8976,7 +8948,7 @@
         </a:p>
       </dsp:txBody>
       <dsp:txXfrm>
-        <a:off x="8144732" y="4720464"/>
+        <a:off x="8260026" y="4720464"/>
         <a:ext cx="1077029" cy="328362"/>
       </dsp:txXfrm>
     </dsp:sp>
@@ -8987,7 +8959,7 @@
       </dsp:nvSpPr>
       <dsp:spPr>
         <a:xfrm>
-          <a:off x="6852297" y="4720464"/>
+          <a:off x="6967591" y="4720464"/>
           <a:ext cx="1077029" cy="328362"/>
         </a:xfrm>
         <a:prstGeom prst="rect">
@@ -9068,7 +9040,7 @@
         </a:p>
       </dsp:txBody>
       <dsp:txXfrm>
-        <a:off x="6852297" y="4720464"/>
+        <a:off x="6967591" y="4720464"/>
         <a:ext cx="1077029" cy="328362"/>
       </dsp:txXfrm>
     </dsp:sp>
@@ -9079,7 +9051,7 @@
       </dsp:nvSpPr>
       <dsp:spPr>
         <a:xfrm>
-          <a:off x="4267426" y="4310010"/>
+          <a:off x="4382720" y="4310010"/>
           <a:ext cx="1077029" cy="328362"/>
         </a:xfrm>
         <a:prstGeom prst="rect">
@@ -9153,18 +9125,14 @@
             </a:spcAft>
           </a:pPr>
           <a:r>
-            <a:rPr lang="fr-FR" sz="1000" kern="1200" dirty="0" err="1" smtClean="0"/>
-            <a:t>projectname</a:t>
-          </a:r>
-          <a:r>
             <a:rPr lang="fr-FR" sz="1000" kern="1200" dirty="0" smtClean="0"/>
-            <a:t> &lt;dir&gt;</a:t>
+            <a:t>projectname &lt;dir&gt;</a:t>
           </a:r>
           <a:endParaRPr lang="fr-FR" sz="1000" kern="1200" dirty="0"/>
         </a:p>
       </dsp:txBody>
       <dsp:txXfrm>
-        <a:off x="4267426" y="4310010"/>
+        <a:off x="4382720" y="4310010"/>
         <a:ext cx="1077029" cy="328362"/>
       </dsp:txXfrm>
     </dsp:sp>
@@ -9175,7 +9143,7 @@
       </dsp:nvSpPr>
       <dsp:spPr>
         <a:xfrm>
-          <a:off x="4267426" y="4720464"/>
+          <a:off x="4382720" y="4720464"/>
           <a:ext cx="1077029" cy="328362"/>
         </a:xfrm>
         <a:prstGeom prst="rect">
@@ -9256,7 +9224,7 @@
         </a:p>
       </dsp:txBody>
       <dsp:txXfrm>
-        <a:off x="4267426" y="4720464"/>
+        <a:off x="4382720" y="4720464"/>
         <a:ext cx="1077029" cy="328362"/>
       </dsp:txXfrm>
     </dsp:sp>
@@ -35677,14 +35645,14 @@
           <p:nvPr>
             <p:extLst>
               <p:ext uri="{D42A27DB-BD31-4B8C-83A1-F6EECF244321}">
-                <p14:modId xmlns:p14="http://schemas.microsoft.com/office/powerpoint/2010/main" val="1583353405"/>
+                <p14:modId xmlns:p14="http://schemas.microsoft.com/office/powerpoint/2010/main" val="4153887371"/>
               </p:ext>
             </p:extLst>
           </p:nvPr>
         </p:nvGraphicFramePr>
         <p:xfrm>
-          <a:off x="1383527" y="1463040"/>
-          <a:ext cx="10360550" cy="5049078"/>
+          <a:off x="1383526" y="1463040"/>
+          <a:ext cx="10591137" cy="5049078"/>
         </p:xfrm>
         <a:graphic>
           <a:graphicData uri="http://schemas.openxmlformats.org/drawingml/2006/diagram">
@@ -36045,11 +36013,6 @@
               </a:rPr>
               <a:t>Lançons les tests sans avoir créé la fonction à tester…</a:t>
             </a:r>
-            <a:endParaRPr lang="fr-FR" dirty="0" smtClean="0">
-              <a:solidFill>
-                <a:schemeClr val="tx1"/>
-              </a:solidFill>
-            </a:endParaRPr>
           </a:p>
         </p:txBody>
       </p:sp>
@@ -36310,11 +36273,6 @@
               </a:rPr>
               <a:t>Implémentons partiellement la fonction à tester et relançons le test…</a:t>
             </a:r>
-            <a:endParaRPr lang="fr-FR" dirty="0" smtClean="0">
-              <a:solidFill>
-                <a:schemeClr val="tx1"/>
-              </a:solidFill>
-            </a:endParaRPr>
           </a:p>
         </p:txBody>
       </p:sp>
@@ -36462,11 +36420,6 @@
               </a:rPr>
               <a:t>Implémentons complètement la fonction à tester et relançons le test…</a:t>
             </a:r>
-            <a:endParaRPr lang="fr-FR" dirty="0" smtClean="0">
-              <a:solidFill>
-                <a:schemeClr val="tx1"/>
-              </a:solidFill>
-            </a:endParaRPr>
           </a:p>
         </p:txBody>
       </p:sp>
@@ -36614,11 +36567,6 @@
               </a:rPr>
               <a:t>Ajoutons une fonction et son test…</a:t>
             </a:r>
-            <a:endParaRPr lang="fr-FR" dirty="0" smtClean="0">
-              <a:solidFill>
-                <a:schemeClr val="tx1"/>
-              </a:solidFill>
-            </a:endParaRPr>
           </a:p>
         </p:txBody>
       </p:sp>
@@ -37010,6 +36958,27 @@
             </a:endParaRPr>
           </a:p>
           <a:p>
+            <a:r>
+              <a:rPr lang="fr-FR" sz="1200" b="1" dirty="0" smtClean="0">
+                <a:solidFill>
+                  <a:schemeClr val="accent6">
+                    <a:lumMod val="75000"/>
+                  </a:schemeClr>
+                </a:solidFill>
+              </a:rPr>
+              <a:t>Github </a:t>
+            </a:r>
+            <a:r>
+              <a:rPr lang="fr-FR" sz="1200" b="1" dirty="0" smtClean="0">
+                <a:solidFill>
+                  <a:schemeClr val="accent6">
+                    <a:lumMod val="75000"/>
+                  </a:schemeClr>
+                </a:solidFill>
+                <a:hlinkClick r:id="rId8"/>
+              </a:rPr>
+              <a:t>learning-go</a:t>
+            </a:r>
             <a:endParaRPr lang="fr-FR" sz="1200" b="1" dirty="0">
               <a:solidFill>
                 <a:schemeClr val="accent6">
@@ -37026,8 +36995,9 @@
                     <a:lumMod val="75000"/>
                   </a:schemeClr>
                 </a:solidFill>
-              </a:rPr>
-              <a:t>Gitlab </a:t>
+                <a:hlinkClick r:id="rId9"/>
+              </a:rPr>
+              <a:t>Slice </a:t>
             </a:r>
             <a:r>
               <a:rPr lang="fr-FR" sz="1200" b="1" dirty="0" smtClean="0">
@@ -37036,71 +37006,9 @@
                     <a:lumMod val="75000"/>
                   </a:schemeClr>
                 </a:solidFill>
-                <a:hlinkClick r:id="rId8"/>
-              </a:rPr>
-              <a:t>course</a:t>
-            </a:r>
-            <a:r>
-              <a:rPr lang="fr-FR" sz="1200" b="1" dirty="0" smtClean="0">
-                <a:solidFill>
-                  <a:schemeClr val="accent6">
-                    <a:lumMod val="75000"/>
-                  </a:schemeClr>
-                </a:solidFill>
-              </a:rPr>
-              <a:t> link</a:t>
-            </a:r>
-            <a:r>
-              <a:rPr lang="fr-FR" sz="1200" b="1" dirty="0">
-                <a:solidFill>
-                  <a:schemeClr val="accent6">
-                    <a:lumMod val="75000"/>
-                  </a:schemeClr>
-                </a:solidFill>
-              </a:rPr>
-              <a:t> : </a:t>
-            </a:r>
-            <a:r>
-              <a:rPr lang="fr-FR" sz="1200" b="1" dirty="0">
-                <a:solidFill>
-                  <a:schemeClr val="accent6">
-                    <a:lumMod val="75000"/>
-                  </a:schemeClr>
-                </a:solidFill>
-                <a:hlinkClick r:id="rId8"/>
-              </a:rPr>
-              <a:t>https://</a:t>
-            </a:r>
-            <a:r>
-              <a:rPr lang="fr-FR" sz="1200" b="1" dirty="0" smtClean="0">
-                <a:solidFill>
-                  <a:schemeClr val="accent6">
-                    <a:lumMod val="75000"/>
-                  </a:schemeClr>
-                </a:solidFill>
-                <a:hlinkClick r:id="rId8"/>
-              </a:rPr>
-              <a:t>gitlab.com/ThierryDecker/learning-go</a:t>
-            </a:r>
-            <a:endParaRPr lang="fr-FR" sz="1200" b="1" dirty="0" smtClean="0">
-              <a:solidFill>
-                <a:schemeClr val="accent6">
-                  <a:lumMod val="75000"/>
-                </a:schemeClr>
-              </a:solidFill>
-            </a:endParaRPr>
-          </a:p>
-          <a:p>
-            <a:r>
-              <a:rPr lang="fr-FR" sz="1200" b="1" dirty="0" smtClean="0">
-                <a:solidFill>
-                  <a:schemeClr val="accent6">
-                    <a:lumMod val="75000"/>
-                  </a:schemeClr>
-                </a:solidFill>
                 <a:hlinkClick r:id="rId9"/>
               </a:rPr>
-              <a:t>Slice Tricks</a:t>
+              <a:t>Tricks</a:t>
             </a:r>
             <a:r>
               <a:rPr lang="fr-FR" sz="1200" b="1" dirty="0" smtClean="0">

--- a/documentations/learning-go.pptx
+++ b/documentations/learning-go.pptx
@@ -2107,6 +2107,195 @@
         </a:p>
       </dgm:t>
     </dgm:pt>
+    <dgm:pt modelId="{760883ED-A9BB-405E-8F20-AFD9CCB96229}">
+      <dgm:prSet custT="1"/>
+      <dgm:spPr/>
+      <dgm:t>
+        <a:bodyPr/>
+        <a:lstStyle/>
+        <a:p>
+          <a:r>
+            <a:rPr lang="fr-FR" sz="1000" dirty="0" err="1" smtClean="0"/>
+            <a:t>internal</a:t>
+          </a:r>
+          <a:r>
+            <a:rPr lang="fr-FR" sz="1000" dirty="0" smtClean="0"/>
+            <a:t> &lt;dir&gt;</a:t>
+          </a:r>
+          <a:endParaRPr lang="fr-FR" sz="1000" dirty="0"/>
+        </a:p>
+      </dgm:t>
+    </dgm:pt>
+    <dgm:pt modelId="{0FBFC397-7581-450D-9E09-11221034CB1F}" type="parTrans" cxnId="{29DB230F-6B91-4402-A027-6BCE177E020B}">
+      <dgm:prSet/>
+      <dgm:spPr/>
+      <dgm:t>
+        <a:bodyPr/>
+        <a:lstStyle/>
+        <a:p>
+          <a:endParaRPr lang="fr-FR"/>
+        </a:p>
+      </dgm:t>
+    </dgm:pt>
+    <dgm:pt modelId="{491C78DF-55D3-4DFF-A2B3-D13610BF38C8}" type="sibTrans" cxnId="{29DB230F-6B91-4402-A027-6BCE177E020B}">
+      <dgm:prSet/>
+      <dgm:spPr/>
+      <dgm:t>
+        <a:bodyPr/>
+        <a:lstStyle/>
+        <a:p>
+          <a:endParaRPr lang="fr-FR"/>
+        </a:p>
+      </dgm:t>
+    </dgm:pt>
+    <dgm:pt modelId="{D6A6EF0D-3890-4564-B47F-BA7E2FFC336B}">
+      <dgm:prSet custT="1"/>
+      <dgm:spPr/>
+      <dgm:t>
+        <a:bodyPr/>
+        <a:lstStyle/>
+        <a:p>
+          <a:r>
+            <a:rPr lang="fr-FR" sz="1000" dirty="0" smtClean="0"/>
+            <a:t>packname&lt;dir&gt;</a:t>
+          </a:r>
+          <a:endParaRPr lang="fr-FR" sz="1000" dirty="0"/>
+        </a:p>
+      </dgm:t>
+    </dgm:pt>
+    <dgm:pt modelId="{BF2ECC47-8959-4178-94DF-C185E2DEE5DE}" type="parTrans" cxnId="{1512EAA9-05D3-4B46-92EE-0556A01DE870}">
+      <dgm:prSet/>
+      <dgm:spPr/>
+      <dgm:t>
+        <a:bodyPr/>
+        <a:lstStyle/>
+        <a:p>
+          <a:endParaRPr lang="fr-FR"/>
+        </a:p>
+      </dgm:t>
+    </dgm:pt>
+    <dgm:pt modelId="{E955CF51-D20A-4EAE-9C1A-064DCE94EDD5}" type="sibTrans" cxnId="{1512EAA9-05D3-4B46-92EE-0556A01DE870}">
+      <dgm:prSet/>
+      <dgm:spPr/>
+      <dgm:t>
+        <a:bodyPr/>
+        <a:lstStyle/>
+        <a:p>
+          <a:endParaRPr lang="fr-FR"/>
+        </a:p>
+      </dgm:t>
+    </dgm:pt>
+    <dgm:pt modelId="{D81D785B-9DE7-4820-AFB6-E6C98C246EFC}">
+      <dgm:prSet custT="1"/>
+      <dgm:spPr/>
+      <dgm:t>
+        <a:bodyPr/>
+        <a:lstStyle/>
+        <a:p>
+          <a:r>
+            <a:rPr lang="fr-FR" sz="1000" dirty="0" smtClean="0"/>
+            <a:t>…</a:t>
+          </a:r>
+          <a:endParaRPr lang="fr-FR" sz="1000" dirty="0"/>
+        </a:p>
+      </dgm:t>
+    </dgm:pt>
+    <dgm:pt modelId="{4E2FF37E-EF9E-4E13-A343-A28FDBF48B26}" type="parTrans" cxnId="{A9D5B926-42E6-4193-AE27-EE8D84ABA3B7}">
+      <dgm:prSet/>
+      <dgm:spPr/>
+      <dgm:t>
+        <a:bodyPr/>
+        <a:lstStyle/>
+        <a:p>
+          <a:endParaRPr lang="fr-FR"/>
+        </a:p>
+      </dgm:t>
+    </dgm:pt>
+    <dgm:pt modelId="{89B4AE6E-7A37-4304-A076-D03A56D9A3D5}" type="sibTrans" cxnId="{A9D5B926-42E6-4193-AE27-EE8D84ABA3B7}">
+      <dgm:prSet/>
+      <dgm:spPr/>
+      <dgm:t>
+        <a:bodyPr/>
+        <a:lstStyle/>
+        <a:p>
+          <a:endParaRPr lang="fr-FR"/>
+        </a:p>
+      </dgm:t>
+    </dgm:pt>
+    <dgm:pt modelId="{C971CB4A-ACE5-46F8-AE5B-3AFE92D0959D}">
+      <dgm:prSet custT="1"/>
+      <dgm:spPr/>
+      <dgm:t>
+        <a:bodyPr/>
+        <a:lstStyle/>
+        <a:p>
+          <a:r>
+            <a:rPr lang="fr-FR" sz="1000" dirty="0" smtClean="0"/>
+            <a:t>.go</a:t>
+          </a:r>
+          <a:endParaRPr lang="fr-FR" sz="1000" dirty="0"/>
+        </a:p>
+      </dgm:t>
+    </dgm:pt>
+    <dgm:pt modelId="{DB9EFE37-A36C-430A-8B47-88C287516F23}" type="parTrans" cxnId="{6CA32B3D-2E12-4AB3-A420-EDC30F748704}">
+      <dgm:prSet/>
+      <dgm:spPr/>
+      <dgm:t>
+        <a:bodyPr/>
+        <a:lstStyle/>
+        <a:p>
+          <a:endParaRPr lang="fr-FR"/>
+        </a:p>
+      </dgm:t>
+    </dgm:pt>
+    <dgm:pt modelId="{5690AA9A-114B-4FAC-8D60-A56F159BD628}" type="sibTrans" cxnId="{6CA32B3D-2E12-4AB3-A420-EDC30F748704}">
+      <dgm:prSet/>
+      <dgm:spPr/>
+      <dgm:t>
+        <a:bodyPr/>
+        <a:lstStyle/>
+        <a:p>
+          <a:endParaRPr lang="fr-FR"/>
+        </a:p>
+      </dgm:t>
+    </dgm:pt>
+    <dgm:pt modelId="{322F58AD-DE9A-4B44-9BA0-D689707D8FD4}">
+      <dgm:prSet custT="1"/>
+      <dgm:spPr/>
+      <dgm:t>
+        <a:bodyPr/>
+        <a:lstStyle/>
+        <a:p>
+          <a:r>
+            <a:rPr lang="fr-FR" sz="1000" dirty="0" smtClean="0"/>
+            <a:t>…</a:t>
+          </a:r>
+          <a:endParaRPr lang="fr-FR" sz="1000" dirty="0"/>
+        </a:p>
+      </dgm:t>
+    </dgm:pt>
+    <dgm:pt modelId="{34FEF89F-3256-4364-AB80-02C4079D03DE}" type="parTrans" cxnId="{18178193-528B-483B-8C56-EC85A91D43B0}">
+      <dgm:prSet/>
+      <dgm:spPr/>
+      <dgm:t>
+        <a:bodyPr/>
+        <a:lstStyle/>
+        <a:p>
+          <a:endParaRPr lang="fr-FR"/>
+        </a:p>
+      </dgm:t>
+    </dgm:pt>
+    <dgm:pt modelId="{F418BD0F-7D67-4ABD-A1AE-C465AAE64CE7}" type="sibTrans" cxnId="{18178193-528B-483B-8C56-EC85A91D43B0}">
+      <dgm:prSet/>
+      <dgm:spPr/>
+      <dgm:t>
+        <a:bodyPr/>
+        <a:lstStyle/>
+        <a:p>
+          <a:endParaRPr lang="fr-FR"/>
+        </a:p>
+      </dgm:t>
+    </dgm:pt>
     <dgm:pt modelId="{9F3D299C-912D-48E4-AE76-DBF8471D0058}" type="pres">
       <dgm:prSet presAssocID="{DF616C12-DFC6-40E5-BC46-E77E630699CC}" presName="Name0" presStyleCnt="0">
         <dgm:presLayoutVars>
@@ -2504,7 +2693,7 @@
       <dgm:spPr/>
     </dgm:pt>
     <dgm:pt modelId="{9D957ECC-C536-4171-9E3F-ADA463C520DE}" type="pres">
-      <dgm:prSet presAssocID="{62B13B07-F327-4E52-AE5C-A801CC6497E5}" presName="conn2-1" presStyleLbl="parChTrans1D4" presStyleIdx="0" presStyleCnt="20"/>
+      <dgm:prSet presAssocID="{62B13B07-F327-4E52-AE5C-A801CC6497E5}" presName="conn2-1" presStyleLbl="parChTrans1D4" presStyleIdx="0" presStyleCnt="25"/>
       <dgm:spPr/>
       <dgm:t>
         <a:bodyPr/>
@@ -2515,7 +2704,7 @@
       </dgm:t>
     </dgm:pt>
     <dgm:pt modelId="{5538A203-67B7-43B0-B95B-E0940F75E978}" type="pres">
-      <dgm:prSet presAssocID="{62B13B07-F327-4E52-AE5C-A801CC6497E5}" presName="connTx" presStyleLbl="parChTrans1D4" presStyleIdx="0" presStyleCnt="20"/>
+      <dgm:prSet presAssocID="{62B13B07-F327-4E52-AE5C-A801CC6497E5}" presName="connTx" presStyleLbl="parChTrans1D4" presStyleIdx="0" presStyleCnt="25"/>
       <dgm:spPr/>
       <dgm:t>
         <a:bodyPr/>
@@ -2530,7 +2719,7 @@
       <dgm:spPr/>
     </dgm:pt>
     <dgm:pt modelId="{D13E8E78-0981-47B7-B509-860D838BA781}" type="pres">
-      <dgm:prSet presAssocID="{8DC7735B-9A6C-431C-92AA-042288E1B6AF}" presName="LevelTwoTextNode" presStyleLbl="node4" presStyleIdx="0" presStyleCnt="20">
+      <dgm:prSet presAssocID="{8DC7735B-9A6C-431C-92AA-042288E1B6AF}" presName="LevelTwoTextNode" presStyleLbl="node4" presStyleIdx="0" presStyleCnt="25">
         <dgm:presLayoutVars>
           <dgm:chPref val="3"/>
         </dgm:presLayoutVars>
@@ -2549,7 +2738,7 @@
       <dgm:spPr/>
     </dgm:pt>
     <dgm:pt modelId="{E6122314-4232-42C9-987E-46FE0FA3495B}" type="pres">
-      <dgm:prSet presAssocID="{DEA1A0C5-BE8D-4B82-B1D8-B4B9DCF4CE1A}" presName="conn2-1" presStyleLbl="parChTrans1D4" presStyleIdx="1" presStyleCnt="20"/>
+      <dgm:prSet presAssocID="{DEA1A0C5-BE8D-4B82-B1D8-B4B9DCF4CE1A}" presName="conn2-1" presStyleLbl="parChTrans1D4" presStyleIdx="1" presStyleCnt="25"/>
       <dgm:spPr/>
       <dgm:t>
         <a:bodyPr/>
@@ -2560,7 +2749,7 @@
       </dgm:t>
     </dgm:pt>
     <dgm:pt modelId="{48AB6F3C-59DC-47D0-9C0E-C348A271EF25}" type="pres">
-      <dgm:prSet presAssocID="{DEA1A0C5-BE8D-4B82-B1D8-B4B9DCF4CE1A}" presName="connTx" presStyleLbl="parChTrans1D4" presStyleIdx="1" presStyleCnt="20"/>
+      <dgm:prSet presAssocID="{DEA1A0C5-BE8D-4B82-B1D8-B4B9DCF4CE1A}" presName="connTx" presStyleLbl="parChTrans1D4" presStyleIdx="1" presStyleCnt="25"/>
       <dgm:spPr/>
       <dgm:t>
         <a:bodyPr/>
@@ -2575,7 +2764,7 @@
       <dgm:spPr/>
     </dgm:pt>
     <dgm:pt modelId="{2293E997-8A42-4DE4-AFF5-CE2F2C46F300}" type="pres">
-      <dgm:prSet presAssocID="{DE9229B0-83CB-4AFE-B09E-2D25B676FB5D}" presName="LevelTwoTextNode" presStyleLbl="node4" presStyleIdx="1" presStyleCnt="20">
+      <dgm:prSet presAssocID="{DE9229B0-83CB-4AFE-B09E-2D25B676FB5D}" presName="LevelTwoTextNode" presStyleLbl="node4" presStyleIdx="1" presStyleCnt="25">
         <dgm:presLayoutVars>
           <dgm:chPref val="3"/>
         </dgm:presLayoutVars>
@@ -2594,7 +2783,7 @@
       <dgm:spPr/>
     </dgm:pt>
     <dgm:pt modelId="{F61ED2EA-3DCB-4BDF-974A-6D38D5B018AB}" type="pres">
-      <dgm:prSet presAssocID="{30687554-7B6A-4E42-B0D8-856A3E451C97}" presName="conn2-1" presStyleLbl="parChTrans1D4" presStyleIdx="2" presStyleCnt="20"/>
+      <dgm:prSet presAssocID="{30687554-7B6A-4E42-B0D8-856A3E451C97}" presName="conn2-1" presStyleLbl="parChTrans1D4" presStyleIdx="2" presStyleCnt="25"/>
       <dgm:spPr/>
       <dgm:t>
         <a:bodyPr/>
@@ -2605,7 +2794,7 @@
       </dgm:t>
     </dgm:pt>
     <dgm:pt modelId="{B46CE3C4-D8FC-4818-B7F0-507EA6A00C10}" type="pres">
-      <dgm:prSet presAssocID="{30687554-7B6A-4E42-B0D8-856A3E451C97}" presName="connTx" presStyleLbl="parChTrans1D4" presStyleIdx="2" presStyleCnt="20"/>
+      <dgm:prSet presAssocID="{30687554-7B6A-4E42-B0D8-856A3E451C97}" presName="connTx" presStyleLbl="parChTrans1D4" presStyleIdx="2" presStyleCnt="25"/>
       <dgm:spPr/>
       <dgm:t>
         <a:bodyPr/>
@@ -2620,7 +2809,7 @@
       <dgm:spPr/>
     </dgm:pt>
     <dgm:pt modelId="{44701C57-D211-4D71-857F-299A0D735E28}" type="pres">
-      <dgm:prSet presAssocID="{9DF11BE9-0A90-4730-8388-20A441D98114}" presName="LevelTwoTextNode" presStyleLbl="node4" presStyleIdx="2" presStyleCnt="20">
+      <dgm:prSet presAssocID="{9DF11BE9-0A90-4730-8388-20A441D98114}" presName="LevelTwoTextNode" presStyleLbl="node4" presStyleIdx="2" presStyleCnt="25">
         <dgm:presLayoutVars>
           <dgm:chPref val="3"/>
         </dgm:presLayoutVars>
@@ -2639,7 +2828,7 @@
       <dgm:spPr/>
     </dgm:pt>
     <dgm:pt modelId="{EF1303F6-08C0-48FA-B58F-D294B3FD0956}" type="pres">
-      <dgm:prSet presAssocID="{B585FA61-ABCC-4C00-904E-F590963CA53E}" presName="conn2-1" presStyleLbl="parChTrans1D4" presStyleIdx="3" presStyleCnt="20"/>
+      <dgm:prSet presAssocID="{B585FA61-ABCC-4C00-904E-F590963CA53E}" presName="conn2-1" presStyleLbl="parChTrans1D4" presStyleIdx="3" presStyleCnt="25"/>
       <dgm:spPr/>
       <dgm:t>
         <a:bodyPr/>
@@ -2650,7 +2839,7 @@
       </dgm:t>
     </dgm:pt>
     <dgm:pt modelId="{1E06D912-FF04-489C-8B3E-C635F21EF1DC}" type="pres">
-      <dgm:prSet presAssocID="{B585FA61-ABCC-4C00-904E-F590963CA53E}" presName="connTx" presStyleLbl="parChTrans1D4" presStyleIdx="3" presStyleCnt="20"/>
+      <dgm:prSet presAssocID="{B585FA61-ABCC-4C00-904E-F590963CA53E}" presName="connTx" presStyleLbl="parChTrans1D4" presStyleIdx="3" presStyleCnt="25"/>
       <dgm:spPr/>
       <dgm:t>
         <a:bodyPr/>
@@ -2665,7 +2854,7 @@
       <dgm:spPr/>
     </dgm:pt>
     <dgm:pt modelId="{1297A119-EB00-45FB-9E4C-7081D9FC3578}" type="pres">
-      <dgm:prSet presAssocID="{2CFC024F-40D5-4978-B0D2-5F1E40D4091C}" presName="LevelTwoTextNode" presStyleLbl="node4" presStyleIdx="3" presStyleCnt="20">
+      <dgm:prSet presAssocID="{2CFC024F-40D5-4978-B0D2-5F1E40D4091C}" presName="LevelTwoTextNode" presStyleLbl="node4" presStyleIdx="3" presStyleCnt="25">
         <dgm:presLayoutVars>
           <dgm:chPref val="3"/>
         </dgm:presLayoutVars>
@@ -2684,7 +2873,7 @@
       <dgm:spPr/>
     </dgm:pt>
     <dgm:pt modelId="{11A95FA8-BC12-4F2B-93AC-994CC23CB247}" type="pres">
-      <dgm:prSet presAssocID="{997BBB56-0F09-47A1-9EDD-84E73DDCE053}" presName="conn2-1" presStyleLbl="parChTrans1D4" presStyleIdx="4" presStyleCnt="20"/>
+      <dgm:prSet presAssocID="{997BBB56-0F09-47A1-9EDD-84E73DDCE053}" presName="conn2-1" presStyleLbl="parChTrans1D4" presStyleIdx="4" presStyleCnt="25"/>
       <dgm:spPr/>
       <dgm:t>
         <a:bodyPr/>
@@ -2695,7 +2884,7 @@
       </dgm:t>
     </dgm:pt>
     <dgm:pt modelId="{416BF9B8-9B9E-4EDB-8EEE-AD34B69DF4A3}" type="pres">
-      <dgm:prSet presAssocID="{997BBB56-0F09-47A1-9EDD-84E73DDCE053}" presName="connTx" presStyleLbl="parChTrans1D4" presStyleIdx="4" presStyleCnt="20"/>
+      <dgm:prSet presAssocID="{997BBB56-0F09-47A1-9EDD-84E73DDCE053}" presName="connTx" presStyleLbl="parChTrans1D4" presStyleIdx="4" presStyleCnt="25"/>
       <dgm:spPr/>
       <dgm:t>
         <a:bodyPr/>
@@ -2710,7 +2899,7 @@
       <dgm:spPr/>
     </dgm:pt>
     <dgm:pt modelId="{EFF0FDCC-9734-4C94-840C-8D241B8150A8}" type="pres">
-      <dgm:prSet presAssocID="{75A5C761-B220-40FF-A8F1-BDF368427E79}" presName="LevelTwoTextNode" presStyleLbl="node4" presStyleIdx="4" presStyleCnt="20">
+      <dgm:prSet presAssocID="{75A5C761-B220-40FF-A8F1-BDF368427E79}" presName="LevelTwoTextNode" presStyleLbl="node4" presStyleIdx="4" presStyleCnt="25">
         <dgm:presLayoutVars>
           <dgm:chPref val="3"/>
         </dgm:presLayoutVars>
@@ -2892,7 +3081,7 @@
       </dgm:t>
     </dgm:pt>
     <dgm:pt modelId="{E0BC23FD-A123-4F6F-B29F-B1B1A8DCFCAA}" type="pres">
-      <dgm:prSet presAssocID="{49D92B24-F087-4E31-A4F6-E7772D5AF36E}" presName="conn2-1" presStyleLbl="parChTrans1D4" presStyleIdx="5" presStyleCnt="20"/>
+      <dgm:prSet presAssocID="{49D92B24-F087-4E31-A4F6-E7772D5AF36E}" presName="conn2-1" presStyleLbl="parChTrans1D4" presStyleIdx="5" presStyleCnt="25"/>
       <dgm:spPr/>
       <dgm:t>
         <a:bodyPr/>
@@ -2903,7 +3092,7 @@
       </dgm:t>
     </dgm:pt>
     <dgm:pt modelId="{2D6B1399-BFF2-49EA-9491-3E6335B75829}" type="pres">
-      <dgm:prSet presAssocID="{49D92B24-F087-4E31-A4F6-E7772D5AF36E}" presName="connTx" presStyleLbl="parChTrans1D4" presStyleIdx="5" presStyleCnt="20"/>
+      <dgm:prSet presAssocID="{49D92B24-F087-4E31-A4F6-E7772D5AF36E}" presName="connTx" presStyleLbl="parChTrans1D4" presStyleIdx="5" presStyleCnt="25"/>
       <dgm:spPr/>
       <dgm:t>
         <a:bodyPr/>
@@ -2925,7 +3114,7 @@
       </dgm:t>
     </dgm:pt>
     <dgm:pt modelId="{71B02E8A-448E-4584-80E9-059B52DDB850}" type="pres">
-      <dgm:prSet presAssocID="{B9FBD615-B794-4D86-840E-D8BA2BA2AF71}" presName="LevelTwoTextNode" presStyleLbl="node4" presStyleIdx="5" presStyleCnt="20">
+      <dgm:prSet presAssocID="{B9FBD615-B794-4D86-840E-D8BA2BA2AF71}" presName="LevelTwoTextNode" presStyleLbl="node4" presStyleIdx="5" presStyleCnt="25">
         <dgm:presLayoutVars>
           <dgm:chPref val="3"/>
         </dgm:presLayoutVars>
@@ -2951,7 +3140,7 @@
       </dgm:t>
     </dgm:pt>
     <dgm:pt modelId="{6FB29898-0152-4460-9FA2-C023B30AA889}" type="pres">
-      <dgm:prSet presAssocID="{D03DBC73-9966-47D9-8ACA-08F2AE277311}" presName="conn2-1" presStyleLbl="parChTrans1D4" presStyleIdx="6" presStyleCnt="20"/>
+      <dgm:prSet presAssocID="{D03DBC73-9966-47D9-8ACA-08F2AE277311}" presName="conn2-1" presStyleLbl="parChTrans1D4" presStyleIdx="6" presStyleCnt="25"/>
       <dgm:spPr/>
       <dgm:t>
         <a:bodyPr/>
@@ -2962,7 +3151,7 @@
       </dgm:t>
     </dgm:pt>
     <dgm:pt modelId="{3C88D30A-236C-421C-8732-EB921582DAAC}" type="pres">
-      <dgm:prSet presAssocID="{D03DBC73-9966-47D9-8ACA-08F2AE277311}" presName="connTx" presStyleLbl="parChTrans1D4" presStyleIdx="6" presStyleCnt="20"/>
+      <dgm:prSet presAssocID="{D03DBC73-9966-47D9-8ACA-08F2AE277311}" presName="connTx" presStyleLbl="parChTrans1D4" presStyleIdx="6" presStyleCnt="25"/>
       <dgm:spPr/>
       <dgm:t>
         <a:bodyPr/>
@@ -2984,7 +3173,7 @@
       </dgm:t>
     </dgm:pt>
     <dgm:pt modelId="{1A4238F2-78DE-41D2-AD7D-244E70141D53}" type="pres">
-      <dgm:prSet presAssocID="{1B24B018-AD53-4723-9DBC-CD780D3AF7E6}" presName="LevelTwoTextNode" presStyleLbl="node4" presStyleIdx="6" presStyleCnt="20">
+      <dgm:prSet presAssocID="{1B24B018-AD53-4723-9DBC-CD780D3AF7E6}" presName="LevelTwoTextNode" presStyleLbl="node4" presStyleIdx="6" presStyleCnt="25">
         <dgm:presLayoutVars>
           <dgm:chPref val="3"/>
         </dgm:presLayoutVars>
@@ -3010,7 +3199,7 @@
       </dgm:t>
     </dgm:pt>
     <dgm:pt modelId="{7137EB5A-E346-4115-9F66-B74C3542748E}" type="pres">
-      <dgm:prSet presAssocID="{F40FF744-1F56-479B-AA89-A0EF61A8890A}" presName="conn2-1" presStyleLbl="parChTrans1D4" presStyleIdx="7" presStyleCnt="20"/>
+      <dgm:prSet presAssocID="{F40FF744-1F56-479B-AA89-A0EF61A8890A}" presName="conn2-1" presStyleLbl="parChTrans1D4" presStyleIdx="7" presStyleCnt="25"/>
       <dgm:spPr/>
       <dgm:t>
         <a:bodyPr/>
@@ -3021,7 +3210,7 @@
       </dgm:t>
     </dgm:pt>
     <dgm:pt modelId="{BEF9F8C4-0E1E-499B-85B7-D8C2527B7D6A}" type="pres">
-      <dgm:prSet presAssocID="{F40FF744-1F56-479B-AA89-A0EF61A8890A}" presName="connTx" presStyleLbl="parChTrans1D4" presStyleIdx="7" presStyleCnt="20"/>
+      <dgm:prSet presAssocID="{F40FF744-1F56-479B-AA89-A0EF61A8890A}" presName="connTx" presStyleLbl="parChTrans1D4" presStyleIdx="7" presStyleCnt="25"/>
       <dgm:spPr/>
       <dgm:t>
         <a:bodyPr/>
@@ -3043,7 +3232,7 @@
       </dgm:t>
     </dgm:pt>
     <dgm:pt modelId="{7A687C9C-1CE1-4FCD-8F95-CDF2CE96AF7A}" type="pres">
-      <dgm:prSet presAssocID="{C1B80BE7-4DEE-497B-98D2-5A6920F4FB8E}" presName="LevelTwoTextNode" presStyleLbl="node4" presStyleIdx="7" presStyleCnt="20">
+      <dgm:prSet presAssocID="{C1B80BE7-4DEE-497B-98D2-5A6920F4FB8E}" presName="LevelTwoTextNode" presStyleLbl="node4" presStyleIdx="7" presStyleCnt="25" custScaleX="102492">
         <dgm:presLayoutVars>
           <dgm:chPref val="3"/>
         </dgm:presLayoutVars>
@@ -3069,7 +3258,7 @@
       </dgm:t>
     </dgm:pt>
     <dgm:pt modelId="{BCF6B846-BCE0-4A36-AB58-F37D855BACB3}" type="pres">
-      <dgm:prSet presAssocID="{FEB48055-1C34-422E-8C99-E4A7B59A7524}" presName="conn2-1" presStyleLbl="parChTrans1D4" presStyleIdx="8" presStyleCnt="20"/>
+      <dgm:prSet presAssocID="{FEB48055-1C34-422E-8C99-E4A7B59A7524}" presName="conn2-1" presStyleLbl="parChTrans1D4" presStyleIdx="8" presStyleCnt="25"/>
       <dgm:spPr/>
       <dgm:t>
         <a:bodyPr/>
@@ -3080,7 +3269,7 @@
       </dgm:t>
     </dgm:pt>
     <dgm:pt modelId="{6F3D5773-510D-44D2-9A00-874B9AD6C990}" type="pres">
-      <dgm:prSet presAssocID="{FEB48055-1C34-422E-8C99-E4A7B59A7524}" presName="connTx" presStyleLbl="parChTrans1D4" presStyleIdx="8" presStyleCnt="20"/>
+      <dgm:prSet presAssocID="{FEB48055-1C34-422E-8C99-E4A7B59A7524}" presName="connTx" presStyleLbl="parChTrans1D4" presStyleIdx="8" presStyleCnt="25"/>
       <dgm:spPr/>
       <dgm:t>
         <a:bodyPr/>
@@ -3102,7 +3291,7 @@
       </dgm:t>
     </dgm:pt>
     <dgm:pt modelId="{2F691A7C-9BCD-4E4F-A41F-920122DDC012}" type="pres">
-      <dgm:prSet presAssocID="{641F7873-2D89-4584-89E6-13C8B89C0D32}" presName="LevelTwoTextNode" presStyleLbl="node4" presStyleIdx="8" presStyleCnt="20">
+      <dgm:prSet presAssocID="{641F7873-2D89-4584-89E6-13C8B89C0D32}" presName="LevelTwoTextNode" presStyleLbl="node4" presStyleIdx="8" presStyleCnt="25" custLinFactNeighborX="24437" custLinFactNeighborY="-5839">
         <dgm:presLayoutVars>
           <dgm:chPref val="3"/>
         </dgm:presLayoutVars>
@@ -3128,7 +3317,7 @@
       </dgm:t>
     </dgm:pt>
     <dgm:pt modelId="{A3E99873-9A6B-448D-882B-6A1290124BE0}" type="pres">
-      <dgm:prSet presAssocID="{9CE6119C-2BD8-4D82-857F-27695498162C}" presName="conn2-1" presStyleLbl="parChTrans1D4" presStyleIdx="9" presStyleCnt="20"/>
+      <dgm:prSet presAssocID="{9CE6119C-2BD8-4D82-857F-27695498162C}" presName="conn2-1" presStyleLbl="parChTrans1D4" presStyleIdx="9" presStyleCnt="25"/>
       <dgm:spPr/>
       <dgm:t>
         <a:bodyPr/>
@@ -3139,7 +3328,7 @@
       </dgm:t>
     </dgm:pt>
     <dgm:pt modelId="{713A720F-F6BF-407E-86B7-8CE4A23E47B5}" type="pres">
-      <dgm:prSet presAssocID="{9CE6119C-2BD8-4D82-857F-27695498162C}" presName="connTx" presStyleLbl="parChTrans1D4" presStyleIdx="9" presStyleCnt="20"/>
+      <dgm:prSet presAssocID="{9CE6119C-2BD8-4D82-857F-27695498162C}" presName="connTx" presStyleLbl="parChTrans1D4" presStyleIdx="9" presStyleCnt="25"/>
       <dgm:spPr/>
       <dgm:t>
         <a:bodyPr/>
@@ -3161,7 +3350,7 @@
       </dgm:t>
     </dgm:pt>
     <dgm:pt modelId="{BFA8CB9D-9F1D-4CD9-9D73-5A458DABA331}" type="pres">
-      <dgm:prSet presAssocID="{2D0898D9-1379-4C8B-848A-4DE9262983B4}" presName="LevelTwoTextNode" presStyleLbl="node4" presStyleIdx="9" presStyleCnt="20">
+      <dgm:prSet presAssocID="{2D0898D9-1379-4C8B-848A-4DE9262983B4}" presName="LevelTwoTextNode" presStyleLbl="node4" presStyleIdx="9" presStyleCnt="25" custLinFactNeighborX="24437" custLinFactNeighborY="-5839">
         <dgm:presLayoutVars>
           <dgm:chPref val="3"/>
         </dgm:presLayoutVars>
@@ -3187,7 +3376,7 @@
       </dgm:t>
     </dgm:pt>
     <dgm:pt modelId="{0F4448C4-16D0-412B-B97C-B3EE8C574400}" type="pres">
-      <dgm:prSet presAssocID="{051E6169-5FA5-4711-8079-FA56C87AB900}" presName="conn2-1" presStyleLbl="parChTrans1D4" presStyleIdx="10" presStyleCnt="20"/>
+      <dgm:prSet presAssocID="{051E6169-5FA5-4711-8079-FA56C87AB900}" presName="conn2-1" presStyleLbl="parChTrans1D4" presStyleIdx="10" presStyleCnt="25"/>
       <dgm:spPr/>
       <dgm:t>
         <a:bodyPr/>
@@ -3198,7 +3387,7 @@
       </dgm:t>
     </dgm:pt>
     <dgm:pt modelId="{26A1B052-FF5B-4D0A-80E9-1DA688CD3D7D}" type="pres">
-      <dgm:prSet presAssocID="{051E6169-5FA5-4711-8079-FA56C87AB900}" presName="connTx" presStyleLbl="parChTrans1D4" presStyleIdx="10" presStyleCnt="20"/>
+      <dgm:prSet presAssocID="{051E6169-5FA5-4711-8079-FA56C87AB900}" presName="connTx" presStyleLbl="parChTrans1D4" presStyleIdx="10" presStyleCnt="25"/>
       <dgm:spPr/>
       <dgm:t>
         <a:bodyPr/>
@@ -3220,7 +3409,7 @@
       </dgm:t>
     </dgm:pt>
     <dgm:pt modelId="{C75D1124-C505-4361-BD55-C3934A33A542}" type="pres">
-      <dgm:prSet presAssocID="{537D9D52-BB4C-4295-A6FC-1F3EE30F7C8A}" presName="LevelTwoTextNode" presStyleLbl="node4" presStyleIdx="10" presStyleCnt="20">
+      <dgm:prSet presAssocID="{537D9D52-BB4C-4295-A6FC-1F3EE30F7C8A}" presName="LevelTwoTextNode" presStyleLbl="node4" presStyleIdx="10" presStyleCnt="25" custLinFactNeighborX="24437" custLinFactNeighborY="-5839">
         <dgm:presLayoutVars>
           <dgm:chPref val="3"/>
         </dgm:presLayoutVars>
@@ -3246,7 +3435,7 @@
       </dgm:t>
     </dgm:pt>
     <dgm:pt modelId="{E7DB1CDA-3D4C-4818-A88C-6D185D722EC6}" type="pres">
-      <dgm:prSet presAssocID="{9A871F26-74E8-4736-985B-EF3BB73DFE34}" presName="conn2-1" presStyleLbl="parChTrans1D4" presStyleIdx="11" presStyleCnt="20"/>
+      <dgm:prSet presAssocID="{9A871F26-74E8-4736-985B-EF3BB73DFE34}" presName="conn2-1" presStyleLbl="parChTrans1D4" presStyleIdx="11" presStyleCnt="25"/>
       <dgm:spPr/>
       <dgm:t>
         <a:bodyPr/>
@@ -3257,7 +3446,7 @@
       </dgm:t>
     </dgm:pt>
     <dgm:pt modelId="{15AE2F48-9DB0-4B24-ADB3-E3970E729EE5}" type="pres">
-      <dgm:prSet presAssocID="{9A871F26-74E8-4736-985B-EF3BB73DFE34}" presName="connTx" presStyleLbl="parChTrans1D4" presStyleIdx="11" presStyleCnt="20"/>
+      <dgm:prSet presAssocID="{9A871F26-74E8-4736-985B-EF3BB73DFE34}" presName="connTx" presStyleLbl="parChTrans1D4" presStyleIdx="11" presStyleCnt="25"/>
       <dgm:spPr/>
       <dgm:t>
         <a:bodyPr/>
@@ -3279,7 +3468,7 @@
       </dgm:t>
     </dgm:pt>
     <dgm:pt modelId="{A8FC37A2-9B31-4489-B0A8-9E802EBAF3A0}" type="pres">
-      <dgm:prSet presAssocID="{88164397-DBD8-4D72-B38B-DE4BF4031B5D}" presName="LevelTwoTextNode" presStyleLbl="node4" presStyleIdx="11" presStyleCnt="20">
+      <dgm:prSet presAssocID="{88164397-DBD8-4D72-B38B-DE4BF4031B5D}" presName="LevelTwoTextNode" presStyleLbl="node4" presStyleIdx="11" presStyleCnt="25">
         <dgm:presLayoutVars>
           <dgm:chPref val="3"/>
         </dgm:presLayoutVars>
@@ -3305,7 +3494,7 @@
       </dgm:t>
     </dgm:pt>
     <dgm:pt modelId="{54971FDB-F67F-4F3B-92B6-E77D3DFFDC8A}" type="pres">
-      <dgm:prSet presAssocID="{59511E4B-8EFD-40C1-8769-41EC8A3006F1}" presName="conn2-1" presStyleLbl="parChTrans1D4" presStyleIdx="12" presStyleCnt="20"/>
+      <dgm:prSet presAssocID="{59511E4B-8EFD-40C1-8769-41EC8A3006F1}" presName="conn2-1" presStyleLbl="parChTrans1D4" presStyleIdx="12" presStyleCnt="25"/>
       <dgm:spPr/>
       <dgm:t>
         <a:bodyPr/>
@@ -3316,7 +3505,7 @@
       </dgm:t>
     </dgm:pt>
     <dgm:pt modelId="{9B99E809-B197-4823-8F4F-A9A5674BCDDC}" type="pres">
-      <dgm:prSet presAssocID="{59511E4B-8EFD-40C1-8769-41EC8A3006F1}" presName="connTx" presStyleLbl="parChTrans1D4" presStyleIdx="12" presStyleCnt="20"/>
+      <dgm:prSet presAssocID="{59511E4B-8EFD-40C1-8769-41EC8A3006F1}" presName="connTx" presStyleLbl="parChTrans1D4" presStyleIdx="12" presStyleCnt="25"/>
       <dgm:spPr/>
       <dgm:t>
         <a:bodyPr/>
@@ -3338,7 +3527,7 @@
       </dgm:t>
     </dgm:pt>
     <dgm:pt modelId="{9DE0F9C2-8935-4BB2-9E9C-937F7C914306}" type="pres">
-      <dgm:prSet presAssocID="{2BA398DC-44B5-4B11-A724-B73E05D7E9DF}" presName="LevelTwoTextNode" presStyleLbl="node4" presStyleIdx="12" presStyleCnt="20">
+      <dgm:prSet presAssocID="{2BA398DC-44B5-4B11-A724-B73E05D7E9DF}" presName="LevelTwoTextNode" presStyleLbl="node4" presStyleIdx="12" presStyleCnt="25">
         <dgm:presLayoutVars>
           <dgm:chPref val="3"/>
         </dgm:presLayoutVars>
@@ -3364,7 +3553,7 @@
       </dgm:t>
     </dgm:pt>
     <dgm:pt modelId="{E8B9E04F-8911-439D-A990-57E0C8BD86F4}" type="pres">
-      <dgm:prSet presAssocID="{26479144-D9B7-4B50-8D7C-51FE0917EA76}" presName="conn2-1" presStyleLbl="parChTrans1D4" presStyleIdx="13" presStyleCnt="20"/>
+      <dgm:prSet presAssocID="{26479144-D9B7-4B50-8D7C-51FE0917EA76}" presName="conn2-1" presStyleLbl="parChTrans1D4" presStyleIdx="13" presStyleCnt="25"/>
       <dgm:spPr/>
       <dgm:t>
         <a:bodyPr/>
@@ -3375,7 +3564,7 @@
       </dgm:t>
     </dgm:pt>
     <dgm:pt modelId="{EAA5B856-0115-455E-A97E-BB584CD51E7D}" type="pres">
-      <dgm:prSet presAssocID="{26479144-D9B7-4B50-8D7C-51FE0917EA76}" presName="connTx" presStyleLbl="parChTrans1D4" presStyleIdx="13" presStyleCnt="20"/>
+      <dgm:prSet presAssocID="{26479144-D9B7-4B50-8D7C-51FE0917EA76}" presName="connTx" presStyleLbl="parChTrans1D4" presStyleIdx="13" presStyleCnt="25"/>
       <dgm:spPr/>
       <dgm:t>
         <a:bodyPr/>
@@ -3397,7 +3586,7 @@
       </dgm:t>
     </dgm:pt>
     <dgm:pt modelId="{35ACB2AC-382A-4C97-A906-4B1EC627FF3B}" type="pres">
-      <dgm:prSet presAssocID="{5E4A91D4-2366-4C60-BB3D-496C11657DC0}" presName="LevelTwoTextNode" presStyleLbl="node4" presStyleIdx="13" presStyleCnt="20">
+      <dgm:prSet presAssocID="{5E4A91D4-2366-4C60-BB3D-496C11657DC0}" presName="LevelTwoTextNode" presStyleLbl="node4" presStyleIdx="13" presStyleCnt="25" custScaleX="108737">
         <dgm:presLayoutVars>
           <dgm:chPref val="3"/>
         </dgm:presLayoutVars>
@@ -3423,7 +3612,7 @@
       </dgm:t>
     </dgm:pt>
     <dgm:pt modelId="{6C6D8E9D-7873-4EE3-A7C8-467DB1B38886}" type="pres">
-      <dgm:prSet presAssocID="{28B1DEF3-FA5E-434F-985A-593161F70089}" presName="conn2-1" presStyleLbl="parChTrans1D4" presStyleIdx="14" presStyleCnt="20"/>
+      <dgm:prSet presAssocID="{28B1DEF3-FA5E-434F-985A-593161F70089}" presName="conn2-1" presStyleLbl="parChTrans1D4" presStyleIdx="14" presStyleCnt="25"/>
       <dgm:spPr/>
       <dgm:t>
         <a:bodyPr/>
@@ -3434,7 +3623,7 @@
       </dgm:t>
     </dgm:pt>
     <dgm:pt modelId="{B10566F1-6764-4207-91A3-FAD8D64F1C28}" type="pres">
-      <dgm:prSet presAssocID="{28B1DEF3-FA5E-434F-985A-593161F70089}" presName="connTx" presStyleLbl="parChTrans1D4" presStyleIdx="14" presStyleCnt="20"/>
+      <dgm:prSet presAssocID="{28B1DEF3-FA5E-434F-985A-593161F70089}" presName="connTx" presStyleLbl="parChTrans1D4" presStyleIdx="14" presStyleCnt="25"/>
       <dgm:spPr/>
       <dgm:t>
         <a:bodyPr/>
@@ -3456,7 +3645,7 @@
       </dgm:t>
     </dgm:pt>
     <dgm:pt modelId="{F477F308-696E-4EBB-A389-B7BC50374169}" type="pres">
-      <dgm:prSet presAssocID="{3AD458C6-8419-4D84-9762-23D8C70DAE66}" presName="LevelTwoTextNode" presStyleLbl="node4" presStyleIdx="14" presStyleCnt="20">
+      <dgm:prSet presAssocID="{3AD458C6-8419-4D84-9762-23D8C70DAE66}" presName="LevelTwoTextNode" presStyleLbl="node4" presStyleIdx="14" presStyleCnt="25" custLinFactNeighborX="19986">
         <dgm:presLayoutVars>
           <dgm:chPref val="3"/>
         </dgm:presLayoutVars>
@@ -3482,7 +3671,7 @@
       </dgm:t>
     </dgm:pt>
     <dgm:pt modelId="{51ABB488-7F6B-4F15-BF1E-13957DECDEA0}" type="pres">
-      <dgm:prSet presAssocID="{9A485257-A8D6-4397-BEDE-96D5D67A5BD8}" presName="conn2-1" presStyleLbl="parChTrans1D4" presStyleIdx="15" presStyleCnt="20"/>
+      <dgm:prSet presAssocID="{9A485257-A8D6-4397-BEDE-96D5D67A5BD8}" presName="conn2-1" presStyleLbl="parChTrans1D4" presStyleIdx="15" presStyleCnt="25"/>
       <dgm:spPr/>
       <dgm:t>
         <a:bodyPr/>
@@ -3493,7 +3682,7 @@
       </dgm:t>
     </dgm:pt>
     <dgm:pt modelId="{564E8B54-811C-4F63-8549-390678EFB2EA}" type="pres">
-      <dgm:prSet presAssocID="{9A485257-A8D6-4397-BEDE-96D5D67A5BD8}" presName="connTx" presStyleLbl="parChTrans1D4" presStyleIdx="15" presStyleCnt="20"/>
+      <dgm:prSet presAssocID="{9A485257-A8D6-4397-BEDE-96D5D67A5BD8}" presName="connTx" presStyleLbl="parChTrans1D4" presStyleIdx="15" presStyleCnt="25"/>
       <dgm:spPr/>
       <dgm:t>
         <a:bodyPr/>
@@ -3515,7 +3704,7 @@
       </dgm:t>
     </dgm:pt>
     <dgm:pt modelId="{057661AD-CB3F-4EFF-A165-3CB41187F5B8}" type="pres">
-      <dgm:prSet presAssocID="{1C1944A6-354A-4452-AC1A-3CB32B31AB4A}" presName="LevelTwoTextNode" presStyleLbl="node4" presStyleIdx="15" presStyleCnt="20">
+      <dgm:prSet presAssocID="{1C1944A6-354A-4452-AC1A-3CB32B31AB4A}" presName="LevelTwoTextNode" presStyleLbl="node4" presStyleIdx="15" presStyleCnt="25" custLinFactNeighborX="19986">
         <dgm:presLayoutVars>
           <dgm:chPref val="3"/>
         </dgm:presLayoutVars>
@@ -3541,7 +3730,7 @@
       </dgm:t>
     </dgm:pt>
     <dgm:pt modelId="{59AE2245-54FD-442F-826F-E34D3A5503D3}" type="pres">
-      <dgm:prSet presAssocID="{A26C579B-D9A2-440D-B584-E528FA053B0A}" presName="conn2-1" presStyleLbl="parChTrans1D4" presStyleIdx="16" presStyleCnt="20"/>
+      <dgm:prSet presAssocID="{A26C579B-D9A2-440D-B584-E528FA053B0A}" presName="conn2-1" presStyleLbl="parChTrans1D4" presStyleIdx="16" presStyleCnt="25"/>
       <dgm:spPr/>
       <dgm:t>
         <a:bodyPr/>
@@ -3552,7 +3741,7 @@
       </dgm:t>
     </dgm:pt>
     <dgm:pt modelId="{70AD1357-89BE-4B28-B9F5-7D58CDC1F51E}" type="pres">
-      <dgm:prSet presAssocID="{A26C579B-D9A2-440D-B584-E528FA053B0A}" presName="connTx" presStyleLbl="parChTrans1D4" presStyleIdx="16" presStyleCnt="20"/>
+      <dgm:prSet presAssocID="{A26C579B-D9A2-440D-B584-E528FA053B0A}" presName="connTx" presStyleLbl="parChTrans1D4" presStyleIdx="16" presStyleCnt="25"/>
       <dgm:spPr/>
       <dgm:t>
         <a:bodyPr/>
@@ -3574,7 +3763,7 @@
       </dgm:t>
     </dgm:pt>
     <dgm:pt modelId="{5F45AA15-FBB3-4B44-8E68-EED9491C0D70}" type="pres">
-      <dgm:prSet presAssocID="{9EEBD96E-C508-492D-AC9A-9F1A3119B996}" presName="LevelTwoTextNode" presStyleLbl="node4" presStyleIdx="16" presStyleCnt="20">
+      <dgm:prSet presAssocID="{9EEBD96E-C508-492D-AC9A-9F1A3119B996}" presName="LevelTwoTextNode" presStyleLbl="node4" presStyleIdx="16" presStyleCnt="25" custLinFactNeighborX="19986">
         <dgm:presLayoutVars>
           <dgm:chPref val="3"/>
         </dgm:presLayoutVars>
@@ -3600,7 +3789,7 @@
       </dgm:t>
     </dgm:pt>
     <dgm:pt modelId="{67D635C0-48F2-4C8E-A3A2-F35C9A9E45DC}" type="pres">
-      <dgm:prSet presAssocID="{FD783284-7709-4153-940E-9DD9E029E02A}" presName="conn2-1" presStyleLbl="parChTrans1D4" presStyleIdx="17" presStyleCnt="20"/>
+      <dgm:prSet presAssocID="{FD783284-7709-4153-940E-9DD9E029E02A}" presName="conn2-1" presStyleLbl="parChTrans1D4" presStyleIdx="17" presStyleCnt="25"/>
       <dgm:spPr/>
       <dgm:t>
         <a:bodyPr/>
@@ -3611,7 +3800,7 @@
       </dgm:t>
     </dgm:pt>
     <dgm:pt modelId="{426AC0E4-BEF7-4521-B5BF-B55008593BD6}" type="pres">
-      <dgm:prSet presAssocID="{FD783284-7709-4153-940E-9DD9E029E02A}" presName="connTx" presStyleLbl="parChTrans1D4" presStyleIdx="17" presStyleCnt="20"/>
+      <dgm:prSet presAssocID="{FD783284-7709-4153-940E-9DD9E029E02A}" presName="connTx" presStyleLbl="parChTrans1D4" presStyleIdx="17" presStyleCnt="25"/>
       <dgm:spPr/>
       <dgm:t>
         <a:bodyPr/>
@@ -3633,7 +3822,7 @@
       </dgm:t>
     </dgm:pt>
     <dgm:pt modelId="{3EE425C3-9686-4BDF-A704-1B7FE956B70F}" type="pres">
-      <dgm:prSet presAssocID="{B744A046-4A74-4240-94C0-E4572C4E9202}" presName="LevelTwoTextNode" presStyleLbl="node4" presStyleIdx="17" presStyleCnt="20">
+      <dgm:prSet presAssocID="{B744A046-4A74-4240-94C0-E4572C4E9202}" presName="LevelTwoTextNode" presStyleLbl="node4" presStyleIdx="17" presStyleCnt="25" custScaleX="102450">
         <dgm:presLayoutVars>
           <dgm:chPref val="3"/>
         </dgm:presLayoutVars>
@@ -3658,8 +3847,142 @@
         </a:p>
       </dgm:t>
     </dgm:pt>
+    <dgm:pt modelId="{3277378E-1025-4B91-B646-B39624C63CFC}" type="pres">
+      <dgm:prSet presAssocID="{0FBFC397-7581-450D-9E09-11221034CB1F}" presName="conn2-1" presStyleLbl="parChTrans1D4" presStyleIdx="18" presStyleCnt="25"/>
+      <dgm:spPr/>
+    </dgm:pt>
+    <dgm:pt modelId="{ED27862D-C3E6-427A-885B-0E48DC7843BB}" type="pres">
+      <dgm:prSet presAssocID="{0FBFC397-7581-450D-9E09-11221034CB1F}" presName="connTx" presStyleLbl="parChTrans1D4" presStyleIdx="18" presStyleCnt="25"/>
+      <dgm:spPr/>
+    </dgm:pt>
+    <dgm:pt modelId="{694CBA10-92D2-4197-90E3-DF07EA10EEB8}" type="pres">
+      <dgm:prSet presAssocID="{760883ED-A9BB-405E-8F20-AFD9CCB96229}" presName="root2" presStyleCnt="0"/>
+      <dgm:spPr/>
+    </dgm:pt>
+    <dgm:pt modelId="{3CE5715A-B463-4312-A59B-740DC19BA68B}" type="pres">
+      <dgm:prSet presAssocID="{760883ED-A9BB-405E-8F20-AFD9CCB96229}" presName="LevelTwoTextNode" presStyleLbl="node4" presStyleIdx="18" presStyleCnt="25">
+        <dgm:presLayoutVars>
+          <dgm:chPref val="3"/>
+        </dgm:presLayoutVars>
+      </dgm:prSet>
+      <dgm:spPr/>
+      <dgm:t>
+        <a:bodyPr/>
+        <a:lstStyle/>
+        <a:p>
+          <a:endParaRPr lang="fr-FR"/>
+        </a:p>
+      </dgm:t>
+    </dgm:pt>
+    <dgm:pt modelId="{63E2F988-CB6C-4238-BA57-4F2847669F56}" type="pres">
+      <dgm:prSet presAssocID="{760883ED-A9BB-405E-8F20-AFD9CCB96229}" presName="level3hierChild" presStyleCnt="0"/>
+      <dgm:spPr/>
+    </dgm:pt>
+    <dgm:pt modelId="{B1B95A7D-A80C-4A8C-B5CC-608F51433E24}" type="pres">
+      <dgm:prSet presAssocID="{BF2ECC47-8959-4178-94DF-C185E2DEE5DE}" presName="conn2-1" presStyleLbl="parChTrans1D4" presStyleIdx="19" presStyleCnt="25"/>
+      <dgm:spPr/>
+    </dgm:pt>
+    <dgm:pt modelId="{D089DFB8-6D68-45D6-93AE-4D04E31DEDBD}" type="pres">
+      <dgm:prSet presAssocID="{BF2ECC47-8959-4178-94DF-C185E2DEE5DE}" presName="connTx" presStyleLbl="parChTrans1D4" presStyleIdx="19" presStyleCnt="25"/>
+      <dgm:spPr/>
+    </dgm:pt>
+    <dgm:pt modelId="{9BAEEE4D-1794-4993-ABA7-35B5444E3185}" type="pres">
+      <dgm:prSet presAssocID="{D6A6EF0D-3890-4564-B47F-BA7E2FFC336B}" presName="root2" presStyleCnt="0"/>
+      <dgm:spPr/>
+    </dgm:pt>
+    <dgm:pt modelId="{BADDFD11-6D6A-4F6A-8B2E-2F492D67B8FF}" type="pres">
+      <dgm:prSet presAssocID="{D6A6EF0D-3890-4564-B47F-BA7E2FFC336B}" presName="LevelTwoTextNode" presStyleLbl="node4" presStyleIdx="19" presStyleCnt="25" custScaleX="108608">
+        <dgm:presLayoutVars>
+          <dgm:chPref val="3"/>
+        </dgm:presLayoutVars>
+      </dgm:prSet>
+      <dgm:spPr/>
+      <dgm:t>
+        <a:bodyPr/>
+        <a:lstStyle/>
+        <a:p>
+          <a:endParaRPr lang="fr-FR"/>
+        </a:p>
+      </dgm:t>
+    </dgm:pt>
+    <dgm:pt modelId="{674512A4-DC34-49D8-96AF-E0B4E8875587}" type="pres">
+      <dgm:prSet presAssocID="{D6A6EF0D-3890-4564-B47F-BA7E2FFC336B}" presName="level3hierChild" presStyleCnt="0"/>
+      <dgm:spPr/>
+    </dgm:pt>
+    <dgm:pt modelId="{1C218697-7FEC-442C-BEAC-861EDBA1EE26}" type="pres">
+      <dgm:prSet presAssocID="{DB9EFE37-A36C-430A-8B47-88C287516F23}" presName="conn2-1" presStyleLbl="parChTrans1D4" presStyleIdx="20" presStyleCnt="25"/>
+      <dgm:spPr/>
+    </dgm:pt>
+    <dgm:pt modelId="{81ADFB7C-14D3-491D-A8C3-619A082EA693}" type="pres">
+      <dgm:prSet presAssocID="{DB9EFE37-A36C-430A-8B47-88C287516F23}" presName="connTx" presStyleLbl="parChTrans1D4" presStyleIdx="20" presStyleCnt="25"/>
+      <dgm:spPr/>
+    </dgm:pt>
+    <dgm:pt modelId="{1E3A8E4F-0756-4205-874E-8A8A7E5A4645}" type="pres">
+      <dgm:prSet presAssocID="{C971CB4A-ACE5-46F8-AE5B-3AFE92D0959D}" presName="root2" presStyleCnt="0"/>
+      <dgm:spPr/>
+    </dgm:pt>
+    <dgm:pt modelId="{A53E1177-1715-4EBC-8FFF-D2B6BE4DA7DF}" type="pres">
+      <dgm:prSet presAssocID="{C971CB4A-ACE5-46F8-AE5B-3AFE92D0959D}" presName="LevelTwoTextNode" presStyleLbl="node4" presStyleIdx="20" presStyleCnt="25" custLinFactNeighborX="18692">
+        <dgm:presLayoutVars>
+          <dgm:chPref val="3"/>
+        </dgm:presLayoutVars>
+      </dgm:prSet>
+      <dgm:spPr/>
+    </dgm:pt>
+    <dgm:pt modelId="{96D657BE-01FB-41A5-A61B-3B35503AC2B6}" type="pres">
+      <dgm:prSet presAssocID="{C971CB4A-ACE5-46F8-AE5B-3AFE92D0959D}" presName="level3hierChild" presStyleCnt="0"/>
+      <dgm:spPr/>
+    </dgm:pt>
+    <dgm:pt modelId="{17D366BE-804F-4EB3-932C-7E922AA72C97}" type="pres">
+      <dgm:prSet presAssocID="{34FEF89F-3256-4364-AB80-02C4079D03DE}" presName="conn2-1" presStyleLbl="parChTrans1D4" presStyleIdx="21" presStyleCnt="25"/>
+      <dgm:spPr/>
+    </dgm:pt>
+    <dgm:pt modelId="{E6F6B072-371D-4957-ABC0-3B2C22D27DBF}" type="pres">
+      <dgm:prSet presAssocID="{34FEF89F-3256-4364-AB80-02C4079D03DE}" presName="connTx" presStyleLbl="parChTrans1D4" presStyleIdx="21" presStyleCnt="25"/>
+      <dgm:spPr/>
+    </dgm:pt>
+    <dgm:pt modelId="{570E30F0-C1ED-4CD5-BCCD-D977F598EAF8}" type="pres">
+      <dgm:prSet presAssocID="{322F58AD-DE9A-4B44-9BA0-D689707D8FD4}" presName="root2" presStyleCnt="0"/>
+      <dgm:spPr/>
+    </dgm:pt>
+    <dgm:pt modelId="{9C97ECFE-35CB-4952-AA99-AABD5BBDF8F7}" type="pres">
+      <dgm:prSet presAssocID="{322F58AD-DE9A-4B44-9BA0-D689707D8FD4}" presName="LevelTwoTextNode" presStyleLbl="node4" presStyleIdx="21" presStyleCnt="25" custLinFactNeighborX="18692">
+        <dgm:presLayoutVars>
+          <dgm:chPref val="3"/>
+        </dgm:presLayoutVars>
+      </dgm:prSet>
+      <dgm:spPr/>
+    </dgm:pt>
+    <dgm:pt modelId="{F4A1B485-8D55-4B83-ADC5-922BB2DE367E}" type="pres">
+      <dgm:prSet presAssocID="{322F58AD-DE9A-4B44-9BA0-D689707D8FD4}" presName="level3hierChild" presStyleCnt="0"/>
+      <dgm:spPr/>
+    </dgm:pt>
+    <dgm:pt modelId="{F5B1B54B-C837-4500-B1F9-6B55EC063495}" type="pres">
+      <dgm:prSet presAssocID="{4E2FF37E-EF9E-4E13-A343-A28FDBF48B26}" presName="conn2-1" presStyleLbl="parChTrans1D4" presStyleIdx="22" presStyleCnt="25"/>
+      <dgm:spPr/>
+    </dgm:pt>
+    <dgm:pt modelId="{D842F95B-B05B-4DE0-B764-8E26B5379FF0}" type="pres">
+      <dgm:prSet presAssocID="{4E2FF37E-EF9E-4E13-A343-A28FDBF48B26}" presName="connTx" presStyleLbl="parChTrans1D4" presStyleIdx="22" presStyleCnt="25"/>
+      <dgm:spPr/>
+    </dgm:pt>
+    <dgm:pt modelId="{4E596BD4-DA7C-4D4A-8CF7-CADC167A2029}" type="pres">
+      <dgm:prSet presAssocID="{D81D785B-9DE7-4820-AFB6-E6C98C246EFC}" presName="root2" presStyleCnt="0"/>
+      <dgm:spPr/>
+    </dgm:pt>
+    <dgm:pt modelId="{D95C901E-1098-4296-B1C0-A32F05673786}" type="pres">
+      <dgm:prSet presAssocID="{D81D785B-9DE7-4820-AFB6-E6C98C246EFC}" presName="LevelTwoTextNode" presStyleLbl="node4" presStyleIdx="22" presStyleCnt="25" custScaleX="106969">
+        <dgm:presLayoutVars>
+          <dgm:chPref val="3"/>
+        </dgm:presLayoutVars>
+      </dgm:prSet>
+      <dgm:spPr/>
+    </dgm:pt>
+    <dgm:pt modelId="{4EAB2BC0-F83A-4A62-B7D8-59143933720A}" type="pres">
+      <dgm:prSet presAssocID="{D81D785B-9DE7-4820-AFB6-E6C98C246EFC}" presName="level3hierChild" presStyleCnt="0"/>
+      <dgm:spPr/>
+    </dgm:pt>
     <dgm:pt modelId="{C4C9488E-7BE6-4FC9-9B22-FCEA0EF43662}" type="pres">
-      <dgm:prSet presAssocID="{CADCD632-196A-4857-843B-D027D5E1C826}" presName="conn2-1" presStyleLbl="parChTrans1D4" presStyleIdx="18" presStyleCnt="20"/>
+      <dgm:prSet presAssocID="{CADCD632-196A-4857-843B-D027D5E1C826}" presName="conn2-1" presStyleLbl="parChTrans1D4" presStyleIdx="23" presStyleCnt="25"/>
       <dgm:spPr/>
       <dgm:t>
         <a:bodyPr/>
@@ -3670,7 +3993,7 @@
       </dgm:t>
     </dgm:pt>
     <dgm:pt modelId="{8326D004-29DB-4CCB-873E-728791BF390D}" type="pres">
-      <dgm:prSet presAssocID="{CADCD632-196A-4857-843B-D027D5E1C826}" presName="connTx" presStyleLbl="parChTrans1D4" presStyleIdx="18" presStyleCnt="20"/>
+      <dgm:prSet presAssocID="{CADCD632-196A-4857-843B-D027D5E1C826}" presName="connTx" presStyleLbl="parChTrans1D4" presStyleIdx="23" presStyleCnt="25"/>
       <dgm:spPr/>
       <dgm:t>
         <a:bodyPr/>
@@ -3692,7 +4015,7 @@
       </dgm:t>
     </dgm:pt>
     <dgm:pt modelId="{536E7EEE-AE26-4F15-B7DF-40567D90432E}" type="pres">
-      <dgm:prSet presAssocID="{25AB21D2-ED78-4C5E-B945-4D2D0E9CFB55}" presName="LevelTwoTextNode" presStyleLbl="node4" presStyleIdx="18" presStyleCnt="20">
+      <dgm:prSet presAssocID="{25AB21D2-ED78-4C5E-B945-4D2D0E9CFB55}" presName="LevelTwoTextNode" presStyleLbl="node4" presStyleIdx="23" presStyleCnt="25">
         <dgm:presLayoutVars>
           <dgm:chPref val="3"/>
         </dgm:presLayoutVars>
@@ -3718,7 +4041,7 @@
       </dgm:t>
     </dgm:pt>
     <dgm:pt modelId="{FDF87123-BEAA-4C8C-BE86-B5F423001575}" type="pres">
-      <dgm:prSet presAssocID="{2C5D07FC-2E11-4C25-B11B-D468629BAEA7}" presName="conn2-1" presStyleLbl="parChTrans1D4" presStyleIdx="19" presStyleCnt="20"/>
+      <dgm:prSet presAssocID="{2C5D07FC-2E11-4C25-B11B-D468629BAEA7}" presName="conn2-1" presStyleLbl="parChTrans1D4" presStyleIdx="24" presStyleCnt="25"/>
       <dgm:spPr/>
       <dgm:t>
         <a:bodyPr/>
@@ -3729,7 +4052,7 @@
       </dgm:t>
     </dgm:pt>
     <dgm:pt modelId="{D2297108-BBF1-4A06-A0FE-E40031175864}" type="pres">
-      <dgm:prSet presAssocID="{2C5D07FC-2E11-4C25-B11B-D468629BAEA7}" presName="connTx" presStyleLbl="parChTrans1D4" presStyleIdx="19" presStyleCnt="20"/>
+      <dgm:prSet presAssocID="{2C5D07FC-2E11-4C25-B11B-D468629BAEA7}" presName="connTx" presStyleLbl="parChTrans1D4" presStyleIdx="24" presStyleCnt="25"/>
       <dgm:spPr/>
       <dgm:t>
         <a:bodyPr/>
@@ -3751,7 +4074,7 @@
       </dgm:t>
     </dgm:pt>
     <dgm:pt modelId="{ADC4EBE8-08E2-4FE3-8945-6660CEF6994F}" type="pres">
-      <dgm:prSet presAssocID="{24A460EE-1CA7-428D-8C6C-3007FD1B450B}" presName="LevelTwoTextNode" presStyleLbl="node4" presStyleIdx="19" presStyleCnt="20">
+      <dgm:prSet presAssocID="{24A460EE-1CA7-428D-8C6C-3007FD1B450B}" presName="LevelTwoTextNode" presStyleLbl="node4" presStyleIdx="24" presStyleCnt="25">
         <dgm:presLayoutVars>
           <dgm:chPref val="3"/>
         </dgm:presLayoutVars>
@@ -3778,125 +4101,145 @@
     </dgm:pt>
   </dgm:ptLst>
   <dgm:cxnLst>
+    <dgm:cxn modelId="{1178D50F-366F-4EE7-A7CE-B9E360FA6C9F}" type="presOf" srcId="{DEA1A0C5-BE8D-4B82-B1D8-B4B9DCF4CE1A}" destId="{48AB6F3C-59DC-47D0-9C0E-C348A271EF25}" srcOrd="1" destOrd="0" presId="urn:microsoft.com/office/officeart/2008/layout/HorizontalMultiLevelHierarchy"/>
+    <dgm:cxn modelId="{526A87B8-F805-4B7F-A775-8A23A54430AE}" type="presOf" srcId="{051E6169-5FA5-4711-8079-FA56C87AB900}" destId="{26A1B052-FF5B-4D0A-80E9-1DA688CD3D7D}" srcOrd="1" destOrd="0" presId="urn:microsoft.com/office/officeart/2008/layout/HorizontalMultiLevelHierarchy"/>
+    <dgm:cxn modelId="{530A820A-DE70-431E-A20B-7969DD8DB6DC}" type="presOf" srcId="{30687554-7B6A-4E42-B0D8-856A3E451C97}" destId="{F61ED2EA-3DCB-4BDF-974A-6D38D5B018AB}" srcOrd="0" destOrd="0" presId="urn:microsoft.com/office/officeart/2008/layout/HorizontalMultiLevelHierarchy"/>
+    <dgm:cxn modelId="{CDE04894-FA14-456A-9C2E-A165AF55133B}" type="presOf" srcId="{DB9EFE37-A36C-430A-8B47-88C287516F23}" destId="{81ADFB7C-14D3-491D-A8C3-619A082EA693}" srcOrd="1" destOrd="0" presId="urn:microsoft.com/office/officeart/2008/layout/HorizontalMultiLevelHierarchy"/>
+    <dgm:cxn modelId="{490CFF5B-BAB5-4C69-927D-552C39D31FC1}" type="presOf" srcId="{C1B80BE7-4DEE-497B-98D2-5A6920F4FB8E}" destId="{7A687C9C-1CE1-4FCD-8F95-CDF2CE96AF7A}" srcOrd="0" destOrd="0" presId="urn:microsoft.com/office/officeart/2008/layout/HorizontalMultiLevelHierarchy"/>
+    <dgm:cxn modelId="{84F7ABB7-B9EE-413A-85B7-72E4F7CBAFE2}" type="presOf" srcId="{34FEF89F-3256-4364-AB80-02C4079D03DE}" destId="{17D366BE-804F-4EB3-932C-7E922AA72C97}" srcOrd="0" destOrd="0" presId="urn:microsoft.com/office/officeart/2008/layout/HorizontalMultiLevelHierarchy"/>
+    <dgm:cxn modelId="{6F9468CD-6492-408D-9163-16E80F613DD4}" srcId="{D8F92CDA-A645-45E2-B5DE-6A3BACB6C859}" destId="{9A727AB6-4DAD-40D1-AFE1-8312D97F8394}" srcOrd="2" destOrd="0" parTransId="{03A1827D-0486-453D-8D6D-022439E5BEB5}" sibTransId="{5844ED66-CD55-407C-94D2-DAB670402374}"/>
+    <dgm:cxn modelId="{0EED5EAD-78F8-45FD-81BD-8E983C727040}" type="presOf" srcId="{26479144-D9B7-4B50-8D7C-51FE0917EA76}" destId="{E8B9E04F-8911-439D-A990-57E0C8BD86F4}" srcOrd="0" destOrd="0" presId="urn:microsoft.com/office/officeart/2008/layout/HorizontalMultiLevelHierarchy"/>
+    <dgm:cxn modelId="{5012F5CF-617A-4B7C-9750-407CE29B9699}" type="presOf" srcId="{CADCD632-196A-4857-843B-D027D5E1C826}" destId="{C4C9488E-7BE6-4FC9-9B22-FCEA0EF43662}" srcOrd="0" destOrd="0" presId="urn:microsoft.com/office/officeart/2008/layout/HorizontalMultiLevelHierarchy"/>
+    <dgm:cxn modelId="{4A84C0BD-AA51-483C-91BE-6B9C1567A259}" srcId="{406A186A-33BC-4105-8835-7C5D35980A40}" destId="{8DC7735B-9A6C-431C-92AA-042288E1B6AF}" srcOrd="0" destOrd="0" parTransId="{62B13B07-F327-4E52-AE5C-A801CC6497E5}" sibTransId="{D54DEC93-19CD-4835-857E-9EABBFDAD2C8}"/>
+    <dgm:cxn modelId="{C5533B9D-7ADC-4314-82C1-C4841A3B2538}" type="presOf" srcId="{03A1827D-0486-453D-8D6D-022439E5BEB5}" destId="{3F497CFA-6478-4309-8C27-A4BBA02D3D1D}" srcOrd="0" destOrd="0" presId="urn:microsoft.com/office/officeart/2008/layout/HorizontalMultiLevelHierarchy"/>
+    <dgm:cxn modelId="{1157782D-72F3-4195-AD17-A5E78211D43F}" srcId="{5E4A91D4-2366-4C60-BB3D-496C11657DC0}" destId="{9EEBD96E-C508-492D-AC9A-9F1A3119B996}" srcOrd="2" destOrd="0" parTransId="{A26C579B-D9A2-440D-B584-E528FA053B0A}" sibTransId="{0ACEC970-6B1A-4116-B74C-21C45883D78D}"/>
+    <dgm:cxn modelId="{023D50EC-9B26-4D30-9607-1DC34E9B762C}" srcId="{C1B80BE7-4DEE-497B-98D2-5A6920F4FB8E}" destId="{537D9D52-BB4C-4295-A6FC-1F3EE30F7C8A}" srcOrd="2" destOrd="0" parTransId="{051E6169-5FA5-4711-8079-FA56C87AB900}" sibTransId="{F0E984BC-DC53-47EA-8DC0-9C6E7F46139F}"/>
+    <dgm:cxn modelId="{CDA67E71-DC84-468A-9445-016A1BB1DE0B}" type="presOf" srcId="{4380BD8A-95E9-4652-8A89-911FA9702253}" destId="{CD836FDF-C536-42DD-9BC4-B637DEB11ABF}" srcOrd="1" destOrd="0" presId="urn:microsoft.com/office/officeart/2008/layout/HorizontalMultiLevelHierarchy"/>
+    <dgm:cxn modelId="{68D12645-EC3F-4459-918E-5085FBF8BE5F}" type="presOf" srcId="{34586700-4346-4804-BF1C-747D3EC8A904}" destId="{2B938EF2-BE37-4FC8-BFD3-6256540813BC}" srcOrd="0" destOrd="0" presId="urn:microsoft.com/office/officeart/2008/layout/HorizontalMultiLevelHierarchy"/>
+    <dgm:cxn modelId="{66A27823-B98C-444C-83B7-BCEF6D394B58}" srcId="{DF616C12-DFC6-40E5-BC46-E77E630699CC}" destId="{D8F92CDA-A645-45E2-B5DE-6A3BACB6C859}" srcOrd="0" destOrd="0" parTransId="{06A209AF-5EAF-4020-86BC-5E53C0A8567F}" sibTransId="{CAE32902-6313-4DE9-8D9B-B0BC18644EB0}"/>
+    <dgm:cxn modelId="{0D3D2457-E634-41C0-AE20-C5FAFC283B3B}" type="presOf" srcId="{DE9229B0-83CB-4AFE-B09E-2D25B676FB5D}" destId="{2293E997-8A42-4DE4-AFF5-CE2F2C46F300}" srcOrd="0" destOrd="0" presId="urn:microsoft.com/office/officeart/2008/layout/HorizontalMultiLevelHierarchy"/>
+    <dgm:cxn modelId="{8D509E34-F004-4A2F-8ABB-7C054D2FA32F}" type="presOf" srcId="{DC5215DC-63FE-4AB9-A5CA-19C1598E79BB}" destId="{C766337D-55E3-4319-A86A-D68705C17A30}" srcOrd="1" destOrd="0" presId="urn:microsoft.com/office/officeart/2008/layout/HorizontalMultiLevelHierarchy"/>
+    <dgm:cxn modelId="{F38319B7-1EF9-4C34-AC48-2A3F7D507909}" type="presOf" srcId="{34FEF89F-3256-4364-AB80-02C4079D03DE}" destId="{E6F6B072-371D-4957-ABC0-3B2C22D27DBF}" srcOrd="1" destOrd="0" presId="urn:microsoft.com/office/officeart/2008/layout/HorizontalMultiLevelHierarchy"/>
+    <dgm:cxn modelId="{861347DE-8DA3-447A-B870-2475671C6DA5}" srcId="{8DC7735B-9A6C-431C-92AA-042288E1B6AF}" destId="{9DF11BE9-0A90-4730-8388-20A441D98114}" srcOrd="1" destOrd="0" parTransId="{30687554-7B6A-4E42-B0D8-856A3E451C97}" sibTransId="{1142F7F2-C909-43CF-9BAF-0A9A0B91749C}"/>
+    <dgm:cxn modelId="{974BDEA0-3B95-48CE-9DCD-A280B7CD9533}" type="presOf" srcId="{03A1827D-0486-453D-8D6D-022439E5BEB5}" destId="{CBA4048E-18F5-45D0-B12C-301AA641B044}" srcOrd="1" destOrd="0" presId="urn:microsoft.com/office/officeart/2008/layout/HorizontalMultiLevelHierarchy"/>
+    <dgm:cxn modelId="{6FA7A831-01D9-4D43-959E-0EFE42468E38}" type="presOf" srcId="{FEB48055-1C34-422E-8C99-E4A7B59A7524}" destId="{BCF6B846-BCE0-4A36-AB58-F37D855BACB3}" srcOrd="0" destOrd="0" presId="urn:microsoft.com/office/officeart/2008/layout/HorizontalMultiLevelHierarchy"/>
+    <dgm:cxn modelId="{A7A1A0FA-1DE5-46FF-82D3-6B555E4B56AF}" type="presOf" srcId="{4E2FF37E-EF9E-4E13-A343-A28FDBF48B26}" destId="{F5B1B54B-C837-4500-B1F9-6B55EC063495}" srcOrd="0" destOrd="0" presId="urn:microsoft.com/office/officeart/2008/layout/HorizontalMultiLevelHierarchy"/>
+    <dgm:cxn modelId="{D5342207-BB6B-4D26-A140-7DB4DA7936DA}" type="presOf" srcId="{49D92B24-F087-4E31-A4F6-E7772D5AF36E}" destId="{E0BC23FD-A123-4F6F-B29F-B1B1A8DCFCAA}" srcOrd="0" destOrd="0" presId="urn:microsoft.com/office/officeart/2008/layout/HorizontalMultiLevelHierarchy"/>
     <dgm:cxn modelId="{E6CBB6B7-198A-498A-B69E-9521D473AA03}" type="presOf" srcId="{406A186A-33BC-4105-8835-7C5D35980A40}" destId="{7DD80175-2396-4084-9B4F-06D9AFA69696}" srcOrd="0" destOrd="0" presId="urn:microsoft.com/office/officeart/2008/layout/HorizontalMultiLevelHierarchy"/>
+    <dgm:cxn modelId="{806AAB25-7D31-422C-9950-4C135CED6002}" type="presOf" srcId="{CADCD632-196A-4857-843B-D027D5E1C826}" destId="{8326D004-29DB-4CCB-873E-728791BF390D}" srcOrd="1" destOrd="0" presId="urn:microsoft.com/office/officeart/2008/layout/HorizontalMultiLevelHierarchy"/>
+    <dgm:cxn modelId="{8E3CCA70-54B5-4D78-9A0F-E19E92F93E1B}" type="presOf" srcId="{30687554-7B6A-4E42-B0D8-856A3E451C97}" destId="{B46CE3C4-D8FC-4818-B7F0-507EA6A00C10}" srcOrd="1" destOrd="0" presId="urn:microsoft.com/office/officeart/2008/layout/HorizontalMultiLevelHierarchy"/>
+    <dgm:cxn modelId="{2299056C-FD09-4A24-90CE-E73DA03C00F7}" type="presOf" srcId="{FEB48055-1C34-422E-8C99-E4A7B59A7524}" destId="{6F3D5773-510D-44D2-9A00-874B9AD6C990}" srcOrd="1" destOrd="0" presId="urn:microsoft.com/office/officeart/2008/layout/HorizontalMultiLevelHierarchy"/>
+    <dgm:cxn modelId="{53404176-D94B-4222-9B06-05B20F95C1C7}" type="presOf" srcId="{88164397-DBD8-4D72-B38B-DE4BF4031B5D}" destId="{A8FC37A2-9B31-4489-B0A8-9E802EBAF3A0}" srcOrd="0" destOrd="0" presId="urn:microsoft.com/office/officeart/2008/layout/HorizontalMultiLevelHierarchy"/>
+    <dgm:cxn modelId="{438395A3-1BBC-41BE-8DF4-FA798EC10617}" srcId="{406A186A-33BC-4105-8835-7C5D35980A40}" destId="{75A5C761-B220-40FF-A8F1-BDF368427E79}" srcOrd="1" destOrd="0" parTransId="{997BBB56-0F09-47A1-9EDD-84E73DDCE053}" sibTransId="{17539A32-5ED5-47FE-9297-91D5384600FE}"/>
+    <dgm:cxn modelId="{CE4C7B90-573C-4ED1-9F8C-B613EC48112D}" type="presOf" srcId="{9ACA9546-4CA0-4D0D-A122-ADEA92156DDA}" destId="{843E92B2-B1C5-4679-9F13-92AE67F50E4B}" srcOrd="0" destOrd="0" presId="urn:microsoft.com/office/officeart/2008/layout/HorizontalMultiLevelHierarchy"/>
+    <dgm:cxn modelId="{BF324ABA-3FCD-41A9-BB43-53D6623CB4DC}" type="presOf" srcId="{75A5C761-B220-40FF-A8F1-BDF368427E79}" destId="{EFF0FDCC-9734-4C94-840C-8D241B8150A8}" srcOrd="0" destOrd="0" presId="urn:microsoft.com/office/officeart/2008/layout/HorizontalMultiLevelHierarchy"/>
+    <dgm:cxn modelId="{AA80B6A2-2F14-41E8-A0D8-A927BF2C96C3}" type="presOf" srcId="{BF2ECC47-8959-4178-94DF-C185E2DEE5DE}" destId="{B1B95A7D-A80C-4A8C-B5CC-608F51433E24}" srcOrd="0" destOrd="0" presId="urn:microsoft.com/office/officeart/2008/layout/HorizontalMultiLevelHierarchy"/>
+    <dgm:cxn modelId="{4556C305-87F7-4794-952A-321EE7D7C618}" type="presOf" srcId="{28B1DEF3-FA5E-434F-985A-593161F70089}" destId="{6C6D8E9D-7873-4EE3-A7C8-467DB1B38886}" srcOrd="0" destOrd="0" presId="urn:microsoft.com/office/officeart/2008/layout/HorizontalMultiLevelHierarchy"/>
+    <dgm:cxn modelId="{D4AF9259-4EBF-43D7-A890-0AB4B524BFA6}" type="presOf" srcId="{997BBB56-0F09-47A1-9EDD-84E73DDCE053}" destId="{416BF9B8-9B9E-4EDB-8EEE-AD34B69DF4A3}" srcOrd="1" destOrd="0" presId="urn:microsoft.com/office/officeart/2008/layout/HorizontalMultiLevelHierarchy"/>
+    <dgm:cxn modelId="{B212622B-E89A-410E-8DF2-21E1F16489BB}" srcId="{2BA398DC-44B5-4B11-A724-B73E05D7E9DF}" destId="{B744A046-4A74-4240-94C0-E4572C4E9202}" srcOrd="1" destOrd="0" parTransId="{FD783284-7709-4153-940E-9DD9E029E02A}" sibTransId="{988DCDD5-55C3-4C36-A62E-F8E1AF47FEF8}"/>
+    <dgm:cxn modelId="{312BB93A-87FC-4048-9E42-1B35BB662708}" type="presOf" srcId="{9A485257-A8D6-4397-BEDE-96D5D67A5BD8}" destId="{564E8B54-811C-4F63-8549-390678EFB2EA}" srcOrd="1" destOrd="0" presId="urn:microsoft.com/office/officeart/2008/layout/HorizontalMultiLevelHierarchy"/>
+    <dgm:cxn modelId="{E309E34A-2541-4093-AE96-D08C67BBA9F2}" type="presOf" srcId="{49D92B24-F087-4E31-A4F6-E7772D5AF36E}" destId="{2D6B1399-BFF2-49EA-9491-3E6335B75829}" srcOrd="1" destOrd="0" presId="urn:microsoft.com/office/officeart/2008/layout/HorizontalMultiLevelHierarchy"/>
+    <dgm:cxn modelId="{598D3D67-BC1B-443E-9833-8ACCA111D016}" type="presOf" srcId="{BD7D0AF9-68FE-4C26-A056-56C45A6F6BF0}" destId="{F3F472E3-5157-4A9E-B0CD-16FF248F6E0E}" srcOrd="0" destOrd="0" presId="urn:microsoft.com/office/officeart/2008/layout/HorizontalMultiLevelHierarchy"/>
+    <dgm:cxn modelId="{A2688F4C-A1C7-4151-B150-F8CDFD3DE9B6}" type="presOf" srcId="{760883ED-A9BB-405E-8F20-AFD9CCB96229}" destId="{3CE5715A-B463-4312-A59B-740DC19BA68B}" srcOrd="0" destOrd="0" presId="urn:microsoft.com/office/officeart/2008/layout/HorizontalMultiLevelHierarchy"/>
+    <dgm:cxn modelId="{E81FAA6C-D968-4DA0-984D-000F8B6D8402}" type="presOf" srcId="{24A460EE-1CA7-428D-8C6C-3007FD1B450B}" destId="{ADC4EBE8-08E2-4FE3-8945-6660CEF6994F}" srcOrd="0" destOrd="0" presId="urn:microsoft.com/office/officeart/2008/layout/HorizontalMultiLevelHierarchy"/>
+    <dgm:cxn modelId="{22040BE2-9A41-4EF8-BBE6-0F3D3582F3C1}" type="presOf" srcId="{DB9EFE37-A36C-430A-8B47-88C287516F23}" destId="{1C218697-7FEC-442C-BEAC-861EDBA1EE26}" srcOrd="0" destOrd="0" presId="urn:microsoft.com/office/officeart/2008/layout/HorizontalMultiLevelHierarchy"/>
+    <dgm:cxn modelId="{680F2C41-4AC9-43F5-A200-1525B08A5C20}" type="presOf" srcId="{2CFC024F-40D5-4978-B0D2-5F1E40D4091C}" destId="{1297A119-EB00-45FB-9E4C-7081D9FC3578}" srcOrd="0" destOrd="0" presId="urn:microsoft.com/office/officeart/2008/layout/HorizontalMultiLevelHierarchy"/>
+    <dgm:cxn modelId="{5C6F1EB7-FC88-40C1-93A7-33335865B239}" srcId="{09A61BE4-FBF2-4678-871E-03F8CFC0E905}" destId="{BD7D0AF9-68FE-4C26-A056-56C45A6F6BF0}" srcOrd="1" destOrd="0" parTransId="{A09624DF-DDC3-4005-AE6C-949C55F3D201}" sibTransId="{BA0B6355-B7B9-4035-B438-19C3E653E713}"/>
+    <dgm:cxn modelId="{9411AB8C-A928-4131-B0CC-5476637200AD}" srcId="{D8F92CDA-A645-45E2-B5DE-6A3BACB6C859}" destId="{2B18F95E-9338-43E9-A54D-7EB8F97F82C3}" srcOrd="1" destOrd="0" parTransId="{4380BD8A-95E9-4652-8A89-911FA9702253}" sibTransId="{2F9720C6-D07B-48D4-9DBA-4DC4417D4471}"/>
+    <dgm:cxn modelId="{F8360B02-CBE4-46B8-B678-61781A65F5FF}" type="presOf" srcId="{0B9BCD10-1EF6-4B84-A607-3FE578E09CF8}" destId="{A20128AE-AD89-4CEA-9148-E73F5681A2EE}" srcOrd="0" destOrd="0" presId="urn:microsoft.com/office/officeart/2008/layout/HorizontalMultiLevelHierarchy"/>
+    <dgm:cxn modelId="{E151C243-1DC3-4E19-9B74-B6879CFBBE57}" srcId="{2B18F95E-9338-43E9-A54D-7EB8F97F82C3}" destId="{8541E672-E0DC-4CA9-8C48-07F04E1AC87D}" srcOrd="1" destOrd="0" parTransId="{8CF6DB56-390F-448F-B8AD-AD66A9D9BF25}" sibTransId="{F472336C-F528-446B-BC65-FFF55677C318}"/>
+    <dgm:cxn modelId="{1E8C2C99-6FE9-4910-BF70-446748759C8D}" srcId="{8DC7735B-9A6C-431C-92AA-042288E1B6AF}" destId="{DE9229B0-83CB-4AFE-B09E-2D25B676FB5D}" srcOrd="0" destOrd="0" parTransId="{DEA1A0C5-BE8D-4B82-B1D8-B4B9DCF4CE1A}" sibTransId="{2F5473A1-4FE3-4875-907C-12B17C85165B}"/>
+    <dgm:cxn modelId="{237AC8DC-2CD1-4575-B3A9-2C5D42DAEF1A}" type="presOf" srcId="{9A485257-A8D6-4397-BEDE-96D5D67A5BD8}" destId="{51ABB488-7F6B-4F15-BF1E-13957DECDEA0}" srcOrd="0" destOrd="0" presId="urn:microsoft.com/office/officeart/2008/layout/HorizontalMultiLevelHierarchy"/>
+    <dgm:cxn modelId="{F342924C-89D7-4CE0-B55E-1988852B0259}" type="presOf" srcId="{62B13B07-F327-4E52-AE5C-A801CC6497E5}" destId="{5538A203-67B7-43B0-B95B-E0940F75E978}" srcOrd="1" destOrd="0" presId="urn:microsoft.com/office/officeart/2008/layout/HorizontalMultiLevelHierarchy"/>
+    <dgm:cxn modelId="{D489B8BF-B8CA-4BB6-A416-E6DD54D36BC7}" type="presOf" srcId="{B585FA61-ABCC-4C00-904E-F590963CA53E}" destId="{1E06D912-FF04-489C-8B3E-C635F21EF1DC}" srcOrd="1" destOrd="0" presId="urn:microsoft.com/office/officeart/2008/layout/HorizontalMultiLevelHierarchy"/>
+    <dgm:cxn modelId="{08516F75-D767-448D-8BE2-626EAD79AE1A}" srcId="{B9FBD615-B794-4D86-840E-D8BA2BA2AF71}" destId="{2BA398DC-44B5-4B11-A724-B73E05D7E9DF}" srcOrd="1" destOrd="0" parTransId="{59511E4B-8EFD-40C1-8769-41EC8A3006F1}" sibTransId="{DEAC2088-FA27-458D-B266-ECB1AFB7A26A}"/>
+    <dgm:cxn modelId="{C442590F-3BD0-46D2-BCEC-84DD05E75446}" type="presOf" srcId="{F40FF744-1F56-479B-AA89-A0EF61A8890A}" destId="{BEF9F8C4-0E1E-499B-85B7-D8C2527B7D6A}" srcOrd="1" destOrd="0" presId="urn:microsoft.com/office/officeart/2008/layout/HorizontalMultiLevelHierarchy"/>
+    <dgm:cxn modelId="{FC830A7B-C3B9-41A0-8361-BEC45EF72205}" type="presOf" srcId="{DC5215DC-63FE-4AB9-A5CA-19C1598E79BB}" destId="{6E28F844-322A-4B11-9FD3-C3F3F369B4BB}" srcOrd="0" destOrd="0" presId="urn:microsoft.com/office/officeart/2008/layout/HorizontalMultiLevelHierarchy"/>
+    <dgm:cxn modelId="{72D747E2-7A24-4507-90CE-D56B28D36106}" type="presOf" srcId="{62B13B07-F327-4E52-AE5C-A801CC6497E5}" destId="{9D957ECC-C536-4171-9E3F-ADA463C520DE}" srcOrd="0" destOrd="0" presId="urn:microsoft.com/office/officeart/2008/layout/HorizontalMultiLevelHierarchy"/>
+    <dgm:cxn modelId="{8C669E8E-F3A6-46C2-9FEA-5A6D35E93BBB}" type="presOf" srcId="{B376DC1C-1A4D-4446-88F6-4DFB0AAC6190}" destId="{EEA2D9E6-5C3F-47D0-A681-0364417D24E2}" srcOrd="0" destOrd="0" presId="urn:microsoft.com/office/officeart/2008/layout/HorizontalMultiLevelHierarchy"/>
+    <dgm:cxn modelId="{66959252-2C68-4B96-B3F0-E71A2075B1F2}" type="presOf" srcId="{051E6169-5FA5-4711-8079-FA56C87AB900}" destId="{0F4448C4-16D0-412B-B97C-B3EE8C574400}" srcOrd="0" destOrd="0" presId="urn:microsoft.com/office/officeart/2008/layout/HorizontalMultiLevelHierarchy"/>
+    <dgm:cxn modelId="{4A327383-9EF4-4480-9723-6CAC144F5A6D}" srcId="{1B24B018-AD53-4723-9DBC-CD780D3AF7E6}" destId="{88164397-DBD8-4D72-B38B-DE4BF4031B5D}" srcOrd="1" destOrd="0" parTransId="{9A871F26-74E8-4736-985B-EF3BB73DFE34}" sibTransId="{5F96EB68-5BC5-44B9-AAB1-96E5B35432F1}"/>
     <dgm:cxn modelId="{A1BDC95B-12A9-4905-9501-78D18A4F3124}" type="presOf" srcId="{0A69AB74-1AD1-4AE0-92DB-B767AF2EA9BB}" destId="{F5AEC9DD-8EC1-4C4F-AF6D-C8CF1FEBEDBD}" srcOrd="1" destOrd="0" presId="urn:microsoft.com/office/officeart/2008/layout/HorizontalMultiLevelHierarchy"/>
-    <dgm:cxn modelId="{526A87B8-F805-4B7F-A775-8A23A54430AE}" type="presOf" srcId="{051E6169-5FA5-4711-8079-FA56C87AB900}" destId="{26A1B052-FF5B-4D0A-80E9-1DA688CD3D7D}" srcOrd="1" destOrd="0" presId="urn:microsoft.com/office/officeart/2008/layout/HorizontalMultiLevelHierarchy"/>
+    <dgm:cxn modelId="{7EDA0548-677A-4CD0-8D99-6495D41E8385}" type="presOf" srcId="{34586700-4346-4804-BF1C-747D3EC8A904}" destId="{FCBB2CBA-CAD5-4A99-91DC-CC9D1C91FDCC}" srcOrd="1" destOrd="0" presId="urn:microsoft.com/office/officeart/2008/layout/HorizontalMultiLevelHierarchy"/>
+    <dgm:cxn modelId="{4C1E32DE-6B41-4949-ABB2-3067568C366A}" srcId="{5E4A91D4-2366-4C60-BB3D-496C11657DC0}" destId="{3AD458C6-8419-4D84-9762-23D8C70DAE66}" srcOrd="0" destOrd="0" parTransId="{28B1DEF3-FA5E-434F-985A-593161F70089}" sibTransId="{A88E28B4-7BB8-4343-8CB3-F71BAF5EB0BF}"/>
+    <dgm:cxn modelId="{AAF8CD24-7028-490D-B031-DDA1A1D8FB46}" type="presOf" srcId="{F40FF744-1F56-479B-AA89-A0EF61A8890A}" destId="{7137EB5A-E346-4115-9F66-B74C3542748E}" srcOrd="0" destOrd="0" presId="urn:microsoft.com/office/officeart/2008/layout/HorizontalMultiLevelHierarchy"/>
     <dgm:cxn modelId="{E276D944-319D-4490-B8A6-6AAAAC46A42F}" type="presOf" srcId="{9CE6119C-2BD8-4D82-857F-27695498162C}" destId="{713A720F-F6BF-407E-86B7-8CE4A23E47B5}" srcOrd="1" destOrd="0" presId="urn:microsoft.com/office/officeart/2008/layout/HorizontalMultiLevelHierarchy"/>
-    <dgm:cxn modelId="{237AC8DC-2CD1-4575-B3A9-2C5D42DAEF1A}" type="presOf" srcId="{9A485257-A8D6-4397-BEDE-96D5D67A5BD8}" destId="{51ABB488-7F6B-4F15-BF1E-13957DECDEA0}" srcOrd="0" destOrd="0" presId="urn:microsoft.com/office/officeart/2008/layout/HorizontalMultiLevelHierarchy"/>
-    <dgm:cxn modelId="{D4AF9259-4EBF-43D7-A890-0AB4B524BFA6}" type="presOf" srcId="{997BBB56-0F09-47A1-9EDD-84E73DDCE053}" destId="{416BF9B8-9B9E-4EDB-8EEE-AD34B69DF4A3}" srcOrd="1" destOrd="0" presId="urn:microsoft.com/office/officeart/2008/layout/HorizontalMultiLevelHierarchy"/>
+    <dgm:cxn modelId="{A360A27B-7A4F-4F5A-A8D8-10426122DD2A}" srcId="{9A727AB6-4DAD-40D1-AFE1-8312D97F8394}" destId="{0B9BCD10-1EF6-4B84-A607-3FE578E09CF8}" srcOrd="0" destOrd="0" parTransId="{9B1A2F7C-2450-441A-8E98-5590A0216C0F}" sibTransId="{89CD8B21-1F04-4F2E-8276-B6F6A8FDD728}"/>
+    <dgm:cxn modelId="{E0DF3A59-E14E-4C7A-830F-2F076F529C32}" type="presOf" srcId="{09A61BE4-FBF2-4678-871E-03F8CFC0E905}" destId="{14B6996B-15A7-4C3C-95B1-F4570CC1C169}" srcOrd="0" destOrd="0" presId="urn:microsoft.com/office/officeart/2008/layout/HorizontalMultiLevelHierarchy"/>
+    <dgm:cxn modelId="{E47B5DB3-DD92-4F5C-A4CD-438D32EFCF14}" srcId="{5E4A91D4-2366-4C60-BB3D-496C11657DC0}" destId="{1C1944A6-354A-4452-AC1A-3CB32B31AB4A}" srcOrd="1" destOrd="0" parTransId="{9A485257-A8D6-4397-BEDE-96D5D67A5BD8}" sibTransId="{741B0DB4-536A-4FA5-9A70-32EA3328B6E9}"/>
+    <dgm:cxn modelId="{7B045C63-B0BE-40DA-AB96-E730CCA09FC4}" srcId="{C1B80BE7-4DEE-497B-98D2-5A6920F4FB8E}" destId="{641F7873-2D89-4584-89E6-13C8B89C0D32}" srcOrd="0" destOrd="0" parTransId="{FEB48055-1C34-422E-8C99-E4A7B59A7524}" sibTransId="{96A2E5C7-2CF0-423F-BFE0-93FA06ED6F48}"/>
+    <dgm:cxn modelId="{3A1E4BCD-10FF-4F2E-A4C8-E8E4C32B521F}" type="presOf" srcId="{D03DBC73-9966-47D9-8ACA-08F2AE277311}" destId="{3C88D30A-236C-421C-8732-EB921582DAAC}" srcOrd="1" destOrd="0" presId="urn:microsoft.com/office/officeart/2008/layout/HorizontalMultiLevelHierarchy"/>
+    <dgm:cxn modelId="{32F6D06B-1387-40A9-98EB-275DC7610273}" type="presOf" srcId="{1C1944A6-354A-4452-AC1A-3CB32B31AB4A}" destId="{057661AD-CB3F-4EFF-A165-3CB41187F5B8}" srcOrd="0" destOrd="0" presId="urn:microsoft.com/office/officeart/2008/layout/HorizontalMultiLevelHierarchy"/>
+    <dgm:cxn modelId="{3BFFA573-B543-49A1-BB06-F45E87F54B2C}" type="presOf" srcId="{9A727AB6-4DAD-40D1-AFE1-8312D97F8394}" destId="{65D4BBB4-1790-4173-81B6-560190FD91AB}" srcOrd="0" destOrd="0" presId="urn:microsoft.com/office/officeart/2008/layout/HorizontalMultiLevelHierarchy"/>
+    <dgm:cxn modelId="{8FCFBD36-F133-40B3-AFF9-3C0FE09F7959}" srcId="{8DC7735B-9A6C-431C-92AA-042288E1B6AF}" destId="{2CFC024F-40D5-4978-B0D2-5F1E40D4091C}" srcOrd="2" destOrd="0" parTransId="{B585FA61-ABCC-4C00-904E-F590963CA53E}" sibTransId="{0F4A212E-DFC1-47F1-9D57-F1300933BA27}"/>
+    <dgm:cxn modelId="{33685DCB-1271-4436-B83A-651236C7B5A2}" type="presOf" srcId="{2D0898D9-1379-4C8B-848A-4DE9262983B4}" destId="{BFA8CB9D-9F1D-4CD9-9D73-5A458DABA331}" srcOrd="0" destOrd="0" presId="urn:microsoft.com/office/officeart/2008/layout/HorizontalMultiLevelHierarchy"/>
+    <dgm:cxn modelId="{3C6DBA84-9CDB-41B6-A6DB-26E1527305A5}" type="presOf" srcId="{9B1A2F7C-2450-441A-8E98-5590A0216C0F}" destId="{0EEB810B-6E8E-42CE-8965-1DA2530F1893}" srcOrd="1" destOrd="0" presId="urn:microsoft.com/office/officeart/2008/layout/HorizontalMultiLevelHierarchy"/>
+    <dgm:cxn modelId="{18178193-528B-483B-8C56-EC85A91D43B0}" srcId="{D6A6EF0D-3890-4564-B47F-BA7E2FFC336B}" destId="{322F58AD-DE9A-4B44-9BA0-D689707D8FD4}" srcOrd="1" destOrd="0" parTransId="{34FEF89F-3256-4364-AB80-02C4079D03DE}" sibTransId="{F418BD0F-7D67-4ABD-A1AE-C465AAE64CE7}"/>
+    <dgm:cxn modelId="{B055FE51-A5ED-44E7-B1D1-E6ED1C9605DC}" type="presOf" srcId="{5E4A91D4-2366-4C60-BB3D-496C11657DC0}" destId="{35ACB2AC-382A-4C97-A906-4B1EC627FF3B}" srcOrd="0" destOrd="0" presId="urn:microsoft.com/office/officeart/2008/layout/HorizontalMultiLevelHierarchy"/>
+    <dgm:cxn modelId="{B9DA3036-D7DD-49E9-9AD4-515E1CC3D168}" type="presOf" srcId="{92CA22EE-41F8-4C23-BA80-310383AE6AFD}" destId="{C8A74607-627B-4791-8B31-4BA4E02B4D7C}" srcOrd="0" destOrd="0" presId="urn:microsoft.com/office/officeart/2008/layout/HorizontalMultiLevelHierarchy"/>
+    <dgm:cxn modelId="{9EBBF0F9-BDED-4531-A1FA-CA878D37D00E}" type="presOf" srcId="{9EEBD96E-C508-492D-AC9A-9F1A3119B996}" destId="{5F45AA15-FBB3-4B44-8E68-EED9491C0D70}" srcOrd="0" destOrd="0" presId="urn:microsoft.com/office/officeart/2008/layout/HorizontalMultiLevelHierarchy"/>
+    <dgm:cxn modelId="{ACCDA6C4-902D-4C2D-8E77-21EB010A1276}" type="presOf" srcId="{537D9D52-BB4C-4295-A6FC-1F3EE30F7C8A}" destId="{C75D1124-C505-4361-BD55-C3934A33A542}" srcOrd="0" destOrd="0" presId="urn:microsoft.com/office/officeart/2008/layout/HorizontalMultiLevelHierarchy"/>
+    <dgm:cxn modelId="{6186CF23-8F98-46DB-98A7-F1A80F6273EE}" type="presOf" srcId="{1B24B018-AD53-4723-9DBC-CD780D3AF7E6}" destId="{1A4238F2-78DE-41D2-AD7D-244E70141D53}" srcOrd="0" destOrd="0" presId="urn:microsoft.com/office/officeart/2008/layout/HorizontalMultiLevelHierarchy"/>
+    <dgm:cxn modelId="{C0AD8CD7-D8F4-4B38-8A51-D889AD14A718}" type="presOf" srcId="{9DF11BE9-0A90-4730-8388-20A441D98114}" destId="{44701C57-D211-4D71-857F-299A0D735E28}" srcOrd="0" destOrd="0" presId="urn:microsoft.com/office/officeart/2008/layout/HorizontalMultiLevelHierarchy"/>
+    <dgm:cxn modelId="{3A37C727-8DD4-436B-8133-66237D514867}" type="presOf" srcId="{2BA398DC-44B5-4B11-A724-B73E05D7E9DF}" destId="{9DE0F9C2-8935-4BB2-9E9C-937F7C914306}" srcOrd="0" destOrd="0" presId="urn:microsoft.com/office/officeart/2008/layout/HorizontalMultiLevelHierarchy"/>
+    <dgm:cxn modelId="{4467E879-3E61-4991-8A6A-C5A1A63B49F4}" type="presOf" srcId="{3AD458C6-8419-4D84-9762-23D8C70DAE66}" destId="{F477F308-696E-4EBB-A389-B7BC50374169}" srcOrd="0" destOrd="0" presId="urn:microsoft.com/office/officeart/2008/layout/HorizontalMultiLevelHierarchy"/>
+    <dgm:cxn modelId="{5EE60A42-D6D6-41EE-9A84-AB1D0B1E8C4B}" type="presOf" srcId="{4E2FF37E-EF9E-4E13-A343-A28FDBF48B26}" destId="{D842F95B-B05B-4DE0-B764-8E26B5379FF0}" srcOrd="1" destOrd="0" presId="urn:microsoft.com/office/officeart/2008/layout/HorizontalMultiLevelHierarchy"/>
+    <dgm:cxn modelId="{CCFE51A7-D92E-4107-827A-C589150E9601}" type="presOf" srcId="{8DC7735B-9A6C-431C-92AA-042288E1B6AF}" destId="{D13E8E78-0981-47B7-B509-860D838BA781}" srcOrd="0" destOrd="0" presId="urn:microsoft.com/office/officeart/2008/layout/HorizontalMultiLevelHierarchy"/>
+    <dgm:cxn modelId="{2C415728-5E2E-461D-93B5-C65A85E264C7}" type="presOf" srcId="{A26C579B-D9A2-440D-B584-E528FA053B0A}" destId="{59AE2245-54FD-442F-826F-E34D3A5503D3}" srcOrd="0" destOrd="0" presId="urn:microsoft.com/office/officeart/2008/layout/HorizontalMultiLevelHierarchy"/>
+    <dgm:cxn modelId="{39410F08-B859-4A15-BE8D-9A9E537EC5E9}" type="presOf" srcId="{2B18F95E-9338-43E9-A54D-7EB8F97F82C3}" destId="{2FE9D669-7948-4A54-92D5-EFA1A86CD105}" srcOrd="0" destOrd="0" presId="urn:microsoft.com/office/officeart/2008/layout/HorizontalMultiLevelHierarchy"/>
+    <dgm:cxn modelId="{24938C9D-C44A-4D1C-9481-B6139A09BF54}" type="presOf" srcId="{322F58AD-DE9A-4B44-9BA0-D689707D8FD4}" destId="{9C97ECFE-35CB-4952-AA99-AABD5BBDF8F7}" srcOrd="0" destOrd="0" presId="urn:microsoft.com/office/officeart/2008/layout/HorizontalMultiLevelHierarchy"/>
+    <dgm:cxn modelId="{3AD09F63-CDA7-49A8-BDBC-BFDCDE193064}" type="presOf" srcId="{C971CB4A-ACE5-46F8-AE5B-3AFE92D0959D}" destId="{A53E1177-1715-4EBC-8FFF-D2B6BE4DA7DF}" srcOrd="0" destOrd="0" presId="urn:microsoft.com/office/officeart/2008/layout/HorizontalMultiLevelHierarchy"/>
+    <dgm:cxn modelId="{1CF98111-217C-433D-9ADE-F8163B5A11E3}" type="presOf" srcId="{BF2ECC47-8959-4178-94DF-C185E2DEE5DE}" destId="{D089DFB8-6D68-45D6-93AE-4D04E31DEDBD}" srcOrd="1" destOrd="0" presId="urn:microsoft.com/office/officeart/2008/layout/HorizontalMultiLevelHierarchy"/>
+    <dgm:cxn modelId="{B928830C-76B0-4413-A554-50384C624BF3}" srcId="{09A61BE4-FBF2-4678-871E-03F8CFC0E905}" destId="{9ACA9546-4CA0-4D0D-A122-ADEA92156DDA}" srcOrd="0" destOrd="0" parTransId="{B376DC1C-1A4D-4446-88F6-4DFB0AAC6190}" sibTransId="{6060A363-DEB2-4884-8F47-7BE2C926C8F8}"/>
+    <dgm:cxn modelId="{83A475B5-B300-4862-A56D-9C6BD455BC49}" type="presOf" srcId="{D81D785B-9DE7-4820-AFB6-E6C98C246EFC}" destId="{D95C901E-1098-4296-B1C0-A32F05673786}" srcOrd="0" destOrd="0" presId="urn:microsoft.com/office/officeart/2008/layout/HorizontalMultiLevelHierarchy"/>
     <dgm:cxn modelId="{03D82455-46C9-4A36-946C-50373B7E3126}" type="presOf" srcId="{A09624DF-DDC3-4005-AE6C-949C55F3D201}" destId="{F1112124-658A-4BB6-8E6A-682CC333D5E0}" srcOrd="1" destOrd="0" presId="urn:microsoft.com/office/officeart/2008/layout/HorizontalMultiLevelHierarchy"/>
-    <dgm:cxn modelId="{9411AB8C-A928-4131-B0CC-5476637200AD}" srcId="{D8F92CDA-A645-45E2-B5DE-6A3BACB6C859}" destId="{2B18F95E-9338-43E9-A54D-7EB8F97F82C3}" srcOrd="1" destOrd="0" parTransId="{4380BD8A-95E9-4652-8A89-911FA9702253}" sibTransId="{2F9720C6-D07B-48D4-9DBA-4DC4417D4471}"/>
-    <dgm:cxn modelId="{8C669E8E-F3A6-46C2-9FEA-5A6D35E93BBB}" type="presOf" srcId="{B376DC1C-1A4D-4446-88F6-4DFB0AAC6190}" destId="{EEA2D9E6-5C3F-47D0-A681-0364417D24E2}" srcOrd="0" destOrd="0" presId="urn:microsoft.com/office/officeart/2008/layout/HorizontalMultiLevelHierarchy"/>
+    <dgm:cxn modelId="{F6F53734-EA2A-43D5-B234-2DCAED7A8E5D}" type="presOf" srcId="{D8F92CDA-A645-45E2-B5DE-6A3BACB6C859}" destId="{67239EAB-1659-405F-9D37-5E8449D29F93}" srcOrd="0" destOrd="0" presId="urn:microsoft.com/office/officeart/2008/layout/HorizontalMultiLevelHierarchy"/>
+    <dgm:cxn modelId="{33CF75AD-8066-46D1-B95A-36C88CEACE7D}" type="presOf" srcId="{28B1DEF3-FA5E-434F-985A-593161F70089}" destId="{B10566F1-6764-4207-91A3-FAD8D64F1C28}" srcOrd="1" destOrd="0" presId="urn:microsoft.com/office/officeart/2008/layout/HorizontalMultiLevelHierarchy"/>
+    <dgm:cxn modelId="{ACE703CE-B203-41A5-A5BA-25025AEF9285}" srcId="{0B9BCD10-1EF6-4B84-A607-3FE578E09CF8}" destId="{24A460EE-1CA7-428D-8C6C-3007FD1B450B}" srcOrd="2" destOrd="0" parTransId="{2C5D07FC-2E11-4C25-B11B-D468629BAEA7}" sibTransId="{4DC157B1-ED9F-496C-B37F-F986FB92159F}"/>
+    <dgm:cxn modelId="{F762D2E4-68EB-4B2A-ADA2-ABD87ADC2F3E}" type="presOf" srcId="{B9FBD615-B794-4D86-840E-D8BA2BA2AF71}" destId="{71B02E8A-448E-4584-80E9-059B52DDB850}" srcOrd="0" destOrd="0" presId="urn:microsoft.com/office/officeart/2008/layout/HorizontalMultiLevelHierarchy"/>
+    <dgm:cxn modelId="{05D65667-9A85-4391-9AF5-961881DEEE5A}" type="presOf" srcId="{9CE6119C-2BD8-4D82-857F-27695498162C}" destId="{A3E99873-9A6B-448D-882B-6A1290124BE0}" srcOrd="0" destOrd="0" presId="urn:microsoft.com/office/officeart/2008/layout/HorizontalMultiLevelHierarchy"/>
+    <dgm:cxn modelId="{24EBC399-A533-4DD9-99A5-B26A1EF21F3F}" type="presOf" srcId="{FD783284-7709-4153-940E-9DD9E029E02A}" destId="{426AC0E4-BEF7-4521-B5BF-B55008593BD6}" srcOrd="1" destOrd="0" presId="urn:microsoft.com/office/officeart/2008/layout/HorizontalMultiLevelHierarchy"/>
+    <dgm:cxn modelId="{756D8C65-2479-46B8-A072-D2D3FAB7D43A}" type="presOf" srcId="{59511E4B-8EFD-40C1-8769-41EC8A3006F1}" destId="{54971FDB-F67F-4F3B-92B6-E77D3DFFDC8A}" srcOrd="0" destOrd="0" presId="urn:microsoft.com/office/officeart/2008/layout/HorizontalMultiLevelHierarchy"/>
+    <dgm:cxn modelId="{A9D5B926-42E6-4193-AE27-EE8D84ABA3B7}" srcId="{760883ED-A9BB-405E-8F20-AFD9CCB96229}" destId="{D81D785B-9DE7-4820-AFB6-E6C98C246EFC}" srcOrd="1" destOrd="0" parTransId="{4E2FF37E-EF9E-4E13-A343-A28FDBF48B26}" sibTransId="{89B4AE6E-7A37-4304-A076-D03A56D9A3D5}"/>
+    <dgm:cxn modelId="{2902542B-334F-4E04-A930-E271580E6ED4}" type="presOf" srcId="{8CF6DB56-390F-448F-B8AD-AD66A9D9BF25}" destId="{BCB0C310-6712-457C-83F4-AD90D18B30F1}" srcOrd="0" destOrd="0" presId="urn:microsoft.com/office/officeart/2008/layout/HorizontalMultiLevelHierarchy"/>
+    <dgm:cxn modelId="{57B8D45F-04CF-457A-A4ED-88E0106D1772}" type="presOf" srcId="{D03DBC73-9966-47D9-8ACA-08F2AE277311}" destId="{6FB29898-0152-4460-9FA2-C023B30AA889}" srcOrd="0" destOrd="0" presId="urn:microsoft.com/office/officeart/2008/layout/HorizontalMultiLevelHierarchy"/>
+    <dgm:cxn modelId="{9655C251-82EC-4546-B5C3-E7820580E64E}" type="presOf" srcId="{DF616C12-DFC6-40E5-BC46-E77E630699CC}" destId="{9F3D299C-912D-48E4-AE76-DBF8471D0058}" srcOrd="0" destOrd="0" presId="urn:microsoft.com/office/officeart/2008/layout/HorizontalMultiLevelHierarchy"/>
+    <dgm:cxn modelId="{9EB3195B-FD55-456B-860D-B59B230328CD}" type="presOf" srcId="{4380BD8A-95E9-4652-8A89-911FA9702253}" destId="{11CBC200-06F7-4DD2-9C34-18F45043F91F}" srcOrd="0" destOrd="0" presId="urn:microsoft.com/office/officeart/2008/layout/HorizontalMultiLevelHierarchy"/>
+    <dgm:cxn modelId="{BA98743E-B70A-430A-ABC8-50FF2FBFDE26}" type="presOf" srcId="{25AB21D2-ED78-4C5E-B945-4D2D0E9CFB55}" destId="{536E7EEE-AE26-4F15-B7DF-40567D90432E}" srcOrd="0" destOrd="0" presId="urn:microsoft.com/office/officeart/2008/layout/HorizontalMultiLevelHierarchy"/>
+    <dgm:cxn modelId="{C8128AF9-826D-4BA6-8EA1-07D8850B53E2}" srcId="{C1B80BE7-4DEE-497B-98D2-5A6920F4FB8E}" destId="{2D0898D9-1379-4C8B-848A-4DE9262983B4}" srcOrd="1" destOrd="0" parTransId="{9CE6119C-2BD8-4D82-857F-27695498162C}" sibTransId="{D4711AB0-E9D9-47E2-A8EB-1A377D29D6AB}"/>
+    <dgm:cxn modelId="{0170356D-0E79-4771-AEF4-5F2BB26DB428}" srcId="{1B24B018-AD53-4723-9DBC-CD780D3AF7E6}" destId="{C1B80BE7-4DEE-497B-98D2-5A6920F4FB8E}" srcOrd="0" destOrd="0" parTransId="{F40FF744-1F56-479B-AA89-A0EF61A8890A}" sibTransId="{B25B9810-DE16-4F8F-B2B2-7C0B2E9FCF23}"/>
+    <dgm:cxn modelId="{558A6E26-99F4-4842-A47F-BB8606B49EDB}" type="presOf" srcId="{B585FA61-ABCC-4C00-904E-F590963CA53E}" destId="{EF1303F6-08C0-48FA-B58F-D294B3FD0956}" srcOrd="0" destOrd="0" presId="urn:microsoft.com/office/officeart/2008/layout/HorizontalMultiLevelHierarchy"/>
+    <dgm:cxn modelId="{9F3D4254-B3A4-480B-B764-CD0DE6909E39}" type="presOf" srcId="{641F7873-2D89-4584-89E6-13C8B89C0D32}" destId="{2F691A7C-9BCD-4E4F-A41F-920122DDC012}" srcOrd="0" destOrd="0" presId="urn:microsoft.com/office/officeart/2008/layout/HorizontalMultiLevelHierarchy"/>
+    <dgm:cxn modelId="{6CA32B3D-2E12-4AB3-A420-EDC30F748704}" srcId="{D6A6EF0D-3890-4564-B47F-BA7E2FFC336B}" destId="{C971CB4A-ACE5-46F8-AE5B-3AFE92D0959D}" srcOrd="0" destOrd="0" parTransId="{DB9EFE37-A36C-430A-8B47-88C287516F23}" sibTransId="{5690AA9A-114B-4FAC-8D60-A56F159BD628}"/>
+    <dgm:cxn modelId="{EDFFE7DD-3DD6-4505-A66C-AFE6E440F812}" type="presOf" srcId="{2C5D07FC-2E11-4C25-B11B-D468629BAEA7}" destId="{D2297108-BBF1-4A06-A0FE-E40031175864}" srcOrd="1" destOrd="0" presId="urn:microsoft.com/office/officeart/2008/layout/HorizontalMultiLevelHierarchy"/>
+    <dgm:cxn modelId="{E9F0CC81-E15D-4EC0-A978-E263E8990868}" srcId="{0B9BCD10-1EF6-4B84-A607-3FE578E09CF8}" destId="{25AB21D2-ED78-4C5E-B945-4D2D0E9CFB55}" srcOrd="1" destOrd="0" parTransId="{CADCD632-196A-4857-843B-D027D5E1C826}" sibTransId="{68DFEF4E-9ED3-4348-82A8-E2207D27558D}"/>
+    <dgm:cxn modelId="{48ED6C7A-2B20-4509-861C-E2B650C9C62F}" type="presOf" srcId="{D6A6EF0D-3890-4564-B47F-BA7E2FFC336B}" destId="{BADDFD11-6D6A-4F6A-8B2E-2F492D67B8FF}" srcOrd="0" destOrd="0" presId="urn:microsoft.com/office/officeart/2008/layout/HorizontalMultiLevelHierarchy"/>
+    <dgm:cxn modelId="{F93F5359-0861-4984-865C-CAC5788245EC}" type="presOf" srcId="{0FBFC397-7581-450D-9E09-11221034CB1F}" destId="{3277378E-1025-4B91-B646-B39624C63CFC}" srcOrd="0" destOrd="0" presId="urn:microsoft.com/office/officeart/2008/layout/HorizontalMultiLevelHierarchy"/>
+    <dgm:cxn modelId="{C7CC8891-6ECF-4CCD-A223-BC1A15825A1A}" type="presOf" srcId="{8541E672-E0DC-4CA9-8C48-07F04E1AC87D}" destId="{8539FE12-B94A-4DB5-9363-D625963A994D}" srcOrd="0" destOrd="0" presId="urn:microsoft.com/office/officeart/2008/layout/HorizontalMultiLevelHierarchy"/>
+    <dgm:cxn modelId="{F6BD47B1-E4C9-469C-90D3-3873B0FD882C}" type="presOf" srcId="{997BBB56-0F09-47A1-9EDD-84E73DDCE053}" destId="{11A95FA8-BC12-4F2B-93AC-994CC23CB247}" srcOrd="0" destOrd="0" presId="urn:microsoft.com/office/officeart/2008/layout/HorizontalMultiLevelHierarchy"/>
+    <dgm:cxn modelId="{C204746F-9360-4D9D-A941-80CE7D7C2729}" srcId="{2B18F95E-9338-43E9-A54D-7EB8F97F82C3}" destId="{406A186A-33BC-4105-8835-7C5D35980A40}" srcOrd="0" destOrd="0" parTransId="{DC5215DC-63FE-4AB9-A5CA-19C1598E79BB}" sibTransId="{0016C189-12DE-41B5-BFFB-F01413D9BAF6}"/>
+    <dgm:cxn modelId="{4DD222DF-C542-40B3-BE5D-9E836477DD2B}" type="presOf" srcId="{2C5D07FC-2E11-4C25-B11B-D468629BAEA7}" destId="{FDF87123-BEAA-4C8C-BE86-B5F423001575}" srcOrd="0" destOrd="0" presId="urn:microsoft.com/office/officeart/2008/layout/HorizontalMultiLevelHierarchy"/>
+    <dgm:cxn modelId="{E4B2C7CA-0AEB-4F4C-AFE0-E7D062A9E714}" srcId="{0B9BCD10-1EF6-4B84-A607-3FE578E09CF8}" destId="{B9FBD615-B794-4D86-840E-D8BA2BA2AF71}" srcOrd="0" destOrd="0" parTransId="{49D92B24-F087-4E31-A4F6-E7772D5AF36E}" sibTransId="{FC3E2AA8-67C2-46F0-8E41-56E3D801110F}"/>
+    <dgm:cxn modelId="{447A3D2D-D238-46C1-99F3-95BB3A0A1063}" type="presOf" srcId="{DEA1A0C5-BE8D-4B82-B1D8-B4B9DCF4CE1A}" destId="{E6122314-4232-42C9-987E-46FE0FA3495B}" srcOrd="0" destOrd="0" presId="urn:microsoft.com/office/officeart/2008/layout/HorizontalMultiLevelHierarchy"/>
+    <dgm:cxn modelId="{1DAC132B-AAC1-4A00-8D5A-06E5590D6271}" type="presOf" srcId="{9A871F26-74E8-4736-985B-EF3BB73DFE34}" destId="{15AE2F48-9DB0-4B24-ADB3-E3970E729EE5}" srcOrd="1" destOrd="0" presId="urn:microsoft.com/office/officeart/2008/layout/HorizontalMultiLevelHierarchy"/>
+    <dgm:cxn modelId="{9D443CF1-5C82-48F8-9FEB-E565EBC3801B}" srcId="{09A61BE4-FBF2-4678-871E-03F8CFC0E905}" destId="{92CA22EE-41F8-4C23-BA80-310383AE6AFD}" srcOrd="2" destOrd="0" parTransId="{34586700-4346-4804-BF1C-747D3EC8A904}" sibTransId="{4FCB76E3-A272-4DCC-A200-4963C5F7C588}"/>
+    <dgm:cxn modelId="{818C5901-157D-4E0D-8721-D7923B55F53C}" srcId="{2BA398DC-44B5-4B11-A724-B73E05D7E9DF}" destId="{5E4A91D4-2366-4C60-BB3D-496C11657DC0}" srcOrd="0" destOrd="0" parTransId="{26479144-D9B7-4B50-8D7C-51FE0917EA76}" sibTransId="{423EFA55-F537-444B-A59D-5885F36136D9}"/>
+    <dgm:cxn modelId="{F111ADB6-1BB9-4C5E-964E-B65800CB0793}" type="presOf" srcId="{26479144-D9B7-4B50-8D7C-51FE0917EA76}" destId="{EAA5B856-0115-455E-A97E-BB584CD51E7D}" srcOrd="1" destOrd="0" presId="urn:microsoft.com/office/officeart/2008/layout/HorizontalMultiLevelHierarchy"/>
+    <dgm:cxn modelId="{9FCF1EEF-9288-4A35-9300-258913D8F95E}" type="presOf" srcId="{8CF6DB56-390F-448F-B8AD-AD66A9D9BF25}" destId="{5ECC096B-424B-4AE3-9CAF-347D26D92FBF}" srcOrd="1" destOrd="0" presId="urn:microsoft.com/office/officeart/2008/layout/HorizontalMultiLevelHierarchy"/>
+    <dgm:cxn modelId="{4D1868B3-148F-4F71-A708-469F6DEC5B07}" type="presOf" srcId="{A26C579B-D9A2-440D-B584-E528FA053B0A}" destId="{70AD1357-89BE-4B28-B9F5-7D58CDC1F51E}" srcOrd="1" destOrd="0" presId="urn:microsoft.com/office/officeart/2008/layout/HorizontalMultiLevelHierarchy"/>
+    <dgm:cxn modelId="{76DC0312-C289-4FD4-80B0-19BB822935B9}" srcId="{B9FBD615-B794-4D86-840E-D8BA2BA2AF71}" destId="{1B24B018-AD53-4723-9DBC-CD780D3AF7E6}" srcOrd="0" destOrd="0" parTransId="{D03DBC73-9966-47D9-8ACA-08F2AE277311}" sibTransId="{91254DB3-D8AE-41DC-8D06-472B928DA01A}"/>
+    <dgm:cxn modelId="{1512EAA9-05D3-4B46-92EE-0556A01DE870}" srcId="{760883ED-A9BB-405E-8F20-AFD9CCB96229}" destId="{D6A6EF0D-3890-4564-B47F-BA7E2FFC336B}" srcOrd="0" destOrd="0" parTransId="{BF2ECC47-8959-4178-94DF-C185E2DEE5DE}" sibTransId="{E955CF51-D20A-4EAE-9C1A-064DCE94EDD5}"/>
+    <dgm:cxn modelId="{29DB230F-6B91-4402-A027-6BCE177E020B}" srcId="{B9FBD615-B794-4D86-840E-D8BA2BA2AF71}" destId="{760883ED-A9BB-405E-8F20-AFD9CCB96229}" srcOrd="2" destOrd="0" parTransId="{0FBFC397-7581-450D-9E09-11221034CB1F}" sibTransId="{491C78DF-55D3-4DFF-A2B3-D13610BF38C8}"/>
+    <dgm:cxn modelId="{F405EE8B-6AB6-4CE7-95F1-9CDB233D747D}" type="presOf" srcId="{A09624DF-DDC3-4005-AE6C-949C55F3D201}" destId="{646E88BD-40D7-4786-AAB6-CFE3405707CA}" srcOrd="0" destOrd="0" presId="urn:microsoft.com/office/officeart/2008/layout/HorizontalMultiLevelHierarchy"/>
+    <dgm:cxn modelId="{DA371626-71DC-435A-AB46-3EB51E1D73BE}" type="presOf" srcId="{9B1A2F7C-2450-441A-8E98-5590A0216C0F}" destId="{4DD7F22F-5100-4F0E-840A-57F6C2B4824E}" srcOrd="0" destOrd="0" presId="urn:microsoft.com/office/officeart/2008/layout/HorizontalMultiLevelHierarchy"/>
+    <dgm:cxn modelId="{2288930F-53E6-4EE6-ADDE-2436FA49AA32}" type="presOf" srcId="{B376DC1C-1A4D-4446-88F6-4DFB0AAC6190}" destId="{ACF0F1AD-F143-4BEB-B9B0-4355CC987FF0}" srcOrd="1" destOrd="0" presId="urn:microsoft.com/office/officeart/2008/layout/HorizontalMultiLevelHierarchy"/>
     <dgm:cxn modelId="{DA7F3B17-79EF-449E-9CF3-CD54F59F54CF}" srcId="{D8F92CDA-A645-45E2-B5DE-6A3BACB6C859}" destId="{09A61BE4-FBF2-4678-871E-03F8CFC0E905}" srcOrd="0" destOrd="0" parTransId="{0A69AB74-1AD1-4AE0-92DB-B767AF2EA9BB}" sibTransId="{924BAC8B-B9E5-4258-BED5-43D9C539A109}"/>
-    <dgm:cxn modelId="{76DC0312-C289-4FD4-80B0-19BB822935B9}" srcId="{B9FBD615-B794-4D86-840E-D8BA2BA2AF71}" destId="{1B24B018-AD53-4723-9DBC-CD780D3AF7E6}" srcOrd="0" destOrd="0" parTransId="{D03DBC73-9966-47D9-8ACA-08F2AE277311}" sibTransId="{91254DB3-D8AE-41DC-8D06-472B928DA01A}"/>
-    <dgm:cxn modelId="{7B045C63-B0BE-40DA-AB96-E730CCA09FC4}" srcId="{C1B80BE7-4DEE-497B-98D2-5A6920F4FB8E}" destId="{641F7873-2D89-4584-89E6-13C8B89C0D32}" srcOrd="0" destOrd="0" parTransId="{FEB48055-1C34-422E-8C99-E4A7B59A7524}" sibTransId="{96A2E5C7-2CF0-423F-BFE0-93FA06ED6F48}"/>
-    <dgm:cxn modelId="{023D50EC-9B26-4D30-9607-1DC34E9B762C}" srcId="{C1B80BE7-4DEE-497B-98D2-5A6920F4FB8E}" destId="{537D9D52-BB4C-4295-A6FC-1F3EE30F7C8A}" srcOrd="2" destOrd="0" parTransId="{051E6169-5FA5-4711-8079-FA56C87AB900}" sibTransId="{F0E984BC-DC53-47EA-8DC0-9C6E7F46139F}"/>
-    <dgm:cxn modelId="{F6F53734-EA2A-43D5-B234-2DCAED7A8E5D}" type="presOf" srcId="{D8F92CDA-A645-45E2-B5DE-6A3BACB6C859}" destId="{67239EAB-1659-405F-9D37-5E8449D29F93}" srcOrd="0" destOrd="0" presId="urn:microsoft.com/office/officeart/2008/layout/HorizontalMultiLevelHierarchy"/>
-    <dgm:cxn modelId="{CCFE51A7-D92E-4107-827A-C589150E9601}" type="presOf" srcId="{8DC7735B-9A6C-431C-92AA-042288E1B6AF}" destId="{D13E8E78-0981-47B7-B509-860D838BA781}" srcOrd="0" destOrd="0" presId="urn:microsoft.com/office/officeart/2008/layout/HorizontalMultiLevelHierarchy"/>
-    <dgm:cxn modelId="{D489B8BF-B8CA-4BB6-A416-E6DD54D36BC7}" type="presOf" srcId="{B585FA61-ABCC-4C00-904E-F590963CA53E}" destId="{1E06D912-FF04-489C-8B3E-C635F21EF1DC}" srcOrd="1" destOrd="0" presId="urn:microsoft.com/office/officeart/2008/layout/HorizontalMultiLevelHierarchy"/>
-    <dgm:cxn modelId="{861347DE-8DA3-447A-B870-2475671C6DA5}" srcId="{8DC7735B-9A6C-431C-92AA-042288E1B6AF}" destId="{9DF11BE9-0A90-4730-8388-20A441D98114}" srcOrd="1" destOrd="0" parTransId="{30687554-7B6A-4E42-B0D8-856A3E451C97}" sibTransId="{1142F7F2-C909-43CF-9BAF-0A9A0B91749C}"/>
-    <dgm:cxn modelId="{9D443CF1-5C82-48F8-9FEB-E565EBC3801B}" srcId="{09A61BE4-FBF2-4678-871E-03F8CFC0E905}" destId="{92CA22EE-41F8-4C23-BA80-310383AE6AFD}" srcOrd="2" destOrd="0" parTransId="{34586700-4346-4804-BF1C-747D3EC8A904}" sibTransId="{4FCB76E3-A272-4DCC-A200-4963C5F7C588}"/>
-    <dgm:cxn modelId="{BF324ABA-3FCD-41A9-BB43-53D6623CB4DC}" type="presOf" srcId="{75A5C761-B220-40FF-A8F1-BDF368427E79}" destId="{EFF0FDCC-9734-4C94-840C-8D241B8150A8}" srcOrd="0" destOrd="0" presId="urn:microsoft.com/office/officeart/2008/layout/HorizontalMultiLevelHierarchy"/>
-    <dgm:cxn modelId="{9F3D4254-B3A4-480B-B764-CD0DE6909E39}" type="presOf" srcId="{641F7873-2D89-4584-89E6-13C8B89C0D32}" destId="{2F691A7C-9BCD-4E4F-A41F-920122DDC012}" srcOrd="0" destOrd="0" presId="urn:microsoft.com/office/officeart/2008/layout/HorizontalMultiLevelHierarchy"/>
-    <dgm:cxn modelId="{ACE703CE-B203-41A5-A5BA-25025AEF9285}" srcId="{0B9BCD10-1EF6-4B84-A607-3FE578E09CF8}" destId="{24A460EE-1CA7-428D-8C6C-3007FD1B450B}" srcOrd="2" destOrd="0" parTransId="{2C5D07FC-2E11-4C25-B11B-D468629BAEA7}" sibTransId="{4DC157B1-ED9F-496C-B37F-F986FB92159F}"/>
-    <dgm:cxn modelId="{4556C305-87F7-4794-952A-321EE7D7C618}" type="presOf" srcId="{28B1DEF3-FA5E-434F-985A-593161F70089}" destId="{6C6D8E9D-7873-4EE3-A7C8-467DB1B38886}" srcOrd="0" destOrd="0" presId="urn:microsoft.com/office/officeart/2008/layout/HorizontalMultiLevelHierarchy"/>
+    <dgm:cxn modelId="{758EC6AE-BD15-4628-B3F9-205BB2C431BC}" type="presOf" srcId="{0A69AB74-1AD1-4AE0-92DB-B767AF2EA9BB}" destId="{F3C8D12A-0632-4387-A3A7-62683536F1D8}" srcOrd="0" destOrd="0" presId="urn:microsoft.com/office/officeart/2008/layout/HorizontalMultiLevelHierarchy"/>
+    <dgm:cxn modelId="{03B47563-6297-4DD5-BF79-10133E41E5CD}" type="presOf" srcId="{FD783284-7709-4153-940E-9DD9E029E02A}" destId="{67D635C0-48F2-4C8E-A3A2-F35C9A9E45DC}" srcOrd="0" destOrd="0" presId="urn:microsoft.com/office/officeart/2008/layout/HorizontalMultiLevelHierarchy"/>
+    <dgm:cxn modelId="{E8C98B9E-69E4-4EF5-81A5-2180D64E6D44}" type="presOf" srcId="{59511E4B-8EFD-40C1-8769-41EC8A3006F1}" destId="{9B99E809-B197-4823-8F4F-A9A5674BCDDC}" srcOrd="1" destOrd="0" presId="urn:microsoft.com/office/officeart/2008/layout/HorizontalMultiLevelHierarchy"/>
+    <dgm:cxn modelId="{2AA6A6AE-5526-43E0-841C-591C6F3782D6}" type="presOf" srcId="{9A871F26-74E8-4736-985B-EF3BB73DFE34}" destId="{E7DB1CDA-3D4C-4818-A88C-6D185D722EC6}" srcOrd="0" destOrd="0" presId="urn:microsoft.com/office/officeart/2008/layout/HorizontalMultiLevelHierarchy"/>
+    <dgm:cxn modelId="{0AE8A402-39C5-45D0-8010-65B839616D86}" type="presOf" srcId="{0FBFC397-7581-450D-9E09-11221034CB1F}" destId="{ED27862D-C3E6-427A-885B-0E48DC7843BB}" srcOrd="1" destOrd="0" presId="urn:microsoft.com/office/officeart/2008/layout/HorizontalMultiLevelHierarchy"/>
     <dgm:cxn modelId="{7515D751-7881-464B-9CEA-B6E0EE4F8F9D}" type="presOf" srcId="{B744A046-4A74-4240-94C0-E4572C4E9202}" destId="{3EE425C3-9686-4BDF-A704-1B7FE956B70F}" srcOrd="0" destOrd="0" presId="urn:microsoft.com/office/officeart/2008/layout/HorizontalMultiLevelHierarchy"/>
-    <dgm:cxn modelId="{E47B5DB3-DD92-4F5C-A4CD-438D32EFCF14}" srcId="{5E4A91D4-2366-4C60-BB3D-496C11657DC0}" destId="{1C1944A6-354A-4452-AC1A-3CB32B31AB4A}" srcOrd="1" destOrd="0" parTransId="{9A485257-A8D6-4397-BEDE-96D5D67A5BD8}" sibTransId="{741B0DB4-536A-4FA5-9A70-32EA3328B6E9}"/>
-    <dgm:cxn modelId="{490CFF5B-BAB5-4C69-927D-552C39D31FC1}" type="presOf" srcId="{C1B80BE7-4DEE-497B-98D2-5A6920F4FB8E}" destId="{7A687C9C-1CE1-4FCD-8F95-CDF2CE96AF7A}" srcOrd="0" destOrd="0" presId="urn:microsoft.com/office/officeart/2008/layout/HorizontalMultiLevelHierarchy"/>
-    <dgm:cxn modelId="{C442590F-3BD0-46D2-BCEC-84DD05E75446}" type="presOf" srcId="{F40FF744-1F56-479B-AA89-A0EF61A8890A}" destId="{BEF9F8C4-0E1E-499B-85B7-D8C2527B7D6A}" srcOrd="1" destOrd="0" presId="urn:microsoft.com/office/officeart/2008/layout/HorizontalMultiLevelHierarchy"/>
-    <dgm:cxn modelId="{D5342207-BB6B-4D26-A140-7DB4DA7936DA}" type="presOf" srcId="{49D92B24-F087-4E31-A4F6-E7772D5AF36E}" destId="{E0BC23FD-A123-4F6F-B29F-B1B1A8DCFCAA}" srcOrd="0" destOrd="0" presId="urn:microsoft.com/office/officeart/2008/layout/HorizontalMultiLevelHierarchy"/>
-    <dgm:cxn modelId="{3BFFA573-B543-49A1-BB06-F45E87F54B2C}" type="presOf" srcId="{9A727AB6-4DAD-40D1-AFE1-8312D97F8394}" destId="{65D4BBB4-1790-4173-81B6-560190FD91AB}" srcOrd="0" destOrd="0" presId="urn:microsoft.com/office/officeart/2008/layout/HorizontalMultiLevelHierarchy"/>
-    <dgm:cxn modelId="{39410F08-B859-4A15-BE8D-9A9E537EC5E9}" type="presOf" srcId="{2B18F95E-9338-43E9-A54D-7EB8F97F82C3}" destId="{2FE9D669-7948-4A54-92D5-EFA1A86CD105}" srcOrd="0" destOrd="0" presId="urn:microsoft.com/office/officeart/2008/layout/HorizontalMultiLevelHierarchy"/>
-    <dgm:cxn modelId="{AAF8CD24-7028-490D-B031-DDA1A1D8FB46}" type="presOf" srcId="{F40FF744-1F56-479B-AA89-A0EF61A8890A}" destId="{7137EB5A-E346-4115-9F66-B74C3542748E}" srcOrd="0" destOrd="0" presId="urn:microsoft.com/office/officeart/2008/layout/HorizontalMultiLevelHierarchy"/>
-    <dgm:cxn modelId="{756D8C65-2479-46B8-A072-D2D3FAB7D43A}" type="presOf" srcId="{59511E4B-8EFD-40C1-8769-41EC8A3006F1}" destId="{54971FDB-F67F-4F3B-92B6-E77D3DFFDC8A}" srcOrd="0" destOrd="0" presId="urn:microsoft.com/office/officeart/2008/layout/HorizontalMultiLevelHierarchy"/>
-    <dgm:cxn modelId="{C0AD8CD7-D8F4-4B38-8A51-D889AD14A718}" type="presOf" srcId="{9DF11BE9-0A90-4730-8388-20A441D98114}" destId="{44701C57-D211-4D71-857F-299A0D735E28}" srcOrd="0" destOrd="0" presId="urn:microsoft.com/office/officeart/2008/layout/HorizontalMultiLevelHierarchy"/>
-    <dgm:cxn modelId="{DA371626-71DC-435A-AB46-3EB51E1D73BE}" type="presOf" srcId="{9B1A2F7C-2450-441A-8E98-5590A0216C0F}" destId="{4DD7F22F-5100-4F0E-840A-57F6C2B4824E}" srcOrd="0" destOrd="0" presId="urn:microsoft.com/office/officeart/2008/layout/HorizontalMultiLevelHierarchy"/>
-    <dgm:cxn modelId="{3A1E4BCD-10FF-4F2E-A4C8-E8E4C32B521F}" type="presOf" srcId="{D03DBC73-9966-47D9-8ACA-08F2AE277311}" destId="{3C88D30A-236C-421C-8732-EB921582DAAC}" srcOrd="1" destOrd="0" presId="urn:microsoft.com/office/officeart/2008/layout/HorizontalMultiLevelHierarchy"/>
-    <dgm:cxn modelId="{E0DF3A59-E14E-4C7A-830F-2F076F529C32}" type="presOf" srcId="{09A61BE4-FBF2-4678-871E-03F8CFC0E905}" destId="{14B6996B-15A7-4C3C-95B1-F4570CC1C169}" srcOrd="0" destOrd="0" presId="urn:microsoft.com/office/officeart/2008/layout/HorizontalMultiLevelHierarchy"/>
-    <dgm:cxn modelId="{7EDA0548-677A-4CD0-8D99-6495D41E8385}" type="presOf" srcId="{34586700-4346-4804-BF1C-747D3EC8A904}" destId="{FCBB2CBA-CAD5-4A99-91DC-CC9D1C91FDCC}" srcOrd="1" destOrd="0" presId="urn:microsoft.com/office/officeart/2008/layout/HorizontalMultiLevelHierarchy"/>
-    <dgm:cxn modelId="{8D509E34-F004-4A2F-8ABB-7C054D2FA32F}" type="presOf" srcId="{DC5215DC-63FE-4AB9-A5CA-19C1598E79BB}" destId="{C766337D-55E3-4319-A86A-D68705C17A30}" srcOrd="1" destOrd="0" presId="urn:microsoft.com/office/officeart/2008/layout/HorizontalMultiLevelHierarchy"/>
-    <dgm:cxn modelId="{57B8D45F-04CF-457A-A4ED-88E0106D1772}" type="presOf" srcId="{D03DBC73-9966-47D9-8ACA-08F2AE277311}" destId="{6FB29898-0152-4460-9FA2-C023B30AA889}" srcOrd="0" destOrd="0" presId="urn:microsoft.com/office/officeart/2008/layout/HorizontalMultiLevelHierarchy"/>
-    <dgm:cxn modelId="{E81FAA6C-D968-4DA0-984D-000F8B6D8402}" type="presOf" srcId="{24A460EE-1CA7-428D-8C6C-3007FD1B450B}" destId="{ADC4EBE8-08E2-4FE3-8945-6660CEF6994F}" srcOrd="0" destOrd="0" presId="urn:microsoft.com/office/officeart/2008/layout/HorizontalMultiLevelHierarchy"/>
-    <dgm:cxn modelId="{0170356D-0E79-4771-AEF4-5F2BB26DB428}" srcId="{1B24B018-AD53-4723-9DBC-CD780D3AF7E6}" destId="{C1B80BE7-4DEE-497B-98D2-5A6920F4FB8E}" srcOrd="0" destOrd="0" parTransId="{F40FF744-1F56-479B-AA89-A0EF61A8890A}" sibTransId="{B25B9810-DE16-4F8F-B2B2-7C0B2E9FCF23}"/>
-    <dgm:cxn modelId="{BA98743E-B70A-430A-ABC8-50FF2FBFDE26}" type="presOf" srcId="{25AB21D2-ED78-4C5E-B945-4D2D0E9CFB55}" destId="{536E7EEE-AE26-4F15-B7DF-40567D90432E}" srcOrd="0" destOrd="0" presId="urn:microsoft.com/office/officeart/2008/layout/HorizontalMultiLevelHierarchy"/>
-    <dgm:cxn modelId="{6FA7A831-01D9-4D43-959E-0EFE42468E38}" type="presOf" srcId="{FEB48055-1C34-422E-8C99-E4A7B59A7524}" destId="{BCF6B846-BCE0-4A36-AB58-F37D855BACB3}" srcOrd="0" destOrd="0" presId="urn:microsoft.com/office/officeart/2008/layout/HorizontalMultiLevelHierarchy"/>
-    <dgm:cxn modelId="{9EBBF0F9-BDED-4531-A1FA-CA878D37D00E}" type="presOf" srcId="{9EEBD96E-C508-492D-AC9A-9F1A3119B996}" destId="{5F45AA15-FBB3-4B44-8E68-EED9491C0D70}" srcOrd="0" destOrd="0" presId="urn:microsoft.com/office/officeart/2008/layout/HorizontalMultiLevelHierarchy"/>
-    <dgm:cxn modelId="{E9F0CC81-E15D-4EC0-A978-E263E8990868}" srcId="{0B9BCD10-1EF6-4B84-A607-3FE578E09CF8}" destId="{25AB21D2-ED78-4C5E-B945-4D2D0E9CFB55}" srcOrd="1" destOrd="0" parTransId="{CADCD632-196A-4857-843B-D027D5E1C826}" sibTransId="{68DFEF4E-9ED3-4348-82A8-E2207D27558D}"/>
-    <dgm:cxn modelId="{33CF75AD-8066-46D1-B95A-36C88CEACE7D}" type="presOf" srcId="{28B1DEF3-FA5E-434F-985A-593161F70089}" destId="{B10566F1-6764-4207-91A3-FAD8D64F1C28}" srcOrd="1" destOrd="0" presId="urn:microsoft.com/office/officeart/2008/layout/HorizontalMultiLevelHierarchy"/>
-    <dgm:cxn modelId="{F6BD47B1-E4C9-469C-90D3-3873B0FD882C}" type="presOf" srcId="{997BBB56-0F09-47A1-9EDD-84E73DDCE053}" destId="{11A95FA8-BC12-4F2B-93AC-994CC23CB247}" srcOrd="0" destOrd="0" presId="urn:microsoft.com/office/officeart/2008/layout/HorizontalMultiLevelHierarchy"/>
-    <dgm:cxn modelId="{66959252-2C68-4B96-B3F0-E71A2075B1F2}" type="presOf" srcId="{051E6169-5FA5-4711-8079-FA56C87AB900}" destId="{0F4448C4-16D0-412B-B97C-B3EE8C574400}" srcOrd="0" destOrd="0" presId="urn:microsoft.com/office/officeart/2008/layout/HorizontalMultiLevelHierarchy"/>
-    <dgm:cxn modelId="{F762D2E4-68EB-4B2A-ADA2-ABD87ADC2F3E}" type="presOf" srcId="{B9FBD615-B794-4D86-840E-D8BA2BA2AF71}" destId="{71B02E8A-448E-4584-80E9-059B52DDB850}" srcOrd="0" destOrd="0" presId="urn:microsoft.com/office/officeart/2008/layout/HorizontalMultiLevelHierarchy"/>
-    <dgm:cxn modelId="{4A327383-9EF4-4480-9723-6CAC144F5A6D}" srcId="{1B24B018-AD53-4723-9DBC-CD780D3AF7E6}" destId="{88164397-DBD8-4D72-B38B-DE4BF4031B5D}" srcOrd="1" destOrd="0" parTransId="{9A871F26-74E8-4736-985B-EF3BB73DFE34}" sibTransId="{5F96EB68-5BC5-44B9-AAB1-96E5B35432F1}"/>
-    <dgm:cxn modelId="{5012F5CF-617A-4B7C-9750-407CE29B9699}" type="presOf" srcId="{CADCD632-196A-4857-843B-D027D5E1C826}" destId="{C4C9488E-7BE6-4FC9-9B22-FCEA0EF43662}" srcOrd="0" destOrd="0" presId="urn:microsoft.com/office/officeart/2008/layout/HorizontalMultiLevelHierarchy"/>
-    <dgm:cxn modelId="{FC830A7B-C3B9-41A0-8361-BEC45EF72205}" type="presOf" srcId="{DC5215DC-63FE-4AB9-A5CA-19C1598E79BB}" destId="{6E28F844-322A-4B11-9FD3-C3F3F369B4BB}" srcOrd="0" destOrd="0" presId="urn:microsoft.com/office/officeart/2008/layout/HorizontalMultiLevelHierarchy"/>
-    <dgm:cxn modelId="{758EC6AE-BD15-4628-B3F9-205BB2C431BC}" type="presOf" srcId="{0A69AB74-1AD1-4AE0-92DB-B767AF2EA9BB}" destId="{F3C8D12A-0632-4387-A3A7-62683536F1D8}" srcOrd="0" destOrd="0" presId="urn:microsoft.com/office/officeart/2008/layout/HorizontalMultiLevelHierarchy"/>
-    <dgm:cxn modelId="{312BB93A-87FC-4048-9E42-1B35BB662708}" type="presOf" srcId="{9A485257-A8D6-4397-BEDE-96D5D67A5BD8}" destId="{564E8B54-811C-4F63-8549-390678EFB2EA}" srcOrd="1" destOrd="0" presId="urn:microsoft.com/office/officeart/2008/layout/HorizontalMultiLevelHierarchy"/>
-    <dgm:cxn modelId="{E151C243-1DC3-4E19-9B74-B6879CFBBE57}" srcId="{2B18F95E-9338-43E9-A54D-7EB8F97F82C3}" destId="{8541E672-E0DC-4CA9-8C48-07F04E1AC87D}" srcOrd="1" destOrd="0" parTransId="{8CF6DB56-390F-448F-B8AD-AD66A9D9BF25}" sibTransId="{F472336C-F528-446B-BC65-FFF55677C318}"/>
-    <dgm:cxn modelId="{72D747E2-7A24-4507-90CE-D56B28D36106}" type="presOf" srcId="{62B13B07-F327-4E52-AE5C-A801CC6497E5}" destId="{9D957ECC-C536-4171-9E3F-ADA463C520DE}" srcOrd="0" destOrd="0" presId="urn:microsoft.com/office/officeart/2008/layout/HorizontalMultiLevelHierarchy"/>
-    <dgm:cxn modelId="{68D12645-EC3F-4459-918E-5085FBF8BE5F}" type="presOf" srcId="{34586700-4346-4804-BF1C-747D3EC8A904}" destId="{2B938EF2-BE37-4FC8-BFD3-6256540813BC}" srcOrd="0" destOrd="0" presId="urn:microsoft.com/office/officeart/2008/layout/HorizontalMultiLevelHierarchy"/>
-    <dgm:cxn modelId="{6186CF23-8F98-46DB-98A7-F1A80F6273EE}" type="presOf" srcId="{1B24B018-AD53-4723-9DBC-CD780D3AF7E6}" destId="{1A4238F2-78DE-41D2-AD7D-244E70141D53}" srcOrd="0" destOrd="0" presId="urn:microsoft.com/office/officeart/2008/layout/HorizontalMultiLevelHierarchy"/>
-    <dgm:cxn modelId="{4DD222DF-C542-40B3-BE5D-9E836477DD2B}" type="presOf" srcId="{2C5D07FC-2E11-4C25-B11B-D468629BAEA7}" destId="{FDF87123-BEAA-4C8C-BE86-B5F423001575}" srcOrd="0" destOrd="0" presId="urn:microsoft.com/office/officeart/2008/layout/HorizontalMultiLevelHierarchy"/>
-    <dgm:cxn modelId="{A360A27B-7A4F-4F5A-A8D8-10426122DD2A}" srcId="{9A727AB6-4DAD-40D1-AFE1-8312D97F8394}" destId="{0B9BCD10-1EF6-4B84-A607-3FE578E09CF8}" srcOrd="0" destOrd="0" parTransId="{9B1A2F7C-2450-441A-8E98-5590A0216C0F}" sibTransId="{89CD8B21-1F04-4F2E-8276-B6F6A8FDD728}"/>
-    <dgm:cxn modelId="{08516F75-D767-448D-8BE2-626EAD79AE1A}" srcId="{B9FBD615-B794-4D86-840E-D8BA2BA2AF71}" destId="{2BA398DC-44B5-4B11-A724-B73E05D7E9DF}" srcOrd="1" destOrd="0" parTransId="{59511E4B-8EFD-40C1-8769-41EC8A3006F1}" sibTransId="{DEAC2088-FA27-458D-B266-ECB1AFB7A26A}"/>
-    <dgm:cxn modelId="{2C415728-5E2E-461D-93B5-C65A85E264C7}" type="presOf" srcId="{A26C579B-D9A2-440D-B584-E528FA053B0A}" destId="{59AE2245-54FD-442F-826F-E34D3A5503D3}" srcOrd="0" destOrd="0" presId="urn:microsoft.com/office/officeart/2008/layout/HorizontalMultiLevelHierarchy"/>
-    <dgm:cxn modelId="{53404176-D94B-4222-9B06-05B20F95C1C7}" type="presOf" srcId="{88164397-DBD8-4D72-B38B-DE4BF4031B5D}" destId="{A8FC37A2-9B31-4489-B0A8-9E802EBAF3A0}" srcOrd="0" destOrd="0" presId="urn:microsoft.com/office/officeart/2008/layout/HorizontalMultiLevelHierarchy"/>
-    <dgm:cxn modelId="{4467E879-3E61-4991-8A6A-C5A1A63B49F4}" type="presOf" srcId="{3AD458C6-8419-4D84-9762-23D8C70DAE66}" destId="{F477F308-696E-4EBB-A389-B7BC50374169}" srcOrd="0" destOrd="0" presId="urn:microsoft.com/office/officeart/2008/layout/HorizontalMultiLevelHierarchy"/>
-    <dgm:cxn modelId="{806AAB25-7D31-422C-9950-4C135CED6002}" type="presOf" srcId="{CADCD632-196A-4857-843B-D027D5E1C826}" destId="{8326D004-29DB-4CCB-873E-728791BF390D}" srcOrd="1" destOrd="0" presId="urn:microsoft.com/office/officeart/2008/layout/HorizontalMultiLevelHierarchy"/>
-    <dgm:cxn modelId="{2902542B-334F-4E04-A930-E271580E6ED4}" type="presOf" srcId="{8CF6DB56-390F-448F-B8AD-AD66A9D9BF25}" destId="{BCB0C310-6712-457C-83F4-AD90D18B30F1}" srcOrd="0" destOrd="0" presId="urn:microsoft.com/office/officeart/2008/layout/HorizontalMultiLevelHierarchy"/>
-    <dgm:cxn modelId="{6F9468CD-6492-408D-9163-16E80F613DD4}" srcId="{D8F92CDA-A645-45E2-B5DE-6A3BACB6C859}" destId="{9A727AB6-4DAD-40D1-AFE1-8312D97F8394}" srcOrd="2" destOrd="0" parTransId="{03A1827D-0486-453D-8D6D-022439E5BEB5}" sibTransId="{5844ED66-CD55-407C-94D2-DAB670402374}"/>
-    <dgm:cxn modelId="{558A6E26-99F4-4842-A47F-BB8606B49EDB}" type="presOf" srcId="{B585FA61-ABCC-4C00-904E-F590963CA53E}" destId="{EF1303F6-08C0-48FA-B58F-D294B3FD0956}" srcOrd="0" destOrd="0" presId="urn:microsoft.com/office/officeart/2008/layout/HorizontalMultiLevelHierarchy"/>
-    <dgm:cxn modelId="{4A84C0BD-AA51-483C-91BE-6B9C1567A259}" srcId="{406A186A-33BC-4105-8835-7C5D35980A40}" destId="{8DC7735B-9A6C-431C-92AA-042288E1B6AF}" srcOrd="0" destOrd="0" parTransId="{62B13B07-F327-4E52-AE5C-A801CC6497E5}" sibTransId="{D54DEC93-19CD-4835-857E-9EABBFDAD2C8}"/>
-    <dgm:cxn modelId="{9FCF1EEF-9288-4A35-9300-258913D8F95E}" type="presOf" srcId="{8CF6DB56-390F-448F-B8AD-AD66A9D9BF25}" destId="{5ECC096B-424B-4AE3-9CAF-347D26D92FBF}" srcOrd="1" destOrd="0" presId="urn:microsoft.com/office/officeart/2008/layout/HorizontalMultiLevelHierarchy"/>
-    <dgm:cxn modelId="{32F6D06B-1387-40A9-98EB-275DC7610273}" type="presOf" srcId="{1C1944A6-354A-4452-AC1A-3CB32B31AB4A}" destId="{057661AD-CB3F-4EFF-A165-3CB41187F5B8}" srcOrd="0" destOrd="0" presId="urn:microsoft.com/office/officeart/2008/layout/HorizontalMultiLevelHierarchy"/>
-    <dgm:cxn modelId="{C5533B9D-7ADC-4314-82C1-C4841A3B2538}" type="presOf" srcId="{03A1827D-0486-453D-8D6D-022439E5BEB5}" destId="{3F497CFA-6478-4309-8C27-A4BBA02D3D1D}" srcOrd="0" destOrd="0" presId="urn:microsoft.com/office/officeart/2008/layout/HorizontalMultiLevelHierarchy"/>
-    <dgm:cxn modelId="{E4B2C7CA-0AEB-4F4C-AFE0-E7D062A9E714}" srcId="{0B9BCD10-1EF6-4B84-A607-3FE578E09CF8}" destId="{B9FBD615-B794-4D86-840E-D8BA2BA2AF71}" srcOrd="0" destOrd="0" parTransId="{49D92B24-F087-4E31-A4F6-E7772D5AF36E}" sibTransId="{FC3E2AA8-67C2-46F0-8E41-56E3D801110F}"/>
-    <dgm:cxn modelId="{03B47563-6297-4DD5-BF79-10133E41E5CD}" type="presOf" srcId="{FD783284-7709-4153-940E-9DD9E029E02A}" destId="{67D635C0-48F2-4C8E-A3A2-F35C9A9E45DC}" srcOrd="0" destOrd="0" presId="urn:microsoft.com/office/officeart/2008/layout/HorizontalMultiLevelHierarchy"/>
-    <dgm:cxn modelId="{0EED5EAD-78F8-45FD-81BD-8E983C727040}" type="presOf" srcId="{26479144-D9B7-4B50-8D7C-51FE0917EA76}" destId="{E8B9E04F-8911-439D-A990-57E0C8BD86F4}" srcOrd="0" destOrd="0" presId="urn:microsoft.com/office/officeart/2008/layout/HorizontalMultiLevelHierarchy"/>
-    <dgm:cxn modelId="{447A3D2D-D238-46C1-99F3-95BB3A0A1063}" type="presOf" srcId="{DEA1A0C5-BE8D-4B82-B1D8-B4B9DCF4CE1A}" destId="{E6122314-4232-42C9-987E-46FE0FA3495B}" srcOrd="0" destOrd="0" presId="urn:microsoft.com/office/officeart/2008/layout/HorizontalMultiLevelHierarchy"/>
-    <dgm:cxn modelId="{8E3CCA70-54B5-4D78-9A0F-E19E92F93E1B}" type="presOf" srcId="{30687554-7B6A-4E42-B0D8-856A3E451C97}" destId="{B46CE3C4-D8FC-4818-B7F0-507EA6A00C10}" srcOrd="1" destOrd="0" presId="urn:microsoft.com/office/officeart/2008/layout/HorizontalMultiLevelHierarchy"/>
-    <dgm:cxn modelId="{1DAC132B-AAC1-4A00-8D5A-06E5590D6271}" type="presOf" srcId="{9A871F26-74E8-4736-985B-EF3BB73DFE34}" destId="{15AE2F48-9DB0-4B24-ADB3-E3970E729EE5}" srcOrd="1" destOrd="0" presId="urn:microsoft.com/office/officeart/2008/layout/HorizontalMultiLevelHierarchy"/>
-    <dgm:cxn modelId="{1E8C2C99-6FE9-4910-BF70-446748759C8D}" srcId="{8DC7735B-9A6C-431C-92AA-042288E1B6AF}" destId="{DE9229B0-83CB-4AFE-B09E-2D25B676FB5D}" srcOrd="0" destOrd="0" parTransId="{DEA1A0C5-BE8D-4B82-B1D8-B4B9DCF4CE1A}" sibTransId="{2F5473A1-4FE3-4875-907C-12B17C85165B}"/>
-    <dgm:cxn modelId="{05D65667-9A85-4391-9AF5-961881DEEE5A}" type="presOf" srcId="{9CE6119C-2BD8-4D82-857F-27695498162C}" destId="{A3E99873-9A6B-448D-882B-6A1290124BE0}" srcOrd="0" destOrd="0" presId="urn:microsoft.com/office/officeart/2008/layout/HorizontalMultiLevelHierarchy"/>
-    <dgm:cxn modelId="{F111ADB6-1BB9-4C5E-964E-B65800CB0793}" type="presOf" srcId="{26479144-D9B7-4B50-8D7C-51FE0917EA76}" destId="{EAA5B856-0115-455E-A97E-BB584CD51E7D}" srcOrd="1" destOrd="0" presId="urn:microsoft.com/office/officeart/2008/layout/HorizontalMultiLevelHierarchy"/>
-    <dgm:cxn modelId="{2AA6A6AE-5526-43E0-841C-591C6F3782D6}" type="presOf" srcId="{9A871F26-74E8-4736-985B-EF3BB73DFE34}" destId="{E7DB1CDA-3D4C-4818-A88C-6D185D722EC6}" srcOrd="0" destOrd="0" presId="urn:microsoft.com/office/officeart/2008/layout/HorizontalMultiLevelHierarchy"/>
-    <dgm:cxn modelId="{B212622B-E89A-410E-8DF2-21E1F16489BB}" srcId="{2BA398DC-44B5-4B11-A724-B73E05D7E9DF}" destId="{B744A046-4A74-4240-94C0-E4572C4E9202}" srcOrd="1" destOrd="0" parTransId="{FD783284-7709-4153-940E-9DD9E029E02A}" sibTransId="{988DCDD5-55C3-4C36-A62E-F8E1AF47FEF8}"/>
-    <dgm:cxn modelId="{66A27823-B98C-444C-83B7-BCEF6D394B58}" srcId="{DF616C12-DFC6-40E5-BC46-E77E630699CC}" destId="{D8F92CDA-A645-45E2-B5DE-6A3BACB6C859}" srcOrd="0" destOrd="0" parTransId="{06A209AF-5EAF-4020-86BC-5E53C0A8567F}" sibTransId="{CAE32902-6313-4DE9-8D9B-B0BC18644EB0}"/>
-    <dgm:cxn modelId="{C7CC8891-6ECF-4CCD-A223-BC1A15825A1A}" type="presOf" srcId="{8541E672-E0DC-4CA9-8C48-07F04E1AC87D}" destId="{8539FE12-B94A-4DB5-9363-D625963A994D}" srcOrd="0" destOrd="0" presId="urn:microsoft.com/office/officeart/2008/layout/HorizontalMultiLevelHierarchy"/>
-    <dgm:cxn modelId="{B055FE51-A5ED-44E7-B1D1-E6ED1C9605DC}" type="presOf" srcId="{5E4A91D4-2366-4C60-BB3D-496C11657DC0}" destId="{35ACB2AC-382A-4C97-A906-4B1EC627FF3B}" srcOrd="0" destOrd="0" presId="urn:microsoft.com/office/officeart/2008/layout/HorizontalMultiLevelHierarchy"/>
-    <dgm:cxn modelId="{3C6DBA84-9CDB-41B6-A6DB-26E1527305A5}" type="presOf" srcId="{9B1A2F7C-2450-441A-8E98-5590A0216C0F}" destId="{0EEB810B-6E8E-42CE-8965-1DA2530F1893}" srcOrd="1" destOrd="0" presId="urn:microsoft.com/office/officeart/2008/layout/HorizontalMultiLevelHierarchy"/>
-    <dgm:cxn modelId="{438395A3-1BBC-41BE-8DF4-FA798EC10617}" srcId="{406A186A-33BC-4105-8835-7C5D35980A40}" destId="{75A5C761-B220-40FF-A8F1-BDF368427E79}" srcOrd="1" destOrd="0" parTransId="{997BBB56-0F09-47A1-9EDD-84E73DDCE053}" sibTransId="{17539A32-5ED5-47FE-9297-91D5384600FE}"/>
-    <dgm:cxn modelId="{ACCDA6C4-902D-4C2D-8E77-21EB010A1276}" type="presOf" srcId="{537D9D52-BB4C-4295-A6FC-1F3EE30F7C8A}" destId="{C75D1124-C505-4361-BD55-C3934A33A542}" srcOrd="0" destOrd="0" presId="urn:microsoft.com/office/officeart/2008/layout/HorizontalMultiLevelHierarchy"/>
-    <dgm:cxn modelId="{974BDEA0-3B95-48CE-9DCD-A280B7CD9533}" type="presOf" srcId="{03A1827D-0486-453D-8D6D-022439E5BEB5}" destId="{CBA4048E-18F5-45D0-B12C-301AA641B044}" srcOrd="1" destOrd="0" presId="urn:microsoft.com/office/officeart/2008/layout/HorizontalMultiLevelHierarchy"/>
-    <dgm:cxn modelId="{9EB3195B-FD55-456B-860D-B59B230328CD}" type="presOf" srcId="{4380BD8A-95E9-4652-8A89-911FA9702253}" destId="{11CBC200-06F7-4DD2-9C34-18F45043F91F}" srcOrd="0" destOrd="0" presId="urn:microsoft.com/office/officeart/2008/layout/HorizontalMultiLevelHierarchy"/>
-    <dgm:cxn modelId="{F342924C-89D7-4CE0-B55E-1988852B0259}" type="presOf" srcId="{62B13B07-F327-4E52-AE5C-A801CC6497E5}" destId="{5538A203-67B7-43B0-B95B-E0940F75E978}" srcOrd="1" destOrd="0" presId="urn:microsoft.com/office/officeart/2008/layout/HorizontalMultiLevelHierarchy"/>
-    <dgm:cxn modelId="{2299056C-FD09-4A24-90CE-E73DA03C00F7}" type="presOf" srcId="{FEB48055-1C34-422E-8C99-E4A7B59A7524}" destId="{6F3D5773-510D-44D2-9A00-874B9AD6C990}" srcOrd="1" destOrd="0" presId="urn:microsoft.com/office/officeart/2008/layout/HorizontalMultiLevelHierarchy"/>
-    <dgm:cxn modelId="{C8128AF9-826D-4BA6-8EA1-07D8850B53E2}" srcId="{C1B80BE7-4DEE-497B-98D2-5A6920F4FB8E}" destId="{2D0898D9-1379-4C8B-848A-4DE9262983B4}" srcOrd="1" destOrd="0" parTransId="{9CE6119C-2BD8-4D82-857F-27695498162C}" sibTransId="{D4711AB0-E9D9-47E2-A8EB-1A377D29D6AB}"/>
-    <dgm:cxn modelId="{1157782D-72F3-4195-AD17-A5E78211D43F}" srcId="{5E4A91D4-2366-4C60-BB3D-496C11657DC0}" destId="{9EEBD96E-C508-492D-AC9A-9F1A3119B996}" srcOrd="2" destOrd="0" parTransId="{A26C579B-D9A2-440D-B584-E528FA053B0A}" sibTransId="{0ACEC970-6B1A-4116-B74C-21C45883D78D}"/>
-    <dgm:cxn modelId="{CDA67E71-DC84-468A-9445-016A1BB1DE0B}" type="presOf" srcId="{4380BD8A-95E9-4652-8A89-911FA9702253}" destId="{CD836FDF-C536-42DD-9BC4-B637DEB11ABF}" srcOrd="1" destOrd="0" presId="urn:microsoft.com/office/officeart/2008/layout/HorizontalMultiLevelHierarchy"/>
-    <dgm:cxn modelId="{CE4C7B90-573C-4ED1-9F8C-B613EC48112D}" type="presOf" srcId="{9ACA9546-4CA0-4D0D-A122-ADEA92156DDA}" destId="{843E92B2-B1C5-4679-9F13-92AE67F50E4B}" srcOrd="0" destOrd="0" presId="urn:microsoft.com/office/officeart/2008/layout/HorizontalMultiLevelHierarchy"/>
-    <dgm:cxn modelId="{F405EE8B-6AB6-4CE7-95F1-9CDB233D747D}" type="presOf" srcId="{A09624DF-DDC3-4005-AE6C-949C55F3D201}" destId="{646E88BD-40D7-4786-AAB6-CFE3405707CA}" srcOrd="0" destOrd="0" presId="urn:microsoft.com/office/officeart/2008/layout/HorizontalMultiLevelHierarchy"/>
-    <dgm:cxn modelId="{E309E34A-2541-4093-AE96-D08C67BBA9F2}" type="presOf" srcId="{49D92B24-F087-4E31-A4F6-E7772D5AF36E}" destId="{2D6B1399-BFF2-49EA-9491-3E6335B75829}" srcOrd="1" destOrd="0" presId="urn:microsoft.com/office/officeart/2008/layout/HorizontalMultiLevelHierarchy"/>
-    <dgm:cxn modelId="{680F2C41-4AC9-43F5-A200-1525B08A5C20}" type="presOf" srcId="{2CFC024F-40D5-4978-B0D2-5F1E40D4091C}" destId="{1297A119-EB00-45FB-9E4C-7081D9FC3578}" srcOrd="0" destOrd="0" presId="urn:microsoft.com/office/officeart/2008/layout/HorizontalMultiLevelHierarchy"/>
-    <dgm:cxn modelId="{1178D50F-366F-4EE7-A7CE-B9E360FA6C9F}" type="presOf" srcId="{DEA1A0C5-BE8D-4B82-B1D8-B4B9DCF4CE1A}" destId="{48AB6F3C-59DC-47D0-9C0E-C348A271EF25}" srcOrd="1" destOrd="0" presId="urn:microsoft.com/office/officeart/2008/layout/HorizontalMultiLevelHierarchy"/>
-    <dgm:cxn modelId="{33685DCB-1271-4436-B83A-651236C7B5A2}" type="presOf" srcId="{2D0898D9-1379-4C8B-848A-4DE9262983B4}" destId="{BFA8CB9D-9F1D-4CD9-9D73-5A458DABA331}" srcOrd="0" destOrd="0" presId="urn:microsoft.com/office/officeart/2008/layout/HorizontalMultiLevelHierarchy"/>
-    <dgm:cxn modelId="{530A820A-DE70-431E-A20B-7969DD8DB6DC}" type="presOf" srcId="{30687554-7B6A-4E42-B0D8-856A3E451C97}" destId="{F61ED2EA-3DCB-4BDF-974A-6D38D5B018AB}" srcOrd="0" destOrd="0" presId="urn:microsoft.com/office/officeart/2008/layout/HorizontalMultiLevelHierarchy"/>
-    <dgm:cxn modelId="{4D1868B3-148F-4F71-A708-469F6DEC5B07}" type="presOf" srcId="{A26C579B-D9A2-440D-B584-E528FA053B0A}" destId="{70AD1357-89BE-4B28-B9F5-7D58CDC1F51E}" srcOrd="1" destOrd="0" presId="urn:microsoft.com/office/officeart/2008/layout/HorizontalMultiLevelHierarchy"/>
-    <dgm:cxn modelId="{2288930F-53E6-4EE6-ADDE-2436FA49AA32}" type="presOf" srcId="{B376DC1C-1A4D-4446-88F6-4DFB0AAC6190}" destId="{ACF0F1AD-F143-4BEB-B9B0-4355CC987FF0}" srcOrd="1" destOrd="0" presId="urn:microsoft.com/office/officeart/2008/layout/HorizontalMultiLevelHierarchy"/>
-    <dgm:cxn modelId="{F8360B02-CBE4-46B8-B678-61781A65F5FF}" type="presOf" srcId="{0B9BCD10-1EF6-4B84-A607-3FE578E09CF8}" destId="{A20128AE-AD89-4CEA-9148-E73F5681A2EE}" srcOrd="0" destOrd="0" presId="urn:microsoft.com/office/officeart/2008/layout/HorizontalMultiLevelHierarchy"/>
-    <dgm:cxn modelId="{B9DA3036-D7DD-49E9-9AD4-515E1CC3D168}" type="presOf" srcId="{92CA22EE-41F8-4C23-BA80-310383AE6AFD}" destId="{C8A74607-627B-4791-8B31-4BA4E02B4D7C}" srcOrd="0" destOrd="0" presId="urn:microsoft.com/office/officeart/2008/layout/HorizontalMultiLevelHierarchy"/>
-    <dgm:cxn modelId="{B928830C-76B0-4413-A554-50384C624BF3}" srcId="{09A61BE4-FBF2-4678-871E-03F8CFC0E905}" destId="{9ACA9546-4CA0-4D0D-A122-ADEA92156DDA}" srcOrd="0" destOrd="0" parTransId="{B376DC1C-1A4D-4446-88F6-4DFB0AAC6190}" sibTransId="{6060A363-DEB2-4884-8F47-7BE2C926C8F8}"/>
-    <dgm:cxn modelId="{4C1E32DE-6B41-4949-ABB2-3067568C366A}" srcId="{5E4A91D4-2366-4C60-BB3D-496C11657DC0}" destId="{3AD458C6-8419-4D84-9762-23D8C70DAE66}" srcOrd="0" destOrd="0" parTransId="{28B1DEF3-FA5E-434F-985A-593161F70089}" sibTransId="{A88E28B4-7BB8-4343-8CB3-F71BAF5EB0BF}"/>
-    <dgm:cxn modelId="{C204746F-9360-4D9D-A941-80CE7D7C2729}" srcId="{2B18F95E-9338-43E9-A54D-7EB8F97F82C3}" destId="{406A186A-33BC-4105-8835-7C5D35980A40}" srcOrd="0" destOrd="0" parTransId="{DC5215DC-63FE-4AB9-A5CA-19C1598E79BB}" sibTransId="{0016C189-12DE-41B5-BFFB-F01413D9BAF6}"/>
-    <dgm:cxn modelId="{24EBC399-A533-4DD9-99A5-B26A1EF21F3F}" type="presOf" srcId="{FD783284-7709-4153-940E-9DD9E029E02A}" destId="{426AC0E4-BEF7-4521-B5BF-B55008593BD6}" srcOrd="1" destOrd="0" presId="urn:microsoft.com/office/officeart/2008/layout/HorizontalMultiLevelHierarchy"/>
-    <dgm:cxn modelId="{EDFFE7DD-3DD6-4505-A66C-AFE6E440F812}" type="presOf" srcId="{2C5D07FC-2E11-4C25-B11B-D468629BAEA7}" destId="{D2297108-BBF1-4A06-A0FE-E40031175864}" srcOrd="1" destOrd="0" presId="urn:microsoft.com/office/officeart/2008/layout/HorizontalMultiLevelHierarchy"/>
-    <dgm:cxn modelId="{3A37C727-8DD4-436B-8133-66237D514867}" type="presOf" srcId="{2BA398DC-44B5-4B11-A724-B73E05D7E9DF}" destId="{9DE0F9C2-8935-4BB2-9E9C-937F7C914306}" srcOrd="0" destOrd="0" presId="urn:microsoft.com/office/officeart/2008/layout/HorizontalMultiLevelHierarchy"/>
-    <dgm:cxn modelId="{5C6F1EB7-FC88-40C1-93A7-33335865B239}" srcId="{09A61BE4-FBF2-4678-871E-03F8CFC0E905}" destId="{BD7D0AF9-68FE-4C26-A056-56C45A6F6BF0}" srcOrd="1" destOrd="0" parTransId="{A09624DF-DDC3-4005-AE6C-949C55F3D201}" sibTransId="{BA0B6355-B7B9-4035-B438-19C3E653E713}"/>
-    <dgm:cxn modelId="{E8C98B9E-69E4-4EF5-81A5-2180D64E6D44}" type="presOf" srcId="{59511E4B-8EFD-40C1-8769-41EC8A3006F1}" destId="{9B99E809-B197-4823-8F4F-A9A5674BCDDC}" srcOrd="1" destOrd="0" presId="urn:microsoft.com/office/officeart/2008/layout/HorizontalMultiLevelHierarchy"/>
-    <dgm:cxn modelId="{0D3D2457-E634-41C0-AE20-C5FAFC283B3B}" type="presOf" srcId="{DE9229B0-83CB-4AFE-B09E-2D25B676FB5D}" destId="{2293E997-8A42-4DE4-AFF5-CE2F2C46F300}" srcOrd="0" destOrd="0" presId="urn:microsoft.com/office/officeart/2008/layout/HorizontalMultiLevelHierarchy"/>
-    <dgm:cxn modelId="{8FCFBD36-F133-40B3-AFF9-3C0FE09F7959}" srcId="{8DC7735B-9A6C-431C-92AA-042288E1B6AF}" destId="{2CFC024F-40D5-4978-B0D2-5F1E40D4091C}" srcOrd="2" destOrd="0" parTransId="{B585FA61-ABCC-4C00-904E-F590963CA53E}" sibTransId="{0F4A212E-DFC1-47F1-9D57-F1300933BA27}"/>
-    <dgm:cxn modelId="{598D3D67-BC1B-443E-9833-8ACCA111D016}" type="presOf" srcId="{BD7D0AF9-68FE-4C26-A056-56C45A6F6BF0}" destId="{F3F472E3-5157-4A9E-B0CD-16FF248F6E0E}" srcOrd="0" destOrd="0" presId="urn:microsoft.com/office/officeart/2008/layout/HorizontalMultiLevelHierarchy"/>
-    <dgm:cxn modelId="{9655C251-82EC-4546-B5C3-E7820580E64E}" type="presOf" srcId="{DF616C12-DFC6-40E5-BC46-E77E630699CC}" destId="{9F3D299C-912D-48E4-AE76-DBF8471D0058}" srcOrd="0" destOrd="0" presId="urn:microsoft.com/office/officeart/2008/layout/HorizontalMultiLevelHierarchy"/>
-    <dgm:cxn modelId="{818C5901-157D-4E0D-8721-D7923B55F53C}" srcId="{2BA398DC-44B5-4B11-A724-B73E05D7E9DF}" destId="{5E4A91D4-2366-4C60-BB3D-496C11657DC0}" srcOrd="0" destOrd="0" parTransId="{26479144-D9B7-4B50-8D7C-51FE0917EA76}" sibTransId="{423EFA55-F537-444B-A59D-5885F36136D9}"/>
     <dgm:cxn modelId="{95822C1C-8748-42E4-8681-74A1D75BF69E}" type="presParOf" srcId="{9F3D299C-912D-48E4-AE76-DBF8471D0058}" destId="{2DA7FCC0-B548-4A9C-952C-C59667CEB92C}" srcOrd="0" destOrd="0" presId="urn:microsoft.com/office/officeart/2008/layout/HorizontalMultiLevelHierarchy"/>
     <dgm:cxn modelId="{7384B2C6-DB46-4A27-8886-D4FDD6AC1CA5}" type="presParOf" srcId="{2DA7FCC0-B548-4A9C-952C-C59667CEB92C}" destId="{67239EAB-1659-405F-9D37-5E8449D29F93}" srcOrd="0" destOrd="0" presId="urn:microsoft.com/office/officeart/2008/layout/HorizontalMultiLevelHierarchy"/>
     <dgm:cxn modelId="{739730A1-CA51-49C8-B733-D1C01E3B8258}" type="presParOf" srcId="{2DA7FCC0-B548-4A9C-952C-C59667CEB92C}" destId="{820AEFFE-B798-4C54-A521-7E9D3B3ABF19}" srcOrd="1" destOrd="0" presId="urn:microsoft.com/office/officeart/2008/layout/HorizontalMultiLevelHierarchy"/>
@@ -4035,6 +4378,31 @@
     <dgm:cxn modelId="{5ED18C16-B25D-45D4-8F2B-84666070F4BA}" type="presParOf" srcId="{CB52BBDC-041F-41E3-82CD-2E2FF9D5041D}" destId="{1E12BA86-21F9-4768-98E8-F35305F73DAA}" srcOrd="3" destOrd="0" presId="urn:microsoft.com/office/officeart/2008/layout/HorizontalMultiLevelHierarchy"/>
     <dgm:cxn modelId="{0FCDCB38-A496-4998-BDD2-B78553BAB1EF}" type="presParOf" srcId="{1E12BA86-21F9-4768-98E8-F35305F73DAA}" destId="{3EE425C3-9686-4BDF-A704-1B7FE956B70F}" srcOrd="0" destOrd="0" presId="urn:microsoft.com/office/officeart/2008/layout/HorizontalMultiLevelHierarchy"/>
     <dgm:cxn modelId="{B44C20BD-BADB-4555-8E04-51A01B126248}" type="presParOf" srcId="{1E12BA86-21F9-4768-98E8-F35305F73DAA}" destId="{933C1E24-F2A3-4293-B95E-1040730DDCE5}" srcOrd="1" destOrd="0" presId="urn:microsoft.com/office/officeart/2008/layout/HorizontalMultiLevelHierarchy"/>
+    <dgm:cxn modelId="{8F868CCC-1FE8-455E-9719-300771FE2715}" type="presParOf" srcId="{9649ACAB-2321-4691-A3E4-17E5315F335D}" destId="{3277378E-1025-4B91-B646-B39624C63CFC}" srcOrd="4" destOrd="0" presId="urn:microsoft.com/office/officeart/2008/layout/HorizontalMultiLevelHierarchy"/>
+    <dgm:cxn modelId="{DD147FEC-281D-463F-A276-5C0AA25033BA}" type="presParOf" srcId="{3277378E-1025-4B91-B646-B39624C63CFC}" destId="{ED27862D-C3E6-427A-885B-0E48DC7843BB}" srcOrd="0" destOrd="0" presId="urn:microsoft.com/office/officeart/2008/layout/HorizontalMultiLevelHierarchy"/>
+    <dgm:cxn modelId="{4A8EDDA0-895B-499C-A4E4-50D4003A286C}" type="presParOf" srcId="{9649ACAB-2321-4691-A3E4-17E5315F335D}" destId="{694CBA10-92D2-4197-90E3-DF07EA10EEB8}" srcOrd="5" destOrd="0" presId="urn:microsoft.com/office/officeart/2008/layout/HorizontalMultiLevelHierarchy"/>
+    <dgm:cxn modelId="{43B4E36A-17D2-479F-8F41-05383CF7D5A5}" type="presParOf" srcId="{694CBA10-92D2-4197-90E3-DF07EA10EEB8}" destId="{3CE5715A-B463-4312-A59B-740DC19BA68B}" srcOrd="0" destOrd="0" presId="urn:microsoft.com/office/officeart/2008/layout/HorizontalMultiLevelHierarchy"/>
+    <dgm:cxn modelId="{7D0D7166-BFE3-4E3D-AFAB-66C6BDC5F476}" type="presParOf" srcId="{694CBA10-92D2-4197-90E3-DF07EA10EEB8}" destId="{63E2F988-CB6C-4238-BA57-4F2847669F56}" srcOrd="1" destOrd="0" presId="urn:microsoft.com/office/officeart/2008/layout/HorizontalMultiLevelHierarchy"/>
+    <dgm:cxn modelId="{A20983CD-2EC7-4581-B618-5D7E63793D5F}" type="presParOf" srcId="{63E2F988-CB6C-4238-BA57-4F2847669F56}" destId="{B1B95A7D-A80C-4A8C-B5CC-608F51433E24}" srcOrd="0" destOrd="0" presId="urn:microsoft.com/office/officeart/2008/layout/HorizontalMultiLevelHierarchy"/>
+    <dgm:cxn modelId="{DD6C115B-C7E7-42BB-B77B-01D7A0E3A1AF}" type="presParOf" srcId="{B1B95A7D-A80C-4A8C-B5CC-608F51433E24}" destId="{D089DFB8-6D68-45D6-93AE-4D04E31DEDBD}" srcOrd="0" destOrd="0" presId="urn:microsoft.com/office/officeart/2008/layout/HorizontalMultiLevelHierarchy"/>
+    <dgm:cxn modelId="{49645A75-3C0E-4549-BA6B-8A653FC3D20E}" type="presParOf" srcId="{63E2F988-CB6C-4238-BA57-4F2847669F56}" destId="{9BAEEE4D-1794-4993-ABA7-35B5444E3185}" srcOrd="1" destOrd="0" presId="urn:microsoft.com/office/officeart/2008/layout/HorizontalMultiLevelHierarchy"/>
+    <dgm:cxn modelId="{F662308A-7ED3-4C9F-810F-ED233768109E}" type="presParOf" srcId="{9BAEEE4D-1794-4993-ABA7-35B5444E3185}" destId="{BADDFD11-6D6A-4F6A-8B2E-2F492D67B8FF}" srcOrd="0" destOrd="0" presId="urn:microsoft.com/office/officeart/2008/layout/HorizontalMultiLevelHierarchy"/>
+    <dgm:cxn modelId="{AABB06D3-7BB3-417E-B60B-97A3A19555A5}" type="presParOf" srcId="{9BAEEE4D-1794-4993-ABA7-35B5444E3185}" destId="{674512A4-DC34-49D8-96AF-E0B4E8875587}" srcOrd="1" destOrd="0" presId="urn:microsoft.com/office/officeart/2008/layout/HorizontalMultiLevelHierarchy"/>
+    <dgm:cxn modelId="{0A81179B-F5C8-4176-BA82-C9157C81E695}" type="presParOf" srcId="{674512A4-DC34-49D8-96AF-E0B4E8875587}" destId="{1C218697-7FEC-442C-BEAC-861EDBA1EE26}" srcOrd="0" destOrd="0" presId="urn:microsoft.com/office/officeart/2008/layout/HorizontalMultiLevelHierarchy"/>
+    <dgm:cxn modelId="{A04A286E-BC65-4B22-ACF3-CCF430210792}" type="presParOf" srcId="{1C218697-7FEC-442C-BEAC-861EDBA1EE26}" destId="{81ADFB7C-14D3-491D-A8C3-619A082EA693}" srcOrd="0" destOrd="0" presId="urn:microsoft.com/office/officeart/2008/layout/HorizontalMultiLevelHierarchy"/>
+    <dgm:cxn modelId="{B72EC73D-1CFE-4C9E-B6A1-CB4908DE34D3}" type="presParOf" srcId="{674512A4-DC34-49D8-96AF-E0B4E8875587}" destId="{1E3A8E4F-0756-4205-874E-8A8A7E5A4645}" srcOrd="1" destOrd="0" presId="urn:microsoft.com/office/officeart/2008/layout/HorizontalMultiLevelHierarchy"/>
+    <dgm:cxn modelId="{EAF1DDCB-31F6-42DE-8464-BC59D03FC391}" type="presParOf" srcId="{1E3A8E4F-0756-4205-874E-8A8A7E5A4645}" destId="{A53E1177-1715-4EBC-8FFF-D2B6BE4DA7DF}" srcOrd="0" destOrd="0" presId="urn:microsoft.com/office/officeart/2008/layout/HorizontalMultiLevelHierarchy"/>
+    <dgm:cxn modelId="{DA46647C-F989-4F68-B679-2833609BFA0B}" type="presParOf" srcId="{1E3A8E4F-0756-4205-874E-8A8A7E5A4645}" destId="{96D657BE-01FB-41A5-A61B-3B35503AC2B6}" srcOrd="1" destOrd="0" presId="urn:microsoft.com/office/officeart/2008/layout/HorizontalMultiLevelHierarchy"/>
+    <dgm:cxn modelId="{38816520-EE91-47B8-BB6F-EB5AB950CC25}" type="presParOf" srcId="{674512A4-DC34-49D8-96AF-E0B4E8875587}" destId="{17D366BE-804F-4EB3-932C-7E922AA72C97}" srcOrd="2" destOrd="0" presId="urn:microsoft.com/office/officeart/2008/layout/HorizontalMultiLevelHierarchy"/>
+    <dgm:cxn modelId="{81E675FB-C647-4B68-9D60-3466889A02AC}" type="presParOf" srcId="{17D366BE-804F-4EB3-932C-7E922AA72C97}" destId="{E6F6B072-371D-4957-ABC0-3B2C22D27DBF}" srcOrd="0" destOrd="0" presId="urn:microsoft.com/office/officeart/2008/layout/HorizontalMultiLevelHierarchy"/>
+    <dgm:cxn modelId="{BD7CFE59-8203-4A46-9298-AB1550095D82}" type="presParOf" srcId="{674512A4-DC34-49D8-96AF-E0B4E8875587}" destId="{570E30F0-C1ED-4CD5-BCCD-D977F598EAF8}" srcOrd="3" destOrd="0" presId="urn:microsoft.com/office/officeart/2008/layout/HorizontalMultiLevelHierarchy"/>
+    <dgm:cxn modelId="{F9C53A65-A147-413A-9C00-3D03EC936C95}" type="presParOf" srcId="{570E30F0-C1ED-4CD5-BCCD-D977F598EAF8}" destId="{9C97ECFE-35CB-4952-AA99-AABD5BBDF8F7}" srcOrd="0" destOrd="0" presId="urn:microsoft.com/office/officeart/2008/layout/HorizontalMultiLevelHierarchy"/>
+    <dgm:cxn modelId="{302F0B1F-C183-445C-9B13-003C4A21B634}" type="presParOf" srcId="{570E30F0-C1ED-4CD5-BCCD-D977F598EAF8}" destId="{F4A1B485-8D55-4B83-ADC5-922BB2DE367E}" srcOrd="1" destOrd="0" presId="urn:microsoft.com/office/officeart/2008/layout/HorizontalMultiLevelHierarchy"/>
+    <dgm:cxn modelId="{3225DAA4-09B1-42DF-9876-011C6716F424}" type="presParOf" srcId="{63E2F988-CB6C-4238-BA57-4F2847669F56}" destId="{F5B1B54B-C837-4500-B1F9-6B55EC063495}" srcOrd="2" destOrd="0" presId="urn:microsoft.com/office/officeart/2008/layout/HorizontalMultiLevelHierarchy"/>
+    <dgm:cxn modelId="{6966FD96-3744-4982-A747-4F6E11E67C94}" type="presParOf" srcId="{F5B1B54B-C837-4500-B1F9-6B55EC063495}" destId="{D842F95B-B05B-4DE0-B764-8E26B5379FF0}" srcOrd="0" destOrd="0" presId="urn:microsoft.com/office/officeart/2008/layout/HorizontalMultiLevelHierarchy"/>
+    <dgm:cxn modelId="{4D7F6CFF-F974-4DF8-A0CE-93268F5F4744}" type="presParOf" srcId="{63E2F988-CB6C-4238-BA57-4F2847669F56}" destId="{4E596BD4-DA7C-4D4A-8CF7-CADC167A2029}" srcOrd="3" destOrd="0" presId="urn:microsoft.com/office/officeart/2008/layout/HorizontalMultiLevelHierarchy"/>
+    <dgm:cxn modelId="{EAE4E3D7-0F89-4C47-BCDF-00CBAE336F14}" type="presParOf" srcId="{4E596BD4-DA7C-4D4A-8CF7-CADC167A2029}" destId="{D95C901E-1098-4296-B1C0-A32F05673786}" srcOrd="0" destOrd="0" presId="urn:microsoft.com/office/officeart/2008/layout/HorizontalMultiLevelHierarchy"/>
+    <dgm:cxn modelId="{9629A0B0-99A9-4BEB-AB07-0602A2CED635}" type="presParOf" srcId="{4E596BD4-DA7C-4D4A-8CF7-CADC167A2029}" destId="{4EAB2BC0-F83A-4A62-B7D8-59143933720A}" srcOrd="1" destOrd="0" presId="urn:microsoft.com/office/officeart/2008/layout/HorizontalMultiLevelHierarchy"/>
     <dgm:cxn modelId="{397C5CDE-9E20-4032-9CCF-0A2C63B75098}" type="presParOf" srcId="{091F9845-6CCA-4AA6-A36D-E0DDB56C09DA}" destId="{C4C9488E-7BE6-4FC9-9B22-FCEA0EF43662}" srcOrd="2" destOrd="0" presId="urn:microsoft.com/office/officeart/2008/layout/HorizontalMultiLevelHierarchy"/>
     <dgm:cxn modelId="{F54EF338-92B8-4F2D-9481-02396BD0EDC9}" type="presParOf" srcId="{C4C9488E-7BE6-4FC9-9B22-FCEA0EF43662}" destId="{8326D004-29DB-4CCB-873E-728791BF390D}" srcOrd="0" destOrd="0" presId="urn:microsoft.com/office/officeart/2008/layout/HorizontalMultiLevelHierarchy"/>
     <dgm:cxn modelId="{BDE26333-3F6F-4C51-801F-E62C37870B79}" type="presParOf" srcId="{091F9845-6CCA-4AA6-A36D-E0DDB56C09DA}" destId="{7B41DE76-EBEE-4BB3-A8A1-4C9B0D6B6626}" srcOrd="3" destOrd="0" presId="urn:microsoft.com/office/officeart/2008/layout/HorizontalMultiLevelHierarchy"/>
@@ -4071,8 +4439,8 @@
       </dsp:nvSpPr>
       <dsp:spPr>
         <a:xfrm>
-          <a:off x="4167314" y="4474192"/>
-          <a:ext cx="215405" cy="410453"/>
+          <a:off x="4667079" y="4141643"/>
+          <a:ext cx="178664" cy="340442"/>
         </a:xfrm>
         <a:custGeom>
           <a:avLst/>
@@ -4086,13 +4454,13 @@
                 <a:pt x="0" y="0"/>
               </a:moveTo>
               <a:lnTo>
-                <a:pt x="107702" y="0"/>
+                <a:pt x="89332" y="0"/>
               </a:lnTo>
               <a:lnTo>
-                <a:pt x="107702" y="410453"/>
+                <a:pt x="89332" y="340442"/>
               </a:lnTo>
               <a:lnTo>
-                <a:pt x="215405" y="410453"/>
+                <a:pt x="178664" y="340442"/>
               </a:lnTo>
             </a:path>
           </a:pathLst>
@@ -4144,8 +4512,8 @@
         </a:p>
       </dsp:txBody>
       <dsp:txXfrm>
-        <a:off x="4263428" y="4667830"/>
-        <a:ext cx="23177" cy="23177"/>
+        <a:off x="4746799" y="4302252"/>
+        <a:ext cx="19223" cy="19223"/>
       </dsp:txXfrm>
     </dsp:sp>
     <dsp:sp modelId="{C4C9488E-7BE6-4FC9-9B22-FCEA0EF43662}">
@@ -4155,8 +4523,8 @@
       </dsp:nvSpPr>
       <dsp:spPr>
         <a:xfrm>
-          <a:off x="4167314" y="4428472"/>
-          <a:ext cx="215405" cy="91440"/>
+          <a:off x="4667079" y="4095923"/>
+          <a:ext cx="178664" cy="91440"/>
         </a:xfrm>
         <a:custGeom>
           <a:avLst/>
@@ -4170,7 +4538,7 @@
                 <a:pt x="0" y="45720"/>
               </a:moveTo>
               <a:lnTo>
-                <a:pt x="215405" y="45720"/>
+                <a:pt x="178664" y="45720"/>
               </a:lnTo>
             </a:path>
           </a:pathLst>
@@ -4222,19 +4590,19 @@
         </a:p>
       </dsp:txBody>
       <dsp:txXfrm>
-        <a:off x="4269632" y="4468807"/>
-        <a:ext cx="10770" cy="10770"/>
+        <a:off x="4751944" y="4137176"/>
+        <a:ext cx="8933" cy="8933"/>
       </dsp:txXfrm>
     </dsp:sp>
-    <dsp:sp modelId="{67D635C0-48F2-4C8E-A3A2-F35C9A9E45DC}">
+    <dsp:sp modelId="{F5B1B54B-C837-4500-B1F9-6B55EC063495}">
       <dsp:nvSpPr>
         <dsp:cNvPr id="0" name=""/>
         <dsp:cNvSpPr/>
       </dsp:nvSpPr>
       <dsp:spPr>
         <a:xfrm>
-          <a:off x="6752185" y="4679418"/>
-          <a:ext cx="215405" cy="205226"/>
+          <a:off x="6811052" y="4737418"/>
+          <a:ext cx="178664" cy="170221"/>
         </a:xfrm>
         <a:custGeom>
           <a:avLst/>
@@ -4248,13 +4616,13 @@
                 <a:pt x="0" y="0"/>
               </a:moveTo>
               <a:lnTo>
-                <a:pt x="107702" y="0"/>
+                <a:pt x="89332" y="0"/>
               </a:lnTo>
               <a:lnTo>
-                <a:pt x="107702" y="205226"/>
+                <a:pt x="89332" y="170221"/>
               </a:lnTo>
               <a:lnTo>
-                <a:pt x="215405" y="205226"/>
+                <a:pt x="178664" y="170221"/>
               </a:lnTo>
             </a:path>
           </a:pathLst>
@@ -4306,19 +4674,19 @@
         </a:p>
       </dsp:txBody>
       <dsp:txXfrm>
-        <a:off x="6852450" y="4774594"/>
-        <a:ext cx="14875" cy="14875"/>
+        <a:off x="6894215" y="4816359"/>
+        <a:ext cx="12338" cy="12338"/>
       </dsp:txXfrm>
     </dsp:sp>
-    <dsp:sp modelId="{59AE2245-54FD-442F-826F-E34D3A5503D3}">
+    <dsp:sp modelId="{17D366BE-804F-4EB3-932C-7E922AA72C97}">
       <dsp:nvSpPr>
         <dsp:cNvPr id="0" name=""/>
         <dsp:cNvSpPr/>
       </dsp:nvSpPr>
       <dsp:spPr>
         <a:xfrm>
-          <a:off x="8044620" y="4474192"/>
-          <a:ext cx="215405" cy="410453"/>
+          <a:off x="7959936" y="4567196"/>
+          <a:ext cx="345644" cy="170221"/>
         </a:xfrm>
         <a:custGeom>
           <a:avLst/>
@@ -4332,13 +4700,13 @@
                 <a:pt x="0" y="0"/>
               </a:moveTo>
               <a:lnTo>
-                <a:pt x="107702" y="0"/>
+                <a:pt x="172822" y="0"/>
               </a:lnTo>
               <a:lnTo>
-                <a:pt x="107702" y="410453"/>
+                <a:pt x="172822" y="170221"/>
               </a:lnTo>
               <a:lnTo>
-                <a:pt x="215405" y="410453"/>
+                <a:pt x="345644" y="170221"/>
               </a:lnTo>
             </a:path>
           </a:pathLst>
@@ -4390,19 +4758,19 @@
         </a:p>
       </dsp:txBody>
       <dsp:txXfrm>
-        <a:off x="8140734" y="4667830"/>
-        <a:ext cx="23177" cy="23177"/>
+        <a:off x="8123126" y="4642675"/>
+        <a:ext cx="19264" cy="19264"/>
       </dsp:txXfrm>
     </dsp:sp>
-    <dsp:sp modelId="{51ABB488-7F6B-4F15-BF1E-13957DECDEA0}">
+    <dsp:sp modelId="{1C218697-7FEC-442C-BEAC-861EDBA1EE26}">
       <dsp:nvSpPr>
         <dsp:cNvPr id="0" name=""/>
         <dsp:cNvSpPr/>
       </dsp:nvSpPr>
       <dsp:spPr>
         <a:xfrm>
-          <a:off x="8044620" y="4428472"/>
-          <a:ext cx="215405" cy="91440"/>
+          <a:off x="7959936" y="4396975"/>
+          <a:ext cx="345644" cy="170221"/>
         </a:xfrm>
         <a:custGeom>
           <a:avLst/>
@@ -4413,10 +4781,16 @@
           <a:pathLst>
             <a:path>
               <a:moveTo>
-                <a:pt x="0" y="45720"/>
+                <a:pt x="0" y="170221"/>
               </a:moveTo>
               <a:lnTo>
-                <a:pt x="215405" y="45720"/>
+                <a:pt x="172822" y="170221"/>
+              </a:lnTo>
+              <a:lnTo>
+                <a:pt x="172822" y="0"/>
+              </a:lnTo>
+              <a:lnTo>
+                <a:pt x="345644" y="0"/>
               </a:lnTo>
             </a:path>
           </a:pathLst>
@@ -4468,19 +4842,19 @@
         </a:p>
       </dsp:txBody>
       <dsp:txXfrm>
-        <a:off x="8146938" y="4468807"/>
-        <a:ext cx="10770" cy="10770"/>
+        <a:off x="8123126" y="4472454"/>
+        <a:ext cx="19264" cy="19264"/>
       </dsp:txXfrm>
     </dsp:sp>
-    <dsp:sp modelId="{6C6D8E9D-7873-4EE3-A7C8-467DB1B38886}">
+    <dsp:sp modelId="{B1B95A7D-A80C-4A8C-B5CC-608F51433E24}">
       <dsp:nvSpPr>
         <dsp:cNvPr id="0" name=""/>
         <dsp:cNvSpPr/>
       </dsp:nvSpPr>
       <dsp:spPr>
         <a:xfrm>
-          <a:off x="8044620" y="4063738"/>
-          <a:ext cx="215405" cy="410453"/>
+          <a:off x="6811052" y="4567196"/>
+          <a:ext cx="178664" cy="170221"/>
         </a:xfrm>
         <a:custGeom>
           <a:avLst/>
@@ -4491,16 +4865,16 @@
           <a:pathLst>
             <a:path>
               <a:moveTo>
-                <a:pt x="0" y="410453"/>
+                <a:pt x="0" y="170221"/>
               </a:moveTo>
               <a:lnTo>
-                <a:pt x="107702" y="410453"/>
+                <a:pt x="89332" y="170221"/>
               </a:lnTo>
               <a:lnTo>
-                <a:pt x="107702" y="0"/>
+                <a:pt x="89332" y="0"/>
               </a:lnTo>
               <a:lnTo>
-                <a:pt x="215405" y="0"/>
+                <a:pt x="178664" y="0"/>
               </a:lnTo>
             </a:path>
           </a:pathLst>
@@ -4552,19 +4926,19 @@
         </a:p>
       </dsp:txBody>
       <dsp:txXfrm>
-        <a:off x="8140734" y="4257376"/>
-        <a:ext cx="23177" cy="23177"/>
+        <a:off x="6894215" y="4646138"/>
+        <a:ext cx="12338" cy="12338"/>
       </dsp:txXfrm>
     </dsp:sp>
-    <dsp:sp modelId="{E8B9E04F-8911-439D-A990-57E0C8BD86F4}">
+    <dsp:sp modelId="{3277378E-1025-4B91-B646-B39624C63CFC}">
       <dsp:nvSpPr>
         <dsp:cNvPr id="0" name=""/>
         <dsp:cNvSpPr/>
       </dsp:nvSpPr>
       <dsp:spPr>
         <a:xfrm>
-          <a:off x="6752185" y="4474192"/>
-          <a:ext cx="215405" cy="205226"/>
+          <a:off x="5739065" y="3801200"/>
+          <a:ext cx="178664" cy="936218"/>
         </a:xfrm>
         <a:custGeom>
           <a:avLst/>
@@ -4575,16 +4949,16 @@
           <a:pathLst>
             <a:path>
               <a:moveTo>
-                <a:pt x="0" y="205226"/>
+                <a:pt x="0" y="0"/>
               </a:moveTo>
               <a:lnTo>
-                <a:pt x="107702" y="205226"/>
+                <a:pt x="89332" y="0"/>
               </a:lnTo>
               <a:lnTo>
-                <a:pt x="107702" y="0"/>
+                <a:pt x="89332" y="936218"/>
               </a:lnTo>
               <a:lnTo>
-                <a:pt x="215405" y="0"/>
+                <a:pt x="178664" y="936218"/>
               </a:lnTo>
             </a:path>
           </a:pathLst>
@@ -4636,19 +5010,19 @@
         </a:p>
       </dsp:txBody>
       <dsp:txXfrm>
-        <a:off x="6852450" y="4569367"/>
-        <a:ext cx="14875" cy="14875"/>
+        <a:off x="5804570" y="4245481"/>
+        <a:ext cx="47655" cy="47655"/>
       </dsp:txXfrm>
     </dsp:sp>
-    <dsp:sp modelId="{54971FDB-F67F-4F3B-92B6-E77D3DFFDC8A}">
+    <dsp:sp modelId="{67D635C0-48F2-4C8E-A3A2-F35C9A9E45DC}">
       <dsp:nvSpPr>
         <dsp:cNvPr id="0" name=""/>
         <dsp:cNvSpPr/>
       </dsp:nvSpPr>
       <dsp:spPr>
         <a:xfrm>
-          <a:off x="5459749" y="4063738"/>
-          <a:ext cx="215405" cy="615679"/>
+          <a:off x="6811052" y="3886310"/>
+          <a:ext cx="178664" cy="170221"/>
         </a:xfrm>
         <a:custGeom>
           <a:avLst/>
@@ -4662,13 +5036,13 @@
                 <a:pt x="0" y="0"/>
               </a:moveTo>
               <a:lnTo>
-                <a:pt x="107702" y="0"/>
+                <a:pt x="89332" y="0"/>
               </a:lnTo>
               <a:lnTo>
-                <a:pt x="107702" y="615679"/>
+                <a:pt x="89332" y="170221"/>
               </a:lnTo>
               <a:lnTo>
-                <a:pt x="215405" y="615679"/>
+                <a:pt x="178664" y="170221"/>
               </a:lnTo>
             </a:path>
           </a:pathLst>
@@ -4720,19 +5094,19 @@
         </a:p>
       </dsp:txBody>
       <dsp:txXfrm>
-        <a:off x="5551145" y="4355272"/>
-        <a:ext cx="32613" cy="32613"/>
+        <a:off x="6894215" y="3965252"/>
+        <a:ext cx="12338" cy="12338"/>
       </dsp:txXfrm>
     </dsp:sp>
-    <dsp:sp modelId="{E7DB1CDA-3D4C-4818-A88C-6D185D722EC6}">
+    <dsp:sp modelId="{59AE2245-54FD-442F-826F-E34D3A5503D3}">
       <dsp:nvSpPr>
         <dsp:cNvPr id="0" name=""/>
         <dsp:cNvSpPr/>
       </dsp:nvSpPr>
       <dsp:spPr>
         <a:xfrm>
-          <a:off x="6752185" y="3448058"/>
-          <a:ext cx="215405" cy="205226"/>
+          <a:off x="7961089" y="3716089"/>
+          <a:ext cx="357203" cy="340442"/>
         </a:xfrm>
         <a:custGeom>
           <a:avLst/>
@@ -4746,13 +5120,13 @@
                 <a:pt x="0" y="0"/>
               </a:moveTo>
               <a:lnTo>
-                <a:pt x="107702" y="0"/>
+                <a:pt x="178601" y="0"/>
               </a:lnTo>
               <a:lnTo>
-                <a:pt x="107702" y="205226"/>
+                <a:pt x="178601" y="340442"/>
               </a:lnTo>
               <a:lnTo>
-                <a:pt x="215405" y="205226"/>
+                <a:pt x="357203" y="340442"/>
               </a:lnTo>
             </a:path>
           </a:pathLst>
@@ -4804,19 +5178,19 @@
         </a:p>
       </dsp:txBody>
       <dsp:txXfrm>
-        <a:off x="6852450" y="3543234"/>
-        <a:ext cx="14875" cy="14875"/>
+        <a:off x="8127354" y="3873974"/>
+        <a:ext cx="24672" cy="24672"/>
       </dsp:txXfrm>
     </dsp:sp>
-    <dsp:sp modelId="{0F4448C4-16D0-412B-B97C-B3EE8C574400}">
+    <dsp:sp modelId="{51ABB488-7F6B-4F15-BF1E-13957DECDEA0}">
       <dsp:nvSpPr>
         <dsp:cNvPr id="0" name=""/>
         <dsp:cNvSpPr/>
       </dsp:nvSpPr>
       <dsp:spPr>
         <a:xfrm>
-          <a:off x="8044620" y="3242832"/>
-          <a:ext cx="215405" cy="410453"/>
+          <a:off x="7961089" y="3670369"/>
+          <a:ext cx="357203" cy="91440"/>
         </a:xfrm>
         <a:custGeom>
           <a:avLst/>
@@ -4827,16 +5201,10 @@
           <a:pathLst>
             <a:path>
               <a:moveTo>
-                <a:pt x="0" y="0"/>
+                <a:pt x="0" y="45720"/>
               </a:moveTo>
               <a:lnTo>
-                <a:pt x="107702" y="0"/>
-              </a:lnTo>
-              <a:lnTo>
-                <a:pt x="107702" y="410453"/>
-              </a:lnTo>
-              <a:lnTo>
-                <a:pt x="215405" y="410453"/>
+                <a:pt x="357203" y="45720"/>
               </a:lnTo>
             </a:path>
           </a:pathLst>
@@ -4888,19 +5256,19 @@
         </a:p>
       </dsp:txBody>
       <dsp:txXfrm>
-        <a:off x="8140734" y="3436470"/>
-        <a:ext cx="23177" cy="23177"/>
+        <a:off x="8130761" y="3707159"/>
+        <a:ext cx="17860" cy="17860"/>
       </dsp:txXfrm>
     </dsp:sp>
-    <dsp:sp modelId="{A3E99873-9A6B-448D-882B-6A1290124BE0}">
+    <dsp:sp modelId="{6C6D8E9D-7873-4EE3-A7C8-467DB1B38886}">
       <dsp:nvSpPr>
         <dsp:cNvPr id="0" name=""/>
         <dsp:cNvSpPr/>
       </dsp:nvSpPr>
       <dsp:spPr>
         <a:xfrm>
-          <a:off x="8044620" y="3197112"/>
-          <a:ext cx="215405" cy="91440"/>
+          <a:off x="7961089" y="3375646"/>
+          <a:ext cx="357203" cy="340442"/>
         </a:xfrm>
         <a:custGeom>
           <a:avLst/>
@@ -4911,10 +5279,16 @@
           <a:pathLst>
             <a:path>
               <a:moveTo>
-                <a:pt x="0" y="45720"/>
+                <a:pt x="0" y="340442"/>
               </a:moveTo>
               <a:lnTo>
-                <a:pt x="215405" y="45720"/>
+                <a:pt x="178601" y="340442"/>
+              </a:lnTo>
+              <a:lnTo>
+                <a:pt x="178601" y="0"/>
+              </a:lnTo>
+              <a:lnTo>
+                <a:pt x="357203" y="0"/>
               </a:lnTo>
             </a:path>
           </a:pathLst>
@@ -4966,19 +5340,19 @@
         </a:p>
       </dsp:txBody>
       <dsp:txXfrm>
-        <a:off x="8146938" y="3237447"/>
-        <a:ext cx="10770" cy="10770"/>
+        <a:off x="8127354" y="3533531"/>
+        <a:ext cx="24672" cy="24672"/>
       </dsp:txXfrm>
     </dsp:sp>
-    <dsp:sp modelId="{BCF6B846-BCE0-4A36-AB58-F37D855BACB3}">
+    <dsp:sp modelId="{E8B9E04F-8911-439D-A990-57E0C8BD86F4}">
       <dsp:nvSpPr>
         <dsp:cNvPr id="0" name=""/>
         <dsp:cNvSpPr/>
       </dsp:nvSpPr>
       <dsp:spPr>
         <a:xfrm>
-          <a:off x="8044620" y="2832378"/>
-          <a:ext cx="215405" cy="410453"/>
+          <a:off x="6811052" y="3716089"/>
+          <a:ext cx="178664" cy="170221"/>
         </a:xfrm>
         <a:custGeom>
           <a:avLst/>
@@ -4989,16 +5363,16 @@
           <a:pathLst>
             <a:path>
               <a:moveTo>
-                <a:pt x="0" y="410453"/>
+                <a:pt x="0" y="170221"/>
               </a:moveTo>
               <a:lnTo>
-                <a:pt x="107702" y="410453"/>
+                <a:pt x="89332" y="170221"/>
               </a:lnTo>
               <a:lnTo>
-                <a:pt x="107702" y="0"/>
+                <a:pt x="89332" y="0"/>
               </a:lnTo>
               <a:lnTo>
-                <a:pt x="215405" y="0"/>
+                <a:pt x="178664" y="0"/>
               </a:lnTo>
             </a:path>
           </a:pathLst>
@@ -5050,19 +5424,19 @@
         </a:p>
       </dsp:txBody>
       <dsp:txXfrm>
-        <a:off x="8140734" y="3026017"/>
-        <a:ext cx="23177" cy="23177"/>
+        <a:off x="6894215" y="3795030"/>
+        <a:ext cx="12338" cy="12338"/>
       </dsp:txXfrm>
     </dsp:sp>
-    <dsp:sp modelId="{7137EB5A-E346-4115-9F66-B74C3542748E}">
+    <dsp:sp modelId="{54971FDB-F67F-4F3B-92B6-E77D3DFFDC8A}">
       <dsp:nvSpPr>
         <dsp:cNvPr id="0" name=""/>
         <dsp:cNvSpPr/>
       </dsp:nvSpPr>
       <dsp:spPr>
         <a:xfrm>
-          <a:off x="6752185" y="3242832"/>
-          <a:ext cx="215405" cy="205226"/>
+          <a:off x="5739065" y="3755480"/>
+          <a:ext cx="178664" cy="91440"/>
         </a:xfrm>
         <a:custGeom>
           <a:avLst/>
@@ -5073,16 +5447,16 @@
           <a:pathLst>
             <a:path>
               <a:moveTo>
-                <a:pt x="0" y="205226"/>
+                <a:pt x="0" y="45720"/>
               </a:moveTo>
               <a:lnTo>
-                <a:pt x="107702" y="205226"/>
+                <a:pt x="89332" y="45720"/>
               </a:lnTo>
               <a:lnTo>
-                <a:pt x="107702" y="0"/>
+                <a:pt x="89332" y="130830"/>
               </a:lnTo>
               <a:lnTo>
-                <a:pt x="215405" y="0"/>
+                <a:pt x="178664" y="130830"/>
               </a:lnTo>
             </a:path>
           </a:pathLst>
@@ -5134,19 +5508,19 @@
         </a:p>
       </dsp:txBody>
       <dsp:txXfrm>
-        <a:off x="6852450" y="3338007"/>
-        <a:ext cx="14875" cy="14875"/>
+        <a:off x="5823450" y="3796252"/>
+        <a:ext cx="9895" cy="9895"/>
       </dsp:txXfrm>
     </dsp:sp>
-    <dsp:sp modelId="{6FB29898-0152-4460-9FA2-C023B30AA889}">
+    <dsp:sp modelId="{E7DB1CDA-3D4C-4818-A88C-6D185D722EC6}">
       <dsp:nvSpPr>
         <dsp:cNvPr id="0" name=""/>
         <dsp:cNvSpPr/>
       </dsp:nvSpPr>
       <dsp:spPr>
         <a:xfrm>
-          <a:off x="5459749" y="3448058"/>
-          <a:ext cx="215405" cy="615679"/>
+          <a:off x="6811052" y="2864981"/>
+          <a:ext cx="178664" cy="170221"/>
         </a:xfrm>
         <a:custGeom>
           <a:avLst/>
@@ -5157,16 +5531,16 @@
           <a:pathLst>
             <a:path>
               <a:moveTo>
-                <a:pt x="0" y="615679"/>
+                <a:pt x="0" y="0"/>
               </a:moveTo>
               <a:lnTo>
-                <a:pt x="107702" y="615679"/>
+                <a:pt x="89332" y="0"/>
               </a:lnTo>
               <a:lnTo>
-                <a:pt x="107702" y="0"/>
+                <a:pt x="89332" y="170221"/>
               </a:lnTo>
               <a:lnTo>
-                <a:pt x="215405" y="0"/>
+                <a:pt x="178664" y="170221"/>
               </a:lnTo>
             </a:path>
           </a:pathLst>
@@ -5218,19 +5592,19 @@
         </a:p>
       </dsp:txBody>
       <dsp:txXfrm>
-        <a:off x="5551145" y="3739592"/>
-        <a:ext cx="32613" cy="32613"/>
+        <a:off x="6894215" y="2943923"/>
+        <a:ext cx="12338" cy="12338"/>
       </dsp:txXfrm>
     </dsp:sp>
-    <dsp:sp modelId="{E0BC23FD-A123-4F6F-B29F-B1B1A8DCFCAA}">
+    <dsp:sp modelId="{0F4448C4-16D0-412B-B97C-B3EE8C574400}">
       <dsp:nvSpPr>
         <dsp:cNvPr id="0" name=""/>
         <dsp:cNvSpPr/>
       </dsp:nvSpPr>
       <dsp:spPr>
         <a:xfrm>
-          <a:off x="4167314" y="4063738"/>
-          <a:ext cx="215405" cy="410453"/>
+          <a:off x="7905301" y="2694760"/>
+          <a:ext cx="396965" cy="324540"/>
         </a:xfrm>
         <a:custGeom>
           <a:avLst/>
@@ -5241,16 +5615,16 @@
           <a:pathLst>
             <a:path>
               <a:moveTo>
-                <a:pt x="0" y="410453"/>
+                <a:pt x="0" y="0"/>
               </a:moveTo>
               <a:lnTo>
-                <a:pt x="107702" y="410453"/>
+                <a:pt x="198482" y="0"/>
               </a:lnTo>
               <a:lnTo>
-                <a:pt x="107702" y="0"/>
+                <a:pt x="198482" y="324540"/>
               </a:lnTo>
               <a:lnTo>
-                <a:pt x="215405" y="0"/>
+                <a:pt x="396965" y="324540"/>
               </a:lnTo>
             </a:path>
           </a:pathLst>
@@ -5302,8 +5676,428 @@
         </a:p>
       </dsp:txBody>
       <dsp:txXfrm>
-        <a:off x="4263428" y="4257376"/>
-        <a:ext cx="23177" cy="23177"/>
+        <a:off x="8090965" y="2844211"/>
+        <a:ext cx="25637" cy="25637"/>
+      </dsp:txXfrm>
+    </dsp:sp>
+    <dsp:sp modelId="{A3E99873-9A6B-448D-882B-6A1290124BE0}">
+      <dsp:nvSpPr>
+        <dsp:cNvPr id="0" name=""/>
+        <dsp:cNvSpPr/>
+      </dsp:nvSpPr>
+      <dsp:spPr>
+        <a:xfrm>
+          <a:off x="7905301" y="2633137"/>
+          <a:ext cx="396965" cy="91440"/>
+        </a:xfrm>
+        <a:custGeom>
+          <a:avLst/>
+          <a:gdLst/>
+          <a:ahLst/>
+          <a:cxnLst/>
+          <a:rect l="0" t="0" r="0" b="0"/>
+          <a:pathLst>
+            <a:path>
+              <a:moveTo>
+                <a:pt x="0" y="61622"/>
+              </a:moveTo>
+              <a:lnTo>
+                <a:pt x="198482" y="61622"/>
+              </a:lnTo>
+              <a:lnTo>
+                <a:pt x="198482" y="45720"/>
+              </a:lnTo>
+              <a:lnTo>
+                <a:pt x="396965" y="45720"/>
+              </a:lnTo>
+            </a:path>
+          </a:pathLst>
+        </a:custGeom>
+        <a:noFill/>
+        <a:ln w="9525" cap="rnd" cmpd="sng" algn="ctr">
+          <a:solidFill>
+            <a:schemeClr val="accent1">
+              <a:hueOff val="0"/>
+              <a:satOff val="0"/>
+              <a:lumOff val="0"/>
+              <a:alphaOff val="0"/>
+            </a:schemeClr>
+          </a:solidFill>
+          <a:prstDash val="solid"/>
+        </a:ln>
+        <a:effectLst/>
+      </dsp:spPr>
+      <dsp:style>
+        <a:lnRef idx="1">
+          <a:scrgbClr r="0" g="0" b="0"/>
+        </a:lnRef>
+        <a:fillRef idx="0">
+          <a:scrgbClr r="0" g="0" b="0"/>
+        </a:fillRef>
+        <a:effectRef idx="0">
+          <a:scrgbClr r="0" g="0" b="0"/>
+        </a:effectRef>
+        <a:fontRef idx="minor"/>
+      </dsp:style>
+      <dsp:txBody>
+        <a:bodyPr spcFirstLastPara="0" vert="horz" wrap="square" lIns="12700" tIns="0" rIns="12700" bIns="0" numCol="1" spcCol="1270" anchor="ctr" anchorCtr="0">
+          <a:noAutofit/>
+        </a:bodyPr>
+        <a:lstStyle/>
+        <a:p>
+          <a:pPr lvl="0" algn="ctr" defTabSz="222250">
+            <a:lnSpc>
+              <a:spcPct val="90000"/>
+            </a:lnSpc>
+            <a:spcBef>
+              <a:spcPct val="0"/>
+            </a:spcBef>
+            <a:spcAft>
+              <a:spcPct val="35000"/>
+            </a:spcAft>
+          </a:pPr>
+          <a:endParaRPr lang="fr-FR" sz="500" kern="1200"/>
+        </a:p>
+      </dsp:txBody>
+      <dsp:txXfrm>
+        <a:off x="8093852" y="2668925"/>
+        <a:ext cx="19864" cy="19864"/>
+      </dsp:txXfrm>
+    </dsp:sp>
+    <dsp:sp modelId="{BCF6B846-BCE0-4A36-AB58-F37D855BACB3}">
+      <dsp:nvSpPr>
+        <dsp:cNvPr id="0" name=""/>
+        <dsp:cNvSpPr/>
+      </dsp:nvSpPr>
+      <dsp:spPr>
+        <a:xfrm>
+          <a:off x="7905301" y="2338414"/>
+          <a:ext cx="396965" cy="356345"/>
+        </a:xfrm>
+        <a:custGeom>
+          <a:avLst/>
+          <a:gdLst/>
+          <a:ahLst/>
+          <a:cxnLst/>
+          <a:rect l="0" t="0" r="0" b="0"/>
+          <a:pathLst>
+            <a:path>
+              <a:moveTo>
+                <a:pt x="0" y="356345"/>
+              </a:moveTo>
+              <a:lnTo>
+                <a:pt x="198482" y="356345"/>
+              </a:lnTo>
+              <a:lnTo>
+                <a:pt x="198482" y="0"/>
+              </a:lnTo>
+              <a:lnTo>
+                <a:pt x="396965" y="0"/>
+              </a:lnTo>
+            </a:path>
+          </a:pathLst>
+        </a:custGeom>
+        <a:noFill/>
+        <a:ln w="9525" cap="rnd" cmpd="sng" algn="ctr">
+          <a:solidFill>
+            <a:schemeClr val="accent1">
+              <a:hueOff val="0"/>
+              <a:satOff val="0"/>
+              <a:lumOff val="0"/>
+              <a:alphaOff val="0"/>
+            </a:schemeClr>
+          </a:solidFill>
+          <a:prstDash val="solid"/>
+        </a:ln>
+        <a:effectLst/>
+      </dsp:spPr>
+      <dsp:style>
+        <a:lnRef idx="1">
+          <a:scrgbClr r="0" g="0" b="0"/>
+        </a:lnRef>
+        <a:fillRef idx="0">
+          <a:scrgbClr r="0" g="0" b="0"/>
+        </a:fillRef>
+        <a:effectRef idx="0">
+          <a:scrgbClr r="0" g="0" b="0"/>
+        </a:effectRef>
+        <a:fontRef idx="minor"/>
+      </dsp:style>
+      <dsp:txBody>
+        <a:bodyPr spcFirstLastPara="0" vert="horz" wrap="square" lIns="12700" tIns="0" rIns="12700" bIns="0" numCol="1" spcCol="1270" anchor="ctr" anchorCtr="0">
+          <a:noAutofit/>
+        </a:bodyPr>
+        <a:lstStyle/>
+        <a:p>
+          <a:pPr lvl="0" algn="ctr" defTabSz="222250">
+            <a:lnSpc>
+              <a:spcPct val="90000"/>
+            </a:lnSpc>
+            <a:spcBef>
+              <a:spcPct val="0"/>
+            </a:spcBef>
+            <a:spcAft>
+              <a:spcPct val="35000"/>
+            </a:spcAft>
+          </a:pPr>
+          <a:endParaRPr lang="fr-FR" sz="500" kern="1200"/>
+        </a:p>
+      </dsp:txBody>
+      <dsp:txXfrm>
+        <a:off x="8090448" y="2503251"/>
+        <a:ext cx="26672" cy="26672"/>
+      </dsp:txXfrm>
+    </dsp:sp>
+    <dsp:sp modelId="{7137EB5A-E346-4115-9F66-B74C3542748E}">
+      <dsp:nvSpPr>
+        <dsp:cNvPr id="0" name=""/>
+        <dsp:cNvSpPr/>
+      </dsp:nvSpPr>
+      <dsp:spPr>
+        <a:xfrm>
+          <a:off x="6811052" y="2694760"/>
+          <a:ext cx="178664" cy="170221"/>
+        </a:xfrm>
+        <a:custGeom>
+          <a:avLst/>
+          <a:gdLst/>
+          <a:ahLst/>
+          <a:cxnLst/>
+          <a:rect l="0" t="0" r="0" b="0"/>
+          <a:pathLst>
+            <a:path>
+              <a:moveTo>
+                <a:pt x="0" y="170221"/>
+              </a:moveTo>
+              <a:lnTo>
+                <a:pt x="89332" y="170221"/>
+              </a:lnTo>
+              <a:lnTo>
+                <a:pt x="89332" y="0"/>
+              </a:lnTo>
+              <a:lnTo>
+                <a:pt x="178664" y="0"/>
+              </a:lnTo>
+            </a:path>
+          </a:pathLst>
+        </a:custGeom>
+        <a:noFill/>
+        <a:ln w="9525" cap="rnd" cmpd="sng" algn="ctr">
+          <a:solidFill>
+            <a:schemeClr val="accent1">
+              <a:hueOff val="0"/>
+              <a:satOff val="0"/>
+              <a:lumOff val="0"/>
+              <a:alphaOff val="0"/>
+            </a:schemeClr>
+          </a:solidFill>
+          <a:prstDash val="solid"/>
+        </a:ln>
+        <a:effectLst/>
+      </dsp:spPr>
+      <dsp:style>
+        <a:lnRef idx="1">
+          <a:scrgbClr r="0" g="0" b="0"/>
+        </a:lnRef>
+        <a:fillRef idx="0">
+          <a:scrgbClr r="0" g="0" b="0"/>
+        </a:fillRef>
+        <a:effectRef idx="0">
+          <a:scrgbClr r="0" g="0" b="0"/>
+        </a:effectRef>
+        <a:fontRef idx="minor"/>
+      </dsp:style>
+      <dsp:txBody>
+        <a:bodyPr spcFirstLastPara="0" vert="horz" wrap="square" lIns="12700" tIns="0" rIns="12700" bIns="0" numCol="1" spcCol="1270" anchor="ctr" anchorCtr="0">
+          <a:noAutofit/>
+        </a:bodyPr>
+        <a:lstStyle/>
+        <a:p>
+          <a:pPr lvl="0" algn="ctr" defTabSz="222250">
+            <a:lnSpc>
+              <a:spcPct val="90000"/>
+            </a:lnSpc>
+            <a:spcBef>
+              <a:spcPct val="0"/>
+            </a:spcBef>
+            <a:spcAft>
+              <a:spcPct val="35000"/>
+            </a:spcAft>
+          </a:pPr>
+          <a:endParaRPr lang="fr-FR" sz="500" kern="1200"/>
+        </a:p>
+      </dsp:txBody>
+      <dsp:txXfrm>
+        <a:off x="6894215" y="2773701"/>
+        <a:ext cx="12338" cy="12338"/>
+      </dsp:txXfrm>
+    </dsp:sp>
+    <dsp:sp modelId="{6FB29898-0152-4460-9FA2-C023B30AA889}">
+      <dsp:nvSpPr>
+        <dsp:cNvPr id="0" name=""/>
+        <dsp:cNvSpPr/>
+      </dsp:nvSpPr>
+      <dsp:spPr>
+        <a:xfrm>
+          <a:off x="5739065" y="2864981"/>
+          <a:ext cx="178664" cy="936218"/>
+        </a:xfrm>
+        <a:custGeom>
+          <a:avLst/>
+          <a:gdLst/>
+          <a:ahLst/>
+          <a:cxnLst/>
+          <a:rect l="0" t="0" r="0" b="0"/>
+          <a:pathLst>
+            <a:path>
+              <a:moveTo>
+                <a:pt x="0" y="936218"/>
+              </a:moveTo>
+              <a:lnTo>
+                <a:pt x="89332" y="936218"/>
+              </a:lnTo>
+              <a:lnTo>
+                <a:pt x="89332" y="0"/>
+              </a:lnTo>
+              <a:lnTo>
+                <a:pt x="178664" y="0"/>
+              </a:lnTo>
+            </a:path>
+          </a:pathLst>
+        </a:custGeom>
+        <a:noFill/>
+        <a:ln w="9525" cap="rnd" cmpd="sng" algn="ctr">
+          <a:solidFill>
+            <a:schemeClr val="accent1">
+              <a:hueOff val="0"/>
+              <a:satOff val="0"/>
+              <a:lumOff val="0"/>
+              <a:alphaOff val="0"/>
+            </a:schemeClr>
+          </a:solidFill>
+          <a:prstDash val="solid"/>
+        </a:ln>
+        <a:effectLst/>
+      </dsp:spPr>
+      <dsp:style>
+        <a:lnRef idx="1">
+          <a:scrgbClr r="0" g="0" b="0"/>
+        </a:lnRef>
+        <a:fillRef idx="0">
+          <a:scrgbClr r="0" g="0" b="0"/>
+        </a:fillRef>
+        <a:effectRef idx="0">
+          <a:scrgbClr r="0" g="0" b="0"/>
+        </a:effectRef>
+        <a:fontRef idx="minor"/>
+      </dsp:style>
+      <dsp:txBody>
+        <a:bodyPr spcFirstLastPara="0" vert="horz" wrap="square" lIns="12700" tIns="0" rIns="12700" bIns="0" numCol="1" spcCol="1270" anchor="ctr" anchorCtr="0">
+          <a:noAutofit/>
+        </a:bodyPr>
+        <a:lstStyle/>
+        <a:p>
+          <a:pPr lvl="0" algn="ctr" defTabSz="222250">
+            <a:lnSpc>
+              <a:spcPct val="90000"/>
+            </a:lnSpc>
+            <a:spcBef>
+              <a:spcPct val="0"/>
+            </a:spcBef>
+            <a:spcAft>
+              <a:spcPct val="35000"/>
+            </a:spcAft>
+          </a:pPr>
+          <a:endParaRPr lang="fr-FR" sz="500" kern="1200"/>
+        </a:p>
+      </dsp:txBody>
+      <dsp:txXfrm>
+        <a:off x="5804570" y="3309263"/>
+        <a:ext cx="47655" cy="47655"/>
+      </dsp:txXfrm>
+    </dsp:sp>
+    <dsp:sp modelId="{E0BC23FD-A123-4F6F-B29F-B1B1A8DCFCAA}">
+      <dsp:nvSpPr>
+        <dsp:cNvPr id="0" name=""/>
+        <dsp:cNvSpPr/>
+      </dsp:nvSpPr>
+      <dsp:spPr>
+        <a:xfrm>
+          <a:off x="4667079" y="3801200"/>
+          <a:ext cx="178664" cy="340442"/>
+        </a:xfrm>
+        <a:custGeom>
+          <a:avLst/>
+          <a:gdLst/>
+          <a:ahLst/>
+          <a:cxnLst/>
+          <a:rect l="0" t="0" r="0" b="0"/>
+          <a:pathLst>
+            <a:path>
+              <a:moveTo>
+                <a:pt x="0" y="340442"/>
+              </a:moveTo>
+              <a:lnTo>
+                <a:pt x="89332" y="340442"/>
+              </a:lnTo>
+              <a:lnTo>
+                <a:pt x="89332" y="0"/>
+              </a:lnTo>
+              <a:lnTo>
+                <a:pt x="178664" y="0"/>
+              </a:lnTo>
+            </a:path>
+          </a:pathLst>
+        </a:custGeom>
+        <a:noFill/>
+        <a:ln w="9525" cap="rnd" cmpd="sng" algn="ctr">
+          <a:solidFill>
+            <a:schemeClr val="accent1">
+              <a:hueOff val="0"/>
+              <a:satOff val="0"/>
+              <a:lumOff val="0"/>
+              <a:alphaOff val="0"/>
+            </a:schemeClr>
+          </a:solidFill>
+          <a:prstDash val="solid"/>
+        </a:ln>
+        <a:effectLst/>
+      </dsp:spPr>
+      <dsp:style>
+        <a:lnRef idx="1">
+          <a:scrgbClr r="0" g="0" b="0"/>
+        </a:lnRef>
+        <a:fillRef idx="0">
+          <a:scrgbClr r="0" g="0" b="0"/>
+        </a:fillRef>
+        <a:effectRef idx="0">
+          <a:scrgbClr r="0" g="0" b="0"/>
+        </a:effectRef>
+        <a:fontRef idx="minor"/>
+      </dsp:style>
+      <dsp:txBody>
+        <a:bodyPr spcFirstLastPara="0" vert="horz" wrap="square" lIns="12700" tIns="0" rIns="12700" bIns="0" numCol="1" spcCol="1270" anchor="ctr" anchorCtr="0">
+          <a:noAutofit/>
+        </a:bodyPr>
+        <a:lstStyle/>
+        <a:p>
+          <a:pPr lvl="0" algn="ctr" defTabSz="222250">
+            <a:lnSpc>
+              <a:spcPct val="90000"/>
+            </a:lnSpc>
+            <a:spcBef>
+              <a:spcPct val="0"/>
+            </a:spcBef>
+            <a:spcAft>
+              <a:spcPct val="35000"/>
+            </a:spcAft>
+          </a:pPr>
+          <a:endParaRPr lang="fr-FR" sz="500" kern="1200"/>
+        </a:p>
+      </dsp:txBody>
+      <dsp:txXfrm>
+        <a:off x="4746799" y="3961809"/>
+        <a:ext cx="19223" cy="19223"/>
       </dsp:txXfrm>
     </dsp:sp>
     <dsp:sp modelId="{4DD7F22F-5100-4F0E-840A-57F6C2B4824E}">
@@ -5313,8 +6107,8 @@
       </dsp:nvSpPr>
       <dsp:spPr>
         <a:xfrm>
-          <a:off x="2874879" y="4428472"/>
-          <a:ext cx="215405" cy="91440"/>
+          <a:off x="3595092" y="4095923"/>
+          <a:ext cx="178664" cy="91440"/>
         </a:xfrm>
         <a:custGeom>
           <a:avLst/>
@@ -5328,7 +6122,7 @@
                 <a:pt x="0" y="45720"/>
               </a:moveTo>
               <a:lnTo>
-                <a:pt x="215405" y="45720"/>
+                <a:pt x="178664" y="45720"/>
               </a:lnTo>
             </a:path>
           </a:pathLst>
@@ -5380,8 +6174,8 @@
         </a:p>
       </dsp:txBody>
       <dsp:txXfrm>
-        <a:off x="2977196" y="4468807"/>
-        <a:ext cx="10770" cy="10770"/>
+        <a:off x="3679957" y="4137176"/>
+        <a:ext cx="8933" cy="8933"/>
       </dsp:txXfrm>
     </dsp:sp>
     <dsp:sp modelId="{3F497CFA-6478-4309-8C27-A4BBA02D3D1D}">
@@ -5391,8 +6185,8 @@
       </dsp:nvSpPr>
       <dsp:spPr>
         <a:xfrm>
-          <a:off x="1582443" y="2524538"/>
-          <a:ext cx="215405" cy="1949653"/>
+          <a:off x="2523105" y="2311762"/>
+          <a:ext cx="178664" cy="1829881"/>
         </a:xfrm>
         <a:custGeom>
           <a:avLst/>
@@ -5406,13 +6200,13 @@
                 <a:pt x="0" y="0"/>
               </a:moveTo>
               <a:lnTo>
-                <a:pt x="107702" y="0"/>
+                <a:pt x="89332" y="0"/>
               </a:lnTo>
               <a:lnTo>
-                <a:pt x="107702" y="1949653"/>
+                <a:pt x="89332" y="1829881"/>
               </a:lnTo>
               <a:lnTo>
-                <a:pt x="215405" y="1949653"/>
+                <a:pt x="178664" y="1829881"/>
               </a:lnTo>
             </a:path>
           </a:pathLst>
@@ -5464,8 +6258,8 @@
         </a:p>
       </dsp:txBody>
       <dsp:txXfrm>
-        <a:off x="1641108" y="3450327"/>
-        <a:ext cx="98075" cy="98075"/>
+        <a:off x="2566472" y="3180738"/>
+        <a:ext cx="91929" cy="91929"/>
       </dsp:txXfrm>
     </dsp:sp>
     <dsp:sp modelId="{BCB0C310-6712-457C-83F4-AD90D18B30F1}">
@@ -5475,8 +6269,8 @@
       </dsp:nvSpPr>
       <dsp:spPr>
         <a:xfrm>
-          <a:off x="2874879" y="2216699"/>
-          <a:ext cx="215405" cy="205226"/>
+          <a:off x="3595092" y="1843653"/>
+          <a:ext cx="178664" cy="170221"/>
         </a:xfrm>
         <a:custGeom>
           <a:avLst/>
@@ -5490,13 +6284,13 @@
                 <a:pt x="0" y="0"/>
               </a:moveTo>
               <a:lnTo>
-                <a:pt x="107702" y="0"/>
+                <a:pt x="89332" y="0"/>
               </a:lnTo>
               <a:lnTo>
-                <a:pt x="107702" y="205226"/>
+                <a:pt x="89332" y="170221"/>
               </a:lnTo>
               <a:lnTo>
-                <a:pt x="215405" y="205226"/>
+                <a:pt x="178664" y="170221"/>
               </a:lnTo>
             </a:path>
           </a:pathLst>
@@ -5548,8 +6342,8 @@
         </a:p>
       </dsp:txBody>
       <dsp:txXfrm>
-        <a:off x="2975144" y="2311874"/>
-        <a:ext cx="14875" cy="14875"/>
+        <a:off x="3678255" y="1922594"/>
+        <a:ext cx="12338" cy="12338"/>
       </dsp:txXfrm>
     </dsp:sp>
     <dsp:sp modelId="{11A95FA8-BC12-4F2B-93AC-994CC23CB247}">
@@ -5559,8 +6353,8 @@
       </dsp:nvSpPr>
       <dsp:spPr>
         <a:xfrm>
-          <a:off x="4167314" y="2011472"/>
-          <a:ext cx="215405" cy="205226"/>
+          <a:off x="4667079" y="1673431"/>
+          <a:ext cx="178664" cy="170221"/>
         </a:xfrm>
         <a:custGeom>
           <a:avLst/>
@@ -5574,13 +6368,13 @@
                 <a:pt x="0" y="0"/>
               </a:moveTo>
               <a:lnTo>
-                <a:pt x="107702" y="0"/>
+                <a:pt x="89332" y="0"/>
               </a:lnTo>
               <a:lnTo>
-                <a:pt x="107702" y="205226"/>
+                <a:pt x="89332" y="170221"/>
               </a:lnTo>
               <a:lnTo>
-                <a:pt x="215405" y="205226"/>
+                <a:pt x="178664" y="170221"/>
               </a:lnTo>
             </a:path>
           </a:pathLst>
@@ -5632,8 +6426,8 @@
         </a:p>
       </dsp:txBody>
       <dsp:txXfrm>
-        <a:off x="4267579" y="2106647"/>
-        <a:ext cx="14875" cy="14875"/>
+        <a:off x="4750241" y="1752372"/>
+        <a:ext cx="12338" cy="12338"/>
       </dsp:txXfrm>
     </dsp:sp>
     <dsp:sp modelId="{EF1303F6-08C0-48FA-B58F-D294B3FD0956}">
@@ -5643,8 +6437,8 @@
       </dsp:nvSpPr>
       <dsp:spPr>
         <a:xfrm>
-          <a:off x="5459749" y="1806245"/>
-          <a:ext cx="215405" cy="410453"/>
+          <a:off x="5739065" y="1503210"/>
+          <a:ext cx="178664" cy="340442"/>
         </a:xfrm>
         <a:custGeom>
           <a:avLst/>
@@ -5658,13 +6452,13 @@
                 <a:pt x="0" y="0"/>
               </a:moveTo>
               <a:lnTo>
-                <a:pt x="107702" y="0"/>
+                <a:pt x="89332" y="0"/>
               </a:lnTo>
               <a:lnTo>
-                <a:pt x="107702" y="410453"/>
+                <a:pt x="89332" y="340442"/>
               </a:lnTo>
               <a:lnTo>
-                <a:pt x="215405" y="410453"/>
+                <a:pt x="178664" y="340442"/>
               </a:lnTo>
             </a:path>
           </a:pathLst>
@@ -5716,8 +6510,8 @@
         </a:p>
       </dsp:txBody>
       <dsp:txXfrm>
-        <a:off x="5555864" y="1999883"/>
-        <a:ext cx="23177" cy="23177"/>
+        <a:off x="5818786" y="1663819"/>
+        <a:ext cx="19223" cy="19223"/>
       </dsp:txXfrm>
     </dsp:sp>
     <dsp:sp modelId="{F61ED2EA-3DCB-4BDF-974A-6D38D5B018AB}">
@@ -5727,8 +6521,8 @@
       </dsp:nvSpPr>
       <dsp:spPr>
         <a:xfrm>
-          <a:off x="5459749" y="1760525"/>
-          <a:ext cx="215405" cy="91440"/>
+          <a:off x="5739065" y="1457490"/>
+          <a:ext cx="178664" cy="91440"/>
         </a:xfrm>
         <a:custGeom>
           <a:avLst/>
@@ -5742,7 +6536,7 @@
                 <a:pt x="0" y="45720"/>
               </a:moveTo>
               <a:lnTo>
-                <a:pt x="215405" y="45720"/>
+                <a:pt x="178664" y="45720"/>
               </a:lnTo>
             </a:path>
           </a:pathLst>
@@ -5794,8 +6588,8 @@
         </a:p>
       </dsp:txBody>
       <dsp:txXfrm>
-        <a:off x="5562067" y="1800860"/>
-        <a:ext cx="10770" cy="10770"/>
+        <a:off x="5823931" y="1498743"/>
+        <a:ext cx="8933" cy="8933"/>
       </dsp:txXfrm>
     </dsp:sp>
     <dsp:sp modelId="{E6122314-4232-42C9-987E-46FE0FA3495B}">
@@ -5805,8 +6599,8 @@
       </dsp:nvSpPr>
       <dsp:spPr>
         <a:xfrm>
-          <a:off x="5459749" y="1395792"/>
-          <a:ext cx="215405" cy="410453"/>
+          <a:off x="5739065" y="1162767"/>
+          <a:ext cx="178664" cy="340442"/>
         </a:xfrm>
         <a:custGeom>
           <a:avLst/>
@@ -5817,16 +6611,16 @@
           <a:pathLst>
             <a:path>
               <a:moveTo>
-                <a:pt x="0" y="410453"/>
+                <a:pt x="0" y="340442"/>
               </a:moveTo>
               <a:lnTo>
-                <a:pt x="107702" y="410453"/>
+                <a:pt x="89332" y="340442"/>
               </a:lnTo>
               <a:lnTo>
-                <a:pt x="107702" y="0"/>
+                <a:pt x="89332" y="0"/>
               </a:lnTo>
               <a:lnTo>
-                <a:pt x="215405" y="0"/>
+                <a:pt x="178664" y="0"/>
               </a:lnTo>
             </a:path>
           </a:pathLst>
@@ -5878,8 +6672,8 @@
         </a:p>
       </dsp:txBody>
       <dsp:txXfrm>
-        <a:off x="5555864" y="1589430"/>
-        <a:ext cx="23177" cy="23177"/>
+        <a:off x="5818786" y="1323376"/>
+        <a:ext cx="19223" cy="19223"/>
       </dsp:txXfrm>
     </dsp:sp>
     <dsp:sp modelId="{9D957ECC-C536-4171-9E3F-ADA463C520DE}">
@@ -5889,8 +6683,8 @@
       </dsp:nvSpPr>
       <dsp:spPr>
         <a:xfrm>
-          <a:off x="4167314" y="1806245"/>
-          <a:ext cx="215405" cy="205226"/>
+          <a:off x="4667079" y="1503210"/>
+          <a:ext cx="178664" cy="170221"/>
         </a:xfrm>
         <a:custGeom>
           <a:avLst/>
@@ -5901,16 +6695,16 @@
           <a:pathLst>
             <a:path>
               <a:moveTo>
-                <a:pt x="0" y="205226"/>
+                <a:pt x="0" y="170221"/>
               </a:moveTo>
               <a:lnTo>
-                <a:pt x="107702" y="205226"/>
+                <a:pt x="89332" y="170221"/>
               </a:lnTo>
               <a:lnTo>
-                <a:pt x="107702" y="0"/>
+                <a:pt x="89332" y="0"/>
               </a:lnTo>
               <a:lnTo>
-                <a:pt x="215405" y="0"/>
+                <a:pt x="178664" y="0"/>
               </a:lnTo>
             </a:path>
           </a:pathLst>
@@ -5962,8 +6756,8 @@
         </a:p>
       </dsp:txBody>
       <dsp:txXfrm>
-        <a:off x="4267579" y="1901421"/>
-        <a:ext cx="14875" cy="14875"/>
+        <a:off x="4750241" y="1582151"/>
+        <a:ext cx="12338" cy="12338"/>
       </dsp:txXfrm>
     </dsp:sp>
     <dsp:sp modelId="{6E28F844-322A-4B11-9FD3-C3F3F369B4BB}">
@@ -5973,8 +6767,8 @@
       </dsp:nvSpPr>
       <dsp:spPr>
         <a:xfrm>
-          <a:off x="2874879" y="2011472"/>
-          <a:ext cx="215405" cy="205226"/>
+          <a:off x="3595092" y="1673431"/>
+          <a:ext cx="178664" cy="170221"/>
         </a:xfrm>
         <a:custGeom>
           <a:avLst/>
@@ -5985,16 +6779,16 @@
           <a:pathLst>
             <a:path>
               <a:moveTo>
-                <a:pt x="0" y="205226"/>
+                <a:pt x="0" y="170221"/>
               </a:moveTo>
               <a:lnTo>
-                <a:pt x="107702" y="205226"/>
+                <a:pt x="89332" y="170221"/>
               </a:lnTo>
               <a:lnTo>
-                <a:pt x="107702" y="0"/>
+                <a:pt x="89332" y="0"/>
               </a:lnTo>
               <a:lnTo>
-                <a:pt x="215405" y="0"/>
+                <a:pt x="178664" y="0"/>
               </a:lnTo>
             </a:path>
           </a:pathLst>
@@ -6046,8 +6840,8 @@
         </a:p>
       </dsp:txBody>
       <dsp:txXfrm>
-        <a:off x="2975144" y="2106647"/>
-        <a:ext cx="14875" cy="14875"/>
+        <a:off x="3678255" y="1752372"/>
+        <a:ext cx="12338" cy="12338"/>
       </dsp:txXfrm>
     </dsp:sp>
     <dsp:sp modelId="{11CBC200-06F7-4DD2-9C34-18F45043F91F}">
@@ -6057,8 +6851,8 @@
       </dsp:nvSpPr>
       <dsp:spPr>
         <a:xfrm>
-          <a:off x="1582443" y="2216699"/>
-          <a:ext cx="215405" cy="307839"/>
+          <a:off x="2523105" y="1843653"/>
+          <a:ext cx="178664" cy="468109"/>
         </a:xfrm>
         <a:custGeom>
           <a:avLst/>
@@ -6069,16 +6863,16 @@
           <a:pathLst>
             <a:path>
               <a:moveTo>
-                <a:pt x="0" y="307839"/>
+                <a:pt x="0" y="468109"/>
               </a:moveTo>
               <a:lnTo>
-                <a:pt x="107702" y="307839"/>
+                <a:pt x="89332" y="468109"/>
               </a:lnTo>
               <a:lnTo>
-                <a:pt x="107702" y="0"/>
+                <a:pt x="89332" y="0"/>
               </a:lnTo>
               <a:lnTo>
-                <a:pt x="215405" y="0"/>
+                <a:pt x="178664" y="0"/>
               </a:lnTo>
             </a:path>
           </a:pathLst>
@@ -6130,8 +6924,8 @@
         </a:p>
       </dsp:txBody>
       <dsp:txXfrm>
-        <a:off x="1680753" y="2361226"/>
-        <a:ext cx="18785" cy="18785"/>
+        <a:off x="2599911" y="2065181"/>
+        <a:ext cx="25052" cy="25052"/>
       </dsp:txXfrm>
     </dsp:sp>
     <dsp:sp modelId="{2B938EF2-BE37-4FC8-BFD3-6256540813BC}">
@@ -6141,8 +6935,8 @@
       </dsp:nvSpPr>
       <dsp:spPr>
         <a:xfrm>
-          <a:off x="2874879" y="574885"/>
-          <a:ext cx="215405" cy="410453"/>
+          <a:off x="3595092" y="481881"/>
+          <a:ext cx="178664" cy="340442"/>
         </a:xfrm>
         <a:custGeom>
           <a:avLst/>
@@ -6156,13 +6950,13 @@
                 <a:pt x="0" y="0"/>
               </a:moveTo>
               <a:lnTo>
-                <a:pt x="107702" y="0"/>
+                <a:pt x="89332" y="0"/>
               </a:lnTo>
               <a:lnTo>
-                <a:pt x="107702" y="410453"/>
+                <a:pt x="89332" y="340442"/>
               </a:lnTo>
               <a:lnTo>
-                <a:pt x="215405" y="410453"/>
+                <a:pt x="178664" y="340442"/>
               </a:lnTo>
             </a:path>
           </a:pathLst>
@@ -6214,8 +7008,8 @@
         </a:p>
       </dsp:txBody>
       <dsp:txXfrm>
-        <a:off x="2970993" y="768523"/>
-        <a:ext cx="23177" cy="23177"/>
+        <a:off x="3674812" y="642490"/>
+        <a:ext cx="19223" cy="19223"/>
       </dsp:txXfrm>
     </dsp:sp>
     <dsp:sp modelId="{646E88BD-40D7-4786-AAB6-CFE3405707CA}">
@@ -6225,8 +7019,8 @@
       </dsp:nvSpPr>
       <dsp:spPr>
         <a:xfrm>
-          <a:off x="2874879" y="529165"/>
-          <a:ext cx="215405" cy="91440"/>
+          <a:off x="3595092" y="436161"/>
+          <a:ext cx="178664" cy="91440"/>
         </a:xfrm>
         <a:custGeom>
           <a:avLst/>
@@ -6240,7 +7034,7 @@
                 <a:pt x="0" y="45720"/>
               </a:moveTo>
               <a:lnTo>
-                <a:pt x="215405" y="45720"/>
+                <a:pt x="178664" y="45720"/>
               </a:lnTo>
             </a:path>
           </a:pathLst>
@@ -6292,8 +7086,8 @@
         </a:p>
       </dsp:txBody>
       <dsp:txXfrm>
-        <a:off x="2977196" y="569500"/>
-        <a:ext cx="10770" cy="10770"/>
+        <a:off x="3679957" y="477414"/>
+        <a:ext cx="8933" cy="8933"/>
       </dsp:txXfrm>
     </dsp:sp>
     <dsp:sp modelId="{EEA2D9E6-5C3F-47D0-A681-0364417D24E2}">
@@ -6303,8 +7097,8 @@
       </dsp:nvSpPr>
       <dsp:spPr>
         <a:xfrm>
-          <a:off x="2874879" y="164432"/>
-          <a:ext cx="215405" cy="410453"/>
+          <a:off x="3595092" y="141438"/>
+          <a:ext cx="178664" cy="340442"/>
         </a:xfrm>
         <a:custGeom>
           <a:avLst/>
@@ -6315,16 +7109,16 @@
           <a:pathLst>
             <a:path>
               <a:moveTo>
-                <a:pt x="0" y="410453"/>
+                <a:pt x="0" y="340442"/>
               </a:moveTo>
               <a:lnTo>
-                <a:pt x="107702" y="410453"/>
+                <a:pt x="89332" y="340442"/>
               </a:lnTo>
               <a:lnTo>
-                <a:pt x="107702" y="0"/>
+                <a:pt x="89332" y="0"/>
               </a:lnTo>
               <a:lnTo>
-                <a:pt x="215405" y="0"/>
+                <a:pt x="178664" y="0"/>
               </a:lnTo>
             </a:path>
           </a:pathLst>
@@ -6376,8 +7170,8 @@
         </a:p>
       </dsp:txBody>
       <dsp:txXfrm>
-        <a:off x="2970993" y="358070"/>
-        <a:ext cx="23177" cy="23177"/>
+        <a:off x="3674812" y="302047"/>
+        <a:ext cx="19223" cy="19223"/>
       </dsp:txXfrm>
     </dsp:sp>
     <dsp:sp modelId="{F3C8D12A-0632-4387-A3A7-62683536F1D8}">
@@ -6387,8 +7181,8 @@
       </dsp:nvSpPr>
       <dsp:spPr>
         <a:xfrm>
-          <a:off x="1582443" y="574885"/>
-          <a:ext cx="215405" cy="1949653"/>
+          <a:off x="2523105" y="481881"/>
+          <a:ext cx="178664" cy="1829881"/>
         </a:xfrm>
         <a:custGeom>
           <a:avLst/>
@@ -6399,16 +7193,16 @@
           <a:pathLst>
             <a:path>
               <a:moveTo>
-                <a:pt x="0" y="1949653"/>
+                <a:pt x="0" y="1829881"/>
               </a:moveTo>
               <a:lnTo>
-                <a:pt x="107702" y="1949653"/>
+                <a:pt x="89332" y="1829881"/>
               </a:lnTo>
               <a:lnTo>
-                <a:pt x="107702" y="0"/>
+                <a:pt x="89332" y="0"/>
               </a:lnTo>
               <a:lnTo>
-                <a:pt x="215405" y="0"/>
+                <a:pt x="178664" y="0"/>
               </a:lnTo>
             </a:path>
           </a:pathLst>
@@ -6460,8 +7254,8 @@
         </a:p>
       </dsp:txBody>
       <dsp:txXfrm>
-        <a:off x="1641108" y="1500674"/>
-        <a:ext cx="98075" cy="98075"/>
+        <a:off x="2566472" y="1350857"/>
+        <a:ext cx="91929" cy="91929"/>
       </dsp:txXfrm>
     </dsp:sp>
     <dsp:sp modelId="{67239EAB-1659-405F-9D37-5E8449D29F93}">
@@ -6471,8 +7265,8 @@
       </dsp:nvSpPr>
       <dsp:spPr>
         <a:xfrm rot="16200000">
-          <a:off x="554150" y="2360357"/>
-          <a:ext cx="1728224" cy="328362"/>
+          <a:off x="1670205" y="2175584"/>
+          <a:ext cx="1433444" cy="272354"/>
         </a:xfrm>
         <a:prstGeom prst="rect">
           <a:avLst/>
@@ -6552,8 +7346,8 @@
         </a:p>
       </dsp:txBody>
       <dsp:txXfrm>
-        <a:off x="554150" y="2360357"/>
-        <a:ext cx="1728224" cy="328362"/>
+        <a:off x="1670205" y="2175584"/>
+        <a:ext cx="1433444" cy="272354"/>
       </dsp:txXfrm>
     </dsp:sp>
     <dsp:sp modelId="{14B6996B-15A7-4C3C-95B1-F4570CC1C169}">
@@ -6563,8 +7357,8 @@
       </dsp:nvSpPr>
       <dsp:spPr>
         <a:xfrm>
-          <a:off x="1797849" y="410704"/>
-          <a:ext cx="1077029" cy="328362"/>
+          <a:off x="2701769" y="345703"/>
+          <a:ext cx="893322" cy="272354"/>
         </a:xfrm>
         <a:prstGeom prst="rect">
           <a:avLst/>
@@ -6644,8 +7438,8 @@
         </a:p>
       </dsp:txBody>
       <dsp:txXfrm>
-        <a:off x="1797849" y="410704"/>
-        <a:ext cx="1077029" cy="328362"/>
+        <a:off x="2701769" y="345703"/>
+        <a:ext cx="893322" cy="272354"/>
       </dsp:txXfrm>
     </dsp:sp>
     <dsp:sp modelId="{843E92B2-B1C5-4679-9F13-92AE67F50E4B}">
@@ -6655,8 +7449,8 @@
       </dsp:nvSpPr>
       <dsp:spPr>
         <a:xfrm>
-          <a:off x="3090284" y="251"/>
-          <a:ext cx="1077029" cy="328362"/>
+          <a:off x="3773756" y="5260"/>
+          <a:ext cx="893322" cy="272354"/>
         </a:xfrm>
         <a:prstGeom prst="rect">
           <a:avLst/>
@@ -6736,8 +7530,8 @@
         </a:p>
       </dsp:txBody>
       <dsp:txXfrm>
-        <a:off x="3090284" y="251"/>
-        <a:ext cx="1077029" cy="328362"/>
+        <a:off x="3773756" y="5260"/>
+        <a:ext cx="893322" cy="272354"/>
       </dsp:txXfrm>
     </dsp:sp>
     <dsp:sp modelId="{F3F472E3-5157-4A9E-B0CD-16FF248F6E0E}">
@@ -6747,8 +7541,8 @@
       </dsp:nvSpPr>
       <dsp:spPr>
         <a:xfrm>
-          <a:off x="3090284" y="410704"/>
-          <a:ext cx="1077029" cy="328362"/>
+          <a:off x="3773756" y="345703"/>
+          <a:ext cx="893322" cy="272354"/>
         </a:xfrm>
         <a:prstGeom prst="rect">
           <a:avLst/>
@@ -6828,8 +7622,8 @@
         </a:p>
       </dsp:txBody>
       <dsp:txXfrm>
-        <a:off x="3090284" y="410704"/>
-        <a:ext cx="1077029" cy="328362"/>
+        <a:off x="3773756" y="345703"/>
+        <a:ext cx="893322" cy="272354"/>
       </dsp:txXfrm>
     </dsp:sp>
     <dsp:sp modelId="{C8A74607-627B-4791-8B31-4BA4E02B4D7C}">
@@ -6839,8 +7633,8 @@
       </dsp:nvSpPr>
       <dsp:spPr>
         <a:xfrm>
-          <a:off x="3090284" y="821157"/>
-          <a:ext cx="1077029" cy="328362"/>
+          <a:off x="3773756" y="686146"/>
+          <a:ext cx="893322" cy="272354"/>
         </a:xfrm>
         <a:prstGeom prst="rect">
           <a:avLst/>
@@ -6920,8 +7714,8 @@
         </a:p>
       </dsp:txBody>
       <dsp:txXfrm>
-        <a:off x="3090284" y="821157"/>
-        <a:ext cx="1077029" cy="328362"/>
+        <a:off x="3773756" y="686146"/>
+        <a:ext cx="893322" cy="272354"/>
       </dsp:txXfrm>
     </dsp:sp>
     <dsp:sp modelId="{2FE9D669-7948-4A54-92D5-EFA1A86CD105}">
@@ -6931,8 +7725,8 @@
       </dsp:nvSpPr>
       <dsp:spPr>
         <a:xfrm>
-          <a:off x="1797849" y="2052517"/>
-          <a:ext cx="1077029" cy="328362"/>
+          <a:off x="2701769" y="1707475"/>
+          <a:ext cx="893322" cy="272354"/>
         </a:xfrm>
         <a:prstGeom prst="rect">
           <a:avLst/>
@@ -7012,8 +7806,8 @@
         </a:p>
       </dsp:txBody>
       <dsp:txXfrm>
-        <a:off x="1797849" y="2052517"/>
-        <a:ext cx="1077029" cy="328362"/>
+        <a:off x="2701769" y="1707475"/>
+        <a:ext cx="893322" cy="272354"/>
       </dsp:txXfrm>
     </dsp:sp>
     <dsp:sp modelId="{7DD80175-2396-4084-9B4F-06D9AFA69696}">
@@ -7023,8 +7817,8 @@
       </dsp:nvSpPr>
       <dsp:spPr>
         <a:xfrm>
-          <a:off x="3090284" y="1847291"/>
-          <a:ext cx="1077029" cy="328362"/>
+          <a:off x="3773756" y="1537254"/>
+          <a:ext cx="893322" cy="272354"/>
         </a:xfrm>
         <a:prstGeom prst="rect">
           <a:avLst/>
@@ -7104,8 +7898,8 @@
         </a:p>
       </dsp:txBody>
       <dsp:txXfrm>
-        <a:off x="3090284" y="1847291"/>
-        <a:ext cx="1077029" cy="328362"/>
+        <a:off x="3773756" y="1537254"/>
+        <a:ext cx="893322" cy="272354"/>
       </dsp:txXfrm>
     </dsp:sp>
     <dsp:sp modelId="{D13E8E78-0981-47B7-B509-860D838BA781}">
@@ -7115,8 +7909,8 @@
       </dsp:nvSpPr>
       <dsp:spPr>
         <a:xfrm>
-          <a:off x="4382720" y="1642064"/>
-          <a:ext cx="1077029" cy="328362"/>
+          <a:off x="4845743" y="1367032"/>
+          <a:ext cx="893322" cy="272354"/>
         </a:xfrm>
         <a:prstGeom prst="rect">
           <a:avLst/>
@@ -7196,8 +7990,8 @@
         </a:p>
       </dsp:txBody>
       <dsp:txXfrm>
-        <a:off x="4382720" y="1642064"/>
-        <a:ext cx="1077029" cy="328362"/>
+        <a:off x="4845743" y="1367032"/>
+        <a:ext cx="893322" cy="272354"/>
       </dsp:txXfrm>
     </dsp:sp>
     <dsp:sp modelId="{2293E997-8A42-4DE4-AFF5-CE2F2C46F300}">
@@ -7207,8 +8001,8 @@
       </dsp:nvSpPr>
       <dsp:spPr>
         <a:xfrm>
-          <a:off x="5675155" y="1231611"/>
-          <a:ext cx="1077029" cy="328362"/>
+          <a:off x="5917730" y="1026589"/>
+          <a:ext cx="893322" cy="272354"/>
         </a:xfrm>
         <a:prstGeom prst="rect">
           <a:avLst/>
@@ -7288,8 +8082,8 @@
         </a:p>
       </dsp:txBody>
       <dsp:txXfrm>
-        <a:off x="5675155" y="1231611"/>
-        <a:ext cx="1077029" cy="328362"/>
+        <a:off x="5917730" y="1026589"/>
+        <a:ext cx="893322" cy="272354"/>
       </dsp:txXfrm>
     </dsp:sp>
     <dsp:sp modelId="{44701C57-D211-4D71-857F-299A0D735E28}">
@@ -7299,8 +8093,8 @@
       </dsp:nvSpPr>
       <dsp:spPr>
         <a:xfrm>
-          <a:off x="5675155" y="1642064"/>
-          <a:ext cx="1077029" cy="328362"/>
+          <a:off x="5917730" y="1367032"/>
+          <a:ext cx="893322" cy="272354"/>
         </a:xfrm>
         <a:prstGeom prst="rect">
           <a:avLst/>
@@ -7380,8 +8174,8 @@
         </a:p>
       </dsp:txBody>
       <dsp:txXfrm>
-        <a:off x="5675155" y="1642064"/>
-        <a:ext cx="1077029" cy="328362"/>
+        <a:off x="5917730" y="1367032"/>
+        <a:ext cx="893322" cy="272354"/>
       </dsp:txXfrm>
     </dsp:sp>
     <dsp:sp modelId="{1297A119-EB00-45FB-9E4C-7081D9FC3578}">
@@ -7391,8 +8185,8 @@
       </dsp:nvSpPr>
       <dsp:spPr>
         <a:xfrm>
-          <a:off x="5675155" y="2052517"/>
-          <a:ext cx="1077029" cy="328362"/>
+          <a:off x="5917730" y="1707475"/>
+          <a:ext cx="893322" cy="272354"/>
         </a:xfrm>
         <a:prstGeom prst="rect">
           <a:avLst/>
@@ -7472,8 +8266,8 @@
         </a:p>
       </dsp:txBody>
       <dsp:txXfrm>
-        <a:off x="5675155" y="2052517"/>
-        <a:ext cx="1077029" cy="328362"/>
+        <a:off x="5917730" y="1707475"/>
+        <a:ext cx="893322" cy="272354"/>
       </dsp:txXfrm>
     </dsp:sp>
     <dsp:sp modelId="{EFF0FDCC-9734-4C94-840C-8D241B8150A8}">
@@ -7483,8 +8277,8 @@
       </dsp:nvSpPr>
       <dsp:spPr>
         <a:xfrm>
-          <a:off x="4382720" y="2052517"/>
-          <a:ext cx="1077029" cy="328362"/>
+          <a:off x="4845743" y="1707475"/>
+          <a:ext cx="893322" cy="272354"/>
         </a:xfrm>
         <a:prstGeom prst="rect">
           <a:avLst/>
@@ -7564,8 +8358,8 @@
         </a:p>
       </dsp:txBody>
       <dsp:txXfrm>
-        <a:off x="4382720" y="2052517"/>
-        <a:ext cx="1077029" cy="328362"/>
+        <a:off x="4845743" y="1707475"/>
+        <a:ext cx="893322" cy="272354"/>
       </dsp:txXfrm>
     </dsp:sp>
     <dsp:sp modelId="{8539FE12-B94A-4DB5-9363-D625963A994D}">
@@ -7575,8 +8369,8 @@
       </dsp:nvSpPr>
       <dsp:spPr>
         <a:xfrm>
-          <a:off x="3090284" y="2257744"/>
-          <a:ext cx="1077029" cy="328362"/>
+          <a:off x="3773756" y="1877697"/>
+          <a:ext cx="893322" cy="272354"/>
         </a:xfrm>
         <a:prstGeom prst="rect">
           <a:avLst/>
@@ -7656,8 +8450,8 @@
         </a:p>
       </dsp:txBody>
       <dsp:txXfrm>
-        <a:off x="3090284" y="2257744"/>
-        <a:ext cx="1077029" cy="328362"/>
+        <a:off x="3773756" y="1877697"/>
+        <a:ext cx="893322" cy="272354"/>
       </dsp:txXfrm>
     </dsp:sp>
     <dsp:sp modelId="{65D4BBB4-1790-4173-81B6-560190FD91AB}">
@@ -7667,8 +8461,8 @@
       </dsp:nvSpPr>
       <dsp:spPr>
         <a:xfrm>
-          <a:off x="1797849" y="4310010"/>
-          <a:ext cx="1077029" cy="328362"/>
+          <a:off x="2701769" y="4005466"/>
+          <a:ext cx="893322" cy="272354"/>
         </a:xfrm>
         <a:prstGeom prst="rect">
           <a:avLst/>
@@ -7748,8 +8542,8 @@
         </a:p>
       </dsp:txBody>
       <dsp:txXfrm>
-        <a:off x="1797849" y="4310010"/>
-        <a:ext cx="1077029" cy="328362"/>
+        <a:off x="2701769" y="4005466"/>
+        <a:ext cx="893322" cy="272354"/>
       </dsp:txXfrm>
     </dsp:sp>
     <dsp:sp modelId="{A20128AE-AD89-4CEA-9148-E73F5681A2EE}">
@@ -7759,8 +8553,8 @@
       </dsp:nvSpPr>
       <dsp:spPr>
         <a:xfrm>
-          <a:off x="3090284" y="4310010"/>
-          <a:ext cx="1077029" cy="328362"/>
+          <a:off x="3773756" y="4005466"/>
+          <a:ext cx="893322" cy="272354"/>
         </a:xfrm>
         <a:prstGeom prst="rect">
           <a:avLst/>
@@ -7844,8 +8638,8 @@
         </a:p>
       </dsp:txBody>
       <dsp:txXfrm>
-        <a:off x="3090284" y="4310010"/>
-        <a:ext cx="1077029" cy="328362"/>
+        <a:off x="3773756" y="4005466"/>
+        <a:ext cx="893322" cy="272354"/>
       </dsp:txXfrm>
     </dsp:sp>
     <dsp:sp modelId="{71B02E8A-448E-4584-80E9-059B52DDB850}">
@@ -7855,8 +8649,8 @@
       </dsp:nvSpPr>
       <dsp:spPr>
         <a:xfrm>
-          <a:off x="4382720" y="3899557"/>
-          <a:ext cx="1077029" cy="328362"/>
+          <a:off x="4845743" y="3665023"/>
+          <a:ext cx="893322" cy="272354"/>
         </a:xfrm>
         <a:prstGeom prst="rect">
           <a:avLst/>
@@ -7936,8 +8730,8 @@
         </a:p>
       </dsp:txBody>
       <dsp:txXfrm>
-        <a:off x="4382720" y="3899557"/>
-        <a:ext cx="1077029" cy="328362"/>
+        <a:off x="4845743" y="3665023"/>
+        <a:ext cx="893322" cy="272354"/>
       </dsp:txXfrm>
     </dsp:sp>
     <dsp:sp modelId="{1A4238F2-78DE-41D2-AD7D-244E70141D53}">
@@ -7947,8 +8741,8 @@
       </dsp:nvSpPr>
       <dsp:spPr>
         <a:xfrm>
-          <a:off x="5675155" y="3283877"/>
-          <a:ext cx="1077029" cy="328362"/>
+          <a:off x="5917730" y="2728804"/>
+          <a:ext cx="893322" cy="272354"/>
         </a:xfrm>
         <a:prstGeom prst="rect">
           <a:avLst/>
@@ -8028,8 +8822,8 @@
         </a:p>
       </dsp:txBody>
       <dsp:txXfrm>
-        <a:off x="5675155" y="3283877"/>
-        <a:ext cx="1077029" cy="328362"/>
+        <a:off x="5917730" y="2728804"/>
+        <a:ext cx="893322" cy="272354"/>
       </dsp:txXfrm>
     </dsp:sp>
     <dsp:sp modelId="{7A687C9C-1CE1-4FCD-8F95-CDF2CE96AF7A}">
@@ -8039,8 +8833,8 @@
       </dsp:nvSpPr>
       <dsp:spPr>
         <a:xfrm>
-          <a:off x="6967591" y="3078650"/>
-          <a:ext cx="1077029" cy="328362"/>
+          <a:off x="6989717" y="2558583"/>
+          <a:ext cx="915584" cy="272354"/>
         </a:xfrm>
         <a:prstGeom prst="rect">
           <a:avLst/>
@@ -8120,8 +8914,8 @@
         </a:p>
       </dsp:txBody>
       <dsp:txXfrm>
-        <a:off x="6967591" y="3078650"/>
-        <a:ext cx="1077029" cy="328362"/>
+        <a:off x="6989717" y="2558583"/>
+        <a:ext cx="915584" cy="272354"/>
       </dsp:txXfrm>
     </dsp:sp>
     <dsp:sp modelId="{2F691A7C-9BCD-4E4F-A41F-920122DDC012}">
@@ -8131,8 +8925,8 @@
       </dsp:nvSpPr>
       <dsp:spPr>
         <a:xfrm>
-          <a:off x="8260026" y="2668197"/>
-          <a:ext cx="1077029" cy="328362"/>
+          <a:off x="8302266" y="2202237"/>
+          <a:ext cx="893322" cy="272354"/>
         </a:xfrm>
         <a:prstGeom prst="rect">
           <a:avLst/>
@@ -8212,8 +9006,8 @@
         </a:p>
       </dsp:txBody>
       <dsp:txXfrm>
-        <a:off x="8260026" y="2668197"/>
-        <a:ext cx="1077029" cy="328362"/>
+        <a:off x="8302266" y="2202237"/>
+        <a:ext cx="893322" cy="272354"/>
       </dsp:txXfrm>
     </dsp:sp>
     <dsp:sp modelId="{BFA8CB9D-9F1D-4CD9-9D73-5A458DABA331}">
@@ -8223,8 +9017,8 @@
       </dsp:nvSpPr>
       <dsp:spPr>
         <a:xfrm>
-          <a:off x="8260026" y="3078650"/>
-          <a:ext cx="1077029" cy="328362"/>
+          <a:off x="8302266" y="2542680"/>
+          <a:ext cx="893322" cy="272354"/>
         </a:xfrm>
         <a:prstGeom prst="rect">
           <a:avLst/>
@@ -8304,8 +9098,8 @@
         </a:p>
       </dsp:txBody>
       <dsp:txXfrm>
-        <a:off x="8260026" y="3078650"/>
-        <a:ext cx="1077029" cy="328362"/>
+        <a:off x="8302266" y="2542680"/>
+        <a:ext cx="893322" cy="272354"/>
       </dsp:txXfrm>
     </dsp:sp>
     <dsp:sp modelId="{C75D1124-C505-4361-BD55-C3934A33A542}">
@@ -8315,8 +9109,8 @@
       </dsp:nvSpPr>
       <dsp:spPr>
         <a:xfrm>
-          <a:off x="8260026" y="3489104"/>
-          <a:ext cx="1077029" cy="328362"/>
+          <a:off x="8302266" y="2883123"/>
+          <a:ext cx="893322" cy="272354"/>
         </a:xfrm>
         <a:prstGeom prst="rect">
           <a:avLst/>
@@ -8396,8 +9190,8 @@
         </a:p>
       </dsp:txBody>
       <dsp:txXfrm>
-        <a:off x="8260026" y="3489104"/>
-        <a:ext cx="1077029" cy="328362"/>
+        <a:off x="8302266" y="2883123"/>
+        <a:ext cx="893322" cy="272354"/>
       </dsp:txXfrm>
     </dsp:sp>
     <dsp:sp modelId="{A8FC37A2-9B31-4489-B0A8-9E802EBAF3A0}">
@@ -8407,8 +9201,8 @@
       </dsp:nvSpPr>
       <dsp:spPr>
         <a:xfrm>
-          <a:off x="6967591" y="3489104"/>
-          <a:ext cx="1077029" cy="328362"/>
+          <a:off x="6989717" y="2899026"/>
+          <a:ext cx="893322" cy="272354"/>
         </a:xfrm>
         <a:prstGeom prst="rect">
           <a:avLst/>
@@ -8488,8 +9282,8 @@
         </a:p>
       </dsp:txBody>
       <dsp:txXfrm>
-        <a:off x="6967591" y="3489104"/>
-        <a:ext cx="1077029" cy="328362"/>
+        <a:off x="6989717" y="2899026"/>
+        <a:ext cx="893322" cy="272354"/>
       </dsp:txXfrm>
     </dsp:sp>
     <dsp:sp modelId="{9DE0F9C2-8935-4BB2-9E9C-937F7C914306}">
@@ -8499,8 +9293,8 @@
       </dsp:nvSpPr>
       <dsp:spPr>
         <a:xfrm>
-          <a:off x="5675155" y="4515237"/>
-          <a:ext cx="1077029" cy="328362"/>
+          <a:off x="5917730" y="3750133"/>
+          <a:ext cx="893322" cy="272354"/>
         </a:xfrm>
         <a:prstGeom prst="rect">
           <a:avLst/>
@@ -8580,8 +9374,8 @@
         </a:p>
       </dsp:txBody>
       <dsp:txXfrm>
-        <a:off x="5675155" y="4515237"/>
-        <a:ext cx="1077029" cy="328362"/>
+        <a:off x="5917730" y="3750133"/>
+        <a:ext cx="893322" cy="272354"/>
       </dsp:txXfrm>
     </dsp:sp>
     <dsp:sp modelId="{35ACB2AC-382A-4C97-A906-4B1EC627FF3B}">
@@ -8591,8 +9385,8 @@
       </dsp:nvSpPr>
       <dsp:spPr>
         <a:xfrm>
-          <a:off x="6967591" y="4310010"/>
-          <a:ext cx="1077029" cy="328362"/>
+          <a:off x="6989717" y="3579912"/>
+          <a:ext cx="971372" cy="272354"/>
         </a:xfrm>
         <a:prstGeom prst="rect">
           <a:avLst/>
@@ -8672,8 +9466,8 @@
         </a:p>
       </dsp:txBody>
       <dsp:txXfrm>
-        <a:off x="6967591" y="4310010"/>
-        <a:ext cx="1077029" cy="328362"/>
+        <a:off x="6989717" y="3579912"/>
+        <a:ext cx="971372" cy="272354"/>
       </dsp:txXfrm>
     </dsp:sp>
     <dsp:sp modelId="{F477F308-696E-4EBB-A389-B7BC50374169}">
@@ -8683,8 +9477,8 @@
       </dsp:nvSpPr>
       <dsp:spPr>
         <a:xfrm>
-          <a:off x="8260026" y="3899557"/>
-          <a:ext cx="1077029" cy="328362"/>
+          <a:off x="8318293" y="3239469"/>
+          <a:ext cx="893322" cy="272354"/>
         </a:xfrm>
         <a:prstGeom prst="rect">
           <a:avLst/>
@@ -8764,8 +9558,8 @@
         </a:p>
       </dsp:txBody>
       <dsp:txXfrm>
-        <a:off x="8260026" y="3899557"/>
-        <a:ext cx="1077029" cy="328362"/>
+        <a:off x="8318293" y="3239469"/>
+        <a:ext cx="893322" cy="272354"/>
       </dsp:txXfrm>
     </dsp:sp>
     <dsp:sp modelId="{057661AD-CB3F-4EFF-A165-3CB41187F5B8}">
@@ -8775,8 +9569,8 @@
       </dsp:nvSpPr>
       <dsp:spPr>
         <a:xfrm>
-          <a:off x="8260026" y="4310010"/>
-          <a:ext cx="1077029" cy="328362"/>
+          <a:off x="8318293" y="3579912"/>
+          <a:ext cx="893322" cy="272354"/>
         </a:xfrm>
         <a:prstGeom prst="rect">
           <a:avLst/>
@@ -8856,8 +9650,8 @@
         </a:p>
       </dsp:txBody>
       <dsp:txXfrm>
-        <a:off x="8260026" y="4310010"/>
-        <a:ext cx="1077029" cy="328362"/>
+        <a:off x="8318293" y="3579912"/>
+        <a:ext cx="893322" cy="272354"/>
       </dsp:txXfrm>
     </dsp:sp>
     <dsp:sp modelId="{5F45AA15-FBB3-4B44-8E68-EED9491C0D70}">
@@ -8867,8 +9661,8 @@
       </dsp:nvSpPr>
       <dsp:spPr>
         <a:xfrm>
-          <a:off x="8260026" y="4720464"/>
-          <a:ext cx="1077029" cy="328362"/>
+          <a:off x="8318293" y="3920355"/>
+          <a:ext cx="893322" cy="272354"/>
         </a:xfrm>
         <a:prstGeom prst="rect">
           <a:avLst/>
@@ -8948,8 +9742,8 @@
         </a:p>
       </dsp:txBody>
       <dsp:txXfrm>
-        <a:off x="8260026" y="4720464"/>
-        <a:ext cx="1077029" cy="328362"/>
+        <a:off x="8318293" y="3920355"/>
+        <a:ext cx="893322" cy="272354"/>
       </dsp:txXfrm>
     </dsp:sp>
     <dsp:sp modelId="{3EE425C3-9686-4BDF-A704-1B7FE956B70F}">
@@ -8959,8 +9753,8 @@
       </dsp:nvSpPr>
       <dsp:spPr>
         <a:xfrm>
-          <a:off x="6967591" y="4720464"/>
-          <a:ext cx="1077029" cy="328362"/>
+          <a:off x="6989717" y="3920355"/>
+          <a:ext cx="915208" cy="272354"/>
         </a:xfrm>
         <a:prstGeom prst="rect">
           <a:avLst/>
@@ -9040,8 +9834,472 @@
         </a:p>
       </dsp:txBody>
       <dsp:txXfrm>
-        <a:off x="6967591" y="4720464"/>
-        <a:ext cx="1077029" cy="328362"/>
+        <a:off x="6989717" y="3920355"/>
+        <a:ext cx="915208" cy="272354"/>
+      </dsp:txXfrm>
+    </dsp:sp>
+    <dsp:sp modelId="{3CE5715A-B463-4312-A59B-740DC19BA68B}">
+      <dsp:nvSpPr>
+        <dsp:cNvPr id="0" name=""/>
+        <dsp:cNvSpPr/>
+      </dsp:nvSpPr>
+      <dsp:spPr>
+        <a:xfrm>
+          <a:off x="5917730" y="4601241"/>
+          <a:ext cx="893322" cy="272354"/>
+        </a:xfrm>
+        <a:prstGeom prst="rect">
+          <a:avLst/>
+        </a:prstGeom>
+        <a:gradFill rotWithShape="0">
+          <a:gsLst>
+            <a:gs pos="0">
+              <a:schemeClr val="accent1">
+                <a:hueOff val="0"/>
+                <a:satOff val="0"/>
+                <a:lumOff val="0"/>
+                <a:alphaOff val="0"/>
+                <a:tint val="96000"/>
+                <a:lumMod val="104000"/>
+              </a:schemeClr>
+            </a:gs>
+            <a:gs pos="100000">
+              <a:schemeClr val="accent1">
+                <a:hueOff val="0"/>
+                <a:satOff val="0"/>
+                <a:lumOff val="0"/>
+                <a:alphaOff val="0"/>
+                <a:shade val="98000"/>
+                <a:lumMod val="94000"/>
+              </a:schemeClr>
+            </a:gs>
+          </a:gsLst>
+          <a:lin ang="5400000" scaled="0"/>
+        </a:gradFill>
+        <a:ln>
+          <a:noFill/>
+        </a:ln>
+        <a:effectLst>
+          <a:outerShdw blurRad="38100" dist="25400" dir="5400000" rotWithShape="0">
+            <a:srgbClr val="000000">
+              <a:alpha val="25000"/>
+            </a:srgbClr>
+          </a:outerShdw>
+        </a:effectLst>
+      </dsp:spPr>
+      <dsp:style>
+        <a:lnRef idx="0">
+          <a:scrgbClr r="0" g="0" b="0"/>
+        </a:lnRef>
+        <a:fillRef idx="3">
+          <a:scrgbClr r="0" g="0" b="0"/>
+        </a:fillRef>
+        <a:effectRef idx="2">
+          <a:scrgbClr r="0" g="0" b="0"/>
+        </a:effectRef>
+        <a:fontRef idx="minor">
+          <a:schemeClr val="lt1"/>
+        </a:fontRef>
+      </dsp:style>
+      <dsp:txBody>
+        <a:bodyPr spcFirstLastPara="0" vert="horz" wrap="square" lIns="6350" tIns="6350" rIns="6350" bIns="6350" numCol="1" spcCol="1270" anchor="ctr" anchorCtr="0">
+          <a:noAutofit/>
+        </a:bodyPr>
+        <a:lstStyle/>
+        <a:p>
+          <a:pPr lvl="0" algn="ctr" defTabSz="444500">
+            <a:lnSpc>
+              <a:spcPct val="90000"/>
+            </a:lnSpc>
+            <a:spcBef>
+              <a:spcPct val="0"/>
+            </a:spcBef>
+            <a:spcAft>
+              <a:spcPct val="35000"/>
+            </a:spcAft>
+          </a:pPr>
+          <a:r>
+            <a:rPr lang="fr-FR" sz="1000" kern="1200" dirty="0" err="1" smtClean="0"/>
+            <a:t>internal</a:t>
+          </a:r>
+          <a:r>
+            <a:rPr lang="fr-FR" sz="1000" kern="1200" dirty="0" smtClean="0"/>
+            <a:t> &lt;dir&gt;</a:t>
+          </a:r>
+          <a:endParaRPr lang="fr-FR" sz="1000" kern="1200" dirty="0"/>
+        </a:p>
+      </dsp:txBody>
+      <dsp:txXfrm>
+        <a:off x="5917730" y="4601241"/>
+        <a:ext cx="893322" cy="272354"/>
+      </dsp:txXfrm>
+    </dsp:sp>
+    <dsp:sp modelId="{BADDFD11-6D6A-4F6A-8B2E-2F492D67B8FF}">
+      <dsp:nvSpPr>
+        <dsp:cNvPr id="0" name=""/>
+        <dsp:cNvSpPr/>
+      </dsp:nvSpPr>
+      <dsp:spPr>
+        <a:xfrm>
+          <a:off x="6989717" y="4431019"/>
+          <a:ext cx="970219" cy="272354"/>
+        </a:xfrm>
+        <a:prstGeom prst="rect">
+          <a:avLst/>
+        </a:prstGeom>
+        <a:gradFill rotWithShape="0">
+          <a:gsLst>
+            <a:gs pos="0">
+              <a:schemeClr val="accent1">
+                <a:hueOff val="0"/>
+                <a:satOff val="0"/>
+                <a:lumOff val="0"/>
+                <a:alphaOff val="0"/>
+                <a:tint val="96000"/>
+                <a:lumMod val="104000"/>
+              </a:schemeClr>
+            </a:gs>
+            <a:gs pos="100000">
+              <a:schemeClr val="accent1">
+                <a:hueOff val="0"/>
+                <a:satOff val="0"/>
+                <a:lumOff val="0"/>
+                <a:alphaOff val="0"/>
+                <a:shade val="98000"/>
+                <a:lumMod val="94000"/>
+              </a:schemeClr>
+            </a:gs>
+          </a:gsLst>
+          <a:lin ang="5400000" scaled="0"/>
+        </a:gradFill>
+        <a:ln>
+          <a:noFill/>
+        </a:ln>
+        <a:effectLst>
+          <a:outerShdw blurRad="38100" dist="25400" dir="5400000" rotWithShape="0">
+            <a:srgbClr val="000000">
+              <a:alpha val="25000"/>
+            </a:srgbClr>
+          </a:outerShdw>
+        </a:effectLst>
+      </dsp:spPr>
+      <dsp:style>
+        <a:lnRef idx="0">
+          <a:scrgbClr r="0" g="0" b="0"/>
+        </a:lnRef>
+        <a:fillRef idx="3">
+          <a:scrgbClr r="0" g="0" b="0"/>
+        </a:fillRef>
+        <a:effectRef idx="2">
+          <a:scrgbClr r="0" g="0" b="0"/>
+        </a:effectRef>
+        <a:fontRef idx="minor">
+          <a:schemeClr val="lt1"/>
+        </a:fontRef>
+      </dsp:style>
+      <dsp:txBody>
+        <a:bodyPr spcFirstLastPara="0" vert="horz" wrap="square" lIns="6350" tIns="6350" rIns="6350" bIns="6350" numCol="1" spcCol="1270" anchor="ctr" anchorCtr="0">
+          <a:noAutofit/>
+        </a:bodyPr>
+        <a:lstStyle/>
+        <a:p>
+          <a:pPr lvl="0" algn="ctr" defTabSz="444500">
+            <a:lnSpc>
+              <a:spcPct val="90000"/>
+            </a:lnSpc>
+            <a:spcBef>
+              <a:spcPct val="0"/>
+            </a:spcBef>
+            <a:spcAft>
+              <a:spcPct val="35000"/>
+            </a:spcAft>
+          </a:pPr>
+          <a:r>
+            <a:rPr lang="fr-FR" sz="1000" kern="1200" dirty="0" smtClean="0"/>
+            <a:t>packname&lt;dir&gt;</a:t>
+          </a:r>
+          <a:endParaRPr lang="fr-FR" sz="1000" kern="1200" dirty="0"/>
+        </a:p>
+      </dsp:txBody>
+      <dsp:txXfrm>
+        <a:off x="6989717" y="4431019"/>
+        <a:ext cx="970219" cy="272354"/>
+      </dsp:txXfrm>
+    </dsp:sp>
+    <dsp:sp modelId="{A53E1177-1715-4EBC-8FFF-D2B6BE4DA7DF}">
+      <dsp:nvSpPr>
+        <dsp:cNvPr id="0" name=""/>
+        <dsp:cNvSpPr/>
+      </dsp:nvSpPr>
+      <dsp:spPr>
+        <a:xfrm>
+          <a:off x="8305581" y="4260798"/>
+          <a:ext cx="893322" cy="272354"/>
+        </a:xfrm>
+        <a:prstGeom prst="rect">
+          <a:avLst/>
+        </a:prstGeom>
+        <a:gradFill rotWithShape="0">
+          <a:gsLst>
+            <a:gs pos="0">
+              <a:schemeClr val="accent1">
+                <a:hueOff val="0"/>
+                <a:satOff val="0"/>
+                <a:lumOff val="0"/>
+                <a:alphaOff val="0"/>
+                <a:tint val="96000"/>
+                <a:lumMod val="104000"/>
+              </a:schemeClr>
+            </a:gs>
+            <a:gs pos="100000">
+              <a:schemeClr val="accent1">
+                <a:hueOff val="0"/>
+                <a:satOff val="0"/>
+                <a:lumOff val="0"/>
+                <a:alphaOff val="0"/>
+                <a:shade val="98000"/>
+                <a:lumMod val="94000"/>
+              </a:schemeClr>
+            </a:gs>
+          </a:gsLst>
+          <a:lin ang="5400000" scaled="0"/>
+        </a:gradFill>
+        <a:ln>
+          <a:noFill/>
+        </a:ln>
+        <a:effectLst>
+          <a:outerShdw blurRad="38100" dist="25400" dir="5400000" rotWithShape="0">
+            <a:srgbClr val="000000">
+              <a:alpha val="25000"/>
+            </a:srgbClr>
+          </a:outerShdw>
+        </a:effectLst>
+      </dsp:spPr>
+      <dsp:style>
+        <a:lnRef idx="0">
+          <a:scrgbClr r="0" g="0" b="0"/>
+        </a:lnRef>
+        <a:fillRef idx="3">
+          <a:scrgbClr r="0" g="0" b="0"/>
+        </a:fillRef>
+        <a:effectRef idx="2">
+          <a:scrgbClr r="0" g="0" b="0"/>
+        </a:effectRef>
+        <a:fontRef idx="minor">
+          <a:schemeClr val="lt1"/>
+        </a:fontRef>
+      </dsp:style>
+      <dsp:txBody>
+        <a:bodyPr spcFirstLastPara="0" vert="horz" wrap="square" lIns="6350" tIns="6350" rIns="6350" bIns="6350" numCol="1" spcCol="1270" anchor="ctr" anchorCtr="0">
+          <a:noAutofit/>
+        </a:bodyPr>
+        <a:lstStyle/>
+        <a:p>
+          <a:pPr lvl="0" algn="ctr" defTabSz="444500">
+            <a:lnSpc>
+              <a:spcPct val="90000"/>
+            </a:lnSpc>
+            <a:spcBef>
+              <a:spcPct val="0"/>
+            </a:spcBef>
+            <a:spcAft>
+              <a:spcPct val="35000"/>
+            </a:spcAft>
+          </a:pPr>
+          <a:r>
+            <a:rPr lang="fr-FR" sz="1000" kern="1200" dirty="0" smtClean="0"/>
+            <a:t>.go</a:t>
+          </a:r>
+          <a:endParaRPr lang="fr-FR" sz="1000" kern="1200" dirty="0"/>
+        </a:p>
+      </dsp:txBody>
+      <dsp:txXfrm>
+        <a:off x="8305581" y="4260798"/>
+        <a:ext cx="893322" cy="272354"/>
+      </dsp:txXfrm>
+    </dsp:sp>
+    <dsp:sp modelId="{9C97ECFE-35CB-4952-AA99-AABD5BBDF8F7}">
+      <dsp:nvSpPr>
+        <dsp:cNvPr id="0" name=""/>
+        <dsp:cNvSpPr/>
+      </dsp:nvSpPr>
+      <dsp:spPr>
+        <a:xfrm>
+          <a:off x="8305581" y="4601241"/>
+          <a:ext cx="893322" cy="272354"/>
+        </a:xfrm>
+        <a:prstGeom prst="rect">
+          <a:avLst/>
+        </a:prstGeom>
+        <a:gradFill rotWithShape="0">
+          <a:gsLst>
+            <a:gs pos="0">
+              <a:schemeClr val="accent1">
+                <a:hueOff val="0"/>
+                <a:satOff val="0"/>
+                <a:lumOff val="0"/>
+                <a:alphaOff val="0"/>
+                <a:tint val="96000"/>
+                <a:lumMod val="104000"/>
+              </a:schemeClr>
+            </a:gs>
+            <a:gs pos="100000">
+              <a:schemeClr val="accent1">
+                <a:hueOff val="0"/>
+                <a:satOff val="0"/>
+                <a:lumOff val="0"/>
+                <a:alphaOff val="0"/>
+                <a:shade val="98000"/>
+                <a:lumMod val="94000"/>
+              </a:schemeClr>
+            </a:gs>
+          </a:gsLst>
+          <a:lin ang="5400000" scaled="0"/>
+        </a:gradFill>
+        <a:ln>
+          <a:noFill/>
+        </a:ln>
+        <a:effectLst>
+          <a:outerShdw blurRad="38100" dist="25400" dir="5400000" rotWithShape="0">
+            <a:srgbClr val="000000">
+              <a:alpha val="25000"/>
+            </a:srgbClr>
+          </a:outerShdw>
+        </a:effectLst>
+      </dsp:spPr>
+      <dsp:style>
+        <a:lnRef idx="0">
+          <a:scrgbClr r="0" g="0" b="0"/>
+        </a:lnRef>
+        <a:fillRef idx="3">
+          <a:scrgbClr r="0" g="0" b="0"/>
+        </a:fillRef>
+        <a:effectRef idx="2">
+          <a:scrgbClr r="0" g="0" b="0"/>
+        </a:effectRef>
+        <a:fontRef idx="minor">
+          <a:schemeClr val="lt1"/>
+        </a:fontRef>
+      </dsp:style>
+      <dsp:txBody>
+        <a:bodyPr spcFirstLastPara="0" vert="horz" wrap="square" lIns="6350" tIns="6350" rIns="6350" bIns="6350" numCol="1" spcCol="1270" anchor="ctr" anchorCtr="0">
+          <a:noAutofit/>
+        </a:bodyPr>
+        <a:lstStyle/>
+        <a:p>
+          <a:pPr lvl="0" algn="ctr" defTabSz="444500">
+            <a:lnSpc>
+              <a:spcPct val="90000"/>
+            </a:lnSpc>
+            <a:spcBef>
+              <a:spcPct val="0"/>
+            </a:spcBef>
+            <a:spcAft>
+              <a:spcPct val="35000"/>
+            </a:spcAft>
+          </a:pPr>
+          <a:r>
+            <a:rPr lang="fr-FR" sz="1000" kern="1200" dirty="0" smtClean="0"/>
+            <a:t>…</a:t>
+          </a:r>
+          <a:endParaRPr lang="fr-FR" sz="1000" kern="1200" dirty="0"/>
+        </a:p>
+      </dsp:txBody>
+      <dsp:txXfrm>
+        <a:off x="8305581" y="4601241"/>
+        <a:ext cx="893322" cy="272354"/>
+      </dsp:txXfrm>
+    </dsp:sp>
+    <dsp:sp modelId="{D95C901E-1098-4296-B1C0-A32F05673786}">
+      <dsp:nvSpPr>
+        <dsp:cNvPr id="0" name=""/>
+        <dsp:cNvSpPr/>
+      </dsp:nvSpPr>
+      <dsp:spPr>
+        <a:xfrm>
+          <a:off x="6989717" y="4771462"/>
+          <a:ext cx="955578" cy="272354"/>
+        </a:xfrm>
+        <a:prstGeom prst="rect">
+          <a:avLst/>
+        </a:prstGeom>
+        <a:gradFill rotWithShape="0">
+          <a:gsLst>
+            <a:gs pos="0">
+              <a:schemeClr val="accent1">
+                <a:hueOff val="0"/>
+                <a:satOff val="0"/>
+                <a:lumOff val="0"/>
+                <a:alphaOff val="0"/>
+                <a:tint val="96000"/>
+                <a:lumMod val="104000"/>
+              </a:schemeClr>
+            </a:gs>
+            <a:gs pos="100000">
+              <a:schemeClr val="accent1">
+                <a:hueOff val="0"/>
+                <a:satOff val="0"/>
+                <a:lumOff val="0"/>
+                <a:alphaOff val="0"/>
+                <a:shade val="98000"/>
+                <a:lumMod val="94000"/>
+              </a:schemeClr>
+            </a:gs>
+          </a:gsLst>
+          <a:lin ang="5400000" scaled="0"/>
+        </a:gradFill>
+        <a:ln>
+          <a:noFill/>
+        </a:ln>
+        <a:effectLst>
+          <a:outerShdw blurRad="38100" dist="25400" dir="5400000" rotWithShape="0">
+            <a:srgbClr val="000000">
+              <a:alpha val="25000"/>
+            </a:srgbClr>
+          </a:outerShdw>
+        </a:effectLst>
+      </dsp:spPr>
+      <dsp:style>
+        <a:lnRef idx="0">
+          <a:scrgbClr r="0" g="0" b="0"/>
+        </a:lnRef>
+        <a:fillRef idx="3">
+          <a:scrgbClr r="0" g="0" b="0"/>
+        </a:fillRef>
+        <a:effectRef idx="2">
+          <a:scrgbClr r="0" g="0" b="0"/>
+        </a:effectRef>
+        <a:fontRef idx="minor">
+          <a:schemeClr val="lt1"/>
+        </a:fontRef>
+      </dsp:style>
+      <dsp:txBody>
+        <a:bodyPr spcFirstLastPara="0" vert="horz" wrap="square" lIns="6350" tIns="6350" rIns="6350" bIns="6350" numCol="1" spcCol="1270" anchor="ctr" anchorCtr="0">
+          <a:noAutofit/>
+        </a:bodyPr>
+        <a:lstStyle/>
+        <a:p>
+          <a:pPr lvl="0" algn="ctr" defTabSz="444500">
+            <a:lnSpc>
+              <a:spcPct val="90000"/>
+            </a:lnSpc>
+            <a:spcBef>
+              <a:spcPct val="0"/>
+            </a:spcBef>
+            <a:spcAft>
+              <a:spcPct val="35000"/>
+            </a:spcAft>
+          </a:pPr>
+          <a:r>
+            <a:rPr lang="fr-FR" sz="1000" kern="1200" dirty="0" smtClean="0"/>
+            <a:t>…</a:t>
+          </a:r>
+          <a:endParaRPr lang="fr-FR" sz="1000" kern="1200" dirty="0"/>
+        </a:p>
+      </dsp:txBody>
+      <dsp:txXfrm>
+        <a:off x="6989717" y="4771462"/>
+        <a:ext cx="955578" cy="272354"/>
       </dsp:txXfrm>
     </dsp:sp>
     <dsp:sp modelId="{536E7EEE-AE26-4F15-B7DF-40567D90432E}">
@@ -9051,8 +10309,8 @@
       </dsp:nvSpPr>
       <dsp:spPr>
         <a:xfrm>
-          <a:off x="4382720" y="4310010"/>
-          <a:ext cx="1077029" cy="328362"/>
+          <a:off x="4845743" y="4005466"/>
+          <a:ext cx="893322" cy="272354"/>
         </a:xfrm>
         <a:prstGeom prst="rect">
           <a:avLst/>
@@ -9132,8 +10390,8 @@
         </a:p>
       </dsp:txBody>
       <dsp:txXfrm>
-        <a:off x="4382720" y="4310010"/>
-        <a:ext cx="1077029" cy="328362"/>
+        <a:off x="4845743" y="4005466"/>
+        <a:ext cx="893322" cy="272354"/>
       </dsp:txXfrm>
     </dsp:sp>
     <dsp:sp modelId="{ADC4EBE8-08E2-4FE3-8945-6660CEF6994F}">
@@ -9143,8 +10401,8 @@
       </dsp:nvSpPr>
       <dsp:spPr>
         <a:xfrm>
-          <a:off x="4382720" y="4720464"/>
-          <a:ext cx="1077029" cy="328362"/>
+          <a:off x="4845743" y="4345909"/>
+          <a:ext cx="893322" cy="272354"/>
         </a:xfrm>
         <a:prstGeom prst="rect">
           <a:avLst/>
@@ -9224,8 +10482,8 @@
         </a:p>
       </dsp:txBody>
       <dsp:txXfrm>
-        <a:off x="4382720" y="4720464"/>
-        <a:ext cx="1077029" cy="328362"/>
+        <a:off x="4845743" y="4345909"/>
+        <a:ext cx="893322" cy="272354"/>
       </dsp:txXfrm>
     </dsp:sp>
   </dsp:spTree>
@@ -10671,7 +11929,7 @@
           <a:p>
             <a:fld id="{ADCD2C08-3C00-4791-9388-3FB9A56F87F8}" type="datetimeFigureOut">
               <a:rPr lang="fr-FR" smtClean="0"/>
-              <a:t>13/01/2018</a:t>
+              <a:t>14/01/2018</a:t>
             </a:fld>
             <a:endParaRPr lang="fr-FR"/>
           </a:p>
@@ -11211,7 +12469,7 @@
           <a:p>
             <a:fld id="{CAB5D9F6-764D-45E8-BA35-322ECA954888}" type="datetime1">
               <a:rPr lang="en-US" smtClean="0"/>
-              <a:t>1/13/2018</a:t>
+              <a:t>1/14/2018</a:t>
             </a:fld>
             <a:endParaRPr lang="en-US" dirty="0"/>
           </a:p>
@@ -11551,7 +12809,7 @@
           <a:p>
             <a:fld id="{7E62AF45-EF0A-4378-934F-84EB6BC3D026}" type="datetime1">
               <a:rPr lang="en-US" smtClean="0"/>
-              <a:t>1/13/2018</a:t>
+              <a:t>1/14/2018</a:t>
             </a:fld>
             <a:endParaRPr lang="en-US" dirty="0"/>
           </a:p>
@@ -11953,7 +13211,7 @@
           <a:p>
             <a:fld id="{76D4023A-E694-4331-A23E-E1356D15A4BD}" type="datetime1">
               <a:rPr lang="en-US" smtClean="0"/>
-              <a:t>1/13/2018</a:t>
+              <a:t>1/14/2018</a:t>
             </a:fld>
             <a:endParaRPr lang="en-US" dirty="0"/>
           </a:p>
@@ -12290,7 +13548,7 @@
           <a:p>
             <a:fld id="{D6F2E77E-7F60-441B-806F-66DDB3F74163}" type="datetime1">
               <a:rPr lang="en-US" smtClean="0"/>
-              <a:t>1/13/2018</a:t>
+              <a:t>1/14/2018</a:t>
             </a:fld>
             <a:endParaRPr lang="en-US" dirty="0"/>
           </a:p>
@@ -12611,7 +13869,7 @@
           <a:p>
             <a:fld id="{266B8AF4-4A0E-4A4E-9660-2094B624C07D}" type="datetime1">
               <a:rPr lang="en-US" smtClean="0"/>
-              <a:t>1/13/2018</a:t>
+              <a:t>1/14/2018</a:t>
             </a:fld>
             <a:endParaRPr lang="en-US" dirty="0"/>
           </a:p>
@@ -13008,7 +14266,7 @@
           <a:p>
             <a:fld id="{CB2BF7E3-4C05-4502-A416-452E6496AE59}" type="datetime1">
               <a:rPr lang="en-US" smtClean="0"/>
-              <a:t>1/13/2018</a:t>
+              <a:t>1/14/2018</a:t>
             </a:fld>
             <a:endParaRPr lang="en-US" dirty="0"/>
           </a:p>
@@ -13266,7 +14524,7 @@
           <a:p>
             <a:fld id="{F6F8AC83-13D2-4813-AD1A-CAFB5DEDD213}" type="datetime1">
               <a:rPr lang="en-US" smtClean="0"/>
-              <a:t>1/13/2018</a:t>
+              <a:t>1/14/2018</a:t>
             </a:fld>
             <a:endParaRPr lang="en-US" dirty="0"/>
           </a:p>
@@ -13529,7 +14787,7 @@
           <a:p>
             <a:fld id="{74455543-85E2-46E2-A974-7ADB0844C12A}" type="datetime1">
               <a:rPr lang="en-US" smtClean="0"/>
-              <a:t>1/13/2018</a:t>
+              <a:t>1/14/2018</a:t>
             </a:fld>
             <a:endParaRPr lang="en-US" dirty="0"/>
           </a:p>
@@ -14641,7 +15899,7 @@
           <a:p>
             <a:fld id="{086CC522-5229-4E69-BBB2-D5F912967395}" type="datetime1">
               <a:rPr lang="en-US" smtClean="0"/>
-              <a:t>1/13/2018</a:t>
+              <a:t>1/14/2018</a:t>
             </a:fld>
             <a:endParaRPr lang="en-US" dirty="0"/>
           </a:p>
@@ -14960,7 +16218,7 @@
           <a:p>
             <a:fld id="{56B9B5DB-1D1A-42F8-93F0-BBA44C1CAF57}" type="datetime1">
               <a:rPr lang="en-US" smtClean="0"/>
-              <a:t>1/13/2018</a:t>
+              <a:t>1/14/2018</a:t>
             </a:fld>
             <a:endParaRPr lang="en-US" dirty="0"/>
           </a:p>
@@ -15418,7 +16676,7 @@
           <a:p>
             <a:fld id="{9A4E8950-D3FA-4365-B561-9EE5AC9B6B6C}" type="datetime1">
               <a:rPr lang="en-US" smtClean="0"/>
-              <a:t>1/13/2018</a:t>
+              <a:t>1/14/2018</a:t>
             </a:fld>
             <a:endParaRPr lang="en-US" dirty="0"/>
           </a:p>
@@ -15624,7 +16882,7 @@
           <a:p>
             <a:fld id="{20724122-C579-4659-8A06-81F42FC84005}" type="datetime1">
               <a:rPr lang="en-US" smtClean="0"/>
-              <a:t>1/13/2018</a:t>
+              <a:t>1/14/2018</a:t>
             </a:fld>
             <a:endParaRPr lang="en-US" dirty="0"/>
           </a:p>
@@ -15802,7 +17060,7 @@
           <a:p>
             <a:fld id="{E4C13383-9243-41F6-8072-8685ED9DD899}" type="datetime1">
               <a:rPr lang="en-US" smtClean="0"/>
-              <a:t>1/13/2018</a:t>
+              <a:t>1/14/2018</a:t>
             </a:fld>
             <a:endParaRPr lang="en-US" dirty="0"/>
           </a:p>
@@ -16136,7 +17394,7 @@
           <a:p>
             <a:fld id="{03F027E6-328C-49ED-AE4B-BD647A7E3EDE}" type="datetime1">
               <a:rPr lang="en-US" smtClean="0"/>
-              <a:t>1/13/2018</a:t>
+              <a:t>1/14/2018</a:t>
             </a:fld>
             <a:endParaRPr lang="en-US" dirty="0"/>
           </a:p>
@@ -16482,7 +17740,7 @@
           <a:p>
             <a:fld id="{6B498982-A325-4B29-8B06-CBC7789C234F}" type="datetime1">
               <a:rPr lang="en-US" smtClean="0"/>
-              <a:t>1/13/2018</a:t>
+              <a:t>1/14/2018</a:t>
             </a:fld>
             <a:endParaRPr lang="en-US" dirty="0"/>
           </a:p>
@@ -18600,7 +19858,7 @@
           <a:p>
             <a:fld id="{CAB5D9F6-764D-45E8-BA35-322ECA954888}" type="datetime1">
               <a:rPr lang="en-US" smtClean="0"/>
-              <a:t>1/13/2018</a:t>
+              <a:t>1/14/2018</a:t>
             </a:fld>
             <a:endParaRPr lang="en-US" dirty="0"/>
           </a:p>
@@ -35645,14 +36903,14 @@
           <p:nvPr>
             <p:extLst>
               <p:ext uri="{D42A27DB-BD31-4B8C-83A1-F6EECF244321}">
-                <p14:modId xmlns:p14="http://schemas.microsoft.com/office/powerpoint/2010/main" val="4153887371"/>
+                <p14:modId xmlns:p14="http://schemas.microsoft.com/office/powerpoint/2010/main" val="1724223749"/>
               </p:ext>
             </p:extLst>
           </p:nvPr>
         </p:nvGraphicFramePr>
         <p:xfrm>
-          <a:off x="1383526" y="1463040"/>
-          <a:ext cx="10591137" cy="5049078"/>
+          <a:off x="674935" y="1407381"/>
+          <a:ext cx="11283827" cy="5049078"/>
         </p:xfrm>
         <a:graphic>
           <a:graphicData uri="http://schemas.openxmlformats.org/drawingml/2006/diagram">
@@ -35668,7 +36926,7 @@
         </p:nvSpPr>
         <p:spPr>
           <a:xfrm>
-            <a:off x="2278849" y="1344135"/>
+            <a:off x="2592925" y="1264555"/>
             <a:ext cx="1168842" cy="437322"/>
           </a:xfrm>
           <a:prstGeom prst="wedgeEllipseCallout">
@@ -35734,7 +36992,7 @@
         </p:nvSpPr>
         <p:spPr>
           <a:xfrm>
-            <a:off x="1452712" y="2745456"/>
+            <a:off x="1913888" y="2405568"/>
             <a:ext cx="1140213" cy="437322"/>
           </a:xfrm>
           <a:prstGeom prst="wedgeEllipseCallout">
@@ -35800,7 +37058,7 @@
         </p:nvSpPr>
         <p:spPr>
           <a:xfrm>
-            <a:off x="7601446" y="2182931"/>
+            <a:off x="7108466" y="1905000"/>
             <a:ext cx="1311965" cy="437322"/>
           </a:xfrm>
           <a:prstGeom prst="wedgeEllipseCallout">
@@ -35846,7 +37104,7 @@
         </p:nvSpPr>
         <p:spPr>
           <a:xfrm>
-            <a:off x="10035870" y="3550257"/>
+            <a:off x="9511084" y="3081130"/>
             <a:ext cx="1311965" cy="437322"/>
           </a:xfrm>
           <a:prstGeom prst="wedgeEllipseCallout">
@@ -36997,18 +38255,7 @@
                 </a:solidFill>
                 <a:hlinkClick r:id="rId9"/>
               </a:rPr>
-              <a:t>Slice </a:t>
-            </a:r>
-            <a:r>
-              <a:rPr lang="fr-FR" sz="1200" b="1" dirty="0" smtClean="0">
-                <a:solidFill>
-                  <a:schemeClr val="accent6">
-                    <a:lumMod val="75000"/>
-                  </a:schemeClr>
-                </a:solidFill>
-                <a:hlinkClick r:id="rId9"/>
-              </a:rPr>
-              <a:t>Tricks</a:t>
+              <a:t>Slice Tricks</a:t>
             </a:r>
             <a:r>
               <a:rPr lang="fr-FR" sz="1200" b="1" dirty="0" smtClean="0">

--- a/documentations/learning-go.pptx
+++ b/documentations/learning-go.pptx
@@ -5,7 +5,7 @@
     <p:sldMasterId id="2147483665" r:id="rId1"/>
   </p:sldMasterIdLst>
   <p:notesMasterIdLst>
-    <p:notesMasterId r:id="rId85"/>
+    <p:notesMasterId r:id="rId86"/>
   </p:notesMasterIdLst>
   <p:sldIdLst>
     <p:sldId id="256" r:id="rId2"/>
@@ -90,7 +90,8 @@
     <p:sldId id="337" r:id="rId81"/>
     <p:sldId id="338" r:id="rId82"/>
     <p:sldId id="339" r:id="rId83"/>
-    <p:sldId id="267" r:id="rId84"/>
+    <p:sldId id="340" r:id="rId84"/>
+    <p:sldId id="267" r:id="rId85"/>
   </p:sldIdLst>
   <p:sldSz cx="12192000" cy="6858000"/>
   <p:notesSz cx="6858000" cy="9144000"/>
@@ -3850,10 +3851,24 @@
     <dgm:pt modelId="{3277378E-1025-4B91-B646-B39624C63CFC}" type="pres">
       <dgm:prSet presAssocID="{0FBFC397-7581-450D-9E09-11221034CB1F}" presName="conn2-1" presStyleLbl="parChTrans1D4" presStyleIdx="18" presStyleCnt="25"/>
       <dgm:spPr/>
+      <dgm:t>
+        <a:bodyPr/>
+        <a:lstStyle/>
+        <a:p>
+          <a:endParaRPr lang="fr-FR"/>
+        </a:p>
+      </dgm:t>
     </dgm:pt>
     <dgm:pt modelId="{ED27862D-C3E6-427A-885B-0E48DC7843BB}" type="pres">
       <dgm:prSet presAssocID="{0FBFC397-7581-450D-9E09-11221034CB1F}" presName="connTx" presStyleLbl="parChTrans1D4" presStyleIdx="18" presStyleCnt="25"/>
       <dgm:spPr/>
+      <dgm:t>
+        <a:bodyPr/>
+        <a:lstStyle/>
+        <a:p>
+          <a:endParaRPr lang="fr-FR"/>
+        </a:p>
+      </dgm:t>
     </dgm:pt>
     <dgm:pt modelId="{694CBA10-92D2-4197-90E3-DF07EA10EEB8}" type="pres">
       <dgm:prSet presAssocID="{760883ED-A9BB-405E-8F20-AFD9CCB96229}" presName="root2" presStyleCnt="0"/>
@@ -3881,10 +3896,24 @@
     <dgm:pt modelId="{B1B95A7D-A80C-4A8C-B5CC-608F51433E24}" type="pres">
       <dgm:prSet presAssocID="{BF2ECC47-8959-4178-94DF-C185E2DEE5DE}" presName="conn2-1" presStyleLbl="parChTrans1D4" presStyleIdx="19" presStyleCnt="25"/>
       <dgm:spPr/>
+      <dgm:t>
+        <a:bodyPr/>
+        <a:lstStyle/>
+        <a:p>
+          <a:endParaRPr lang="fr-FR"/>
+        </a:p>
+      </dgm:t>
     </dgm:pt>
     <dgm:pt modelId="{D089DFB8-6D68-45D6-93AE-4D04E31DEDBD}" type="pres">
       <dgm:prSet presAssocID="{BF2ECC47-8959-4178-94DF-C185E2DEE5DE}" presName="connTx" presStyleLbl="parChTrans1D4" presStyleIdx="19" presStyleCnt="25"/>
       <dgm:spPr/>
+      <dgm:t>
+        <a:bodyPr/>
+        <a:lstStyle/>
+        <a:p>
+          <a:endParaRPr lang="fr-FR"/>
+        </a:p>
+      </dgm:t>
     </dgm:pt>
     <dgm:pt modelId="{9BAEEE4D-1794-4993-ABA7-35B5444E3185}" type="pres">
       <dgm:prSet presAssocID="{D6A6EF0D-3890-4564-B47F-BA7E2FFC336B}" presName="root2" presStyleCnt="0"/>
@@ -3912,10 +3941,24 @@
     <dgm:pt modelId="{1C218697-7FEC-442C-BEAC-861EDBA1EE26}" type="pres">
       <dgm:prSet presAssocID="{DB9EFE37-A36C-430A-8B47-88C287516F23}" presName="conn2-1" presStyleLbl="parChTrans1D4" presStyleIdx="20" presStyleCnt="25"/>
       <dgm:spPr/>
+      <dgm:t>
+        <a:bodyPr/>
+        <a:lstStyle/>
+        <a:p>
+          <a:endParaRPr lang="fr-FR"/>
+        </a:p>
+      </dgm:t>
     </dgm:pt>
     <dgm:pt modelId="{81ADFB7C-14D3-491D-A8C3-619A082EA693}" type="pres">
       <dgm:prSet presAssocID="{DB9EFE37-A36C-430A-8B47-88C287516F23}" presName="connTx" presStyleLbl="parChTrans1D4" presStyleIdx="20" presStyleCnt="25"/>
       <dgm:spPr/>
+      <dgm:t>
+        <a:bodyPr/>
+        <a:lstStyle/>
+        <a:p>
+          <a:endParaRPr lang="fr-FR"/>
+        </a:p>
+      </dgm:t>
     </dgm:pt>
     <dgm:pt modelId="{1E3A8E4F-0756-4205-874E-8A8A7E5A4645}" type="pres">
       <dgm:prSet presAssocID="{C971CB4A-ACE5-46F8-AE5B-3AFE92D0959D}" presName="root2" presStyleCnt="0"/>
@@ -3928,6 +3971,13 @@
         </dgm:presLayoutVars>
       </dgm:prSet>
       <dgm:spPr/>
+      <dgm:t>
+        <a:bodyPr/>
+        <a:lstStyle/>
+        <a:p>
+          <a:endParaRPr lang="fr-FR"/>
+        </a:p>
+      </dgm:t>
     </dgm:pt>
     <dgm:pt modelId="{96D657BE-01FB-41A5-A61B-3B35503AC2B6}" type="pres">
       <dgm:prSet presAssocID="{C971CB4A-ACE5-46F8-AE5B-3AFE92D0959D}" presName="level3hierChild" presStyleCnt="0"/>
@@ -3936,10 +3986,24 @@
     <dgm:pt modelId="{17D366BE-804F-4EB3-932C-7E922AA72C97}" type="pres">
       <dgm:prSet presAssocID="{34FEF89F-3256-4364-AB80-02C4079D03DE}" presName="conn2-1" presStyleLbl="parChTrans1D4" presStyleIdx="21" presStyleCnt="25"/>
       <dgm:spPr/>
+      <dgm:t>
+        <a:bodyPr/>
+        <a:lstStyle/>
+        <a:p>
+          <a:endParaRPr lang="fr-FR"/>
+        </a:p>
+      </dgm:t>
     </dgm:pt>
     <dgm:pt modelId="{E6F6B072-371D-4957-ABC0-3B2C22D27DBF}" type="pres">
       <dgm:prSet presAssocID="{34FEF89F-3256-4364-AB80-02C4079D03DE}" presName="connTx" presStyleLbl="parChTrans1D4" presStyleIdx="21" presStyleCnt="25"/>
       <dgm:spPr/>
+      <dgm:t>
+        <a:bodyPr/>
+        <a:lstStyle/>
+        <a:p>
+          <a:endParaRPr lang="fr-FR"/>
+        </a:p>
+      </dgm:t>
     </dgm:pt>
     <dgm:pt modelId="{570E30F0-C1ED-4CD5-BCCD-D977F598EAF8}" type="pres">
       <dgm:prSet presAssocID="{322F58AD-DE9A-4B44-9BA0-D689707D8FD4}" presName="root2" presStyleCnt="0"/>
@@ -3952,6 +4016,13 @@
         </dgm:presLayoutVars>
       </dgm:prSet>
       <dgm:spPr/>
+      <dgm:t>
+        <a:bodyPr/>
+        <a:lstStyle/>
+        <a:p>
+          <a:endParaRPr lang="fr-FR"/>
+        </a:p>
+      </dgm:t>
     </dgm:pt>
     <dgm:pt modelId="{F4A1B485-8D55-4B83-ADC5-922BB2DE367E}" type="pres">
       <dgm:prSet presAssocID="{322F58AD-DE9A-4B44-9BA0-D689707D8FD4}" presName="level3hierChild" presStyleCnt="0"/>
@@ -3960,10 +4031,24 @@
     <dgm:pt modelId="{F5B1B54B-C837-4500-B1F9-6B55EC063495}" type="pres">
       <dgm:prSet presAssocID="{4E2FF37E-EF9E-4E13-A343-A28FDBF48B26}" presName="conn2-1" presStyleLbl="parChTrans1D4" presStyleIdx="22" presStyleCnt="25"/>
       <dgm:spPr/>
+      <dgm:t>
+        <a:bodyPr/>
+        <a:lstStyle/>
+        <a:p>
+          <a:endParaRPr lang="fr-FR"/>
+        </a:p>
+      </dgm:t>
     </dgm:pt>
     <dgm:pt modelId="{D842F95B-B05B-4DE0-B764-8E26B5379FF0}" type="pres">
       <dgm:prSet presAssocID="{4E2FF37E-EF9E-4E13-A343-A28FDBF48B26}" presName="connTx" presStyleLbl="parChTrans1D4" presStyleIdx="22" presStyleCnt="25"/>
       <dgm:spPr/>
+      <dgm:t>
+        <a:bodyPr/>
+        <a:lstStyle/>
+        <a:p>
+          <a:endParaRPr lang="fr-FR"/>
+        </a:p>
+      </dgm:t>
     </dgm:pt>
     <dgm:pt modelId="{4E596BD4-DA7C-4D4A-8CF7-CADC167A2029}" type="pres">
       <dgm:prSet presAssocID="{D81D785B-9DE7-4820-AFB6-E6C98C246EFC}" presName="root2" presStyleCnt="0"/>
@@ -3976,6 +4061,13 @@
         </dgm:presLayoutVars>
       </dgm:prSet>
       <dgm:spPr/>
+      <dgm:t>
+        <a:bodyPr/>
+        <a:lstStyle/>
+        <a:p>
+          <a:endParaRPr lang="fr-FR"/>
+        </a:p>
+      </dgm:t>
     </dgm:pt>
     <dgm:pt modelId="{4EAB2BC0-F83A-4A62-B7D8-59143933720A}" type="pres">
       <dgm:prSet presAssocID="{D81D785B-9DE7-4820-AFB6-E6C98C246EFC}" presName="level3hierChild" presStyleCnt="0"/>
@@ -4139,8 +4231,8 @@
     <dgm:cxn modelId="{B212622B-E89A-410E-8DF2-21E1F16489BB}" srcId="{2BA398DC-44B5-4B11-A724-B73E05D7E9DF}" destId="{B744A046-4A74-4240-94C0-E4572C4E9202}" srcOrd="1" destOrd="0" parTransId="{FD783284-7709-4153-940E-9DD9E029E02A}" sibTransId="{988DCDD5-55C3-4C36-A62E-F8E1AF47FEF8}"/>
     <dgm:cxn modelId="{312BB93A-87FC-4048-9E42-1B35BB662708}" type="presOf" srcId="{9A485257-A8D6-4397-BEDE-96D5D67A5BD8}" destId="{564E8B54-811C-4F63-8549-390678EFB2EA}" srcOrd="1" destOrd="0" presId="urn:microsoft.com/office/officeart/2008/layout/HorizontalMultiLevelHierarchy"/>
     <dgm:cxn modelId="{E309E34A-2541-4093-AE96-D08C67BBA9F2}" type="presOf" srcId="{49D92B24-F087-4E31-A4F6-E7772D5AF36E}" destId="{2D6B1399-BFF2-49EA-9491-3E6335B75829}" srcOrd="1" destOrd="0" presId="urn:microsoft.com/office/officeart/2008/layout/HorizontalMultiLevelHierarchy"/>
+    <dgm:cxn modelId="{A2688F4C-A1C7-4151-B150-F8CDFD3DE9B6}" type="presOf" srcId="{760883ED-A9BB-405E-8F20-AFD9CCB96229}" destId="{3CE5715A-B463-4312-A59B-740DC19BA68B}" srcOrd="0" destOrd="0" presId="urn:microsoft.com/office/officeart/2008/layout/HorizontalMultiLevelHierarchy"/>
     <dgm:cxn modelId="{598D3D67-BC1B-443E-9833-8ACCA111D016}" type="presOf" srcId="{BD7D0AF9-68FE-4C26-A056-56C45A6F6BF0}" destId="{F3F472E3-5157-4A9E-B0CD-16FF248F6E0E}" srcOrd="0" destOrd="0" presId="urn:microsoft.com/office/officeart/2008/layout/HorizontalMultiLevelHierarchy"/>
-    <dgm:cxn modelId="{A2688F4C-A1C7-4151-B150-F8CDFD3DE9B6}" type="presOf" srcId="{760883ED-A9BB-405E-8F20-AFD9CCB96229}" destId="{3CE5715A-B463-4312-A59B-740DC19BA68B}" srcOrd="0" destOrd="0" presId="urn:microsoft.com/office/officeart/2008/layout/HorizontalMultiLevelHierarchy"/>
     <dgm:cxn modelId="{E81FAA6C-D968-4DA0-984D-000F8B6D8402}" type="presOf" srcId="{24A460EE-1CA7-428D-8C6C-3007FD1B450B}" destId="{ADC4EBE8-08E2-4FE3-8945-6660CEF6994F}" srcOrd="0" destOrd="0" presId="urn:microsoft.com/office/officeart/2008/layout/HorizontalMultiLevelHierarchy"/>
     <dgm:cxn modelId="{22040BE2-9A41-4EF8-BBE6-0F3D3582F3C1}" type="presOf" srcId="{DB9EFE37-A36C-430A-8B47-88C287516F23}" destId="{1C218697-7FEC-442C-BEAC-861EDBA1EE26}" srcOrd="0" destOrd="0" presId="urn:microsoft.com/office/officeart/2008/layout/HorizontalMultiLevelHierarchy"/>
     <dgm:cxn modelId="{680F2C41-4AC9-43F5-A200-1525B08A5C20}" type="presOf" srcId="{2CFC024F-40D5-4978-B0D2-5F1E40D4091C}" destId="{1297A119-EB00-45FB-9E4C-7081D9FC3578}" srcOrd="0" destOrd="0" presId="urn:microsoft.com/office/officeart/2008/layout/HorizontalMultiLevelHierarchy"/>
@@ -4199,8 +4291,8 @@
     <dgm:cxn modelId="{F762D2E4-68EB-4B2A-ADA2-ABD87ADC2F3E}" type="presOf" srcId="{B9FBD615-B794-4D86-840E-D8BA2BA2AF71}" destId="{71B02E8A-448E-4584-80E9-059B52DDB850}" srcOrd="0" destOrd="0" presId="urn:microsoft.com/office/officeart/2008/layout/HorizontalMultiLevelHierarchy"/>
     <dgm:cxn modelId="{05D65667-9A85-4391-9AF5-961881DEEE5A}" type="presOf" srcId="{9CE6119C-2BD8-4D82-857F-27695498162C}" destId="{A3E99873-9A6B-448D-882B-6A1290124BE0}" srcOrd="0" destOrd="0" presId="urn:microsoft.com/office/officeart/2008/layout/HorizontalMultiLevelHierarchy"/>
     <dgm:cxn modelId="{24EBC399-A533-4DD9-99A5-B26A1EF21F3F}" type="presOf" srcId="{FD783284-7709-4153-940E-9DD9E029E02A}" destId="{426AC0E4-BEF7-4521-B5BF-B55008593BD6}" srcOrd="1" destOrd="0" presId="urn:microsoft.com/office/officeart/2008/layout/HorizontalMultiLevelHierarchy"/>
+    <dgm:cxn modelId="{A9D5B926-42E6-4193-AE27-EE8D84ABA3B7}" srcId="{760883ED-A9BB-405E-8F20-AFD9CCB96229}" destId="{D81D785B-9DE7-4820-AFB6-E6C98C246EFC}" srcOrd="1" destOrd="0" parTransId="{4E2FF37E-EF9E-4E13-A343-A28FDBF48B26}" sibTransId="{89B4AE6E-7A37-4304-A076-D03A56D9A3D5}"/>
     <dgm:cxn modelId="{756D8C65-2479-46B8-A072-D2D3FAB7D43A}" type="presOf" srcId="{59511E4B-8EFD-40C1-8769-41EC8A3006F1}" destId="{54971FDB-F67F-4F3B-92B6-E77D3DFFDC8A}" srcOrd="0" destOrd="0" presId="urn:microsoft.com/office/officeart/2008/layout/HorizontalMultiLevelHierarchy"/>
-    <dgm:cxn modelId="{A9D5B926-42E6-4193-AE27-EE8D84ABA3B7}" srcId="{760883ED-A9BB-405E-8F20-AFD9CCB96229}" destId="{D81D785B-9DE7-4820-AFB6-E6C98C246EFC}" srcOrd="1" destOrd="0" parTransId="{4E2FF37E-EF9E-4E13-A343-A28FDBF48B26}" sibTransId="{89B4AE6E-7A37-4304-A076-D03A56D9A3D5}"/>
     <dgm:cxn modelId="{2902542B-334F-4E04-A930-E271580E6ED4}" type="presOf" srcId="{8CF6DB56-390F-448F-B8AD-AD66A9D9BF25}" destId="{BCB0C310-6712-457C-83F4-AD90D18B30F1}" srcOrd="0" destOrd="0" presId="urn:microsoft.com/office/officeart/2008/layout/HorizontalMultiLevelHierarchy"/>
     <dgm:cxn modelId="{57B8D45F-04CF-457A-A4ED-88E0106D1772}" type="presOf" srcId="{D03DBC73-9966-47D9-8ACA-08F2AE277311}" destId="{6FB29898-0152-4460-9FA2-C023B30AA889}" srcOrd="0" destOrd="0" presId="urn:microsoft.com/office/officeart/2008/layout/HorizontalMultiLevelHierarchy"/>
     <dgm:cxn modelId="{9655C251-82EC-4546-B5C3-E7820580E64E}" type="presOf" srcId="{DF616C12-DFC6-40E5-BC46-E77E630699CC}" destId="{9F3D299C-912D-48E4-AE76-DBF8471D0058}" srcOrd="0" destOrd="0" presId="urn:microsoft.com/office/officeart/2008/layout/HorizontalMultiLevelHierarchy"/>
@@ -37959,6 +38051,188 @@
           <a:p>
             <a:r>
               <a:rPr lang="fr-FR" dirty="0" smtClean="0"/>
+              <a:t>Signaux</a:t>
+            </a:r>
+            <a:endParaRPr lang="fr-FR" dirty="0"/>
+          </a:p>
+        </p:txBody>
+      </p:sp>
+      <p:sp>
+        <p:nvSpPr>
+          <p:cNvPr id="7" name="Espace réservé du contenu 2"/>
+          <p:cNvSpPr>
+            <a:spLocks noGrp="1"/>
+          </p:cNvSpPr>
+          <p:nvPr>
+            <p:ph idx="1"/>
+          </p:nvPr>
+        </p:nvSpPr>
+        <p:spPr>
+          <a:xfrm>
+            <a:off x="906448" y="1550505"/>
+            <a:ext cx="5716989" cy="3347498"/>
+          </a:xfrm>
+        </p:spPr>
+        <p:txBody>
+          <a:bodyPr anchor="ctr">
+            <a:normAutofit/>
+          </a:bodyPr>
+          <a:lstStyle/>
+          <a:p>
+            <a:pPr algn="just"/>
+            <a:r>
+              <a:rPr lang="fr-FR" dirty="0" smtClean="0">
+                <a:solidFill>
+                  <a:schemeClr val="tx1"/>
+                </a:solidFill>
+              </a:rPr>
+              <a:t>Go prend en charge la gestion des signaux</a:t>
+            </a:r>
+          </a:p>
+          <a:p>
+            <a:pPr algn="just"/>
+            <a:r>
+              <a:rPr lang="fr-FR" dirty="0" smtClean="0">
+                <a:solidFill>
+                  <a:schemeClr val="tx1"/>
+                </a:solidFill>
+              </a:rPr>
+              <a:t>Les fonctionnalités sont plus réduites sous Windows qui ne les gère pas…</a:t>
+            </a:r>
+          </a:p>
+          <a:p>
+            <a:pPr algn="just"/>
+            <a:r>
+              <a:rPr lang="fr-FR" dirty="0" smtClean="0">
+                <a:solidFill>
+                  <a:schemeClr val="tx1"/>
+                </a:solidFill>
+              </a:rPr>
+              <a:t>Le programme ci-contre entrera dans une boucle infinie jusqu'à ce qu'une interruption clavier </a:t>
+            </a:r>
+            <a:r>
+              <a:rPr lang="fr-FR" smtClean="0">
+                <a:solidFill>
+                  <a:schemeClr val="tx1"/>
+                </a:solidFill>
+              </a:rPr>
+              <a:t>soit reçue</a:t>
+            </a:r>
+            <a:endParaRPr lang="fr-FR" dirty="0" smtClean="0">
+              <a:solidFill>
+                <a:schemeClr val="tx1"/>
+              </a:solidFill>
+            </a:endParaRPr>
+          </a:p>
+        </p:txBody>
+      </p:sp>
+      <p:pic>
+        <p:nvPicPr>
+          <p:cNvPr id="4" name="Image 3"/>
+          <p:cNvPicPr>
+            <a:picLocks noChangeAspect="1"/>
+          </p:cNvPicPr>
+          <p:nvPr/>
+        </p:nvPicPr>
+        <p:blipFill>
+          <a:blip r:embed="rId2"/>
+          <a:stretch>
+            <a:fillRect/>
+          </a:stretch>
+        </p:blipFill>
+        <p:spPr>
+          <a:xfrm>
+            <a:off x="7152902" y="624110"/>
+            <a:ext cx="4772025" cy="5676900"/>
+          </a:xfrm>
+          <a:prstGeom prst="rect">
+            <a:avLst/>
+          </a:prstGeom>
+        </p:spPr>
+      </p:pic>
+      <p:pic>
+        <p:nvPicPr>
+          <p:cNvPr id="5" name="Image 4"/>
+          <p:cNvPicPr>
+            <a:picLocks noChangeAspect="1"/>
+          </p:cNvPicPr>
+          <p:nvPr/>
+        </p:nvPicPr>
+        <p:blipFill>
+          <a:blip r:embed="rId3"/>
+          <a:stretch>
+            <a:fillRect/>
+          </a:stretch>
+        </p:blipFill>
+        <p:spPr>
+          <a:xfrm>
+            <a:off x="435954" y="5034185"/>
+            <a:ext cx="6657975" cy="1266825"/>
+          </a:xfrm>
+          <a:prstGeom prst="rect">
+            <a:avLst/>
+          </a:prstGeom>
+        </p:spPr>
+      </p:pic>
+    </p:spTree>
+    <p:extLst>
+      <p:ext uri="{BB962C8B-B14F-4D97-AF65-F5344CB8AC3E}">
+        <p14:creationId xmlns:p14="http://schemas.microsoft.com/office/powerpoint/2010/main" val="2758030191"/>
+      </p:ext>
+    </p:extLst>
+  </p:cSld>
+  <p:clrMapOvr>
+    <a:masterClrMapping/>
+  </p:clrMapOvr>
+  <p:timing>
+    <p:tnLst>
+      <p:par>
+        <p:cTn id="1" dur="indefinite" restart="never" nodeType="tmRoot"/>
+      </p:par>
+    </p:tnLst>
+  </p:timing>
+</p:sld>
+</file>
+
+<file path=ppt/slides/slide84.xml><?xml version="1.0" encoding="utf-8"?>
+<p:sld xmlns:a="http://schemas.openxmlformats.org/drawingml/2006/main" xmlns:r="http://schemas.openxmlformats.org/officeDocument/2006/relationships" xmlns:p="http://schemas.openxmlformats.org/presentationml/2006/main">
+  <p:cSld>
+    <p:spTree>
+      <p:nvGrpSpPr>
+        <p:cNvPr id="1" name=""/>
+        <p:cNvGrpSpPr/>
+        <p:nvPr/>
+      </p:nvGrpSpPr>
+      <p:grpSpPr>
+        <a:xfrm>
+          <a:off x="0" y="0"/>
+          <a:ext cx="0" cy="0"/>
+          <a:chOff x="0" y="0"/>
+          <a:chExt cx="0" cy="0"/>
+        </a:xfrm>
+      </p:grpSpPr>
+      <p:sp>
+        <p:nvSpPr>
+          <p:cNvPr id="2" name="Titre 1"/>
+          <p:cNvSpPr>
+            <a:spLocks noGrp="1"/>
+          </p:cNvSpPr>
+          <p:nvPr>
+            <p:ph type="title"/>
+          </p:nvPr>
+        </p:nvSpPr>
+        <p:spPr>
+          <a:xfrm>
+            <a:off x="2592925" y="624110"/>
+            <a:ext cx="8911687" cy="1280890"/>
+          </a:xfrm>
+        </p:spPr>
+        <p:txBody>
+          <a:bodyPr/>
+          <a:lstStyle/>
+          <a:p>
+            <a:r>
+              <a:rPr lang="fr-FR" dirty="0" smtClean="0"/>
               <a:t>Références</a:t>
             </a:r>
             <a:endParaRPr lang="fr-FR" dirty="0"/>
